--- a/Projektmanagement/Abschlusspräsentation.pptx
+++ b/Projektmanagement/Abschlusspräsentation.pptx
@@ -5,10 +5,10 @@
     <p:sldMasterId id="2147483828" r:id="rId1"/>
   </p:sldMasterIdLst>
   <p:notesMasterIdLst>
-    <p:notesMasterId r:id="rId21"/>
+    <p:notesMasterId r:id="rId22"/>
   </p:notesMasterIdLst>
   <p:handoutMasterIdLst>
-    <p:handoutMasterId r:id="rId22"/>
+    <p:handoutMasterId r:id="rId23"/>
   </p:handoutMasterIdLst>
   <p:sldIdLst>
     <p:sldId id="256" r:id="rId2"/>
@@ -18,18 +18,19 @@
     <p:sldId id="259" r:id="rId6"/>
     <p:sldId id="263" r:id="rId7"/>
     <p:sldId id="272" r:id="rId8"/>
-    <p:sldId id="260" r:id="rId9"/>
-    <p:sldId id="261" r:id="rId10"/>
-    <p:sldId id="275" r:id="rId11"/>
-    <p:sldId id="276" r:id="rId12"/>
-    <p:sldId id="265" r:id="rId13"/>
-    <p:sldId id="269" r:id="rId14"/>
-    <p:sldId id="266" r:id="rId15"/>
-    <p:sldId id="270" r:id="rId16"/>
-    <p:sldId id="267" r:id="rId17"/>
-    <p:sldId id="268" r:id="rId18"/>
-    <p:sldId id="271" r:id="rId19"/>
-    <p:sldId id="273" r:id="rId20"/>
+    <p:sldId id="278" r:id="rId9"/>
+    <p:sldId id="260" r:id="rId10"/>
+    <p:sldId id="261" r:id="rId11"/>
+    <p:sldId id="275" r:id="rId12"/>
+    <p:sldId id="276" r:id="rId13"/>
+    <p:sldId id="265" r:id="rId14"/>
+    <p:sldId id="269" r:id="rId15"/>
+    <p:sldId id="266" r:id="rId16"/>
+    <p:sldId id="270" r:id="rId17"/>
+    <p:sldId id="267" r:id="rId18"/>
+    <p:sldId id="268" r:id="rId19"/>
+    <p:sldId id="271" r:id="rId20"/>
+    <p:sldId id="273" r:id="rId21"/>
   </p:sldIdLst>
   <p:sldSz cx="9144000" cy="6858000" type="screen4x3"/>
   <p:notesSz cx="6858000" cy="9144000"/>
@@ -128,6 +129,36 @@
       </a:defRPr>
     </a:lvl9pPr>
   </p:defaultTextStyle>
+  <p:extLst>
+    <p:ext uri="{EFAFB233-063F-42B5-8137-9DF3F51BA10A}">
+      <p15:sldGuideLst xmlns:p15="http://schemas.microsoft.com/office/powerpoint/2012/main">
+        <p15:guide id="1" orient="horz" pos="2160">
+          <p15:clr>
+            <a:srgbClr val="A4A3A4"/>
+          </p15:clr>
+        </p15:guide>
+        <p15:guide id="2" pos="2880">
+          <p15:clr>
+            <a:srgbClr val="A4A3A4"/>
+          </p15:clr>
+        </p15:guide>
+      </p15:sldGuideLst>
+    </p:ext>
+    <p:ext uri="{2D200454-40CA-4A62-9FC3-DE9A4176ACB9}">
+      <p15:notesGuideLst xmlns:p15="http://schemas.microsoft.com/office/powerpoint/2012/main">
+        <p15:guide id="1" orient="horz" pos="2880">
+          <p15:clr>
+            <a:srgbClr val="A4A3A4"/>
+          </p15:clr>
+        </p15:guide>
+        <p15:guide id="2" pos="2160">
+          <p15:clr>
+            <a:srgbClr val="A4A3A4"/>
+          </p15:clr>
+        </p15:guide>
+      </p15:notesGuideLst>
+    </p:ext>
+  </p:extLst>
 </p:presentation>
 </file>
 
@@ -711,7 +742,7 @@
           <a:p>
             <a:fld id="{72841C41-988A-40D2-BD42-D850E09ED2B7}" type="slidenum">
               <a:rPr lang="de-DE" smtClean="0"/>
-              <a:t>19</a:t>
+              <a:t>20</a:t>
             </a:fld>
             <a:endParaRPr lang="de-DE"/>
           </a:p>
@@ -4800,6 +4831,13 @@
   <p:clrMapOvr>
     <a:masterClrMapping/>
   </p:clrMapOvr>
+  <p:timing>
+    <p:tnLst>
+      <p:par>
+        <p:cTn id="1" dur="indefinite" restart="never" nodeType="tmRoot"/>
+      </p:par>
+    </p:tnLst>
+  </p:timing>
 </p:sld>
 </file>
 
@@ -4839,19 +4877,7 @@
           <a:p>
             <a:r>
               <a:rPr lang="de-DE" dirty="0" smtClean="0"/>
-              <a:t>Use Case „</a:t>
-            </a:r>
-            <a:r>
-              <a:rPr lang="de-DE" dirty="0" smtClean="0"/>
-              <a:t>Arbeitsgruppen </a:t>
-            </a:r>
-            <a:r>
-              <a:rPr lang="de-DE" dirty="0" smtClean="0"/>
-              <a:t>einsehen</a:t>
-            </a:r>
-            <a:r>
-              <a:rPr lang="de-DE" dirty="0" smtClean="0"/>
-              <a:t>“ - 		 Bereichsleiter</a:t>
+              <a:t>Use Case „Arbeitsgruppe einsehen“ - 		 Gruppenleiter</a:t>
             </a:r>
             <a:endParaRPr lang="de-DE" dirty="0"/>
           </a:p>
@@ -4874,55 +4900,26 @@
           </a:xfrm>
         </p:spPr>
         <p:txBody>
-          <a:bodyPr>
-            <a:normAutofit/>
-          </a:bodyPr>
+          <a:bodyPr/>
           <a:lstStyle/>
           <a:p>
             <a:r>
               <a:rPr lang="de-DE" dirty="0" smtClean="0"/>
-              <a:t>Bereichsleiter</a:t>
-            </a:r>
+              <a:t>Gruppenleiter: darf die Ergebnisse seiner eigenen Arbeitsgruppe einsehen</a:t>
+            </a:r>
+          </a:p>
+          <a:p>
             <a:r>
               <a:rPr lang="de-DE" dirty="0" smtClean="0"/>
-              <a:t>: darf alle Arbeitsgruppen seines Bereichs einsehen</a:t>
-            </a:r>
-          </a:p>
-          <a:p>
-            <a:r>
-              <a:rPr lang="de-DE" dirty="0" smtClean="0"/>
-              <a:t>Einträge </a:t>
-            </a:r>
-            <a:r>
-              <a:rPr lang="de-DE" dirty="0" smtClean="0"/>
-              <a:t>der Arbeitsgruppen werden zusätzlich </a:t>
-            </a:r>
-            <a:r>
-              <a:rPr lang="de-DE" dirty="0" smtClean="0"/>
-              <a:t>aufsummiert</a:t>
-            </a:r>
-          </a:p>
-          <a:p>
-            <a:r>
-              <a:rPr lang="de-DE" dirty="0" smtClean="0"/>
-              <a:t>„</a:t>
-            </a:r>
-            <a:r>
-              <a:rPr lang="de-DE" dirty="0"/>
-              <a:t>Drucken“ gibt die aktuelle Tabelle als PDF-Datei </a:t>
-            </a:r>
-            <a:r>
-              <a:rPr lang="de-DE" dirty="0" smtClean="0"/>
-              <a:t>aus</a:t>
-            </a:r>
-            <a:endParaRPr lang="de-DE" dirty="0"/>
+              <a:t>„Drucken“ gibt die aktuelle Tabelle als PDF-Datei aus</a:t>
+            </a:r>
           </a:p>
         </p:txBody>
       </p:sp>
     </p:spTree>
     <p:extLst>
       <p:ext uri="{BB962C8B-B14F-4D97-AF65-F5344CB8AC3E}">
-        <p14:creationId xmlns:p14="http://schemas.microsoft.com/office/powerpoint/2010/main" val="241156330"/>
+        <p14:creationId xmlns:p14="http://schemas.microsoft.com/office/powerpoint/2010/main" val="2011369229"/>
       </p:ext>
     </p:extLst>
   </p:cSld>
@@ -4968,74 +4965,60 @@
         </p:nvSpPr>
         <p:spPr/>
         <p:txBody>
-          <a:bodyPr/>
+          <a:bodyPr>
+            <a:normAutofit fontScale="90000"/>
+          </a:bodyPr>
           <a:lstStyle/>
           <a:p>
             <a:r>
               <a:rPr lang="de-DE" dirty="0" smtClean="0"/>
-              <a:t>Use Case „</a:t>
-            </a:r>
+              <a:t>Use Case „Arbeitsgruppen einsehen“ - 		 Bereichsleiter</a:t>
+            </a:r>
+            <a:endParaRPr lang="de-DE" dirty="0"/>
+          </a:p>
+        </p:txBody>
+      </p:sp>
+      <p:sp>
+        <p:nvSpPr>
+          <p:cNvPr id="3" name="Inhaltsplatzhalter 2"/>
+          <p:cNvSpPr>
+            <a:spLocks noGrp="1"/>
+          </p:cNvSpPr>
+          <p:nvPr>
+            <p:ph idx="1"/>
+          </p:nvPr>
+        </p:nvSpPr>
+        <p:spPr>
+          <a:xfrm>
+            <a:off x="457200" y="2416256"/>
+            <a:ext cx="8229600" cy="4325112"/>
+          </a:xfrm>
+        </p:spPr>
+        <p:txBody>
+          <a:bodyPr>
+            <a:normAutofit/>
+          </a:bodyPr>
+          <a:lstStyle/>
+          <a:p>
             <a:r>
               <a:rPr lang="de-DE" dirty="0" smtClean="0"/>
-              <a:t>Bereich einsehen“</a:t>
-            </a:r>
-            <a:endParaRPr lang="de-DE" dirty="0"/>
-          </a:p>
-        </p:txBody>
-      </p:sp>
-      <p:sp>
-        <p:nvSpPr>
-          <p:cNvPr id="3" name="Inhaltsplatzhalter 2"/>
-          <p:cNvSpPr>
-            <a:spLocks noGrp="1"/>
-          </p:cNvSpPr>
-          <p:nvPr>
-            <p:ph idx="1"/>
-          </p:nvPr>
-        </p:nvSpPr>
-        <p:spPr/>
-        <p:txBody>
-          <a:bodyPr>
-            <a:normAutofit fontScale="92500" lnSpcReduction="10000"/>
-          </a:bodyPr>
-          <a:lstStyle/>
+              <a:t>Bereichsleiter: darf alle Arbeitsgruppen seines Bereichs einsehen</a:t>
+            </a:r>
+          </a:p>
           <a:p>
             <a:r>
               <a:rPr lang="de-DE" dirty="0" smtClean="0"/>
-              <a:t>Zentralbereichsleiter und Fachbereichs-organisation: dürfen alle Bereiche einsehen</a:t>
-            </a:r>
-            <a:endParaRPr lang="de-DE" dirty="0" smtClean="0"/>
+              <a:t>Einträge der Arbeitsgruppen werden zusätzlich aufsummiert</a:t>
+            </a:r>
           </a:p>
           <a:p>
             <a:r>
               <a:rPr lang="de-DE" dirty="0" smtClean="0"/>
-              <a:t>Von der Übersicht der Bereiche kann der User direkt auf die Arbeitsgruppen eines Bereichs gelangen</a:t>
-            </a:r>
-          </a:p>
-          <a:p>
-            <a:r>
-              <a:rPr lang="de-DE" dirty="0" smtClean="0"/>
-              <a:t>Einträge der Bereiche werden zusätzlich aufsummiert</a:t>
-            </a:r>
-          </a:p>
-          <a:p>
+              <a:t>„</a:t>
+            </a:r>
             <a:r>
               <a:rPr lang="de-DE" dirty="0"/>
-              <a:t>„Abrechen“ leitet den </a:t>
-            </a:r>
-            <a:r>
-              <a:rPr lang="de-DE" dirty="0" smtClean="0"/>
-              <a:t>User wieder </a:t>
-            </a:r>
-            <a:r>
-              <a:rPr lang="de-DE" dirty="0"/>
-              <a:t>auf die Seite zurück, auf der er Kalenderjahr und Kalenderwoche eingeben kann, um Daten anzuzeigen</a:t>
-            </a:r>
-          </a:p>
-          <a:p>
-            <a:r>
-              <a:rPr lang="de-DE" dirty="0"/>
-              <a:t>„Drucken“ gibt die aktuelle Tabelle als PDF-Datei </a:t>
+              <a:t>Drucken“ gibt die aktuelle Tabelle als PDF-Datei </a:t>
             </a:r>
             <a:r>
               <a:rPr lang="de-DE" dirty="0" smtClean="0"/>
@@ -5048,7 +5031,7 @@
     </p:spTree>
     <p:extLst>
       <p:ext uri="{BB962C8B-B14F-4D97-AF65-F5344CB8AC3E}">
-        <p14:creationId xmlns:p14="http://schemas.microsoft.com/office/powerpoint/2010/main" val="1739418431"/>
+        <p14:creationId xmlns:p14="http://schemas.microsoft.com/office/powerpoint/2010/main" val="241156330"/>
       </p:ext>
     </p:extLst>
   </p:cSld>
@@ -5099,7 +5082,7 @@
           <a:p>
             <a:r>
               <a:rPr lang="de-DE" dirty="0" smtClean="0"/>
-              <a:t>Use Case „Bereich“</a:t>
+              <a:t>Use Case „Bereich einsehen“</a:t>
             </a:r>
             <a:endParaRPr lang="de-DE" dirty="0"/>
           </a:p>
@@ -5118,27 +5101,58 @@
         <p:spPr/>
         <p:txBody>
           <a:bodyPr>
-            <a:normAutofit/>
+            <a:normAutofit fontScale="92500" lnSpcReduction="10000"/>
           </a:bodyPr>
           <a:lstStyle/>
           <a:p>
             <a:r>
               <a:rPr lang="de-DE" dirty="0" smtClean="0"/>
-              <a:t>Die Verwaltung erfolgt über die Fachbereichs-organisation</a:t>
+              <a:t>Zentralbereichsleiter und Fachbereichs-organisation: dürfen alle Bereiche einsehen</a:t>
             </a:r>
           </a:p>
           <a:p>
             <a:r>
               <a:rPr lang="de-DE" dirty="0" smtClean="0"/>
-              <a:t>Anlegen: mit Angaben über Bezeichnung und Kurzbezeichnung soll ein Bereich angelegt werden können</a:t>
-            </a:r>
+              <a:t>Von der Übersicht der Bereiche kann der User direkt auf die Arbeitsgruppen eines Bereichs gelangen</a:t>
+            </a:r>
+          </a:p>
+          <a:p>
+            <a:r>
+              <a:rPr lang="de-DE" dirty="0" smtClean="0"/>
+              <a:t>Einträge der Bereiche werden zusätzlich aufsummiert</a:t>
+            </a:r>
+          </a:p>
+          <a:p>
+            <a:r>
+              <a:rPr lang="de-DE" dirty="0"/>
+              <a:t>„Abrechen“ leitet den </a:t>
+            </a:r>
+            <a:r>
+              <a:rPr lang="de-DE" dirty="0" smtClean="0"/>
+              <a:t>User wieder </a:t>
+            </a:r>
+            <a:r>
+              <a:rPr lang="de-DE" dirty="0"/>
+              <a:t>auf die Seite zurück, auf der er Kalenderjahr und Kalenderwoche eingeben kann, um Daten anzuzeigen</a:t>
+            </a:r>
+          </a:p>
+          <a:p>
+            <a:r>
+              <a:rPr lang="de-DE" dirty="0"/>
+              <a:t>„Drucken“ gibt die aktuelle Tabelle als PDF-Datei </a:t>
+            </a:r>
+            <a:r>
+              <a:rPr lang="de-DE" dirty="0" smtClean="0"/>
+              <a:t>aus</a:t>
+            </a:r>
+            <a:endParaRPr lang="de-DE" dirty="0"/>
           </a:p>
         </p:txBody>
       </p:sp>
     </p:spTree>
     <p:extLst>
       <p:ext uri="{BB962C8B-B14F-4D97-AF65-F5344CB8AC3E}">
-        <p14:creationId xmlns:p14="http://schemas.microsoft.com/office/powerpoint/2010/main" val="2615168494"/>
+        <p14:creationId xmlns:p14="http://schemas.microsoft.com/office/powerpoint/2010/main" val="1739418431"/>
       </p:ext>
     </p:extLst>
   </p:cSld>
@@ -5213,33 +5227,22 @@
           <a:lstStyle/>
           <a:p>
             <a:r>
-              <a:rPr lang="de-DE" dirty="0"/>
-              <a:t>Die Auswahl zur Bearbeitung bzw. zur Löschung erfolgt über eine </a:t>
-            </a:r>
-            <a:r>
               <a:rPr lang="de-DE" dirty="0" smtClean="0"/>
-              <a:t>Oberfläche mit Drop-Down-Feld</a:t>
+              <a:t>Die Verwaltung erfolgt über die Fachbereichs-organisation</a:t>
             </a:r>
           </a:p>
           <a:p>
             <a:r>
               <a:rPr lang="de-DE" dirty="0" smtClean="0"/>
-              <a:t>Bearbeiten: die Bezeichnung, die Kurz-bezeichnung und der Leiter sollen geändert werden können</a:t>
-            </a:r>
-          </a:p>
-          <a:p>
-            <a:r>
-              <a:rPr lang="de-DE" dirty="0" smtClean="0"/>
-              <a:t>Löschen: der Bereich wird inaktiv gesetzt, sobald alle Arbeitsgruppen und Mitarbeiter aus dem Bereich entfernt wurden</a:t>
-            </a:r>
-            <a:endParaRPr lang="de-DE" dirty="0"/>
+              <a:t>Anlegen: mit Angaben über Bezeichnung und Kurzbezeichnung soll ein Bereich angelegt werden können</a:t>
+            </a:r>
           </a:p>
         </p:txBody>
       </p:sp>
     </p:spTree>
     <p:extLst>
       <p:ext uri="{BB962C8B-B14F-4D97-AF65-F5344CB8AC3E}">
-        <p14:creationId xmlns:p14="http://schemas.microsoft.com/office/powerpoint/2010/main" val="42813484"/>
+        <p14:creationId xmlns:p14="http://schemas.microsoft.com/office/powerpoint/2010/main" val="2615168494"/>
       </p:ext>
     </p:extLst>
   </p:cSld>
@@ -5290,7 +5293,7 @@
           <a:p>
             <a:r>
               <a:rPr lang="de-DE" dirty="0" smtClean="0"/>
-              <a:t>Use Case „Arbeitsgruppe“</a:t>
+              <a:t>Use Case „Bereich“</a:t>
             </a:r>
             <a:endParaRPr lang="de-DE" dirty="0"/>
           </a:p>
@@ -5315,25 +5318,23 @@
           <a:p>
             <a:r>
               <a:rPr lang="de-DE" dirty="0"/>
-              <a:t>Die Verwaltung erfolgt über die Fachbereichs-organisation</a:t>
-            </a:r>
-          </a:p>
-          <a:p>
-            <a:r>
-              <a:rPr lang="de-DE" dirty="0"/>
-              <a:t>Anlegen: mit Angaben über </a:t>
+              <a:t>Die Auswahl zur Bearbeitung bzw. zur Löschung erfolgt über eine </a:t>
             </a:r>
             <a:r>
               <a:rPr lang="de-DE" dirty="0" smtClean="0"/>
-              <a:t>Bezeichnung, Kurz-bezeichnung und Bereich soll eine Arbeitsgruppe angelegt </a:t>
-            </a:r>
-            <a:r>
-              <a:rPr lang="de-DE" dirty="0"/>
-              <a:t>werden </a:t>
-            </a:r>
+              <a:t>Oberfläche mit Drop-Down-Feld</a:t>
+            </a:r>
+          </a:p>
+          <a:p>
             <a:r>
               <a:rPr lang="de-DE" dirty="0" smtClean="0"/>
-              <a:t>können</a:t>
+              <a:t>Bearbeiten: die Bezeichnung, die Kurz-bezeichnung und der Leiter sollen geändert werden können</a:t>
+            </a:r>
+          </a:p>
+          <a:p>
+            <a:r>
+              <a:rPr lang="de-DE" dirty="0" smtClean="0"/>
+              <a:t>Löschen: der Bereich wird inaktiv gesetzt, sobald alle Arbeitsgruppen und Mitarbeiter aus dem Bereich entfernt wurden</a:t>
             </a:r>
             <a:endParaRPr lang="de-DE" dirty="0"/>
           </a:p>
@@ -5342,13 +5343,20 @@
     </p:spTree>
     <p:extLst>
       <p:ext uri="{BB962C8B-B14F-4D97-AF65-F5344CB8AC3E}">
-        <p14:creationId xmlns:p14="http://schemas.microsoft.com/office/powerpoint/2010/main" val="243874718"/>
+        <p14:creationId xmlns:p14="http://schemas.microsoft.com/office/powerpoint/2010/main" val="42813484"/>
       </p:ext>
     </p:extLst>
   </p:cSld>
   <p:clrMapOvr>
     <a:masterClrMapping/>
   </p:clrMapOvr>
+  <p:timing>
+    <p:tnLst>
+      <p:par>
+        <p:cTn id="1" dur="indefinite" restart="never" nodeType="tmRoot"/>
+      </p:par>
+    </p:tnLst>
+  </p:timing>
 </p:sld>
 </file>
 
@@ -5411,69 +5419,47 @@
           <a:p>
             <a:r>
               <a:rPr lang="de-DE" dirty="0"/>
-              <a:t>Die Auswahl zur Bearbeitung bzw. zur Löschung erfolgt über eine Suchen-Oberfläche</a:t>
-            </a:r>
-          </a:p>
-          <a:p>
+              <a:t>Die Verwaltung erfolgt über die Fachbereichs-organisation</a:t>
+            </a:r>
+          </a:p>
+          <a:p>
+            <a:r>
+              <a:rPr lang="de-DE" dirty="0"/>
+              <a:t>Anlegen: mit Angaben über </a:t>
+            </a:r>
             <a:r>
               <a:rPr lang="de-DE" dirty="0" smtClean="0"/>
-              <a:t>Bearbeiten</a:t>
+              <a:t>Bezeichnung, Kurz-bezeichnung und Bereich soll eine Arbeitsgruppe angelegt </a:t>
             </a:r>
             <a:r>
               <a:rPr lang="de-DE" dirty="0"/>
-              <a:t>: die Bezeichnung, die </a:t>
+              <a:t>werden </a:t>
             </a:r>
             <a:r>
               <a:rPr lang="de-DE" dirty="0" smtClean="0"/>
-              <a:t>Kurzbezeichnung, die Zuordnung zum Bereich </a:t>
-            </a:r>
-            <a:r>
-              <a:rPr lang="de-DE" dirty="0"/>
-              <a:t>und der Leiter sollen geändert werden können</a:t>
-            </a:r>
-          </a:p>
-          <a:p>
-            <a:r>
-              <a:rPr lang="de-DE" dirty="0"/>
-              <a:t>Löschen: </a:t>
-            </a:r>
-            <a:r>
-              <a:rPr lang="de-DE" dirty="0" smtClean="0"/>
-              <a:t>die Arbeitsgruppe wird </a:t>
-            </a:r>
-            <a:r>
-              <a:rPr lang="de-DE" dirty="0"/>
-              <a:t>inaktiv gesetzt, sobald alle </a:t>
-            </a:r>
-            <a:r>
-              <a:rPr lang="de-DE" dirty="0" smtClean="0"/>
-              <a:t>Mitarbeiter </a:t>
-            </a:r>
-            <a:r>
-              <a:rPr lang="de-DE" dirty="0"/>
-              <a:t>aus </a:t>
-            </a:r>
-            <a:r>
-              <a:rPr lang="de-DE" dirty="0" smtClean="0"/>
-              <a:t>der Arbeitsgruppe entfernt </a:t>
-            </a:r>
-            <a:r>
-              <a:rPr lang="de-DE" dirty="0"/>
-              <a:t>wurden</a:t>
-            </a:r>
+              <a:t>können</a:t>
+            </a:r>
+            <a:endParaRPr lang="de-DE" dirty="0"/>
           </a:p>
         </p:txBody>
       </p:sp>
     </p:spTree>
     <p:extLst>
       <p:ext uri="{BB962C8B-B14F-4D97-AF65-F5344CB8AC3E}">
-        <p14:creationId xmlns:p14="http://schemas.microsoft.com/office/powerpoint/2010/main" val="600913733"/>
+        <p14:creationId xmlns:p14="http://schemas.microsoft.com/office/powerpoint/2010/main" val="243874718"/>
       </p:ext>
     </p:extLst>
   </p:cSld>
   <p:clrMapOvr>
     <a:masterClrMapping/>
   </p:clrMapOvr>
+  <p:timing>
+    <p:tnLst>
+      <p:par>
+        <p:cTn id="1" dur="indefinite" restart="never" nodeType="tmRoot"/>
+      </p:par>
+    </p:tnLst>
+  </p:timing>
 </p:sld>
 </file>
 
@@ -5511,7 +5497,7 @@
           <a:p>
             <a:r>
               <a:rPr lang="de-DE" dirty="0" smtClean="0"/>
-              <a:t>Use Case „Mitarbeiter“</a:t>
+              <a:t>Use Case „Arbeitsgruppe“</a:t>
             </a:r>
             <a:endParaRPr lang="de-DE" dirty="0"/>
           </a:p>
@@ -5530,59 +5516,82 @@
         <p:spPr/>
         <p:txBody>
           <a:bodyPr>
-            <a:normAutofit lnSpcReduction="10000"/>
+            <a:normAutofit/>
           </a:bodyPr>
           <a:lstStyle/>
           <a:p>
             <a:r>
               <a:rPr lang="de-DE" dirty="0"/>
-              <a:t>Die Verwaltung erfolgt über die Fachbereichs-organisation</a:t>
-            </a:r>
-          </a:p>
-          <a:p>
+              <a:t>Die Auswahl zur Bearbeitung bzw. zur Löschung erfolgt über eine Suchen-Oberfläche</a:t>
+            </a:r>
+          </a:p>
+          <a:p>
+            <a:r>
+              <a:rPr lang="de-DE" dirty="0" smtClean="0"/>
+              <a:t>Bearbeiten</a:t>
+            </a:r>
             <a:r>
               <a:rPr lang="de-DE" dirty="0"/>
-              <a:t>Anlegen: </a:t>
+              <a:t>: die Bezeichnung, die </a:t>
             </a:r>
             <a:r>
               <a:rPr lang="de-DE" dirty="0" smtClean="0"/>
-              <a:t>die Oberfläche wird je nach Rolle des Mitarbeiters angepasst</a:t>
-            </a:r>
-          </a:p>
-          <a:p>
-            <a:pPr lvl="1"/>
+              <a:t>Kurzbezeichnung, die Zuordnung zum Bereich </a:t>
+            </a:r>
+            <a:r>
+              <a:rPr lang="de-DE" dirty="0"/>
+              <a:t>und der Leiter sollen geändert werden können</a:t>
+            </a:r>
+          </a:p>
+          <a:p>
+            <a:r>
+              <a:rPr lang="de-DE" dirty="0"/>
+              <a:t>Löschen: </a:t>
+            </a:r>
             <a:r>
               <a:rPr lang="de-DE" dirty="0" smtClean="0"/>
-              <a:t>Vorname, Nachname, Benutzername und Rolle müssen immer angegeben werden</a:t>
-            </a:r>
-          </a:p>
-          <a:p>
-            <a:pPr lvl="1"/>
+              <a:t>die Arbeitsgruppe wird </a:t>
+            </a:r>
+            <a:r>
+              <a:rPr lang="de-DE" dirty="0"/>
+              <a:t>inaktiv gesetzt, sobald alle </a:t>
+            </a:r>
             <a:r>
               <a:rPr lang="de-DE" dirty="0" smtClean="0"/>
-              <a:t>Das Passwort kann entweder manuell eingegeben werden oder kann über einen Button automatisch generiert werden</a:t>
-            </a:r>
-          </a:p>
-          <a:p>
-            <a:pPr lvl="1"/>
+              <a:t>Mitarbeiter </a:t>
+            </a:r>
+            <a:r>
+              <a:rPr lang="de-DE" dirty="0"/>
+              <a:t>aus </a:t>
+            </a:r>
             <a:r>
               <a:rPr lang="de-DE" dirty="0" smtClean="0"/>
-              <a:t>Je nach Rolle muss entweder eine Arbeitsgruppe oder ein Bereich ausgewählt werden</a:t>
-            </a:r>
-            <a:endParaRPr lang="de-DE" dirty="0"/>
+              <a:t>der Arbeitsgruppe entfernt </a:t>
+            </a:r>
+            <a:r>
+              <a:rPr lang="de-DE" dirty="0"/>
+              <a:t>wurden</a:t>
+            </a:r>
           </a:p>
         </p:txBody>
       </p:sp>
     </p:spTree>
     <p:extLst>
       <p:ext uri="{BB962C8B-B14F-4D97-AF65-F5344CB8AC3E}">
-        <p14:creationId xmlns:p14="http://schemas.microsoft.com/office/powerpoint/2010/main" val="3395818784"/>
+        <p14:creationId xmlns:p14="http://schemas.microsoft.com/office/powerpoint/2010/main" val="600913733"/>
       </p:ext>
     </p:extLst>
   </p:cSld>
   <p:clrMapOvr>
     <a:masterClrMapping/>
   </p:clrMapOvr>
+  <p:timing>
+    <p:tnLst>
+      <p:par>
+        <p:cTn id="1" dur="indefinite" restart="never" nodeType="tmRoot"/>
+      </p:par>
+    </p:tnLst>
+  </p:timing>
 </p:sld>
 </file>
 
@@ -5619,9 +5628,10 @@
           <a:lstStyle/>
           <a:p>
             <a:r>
-              <a:rPr lang="de-DE" dirty="0"/>
+              <a:rPr lang="de-DE" dirty="0" smtClean="0"/>
               <a:t>Use Case „Mitarbeiter“</a:t>
             </a:r>
+            <a:endParaRPr lang="de-DE" dirty="0"/>
           </a:p>
         </p:txBody>
       </p:sp>
@@ -5643,27 +5653,39 @@
           <a:lstStyle/>
           <a:p>
             <a:r>
+              <a:rPr lang="de-DE" dirty="0"/>
+              <a:t>Die Verwaltung erfolgt über die Fachbereichs-organisation</a:t>
+            </a:r>
+          </a:p>
+          <a:p>
+            <a:r>
+              <a:rPr lang="de-DE" dirty="0"/>
+              <a:t>Anlegen: </a:t>
+            </a:r>
+            <a:r>
               <a:rPr lang="de-DE" dirty="0" smtClean="0"/>
-              <a:t>Die Auswahl zur Bearbeitung bzw. zur Löschung erfolgt über eine Suchen-Oberfläche</a:t>
-            </a:r>
-          </a:p>
-          <a:p>
+              <a:t>die Oberfläche wird je nach Rolle des Mitarbeiters angepasst</a:t>
+            </a:r>
+          </a:p>
+          <a:p>
+            <a:pPr lvl="1"/>
             <a:r>
               <a:rPr lang="de-DE" dirty="0" smtClean="0"/>
-              <a:t>Bearbeiten: Vorname, Nachname, Rolle und Bereich bzw. Arbeitsgruppe können geändert werden</a:t>
+              <a:t>Vorname, Nachname, Benutzername und Rolle müssen immer angegeben werden</a:t>
             </a:r>
           </a:p>
           <a:p>
             <a:pPr lvl="1"/>
             <a:r>
               <a:rPr lang="de-DE" dirty="0" smtClean="0"/>
-              <a:t>Je nach Rolle wird entweder Bereich oder Arbeitsgruppe angezeigt</a:t>
-            </a:r>
-          </a:p>
-          <a:p>
+              <a:t>Das Passwort kann entweder manuell eingegeben werden oder kann über einen Button automatisch generiert werden</a:t>
+            </a:r>
+          </a:p>
+          <a:p>
+            <a:pPr lvl="1"/>
             <a:r>
               <a:rPr lang="de-DE" dirty="0" smtClean="0"/>
-              <a:t>Löschen: nach der Suche erscheint eine Auswahl-Tabelle über die der Mitarbeiter gelöscht werden kann</a:t>
+              <a:t>Je nach Rolle muss entweder eine Arbeitsgruppe oder ein Bereich ausgewählt werden</a:t>
             </a:r>
             <a:endParaRPr lang="de-DE" dirty="0"/>
           </a:p>
@@ -5672,13 +5694,20 @@
     </p:spTree>
     <p:extLst>
       <p:ext uri="{BB962C8B-B14F-4D97-AF65-F5344CB8AC3E}">
-        <p14:creationId xmlns:p14="http://schemas.microsoft.com/office/powerpoint/2010/main" val="1313710794"/>
+        <p14:creationId xmlns:p14="http://schemas.microsoft.com/office/powerpoint/2010/main" val="3395818784"/>
       </p:ext>
     </p:extLst>
   </p:cSld>
   <p:clrMapOvr>
     <a:masterClrMapping/>
   </p:clrMapOvr>
+  <p:timing>
+    <p:tnLst>
+      <p:par>
+        <p:cTn id="1" dur="indefinite" restart="never" nodeType="tmRoot"/>
+      </p:par>
+    </p:tnLst>
+  </p:timing>
 </p:sld>
 </file>
 
@@ -5715,46 +5744,52 @@
           <a:lstStyle/>
           <a:p>
             <a:r>
+              <a:rPr lang="de-DE" dirty="0"/>
+              <a:t>Use Case „Mitarbeiter“</a:t>
+            </a:r>
+          </a:p>
+        </p:txBody>
+      </p:sp>
+      <p:sp>
+        <p:nvSpPr>
+          <p:cNvPr id="3" name="Inhaltsplatzhalter 2"/>
+          <p:cNvSpPr>
+            <a:spLocks noGrp="1"/>
+          </p:cNvSpPr>
+          <p:nvPr>
+            <p:ph idx="1"/>
+          </p:nvPr>
+        </p:nvSpPr>
+        <p:spPr/>
+        <p:txBody>
+          <a:bodyPr>
+            <a:normAutofit lnSpcReduction="10000"/>
+          </a:bodyPr>
+          <a:lstStyle/>
+          <a:p>
+            <a:r>
               <a:rPr lang="de-DE" dirty="0" smtClean="0"/>
-              <a:t>Use Case „Art“</a:t>
-            </a:r>
-            <a:endParaRPr lang="de-DE" dirty="0"/>
-          </a:p>
-        </p:txBody>
-      </p:sp>
-      <p:sp>
-        <p:nvSpPr>
-          <p:cNvPr id="3" name="Inhaltsplatzhalter 2"/>
-          <p:cNvSpPr>
-            <a:spLocks noGrp="1"/>
-          </p:cNvSpPr>
-          <p:nvPr>
-            <p:ph idx="1"/>
-          </p:nvPr>
-        </p:nvSpPr>
-        <p:spPr/>
-        <p:txBody>
-          <a:bodyPr/>
-          <a:lstStyle/>
-          <a:p>
-            <a:r>
-              <a:rPr lang="de-DE" dirty="0"/>
-              <a:t>Die Verwaltung erfolgt über die Fachbereichs-organisation</a:t>
+              <a:t>Die Auswahl zur Bearbeitung bzw. zur Löschung erfolgt über eine Suchen-Oberfläche</a:t>
             </a:r>
           </a:p>
           <a:p>
             <a:r>
               <a:rPr lang="de-DE" dirty="0" smtClean="0"/>
-              <a:t>Anlegen: über Angabe einer Bezeichnung kann eine neue Eintragsart angelegt werden</a:t>
-            </a:r>
-          </a:p>
-          <a:p>
+              <a:t>Bearbeiten: Vorname, Nachname, Rolle und Bereich bzw. Arbeitsgruppe können geändert werden</a:t>
+            </a:r>
+          </a:p>
+          <a:p>
+            <a:pPr lvl="1"/>
             <a:r>
               <a:rPr lang="de-DE" dirty="0" smtClean="0"/>
-              <a:t>Löschen: über ein Drop-Down-Feld kann die zu löschende Art ausgewählt werden</a:t>
-            </a:r>
-          </a:p>
-          <a:p>
+              <a:t>Je nach Rolle wird entweder Bereich oder Arbeitsgruppe angezeigt</a:t>
+            </a:r>
+          </a:p>
+          <a:p>
+            <a:r>
+              <a:rPr lang="de-DE" dirty="0" smtClean="0"/>
+              <a:t>Löschen: nach der Suche erscheint eine Auswahl-Tabelle über die der Mitarbeiter gelöscht werden kann</a:t>
+            </a:r>
             <a:endParaRPr lang="de-DE" dirty="0"/>
           </a:p>
         </p:txBody>
@@ -5762,13 +5797,20 @@
     </p:spTree>
     <p:extLst>
       <p:ext uri="{BB962C8B-B14F-4D97-AF65-F5344CB8AC3E}">
-        <p14:creationId xmlns:p14="http://schemas.microsoft.com/office/powerpoint/2010/main" val="2204375755"/>
+        <p14:creationId xmlns:p14="http://schemas.microsoft.com/office/powerpoint/2010/main" val="1313710794"/>
       </p:ext>
     </p:extLst>
   </p:cSld>
   <p:clrMapOvr>
     <a:masterClrMapping/>
   </p:clrMapOvr>
+  <p:timing>
+    <p:tnLst>
+      <p:par>
+        <p:cTn id="1" dur="indefinite" restart="never" nodeType="tmRoot"/>
+      </p:par>
+    </p:tnLst>
+  </p:timing>
 </p:sld>
 </file>
 
@@ -5806,7 +5848,7 @@
           <a:p>
             <a:r>
               <a:rPr lang="de-DE" dirty="0" smtClean="0"/>
-              <a:t>Use Case „Job“</a:t>
+              <a:t>Use Case „Art“</a:t>
             </a:r>
             <a:endParaRPr lang="de-DE" dirty="0"/>
           </a:p>
@@ -5824,53 +5866,48 @@
         </p:nvSpPr>
         <p:spPr/>
         <p:txBody>
-          <a:bodyPr>
-            <a:normAutofit lnSpcReduction="10000"/>
-          </a:bodyPr>
-          <a:lstStyle/>
+          <a:bodyPr/>
+          <a:lstStyle/>
+          <a:p>
+            <a:r>
+              <a:rPr lang="de-DE" dirty="0"/>
+              <a:t>Die Verwaltung erfolgt über die Fachbereichs-organisation</a:t>
+            </a:r>
+          </a:p>
           <a:p>
             <a:r>
               <a:rPr lang="de-DE" dirty="0" smtClean="0"/>
-              <a:t>Einstellungen: es kann festgelegt werden in welchem Intervall die Einträge der Sachbearbeiter bzw. der Gruppenleiter gelöscht werden</a:t>
-            </a:r>
-          </a:p>
-          <a:p>
-            <a:pPr lvl="1"/>
+              <a:t>Anlegen: über Angabe einer Bezeichnung kann eine neue Eintragsart angelegt werden</a:t>
+            </a:r>
+          </a:p>
+          <a:p>
             <a:r>
               <a:rPr lang="de-DE" dirty="0" smtClean="0"/>
-              <a:t>Das Intervall kann nur monatsweise festgelegt werden</a:t>
-            </a:r>
-          </a:p>
-          <a:p>
-            <a:r>
-              <a:rPr lang="de-DE" dirty="0" smtClean="0"/>
-              <a:t>Aufsummierung: die Einträge werden in der Wochenübersicht bzw. in der Jahresübersicht aufsummiert</a:t>
-            </a:r>
-          </a:p>
-          <a:p>
-            <a:pPr lvl="1"/>
-            <a:r>
-              <a:rPr lang="de-DE" dirty="0" smtClean="0"/>
-              <a:t>Der Job </a:t>
-            </a:r>
-            <a:r>
-              <a:rPr lang="de-DE" smtClean="0"/>
-              <a:t>läuft jede Nacht</a:t>
-            </a:r>
-            <a:endParaRPr lang="de-DE" dirty="0" smtClean="0"/>
+              <a:t>Löschen: über ein Drop-Down-Feld kann die zu löschende Art ausgewählt werden</a:t>
+            </a:r>
+          </a:p>
+          <a:p>
+            <a:endParaRPr lang="de-DE" dirty="0"/>
           </a:p>
         </p:txBody>
       </p:sp>
     </p:spTree>
     <p:extLst>
       <p:ext uri="{BB962C8B-B14F-4D97-AF65-F5344CB8AC3E}">
-        <p14:creationId xmlns:p14="http://schemas.microsoft.com/office/powerpoint/2010/main" val="2726382500"/>
+        <p14:creationId xmlns:p14="http://schemas.microsoft.com/office/powerpoint/2010/main" val="2204375755"/>
       </p:ext>
     </p:extLst>
   </p:cSld>
   <p:clrMapOvr>
     <a:masterClrMapping/>
   </p:clrMapOvr>
+  <p:timing>
+    <p:tnLst>
+      <p:par>
+        <p:cTn id="1" dur="indefinite" restart="never" nodeType="tmRoot"/>
+      </p:par>
+    </p:tnLst>
+  </p:timing>
 </p:sld>
 </file>
 
@@ -5955,6 +5992,115 @@
     <p:extLst>
       <p:ext uri="{BB962C8B-B14F-4D97-AF65-F5344CB8AC3E}">
         <p14:creationId xmlns:p14="http://schemas.microsoft.com/office/powerpoint/2010/main" val="2231903888"/>
+      </p:ext>
+    </p:extLst>
+  </p:cSld>
+  <p:clrMapOvr>
+    <a:masterClrMapping/>
+  </p:clrMapOvr>
+  <p:timing>
+    <p:tnLst>
+      <p:par>
+        <p:cTn id="1" dur="indefinite" restart="never" nodeType="tmRoot"/>
+      </p:par>
+    </p:tnLst>
+  </p:timing>
+</p:sld>
+</file>
+
+<file path=ppt/slides/slide20.xml><?xml version="1.0" encoding="utf-8"?>
+<p:sld xmlns:a="http://schemas.openxmlformats.org/drawingml/2006/main" xmlns:r="http://schemas.openxmlformats.org/officeDocument/2006/relationships" xmlns:p="http://schemas.openxmlformats.org/presentationml/2006/main">
+  <p:cSld>
+    <p:spTree>
+      <p:nvGrpSpPr>
+        <p:cNvPr id="1" name=""/>
+        <p:cNvGrpSpPr/>
+        <p:nvPr/>
+      </p:nvGrpSpPr>
+      <p:grpSpPr>
+        <a:xfrm>
+          <a:off x="0" y="0"/>
+          <a:ext cx="0" cy="0"/>
+          <a:chOff x="0" y="0"/>
+          <a:chExt cx="0" cy="0"/>
+        </a:xfrm>
+      </p:grpSpPr>
+      <p:sp>
+        <p:nvSpPr>
+          <p:cNvPr id="2" name="Titel 1"/>
+          <p:cNvSpPr>
+            <a:spLocks noGrp="1"/>
+          </p:cNvSpPr>
+          <p:nvPr>
+            <p:ph type="title"/>
+          </p:nvPr>
+        </p:nvSpPr>
+        <p:spPr/>
+        <p:txBody>
+          <a:bodyPr/>
+          <a:lstStyle/>
+          <a:p>
+            <a:r>
+              <a:rPr lang="de-DE" dirty="0" smtClean="0"/>
+              <a:t>Use Case „Job“</a:t>
+            </a:r>
+            <a:endParaRPr lang="de-DE" dirty="0"/>
+          </a:p>
+        </p:txBody>
+      </p:sp>
+      <p:sp>
+        <p:nvSpPr>
+          <p:cNvPr id="3" name="Inhaltsplatzhalter 2"/>
+          <p:cNvSpPr>
+            <a:spLocks noGrp="1"/>
+          </p:cNvSpPr>
+          <p:nvPr>
+            <p:ph idx="1"/>
+          </p:nvPr>
+        </p:nvSpPr>
+        <p:spPr/>
+        <p:txBody>
+          <a:bodyPr>
+            <a:normAutofit lnSpcReduction="10000"/>
+          </a:bodyPr>
+          <a:lstStyle/>
+          <a:p>
+            <a:r>
+              <a:rPr lang="de-DE" dirty="0" smtClean="0"/>
+              <a:t>Einstellungen: es kann festgelegt werden in welchem Intervall die Einträge der Sachbearbeiter bzw. der Gruppenleiter gelöscht werden</a:t>
+            </a:r>
+          </a:p>
+          <a:p>
+            <a:pPr lvl="1"/>
+            <a:r>
+              <a:rPr lang="de-DE" dirty="0" smtClean="0"/>
+              <a:t>Das Intervall kann nur monatsweise festgelegt werden</a:t>
+            </a:r>
+          </a:p>
+          <a:p>
+            <a:r>
+              <a:rPr lang="de-DE" dirty="0" smtClean="0"/>
+              <a:t>Aufsummierung: die Einträge werden in der Wochenübersicht bzw. in der Jahresübersicht aufsummiert</a:t>
+            </a:r>
+          </a:p>
+          <a:p>
+            <a:pPr lvl="1"/>
+            <a:r>
+              <a:rPr lang="de-DE" dirty="0" smtClean="0"/>
+              <a:t>Der Job </a:t>
+            </a:r>
+            <a:r>
+              <a:rPr lang="de-DE" smtClean="0"/>
+              <a:t>läuft jede Nacht</a:t>
+            </a:r>
+            <a:endParaRPr lang="de-DE" dirty="0" smtClean="0"/>
+          </a:p>
+        </p:txBody>
+      </p:sp>
+    </p:spTree>
+    <p:extLst>
+      <p:ext uri="{BB962C8B-B14F-4D97-AF65-F5344CB8AC3E}">
+        <p14:creationId xmlns:p14="http://schemas.microsoft.com/office/powerpoint/2010/main" val="2726382500"/>
       </p:ext>
     </p:extLst>
   </p:cSld>
@@ -6679,6 +6825,13 @@
   <p:clrMapOvr>
     <a:masterClrMapping/>
   </p:clrMapOvr>
+  <p:timing>
+    <p:tnLst>
+      <p:par>
+        <p:cTn id="1" dur="indefinite" restart="never" nodeType="tmRoot"/>
+      </p:par>
+    </p:tnLst>
+  </p:timing>
 </p:sld>
 </file>
 
@@ -6768,6 +6921,13 @@
   <p:clrMapOvr>
     <a:masterClrMapping/>
   </p:clrMapOvr>
+  <p:timing>
+    <p:tnLst>
+      <p:par>
+        <p:cTn id="1" dur="indefinite" restart="never" nodeType="tmRoot"/>
+      </p:par>
+    </p:tnLst>
+  </p:timing>
 </p:sld>
 </file>
 
@@ -6790,7 +6950,7 @@
       </p:grpSpPr>
       <p:sp>
         <p:nvSpPr>
-          <p:cNvPr id="3" name="Titel 2"/>
+          <p:cNvPr id="2" name="Titel 1"/>
           <p:cNvSpPr>
             <a:spLocks noGrp="1"/>
           </p:cNvSpPr>
@@ -6805,51 +6965,53 @@
           <a:p>
             <a:r>
               <a:rPr lang="de-DE" dirty="0" smtClean="0"/>
-              <a:t>Use Case „Erfassen“</a:t>
+              <a:t>Use Case „Passwort“</a:t>
             </a:r>
             <a:endParaRPr lang="de-DE" dirty="0"/>
           </a:p>
         </p:txBody>
       </p:sp>
-      <p:sp>
-        <p:nvSpPr>
-          <p:cNvPr id="4" name="Inhaltsplatzhalter 3"/>
-          <p:cNvSpPr>
-            <a:spLocks noGrp="1"/>
-          </p:cNvSpPr>
-          <p:nvPr>
-            <p:ph idx="1"/>
-          </p:nvPr>
-        </p:nvSpPr>
-        <p:spPr/>
-        <p:txBody>
-          <a:bodyPr/>
-          <a:lstStyle/>
-          <a:p>
-            <a:r>
-              <a:rPr lang="de-DE" dirty="0" smtClean="0"/>
-              <a:t>Mitarbeiter soll mehrmals täglich einen Eintrag erfassen können</a:t>
-            </a:r>
-          </a:p>
-          <a:p>
-            <a:r>
-              <a:rPr lang="de-DE" dirty="0" smtClean="0"/>
-              <a:t>Ein Eintrag darf nur für die aktuelle und die vorherige Kalenderwoche (aktuelles Jahr) erfasst werden</a:t>
-            </a:r>
-            <a:endParaRPr lang="de-DE" dirty="0"/>
-          </a:p>
-        </p:txBody>
-      </p:sp>
+      <p:pic>
+        <p:nvPicPr>
+          <p:cNvPr id="5" name="Grafik 4"/>
+          <p:cNvPicPr>
+            <a:picLocks noChangeAspect="1"/>
+          </p:cNvPicPr>
+          <p:nvPr/>
+        </p:nvPicPr>
+        <p:blipFill>
+          <a:blip r:embed="rId2"/>
+          <a:stretch>
+            <a:fillRect/>
+          </a:stretch>
+        </p:blipFill>
+        <p:spPr>
+          <a:xfrm>
+            <a:off x="261937" y="2564904"/>
+            <a:ext cx="8620125" cy="2590800"/>
+          </a:xfrm>
+          <a:prstGeom prst="rect">
+            <a:avLst/>
+          </a:prstGeom>
+        </p:spPr>
+      </p:pic>
     </p:spTree>
     <p:extLst>
       <p:ext uri="{BB962C8B-B14F-4D97-AF65-F5344CB8AC3E}">
-        <p14:creationId xmlns:p14="http://schemas.microsoft.com/office/powerpoint/2010/main" val="432645280"/>
+        <p14:creationId xmlns:p14="http://schemas.microsoft.com/office/powerpoint/2010/main" val="167482871"/>
       </p:ext>
     </p:extLst>
   </p:cSld>
   <p:clrMapOvr>
     <a:masterClrMapping/>
   </p:clrMapOvr>
+  <p:timing>
+    <p:tnLst>
+      <p:par>
+        <p:cTn id="1" dur="indefinite" restart="never" nodeType="tmRoot"/>
+      </p:par>
+    </p:tnLst>
+  </p:timing>
 </p:sld>
 </file>
 
@@ -6872,7 +7034,7 @@
       </p:grpSpPr>
       <p:sp>
         <p:nvSpPr>
-          <p:cNvPr id="2" name="Titel 1"/>
+          <p:cNvPr id="3" name="Titel 2"/>
           <p:cNvSpPr>
             <a:spLocks noGrp="1"/>
           </p:cNvSpPr>
@@ -6882,69 +7044,50 @@
         </p:nvSpPr>
         <p:spPr/>
         <p:txBody>
-          <a:bodyPr>
-            <a:normAutofit fontScale="90000"/>
-          </a:bodyPr>
+          <a:bodyPr/>
           <a:lstStyle/>
           <a:p>
             <a:r>
               <a:rPr lang="de-DE" dirty="0" smtClean="0"/>
-              <a:t>Use Case „Arbeitsgruppe einsehen</a:t>
-            </a:r>
+              <a:t>Use Case „Erfassen“</a:t>
+            </a:r>
+            <a:endParaRPr lang="de-DE" dirty="0"/>
+          </a:p>
+        </p:txBody>
+      </p:sp>
+      <p:sp>
+        <p:nvSpPr>
+          <p:cNvPr id="4" name="Inhaltsplatzhalter 3"/>
+          <p:cNvSpPr>
+            <a:spLocks noGrp="1"/>
+          </p:cNvSpPr>
+          <p:nvPr>
+            <p:ph idx="1"/>
+          </p:nvPr>
+        </p:nvSpPr>
+        <p:spPr/>
+        <p:txBody>
+          <a:bodyPr/>
+          <a:lstStyle/>
+          <a:p>
             <a:r>
               <a:rPr lang="de-DE" dirty="0" smtClean="0"/>
-              <a:t>“ - 		 Gruppenleiter</a:t>
+              <a:t>Mitarbeiter soll mehrmals täglich einen Eintrag erfassen können</a:t>
+            </a:r>
+          </a:p>
+          <a:p>
+            <a:r>
+              <a:rPr lang="de-DE" dirty="0" smtClean="0"/>
+              <a:t>Ein Eintrag darf nur für die aktuelle und die vorherige Kalenderwoche (aktuelles Jahr) erfasst werden</a:t>
             </a:r>
             <a:endParaRPr lang="de-DE" dirty="0"/>
-          </a:p>
-        </p:txBody>
-      </p:sp>
-      <p:sp>
-        <p:nvSpPr>
-          <p:cNvPr id="3" name="Inhaltsplatzhalter 2"/>
-          <p:cNvSpPr>
-            <a:spLocks noGrp="1"/>
-          </p:cNvSpPr>
-          <p:nvPr>
-            <p:ph idx="1"/>
-          </p:nvPr>
-        </p:nvSpPr>
-        <p:spPr>
-          <a:xfrm>
-            <a:off x="457200" y="2416256"/>
-            <a:ext cx="8229600" cy="4325112"/>
-          </a:xfrm>
-        </p:spPr>
-        <p:txBody>
-          <a:bodyPr/>
-          <a:lstStyle/>
-          <a:p>
-            <a:r>
-              <a:rPr lang="de-DE" dirty="0" smtClean="0"/>
-              <a:t>Gruppenleiter</a:t>
-            </a:r>
-            <a:r>
-              <a:rPr lang="de-DE" dirty="0" smtClean="0"/>
-              <a:t>: darf </a:t>
-            </a:r>
-            <a:r>
-              <a:rPr lang="de-DE" dirty="0" smtClean="0"/>
-              <a:t>die Ergebnisse seiner eigenen Arbeitsgruppe einsehen</a:t>
-            </a:r>
-          </a:p>
-          <a:p>
-            <a:r>
-              <a:rPr lang="de-DE" dirty="0" smtClean="0"/>
-              <a:t>„Drucken“ gibt die aktuelle Tabelle als PDF-Datei aus</a:t>
-            </a:r>
-            <a:endParaRPr lang="de-DE" dirty="0" smtClean="0"/>
           </a:p>
         </p:txBody>
       </p:sp>
     </p:spTree>
     <p:extLst>
       <p:ext uri="{BB962C8B-B14F-4D97-AF65-F5344CB8AC3E}">
-        <p14:creationId xmlns:p14="http://schemas.microsoft.com/office/powerpoint/2010/main" val="2011369229"/>
+        <p14:creationId xmlns:p14="http://schemas.microsoft.com/office/powerpoint/2010/main" val="432645280"/>
       </p:ext>
     </p:extLst>
   </p:cSld>

--- a/Projektmanagement/Abschlusspräsentation.pptx
+++ b/Projektmanagement/Abschlusspräsentation.pptx
@@ -5,32 +5,34 @@
     <p:sldMasterId id="2147483828" r:id="rId1"/>
   </p:sldMasterIdLst>
   <p:notesMasterIdLst>
-    <p:notesMasterId r:id="rId22"/>
+    <p:notesMasterId r:id="rId24"/>
   </p:notesMasterIdLst>
   <p:handoutMasterIdLst>
-    <p:handoutMasterId r:id="rId23"/>
+    <p:handoutMasterId r:id="rId25"/>
   </p:handoutMasterIdLst>
   <p:sldIdLst>
     <p:sldId id="256" r:id="rId2"/>
     <p:sldId id="257" r:id="rId3"/>
-    <p:sldId id="258" r:id="rId4"/>
-    <p:sldId id="274" r:id="rId5"/>
-    <p:sldId id="259" r:id="rId6"/>
-    <p:sldId id="263" r:id="rId7"/>
-    <p:sldId id="272" r:id="rId8"/>
-    <p:sldId id="278" r:id="rId9"/>
-    <p:sldId id="260" r:id="rId10"/>
-    <p:sldId id="261" r:id="rId11"/>
-    <p:sldId id="275" r:id="rId12"/>
-    <p:sldId id="276" r:id="rId13"/>
-    <p:sldId id="265" r:id="rId14"/>
-    <p:sldId id="269" r:id="rId15"/>
-    <p:sldId id="266" r:id="rId16"/>
-    <p:sldId id="270" r:id="rId17"/>
-    <p:sldId id="267" r:id="rId18"/>
-    <p:sldId id="268" r:id="rId19"/>
-    <p:sldId id="271" r:id="rId20"/>
-    <p:sldId id="273" r:id="rId21"/>
+    <p:sldId id="274" r:id="rId4"/>
+    <p:sldId id="259" r:id="rId5"/>
+    <p:sldId id="280" r:id="rId6"/>
+    <p:sldId id="279" r:id="rId7"/>
+    <p:sldId id="281" r:id="rId8"/>
+    <p:sldId id="263" r:id="rId9"/>
+    <p:sldId id="272" r:id="rId10"/>
+    <p:sldId id="278" r:id="rId11"/>
+    <p:sldId id="260" r:id="rId12"/>
+    <p:sldId id="261" r:id="rId13"/>
+    <p:sldId id="275" r:id="rId14"/>
+    <p:sldId id="276" r:id="rId15"/>
+    <p:sldId id="265" r:id="rId16"/>
+    <p:sldId id="269" r:id="rId17"/>
+    <p:sldId id="266" r:id="rId18"/>
+    <p:sldId id="270" r:id="rId19"/>
+    <p:sldId id="267" r:id="rId20"/>
+    <p:sldId id="268" r:id="rId21"/>
+    <p:sldId id="271" r:id="rId22"/>
+    <p:sldId id="273" r:id="rId23"/>
   </p:sldIdLst>
   <p:sldSz cx="9144000" cy="6858000" type="screen4x3"/>
   <p:notesSz cx="6858000" cy="9144000"/>
@@ -244,7 +246,7 @@
           <a:p>
             <a:fld id="{6DE7D471-23B3-46CB-9C19-FE802EC31550}" type="datetimeFigureOut">
               <a:rPr lang="de-DE" smtClean="0"/>
-              <a:t>22.10.2013</a:t>
+              <a:t>25.10.2013</a:t>
             </a:fld>
             <a:endParaRPr lang="de-DE"/>
           </a:p>
@@ -409,7 +411,7 @@
           <a:p>
             <a:fld id="{F8ADFA6A-A181-4216-B4EE-F250058645E3}" type="datetimeFigureOut">
               <a:rPr lang="de-DE" smtClean="0"/>
-              <a:t>22.10.2013</a:t>
+              <a:t>25.10.2013</a:t>
             </a:fld>
             <a:endParaRPr lang="de-DE"/>
           </a:p>
@@ -721,6 +723,30 @@
           <a:bodyPr/>
           <a:lstStyle/>
           <a:p>
+            <a:r>
+              <a:rPr lang="de-DE" dirty="0" smtClean="0"/>
+              <a:t>Datenbank: Realisierung der Datenbank und Datenbankanbindung</a:t>
+            </a:r>
+          </a:p>
+          <a:p>
+            <a:r>
+              <a:rPr lang="de-DE" dirty="0" smtClean="0"/>
+              <a:t>GUI: Oberflächengestaltung und deren Umsetzung</a:t>
+            </a:r>
+          </a:p>
+          <a:p>
+            <a:r>
+              <a:rPr lang="de-DE" dirty="0" smtClean="0"/>
+              <a:t>Logik: Umsetzung Business-Logik der Anwendung</a:t>
+            </a:r>
+          </a:p>
+          <a:p>
+            <a:r>
+              <a:rPr lang="de-DE" dirty="0" smtClean="0"/>
+              <a:t>Test: Erstellung und Durchführung Testfälle (gesamtes Team)</a:t>
+            </a:r>
+          </a:p>
+          <a:p>
             <a:endParaRPr lang="de-DE" dirty="0"/>
           </a:p>
         </p:txBody>
@@ -742,7 +768,91 @@
           <a:p>
             <a:fld id="{72841C41-988A-40D2-BD42-D850E09ED2B7}" type="slidenum">
               <a:rPr lang="de-DE" smtClean="0"/>
-              <a:t>20</a:t>
+              <a:t>3</a:t>
+            </a:fld>
+            <a:endParaRPr lang="de-DE"/>
+          </a:p>
+        </p:txBody>
+      </p:sp>
+    </p:spTree>
+    <p:extLst>
+      <p:ext uri="{BB962C8B-B14F-4D97-AF65-F5344CB8AC3E}">
+        <p14:creationId xmlns:p14="http://schemas.microsoft.com/office/powerpoint/2010/main" val="2505227762"/>
+      </p:ext>
+    </p:extLst>
+  </p:cSld>
+  <p:clrMapOvr>
+    <a:masterClrMapping/>
+  </p:clrMapOvr>
+</p:notes>
+</file>
+
+<file path=ppt/notesSlides/notesSlide2.xml><?xml version="1.0" encoding="utf-8"?>
+<p:notes xmlns:a="http://schemas.openxmlformats.org/drawingml/2006/main" xmlns:r="http://schemas.openxmlformats.org/officeDocument/2006/relationships" xmlns:p="http://schemas.openxmlformats.org/presentationml/2006/main">
+  <p:cSld>
+    <p:spTree>
+      <p:nvGrpSpPr>
+        <p:cNvPr id="1" name=""/>
+        <p:cNvGrpSpPr/>
+        <p:nvPr/>
+      </p:nvGrpSpPr>
+      <p:grpSpPr>
+        <a:xfrm>
+          <a:off x="0" y="0"/>
+          <a:ext cx="0" cy="0"/>
+          <a:chOff x="0" y="0"/>
+          <a:chExt cx="0" cy="0"/>
+        </a:xfrm>
+      </p:grpSpPr>
+      <p:sp>
+        <p:nvSpPr>
+          <p:cNvPr id="2" name="Folienbildplatzhalter 1"/>
+          <p:cNvSpPr>
+            <a:spLocks noGrp="1" noRot="1" noChangeAspect="1"/>
+          </p:cNvSpPr>
+          <p:nvPr>
+            <p:ph type="sldImg"/>
+          </p:nvPr>
+        </p:nvSpPr>
+        <p:spPr/>
+      </p:sp>
+      <p:sp>
+        <p:nvSpPr>
+          <p:cNvPr id="3" name="Notizenplatzhalter 2"/>
+          <p:cNvSpPr>
+            <a:spLocks noGrp="1"/>
+          </p:cNvSpPr>
+          <p:nvPr>
+            <p:ph type="body" idx="1"/>
+          </p:nvPr>
+        </p:nvSpPr>
+        <p:spPr/>
+        <p:txBody>
+          <a:bodyPr/>
+          <a:lstStyle/>
+          <a:p>
+            <a:endParaRPr lang="de-DE" dirty="0"/>
+          </a:p>
+        </p:txBody>
+      </p:sp>
+      <p:sp>
+        <p:nvSpPr>
+          <p:cNvPr id="4" name="Foliennummernplatzhalter 3"/>
+          <p:cNvSpPr>
+            <a:spLocks noGrp="1"/>
+          </p:cNvSpPr>
+          <p:nvPr>
+            <p:ph type="sldNum" sz="quarter" idx="10"/>
+          </p:nvPr>
+        </p:nvSpPr>
+        <p:spPr/>
+        <p:txBody>
+          <a:bodyPr/>
+          <a:lstStyle/>
+          <a:p>
+            <a:fld id="{72841C41-988A-40D2-BD42-D850E09ED2B7}" type="slidenum">
+              <a:rPr lang="de-DE" smtClean="0"/>
+              <a:t>22</a:t>
             </a:fld>
             <a:endParaRPr lang="de-DE"/>
           </a:p>
@@ -1419,7 +1529,7 @@
           <a:p>
             <a:fld id="{AE7D85B2-395F-4693-9648-199952BACC42}" type="datetimeFigureOut">
               <a:rPr lang="de-DE" smtClean="0"/>
-              <a:t>22.10.2013</a:t>
+              <a:t>25.10.2013</a:t>
             </a:fld>
             <a:endParaRPr lang="de-DE" dirty="0"/>
           </a:p>
@@ -1602,7 +1712,7 @@
           <a:p>
             <a:fld id="{AE7D85B2-395F-4693-9648-199952BACC42}" type="datetimeFigureOut">
               <a:rPr lang="de-DE" smtClean="0"/>
-              <a:t>22.10.2013</a:t>
+              <a:t>25.10.2013</a:t>
             </a:fld>
             <a:endParaRPr lang="de-DE" dirty="0"/>
           </a:p>
@@ -1777,7 +1887,7 @@
           <a:p>
             <a:fld id="{AE7D85B2-395F-4693-9648-199952BACC42}" type="datetimeFigureOut">
               <a:rPr lang="de-DE" smtClean="0"/>
-              <a:t>22.10.2013</a:t>
+              <a:t>25.10.2013</a:t>
             </a:fld>
             <a:endParaRPr lang="de-DE" dirty="0"/>
           </a:p>
@@ -1942,7 +2052,7 @@
           <a:p>
             <a:fld id="{AE7D85B2-395F-4693-9648-199952BACC42}" type="datetimeFigureOut">
               <a:rPr lang="de-DE" smtClean="0"/>
-              <a:t>22.10.2013</a:t>
+              <a:t>25.10.2013</a:t>
             </a:fld>
             <a:endParaRPr lang="de-DE" dirty="0"/>
           </a:p>
@@ -2170,7 +2280,7 @@
           <a:p>
             <a:fld id="{AE7D85B2-395F-4693-9648-199952BACC42}" type="datetimeFigureOut">
               <a:rPr lang="de-DE" smtClean="0"/>
-              <a:t>22.10.2013</a:t>
+              <a:t>25.10.2013</a:t>
             </a:fld>
             <a:endParaRPr lang="de-DE" dirty="0"/>
           </a:p>
@@ -2429,7 +2539,7 @@
           <a:p>
             <a:fld id="{AE7D85B2-395F-4693-9648-199952BACC42}" type="datetimeFigureOut">
               <a:rPr lang="de-DE" smtClean="0"/>
-              <a:t>22.10.2013</a:t>
+              <a:t>25.10.2013</a:t>
             </a:fld>
             <a:endParaRPr lang="de-DE" dirty="0"/>
           </a:p>
@@ -2833,7 +2943,7 @@
           <a:p>
             <a:fld id="{AE7D85B2-395F-4693-9648-199952BACC42}" type="datetimeFigureOut">
               <a:rPr lang="de-DE" smtClean="0"/>
-              <a:t>22.10.2013</a:t>
+              <a:t>25.10.2013</a:t>
             </a:fld>
             <a:endParaRPr lang="de-DE" dirty="0"/>
           </a:p>
@@ -2964,7 +3074,7 @@
           <a:p>
             <a:fld id="{AE7D85B2-395F-4693-9648-199952BACC42}" type="datetimeFigureOut">
               <a:rPr lang="de-DE" smtClean="0"/>
-              <a:t>22.10.2013</a:t>
+              <a:t>25.10.2013</a:t>
             </a:fld>
             <a:endParaRPr lang="de-DE" dirty="0"/>
           </a:p>
@@ -3064,7 +3174,7 @@
           <a:p>
             <a:fld id="{AE7D85B2-395F-4693-9648-199952BACC42}" type="datetimeFigureOut">
               <a:rPr lang="de-DE" smtClean="0"/>
-              <a:t>22.10.2013</a:t>
+              <a:t>25.10.2013</a:t>
             </a:fld>
             <a:endParaRPr lang="de-DE" dirty="0"/>
           </a:p>
@@ -3309,7 +3419,7 @@
           <a:p>
             <a:fld id="{AE7D85B2-395F-4693-9648-199952BACC42}" type="datetimeFigureOut">
               <a:rPr lang="de-DE" smtClean="0"/>
-              <a:t>22.10.2013</a:t>
+              <a:t>25.10.2013</a:t>
             </a:fld>
             <a:endParaRPr lang="de-DE" dirty="0"/>
           </a:p>
@@ -3553,7 +3663,7 @@
           <a:p>
             <a:fld id="{AE7D85B2-395F-4693-9648-199952BACC42}" type="datetimeFigureOut">
               <a:rPr lang="de-DE" smtClean="0"/>
-              <a:t>22.10.2013</a:t>
+              <a:t>25.10.2013</a:t>
             </a:fld>
             <a:endParaRPr lang="de-DE" dirty="0"/>
           </a:p>
@@ -4377,7 +4487,7 @@
           <a:p>
             <a:fld id="{AE7D85B2-395F-4693-9648-199952BACC42}" type="datetimeFigureOut">
               <a:rPr lang="de-DE" smtClean="0"/>
-              <a:t>22.10.2013</a:t>
+              <a:t>25.10.2013</a:t>
             </a:fld>
             <a:endParaRPr lang="de-DE" dirty="0"/>
           </a:p>
@@ -4870,56 +4980,45 @@
         </p:nvSpPr>
         <p:spPr/>
         <p:txBody>
-          <a:bodyPr>
-            <a:normAutofit fontScale="90000"/>
-          </a:bodyPr>
+          <a:bodyPr/>
           <a:lstStyle/>
           <a:p>
             <a:r>
               <a:rPr lang="de-DE" dirty="0" smtClean="0"/>
-              <a:t>Use Case „Arbeitsgruppe einsehen“ - 		 Gruppenleiter</a:t>
+              <a:t>Use Case „Passwort“</a:t>
             </a:r>
             <a:endParaRPr lang="de-DE" dirty="0"/>
           </a:p>
         </p:txBody>
       </p:sp>
-      <p:sp>
-        <p:nvSpPr>
-          <p:cNvPr id="3" name="Inhaltsplatzhalter 2"/>
-          <p:cNvSpPr>
-            <a:spLocks noGrp="1"/>
-          </p:cNvSpPr>
-          <p:nvPr>
-            <p:ph idx="1"/>
-          </p:nvPr>
-        </p:nvSpPr>
+      <p:pic>
+        <p:nvPicPr>
+          <p:cNvPr id="5" name="Grafik 4"/>
+          <p:cNvPicPr>
+            <a:picLocks noChangeAspect="1"/>
+          </p:cNvPicPr>
+          <p:nvPr/>
+        </p:nvPicPr>
+        <p:blipFill>
+          <a:blip r:embed="rId2"/>
+          <a:stretch>
+            <a:fillRect/>
+          </a:stretch>
+        </p:blipFill>
         <p:spPr>
           <a:xfrm>
-            <a:off x="457200" y="2416256"/>
-            <a:ext cx="8229600" cy="4325112"/>
-          </a:xfrm>
-        </p:spPr>
-        <p:txBody>
-          <a:bodyPr/>
-          <a:lstStyle/>
-          <a:p>
-            <a:r>
-              <a:rPr lang="de-DE" dirty="0" smtClean="0"/>
-              <a:t>Gruppenleiter: darf die Ergebnisse seiner eigenen Arbeitsgruppe einsehen</a:t>
-            </a:r>
-          </a:p>
-          <a:p>
-            <a:r>
-              <a:rPr lang="de-DE" dirty="0" smtClean="0"/>
-              <a:t>„Drucken“ gibt die aktuelle Tabelle als PDF-Datei aus</a:t>
-            </a:r>
-          </a:p>
-        </p:txBody>
-      </p:sp>
+            <a:off x="261937" y="2564904"/>
+            <a:ext cx="8620125" cy="2590800"/>
+          </a:xfrm>
+          <a:prstGeom prst="rect">
+            <a:avLst/>
+          </a:prstGeom>
+        </p:spPr>
+      </p:pic>
     </p:spTree>
     <p:extLst>
       <p:ext uri="{BB962C8B-B14F-4D97-AF65-F5344CB8AC3E}">
-        <p14:creationId xmlns:p14="http://schemas.microsoft.com/office/powerpoint/2010/main" val="2011369229"/>
+        <p14:creationId xmlns:p14="http://schemas.microsoft.com/office/powerpoint/2010/main" val="167482871"/>
       </p:ext>
     </p:extLst>
   </p:cSld>
@@ -4955,7 +5054,7 @@
       </p:grpSpPr>
       <p:sp>
         <p:nvSpPr>
-          <p:cNvPr id="2" name="Titel 1"/>
+          <p:cNvPr id="3" name="Titel 2"/>
           <p:cNvSpPr>
             <a:spLocks noGrp="1"/>
           </p:cNvSpPr>
@@ -4965,14 +5064,12 @@
         </p:nvSpPr>
         <p:spPr/>
         <p:txBody>
-          <a:bodyPr>
-            <a:normAutofit fontScale="90000"/>
-          </a:bodyPr>
+          <a:bodyPr/>
           <a:lstStyle/>
           <a:p>
             <a:r>
               <a:rPr lang="de-DE" dirty="0" smtClean="0"/>
-              <a:t>Use Case „Arbeitsgruppen einsehen“ - 		 Bereichsleiter</a:t>
+              <a:t>Use Case „Erfassen“</a:t>
             </a:r>
             <a:endParaRPr lang="de-DE" dirty="0"/>
           </a:p>
@@ -4980,7 +5077,7 @@
       </p:sp>
       <p:sp>
         <p:nvSpPr>
-          <p:cNvPr id="3" name="Inhaltsplatzhalter 2"/>
+          <p:cNvPr id="4" name="Inhaltsplatzhalter 3"/>
           <p:cNvSpPr>
             <a:spLocks noGrp="1"/>
           </p:cNvSpPr>
@@ -4988,41 +5085,20 @@
             <p:ph idx="1"/>
           </p:nvPr>
         </p:nvSpPr>
-        <p:spPr>
-          <a:xfrm>
-            <a:off x="457200" y="2416256"/>
-            <a:ext cx="8229600" cy="4325112"/>
-          </a:xfrm>
-        </p:spPr>
-        <p:txBody>
-          <a:bodyPr>
-            <a:normAutofit/>
-          </a:bodyPr>
+        <p:spPr/>
+        <p:txBody>
+          <a:bodyPr/>
           <a:lstStyle/>
           <a:p>
             <a:r>
               <a:rPr lang="de-DE" dirty="0" smtClean="0"/>
-              <a:t>Bereichsleiter: darf alle Arbeitsgruppen seines Bereichs einsehen</a:t>
+              <a:t>Mitarbeiter soll mehrmals täglich einen Eintrag erfassen können</a:t>
             </a:r>
           </a:p>
           <a:p>
             <a:r>
               <a:rPr lang="de-DE" dirty="0" smtClean="0"/>
-              <a:t>Einträge der Arbeitsgruppen werden zusätzlich aufsummiert</a:t>
-            </a:r>
-          </a:p>
-          <a:p>
-            <a:r>
-              <a:rPr lang="de-DE" dirty="0" smtClean="0"/>
-              <a:t>„</a:t>
-            </a:r>
-            <a:r>
-              <a:rPr lang="de-DE" dirty="0"/>
-              <a:t>Drucken“ gibt die aktuelle Tabelle als PDF-Datei </a:t>
-            </a:r>
-            <a:r>
-              <a:rPr lang="de-DE" dirty="0" smtClean="0"/>
-              <a:t>aus</a:t>
+              <a:t>Ein Eintrag darf nur für die aktuelle und die vorherige Kalenderwoche (aktuelles Jahr) erfasst werden</a:t>
             </a:r>
             <a:endParaRPr lang="de-DE" dirty="0"/>
           </a:p>
@@ -5031,7 +5107,7 @@
     </p:spTree>
     <p:extLst>
       <p:ext uri="{BB962C8B-B14F-4D97-AF65-F5344CB8AC3E}">
-        <p14:creationId xmlns:p14="http://schemas.microsoft.com/office/powerpoint/2010/main" val="241156330"/>
+        <p14:creationId xmlns:p14="http://schemas.microsoft.com/office/powerpoint/2010/main" val="432645280"/>
       </p:ext>
     </p:extLst>
   </p:cSld>
@@ -5077,82 +5153,56 @@
         </p:nvSpPr>
         <p:spPr/>
         <p:txBody>
+          <a:bodyPr>
+            <a:normAutofit fontScale="90000"/>
+          </a:bodyPr>
+          <a:lstStyle/>
+          <a:p>
+            <a:r>
+              <a:rPr lang="de-DE" dirty="0" smtClean="0"/>
+              <a:t>Use Case „Arbeitsgruppe einsehen“ - 		 Gruppenleiter</a:t>
+            </a:r>
+            <a:endParaRPr lang="de-DE" dirty="0"/>
+          </a:p>
+        </p:txBody>
+      </p:sp>
+      <p:sp>
+        <p:nvSpPr>
+          <p:cNvPr id="3" name="Inhaltsplatzhalter 2"/>
+          <p:cNvSpPr>
+            <a:spLocks noGrp="1"/>
+          </p:cNvSpPr>
+          <p:nvPr>
+            <p:ph idx="1"/>
+          </p:nvPr>
+        </p:nvSpPr>
+        <p:spPr>
+          <a:xfrm>
+            <a:off x="457200" y="2416256"/>
+            <a:ext cx="8229600" cy="4325112"/>
+          </a:xfrm>
+        </p:spPr>
+        <p:txBody>
           <a:bodyPr/>
           <a:lstStyle/>
           <a:p>
             <a:r>
               <a:rPr lang="de-DE" dirty="0" smtClean="0"/>
-              <a:t>Use Case „Bereich einsehen“</a:t>
-            </a:r>
-            <a:endParaRPr lang="de-DE" dirty="0"/>
-          </a:p>
-        </p:txBody>
-      </p:sp>
-      <p:sp>
-        <p:nvSpPr>
-          <p:cNvPr id="3" name="Inhaltsplatzhalter 2"/>
-          <p:cNvSpPr>
-            <a:spLocks noGrp="1"/>
-          </p:cNvSpPr>
-          <p:nvPr>
-            <p:ph idx="1"/>
-          </p:nvPr>
-        </p:nvSpPr>
-        <p:spPr/>
-        <p:txBody>
-          <a:bodyPr>
-            <a:normAutofit fontScale="92500" lnSpcReduction="10000"/>
-          </a:bodyPr>
-          <a:lstStyle/>
+              <a:t>Gruppenleiter: darf die Ergebnisse seiner eigenen Arbeitsgruppe einsehen</a:t>
+            </a:r>
+          </a:p>
           <a:p>
             <a:r>
               <a:rPr lang="de-DE" dirty="0" smtClean="0"/>
-              <a:t>Zentralbereichsleiter und Fachbereichs-organisation: dürfen alle Bereiche einsehen</a:t>
-            </a:r>
-          </a:p>
-          <a:p>
-            <a:r>
-              <a:rPr lang="de-DE" dirty="0" smtClean="0"/>
-              <a:t>Von der Übersicht der Bereiche kann der User direkt auf die Arbeitsgruppen eines Bereichs gelangen</a:t>
-            </a:r>
-          </a:p>
-          <a:p>
-            <a:r>
-              <a:rPr lang="de-DE" dirty="0" smtClean="0"/>
-              <a:t>Einträge der Bereiche werden zusätzlich aufsummiert</a:t>
-            </a:r>
-          </a:p>
-          <a:p>
-            <a:r>
-              <a:rPr lang="de-DE" dirty="0"/>
-              <a:t>„Abrechen“ leitet den </a:t>
-            </a:r>
-            <a:r>
-              <a:rPr lang="de-DE" dirty="0" smtClean="0"/>
-              <a:t>User wieder </a:t>
-            </a:r>
-            <a:r>
-              <a:rPr lang="de-DE" dirty="0"/>
-              <a:t>auf die Seite zurück, auf der er Kalenderjahr und Kalenderwoche eingeben kann, um Daten anzuzeigen</a:t>
-            </a:r>
-          </a:p>
-          <a:p>
-            <a:r>
-              <a:rPr lang="de-DE" dirty="0"/>
-              <a:t>„Drucken“ gibt die aktuelle Tabelle als PDF-Datei </a:t>
-            </a:r>
-            <a:r>
-              <a:rPr lang="de-DE" dirty="0" smtClean="0"/>
-              <a:t>aus</a:t>
-            </a:r>
-            <a:endParaRPr lang="de-DE" dirty="0"/>
+              <a:t>„Drucken“ gibt die aktuelle Tabelle als PDF-Datei aus</a:t>
+            </a:r>
           </a:p>
         </p:txBody>
       </p:sp>
     </p:spTree>
     <p:extLst>
       <p:ext uri="{BB962C8B-B14F-4D97-AF65-F5344CB8AC3E}">
-        <p14:creationId xmlns:p14="http://schemas.microsoft.com/office/powerpoint/2010/main" val="1739418431"/>
+        <p14:creationId xmlns:p14="http://schemas.microsoft.com/office/powerpoint/2010/main" val="2011369229"/>
       </p:ext>
     </p:extLst>
   </p:cSld>
@@ -5198,12 +5248,14 @@
         </p:nvSpPr>
         <p:spPr/>
         <p:txBody>
-          <a:bodyPr/>
+          <a:bodyPr>
+            <a:normAutofit fontScale="90000"/>
+          </a:bodyPr>
           <a:lstStyle/>
           <a:p>
             <a:r>
               <a:rPr lang="de-DE" dirty="0" smtClean="0"/>
-              <a:t>Use Case „Bereich“</a:t>
+              <a:t>Use Case „Arbeitsgruppen einsehen“ - 		 Bereichsleiter</a:t>
             </a:r>
             <a:endParaRPr lang="de-DE" dirty="0"/>
           </a:p>
@@ -5219,7 +5271,12 @@
             <p:ph idx="1"/>
           </p:nvPr>
         </p:nvSpPr>
-        <p:spPr/>
+        <p:spPr>
+          <a:xfrm>
+            <a:off x="457200" y="2416256"/>
+            <a:ext cx="8229600" cy="4325112"/>
+          </a:xfrm>
+        </p:spPr>
         <p:txBody>
           <a:bodyPr>
             <a:normAutofit/>
@@ -5228,21 +5285,36 @@
           <a:p>
             <a:r>
               <a:rPr lang="de-DE" dirty="0" smtClean="0"/>
-              <a:t>Die Verwaltung erfolgt über die Fachbereichs-organisation</a:t>
+              <a:t>Bereichsleiter: darf alle Arbeitsgruppen seines Bereichs einsehen</a:t>
             </a:r>
           </a:p>
           <a:p>
             <a:r>
               <a:rPr lang="de-DE" dirty="0" smtClean="0"/>
-              <a:t>Anlegen: mit Angaben über Bezeichnung und Kurzbezeichnung soll ein Bereich angelegt werden können</a:t>
-            </a:r>
+              <a:t>Einträge der Arbeitsgruppen werden zusätzlich aufsummiert</a:t>
+            </a:r>
+          </a:p>
+          <a:p>
+            <a:r>
+              <a:rPr lang="de-DE" dirty="0" smtClean="0"/>
+              <a:t>„</a:t>
+            </a:r>
+            <a:r>
+              <a:rPr lang="de-DE" dirty="0"/>
+              <a:t>Drucken“ gibt die aktuelle Tabelle als PDF-Datei </a:t>
+            </a:r>
+            <a:r>
+              <a:rPr lang="de-DE" dirty="0" smtClean="0"/>
+              <a:t>aus</a:t>
+            </a:r>
+            <a:endParaRPr lang="de-DE" dirty="0"/>
           </a:p>
         </p:txBody>
       </p:sp>
     </p:spTree>
     <p:extLst>
       <p:ext uri="{BB962C8B-B14F-4D97-AF65-F5344CB8AC3E}">
-        <p14:creationId xmlns:p14="http://schemas.microsoft.com/office/powerpoint/2010/main" val="2615168494"/>
+        <p14:creationId xmlns:p14="http://schemas.microsoft.com/office/powerpoint/2010/main" val="241156330"/>
       </p:ext>
     </p:extLst>
   </p:cSld>
@@ -5293,7 +5365,7 @@
           <a:p>
             <a:r>
               <a:rPr lang="de-DE" dirty="0" smtClean="0"/>
-              <a:t>Use Case „Bereich“</a:t>
+              <a:t>Use Case „Bereich einsehen“</a:t>
             </a:r>
             <a:endParaRPr lang="de-DE" dirty="0"/>
           </a:p>
@@ -5312,29 +5384,49 @@
         <p:spPr/>
         <p:txBody>
           <a:bodyPr>
-            <a:normAutofit/>
+            <a:normAutofit fontScale="92500" lnSpcReduction="10000"/>
           </a:bodyPr>
           <a:lstStyle/>
           <a:p>
             <a:r>
+              <a:rPr lang="de-DE" dirty="0" smtClean="0"/>
+              <a:t>Zentralbereichsleiter und Fachbereichs-organisation: dürfen alle Bereiche einsehen</a:t>
+            </a:r>
+          </a:p>
+          <a:p>
+            <a:r>
+              <a:rPr lang="de-DE" dirty="0" smtClean="0"/>
+              <a:t>Von der Übersicht der Bereiche kann der User direkt auf die Arbeitsgruppen eines Bereichs gelangen</a:t>
+            </a:r>
+          </a:p>
+          <a:p>
+            <a:r>
+              <a:rPr lang="de-DE" dirty="0" smtClean="0"/>
+              <a:t>Einträge der Bereiche werden zusätzlich aufsummiert</a:t>
+            </a:r>
+          </a:p>
+          <a:p>
+            <a:r>
               <a:rPr lang="de-DE" dirty="0"/>
-              <a:t>Die Auswahl zur Bearbeitung bzw. zur Löschung erfolgt über eine </a:t>
+              <a:t>„Abrechen“ leitet den </a:t>
             </a:r>
             <a:r>
               <a:rPr lang="de-DE" dirty="0" smtClean="0"/>
-              <a:t>Oberfläche mit Drop-Down-Feld</a:t>
-            </a:r>
-          </a:p>
-          <a:p>
+              <a:t>User wieder </a:t>
+            </a:r>
+            <a:r>
+              <a:rPr lang="de-DE" dirty="0"/>
+              <a:t>auf die Seite zurück, auf der er Kalenderjahr und Kalenderwoche eingeben kann, um Daten anzuzeigen</a:t>
+            </a:r>
+          </a:p>
+          <a:p>
+            <a:r>
+              <a:rPr lang="de-DE" dirty="0"/>
+              <a:t>„Drucken“ gibt die aktuelle Tabelle als PDF-Datei </a:t>
+            </a:r>
             <a:r>
               <a:rPr lang="de-DE" dirty="0" smtClean="0"/>
-              <a:t>Bearbeiten: die Bezeichnung, die Kurz-bezeichnung und der Leiter sollen geändert werden können</a:t>
-            </a:r>
-          </a:p>
-          <a:p>
-            <a:r>
-              <a:rPr lang="de-DE" dirty="0" smtClean="0"/>
-              <a:t>Löschen: der Bereich wird inaktiv gesetzt, sobald alle Arbeitsgruppen und Mitarbeiter aus dem Bereich entfernt wurden</a:t>
+              <a:t>aus</a:t>
             </a:r>
             <a:endParaRPr lang="de-DE" dirty="0"/>
           </a:p>
@@ -5343,7 +5435,7 @@
     </p:spTree>
     <p:extLst>
       <p:ext uri="{BB962C8B-B14F-4D97-AF65-F5344CB8AC3E}">
-        <p14:creationId xmlns:p14="http://schemas.microsoft.com/office/powerpoint/2010/main" val="42813484"/>
+        <p14:creationId xmlns:p14="http://schemas.microsoft.com/office/powerpoint/2010/main" val="1739418431"/>
       </p:ext>
     </p:extLst>
   </p:cSld>
@@ -5394,7 +5486,7 @@
           <a:p>
             <a:r>
               <a:rPr lang="de-DE" dirty="0" smtClean="0"/>
-              <a:t>Use Case „Arbeitsgruppe“</a:t>
+              <a:t>Use Case „Bereich“</a:t>
             </a:r>
             <a:endParaRPr lang="de-DE" dirty="0"/>
           </a:p>
@@ -5418,35 +5510,22 @@
           <a:lstStyle/>
           <a:p>
             <a:r>
-              <a:rPr lang="de-DE" dirty="0"/>
+              <a:rPr lang="de-DE" dirty="0" smtClean="0"/>
               <a:t>Die Verwaltung erfolgt über die Fachbereichs-organisation</a:t>
             </a:r>
           </a:p>
           <a:p>
             <a:r>
-              <a:rPr lang="de-DE" dirty="0"/>
-              <a:t>Anlegen: mit Angaben über </a:t>
-            </a:r>
-            <a:r>
               <a:rPr lang="de-DE" dirty="0" smtClean="0"/>
-              <a:t>Bezeichnung, Kurz-bezeichnung und Bereich soll eine Arbeitsgruppe angelegt </a:t>
-            </a:r>
-            <a:r>
-              <a:rPr lang="de-DE" dirty="0"/>
-              <a:t>werden </a:t>
-            </a:r>
-            <a:r>
-              <a:rPr lang="de-DE" dirty="0" smtClean="0"/>
-              <a:t>können</a:t>
-            </a:r>
-            <a:endParaRPr lang="de-DE" dirty="0"/>
+              <a:t>Anlegen: mit Angaben über Bezeichnung und Kurzbezeichnung soll ein Bereich angelegt werden können</a:t>
+            </a:r>
           </a:p>
         </p:txBody>
       </p:sp>
     </p:spTree>
     <p:extLst>
       <p:ext uri="{BB962C8B-B14F-4D97-AF65-F5344CB8AC3E}">
-        <p14:creationId xmlns:p14="http://schemas.microsoft.com/office/powerpoint/2010/main" val="243874718"/>
+        <p14:creationId xmlns:p14="http://schemas.microsoft.com/office/powerpoint/2010/main" val="2615168494"/>
       </p:ext>
     </p:extLst>
   </p:cSld>
@@ -5497,7 +5576,7 @@
           <a:p>
             <a:r>
               <a:rPr lang="de-DE" dirty="0" smtClean="0"/>
-              <a:t>Use Case „Arbeitsgruppe“</a:t>
+              <a:t>Use Case „Bereich“</a:t>
             </a:r>
             <a:endParaRPr lang="de-DE" dirty="0"/>
           </a:p>
@@ -5522,63 +5601,32 @@
           <a:p>
             <a:r>
               <a:rPr lang="de-DE" dirty="0"/>
-              <a:t>Die Auswahl zur Bearbeitung bzw. zur Löschung erfolgt über eine Suchen-Oberfläche</a:t>
-            </a:r>
-          </a:p>
-          <a:p>
+              <a:t>Die Auswahl zur Bearbeitung bzw. zur Löschung erfolgt über eine </a:t>
+            </a:r>
             <a:r>
               <a:rPr lang="de-DE" dirty="0" smtClean="0"/>
-              <a:t>Bearbeiten</a:t>
-            </a:r>
-            <a:r>
-              <a:rPr lang="de-DE" dirty="0"/>
-              <a:t>: die Bezeichnung, die </a:t>
-            </a:r>
+              <a:t>Oberfläche mit Drop-Down-Feld</a:t>
+            </a:r>
+          </a:p>
+          <a:p>
             <a:r>
               <a:rPr lang="de-DE" dirty="0" smtClean="0"/>
-              <a:t>Kurzbezeichnung, die Zuordnung zum Bereich </a:t>
-            </a:r>
-            <a:r>
-              <a:rPr lang="de-DE" dirty="0"/>
-              <a:t>und der Leiter sollen geändert werden können</a:t>
-            </a:r>
-          </a:p>
-          <a:p>
-            <a:r>
-              <a:rPr lang="de-DE" dirty="0"/>
-              <a:t>Löschen: </a:t>
-            </a:r>
+              <a:t>Bearbeiten: die Bezeichnung, die Kurz-bezeichnung und der Leiter sollen geändert werden können</a:t>
+            </a:r>
+          </a:p>
+          <a:p>
             <a:r>
               <a:rPr lang="de-DE" dirty="0" smtClean="0"/>
-              <a:t>die Arbeitsgruppe wird </a:t>
-            </a:r>
-            <a:r>
-              <a:rPr lang="de-DE" dirty="0"/>
-              <a:t>inaktiv gesetzt, sobald alle </a:t>
-            </a:r>
-            <a:r>
-              <a:rPr lang="de-DE" dirty="0" smtClean="0"/>
-              <a:t>Mitarbeiter </a:t>
-            </a:r>
-            <a:r>
-              <a:rPr lang="de-DE" dirty="0"/>
-              <a:t>aus </a:t>
-            </a:r>
-            <a:r>
-              <a:rPr lang="de-DE" dirty="0" smtClean="0"/>
-              <a:t>der Arbeitsgruppe entfernt </a:t>
-            </a:r>
-            <a:r>
-              <a:rPr lang="de-DE" dirty="0"/>
-              <a:t>wurden</a:t>
-            </a:r>
+              <a:t>Löschen: der Bereich wird inaktiv gesetzt, sobald alle Arbeitsgruppen und Mitarbeiter aus dem Bereich entfernt wurden</a:t>
+            </a:r>
+            <a:endParaRPr lang="de-DE" dirty="0"/>
           </a:p>
         </p:txBody>
       </p:sp>
     </p:spTree>
     <p:extLst>
       <p:ext uri="{BB962C8B-B14F-4D97-AF65-F5344CB8AC3E}">
-        <p14:creationId xmlns:p14="http://schemas.microsoft.com/office/powerpoint/2010/main" val="600913733"/>
+        <p14:creationId xmlns:p14="http://schemas.microsoft.com/office/powerpoint/2010/main" val="42813484"/>
       </p:ext>
     </p:extLst>
   </p:cSld>
@@ -5629,7 +5677,7 @@
           <a:p>
             <a:r>
               <a:rPr lang="de-DE" dirty="0" smtClean="0"/>
-              <a:t>Use Case „Mitarbeiter“</a:t>
+              <a:t>Use Case „Arbeitsgruppe“</a:t>
             </a:r>
             <a:endParaRPr lang="de-DE" dirty="0"/>
           </a:p>
@@ -5648,7 +5696,7 @@
         <p:spPr/>
         <p:txBody>
           <a:bodyPr>
-            <a:normAutofit lnSpcReduction="10000"/>
+            <a:normAutofit/>
           </a:bodyPr>
           <a:lstStyle/>
           <a:p>
@@ -5660,32 +5708,19 @@
           <a:p>
             <a:r>
               <a:rPr lang="de-DE" dirty="0"/>
-              <a:t>Anlegen: </a:t>
+              <a:t>Anlegen: mit Angaben über </a:t>
             </a:r>
             <a:r>
               <a:rPr lang="de-DE" dirty="0" smtClean="0"/>
-              <a:t>die Oberfläche wird je nach Rolle des Mitarbeiters angepasst</a:t>
-            </a:r>
-          </a:p>
-          <a:p>
-            <a:pPr lvl="1"/>
+              <a:t>Bezeichnung, Kurz-bezeichnung und Bereich soll eine Arbeitsgruppe angelegt </a:t>
+            </a:r>
+            <a:r>
+              <a:rPr lang="de-DE" dirty="0"/>
+              <a:t>werden </a:t>
+            </a:r>
             <a:r>
               <a:rPr lang="de-DE" dirty="0" smtClean="0"/>
-              <a:t>Vorname, Nachname, Benutzername und Rolle müssen immer angegeben werden</a:t>
-            </a:r>
-          </a:p>
-          <a:p>
-            <a:pPr lvl="1"/>
-            <a:r>
-              <a:rPr lang="de-DE" dirty="0" smtClean="0"/>
-              <a:t>Das Passwort kann entweder manuell eingegeben werden oder kann über einen Button automatisch generiert werden</a:t>
-            </a:r>
-          </a:p>
-          <a:p>
-            <a:pPr lvl="1"/>
-            <a:r>
-              <a:rPr lang="de-DE" dirty="0" smtClean="0"/>
-              <a:t>Je nach Rolle muss entweder eine Arbeitsgruppe oder ein Bereich ausgewählt werden</a:t>
+              <a:t>können</a:t>
             </a:r>
             <a:endParaRPr lang="de-DE" dirty="0"/>
           </a:p>
@@ -5694,7 +5729,7 @@
     </p:spTree>
     <p:extLst>
       <p:ext uri="{BB962C8B-B14F-4D97-AF65-F5344CB8AC3E}">
-        <p14:creationId xmlns:p14="http://schemas.microsoft.com/office/powerpoint/2010/main" val="3395818784"/>
+        <p14:creationId xmlns:p14="http://schemas.microsoft.com/office/powerpoint/2010/main" val="243874718"/>
       </p:ext>
     </p:extLst>
   </p:cSld>
@@ -5744,60 +5779,89 @@
           <a:lstStyle/>
           <a:p>
             <a:r>
+              <a:rPr lang="de-DE" dirty="0" smtClean="0"/>
+              <a:t>Use Case „Arbeitsgruppe“</a:t>
+            </a:r>
+            <a:endParaRPr lang="de-DE" dirty="0"/>
+          </a:p>
+        </p:txBody>
+      </p:sp>
+      <p:sp>
+        <p:nvSpPr>
+          <p:cNvPr id="3" name="Inhaltsplatzhalter 2"/>
+          <p:cNvSpPr>
+            <a:spLocks noGrp="1"/>
+          </p:cNvSpPr>
+          <p:nvPr>
+            <p:ph idx="1"/>
+          </p:nvPr>
+        </p:nvSpPr>
+        <p:spPr/>
+        <p:txBody>
+          <a:bodyPr>
+            <a:normAutofit/>
+          </a:bodyPr>
+          <a:lstStyle/>
+          <a:p>
+            <a:r>
               <a:rPr lang="de-DE" dirty="0"/>
-              <a:t>Use Case „Mitarbeiter“</a:t>
-            </a:r>
-          </a:p>
-        </p:txBody>
-      </p:sp>
-      <p:sp>
-        <p:nvSpPr>
-          <p:cNvPr id="3" name="Inhaltsplatzhalter 2"/>
-          <p:cNvSpPr>
-            <a:spLocks noGrp="1"/>
-          </p:cNvSpPr>
-          <p:nvPr>
-            <p:ph idx="1"/>
-          </p:nvPr>
-        </p:nvSpPr>
-        <p:spPr/>
-        <p:txBody>
-          <a:bodyPr>
-            <a:normAutofit lnSpcReduction="10000"/>
-          </a:bodyPr>
-          <a:lstStyle/>
+              <a:t>Die Auswahl zur Bearbeitung bzw. zur Löschung erfolgt über eine Suchen-Oberfläche</a:t>
+            </a:r>
+          </a:p>
           <a:p>
             <a:r>
               <a:rPr lang="de-DE" dirty="0" smtClean="0"/>
-              <a:t>Die Auswahl zur Bearbeitung bzw. zur Löschung erfolgt über eine Suchen-Oberfläche</a:t>
-            </a:r>
-          </a:p>
-          <a:p>
+              <a:t>Bearbeiten</a:t>
+            </a:r>
+            <a:r>
+              <a:rPr lang="de-DE" dirty="0"/>
+              <a:t>: die Bezeichnung, die </a:t>
+            </a:r>
             <a:r>
               <a:rPr lang="de-DE" dirty="0" smtClean="0"/>
-              <a:t>Bearbeiten: Vorname, Nachname, Rolle und Bereich bzw. Arbeitsgruppe können geändert werden</a:t>
-            </a:r>
-          </a:p>
-          <a:p>
-            <a:pPr lvl="1"/>
+              <a:t>Kurzbezeichnung, die Zuordnung zum Bereich </a:t>
+            </a:r>
+            <a:r>
+              <a:rPr lang="de-DE" dirty="0"/>
+              <a:t>und der Leiter sollen geändert werden können</a:t>
+            </a:r>
+          </a:p>
+          <a:p>
+            <a:r>
+              <a:rPr lang="de-DE" dirty="0"/>
+              <a:t>Löschen: </a:t>
+            </a:r>
             <a:r>
               <a:rPr lang="de-DE" dirty="0" smtClean="0"/>
-              <a:t>Je nach Rolle wird entweder Bereich oder Arbeitsgruppe angezeigt</a:t>
-            </a:r>
-          </a:p>
-          <a:p>
+              <a:t>die Arbeitsgruppe wird </a:t>
+            </a:r>
+            <a:r>
+              <a:rPr lang="de-DE" dirty="0"/>
+              <a:t>inaktiv gesetzt, sobald alle </a:t>
+            </a:r>
             <a:r>
               <a:rPr lang="de-DE" dirty="0" smtClean="0"/>
-              <a:t>Löschen: nach der Suche erscheint eine Auswahl-Tabelle über die der Mitarbeiter gelöscht werden kann</a:t>
-            </a:r>
-            <a:endParaRPr lang="de-DE" dirty="0"/>
+              <a:t>Mitarbeiter </a:t>
+            </a:r>
+            <a:r>
+              <a:rPr lang="de-DE" dirty="0"/>
+              <a:t>aus </a:t>
+            </a:r>
+            <a:r>
+              <a:rPr lang="de-DE" dirty="0" smtClean="0"/>
+              <a:t>der Arbeitsgruppe entfernt </a:t>
+            </a:r>
+            <a:r>
+              <a:rPr lang="de-DE" dirty="0"/>
+              <a:t>wurden</a:t>
+            </a:r>
           </a:p>
         </p:txBody>
       </p:sp>
     </p:spTree>
     <p:extLst>
       <p:ext uri="{BB962C8B-B14F-4D97-AF65-F5344CB8AC3E}">
-        <p14:creationId xmlns:p14="http://schemas.microsoft.com/office/powerpoint/2010/main" val="1313710794"/>
+        <p14:creationId xmlns:p14="http://schemas.microsoft.com/office/powerpoint/2010/main" val="600913733"/>
       </p:ext>
     </p:extLst>
   </p:cSld>
@@ -5848,7 +5912,7 @@
           <a:p>
             <a:r>
               <a:rPr lang="de-DE" dirty="0" smtClean="0"/>
-              <a:t>Use Case „Art“</a:t>
+              <a:t>Use Case „Mitarbeiter“</a:t>
             </a:r>
             <a:endParaRPr lang="de-DE" dirty="0"/>
           </a:p>
@@ -5866,7 +5930,9 @@
         </p:nvSpPr>
         <p:spPr/>
         <p:txBody>
-          <a:bodyPr/>
+          <a:bodyPr>
+            <a:normAutofit lnSpcReduction="10000"/>
+          </a:bodyPr>
           <a:lstStyle/>
           <a:p>
             <a:r>
@@ -5876,17 +5942,34 @@
           </a:p>
           <a:p>
             <a:r>
+              <a:rPr lang="de-DE" dirty="0"/>
+              <a:t>Anlegen: </a:t>
+            </a:r>
+            <a:r>
               <a:rPr lang="de-DE" dirty="0" smtClean="0"/>
-              <a:t>Anlegen: über Angabe einer Bezeichnung kann eine neue Eintragsart angelegt werden</a:t>
-            </a:r>
-          </a:p>
-          <a:p>
+              <a:t>die Oberfläche wird je nach Rolle des Mitarbeiters angepasst</a:t>
+            </a:r>
+          </a:p>
+          <a:p>
+            <a:pPr lvl="1"/>
             <a:r>
               <a:rPr lang="de-DE" dirty="0" smtClean="0"/>
-              <a:t>Löschen: über ein Drop-Down-Feld kann die zu löschende Art ausgewählt werden</a:t>
-            </a:r>
-          </a:p>
-          <a:p>
+              <a:t>Vorname, Nachname, Benutzername und Rolle müssen immer angegeben werden</a:t>
+            </a:r>
+          </a:p>
+          <a:p>
+            <a:pPr lvl="1"/>
+            <a:r>
+              <a:rPr lang="de-DE" dirty="0" smtClean="0"/>
+              <a:t>Das Passwort kann entweder manuell eingegeben werden oder kann über einen Button automatisch generiert werden</a:t>
+            </a:r>
+          </a:p>
+          <a:p>
+            <a:pPr lvl="1"/>
+            <a:r>
+              <a:rPr lang="de-DE" dirty="0" smtClean="0"/>
+              <a:t>Je nach Rolle muss entweder eine Arbeitsgruppe oder ein Bereich ausgewählt werden</a:t>
+            </a:r>
             <a:endParaRPr lang="de-DE" dirty="0"/>
           </a:p>
         </p:txBody>
@@ -5894,7 +5977,7 @@
     </p:spTree>
     <p:extLst>
       <p:ext uri="{BB962C8B-B14F-4D97-AF65-F5344CB8AC3E}">
-        <p14:creationId xmlns:p14="http://schemas.microsoft.com/office/powerpoint/2010/main" val="2204375755"/>
+        <p14:creationId xmlns:p14="http://schemas.microsoft.com/office/powerpoint/2010/main" val="3395818784"/>
       </p:ext>
     </p:extLst>
   </p:cSld>
@@ -5970,19 +6053,37 @@
           <a:p>
             <a:r>
               <a:rPr lang="de-DE" dirty="0" smtClean="0"/>
-              <a:t>Programm zur Datenerfassung</a:t>
-            </a:r>
-          </a:p>
-          <a:p>
+              <a:t>Programm zur </a:t>
+            </a:r>
             <a:r>
               <a:rPr lang="de-DE" dirty="0" smtClean="0"/>
-              <a:t>Sachbearbeiter dokumentieren tägliches Arbeitspensum (Zählung von bearbeiteten Aufträgen)</a:t>
-            </a:r>
+              <a:t>Datenerfassung</a:t>
+            </a:r>
+          </a:p>
+          <a:p>
+            <a:endParaRPr lang="de-DE" dirty="0" smtClean="0"/>
           </a:p>
           <a:p>
             <a:r>
               <a:rPr lang="de-DE" dirty="0" smtClean="0"/>
-              <a:t>Gruppenleiter, Bereichsleiter, Zentralbereichsleiter und Fachbereichsorganisation können bearbeitete Aufträge je nach Bereich bzw. Arbeitsgruppe aufsummiert einsehen</a:t>
+              <a:t>Dokumentieren Arbeitsaufgaben je Kalenderwoche</a:t>
+            </a:r>
+          </a:p>
+          <a:p>
+            <a:endParaRPr lang="de-DE" dirty="0" smtClean="0"/>
+          </a:p>
+          <a:p>
+            <a:r>
+              <a:rPr lang="de-DE" dirty="0" smtClean="0"/>
+              <a:t>Statistiken über bearbeitete </a:t>
+            </a:r>
+            <a:r>
+              <a:rPr lang="de-DE" dirty="0" smtClean="0"/>
+              <a:t>Aufträge je nach Bereich bzw. </a:t>
+            </a:r>
+            <a:r>
+              <a:rPr lang="de-DE" dirty="0" smtClean="0"/>
+              <a:t>Arbeitsgruppe</a:t>
             </a:r>
             <a:endParaRPr lang="de-DE" dirty="0"/>
           </a:p>
@@ -6041,6 +6142,206 @@
           <a:lstStyle/>
           <a:p>
             <a:r>
+              <a:rPr lang="de-DE" dirty="0"/>
+              <a:t>Use Case „Mitarbeiter“</a:t>
+            </a:r>
+          </a:p>
+        </p:txBody>
+      </p:sp>
+      <p:sp>
+        <p:nvSpPr>
+          <p:cNvPr id="3" name="Inhaltsplatzhalter 2"/>
+          <p:cNvSpPr>
+            <a:spLocks noGrp="1"/>
+          </p:cNvSpPr>
+          <p:nvPr>
+            <p:ph idx="1"/>
+          </p:nvPr>
+        </p:nvSpPr>
+        <p:spPr/>
+        <p:txBody>
+          <a:bodyPr>
+            <a:normAutofit lnSpcReduction="10000"/>
+          </a:bodyPr>
+          <a:lstStyle/>
+          <a:p>
+            <a:r>
+              <a:rPr lang="de-DE" dirty="0" smtClean="0"/>
+              <a:t>Die Auswahl zur Bearbeitung bzw. zur Löschung erfolgt über eine Suchen-Oberfläche</a:t>
+            </a:r>
+          </a:p>
+          <a:p>
+            <a:r>
+              <a:rPr lang="de-DE" dirty="0" smtClean="0"/>
+              <a:t>Bearbeiten: Vorname, Nachname, Rolle und Bereich bzw. Arbeitsgruppe können geändert werden</a:t>
+            </a:r>
+          </a:p>
+          <a:p>
+            <a:pPr lvl="1"/>
+            <a:r>
+              <a:rPr lang="de-DE" dirty="0" smtClean="0"/>
+              <a:t>Je nach Rolle wird entweder Bereich oder Arbeitsgruppe angezeigt</a:t>
+            </a:r>
+          </a:p>
+          <a:p>
+            <a:r>
+              <a:rPr lang="de-DE" dirty="0" smtClean="0"/>
+              <a:t>Löschen: nach der Suche erscheint eine Auswahl-Tabelle über die der Mitarbeiter gelöscht werden kann</a:t>
+            </a:r>
+            <a:endParaRPr lang="de-DE" dirty="0"/>
+          </a:p>
+        </p:txBody>
+      </p:sp>
+    </p:spTree>
+    <p:extLst>
+      <p:ext uri="{BB962C8B-B14F-4D97-AF65-F5344CB8AC3E}">
+        <p14:creationId xmlns:p14="http://schemas.microsoft.com/office/powerpoint/2010/main" val="1313710794"/>
+      </p:ext>
+    </p:extLst>
+  </p:cSld>
+  <p:clrMapOvr>
+    <a:masterClrMapping/>
+  </p:clrMapOvr>
+  <p:timing>
+    <p:tnLst>
+      <p:par>
+        <p:cTn id="1" dur="indefinite" restart="never" nodeType="tmRoot"/>
+      </p:par>
+    </p:tnLst>
+  </p:timing>
+</p:sld>
+</file>
+
+<file path=ppt/slides/slide21.xml><?xml version="1.0" encoding="utf-8"?>
+<p:sld xmlns:a="http://schemas.openxmlformats.org/drawingml/2006/main" xmlns:r="http://schemas.openxmlformats.org/officeDocument/2006/relationships" xmlns:p="http://schemas.openxmlformats.org/presentationml/2006/main">
+  <p:cSld>
+    <p:spTree>
+      <p:nvGrpSpPr>
+        <p:cNvPr id="1" name=""/>
+        <p:cNvGrpSpPr/>
+        <p:nvPr/>
+      </p:nvGrpSpPr>
+      <p:grpSpPr>
+        <a:xfrm>
+          <a:off x="0" y="0"/>
+          <a:ext cx="0" cy="0"/>
+          <a:chOff x="0" y="0"/>
+          <a:chExt cx="0" cy="0"/>
+        </a:xfrm>
+      </p:grpSpPr>
+      <p:sp>
+        <p:nvSpPr>
+          <p:cNvPr id="2" name="Titel 1"/>
+          <p:cNvSpPr>
+            <a:spLocks noGrp="1"/>
+          </p:cNvSpPr>
+          <p:nvPr>
+            <p:ph type="title"/>
+          </p:nvPr>
+        </p:nvSpPr>
+        <p:spPr/>
+        <p:txBody>
+          <a:bodyPr/>
+          <a:lstStyle/>
+          <a:p>
+            <a:r>
+              <a:rPr lang="de-DE" dirty="0" smtClean="0"/>
+              <a:t>Use Case „Art“</a:t>
+            </a:r>
+            <a:endParaRPr lang="de-DE" dirty="0"/>
+          </a:p>
+        </p:txBody>
+      </p:sp>
+      <p:sp>
+        <p:nvSpPr>
+          <p:cNvPr id="3" name="Inhaltsplatzhalter 2"/>
+          <p:cNvSpPr>
+            <a:spLocks noGrp="1"/>
+          </p:cNvSpPr>
+          <p:nvPr>
+            <p:ph idx="1"/>
+          </p:nvPr>
+        </p:nvSpPr>
+        <p:spPr/>
+        <p:txBody>
+          <a:bodyPr/>
+          <a:lstStyle/>
+          <a:p>
+            <a:r>
+              <a:rPr lang="de-DE" dirty="0"/>
+              <a:t>Die Verwaltung erfolgt über die Fachbereichs-organisation</a:t>
+            </a:r>
+          </a:p>
+          <a:p>
+            <a:r>
+              <a:rPr lang="de-DE" dirty="0" smtClean="0"/>
+              <a:t>Anlegen: über Angabe einer Bezeichnung kann eine neue Eintragsart angelegt werden</a:t>
+            </a:r>
+          </a:p>
+          <a:p>
+            <a:r>
+              <a:rPr lang="de-DE" dirty="0" smtClean="0"/>
+              <a:t>Löschen: über ein Drop-Down-Feld kann die zu löschende Art ausgewählt werden</a:t>
+            </a:r>
+          </a:p>
+          <a:p>
+            <a:endParaRPr lang="de-DE" dirty="0"/>
+          </a:p>
+        </p:txBody>
+      </p:sp>
+    </p:spTree>
+    <p:extLst>
+      <p:ext uri="{BB962C8B-B14F-4D97-AF65-F5344CB8AC3E}">
+        <p14:creationId xmlns:p14="http://schemas.microsoft.com/office/powerpoint/2010/main" val="2204375755"/>
+      </p:ext>
+    </p:extLst>
+  </p:cSld>
+  <p:clrMapOvr>
+    <a:masterClrMapping/>
+  </p:clrMapOvr>
+  <p:timing>
+    <p:tnLst>
+      <p:par>
+        <p:cTn id="1" dur="indefinite" restart="never" nodeType="tmRoot"/>
+      </p:par>
+    </p:tnLst>
+  </p:timing>
+</p:sld>
+</file>
+
+<file path=ppt/slides/slide22.xml><?xml version="1.0" encoding="utf-8"?>
+<p:sld xmlns:a="http://schemas.openxmlformats.org/drawingml/2006/main" xmlns:r="http://schemas.openxmlformats.org/officeDocument/2006/relationships" xmlns:p="http://schemas.openxmlformats.org/presentationml/2006/main">
+  <p:cSld>
+    <p:spTree>
+      <p:nvGrpSpPr>
+        <p:cNvPr id="1" name=""/>
+        <p:cNvGrpSpPr/>
+        <p:nvPr/>
+      </p:nvGrpSpPr>
+      <p:grpSpPr>
+        <a:xfrm>
+          <a:off x="0" y="0"/>
+          <a:ext cx="0" cy="0"/>
+          <a:chOff x="0" y="0"/>
+          <a:chExt cx="0" cy="0"/>
+        </a:xfrm>
+      </p:grpSpPr>
+      <p:sp>
+        <p:nvSpPr>
+          <p:cNvPr id="2" name="Titel 1"/>
+          <p:cNvSpPr>
+            <a:spLocks noGrp="1"/>
+          </p:cNvSpPr>
+          <p:nvPr>
+            <p:ph type="title"/>
+          </p:nvPr>
+        </p:nvSpPr>
+        <p:spPr/>
+        <p:txBody>
+          <a:bodyPr/>
+          <a:lstStyle/>
+          <a:p>
+            <a:r>
               <a:rPr lang="de-DE" dirty="0" smtClean="0"/>
               <a:t>Use Case „Job“</a:t>
             </a:r>
@@ -6151,107 +6452,7 @@
           <a:p>
             <a:r>
               <a:rPr lang="de-DE" dirty="0" smtClean="0"/>
-              <a:t>Sub-Teams</a:t>
-            </a:r>
-            <a:endParaRPr lang="de-DE" dirty="0"/>
-          </a:p>
-        </p:txBody>
-      </p:sp>
-      <p:sp>
-        <p:nvSpPr>
-          <p:cNvPr id="3" name="Inhaltsplatzhalter 2"/>
-          <p:cNvSpPr>
-            <a:spLocks noGrp="1"/>
-          </p:cNvSpPr>
-          <p:nvPr>
-            <p:ph idx="1"/>
-          </p:nvPr>
-        </p:nvSpPr>
-        <p:spPr/>
-        <p:txBody>
-          <a:bodyPr/>
-          <a:lstStyle/>
-          <a:p>
-            <a:r>
-              <a:rPr lang="de-DE" dirty="0" smtClean="0"/>
-              <a:t>Datenbank: Realisierung der Datenbank und Datenbankanbindung</a:t>
-            </a:r>
-          </a:p>
-          <a:p>
-            <a:r>
-              <a:rPr lang="de-DE" dirty="0" smtClean="0"/>
-              <a:t>GUI: Oberflächengestaltung und deren Umsetzung</a:t>
-            </a:r>
-          </a:p>
-          <a:p>
-            <a:r>
-              <a:rPr lang="de-DE" dirty="0" smtClean="0"/>
-              <a:t>Logik: Umsetzung Business-Logik der Anwendung</a:t>
-            </a:r>
-          </a:p>
-          <a:p>
-            <a:r>
-              <a:rPr lang="de-DE" dirty="0" smtClean="0"/>
-              <a:t>Test: Erstellung und Durchführung Testfälle (gesamtes Team)</a:t>
-            </a:r>
-          </a:p>
-        </p:txBody>
-      </p:sp>
-    </p:spTree>
-    <p:extLst>
-      <p:ext uri="{BB962C8B-B14F-4D97-AF65-F5344CB8AC3E}">
-        <p14:creationId xmlns:p14="http://schemas.microsoft.com/office/powerpoint/2010/main" val="1441888064"/>
-      </p:ext>
-    </p:extLst>
-  </p:cSld>
-  <p:clrMapOvr>
-    <a:masterClrMapping/>
-  </p:clrMapOvr>
-  <p:timing>
-    <p:tnLst>
-      <p:par>
-        <p:cTn id="1" dur="indefinite" restart="never" nodeType="tmRoot"/>
-      </p:par>
-    </p:tnLst>
-  </p:timing>
-</p:sld>
-</file>
-
-<file path=ppt/slides/slide4.xml><?xml version="1.0" encoding="utf-8"?>
-<p:sld xmlns:a="http://schemas.openxmlformats.org/drawingml/2006/main" xmlns:r="http://schemas.openxmlformats.org/officeDocument/2006/relationships" xmlns:p="http://schemas.openxmlformats.org/presentationml/2006/main">
-  <p:cSld>
-    <p:spTree>
-      <p:nvGrpSpPr>
-        <p:cNvPr id="1" name=""/>
-        <p:cNvGrpSpPr/>
-        <p:nvPr/>
-      </p:nvGrpSpPr>
-      <p:grpSpPr>
-        <a:xfrm>
-          <a:off x="0" y="0"/>
-          <a:ext cx="0" cy="0"/>
-          <a:chOff x="0" y="0"/>
-          <a:chExt cx="0" cy="0"/>
-        </a:xfrm>
-      </p:grpSpPr>
-      <p:sp>
-        <p:nvSpPr>
-          <p:cNvPr id="2" name="Titel 1"/>
-          <p:cNvSpPr>
-            <a:spLocks noGrp="1"/>
-          </p:cNvSpPr>
-          <p:nvPr>
-            <p:ph type="title"/>
-          </p:nvPr>
-        </p:nvSpPr>
-        <p:spPr/>
-        <p:txBody>
-          <a:bodyPr/>
-          <a:lstStyle/>
-          <a:p>
-            <a:r>
-              <a:rPr lang="de-DE" dirty="0" smtClean="0"/>
-              <a:t>Sub-Teams</a:t>
+              <a:t>Projektorganisation</a:t>
             </a:r>
             <a:endParaRPr lang="de-DE" dirty="0"/>
           </a:p>
@@ -6349,7 +6550,7 @@
         </p:nvSpPr>
         <p:spPr>
           <a:xfrm>
-            <a:off x="4319872" y="4571169"/>
+            <a:off x="4728050" y="4571169"/>
             <a:ext cx="1800000" cy="720000"/>
           </a:xfrm>
           <a:prstGeom prst="roundRect">
@@ -6391,7 +6592,7 @@
         </p:nvSpPr>
         <p:spPr>
           <a:xfrm>
-            <a:off x="2267744" y="4571169"/>
+            <a:off x="2471733" y="4571169"/>
             <a:ext cx="1800000" cy="720000"/>
           </a:xfrm>
           <a:prstGeom prst="roundRect">
@@ -6511,8 +6712,8 @@
         </p:nvCxnSpPr>
         <p:spPr>
           <a:xfrm rot="5400000">
-            <a:off x="3334702" y="3477986"/>
-            <a:ext cx="926225" cy="1260140"/>
+            <a:off x="3436697" y="3579981"/>
+            <a:ext cx="926225" cy="1056151"/>
           </a:xfrm>
           <a:prstGeom prst="bentConnector3">
             <a:avLst/>
@@ -6544,8 +6745,8 @@
         </p:nvCxnSpPr>
         <p:spPr>
           <a:xfrm rot="16200000" flipH="1">
-            <a:off x="4360766" y="3712062"/>
-            <a:ext cx="926225" cy="791988"/>
+            <a:off x="4564855" y="3507973"/>
+            <a:ext cx="926225" cy="1200166"/>
           </a:xfrm>
           <a:prstGeom prst="bentConnector3">
             <a:avLst/>
@@ -6619,7 +6820,7 @@
 </p:sld>
 </file>
 
-<file path=ppt/slides/slide5.xml><?xml version="1.0" encoding="utf-8"?>
+<file path=ppt/slides/slide4.xml><?xml version="1.0" encoding="utf-8"?>
 <p:sld xmlns:a="http://schemas.openxmlformats.org/drawingml/2006/main" xmlns:r="http://schemas.openxmlformats.org/officeDocument/2006/relationships" xmlns:p="http://schemas.openxmlformats.org/presentationml/2006/main">
   <p:cSld>
     <p:spTree>
@@ -6746,6 +6947,420 @@
 </p:sld>
 </file>
 
+<file path=ppt/slides/slide5.xml><?xml version="1.0" encoding="utf-8"?>
+<p:sld xmlns:a="http://schemas.openxmlformats.org/drawingml/2006/main" xmlns:r="http://schemas.openxmlformats.org/officeDocument/2006/relationships" xmlns:p="http://schemas.openxmlformats.org/presentationml/2006/main">
+  <p:cSld>
+    <p:spTree>
+      <p:nvGrpSpPr>
+        <p:cNvPr id="1" name=""/>
+        <p:cNvGrpSpPr/>
+        <p:nvPr/>
+      </p:nvGrpSpPr>
+      <p:grpSpPr>
+        <a:xfrm>
+          <a:off x="0" y="0"/>
+          <a:ext cx="0" cy="0"/>
+          <a:chOff x="0" y="0"/>
+          <a:chExt cx="0" cy="0"/>
+        </a:xfrm>
+      </p:grpSpPr>
+      <p:pic>
+        <p:nvPicPr>
+          <p:cNvPr id="5" name="Grafik 4"/>
+          <p:cNvPicPr>
+            <a:picLocks noChangeAspect="1"/>
+          </p:cNvPicPr>
+          <p:nvPr/>
+        </p:nvPicPr>
+        <p:blipFill>
+          <a:blip r:embed="rId2">
+            <a:extLst>
+              <a:ext uri="{28A0092B-C50C-407E-A947-70E740481C1C}">
+                <a14:useLocalDpi xmlns:a14="http://schemas.microsoft.com/office/drawing/2010/main" val="0"/>
+              </a:ext>
+            </a:extLst>
+          </a:blip>
+          <a:stretch>
+            <a:fillRect/>
+          </a:stretch>
+        </p:blipFill>
+        <p:spPr>
+          <a:xfrm>
+            <a:off x="6516216" y="3068960"/>
+            <a:ext cx="2349764" cy="944513"/>
+          </a:xfrm>
+          <a:prstGeom prst="rect">
+            <a:avLst/>
+          </a:prstGeom>
+        </p:spPr>
+      </p:pic>
+      <p:sp>
+        <p:nvSpPr>
+          <p:cNvPr id="2" name="Titel 1"/>
+          <p:cNvSpPr>
+            <a:spLocks noGrp="1"/>
+          </p:cNvSpPr>
+          <p:nvPr>
+            <p:ph type="title"/>
+          </p:nvPr>
+        </p:nvSpPr>
+        <p:spPr/>
+        <p:txBody>
+          <a:bodyPr/>
+          <a:lstStyle/>
+          <a:p>
+            <a:r>
+              <a:rPr lang="de-DE" dirty="0" smtClean="0"/>
+              <a:t>Systemumgebung</a:t>
+            </a:r>
+            <a:endParaRPr lang="de-DE" dirty="0"/>
+          </a:p>
+        </p:txBody>
+      </p:sp>
+      <p:sp>
+        <p:nvSpPr>
+          <p:cNvPr id="3" name="Flussdiagramm: Magnetplattenspeicher 2"/>
+          <p:cNvSpPr/>
+          <p:nvPr/>
+        </p:nvSpPr>
+        <p:spPr>
+          <a:xfrm>
+            <a:off x="3594636" y="5458460"/>
+            <a:ext cx="1584176" cy="936104"/>
+          </a:xfrm>
+          <a:prstGeom prst="flowChartMagneticDisk">
+            <a:avLst/>
+          </a:prstGeom>
+        </p:spPr>
+        <p:style>
+          <a:lnRef idx="1">
+            <a:schemeClr val="accent6"/>
+          </a:lnRef>
+          <a:fillRef idx="2">
+            <a:schemeClr val="accent6"/>
+          </a:fillRef>
+          <a:effectRef idx="1">
+            <a:schemeClr val="accent6"/>
+          </a:effectRef>
+          <a:fontRef idx="minor">
+            <a:schemeClr val="dk1"/>
+          </a:fontRef>
+        </p:style>
+        <p:txBody>
+          <a:bodyPr rtlCol="0" anchor="ctr"/>
+          <a:lstStyle/>
+          <a:p>
+            <a:pPr algn="ctr"/>
+            <a:endParaRPr lang="de-DE"/>
+          </a:p>
+        </p:txBody>
+      </p:sp>
+      <p:pic>
+        <p:nvPicPr>
+          <p:cNvPr id="6" name="Grafik 5"/>
+          <p:cNvPicPr>
+            <a:picLocks noChangeAspect="1"/>
+          </p:cNvPicPr>
+          <p:nvPr/>
+        </p:nvPicPr>
+        <p:blipFill>
+          <a:blip r:embed="rId3" cstate="print">
+            <a:extLst>
+              <a:ext uri="{28A0092B-C50C-407E-A947-70E740481C1C}">
+                <a14:useLocalDpi xmlns:a14="http://schemas.microsoft.com/office/drawing/2010/main" val="0"/>
+              </a:ext>
+            </a:extLst>
+          </a:blip>
+          <a:stretch>
+            <a:fillRect/>
+          </a:stretch>
+        </p:blipFill>
+        <p:spPr>
+          <a:xfrm>
+            <a:off x="7236296" y="2283962"/>
+            <a:ext cx="932686" cy="1430118"/>
+          </a:xfrm>
+          <a:prstGeom prst="rect">
+            <a:avLst/>
+          </a:prstGeom>
+        </p:spPr>
+      </p:pic>
+      <p:pic>
+        <p:nvPicPr>
+          <p:cNvPr id="10" name="Grafik 9"/>
+          <p:cNvPicPr>
+            <a:picLocks noChangeAspect="1"/>
+          </p:cNvPicPr>
+          <p:nvPr/>
+        </p:nvPicPr>
+        <p:blipFill>
+          <a:blip r:embed="rId4">
+            <a:extLst>
+              <a:ext uri="{28A0092B-C50C-407E-A947-70E740481C1C}">
+                <a14:useLocalDpi xmlns:a14="http://schemas.microsoft.com/office/drawing/2010/main" val="0"/>
+              </a:ext>
+            </a:extLst>
+          </a:blip>
+          <a:stretch>
+            <a:fillRect/>
+          </a:stretch>
+        </p:blipFill>
+        <p:spPr>
+          <a:xfrm flipH="1">
+            <a:off x="837448" y="2478564"/>
+            <a:ext cx="1430296" cy="1638006"/>
+          </a:xfrm>
+          <a:prstGeom prst="rect">
+            <a:avLst/>
+          </a:prstGeom>
+        </p:spPr>
+      </p:pic>
+      <p:sp>
+        <p:nvSpPr>
+          <p:cNvPr id="11" name="Pfeil nach oben und unten 10"/>
+          <p:cNvSpPr/>
+          <p:nvPr/>
+        </p:nvSpPr>
+        <p:spPr>
+          <a:xfrm rot="18934243">
+            <a:off x="2405698" y="3767393"/>
+            <a:ext cx="936104" cy="1728192"/>
+          </a:xfrm>
+          <a:prstGeom prst="upDownArrow">
+            <a:avLst/>
+          </a:prstGeom>
+        </p:spPr>
+        <p:style>
+          <a:lnRef idx="1">
+            <a:schemeClr val="accent6"/>
+          </a:lnRef>
+          <a:fillRef idx="2">
+            <a:schemeClr val="accent6"/>
+          </a:fillRef>
+          <a:effectRef idx="1">
+            <a:schemeClr val="accent6"/>
+          </a:effectRef>
+          <a:fontRef idx="minor">
+            <a:schemeClr val="dk1"/>
+          </a:fontRef>
+        </p:style>
+        <p:txBody>
+          <a:bodyPr rtlCol="0" anchor="ctr"/>
+          <a:lstStyle/>
+          <a:p>
+            <a:pPr algn="ctr"/>
+            <a:endParaRPr lang="de-DE"/>
+          </a:p>
+        </p:txBody>
+      </p:sp>
+      <p:sp>
+        <p:nvSpPr>
+          <p:cNvPr id="12" name="Pfeil nach oben und unten 11"/>
+          <p:cNvSpPr/>
+          <p:nvPr/>
+        </p:nvSpPr>
+        <p:spPr>
+          <a:xfrm rot="13530957">
+            <a:off x="5505239" y="3789395"/>
+            <a:ext cx="936104" cy="1728192"/>
+          </a:xfrm>
+          <a:prstGeom prst="upDownArrow">
+            <a:avLst/>
+          </a:prstGeom>
+        </p:spPr>
+        <p:style>
+          <a:lnRef idx="1">
+            <a:schemeClr val="accent6"/>
+          </a:lnRef>
+          <a:fillRef idx="2">
+            <a:schemeClr val="accent6"/>
+          </a:fillRef>
+          <a:effectRef idx="1">
+            <a:schemeClr val="accent6"/>
+          </a:effectRef>
+          <a:fontRef idx="minor">
+            <a:schemeClr val="dk1"/>
+          </a:fontRef>
+        </p:style>
+        <p:txBody>
+          <a:bodyPr rtlCol="0" anchor="ctr"/>
+          <a:lstStyle/>
+          <a:p>
+            <a:pPr algn="ctr"/>
+            <a:endParaRPr lang="de-DE"/>
+          </a:p>
+        </p:txBody>
+      </p:sp>
+      <p:pic>
+        <p:nvPicPr>
+          <p:cNvPr id="14" name="Grafik 13"/>
+          <p:cNvPicPr>
+            <a:picLocks noChangeAspect="1"/>
+          </p:cNvPicPr>
+          <p:nvPr/>
+        </p:nvPicPr>
+        <p:blipFill>
+          <a:blip r:embed="rId5" cstate="print">
+            <a:extLst>
+              <a:ext uri="{28A0092B-C50C-407E-A947-70E740481C1C}">
+                <a14:useLocalDpi xmlns:a14="http://schemas.microsoft.com/office/drawing/2010/main" val="0"/>
+              </a:ext>
+            </a:extLst>
+          </a:blip>
+          <a:stretch>
+            <a:fillRect/>
+          </a:stretch>
+        </p:blipFill>
+        <p:spPr>
+          <a:xfrm>
+            <a:off x="5580112" y="4221088"/>
+            <a:ext cx="577262" cy="558982"/>
+          </a:xfrm>
+          <a:prstGeom prst="rect">
+            <a:avLst/>
+          </a:prstGeom>
+        </p:spPr>
+      </p:pic>
+      <p:sp>
+        <p:nvSpPr>
+          <p:cNvPr id="15" name="Textfeld 14"/>
+          <p:cNvSpPr txBox="1"/>
+          <p:nvPr/>
+        </p:nvSpPr>
+        <p:spPr>
+          <a:xfrm>
+            <a:off x="6167246" y="4780070"/>
+            <a:ext cx="2698734" cy="646331"/>
+          </a:xfrm>
+          <a:prstGeom prst="rect">
+            <a:avLst/>
+          </a:prstGeom>
+          <a:noFill/>
+        </p:spPr>
+        <p:txBody>
+          <a:bodyPr wrap="square" rtlCol="0">
+            <a:spAutoFit/>
+          </a:bodyPr>
+          <a:lstStyle/>
+          <a:p>
+            <a:r>
+              <a:rPr lang="de-DE" dirty="0" smtClean="0">
+                <a:latin typeface="+mj-lt"/>
+              </a:rPr>
+              <a:t>Jede Nacht: kopiere Einträge vom Vortag</a:t>
+            </a:r>
+            <a:endParaRPr lang="de-DE" dirty="0">
+              <a:latin typeface="+mj-lt"/>
+            </a:endParaRPr>
+          </a:p>
+        </p:txBody>
+      </p:sp>
+      <p:sp>
+        <p:nvSpPr>
+          <p:cNvPr id="16" name="Textfeld 15"/>
+          <p:cNvSpPr txBox="1"/>
+          <p:nvPr/>
+        </p:nvSpPr>
+        <p:spPr>
+          <a:xfrm>
+            <a:off x="3961498" y="5867980"/>
+            <a:ext cx="2698734" cy="369332"/>
+          </a:xfrm>
+          <a:prstGeom prst="rect">
+            <a:avLst/>
+          </a:prstGeom>
+          <a:noFill/>
+        </p:spPr>
+        <p:txBody>
+          <a:bodyPr wrap="square" rtlCol="0">
+            <a:spAutoFit/>
+          </a:bodyPr>
+          <a:lstStyle/>
+          <a:p>
+            <a:r>
+              <a:rPr lang="de-DE" dirty="0" smtClean="0">
+                <a:latin typeface="+mj-lt"/>
+              </a:rPr>
+              <a:t>MySQL</a:t>
+            </a:r>
+            <a:endParaRPr lang="de-DE" dirty="0">
+              <a:latin typeface="+mj-lt"/>
+            </a:endParaRPr>
+          </a:p>
+        </p:txBody>
+      </p:sp>
+      <p:sp>
+        <p:nvSpPr>
+          <p:cNvPr id="17" name="Textfeld 16"/>
+          <p:cNvSpPr txBox="1"/>
+          <p:nvPr/>
+        </p:nvSpPr>
+        <p:spPr>
+          <a:xfrm>
+            <a:off x="2245269" y="2651236"/>
+            <a:ext cx="2698734" cy="923330"/>
+          </a:xfrm>
+          <a:prstGeom prst="rect">
+            <a:avLst/>
+          </a:prstGeom>
+          <a:noFill/>
+        </p:spPr>
+        <p:txBody>
+          <a:bodyPr wrap="square" rtlCol="0">
+            <a:spAutoFit/>
+          </a:bodyPr>
+          <a:lstStyle/>
+          <a:p>
+            <a:r>
+              <a:rPr lang="de-DE" dirty="0" smtClean="0">
+                <a:latin typeface="+mj-lt"/>
+              </a:rPr>
+              <a:t>OS &gt; </a:t>
+            </a:r>
+            <a:r>
+              <a:rPr lang="de-DE" dirty="0" err="1" smtClean="0">
+                <a:latin typeface="+mj-lt"/>
+              </a:rPr>
+              <a:t>Win</a:t>
+            </a:r>
+            <a:r>
+              <a:rPr lang="de-DE" dirty="0" smtClean="0">
+                <a:latin typeface="+mj-lt"/>
+              </a:rPr>
+              <a:t> XP</a:t>
+            </a:r>
+          </a:p>
+          <a:p>
+            <a:r>
+              <a:rPr lang="de-DE" dirty="0" smtClean="0">
+                <a:latin typeface="+mj-lt"/>
+              </a:rPr>
+              <a:t>Min. 1024x768</a:t>
+            </a:r>
+          </a:p>
+          <a:p>
+            <a:r>
+              <a:rPr lang="de-DE" dirty="0" smtClean="0">
+                <a:latin typeface="+mj-lt"/>
+              </a:rPr>
+              <a:t>Java 7</a:t>
+            </a:r>
+          </a:p>
+        </p:txBody>
+      </p:sp>
+    </p:spTree>
+    <p:extLst>
+      <p:ext uri="{BB962C8B-B14F-4D97-AF65-F5344CB8AC3E}">
+        <p14:creationId xmlns:p14="http://schemas.microsoft.com/office/powerpoint/2010/main" val="2896085358"/>
+      </p:ext>
+    </p:extLst>
+  </p:cSld>
+  <p:clrMapOvr>
+    <a:masterClrMapping/>
+  </p:clrMapOvr>
+</p:sld>
+</file>
+
 <file path=ppt/slides/slide6.xml><?xml version="1.0" encoding="utf-8"?>
 <p:sld xmlns:a="http://schemas.openxmlformats.org/drawingml/2006/main" xmlns:r="http://schemas.openxmlformats.org/officeDocument/2006/relationships" xmlns:p="http://schemas.openxmlformats.org/presentationml/2006/main">
   <p:cSld>
@@ -6780,7 +7395,7 @@
           <a:p>
             <a:r>
               <a:rPr lang="de-DE" dirty="0" smtClean="0"/>
-              <a:t>Use Case „Login“</a:t>
+              <a:t>Systemarchitektur</a:t>
             </a:r>
             <a:endParaRPr lang="de-DE" dirty="0"/>
           </a:p>
@@ -6788,50 +7403,292 @@
       </p:sp>
       <p:sp>
         <p:nvSpPr>
-          <p:cNvPr id="3" name="Inhaltsplatzhalter 2"/>
-          <p:cNvSpPr>
-            <a:spLocks noGrp="1"/>
-          </p:cNvSpPr>
-          <p:nvPr>
-            <p:ph idx="1"/>
-          </p:nvPr>
-        </p:nvSpPr>
-        <p:spPr/>
-        <p:txBody>
-          <a:bodyPr/>
-          <a:lstStyle/>
-          <a:p>
+          <p:cNvPr id="3" name="Abgerundetes Rechteck 2"/>
+          <p:cNvSpPr/>
+          <p:nvPr/>
+        </p:nvSpPr>
+        <p:spPr>
+          <a:xfrm>
+            <a:off x="465336" y="2420888"/>
+            <a:ext cx="8221464" cy="936104"/>
+          </a:xfrm>
+          <a:prstGeom prst="roundRect">
+            <a:avLst/>
+          </a:prstGeom>
+        </p:spPr>
+        <p:style>
+          <a:lnRef idx="1">
+            <a:schemeClr val="accent2"/>
+          </a:lnRef>
+          <a:fillRef idx="2">
+            <a:schemeClr val="accent2"/>
+          </a:fillRef>
+          <a:effectRef idx="1">
+            <a:schemeClr val="accent2"/>
+          </a:effectRef>
+          <a:fontRef idx="minor">
+            <a:schemeClr val="dk1"/>
+          </a:fontRef>
+        </p:style>
+        <p:txBody>
+          <a:bodyPr rtlCol="0" anchor="ctr"/>
+          <a:lstStyle/>
+          <a:p>
+            <a:pPr algn="ctr"/>
             <a:r>
               <a:rPr lang="de-DE" dirty="0" smtClean="0"/>
-              <a:t>Benutzername und Passwort müssen zur Authentifizierung eingegeben werden</a:t>
-            </a:r>
-          </a:p>
-          <a:p>
+              <a:t>VIEW</a:t>
+            </a:r>
+            <a:endParaRPr lang="de-DE" dirty="0"/>
+          </a:p>
+        </p:txBody>
+      </p:sp>
+      <p:sp>
+        <p:nvSpPr>
+          <p:cNvPr id="4" name="Abgerundetes Rechteck 3"/>
+          <p:cNvSpPr/>
+          <p:nvPr/>
+        </p:nvSpPr>
+        <p:spPr>
+          <a:xfrm>
+            <a:off x="456456" y="3717032"/>
+            <a:ext cx="8221464" cy="936104"/>
+          </a:xfrm>
+          <a:prstGeom prst="roundRect">
+            <a:avLst/>
+          </a:prstGeom>
+        </p:spPr>
+        <p:style>
+          <a:lnRef idx="1">
+            <a:schemeClr val="accent2"/>
+          </a:lnRef>
+          <a:fillRef idx="2">
+            <a:schemeClr val="accent2"/>
+          </a:fillRef>
+          <a:effectRef idx="1">
+            <a:schemeClr val="accent2"/>
+          </a:effectRef>
+          <a:fontRef idx="minor">
+            <a:schemeClr val="dk1"/>
+          </a:fontRef>
+        </p:style>
+        <p:txBody>
+          <a:bodyPr rtlCol="0" anchor="ctr"/>
+          <a:lstStyle/>
+          <a:p>
+            <a:pPr algn="ctr"/>
             <a:r>
               <a:rPr lang="de-DE" dirty="0" smtClean="0"/>
-              <a:t>Passwort muss in der Datenbank verschlüsselt abgelegt werden</a:t>
+              <a:t>Controller</a:t>
             </a:r>
             <a:endParaRPr lang="de-DE" dirty="0"/>
+          </a:p>
+        </p:txBody>
+      </p:sp>
+      <p:sp>
+        <p:nvSpPr>
+          <p:cNvPr id="5" name="Abgerundetes Rechteck 4"/>
+          <p:cNvSpPr/>
+          <p:nvPr/>
+        </p:nvSpPr>
+        <p:spPr>
+          <a:xfrm>
+            <a:off x="456456" y="5013176"/>
+            <a:ext cx="8221464" cy="936104"/>
+          </a:xfrm>
+          <a:prstGeom prst="roundRect">
+            <a:avLst/>
+          </a:prstGeom>
+        </p:spPr>
+        <p:style>
+          <a:lnRef idx="1">
+            <a:schemeClr val="accent2"/>
+          </a:lnRef>
+          <a:fillRef idx="2">
+            <a:schemeClr val="accent2"/>
+          </a:fillRef>
+          <a:effectRef idx="1">
+            <a:schemeClr val="accent2"/>
+          </a:effectRef>
+          <a:fontRef idx="minor">
+            <a:schemeClr val="dk1"/>
+          </a:fontRef>
+        </p:style>
+        <p:txBody>
+          <a:bodyPr rtlCol="0" anchor="ctr"/>
+          <a:lstStyle/>
+          <a:p>
+            <a:pPr algn="ctr"/>
+            <a:r>
+              <a:rPr lang="de-DE" dirty="0" smtClean="0"/>
+              <a:t>Model</a:t>
+            </a:r>
+            <a:endParaRPr lang="de-DE" dirty="0"/>
+          </a:p>
+        </p:txBody>
+      </p:sp>
+      <p:sp>
+        <p:nvSpPr>
+          <p:cNvPr id="6" name="Pfeil nach oben und unten 5"/>
+          <p:cNvSpPr/>
+          <p:nvPr/>
+        </p:nvSpPr>
+        <p:spPr>
+          <a:xfrm>
+            <a:off x="1475656" y="3068960"/>
+            <a:ext cx="648072" cy="936104"/>
+          </a:xfrm>
+          <a:prstGeom prst="upDownArrow">
+            <a:avLst/>
+          </a:prstGeom>
+        </p:spPr>
+        <p:style>
+          <a:lnRef idx="1">
+            <a:schemeClr val="accent6"/>
+          </a:lnRef>
+          <a:fillRef idx="2">
+            <a:schemeClr val="accent6"/>
+          </a:fillRef>
+          <a:effectRef idx="1">
+            <a:schemeClr val="accent6"/>
+          </a:effectRef>
+          <a:fontRef idx="minor">
+            <a:schemeClr val="dk1"/>
+          </a:fontRef>
+        </p:style>
+        <p:txBody>
+          <a:bodyPr rtlCol="0" anchor="ctr"/>
+          <a:lstStyle/>
+          <a:p>
+            <a:pPr algn="ctr"/>
+            <a:endParaRPr lang="de-DE"/>
+          </a:p>
+        </p:txBody>
+      </p:sp>
+      <p:sp>
+        <p:nvSpPr>
+          <p:cNvPr id="7" name="Pfeil nach oben und unten 6"/>
+          <p:cNvSpPr/>
+          <p:nvPr/>
+        </p:nvSpPr>
+        <p:spPr>
+          <a:xfrm>
+            <a:off x="6804248" y="3068960"/>
+            <a:ext cx="648072" cy="936104"/>
+          </a:xfrm>
+          <a:prstGeom prst="upDownArrow">
+            <a:avLst/>
+          </a:prstGeom>
+        </p:spPr>
+        <p:style>
+          <a:lnRef idx="1">
+            <a:schemeClr val="accent6"/>
+          </a:lnRef>
+          <a:fillRef idx="2">
+            <a:schemeClr val="accent6"/>
+          </a:fillRef>
+          <a:effectRef idx="1">
+            <a:schemeClr val="accent6"/>
+          </a:effectRef>
+          <a:fontRef idx="minor">
+            <a:schemeClr val="dk1"/>
+          </a:fontRef>
+        </p:style>
+        <p:txBody>
+          <a:bodyPr rtlCol="0" anchor="ctr"/>
+          <a:lstStyle/>
+          <a:p>
+            <a:pPr algn="ctr"/>
+            <a:endParaRPr lang="de-DE"/>
+          </a:p>
+        </p:txBody>
+      </p:sp>
+      <p:sp>
+        <p:nvSpPr>
+          <p:cNvPr id="8" name="Pfeil nach oben und unten 7"/>
+          <p:cNvSpPr/>
+          <p:nvPr/>
+        </p:nvSpPr>
+        <p:spPr>
+          <a:xfrm>
+            <a:off x="1475656" y="4365104"/>
+            <a:ext cx="648072" cy="936104"/>
+          </a:xfrm>
+          <a:prstGeom prst="upDownArrow">
+            <a:avLst/>
+          </a:prstGeom>
+        </p:spPr>
+        <p:style>
+          <a:lnRef idx="1">
+            <a:schemeClr val="accent6"/>
+          </a:lnRef>
+          <a:fillRef idx="2">
+            <a:schemeClr val="accent6"/>
+          </a:fillRef>
+          <a:effectRef idx="1">
+            <a:schemeClr val="accent6"/>
+          </a:effectRef>
+          <a:fontRef idx="minor">
+            <a:schemeClr val="dk1"/>
+          </a:fontRef>
+        </p:style>
+        <p:txBody>
+          <a:bodyPr rtlCol="0" anchor="ctr"/>
+          <a:lstStyle/>
+          <a:p>
+            <a:pPr algn="ctr"/>
+            <a:endParaRPr lang="de-DE"/>
+          </a:p>
+        </p:txBody>
+      </p:sp>
+      <p:sp>
+        <p:nvSpPr>
+          <p:cNvPr id="9" name="Pfeil nach oben und unten 8"/>
+          <p:cNvSpPr/>
+          <p:nvPr/>
+        </p:nvSpPr>
+        <p:spPr>
+          <a:xfrm>
+            <a:off x="6804248" y="4393124"/>
+            <a:ext cx="648072" cy="936104"/>
+          </a:xfrm>
+          <a:prstGeom prst="upDownArrow">
+            <a:avLst/>
+          </a:prstGeom>
+        </p:spPr>
+        <p:style>
+          <a:lnRef idx="1">
+            <a:schemeClr val="accent6"/>
+          </a:lnRef>
+          <a:fillRef idx="2">
+            <a:schemeClr val="accent6"/>
+          </a:fillRef>
+          <a:effectRef idx="1">
+            <a:schemeClr val="accent6"/>
+          </a:effectRef>
+          <a:fontRef idx="minor">
+            <a:schemeClr val="dk1"/>
+          </a:fontRef>
+        </p:style>
+        <p:txBody>
+          <a:bodyPr rtlCol="0" anchor="ctr"/>
+          <a:lstStyle/>
+          <a:p>
+            <a:pPr algn="ctr"/>
+            <a:endParaRPr lang="de-DE"/>
           </a:p>
         </p:txBody>
       </p:sp>
     </p:spTree>
     <p:extLst>
       <p:ext uri="{BB962C8B-B14F-4D97-AF65-F5344CB8AC3E}">
-        <p14:creationId xmlns:p14="http://schemas.microsoft.com/office/powerpoint/2010/main" val="511365991"/>
+        <p14:creationId xmlns:p14="http://schemas.microsoft.com/office/powerpoint/2010/main" val="2247188198"/>
       </p:ext>
     </p:extLst>
   </p:cSld>
   <p:clrMapOvr>
     <a:masterClrMapping/>
   </p:clrMapOvr>
-  <p:timing>
-    <p:tnLst>
-      <p:par>
-        <p:cTn id="1" dur="indefinite" restart="never" nodeType="tmRoot"/>
-      </p:par>
-    </p:tnLst>
-  </p:timing>
 </p:sld>
 </file>
 
@@ -6869,43 +7726,7 @@
           <a:p>
             <a:r>
               <a:rPr lang="de-DE" dirty="0" smtClean="0"/>
-              <a:t>Use Case „Passwort“</a:t>
-            </a:r>
-            <a:endParaRPr lang="de-DE" dirty="0"/>
-          </a:p>
-        </p:txBody>
-      </p:sp>
-      <p:sp>
-        <p:nvSpPr>
-          <p:cNvPr id="3" name="Inhaltsplatzhalter 2"/>
-          <p:cNvSpPr>
-            <a:spLocks noGrp="1"/>
-          </p:cNvSpPr>
-          <p:nvPr>
-            <p:ph idx="1"/>
-          </p:nvPr>
-        </p:nvSpPr>
-        <p:spPr/>
-        <p:txBody>
-          <a:bodyPr/>
-          <a:lstStyle/>
-          <a:p>
-            <a:r>
-              <a:rPr lang="de-DE" dirty="0" smtClean="0"/>
-              <a:t>Vergessen: bei vergessenem Passwort muss sich der User beim UHD melden (die Telefonnummer wird im Hilfe-Fenster der Login-Oberfläche angezeigt)</a:t>
-            </a:r>
-          </a:p>
-          <a:p>
-            <a:r>
-              <a:rPr lang="de-DE" dirty="0" smtClean="0"/>
-              <a:t>Ändern: beim ersten Login muss das Passwort vom User geändert werden</a:t>
-            </a:r>
-          </a:p>
-          <a:p>
-            <a:pPr lvl="1"/>
-            <a:r>
-              <a:rPr lang="de-DE" dirty="0" smtClean="0"/>
-              <a:t>Danach kann es jederzeit wieder geändert werden</a:t>
+              <a:t>BACKUP</a:t>
             </a:r>
             <a:endParaRPr lang="de-DE" dirty="0"/>
           </a:p>
@@ -6914,20 +7735,13 @@
     </p:spTree>
     <p:extLst>
       <p:ext uri="{BB962C8B-B14F-4D97-AF65-F5344CB8AC3E}">
-        <p14:creationId xmlns:p14="http://schemas.microsoft.com/office/powerpoint/2010/main" val="2367586276"/>
+        <p14:creationId xmlns:p14="http://schemas.microsoft.com/office/powerpoint/2010/main" val="1555926251"/>
       </p:ext>
     </p:extLst>
   </p:cSld>
   <p:clrMapOvr>
     <a:masterClrMapping/>
   </p:clrMapOvr>
-  <p:timing>
-    <p:tnLst>
-      <p:par>
-        <p:cTn id="1" dur="indefinite" restart="never" nodeType="tmRoot"/>
-      </p:par>
-    </p:tnLst>
-  </p:timing>
 </p:sld>
 </file>
 
@@ -6965,40 +7779,45 @@
           <a:p>
             <a:r>
               <a:rPr lang="de-DE" dirty="0" smtClean="0"/>
-              <a:t>Use Case „Passwort“</a:t>
+              <a:t>Use Case „Login“</a:t>
             </a:r>
             <a:endParaRPr lang="de-DE" dirty="0"/>
           </a:p>
         </p:txBody>
       </p:sp>
-      <p:pic>
-        <p:nvPicPr>
-          <p:cNvPr id="5" name="Grafik 4"/>
-          <p:cNvPicPr>
-            <a:picLocks noChangeAspect="1"/>
-          </p:cNvPicPr>
-          <p:nvPr/>
-        </p:nvPicPr>
-        <p:blipFill>
-          <a:blip r:embed="rId2"/>
-          <a:stretch>
-            <a:fillRect/>
-          </a:stretch>
-        </p:blipFill>
-        <p:spPr>
-          <a:xfrm>
-            <a:off x="261937" y="2564904"/>
-            <a:ext cx="8620125" cy="2590800"/>
-          </a:xfrm>
-          <a:prstGeom prst="rect">
-            <a:avLst/>
-          </a:prstGeom>
-        </p:spPr>
-      </p:pic>
+      <p:sp>
+        <p:nvSpPr>
+          <p:cNvPr id="3" name="Inhaltsplatzhalter 2"/>
+          <p:cNvSpPr>
+            <a:spLocks noGrp="1"/>
+          </p:cNvSpPr>
+          <p:nvPr>
+            <p:ph idx="1"/>
+          </p:nvPr>
+        </p:nvSpPr>
+        <p:spPr/>
+        <p:txBody>
+          <a:bodyPr/>
+          <a:lstStyle/>
+          <a:p>
+            <a:r>
+              <a:rPr lang="de-DE" dirty="0" smtClean="0"/>
+              <a:t>Benutzername und Passwort müssen zur Authentifizierung eingegeben werden</a:t>
+            </a:r>
+          </a:p>
+          <a:p>
+            <a:r>
+              <a:rPr lang="de-DE" dirty="0" smtClean="0"/>
+              <a:t>Passwort muss in der Datenbank verschlüsselt abgelegt werden</a:t>
+            </a:r>
+            <a:endParaRPr lang="de-DE" dirty="0"/>
+          </a:p>
+        </p:txBody>
+      </p:sp>
     </p:spTree>
     <p:extLst>
       <p:ext uri="{BB962C8B-B14F-4D97-AF65-F5344CB8AC3E}">
-        <p14:creationId xmlns:p14="http://schemas.microsoft.com/office/powerpoint/2010/main" val="167482871"/>
+        <p14:creationId xmlns:p14="http://schemas.microsoft.com/office/powerpoint/2010/main" val="511365991"/>
       </p:ext>
     </p:extLst>
   </p:cSld>
@@ -7034,7 +7853,7 @@
       </p:grpSpPr>
       <p:sp>
         <p:nvSpPr>
-          <p:cNvPr id="3" name="Titel 2"/>
+          <p:cNvPr id="2" name="Titel 1"/>
           <p:cNvSpPr>
             <a:spLocks noGrp="1"/>
           </p:cNvSpPr>
@@ -7049,7 +7868,7 @@
           <a:p>
             <a:r>
               <a:rPr lang="de-DE" dirty="0" smtClean="0"/>
-              <a:t>Use Case „Erfassen“</a:t>
+              <a:t>Use Case „Passwort“</a:t>
             </a:r>
             <a:endParaRPr lang="de-DE" dirty="0"/>
           </a:p>
@@ -7057,7 +7876,7 @@
       </p:sp>
       <p:sp>
         <p:nvSpPr>
-          <p:cNvPr id="4" name="Inhaltsplatzhalter 3"/>
+          <p:cNvPr id="3" name="Inhaltsplatzhalter 2"/>
           <p:cNvSpPr>
             <a:spLocks noGrp="1"/>
           </p:cNvSpPr>
@@ -7072,13 +7891,20 @@
           <a:p>
             <a:r>
               <a:rPr lang="de-DE" dirty="0" smtClean="0"/>
-              <a:t>Mitarbeiter soll mehrmals täglich einen Eintrag erfassen können</a:t>
+              <a:t>Vergessen: bei vergessenem Passwort muss sich der User beim UHD melden (die Telefonnummer wird im Hilfe-Fenster der Login-Oberfläche angezeigt)</a:t>
             </a:r>
           </a:p>
           <a:p>
             <a:r>
               <a:rPr lang="de-DE" dirty="0" smtClean="0"/>
-              <a:t>Ein Eintrag darf nur für die aktuelle und die vorherige Kalenderwoche (aktuelles Jahr) erfasst werden</a:t>
+              <a:t>Ändern: beim ersten Login muss das Passwort vom User geändert werden</a:t>
+            </a:r>
+          </a:p>
+          <a:p>
+            <a:pPr lvl="1"/>
+            <a:r>
+              <a:rPr lang="de-DE" dirty="0" smtClean="0"/>
+              <a:t>Danach kann es jederzeit wieder geändert werden</a:t>
             </a:r>
             <a:endParaRPr lang="de-DE" dirty="0"/>
           </a:p>
@@ -7087,7 +7913,7 @@
     </p:spTree>
     <p:extLst>
       <p:ext uri="{BB962C8B-B14F-4D97-AF65-F5344CB8AC3E}">
-        <p14:creationId xmlns:p14="http://schemas.microsoft.com/office/powerpoint/2010/main" val="432645280"/>
+        <p14:creationId xmlns:p14="http://schemas.microsoft.com/office/powerpoint/2010/main" val="2367586276"/>
       </p:ext>
     </p:extLst>
   </p:cSld>

--- a/Projektmanagement/Abschlusspräsentation.pptx
+++ b/Projektmanagement/Abschlusspräsentation.pptx
@@ -5,10 +5,10 @@
     <p:sldMasterId id="2147483828" r:id="rId1"/>
   </p:sldMasterIdLst>
   <p:notesMasterIdLst>
-    <p:notesMasterId r:id="rId24"/>
+    <p:notesMasterId r:id="rId32"/>
   </p:notesMasterIdLst>
   <p:handoutMasterIdLst>
-    <p:handoutMasterId r:id="rId25"/>
+    <p:handoutMasterId r:id="rId33"/>
   </p:handoutMasterIdLst>
   <p:sldIdLst>
     <p:sldId id="256" r:id="rId2"/>
@@ -17,22 +17,30 @@
     <p:sldId id="259" r:id="rId5"/>
     <p:sldId id="280" r:id="rId6"/>
     <p:sldId id="279" r:id="rId7"/>
-    <p:sldId id="281" r:id="rId8"/>
-    <p:sldId id="263" r:id="rId9"/>
-    <p:sldId id="272" r:id="rId10"/>
-    <p:sldId id="278" r:id="rId11"/>
-    <p:sldId id="260" r:id="rId12"/>
-    <p:sldId id="261" r:id="rId13"/>
-    <p:sldId id="275" r:id="rId14"/>
-    <p:sldId id="276" r:id="rId15"/>
-    <p:sldId id="265" r:id="rId16"/>
-    <p:sldId id="269" r:id="rId17"/>
-    <p:sldId id="266" r:id="rId18"/>
-    <p:sldId id="270" r:id="rId19"/>
-    <p:sldId id="267" r:id="rId20"/>
-    <p:sldId id="268" r:id="rId21"/>
-    <p:sldId id="271" r:id="rId22"/>
-    <p:sldId id="273" r:id="rId23"/>
+    <p:sldId id="283" r:id="rId8"/>
+    <p:sldId id="284" r:id="rId9"/>
+    <p:sldId id="285" r:id="rId10"/>
+    <p:sldId id="286" r:id="rId11"/>
+    <p:sldId id="290" r:id="rId12"/>
+    <p:sldId id="282" r:id="rId13"/>
+    <p:sldId id="288" r:id="rId14"/>
+    <p:sldId id="287" r:id="rId15"/>
+    <p:sldId id="281" r:id="rId16"/>
+    <p:sldId id="263" r:id="rId17"/>
+    <p:sldId id="272" r:id="rId18"/>
+    <p:sldId id="278" r:id="rId19"/>
+    <p:sldId id="260" r:id="rId20"/>
+    <p:sldId id="261" r:id="rId21"/>
+    <p:sldId id="275" r:id="rId22"/>
+    <p:sldId id="276" r:id="rId23"/>
+    <p:sldId id="265" r:id="rId24"/>
+    <p:sldId id="269" r:id="rId25"/>
+    <p:sldId id="266" r:id="rId26"/>
+    <p:sldId id="270" r:id="rId27"/>
+    <p:sldId id="267" r:id="rId28"/>
+    <p:sldId id="268" r:id="rId29"/>
+    <p:sldId id="271" r:id="rId30"/>
+    <p:sldId id="273" r:id="rId31"/>
   </p:sldIdLst>
   <p:sldSz cx="9144000" cy="6858000" type="screen4x3"/>
   <p:notesSz cx="6858000" cy="9144000"/>
@@ -246,7 +254,7 @@
           <a:p>
             <a:fld id="{6DE7D471-23B3-46CB-9C19-FE802EC31550}" type="datetimeFigureOut">
               <a:rPr lang="de-DE" smtClean="0"/>
-              <a:t>25.10.2013</a:t>
+              <a:t>28.10.2013</a:t>
             </a:fld>
             <a:endParaRPr lang="de-DE"/>
           </a:p>
@@ -411,7 +419,7 @@
           <a:p>
             <a:fld id="{F8ADFA6A-A181-4216-B4EE-F250058645E3}" type="datetimeFigureOut">
               <a:rPr lang="de-DE" smtClean="0"/>
-              <a:t>25.10.2013</a:t>
+              <a:t>28.10.2013</a:t>
             </a:fld>
             <a:endParaRPr lang="de-DE"/>
           </a:p>
@@ -852,7 +860,91 @@
           <a:p>
             <a:fld id="{72841C41-988A-40D2-BD42-D850E09ED2B7}" type="slidenum">
               <a:rPr lang="de-DE" smtClean="0"/>
-              <a:t>22</a:t>
+              <a:t>14</a:t>
+            </a:fld>
+            <a:endParaRPr lang="de-DE"/>
+          </a:p>
+        </p:txBody>
+      </p:sp>
+    </p:spTree>
+    <p:extLst>
+      <p:ext uri="{BB962C8B-B14F-4D97-AF65-F5344CB8AC3E}">
+        <p14:creationId xmlns:p14="http://schemas.microsoft.com/office/powerpoint/2010/main" val="337020109"/>
+      </p:ext>
+    </p:extLst>
+  </p:cSld>
+  <p:clrMapOvr>
+    <a:masterClrMapping/>
+  </p:clrMapOvr>
+</p:notes>
+</file>
+
+<file path=ppt/notesSlides/notesSlide3.xml><?xml version="1.0" encoding="utf-8"?>
+<p:notes xmlns:a="http://schemas.openxmlformats.org/drawingml/2006/main" xmlns:r="http://schemas.openxmlformats.org/officeDocument/2006/relationships" xmlns:p="http://schemas.openxmlformats.org/presentationml/2006/main">
+  <p:cSld>
+    <p:spTree>
+      <p:nvGrpSpPr>
+        <p:cNvPr id="1" name=""/>
+        <p:cNvGrpSpPr/>
+        <p:nvPr/>
+      </p:nvGrpSpPr>
+      <p:grpSpPr>
+        <a:xfrm>
+          <a:off x="0" y="0"/>
+          <a:ext cx="0" cy="0"/>
+          <a:chOff x="0" y="0"/>
+          <a:chExt cx="0" cy="0"/>
+        </a:xfrm>
+      </p:grpSpPr>
+      <p:sp>
+        <p:nvSpPr>
+          <p:cNvPr id="2" name="Folienbildplatzhalter 1"/>
+          <p:cNvSpPr>
+            <a:spLocks noGrp="1" noRot="1" noChangeAspect="1"/>
+          </p:cNvSpPr>
+          <p:nvPr>
+            <p:ph type="sldImg"/>
+          </p:nvPr>
+        </p:nvSpPr>
+        <p:spPr/>
+      </p:sp>
+      <p:sp>
+        <p:nvSpPr>
+          <p:cNvPr id="3" name="Notizenplatzhalter 2"/>
+          <p:cNvSpPr>
+            <a:spLocks noGrp="1"/>
+          </p:cNvSpPr>
+          <p:nvPr>
+            <p:ph type="body" idx="1"/>
+          </p:nvPr>
+        </p:nvSpPr>
+        <p:spPr/>
+        <p:txBody>
+          <a:bodyPr/>
+          <a:lstStyle/>
+          <a:p>
+            <a:endParaRPr lang="de-DE" dirty="0"/>
+          </a:p>
+        </p:txBody>
+      </p:sp>
+      <p:sp>
+        <p:nvSpPr>
+          <p:cNvPr id="4" name="Foliennummernplatzhalter 3"/>
+          <p:cNvSpPr>
+            <a:spLocks noGrp="1"/>
+          </p:cNvSpPr>
+          <p:nvPr>
+            <p:ph type="sldNum" sz="quarter" idx="10"/>
+          </p:nvPr>
+        </p:nvSpPr>
+        <p:spPr/>
+        <p:txBody>
+          <a:bodyPr/>
+          <a:lstStyle/>
+          <a:p>
+            <a:fld id="{72841C41-988A-40D2-BD42-D850E09ED2B7}" type="slidenum">
+              <a:rPr lang="de-DE" smtClean="0"/>
+              <a:t>30</a:t>
             </a:fld>
             <a:endParaRPr lang="de-DE"/>
           </a:p>
@@ -1529,7 +1621,7 @@
           <a:p>
             <a:fld id="{AE7D85B2-395F-4693-9648-199952BACC42}" type="datetimeFigureOut">
               <a:rPr lang="de-DE" smtClean="0"/>
-              <a:t>25.10.2013</a:t>
+              <a:t>28.10.2013</a:t>
             </a:fld>
             <a:endParaRPr lang="de-DE" dirty="0"/>
           </a:p>
@@ -1712,7 +1804,7 @@
           <a:p>
             <a:fld id="{AE7D85B2-395F-4693-9648-199952BACC42}" type="datetimeFigureOut">
               <a:rPr lang="de-DE" smtClean="0"/>
-              <a:t>25.10.2013</a:t>
+              <a:t>28.10.2013</a:t>
             </a:fld>
             <a:endParaRPr lang="de-DE" dirty="0"/>
           </a:p>
@@ -1887,7 +1979,7 @@
           <a:p>
             <a:fld id="{AE7D85B2-395F-4693-9648-199952BACC42}" type="datetimeFigureOut">
               <a:rPr lang="de-DE" smtClean="0"/>
-              <a:t>25.10.2013</a:t>
+              <a:t>28.10.2013</a:t>
             </a:fld>
             <a:endParaRPr lang="de-DE" dirty="0"/>
           </a:p>
@@ -2052,7 +2144,7 @@
           <a:p>
             <a:fld id="{AE7D85B2-395F-4693-9648-199952BACC42}" type="datetimeFigureOut">
               <a:rPr lang="de-DE" smtClean="0"/>
-              <a:t>25.10.2013</a:t>
+              <a:t>28.10.2013</a:t>
             </a:fld>
             <a:endParaRPr lang="de-DE" dirty="0"/>
           </a:p>
@@ -2280,7 +2372,7 @@
           <a:p>
             <a:fld id="{AE7D85B2-395F-4693-9648-199952BACC42}" type="datetimeFigureOut">
               <a:rPr lang="de-DE" smtClean="0"/>
-              <a:t>25.10.2013</a:t>
+              <a:t>28.10.2013</a:t>
             </a:fld>
             <a:endParaRPr lang="de-DE" dirty="0"/>
           </a:p>
@@ -2539,7 +2631,7 @@
           <a:p>
             <a:fld id="{AE7D85B2-395F-4693-9648-199952BACC42}" type="datetimeFigureOut">
               <a:rPr lang="de-DE" smtClean="0"/>
-              <a:t>25.10.2013</a:t>
+              <a:t>28.10.2013</a:t>
             </a:fld>
             <a:endParaRPr lang="de-DE" dirty="0"/>
           </a:p>
@@ -2943,7 +3035,7 @@
           <a:p>
             <a:fld id="{AE7D85B2-395F-4693-9648-199952BACC42}" type="datetimeFigureOut">
               <a:rPr lang="de-DE" smtClean="0"/>
-              <a:t>25.10.2013</a:t>
+              <a:t>28.10.2013</a:t>
             </a:fld>
             <a:endParaRPr lang="de-DE" dirty="0"/>
           </a:p>
@@ -3074,7 +3166,7 @@
           <a:p>
             <a:fld id="{AE7D85B2-395F-4693-9648-199952BACC42}" type="datetimeFigureOut">
               <a:rPr lang="de-DE" smtClean="0"/>
-              <a:t>25.10.2013</a:t>
+              <a:t>28.10.2013</a:t>
             </a:fld>
             <a:endParaRPr lang="de-DE" dirty="0"/>
           </a:p>
@@ -3174,7 +3266,7 @@
           <a:p>
             <a:fld id="{AE7D85B2-395F-4693-9648-199952BACC42}" type="datetimeFigureOut">
               <a:rPr lang="de-DE" smtClean="0"/>
-              <a:t>25.10.2013</a:t>
+              <a:t>28.10.2013</a:t>
             </a:fld>
             <a:endParaRPr lang="de-DE" dirty="0"/>
           </a:p>
@@ -3419,7 +3511,7 @@
           <a:p>
             <a:fld id="{AE7D85B2-395F-4693-9648-199952BACC42}" type="datetimeFigureOut">
               <a:rPr lang="de-DE" smtClean="0"/>
-              <a:t>25.10.2013</a:t>
+              <a:t>28.10.2013</a:t>
             </a:fld>
             <a:endParaRPr lang="de-DE" dirty="0"/>
           </a:p>
@@ -3663,7 +3755,7 @@
           <a:p>
             <a:fld id="{AE7D85B2-395F-4693-9648-199952BACC42}" type="datetimeFigureOut">
               <a:rPr lang="de-DE" smtClean="0"/>
-              <a:t>25.10.2013</a:t>
+              <a:t>28.10.2013</a:t>
             </a:fld>
             <a:endParaRPr lang="de-DE" dirty="0"/>
           </a:p>
@@ -4487,7 +4579,7 @@
           <a:p>
             <a:fld id="{AE7D85B2-395F-4693-9648-199952BACC42}" type="datetimeFigureOut">
               <a:rPr lang="de-DE" smtClean="0"/>
-              <a:t>25.10.2013</a:t>
+              <a:t>28.10.2013</a:t>
             </a:fld>
             <a:endParaRPr lang="de-DE" dirty="0"/>
           </a:p>
@@ -4985,6 +5077,1267 @@
           <a:p>
             <a:r>
               <a:rPr lang="de-DE" dirty="0" smtClean="0"/>
+              <a:t>Architektur</a:t>
+            </a:r>
+            <a:endParaRPr lang="de-DE" dirty="0"/>
+          </a:p>
+        </p:txBody>
+      </p:sp>
+      <p:sp>
+        <p:nvSpPr>
+          <p:cNvPr id="3" name="Inhaltsplatzhalter 2"/>
+          <p:cNvSpPr txBox="1">
+            <a:spLocks/>
+          </p:cNvSpPr>
+          <p:nvPr/>
+        </p:nvSpPr>
+        <p:spPr>
+          <a:xfrm>
+            <a:off x="457200" y="2249424"/>
+            <a:ext cx="8229600" cy="4325112"/>
+          </a:xfrm>
+          <a:prstGeom prst="rect">
+            <a:avLst/>
+          </a:prstGeom>
+        </p:spPr>
+        <p:txBody>
+          <a:bodyPr>
+            <a:normAutofit/>
+          </a:bodyPr>
+          <a:lstStyle>
+            <a:lvl1pPr marL="365760" indent="-256032" algn="l" rtl="0" eaLnBrk="1" latinLnBrk="0" hangingPunct="1">
+              <a:spcBef>
+                <a:spcPts val="300"/>
+              </a:spcBef>
+              <a:buClr>
+                <a:schemeClr val="accent3"/>
+              </a:buClr>
+              <a:buFont typeface="Georgia"/>
+              <a:buChar char="•"/>
+              <a:defRPr kumimoji="0" sz="2800" kern="1200">
+                <a:solidFill>
+                  <a:schemeClr val="tx1"/>
+                </a:solidFill>
+                <a:latin typeface="+mn-lt"/>
+                <a:ea typeface="+mn-ea"/>
+                <a:cs typeface="+mn-cs"/>
+              </a:defRPr>
+            </a:lvl1pPr>
+            <a:lvl2pPr marL="658368" indent="-246888" algn="l" rtl="0" eaLnBrk="1" latinLnBrk="0" hangingPunct="1">
+              <a:spcBef>
+                <a:spcPts val="300"/>
+              </a:spcBef>
+              <a:buClr>
+                <a:schemeClr val="accent2"/>
+              </a:buClr>
+              <a:buFont typeface="Georgia"/>
+              <a:buChar char="▫"/>
+              <a:defRPr kumimoji="0" sz="2600" kern="1200">
+                <a:solidFill>
+                  <a:schemeClr val="accent2"/>
+                </a:solidFill>
+                <a:latin typeface="+mn-lt"/>
+                <a:ea typeface="+mn-ea"/>
+                <a:cs typeface="+mn-cs"/>
+              </a:defRPr>
+            </a:lvl2pPr>
+            <a:lvl3pPr marL="923544" indent="-219456" algn="l" rtl="0" eaLnBrk="1" latinLnBrk="0" hangingPunct="1">
+              <a:spcBef>
+                <a:spcPts val="300"/>
+              </a:spcBef>
+              <a:buClr>
+                <a:schemeClr val="accent1"/>
+              </a:buClr>
+              <a:buFont typeface="Wingdings 2"/>
+              <a:buChar char=""/>
+              <a:defRPr kumimoji="0" sz="2400" kern="1200">
+                <a:solidFill>
+                  <a:schemeClr val="accent1"/>
+                </a:solidFill>
+                <a:latin typeface="+mn-lt"/>
+                <a:ea typeface="+mn-ea"/>
+                <a:cs typeface="+mn-cs"/>
+              </a:defRPr>
+            </a:lvl3pPr>
+            <a:lvl4pPr marL="1179576" indent="-201168" algn="l" rtl="0" eaLnBrk="1" latinLnBrk="0" hangingPunct="1">
+              <a:spcBef>
+                <a:spcPts val="300"/>
+              </a:spcBef>
+              <a:buClr>
+                <a:schemeClr val="accent1"/>
+              </a:buClr>
+              <a:buFont typeface="Wingdings 2"/>
+              <a:buChar char=""/>
+              <a:defRPr kumimoji="0" sz="2200" kern="1200">
+                <a:solidFill>
+                  <a:schemeClr val="accent1"/>
+                </a:solidFill>
+                <a:latin typeface="+mn-lt"/>
+                <a:ea typeface="+mn-ea"/>
+                <a:cs typeface="+mn-cs"/>
+              </a:defRPr>
+            </a:lvl4pPr>
+            <a:lvl5pPr marL="1389888" indent="-182880" algn="l" rtl="0" eaLnBrk="1" latinLnBrk="0" hangingPunct="1">
+              <a:spcBef>
+                <a:spcPts val="300"/>
+              </a:spcBef>
+              <a:buClr>
+                <a:schemeClr val="accent3"/>
+              </a:buClr>
+              <a:buFont typeface="Georgia"/>
+              <a:buChar char="▫"/>
+              <a:defRPr kumimoji="0" sz="2000" kern="1200">
+                <a:solidFill>
+                  <a:schemeClr val="accent3"/>
+                </a:solidFill>
+                <a:latin typeface="+mn-lt"/>
+                <a:ea typeface="+mn-ea"/>
+                <a:cs typeface="+mn-cs"/>
+              </a:defRPr>
+            </a:lvl5pPr>
+            <a:lvl6pPr marL="1609344" indent="-182880" algn="l" rtl="0" eaLnBrk="1" latinLnBrk="0" hangingPunct="1">
+              <a:spcBef>
+                <a:spcPts val="300"/>
+              </a:spcBef>
+              <a:buClr>
+                <a:schemeClr val="accent3"/>
+              </a:buClr>
+              <a:buFont typeface="Georgia"/>
+              <a:buChar char="▫"/>
+              <a:defRPr kumimoji="0" sz="1800" kern="1200">
+                <a:solidFill>
+                  <a:schemeClr val="accent3"/>
+                </a:solidFill>
+                <a:latin typeface="+mn-lt"/>
+                <a:ea typeface="+mn-ea"/>
+                <a:cs typeface="+mn-cs"/>
+              </a:defRPr>
+            </a:lvl6pPr>
+            <a:lvl7pPr marL="1828800" indent="-182880" algn="l" rtl="0" eaLnBrk="1" latinLnBrk="0" hangingPunct="1">
+              <a:spcBef>
+                <a:spcPts val="300"/>
+              </a:spcBef>
+              <a:buClr>
+                <a:schemeClr val="accent3"/>
+              </a:buClr>
+              <a:buFont typeface="Georgia"/>
+              <a:buChar char="▫"/>
+              <a:defRPr kumimoji="0" sz="1600" kern="1200">
+                <a:solidFill>
+                  <a:schemeClr val="accent3"/>
+                </a:solidFill>
+                <a:latin typeface="+mn-lt"/>
+                <a:ea typeface="+mn-ea"/>
+                <a:cs typeface="+mn-cs"/>
+              </a:defRPr>
+            </a:lvl7pPr>
+            <a:lvl8pPr marL="2029968" indent="-182880" algn="l" rtl="0" eaLnBrk="1" latinLnBrk="0" hangingPunct="1">
+              <a:spcBef>
+                <a:spcPts val="300"/>
+              </a:spcBef>
+              <a:buClr>
+                <a:schemeClr val="accent3"/>
+              </a:buClr>
+              <a:buFont typeface="Georgia"/>
+              <a:buChar char="◦"/>
+              <a:defRPr kumimoji="0" sz="1500" kern="1200">
+                <a:solidFill>
+                  <a:schemeClr val="accent3"/>
+                </a:solidFill>
+                <a:latin typeface="+mn-lt"/>
+                <a:ea typeface="+mn-ea"/>
+                <a:cs typeface="+mn-cs"/>
+              </a:defRPr>
+            </a:lvl8pPr>
+            <a:lvl9pPr marL="2240280" indent="-182880" algn="l" rtl="0" eaLnBrk="1" latinLnBrk="0" hangingPunct="1">
+              <a:spcBef>
+                <a:spcPts val="300"/>
+              </a:spcBef>
+              <a:buClr>
+                <a:schemeClr val="accent3"/>
+              </a:buClr>
+              <a:buFont typeface="Georgia"/>
+              <a:buChar char="◦"/>
+              <a:defRPr kumimoji="0" sz="1400" kern="1200" baseline="0">
+                <a:solidFill>
+                  <a:schemeClr val="accent3"/>
+                </a:solidFill>
+                <a:latin typeface="+mn-lt"/>
+                <a:ea typeface="+mn-ea"/>
+                <a:cs typeface="+mn-cs"/>
+              </a:defRPr>
+            </a:lvl9pPr>
+          </a:lstStyle>
+          <a:p>
+            <a:r>
+              <a:rPr lang="de-DE" dirty="0" smtClean="0"/>
+              <a:t>Definition Schnittstellen</a:t>
+            </a:r>
+          </a:p>
+          <a:p>
+            <a:r>
+              <a:rPr lang="de-DE" dirty="0" smtClean="0"/>
+              <a:t>Aufwand bei Programmierung reduziert</a:t>
+            </a:r>
+            <a:endParaRPr lang="de-DE" dirty="0"/>
+          </a:p>
+        </p:txBody>
+      </p:sp>
+    </p:spTree>
+    <p:extLst>
+      <p:ext uri="{BB962C8B-B14F-4D97-AF65-F5344CB8AC3E}">
+        <p14:creationId xmlns:p14="http://schemas.microsoft.com/office/powerpoint/2010/main" val="3159283490"/>
+      </p:ext>
+    </p:extLst>
+  </p:cSld>
+  <p:clrMapOvr>
+    <a:masterClrMapping/>
+  </p:clrMapOvr>
+</p:sld>
+</file>
+
+<file path=ppt/slides/slide11.xml><?xml version="1.0" encoding="utf-8"?>
+<p:sld xmlns:a="http://schemas.openxmlformats.org/drawingml/2006/main" xmlns:r="http://schemas.openxmlformats.org/officeDocument/2006/relationships" xmlns:p="http://schemas.openxmlformats.org/presentationml/2006/main">
+  <p:cSld>
+    <p:spTree>
+      <p:nvGrpSpPr>
+        <p:cNvPr id="1" name=""/>
+        <p:cNvGrpSpPr/>
+        <p:nvPr/>
+      </p:nvGrpSpPr>
+      <p:grpSpPr>
+        <a:xfrm>
+          <a:off x="0" y="0"/>
+          <a:ext cx="0" cy="0"/>
+          <a:chOff x="0" y="0"/>
+          <a:chExt cx="0" cy="0"/>
+        </a:xfrm>
+      </p:grpSpPr>
+      <p:sp>
+        <p:nvSpPr>
+          <p:cNvPr id="2" name="Titel 1"/>
+          <p:cNvSpPr>
+            <a:spLocks noGrp="1"/>
+          </p:cNvSpPr>
+          <p:nvPr>
+            <p:ph type="title"/>
+          </p:nvPr>
+        </p:nvSpPr>
+        <p:spPr/>
+        <p:txBody>
+          <a:bodyPr/>
+          <a:lstStyle/>
+          <a:p>
+            <a:r>
+              <a:rPr lang="de-DE" dirty="0" smtClean="0"/>
+              <a:t>Testphase</a:t>
+            </a:r>
+            <a:endParaRPr lang="de-DE" dirty="0"/>
+          </a:p>
+        </p:txBody>
+      </p:sp>
+    </p:spTree>
+    <p:extLst>
+      <p:ext uri="{BB962C8B-B14F-4D97-AF65-F5344CB8AC3E}">
+        <p14:creationId xmlns:p14="http://schemas.microsoft.com/office/powerpoint/2010/main" val="3420678931"/>
+      </p:ext>
+    </p:extLst>
+  </p:cSld>
+  <p:clrMapOvr>
+    <a:masterClrMapping/>
+  </p:clrMapOvr>
+</p:sld>
+</file>
+
+<file path=ppt/slides/slide12.xml><?xml version="1.0" encoding="utf-8"?>
+<p:sld xmlns:a="http://schemas.openxmlformats.org/drawingml/2006/main" xmlns:r="http://schemas.openxmlformats.org/officeDocument/2006/relationships" xmlns:p="http://schemas.openxmlformats.org/presentationml/2006/main">
+  <p:cSld>
+    <p:spTree>
+      <p:nvGrpSpPr>
+        <p:cNvPr id="1" name=""/>
+        <p:cNvGrpSpPr/>
+        <p:nvPr/>
+      </p:nvGrpSpPr>
+      <p:grpSpPr>
+        <a:xfrm>
+          <a:off x="0" y="0"/>
+          <a:ext cx="0" cy="0"/>
+          <a:chOff x="0" y="0"/>
+          <a:chExt cx="0" cy="0"/>
+        </a:xfrm>
+      </p:grpSpPr>
+      <p:sp>
+        <p:nvSpPr>
+          <p:cNvPr id="2" name="Titel 1"/>
+          <p:cNvSpPr>
+            <a:spLocks noGrp="1"/>
+          </p:cNvSpPr>
+          <p:nvPr>
+            <p:ph type="title"/>
+          </p:nvPr>
+        </p:nvSpPr>
+        <p:spPr/>
+        <p:txBody>
+          <a:bodyPr/>
+          <a:lstStyle/>
+          <a:p>
+            <a:r>
+              <a:rPr lang="de-DE" dirty="0" err="1" smtClean="0"/>
+              <a:t>Lessons</a:t>
+            </a:r>
+            <a:r>
+              <a:rPr lang="de-DE" dirty="0" smtClean="0"/>
+              <a:t> </a:t>
+            </a:r>
+            <a:r>
+              <a:rPr lang="de-DE" dirty="0" err="1" smtClean="0"/>
+              <a:t>learned</a:t>
+            </a:r>
+            <a:endParaRPr lang="de-DE" dirty="0"/>
+          </a:p>
+        </p:txBody>
+      </p:sp>
+      <p:sp>
+        <p:nvSpPr>
+          <p:cNvPr id="4" name="Inhaltsplatzhalter 2"/>
+          <p:cNvSpPr txBox="1">
+            <a:spLocks/>
+          </p:cNvSpPr>
+          <p:nvPr/>
+        </p:nvSpPr>
+        <p:spPr>
+          <a:xfrm>
+            <a:off x="457200" y="2249424"/>
+            <a:ext cx="8229600" cy="4325112"/>
+          </a:xfrm>
+          <a:prstGeom prst="rect">
+            <a:avLst/>
+          </a:prstGeom>
+        </p:spPr>
+        <p:txBody>
+          <a:bodyPr>
+            <a:normAutofit fontScale="70000" lnSpcReduction="20000"/>
+          </a:bodyPr>
+          <a:lstStyle>
+            <a:lvl1pPr marL="365760" indent="-256032" algn="l" rtl="0" eaLnBrk="1" latinLnBrk="0" hangingPunct="1">
+              <a:spcBef>
+                <a:spcPts val="300"/>
+              </a:spcBef>
+              <a:buClr>
+                <a:schemeClr val="accent3"/>
+              </a:buClr>
+              <a:buFont typeface="Georgia"/>
+              <a:buChar char="•"/>
+              <a:defRPr kumimoji="0" sz="2800" kern="1200">
+                <a:solidFill>
+                  <a:schemeClr val="tx1"/>
+                </a:solidFill>
+                <a:latin typeface="+mn-lt"/>
+                <a:ea typeface="+mn-ea"/>
+                <a:cs typeface="+mn-cs"/>
+              </a:defRPr>
+            </a:lvl1pPr>
+            <a:lvl2pPr marL="658368" indent="-246888" algn="l" rtl="0" eaLnBrk="1" latinLnBrk="0" hangingPunct="1">
+              <a:spcBef>
+                <a:spcPts val="300"/>
+              </a:spcBef>
+              <a:buClr>
+                <a:schemeClr val="accent2"/>
+              </a:buClr>
+              <a:buFont typeface="Georgia"/>
+              <a:buChar char="▫"/>
+              <a:defRPr kumimoji="0" sz="2600" kern="1200">
+                <a:solidFill>
+                  <a:schemeClr val="accent2"/>
+                </a:solidFill>
+                <a:latin typeface="+mn-lt"/>
+                <a:ea typeface="+mn-ea"/>
+                <a:cs typeface="+mn-cs"/>
+              </a:defRPr>
+            </a:lvl2pPr>
+            <a:lvl3pPr marL="923544" indent="-219456" algn="l" rtl="0" eaLnBrk="1" latinLnBrk="0" hangingPunct="1">
+              <a:spcBef>
+                <a:spcPts val="300"/>
+              </a:spcBef>
+              <a:buClr>
+                <a:schemeClr val="accent1"/>
+              </a:buClr>
+              <a:buFont typeface="Wingdings 2"/>
+              <a:buChar char=""/>
+              <a:defRPr kumimoji="0" sz="2400" kern="1200">
+                <a:solidFill>
+                  <a:schemeClr val="accent1"/>
+                </a:solidFill>
+                <a:latin typeface="+mn-lt"/>
+                <a:ea typeface="+mn-ea"/>
+                <a:cs typeface="+mn-cs"/>
+              </a:defRPr>
+            </a:lvl3pPr>
+            <a:lvl4pPr marL="1179576" indent="-201168" algn="l" rtl="0" eaLnBrk="1" latinLnBrk="0" hangingPunct="1">
+              <a:spcBef>
+                <a:spcPts val="300"/>
+              </a:spcBef>
+              <a:buClr>
+                <a:schemeClr val="accent1"/>
+              </a:buClr>
+              <a:buFont typeface="Wingdings 2"/>
+              <a:buChar char=""/>
+              <a:defRPr kumimoji="0" sz="2200" kern="1200">
+                <a:solidFill>
+                  <a:schemeClr val="accent1"/>
+                </a:solidFill>
+                <a:latin typeface="+mn-lt"/>
+                <a:ea typeface="+mn-ea"/>
+                <a:cs typeface="+mn-cs"/>
+              </a:defRPr>
+            </a:lvl4pPr>
+            <a:lvl5pPr marL="1389888" indent="-182880" algn="l" rtl="0" eaLnBrk="1" latinLnBrk="0" hangingPunct="1">
+              <a:spcBef>
+                <a:spcPts val="300"/>
+              </a:spcBef>
+              <a:buClr>
+                <a:schemeClr val="accent3"/>
+              </a:buClr>
+              <a:buFont typeface="Georgia"/>
+              <a:buChar char="▫"/>
+              <a:defRPr kumimoji="0" sz="2000" kern="1200">
+                <a:solidFill>
+                  <a:schemeClr val="accent3"/>
+                </a:solidFill>
+                <a:latin typeface="+mn-lt"/>
+                <a:ea typeface="+mn-ea"/>
+                <a:cs typeface="+mn-cs"/>
+              </a:defRPr>
+            </a:lvl5pPr>
+            <a:lvl6pPr marL="1609344" indent="-182880" algn="l" rtl="0" eaLnBrk="1" latinLnBrk="0" hangingPunct="1">
+              <a:spcBef>
+                <a:spcPts val="300"/>
+              </a:spcBef>
+              <a:buClr>
+                <a:schemeClr val="accent3"/>
+              </a:buClr>
+              <a:buFont typeface="Georgia"/>
+              <a:buChar char="▫"/>
+              <a:defRPr kumimoji="0" sz="1800" kern="1200">
+                <a:solidFill>
+                  <a:schemeClr val="accent3"/>
+                </a:solidFill>
+                <a:latin typeface="+mn-lt"/>
+                <a:ea typeface="+mn-ea"/>
+                <a:cs typeface="+mn-cs"/>
+              </a:defRPr>
+            </a:lvl6pPr>
+            <a:lvl7pPr marL="1828800" indent="-182880" algn="l" rtl="0" eaLnBrk="1" latinLnBrk="0" hangingPunct="1">
+              <a:spcBef>
+                <a:spcPts val="300"/>
+              </a:spcBef>
+              <a:buClr>
+                <a:schemeClr val="accent3"/>
+              </a:buClr>
+              <a:buFont typeface="Georgia"/>
+              <a:buChar char="▫"/>
+              <a:defRPr kumimoji="0" sz="1600" kern="1200">
+                <a:solidFill>
+                  <a:schemeClr val="accent3"/>
+                </a:solidFill>
+                <a:latin typeface="+mn-lt"/>
+                <a:ea typeface="+mn-ea"/>
+                <a:cs typeface="+mn-cs"/>
+              </a:defRPr>
+            </a:lvl7pPr>
+            <a:lvl8pPr marL="2029968" indent="-182880" algn="l" rtl="0" eaLnBrk="1" latinLnBrk="0" hangingPunct="1">
+              <a:spcBef>
+                <a:spcPts val="300"/>
+              </a:spcBef>
+              <a:buClr>
+                <a:schemeClr val="accent3"/>
+              </a:buClr>
+              <a:buFont typeface="Georgia"/>
+              <a:buChar char="◦"/>
+              <a:defRPr kumimoji="0" sz="1500" kern="1200">
+                <a:solidFill>
+                  <a:schemeClr val="accent3"/>
+                </a:solidFill>
+                <a:latin typeface="+mn-lt"/>
+                <a:ea typeface="+mn-ea"/>
+                <a:cs typeface="+mn-cs"/>
+              </a:defRPr>
+            </a:lvl8pPr>
+            <a:lvl9pPr marL="2240280" indent="-182880" algn="l" rtl="0" eaLnBrk="1" latinLnBrk="0" hangingPunct="1">
+              <a:spcBef>
+                <a:spcPts val="300"/>
+              </a:spcBef>
+              <a:buClr>
+                <a:schemeClr val="accent3"/>
+              </a:buClr>
+              <a:buFont typeface="Georgia"/>
+              <a:buChar char="◦"/>
+              <a:defRPr kumimoji="0" sz="1400" kern="1200" baseline="0">
+                <a:solidFill>
+                  <a:schemeClr val="accent3"/>
+                </a:solidFill>
+                <a:latin typeface="+mn-lt"/>
+                <a:ea typeface="+mn-ea"/>
+                <a:cs typeface="+mn-cs"/>
+              </a:defRPr>
+            </a:lvl9pPr>
+          </a:lstStyle>
+          <a:p>
+            <a:r>
+              <a:rPr lang="de-DE" dirty="0" smtClean="0"/>
+              <a:t>Papierprototypen </a:t>
+            </a:r>
+            <a:r>
+              <a:rPr lang="de-DE" dirty="0" smtClean="0">
+                <a:sym typeface="Wingdings" panose="05000000000000000000" pitchFamily="2" charset="2"/>
+              </a:rPr>
+              <a:t> GUI-Designer</a:t>
+            </a:r>
+            <a:endParaRPr lang="de-DE" dirty="0" smtClean="0"/>
+          </a:p>
+          <a:p>
+            <a:r>
+              <a:rPr lang="de-DE" dirty="0" smtClean="0"/>
+              <a:t>Modelle vollständig fertigstellen, bevor aufbauendende Schritte begonnen werden</a:t>
+            </a:r>
+          </a:p>
+          <a:p>
+            <a:pPr lvl="1"/>
+            <a:r>
+              <a:rPr lang="de-DE" dirty="0" smtClean="0">
+                <a:sym typeface="Wingdings" panose="05000000000000000000" pitchFamily="2" charset="2"/>
+              </a:rPr>
+              <a:t>Vermeidet Redundanz und somit Änderungsaufwand</a:t>
+            </a:r>
+            <a:endParaRPr lang="de-DE" dirty="0" smtClean="0"/>
+          </a:p>
+          <a:p>
+            <a:r>
+              <a:rPr lang="de-DE" dirty="0" smtClean="0"/>
+              <a:t>Oberflächenelemente eindeutig festlegen</a:t>
+            </a:r>
+          </a:p>
+          <a:p>
+            <a:r>
+              <a:rPr lang="de-DE" dirty="0" smtClean="0"/>
+              <a:t>Schnittstellen definieren (View – Controller – Model)</a:t>
+            </a:r>
+          </a:p>
+          <a:p>
+            <a:r>
+              <a:rPr lang="de-DE" dirty="0" smtClean="0"/>
+              <a:t>Klare Strukturen </a:t>
+            </a:r>
+            <a:r>
+              <a:rPr lang="de-DE" dirty="0" smtClean="0">
+                <a:sym typeface="Wingdings" panose="05000000000000000000" pitchFamily="2" charset="2"/>
+              </a:rPr>
+              <a:t> Architektur-Modell</a:t>
+            </a:r>
+          </a:p>
+          <a:p>
+            <a:r>
+              <a:rPr lang="de-DE" dirty="0" smtClean="0">
+                <a:sym typeface="Wingdings" panose="05000000000000000000" pitchFamily="2" charset="2"/>
+              </a:rPr>
+              <a:t>Modelle</a:t>
+            </a:r>
+          </a:p>
+          <a:p>
+            <a:pPr lvl="1"/>
+            <a:r>
+              <a:rPr lang="de-DE" dirty="0" smtClean="0">
+                <a:sym typeface="Wingdings" panose="05000000000000000000" pitchFamily="2" charset="2"/>
+              </a:rPr>
+              <a:t>Hilfreich</a:t>
+            </a:r>
+          </a:p>
+          <a:p>
+            <a:pPr lvl="1"/>
+            <a:r>
+              <a:rPr lang="de-DE" dirty="0" smtClean="0">
+                <a:sym typeface="Wingdings" panose="05000000000000000000" pitchFamily="2" charset="2"/>
+              </a:rPr>
+              <a:t>Nicht alles kann vollständig erfasst werden</a:t>
+            </a:r>
+          </a:p>
+          <a:p>
+            <a:pPr lvl="1"/>
+            <a:r>
+              <a:rPr lang="de-DE" dirty="0" smtClean="0">
+                <a:sym typeface="Wingdings" panose="05000000000000000000" pitchFamily="2" charset="2"/>
+              </a:rPr>
+              <a:t>Aufwand bei Modellierung spart später Programmieraufwand</a:t>
+            </a:r>
+          </a:p>
+          <a:p>
+            <a:r>
+              <a:rPr lang="de-DE" dirty="0" smtClean="0"/>
+              <a:t>Falsche Annahmen aus Kundenanforderungen können Konzept komplett in Frage stellen</a:t>
+            </a:r>
+          </a:p>
+          <a:p>
+            <a:pPr lvl="1"/>
+            <a:r>
+              <a:rPr lang="de-DE" dirty="0" smtClean="0"/>
+              <a:t>z.B. verschiedene Arten anlegen</a:t>
+            </a:r>
+          </a:p>
+          <a:p>
+            <a:pPr lvl="1"/>
+            <a:r>
+              <a:rPr lang="de-DE" dirty="0" smtClean="0"/>
+              <a:t>Anforderungen hinterfragen</a:t>
+            </a:r>
+          </a:p>
+        </p:txBody>
+      </p:sp>
+    </p:spTree>
+    <p:extLst>
+      <p:ext uri="{BB962C8B-B14F-4D97-AF65-F5344CB8AC3E}">
+        <p14:creationId xmlns:p14="http://schemas.microsoft.com/office/powerpoint/2010/main" val="3771086656"/>
+      </p:ext>
+    </p:extLst>
+  </p:cSld>
+  <p:clrMapOvr>
+    <a:masterClrMapping/>
+  </p:clrMapOvr>
+</p:sld>
+</file>
+
+<file path=ppt/slides/slide13.xml><?xml version="1.0" encoding="utf-8"?>
+<p:sld xmlns:a="http://schemas.openxmlformats.org/drawingml/2006/main" xmlns:r="http://schemas.openxmlformats.org/officeDocument/2006/relationships" xmlns:p="http://schemas.openxmlformats.org/presentationml/2006/main">
+  <p:cSld>
+    <p:spTree>
+      <p:nvGrpSpPr>
+        <p:cNvPr id="1" name=""/>
+        <p:cNvGrpSpPr/>
+        <p:nvPr/>
+      </p:nvGrpSpPr>
+      <p:grpSpPr>
+        <a:xfrm>
+          <a:off x="0" y="0"/>
+          <a:ext cx="0" cy="0"/>
+          <a:chOff x="0" y="0"/>
+          <a:chExt cx="0" cy="0"/>
+        </a:xfrm>
+      </p:grpSpPr>
+      <p:sp>
+        <p:nvSpPr>
+          <p:cNvPr id="2" name="Titel 1"/>
+          <p:cNvSpPr>
+            <a:spLocks noGrp="1"/>
+          </p:cNvSpPr>
+          <p:nvPr>
+            <p:ph type="title"/>
+          </p:nvPr>
+        </p:nvSpPr>
+        <p:spPr/>
+        <p:txBody>
+          <a:bodyPr/>
+          <a:lstStyle/>
+          <a:p>
+            <a:r>
+              <a:rPr lang="de-DE" dirty="0" smtClean="0"/>
+              <a:t>Abgabedokumente</a:t>
+            </a:r>
+            <a:endParaRPr lang="de-DE" dirty="0"/>
+          </a:p>
+        </p:txBody>
+      </p:sp>
+      <p:sp>
+        <p:nvSpPr>
+          <p:cNvPr id="3" name="Inhaltsplatzhalter 2"/>
+          <p:cNvSpPr txBox="1">
+            <a:spLocks/>
+          </p:cNvSpPr>
+          <p:nvPr/>
+        </p:nvSpPr>
+        <p:spPr>
+          <a:xfrm>
+            <a:off x="457200" y="2249424"/>
+            <a:ext cx="8229600" cy="4325112"/>
+          </a:xfrm>
+          <a:prstGeom prst="rect">
+            <a:avLst/>
+          </a:prstGeom>
+        </p:spPr>
+        <p:txBody>
+          <a:bodyPr>
+            <a:normAutofit/>
+          </a:bodyPr>
+          <a:lstStyle>
+            <a:lvl1pPr marL="365760" indent="-256032" algn="l" rtl="0" eaLnBrk="1" latinLnBrk="0" hangingPunct="1">
+              <a:spcBef>
+                <a:spcPts val="300"/>
+              </a:spcBef>
+              <a:buClr>
+                <a:schemeClr val="accent3"/>
+              </a:buClr>
+              <a:buFont typeface="Georgia"/>
+              <a:buChar char="•"/>
+              <a:defRPr kumimoji="0" sz="2800" kern="1200">
+                <a:solidFill>
+                  <a:schemeClr val="tx1"/>
+                </a:solidFill>
+                <a:latin typeface="+mn-lt"/>
+                <a:ea typeface="+mn-ea"/>
+                <a:cs typeface="+mn-cs"/>
+              </a:defRPr>
+            </a:lvl1pPr>
+            <a:lvl2pPr marL="658368" indent="-246888" algn="l" rtl="0" eaLnBrk="1" latinLnBrk="0" hangingPunct="1">
+              <a:spcBef>
+                <a:spcPts val="300"/>
+              </a:spcBef>
+              <a:buClr>
+                <a:schemeClr val="accent2"/>
+              </a:buClr>
+              <a:buFont typeface="Georgia"/>
+              <a:buChar char="▫"/>
+              <a:defRPr kumimoji="0" sz="2600" kern="1200">
+                <a:solidFill>
+                  <a:schemeClr val="accent2"/>
+                </a:solidFill>
+                <a:latin typeface="+mn-lt"/>
+                <a:ea typeface="+mn-ea"/>
+                <a:cs typeface="+mn-cs"/>
+              </a:defRPr>
+            </a:lvl2pPr>
+            <a:lvl3pPr marL="923544" indent="-219456" algn="l" rtl="0" eaLnBrk="1" latinLnBrk="0" hangingPunct="1">
+              <a:spcBef>
+                <a:spcPts val="300"/>
+              </a:spcBef>
+              <a:buClr>
+                <a:schemeClr val="accent1"/>
+              </a:buClr>
+              <a:buFont typeface="Wingdings 2"/>
+              <a:buChar char=""/>
+              <a:defRPr kumimoji="0" sz="2400" kern="1200">
+                <a:solidFill>
+                  <a:schemeClr val="accent1"/>
+                </a:solidFill>
+                <a:latin typeface="+mn-lt"/>
+                <a:ea typeface="+mn-ea"/>
+                <a:cs typeface="+mn-cs"/>
+              </a:defRPr>
+            </a:lvl3pPr>
+            <a:lvl4pPr marL="1179576" indent="-201168" algn="l" rtl="0" eaLnBrk="1" latinLnBrk="0" hangingPunct="1">
+              <a:spcBef>
+                <a:spcPts val="300"/>
+              </a:spcBef>
+              <a:buClr>
+                <a:schemeClr val="accent1"/>
+              </a:buClr>
+              <a:buFont typeface="Wingdings 2"/>
+              <a:buChar char=""/>
+              <a:defRPr kumimoji="0" sz="2200" kern="1200">
+                <a:solidFill>
+                  <a:schemeClr val="accent1"/>
+                </a:solidFill>
+                <a:latin typeface="+mn-lt"/>
+                <a:ea typeface="+mn-ea"/>
+                <a:cs typeface="+mn-cs"/>
+              </a:defRPr>
+            </a:lvl4pPr>
+            <a:lvl5pPr marL="1389888" indent="-182880" algn="l" rtl="0" eaLnBrk="1" latinLnBrk="0" hangingPunct="1">
+              <a:spcBef>
+                <a:spcPts val="300"/>
+              </a:spcBef>
+              <a:buClr>
+                <a:schemeClr val="accent3"/>
+              </a:buClr>
+              <a:buFont typeface="Georgia"/>
+              <a:buChar char="▫"/>
+              <a:defRPr kumimoji="0" sz="2000" kern="1200">
+                <a:solidFill>
+                  <a:schemeClr val="accent3"/>
+                </a:solidFill>
+                <a:latin typeface="+mn-lt"/>
+                <a:ea typeface="+mn-ea"/>
+                <a:cs typeface="+mn-cs"/>
+              </a:defRPr>
+            </a:lvl5pPr>
+            <a:lvl6pPr marL="1609344" indent="-182880" algn="l" rtl="0" eaLnBrk="1" latinLnBrk="0" hangingPunct="1">
+              <a:spcBef>
+                <a:spcPts val="300"/>
+              </a:spcBef>
+              <a:buClr>
+                <a:schemeClr val="accent3"/>
+              </a:buClr>
+              <a:buFont typeface="Georgia"/>
+              <a:buChar char="▫"/>
+              <a:defRPr kumimoji="0" sz="1800" kern="1200">
+                <a:solidFill>
+                  <a:schemeClr val="accent3"/>
+                </a:solidFill>
+                <a:latin typeface="+mn-lt"/>
+                <a:ea typeface="+mn-ea"/>
+                <a:cs typeface="+mn-cs"/>
+              </a:defRPr>
+            </a:lvl6pPr>
+            <a:lvl7pPr marL="1828800" indent="-182880" algn="l" rtl="0" eaLnBrk="1" latinLnBrk="0" hangingPunct="1">
+              <a:spcBef>
+                <a:spcPts val="300"/>
+              </a:spcBef>
+              <a:buClr>
+                <a:schemeClr val="accent3"/>
+              </a:buClr>
+              <a:buFont typeface="Georgia"/>
+              <a:buChar char="▫"/>
+              <a:defRPr kumimoji="0" sz="1600" kern="1200">
+                <a:solidFill>
+                  <a:schemeClr val="accent3"/>
+                </a:solidFill>
+                <a:latin typeface="+mn-lt"/>
+                <a:ea typeface="+mn-ea"/>
+                <a:cs typeface="+mn-cs"/>
+              </a:defRPr>
+            </a:lvl7pPr>
+            <a:lvl8pPr marL="2029968" indent="-182880" algn="l" rtl="0" eaLnBrk="1" latinLnBrk="0" hangingPunct="1">
+              <a:spcBef>
+                <a:spcPts val="300"/>
+              </a:spcBef>
+              <a:buClr>
+                <a:schemeClr val="accent3"/>
+              </a:buClr>
+              <a:buFont typeface="Georgia"/>
+              <a:buChar char="◦"/>
+              <a:defRPr kumimoji="0" sz="1500" kern="1200">
+                <a:solidFill>
+                  <a:schemeClr val="accent3"/>
+                </a:solidFill>
+                <a:latin typeface="+mn-lt"/>
+                <a:ea typeface="+mn-ea"/>
+                <a:cs typeface="+mn-cs"/>
+              </a:defRPr>
+            </a:lvl8pPr>
+            <a:lvl9pPr marL="2240280" indent="-182880" algn="l" rtl="0" eaLnBrk="1" latinLnBrk="0" hangingPunct="1">
+              <a:spcBef>
+                <a:spcPts val="300"/>
+              </a:spcBef>
+              <a:buClr>
+                <a:schemeClr val="accent3"/>
+              </a:buClr>
+              <a:buFont typeface="Georgia"/>
+              <a:buChar char="◦"/>
+              <a:defRPr kumimoji="0" sz="1400" kern="1200" baseline="0">
+                <a:solidFill>
+                  <a:schemeClr val="accent3"/>
+                </a:solidFill>
+                <a:latin typeface="+mn-lt"/>
+                <a:ea typeface="+mn-ea"/>
+                <a:cs typeface="+mn-cs"/>
+              </a:defRPr>
+            </a:lvl9pPr>
+          </a:lstStyle>
+          <a:p>
+            <a:r>
+              <a:rPr lang="de-DE" dirty="0" smtClean="0"/>
+              <a:t>Style Guide</a:t>
+            </a:r>
+          </a:p>
+          <a:p>
+            <a:r>
+              <a:rPr lang="de-DE" dirty="0" smtClean="0"/>
+              <a:t>Installationsanleitung</a:t>
+            </a:r>
+          </a:p>
+          <a:p>
+            <a:r>
+              <a:rPr lang="de-DE" dirty="0" smtClean="0"/>
+              <a:t>Modelle</a:t>
+            </a:r>
+          </a:p>
+          <a:p>
+            <a:pPr lvl="1"/>
+            <a:r>
+              <a:rPr lang="de-DE" dirty="0" smtClean="0"/>
+              <a:t>GUI / View</a:t>
+            </a:r>
+          </a:p>
+          <a:p>
+            <a:pPr lvl="1"/>
+            <a:r>
+              <a:rPr lang="de-DE" dirty="0" smtClean="0"/>
+              <a:t>Controller</a:t>
+            </a:r>
+          </a:p>
+          <a:p>
+            <a:pPr lvl="1"/>
+            <a:r>
+              <a:rPr lang="de-DE" dirty="0" smtClean="0"/>
+              <a:t>Model</a:t>
+            </a:r>
+          </a:p>
+          <a:p>
+            <a:pPr lvl="1"/>
+            <a:r>
+              <a:rPr lang="de-DE" dirty="0" smtClean="0"/>
+              <a:t>Architektur</a:t>
+            </a:r>
+            <a:endParaRPr lang="de-DE" dirty="0"/>
+          </a:p>
+          <a:p>
+            <a:r>
+              <a:rPr lang="de-DE" dirty="0" smtClean="0"/>
+              <a:t>Rollen und Rechte</a:t>
+            </a:r>
+          </a:p>
+          <a:p>
+            <a:r>
+              <a:rPr lang="de-DE" dirty="0" err="1" smtClean="0"/>
+              <a:t>JavaDoc</a:t>
+            </a:r>
+            <a:endParaRPr lang="de-DE" dirty="0" smtClean="0"/>
+          </a:p>
+        </p:txBody>
+      </p:sp>
+    </p:spTree>
+    <p:extLst>
+      <p:ext uri="{BB962C8B-B14F-4D97-AF65-F5344CB8AC3E}">
+        <p14:creationId xmlns:p14="http://schemas.microsoft.com/office/powerpoint/2010/main" val="215732145"/>
+      </p:ext>
+    </p:extLst>
+  </p:cSld>
+  <p:clrMapOvr>
+    <a:masterClrMapping/>
+  </p:clrMapOvr>
+</p:sld>
+</file>
+
+<file path=ppt/slides/slide14.xml><?xml version="1.0" encoding="utf-8"?>
+<p:sld xmlns:a="http://schemas.openxmlformats.org/drawingml/2006/main" xmlns:r="http://schemas.openxmlformats.org/officeDocument/2006/relationships" xmlns:p="http://schemas.openxmlformats.org/presentationml/2006/main">
+  <p:cSld>
+    <p:spTree>
+      <p:nvGrpSpPr>
+        <p:cNvPr id="1" name=""/>
+        <p:cNvGrpSpPr/>
+        <p:nvPr/>
+      </p:nvGrpSpPr>
+      <p:grpSpPr>
+        <a:xfrm>
+          <a:off x="0" y="0"/>
+          <a:ext cx="0" cy="0"/>
+          <a:chOff x="0" y="0"/>
+          <a:chExt cx="0" cy="0"/>
+        </a:xfrm>
+      </p:grpSpPr>
+      <p:sp>
+        <p:nvSpPr>
+          <p:cNvPr id="2" name="Titel 1"/>
+          <p:cNvSpPr>
+            <a:spLocks noGrp="1"/>
+          </p:cNvSpPr>
+          <p:nvPr>
+            <p:ph type="title"/>
+          </p:nvPr>
+        </p:nvSpPr>
+        <p:spPr>
+          <a:xfrm>
+            <a:off x="457200" y="1143000"/>
+            <a:ext cx="8229600" cy="3510136"/>
+          </a:xfrm>
+        </p:spPr>
+        <p:txBody>
+          <a:bodyPr>
+            <a:normAutofit/>
+          </a:bodyPr>
+          <a:lstStyle/>
+          <a:p>
+            <a:pPr algn="ctr"/>
+            <a:r>
+              <a:rPr lang="de-DE" dirty="0" smtClean="0"/>
+              <a:t>Vielen Dank für Ihre Aufmerksamkeit.</a:t>
+            </a:r>
+            <a:endParaRPr lang="de-DE" dirty="0"/>
+          </a:p>
+        </p:txBody>
+      </p:sp>
+    </p:spTree>
+    <p:extLst>
+      <p:ext uri="{BB962C8B-B14F-4D97-AF65-F5344CB8AC3E}">
+        <p14:creationId xmlns:p14="http://schemas.microsoft.com/office/powerpoint/2010/main" val="3080953501"/>
+      </p:ext>
+    </p:extLst>
+  </p:cSld>
+  <p:clrMapOvr>
+    <a:masterClrMapping/>
+  </p:clrMapOvr>
+</p:sld>
+</file>
+
+<file path=ppt/slides/slide15.xml><?xml version="1.0" encoding="utf-8"?>
+<p:sld xmlns:a="http://schemas.openxmlformats.org/drawingml/2006/main" xmlns:r="http://schemas.openxmlformats.org/officeDocument/2006/relationships" xmlns:p="http://schemas.openxmlformats.org/presentationml/2006/main">
+  <p:cSld>
+    <p:spTree>
+      <p:nvGrpSpPr>
+        <p:cNvPr id="1" name=""/>
+        <p:cNvGrpSpPr/>
+        <p:nvPr/>
+      </p:nvGrpSpPr>
+      <p:grpSpPr>
+        <a:xfrm>
+          <a:off x="0" y="0"/>
+          <a:ext cx="0" cy="0"/>
+          <a:chOff x="0" y="0"/>
+          <a:chExt cx="0" cy="0"/>
+        </a:xfrm>
+      </p:grpSpPr>
+      <p:sp>
+        <p:nvSpPr>
+          <p:cNvPr id="2" name="Titel 1"/>
+          <p:cNvSpPr>
+            <a:spLocks noGrp="1"/>
+          </p:cNvSpPr>
+          <p:nvPr>
+            <p:ph type="title"/>
+          </p:nvPr>
+        </p:nvSpPr>
+        <p:spPr/>
+        <p:txBody>
+          <a:bodyPr/>
+          <a:lstStyle/>
+          <a:p>
+            <a:r>
+              <a:rPr lang="de-DE" dirty="0" smtClean="0"/>
+              <a:t>BACKUP</a:t>
+            </a:r>
+            <a:endParaRPr lang="de-DE" dirty="0"/>
+          </a:p>
+        </p:txBody>
+      </p:sp>
+    </p:spTree>
+    <p:extLst>
+      <p:ext uri="{BB962C8B-B14F-4D97-AF65-F5344CB8AC3E}">
+        <p14:creationId xmlns:p14="http://schemas.microsoft.com/office/powerpoint/2010/main" val="1555926251"/>
+      </p:ext>
+    </p:extLst>
+  </p:cSld>
+  <p:clrMapOvr>
+    <a:masterClrMapping/>
+  </p:clrMapOvr>
+</p:sld>
+</file>
+
+<file path=ppt/slides/slide16.xml><?xml version="1.0" encoding="utf-8"?>
+<p:sld xmlns:a="http://schemas.openxmlformats.org/drawingml/2006/main" xmlns:r="http://schemas.openxmlformats.org/officeDocument/2006/relationships" xmlns:p="http://schemas.openxmlformats.org/presentationml/2006/main">
+  <p:cSld>
+    <p:spTree>
+      <p:nvGrpSpPr>
+        <p:cNvPr id="1" name=""/>
+        <p:cNvGrpSpPr/>
+        <p:nvPr/>
+      </p:nvGrpSpPr>
+      <p:grpSpPr>
+        <a:xfrm>
+          <a:off x="0" y="0"/>
+          <a:ext cx="0" cy="0"/>
+          <a:chOff x="0" y="0"/>
+          <a:chExt cx="0" cy="0"/>
+        </a:xfrm>
+      </p:grpSpPr>
+      <p:sp>
+        <p:nvSpPr>
+          <p:cNvPr id="2" name="Titel 1"/>
+          <p:cNvSpPr>
+            <a:spLocks noGrp="1"/>
+          </p:cNvSpPr>
+          <p:nvPr>
+            <p:ph type="title"/>
+          </p:nvPr>
+        </p:nvSpPr>
+        <p:spPr/>
+        <p:txBody>
+          <a:bodyPr/>
+          <a:lstStyle/>
+          <a:p>
+            <a:r>
+              <a:rPr lang="de-DE" dirty="0" smtClean="0"/>
+              <a:t>Use Case „Login“</a:t>
+            </a:r>
+            <a:endParaRPr lang="de-DE" dirty="0"/>
+          </a:p>
+        </p:txBody>
+      </p:sp>
+      <p:sp>
+        <p:nvSpPr>
+          <p:cNvPr id="3" name="Inhaltsplatzhalter 2"/>
+          <p:cNvSpPr>
+            <a:spLocks noGrp="1"/>
+          </p:cNvSpPr>
+          <p:nvPr>
+            <p:ph idx="1"/>
+          </p:nvPr>
+        </p:nvSpPr>
+        <p:spPr/>
+        <p:txBody>
+          <a:bodyPr/>
+          <a:lstStyle/>
+          <a:p>
+            <a:r>
+              <a:rPr lang="de-DE" dirty="0" smtClean="0"/>
+              <a:t>Benutzername und Passwort müssen zur Authentifizierung eingegeben werden</a:t>
+            </a:r>
+          </a:p>
+          <a:p>
+            <a:r>
+              <a:rPr lang="de-DE" dirty="0" smtClean="0"/>
+              <a:t>Passwort muss in der Datenbank verschlüsselt abgelegt werden</a:t>
+            </a:r>
+            <a:endParaRPr lang="de-DE" dirty="0"/>
+          </a:p>
+        </p:txBody>
+      </p:sp>
+    </p:spTree>
+    <p:extLst>
+      <p:ext uri="{BB962C8B-B14F-4D97-AF65-F5344CB8AC3E}">
+        <p14:creationId xmlns:p14="http://schemas.microsoft.com/office/powerpoint/2010/main" val="511365991"/>
+      </p:ext>
+    </p:extLst>
+  </p:cSld>
+  <p:clrMapOvr>
+    <a:masterClrMapping/>
+  </p:clrMapOvr>
+  <p:timing>
+    <p:tnLst>
+      <p:par>
+        <p:cTn id="1" dur="indefinite" restart="never" nodeType="tmRoot"/>
+      </p:par>
+    </p:tnLst>
+  </p:timing>
+</p:sld>
+</file>
+
+<file path=ppt/slides/slide17.xml><?xml version="1.0" encoding="utf-8"?>
+<p:sld xmlns:a="http://schemas.openxmlformats.org/drawingml/2006/main" xmlns:r="http://schemas.openxmlformats.org/officeDocument/2006/relationships" xmlns:p="http://schemas.openxmlformats.org/presentationml/2006/main">
+  <p:cSld>
+    <p:spTree>
+      <p:nvGrpSpPr>
+        <p:cNvPr id="1" name=""/>
+        <p:cNvGrpSpPr/>
+        <p:nvPr/>
+      </p:nvGrpSpPr>
+      <p:grpSpPr>
+        <a:xfrm>
+          <a:off x="0" y="0"/>
+          <a:ext cx="0" cy="0"/>
+          <a:chOff x="0" y="0"/>
+          <a:chExt cx="0" cy="0"/>
+        </a:xfrm>
+      </p:grpSpPr>
+      <p:sp>
+        <p:nvSpPr>
+          <p:cNvPr id="2" name="Titel 1"/>
+          <p:cNvSpPr>
+            <a:spLocks noGrp="1"/>
+          </p:cNvSpPr>
+          <p:nvPr>
+            <p:ph type="title"/>
+          </p:nvPr>
+        </p:nvSpPr>
+        <p:spPr/>
+        <p:txBody>
+          <a:bodyPr/>
+          <a:lstStyle/>
+          <a:p>
+            <a:r>
+              <a:rPr lang="de-DE" dirty="0" smtClean="0"/>
+              <a:t>Use Case „Passwort“</a:t>
+            </a:r>
+            <a:endParaRPr lang="de-DE" dirty="0"/>
+          </a:p>
+        </p:txBody>
+      </p:sp>
+      <p:sp>
+        <p:nvSpPr>
+          <p:cNvPr id="3" name="Inhaltsplatzhalter 2"/>
+          <p:cNvSpPr>
+            <a:spLocks noGrp="1"/>
+          </p:cNvSpPr>
+          <p:nvPr>
+            <p:ph idx="1"/>
+          </p:nvPr>
+        </p:nvSpPr>
+        <p:spPr/>
+        <p:txBody>
+          <a:bodyPr/>
+          <a:lstStyle/>
+          <a:p>
+            <a:r>
+              <a:rPr lang="de-DE" dirty="0" smtClean="0"/>
+              <a:t>Vergessen: bei vergessenem Passwort muss sich der User beim UHD melden (die Telefonnummer wird im Hilfe-Fenster der Login-Oberfläche angezeigt)</a:t>
+            </a:r>
+          </a:p>
+          <a:p>
+            <a:r>
+              <a:rPr lang="de-DE" dirty="0" smtClean="0"/>
+              <a:t>Ändern: beim ersten Login muss das Passwort vom User geändert werden</a:t>
+            </a:r>
+          </a:p>
+          <a:p>
+            <a:pPr lvl="1"/>
+            <a:r>
+              <a:rPr lang="de-DE" dirty="0" smtClean="0"/>
+              <a:t>Danach kann es jederzeit wieder geändert werden</a:t>
+            </a:r>
+            <a:endParaRPr lang="de-DE" dirty="0"/>
+          </a:p>
+        </p:txBody>
+      </p:sp>
+    </p:spTree>
+    <p:extLst>
+      <p:ext uri="{BB962C8B-B14F-4D97-AF65-F5344CB8AC3E}">
+        <p14:creationId xmlns:p14="http://schemas.microsoft.com/office/powerpoint/2010/main" val="2367586276"/>
+      </p:ext>
+    </p:extLst>
+  </p:cSld>
+  <p:clrMapOvr>
+    <a:masterClrMapping/>
+  </p:clrMapOvr>
+  <p:timing>
+    <p:tnLst>
+      <p:par>
+        <p:cTn id="1" dur="indefinite" restart="never" nodeType="tmRoot"/>
+      </p:par>
+    </p:tnLst>
+  </p:timing>
+</p:sld>
+</file>
+
+<file path=ppt/slides/slide18.xml><?xml version="1.0" encoding="utf-8"?>
+<p:sld xmlns:a="http://schemas.openxmlformats.org/drawingml/2006/main" xmlns:r="http://schemas.openxmlformats.org/officeDocument/2006/relationships" xmlns:p="http://schemas.openxmlformats.org/presentationml/2006/main">
+  <p:cSld>
+    <p:spTree>
+      <p:nvGrpSpPr>
+        <p:cNvPr id="1" name=""/>
+        <p:cNvGrpSpPr/>
+        <p:nvPr/>
+      </p:nvGrpSpPr>
+      <p:grpSpPr>
+        <a:xfrm>
+          <a:off x="0" y="0"/>
+          <a:ext cx="0" cy="0"/>
+          <a:chOff x="0" y="0"/>
+          <a:chExt cx="0" cy="0"/>
+        </a:xfrm>
+      </p:grpSpPr>
+      <p:sp>
+        <p:nvSpPr>
+          <p:cNvPr id="2" name="Titel 1"/>
+          <p:cNvSpPr>
+            <a:spLocks noGrp="1"/>
+          </p:cNvSpPr>
+          <p:nvPr>
+            <p:ph type="title"/>
+          </p:nvPr>
+        </p:nvSpPr>
+        <p:spPr/>
+        <p:txBody>
+          <a:bodyPr/>
+          <a:lstStyle/>
+          <a:p>
+            <a:r>
+              <a:rPr lang="de-DE" dirty="0" smtClean="0"/>
               <a:t>Use Case „Passwort“</a:t>
             </a:r>
             <a:endParaRPr lang="de-DE" dirty="0"/>
@@ -5035,849 +6388,6 @@
 </p:sld>
 </file>
 
-<file path=ppt/slides/slide11.xml><?xml version="1.0" encoding="utf-8"?>
-<p:sld xmlns:a="http://schemas.openxmlformats.org/drawingml/2006/main" xmlns:r="http://schemas.openxmlformats.org/officeDocument/2006/relationships" xmlns:p="http://schemas.openxmlformats.org/presentationml/2006/main">
-  <p:cSld>
-    <p:spTree>
-      <p:nvGrpSpPr>
-        <p:cNvPr id="1" name=""/>
-        <p:cNvGrpSpPr/>
-        <p:nvPr/>
-      </p:nvGrpSpPr>
-      <p:grpSpPr>
-        <a:xfrm>
-          <a:off x="0" y="0"/>
-          <a:ext cx="0" cy="0"/>
-          <a:chOff x="0" y="0"/>
-          <a:chExt cx="0" cy="0"/>
-        </a:xfrm>
-      </p:grpSpPr>
-      <p:sp>
-        <p:nvSpPr>
-          <p:cNvPr id="3" name="Titel 2"/>
-          <p:cNvSpPr>
-            <a:spLocks noGrp="1"/>
-          </p:cNvSpPr>
-          <p:nvPr>
-            <p:ph type="title"/>
-          </p:nvPr>
-        </p:nvSpPr>
-        <p:spPr/>
-        <p:txBody>
-          <a:bodyPr/>
-          <a:lstStyle/>
-          <a:p>
-            <a:r>
-              <a:rPr lang="de-DE" dirty="0" smtClean="0"/>
-              <a:t>Use Case „Erfassen“</a:t>
-            </a:r>
-            <a:endParaRPr lang="de-DE" dirty="0"/>
-          </a:p>
-        </p:txBody>
-      </p:sp>
-      <p:sp>
-        <p:nvSpPr>
-          <p:cNvPr id="4" name="Inhaltsplatzhalter 3"/>
-          <p:cNvSpPr>
-            <a:spLocks noGrp="1"/>
-          </p:cNvSpPr>
-          <p:nvPr>
-            <p:ph idx="1"/>
-          </p:nvPr>
-        </p:nvSpPr>
-        <p:spPr/>
-        <p:txBody>
-          <a:bodyPr/>
-          <a:lstStyle/>
-          <a:p>
-            <a:r>
-              <a:rPr lang="de-DE" dirty="0" smtClean="0"/>
-              <a:t>Mitarbeiter soll mehrmals täglich einen Eintrag erfassen können</a:t>
-            </a:r>
-          </a:p>
-          <a:p>
-            <a:r>
-              <a:rPr lang="de-DE" dirty="0" smtClean="0"/>
-              <a:t>Ein Eintrag darf nur für die aktuelle und die vorherige Kalenderwoche (aktuelles Jahr) erfasst werden</a:t>
-            </a:r>
-            <a:endParaRPr lang="de-DE" dirty="0"/>
-          </a:p>
-        </p:txBody>
-      </p:sp>
-    </p:spTree>
-    <p:extLst>
-      <p:ext uri="{BB962C8B-B14F-4D97-AF65-F5344CB8AC3E}">
-        <p14:creationId xmlns:p14="http://schemas.microsoft.com/office/powerpoint/2010/main" val="432645280"/>
-      </p:ext>
-    </p:extLst>
-  </p:cSld>
-  <p:clrMapOvr>
-    <a:masterClrMapping/>
-  </p:clrMapOvr>
-  <p:timing>
-    <p:tnLst>
-      <p:par>
-        <p:cTn id="1" dur="indefinite" restart="never" nodeType="tmRoot"/>
-      </p:par>
-    </p:tnLst>
-  </p:timing>
-</p:sld>
-</file>
-
-<file path=ppt/slides/slide12.xml><?xml version="1.0" encoding="utf-8"?>
-<p:sld xmlns:a="http://schemas.openxmlformats.org/drawingml/2006/main" xmlns:r="http://schemas.openxmlformats.org/officeDocument/2006/relationships" xmlns:p="http://schemas.openxmlformats.org/presentationml/2006/main">
-  <p:cSld>
-    <p:spTree>
-      <p:nvGrpSpPr>
-        <p:cNvPr id="1" name=""/>
-        <p:cNvGrpSpPr/>
-        <p:nvPr/>
-      </p:nvGrpSpPr>
-      <p:grpSpPr>
-        <a:xfrm>
-          <a:off x="0" y="0"/>
-          <a:ext cx="0" cy="0"/>
-          <a:chOff x="0" y="0"/>
-          <a:chExt cx="0" cy="0"/>
-        </a:xfrm>
-      </p:grpSpPr>
-      <p:sp>
-        <p:nvSpPr>
-          <p:cNvPr id="2" name="Titel 1"/>
-          <p:cNvSpPr>
-            <a:spLocks noGrp="1"/>
-          </p:cNvSpPr>
-          <p:nvPr>
-            <p:ph type="title"/>
-          </p:nvPr>
-        </p:nvSpPr>
-        <p:spPr/>
-        <p:txBody>
-          <a:bodyPr>
-            <a:normAutofit fontScale="90000"/>
-          </a:bodyPr>
-          <a:lstStyle/>
-          <a:p>
-            <a:r>
-              <a:rPr lang="de-DE" dirty="0" smtClean="0"/>
-              <a:t>Use Case „Arbeitsgruppe einsehen“ - 		 Gruppenleiter</a:t>
-            </a:r>
-            <a:endParaRPr lang="de-DE" dirty="0"/>
-          </a:p>
-        </p:txBody>
-      </p:sp>
-      <p:sp>
-        <p:nvSpPr>
-          <p:cNvPr id="3" name="Inhaltsplatzhalter 2"/>
-          <p:cNvSpPr>
-            <a:spLocks noGrp="1"/>
-          </p:cNvSpPr>
-          <p:nvPr>
-            <p:ph idx="1"/>
-          </p:nvPr>
-        </p:nvSpPr>
-        <p:spPr>
-          <a:xfrm>
-            <a:off x="457200" y="2416256"/>
-            <a:ext cx="8229600" cy="4325112"/>
-          </a:xfrm>
-        </p:spPr>
-        <p:txBody>
-          <a:bodyPr/>
-          <a:lstStyle/>
-          <a:p>
-            <a:r>
-              <a:rPr lang="de-DE" dirty="0" smtClean="0"/>
-              <a:t>Gruppenleiter: darf die Ergebnisse seiner eigenen Arbeitsgruppe einsehen</a:t>
-            </a:r>
-          </a:p>
-          <a:p>
-            <a:r>
-              <a:rPr lang="de-DE" dirty="0" smtClean="0"/>
-              <a:t>„Drucken“ gibt die aktuelle Tabelle als PDF-Datei aus</a:t>
-            </a:r>
-          </a:p>
-        </p:txBody>
-      </p:sp>
-    </p:spTree>
-    <p:extLst>
-      <p:ext uri="{BB962C8B-B14F-4D97-AF65-F5344CB8AC3E}">
-        <p14:creationId xmlns:p14="http://schemas.microsoft.com/office/powerpoint/2010/main" val="2011369229"/>
-      </p:ext>
-    </p:extLst>
-  </p:cSld>
-  <p:clrMapOvr>
-    <a:masterClrMapping/>
-  </p:clrMapOvr>
-  <p:timing>
-    <p:tnLst>
-      <p:par>
-        <p:cTn id="1" dur="indefinite" restart="never" nodeType="tmRoot"/>
-      </p:par>
-    </p:tnLst>
-  </p:timing>
-</p:sld>
-</file>
-
-<file path=ppt/slides/slide13.xml><?xml version="1.0" encoding="utf-8"?>
-<p:sld xmlns:a="http://schemas.openxmlformats.org/drawingml/2006/main" xmlns:r="http://schemas.openxmlformats.org/officeDocument/2006/relationships" xmlns:p="http://schemas.openxmlformats.org/presentationml/2006/main">
-  <p:cSld>
-    <p:spTree>
-      <p:nvGrpSpPr>
-        <p:cNvPr id="1" name=""/>
-        <p:cNvGrpSpPr/>
-        <p:nvPr/>
-      </p:nvGrpSpPr>
-      <p:grpSpPr>
-        <a:xfrm>
-          <a:off x="0" y="0"/>
-          <a:ext cx="0" cy="0"/>
-          <a:chOff x="0" y="0"/>
-          <a:chExt cx="0" cy="0"/>
-        </a:xfrm>
-      </p:grpSpPr>
-      <p:sp>
-        <p:nvSpPr>
-          <p:cNvPr id="2" name="Titel 1"/>
-          <p:cNvSpPr>
-            <a:spLocks noGrp="1"/>
-          </p:cNvSpPr>
-          <p:nvPr>
-            <p:ph type="title"/>
-          </p:nvPr>
-        </p:nvSpPr>
-        <p:spPr/>
-        <p:txBody>
-          <a:bodyPr>
-            <a:normAutofit fontScale="90000"/>
-          </a:bodyPr>
-          <a:lstStyle/>
-          <a:p>
-            <a:r>
-              <a:rPr lang="de-DE" dirty="0" smtClean="0"/>
-              <a:t>Use Case „Arbeitsgruppen einsehen“ - 		 Bereichsleiter</a:t>
-            </a:r>
-            <a:endParaRPr lang="de-DE" dirty="0"/>
-          </a:p>
-        </p:txBody>
-      </p:sp>
-      <p:sp>
-        <p:nvSpPr>
-          <p:cNvPr id="3" name="Inhaltsplatzhalter 2"/>
-          <p:cNvSpPr>
-            <a:spLocks noGrp="1"/>
-          </p:cNvSpPr>
-          <p:nvPr>
-            <p:ph idx="1"/>
-          </p:nvPr>
-        </p:nvSpPr>
-        <p:spPr>
-          <a:xfrm>
-            <a:off x="457200" y="2416256"/>
-            <a:ext cx="8229600" cy="4325112"/>
-          </a:xfrm>
-        </p:spPr>
-        <p:txBody>
-          <a:bodyPr>
-            <a:normAutofit/>
-          </a:bodyPr>
-          <a:lstStyle/>
-          <a:p>
-            <a:r>
-              <a:rPr lang="de-DE" dirty="0" smtClean="0"/>
-              <a:t>Bereichsleiter: darf alle Arbeitsgruppen seines Bereichs einsehen</a:t>
-            </a:r>
-          </a:p>
-          <a:p>
-            <a:r>
-              <a:rPr lang="de-DE" dirty="0" smtClean="0"/>
-              <a:t>Einträge der Arbeitsgruppen werden zusätzlich aufsummiert</a:t>
-            </a:r>
-          </a:p>
-          <a:p>
-            <a:r>
-              <a:rPr lang="de-DE" dirty="0" smtClean="0"/>
-              <a:t>„</a:t>
-            </a:r>
-            <a:r>
-              <a:rPr lang="de-DE" dirty="0"/>
-              <a:t>Drucken“ gibt die aktuelle Tabelle als PDF-Datei </a:t>
-            </a:r>
-            <a:r>
-              <a:rPr lang="de-DE" dirty="0" smtClean="0"/>
-              <a:t>aus</a:t>
-            </a:r>
-            <a:endParaRPr lang="de-DE" dirty="0"/>
-          </a:p>
-        </p:txBody>
-      </p:sp>
-    </p:spTree>
-    <p:extLst>
-      <p:ext uri="{BB962C8B-B14F-4D97-AF65-F5344CB8AC3E}">
-        <p14:creationId xmlns:p14="http://schemas.microsoft.com/office/powerpoint/2010/main" val="241156330"/>
-      </p:ext>
-    </p:extLst>
-  </p:cSld>
-  <p:clrMapOvr>
-    <a:masterClrMapping/>
-  </p:clrMapOvr>
-  <p:timing>
-    <p:tnLst>
-      <p:par>
-        <p:cTn id="1" dur="indefinite" restart="never" nodeType="tmRoot"/>
-      </p:par>
-    </p:tnLst>
-  </p:timing>
-</p:sld>
-</file>
-
-<file path=ppt/slides/slide14.xml><?xml version="1.0" encoding="utf-8"?>
-<p:sld xmlns:a="http://schemas.openxmlformats.org/drawingml/2006/main" xmlns:r="http://schemas.openxmlformats.org/officeDocument/2006/relationships" xmlns:p="http://schemas.openxmlformats.org/presentationml/2006/main">
-  <p:cSld>
-    <p:spTree>
-      <p:nvGrpSpPr>
-        <p:cNvPr id="1" name=""/>
-        <p:cNvGrpSpPr/>
-        <p:nvPr/>
-      </p:nvGrpSpPr>
-      <p:grpSpPr>
-        <a:xfrm>
-          <a:off x="0" y="0"/>
-          <a:ext cx="0" cy="0"/>
-          <a:chOff x="0" y="0"/>
-          <a:chExt cx="0" cy="0"/>
-        </a:xfrm>
-      </p:grpSpPr>
-      <p:sp>
-        <p:nvSpPr>
-          <p:cNvPr id="2" name="Titel 1"/>
-          <p:cNvSpPr>
-            <a:spLocks noGrp="1"/>
-          </p:cNvSpPr>
-          <p:nvPr>
-            <p:ph type="title"/>
-          </p:nvPr>
-        </p:nvSpPr>
-        <p:spPr/>
-        <p:txBody>
-          <a:bodyPr/>
-          <a:lstStyle/>
-          <a:p>
-            <a:r>
-              <a:rPr lang="de-DE" dirty="0" smtClean="0"/>
-              <a:t>Use Case „Bereich einsehen“</a:t>
-            </a:r>
-            <a:endParaRPr lang="de-DE" dirty="0"/>
-          </a:p>
-        </p:txBody>
-      </p:sp>
-      <p:sp>
-        <p:nvSpPr>
-          <p:cNvPr id="3" name="Inhaltsplatzhalter 2"/>
-          <p:cNvSpPr>
-            <a:spLocks noGrp="1"/>
-          </p:cNvSpPr>
-          <p:nvPr>
-            <p:ph idx="1"/>
-          </p:nvPr>
-        </p:nvSpPr>
-        <p:spPr/>
-        <p:txBody>
-          <a:bodyPr>
-            <a:normAutofit fontScale="92500" lnSpcReduction="10000"/>
-          </a:bodyPr>
-          <a:lstStyle/>
-          <a:p>
-            <a:r>
-              <a:rPr lang="de-DE" dirty="0" smtClean="0"/>
-              <a:t>Zentralbereichsleiter und Fachbereichs-organisation: dürfen alle Bereiche einsehen</a:t>
-            </a:r>
-          </a:p>
-          <a:p>
-            <a:r>
-              <a:rPr lang="de-DE" dirty="0" smtClean="0"/>
-              <a:t>Von der Übersicht der Bereiche kann der User direkt auf die Arbeitsgruppen eines Bereichs gelangen</a:t>
-            </a:r>
-          </a:p>
-          <a:p>
-            <a:r>
-              <a:rPr lang="de-DE" dirty="0" smtClean="0"/>
-              <a:t>Einträge der Bereiche werden zusätzlich aufsummiert</a:t>
-            </a:r>
-          </a:p>
-          <a:p>
-            <a:r>
-              <a:rPr lang="de-DE" dirty="0"/>
-              <a:t>„Abrechen“ leitet den </a:t>
-            </a:r>
-            <a:r>
-              <a:rPr lang="de-DE" dirty="0" smtClean="0"/>
-              <a:t>User wieder </a:t>
-            </a:r>
-            <a:r>
-              <a:rPr lang="de-DE" dirty="0"/>
-              <a:t>auf die Seite zurück, auf der er Kalenderjahr und Kalenderwoche eingeben kann, um Daten anzuzeigen</a:t>
-            </a:r>
-          </a:p>
-          <a:p>
-            <a:r>
-              <a:rPr lang="de-DE" dirty="0"/>
-              <a:t>„Drucken“ gibt die aktuelle Tabelle als PDF-Datei </a:t>
-            </a:r>
-            <a:r>
-              <a:rPr lang="de-DE" dirty="0" smtClean="0"/>
-              <a:t>aus</a:t>
-            </a:r>
-            <a:endParaRPr lang="de-DE" dirty="0"/>
-          </a:p>
-        </p:txBody>
-      </p:sp>
-    </p:spTree>
-    <p:extLst>
-      <p:ext uri="{BB962C8B-B14F-4D97-AF65-F5344CB8AC3E}">
-        <p14:creationId xmlns:p14="http://schemas.microsoft.com/office/powerpoint/2010/main" val="1739418431"/>
-      </p:ext>
-    </p:extLst>
-  </p:cSld>
-  <p:clrMapOvr>
-    <a:masterClrMapping/>
-  </p:clrMapOvr>
-  <p:timing>
-    <p:tnLst>
-      <p:par>
-        <p:cTn id="1" dur="indefinite" restart="never" nodeType="tmRoot"/>
-      </p:par>
-    </p:tnLst>
-  </p:timing>
-</p:sld>
-</file>
-
-<file path=ppt/slides/slide15.xml><?xml version="1.0" encoding="utf-8"?>
-<p:sld xmlns:a="http://schemas.openxmlformats.org/drawingml/2006/main" xmlns:r="http://schemas.openxmlformats.org/officeDocument/2006/relationships" xmlns:p="http://schemas.openxmlformats.org/presentationml/2006/main">
-  <p:cSld>
-    <p:spTree>
-      <p:nvGrpSpPr>
-        <p:cNvPr id="1" name=""/>
-        <p:cNvGrpSpPr/>
-        <p:nvPr/>
-      </p:nvGrpSpPr>
-      <p:grpSpPr>
-        <a:xfrm>
-          <a:off x="0" y="0"/>
-          <a:ext cx="0" cy="0"/>
-          <a:chOff x="0" y="0"/>
-          <a:chExt cx="0" cy="0"/>
-        </a:xfrm>
-      </p:grpSpPr>
-      <p:sp>
-        <p:nvSpPr>
-          <p:cNvPr id="2" name="Titel 1"/>
-          <p:cNvSpPr>
-            <a:spLocks noGrp="1"/>
-          </p:cNvSpPr>
-          <p:nvPr>
-            <p:ph type="title"/>
-          </p:nvPr>
-        </p:nvSpPr>
-        <p:spPr/>
-        <p:txBody>
-          <a:bodyPr/>
-          <a:lstStyle/>
-          <a:p>
-            <a:r>
-              <a:rPr lang="de-DE" dirty="0" smtClean="0"/>
-              <a:t>Use Case „Bereich“</a:t>
-            </a:r>
-            <a:endParaRPr lang="de-DE" dirty="0"/>
-          </a:p>
-        </p:txBody>
-      </p:sp>
-      <p:sp>
-        <p:nvSpPr>
-          <p:cNvPr id="3" name="Inhaltsplatzhalter 2"/>
-          <p:cNvSpPr>
-            <a:spLocks noGrp="1"/>
-          </p:cNvSpPr>
-          <p:nvPr>
-            <p:ph idx="1"/>
-          </p:nvPr>
-        </p:nvSpPr>
-        <p:spPr/>
-        <p:txBody>
-          <a:bodyPr>
-            <a:normAutofit/>
-          </a:bodyPr>
-          <a:lstStyle/>
-          <a:p>
-            <a:r>
-              <a:rPr lang="de-DE" dirty="0" smtClean="0"/>
-              <a:t>Die Verwaltung erfolgt über die Fachbereichs-organisation</a:t>
-            </a:r>
-          </a:p>
-          <a:p>
-            <a:r>
-              <a:rPr lang="de-DE" dirty="0" smtClean="0"/>
-              <a:t>Anlegen: mit Angaben über Bezeichnung und Kurzbezeichnung soll ein Bereich angelegt werden können</a:t>
-            </a:r>
-          </a:p>
-        </p:txBody>
-      </p:sp>
-    </p:spTree>
-    <p:extLst>
-      <p:ext uri="{BB962C8B-B14F-4D97-AF65-F5344CB8AC3E}">
-        <p14:creationId xmlns:p14="http://schemas.microsoft.com/office/powerpoint/2010/main" val="2615168494"/>
-      </p:ext>
-    </p:extLst>
-  </p:cSld>
-  <p:clrMapOvr>
-    <a:masterClrMapping/>
-  </p:clrMapOvr>
-  <p:timing>
-    <p:tnLst>
-      <p:par>
-        <p:cTn id="1" dur="indefinite" restart="never" nodeType="tmRoot"/>
-      </p:par>
-    </p:tnLst>
-  </p:timing>
-</p:sld>
-</file>
-
-<file path=ppt/slides/slide16.xml><?xml version="1.0" encoding="utf-8"?>
-<p:sld xmlns:a="http://schemas.openxmlformats.org/drawingml/2006/main" xmlns:r="http://schemas.openxmlformats.org/officeDocument/2006/relationships" xmlns:p="http://schemas.openxmlformats.org/presentationml/2006/main">
-  <p:cSld>
-    <p:spTree>
-      <p:nvGrpSpPr>
-        <p:cNvPr id="1" name=""/>
-        <p:cNvGrpSpPr/>
-        <p:nvPr/>
-      </p:nvGrpSpPr>
-      <p:grpSpPr>
-        <a:xfrm>
-          <a:off x="0" y="0"/>
-          <a:ext cx="0" cy="0"/>
-          <a:chOff x="0" y="0"/>
-          <a:chExt cx="0" cy="0"/>
-        </a:xfrm>
-      </p:grpSpPr>
-      <p:sp>
-        <p:nvSpPr>
-          <p:cNvPr id="2" name="Titel 1"/>
-          <p:cNvSpPr>
-            <a:spLocks noGrp="1"/>
-          </p:cNvSpPr>
-          <p:nvPr>
-            <p:ph type="title"/>
-          </p:nvPr>
-        </p:nvSpPr>
-        <p:spPr/>
-        <p:txBody>
-          <a:bodyPr/>
-          <a:lstStyle/>
-          <a:p>
-            <a:r>
-              <a:rPr lang="de-DE" dirty="0" smtClean="0"/>
-              <a:t>Use Case „Bereich“</a:t>
-            </a:r>
-            <a:endParaRPr lang="de-DE" dirty="0"/>
-          </a:p>
-        </p:txBody>
-      </p:sp>
-      <p:sp>
-        <p:nvSpPr>
-          <p:cNvPr id="3" name="Inhaltsplatzhalter 2"/>
-          <p:cNvSpPr>
-            <a:spLocks noGrp="1"/>
-          </p:cNvSpPr>
-          <p:nvPr>
-            <p:ph idx="1"/>
-          </p:nvPr>
-        </p:nvSpPr>
-        <p:spPr/>
-        <p:txBody>
-          <a:bodyPr>
-            <a:normAutofit/>
-          </a:bodyPr>
-          <a:lstStyle/>
-          <a:p>
-            <a:r>
-              <a:rPr lang="de-DE" dirty="0"/>
-              <a:t>Die Auswahl zur Bearbeitung bzw. zur Löschung erfolgt über eine </a:t>
-            </a:r>
-            <a:r>
-              <a:rPr lang="de-DE" dirty="0" smtClean="0"/>
-              <a:t>Oberfläche mit Drop-Down-Feld</a:t>
-            </a:r>
-          </a:p>
-          <a:p>
-            <a:r>
-              <a:rPr lang="de-DE" dirty="0" smtClean="0"/>
-              <a:t>Bearbeiten: die Bezeichnung, die Kurz-bezeichnung und der Leiter sollen geändert werden können</a:t>
-            </a:r>
-          </a:p>
-          <a:p>
-            <a:r>
-              <a:rPr lang="de-DE" dirty="0" smtClean="0"/>
-              <a:t>Löschen: der Bereich wird inaktiv gesetzt, sobald alle Arbeitsgruppen und Mitarbeiter aus dem Bereich entfernt wurden</a:t>
-            </a:r>
-            <a:endParaRPr lang="de-DE" dirty="0"/>
-          </a:p>
-        </p:txBody>
-      </p:sp>
-    </p:spTree>
-    <p:extLst>
-      <p:ext uri="{BB962C8B-B14F-4D97-AF65-F5344CB8AC3E}">
-        <p14:creationId xmlns:p14="http://schemas.microsoft.com/office/powerpoint/2010/main" val="42813484"/>
-      </p:ext>
-    </p:extLst>
-  </p:cSld>
-  <p:clrMapOvr>
-    <a:masterClrMapping/>
-  </p:clrMapOvr>
-  <p:timing>
-    <p:tnLst>
-      <p:par>
-        <p:cTn id="1" dur="indefinite" restart="never" nodeType="tmRoot"/>
-      </p:par>
-    </p:tnLst>
-  </p:timing>
-</p:sld>
-</file>
-
-<file path=ppt/slides/slide17.xml><?xml version="1.0" encoding="utf-8"?>
-<p:sld xmlns:a="http://schemas.openxmlformats.org/drawingml/2006/main" xmlns:r="http://schemas.openxmlformats.org/officeDocument/2006/relationships" xmlns:p="http://schemas.openxmlformats.org/presentationml/2006/main">
-  <p:cSld>
-    <p:spTree>
-      <p:nvGrpSpPr>
-        <p:cNvPr id="1" name=""/>
-        <p:cNvGrpSpPr/>
-        <p:nvPr/>
-      </p:nvGrpSpPr>
-      <p:grpSpPr>
-        <a:xfrm>
-          <a:off x="0" y="0"/>
-          <a:ext cx="0" cy="0"/>
-          <a:chOff x="0" y="0"/>
-          <a:chExt cx="0" cy="0"/>
-        </a:xfrm>
-      </p:grpSpPr>
-      <p:sp>
-        <p:nvSpPr>
-          <p:cNvPr id="2" name="Titel 1"/>
-          <p:cNvSpPr>
-            <a:spLocks noGrp="1"/>
-          </p:cNvSpPr>
-          <p:nvPr>
-            <p:ph type="title"/>
-          </p:nvPr>
-        </p:nvSpPr>
-        <p:spPr/>
-        <p:txBody>
-          <a:bodyPr/>
-          <a:lstStyle/>
-          <a:p>
-            <a:r>
-              <a:rPr lang="de-DE" dirty="0" smtClean="0"/>
-              <a:t>Use Case „Arbeitsgruppe“</a:t>
-            </a:r>
-            <a:endParaRPr lang="de-DE" dirty="0"/>
-          </a:p>
-        </p:txBody>
-      </p:sp>
-      <p:sp>
-        <p:nvSpPr>
-          <p:cNvPr id="3" name="Inhaltsplatzhalter 2"/>
-          <p:cNvSpPr>
-            <a:spLocks noGrp="1"/>
-          </p:cNvSpPr>
-          <p:nvPr>
-            <p:ph idx="1"/>
-          </p:nvPr>
-        </p:nvSpPr>
-        <p:spPr/>
-        <p:txBody>
-          <a:bodyPr>
-            <a:normAutofit/>
-          </a:bodyPr>
-          <a:lstStyle/>
-          <a:p>
-            <a:r>
-              <a:rPr lang="de-DE" dirty="0"/>
-              <a:t>Die Verwaltung erfolgt über die Fachbereichs-organisation</a:t>
-            </a:r>
-          </a:p>
-          <a:p>
-            <a:r>
-              <a:rPr lang="de-DE" dirty="0"/>
-              <a:t>Anlegen: mit Angaben über </a:t>
-            </a:r>
-            <a:r>
-              <a:rPr lang="de-DE" dirty="0" smtClean="0"/>
-              <a:t>Bezeichnung, Kurz-bezeichnung und Bereich soll eine Arbeitsgruppe angelegt </a:t>
-            </a:r>
-            <a:r>
-              <a:rPr lang="de-DE" dirty="0"/>
-              <a:t>werden </a:t>
-            </a:r>
-            <a:r>
-              <a:rPr lang="de-DE" dirty="0" smtClean="0"/>
-              <a:t>können</a:t>
-            </a:r>
-            <a:endParaRPr lang="de-DE" dirty="0"/>
-          </a:p>
-        </p:txBody>
-      </p:sp>
-    </p:spTree>
-    <p:extLst>
-      <p:ext uri="{BB962C8B-B14F-4D97-AF65-F5344CB8AC3E}">
-        <p14:creationId xmlns:p14="http://schemas.microsoft.com/office/powerpoint/2010/main" val="243874718"/>
-      </p:ext>
-    </p:extLst>
-  </p:cSld>
-  <p:clrMapOvr>
-    <a:masterClrMapping/>
-  </p:clrMapOvr>
-  <p:timing>
-    <p:tnLst>
-      <p:par>
-        <p:cTn id="1" dur="indefinite" restart="never" nodeType="tmRoot"/>
-      </p:par>
-    </p:tnLst>
-  </p:timing>
-</p:sld>
-</file>
-
-<file path=ppt/slides/slide18.xml><?xml version="1.0" encoding="utf-8"?>
-<p:sld xmlns:a="http://schemas.openxmlformats.org/drawingml/2006/main" xmlns:r="http://schemas.openxmlformats.org/officeDocument/2006/relationships" xmlns:p="http://schemas.openxmlformats.org/presentationml/2006/main">
-  <p:cSld>
-    <p:spTree>
-      <p:nvGrpSpPr>
-        <p:cNvPr id="1" name=""/>
-        <p:cNvGrpSpPr/>
-        <p:nvPr/>
-      </p:nvGrpSpPr>
-      <p:grpSpPr>
-        <a:xfrm>
-          <a:off x="0" y="0"/>
-          <a:ext cx="0" cy="0"/>
-          <a:chOff x="0" y="0"/>
-          <a:chExt cx="0" cy="0"/>
-        </a:xfrm>
-      </p:grpSpPr>
-      <p:sp>
-        <p:nvSpPr>
-          <p:cNvPr id="2" name="Titel 1"/>
-          <p:cNvSpPr>
-            <a:spLocks noGrp="1"/>
-          </p:cNvSpPr>
-          <p:nvPr>
-            <p:ph type="title"/>
-          </p:nvPr>
-        </p:nvSpPr>
-        <p:spPr/>
-        <p:txBody>
-          <a:bodyPr/>
-          <a:lstStyle/>
-          <a:p>
-            <a:r>
-              <a:rPr lang="de-DE" dirty="0" smtClean="0"/>
-              <a:t>Use Case „Arbeitsgruppe“</a:t>
-            </a:r>
-            <a:endParaRPr lang="de-DE" dirty="0"/>
-          </a:p>
-        </p:txBody>
-      </p:sp>
-      <p:sp>
-        <p:nvSpPr>
-          <p:cNvPr id="3" name="Inhaltsplatzhalter 2"/>
-          <p:cNvSpPr>
-            <a:spLocks noGrp="1"/>
-          </p:cNvSpPr>
-          <p:nvPr>
-            <p:ph idx="1"/>
-          </p:nvPr>
-        </p:nvSpPr>
-        <p:spPr/>
-        <p:txBody>
-          <a:bodyPr>
-            <a:normAutofit/>
-          </a:bodyPr>
-          <a:lstStyle/>
-          <a:p>
-            <a:r>
-              <a:rPr lang="de-DE" dirty="0"/>
-              <a:t>Die Auswahl zur Bearbeitung bzw. zur Löschung erfolgt über eine Suchen-Oberfläche</a:t>
-            </a:r>
-          </a:p>
-          <a:p>
-            <a:r>
-              <a:rPr lang="de-DE" dirty="0" smtClean="0"/>
-              <a:t>Bearbeiten</a:t>
-            </a:r>
-            <a:r>
-              <a:rPr lang="de-DE" dirty="0"/>
-              <a:t>: die Bezeichnung, die </a:t>
-            </a:r>
-            <a:r>
-              <a:rPr lang="de-DE" dirty="0" smtClean="0"/>
-              <a:t>Kurzbezeichnung, die Zuordnung zum Bereich </a:t>
-            </a:r>
-            <a:r>
-              <a:rPr lang="de-DE" dirty="0"/>
-              <a:t>und der Leiter sollen geändert werden können</a:t>
-            </a:r>
-          </a:p>
-          <a:p>
-            <a:r>
-              <a:rPr lang="de-DE" dirty="0"/>
-              <a:t>Löschen: </a:t>
-            </a:r>
-            <a:r>
-              <a:rPr lang="de-DE" dirty="0" smtClean="0"/>
-              <a:t>die Arbeitsgruppe wird </a:t>
-            </a:r>
-            <a:r>
-              <a:rPr lang="de-DE" dirty="0"/>
-              <a:t>inaktiv gesetzt, sobald alle </a:t>
-            </a:r>
-            <a:r>
-              <a:rPr lang="de-DE" dirty="0" smtClean="0"/>
-              <a:t>Mitarbeiter </a:t>
-            </a:r>
-            <a:r>
-              <a:rPr lang="de-DE" dirty="0"/>
-              <a:t>aus </a:t>
-            </a:r>
-            <a:r>
-              <a:rPr lang="de-DE" dirty="0" smtClean="0"/>
-              <a:t>der Arbeitsgruppe entfernt </a:t>
-            </a:r>
-            <a:r>
-              <a:rPr lang="de-DE" dirty="0"/>
-              <a:t>wurden</a:t>
-            </a:r>
-          </a:p>
-        </p:txBody>
-      </p:sp>
-    </p:spTree>
-    <p:extLst>
-      <p:ext uri="{BB962C8B-B14F-4D97-AF65-F5344CB8AC3E}">
-        <p14:creationId xmlns:p14="http://schemas.microsoft.com/office/powerpoint/2010/main" val="600913733"/>
-      </p:ext>
-    </p:extLst>
-  </p:cSld>
-  <p:clrMapOvr>
-    <a:masterClrMapping/>
-  </p:clrMapOvr>
-  <p:timing>
-    <p:tnLst>
-      <p:par>
-        <p:cTn id="1" dur="indefinite" restart="never" nodeType="tmRoot"/>
-      </p:par>
-    </p:tnLst>
-  </p:timing>
-</p:sld>
-</file>
-
 <file path=ppt/slides/slide19.xml><?xml version="1.0" encoding="utf-8"?>
 <p:sld xmlns:a="http://schemas.openxmlformats.org/drawingml/2006/main" xmlns:r="http://schemas.openxmlformats.org/officeDocument/2006/relationships" xmlns:p="http://schemas.openxmlformats.org/presentationml/2006/main">
   <p:cSld>
@@ -5897,7 +6407,7 @@
       </p:grpSpPr>
       <p:sp>
         <p:nvSpPr>
-          <p:cNvPr id="2" name="Titel 1"/>
+          <p:cNvPr id="3" name="Titel 2"/>
           <p:cNvSpPr>
             <a:spLocks noGrp="1"/>
           </p:cNvSpPr>
@@ -5912,7 +6422,7 @@
           <a:p>
             <a:r>
               <a:rPr lang="de-DE" dirty="0" smtClean="0"/>
-              <a:t>Use Case „Mitarbeiter“</a:t>
+              <a:t>Use Case „Erfassen“</a:t>
             </a:r>
             <a:endParaRPr lang="de-DE" dirty="0"/>
           </a:p>
@@ -5920,7 +6430,7 @@
       </p:sp>
       <p:sp>
         <p:nvSpPr>
-          <p:cNvPr id="3" name="Inhaltsplatzhalter 2"/>
+          <p:cNvPr id="4" name="Inhaltsplatzhalter 3"/>
           <p:cNvSpPr>
             <a:spLocks noGrp="1"/>
           </p:cNvSpPr>
@@ -5930,45 +6440,18 @@
         </p:nvSpPr>
         <p:spPr/>
         <p:txBody>
-          <a:bodyPr>
-            <a:normAutofit lnSpcReduction="10000"/>
-          </a:bodyPr>
-          <a:lstStyle/>
-          <a:p>
-            <a:r>
-              <a:rPr lang="de-DE" dirty="0"/>
-              <a:t>Die Verwaltung erfolgt über die Fachbereichs-organisation</a:t>
-            </a:r>
-          </a:p>
-          <a:p>
-            <a:r>
-              <a:rPr lang="de-DE" dirty="0"/>
-              <a:t>Anlegen: </a:t>
-            </a:r>
-            <a:r>
-              <a:rPr lang="de-DE" dirty="0" smtClean="0"/>
-              <a:t>die Oberfläche wird je nach Rolle des Mitarbeiters angepasst</a:t>
-            </a:r>
-          </a:p>
-          <a:p>
-            <a:pPr lvl="1"/>
-            <a:r>
-              <a:rPr lang="de-DE" dirty="0" smtClean="0"/>
-              <a:t>Vorname, Nachname, Benutzername und Rolle müssen immer angegeben werden</a:t>
-            </a:r>
-          </a:p>
-          <a:p>
-            <a:pPr lvl="1"/>
-            <a:r>
-              <a:rPr lang="de-DE" dirty="0" smtClean="0"/>
-              <a:t>Das Passwort kann entweder manuell eingegeben werden oder kann über einen Button automatisch generiert werden</a:t>
-            </a:r>
-          </a:p>
-          <a:p>
-            <a:pPr lvl="1"/>
-            <a:r>
-              <a:rPr lang="de-DE" dirty="0" smtClean="0"/>
-              <a:t>Je nach Rolle muss entweder eine Arbeitsgruppe oder ein Bereich ausgewählt werden</a:t>
+          <a:bodyPr/>
+          <a:lstStyle/>
+          <a:p>
+            <a:r>
+              <a:rPr lang="de-DE" dirty="0" smtClean="0"/>
+              <a:t>Mitarbeiter soll mehrmals täglich einen Eintrag erfassen können</a:t>
+            </a:r>
+          </a:p>
+          <a:p>
+            <a:r>
+              <a:rPr lang="de-DE" dirty="0" smtClean="0"/>
+              <a:t>Ein Eintrag darf nur für die aktuelle und die vorherige Kalenderwoche (aktuelles Jahr) erfasst werden</a:t>
             </a:r>
             <a:endParaRPr lang="de-DE" dirty="0"/>
           </a:p>
@@ -5977,7 +6460,7 @@
     </p:spTree>
     <p:extLst>
       <p:ext uri="{BB962C8B-B14F-4D97-AF65-F5344CB8AC3E}">
-        <p14:creationId xmlns:p14="http://schemas.microsoft.com/office/powerpoint/2010/main" val="3395818784"/>
+        <p14:creationId xmlns:p14="http://schemas.microsoft.com/office/powerpoint/2010/main" val="432645280"/>
       </p:ext>
     </p:extLst>
   </p:cSld>
@@ -6057,13 +6540,14 @@
             </a:r>
             <a:r>
               <a:rPr lang="de-DE" dirty="0" smtClean="0"/>
-              <a:t>Datenerfassung</a:t>
-            </a:r>
-          </a:p>
-          <a:p>
+              <a:t>anonymisierten Datenerfassung</a:t>
+            </a:r>
             <a:endParaRPr lang="de-DE" dirty="0" smtClean="0"/>
           </a:p>
           <a:p>
+            <a:endParaRPr lang="de-DE" dirty="0" smtClean="0"/>
+          </a:p>
+          <a:p>
             <a:r>
               <a:rPr lang="de-DE" dirty="0" smtClean="0"/>
               <a:t>Dokumentieren Arbeitsaufgaben je Kalenderwoche</a:t>
@@ -6075,15 +6559,7 @@
           <a:p>
             <a:r>
               <a:rPr lang="de-DE" dirty="0" smtClean="0"/>
-              <a:t>Statistiken über bearbeitete </a:t>
-            </a:r>
-            <a:r>
-              <a:rPr lang="de-DE" dirty="0" smtClean="0"/>
-              <a:t>Aufträge je nach Bereich bzw. </a:t>
-            </a:r>
-            <a:r>
-              <a:rPr lang="de-DE" dirty="0" smtClean="0"/>
-              <a:t>Arbeitsgruppe</a:t>
+              <a:t>Statistiken über bearbeitete Aufträge je nach Bereich bzw. Arbeitsgruppe</a:t>
             </a:r>
             <a:endParaRPr lang="de-DE" dirty="0"/>
           </a:p>
@@ -6138,64 +6614,56 @@
         </p:nvSpPr>
         <p:spPr/>
         <p:txBody>
+          <a:bodyPr>
+            <a:normAutofit fontScale="90000"/>
+          </a:bodyPr>
+          <a:lstStyle/>
+          <a:p>
+            <a:r>
+              <a:rPr lang="de-DE" dirty="0" smtClean="0"/>
+              <a:t>Use Case „Arbeitsgruppe einsehen“ - 		 Gruppenleiter</a:t>
+            </a:r>
+            <a:endParaRPr lang="de-DE" dirty="0"/>
+          </a:p>
+        </p:txBody>
+      </p:sp>
+      <p:sp>
+        <p:nvSpPr>
+          <p:cNvPr id="3" name="Inhaltsplatzhalter 2"/>
+          <p:cNvSpPr>
+            <a:spLocks noGrp="1"/>
+          </p:cNvSpPr>
+          <p:nvPr>
+            <p:ph idx="1"/>
+          </p:nvPr>
+        </p:nvSpPr>
+        <p:spPr>
+          <a:xfrm>
+            <a:off x="457200" y="2416256"/>
+            <a:ext cx="8229600" cy="4325112"/>
+          </a:xfrm>
+        </p:spPr>
+        <p:txBody>
           <a:bodyPr/>
           <a:lstStyle/>
           <a:p>
             <a:r>
-              <a:rPr lang="de-DE" dirty="0"/>
-              <a:t>Use Case „Mitarbeiter“</a:t>
-            </a:r>
-          </a:p>
-        </p:txBody>
-      </p:sp>
-      <p:sp>
-        <p:nvSpPr>
-          <p:cNvPr id="3" name="Inhaltsplatzhalter 2"/>
-          <p:cNvSpPr>
-            <a:spLocks noGrp="1"/>
-          </p:cNvSpPr>
-          <p:nvPr>
-            <p:ph idx="1"/>
-          </p:nvPr>
-        </p:nvSpPr>
-        <p:spPr/>
-        <p:txBody>
-          <a:bodyPr>
-            <a:normAutofit lnSpcReduction="10000"/>
-          </a:bodyPr>
-          <a:lstStyle/>
-          <a:p>
-            <a:r>
-              <a:rPr lang="de-DE" dirty="0" smtClean="0"/>
-              <a:t>Die Auswahl zur Bearbeitung bzw. zur Löschung erfolgt über eine Suchen-Oberfläche</a:t>
-            </a:r>
-          </a:p>
-          <a:p>
-            <a:r>
-              <a:rPr lang="de-DE" dirty="0" smtClean="0"/>
-              <a:t>Bearbeiten: Vorname, Nachname, Rolle und Bereich bzw. Arbeitsgruppe können geändert werden</a:t>
-            </a:r>
-          </a:p>
-          <a:p>
-            <a:pPr lvl="1"/>
-            <a:r>
-              <a:rPr lang="de-DE" dirty="0" smtClean="0"/>
-              <a:t>Je nach Rolle wird entweder Bereich oder Arbeitsgruppe angezeigt</a:t>
-            </a:r>
-          </a:p>
-          <a:p>
-            <a:r>
-              <a:rPr lang="de-DE" dirty="0" smtClean="0"/>
-              <a:t>Löschen: nach der Suche erscheint eine Auswahl-Tabelle über die der Mitarbeiter gelöscht werden kann</a:t>
-            </a:r>
-            <a:endParaRPr lang="de-DE" dirty="0"/>
+              <a:rPr lang="de-DE" dirty="0" smtClean="0"/>
+              <a:t>Gruppenleiter: darf die Ergebnisse seiner eigenen Arbeitsgruppe einsehen</a:t>
+            </a:r>
+          </a:p>
+          <a:p>
+            <a:r>
+              <a:rPr lang="de-DE" dirty="0" smtClean="0"/>
+              <a:t>„Drucken“ gibt die aktuelle Tabelle als PDF-Datei aus</a:t>
+            </a:r>
           </a:p>
         </p:txBody>
       </p:sp>
     </p:spTree>
     <p:extLst>
       <p:ext uri="{BB962C8B-B14F-4D97-AF65-F5344CB8AC3E}">
-        <p14:creationId xmlns:p14="http://schemas.microsoft.com/office/powerpoint/2010/main" val="1313710794"/>
+        <p14:creationId xmlns:p14="http://schemas.microsoft.com/office/powerpoint/2010/main" val="2011369229"/>
       </p:ext>
     </p:extLst>
   </p:cSld>
@@ -6241,12 +6709,14 @@
         </p:nvSpPr>
         <p:spPr/>
         <p:txBody>
-          <a:bodyPr/>
-          <a:lstStyle/>
-          <a:p>
-            <a:r>
-              <a:rPr lang="de-DE" dirty="0" smtClean="0"/>
-              <a:t>Use Case „Art“</a:t>
+          <a:bodyPr>
+            <a:normAutofit fontScale="90000"/>
+          </a:bodyPr>
+          <a:lstStyle/>
+          <a:p>
+            <a:r>
+              <a:rPr lang="de-DE" dirty="0" smtClean="0"/>
+              <a:t>Use Case „Arbeitsgruppen einsehen“ - 		 Bereichsleiter</a:t>
             </a:r>
             <a:endParaRPr lang="de-DE" dirty="0"/>
           </a:p>
@@ -6262,29 +6732,42 @@
             <p:ph idx="1"/>
           </p:nvPr>
         </p:nvSpPr>
-        <p:spPr/>
-        <p:txBody>
-          <a:bodyPr/>
-          <a:lstStyle/>
-          <a:p>
+        <p:spPr>
+          <a:xfrm>
+            <a:off x="457200" y="2416256"/>
+            <a:ext cx="8229600" cy="4325112"/>
+          </a:xfrm>
+        </p:spPr>
+        <p:txBody>
+          <a:bodyPr>
+            <a:normAutofit/>
+          </a:bodyPr>
+          <a:lstStyle/>
+          <a:p>
+            <a:r>
+              <a:rPr lang="de-DE" dirty="0" smtClean="0"/>
+              <a:t>Bereichsleiter: darf alle Arbeitsgruppen seines Bereichs einsehen</a:t>
+            </a:r>
+          </a:p>
+          <a:p>
+            <a:r>
+              <a:rPr lang="de-DE" dirty="0" smtClean="0"/>
+              <a:t>Einträge der Arbeitsgruppen werden zusätzlich aufsummiert</a:t>
+            </a:r>
+          </a:p>
+          <a:p>
+            <a:r>
+              <a:rPr lang="de-DE" dirty="0" smtClean="0"/>
+              <a:t>„</a:t>
+            </a:r>
             <a:r>
               <a:rPr lang="de-DE" dirty="0"/>
-              <a:t>Die Verwaltung erfolgt über die Fachbereichs-organisation</a:t>
-            </a:r>
-          </a:p>
-          <a:p>
-            <a:r>
-              <a:rPr lang="de-DE" dirty="0" smtClean="0"/>
-              <a:t>Anlegen: über Angabe einer Bezeichnung kann eine neue Eintragsart angelegt werden</a:t>
-            </a:r>
-          </a:p>
-          <a:p>
-            <a:r>
-              <a:rPr lang="de-DE" dirty="0" smtClean="0"/>
-              <a:t>Löschen: über ein Drop-Down-Feld kann die zu löschende Art ausgewählt werden</a:t>
-            </a:r>
-          </a:p>
-          <a:p>
+              <a:t>Drucken“ gibt die aktuelle Tabelle als PDF-Datei </a:t>
+            </a:r>
+            <a:r>
+              <a:rPr lang="de-DE" dirty="0" smtClean="0"/>
+              <a:t>aus</a:t>
+            </a:r>
             <a:endParaRPr lang="de-DE" dirty="0"/>
           </a:p>
         </p:txBody>
@@ -6292,7 +6775,7 @@
     </p:spTree>
     <p:extLst>
       <p:ext uri="{BB962C8B-B14F-4D97-AF65-F5344CB8AC3E}">
-        <p14:creationId xmlns:p14="http://schemas.microsoft.com/office/powerpoint/2010/main" val="2204375755"/>
+        <p14:creationId xmlns:p14="http://schemas.microsoft.com/office/powerpoint/2010/main" val="241156330"/>
       </p:ext>
     </p:extLst>
   </p:cSld>
@@ -6343,7 +6826,554 @@
           <a:p>
             <a:r>
               <a:rPr lang="de-DE" dirty="0" smtClean="0"/>
-              <a:t>Use Case „Job“</a:t>
+              <a:t>Use Case „Bereich einsehen“</a:t>
+            </a:r>
+            <a:endParaRPr lang="de-DE" dirty="0"/>
+          </a:p>
+        </p:txBody>
+      </p:sp>
+      <p:sp>
+        <p:nvSpPr>
+          <p:cNvPr id="3" name="Inhaltsplatzhalter 2"/>
+          <p:cNvSpPr>
+            <a:spLocks noGrp="1"/>
+          </p:cNvSpPr>
+          <p:nvPr>
+            <p:ph idx="1"/>
+          </p:nvPr>
+        </p:nvSpPr>
+        <p:spPr/>
+        <p:txBody>
+          <a:bodyPr>
+            <a:normAutofit fontScale="92500" lnSpcReduction="10000"/>
+          </a:bodyPr>
+          <a:lstStyle/>
+          <a:p>
+            <a:r>
+              <a:rPr lang="de-DE" dirty="0" smtClean="0"/>
+              <a:t>Zentralbereichsleiter und Fachbereichs-organisation: dürfen alle Bereiche einsehen</a:t>
+            </a:r>
+          </a:p>
+          <a:p>
+            <a:r>
+              <a:rPr lang="de-DE" dirty="0" smtClean="0"/>
+              <a:t>Von der Übersicht der Bereiche kann der User direkt auf die Arbeitsgruppen eines Bereichs gelangen</a:t>
+            </a:r>
+          </a:p>
+          <a:p>
+            <a:r>
+              <a:rPr lang="de-DE" dirty="0" smtClean="0"/>
+              <a:t>Einträge der Bereiche werden zusätzlich aufsummiert</a:t>
+            </a:r>
+          </a:p>
+          <a:p>
+            <a:r>
+              <a:rPr lang="de-DE" dirty="0"/>
+              <a:t>„Abrechen“ leitet den </a:t>
+            </a:r>
+            <a:r>
+              <a:rPr lang="de-DE" dirty="0" smtClean="0"/>
+              <a:t>User wieder </a:t>
+            </a:r>
+            <a:r>
+              <a:rPr lang="de-DE" dirty="0"/>
+              <a:t>auf die Seite zurück, auf der er Kalenderjahr und Kalenderwoche eingeben kann, um Daten anzuzeigen</a:t>
+            </a:r>
+          </a:p>
+          <a:p>
+            <a:r>
+              <a:rPr lang="de-DE" dirty="0"/>
+              <a:t>„Drucken“ gibt die aktuelle Tabelle als PDF-Datei </a:t>
+            </a:r>
+            <a:r>
+              <a:rPr lang="de-DE" dirty="0" smtClean="0"/>
+              <a:t>aus</a:t>
+            </a:r>
+            <a:endParaRPr lang="de-DE" dirty="0"/>
+          </a:p>
+        </p:txBody>
+      </p:sp>
+    </p:spTree>
+    <p:extLst>
+      <p:ext uri="{BB962C8B-B14F-4D97-AF65-F5344CB8AC3E}">
+        <p14:creationId xmlns:p14="http://schemas.microsoft.com/office/powerpoint/2010/main" val="1739418431"/>
+      </p:ext>
+    </p:extLst>
+  </p:cSld>
+  <p:clrMapOvr>
+    <a:masterClrMapping/>
+  </p:clrMapOvr>
+  <p:timing>
+    <p:tnLst>
+      <p:par>
+        <p:cTn id="1" dur="indefinite" restart="never" nodeType="tmRoot"/>
+      </p:par>
+    </p:tnLst>
+  </p:timing>
+</p:sld>
+</file>
+
+<file path=ppt/slides/slide23.xml><?xml version="1.0" encoding="utf-8"?>
+<p:sld xmlns:a="http://schemas.openxmlformats.org/drawingml/2006/main" xmlns:r="http://schemas.openxmlformats.org/officeDocument/2006/relationships" xmlns:p="http://schemas.openxmlformats.org/presentationml/2006/main">
+  <p:cSld>
+    <p:spTree>
+      <p:nvGrpSpPr>
+        <p:cNvPr id="1" name=""/>
+        <p:cNvGrpSpPr/>
+        <p:nvPr/>
+      </p:nvGrpSpPr>
+      <p:grpSpPr>
+        <a:xfrm>
+          <a:off x="0" y="0"/>
+          <a:ext cx="0" cy="0"/>
+          <a:chOff x="0" y="0"/>
+          <a:chExt cx="0" cy="0"/>
+        </a:xfrm>
+      </p:grpSpPr>
+      <p:sp>
+        <p:nvSpPr>
+          <p:cNvPr id="2" name="Titel 1"/>
+          <p:cNvSpPr>
+            <a:spLocks noGrp="1"/>
+          </p:cNvSpPr>
+          <p:nvPr>
+            <p:ph type="title"/>
+          </p:nvPr>
+        </p:nvSpPr>
+        <p:spPr/>
+        <p:txBody>
+          <a:bodyPr/>
+          <a:lstStyle/>
+          <a:p>
+            <a:r>
+              <a:rPr lang="de-DE" dirty="0" smtClean="0"/>
+              <a:t>Use Case „Bereich“</a:t>
+            </a:r>
+            <a:endParaRPr lang="de-DE" dirty="0"/>
+          </a:p>
+        </p:txBody>
+      </p:sp>
+      <p:sp>
+        <p:nvSpPr>
+          <p:cNvPr id="3" name="Inhaltsplatzhalter 2"/>
+          <p:cNvSpPr>
+            <a:spLocks noGrp="1"/>
+          </p:cNvSpPr>
+          <p:nvPr>
+            <p:ph idx="1"/>
+          </p:nvPr>
+        </p:nvSpPr>
+        <p:spPr/>
+        <p:txBody>
+          <a:bodyPr>
+            <a:normAutofit/>
+          </a:bodyPr>
+          <a:lstStyle/>
+          <a:p>
+            <a:r>
+              <a:rPr lang="de-DE" dirty="0" smtClean="0"/>
+              <a:t>Die Verwaltung erfolgt über die Fachbereichs-organisation</a:t>
+            </a:r>
+          </a:p>
+          <a:p>
+            <a:r>
+              <a:rPr lang="de-DE" dirty="0" smtClean="0"/>
+              <a:t>Anlegen: mit Angaben über Bezeichnung und Kurzbezeichnung soll ein Bereich angelegt werden können</a:t>
+            </a:r>
+          </a:p>
+        </p:txBody>
+      </p:sp>
+    </p:spTree>
+    <p:extLst>
+      <p:ext uri="{BB962C8B-B14F-4D97-AF65-F5344CB8AC3E}">
+        <p14:creationId xmlns:p14="http://schemas.microsoft.com/office/powerpoint/2010/main" val="2615168494"/>
+      </p:ext>
+    </p:extLst>
+  </p:cSld>
+  <p:clrMapOvr>
+    <a:masterClrMapping/>
+  </p:clrMapOvr>
+  <p:timing>
+    <p:tnLst>
+      <p:par>
+        <p:cTn id="1" dur="indefinite" restart="never" nodeType="tmRoot"/>
+      </p:par>
+    </p:tnLst>
+  </p:timing>
+</p:sld>
+</file>
+
+<file path=ppt/slides/slide24.xml><?xml version="1.0" encoding="utf-8"?>
+<p:sld xmlns:a="http://schemas.openxmlformats.org/drawingml/2006/main" xmlns:r="http://schemas.openxmlformats.org/officeDocument/2006/relationships" xmlns:p="http://schemas.openxmlformats.org/presentationml/2006/main">
+  <p:cSld>
+    <p:spTree>
+      <p:nvGrpSpPr>
+        <p:cNvPr id="1" name=""/>
+        <p:cNvGrpSpPr/>
+        <p:nvPr/>
+      </p:nvGrpSpPr>
+      <p:grpSpPr>
+        <a:xfrm>
+          <a:off x="0" y="0"/>
+          <a:ext cx="0" cy="0"/>
+          <a:chOff x="0" y="0"/>
+          <a:chExt cx="0" cy="0"/>
+        </a:xfrm>
+      </p:grpSpPr>
+      <p:sp>
+        <p:nvSpPr>
+          <p:cNvPr id="2" name="Titel 1"/>
+          <p:cNvSpPr>
+            <a:spLocks noGrp="1"/>
+          </p:cNvSpPr>
+          <p:nvPr>
+            <p:ph type="title"/>
+          </p:nvPr>
+        </p:nvSpPr>
+        <p:spPr/>
+        <p:txBody>
+          <a:bodyPr/>
+          <a:lstStyle/>
+          <a:p>
+            <a:r>
+              <a:rPr lang="de-DE" dirty="0" smtClean="0"/>
+              <a:t>Use Case „Bereich“</a:t>
+            </a:r>
+            <a:endParaRPr lang="de-DE" dirty="0"/>
+          </a:p>
+        </p:txBody>
+      </p:sp>
+      <p:sp>
+        <p:nvSpPr>
+          <p:cNvPr id="3" name="Inhaltsplatzhalter 2"/>
+          <p:cNvSpPr>
+            <a:spLocks noGrp="1"/>
+          </p:cNvSpPr>
+          <p:nvPr>
+            <p:ph idx="1"/>
+          </p:nvPr>
+        </p:nvSpPr>
+        <p:spPr/>
+        <p:txBody>
+          <a:bodyPr>
+            <a:normAutofit/>
+          </a:bodyPr>
+          <a:lstStyle/>
+          <a:p>
+            <a:r>
+              <a:rPr lang="de-DE" dirty="0"/>
+              <a:t>Die Auswahl zur Bearbeitung bzw. zur Löschung erfolgt über eine </a:t>
+            </a:r>
+            <a:r>
+              <a:rPr lang="de-DE" dirty="0" smtClean="0"/>
+              <a:t>Oberfläche mit Drop-Down-Feld</a:t>
+            </a:r>
+          </a:p>
+          <a:p>
+            <a:r>
+              <a:rPr lang="de-DE" dirty="0" smtClean="0"/>
+              <a:t>Bearbeiten: die Bezeichnung, die Kurz-bezeichnung und der Leiter sollen geändert werden können</a:t>
+            </a:r>
+          </a:p>
+          <a:p>
+            <a:r>
+              <a:rPr lang="de-DE" dirty="0" smtClean="0"/>
+              <a:t>Löschen: der Bereich wird inaktiv gesetzt, sobald alle Arbeitsgruppen und Mitarbeiter aus dem Bereich entfernt wurden</a:t>
+            </a:r>
+            <a:endParaRPr lang="de-DE" dirty="0"/>
+          </a:p>
+        </p:txBody>
+      </p:sp>
+    </p:spTree>
+    <p:extLst>
+      <p:ext uri="{BB962C8B-B14F-4D97-AF65-F5344CB8AC3E}">
+        <p14:creationId xmlns:p14="http://schemas.microsoft.com/office/powerpoint/2010/main" val="42813484"/>
+      </p:ext>
+    </p:extLst>
+  </p:cSld>
+  <p:clrMapOvr>
+    <a:masterClrMapping/>
+  </p:clrMapOvr>
+  <p:timing>
+    <p:tnLst>
+      <p:par>
+        <p:cTn id="1" dur="indefinite" restart="never" nodeType="tmRoot"/>
+      </p:par>
+    </p:tnLst>
+  </p:timing>
+</p:sld>
+</file>
+
+<file path=ppt/slides/slide25.xml><?xml version="1.0" encoding="utf-8"?>
+<p:sld xmlns:a="http://schemas.openxmlformats.org/drawingml/2006/main" xmlns:r="http://schemas.openxmlformats.org/officeDocument/2006/relationships" xmlns:p="http://schemas.openxmlformats.org/presentationml/2006/main">
+  <p:cSld>
+    <p:spTree>
+      <p:nvGrpSpPr>
+        <p:cNvPr id="1" name=""/>
+        <p:cNvGrpSpPr/>
+        <p:nvPr/>
+      </p:nvGrpSpPr>
+      <p:grpSpPr>
+        <a:xfrm>
+          <a:off x="0" y="0"/>
+          <a:ext cx="0" cy="0"/>
+          <a:chOff x="0" y="0"/>
+          <a:chExt cx="0" cy="0"/>
+        </a:xfrm>
+      </p:grpSpPr>
+      <p:sp>
+        <p:nvSpPr>
+          <p:cNvPr id="2" name="Titel 1"/>
+          <p:cNvSpPr>
+            <a:spLocks noGrp="1"/>
+          </p:cNvSpPr>
+          <p:nvPr>
+            <p:ph type="title"/>
+          </p:nvPr>
+        </p:nvSpPr>
+        <p:spPr/>
+        <p:txBody>
+          <a:bodyPr/>
+          <a:lstStyle/>
+          <a:p>
+            <a:r>
+              <a:rPr lang="de-DE" dirty="0" smtClean="0"/>
+              <a:t>Use Case „Arbeitsgruppe“</a:t>
+            </a:r>
+            <a:endParaRPr lang="de-DE" dirty="0"/>
+          </a:p>
+        </p:txBody>
+      </p:sp>
+      <p:sp>
+        <p:nvSpPr>
+          <p:cNvPr id="3" name="Inhaltsplatzhalter 2"/>
+          <p:cNvSpPr>
+            <a:spLocks noGrp="1"/>
+          </p:cNvSpPr>
+          <p:nvPr>
+            <p:ph idx="1"/>
+          </p:nvPr>
+        </p:nvSpPr>
+        <p:spPr/>
+        <p:txBody>
+          <a:bodyPr>
+            <a:normAutofit/>
+          </a:bodyPr>
+          <a:lstStyle/>
+          <a:p>
+            <a:r>
+              <a:rPr lang="de-DE" dirty="0"/>
+              <a:t>Die Verwaltung erfolgt über die Fachbereichs-organisation</a:t>
+            </a:r>
+          </a:p>
+          <a:p>
+            <a:r>
+              <a:rPr lang="de-DE" dirty="0"/>
+              <a:t>Anlegen: mit Angaben über </a:t>
+            </a:r>
+            <a:r>
+              <a:rPr lang="de-DE" dirty="0" smtClean="0"/>
+              <a:t>Bezeichnung, Kurz-bezeichnung und Bereich soll eine Arbeitsgruppe angelegt </a:t>
+            </a:r>
+            <a:r>
+              <a:rPr lang="de-DE" dirty="0"/>
+              <a:t>werden </a:t>
+            </a:r>
+            <a:r>
+              <a:rPr lang="de-DE" dirty="0" smtClean="0"/>
+              <a:t>können</a:t>
+            </a:r>
+            <a:endParaRPr lang="de-DE" dirty="0"/>
+          </a:p>
+        </p:txBody>
+      </p:sp>
+    </p:spTree>
+    <p:extLst>
+      <p:ext uri="{BB962C8B-B14F-4D97-AF65-F5344CB8AC3E}">
+        <p14:creationId xmlns:p14="http://schemas.microsoft.com/office/powerpoint/2010/main" val="243874718"/>
+      </p:ext>
+    </p:extLst>
+  </p:cSld>
+  <p:clrMapOvr>
+    <a:masterClrMapping/>
+  </p:clrMapOvr>
+  <p:timing>
+    <p:tnLst>
+      <p:par>
+        <p:cTn id="1" dur="indefinite" restart="never" nodeType="tmRoot"/>
+      </p:par>
+    </p:tnLst>
+  </p:timing>
+</p:sld>
+</file>
+
+<file path=ppt/slides/slide26.xml><?xml version="1.0" encoding="utf-8"?>
+<p:sld xmlns:a="http://schemas.openxmlformats.org/drawingml/2006/main" xmlns:r="http://schemas.openxmlformats.org/officeDocument/2006/relationships" xmlns:p="http://schemas.openxmlformats.org/presentationml/2006/main">
+  <p:cSld>
+    <p:spTree>
+      <p:nvGrpSpPr>
+        <p:cNvPr id="1" name=""/>
+        <p:cNvGrpSpPr/>
+        <p:nvPr/>
+      </p:nvGrpSpPr>
+      <p:grpSpPr>
+        <a:xfrm>
+          <a:off x="0" y="0"/>
+          <a:ext cx="0" cy="0"/>
+          <a:chOff x="0" y="0"/>
+          <a:chExt cx="0" cy="0"/>
+        </a:xfrm>
+      </p:grpSpPr>
+      <p:sp>
+        <p:nvSpPr>
+          <p:cNvPr id="2" name="Titel 1"/>
+          <p:cNvSpPr>
+            <a:spLocks noGrp="1"/>
+          </p:cNvSpPr>
+          <p:nvPr>
+            <p:ph type="title"/>
+          </p:nvPr>
+        </p:nvSpPr>
+        <p:spPr/>
+        <p:txBody>
+          <a:bodyPr/>
+          <a:lstStyle/>
+          <a:p>
+            <a:r>
+              <a:rPr lang="de-DE" dirty="0" smtClean="0"/>
+              <a:t>Use Case „Arbeitsgruppe“</a:t>
+            </a:r>
+            <a:endParaRPr lang="de-DE" dirty="0"/>
+          </a:p>
+        </p:txBody>
+      </p:sp>
+      <p:sp>
+        <p:nvSpPr>
+          <p:cNvPr id="3" name="Inhaltsplatzhalter 2"/>
+          <p:cNvSpPr>
+            <a:spLocks noGrp="1"/>
+          </p:cNvSpPr>
+          <p:nvPr>
+            <p:ph idx="1"/>
+          </p:nvPr>
+        </p:nvSpPr>
+        <p:spPr/>
+        <p:txBody>
+          <a:bodyPr>
+            <a:normAutofit/>
+          </a:bodyPr>
+          <a:lstStyle/>
+          <a:p>
+            <a:r>
+              <a:rPr lang="de-DE" dirty="0"/>
+              <a:t>Die Auswahl zur Bearbeitung bzw. zur Löschung erfolgt über eine Suchen-Oberfläche</a:t>
+            </a:r>
+          </a:p>
+          <a:p>
+            <a:r>
+              <a:rPr lang="de-DE" dirty="0" smtClean="0"/>
+              <a:t>Bearbeiten</a:t>
+            </a:r>
+            <a:r>
+              <a:rPr lang="de-DE" dirty="0"/>
+              <a:t>: die Bezeichnung, die </a:t>
+            </a:r>
+            <a:r>
+              <a:rPr lang="de-DE" dirty="0" smtClean="0"/>
+              <a:t>Kurzbezeichnung, die Zuordnung zum Bereich </a:t>
+            </a:r>
+            <a:r>
+              <a:rPr lang="de-DE" dirty="0"/>
+              <a:t>und der Leiter sollen geändert werden können</a:t>
+            </a:r>
+          </a:p>
+          <a:p>
+            <a:r>
+              <a:rPr lang="de-DE" dirty="0"/>
+              <a:t>Löschen: </a:t>
+            </a:r>
+            <a:r>
+              <a:rPr lang="de-DE" dirty="0" smtClean="0"/>
+              <a:t>die Arbeitsgruppe wird </a:t>
+            </a:r>
+            <a:r>
+              <a:rPr lang="de-DE" dirty="0"/>
+              <a:t>inaktiv gesetzt, sobald alle </a:t>
+            </a:r>
+            <a:r>
+              <a:rPr lang="de-DE" dirty="0" smtClean="0"/>
+              <a:t>Mitarbeiter </a:t>
+            </a:r>
+            <a:r>
+              <a:rPr lang="de-DE" dirty="0"/>
+              <a:t>aus </a:t>
+            </a:r>
+            <a:r>
+              <a:rPr lang="de-DE" dirty="0" smtClean="0"/>
+              <a:t>der Arbeitsgruppe entfernt </a:t>
+            </a:r>
+            <a:r>
+              <a:rPr lang="de-DE" dirty="0"/>
+              <a:t>wurden</a:t>
+            </a:r>
+          </a:p>
+        </p:txBody>
+      </p:sp>
+    </p:spTree>
+    <p:extLst>
+      <p:ext uri="{BB962C8B-B14F-4D97-AF65-F5344CB8AC3E}">
+        <p14:creationId xmlns:p14="http://schemas.microsoft.com/office/powerpoint/2010/main" val="600913733"/>
+      </p:ext>
+    </p:extLst>
+  </p:cSld>
+  <p:clrMapOvr>
+    <a:masterClrMapping/>
+  </p:clrMapOvr>
+  <p:timing>
+    <p:tnLst>
+      <p:par>
+        <p:cTn id="1" dur="indefinite" restart="never" nodeType="tmRoot"/>
+      </p:par>
+    </p:tnLst>
+  </p:timing>
+</p:sld>
+</file>
+
+<file path=ppt/slides/slide27.xml><?xml version="1.0" encoding="utf-8"?>
+<p:sld xmlns:a="http://schemas.openxmlformats.org/drawingml/2006/main" xmlns:r="http://schemas.openxmlformats.org/officeDocument/2006/relationships" xmlns:p="http://schemas.openxmlformats.org/presentationml/2006/main">
+  <p:cSld>
+    <p:spTree>
+      <p:nvGrpSpPr>
+        <p:cNvPr id="1" name=""/>
+        <p:cNvGrpSpPr/>
+        <p:nvPr/>
+      </p:nvGrpSpPr>
+      <p:grpSpPr>
+        <a:xfrm>
+          <a:off x="0" y="0"/>
+          <a:ext cx="0" cy="0"/>
+          <a:chOff x="0" y="0"/>
+          <a:chExt cx="0" cy="0"/>
+        </a:xfrm>
+      </p:grpSpPr>
+      <p:sp>
+        <p:nvSpPr>
+          <p:cNvPr id="2" name="Titel 1"/>
+          <p:cNvSpPr>
+            <a:spLocks noGrp="1"/>
+          </p:cNvSpPr>
+          <p:nvPr>
+            <p:ph type="title"/>
+          </p:nvPr>
+        </p:nvSpPr>
+        <p:spPr/>
+        <p:txBody>
+          <a:bodyPr/>
+          <a:lstStyle/>
+          <a:p>
+            <a:r>
+              <a:rPr lang="de-DE" dirty="0" smtClean="0"/>
+              <a:t>Use Case „Mitarbeiter“</a:t>
             </a:r>
             <a:endParaRPr lang="de-DE" dirty="0"/>
           </a:p>
@@ -6367,41 +7397,248 @@
           <a:lstStyle/>
           <a:p>
             <a:r>
-              <a:rPr lang="de-DE" dirty="0" smtClean="0"/>
-              <a:t>Einstellungen: es kann festgelegt werden in welchem Intervall die Einträge der Sachbearbeiter bzw. der Gruppenleiter gelöscht werden</a:t>
+              <a:rPr lang="de-DE" dirty="0"/>
+              <a:t>Die Verwaltung erfolgt über die Fachbereichs-organisation</a:t>
+            </a:r>
+          </a:p>
+          <a:p>
+            <a:r>
+              <a:rPr lang="de-DE" dirty="0"/>
+              <a:t>Anlegen: </a:t>
+            </a:r>
+            <a:r>
+              <a:rPr lang="de-DE" dirty="0" smtClean="0"/>
+              <a:t>die Oberfläche wird je nach Rolle des Mitarbeiters angepasst</a:t>
             </a:r>
           </a:p>
           <a:p>
             <a:pPr lvl="1"/>
             <a:r>
               <a:rPr lang="de-DE" dirty="0" smtClean="0"/>
-              <a:t>Das Intervall kann nur monatsweise festgelegt werden</a:t>
-            </a:r>
-          </a:p>
-          <a:p>
-            <a:r>
-              <a:rPr lang="de-DE" dirty="0" smtClean="0"/>
-              <a:t>Aufsummierung: die Einträge werden in der Wochenübersicht bzw. in der Jahresübersicht aufsummiert</a:t>
+              <a:t>Vorname, Nachname, Benutzername und Rolle müssen immer angegeben werden</a:t>
             </a:r>
           </a:p>
           <a:p>
             <a:pPr lvl="1"/>
             <a:r>
               <a:rPr lang="de-DE" dirty="0" smtClean="0"/>
-              <a:t>Der Job </a:t>
-            </a:r>
-            <a:r>
-              <a:rPr lang="de-DE" smtClean="0"/>
-              <a:t>läuft jede Nacht</a:t>
-            </a:r>
-            <a:endParaRPr lang="de-DE" dirty="0" smtClean="0"/>
+              <a:t>Das Passwort kann entweder manuell eingegeben werden oder kann über einen Button automatisch generiert werden</a:t>
+            </a:r>
+          </a:p>
+          <a:p>
+            <a:pPr lvl="1"/>
+            <a:r>
+              <a:rPr lang="de-DE" dirty="0" smtClean="0"/>
+              <a:t>Je nach Rolle muss entweder eine Arbeitsgruppe oder ein Bereich ausgewählt werden</a:t>
+            </a:r>
+            <a:endParaRPr lang="de-DE" dirty="0"/>
           </a:p>
         </p:txBody>
       </p:sp>
     </p:spTree>
     <p:extLst>
       <p:ext uri="{BB962C8B-B14F-4D97-AF65-F5344CB8AC3E}">
-        <p14:creationId xmlns:p14="http://schemas.microsoft.com/office/powerpoint/2010/main" val="2726382500"/>
+        <p14:creationId xmlns:p14="http://schemas.microsoft.com/office/powerpoint/2010/main" val="3395818784"/>
+      </p:ext>
+    </p:extLst>
+  </p:cSld>
+  <p:clrMapOvr>
+    <a:masterClrMapping/>
+  </p:clrMapOvr>
+  <p:timing>
+    <p:tnLst>
+      <p:par>
+        <p:cTn id="1" dur="indefinite" restart="never" nodeType="tmRoot"/>
+      </p:par>
+    </p:tnLst>
+  </p:timing>
+</p:sld>
+</file>
+
+<file path=ppt/slides/slide28.xml><?xml version="1.0" encoding="utf-8"?>
+<p:sld xmlns:a="http://schemas.openxmlformats.org/drawingml/2006/main" xmlns:r="http://schemas.openxmlformats.org/officeDocument/2006/relationships" xmlns:p="http://schemas.openxmlformats.org/presentationml/2006/main">
+  <p:cSld>
+    <p:spTree>
+      <p:nvGrpSpPr>
+        <p:cNvPr id="1" name=""/>
+        <p:cNvGrpSpPr/>
+        <p:nvPr/>
+      </p:nvGrpSpPr>
+      <p:grpSpPr>
+        <a:xfrm>
+          <a:off x="0" y="0"/>
+          <a:ext cx="0" cy="0"/>
+          <a:chOff x="0" y="0"/>
+          <a:chExt cx="0" cy="0"/>
+        </a:xfrm>
+      </p:grpSpPr>
+      <p:sp>
+        <p:nvSpPr>
+          <p:cNvPr id="2" name="Titel 1"/>
+          <p:cNvSpPr>
+            <a:spLocks noGrp="1"/>
+          </p:cNvSpPr>
+          <p:nvPr>
+            <p:ph type="title"/>
+          </p:nvPr>
+        </p:nvSpPr>
+        <p:spPr/>
+        <p:txBody>
+          <a:bodyPr/>
+          <a:lstStyle/>
+          <a:p>
+            <a:r>
+              <a:rPr lang="de-DE" dirty="0"/>
+              <a:t>Use Case „Mitarbeiter“</a:t>
+            </a:r>
+          </a:p>
+        </p:txBody>
+      </p:sp>
+      <p:sp>
+        <p:nvSpPr>
+          <p:cNvPr id="3" name="Inhaltsplatzhalter 2"/>
+          <p:cNvSpPr>
+            <a:spLocks noGrp="1"/>
+          </p:cNvSpPr>
+          <p:nvPr>
+            <p:ph idx="1"/>
+          </p:nvPr>
+        </p:nvSpPr>
+        <p:spPr/>
+        <p:txBody>
+          <a:bodyPr>
+            <a:normAutofit lnSpcReduction="10000"/>
+          </a:bodyPr>
+          <a:lstStyle/>
+          <a:p>
+            <a:r>
+              <a:rPr lang="de-DE" dirty="0" smtClean="0"/>
+              <a:t>Die Auswahl zur Bearbeitung bzw. zur Löschung erfolgt über eine Suchen-Oberfläche</a:t>
+            </a:r>
+          </a:p>
+          <a:p>
+            <a:r>
+              <a:rPr lang="de-DE" dirty="0" smtClean="0"/>
+              <a:t>Bearbeiten: Vorname, Nachname, Rolle und Bereich bzw. Arbeitsgruppe können geändert werden</a:t>
+            </a:r>
+          </a:p>
+          <a:p>
+            <a:pPr lvl="1"/>
+            <a:r>
+              <a:rPr lang="de-DE" dirty="0" smtClean="0"/>
+              <a:t>Je nach Rolle wird entweder Bereich oder Arbeitsgruppe angezeigt</a:t>
+            </a:r>
+          </a:p>
+          <a:p>
+            <a:r>
+              <a:rPr lang="de-DE" dirty="0" smtClean="0"/>
+              <a:t>Löschen: nach der Suche erscheint eine Auswahl-Tabelle über die der Mitarbeiter gelöscht werden kann</a:t>
+            </a:r>
+            <a:endParaRPr lang="de-DE" dirty="0"/>
+          </a:p>
+        </p:txBody>
+      </p:sp>
+    </p:spTree>
+    <p:extLst>
+      <p:ext uri="{BB962C8B-B14F-4D97-AF65-F5344CB8AC3E}">
+        <p14:creationId xmlns:p14="http://schemas.microsoft.com/office/powerpoint/2010/main" val="1313710794"/>
+      </p:ext>
+    </p:extLst>
+  </p:cSld>
+  <p:clrMapOvr>
+    <a:masterClrMapping/>
+  </p:clrMapOvr>
+  <p:timing>
+    <p:tnLst>
+      <p:par>
+        <p:cTn id="1" dur="indefinite" restart="never" nodeType="tmRoot"/>
+      </p:par>
+    </p:tnLst>
+  </p:timing>
+</p:sld>
+</file>
+
+<file path=ppt/slides/slide29.xml><?xml version="1.0" encoding="utf-8"?>
+<p:sld xmlns:a="http://schemas.openxmlformats.org/drawingml/2006/main" xmlns:r="http://schemas.openxmlformats.org/officeDocument/2006/relationships" xmlns:p="http://schemas.openxmlformats.org/presentationml/2006/main">
+  <p:cSld>
+    <p:spTree>
+      <p:nvGrpSpPr>
+        <p:cNvPr id="1" name=""/>
+        <p:cNvGrpSpPr/>
+        <p:nvPr/>
+      </p:nvGrpSpPr>
+      <p:grpSpPr>
+        <a:xfrm>
+          <a:off x="0" y="0"/>
+          <a:ext cx="0" cy="0"/>
+          <a:chOff x="0" y="0"/>
+          <a:chExt cx="0" cy="0"/>
+        </a:xfrm>
+      </p:grpSpPr>
+      <p:sp>
+        <p:nvSpPr>
+          <p:cNvPr id="2" name="Titel 1"/>
+          <p:cNvSpPr>
+            <a:spLocks noGrp="1"/>
+          </p:cNvSpPr>
+          <p:nvPr>
+            <p:ph type="title"/>
+          </p:nvPr>
+        </p:nvSpPr>
+        <p:spPr/>
+        <p:txBody>
+          <a:bodyPr/>
+          <a:lstStyle/>
+          <a:p>
+            <a:r>
+              <a:rPr lang="de-DE" dirty="0" smtClean="0"/>
+              <a:t>Use Case „Art“</a:t>
+            </a:r>
+            <a:endParaRPr lang="de-DE" dirty="0"/>
+          </a:p>
+        </p:txBody>
+      </p:sp>
+      <p:sp>
+        <p:nvSpPr>
+          <p:cNvPr id="3" name="Inhaltsplatzhalter 2"/>
+          <p:cNvSpPr>
+            <a:spLocks noGrp="1"/>
+          </p:cNvSpPr>
+          <p:nvPr>
+            <p:ph idx="1"/>
+          </p:nvPr>
+        </p:nvSpPr>
+        <p:spPr/>
+        <p:txBody>
+          <a:bodyPr/>
+          <a:lstStyle/>
+          <a:p>
+            <a:r>
+              <a:rPr lang="de-DE" dirty="0"/>
+              <a:t>Die Verwaltung erfolgt über die Fachbereichs-organisation</a:t>
+            </a:r>
+          </a:p>
+          <a:p>
+            <a:r>
+              <a:rPr lang="de-DE" dirty="0" smtClean="0"/>
+              <a:t>Anlegen: über Angabe einer Bezeichnung kann eine neue Eintragsart angelegt werden</a:t>
+            </a:r>
+          </a:p>
+          <a:p>
+            <a:r>
+              <a:rPr lang="de-DE" dirty="0" smtClean="0"/>
+              <a:t>Löschen: über ein Drop-Down-Feld kann die zu löschende Art ausgewählt werden</a:t>
+            </a:r>
+          </a:p>
+          <a:p>
+            <a:endParaRPr lang="de-DE" dirty="0"/>
+          </a:p>
+        </p:txBody>
+      </p:sp>
+    </p:spTree>
+    <p:extLst>
+      <p:ext uri="{BB962C8B-B14F-4D97-AF65-F5344CB8AC3E}">
+        <p14:creationId xmlns:p14="http://schemas.microsoft.com/office/powerpoint/2010/main" val="2204375755"/>
       </p:ext>
     </p:extLst>
   </p:cSld>
@@ -6820,6 +8057,115 @@
 </p:sld>
 </file>
 
+<file path=ppt/slides/slide30.xml><?xml version="1.0" encoding="utf-8"?>
+<p:sld xmlns:a="http://schemas.openxmlformats.org/drawingml/2006/main" xmlns:r="http://schemas.openxmlformats.org/officeDocument/2006/relationships" xmlns:p="http://schemas.openxmlformats.org/presentationml/2006/main">
+  <p:cSld>
+    <p:spTree>
+      <p:nvGrpSpPr>
+        <p:cNvPr id="1" name=""/>
+        <p:cNvGrpSpPr/>
+        <p:nvPr/>
+      </p:nvGrpSpPr>
+      <p:grpSpPr>
+        <a:xfrm>
+          <a:off x="0" y="0"/>
+          <a:ext cx="0" cy="0"/>
+          <a:chOff x="0" y="0"/>
+          <a:chExt cx="0" cy="0"/>
+        </a:xfrm>
+      </p:grpSpPr>
+      <p:sp>
+        <p:nvSpPr>
+          <p:cNvPr id="2" name="Titel 1"/>
+          <p:cNvSpPr>
+            <a:spLocks noGrp="1"/>
+          </p:cNvSpPr>
+          <p:nvPr>
+            <p:ph type="title"/>
+          </p:nvPr>
+        </p:nvSpPr>
+        <p:spPr/>
+        <p:txBody>
+          <a:bodyPr/>
+          <a:lstStyle/>
+          <a:p>
+            <a:r>
+              <a:rPr lang="de-DE" dirty="0" smtClean="0"/>
+              <a:t>Use Case „Job“</a:t>
+            </a:r>
+            <a:endParaRPr lang="de-DE" dirty="0"/>
+          </a:p>
+        </p:txBody>
+      </p:sp>
+      <p:sp>
+        <p:nvSpPr>
+          <p:cNvPr id="3" name="Inhaltsplatzhalter 2"/>
+          <p:cNvSpPr>
+            <a:spLocks noGrp="1"/>
+          </p:cNvSpPr>
+          <p:nvPr>
+            <p:ph idx="1"/>
+          </p:nvPr>
+        </p:nvSpPr>
+        <p:spPr/>
+        <p:txBody>
+          <a:bodyPr>
+            <a:normAutofit lnSpcReduction="10000"/>
+          </a:bodyPr>
+          <a:lstStyle/>
+          <a:p>
+            <a:r>
+              <a:rPr lang="de-DE" dirty="0" smtClean="0"/>
+              <a:t>Einstellungen: es kann festgelegt werden in welchem Intervall die Einträge der Sachbearbeiter bzw. der Gruppenleiter gelöscht werden</a:t>
+            </a:r>
+          </a:p>
+          <a:p>
+            <a:pPr lvl="1"/>
+            <a:r>
+              <a:rPr lang="de-DE" dirty="0" smtClean="0"/>
+              <a:t>Das Intervall kann nur monatsweise festgelegt werden</a:t>
+            </a:r>
+          </a:p>
+          <a:p>
+            <a:r>
+              <a:rPr lang="de-DE" dirty="0" smtClean="0"/>
+              <a:t>Aufsummierung: die Einträge werden in der Wochenübersicht bzw. in der Jahresübersicht aufsummiert</a:t>
+            </a:r>
+          </a:p>
+          <a:p>
+            <a:pPr lvl="1"/>
+            <a:r>
+              <a:rPr lang="de-DE" dirty="0" smtClean="0"/>
+              <a:t>Der Job </a:t>
+            </a:r>
+            <a:r>
+              <a:rPr lang="de-DE" smtClean="0"/>
+              <a:t>läuft jede Nacht</a:t>
+            </a:r>
+            <a:endParaRPr lang="de-DE" dirty="0" smtClean="0"/>
+          </a:p>
+        </p:txBody>
+      </p:sp>
+    </p:spTree>
+    <p:extLst>
+      <p:ext uri="{BB962C8B-B14F-4D97-AF65-F5344CB8AC3E}">
+        <p14:creationId xmlns:p14="http://schemas.microsoft.com/office/powerpoint/2010/main" val="2726382500"/>
+      </p:ext>
+    </p:extLst>
+  </p:cSld>
+  <p:clrMapOvr>
+    <a:masterClrMapping/>
+  </p:clrMapOvr>
+  <p:timing>
+    <p:tnLst>
+      <p:par>
+        <p:cTn id="1" dur="indefinite" restart="never" nodeType="tmRoot"/>
+      </p:par>
+    </p:tnLst>
+  </p:timing>
+</p:sld>
+</file>
+
 <file path=ppt/slides/slide4.xml><?xml version="1.0" encoding="utf-8"?>
 <p:sld xmlns:a="http://schemas.openxmlformats.org/drawingml/2006/main" xmlns:r="http://schemas.openxmlformats.org/officeDocument/2006/relationships" xmlns:p="http://schemas.openxmlformats.org/presentationml/2006/main">
   <p:cSld>
@@ -6858,7 +8204,7 @@
           <a:lstStyle/>
           <a:p>
             <a:r>
-              <a:rPr lang="de-DE" dirty="0" smtClean="0"/>
+              <a:rPr lang="de-DE" dirty="0" err="1" smtClean="0"/>
               <a:t>Use</a:t>
             </a:r>
             <a:r>
@@ -6867,7 +8213,7 @@
             </a:r>
             <a:r>
               <a:rPr lang="de-DE" dirty="0" smtClean="0"/>
-              <a:t>Cases</a:t>
+              <a:t>Cases / Rollen und Rechte</a:t>
             </a:r>
             <a:endParaRPr lang="de-DE" dirty="0"/>
           </a:p>
@@ -7358,6 +8704,13 @@
   <p:clrMapOvr>
     <a:masterClrMapping/>
   </p:clrMapOvr>
+  <p:timing>
+    <p:tnLst>
+      <p:par>
+        <p:cTn id="1" dur="indefinite" restart="never" nodeType="tmRoot"/>
+      </p:par>
+    </p:tnLst>
+  </p:timing>
 </p:sld>
 </file>
 
@@ -7689,6 +9042,13 @@
   <p:clrMapOvr>
     <a:masterClrMapping/>
   </p:clrMapOvr>
+  <p:timing>
+    <p:tnLst>
+      <p:par>
+        <p:cTn id="1" dur="indefinite" restart="never" nodeType="tmRoot"/>
+      </p:par>
+    </p:tnLst>
+  </p:timing>
 </p:sld>
 </file>
 
@@ -7726,7 +9086,434 @@
           <a:p>
             <a:r>
               <a:rPr lang="de-DE" dirty="0" smtClean="0"/>
-              <a:t>BACKUP</a:t>
+              <a:t>View</a:t>
+            </a:r>
+            <a:endParaRPr lang="de-DE" dirty="0"/>
+          </a:p>
+        </p:txBody>
+      </p:sp>
+      <p:sp>
+        <p:nvSpPr>
+          <p:cNvPr id="3" name="Inhaltsplatzhalter 2"/>
+          <p:cNvSpPr txBox="1">
+            <a:spLocks/>
+          </p:cNvSpPr>
+          <p:nvPr/>
+        </p:nvSpPr>
+        <p:spPr>
+          <a:xfrm>
+            <a:off x="457200" y="2249424"/>
+            <a:ext cx="8229600" cy="4325112"/>
+          </a:xfrm>
+          <a:prstGeom prst="rect">
+            <a:avLst/>
+          </a:prstGeom>
+        </p:spPr>
+        <p:txBody>
+          <a:bodyPr>
+            <a:normAutofit/>
+          </a:bodyPr>
+          <a:lstStyle>
+            <a:lvl1pPr marL="365760" indent="-256032" algn="l" rtl="0" eaLnBrk="1" latinLnBrk="0" hangingPunct="1">
+              <a:spcBef>
+                <a:spcPts val="300"/>
+              </a:spcBef>
+              <a:buClr>
+                <a:schemeClr val="accent3"/>
+              </a:buClr>
+              <a:buFont typeface="Georgia"/>
+              <a:buChar char="•"/>
+              <a:defRPr kumimoji="0" sz="2800" kern="1200">
+                <a:solidFill>
+                  <a:schemeClr val="tx1"/>
+                </a:solidFill>
+                <a:latin typeface="+mn-lt"/>
+                <a:ea typeface="+mn-ea"/>
+                <a:cs typeface="+mn-cs"/>
+              </a:defRPr>
+            </a:lvl1pPr>
+            <a:lvl2pPr marL="658368" indent="-246888" algn="l" rtl="0" eaLnBrk="1" latinLnBrk="0" hangingPunct="1">
+              <a:spcBef>
+                <a:spcPts val="300"/>
+              </a:spcBef>
+              <a:buClr>
+                <a:schemeClr val="accent2"/>
+              </a:buClr>
+              <a:buFont typeface="Georgia"/>
+              <a:buChar char="▫"/>
+              <a:defRPr kumimoji="0" sz="2600" kern="1200">
+                <a:solidFill>
+                  <a:schemeClr val="accent2"/>
+                </a:solidFill>
+                <a:latin typeface="+mn-lt"/>
+                <a:ea typeface="+mn-ea"/>
+                <a:cs typeface="+mn-cs"/>
+              </a:defRPr>
+            </a:lvl2pPr>
+            <a:lvl3pPr marL="923544" indent="-219456" algn="l" rtl="0" eaLnBrk="1" latinLnBrk="0" hangingPunct="1">
+              <a:spcBef>
+                <a:spcPts val="300"/>
+              </a:spcBef>
+              <a:buClr>
+                <a:schemeClr val="accent1"/>
+              </a:buClr>
+              <a:buFont typeface="Wingdings 2"/>
+              <a:buChar char=""/>
+              <a:defRPr kumimoji="0" sz="2400" kern="1200">
+                <a:solidFill>
+                  <a:schemeClr val="accent1"/>
+                </a:solidFill>
+                <a:latin typeface="+mn-lt"/>
+                <a:ea typeface="+mn-ea"/>
+                <a:cs typeface="+mn-cs"/>
+              </a:defRPr>
+            </a:lvl3pPr>
+            <a:lvl4pPr marL="1179576" indent="-201168" algn="l" rtl="0" eaLnBrk="1" latinLnBrk="0" hangingPunct="1">
+              <a:spcBef>
+                <a:spcPts val="300"/>
+              </a:spcBef>
+              <a:buClr>
+                <a:schemeClr val="accent1"/>
+              </a:buClr>
+              <a:buFont typeface="Wingdings 2"/>
+              <a:buChar char=""/>
+              <a:defRPr kumimoji="0" sz="2200" kern="1200">
+                <a:solidFill>
+                  <a:schemeClr val="accent1"/>
+                </a:solidFill>
+                <a:latin typeface="+mn-lt"/>
+                <a:ea typeface="+mn-ea"/>
+                <a:cs typeface="+mn-cs"/>
+              </a:defRPr>
+            </a:lvl4pPr>
+            <a:lvl5pPr marL="1389888" indent="-182880" algn="l" rtl="0" eaLnBrk="1" latinLnBrk="0" hangingPunct="1">
+              <a:spcBef>
+                <a:spcPts val="300"/>
+              </a:spcBef>
+              <a:buClr>
+                <a:schemeClr val="accent3"/>
+              </a:buClr>
+              <a:buFont typeface="Georgia"/>
+              <a:buChar char="▫"/>
+              <a:defRPr kumimoji="0" sz="2000" kern="1200">
+                <a:solidFill>
+                  <a:schemeClr val="accent3"/>
+                </a:solidFill>
+                <a:latin typeface="+mn-lt"/>
+                <a:ea typeface="+mn-ea"/>
+                <a:cs typeface="+mn-cs"/>
+              </a:defRPr>
+            </a:lvl5pPr>
+            <a:lvl6pPr marL="1609344" indent="-182880" algn="l" rtl="0" eaLnBrk="1" latinLnBrk="0" hangingPunct="1">
+              <a:spcBef>
+                <a:spcPts val="300"/>
+              </a:spcBef>
+              <a:buClr>
+                <a:schemeClr val="accent3"/>
+              </a:buClr>
+              <a:buFont typeface="Georgia"/>
+              <a:buChar char="▫"/>
+              <a:defRPr kumimoji="0" sz="1800" kern="1200">
+                <a:solidFill>
+                  <a:schemeClr val="accent3"/>
+                </a:solidFill>
+                <a:latin typeface="+mn-lt"/>
+                <a:ea typeface="+mn-ea"/>
+                <a:cs typeface="+mn-cs"/>
+              </a:defRPr>
+            </a:lvl6pPr>
+            <a:lvl7pPr marL="1828800" indent="-182880" algn="l" rtl="0" eaLnBrk="1" latinLnBrk="0" hangingPunct="1">
+              <a:spcBef>
+                <a:spcPts val="300"/>
+              </a:spcBef>
+              <a:buClr>
+                <a:schemeClr val="accent3"/>
+              </a:buClr>
+              <a:buFont typeface="Georgia"/>
+              <a:buChar char="▫"/>
+              <a:defRPr kumimoji="0" sz="1600" kern="1200">
+                <a:solidFill>
+                  <a:schemeClr val="accent3"/>
+                </a:solidFill>
+                <a:latin typeface="+mn-lt"/>
+                <a:ea typeface="+mn-ea"/>
+                <a:cs typeface="+mn-cs"/>
+              </a:defRPr>
+            </a:lvl7pPr>
+            <a:lvl8pPr marL="2029968" indent="-182880" algn="l" rtl="0" eaLnBrk="1" latinLnBrk="0" hangingPunct="1">
+              <a:spcBef>
+                <a:spcPts val="300"/>
+              </a:spcBef>
+              <a:buClr>
+                <a:schemeClr val="accent3"/>
+              </a:buClr>
+              <a:buFont typeface="Georgia"/>
+              <a:buChar char="◦"/>
+              <a:defRPr kumimoji="0" sz="1500" kern="1200">
+                <a:solidFill>
+                  <a:schemeClr val="accent3"/>
+                </a:solidFill>
+                <a:latin typeface="+mn-lt"/>
+                <a:ea typeface="+mn-ea"/>
+                <a:cs typeface="+mn-cs"/>
+              </a:defRPr>
+            </a:lvl8pPr>
+            <a:lvl9pPr marL="2240280" indent="-182880" algn="l" rtl="0" eaLnBrk="1" latinLnBrk="0" hangingPunct="1">
+              <a:spcBef>
+                <a:spcPts val="300"/>
+              </a:spcBef>
+              <a:buClr>
+                <a:schemeClr val="accent3"/>
+              </a:buClr>
+              <a:buFont typeface="Georgia"/>
+              <a:buChar char="◦"/>
+              <a:defRPr kumimoji="0" sz="1400" kern="1200" baseline="0">
+                <a:solidFill>
+                  <a:schemeClr val="accent3"/>
+                </a:solidFill>
+                <a:latin typeface="+mn-lt"/>
+                <a:ea typeface="+mn-ea"/>
+                <a:cs typeface="+mn-cs"/>
+              </a:defRPr>
+            </a:lvl9pPr>
+          </a:lstStyle>
+          <a:p>
+            <a:endParaRPr lang="de-DE" dirty="0"/>
+          </a:p>
+        </p:txBody>
+      </p:sp>
+      <p:sp>
+        <p:nvSpPr>
+          <p:cNvPr id="4" name="Inhaltsplatzhalter 2"/>
+          <p:cNvSpPr txBox="1">
+            <a:spLocks/>
+          </p:cNvSpPr>
+          <p:nvPr/>
+        </p:nvSpPr>
+        <p:spPr>
+          <a:xfrm>
+            <a:off x="609600" y="2401824"/>
+            <a:ext cx="8229600" cy="4325112"/>
+          </a:xfrm>
+          <a:prstGeom prst="rect">
+            <a:avLst/>
+          </a:prstGeom>
+        </p:spPr>
+        <p:txBody>
+          <a:bodyPr>
+            <a:normAutofit/>
+          </a:bodyPr>
+          <a:lstStyle>
+            <a:lvl1pPr marL="365760" indent="-256032" algn="l" rtl="0" eaLnBrk="1" latinLnBrk="0" hangingPunct="1">
+              <a:spcBef>
+                <a:spcPts val="300"/>
+              </a:spcBef>
+              <a:buClr>
+                <a:schemeClr val="accent3"/>
+              </a:buClr>
+              <a:buFont typeface="Georgia"/>
+              <a:buChar char="•"/>
+              <a:defRPr kumimoji="0" sz="2800" kern="1200">
+                <a:solidFill>
+                  <a:schemeClr val="tx1"/>
+                </a:solidFill>
+                <a:latin typeface="+mn-lt"/>
+                <a:ea typeface="+mn-ea"/>
+                <a:cs typeface="+mn-cs"/>
+              </a:defRPr>
+            </a:lvl1pPr>
+            <a:lvl2pPr marL="658368" indent="-246888" algn="l" rtl="0" eaLnBrk="1" latinLnBrk="0" hangingPunct="1">
+              <a:spcBef>
+                <a:spcPts val="300"/>
+              </a:spcBef>
+              <a:buClr>
+                <a:schemeClr val="accent2"/>
+              </a:buClr>
+              <a:buFont typeface="Georgia"/>
+              <a:buChar char="▫"/>
+              <a:defRPr kumimoji="0" sz="2600" kern="1200">
+                <a:solidFill>
+                  <a:schemeClr val="accent2"/>
+                </a:solidFill>
+                <a:latin typeface="+mn-lt"/>
+                <a:ea typeface="+mn-ea"/>
+                <a:cs typeface="+mn-cs"/>
+              </a:defRPr>
+            </a:lvl2pPr>
+            <a:lvl3pPr marL="923544" indent="-219456" algn="l" rtl="0" eaLnBrk="1" latinLnBrk="0" hangingPunct="1">
+              <a:spcBef>
+                <a:spcPts val="300"/>
+              </a:spcBef>
+              <a:buClr>
+                <a:schemeClr val="accent1"/>
+              </a:buClr>
+              <a:buFont typeface="Wingdings 2"/>
+              <a:buChar char=""/>
+              <a:defRPr kumimoji="0" sz="2400" kern="1200">
+                <a:solidFill>
+                  <a:schemeClr val="accent1"/>
+                </a:solidFill>
+                <a:latin typeface="+mn-lt"/>
+                <a:ea typeface="+mn-ea"/>
+                <a:cs typeface="+mn-cs"/>
+              </a:defRPr>
+            </a:lvl3pPr>
+            <a:lvl4pPr marL="1179576" indent="-201168" algn="l" rtl="0" eaLnBrk="1" latinLnBrk="0" hangingPunct="1">
+              <a:spcBef>
+                <a:spcPts val="300"/>
+              </a:spcBef>
+              <a:buClr>
+                <a:schemeClr val="accent1"/>
+              </a:buClr>
+              <a:buFont typeface="Wingdings 2"/>
+              <a:buChar char=""/>
+              <a:defRPr kumimoji="0" sz="2200" kern="1200">
+                <a:solidFill>
+                  <a:schemeClr val="accent1"/>
+                </a:solidFill>
+                <a:latin typeface="+mn-lt"/>
+                <a:ea typeface="+mn-ea"/>
+                <a:cs typeface="+mn-cs"/>
+              </a:defRPr>
+            </a:lvl4pPr>
+            <a:lvl5pPr marL="1389888" indent="-182880" algn="l" rtl="0" eaLnBrk="1" latinLnBrk="0" hangingPunct="1">
+              <a:spcBef>
+                <a:spcPts val="300"/>
+              </a:spcBef>
+              <a:buClr>
+                <a:schemeClr val="accent3"/>
+              </a:buClr>
+              <a:buFont typeface="Georgia"/>
+              <a:buChar char="▫"/>
+              <a:defRPr kumimoji="0" sz="2000" kern="1200">
+                <a:solidFill>
+                  <a:schemeClr val="accent3"/>
+                </a:solidFill>
+                <a:latin typeface="+mn-lt"/>
+                <a:ea typeface="+mn-ea"/>
+                <a:cs typeface="+mn-cs"/>
+              </a:defRPr>
+            </a:lvl5pPr>
+            <a:lvl6pPr marL="1609344" indent="-182880" algn="l" rtl="0" eaLnBrk="1" latinLnBrk="0" hangingPunct="1">
+              <a:spcBef>
+                <a:spcPts val="300"/>
+              </a:spcBef>
+              <a:buClr>
+                <a:schemeClr val="accent3"/>
+              </a:buClr>
+              <a:buFont typeface="Georgia"/>
+              <a:buChar char="▫"/>
+              <a:defRPr kumimoji="0" sz="1800" kern="1200">
+                <a:solidFill>
+                  <a:schemeClr val="accent3"/>
+                </a:solidFill>
+                <a:latin typeface="+mn-lt"/>
+                <a:ea typeface="+mn-ea"/>
+                <a:cs typeface="+mn-cs"/>
+              </a:defRPr>
+            </a:lvl6pPr>
+            <a:lvl7pPr marL="1828800" indent="-182880" algn="l" rtl="0" eaLnBrk="1" latinLnBrk="0" hangingPunct="1">
+              <a:spcBef>
+                <a:spcPts val="300"/>
+              </a:spcBef>
+              <a:buClr>
+                <a:schemeClr val="accent3"/>
+              </a:buClr>
+              <a:buFont typeface="Georgia"/>
+              <a:buChar char="▫"/>
+              <a:defRPr kumimoji="0" sz="1600" kern="1200">
+                <a:solidFill>
+                  <a:schemeClr val="accent3"/>
+                </a:solidFill>
+                <a:latin typeface="+mn-lt"/>
+                <a:ea typeface="+mn-ea"/>
+                <a:cs typeface="+mn-cs"/>
+              </a:defRPr>
+            </a:lvl7pPr>
+            <a:lvl8pPr marL="2029968" indent="-182880" algn="l" rtl="0" eaLnBrk="1" latinLnBrk="0" hangingPunct="1">
+              <a:spcBef>
+                <a:spcPts val="300"/>
+              </a:spcBef>
+              <a:buClr>
+                <a:schemeClr val="accent3"/>
+              </a:buClr>
+              <a:buFont typeface="Georgia"/>
+              <a:buChar char="◦"/>
+              <a:defRPr kumimoji="0" sz="1500" kern="1200">
+                <a:solidFill>
+                  <a:schemeClr val="accent3"/>
+                </a:solidFill>
+                <a:latin typeface="+mn-lt"/>
+                <a:ea typeface="+mn-ea"/>
+                <a:cs typeface="+mn-cs"/>
+              </a:defRPr>
+            </a:lvl8pPr>
+            <a:lvl9pPr marL="2240280" indent="-182880" algn="l" rtl="0" eaLnBrk="1" latinLnBrk="0" hangingPunct="1">
+              <a:spcBef>
+                <a:spcPts val="300"/>
+              </a:spcBef>
+              <a:buClr>
+                <a:schemeClr val="accent3"/>
+              </a:buClr>
+              <a:buFont typeface="Georgia"/>
+              <a:buChar char="◦"/>
+              <a:defRPr kumimoji="0" sz="1400" kern="1200" baseline="0">
+                <a:solidFill>
+                  <a:schemeClr val="accent3"/>
+                </a:solidFill>
+                <a:latin typeface="+mn-lt"/>
+                <a:ea typeface="+mn-ea"/>
+                <a:cs typeface="+mn-cs"/>
+              </a:defRPr>
+            </a:lvl9pPr>
+          </a:lstStyle>
+          <a:p>
+            <a:r>
+              <a:rPr lang="de-DE" dirty="0" smtClean="0"/>
+              <a:t>Attribute</a:t>
+            </a:r>
+          </a:p>
+          <a:p>
+            <a:pPr lvl="1"/>
+            <a:r>
+              <a:rPr lang="de-DE" dirty="0" smtClean="0"/>
+              <a:t>GUI-Elemente eindeutig festgelegt</a:t>
+            </a:r>
+          </a:p>
+          <a:p>
+            <a:r>
+              <a:rPr lang="de-DE" dirty="0" smtClean="0"/>
+              <a:t>Methoden</a:t>
+            </a:r>
+          </a:p>
+          <a:p>
+            <a:pPr lvl="1"/>
+            <a:r>
+              <a:rPr lang="de-DE" dirty="0" smtClean="0"/>
+              <a:t>Eingabefelder auslesen (</a:t>
+            </a:r>
+            <a:r>
+              <a:rPr lang="de-DE" dirty="0" err="1" smtClean="0"/>
+              <a:t>get</a:t>
+            </a:r>
+            <a:r>
+              <a:rPr lang="de-DE" dirty="0" smtClean="0"/>
+              <a:t>)</a:t>
+            </a:r>
+          </a:p>
+          <a:p>
+            <a:pPr lvl="1"/>
+            <a:r>
+              <a:rPr lang="de-DE" dirty="0" smtClean="0"/>
+              <a:t>Daten anzeigen(</a:t>
+            </a:r>
+            <a:r>
+              <a:rPr lang="de-DE" dirty="0" err="1" smtClean="0"/>
+              <a:t>set</a:t>
+            </a:r>
+            <a:r>
+              <a:rPr lang="de-DE" dirty="0" smtClean="0"/>
+              <a:t>)</a:t>
             </a:r>
             <a:endParaRPr lang="de-DE" dirty="0"/>
           </a:p>
@@ -7735,7 +9522,7 @@
     </p:spTree>
     <p:extLst>
       <p:ext uri="{BB962C8B-B14F-4D97-AF65-F5344CB8AC3E}">
-        <p14:creationId xmlns:p14="http://schemas.microsoft.com/office/powerpoint/2010/main" val="1555926251"/>
+        <p14:creationId xmlns:p14="http://schemas.microsoft.com/office/powerpoint/2010/main" val="3149715247"/>
       </p:ext>
     </p:extLst>
   </p:cSld>
@@ -7779,7 +9566,7 @@
           <a:p>
             <a:r>
               <a:rPr lang="de-DE" dirty="0" smtClean="0"/>
-              <a:t>Use Case „Login“</a:t>
+              <a:t>Controller</a:t>
             </a:r>
             <a:endParaRPr lang="de-DE" dirty="0"/>
           </a:p>
@@ -7788,27 +9575,388 @@
       <p:sp>
         <p:nvSpPr>
           <p:cNvPr id="3" name="Inhaltsplatzhalter 2"/>
-          <p:cNvSpPr>
-            <a:spLocks noGrp="1"/>
-          </p:cNvSpPr>
-          <p:nvPr>
-            <p:ph idx="1"/>
-          </p:nvPr>
-        </p:nvSpPr>
-        <p:spPr/>
-        <p:txBody>
-          <a:bodyPr/>
-          <a:lstStyle/>
-          <a:p>
-            <a:r>
-              <a:rPr lang="de-DE" dirty="0" smtClean="0"/>
-              <a:t>Benutzername und Passwort müssen zur Authentifizierung eingegeben werden</a:t>
-            </a:r>
-          </a:p>
-          <a:p>
-            <a:r>
-              <a:rPr lang="de-DE" dirty="0" smtClean="0"/>
-              <a:t>Passwort muss in der Datenbank verschlüsselt abgelegt werden</a:t>
+          <p:cNvSpPr txBox="1">
+            <a:spLocks/>
+          </p:cNvSpPr>
+          <p:nvPr/>
+        </p:nvSpPr>
+        <p:spPr>
+          <a:xfrm>
+            <a:off x="457200" y="2249424"/>
+            <a:ext cx="8229600" cy="4325112"/>
+          </a:xfrm>
+          <a:prstGeom prst="rect">
+            <a:avLst/>
+          </a:prstGeom>
+        </p:spPr>
+        <p:txBody>
+          <a:bodyPr>
+            <a:normAutofit/>
+          </a:bodyPr>
+          <a:lstStyle>
+            <a:lvl1pPr marL="365760" indent="-256032" algn="l" rtl="0" eaLnBrk="1" latinLnBrk="0" hangingPunct="1">
+              <a:spcBef>
+                <a:spcPts val="300"/>
+              </a:spcBef>
+              <a:buClr>
+                <a:schemeClr val="accent3"/>
+              </a:buClr>
+              <a:buFont typeface="Georgia"/>
+              <a:buChar char="•"/>
+              <a:defRPr kumimoji="0" sz="2800" kern="1200">
+                <a:solidFill>
+                  <a:schemeClr val="tx1"/>
+                </a:solidFill>
+                <a:latin typeface="+mn-lt"/>
+                <a:ea typeface="+mn-ea"/>
+                <a:cs typeface="+mn-cs"/>
+              </a:defRPr>
+            </a:lvl1pPr>
+            <a:lvl2pPr marL="658368" indent="-246888" algn="l" rtl="0" eaLnBrk="1" latinLnBrk="0" hangingPunct="1">
+              <a:spcBef>
+                <a:spcPts val="300"/>
+              </a:spcBef>
+              <a:buClr>
+                <a:schemeClr val="accent2"/>
+              </a:buClr>
+              <a:buFont typeface="Georgia"/>
+              <a:buChar char="▫"/>
+              <a:defRPr kumimoji="0" sz="2600" kern="1200">
+                <a:solidFill>
+                  <a:schemeClr val="accent2"/>
+                </a:solidFill>
+                <a:latin typeface="+mn-lt"/>
+                <a:ea typeface="+mn-ea"/>
+                <a:cs typeface="+mn-cs"/>
+              </a:defRPr>
+            </a:lvl2pPr>
+            <a:lvl3pPr marL="923544" indent="-219456" algn="l" rtl="0" eaLnBrk="1" latinLnBrk="0" hangingPunct="1">
+              <a:spcBef>
+                <a:spcPts val="300"/>
+              </a:spcBef>
+              <a:buClr>
+                <a:schemeClr val="accent1"/>
+              </a:buClr>
+              <a:buFont typeface="Wingdings 2"/>
+              <a:buChar char=""/>
+              <a:defRPr kumimoji="0" sz="2400" kern="1200">
+                <a:solidFill>
+                  <a:schemeClr val="accent1"/>
+                </a:solidFill>
+                <a:latin typeface="+mn-lt"/>
+                <a:ea typeface="+mn-ea"/>
+                <a:cs typeface="+mn-cs"/>
+              </a:defRPr>
+            </a:lvl3pPr>
+            <a:lvl4pPr marL="1179576" indent="-201168" algn="l" rtl="0" eaLnBrk="1" latinLnBrk="0" hangingPunct="1">
+              <a:spcBef>
+                <a:spcPts val="300"/>
+              </a:spcBef>
+              <a:buClr>
+                <a:schemeClr val="accent1"/>
+              </a:buClr>
+              <a:buFont typeface="Wingdings 2"/>
+              <a:buChar char=""/>
+              <a:defRPr kumimoji="0" sz="2200" kern="1200">
+                <a:solidFill>
+                  <a:schemeClr val="accent1"/>
+                </a:solidFill>
+                <a:latin typeface="+mn-lt"/>
+                <a:ea typeface="+mn-ea"/>
+                <a:cs typeface="+mn-cs"/>
+              </a:defRPr>
+            </a:lvl4pPr>
+            <a:lvl5pPr marL="1389888" indent="-182880" algn="l" rtl="0" eaLnBrk="1" latinLnBrk="0" hangingPunct="1">
+              <a:spcBef>
+                <a:spcPts val="300"/>
+              </a:spcBef>
+              <a:buClr>
+                <a:schemeClr val="accent3"/>
+              </a:buClr>
+              <a:buFont typeface="Georgia"/>
+              <a:buChar char="▫"/>
+              <a:defRPr kumimoji="0" sz="2000" kern="1200">
+                <a:solidFill>
+                  <a:schemeClr val="accent3"/>
+                </a:solidFill>
+                <a:latin typeface="+mn-lt"/>
+                <a:ea typeface="+mn-ea"/>
+                <a:cs typeface="+mn-cs"/>
+              </a:defRPr>
+            </a:lvl5pPr>
+            <a:lvl6pPr marL="1609344" indent="-182880" algn="l" rtl="0" eaLnBrk="1" latinLnBrk="0" hangingPunct="1">
+              <a:spcBef>
+                <a:spcPts val="300"/>
+              </a:spcBef>
+              <a:buClr>
+                <a:schemeClr val="accent3"/>
+              </a:buClr>
+              <a:buFont typeface="Georgia"/>
+              <a:buChar char="▫"/>
+              <a:defRPr kumimoji="0" sz="1800" kern="1200">
+                <a:solidFill>
+                  <a:schemeClr val="accent3"/>
+                </a:solidFill>
+                <a:latin typeface="+mn-lt"/>
+                <a:ea typeface="+mn-ea"/>
+                <a:cs typeface="+mn-cs"/>
+              </a:defRPr>
+            </a:lvl6pPr>
+            <a:lvl7pPr marL="1828800" indent="-182880" algn="l" rtl="0" eaLnBrk="1" latinLnBrk="0" hangingPunct="1">
+              <a:spcBef>
+                <a:spcPts val="300"/>
+              </a:spcBef>
+              <a:buClr>
+                <a:schemeClr val="accent3"/>
+              </a:buClr>
+              <a:buFont typeface="Georgia"/>
+              <a:buChar char="▫"/>
+              <a:defRPr kumimoji="0" sz="1600" kern="1200">
+                <a:solidFill>
+                  <a:schemeClr val="accent3"/>
+                </a:solidFill>
+                <a:latin typeface="+mn-lt"/>
+                <a:ea typeface="+mn-ea"/>
+                <a:cs typeface="+mn-cs"/>
+              </a:defRPr>
+            </a:lvl7pPr>
+            <a:lvl8pPr marL="2029968" indent="-182880" algn="l" rtl="0" eaLnBrk="1" latinLnBrk="0" hangingPunct="1">
+              <a:spcBef>
+                <a:spcPts val="300"/>
+              </a:spcBef>
+              <a:buClr>
+                <a:schemeClr val="accent3"/>
+              </a:buClr>
+              <a:buFont typeface="Georgia"/>
+              <a:buChar char="◦"/>
+              <a:defRPr kumimoji="0" sz="1500" kern="1200">
+                <a:solidFill>
+                  <a:schemeClr val="accent3"/>
+                </a:solidFill>
+                <a:latin typeface="+mn-lt"/>
+                <a:ea typeface="+mn-ea"/>
+                <a:cs typeface="+mn-cs"/>
+              </a:defRPr>
+            </a:lvl8pPr>
+            <a:lvl9pPr marL="2240280" indent="-182880" algn="l" rtl="0" eaLnBrk="1" latinLnBrk="0" hangingPunct="1">
+              <a:spcBef>
+                <a:spcPts val="300"/>
+              </a:spcBef>
+              <a:buClr>
+                <a:schemeClr val="accent3"/>
+              </a:buClr>
+              <a:buFont typeface="Georgia"/>
+              <a:buChar char="◦"/>
+              <a:defRPr kumimoji="0" sz="1400" kern="1200" baseline="0">
+                <a:solidFill>
+                  <a:schemeClr val="accent3"/>
+                </a:solidFill>
+                <a:latin typeface="+mn-lt"/>
+                <a:ea typeface="+mn-ea"/>
+                <a:cs typeface="+mn-cs"/>
+              </a:defRPr>
+            </a:lvl9pPr>
+          </a:lstStyle>
+          <a:p>
+            <a:endParaRPr lang="de-DE" dirty="0"/>
+          </a:p>
+        </p:txBody>
+      </p:sp>
+      <p:sp>
+        <p:nvSpPr>
+          <p:cNvPr id="4" name="Inhaltsplatzhalter 2"/>
+          <p:cNvSpPr txBox="1">
+            <a:spLocks/>
+          </p:cNvSpPr>
+          <p:nvPr/>
+        </p:nvSpPr>
+        <p:spPr>
+          <a:xfrm>
+            <a:off x="609600" y="2401824"/>
+            <a:ext cx="8229600" cy="4325112"/>
+          </a:xfrm>
+          <a:prstGeom prst="rect">
+            <a:avLst/>
+          </a:prstGeom>
+        </p:spPr>
+        <p:txBody>
+          <a:bodyPr>
+            <a:normAutofit/>
+          </a:bodyPr>
+          <a:lstStyle>
+            <a:lvl1pPr marL="365760" indent="-256032" algn="l" rtl="0" eaLnBrk="1" latinLnBrk="0" hangingPunct="1">
+              <a:spcBef>
+                <a:spcPts val="300"/>
+              </a:spcBef>
+              <a:buClr>
+                <a:schemeClr val="accent3"/>
+              </a:buClr>
+              <a:buFont typeface="Georgia"/>
+              <a:buChar char="•"/>
+              <a:defRPr kumimoji="0" sz="2800" kern="1200">
+                <a:solidFill>
+                  <a:schemeClr val="tx1"/>
+                </a:solidFill>
+                <a:latin typeface="+mn-lt"/>
+                <a:ea typeface="+mn-ea"/>
+                <a:cs typeface="+mn-cs"/>
+              </a:defRPr>
+            </a:lvl1pPr>
+            <a:lvl2pPr marL="658368" indent="-246888" algn="l" rtl="0" eaLnBrk="1" latinLnBrk="0" hangingPunct="1">
+              <a:spcBef>
+                <a:spcPts val="300"/>
+              </a:spcBef>
+              <a:buClr>
+                <a:schemeClr val="accent2"/>
+              </a:buClr>
+              <a:buFont typeface="Georgia"/>
+              <a:buChar char="▫"/>
+              <a:defRPr kumimoji="0" sz="2600" kern="1200">
+                <a:solidFill>
+                  <a:schemeClr val="accent2"/>
+                </a:solidFill>
+                <a:latin typeface="+mn-lt"/>
+                <a:ea typeface="+mn-ea"/>
+                <a:cs typeface="+mn-cs"/>
+              </a:defRPr>
+            </a:lvl2pPr>
+            <a:lvl3pPr marL="923544" indent="-219456" algn="l" rtl="0" eaLnBrk="1" latinLnBrk="0" hangingPunct="1">
+              <a:spcBef>
+                <a:spcPts val="300"/>
+              </a:spcBef>
+              <a:buClr>
+                <a:schemeClr val="accent1"/>
+              </a:buClr>
+              <a:buFont typeface="Wingdings 2"/>
+              <a:buChar char=""/>
+              <a:defRPr kumimoji="0" sz="2400" kern="1200">
+                <a:solidFill>
+                  <a:schemeClr val="accent1"/>
+                </a:solidFill>
+                <a:latin typeface="+mn-lt"/>
+                <a:ea typeface="+mn-ea"/>
+                <a:cs typeface="+mn-cs"/>
+              </a:defRPr>
+            </a:lvl3pPr>
+            <a:lvl4pPr marL="1179576" indent="-201168" algn="l" rtl="0" eaLnBrk="1" latinLnBrk="0" hangingPunct="1">
+              <a:spcBef>
+                <a:spcPts val="300"/>
+              </a:spcBef>
+              <a:buClr>
+                <a:schemeClr val="accent1"/>
+              </a:buClr>
+              <a:buFont typeface="Wingdings 2"/>
+              <a:buChar char=""/>
+              <a:defRPr kumimoji="0" sz="2200" kern="1200">
+                <a:solidFill>
+                  <a:schemeClr val="accent1"/>
+                </a:solidFill>
+                <a:latin typeface="+mn-lt"/>
+                <a:ea typeface="+mn-ea"/>
+                <a:cs typeface="+mn-cs"/>
+              </a:defRPr>
+            </a:lvl4pPr>
+            <a:lvl5pPr marL="1389888" indent="-182880" algn="l" rtl="0" eaLnBrk="1" latinLnBrk="0" hangingPunct="1">
+              <a:spcBef>
+                <a:spcPts val="300"/>
+              </a:spcBef>
+              <a:buClr>
+                <a:schemeClr val="accent3"/>
+              </a:buClr>
+              <a:buFont typeface="Georgia"/>
+              <a:buChar char="▫"/>
+              <a:defRPr kumimoji="0" sz="2000" kern="1200">
+                <a:solidFill>
+                  <a:schemeClr val="accent3"/>
+                </a:solidFill>
+                <a:latin typeface="+mn-lt"/>
+                <a:ea typeface="+mn-ea"/>
+                <a:cs typeface="+mn-cs"/>
+              </a:defRPr>
+            </a:lvl5pPr>
+            <a:lvl6pPr marL="1609344" indent="-182880" algn="l" rtl="0" eaLnBrk="1" latinLnBrk="0" hangingPunct="1">
+              <a:spcBef>
+                <a:spcPts val="300"/>
+              </a:spcBef>
+              <a:buClr>
+                <a:schemeClr val="accent3"/>
+              </a:buClr>
+              <a:buFont typeface="Georgia"/>
+              <a:buChar char="▫"/>
+              <a:defRPr kumimoji="0" sz="1800" kern="1200">
+                <a:solidFill>
+                  <a:schemeClr val="accent3"/>
+                </a:solidFill>
+                <a:latin typeface="+mn-lt"/>
+                <a:ea typeface="+mn-ea"/>
+                <a:cs typeface="+mn-cs"/>
+              </a:defRPr>
+            </a:lvl6pPr>
+            <a:lvl7pPr marL="1828800" indent="-182880" algn="l" rtl="0" eaLnBrk="1" latinLnBrk="0" hangingPunct="1">
+              <a:spcBef>
+                <a:spcPts val="300"/>
+              </a:spcBef>
+              <a:buClr>
+                <a:schemeClr val="accent3"/>
+              </a:buClr>
+              <a:buFont typeface="Georgia"/>
+              <a:buChar char="▫"/>
+              <a:defRPr kumimoji="0" sz="1600" kern="1200">
+                <a:solidFill>
+                  <a:schemeClr val="accent3"/>
+                </a:solidFill>
+                <a:latin typeface="+mn-lt"/>
+                <a:ea typeface="+mn-ea"/>
+                <a:cs typeface="+mn-cs"/>
+              </a:defRPr>
+            </a:lvl7pPr>
+            <a:lvl8pPr marL="2029968" indent="-182880" algn="l" rtl="0" eaLnBrk="1" latinLnBrk="0" hangingPunct="1">
+              <a:spcBef>
+                <a:spcPts val="300"/>
+              </a:spcBef>
+              <a:buClr>
+                <a:schemeClr val="accent3"/>
+              </a:buClr>
+              <a:buFont typeface="Georgia"/>
+              <a:buChar char="◦"/>
+              <a:defRPr kumimoji="0" sz="1500" kern="1200">
+                <a:solidFill>
+                  <a:schemeClr val="accent3"/>
+                </a:solidFill>
+                <a:latin typeface="+mn-lt"/>
+                <a:ea typeface="+mn-ea"/>
+                <a:cs typeface="+mn-cs"/>
+              </a:defRPr>
+            </a:lvl8pPr>
+            <a:lvl9pPr marL="2240280" indent="-182880" algn="l" rtl="0" eaLnBrk="1" latinLnBrk="0" hangingPunct="1">
+              <a:spcBef>
+                <a:spcPts val="300"/>
+              </a:spcBef>
+              <a:buClr>
+                <a:schemeClr val="accent3"/>
+              </a:buClr>
+              <a:buFont typeface="Georgia"/>
+              <a:buChar char="◦"/>
+              <a:defRPr kumimoji="0" sz="1400" kern="1200" baseline="0">
+                <a:solidFill>
+                  <a:schemeClr val="accent3"/>
+                </a:solidFill>
+                <a:latin typeface="+mn-lt"/>
+                <a:ea typeface="+mn-ea"/>
+                <a:cs typeface="+mn-cs"/>
+              </a:defRPr>
+            </a:lvl9pPr>
+          </a:lstStyle>
+          <a:p>
+            <a:r>
+              <a:rPr lang="de-DE" dirty="0" smtClean="0"/>
+              <a:t>Verbindung von Oberfläche mit Datenbank</a:t>
+            </a:r>
+          </a:p>
+          <a:p>
+            <a:r>
+              <a:rPr lang="de-DE" dirty="0" smtClean="0"/>
+              <a:t>Verarbeitungslogik</a:t>
             </a:r>
             <a:endParaRPr lang="de-DE" dirty="0"/>
           </a:p>
@@ -7817,20 +9965,13 @@
     </p:spTree>
     <p:extLst>
       <p:ext uri="{BB962C8B-B14F-4D97-AF65-F5344CB8AC3E}">
-        <p14:creationId xmlns:p14="http://schemas.microsoft.com/office/powerpoint/2010/main" val="511365991"/>
+        <p14:creationId xmlns:p14="http://schemas.microsoft.com/office/powerpoint/2010/main" val="1944802853"/>
       </p:ext>
     </p:extLst>
   </p:cSld>
   <p:clrMapOvr>
     <a:masterClrMapping/>
   </p:clrMapOvr>
-  <p:timing>
-    <p:tnLst>
-      <p:par>
-        <p:cTn id="1" dur="indefinite" restart="never" nodeType="tmRoot"/>
-      </p:par>
-    </p:tnLst>
-  </p:timing>
 </p:sld>
 </file>
 
@@ -7868,7 +10009,7 @@
           <a:p>
             <a:r>
               <a:rPr lang="de-DE" dirty="0" smtClean="0"/>
-              <a:t>Use Case „Passwort“</a:t>
+              <a:t>Model</a:t>
             </a:r>
             <a:endParaRPr lang="de-DE" dirty="0"/>
           </a:p>
@@ -7877,34 +10018,396 @@
       <p:sp>
         <p:nvSpPr>
           <p:cNvPr id="3" name="Inhaltsplatzhalter 2"/>
-          <p:cNvSpPr>
-            <a:spLocks noGrp="1"/>
-          </p:cNvSpPr>
-          <p:nvPr>
-            <p:ph idx="1"/>
-          </p:nvPr>
-        </p:nvSpPr>
-        <p:spPr/>
-        <p:txBody>
-          <a:bodyPr/>
-          <a:lstStyle/>
-          <a:p>
-            <a:r>
-              <a:rPr lang="de-DE" dirty="0" smtClean="0"/>
-              <a:t>Vergessen: bei vergessenem Passwort muss sich der User beim UHD melden (die Telefonnummer wird im Hilfe-Fenster der Login-Oberfläche angezeigt)</a:t>
-            </a:r>
-          </a:p>
-          <a:p>
-            <a:r>
-              <a:rPr lang="de-DE" dirty="0" smtClean="0"/>
-              <a:t>Ändern: beim ersten Login muss das Passwort vom User geändert werden</a:t>
+          <p:cNvSpPr txBox="1">
+            <a:spLocks/>
+          </p:cNvSpPr>
+          <p:nvPr/>
+        </p:nvSpPr>
+        <p:spPr>
+          <a:xfrm>
+            <a:off x="457200" y="2249424"/>
+            <a:ext cx="8229600" cy="4325112"/>
+          </a:xfrm>
+          <a:prstGeom prst="rect">
+            <a:avLst/>
+          </a:prstGeom>
+        </p:spPr>
+        <p:txBody>
+          <a:bodyPr>
+            <a:normAutofit/>
+          </a:bodyPr>
+          <a:lstStyle>
+            <a:lvl1pPr marL="365760" indent="-256032" algn="l" rtl="0" eaLnBrk="1" latinLnBrk="0" hangingPunct="1">
+              <a:spcBef>
+                <a:spcPts val="300"/>
+              </a:spcBef>
+              <a:buClr>
+                <a:schemeClr val="accent3"/>
+              </a:buClr>
+              <a:buFont typeface="Georgia"/>
+              <a:buChar char="•"/>
+              <a:defRPr kumimoji="0" sz="2800" kern="1200">
+                <a:solidFill>
+                  <a:schemeClr val="tx1"/>
+                </a:solidFill>
+                <a:latin typeface="+mn-lt"/>
+                <a:ea typeface="+mn-ea"/>
+                <a:cs typeface="+mn-cs"/>
+              </a:defRPr>
+            </a:lvl1pPr>
+            <a:lvl2pPr marL="658368" indent="-246888" algn="l" rtl="0" eaLnBrk="1" latinLnBrk="0" hangingPunct="1">
+              <a:spcBef>
+                <a:spcPts val="300"/>
+              </a:spcBef>
+              <a:buClr>
+                <a:schemeClr val="accent2"/>
+              </a:buClr>
+              <a:buFont typeface="Georgia"/>
+              <a:buChar char="▫"/>
+              <a:defRPr kumimoji="0" sz="2600" kern="1200">
+                <a:solidFill>
+                  <a:schemeClr val="accent2"/>
+                </a:solidFill>
+                <a:latin typeface="+mn-lt"/>
+                <a:ea typeface="+mn-ea"/>
+                <a:cs typeface="+mn-cs"/>
+              </a:defRPr>
+            </a:lvl2pPr>
+            <a:lvl3pPr marL="923544" indent="-219456" algn="l" rtl="0" eaLnBrk="1" latinLnBrk="0" hangingPunct="1">
+              <a:spcBef>
+                <a:spcPts val="300"/>
+              </a:spcBef>
+              <a:buClr>
+                <a:schemeClr val="accent1"/>
+              </a:buClr>
+              <a:buFont typeface="Wingdings 2"/>
+              <a:buChar char=""/>
+              <a:defRPr kumimoji="0" sz="2400" kern="1200">
+                <a:solidFill>
+                  <a:schemeClr val="accent1"/>
+                </a:solidFill>
+                <a:latin typeface="+mn-lt"/>
+                <a:ea typeface="+mn-ea"/>
+                <a:cs typeface="+mn-cs"/>
+              </a:defRPr>
+            </a:lvl3pPr>
+            <a:lvl4pPr marL="1179576" indent="-201168" algn="l" rtl="0" eaLnBrk="1" latinLnBrk="0" hangingPunct="1">
+              <a:spcBef>
+                <a:spcPts val="300"/>
+              </a:spcBef>
+              <a:buClr>
+                <a:schemeClr val="accent1"/>
+              </a:buClr>
+              <a:buFont typeface="Wingdings 2"/>
+              <a:buChar char=""/>
+              <a:defRPr kumimoji="0" sz="2200" kern="1200">
+                <a:solidFill>
+                  <a:schemeClr val="accent1"/>
+                </a:solidFill>
+                <a:latin typeface="+mn-lt"/>
+                <a:ea typeface="+mn-ea"/>
+                <a:cs typeface="+mn-cs"/>
+              </a:defRPr>
+            </a:lvl4pPr>
+            <a:lvl5pPr marL="1389888" indent="-182880" algn="l" rtl="0" eaLnBrk="1" latinLnBrk="0" hangingPunct="1">
+              <a:spcBef>
+                <a:spcPts val="300"/>
+              </a:spcBef>
+              <a:buClr>
+                <a:schemeClr val="accent3"/>
+              </a:buClr>
+              <a:buFont typeface="Georgia"/>
+              <a:buChar char="▫"/>
+              <a:defRPr kumimoji="0" sz="2000" kern="1200">
+                <a:solidFill>
+                  <a:schemeClr val="accent3"/>
+                </a:solidFill>
+                <a:latin typeface="+mn-lt"/>
+                <a:ea typeface="+mn-ea"/>
+                <a:cs typeface="+mn-cs"/>
+              </a:defRPr>
+            </a:lvl5pPr>
+            <a:lvl6pPr marL="1609344" indent="-182880" algn="l" rtl="0" eaLnBrk="1" latinLnBrk="0" hangingPunct="1">
+              <a:spcBef>
+                <a:spcPts val="300"/>
+              </a:spcBef>
+              <a:buClr>
+                <a:schemeClr val="accent3"/>
+              </a:buClr>
+              <a:buFont typeface="Georgia"/>
+              <a:buChar char="▫"/>
+              <a:defRPr kumimoji="0" sz="1800" kern="1200">
+                <a:solidFill>
+                  <a:schemeClr val="accent3"/>
+                </a:solidFill>
+                <a:latin typeface="+mn-lt"/>
+                <a:ea typeface="+mn-ea"/>
+                <a:cs typeface="+mn-cs"/>
+              </a:defRPr>
+            </a:lvl6pPr>
+            <a:lvl7pPr marL="1828800" indent="-182880" algn="l" rtl="0" eaLnBrk="1" latinLnBrk="0" hangingPunct="1">
+              <a:spcBef>
+                <a:spcPts val="300"/>
+              </a:spcBef>
+              <a:buClr>
+                <a:schemeClr val="accent3"/>
+              </a:buClr>
+              <a:buFont typeface="Georgia"/>
+              <a:buChar char="▫"/>
+              <a:defRPr kumimoji="0" sz="1600" kern="1200">
+                <a:solidFill>
+                  <a:schemeClr val="accent3"/>
+                </a:solidFill>
+                <a:latin typeface="+mn-lt"/>
+                <a:ea typeface="+mn-ea"/>
+                <a:cs typeface="+mn-cs"/>
+              </a:defRPr>
+            </a:lvl7pPr>
+            <a:lvl8pPr marL="2029968" indent="-182880" algn="l" rtl="0" eaLnBrk="1" latinLnBrk="0" hangingPunct="1">
+              <a:spcBef>
+                <a:spcPts val="300"/>
+              </a:spcBef>
+              <a:buClr>
+                <a:schemeClr val="accent3"/>
+              </a:buClr>
+              <a:buFont typeface="Georgia"/>
+              <a:buChar char="◦"/>
+              <a:defRPr kumimoji="0" sz="1500" kern="1200">
+                <a:solidFill>
+                  <a:schemeClr val="accent3"/>
+                </a:solidFill>
+                <a:latin typeface="+mn-lt"/>
+                <a:ea typeface="+mn-ea"/>
+                <a:cs typeface="+mn-cs"/>
+              </a:defRPr>
+            </a:lvl8pPr>
+            <a:lvl9pPr marL="2240280" indent="-182880" algn="l" rtl="0" eaLnBrk="1" latinLnBrk="0" hangingPunct="1">
+              <a:spcBef>
+                <a:spcPts val="300"/>
+              </a:spcBef>
+              <a:buClr>
+                <a:schemeClr val="accent3"/>
+              </a:buClr>
+              <a:buFont typeface="Georgia"/>
+              <a:buChar char="◦"/>
+              <a:defRPr kumimoji="0" sz="1400" kern="1200" baseline="0">
+                <a:solidFill>
+                  <a:schemeClr val="accent3"/>
+                </a:solidFill>
+                <a:latin typeface="+mn-lt"/>
+                <a:ea typeface="+mn-ea"/>
+                <a:cs typeface="+mn-cs"/>
+              </a:defRPr>
+            </a:lvl9pPr>
+          </a:lstStyle>
+          <a:p>
+            <a:endParaRPr lang="de-DE" dirty="0"/>
+          </a:p>
+        </p:txBody>
+      </p:sp>
+      <p:sp>
+        <p:nvSpPr>
+          <p:cNvPr id="4" name="Inhaltsplatzhalter 2"/>
+          <p:cNvSpPr txBox="1">
+            <a:spLocks/>
+          </p:cNvSpPr>
+          <p:nvPr/>
+        </p:nvSpPr>
+        <p:spPr>
+          <a:xfrm>
+            <a:off x="609600" y="2401824"/>
+            <a:ext cx="8229600" cy="4325112"/>
+          </a:xfrm>
+          <a:prstGeom prst="rect">
+            <a:avLst/>
+          </a:prstGeom>
+        </p:spPr>
+        <p:txBody>
+          <a:bodyPr>
+            <a:normAutofit/>
+          </a:bodyPr>
+          <a:lstStyle>
+            <a:lvl1pPr marL="365760" indent="-256032" algn="l" rtl="0" eaLnBrk="1" latinLnBrk="0" hangingPunct="1">
+              <a:spcBef>
+                <a:spcPts val="300"/>
+              </a:spcBef>
+              <a:buClr>
+                <a:schemeClr val="accent3"/>
+              </a:buClr>
+              <a:buFont typeface="Georgia"/>
+              <a:buChar char="•"/>
+              <a:defRPr kumimoji="0" sz="2800" kern="1200">
+                <a:solidFill>
+                  <a:schemeClr val="tx1"/>
+                </a:solidFill>
+                <a:latin typeface="+mn-lt"/>
+                <a:ea typeface="+mn-ea"/>
+                <a:cs typeface="+mn-cs"/>
+              </a:defRPr>
+            </a:lvl1pPr>
+            <a:lvl2pPr marL="658368" indent="-246888" algn="l" rtl="0" eaLnBrk="1" latinLnBrk="0" hangingPunct="1">
+              <a:spcBef>
+                <a:spcPts val="300"/>
+              </a:spcBef>
+              <a:buClr>
+                <a:schemeClr val="accent2"/>
+              </a:buClr>
+              <a:buFont typeface="Georgia"/>
+              <a:buChar char="▫"/>
+              <a:defRPr kumimoji="0" sz="2600" kern="1200">
+                <a:solidFill>
+                  <a:schemeClr val="accent2"/>
+                </a:solidFill>
+                <a:latin typeface="+mn-lt"/>
+                <a:ea typeface="+mn-ea"/>
+                <a:cs typeface="+mn-cs"/>
+              </a:defRPr>
+            </a:lvl2pPr>
+            <a:lvl3pPr marL="923544" indent="-219456" algn="l" rtl="0" eaLnBrk="1" latinLnBrk="0" hangingPunct="1">
+              <a:spcBef>
+                <a:spcPts val="300"/>
+              </a:spcBef>
+              <a:buClr>
+                <a:schemeClr val="accent1"/>
+              </a:buClr>
+              <a:buFont typeface="Wingdings 2"/>
+              <a:buChar char=""/>
+              <a:defRPr kumimoji="0" sz="2400" kern="1200">
+                <a:solidFill>
+                  <a:schemeClr val="accent1"/>
+                </a:solidFill>
+                <a:latin typeface="+mn-lt"/>
+                <a:ea typeface="+mn-ea"/>
+                <a:cs typeface="+mn-cs"/>
+              </a:defRPr>
+            </a:lvl3pPr>
+            <a:lvl4pPr marL="1179576" indent="-201168" algn="l" rtl="0" eaLnBrk="1" latinLnBrk="0" hangingPunct="1">
+              <a:spcBef>
+                <a:spcPts val="300"/>
+              </a:spcBef>
+              <a:buClr>
+                <a:schemeClr val="accent1"/>
+              </a:buClr>
+              <a:buFont typeface="Wingdings 2"/>
+              <a:buChar char=""/>
+              <a:defRPr kumimoji="0" sz="2200" kern="1200">
+                <a:solidFill>
+                  <a:schemeClr val="accent1"/>
+                </a:solidFill>
+                <a:latin typeface="+mn-lt"/>
+                <a:ea typeface="+mn-ea"/>
+                <a:cs typeface="+mn-cs"/>
+              </a:defRPr>
+            </a:lvl4pPr>
+            <a:lvl5pPr marL="1389888" indent="-182880" algn="l" rtl="0" eaLnBrk="1" latinLnBrk="0" hangingPunct="1">
+              <a:spcBef>
+                <a:spcPts val="300"/>
+              </a:spcBef>
+              <a:buClr>
+                <a:schemeClr val="accent3"/>
+              </a:buClr>
+              <a:buFont typeface="Georgia"/>
+              <a:buChar char="▫"/>
+              <a:defRPr kumimoji="0" sz="2000" kern="1200">
+                <a:solidFill>
+                  <a:schemeClr val="accent3"/>
+                </a:solidFill>
+                <a:latin typeface="+mn-lt"/>
+                <a:ea typeface="+mn-ea"/>
+                <a:cs typeface="+mn-cs"/>
+              </a:defRPr>
+            </a:lvl5pPr>
+            <a:lvl6pPr marL="1609344" indent="-182880" algn="l" rtl="0" eaLnBrk="1" latinLnBrk="0" hangingPunct="1">
+              <a:spcBef>
+                <a:spcPts val="300"/>
+              </a:spcBef>
+              <a:buClr>
+                <a:schemeClr val="accent3"/>
+              </a:buClr>
+              <a:buFont typeface="Georgia"/>
+              <a:buChar char="▫"/>
+              <a:defRPr kumimoji="0" sz="1800" kern="1200">
+                <a:solidFill>
+                  <a:schemeClr val="accent3"/>
+                </a:solidFill>
+                <a:latin typeface="+mn-lt"/>
+                <a:ea typeface="+mn-ea"/>
+                <a:cs typeface="+mn-cs"/>
+              </a:defRPr>
+            </a:lvl6pPr>
+            <a:lvl7pPr marL="1828800" indent="-182880" algn="l" rtl="0" eaLnBrk="1" latinLnBrk="0" hangingPunct="1">
+              <a:spcBef>
+                <a:spcPts val="300"/>
+              </a:spcBef>
+              <a:buClr>
+                <a:schemeClr val="accent3"/>
+              </a:buClr>
+              <a:buFont typeface="Georgia"/>
+              <a:buChar char="▫"/>
+              <a:defRPr kumimoji="0" sz="1600" kern="1200">
+                <a:solidFill>
+                  <a:schemeClr val="accent3"/>
+                </a:solidFill>
+                <a:latin typeface="+mn-lt"/>
+                <a:ea typeface="+mn-ea"/>
+                <a:cs typeface="+mn-cs"/>
+              </a:defRPr>
+            </a:lvl7pPr>
+            <a:lvl8pPr marL="2029968" indent="-182880" algn="l" rtl="0" eaLnBrk="1" latinLnBrk="0" hangingPunct="1">
+              <a:spcBef>
+                <a:spcPts val="300"/>
+              </a:spcBef>
+              <a:buClr>
+                <a:schemeClr val="accent3"/>
+              </a:buClr>
+              <a:buFont typeface="Georgia"/>
+              <a:buChar char="◦"/>
+              <a:defRPr kumimoji="0" sz="1500" kern="1200">
+                <a:solidFill>
+                  <a:schemeClr val="accent3"/>
+                </a:solidFill>
+                <a:latin typeface="+mn-lt"/>
+                <a:ea typeface="+mn-ea"/>
+                <a:cs typeface="+mn-cs"/>
+              </a:defRPr>
+            </a:lvl8pPr>
+            <a:lvl9pPr marL="2240280" indent="-182880" algn="l" rtl="0" eaLnBrk="1" latinLnBrk="0" hangingPunct="1">
+              <a:spcBef>
+                <a:spcPts val="300"/>
+              </a:spcBef>
+              <a:buClr>
+                <a:schemeClr val="accent3"/>
+              </a:buClr>
+              <a:buFont typeface="Georgia"/>
+              <a:buChar char="◦"/>
+              <a:defRPr kumimoji="0" sz="1400" kern="1200" baseline="0">
+                <a:solidFill>
+                  <a:schemeClr val="accent3"/>
+                </a:solidFill>
+                <a:latin typeface="+mn-lt"/>
+                <a:ea typeface="+mn-ea"/>
+                <a:cs typeface="+mn-cs"/>
+              </a:defRPr>
+            </a:lvl9pPr>
+          </a:lstStyle>
+          <a:p>
+            <a:r>
+              <a:rPr lang="de-DE" dirty="0" smtClean="0"/>
+              <a:t>Datenstruktur</a:t>
             </a:r>
           </a:p>
           <a:p>
             <a:pPr lvl="1"/>
             <a:r>
               <a:rPr lang="de-DE" dirty="0" smtClean="0"/>
-              <a:t>Danach kann es jederzeit wieder geändert werden</a:t>
+              <a:t>Keine Redundanzen</a:t>
+            </a:r>
+          </a:p>
+          <a:p>
+            <a:pPr lvl="1"/>
+            <a:r>
+              <a:rPr lang="de-DE" dirty="0" smtClean="0"/>
+              <a:t>Multiplizitäten</a:t>
             </a:r>
             <a:endParaRPr lang="de-DE" dirty="0"/>
           </a:p>
@@ -7913,20 +10416,13 @@
     </p:spTree>
     <p:extLst>
       <p:ext uri="{BB962C8B-B14F-4D97-AF65-F5344CB8AC3E}">
-        <p14:creationId xmlns:p14="http://schemas.microsoft.com/office/powerpoint/2010/main" val="2367586276"/>
+        <p14:creationId xmlns:p14="http://schemas.microsoft.com/office/powerpoint/2010/main" val="2447740237"/>
       </p:ext>
     </p:extLst>
   </p:cSld>
   <p:clrMapOvr>
     <a:masterClrMapping/>
   </p:clrMapOvr>
-  <p:timing>
-    <p:tnLst>
-      <p:par>
-        <p:cTn id="1" dur="indefinite" restart="never" nodeType="tmRoot"/>
-      </p:par>
-    </p:tnLst>
-  </p:timing>
 </p:sld>
 </file>
 

--- a/Projektmanagement/Abschlusspräsentation.pptx
+++ b/Projektmanagement/Abschlusspräsentation.pptx
@@ -5,42 +5,44 @@
     <p:sldMasterId id="2147483828" r:id="rId1"/>
   </p:sldMasterIdLst>
   <p:notesMasterIdLst>
-    <p:notesMasterId r:id="rId32"/>
+    <p:notesMasterId r:id="rId34"/>
   </p:notesMasterIdLst>
   <p:handoutMasterIdLst>
-    <p:handoutMasterId r:id="rId33"/>
+    <p:handoutMasterId r:id="rId35"/>
   </p:handoutMasterIdLst>
   <p:sldIdLst>
     <p:sldId id="256" r:id="rId2"/>
     <p:sldId id="257" r:id="rId3"/>
-    <p:sldId id="274" r:id="rId4"/>
-    <p:sldId id="259" r:id="rId5"/>
-    <p:sldId id="280" r:id="rId6"/>
-    <p:sldId id="279" r:id="rId7"/>
-    <p:sldId id="283" r:id="rId8"/>
-    <p:sldId id="284" r:id="rId9"/>
-    <p:sldId id="285" r:id="rId10"/>
-    <p:sldId id="286" r:id="rId11"/>
-    <p:sldId id="290" r:id="rId12"/>
-    <p:sldId id="282" r:id="rId13"/>
-    <p:sldId id="288" r:id="rId14"/>
-    <p:sldId id="287" r:id="rId15"/>
-    <p:sldId id="281" r:id="rId16"/>
-    <p:sldId id="263" r:id="rId17"/>
-    <p:sldId id="272" r:id="rId18"/>
-    <p:sldId id="278" r:id="rId19"/>
-    <p:sldId id="260" r:id="rId20"/>
-    <p:sldId id="261" r:id="rId21"/>
-    <p:sldId id="275" r:id="rId22"/>
-    <p:sldId id="276" r:id="rId23"/>
-    <p:sldId id="265" r:id="rId24"/>
-    <p:sldId id="269" r:id="rId25"/>
-    <p:sldId id="266" r:id="rId26"/>
-    <p:sldId id="270" r:id="rId27"/>
-    <p:sldId id="267" r:id="rId28"/>
-    <p:sldId id="268" r:id="rId29"/>
-    <p:sldId id="271" r:id="rId30"/>
-    <p:sldId id="273" r:id="rId31"/>
+    <p:sldId id="291" r:id="rId4"/>
+    <p:sldId id="274" r:id="rId5"/>
+    <p:sldId id="292" r:id="rId6"/>
+    <p:sldId id="259" r:id="rId7"/>
+    <p:sldId id="280" r:id="rId8"/>
+    <p:sldId id="279" r:id="rId9"/>
+    <p:sldId id="283" r:id="rId10"/>
+    <p:sldId id="284" r:id="rId11"/>
+    <p:sldId id="285" r:id="rId12"/>
+    <p:sldId id="286" r:id="rId13"/>
+    <p:sldId id="290" r:id="rId14"/>
+    <p:sldId id="282" r:id="rId15"/>
+    <p:sldId id="288" r:id="rId16"/>
+    <p:sldId id="287" r:id="rId17"/>
+    <p:sldId id="281" r:id="rId18"/>
+    <p:sldId id="263" r:id="rId19"/>
+    <p:sldId id="272" r:id="rId20"/>
+    <p:sldId id="278" r:id="rId21"/>
+    <p:sldId id="260" r:id="rId22"/>
+    <p:sldId id="261" r:id="rId23"/>
+    <p:sldId id="275" r:id="rId24"/>
+    <p:sldId id="276" r:id="rId25"/>
+    <p:sldId id="265" r:id="rId26"/>
+    <p:sldId id="269" r:id="rId27"/>
+    <p:sldId id="266" r:id="rId28"/>
+    <p:sldId id="270" r:id="rId29"/>
+    <p:sldId id="267" r:id="rId30"/>
+    <p:sldId id="268" r:id="rId31"/>
+    <p:sldId id="271" r:id="rId32"/>
+    <p:sldId id="273" r:id="rId33"/>
   </p:sldIdLst>
   <p:sldSz cx="9144000" cy="6858000" type="screen4x3"/>
   <p:notesSz cx="6858000" cy="9144000"/>
@@ -776,7 +778,7 @@
           <a:p>
             <a:fld id="{72841C41-988A-40D2-BD42-D850E09ED2B7}" type="slidenum">
               <a:rPr lang="de-DE" smtClean="0"/>
-              <a:t>3</a:t>
+              <a:t>4</a:t>
             </a:fld>
             <a:endParaRPr lang="de-DE"/>
           </a:p>
@@ -860,7 +862,7 @@
           <a:p>
             <a:fld id="{72841C41-988A-40D2-BD42-D850E09ED2B7}" type="slidenum">
               <a:rPr lang="de-DE" smtClean="0"/>
-              <a:t>14</a:t>
+              <a:t>16</a:t>
             </a:fld>
             <a:endParaRPr lang="de-DE"/>
           </a:p>
@@ -944,7 +946,7 @@
           <a:p>
             <a:fld id="{72841C41-988A-40D2-BD42-D850E09ED2B7}" type="slidenum">
               <a:rPr lang="de-DE" smtClean="0"/>
-              <a:t>30</a:t>
+              <a:t>32</a:t>
             </a:fld>
             <a:endParaRPr lang="de-DE"/>
           </a:p>
@@ -5077,7 +5079,7 @@
           <a:p>
             <a:r>
               <a:rPr lang="de-DE" dirty="0" smtClean="0"/>
-              <a:t>Architektur</a:t>
+              <a:t>Controller</a:t>
             </a:r>
             <a:endParaRPr lang="de-DE" dirty="0"/>
           </a:p>
@@ -5269,15 +5271,205 @@
             </a:lvl9pPr>
           </a:lstStyle>
           <a:p>
-            <a:r>
-              <a:rPr lang="de-DE" dirty="0" smtClean="0"/>
-              <a:t>Definition Schnittstellen</a:t>
-            </a:r>
-          </a:p>
-          <a:p>
-            <a:r>
-              <a:rPr lang="de-DE" dirty="0" smtClean="0"/>
-              <a:t>Aufwand bei Programmierung reduziert</a:t>
+            <a:endParaRPr lang="de-DE" dirty="0"/>
+          </a:p>
+        </p:txBody>
+      </p:sp>
+      <p:sp>
+        <p:nvSpPr>
+          <p:cNvPr id="4" name="Inhaltsplatzhalter 2"/>
+          <p:cNvSpPr txBox="1">
+            <a:spLocks/>
+          </p:cNvSpPr>
+          <p:nvPr/>
+        </p:nvSpPr>
+        <p:spPr>
+          <a:xfrm>
+            <a:off x="609600" y="2401824"/>
+            <a:ext cx="8229600" cy="4325112"/>
+          </a:xfrm>
+          <a:prstGeom prst="rect">
+            <a:avLst/>
+          </a:prstGeom>
+        </p:spPr>
+        <p:txBody>
+          <a:bodyPr>
+            <a:normAutofit/>
+          </a:bodyPr>
+          <a:lstStyle>
+            <a:lvl1pPr marL="365760" indent="-256032" algn="l" rtl="0" eaLnBrk="1" latinLnBrk="0" hangingPunct="1">
+              <a:spcBef>
+                <a:spcPts val="300"/>
+              </a:spcBef>
+              <a:buClr>
+                <a:schemeClr val="accent3"/>
+              </a:buClr>
+              <a:buFont typeface="Georgia"/>
+              <a:buChar char="•"/>
+              <a:defRPr kumimoji="0" sz="2800" kern="1200">
+                <a:solidFill>
+                  <a:schemeClr val="tx1"/>
+                </a:solidFill>
+                <a:latin typeface="+mn-lt"/>
+                <a:ea typeface="+mn-ea"/>
+                <a:cs typeface="+mn-cs"/>
+              </a:defRPr>
+            </a:lvl1pPr>
+            <a:lvl2pPr marL="658368" indent="-246888" algn="l" rtl="0" eaLnBrk="1" latinLnBrk="0" hangingPunct="1">
+              <a:spcBef>
+                <a:spcPts val="300"/>
+              </a:spcBef>
+              <a:buClr>
+                <a:schemeClr val="accent2"/>
+              </a:buClr>
+              <a:buFont typeface="Georgia"/>
+              <a:buChar char="▫"/>
+              <a:defRPr kumimoji="0" sz="2600" kern="1200">
+                <a:solidFill>
+                  <a:schemeClr val="accent2"/>
+                </a:solidFill>
+                <a:latin typeface="+mn-lt"/>
+                <a:ea typeface="+mn-ea"/>
+                <a:cs typeface="+mn-cs"/>
+              </a:defRPr>
+            </a:lvl2pPr>
+            <a:lvl3pPr marL="923544" indent="-219456" algn="l" rtl="0" eaLnBrk="1" latinLnBrk="0" hangingPunct="1">
+              <a:spcBef>
+                <a:spcPts val="300"/>
+              </a:spcBef>
+              <a:buClr>
+                <a:schemeClr val="accent1"/>
+              </a:buClr>
+              <a:buFont typeface="Wingdings 2"/>
+              <a:buChar char=""/>
+              <a:defRPr kumimoji="0" sz="2400" kern="1200">
+                <a:solidFill>
+                  <a:schemeClr val="accent1"/>
+                </a:solidFill>
+                <a:latin typeface="+mn-lt"/>
+                <a:ea typeface="+mn-ea"/>
+                <a:cs typeface="+mn-cs"/>
+              </a:defRPr>
+            </a:lvl3pPr>
+            <a:lvl4pPr marL="1179576" indent="-201168" algn="l" rtl="0" eaLnBrk="1" latinLnBrk="0" hangingPunct="1">
+              <a:spcBef>
+                <a:spcPts val="300"/>
+              </a:spcBef>
+              <a:buClr>
+                <a:schemeClr val="accent1"/>
+              </a:buClr>
+              <a:buFont typeface="Wingdings 2"/>
+              <a:buChar char=""/>
+              <a:defRPr kumimoji="0" sz="2200" kern="1200">
+                <a:solidFill>
+                  <a:schemeClr val="accent1"/>
+                </a:solidFill>
+                <a:latin typeface="+mn-lt"/>
+                <a:ea typeface="+mn-ea"/>
+                <a:cs typeface="+mn-cs"/>
+              </a:defRPr>
+            </a:lvl4pPr>
+            <a:lvl5pPr marL="1389888" indent="-182880" algn="l" rtl="0" eaLnBrk="1" latinLnBrk="0" hangingPunct="1">
+              <a:spcBef>
+                <a:spcPts val="300"/>
+              </a:spcBef>
+              <a:buClr>
+                <a:schemeClr val="accent3"/>
+              </a:buClr>
+              <a:buFont typeface="Georgia"/>
+              <a:buChar char="▫"/>
+              <a:defRPr kumimoji="0" sz="2000" kern="1200">
+                <a:solidFill>
+                  <a:schemeClr val="accent3"/>
+                </a:solidFill>
+                <a:latin typeface="+mn-lt"/>
+                <a:ea typeface="+mn-ea"/>
+                <a:cs typeface="+mn-cs"/>
+              </a:defRPr>
+            </a:lvl5pPr>
+            <a:lvl6pPr marL="1609344" indent="-182880" algn="l" rtl="0" eaLnBrk="1" latinLnBrk="0" hangingPunct="1">
+              <a:spcBef>
+                <a:spcPts val="300"/>
+              </a:spcBef>
+              <a:buClr>
+                <a:schemeClr val="accent3"/>
+              </a:buClr>
+              <a:buFont typeface="Georgia"/>
+              <a:buChar char="▫"/>
+              <a:defRPr kumimoji="0" sz="1800" kern="1200">
+                <a:solidFill>
+                  <a:schemeClr val="accent3"/>
+                </a:solidFill>
+                <a:latin typeface="+mn-lt"/>
+                <a:ea typeface="+mn-ea"/>
+                <a:cs typeface="+mn-cs"/>
+              </a:defRPr>
+            </a:lvl6pPr>
+            <a:lvl7pPr marL="1828800" indent="-182880" algn="l" rtl="0" eaLnBrk="1" latinLnBrk="0" hangingPunct="1">
+              <a:spcBef>
+                <a:spcPts val="300"/>
+              </a:spcBef>
+              <a:buClr>
+                <a:schemeClr val="accent3"/>
+              </a:buClr>
+              <a:buFont typeface="Georgia"/>
+              <a:buChar char="▫"/>
+              <a:defRPr kumimoji="0" sz="1600" kern="1200">
+                <a:solidFill>
+                  <a:schemeClr val="accent3"/>
+                </a:solidFill>
+                <a:latin typeface="+mn-lt"/>
+                <a:ea typeface="+mn-ea"/>
+                <a:cs typeface="+mn-cs"/>
+              </a:defRPr>
+            </a:lvl7pPr>
+            <a:lvl8pPr marL="2029968" indent="-182880" algn="l" rtl="0" eaLnBrk="1" latinLnBrk="0" hangingPunct="1">
+              <a:spcBef>
+                <a:spcPts val="300"/>
+              </a:spcBef>
+              <a:buClr>
+                <a:schemeClr val="accent3"/>
+              </a:buClr>
+              <a:buFont typeface="Georgia"/>
+              <a:buChar char="◦"/>
+              <a:defRPr kumimoji="0" sz="1500" kern="1200">
+                <a:solidFill>
+                  <a:schemeClr val="accent3"/>
+                </a:solidFill>
+                <a:latin typeface="+mn-lt"/>
+                <a:ea typeface="+mn-ea"/>
+                <a:cs typeface="+mn-cs"/>
+              </a:defRPr>
+            </a:lvl8pPr>
+            <a:lvl9pPr marL="2240280" indent="-182880" algn="l" rtl="0" eaLnBrk="1" latinLnBrk="0" hangingPunct="1">
+              <a:spcBef>
+                <a:spcPts val="300"/>
+              </a:spcBef>
+              <a:buClr>
+                <a:schemeClr val="accent3"/>
+              </a:buClr>
+              <a:buFont typeface="Georgia"/>
+              <a:buChar char="◦"/>
+              <a:defRPr kumimoji="0" sz="1400" kern="1200" baseline="0">
+                <a:solidFill>
+                  <a:schemeClr val="accent3"/>
+                </a:solidFill>
+                <a:latin typeface="+mn-lt"/>
+                <a:ea typeface="+mn-ea"/>
+                <a:cs typeface="+mn-cs"/>
+              </a:defRPr>
+            </a:lvl9pPr>
+          </a:lstStyle>
+          <a:p>
+            <a:r>
+              <a:rPr lang="de-DE" dirty="0" smtClean="0"/>
+              <a:t>Verbindung von Oberfläche mit Datenbank</a:t>
+            </a:r>
+          </a:p>
+          <a:p>
+            <a:r>
+              <a:rPr lang="de-DE" dirty="0" smtClean="0"/>
+              <a:t>Verarbeitungslogik</a:t>
             </a:r>
             <a:endParaRPr lang="de-DE" dirty="0"/>
           </a:p>
@@ -5286,7 +5478,7 @@
     </p:spTree>
     <p:extLst>
       <p:ext uri="{BB962C8B-B14F-4D97-AF65-F5344CB8AC3E}">
-        <p14:creationId xmlns:p14="http://schemas.microsoft.com/office/powerpoint/2010/main" val="3159283490"/>
+        <p14:creationId xmlns:p14="http://schemas.microsoft.com/office/powerpoint/2010/main" val="1944802853"/>
       </p:ext>
     </p:extLst>
   </p:cSld>
@@ -5330,6 +5522,710 @@
           <a:p>
             <a:r>
               <a:rPr lang="de-DE" dirty="0" smtClean="0"/>
+              <a:t>Model</a:t>
+            </a:r>
+            <a:endParaRPr lang="de-DE" dirty="0"/>
+          </a:p>
+        </p:txBody>
+      </p:sp>
+      <p:sp>
+        <p:nvSpPr>
+          <p:cNvPr id="3" name="Inhaltsplatzhalter 2"/>
+          <p:cNvSpPr txBox="1">
+            <a:spLocks/>
+          </p:cNvSpPr>
+          <p:nvPr/>
+        </p:nvSpPr>
+        <p:spPr>
+          <a:xfrm>
+            <a:off x="457200" y="2249424"/>
+            <a:ext cx="8229600" cy="4325112"/>
+          </a:xfrm>
+          <a:prstGeom prst="rect">
+            <a:avLst/>
+          </a:prstGeom>
+        </p:spPr>
+        <p:txBody>
+          <a:bodyPr>
+            <a:normAutofit/>
+          </a:bodyPr>
+          <a:lstStyle>
+            <a:lvl1pPr marL="365760" indent="-256032" algn="l" rtl="0" eaLnBrk="1" latinLnBrk="0" hangingPunct="1">
+              <a:spcBef>
+                <a:spcPts val="300"/>
+              </a:spcBef>
+              <a:buClr>
+                <a:schemeClr val="accent3"/>
+              </a:buClr>
+              <a:buFont typeface="Georgia"/>
+              <a:buChar char="•"/>
+              <a:defRPr kumimoji="0" sz="2800" kern="1200">
+                <a:solidFill>
+                  <a:schemeClr val="tx1"/>
+                </a:solidFill>
+                <a:latin typeface="+mn-lt"/>
+                <a:ea typeface="+mn-ea"/>
+                <a:cs typeface="+mn-cs"/>
+              </a:defRPr>
+            </a:lvl1pPr>
+            <a:lvl2pPr marL="658368" indent="-246888" algn="l" rtl="0" eaLnBrk="1" latinLnBrk="0" hangingPunct="1">
+              <a:spcBef>
+                <a:spcPts val="300"/>
+              </a:spcBef>
+              <a:buClr>
+                <a:schemeClr val="accent2"/>
+              </a:buClr>
+              <a:buFont typeface="Georgia"/>
+              <a:buChar char="▫"/>
+              <a:defRPr kumimoji="0" sz="2600" kern="1200">
+                <a:solidFill>
+                  <a:schemeClr val="accent2"/>
+                </a:solidFill>
+                <a:latin typeface="+mn-lt"/>
+                <a:ea typeface="+mn-ea"/>
+                <a:cs typeface="+mn-cs"/>
+              </a:defRPr>
+            </a:lvl2pPr>
+            <a:lvl3pPr marL="923544" indent="-219456" algn="l" rtl="0" eaLnBrk="1" latinLnBrk="0" hangingPunct="1">
+              <a:spcBef>
+                <a:spcPts val="300"/>
+              </a:spcBef>
+              <a:buClr>
+                <a:schemeClr val="accent1"/>
+              </a:buClr>
+              <a:buFont typeface="Wingdings 2"/>
+              <a:buChar char=""/>
+              <a:defRPr kumimoji="0" sz="2400" kern="1200">
+                <a:solidFill>
+                  <a:schemeClr val="accent1"/>
+                </a:solidFill>
+                <a:latin typeface="+mn-lt"/>
+                <a:ea typeface="+mn-ea"/>
+                <a:cs typeface="+mn-cs"/>
+              </a:defRPr>
+            </a:lvl3pPr>
+            <a:lvl4pPr marL="1179576" indent="-201168" algn="l" rtl="0" eaLnBrk="1" latinLnBrk="0" hangingPunct="1">
+              <a:spcBef>
+                <a:spcPts val="300"/>
+              </a:spcBef>
+              <a:buClr>
+                <a:schemeClr val="accent1"/>
+              </a:buClr>
+              <a:buFont typeface="Wingdings 2"/>
+              <a:buChar char=""/>
+              <a:defRPr kumimoji="0" sz="2200" kern="1200">
+                <a:solidFill>
+                  <a:schemeClr val="accent1"/>
+                </a:solidFill>
+                <a:latin typeface="+mn-lt"/>
+                <a:ea typeface="+mn-ea"/>
+                <a:cs typeface="+mn-cs"/>
+              </a:defRPr>
+            </a:lvl4pPr>
+            <a:lvl5pPr marL="1389888" indent="-182880" algn="l" rtl="0" eaLnBrk="1" latinLnBrk="0" hangingPunct="1">
+              <a:spcBef>
+                <a:spcPts val="300"/>
+              </a:spcBef>
+              <a:buClr>
+                <a:schemeClr val="accent3"/>
+              </a:buClr>
+              <a:buFont typeface="Georgia"/>
+              <a:buChar char="▫"/>
+              <a:defRPr kumimoji="0" sz="2000" kern="1200">
+                <a:solidFill>
+                  <a:schemeClr val="accent3"/>
+                </a:solidFill>
+                <a:latin typeface="+mn-lt"/>
+                <a:ea typeface="+mn-ea"/>
+                <a:cs typeface="+mn-cs"/>
+              </a:defRPr>
+            </a:lvl5pPr>
+            <a:lvl6pPr marL="1609344" indent="-182880" algn="l" rtl="0" eaLnBrk="1" latinLnBrk="0" hangingPunct="1">
+              <a:spcBef>
+                <a:spcPts val="300"/>
+              </a:spcBef>
+              <a:buClr>
+                <a:schemeClr val="accent3"/>
+              </a:buClr>
+              <a:buFont typeface="Georgia"/>
+              <a:buChar char="▫"/>
+              <a:defRPr kumimoji="0" sz="1800" kern="1200">
+                <a:solidFill>
+                  <a:schemeClr val="accent3"/>
+                </a:solidFill>
+                <a:latin typeface="+mn-lt"/>
+                <a:ea typeface="+mn-ea"/>
+                <a:cs typeface="+mn-cs"/>
+              </a:defRPr>
+            </a:lvl6pPr>
+            <a:lvl7pPr marL="1828800" indent="-182880" algn="l" rtl="0" eaLnBrk="1" latinLnBrk="0" hangingPunct="1">
+              <a:spcBef>
+                <a:spcPts val="300"/>
+              </a:spcBef>
+              <a:buClr>
+                <a:schemeClr val="accent3"/>
+              </a:buClr>
+              <a:buFont typeface="Georgia"/>
+              <a:buChar char="▫"/>
+              <a:defRPr kumimoji="0" sz="1600" kern="1200">
+                <a:solidFill>
+                  <a:schemeClr val="accent3"/>
+                </a:solidFill>
+                <a:latin typeface="+mn-lt"/>
+                <a:ea typeface="+mn-ea"/>
+                <a:cs typeface="+mn-cs"/>
+              </a:defRPr>
+            </a:lvl7pPr>
+            <a:lvl8pPr marL="2029968" indent="-182880" algn="l" rtl="0" eaLnBrk="1" latinLnBrk="0" hangingPunct="1">
+              <a:spcBef>
+                <a:spcPts val="300"/>
+              </a:spcBef>
+              <a:buClr>
+                <a:schemeClr val="accent3"/>
+              </a:buClr>
+              <a:buFont typeface="Georgia"/>
+              <a:buChar char="◦"/>
+              <a:defRPr kumimoji="0" sz="1500" kern="1200">
+                <a:solidFill>
+                  <a:schemeClr val="accent3"/>
+                </a:solidFill>
+                <a:latin typeface="+mn-lt"/>
+                <a:ea typeface="+mn-ea"/>
+                <a:cs typeface="+mn-cs"/>
+              </a:defRPr>
+            </a:lvl8pPr>
+            <a:lvl9pPr marL="2240280" indent="-182880" algn="l" rtl="0" eaLnBrk="1" latinLnBrk="0" hangingPunct="1">
+              <a:spcBef>
+                <a:spcPts val="300"/>
+              </a:spcBef>
+              <a:buClr>
+                <a:schemeClr val="accent3"/>
+              </a:buClr>
+              <a:buFont typeface="Georgia"/>
+              <a:buChar char="◦"/>
+              <a:defRPr kumimoji="0" sz="1400" kern="1200" baseline="0">
+                <a:solidFill>
+                  <a:schemeClr val="accent3"/>
+                </a:solidFill>
+                <a:latin typeface="+mn-lt"/>
+                <a:ea typeface="+mn-ea"/>
+                <a:cs typeface="+mn-cs"/>
+              </a:defRPr>
+            </a:lvl9pPr>
+          </a:lstStyle>
+          <a:p>
+            <a:endParaRPr lang="de-DE" dirty="0"/>
+          </a:p>
+        </p:txBody>
+      </p:sp>
+      <p:sp>
+        <p:nvSpPr>
+          <p:cNvPr id="4" name="Inhaltsplatzhalter 2"/>
+          <p:cNvSpPr txBox="1">
+            <a:spLocks/>
+          </p:cNvSpPr>
+          <p:nvPr/>
+        </p:nvSpPr>
+        <p:spPr>
+          <a:xfrm>
+            <a:off x="609600" y="2401824"/>
+            <a:ext cx="8229600" cy="4325112"/>
+          </a:xfrm>
+          <a:prstGeom prst="rect">
+            <a:avLst/>
+          </a:prstGeom>
+        </p:spPr>
+        <p:txBody>
+          <a:bodyPr>
+            <a:normAutofit/>
+          </a:bodyPr>
+          <a:lstStyle>
+            <a:lvl1pPr marL="365760" indent="-256032" algn="l" rtl="0" eaLnBrk="1" latinLnBrk="0" hangingPunct="1">
+              <a:spcBef>
+                <a:spcPts val="300"/>
+              </a:spcBef>
+              <a:buClr>
+                <a:schemeClr val="accent3"/>
+              </a:buClr>
+              <a:buFont typeface="Georgia"/>
+              <a:buChar char="•"/>
+              <a:defRPr kumimoji="0" sz="2800" kern="1200">
+                <a:solidFill>
+                  <a:schemeClr val="tx1"/>
+                </a:solidFill>
+                <a:latin typeface="+mn-lt"/>
+                <a:ea typeface="+mn-ea"/>
+                <a:cs typeface="+mn-cs"/>
+              </a:defRPr>
+            </a:lvl1pPr>
+            <a:lvl2pPr marL="658368" indent="-246888" algn="l" rtl="0" eaLnBrk="1" latinLnBrk="0" hangingPunct="1">
+              <a:spcBef>
+                <a:spcPts val="300"/>
+              </a:spcBef>
+              <a:buClr>
+                <a:schemeClr val="accent2"/>
+              </a:buClr>
+              <a:buFont typeface="Georgia"/>
+              <a:buChar char="▫"/>
+              <a:defRPr kumimoji="0" sz="2600" kern="1200">
+                <a:solidFill>
+                  <a:schemeClr val="accent2"/>
+                </a:solidFill>
+                <a:latin typeface="+mn-lt"/>
+                <a:ea typeface="+mn-ea"/>
+                <a:cs typeface="+mn-cs"/>
+              </a:defRPr>
+            </a:lvl2pPr>
+            <a:lvl3pPr marL="923544" indent="-219456" algn="l" rtl="0" eaLnBrk="1" latinLnBrk="0" hangingPunct="1">
+              <a:spcBef>
+                <a:spcPts val="300"/>
+              </a:spcBef>
+              <a:buClr>
+                <a:schemeClr val="accent1"/>
+              </a:buClr>
+              <a:buFont typeface="Wingdings 2"/>
+              <a:buChar char=""/>
+              <a:defRPr kumimoji="0" sz="2400" kern="1200">
+                <a:solidFill>
+                  <a:schemeClr val="accent1"/>
+                </a:solidFill>
+                <a:latin typeface="+mn-lt"/>
+                <a:ea typeface="+mn-ea"/>
+                <a:cs typeface="+mn-cs"/>
+              </a:defRPr>
+            </a:lvl3pPr>
+            <a:lvl4pPr marL="1179576" indent="-201168" algn="l" rtl="0" eaLnBrk="1" latinLnBrk="0" hangingPunct="1">
+              <a:spcBef>
+                <a:spcPts val="300"/>
+              </a:spcBef>
+              <a:buClr>
+                <a:schemeClr val="accent1"/>
+              </a:buClr>
+              <a:buFont typeface="Wingdings 2"/>
+              <a:buChar char=""/>
+              <a:defRPr kumimoji="0" sz="2200" kern="1200">
+                <a:solidFill>
+                  <a:schemeClr val="accent1"/>
+                </a:solidFill>
+                <a:latin typeface="+mn-lt"/>
+                <a:ea typeface="+mn-ea"/>
+                <a:cs typeface="+mn-cs"/>
+              </a:defRPr>
+            </a:lvl4pPr>
+            <a:lvl5pPr marL="1389888" indent="-182880" algn="l" rtl="0" eaLnBrk="1" latinLnBrk="0" hangingPunct="1">
+              <a:spcBef>
+                <a:spcPts val="300"/>
+              </a:spcBef>
+              <a:buClr>
+                <a:schemeClr val="accent3"/>
+              </a:buClr>
+              <a:buFont typeface="Georgia"/>
+              <a:buChar char="▫"/>
+              <a:defRPr kumimoji="0" sz="2000" kern="1200">
+                <a:solidFill>
+                  <a:schemeClr val="accent3"/>
+                </a:solidFill>
+                <a:latin typeface="+mn-lt"/>
+                <a:ea typeface="+mn-ea"/>
+                <a:cs typeface="+mn-cs"/>
+              </a:defRPr>
+            </a:lvl5pPr>
+            <a:lvl6pPr marL="1609344" indent="-182880" algn="l" rtl="0" eaLnBrk="1" latinLnBrk="0" hangingPunct="1">
+              <a:spcBef>
+                <a:spcPts val="300"/>
+              </a:spcBef>
+              <a:buClr>
+                <a:schemeClr val="accent3"/>
+              </a:buClr>
+              <a:buFont typeface="Georgia"/>
+              <a:buChar char="▫"/>
+              <a:defRPr kumimoji="0" sz="1800" kern="1200">
+                <a:solidFill>
+                  <a:schemeClr val="accent3"/>
+                </a:solidFill>
+                <a:latin typeface="+mn-lt"/>
+                <a:ea typeface="+mn-ea"/>
+                <a:cs typeface="+mn-cs"/>
+              </a:defRPr>
+            </a:lvl6pPr>
+            <a:lvl7pPr marL="1828800" indent="-182880" algn="l" rtl="0" eaLnBrk="1" latinLnBrk="0" hangingPunct="1">
+              <a:spcBef>
+                <a:spcPts val="300"/>
+              </a:spcBef>
+              <a:buClr>
+                <a:schemeClr val="accent3"/>
+              </a:buClr>
+              <a:buFont typeface="Georgia"/>
+              <a:buChar char="▫"/>
+              <a:defRPr kumimoji="0" sz="1600" kern="1200">
+                <a:solidFill>
+                  <a:schemeClr val="accent3"/>
+                </a:solidFill>
+                <a:latin typeface="+mn-lt"/>
+                <a:ea typeface="+mn-ea"/>
+                <a:cs typeface="+mn-cs"/>
+              </a:defRPr>
+            </a:lvl7pPr>
+            <a:lvl8pPr marL="2029968" indent="-182880" algn="l" rtl="0" eaLnBrk="1" latinLnBrk="0" hangingPunct="1">
+              <a:spcBef>
+                <a:spcPts val="300"/>
+              </a:spcBef>
+              <a:buClr>
+                <a:schemeClr val="accent3"/>
+              </a:buClr>
+              <a:buFont typeface="Georgia"/>
+              <a:buChar char="◦"/>
+              <a:defRPr kumimoji="0" sz="1500" kern="1200">
+                <a:solidFill>
+                  <a:schemeClr val="accent3"/>
+                </a:solidFill>
+                <a:latin typeface="+mn-lt"/>
+                <a:ea typeface="+mn-ea"/>
+                <a:cs typeface="+mn-cs"/>
+              </a:defRPr>
+            </a:lvl8pPr>
+            <a:lvl9pPr marL="2240280" indent="-182880" algn="l" rtl="0" eaLnBrk="1" latinLnBrk="0" hangingPunct="1">
+              <a:spcBef>
+                <a:spcPts val="300"/>
+              </a:spcBef>
+              <a:buClr>
+                <a:schemeClr val="accent3"/>
+              </a:buClr>
+              <a:buFont typeface="Georgia"/>
+              <a:buChar char="◦"/>
+              <a:defRPr kumimoji="0" sz="1400" kern="1200" baseline="0">
+                <a:solidFill>
+                  <a:schemeClr val="accent3"/>
+                </a:solidFill>
+                <a:latin typeface="+mn-lt"/>
+                <a:ea typeface="+mn-ea"/>
+                <a:cs typeface="+mn-cs"/>
+              </a:defRPr>
+            </a:lvl9pPr>
+          </a:lstStyle>
+          <a:p>
+            <a:r>
+              <a:rPr lang="de-DE" dirty="0" smtClean="0"/>
+              <a:t>Datenstruktur</a:t>
+            </a:r>
+          </a:p>
+          <a:p>
+            <a:pPr lvl="1"/>
+            <a:r>
+              <a:rPr lang="de-DE" dirty="0" smtClean="0"/>
+              <a:t>Keine Redundanzen</a:t>
+            </a:r>
+          </a:p>
+          <a:p>
+            <a:pPr lvl="1"/>
+            <a:r>
+              <a:rPr lang="de-DE" dirty="0" smtClean="0"/>
+              <a:t>Multiplizitäten</a:t>
+            </a:r>
+            <a:endParaRPr lang="de-DE" dirty="0"/>
+          </a:p>
+        </p:txBody>
+      </p:sp>
+    </p:spTree>
+    <p:extLst>
+      <p:ext uri="{BB962C8B-B14F-4D97-AF65-F5344CB8AC3E}">
+        <p14:creationId xmlns:p14="http://schemas.microsoft.com/office/powerpoint/2010/main" val="2447740237"/>
+      </p:ext>
+    </p:extLst>
+  </p:cSld>
+  <p:clrMapOvr>
+    <a:masterClrMapping/>
+  </p:clrMapOvr>
+</p:sld>
+</file>
+
+<file path=ppt/slides/slide12.xml><?xml version="1.0" encoding="utf-8"?>
+<p:sld xmlns:a="http://schemas.openxmlformats.org/drawingml/2006/main" xmlns:r="http://schemas.openxmlformats.org/officeDocument/2006/relationships" xmlns:p="http://schemas.openxmlformats.org/presentationml/2006/main">
+  <p:cSld>
+    <p:spTree>
+      <p:nvGrpSpPr>
+        <p:cNvPr id="1" name=""/>
+        <p:cNvGrpSpPr/>
+        <p:nvPr/>
+      </p:nvGrpSpPr>
+      <p:grpSpPr>
+        <a:xfrm>
+          <a:off x="0" y="0"/>
+          <a:ext cx="0" cy="0"/>
+          <a:chOff x="0" y="0"/>
+          <a:chExt cx="0" cy="0"/>
+        </a:xfrm>
+      </p:grpSpPr>
+      <p:sp>
+        <p:nvSpPr>
+          <p:cNvPr id="2" name="Titel 1"/>
+          <p:cNvSpPr>
+            <a:spLocks noGrp="1"/>
+          </p:cNvSpPr>
+          <p:nvPr>
+            <p:ph type="title"/>
+          </p:nvPr>
+        </p:nvSpPr>
+        <p:spPr/>
+        <p:txBody>
+          <a:bodyPr/>
+          <a:lstStyle/>
+          <a:p>
+            <a:r>
+              <a:rPr lang="de-DE" dirty="0" smtClean="0"/>
+              <a:t>Architektur</a:t>
+            </a:r>
+            <a:endParaRPr lang="de-DE" dirty="0"/>
+          </a:p>
+        </p:txBody>
+      </p:sp>
+      <p:sp>
+        <p:nvSpPr>
+          <p:cNvPr id="3" name="Inhaltsplatzhalter 2"/>
+          <p:cNvSpPr txBox="1">
+            <a:spLocks/>
+          </p:cNvSpPr>
+          <p:nvPr/>
+        </p:nvSpPr>
+        <p:spPr>
+          <a:xfrm>
+            <a:off x="457200" y="2249424"/>
+            <a:ext cx="8229600" cy="4325112"/>
+          </a:xfrm>
+          <a:prstGeom prst="rect">
+            <a:avLst/>
+          </a:prstGeom>
+        </p:spPr>
+        <p:txBody>
+          <a:bodyPr>
+            <a:normAutofit/>
+          </a:bodyPr>
+          <a:lstStyle>
+            <a:lvl1pPr marL="365760" indent="-256032" algn="l" rtl="0" eaLnBrk="1" latinLnBrk="0" hangingPunct="1">
+              <a:spcBef>
+                <a:spcPts val="300"/>
+              </a:spcBef>
+              <a:buClr>
+                <a:schemeClr val="accent3"/>
+              </a:buClr>
+              <a:buFont typeface="Georgia"/>
+              <a:buChar char="•"/>
+              <a:defRPr kumimoji="0" sz="2800" kern="1200">
+                <a:solidFill>
+                  <a:schemeClr val="tx1"/>
+                </a:solidFill>
+                <a:latin typeface="+mn-lt"/>
+                <a:ea typeface="+mn-ea"/>
+                <a:cs typeface="+mn-cs"/>
+              </a:defRPr>
+            </a:lvl1pPr>
+            <a:lvl2pPr marL="658368" indent="-246888" algn="l" rtl="0" eaLnBrk="1" latinLnBrk="0" hangingPunct="1">
+              <a:spcBef>
+                <a:spcPts val="300"/>
+              </a:spcBef>
+              <a:buClr>
+                <a:schemeClr val="accent2"/>
+              </a:buClr>
+              <a:buFont typeface="Georgia"/>
+              <a:buChar char="▫"/>
+              <a:defRPr kumimoji="0" sz="2600" kern="1200">
+                <a:solidFill>
+                  <a:schemeClr val="accent2"/>
+                </a:solidFill>
+                <a:latin typeface="+mn-lt"/>
+                <a:ea typeface="+mn-ea"/>
+                <a:cs typeface="+mn-cs"/>
+              </a:defRPr>
+            </a:lvl2pPr>
+            <a:lvl3pPr marL="923544" indent="-219456" algn="l" rtl="0" eaLnBrk="1" latinLnBrk="0" hangingPunct="1">
+              <a:spcBef>
+                <a:spcPts val="300"/>
+              </a:spcBef>
+              <a:buClr>
+                <a:schemeClr val="accent1"/>
+              </a:buClr>
+              <a:buFont typeface="Wingdings 2"/>
+              <a:buChar char=""/>
+              <a:defRPr kumimoji="0" sz="2400" kern="1200">
+                <a:solidFill>
+                  <a:schemeClr val="accent1"/>
+                </a:solidFill>
+                <a:latin typeface="+mn-lt"/>
+                <a:ea typeface="+mn-ea"/>
+                <a:cs typeface="+mn-cs"/>
+              </a:defRPr>
+            </a:lvl3pPr>
+            <a:lvl4pPr marL="1179576" indent="-201168" algn="l" rtl="0" eaLnBrk="1" latinLnBrk="0" hangingPunct="1">
+              <a:spcBef>
+                <a:spcPts val="300"/>
+              </a:spcBef>
+              <a:buClr>
+                <a:schemeClr val="accent1"/>
+              </a:buClr>
+              <a:buFont typeface="Wingdings 2"/>
+              <a:buChar char=""/>
+              <a:defRPr kumimoji="0" sz="2200" kern="1200">
+                <a:solidFill>
+                  <a:schemeClr val="accent1"/>
+                </a:solidFill>
+                <a:latin typeface="+mn-lt"/>
+                <a:ea typeface="+mn-ea"/>
+                <a:cs typeface="+mn-cs"/>
+              </a:defRPr>
+            </a:lvl4pPr>
+            <a:lvl5pPr marL="1389888" indent="-182880" algn="l" rtl="0" eaLnBrk="1" latinLnBrk="0" hangingPunct="1">
+              <a:spcBef>
+                <a:spcPts val="300"/>
+              </a:spcBef>
+              <a:buClr>
+                <a:schemeClr val="accent3"/>
+              </a:buClr>
+              <a:buFont typeface="Georgia"/>
+              <a:buChar char="▫"/>
+              <a:defRPr kumimoji="0" sz="2000" kern="1200">
+                <a:solidFill>
+                  <a:schemeClr val="accent3"/>
+                </a:solidFill>
+                <a:latin typeface="+mn-lt"/>
+                <a:ea typeface="+mn-ea"/>
+                <a:cs typeface="+mn-cs"/>
+              </a:defRPr>
+            </a:lvl5pPr>
+            <a:lvl6pPr marL="1609344" indent="-182880" algn="l" rtl="0" eaLnBrk="1" latinLnBrk="0" hangingPunct="1">
+              <a:spcBef>
+                <a:spcPts val="300"/>
+              </a:spcBef>
+              <a:buClr>
+                <a:schemeClr val="accent3"/>
+              </a:buClr>
+              <a:buFont typeface="Georgia"/>
+              <a:buChar char="▫"/>
+              <a:defRPr kumimoji="0" sz="1800" kern="1200">
+                <a:solidFill>
+                  <a:schemeClr val="accent3"/>
+                </a:solidFill>
+                <a:latin typeface="+mn-lt"/>
+                <a:ea typeface="+mn-ea"/>
+                <a:cs typeface="+mn-cs"/>
+              </a:defRPr>
+            </a:lvl6pPr>
+            <a:lvl7pPr marL="1828800" indent="-182880" algn="l" rtl="0" eaLnBrk="1" latinLnBrk="0" hangingPunct="1">
+              <a:spcBef>
+                <a:spcPts val="300"/>
+              </a:spcBef>
+              <a:buClr>
+                <a:schemeClr val="accent3"/>
+              </a:buClr>
+              <a:buFont typeface="Georgia"/>
+              <a:buChar char="▫"/>
+              <a:defRPr kumimoji="0" sz="1600" kern="1200">
+                <a:solidFill>
+                  <a:schemeClr val="accent3"/>
+                </a:solidFill>
+                <a:latin typeface="+mn-lt"/>
+                <a:ea typeface="+mn-ea"/>
+                <a:cs typeface="+mn-cs"/>
+              </a:defRPr>
+            </a:lvl7pPr>
+            <a:lvl8pPr marL="2029968" indent="-182880" algn="l" rtl="0" eaLnBrk="1" latinLnBrk="0" hangingPunct="1">
+              <a:spcBef>
+                <a:spcPts val="300"/>
+              </a:spcBef>
+              <a:buClr>
+                <a:schemeClr val="accent3"/>
+              </a:buClr>
+              <a:buFont typeface="Georgia"/>
+              <a:buChar char="◦"/>
+              <a:defRPr kumimoji="0" sz="1500" kern="1200">
+                <a:solidFill>
+                  <a:schemeClr val="accent3"/>
+                </a:solidFill>
+                <a:latin typeface="+mn-lt"/>
+                <a:ea typeface="+mn-ea"/>
+                <a:cs typeface="+mn-cs"/>
+              </a:defRPr>
+            </a:lvl8pPr>
+            <a:lvl9pPr marL="2240280" indent="-182880" algn="l" rtl="0" eaLnBrk="1" latinLnBrk="0" hangingPunct="1">
+              <a:spcBef>
+                <a:spcPts val="300"/>
+              </a:spcBef>
+              <a:buClr>
+                <a:schemeClr val="accent3"/>
+              </a:buClr>
+              <a:buFont typeface="Georgia"/>
+              <a:buChar char="◦"/>
+              <a:defRPr kumimoji="0" sz="1400" kern="1200" baseline="0">
+                <a:solidFill>
+                  <a:schemeClr val="accent3"/>
+                </a:solidFill>
+                <a:latin typeface="+mn-lt"/>
+                <a:ea typeface="+mn-ea"/>
+                <a:cs typeface="+mn-cs"/>
+              </a:defRPr>
+            </a:lvl9pPr>
+          </a:lstStyle>
+          <a:p>
+            <a:r>
+              <a:rPr lang="de-DE" dirty="0" smtClean="0"/>
+              <a:t>Definition Schnittstellen</a:t>
+            </a:r>
+          </a:p>
+          <a:p>
+            <a:r>
+              <a:rPr lang="de-DE" dirty="0" smtClean="0"/>
+              <a:t>Aufwand bei Programmierung reduziert</a:t>
+            </a:r>
+            <a:endParaRPr lang="de-DE" dirty="0"/>
+          </a:p>
+        </p:txBody>
+      </p:sp>
+    </p:spTree>
+    <p:extLst>
+      <p:ext uri="{BB962C8B-B14F-4D97-AF65-F5344CB8AC3E}">
+        <p14:creationId xmlns:p14="http://schemas.microsoft.com/office/powerpoint/2010/main" val="3159283490"/>
+      </p:ext>
+    </p:extLst>
+  </p:cSld>
+  <p:clrMapOvr>
+    <a:masterClrMapping/>
+  </p:clrMapOvr>
+</p:sld>
+</file>
+
+<file path=ppt/slides/slide13.xml><?xml version="1.0" encoding="utf-8"?>
+<p:sld xmlns:a="http://schemas.openxmlformats.org/drawingml/2006/main" xmlns:r="http://schemas.openxmlformats.org/officeDocument/2006/relationships" xmlns:p="http://schemas.openxmlformats.org/presentationml/2006/main">
+  <p:cSld>
+    <p:spTree>
+      <p:nvGrpSpPr>
+        <p:cNvPr id="1" name=""/>
+        <p:cNvGrpSpPr/>
+        <p:nvPr/>
+      </p:nvGrpSpPr>
+      <p:grpSpPr>
+        <a:xfrm>
+          <a:off x="0" y="0"/>
+          <a:ext cx="0" cy="0"/>
+          <a:chOff x="0" y="0"/>
+          <a:chExt cx="0" cy="0"/>
+        </a:xfrm>
+      </p:grpSpPr>
+      <p:sp>
+        <p:nvSpPr>
+          <p:cNvPr id="2" name="Titel 1"/>
+          <p:cNvSpPr>
+            <a:spLocks noGrp="1"/>
+          </p:cNvSpPr>
+          <p:nvPr>
+            <p:ph type="title"/>
+          </p:nvPr>
+        </p:nvSpPr>
+        <p:spPr/>
+        <p:txBody>
+          <a:bodyPr/>
+          <a:lstStyle/>
+          <a:p>
+            <a:r>
+              <a:rPr lang="de-DE" dirty="0" smtClean="0"/>
               <a:t>Testphase</a:t>
             </a:r>
             <a:endParaRPr lang="de-DE" dirty="0"/>
@@ -5349,7 +6245,7 @@
 </p:sld>
 </file>
 
-<file path=ppt/slides/slide12.xml><?xml version="1.0" encoding="utf-8"?>
+<file path=ppt/slides/slide14.xml><?xml version="1.0" encoding="utf-8"?>
 <p:sld xmlns:a="http://schemas.openxmlformats.org/drawingml/2006/main" xmlns:r="http://schemas.openxmlformats.org/officeDocument/2006/relationships" xmlns:p="http://schemas.openxmlformats.org/presentationml/2006/main">
   <p:cSld>
     <p:spTree>
@@ -5705,7 +6601,7 @@
 </p:sld>
 </file>
 
-<file path=ppt/slides/slide13.xml><?xml version="1.0" encoding="utf-8"?>
+<file path=ppt/slides/slide15.xml><?xml version="1.0" encoding="utf-8"?>
 <p:sld xmlns:a="http://schemas.openxmlformats.org/drawingml/2006/main" xmlns:r="http://schemas.openxmlformats.org/officeDocument/2006/relationships" xmlns:p="http://schemas.openxmlformats.org/presentationml/2006/main">
   <p:cSld>
     <p:spTree>
@@ -6005,7 +6901,7 @@
 </p:sld>
 </file>
 
-<file path=ppt/slides/slide14.xml><?xml version="1.0" encoding="utf-8"?>
+<file path=ppt/slides/slide16.xml><?xml version="1.0" encoding="utf-8"?>
 <p:sld xmlns:a="http://schemas.openxmlformats.org/drawingml/2006/main" xmlns:r="http://schemas.openxmlformats.org/officeDocument/2006/relationships" xmlns:p="http://schemas.openxmlformats.org/presentationml/2006/main">
   <p:cSld>
     <p:spTree>
@@ -6066,7 +6962,7 @@
 </p:sld>
 </file>
 
-<file path=ppt/slides/slide15.xml><?xml version="1.0" encoding="utf-8"?>
+<file path=ppt/slides/slide17.xml><?xml version="1.0" encoding="utf-8"?>
 <p:sld xmlns:a="http://schemas.openxmlformats.org/drawingml/2006/main" xmlns:r="http://schemas.openxmlformats.org/officeDocument/2006/relationships" xmlns:p="http://schemas.openxmlformats.org/presentationml/2006/main">
   <p:cSld>
     <p:spTree>
@@ -6119,7 +7015,7 @@
 </p:sld>
 </file>
 
-<file path=ppt/slides/slide16.xml><?xml version="1.0" encoding="utf-8"?>
+<file path=ppt/slides/slide18.xml><?xml version="1.0" encoding="utf-8"?>
 <p:sld xmlns:a="http://schemas.openxmlformats.org/drawingml/2006/main" xmlns:r="http://schemas.openxmlformats.org/officeDocument/2006/relationships" xmlns:p="http://schemas.openxmlformats.org/presentationml/2006/main">
   <p:cSld>
     <p:spTree>
@@ -6208,7 +7104,7 @@
 </p:sld>
 </file>
 
-<file path=ppt/slides/slide17.xml><?xml version="1.0" encoding="utf-8"?>
+<file path=ppt/slides/slide19.xml><?xml version="1.0" encoding="utf-8"?>
 <p:sld xmlns:a="http://schemas.openxmlformats.org/drawingml/2006/main" xmlns:r="http://schemas.openxmlformats.org/officeDocument/2006/relationships" xmlns:p="http://schemas.openxmlformats.org/presentationml/2006/main">
   <p:cSld>
     <p:spTree>
@@ -6304,7 +7200,110 @@
 </p:sld>
 </file>
 
-<file path=ppt/slides/slide18.xml><?xml version="1.0" encoding="utf-8"?>
+<file path=ppt/slides/slide2.xml><?xml version="1.0" encoding="utf-8"?>
+<p:sld xmlns:a="http://schemas.openxmlformats.org/drawingml/2006/main" xmlns:r="http://schemas.openxmlformats.org/officeDocument/2006/relationships" xmlns:p="http://schemas.openxmlformats.org/presentationml/2006/main">
+  <p:cSld>
+    <p:spTree>
+      <p:nvGrpSpPr>
+        <p:cNvPr id="1" name=""/>
+        <p:cNvGrpSpPr/>
+        <p:nvPr/>
+      </p:nvGrpSpPr>
+      <p:grpSpPr>
+        <a:xfrm>
+          <a:off x="0" y="0"/>
+          <a:ext cx="0" cy="0"/>
+          <a:chOff x="0" y="0"/>
+          <a:chExt cx="0" cy="0"/>
+        </a:xfrm>
+      </p:grpSpPr>
+      <p:sp>
+        <p:nvSpPr>
+          <p:cNvPr id="2" name="Titel 1"/>
+          <p:cNvSpPr>
+            <a:spLocks noGrp="1"/>
+          </p:cNvSpPr>
+          <p:nvPr>
+            <p:ph type="title"/>
+          </p:nvPr>
+        </p:nvSpPr>
+        <p:spPr/>
+        <p:txBody>
+          <a:bodyPr/>
+          <a:lstStyle/>
+          <a:p>
+            <a:r>
+              <a:rPr lang="de-DE" dirty="0" smtClean="0"/>
+              <a:t>Aufgabenstellung</a:t>
+            </a:r>
+            <a:endParaRPr lang="de-DE" dirty="0"/>
+          </a:p>
+        </p:txBody>
+      </p:sp>
+      <p:sp>
+        <p:nvSpPr>
+          <p:cNvPr id="3" name="Inhaltsplatzhalter 2"/>
+          <p:cNvSpPr>
+            <a:spLocks noGrp="1"/>
+          </p:cNvSpPr>
+          <p:nvPr>
+            <p:ph idx="1"/>
+          </p:nvPr>
+        </p:nvSpPr>
+        <p:spPr/>
+        <p:txBody>
+          <a:bodyPr>
+            <a:normAutofit/>
+          </a:bodyPr>
+          <a:lstStyle/>
+          <a:p>
+            <a:r>
+              <a:rPr lang="de-DE" dirty="0" smtClean="0"/>
+              <a:t>Programm zur anonymisierten Datenerfassung</a:t>
+            </a:r>
+          </a:p>
+          <a:p>
+            <a:endParaRPr lang="de-DE" dirty="0" smtClean="0"/>
+          </a:p>
+          <a:p>
+            <a:r>
+              <a:rPr lang="de-DE" dirty="0" smtClean="0"/>
+              <a:t>Dokumentieren Arbeitsaufgaben je Kalenderwoche</a:t>
+            </a:r>
+          </a:p>
+          <a:p>
+            <a:endParaRPr lang="de-DE" dirty="0" smtClean="0"/>
+          </a:p>
+          <a:p>
+            <a:r>
+              <a:rPr lang="de-DE" dirty="0" smtClean="0"/>
+              <a:t>Statistiken über bearbeitete Aufträge je nach Bereich bzw. Arbeitsgruppe</a:t>
+            </a:r>
+            <a:endParaRPr lang="de-DE" dirty="0"/>
+          </a:p>
+        </p:txBody>
+      </p:sp>
+    </p:spTree>
+    <p:extLst>
+      <p:ext uri="{BB962C8B-B14F-4D97-AF65-F5344CB8AC3E}">
+        <p14:creationId xmlns:p14="http://schemas.microsoft.com/office/powerpoint/2010/main" val="2231903888"/>
+      </p:ext>
+    </p:extLst>
+  </p:cSld>
+  <p:clrMapOvr>
+    <a:masterClrMapping/>
+  </p:clrMapOvr>
+  <p:timing>
+    <p:tnLst>
+      <p:par>
+        <p:cTn id="1" dur="indefinite" restart="never" nodeType="tmRoot"/>
+      </p:par>
+    </p:tnLst>
+  </p:timing>
+</p:sld>
+</file>
+
+<file path=ppt/slides/slide20.xml><?xml version="1.0" encoding="utf-8"?>
 <p:sld xmlns:a="http://schemas.openxmlformats.org/drawingml/2006/main" xmlns:r="http://schemas.openxmlformats.org/officeDocument/2006/relationships" xmlns:p="http://schemas.openxmlformats.org/presentationml/2006/main">
   <p:cSld>
     <p:spTree>
@@ -6388,298 +7387,6 @@
 </p:sld>
 </file>
 
-<file path=ppt/slides/slide19.xml><?xml version="1.0" encoding="utf-8"?>
-<p:sld xmlns:a="http://schemas.openxmlformats.org/drawingml/2006/main" xmlns:r="http://schemas.openxmlformats.org/officeDocument/2006/relationships" xmlns:p="http://schemas.openxmlformats.org/presentationml/2006/main">
-  <p:cSld>
-    <p:spTree>
-      <p:nvGrpSpPr>
-        <p:cNvPr id="1" name=""/>
-        <p:cNvGrpSpPr/>
-        <p:nvPr/>
-      </p:nvGrpSpPr>
-      <p:grpSpPr>
-        <a:xfrm>
-          <a:off x="0" y="0"/>
-          <a:ext cx="0" cy="0"/>
-          <a:chOff x="0" y="0"/>
-          <a:chExt cx="0" cy="0"/>
-        </a:xfrm>
-      </p:grpSpPr>
-      <p:sp>
-        <p:nvSpPr>
-          <p:cNvPr id="3" name="Titel 2"/>
-          <p:cNvSpPr>
-            <a:spLocks noGrp="1"/>
-          </p:cNvSpPr>
-          <p:nvPr>
-            <p:ph type="title"/>
-          </p:nvPr>
-        </p:nvSpPr>
-        <p:spPr/>
-        <p:txBody>
-          <a:bodyPr/>
-          <a:lstStyle/>
-          <a:p>
-            <a:r>
-              <a:rPr lang="de-DE" dirty="0" smtClean="0"/>
-              <a:t>Use Case „Erfassen“</a:t>
-            </a:r>
-            <a:endParaRPr lang="de-DE" dirty="0"/>
-          </a:p>
-        </p:txBody>
-      </p:sp>
-      <p:sp>
-        <p:nvSpPr>
-          <p:cNvPr id="4" name="Inhaltsplatzhalter 3"/>
-          <p:cNvSpPr>
-            <a:spLocks noGrp="1"/>
-          </p:cNvSpPr>
-          <p:nvPr>
-            <p:ph idx="1"/>
-          </p:nvPr>
-        </p:nvSpPr>
-        <p:spPr/>
-        <p:txBody>
-          <a:bodyPr/>
-          <a:lstStyle/>
-          <a:p>
-            <a:r>
-              <a:rPr lang="de-DE" dirty="0" smtClean="0"/>
-              <a:t>Mitarbeiter soll mehrmals täglich einen Eintrag erfassen können</a:t>
-            </a:r>
-          </a:p>
-          <a:p>
-            <a:r>
-              <a:rPr lang="de-DE" dirty="0" smtClean="0"/>
-              <a:t>Ein Eintrag darf nur für die aktuelle und die vorherige Kalenderwoche (aktuelles Jahr) erfasst werden</a:t>
-            </a:r>
-            <a:endParaRPr lang="de-DE" dirty="0"/>
-          </a:p>
-        </p:txBody>
-      </p:sp>
-    </p:spTree>
-    <p:extLst>
-      <p:ext uri="{BB962C8B-B14F-4D97-AF65-F5344CB8AC3E}">
-        <p14:creationId xmlns:p14="http://schemas.microsoft.com/office/powerpoint/2010/main" val="432645280"/>
-      </p:ext>
-    </p:extLst>
-  </p:cSld>
-  <p:clrMapOvr>
-    <a:masterClrMapping/>
-  </p:clrMapOvr>
-  <p:timing>
-    <p:tnLst>
-      <p:par>
-        <p:cTn id="1" dur="indefinite" restart="never" nodeType="tmRoot"/>
-      </p:par>
-    </p:tnLst>
-  </p:timing>
-</p:sld>
-</file>
-
-<file path=ppt/slides/slide2.xml><?xml version="1.0" encoding="utf-8"?>
-<p:sld xmlns:a="http://schemas.openxmlformats.org/drawingml/2006/main" xmlns:r="http://schemas.openxmlformats.org/officeDocument/2006/relationships" xmlns:p="http://schemas.openxmlformats.org/presentationml/2006/main">
-  <p:cSld>
-    <p:spTree>
-      <p:nvGrpSpPr>
-        <p:cNvPr id="1" name=""/>
-        <p:cNvGrpSpPr/>
-        <p:nvPr/>
-      </p:nvGrpSpPr>
-      <p:grpSpPr>
-        <a:xfrm>
-          <a:off x="0" y="0"/>
-          <a:ext cx="0" cy="0"/>
-          <a:chOff x="0" y="0"/>
-          <a:chExt cx="0" cy="0"/>
-        </a:xfrm>
-      </p:grpSpPr>
-      <p:sp>
-        <p:nvSpPr>
-          <p:cNvPr id="2" name="Titel 1"/>
-          <p:cNvSpPr>
-            <a:spLocks noGrp="1"/>
-          </p:cNvSpPr>
-          <p:nvPr>
-            <p:ph type="title"/>
-          </p:nvPr>
-        </p:nvSpPr>
-        <p:spPr/>
-        <p:txBody>
-          <a:bodyPr/>
-          <a:lstStyle/>
-          <a:p>
-            <a:r>
-              <a:rPr lang="de-DE" dirty="0" smtClean="0"/>
-              <a:t>Aufgabenstellung</a:t>
-            </a:r>
-            <a:endParaRPr lang="de-DE" dirty="0"/>
-          </a:p>
-        </p:txBody>
-      </p:sp>
-      <p:sp>
-        <p:nvSpPr>
-          <p:cNvPr id="3" name="Inhaltsplatzhalter 2"/>
-          <p:cNvSpPr>
-            <a:spLocks noGrp="1"/>
-          </p:cNvSpPr>
-          <p:nvPr>
-            <p:ph idx="1"/>
-          </p:nvPr>
-        </p:nvSpPr>
-        <p:spPr/>
-        <p:txBody>
-          <a:bodyPr>
-            <a:normAutofit/>
-          </a:bodyPr>
-          <a:lstStyle/>
-          <a:p>
-            <a:r>
-              <a:rPr lang="de-DE" dirty="0" smtClean="0"/>
-              <a:t>Programm zur </a:t>
-            </a:r>
-            <a:r>
-              <a:rPr lang="de-DE" dirty="0" smtClean="0"/>
-              <a:t>anonymisierten Datenerfassung</a:t>
-            </a:r>
-            <a:endParaRPr lang="de-DE" dirty="0" smtClean="0"/>
-          </a:p>
-          <a:p>
-            <a:endParaRPr lang="de-DE" dirty="0" smtClean="0"/>
-          </a:p>
-          <a:p>
-            <a:r>
-              <a:rPr lang="de-DE" dirty="0" smtClean="0"/>
-              <a:t>Dokumentieren Arbeitsaufgaben je Kalenderwoche</a:t>
-            </a:r>
-          </a:p>
-          <a:p>
-            <a:endParaRPr lang="de-DE" dirty="0" smtClean="0"/>
-          </a:p>
-          <a:p>
-            <a:r>
-              <a:rPr lang="de-DE" dirty="0" smtClean="0"/>
-              <a:t>Statistiken über bearbeitete Aufträge je nach Bereich bzw. Arbeitsgruppe</a:t>
-            </a:r>
-            <a:endParaRPr lang="de-DE" dirty="0"/>
-          </a:p>
-        </p:txBody>
-      </p:sp>
-    </p:spTree>
-    <p:extLst>
-      <p:ext uri="{BB962C8B-B14F-4D97-AF65-F5344CB8AC3E}">
-        <p14:creationId xmlns:p14="http://schemas.microsoft.com/office/powerpoint/2010/main" val="2231903888"/>
-      </p:ext>
-    </p:extLst>
-  </p:cSld>
-  <p:clrMapOvr>
-    <a:masterClrMapping/>
-  </p:clrMapOvr>
-  <p:timing>
-    <p:tnLst>
-      <p:par>
-        <p:cTn id="1" dur="indefinite" restart="never" nodeType="tmRoot"/>
-      </p:par>
-    </p:tnLst>
-  </p:timing>
-</p:sld>
-</file>
-
-<file path=ppt/slides/slide20.xml><?xml version="1.0" encoding="utf-8"?>
-<p:sld xmlns:a="http://schemas.openxmlformats.org/drawingml/2006/main" xmlns:r="http://schemas.openxmlformats.org/officeDocument/2006/relationships" xmlns:p="http://schemas.openxmlformats.org/presentationml/2006/main">
-  <p:cSld>
-    <p:spTree>
-      <p:nvGrpSpPr>
-        <p:cNvPr id="1" name=""/>
-        <p:cNvGrpSpPr/>
-        <p:nvPr/>
-      </p:nvGrpSpPr>
-      <p:grpSpPr>
-        <a:xfrm>
-          <a:off x="0" y="0"/>
-          <a:ext cx="0" cy="0"/>
-          <a:chOff x="0" y="0"/>
-          <a:chExt cx="0" cy="0"/>
-        </a:xfrm>
-      </p:grpSpPr>
-      <p:sp>
-        <p:nvSpPr>
-          <p:cNvPr id="2" name="Titel 1"/>
-          <p:cNvSpPr>
-            <a:spLocks noGrp="1"/>
-          </p:cNvSpPr>
-          <p:nvPr>
-            <p:ph type="title"/>
-          </p:nvPr>
-        </p:nvSpPr>
-        <p:spPr/>
-        <p:txBody>
-          <a:bodyPr>
-            <a:normAutofit fontScale="90000"/>
-          </a:bodyPr>
-          <a:lstStyle/>
-          <a:p>
-            <a:r>
-              <a:rPr lang="de-DE" dirty="0" smtClean="0"/>
-              <a:t>Use Case „Arbeitsgruppe einsehen“ - 		 Gruppenleiter</a:t>
-            </a:r>
-            <a:endParaRPr lang="de-DE" dirty="0"/>
-          </a:p>
-        </p:txBody>
-      </p:sp>
-      <p:sp>
-        <p:nvSpPr>
-          <p:cNvPr id="3" name="Inhaltsplatzhalter 2"/>
-          <p:cNvSpPr>
-            <a:spLocks noGrp="1"/>
-          </p:cNvSpPr>
-          <p:nvPr>
-            <p:ph idx="1"/>
-          </p:nvPr>
-        </p:nvSpPr>
-        <p:spPr>
-          <a:xfrm>
-            <a:off x="457200" y="2416256"/>
-            <a:ext cx="8229600" cy="4325112"/>
-          </a:xfrm>
-        </p:spPr>
-        <p:txBody>
-          <a:bodyPr/>
-          <a:lstStyle/>
-          <a:p>
-            <a:r>
-              <a:rPr lang="de-DE" dirty="0" smtClean="0"/>
-              <a:t>Gruppenleiter: darf die Ergebnisse seiner eigenen Arbeitsgruppe einsehen</a:t>
-            </a:r>
-          </a:p>
-          <a:p>
-            <a:r>
-              <a:rPr lang="de-DE" dirty="0" smtClean="0"/>
-              <a:t>„Drucken“ gibt die aktuelle Tabelle als PDF-Datei aus</a:t>
-            </a:r>
-          </a:p>
-        </p:txBody>
-      </p:sp>
-    </p:spTree>
-    <p:extLst>
-      <p:ext uri="{BB962C8B-B14F-4D97-AF65-F5344CB8AC3E}">
-        <p14:creationId xmlns:p14="http://schemas.microsoft.com/office/powerpoint/2010/main" val="2011369229"/>
-      </p:ext>
-    </p:extLst>
-  </p:cSld>
-  <p:clrMapOvr>
-    <a:masterClrMapping/>
-  </p:clrMapOvr>
-  <p:timing>
-    <p:tnLst>
-      <p:par>
-        <p:cTn id="1" dur="indefinite" restart="never" nodeType="tmRoot"/>
-      </p:par>
-    </p:tnLst>
-  </p:timing>
-</p:sld>
-</file>
-
 <file path=ppt/slides/slide21.xml><?xml version="1.0" encoding="utf-8"?>
 <p:sld xmlns:a="http://schemas.openxmlformats.org/drawingml/2006/main" xmlns:r="http://schemas.openxmlformats.org/officeDocument/2006/relationships" xmlns:p="http://schemas.openxmlformats.org/presentationml/2006/main">
   <p:cSld>
@@ -6699,7 +7406,7 @@
       </p:grpSpPr>
       <p:sp>
         <p:nvSpPr>
-          <p:cNvPr id="2" name="Titel 1"/>
+          <p:cNvPr id="3" name="Titel 2"/>
           <p:cNvSpPr>
             <a:spLocks noGrp="1"/>
           </p:cNvSpPr>
@@ -6709,14 +7416,12 @@
         </p:nvSpPr>
         <p:spPr/>
         <p:txBody>
-          <a:bodyPr>
-            <a:normAutofit fontScale="90000"/>
-          </a:bodyPr>
-          <a:lstStyle/>
-          <a:p>
-            <a:r>
-              <a:rPr lang="de-DE" dirty="0" smtClean="0"/>
-              <a:t>Use Case „Arbeitsgruppen einsehen“ - 		 Bereichsleiter</a:t>
+          <a:bodyPr/>
+          <a:lstStyle/>
+          <a:p>
+            <a:r>
+              <a:rPr lang="de-DE" dirty="0" smtClean="0"/>
+              <a:t>Use Case „Erfassen“</a:t>
             </a:r>
             <a:endParaRPr lang="de-DE" dirty="0"/>
           </a:p>
@@ -6724,7 +7429,7 @@
       </p:sp>
       <p:sp>
         <p:nvSpPr>
-          <p:cNvPr id="3" name="Inhaltsplatzhalter 2"/>
+          <p:cNvPr id="4" name="Inhaltsplatzhalter 3"/>
           <p:cNvSpPr>
             <a:spLocks noGrp="1"/>
           </p:cNvSpPr>
@@ -6732,41 +7437,20 @@
             <p:ph idx="1"/>
           </p:nvPr>
         </p:nvSpPr>
-        <p:spPr>
-          <a:xfrm>
-            <a:off x="457200" y="2416256"/>
-            <a:ext cx="8229600" cy="4325112"/>
-          </a:xfrm>
-        </p:spPr>
-        <p:txBody>
-          <a:bodyPr>
-            <a:normAutofit/>
-          </a:bodyPr>
-          <a:lstStyle/>
-          <a:p>
-            <a:r>
-              <a:rPr lang="de-DE" dirty="0" smtClean="0"/>
-              <a:t>Bereichsleiter: darf alle Arbeitsgruppen seines Bereichs einsehen</a:t>
-            </a:r>
-          </a:p>
-          <a:p>
-            <a:r>
-              <a:rPr lang="de-DE" dirty="0" smtClean="0"/>
-              <a:t>Einträge der Arbeitsgruppen werden zusätzlich aufsummiert</a:t>
-            </a:r>
-          </a:p>
-          <a:p>
-            <a:r>
-              <a:rPr lang="de-DE" dirty="0" smtClean="0"/>
-              <a:t>„</a:t>
-            </a:r>
-            <a:r>
-              <a:rPr lang="de-DE" dirty="0"/>
-              <a:t>Drucken“ gibt die aktuelle Tabelle als PDF-Datei </a:t>
-            </a:r>
-            <a:r>
-              <a:rPr lang="de-DE" dirty="0" smtClean="0"/>
-              <a:t>aus</a:t>
+        <p:spPr/>
+        <p:txBody>
+          <a:bodyPr/>
+          <a:lstStyle/>
+          <a:p>
+            <a:r>
+              <a:rPr lang="de-DE" dirty="0" smtClean="0"/>
+              <a:t>Mitarbeiter soll mehrmals täglich einen Eintrag erfassen können</a:t>
+            </a:r>
+          </a:p>
+          <a:p>
+            <a:r>
+              <a:rPr lang="de-DE" dirty="0" smtClean="0"/>
+              <a:t>Ein Eintrag darf nur für die aktuelle und die vorherige Kalenderwoche (aktuelles Jahr) erfasst werden</a:t>
             </a:r>
             <a:endParaRPr lang="de-DE" dirty="0"/>
           </a:p>
@@ -6775,7 +7459,7 @@
     </p:spTree>
     <p:extLst>
       <p:ext uri="{BB962C8B-B14F-4D97-AF65-F5344CB8AC3E}">
-        <p14:creationId xmlns:p14="http://schemas.microsoft.com/office/powerpoint/2010/main" val="241156330"/>
+        <p14:creationId xmlns:p14="http://schemas.microsoft.com/office/powerpoint/2010/main" val="432645280"/>
       </p:ext>
     </p:extLst>
   </p:cSld>
@@ -6821,82 +7505,56 @@
         </p:nvSpPr>
         <p:spPr/>
         <p:txBody>
+          <a:bodyPr>
+            <a:normAutofit fontScale="90000"/>
+          </a:bodyPr>
+          <a:lstStyle/>
+          <a:p>
+            <a:r>
+              <a:rPr lang="de-DE" dirty="0" smtClean="0"/>
+              <a:t>Use Case „Arbeitsgruppe einsehen“ - 		 Gruppenleiter</a:t>
+            </a:r>
+            <a:endParaRPr lang="de-DE" dirty="0"/>
+          </a:p>
+        </p:txBody>
+      </p:sp>
+      <p:sp>
+        <p:nvSpPr>
+          <p:cNvPr id="3" name="Inhaltsplatzhalter 2"/>
+          <p:cNvSpPr>
+            <a:spLocks noGrp="1"/>
+          </p:cNvSpPr>
+          <p:nvPr>
+            <p:ph idx="1"/>
+          </p:nvPr>
+        </p:nvSpPr>
+        <p:spPr>
+          <a:xfrm>
+            <a:off x="457200" y="2416256"/>
+            <a:ext cx="8229600" cy="4325112"/>
+          </a:xfrm>
+        </p:spPr>
+        <p:txBody>
           <a:bodyPr/>
           <a:lstStyle/>
           <a:p>
             <a:r>
               <a:rPr lang="de-DE" dirty="0" smtClean="0"/>
-              <a:t>Use Case „Bereich einsehen“</a:t>
-            </a:r>
-            <a:endParaRPr lang="de-DE" dirty="0"/>
-          </a:p>
-        </p:txBody>
-      </p:sp>
-      <p:sp>
-        <p:nvSpPr>
-          <p:cNvPr id="3" name="Inhaltsplatzhalter 2"/>
-          <p:cNvSpPr>
-            <a:spLocks noGrp="1"/>
-          </p:cNvSpPr>
-          <p:nvPr>
-            <p:ph idx="1"/>
-          </p:nvPr>
-        </p:nvSpPr>
-        <p:spPr/>
-        <p:txBody>
-          <a:bodyPr>
-            <a:normAutofit fontScale="92500" lnSpcReduction="10000"/>
-          </a:bodyPr>
-          <a:lstStyle/>
-          <a:p>
-            <a:r>
-              <a:rPr lang="de-DE" dirty="0" smtClean="0"/>
-              <a:t>Zentralbereichsleiter und Fachbereichs-organisation: dürfen alle Bereiche einsehen</a:t>
-            </a:r>
-          </a:p>
-          <a:p>
-            <a:r>
-              <a:rPr lang="de-DE" dirty="0" smtClean="0"/>
-              <a:t>Von der Übersicht der Bereiche kann der User direkt auf die Arbeitsgruppen eines Bereichs gelangen</a:t>
-            </a:r>
-          </a:p>
-          <a:p>
-            <a:r>
-              <a:rPr lang="de-DE" dirty="0" smtClean="0"/>
-              <a:t>Einträge der Bereiche werden zusätzlich aufsummiert</a:t>
-            </a:r>
-          </a:p>
-          <a:p>
-            <a:r>
-              <a:rPr lang="de-DE" dirty="0"/>
-              <a:t>„Abrechen“ leitet den </a:t>
-            </a:r>
-            <a:r>
-              <a:rPr lang="de-DE" dirty="0" smtClean="0"/>
-              <a:t>User wieder </a:t>
-            </a:r>
-            <a:r>
-              <a:rPr lang="de-DE" dirty="0"/>
-              <a:t>auf die Seite zurück, auf der er Kalenderjahr und Kalenderwoche eingeben kann, um Daten anzuzeigen</a:t>
-            </a:r>
-          </a:p>
-          <a:p>
-            <a:r>
-              <a:rPr lang="de-DE" dirty="0"/>
-              <a:t>„Drucken“ gibt die aktuelle Tabelle als PDF-Datei </a:t>
-            </a:r>
-            <a:r>
-              <a:rPr lang="de-DE" dirty="0" smtClean="0"/>
-              <a:t>aus</a:t>
-            </a:r>
-            <a:endParaRPr lang="de-DE" dirty="0"/>
+              <a:t>Gruppenleiter: darf die Ergebnisse seiner eigenen Arbeitsgruppe einsehen</a:t>
+            </a:r>
+          </a:p>
+          <a:p>
+            <a:r>
+              <a:rPr lang="de-DE" dirty="0" smtClean="0"/>
+              <a:t>„Drucken“ gibt die aktuelle Tabelle als PDF-Datei aus</a:t>
+            </a:r>
           </a:p>
         </p:txBody>
       </p:sp>
     </p:spTree>
     <p:extLst>
       <p:ext uri="{BB962C8B-B14F-4D97-AF65-F5344CB8AC3E}">
-        <p14:creationId xmlns:p14="http://schemas.microsoft.com/office/powerpoint/2010/main" val="1739418431"/>
+        <p14:creationId xmlns:p14="http://schemas.microsoft.com/office/powerpoint/2010/main" val="2011369229"/>
       </p:ext>
     </p:extLst>
   </p:cSld>
@@ -6942,12 +7600,14 @@
         </p:nvSpPr>
         <p:spPr/>
         <p:txBody>
-          <a:bodyPr/>
-          <a:lstStyle/>
-          <a:p>
-            <a:r>
-              <a:rPr lang="de-DE" dirty="0" smtClean="0"/>
-              <a:t>Use Case „Bereich“</a:t>
+          <a:bodyPr>
+            <a:normAutofit fontScale="90000"/>
+          </a:bodyPr>
+          <a:lstStyle/>
+          <a:p>
+            <a:r>
+              <a:rPr lang="de-DE" dirty="0" smtClean="0"/>
+              <a:t>Use Case „Arbeitsgruppen einsehen“ - 		 Bereichsleiter</a:t>
             </a:r>
             <a:endParaRPr lang="de-DE" dirty="0"/>
           </a:p>
@@ -6963,7 +7623,12 @@
             <p:ph idx="1"/>
           </p:nvPr>
         </p:nvSpPr>
-        <p:spPr/>
+        <p:spPr>
+          <a:xfrm>
+            <a:off x="457200" y="2416256"/>
+            <a:ext cx="8229600" cy="4325112"/>
+          </a:xfrm>
+        </p:spPr>
         <p:txBody>
           <a:bodyPr>
             <a:normAutofit/>
@@ -6972,21 +7637,36 @@
           <a:p>
             <a:r>
               <a:rPr lang="de-DE" dirty="0" smtClean="0"/>
-              <a:t>Die Verwaltung erfolgt über die Fachbereichs-organisation</a:t>
-            </a:r>
-          </a:p>
-          <a:p>
-            <a:r>
-              <a:rPr lang="de-DE" dirty="0" smtClean="0"/>
-              <a:t>Anlegen: mit Angaben über Bezeichnung und Kurzbezeichnung soll ein Bereich angelegt werden können</a:t>
-            </a:r>
+              <a:t>Bereichsleiter: darf alle Arbeitsgruppen seines Bereichs einsehen</a:t>
+            </a:r>
+          </a:p>
+          <a:p>
+            <a:r>
+              <a:rPr lang="de-DE" dirty="0" smtClean="0"/>
+              <a:t>Einträge der Arbeitsgruppen werden zusätzlich aufsummiert</a:t>
+            </a:r>
+          </a:p>
+          <a:p>
+            <a:r>
+              <a:rPr lang="de-DE" dirty="0" smtClean="0"/>
+              <a:t>„</a:t>
+            </a:r>
+            <a:r>
+              <a:rPr lang="de-DE" dirty="0"/>
+              <a:t>Drucken“ gibt die aktuelle Tabelle als PDF-Datei </a:t>
+            </a:r>
+            <a:r>
+              <a:rPr lang="de-DE" dirty="0" smtClean="0"/>
+              <a:t>aus</a:t>
+            </a:r>
+            <a:endParaRPr lang="de-DE" dirty="0"/>
           </a:p>
         </p:txBody>
       </p:sp>
     </p:spTree>
     <p:extLst>
       <p:ext uri="{BB962C8B-B14F-4D97-AF65-F5344CB8AC3E}">
-        <p14:creationId xmlns:p14="http://schemas.microsoft.com/office/powerpoint/2010/main" val="2615168494"/>
+        <p14:creationId xmlns:p14="http://schemas.microsoft.com/office/powerpoint/2010/main" val="241156330"/>
       </p:ext>
     </p:extLst>
   </p:cSld>
@@ -7037,7 +7717,7 @@
           <a:p>
             <a:r>
               <a:rPr lang="de-DE" dirty="0" smtClean="0"/>
-              <a:t>Use Case „Bereich“</a:t>
+              <a:t>Use Case „Bereich einsehen“</a:t>
             </a:r>
             <a:endParaRPr lang="de-DE" dirty="0"/>
           </a:p>
@@ -7056,29 +7736,49 @@
         <p:spPr/>
         <p:txBody>
           <a:bodyPr>
-            <a:normAutofit/>
+            <a:normAutofit fontScale="92500" lnSpcReduction="10000"/>
           </a:bodyPr>
           <a:lstStyle/>
           <a:p>
             <a:r>
+              <a:rPr lang="de-DE" dirty="0" smtClean="0"/>
+              <a:t>Zentralbereichsleiter und Fachbereichs-organisation: dürfen alle Bereiche einsehen</a:t>
+            </a:r>
+          </a:p>
+          <a:p>
+            <a:r>
+              <a:rPr lang="de-DE" dirty="0" smtClean="0"/>
+              <a:t>Von der Übersicht der Bereiche kann der User direkt auf die Arbeitsgruppen eines Bereichs gelangen</a:t>
+            </a:r>
+          </a:p>
+          <a:p>
+            <a:r>
+              <a:rPr lang="de-DE" dirty="0" smtClean="0"/>
+              <a:t>Einträge der Bereiche werden zusätzlich aufsummiert</a:t>
+            </a:r>
+          </a:p>
+          <a:p>
+            <a:r>
               <a:rPr lang="de-DE" dirty="0"/>
-              <a:t>Die Auswahl zur Bearbeitung bzw. zur Löschung erfolgt über eine </a:t>
-            </a:r>
-            <a:r>
-              <a:rPr lang="de-DE" dirty="0" smtClean="0"/>
-              <a:t>Oberfläche mit Drop-Down-Feld</a:t>
-            </a:r>
-          </a:p>
-          <a:p>
-            <a:r>
-              <a:rPr lang="de-DE" dirty="0" smtClean="0"/>
-              <a:t>Bearbeiten: die Bezeichnung, die Kurz-bezeichnung und der Leiter sollen geändert werden können</a:t>
-            </a:r>
-          </a:p>
-          <a:p>
-            <a:r>
-              <a:rPr lang="de-DE" dirty="0" smtClean="0"/>
-              <a:t>Löschen: der Bereich wird inaktiv gesetzt, sobald alle Arbeitsgruppen und Mitarbeiter aus dem Bereich entfernt wurden</a:t>
+              <a:t>„Abrechen“ leitet den </a:t>
+            </a:r>
+            <a:r>
+              <a:rPr lang="de-DE" dirty="0" smtClean="0"/>
+              <a:t>User wieder </a:t>
+            </a:r>
+            <a:r>
+              <a:rPr lang="de-DE" dirty="0"/>
+              <a:t>auf die Seite zurück, auf der er Kalenderjahr und Kalenderwoche eingeben kann, um Daten anzuzeigen</a:t>
+            </a:r>
+          </a:p>
+          <a:p>
+            <a:r>
+              <a:rPr lang="de-DE" dirty="0"/>
+              <a:t>„Drucken“ gibt die aktuelle Tabelle als PDF-Datei </a:t>
+            </a:r>
+            <a:r>
+              <a:rPr lang="de-DE" dirty="0" smtClean="0"/>
+              <a:t>aus</a:t>
             </a:r>
             <a:endParaRPr lang="de-DE" dirty="0"/>
           </a:p>
@@ -7087,7 +7787,7 @@
     </p:spTree>
     <p:extLst>
       <p:ext uri="{BB962C8B-B14F-4D97-AF65-F5344CB8AC3E}">
-        <p14:creationId xmlns:p14="http://schemas.microsoft.com/office/powerpoint/2010/main" val="42813484"/>
+        <p14:creationId xmlns:p14="http://schemas.microsoft.com/office/powerpoint/2010/main" val="1739418431"/>
       </p:ext>
     </p:extLst>
   </p:cSld>
@@ -7138,7 +7838,7 @@
           <a:p>
             <a:r>
               <a:rPr lang="de-DE" dirty="0" smtClean="0"/>
-              <a:t>Use Case „Arbeitsgruppe“</a:t>
+              <a:t>Use Case „Bereich“</a:t>
             </a:r>
             <a:endParaRPr lang="de-DE" dirty="0"/>
           </a:p>
@@ -7162,35 +7862,22 @@
           <a:lstStyle/>
           <a:p>
             <a:r>
-              <a:rPr lang="de-DE" dirty="0"/>
+              <a:rPr lang="de-DE" dirty="0" smtClean="0"/>
               <a:t>Die Verwaltung erfolgt über die Fachbereichs-organisation</a:t>
             </a:r>
           </a:p>
           <a:p>
             <a:r>
-              <a:rPr lang="de-DE" dirty="0"/>
-              <a:t>Anlegen: mit Angaben über </a:t>
-            </a:r>
-            <a:r>
-              <a:rPr lang="de-DE" dirty="0" smtClean="0"/>
-              <a:t>Bezeichnung, Kurz-bezeichnung und Bereich soll eine Arbeitsgruppe angelegt </a:t>
-            </a:r>
-            <a:r>
-              <a:rPr lang="de-DE" dirty="0"/>
-              <a:t>werden </a:t>
-            </a:r>
-            <a:r>
-              <a:rPr lang="de-DE" dirty="0" smtClean="0"/>
-              <a:t>können</a:t>
-            </a:r>
-            <a:endParaRPr lang="de-DE" dirty="0"/>
+              <a:rPr lang="de-DE" dirty="0" smtClean="0"/>
+              <a:t>Anlegen: mit Angaben über Bezeichnung und Kurzbezeichnung soll ein Bereich angelegt werden können</a:t>
+            </a:r>
           </a:p>
         </p:txBody>
       </p:sp>
     </p:spTree>
     <p:extLst>
       <p:ext uri="{BB962C8B-B14F-4D97-AF65-F5344CB8AC3E}">
-        <p14:creationId xmlns:p14="http://schemas.microsoft.com/office/powerpoint/2010/main" val="243874718"/>
+        <p14:creationId xmlns:p14="http://schemas.microsoft.com/office/powerpoint/2010/main" val="2615168494"/>
       </p:ext>
     </p:extLst>
   </p:cSld>
@@ -7241,7 +7928,7 @@
           <a:p>
             <a:r>
               <a:rPr lang="de-DE" dirty="0" smtClean="0"/>
-              <a:t>Use Case „Arbeitsgruppe“</a:t>
+              <a:t>Use Case „Bereich“</a:t>
             </a:r>
             <a:endParaRPr lang="de-DE" dirty="0"/>
           </a:p>
@@ -7266,63 +7953,32 @@
           <a:p>
             <a:r>
               <a:rPr lang="de-DE" dirty="0"/>
-              <a:t>Die Auswahl zur Bearbeitung bzw. zur Löschung erfolgt über eine Suchen-Oberfläche</a:t>
-            </a:r>
-          </a:p>
-          <a:p>
-            <a:r>
-              <a:rPr lang="de-DE" dirty="0" smtClean="0"/>
-              <a:t>Bearbeiten</a:t>
-            </a:r>
-            <a:r>
-              <a:rPr lang="de-DE" dirty="0"/>
-              <a:t>: die Bezeichnung, die </a:t>
-            </a:r>
-            <a:r>
-              <a:rPr lang="de-DE" dirty="0" smtClean="0"/>
-              <a:t>Kurzbezeichnung, die Zuordnung zum Bereich </a:t>
-            </a:r>
-            <a:r>
-              <a:rPr lang="de-DE" dirty="0"/>
-              <a:t>und der Leiter sollen geändert werden können</a:t>
-            </a:r>
-          </a:p>
-          <a:p>
-            <a:r>
-              <a:rPr lang="de-DE" dirty="0"/>
-              <a:t>Löschen: </a:t>
-            </a:r>
-            <a:r>
-              <a:rPr lang="de-DE" dirty="0" smtClean="0"/>
-              <a:t>die Arbeitsgruppe wird </a:t>
-            </a:r>
-            <a:r>
-              <a:rPr lang="de-DE" dirty="0"/>
-              <a:t>inaktiv gesetzt, sobald alle </a:t>
-            </a:r>
-            <a:r>
-              <a:rPr lang="de-DE" dirty="0" smtClean="0"/>
-              <a:t>Mitarbeiter </a:t>
-            </a:r>
-            <a:r>
-              <a:rPr lang="de-DE" dirty="0"/>
-              <a:t>aus </a:t>
-            </a:r>
-            <a:r>
-              <a:rPr lang="de-DE" dirty="0" smtClean="0"/>
-              <a:t>der Arbeitsgruppe entfernt </a:t>
-            </a:r>
-            <a:r>
-              <a:rPr lang="de-DE" dirty="0"/>
-              <a:t>wurden</a:t>
-            </a:r>
+              <a:t>Die Auswahl zur Bearbeitung bzw. zur Löschung erfolgt über eine </a:t>
+            </a:r>
+            <a:r>
+              <a:rPr lang="de-DE" dirty="0" smtClean="0"/>
+              <a:t>Oberfläche mit Drop-Down-Feld</a:t>
+            </a:r>
+          </a:p>
+          <a:p>
+            <a:r>
+              <a:rPr lang="de-DE" dirty="0" smtClean="0"/>
+              <a:t>Bearbeiten: die Bezeichnung, die Kurz-bezeichnung und der Leiter sollen geändert werden können</a:t>
+            </a:r>
+          </a:p>
+          <a:p>
+            <a:r>
+              <a:rPr lang="de-DE" dirty="0" smtClean="0"/>
+              <a:t>Löschen: der Bereich wird inaktiv gesetzt, sobald alle Arbeitsgruppen und Mitarbeiter aus dem Bereich entfernt wurden</a:t>
+            </a:r>
+            <a:endParaRPr lang="de-DE" dirty="0"/>
           </a:p>
         </p:txBody>
       </p:sp>
     </p:spTree>
     <p:extLst>
       <p:ext uri="{BB962C8B-B14F-4D97-AF65-F5344CB8AC3E}">
-        <p14:creationId xmlns:p14="http://schemas.microsoft.com/office/powerpoint/2010/main" val="600913733"/>
+        <p14:creationId xmlns:p14="http://schemas.microsoft.com/office/powerpoint/2010/main" val="42813484"/>
       </p:ext>
     </p:extLst>
   </p:cSld>
@@ -7373,7 +8029,7 @@
           <a:p>
             <a:r>
               <a:rPr lang="de-DE" dirty="0" smtClean="0"/>
-              <a:t>Use Case „Mitarbeiter“</a:t>
+              <a:t>Use Case „Arbeitsgruppe“</a:t>
             </a:r>
             <a:endParaRPr lang="de-DE" dirty="0"/>
           </a:p>
@@ -7392,7 +8048,7 @@
         <p:spPr/>
         <p:txBody>
           <a:bodyPr>
-            <a:normAutofit lnSpcReduction="10000"/>
+            <a:normAutofit/>
           </a:bodyPr>
           <a:lstStyle/>
           <a:p>
@@ -7404,32 +8060,19 @@
           <a:p>
             <a:r>
               <a:rPr lang="de-DE" dirty="0"/>
-              <a:t>Anlegen: </a:t>
-            </a:r>
-            <a:r>
-              <a:rPr lang="de-DE" dirty="0" smtClean="0"/>
-              <a:t>die Oberfläche wird je nach Rolle des Mitarbeiters angepasst</a:t>
-            </a:r>
-          </a:p>
-          <a:p>
-            <a:pPr lvl="1"/>
-            <a:r>
-              <a:rPr lang="de-DE" dirty="0" smtClean="0"/>
-              <a:t>Vorname, Nachname, Benutzername und Rolle müssen immer angegeben werden</a:t>
-            </a:r>
-          </a:p>
-          <a:p>
-            <a:pPr lvl="1"/>
-            <a:r>
-              <a:rPr lang="de-DE" dirty="0" smtClean="0"/>
-              <a:t>Das Passwort kann entweder manuell eingegeben werden oder kann über einen Button automatisch generiert werden</a:t>
-            </a:r>
-          </a:p>
-          <a:p>
-            <a:pPr lvl="1"/>
-            <a:r>
-              <a:rPr lang="de-DE" dirty="0" smtClean="0"/>
-              <a:t>Je nach Rolle muss entweder eine Arbeitsgruppe oder ein Bereich ausgewählt werden</a:t>
+              <a:t>Anlegen: mit Angaben über </a:t>
+            </a:r>
+            <a:r>
+              <a:rPr lang="de-DE" dirty="0" smtClean="0"/>
+              <a:t>Bezeichnung, Kurz-bezeichnung und Bereich soll eine Arbeitsgruppe angelegt </a:t>
+            </a:r>
+            <a:r>
+              <a:rPr lang="de-DE" dirty="0"/>
+              <a:t>werden </a:t>
+            </a:r>
+            <a:r>
+              <a:rPr lang="de-DE" dirty="0" smtClean="0"/>
+              <a:t>können</a:t>
             </a:r>
             <a:endParaRPr lang="de-DE" dirty="0"/>
           </a:p>
@@ -7438,7 +8081,7 @@
     </p:spTree>
     <p:extLst>
       <p:ext uri="{BB962C8B-B14F-4D97-AF65-F5344CB8AC3E}">
-        <p14:creationId xmlns:p14="http://schemas.microsoft.com/office/powerpoint/2010/main" val="3395818784"/>
+        <p14:creationId xmlns:p14="http://schemas.microsoft.com/office/powerpoint/2010/main" val="243874718"/>
       </p:ext>
     </p:extLst>
   </p:cSld>
@@ -7488,60 +8131,89 @@
           <a:lstStyle/>
           <a:p>
             <a:r>
+              <a:rPr lang="de-DE" dirty="0" smtClean="0"/>
+              <a:t>Use Case „Arbeitsgruppe“</a:t>
+            </a:r>
+            <a:endParaRPr lang="de-DE" dirty="0"/>
+          </a:p>
+        </p:txBody>
+      </p:sp>
+      <p:sp>
+        <p:nvSpPr>
+          <p:cNvPr id="3" name="Inhaltsplatzhalter 2"/>
+          <p:cNvSpPr>
+            <a:spLocks noGrp="1"/>
+          </p:cNvSpPr>
+          <p:nvPr>
+            <p:ph idx="1"/>
+          </p:nvPr>
+        </p:nvSpPr>
+        <p:spPr/>
+        <p:txBody>
+          <a:bodyPr>
+            <a:normAutofit/>
+          </a:bodyPr>
+          <a:lstStyle/>
+          <a:p>
+            <a:r>
               <a:rPr lang="de-DE" dirty="0"/>
-              <a:t>Use Case „Mitarbeiter“</a:t>
-            </a:r>
-          </a:p>
-        </p:txBody>
-      </p:sp>
-      <p:sp>
-        <p:nvSpPr>
-          <p:cNvPr id="3" name="Inhaltsplatzhalter 2"/>
-          <p:cNvSpPr>
-            <a:spLocks noGrp="1"/>
-          </p:cNvSpPr>
-          <p:nvPr>
-            <p:ph idx="1"/>
-          </p:nvPr>
-        </p:nvSpPr>
-        <p:spPr/>
-        <p:txBody>
-          <a:bodyPr>
-            <a:normAutofit lnSpcReduction="10000"/>
-          </a:bodyPr>
-          <a:lstStyle/>
-          <a:p>
-            <a:r>
-              <a:rPr lang="de-DE" dirty="0" smtClean="0"/>
               <a:t>Die Auswahl zur Bearbeitung bzw. zur Löschung erfolgt über eine Suchen-Oberfläche</a:t>
             </a:r>
           </a:p>
           <a:p>
             <a:r>
               <a:rPr lang="de-DE" dirty="0" smtClean="0"/>
-              <a:t>Bearbeiten: Vorname, Nachname, Rolle und Bereich bzw. Arbeitsgruppe können geändert werden</a:t>
-            </a:r>
-          </a:p>
-          <a:p>
-            <a:pPr lvl="1"/>
-            <a:r>
-              <a:rPr lang="de-DE" dirty="0" smtClean="0"/>
-              <a:t>Je nach Rolle wird entweder Bereich oder Arbeitsgruppe angezeigt</a:t>
-            </a:r>
-          </a:p>
-          <a:p>
-            <a:r>
-              <a:rPr lang="de-DE" dirty="0" smtClean="0"/>
-              <a:t>Löschen: nach der Suche erscheint eine Auswahl-Tabelle über die der Mitarbeiter gelöscht werden kann</a:t>
-            </a:r>
-            <a:endParaRPr lang="de-DE" dirty="0"/>
+              <a:t>Bearbeiten</a:t>
+            </a:r>
+            <a:r>
+              <a:rPr lang="de-DE" dirty="0"/>
+              <a:t>: die Bezeichnung, die </a:t>
+            </a:r>
+            <a:r>
+              <a:rPr lang="de-DE" dirty="0" smtClean="0"/>
+              <a:t>Kurzbezeichnung, die Zuordnung zum Bereich </a:t>
+            </a:r>
+            <a:r>
+              <a:rPr lang="de-DE" dirty="0"/>
+              <a:t>und der Leiter sollen geändert werden können</a:t>
+            </a:r>
+          </a:p>
+          <a:p>
+            <a:r>
+              <a:rPr lang="de-DE" dirty="0"/>
+              <a:t>Löschen: </a:t>
+            </a:r>
+            <a:r>
+              <a:rPr lang="de-DE" dirty="0" smtClean="0"/>
+              <a:t>die Arbeitsgruppe wird </a:t>
+            </a:r>
+            <a:r>
+              <a:rPr lang="de-DE" dirty="0"/>
+              <a:t>inaktiv gesetzt, sobald alle </a:t>
+            </a:r>
+            <a:r>
+              <a:rPr lang="de-DE" dirty="0" smtClean="0"/>
+              <a:t>Mitarbeiter </a:t>
+            </a:r>
+            <a:r>
+              <a:rPr lang="de-DE" dirty="0"/>
+              <a:t>aus </a:t>
+            </a:r>
+            <a:r>
+              <a:rPr lang="de-DE" dirty="0" smtClean="0"/>
+              <a:t>der Arbeitsgruppe entfernt </a:t>
+            </a:r>
+            <a:r>
+              <a:rPr lang="de-DE" dirty="0"/>
+              <a:t>wurden</a:t>
+            </a:r>
           </a:p>
         </p:txBody>
       </p:sp>
     </p:spTree>
     <p:extLst>
       <p:ext uri="{BB962C8B-B14F-4D97-AF65-F5344CB8AC3E}">
-        <p14:creationId xmlns:p14="http://schemas.microsoft.com/office/powerpoint/2010/main" val="1313710794"/>
+        <p14:creationId xmlns:p14="http://schemas.microsoft.com/office/powerpoint/2010/main" val="600913733"/>
       </p:ext>
     </p:extLst>
   </p:cSld>
@@ -7592,6 +8264,557 @@
           <a:p>
             <a:r>
               <a:rPr lang="de-DE" dirty="0" smtClean="0"/>
+              <a:t>Use Case „Mitarbeiter“</a:t>
+            </a:r>
+            <a:endParaRPr lang="de-DE" dirty="0"/>
+          </a:p>
+        </p:txBody>
+      </p:sp>
+      <p:sp>
+        <p:nvSpPr>
+          <p:cNvPr id="3" name="Inhaltsplatzhalter 2"/>
+          <p:cNvSpPr>
+            <a:spLocks noGrp="1"/>
+          </p:cNvSpPr>
+          <p:nvPr>
+            <p:ph idx="1"/>
+          </p:nvPr>
+        </p:nvSpPr>
+        <p:spPr/>
+        <p:txBody>
+          <a:bodyPr>
+            <a:normAutofit lnSpcReduction="10000"/>
+          </a:bodyPr>
+          <a:lstStyle/>
+          <a:p>
+            <a:r>
+              <a:rPr lang="de-DE" dirty="0"/>
+              <a:t>Die Verwaltung erfolgt über die Fachbereichs-organisation</a:t>
+            </a:r>
+          </a:p>
+          <a:p>
+            <a:r>
+              <a:rPr lang="de-DE" dirty="0"/>
+              <a:t>Anlegen: </a:t>
+            </a:r>
+            <a:r>
+              <a:rPr lang="de-DE" dirty="0" smtClean="0"/>
+              <a:t>die Oberfläche wird je nach Rolle des Mitarbeiters angepasst</a:t>
+            </a:r>
+          </a:p>
+          <a:p>
+            <a:pPr lvl="1"/>
+            <a:r>
+              <a:rPr lang="de-DE" dirty="0" smtClean="0"/>
+              <a:t>Vorname, Nachname, Benutzername und Rolle müssen immer angegeben werden</a:t>
+            </a:r>
+          </a:p>
+          <a:p>
+            <a:pPr lvl="1"/>
+            <a:r>
+              <a:rPr lang="de-DE" dirty="0" smtClean="0"/>
+              <a:t>Das Passwort kann entweder manuell eingegeben werden oder kann über einen Button automatisch generiert werden</a:t>
+            </a:r>
+          </a:p>
+          <a:p>
+            <a:pPr lvl="1"/>
+            <a:r>
+              <a:rPr lang="de-DE" dirty="0" smtClean="0"/>
+              <a:t>Je nach Rolle muss entweder eine Arbeitsgruppe oder ein Bereich ausgewählt werden</a:t>
+            </a:r>
+            <a:endParaRPr lang="de-DE" dirty="0"/>
+          </a:p>
+        </p:txBody>
+      </p:sp>
+    </p:spTree>
+    <p:extLst>
+      <p:ext uri="{BB962C8B-B14F-4D97-AF65-F5344CB8AC3E}">
+        <p14:creationId xmlns:p14="http://schemas.microsoft.com/office/powerpoint/2010/main" val="3395818784"/>
+      </p:ext>
+    </p:extLst>
+  </p:cSld>
+  <p:clrMapOvr>
+    <a:masterClrMapping/>
+  </p:clrMapOvr>
+  <p:timing>
+    <p:tnLst>
+      <p:par>
+        <p:cTn id="1" dur="indefinite" restart="never" nodeType="tmRoot"/>
+      </p:par>
+    </p:tnLst>
+  </p:timing>
+</p:sld>
+</file>
+
+<file path=ppt/slides/slide3.xml><?xml version="1.0" encoding="utf-8"?>
+<p:sld xmlns:a="http://schemas.openxmlformats.org/drawingml/2006/main" xmlns:r="http://schemas.openxmlformats.org/officeDocument/2006/relationships" xmlns:p="http://schemas.openxmlformats.org/presentationml/2006/main">
+  <p:cSld>
+    <p:spTree>
+      <p:nvGrpSpPr>
+        <p:cNvPr id="1" name=""/>
+        <p:cNvGrpSpPr/>
+        <p:nvPr/>
+      </p:nvGrpSpPr>
+      <p:grpSpPr>
+        <a:xfrm>
+          <a:off x="0" y="0"/>
+          <a:ext cx="0" cy="0"/>
+          <a:chOff x="0" y="0"/>
+          <a:chExt cx="0" cy="0"/>
+        </a:xfrm>
+      </p:grpSpPr>
+      <p:sp>
+        <p:nvSpPr>
+          <p:cNvPr id="2" name="Titel 1"/>
+          <p:cNvSpPr>
+            <a:spLocks noGrp="1"/>
+          </p:cNvSpPr>
+          <p:nvPr>
+            <p:ph type="title"/>
+          </p:nvPr>
+        </p:nvSpPr>
+        <p:spPr/>
+        <p:txBody>
+          <a:bodyPr/>
+          <a:lstStyle/>
+          <a:p>
+            <a:r>
+              <a:rPr lang="de-DE" dirty="0" smtClean="0"/>
+              <a:t>Gliederung</a:t>
+            </a:r>
+            <a:endParaRPr lang="de-DE" dirty="0"/>
+          </a:p>
+        </p:txBody>
+      </p:sp>
+      <p:sp>
+        <p:nvSpPr>
+          <p:cNvPr id="3" name="Inhaltsplatzhalter 2"/>
+          <p:cNvSpPr txBox="1">
+            <a:spLocks/>
+          </p:cNvSpPr>
+          <p:nvPr/>
+        </p:nvSpPr>
+        <p:spPr>
+          <a:xfrm>
+            <a:off x="457200" y="2249424"/>
+            <a:ext cx="8229600" cy="4325112"/>
+          </a:xfrm>
+          <a:prstGeom prst="rect">
+            <a:avLst/>
+          </a:prstGeom>
+        </p:spPr>
+        <p:txBody>
+          <a:bodyPr>
+            <a:normAutofit fontScale="92500" lnSpcReduction="20000"/>
+          </a:bodyPr>
+          <a:lstStyle>
+            <a:lvl1pPr marL="365760" indent="-256032" algn="l" rtl="0" eaLnBrk="1" latinLnBrk="0" hangingPunct="1">
+              <a:spcBef>
+                <a:spcPts val="300"/>
+              </a:spcBef>
+              <a:buClr>
+                <a:schemeClr val="accent3"/>
+              </a:buClr>
+              <a:buFont typeface="Georgia"/>
+              <a:buChar char="•"/>
+              <a:defRPr kumimoji="0" sz="2800" kern="1200">
+                <a:solidFill>
+                  <a:schemeClr val="tx1"/>
+                </a:solidFill>
+                <a:latin typeface="+mn-lt"/>
+                <a:ea typeface="+mn-ea"/>
+                <a:cs typeface="+mn-cs"/>
+              </a:defRPr>
+            </a:lvl1pPr>
+            <a:lvl2pPr marL="658368" indent="-246888" algn="l" rtl="0" eaLnBrk="1" latinLnBrk="0" hangingPunct="1">
+              <a:spcBef>
+                <a:spcPts val="300"/>
+              </a:spcBef>
+              <a:buClr>
+                <a:schemeClr val="accent2"/>
+              </a:buClr>
+              <a:buFont typeface="Georgia"/>
+              <a:buChar char="▫"/>
+              <a:defRPr kumimoji="0" sz="2600" kern="1200">
+                <a:solidFill>
+                  <a:schemeClr val="accent2"/>
+                </a:solidFill>
+                <a:latin typeface="+mn-lt"/>
+                <a:ea typeface="+mn-ea"/>
+                <a:cs typeface="+mn-cs"/>
+              </a:defRPr>
+            </a:lvl2pPr>
+            <a:lvl3pPr marL="923544" indent="-219456" algn="l" rtl="0" eaLnBrk="1" latinLnBrk="0" hangingPunct="1">
+              <a:spcBef>
+                <a:spcPts val="300"/>
+              </a:spcBef>
+              <a:buClr>
+                <a:schemeClr val="accent1"/>
+              </a:buClr>
+              <a:buFont typeface="Wingdings 2"/>
+              <a:buChar char=""/>
+              <a:defRPr kumimoji="0" sz="2400" kern="1200">
+                <a:solidFill>
+                  <a:schemeClr val="accent1"/>
+                </a:solidFill>
+                <a:latin typeface="+mn-lt"/>
+                <a:ea typeface="+mn-ea"/>
+                <a:cs typeface="+mn-cs"/>
+              </a:defRPr>
+            </a:lvl3pPr>
+            <a:lvl4pPr marL="1179576" indent="-201168" algn="l" rtl="0" eaLnBrk="1" latinLnBrk="0" hangingPunct="1">
+              <a:spcBef>
+                <a:spcPts val="300"/>
+              </a:spcBef>
+              <a:buClr>
+                <a:schemeClr val="accent1"/>
+              </a:buClr>
+              <a:buFont typeface="Wingdings 2"/>
+              <a:buChar char=""/>
+              <a:defRPr kumimoji="0" sz="2200" kern="1200">
+                <a:solidFill>
+                  <a:schemeClr val="accent1"/>
+                </a:solidFill>
+                <a:latin typeface="+mn-lt"/>
+                <a:ea typeface="+mn-ea"/>
+                <a:cs typeface="+mn-cs"/>
+              </a:defRPr>
+            </a:lvl4pPr>
+            <a:lvl5pPr marL="1389888" indent="-182880" algn="l" rtl="0" eaLnBrk="1" latinLnBrk="0" hangingPunct="1">
+              <a:spcBef>
+                <a:spcPts val="300"/>
+              </a:spcBef>
+              <a:buClr>
+                <a:schemeClr val="accent3"/>
+              </a:buClr>
+              <a:buFont typeface="Georgia"/>
+              <a:buChar char="▫"/>
+              <a:defRPr kumimoji="0" sz="2000" kern="1200">
+                <a:solidFill>
+                  <a:schemeClr val="accent3"/>
+                </a:solidFill>
+                <a:latin typeface="+mn-lt"/>
+                <a:ea typeface="+mn-ea"/>
+                <a:cs typeface="+mn-cs"/>
+              </a:defRPr>
+            </a:lvl5pPr>
+            <a:lvl6pPr marL="1609344" indent="-182880" algn="l" rtl="0" eaLnBrk="1" latinLnBrk="0" hangingPunct="1">
+              <a:spcBef>
+                <a:spcPts val="300"/>
+              </a:spcBef>
+              <a:buClr>
+                <a:schemeClr val="accent3"/>
+              </a:buClr>
+              <a:buFont typeface="Georgia"/>
+              <a:buChar char="▫"/>
+              <a:defRPr kumimoji="0" sz="1800" kern="1200">
+                <a:solidFill>
+                  <a:schemeClr val="accent3"/>
+                </a:solidFill>
+                <a:latin typeface="+mn-lt"/>
+                <a:ea typeface="+mn-ea"/>
+                <a:cs typeface="+mn-cs"/>
+              </a:defRPr>
+            </a:lvl6pPr>
+            <a:lvl7pPr marL="1828800" indent="-182880" algn="l" rtl="0" eaLnBrk="1" latinLnBrk="0" hangingPunct="1">
+              <a:spcBef>
+                <a:spcPts val="300"/>
+              </a:spcBef>
+              <a:buClr>
+                <a:schemeClr val="accent3"/>
+              </a:buClr>
+              <a:buFont typeface="Georgia"/>
+              <a:buChar char="▫"/>
+              <a:defRPr kumimoji="0" sz="1600" kern="1200">
+                <a:solidFill>
+                  <a:schemeClr val="accent3"/>
+                </a:solidFill>
+                <a:latin typeface="+mn-lt"/>
+                <a:ea typeface="+mn-ea"/>
+                <a:cs typeface="+mn-cs"/>
+              </a:defRPr>
+            </a:lvl7pPr>
+            <a:lvl8pPr marL="2029968" indent="-182880" algn="l" rtl="0" eaLnBrk="1" latinLnBrk="0" hangingPunct="1">
+              <a:spcBef>
+                <a:spcPts val="300"/>
+              </a:spcBef>
+              <a:buClr>
+                <a:schemeClr val="accent3"/>
+              </a:buClr>
+              <a:buFont typeface="Georgia"/>
+              <a:buChar char="◦"/>
+              <a:defRPr kumimoji="0" sz="1500" kern="1200">
+                <a:solidFill>
+                  <a:schemeClr val="accent3"/>
+                </a:solidFill>
+                <a:latin typeface="+mn-lt"/>
+                <a:ea typeface="+mn-ea"/>
+                <a:cs typeface="+mn-cs"/>
+              </a:defRPr>
+            </a:lvl8pPr>
+            <a:lvl9pPr marL="2240280" indent="-182880" algn="l" rtl="0" eaLnBrk="1" latinLnBrk="0" hangingPunct="1">
+              <a:spcBef>
+                <a:spcPts val="300"/>
+              </a:spcBef>
+              <a:buClr>
+                <a:schemeClr val="accent3"/>
+              </a:buClr>
+              <a:buFont typeface="Georgia"/>
+              <a:buChar char="◦"/>
+              <a:defRPr kumimoji="0" sz="1400" kern="1200" baseline="0">
+                <a:solidFill>
+                  <a:schemeClr val="accent3"/>
+                </a:solidFill>
+                <a:latin typeface="+mn-lt"/>
+                <a:ea typeface="+mn-ea"/>
+                <a:cs typeface="+mn-cs"/>
+              </a:defRPr>
+            </a:lvl9pPr>
+          </a:lstStyle>
+          <a:p>
+            <a:r>
+              <a:rPr lang="de-DE" dirty="0" smtClean="0"/>
+              <a:t>Projektorganisation</a:t>
+            </a:r>
+          </a:p>
+          <a:p>
+            <a:r>
+              <a:rPr lang="de-DE" dirty="0" smtClean="0"/>
+              <a:t>Zeitplan</a:t>
+            </a:r>
+          </a:p>
+          <a:p>
+            <a:r>
+              <a:rPr lang="de-DE" dirty="0" err="1" smtClean="0"/>
+              <a:t>Use</a:t>
+            </a:r>
+            <a:r>
+              <a:rPr lang="de-DE" dirty="0" smtClean="0"/>
+              <a:t> Cases / Rollen und Rechte</a:t>
+            </a:r>
+          </a:p>
+          <a:p>
+            <a:r>
+              <a:rPr lang="de-DE" dirty="0" smtClean="0"/>
+              <a:t>Systemumgebung</a:t>
+            </a:r>
+          </a:p>
+          <a:p>
+            <a:r>
+              <a:rPr lang="de-DE" dirty="0" smtClean="0"/>
+              <a:t>Systemarchitektur</a:t>
+            </a:r>
+          </a:p>
+          <a:p>
+            <a:pPr lvl="1"/>
+            <a:r>
+              <a:rPr lang="de-DE" dirty="0" smtClean="0"/>
+              <a:t>View</a:t>
+            </a:r>
+          </a:p>
+          <a:p>
+            <a:pPr lvl="1"/>
+            <a:r>
+              <a:rPr lang="de-DE" dirty="0" smtClean="0"/>
+              <a:t>Controller</a:t>
+            </a:r>
+          </a:p>
+          <a:p>
+            <a:pPr lvl="1"/>
+            <a:r>
+              <a:rPr lang="de-DE" dirty="0" smtClean="0"/>
+              <a:t>Modell</a:t>
+            </a:r>
+          </a:p>
+          <a:p>
+            <a:pPr lvl="1"/>
+            <a:r>
+              <a:rPr lang="de-DE" dirty="0" smtClean="0"/>
+              <a:t>Architektur</a:t>
+            </a:r>
+          </a:p>
+          <a:p>
+            <a:r>
+              <a:rPr lang="de-DE" dirty="0" smtClean="0"/>
+              <a:t>Testphase</a:t>
+            </a:r>
+          </a:p>
+          <a:p>
+            <a:r>
+              <a:rPr lang="de-DE" dirty="0" smtClean="0"/>
+              <a:t>Live Show</a:t>
+            </a:r>
+          </a:p>
+          <a:p>
+            <a:r>
+              <a:rPr lang="de-DE" dirty="0" err="1" smtClean="0"/>
+              <a:t>Lessons</a:t>
+            </a:r>
+            <a:r>
+              <a:rPr lang="de-DE" dirty="0" smtClean="0"/>
+              <a:t> </a:t>
+            </a:r>
+            <a:r>
+              <a:rPr lang="de-DE" dirty="0" err="1" smtClean="0"/>
+              <a:t>learned</a:t>
+            </a:r>
+            <a:endParaRPr lang="de-DE" dirty="0" smtClean="0"/>
+          </a:p>
+          <a:p>
+            <a:endParaRPr lang="de-DE" dirty="0"/>
+          </a:p>
+        </p:txBody>
+      </p:sp>
+    </p:spTree>
+    <p:extLst>
+      <p:ext uri="{BB962C8B-B14F-4D97-AF65-F5344CB8AC3E}">
+        <p14:creationId xmlns:p14="http://schemas.microsoft.com/office/powerpoint/2010/main" val="2653359653"/>
+      </p:ext>
+    </p:extLst>
+  </p:cSld>
+  <p:clrMapOvr>
+    <a:masterClrMapping/>
+  </p:clrMapOvr>
+</p:sld>
+</file>
+
+<file path=ppt/slides/slide30.xml><?xml version="1.0" encoding="utf-8"?>
+<p:sld xmlns:a="http://schemas.openxmlformats.org/drawingml/2006/main" xmlns:r="http://schemas.openxmlformats.org/officeDocument/2006/relationships" xmlns:p="http://schemas.openxmlformats.org/presentationml/2006/main">
+  <p:cSld>
+    <p:spTree>
+      <p:nvGrpSpPr>
+        <p:cNvPr id="1" name=""/>
+        <p:cNvGrpSpPr/>
+        <p:nvPr/>
+      </p:nvGrpSpPr>
+      <p:grpSpPr>
+        <a:xfrm>
+          <a:off x="0" y="0"/>
+          <a:ext cx="0" cy="0"/>
+          <a:chOff x="0" y="0"/>
+          <a:chExt cx="0" cy="0"/>
+        </a:xfrm>
+      </p:grpSpPr>
+      <p:sp>
+        <p:nvSpPr>
+          <p:cNvPr id="2" name="Titel 1"/>
+          <p:cNvSpPr>
+            <a:spLocks noGrp="1"/>
+          </p:cNvSpPr>
+          <p:nvPr>
+            <p:ph type="title"/>
+          </p:nvPr>
+        </p:nvSpPr>
+        <p:spPr/>
+        <p:txBody>
+          <a:bodyPr/>
+          <a:lstStyle/>
+          <a:p>
+            <a:r>
+              <a:rPr lang="de-DE" dirty="0"/>
+              <a:t>Use Case „Mitarbeiter“</a:t>
+            </a:r>
+          </a:p>
+        </p:txBody>
+      </p:sp>
+      <p:sp>
+        <p:nvSpPr>
+          <p:cNvPr id="3" name="Inhaltsplatzhalter 2"/>
+          <p:cNvSpPr>
+            <a:spLocks noGrp="1"/>
+          </p:cNvSpPr>
+          <p:nvPr>
+            <p:ph idx="1"/>
+          </p:nvPr>
+        </p:nvSpPr>
+        <p:spPr/>
+        <p:txBody>
+          <a:bodyPr>
+            <a:normAutofit lnSpcReduction="10000"/>
+          </a:bodyPr>
+          <a:lstStyle/>
+          <a:p>
+            <a:r>
+              <a:rPr lang="de-DE" dirty="0" smtClean="0"/>
+              <a:t>Die Auswahl zur Bearbeitung bzw. zur Löschung erfolgt über eine Suchen-Oberfläche</a:t>
+            </a:r>
+          </a:p>
+          <a:p>
+            <a:r>
+              <a:rPr lang="de-DE" dirty="0" smtClean="0"/>
+              <a:t>Bearbeiten: Vorname, Nachname, Rolle und Bereich bzw. Arbeitsgruppe können geändert werden</a:t>
+            </a:r>
+          </a:p>
+          <a:p>
+            <a:pPr lvl="1"/>
+            <a:r>
+              <a:rPr lang="de-DE" dirty="0" smtClean="0"/>
+              <a:t>Je nach Rolle wird entweder Bereich oder Arbeitsgruppe angezeigt</a:t>
+            </a:r>
+          </a:p>
+          <a:p>
+            <a:r>
+              <a:rPr lang="de-DE" dirty="0" smtClean="0"/>
+              <a:t>Löschen: nach der Suche erscheint eine Auswahl-Tabelle über die der Mitarbeiter gelöscht werden kann</a:t>
+            </a:r>
+            <a:endParaRPr lang="de-DE" dirty="0"/>
+          </a:p>
+        </p:txBody>
+      </p:sp>
+    </p:spTree>
+    <p:extLst>
+      <p:ext uri="{BB962C8B-B14F-4D97-AF65-F5344CB8AC3E}">
+        <p14:creationId xmlns:p14="http://schemas.microsoft.com/office/powerpoint/2010/main" val="1313710794"/>
+      </p:ext>
+    </p:extLst>
+  </p:cSld>
+  <p:clrMapOvr>
+    <a:masterClrMapping/>
+  </p:clrMapOvr>
+  <p:timing>
+    <p:tnLst>
+      <p:par>
+        <p:cTn id="1" dur="indefinite" restart="never" nodeType="tmRoot"/>
+      </p:par>
+    </p:tnLst>
+  </p:timing>
+</p:sld>
+</file>
+
+<file path=ppt/slides/slide31.xml><?xml version="1.0" encoding="utf-8"?>
+<p:sld xmlns:a="http://schemas.openxmlformats.org/drawingml/2006/main" xmlns:r="http://schemas.openxmlformats.org/officeDocument/2006/relationships" xmlns:p="http://schemas.openxmlformats.org/presentationml/2006/main">
+  <p:cSld>
+    <p:spTree>
+      <p:nvGrpSpPr>
+        <p:cNvPr id="1" name=""/>
+        <p:cNvGrpSpPr/>
+        <p:nvPr/>
+      </p:nvGrpSpPr>
+      <p:grpSpPr>
+        <a:xfrm>
+          <a:off x="0" y="0"/>
+          <a:ext cx="0" cy="0"/>
+          <a:chOff x="0" y="0"/>
+          <a:chExt cx="0" cy="0"/>
+        </a:xfrm>
+      </p:grpSpPr>
+      <p:sp>
+        <p:nvSpPr>
+          <p:cNvPr id="2" name="Titel 1"/>
+          <p:cNvSpPr>
+            <a:spLocks noGrp="1"/>
+          </p:cNvSpPr>
+          <p:nvPr>
+            <p:ph type="title"/>
+          </p:nvPr>
+        </p:nvSpPr>
+        <p:spPr/>
+        <p:txBody>
+          <a:bodyPr/>
+          <a:lstStyle/>
+          <a:p>
+            <a:r>
+              <a:rPr lang="de-DE" dirty="0" smtClean="0"/>
               <a:t>Use Case „Art“</a:t>
             </a:r>
             <a:endParaRPr lang="de-DE" dirty="0"/>
@@ -7655,7 +8878,116 @@
 </p:sld>
 </file>
 
-<file path=ppt/slides/slide3.xml><?xml version="1.0" encoding="utf-8"?>
+<file path=ppt/slides/slide32.xml><?xml version="1.0" encoding="utf-8"?>
+<p:sld xmlns:a="http://schemas.openxmlformats.org/drawingml/2006/main" xmlns:r="http://schemas.openxmlformats.org/officeDocument/2006/relationships" xmlns:p="http://schemas.openxmlformats.org/presentationml/2006/main">
+  <p:cSld>
+    <p:spTree>
+      <p:nvGrpSpPr>
+        <p:cNvPr id="1" name=""/>
+        <p:cNvGrpSpPr/>
+        <p:nvPr/>
+      </p:nvGrpSpPr>
+      <p:grpSpPr>
+        <a:xfrm>
+          <a:off x="0" y="0"/>
+          <a:ext cx="0" cy="0"/>
+          <a:chOff x="0" y="0"/>
+          <a:chExt cx="0" cy="0"/>
+        </a:xfrm>
+      </p:grpSpPr>
+      <p:sp>
+        <p:nvSpPr>
+          <p:cNvPr id="2" name="Titel 1"/>
+          <p:cNvSpPr>
+            <a:spLocks noGrp="1"/>
+          </p:cNvSpPr>
+          <p:nvPr>
+            <p:ph type="title"/>
+          </p:nvPr>
+        </p:nvSpPr>
+        <p:spPr/>
+        <p:txBody>
+          <a:bodyPr/>
+          <a:lstStyle/>
+          <a:p>
+            <a:r>
+              <a:rPr lang="de-DE" dirty="0" smtClean="0"/>
+              <a:t>Use Case „Job“</a:t>
+            </a:r>
+            <a:endParaRPr lang="de-DE" dirty="0"/>
+          </a:p>
+        </p:txBody>
+      </p:sp>
+      <p:sp>
+        <p:nvSpPr>
+          <p:cNvPr id="3" name="Inhaltsplatzhalter 2"/>
+          <p:cNvSpPr>
+            <a:spLocks noGrp="1"/>
+          </p:cNvSpPr>
+          <p:nvPr>
+            <p:ph idx="1"/>
+          </p:nvPr>
+        </p:nvSpPr>
+        <p:spPr/>
+        <p:txBody>
+          <a:bodyPr>
+            <a:normAutofit lnSpcReduction="10000"/>
+          </a:bodyPr>
+          <a:lstStyle/>
+          <a:p>
+            <a:r>
+              <a:rPr lang="de-DE" dirty="0" smtClean="0"/>
+              <a:t>Einstellungen: es kann festgelegt werden in welchem Intervall die Einträge der Sachbearbeiter bzw. der Gruppenleiter gelöscht werden</a:t>
+            </a:r>
+          </a:p>
+          <a:p>
+            <a:pPr lvl="1"/>
+            <a:r>
+              <a:rPr lang="de-DE" dirty="0" smtClean="0"/>
+              <a:t>Das Intervall kann nur monatsweise festgelegt werden</a:t>
+            </a:r>
+          </a:p>
+          <a:p>
+            <a:r>
+              <a:rPr lang="de-DE" dirty="0" smtClean="0"/>
+              <a:t>Aufsummierung: die Einträge werden in der Wochenübersicht bzw. in der Jahresübersicht aufsummiert</a:t>
+            </a:r>
+          </a:p>
+          <a:p>
+            <a:pPr lvl="1"/>
+            <a:r>
+              <a:rPr lang="de-DE" dirty="0" smtClean="0"/>
+              <a:t>Der Job </a:t>
+            </a:r>
+            <a:r>
+              <a:rPr lang="de-DE" smtClean="0"/>
+              <a:t>läuft jede Nacht</a:t>
+            </a:r>
+            <a:endParaRPr lang="de-DE" dirty="0" smtClean="0"/>
+          </a:p>
+        </p:txBody>
+      </p:sp>
+    </p:spTree>
+    <p:extLst>
+      <p:ext uri="{BB962C8B-B14F-4D97-AF65-F5344CB8AC3E}">
+        <p14:creationId xmlns:p14="http://schemas.microsoft.com/office/powerpoint/2010/main" val="2726382500"/>
+      </p:ext>
+    </p:extLst>
+  </p:cSld>
+  <p:clrMapOvr>
+    <a:masterClrMapping/>
+  </p:clrMapOvr>
+  <p:timing>
+    <p:tnLst>
+      <p:par>
+        <p:cTn id="1" dur="indefinite" restart="never" nodeType="tmRoot"/>
+      </p:par>
+    </p:tnLst>
+  </p:timing>
+</p:sld>
+</file>
+
+<file path=ppt/slides/slide4.xml><?xml version="1.0" encoding="utf-8"?>
 <p:sld xmlns:a="http://schemas.openxmlformats.org/drawingml/2006/main" xmlns:r="http://schemas.openxmlformats.org/officeDocument/2006/relationships" xmlns:p="http://schemas.openxmlformats.org/presentationml/2006/main">
   <p:cSld>
     <p:spTree>
@@ -8057,7 +9389,7 @@
 </p:sld>
 </file>
 
-<file path=ppt/slides/slide30.xml><?xml version="1.0" encoding="utf-8"?>
+<file path=ppt/slides/slide5.xml><?xml version="1.0" encoding="utf-8"?>
 <p:sld xmlns:a="http://schemas.openxmlformats.org/drawingml/2006/main" xmlns:r="http://schemas.openxmlformats.org/officeDocument/2006/relationships" xmlns:p="http://schemas.openxmlformats.org/presentationml/2006/main">
   <p:cSld>
     <p:spTree>
@@ -8091,82 +9423,26 @@
           <a:p>
             <a:r>
               <a:rPr lang="de-DE" dirty="0" smtClean="0"/>
-              <a:t>Use Case „Job“</a:t>
+              <a:t>Zeitplan</a:t>
             </a:r>
             <a:endParaRPr lang="de-DE" dirty="0"/>
-          </a:p>
-        </p:txBody>
-      </p:sp>
-      <p:sp>
-        <p:nvSpPr>
-          <p:cNvPr id="3" name="Inhaltsplatzhalter 2"/>
-          <p:cNvSpPr>
-            <a:spLocks noGrp="1"/>
-          </p:cNvSpPr>
-          <p:nvPr>
-            <p:ph idx="1"/>
-          </p:nvPr>
-        </p:nvSpPr>
-        <p:spPr/>
-        <p:txBody>
-          <a:bodyPr>
-            <a:normAutofit lnSpcReduction="10000"/>
-          </a:bodyPr>
-          <a:lstStyle/>
-          <a:p>
-            <a:r>
-              <a:rPr lang="de-DE" dirty="0" smtClean="0"/>
-              <a:t>Einstellungen: es kann festgelegt werden in welchem Intervall die Einträge der Sachbearbeiter bzw. der Gruppenleiter gelöscht werden</a:t>
-            </a:r>
-          </a:p>
-          <a:p>
-            <a:pPr lvl="1"/>
-            <a:r>
-              <a:rPr lang="de-DE" dirty="0" smtClean="0"/>
-              <a:t>Das Intervall kann nur monatsweise festgelegt werden</a:t>
-            </a:r>
-          </a:p>
-          <a:p>
-            <a:r>
-              <a:rPr lang="de-DE" dirty="0" smtClean="0"/>
-              <a:t>Aufsummierung: die Einträge werden in der Wochenübersicht bzw. in der Jahresübersicht aufsummiert</a:t>
-            </a:r>
-          </a:p>
-          <a:p>
-            <a:pPr lvl="1"/>
-            <a:r>
-              <a:rPr lang="de-DE" dirty="0" smtClean="0"/>
-              <a:t>Der Job </a:t>
-            </a:r>
-            <a:r>
-              <a:rPr lang="de-DE" smtClean="0"/>
-              <a:t>läuft jede Nacht</a:t>
-            </a:r>
-            <a:endParaRPr lang="de-DE" dirty="0" smtClean="0"/>
           </a:p>
         </p:txBody>
       </p:sp>
     </p:spTree>
     <p:extLst>
       <p:ext uri="{BB962C8B-B14F-4D97-AF65-F5344CB8AC3E}">
-        <p14:creationId xmlns:p14="http://schemas.microsoft.com/office/powerpoint/2010/main" val="2726382500"/>
+        <p14:creationId xmlns:p14="http://schemas.microsoft.com/office/powerpoint/2010/main" val="4055082209"/>
       </p:ext>
     </p:extLst>
   </p:cSld>
   <p:clrMapOvr>
     <a:masterClrMapping/>
   </p:clrMapOvr>
-  <p:timing>
-    <p:tnLst>
-      <p:par>
-        <p:cTn id="1" dur="indefinite" restart="never" nodeType="tmRoot"/>
-      </p:par>
-    </p:tnLst>
-  </p:timing>
 </p:sld>
 </file>
 
-<file path=ppt/slides/slide4.xml><?xml version="1.0" encoding="utf-8"?>
+<file path=ppt/slides/slide6.xml><?xml version="1.0" encoding="utf-8"?>
 <p:sld xmlns:a="http://schemas.openxmlformats.org/drawingml/2006/main" xmlns:r="http://schemas.openxmlformats.org/officeDocument/2006/relationships" xmlns:p="http://schemas.openxmlformats.org/presentationml/2006/main">
   <p:cSld>
     <p:spTree>
@@ -8293,7 +9569,7 @@
 </p:sld>
 </file>
 
-<file path=ppt/slides/slide5.xml><?xml version="1.0" encoding="utf-8"?>
+<file path=ppt/slides/slide7.xml><?xml version="1.0" encoding="utf-8"?>
 <p:sld xmlns:a="http://schemas.openxmlformats.org/drawingml/2006/main" xmlns:r="http://schemas.openxmlformats.org/officeDocument/2006/relationships" xmlns:p="http://schemas.openxmlformats.org/presentationml/2006/main">
   <p:cSld>
     <p:spTree>
@@ -8714,7 +9990,7 @@
 </p:sld>
 </file>
 
-<file path=ppt/slides/slide6.xml><?xml version="1.0" encoding="utf-8"?>
+<file path=ppt/slides/slide8.xml><?xml version="1.0" encoding="utf-8"?>
 <p:sld xmlns:a="http://schemas.openxmlformats.org/drawingml/2006/main" xmlns:r="http://schemas.openxmlformats.org/officeDocument/2006/relationships" xmlns:p="http://schemas.openxmlformats.org/presentationml/2006/main">
   <p:cSld>
     <p:spTree>
@@ -9052,7 +10328,7 @@
 </p:sld>
 </file>
 
-<file path=ppt/slides/slide7.xml><?xml version="1.0" encoding="utf-8"?>
+<file path=ppt/slides/slide9.xml><?xml version="1.0" encoding="utf-8"?>
 <p:sld xmlns:a="http://schemas.openxmlformats.org/drawingml/2006/main" xmlns:r="http://schemas.openxmlformats.org/officeDocument/2006/relationships" xmlns:p="http://schemas.openxmlformats.org/presentationml/2006/main">
   <p:cSld>
     <p:spTree>
@@ -9523,900 +10799,6 @@
     <p:extLst>
       <p:ext uri="{BB962C8B-B14F-4D97-AF65-F5344CB8AC3E}">
         <p14:creationId xmlns:p14="http://schemas.microsoft.com/office/powerpoint/2010/main" val="3149715247"/>
-      </p:ext>
-    </p:extLst>
-  </p:cSld>
-  <p:clrMapOvr>
-    <a:masterClrMapping/>
-  </p:clrMapOvr>
-</p:sld>
-</file>
-
-<file path=ppt/slides/slide8.xml><?xml version="1.0" encoding="utf-8"?>
-<p:sld xmlns:a="http://schemas.openxmlformats.org/drawingml/2006/main" xmlns:r="http://schemas.openxmlformats.org/officeDocument/2006/relationships" xmlns:p="http://schemas.openxmlformats.org/presentationml/2006/main">
-  <p:cSld>
-    <p:spTree>
-      <p:nvGrpSpPr>
-        <p:cNvPr id="1" name=""/>
-        <p:cNvGrpSpPr/>
-        <p:nvPr/>
-      </p:nvGrpSpPr>
-      <p:grpSpPr>
-        <a:xfrm>
-          <a:off x="0" y="0"/>
-          <a:ext cx="0" cy="0"/>
-          <a:chOff x="0" y="0"/>
-          <a:chExt cx="0" cy="0"/>
-        </a:xfrm>
-      </p:grpSpPr>
-      <p:sp>
-        <p:nvSpPr>
-          <p:cNvPr id="2" name="Titel 1"/>
-          <p:cNvSpPr>
-            <a:spLocks noGrp="1"/>
-          </p:cNvSpPr>
-          <p:nvPr>
-            <p:ph type="title"/>
-          </p:nvPr>
-        </p:nvSpPr>
-        <p:spPr/>
-        <p:txBody>
-          <a:bodyPr/>
-          <a:lstStyle/>
-          <a:p>
-            <a:r>
-              <a:rPr lang="de-DE" dirty="0" smtClean="0"/>
-              <a:t>Controller</a:t>
-            </a:r>
-            <a:endParaRPr lang="de-DE" dirty="0"/>
-          </a:p>
-        </p:txBody>
-      </p:sp>
-      <p:sp>
-        <p:nvSpPr>
-          <p:cNvPr id="3" name="Inhaltsplatzhalter 2"/>
-          <p:cNvSpPr txBox="1">
-            <a:spLocks/>
-          </p:cNvSpPr>
-          <p:nvPr/>
-        </p:nvSpPr>
-        <p:spPr>
-          <a:xfrm>
-            <a:off x="457200" y="2249424"/>
-            <a:ext cx="8229600" cy="4325112"/>
-          </a:xfrm>
-          <a:prstGeom prst="rect">
-            <a:avLst/>
-          </a:prstGeom>
-        </p:spPr>
-        <p:txBody>
-          <a:bodyPr>
-            <a:normAutofit/>
-          </a:bodyPr>
-          <a:lstStyle>
-            <a:lvl1pPr marL="365760" indent="-256032" algn="l" rtl="0" eaLnBrk="1" latinLnBrk="0" hangingPunct="1">
-              <a:spcBef>
-                <a:spcPts val="300"/>
-              </a:spcBef>
-              <a:buClr>
-                <a:schemeClr val="accent3"/>
-              </a:buClr>
-              <a:buFont typeface="Georgia"/>
-              <a:buChar char="•"/>
-              <a:defRPr kumimoji="0" sz="2800" kern="1200">
-                <a:solidFill>
-                  <a:schemeClr val="tx1"/>
-                </a:solidFill>
-                <a:latin typeface="+mn-lt"/>
-                <a:ea typeface="+mn-ea"/>
-                <a:cs typeface="+mn-cs"/>
-              </a:defRPr>
-            </a:lvl1pPr>
-            <a:lvl2pPr marL="658368" indent="-246888" algn="l" rtl="0" eaLnBrk="1" latinLnBrk="0" hangingPunct="1">
-              <a:spcBef>
-                <a:spcPts val="300"/>
-              </a:spcBef>
-              <a:buClr>
-                <a:schemeClr val="accent2"/>
-              </a:buClr>
-              <a:buFont typeface="Georgia"/>
-              <a:buChar char="▫"/>
-              <a:defRPr kumimoji="0" sz="2600" kern="1200">
-                <a:solidFill>
-                  <a:schemeClr val="accent2"/>
-                </a:solidFill>
-                <a:latin typeface="+mn-lt"/>
-                <a:ea typeface="+mn-ea"/>
-                <a:cs typeface="+mn-cs"/>
-              </a:defRPr>
-            </a:lvl2pPr>
-            <a:lvl3pPr marL="923544" indent="-219456" algn="l" rtl="0" eaLnBrk="1" latinLnBrk="0" hangingPunct="1">
-              <a:spcBef>
-                <a:spcPts val="300"/>
-              </a:spcBef>
-              <a:buClr>
-                <a:schemeClr val="accent1"/>
-              </a:buClr>
-              <a:buFont typeface="Wingdings 2"/>
-              <a:buChar char=""/>
-              <a:defRPr kumimoji="0" sz="2400" kern="1200">
-                <a:solidFill>
-                  <a:schemeClr val="accent1"/>
-                </a:solidFill>
-                <a:latin typeface="+mn-lt"/>
-                <a:ea typeface="+mn-ea"/>
-                <a:cs typeface="+mn-cs"/>
-              </a:defRPr>
-            </a:lvl3pPr>
-            <a:lvl4pPr marL="1179576" indent="-201168" algn="l" rtl="0" eaLnBrk="1" latinLnBrk="0" hangingPunct="1">
-              <a:spcBef>
-                <a:spcPts val="300"/>
-              </a:spcBef>
-              <a:buClr>
-                <a:schemeClr val="accent1"/>
-              </a:buClr>
-              <a:buFont typeface="Wingdings 2"/>
-              <a:buChar char=""/>
-              <a:defRPr kumimoji="0" sz="2200" kern="1200">
-                <a:solidFill>
-                  <a:schemeClr val="accent1"/>
-                </a:solidFill>
-                <a:latin typeface="+mn-lt"/>
-                <a:ea typeface="+mn-ea"/>
-                <a:cs typeface="+mn-cs"/>
-              </a:defRPr>
-            </a:lvl4pPr>
-            <a:lvl5pPr marL="1389888" indent="-182880" algn="l" rtl="0" eaLnBrk="1" latinLnBrk="0" hangingPunct="1">
-              <a:spcBef>
-                <a:spcPts val="300"/>
-              </a:spcBef>
-              <a:buClr>
-                <a:schemeClr val="accent3"/>
-              </a:buClr>
-              <a:buFont typeface="Georgia"/>
-              <a:buChar char="▫"/>
-              <a:defRPr kumimoji="0" sz="2000" kern="1200">
-                <a:solidFill>
-                  <a:schemeClr val="accent3"/>
-                </a:solidFill>
-                <a:latin typeface="+mn-lt"/>
-                <a:ea typeface="+mn-ea"/>
-                <a:cs typeface="+mn-cs"/>
-              </a:defRPr>
-            </a:lvl5pPr>
-            <a:lvl6pPr marL="1609344" indent="-182880" algn="l" rtl="0" eaLnBrk="1" latinLnBrk="0" hangingPunct="1">
-              <a:spcBef>
-                <a:spcPts val="300"/>
-              </a:spcBef>
-              <a:buClr>
-                <a:schemeClr val="accent3"/>
-              </a:buClr>
-              <a:buFont typeface="Georgia"/>
-              <a:buChar char="▫"/>
-              <a:defRPr kumimoji="0" sz="1800" kern="1200">
-                <a:solidFill>
-                  <a:schemeClr val="accent3"/>
-                </a:solidFill>
-                <a:latin typeface="+mn-lt"/>
-                <a:ea typeface="+mn-ea"/>
-                <a:cs typeface="+mn-cs"/>
-              </a:defRPr>
-            </a:lvl6pPr>
-            <a:lvl7pPr marL="1828800" indent="-182880" algn="l" rtl="0" eaLnBrk="1" latinLnBrk="0" hangingPunct="1">
-              <a:spcBef>
-                <a:spcPts val="300"/>
-              </a:spcBef>
-              <a:buClr>
-                <a:schemeClr val="accent3"/>
-              </a:buClr>
-              <a:buFont typeface="Georgia"/>
-              <a:buChar char="▫"/>
-              <a:defRPr kumimoji="0" sz="1600" kern="1200">
-                <a:solidFill>
-                  <a:schemeClr val="accent3"/>
-                </a:solidFill>
-                <a:latin typeface="+mn-lt"/>
-                <a:ea typeface="+mn-ea"/>
-                <a:cs typeface="+mn-cs"/>
-              </a:defRPr>
-            </a:lvl7pPr>
-            <a:lvl8pPr marL="2029968" indent="-182880" algn="l" rtl="0" eaLnBrk="1" latinLnBrk="0" hangingPunct="1">
-              <a:spcBef>
-                <a:spcPts val="300"/>
-              </a:spcBef>
-              <a:buClr>
-                <a:schemeClr val="accent3"/>
-              </a:buClr>
-              <a:buFont typeface="Georgia"/>
-              <a:buChar char="◦"/>
-              <a:defRPr kumimoji="0" sz="1500" kern="1200">
-                <a:solidFill>
-                  <a:schemeClr val="accent3"/>
-                </a:solidFill>
-                <a:latin typeface="+mn-lt"/>
-                <a:ea typeface="+mn-ea"/>
-                <a:cs typeface="+mn-cs"/>
-              </a:defRPr>
-            </a:lvl8pPr>
-            <a:lvl9pPr marL="2240280" indent="-182880" algn="l" rtl="0" eaLnBrk="1" latinLnBrk="0" hangingPunct="1">
-              <a:spcBef>
-                <a:spcPts val="300"/>
-              </a:spcBef>
-              <a:buClr>
-                <a:schemeClr val="accent3"/>
-              </a:buClr>
-              <a:buFont typeface="Georgia"/>
-              <a:buChar char="◦"/>
-              <a:defRPr kumimoji="0" sz="1400" kern="1200" baseline="0">
-                <a:solidFill>
-                  <a:schemeClr val="accent3"/>
-                </a:solidFill>
-                <a:latin typeface="+mn-lt"/>
-                <a:ea typeface="+mn-ea"/>
-                <a:cs typeface="+mn-cs"/>
-              </a:defRPr>
-            </a:lvl9pPr>
-          </a:lstStyle>
-          <a:p>
-            <a:endParaRPr lang="de-DE" dirty="0"/>
-          </a:p>
-        </p:txBody>
-      </p:sp>
-      <p:sp>
-        <p:nvSpPr>
-          <p:cNvPr id="4" name="Inhaltsplatzhalter 2"/>
-          <p:cNvSpPr txBox="1">
-            <a:spLocks/>
-          </p:cNvSpPr>
-          <p:nvPr/>
-        </p:nvSpPr>
-        <p:spPr>
-          <a:xfrm>
-            <a:off x="609600" y="2401824"/>
-            <a:ext cx="8229600" cy="4325112"/>
-          </a:xfrm>
-          <a:prstGeom prst="rect">
-            <a:avLst/>
-          </a:prstGeom>
-        </p:spPr>
-        <p:txBody>
-          <a:bodyPr>
-            <a:normAutofit/>
-          </a:bodyPr>
-          <a:lstStyle>
-            <a:lvl1pPr marL="365760" indent="-256032" algn="l" rtl="0" eaLnBrk="1" latinLnBrk="0" hangingPunct="1">
-              <a:spcBef>
-                <a:spcPts val="300"/>
-              </a:spcBef>
-              <a:buClr>
-                <a:schemeClr val="accent3"/>
-              </a:buClr>
-              <a:buFont typeface="Georgia"/>
-              <a:buChar char="•"/>
-              <a:defRPr kumimoji="0" sz="2800" kern="1200">
-                <a:solidFill>
-                  <a:schemeClr val="tx1"/>
-                </a:solidFill>
-                <a:latin typeface="+mn-lt"/>
-                <a:ea typeface="+mn-ea"/>
-                <a:cs typeface="+mn-cs"/>
-              </a:defRPr>
-            </a:lvl1pPr>
-            <a:lvl2pPr marL="658368" indent="-246888" algn="l" rtl="0" eaLnBrk="1" latinLnBrk="0" hangingPunct="1">
-              <a:spcBef>
-                <a:spcPts val="300"/>
-              </a:spcBef>
-              <a:buClr>
-                <a:schemeClr val="accent2"/>
-              </a:buClr>
-              <a:buFont typeface="Georgia"/>
-              <a:buChar char="▫"/>
-              <a:defRPr kumimoji="0" sz="2600" kern="1200">
-                <a:solidFill>
-                  <a:schemeClr val="accent2"/>
-                </a:solidFill>
-                <a:latin typeface="+mn-lt"/>
-                <a:ea typeface="+mn-ea"/>
-                <a:cs typeface="+mn-cs"/>
-              </a:defRPr>
-            </a:lvl2pPr>
-            <a:lvl3pPr marL="923544" indent="-219456" algn="l" rtl="0" eaLnBrk="1" latinLnBrk="0" hangingPunct="1">
-              <a:spcBef>
-                <a:spcPts val="300"/>
-              </a:spcBef>
-              <a:buClr>
-                <a:schemeClr val="accent1"/>
-              </a:buClr>
-              <a:buFont typeface="Wingdings 2"/>
-              <a:buChar char=""/>
-              <a:defRPr kumimoji="0" sz="2400" kern="1200">
-                <a:solidFill>
-                  <a:schemeClr val="accent1"/>
-                </a:solidFill>
-                <a:latin typeface="+mn-lt"/>
-                <a:ea typeface="+mn-ea"/>
-                <a:cs typeface="+mn-cs"/>
-              </a:defRPr>
-            </a:lvl3pPr>
-            <a:lvl4pPr marL="1179576" indent="-201168" algn="l" rtl="0" eaLnBrk="1" latinLnBrk="0" hangingPunct="1">
-              <a:spcBef>
-                <a:spcPts val="300"/>
-              </a:spcBef>
-              <a:buClr>
-                <a:schemeClr val="accent1"/>
-              </a:buClr>
-              <a:buFont typeface="Wingdings 2"/>
-              <a:buChar char=""/>
-              <a:defRPr kumimoji="0" sz="2200" kern="1200">
-                <a:solidFill>
-                  <a:schemeClr val="accent1"/>
-                </a:solidFill>
-                <a:latin typeface="+mn-lt"/>
-                <a:ea typeface="+mn-ea"/>
-                <a:cs typeface="+mn-cs"/>
-              </a:defRPr>
-            </a:lvl4pPr>
-            <a:lvl5pPr marL="1389888" indent="-182880" algn="l" rtl="0" eaLnBrk="1" latinLnBrk="0" hangingPunct="1">
-              <a:spcBef>
-                <a:spcPts val="300"/>
-              </a:spcBef>
-              <a:buClr>
-                <a:schemeClr val="accent3"/>
-              </a:buClr>
-              <a:buFont typeface="Georgia"/>
-              <a:buChar char="▫"/>
-              <a:defRPr kumimoji="0" sz="2000" kern="1200">
-                <a:solidFill>
-                  <a:schemeClr val="accent3"/>
-                </a:solidFill>
-                <a:latin typeface="+mn-lt"/>
-                <a:ea typeface="+mn-ea"/>
-                <a:cs typeface="+mn-cs"/>
-              </a:defRPr>
-            </a:lvl5pPr>
-            <a:lvl6pPr marL="1609344" indent="-182880" algn="l" rtl="0" eaLnBrk="1" latinLnBrk="0" hangingPunct="1">
-              <a:spcBef>
-                <a:spcPts val="300"/>
-              </a:spcBef>
-              <a:buClr>
-                <a:schemeClr val="accent3"/>
-              </a:buClr>
-              <a:buFont typeface="Georgia"/>
-              <a:buChar char="▫"/>
-              <a:defRPr kumimoji="0" sz="1800" kern="1200">
-                <a:solidFill>
-                  <a:schemeClr val="accent3"/>
-                </a:solidFill>
-                <a:latin typeface="+mn-lt"/>
-                <a:ea typeface="+mn-ea"/>
-                <a:cs typeface="+mn-cs"/>
-              </a:defRPr>
-            </a:lvl6pPr>
-            <a:lvl7pPr marL="1828800" indent="-182880" algn="l" rtl="0" eaLnBrk="1" latinLnBrk="0" hangingPunct="1">
-              <a:spcBef>
-                <a:spcPts val="300"/>
-              </a:spcBef>
-              <a:buClr>
-                <a:schemeClr val="accent3"/>
-              </a:buClr>
-              <a:buFont typeface="Georgia"/>
-              <a:buChar char="▫"/>
-              <a:defRPr kumimoji="0" sz="1600" kern="1200">
-                <a:solidFill>
-                  <a:schemeClr val="accent3"/>
-                </a:solidFill>
-                <a:latin typeface="+mn-lt"/>
-                <a:ea typeface="+mn-ea"/>
-                <a:cs typeface="+mn-cs"/>
-              </a:defRPr>
-            </a:lvl7pPr>
-            <a:lvl8pPr marL="2029968" indent="-182880" algn="l" rtl="0" eaLnBrk="1" latinLnBrk="0" hangingPunct="1">
-              <a:spcBef>
-                <a:spcPts val="300"/>
-              </a:spcBef>
-              <a:buClr>
-                <a:schemeClr val="accent3"/>
-              </a:buClr>
-              <a:buFont typeface="Georgia"/>
-              <a:buChar char="◦"/>
-              <a:defRPr kumimoji="0" sz="1500" kern="1200">
-                <a:solidFill>
-                  <a:schemeClr val="accent3"/>
-                </a:solidFill>
-                <a:latin typeface="+mn-lt"/>
-                <a:ea typeface="+mn-ea"/>
-                <a:cs typeface="+mn-cs"/>
-              </a:defRPr>
-            </a:lvl8pPr>
-            <a:lvl9pPr marL="2240280" indent="-182880" algn="l" rtl="0" eaLnBrk="1" latinLnBrk="0" hangingPunct="1">
-              <a:spcBef>
-                <a:spcPts val="300"/>
-              </a:spcBef>
-              <a:buClr>
-                <a:schemeClr val="accent3"/>
-              </a:buClr>
-              <a:buFont typeface="Georgia"/>
-              <a:buChar char="◦"/>
-              <a:defRPr kumimoji="0" sz="1400" kern="1200" baseline="0">
-                <a:solidFill>
-                  <a:schemeClr val="accent3"/>
-                </a:solidFill>
-                <a:latin typeface="+mn-lt"/>
-                <a:ea typeface="+mn-ea"/>
-                <a:cs typeface="+mn-cs"/>
-              </a:defRPr>
-            </a:lvl9pPr>
-          </a:lstStyle>
-          <a:p>
-            <a:r>
-              <a:rPr lang="de-DE" dirty="0" smtClean="0"/>
-              <a:t>Verbindung von Oberfläche mit Datenbank</a:t>
-            </a:r>
-          </a:p>
-          <a:p>
-            <a:r>
-              <a:rPr lang="de-DE" dirty="0" smtClean="0"/>
-              <a:t>Verarbeitungslogik</a:t>
-            </a:r>
-            <a:endParaRPr lang="de-DE" dirty="0"/>
-          </a:p>
-        </p:txBody>
-      </p:sp>
-    </p:spTree>
-    <p:extLst>
-      <p:ext uri="{BB962C8B-B14F-4D97-AF65-F5344CB8AC3E}">
-        <p14:creationId xmlns:p14="http://schemas.microsoft.com/office/powerpoint/2010/main" val="1944802853"/>
-      </p:ext>
-    </p:extLst>
-  </p:cSld>
-  <p:clrMapOvr>
-    <a:masterClrMapping/>
-  </p:clrMapOvr>
-</p:sld>
-</file>
-
-<file path=ppt/slides/slide9.xml><?xml version="1.0" encoding="utf-8"?>
-<p:sld xmlns:a="http://schemas.openxmlformats.org/drawingml/2006/main" xmlns:r="http://schemas.openxmlformats.org/officeDocument/2006/relationships" xmlns:p="http://schemas.openxmlformats.org/presentationml/2006/main">
-  <p:cSld>
-    <p:spTree>
-      <p:nvGrpSpPr>
-        <p:cNvPr id="1" name=""/>
-        <p:cNvGrpSpPr/>
-        <p:nvPr/>
-      </p:nvGrpSpPr>
-      <p:grpSpPr>
-        <a:xfrm>
-          <a:off x="0" y="0"/>
-          <a:ext cx="0" cy="0"/>
-          <a:chOff x="0" y="0"/>
-          <a:chExt cx="0" cy="0"/>
-        </a:xfrm>
-      </p:grpSpPr>
-      <p:sp>
-        <p:nvSpPr>
-          <p:cNvPr id="2" name="Titel 1"/>
-          <p:cNvSpPr>
-            <a:spLocks noGrp="1"/>
-          </p:cNvSpPr>
-          <p:nvPr>
-            <p:ph type="title"/>
-          </p:nvPr>
-        </p:nvSpPr>
-        <p:spPr/>
-        <p:txBody>
-          <a:bodyPr/>
-          <a:lstStyle/>
-          <a:p>
-            <a:r>
-              <a:rPr lang="de-DE" dirty="0" smtClean="0"/>
-              <a:t>Model</a:t>
-            </a:r>
-            <a:endParaRPr lang="de-DE" dirty="0"/>
-          </a:p>
-        </p:txBody>
-      </p:sp>
-      <p:sp>
-        <p:nvSpPr>
-          <p:cNvPr id="3" name="Inhaltsplatzhalter 2"/>
-          <p:cNvSpPr txBox="1">
-            <a:spLocks/>
-          </p:cNvSpPr>
-          <p:nvPr/>
-        </p:nvSpPr>
-        <p:spPr>
-          <a:xfrm>
-            <a:off x="457200" y="2249424"/>
-            <a:ext cx="8229600" cy="4325112"/>
-          </a:xfrm>
-          <a:prstGeom prst="rect">
-            <a:avLst/>
-          </a:prstGeom>
-        </p:spPr>
-        <p:txBody>
-          <a:bodyPr>
-            <a:normAutofit/>
-          </a:bodyPr>
-          <a:lstStyle>
-            <a:lvl1pPr marL="365760" indent="-256032" algn="l" rtl="0" eaLnBrk="1" latinLnBrk="0" hangingPunct="1">
-              <a:spcBef>
-                <a:spcPts val="300"/>
-              </a:spcBef>
-              <a:buClr>
-                <a:schemeClr val="accent3"/>
-              </a:buClr>
-              <a:buFont typeface="Georgia"/>
-              <a:buChar char="•"/>
-              <a:defRPr kumimoji="0" sz="2800" kern="1200">
-                <a:solidFill>
-                  <a:schemeClr val="tx1"/>
-                </a:solidFill>
-                <a:latin typeface="+mn-lt"/>
-                <a:ea typeface="+mn-ea"/>
-                <a:cs typeface="+mn-cs"/>
-              </a:defRPr>
-            </a:lvl1pPr>
-            <a:lvl2pPr marL="658368" indent="-246888" algn="l" rtl="0" eaLnBrk="1" latinLnBrk="0" hangingPunct="1">
-              <a:spcBef>
-                <a:spcPts val="300"/>
-              </a:spcBef>
-              <a:buClr>
-                <a:schemeClr val="accent2"/>
-              </a:buClr>
-              <a:buFont typeface="Georgia"/>
-              <a:buChar char="▫"/>
-              <a:defRPr kumimoji="0" sz="2600" kern="1200">
-                <a:solidFill>
-                  <a:schemeClr val="accent2"/>
-                </a:solidFill>
-                <a:latin typeface="+mn-lt"/>
-                <a:ea typeface="+mn-ea"/>
-                <a:cs typeface="+mn-cs"/>
-              </a:defRPr>
-            </a:lvl2pPr>
-            <a:lvl3pPr marL="923544" indent="-219456" algn="l" rtl="0" eaLnBrk="1" latinLnBrk="0" hangingPunct="1">
-              <a:spcBef>
-                <a:spcPts val="300"/>
-              </a:spcBef>
-              <a:buClr>
-                <a:schemeClr val="accent1"/>
-              </a:buClr>
-              <a:buFont typeface="Wingdings 2"/>
-              <a:buChar char=""/>
-              <a:defRPr kumimoji="0" sz="2400" kern="1200">
-                <a:solidFill>
-                  <a:schemeClr val="accent1"/>
-                </a:solidFill>
-                <a:latin typeface="+mn-lt"/>
-                <a:ea typeface="+mn-ea"/>
-                <a:cs typeface="+mn-cs"/>
-              </a:defRPr>
-            </a:lvl3pPr>
-            <a:lvl4pPr marL="1179576" indent="-201168" algn="l" rtl="0" eaLnBrk="1" latinLnBrk="0" hangingPunct="1">
-              <a:spcBef>
-                <a:spcPts val="300"/>
-              </a:spcBef>
-              <a:buClr>
-                <a:schemeClr val="accent1"/>
-              </a:buClr>
-              <a:buFont typeface="Wingdings 2"/>
-              <a:buChar char=""/>
-              <a:defRPr kumimoji="0" sz="2200" kern="1200">
-                <a:solidFill>
-                  <a:schemeClr val="accent1"/>
-                </a:solidFill>
-                <a:latin typeface="+mn-lt"/>
-                <a:ea typeface="+mn-ea"/>
-                <a:cs typeface="+mn-cs"/>
-              </a:defRPr>
-            </a:lvl4pPr>
-            <a:lvl5pPr marL="1389888" indent="-182880" algn="l" rtl="0" eaLnBrk="1" latinLnBrk="0" hangingPunct="1">
-              <a:spcBef>
-                <a:spcPts val="300"/>
-              </a:spcBef>
-              <a:buClr>
-                <a:schemeClr val="accent3"/>
-              </a:buClr>
-              <a:buFont typeface="Georgia"/>
-              <a:buChar char="▫"/>
-              <a:defRPr kumimoji="0" sz="2000" kern="1200">
-                <a:solidFill>
-                  <a:schemeClr val="accent3"/>
-                </a:solidFill>
-                <a:latin typeface="+mn-lt"/>
-                <a:ea typeface="+mn-ea"/>
-                <a:cs typeface="+mn-cs"/>
-              </a:defRPr>
-            </a:lvl5pPr>
-            <a:lvl6pPr marL="1609344" indent="-182880" algn="l" rtl="0" eaLnBrk="1" latinLnBrk="0" hangingPunct="1">
-              <a:spcBef>
-                <a:spcPts val="300"/>
-              </a:spcBef>
-              <a:buClr>
-                <a:schemeClr val="accent3"/>
-              </a:buClr>
-              <a:buFont typeface="Georgia"/>
-              <a:buChar char="▫"/>
-              <a:defRPr kumimoji="0" sz="1800" kern="1200">
-                <a:solidFill>
-                  <a:schemeClr val="accent3"/>
-                </a:solidFill>
-                <a:latin typeface="+mn-lt"/>
-                <a:ea typeface="+mn-ea"/>
-                <a:cs typeface="+mn-cs"/>
-              </a:defRPr>
-            </a:lvl6pPr>
-            <a:lvl7pPr marL="1828800" indent="-182880" algn="l" rtl="0" eaLnBrk="1" latinLnBrk="0" hangingPunct="1">
-              <a:spcBef>
-                <a:spcPts val="300"/>
-              </a:spcBef>
-              <a:buClr>
-                <a:schemeClr val="accent3"/>
-              </a:buClr>
-              <a:buFont typeface="Georgia"/>
-              <a:buChar char="▫"/>
-              <a:defRPr kumimoji="0" sz="1600" kern="1200">
-                <a:solidFill>
-                  <a:schemeClr val="accent3"/>
-                </a:solidFill>
-                <a:latin typeface="+mn-lt"/>
-                <a:ea typeface="+mn-ea"/>
-                <a:cs typeface="+mn-cs"/>
-              </a:defRPr>
-            </a:lvl7pPr>
-            <a:lvl8pPr marL="2029968" indent="-182880" algn="l" rtl="0" eaLnBrk="1" latinLnBrk="0" hangingPunct="1">
-              <a:spcBef>
-                <a:spcPts val="300"/>
-              </a:spcBef>
-              <a:buClr>
-                <a:schemeClr val="accent3"/>
-              </a:buClr>
-              <a:buFont typeface="Georgia"/>
-              <a:buChar char="◦"/>
-              <a:defRPr kumimoji="0" sz="1500" kern="1200">
-                <a:solidFill>
-                  <a:schemeClr val="accent3"/>
-                </a:solidFill>
-                <a:latin typeface="+mn-lt"/>
-                <a:ea typeface="+mn-ea"/>
-                <a:cs typeface="+mn-cs"/>
-              </a:defRPr>
-            </a:lvl8pPr>
-            <a:lvl9pPr marL="2240280" indent="-182880" algn="l" rtl="0" eaLnBrk="1" latinLnBrk="0" hangingPunct="1">
-              <a:spcBef>
-                <a:spcPts val="300"/>
-              </a:spcBef>
-              <a:buClr>
-                <a:schemeClr val="accent3"/>
-              </a:buClr>
-              <a:buFont typeface="Georgia"/>
-              <a:buChar char="◦"/>
-              <a:defRPr kumimoji="0" sz="1400" kern="1200" baseline="0">
-                <a:solidFill>
-                  <a:schemeClr val="accent3"/>
-                </a:solidFill>
-                <a:latin typeface="+mn-lt"/>
-                <a:ea typeface="+mn-ea"/>
-                <a:cs typeface="+mn-cs"/>
-              </a:defRPr>
-            </a:lvl9pPr>
-          </a:lstStyle>
-          <a:p>
-            <a:endParaRPr lang="de-DE" dirty="0"/>
-          </a:p>
-        </p:txBody>
-      </p:sp>
-      <p:sp>
-        <p:nvSpPr>
-          <p:cNvPr id="4" name="Inhaltsplatzhalter 2"/>
-          <p:cNvSpPr txBox="1">
-            <a:spLocks/>
-          </p:cNvSpPr>
-          <p:nvPr/>
-        </p:nvSpPr>
-        <p:spPr>
-          <a:xfrm>
-            <a:off x="609600" y="2401824"/>
-            <a:ext cx="8229600" cy="4325112"/>
-          </a:xfrm>
-          <a:prstGeom prst="rect">
-            <a:avLst/>
-          </a:prstGeom>
-        </p:spPr>
-        <p:txBody>
-          <a:bodyPr>
-            <a:normAutofit/>
-          </a:bodyPr>
-          <a:lstStyle>
-            <a:lvl1pPr marL="365760" indent="-256032" algn="l" rtl="0" eaLnBrk="1" latinLnBrk="0" hangingPunct="1">
-              <a:spcBef>
-                <a:spcPts val="300"/>
-              </a:spcBef>
-              <a:buClr>
-                <a:schemeClr val="accent3"/>
-              </a:buClr>
-              <a:buFont typeface="Georgia"/>
-              <a:buChar char="•"/>
-              <a:defRPr kumimoji="0" sz="2800" kern="1200">
-                <a:solidFill>
-                  <a:schemeClr val="tx1"/>
-                </a:solidFill>
-                <a:latin typeface="+mn-lt"/>
-                <a:ea typeface="+mn-ea"/>
-                <a:cs typeface="+mn-cs"/>
-              </a:defRPr>
-            </a:lvl1pPr>
-            <a:lvl2pPr marL="658368" indent="-246888" algn="l" rtl="0" eaLnBrk="1" latinLnBrk="0" hangingPunct="1">
-              <a:spcBef>
-                <a:spcPts val="300"/>
-              </a:spcBef>
-              <a:buClr>
-                <a:schemeClr val="accent2"/>
-              </a:buClr>
-              <a:buFont typeface="Georgia"/>
-              <a:buChar char="▫"/>
-              <a:defRPr kumimoji="0" sz="2600" kern="1200">
-                <a:solidFill>
-                  <a:schemeClr val="accent2"/>
-                </a:solidFill>
-                <a:latin typeface="+mn-lt"/>
-                <a:ea typeface="+mn-ea"/>
-                <a:cs typeface="+mn-cs"/>
-              </a:defRPr>
-            </a:lvl2pPr>
-            <a:lvl3pPr marL="923544" indent="-219456" algn="l" rtl="0" eaLnBrk="1" latinLnBrk="0" hangingPunct="1">
-              <a:spcBef>
-                <a:spcPts val="300"/>
-              </a:spcBef>
-              <a:buClr>
-                <a:schemeClr val="accent1"/>
-              </a:buClr>
-              <a:buFont typeface="Wingdings 2"/>
-              <a:buChar char=""/>
-              <a:defRPr kumimoji="0" sz="2400" kern="1200">
-                <a:solidFill>
-                  <a:schemeClr val="accent1"/>
-                </a:solidFill>
-                <a:latin typeface="+mn-lt"/>
-                <a:ea typeface="+mn-ea"/>
-                <a:cs typeface="+mn-cs"/>
-              </a:defRPr>
-            </a:lvl3pPr>
-            <a:lvl4pPr marL="1179576" indent="-201168" algn="l" rtl="0" eaLnBrk="1" latinLnBrk="0" hangingPunct="1">
-              <a:spcBef>
-                <a:spcPts val="300"/>
-              </a:spcBef>
-              <a:buClr>
-                <a:schemeClr val="accent1"/>
-              </a:buClr>
-              <a:buFont typeface="Wingdings 2"/>
-              <a:buChar char=""/>
-              <a:defRPr kumimoji="0" sz="2200" kern="1200">
-                <a:solidFill>
-                  <a:schemeClr val="accent1"/>
-                </a:solidFill>
-                <a:latin typeface="+mn-lt"/>
-                <a:ea typeface="+mn-ea"/>
-                <a:cs typeface="+mn-cs"/>
-              </a:defRPr>
-            </a:lvl4pPr>
-            <a:lvl5pPr marL="1389888" indent="-182880" algn="l" rtl="0" eaLnBrk="1" latinLnBrk="0" hangingPunct="1">
-              <a:spcBef>
-                <a:spcPts val="300"/>
-              </a:spcBef>
-              <a:buClr>
-                <a:schemeClr val="accent3"/>
-              </a:buClr>
-              <a:buFont typeface="Georgia"/>
-              <a:buChar char="▫"/>
-              <a:defRPr kumimoji="0" sz="2000" kern="1200">
-                <a:solidFill>
-                  <a:schemeClr val="accent3"/>
-                </a:solidFill>
-                <a:latin typeface="+mn-lt"/>
-                <a:ea typeface="+mn-ea"/>
-                <a:cs typeface="+mn-cs"/>
-              </a:defRPr>
-            </a:lvl5pPr>
-            <a:lvl6pPr marL="1609344" indent="-182880" algn="l" rtl="0" eaLnBrk="1" latinLnBrk="0" hangingPunct="1">
-              <a:spcBef>
-                <a:spcPts val="300"/>
-              </a:spcBef>
-              <a:buClr>
-                <a:schemeClr val="accent3"/>
-              </a:buClr>
-              <a:buFont typeface="Georgia"/>
-              <a:buChar char="▫"/>
-              <a:defRPr kumimoji="0" sz="1800" kern="1200">
-                <a:solidFill>
-                  <a:schemeClr val="accent3"/>
-                </a:solidFill>
-                <a:latin typeface="+mn-lt"/>
-                <a:ea typeface="+mn-ea"/>
-                <a:cs typeface="+mn-cs"/>
-              </a:defRPr>
-            </a:lvl6pPr>
-            <a:lvl7pPr marL="1828800" indent="-182880" algn="l" rtl="0" eaLnBrk="1" latinLnBrk="0" hangingPunct="1">
-              <a:spcBef>
-                <a:spcPts val="300"/>
-              </a:spcBef>
-              <a:buClr>
-                <a:schemeClr val="accent3"/>
-              </a:buClr>
-              <a:buFont typeface="Georgia"/>
-              <a:buChar char="▫"/>
-              <a:defRPr kumimoji="0" sz="1600" kern="1200">
-                <a:solidFill>
-                  <a:schemeClr val="accent3"/>
-                </a:solidFill>
-                <a:latin typeface="+mn-lt"/>
-                <a:ea typeface="+mn-ea"/>
-                <a:cs typeface="+mn-cs"/>
-              </a:defRPr>
-            </a:lvl7pPr>
-            <a:lvl8pPr marL="2029968" indent="-182880" algn="l" rtl="0" eaLnBrk="1" latinLnBrk="0" hangingPunct="1">
-              <a:spcBef>
-                <a:spcPts val="300"/>
-              </a:spcBef>
-              <a:buClr>
-                <a:schemeClr val="accent3"/>
-              </a:buClr>
-              <a:buFont typeface="Georgia"/>
-              <a:buChar char="◦"/>
-              <a:defRPr kumimoji="0" sz="1500" kern="1200">
-                <a:solidFill>
-                  <a:schemeClr val="accent3"/>
-                </a:solidFill>
-                <a:latin typeface="+mn-lt"/>
-                <a:ea typeface="+mn-ea"/>
-                <a:cs typeface="+mn-cs"/>
-              </a:defRPr>
-            </a:lvl8pPr>
-            <a:lvl9pPr marL="2240280" indent="-182880" algn="l" rtl="0" eaLnBrk="1" latinLnBrk="0" hangingPunct="1">
-              <a:spcBef>
-                <a:spcPts val="300"/>
-              </a:spcBef>
-              <a:buClr>
-                <a:schemeClr val="accent3"/>
-              </a:buClr>
-              <a:buFont typeface="Georgia"/>
-              <a:buChar char="◦"/>
-              <a:defRPr kumimoji="0" sz="1400" kern="1200" baseline="0">
-                <a:solidFill>
-                  <a:schemeClr val="accent3"/>
-                </a:solidFill>
-                <a:latin typeface="+mn-lt"/>
-                <a:ea typeface="+mn-ea"/>
-                <a:cs typeface="+mn-cs"/>
-              </a:defRPr>
-            </a:lvl9pPr>
-          </a:lstStyle>
-          <a:p>
-            <a:r>
-              <a:rPr lang="de-DE" dirty="0" smtClean="0"/>
-              <a:t>Datenstruktur</a:t>
-            </a:r>
-          </a:p>
-          <a:p>
-            <a:pPr lvl="1"/>
-            <a:r>
-              <a:rPr lang="de-DE" dirty="0" smtClean="0"/>
-              <a:t>Keine Redundanzen</a:t>
-            </a:r>
-          </a:p>
-          <a:p>
-            <a:pPr lvl="1"/>
-            <a:r>
-              <a:rPr lang="de-DE" dirty="0" smtClean="0"/>
-              <a:t>Multiplizitäten</a:t>
-            </a:r>
-            <a:endParaRPr lang="de-DE" dirty="0"/>
-          </a:p>
-        </p:txBody>
-      </p:sp>
-    </p:spTree>
-    <p:extLst>
-      <p:ext uri="{BB962C8B-B14F-4D97-AF65-F5344CB8AC3E}">
-        <p14:creationId xmlns:p14="http://schemas.microsoft.com/office/powerpoint/2010/main" val="2447740237"/>
       </p:ext>
     </p:extLst>
   </p:cSld>

--- a/Projektmanagement/Abschlusspräsentation.pptx
+++ b/Projektmanagement/Abschlusspräsentation.pptx
@@ -5,17 +5,17 @@
     <p:sldMasterId id="2147483828" r:id="rId1"/>
   </p:sldMasterIdLst>
   <p:notesMasterIdLst>
-    <p:notesMasterId r:id="rId34"/>
+    <p:notesMasterId r:id="rId37"/>
   </p:notesMasterIdLst>
   <p:handoutMasterIdLst>
-    <p:handoutMasterId r:id="rId35"/>
+    <p:handoutMasterId r:id="rId38"/>
   </p:handoutMasterIdLst>
   <p:sldIdLst>
     <p:sldId id="256" r:id="rId2"/>
-    <p:sldId id="257" r:id="rId3"/>
-    <p:sldId id="291" r:id="rId4"/>
+    <p:sldId id="291" r:id="rId3"/>
+    <p:sldId id="257" r:id="rId4"/>
     <p:sldId id="274" r:id="rId5"/>
-    <p:sldId id="292" r:id="rId6"/>
+    <p:sldId id="294" r:id="rId6"/>
     <p:sldId id="259" r:id="rId7"/>
     <p:sldId id="280" r:id="rId8"/>
     <p:sldId id="279" r:id="rId9"/>
@@ -24,25 +24,28 @@
     <p:sldId id="285" r:id="rId12"/>
     <p:sldId id="286" r:id="rId13"/>
     <p:sldId id="290" r:id="rId14"/>
-    <p:sldId id="282" r:id="rId15"/>
-    <p:sldId id="288" r:id="rId16"/>
-    <p:sldId id="287" r:id="rId17"/>
-    <p:sldId id="281" r:id="rId18"/>
-    <p:sldId id="263" r:id="rId19"/>
-    <p:sldId id="272" r:id="rId20"/>
-    <p:sldId id="278" r:id="rId21"/>
-    <p:sldId id="260" r:id="rId22"/>
-    <p:sldId id="261" r:id="rId23"/>
-    <p:sldId id="275" r:id="rId24"/>
-    <p:sldId id="276" r:id="rId25"/>
-    <p:sldId id="265" r:id="rId26"/>
-    <p:sldId id="269" r:id="rId27"/>
-    <p:sldId id="266" r:id="rId28"/>
-    <p:sldId id="270" r:id="rId29"/>
-    <p:sldId id="267" r:id="rId30"/>
-    <p:sldId id="268" r:id="rId31"/>
-    <p:sldId id="271" r:id="rId32"/>
-    <p:sldId id="273" r:id="rId33"/>
+    <p:sldId id="295" r:id="rId15"/>
+    <p:sldId id="282" r:id="rId16"/>
+    <p:sldId id="296" r:id="rId17"/>
+    <p:sldId id="297" r:id="rId18"/>
+    <p:sldId id="288" r:id="rId19"/>
+    <p:sldId id="287" r:id="rId20"/>
+    <p:sldId id="281" r:id="rId21"/>
+    <p:sldId id="263" r:id="rId22"/>
+    <p:sldId id="272" r:id="rId23"/>
+    <p:sldId id="278" r:id="rId24"/>
+    <p:sldId id="260" r:id="rId25"/>
+    <p:sldId id="261" r:id="rId26"/>
+    <p:sldId id="275" r:id="rId27"/>
+    <p:sldId id="276" r:id="rId28"/>
+    <p:sldId id="265" r:id="rId29"/>
+    <p:sldId id="269" r:id="rId30"/>
+    <p:sldId id="266" r:id="rId31"/>
+    <p:sldId id="270" r:id="rId32"/>
+    <p:sldId id="267" r:id="rId33"/>
+    <p:sldId id="268" r:id="rId34"/>
+    <p:sldId id="271" r:id="rId35"/>
+    <p:sldId id="273" r:id="rId36"/>
   </p:sldIdLst>
   <p:sldSz cx="9144000" cy="6858000" type="screen4x3"/>
   <p:notesSz cx="6858000" cy="9144000"/>
@@ -174,6 +177,4231 @@
 </p:presentation>
 </file>
 
+<file path=ppt/diagrams/colors1.xml><?xml version="1.0" encoding="utf-8"?>
+<dgm:colorsDef xmlns:dgm="http://schemas.openxmlformats.org/drawingml/2006/diagram" xmlns:a="http://schemas.openxmlformats.org/drawingml/2006/main" uniqueId="urn:microsoft.com/office/officeart/2005/8/colors/accent1_2">
+  <dgm:title val=""/>
+  <dgm:desc val=""/>
+  <dgm:catLst>
+    <dgm:cat type="accent1" pri="11200"/>
+  </dgm:catLst>
+  <dgm:styleLbl name="node0">
+    <dgm:fillClrLst meth="repeat">
+      <a:schemeClr val="accent1"/>
+    </dgm:fillClrLst>
+    <dgm:linClrLst meth="repeat">
+      <a:schemeClr val="lt1"/>
+    </dgm:linClrLst>
+    <dgm:effectClrLst/>
+    <dgm:txLinClrLst/>
+    <dgm:txFillClrLst/>
+    <dgm:txEffectClrLst/>
+  </dgm:styleLbl>
+  <dgm:styleLbl name="alignNode1">
+    <dgm:fillClrLst meth="repeat">
+      <a:schemeClr val="accent1"/>
+    </dgm:fillClrLst>
+    <dgm:linClrLst meth="repeat">
+      <a:schemeClr val="accent1"/>
+    </dgm:linClrLst>
+    <dgm:effectClrLst/>
+    <dgm:txLinClrLst/>
+    <dgm:txFillClrLst/>
+    <dgm:txEffectClrLst/>
+  </dgm:styleLbl>
+  <dgm:styleLbl name="node1">
+    <dgm:fillClrLst meth="repeat">
+      <a:schemeClr val="accent1"/>
+    </dgm:fillClrLst>
+    <dgm:linClrLst meth="repeat">
+      <a:schemeClr val="lt1"/>
+    </dgm:linClrLst>
+    <dgm:effectClrLst/>
+    <dgm:txLinClrLst/>
+    <dgm:txFillClrLst/>
+    <dgm:txEffectClrLst/>
+  </dgm:styleLbl>
+  <dgm:styleLbl name="lnNode1">
+    <dgm:fillClrLst meth="repeat">
+      <a:schemeClr val="accent1"/>
+    </dgm:fillClrLst>
+    <dgm:linClrLst meth="repeat">
+      <a:schemeClr val="lt1"/>
+    </dgm:linClrLst>
+    <dgm:effectClrLst/>
+    <dgm:txLinClrLst/>
+    <dgm:txFillClrLst/>
+    <dgm:txEffectClrLst/>
+  </dgm:styleLbl>
+  <dgm:styleLbl name="vennNode1">
+    <dgm:fillClrLst meth="repeat">
+      <a:schemeClr val="accent1">
+        <a:alpha val="50000"/>
+      </a:schemeClr>
+    </dgm:fillClrLst>
+    <dgm:linClrLst meth="repeat">
+      <a:schemeClr val="lt1"/>
+    </dgm:linClrLst>
+    <dgm:effectClrLst/>
+    <dgm:txLinClrLst/>
+    <dgm:txFillClrLst/>
+    <dgm:txEffectClrLst/>
+  </dgm:styleLbl>
+  <dgm:styleLbl name="node2">
+    <dgm:fillClrLst meth="repeat">
+      <a:schemeClr val="accent1"/>
+    </dgm:fillClrLst>
+    <dgm:linClrLst meth="repeat">
+      <a:schemeClr val="lt1"/>
+    </dgm:linClrLst>
+    <dgm:effectClrLst/>
+    <dgm:txLinClrLst/>
+    <dgm:txFillClrLst/>
+    <dgm:txEffectClrLst/>
+  </dgm:styleLbl>
+  <dgm:styleLbl name="node3">
+    <dgm:fillClrLst meth="repeat">
+      <a:schemeClr val="accent1"/>
+    </dgm:fillClrLst>
+    <dgm:linClrLst meth="repeat">
+      <a:schemeClr val="lt1"/>
+    </dgm:linClrLst>
+    <dgm:effectClrLst/>
+    <dgm:txLinClrLst/>
+    <dgm:txFillClrLst/>
+    <dgm:txEffectClrLst/>
+  </dgm:styleLbl>
+  <dgm:styleLbl name="node4">
+    <dgm:fillClrLst meth="repeat">
+      <a:schemeClr val="accent1"/>
+    </dgm:fillClrLst>
+    <dgm:linClrLst meth="repeat">
+      <a:schemeClr val="lt1"/>
+    </dgm:linClrLst>
+    <dgm:effectClrLst/>
+    <dgm:txLinClrLst/>
+    <dgm:txFillClrLst/>
+    <dgm:txEffectClrLst/>
+  </dgm:styleLbl>
+  <dgm:styleLbl name="fgImgPlace1">
+    <dgm:fillClrLst meth="repeat">
+      <a:schemeClr val="accent1">
+        <a:tint val="50000"/>
+      </a:schemeClr>
+    </dgm:fillClrLst>
+    <dgm:linClrLst meth="repeat">
+      <a:schemeClr val="lt1"/>
+    </dgm:linClrLst>
+    <dgm:effectClrLst/>
+    <dgm:txLinClrLst/>
+    <dgm:txFillClrLst meth="repeat">
+      <a:schemeClr val="lt1"/>
+    </dgm:txFillClrLst>
+    <dgm:txEffectClrLst/>
+  </dgm:styleLbl>
+  <dgm:styleLbl name="alignImgPlace1">
+    <dgm:fillClrLst meth="repeat">
+      <a:schemeClr val="accent1">
+        <a:tint val="50000"/>
+      </a:schemeClr>
+    </dgm:fillClrLst>
+    <dgm:linClrLst meth="repeat">
+      <a:schemeClr val="lt1"/>
+    </dgm:linClrLst>
+    <dgm:effectClrLst/>
+    <dgm:txLinClrLst/>
+    <dgm:txFillClrLst meth="repeat">
+      <a:schemeClr val="lt1"/>
+    </dgm:txFillClrLst>
+    <dgm:txEffectClrLst/>
+  </dgm:styleLbl>
+  <dgm:styleLbl name="bgImgPlace1">
+    <dgm:fillClrLst meth="repeat">
+      <a:schemeClr val="accent1">
+        <a:tint val="50000"/>
+      </a:schemeClr>
+    </dgm:fillClrLst>
+    <dgm:linClrLst meth="repeat">
+      <a:schemeClr val="lt1"/>
+    </dgm:linClrLst>
+    <dgm:effectClrLst/>
+    <dgm:txLinClrLst/>
+    <dgm:txFillClrLst meth="repeat">
+      <a:schemeClr val="lt1"/>
+    </dgm:txFillClrLst>
+    <dgm:txEffectClrLst/>
+  </dgm:styleLbl>
+  <dgm:styleLbl name="sibTrans2D1">
+    <dgm:fillClrLst meth="repeat">
+      <a:schemeClr val="accent1">
+        <a:tint val="60000"/>
+      </a:schemeClr>
+    </dgm:fillClrLst>
+    <dgm:linClrLst meth="repeat">
+      <a:schemeClr val="accent1">
+        <a:tint val="60000"/>
+      </a:schemeClr>
+    </dgm:linClrLst>
+    <dgm:effectClrLst/>
+    <dgm:txLinClrLst/>
+    <dgm:txFillClrLst/>
+    <dgm:txEffectClrLst/>
+  </dgm:styleLbl>
+  <dgm:styleLbl name="fgSibTrans2D1">
+    <dgm:fillClrLst meth="repeat">
+      <a:schemeClr val="accent1">
+        <a:tint val="60000"/>
+      </a:schemeClr>
+    </dgm:fillClrLst>
+    <dgm:linClrLst meth="repeat">
+      <a:schemeClr val="accent1">
+        <a:tint val="60000"/>
+      </a:schemeClr>
+    </dgm:linClrLst>
+    <dgm:effectClrLst/>
+    <dgm:txLinClrLst/>
+    <dgm:txFillClrLst/>
+    <dgm:txEffectClrLst/>
+  </dgm:styleLbl>
+  <dgm:styleLbl name="bgSibTrans2D1">
+    <dgm:fillClrLst meth="repeat">
+      <a:schemeClr val="accent1">
+        <a:tint val="60000"/>
+      </a:schemeClr>
+    </dgm:fillClrLst>
+    <dgm:linClrLst meth="repeat">
+      <a:schemeClr val="accent1">
+        <a:tint val="60000"/>
+      </a:schemeClr>
+    </dgm:linClrLst>
+    <dgm:effectClrLst/>
+    <dgm:txLinClrLst/>
+    <dgm:txFillClrLst/>
+    <dgm:txEffectClrLst/>
+  </dgm:styleLbl>
+  <dgm:styleLbl name="sibTrans1D1">
+    <dgm:fillClrLst meth="repeat">
+      <a:schemeClr val="accent1"/>
+    </dgm:fillClrLst>
+    <dgm:linClrLst meth="repeat">
+      <a:schemeClr val="accent1"/>
+    </dgm:linClrLst>
+    <dgm:effectClrLst/>
+    <dgm:txLinClrLst/>
+    <dgm:txFillClrLst meth="repeat">
+      <a:schemeClr val="tx1"/>
+    </dgm:txFillClrLst>
+    <dgm:txEffectClrLst/>
+  </dgm:styleLbl>
+  <dgm:styleLbl name="callout">
+    <dgm:fillClrLst meth="repeat">
+      <a:schemeClr val="accent1"/>
+    </dgm:fillClrLst>
+    <dgm:linClrLst meth="repeat">
+      <a:schemeClr val="accent1">
+        <a:tint val="50000"/>
+      </a:schemeClr>
+    </dgm:linClrLst>
+    <dgm:effectClrLst/>
+    <dgm:txLinClrLst/>
+    <dgm:txFillClrLst meth="repeat">
+      <a:schemeClr val="tx1"/>
+    </dgm:txFillClrLst>
+    <dgm:txEffectClrLst/>
+  </dgm:styleLbl>
+  <dgm:styleLbl name="asst0">
+    <dgm:fillClrLst meth="repeat">
+      <a:schemeClr val="accent1"/>
+    </dgm:fillClrLst>
+    <dgm:linClrLst meth="repeat">
+      <a:schemeClr val="lt1"/>
+    </dgm:linClrLst>
+    <dgm:effectClrLst/>
+    <dgm:txLinClrLst/>
+    <dgm:txFillClrLst/>
+    <dgm:txEffectClrLst/>
+  </dgm:styleLbl>
+  <dgm:styleLbl name="asst1">
+    <dgm:fillClrLst meth="repeat">
+      <a:schemeClr val="accent1"/>
+    </dgm:fillClrLst>
+    <dgm:linClrLst meth="repeat">
+      <a:schemeClr val="lt1"/>
+    </dgm:linClrLst>
+    <dgm:effectClrLst/>
+    <dgm:txLinClrLst/>
+    <dgm:txFillClrLst/>
+    <dgm:txEffectClrLst/>
+  </dgm:styleLbl>
+  <dgm:styleLbl name="asst2">
+    <dgm:fillClrLst meth="repeat">
+      <a:schemeClr val="accent1"/>
+    </dgm:fillClrLst>
+    <dgm:linClrLst meth="repeat">
+      <a:schemeClr val="lt1"/>
+    </dgm:linClrLst>
+    <dgm:effectClrLst/>
+    <dgm:txLinClrLst/>
+    <dgm:txFillClrLst/>
+    <dgm:txEffectClrLst/>
+  </dgm:styleLbl>
+  <dgm:styleLbl name="asst3">
+    <dgm:fillClrLst meth="repeat">
+      <a:schemeClr val="accent1"/>
+    </dgm:fillClrLst>
+    <dgm:linClrLst meth="repeat">
+      <a:schemeClr val="lt1"/>
+    </dgm:linClrLst>
+    <dgm:effectClrLst/>
+    <dgm:txLinClrLst/>
+    <dgm:txFillClrLst/>
+    <dgm:txEffectClrLst/>
+  </dgm:styleLbl>
+  <dgm:styleLbl name="asst4">
+    <dgm:fillClrLst meth="repeat">
+      <a:schemeClr val="accent1"/>
+    </dgm:fillClrLst>
+    <dgm:linClrLst meth="repeat">
+      <a:schemeClr val="lt1"/>
+    </dgm:linClrLst>
+    <dgm:effectClrLst/>
+    <dgm:txLinClrLst/>
+    <dgm:txFillClrLst/>
+    <dgm:txEffectClrLst/>
+  </dgm:styleLbl>
+  <dgm:styleLbl name="parChTrans2D1">
+    <dgm:fillClrLst meth="repeat">
+      <a:schemeClr val="accent1">
+        <a:tint val="60000"/>
+      </a:schemeClr>
+    </dgm:fillClrLst>
+    <dgm:linClrLst meth="repeat">
+      <a:schemeClr val="accent1">
+        <a:tint val="60000"/>
+      </a:schemeClr>
+    </dgm:linClrLst>
+    <dgm:effectClrLst/>
+    <dgm:txLinClrLst/>
+    <dgm:txFillClrLst meth="repeat">
+      <a:schemeClr val="lt1"/>
+    </dgm:txFillClrLst>
+    <dgm:txEffectClrLst/>
+  </dgm:styleLbl>
+  <dgm:styleLbl name="parChTrans2D2">
+    <dgm:fillClrLst meth="repeat">
+      <a:schemeClr val="accent1"/>
+    </dgm:fillClrLst>
+    <dgm:linClrLst meth="repeat">
+      <a:schemeClr val="accent1"/>
+    </dgm:linClrLst>
+    <dgm:effectClrLst/>
+    <dgm:txLinClrLst/>
+    <dgm:txFillClrLst meth="repeat">
+      <a:schemeClr val="lt1"/>
+    </dgm:txFillClrLst>
+    <dgm:txEffectClrLst/>
+  </dgm:styleLbl>
+  <dgm:styleLbl name="parChTrans2D3">
+    <dgm:fillClrLst meth="repeat">
+      <a:schemeClr val="accent1"/>
+    </dgm:fillClrLst>
+    <dgm:linClrLst meth="repeat">
+      <a:schemeClr val="accent1"/>
+    </dgm:linClrLst>
+    <dgm:effectClrLst/>
+    <dgm:txLinClrLst/>
+    <dgm:txFillClrLst meth="repeat">
+      <a:schemeClr val="lt1"/>
+    </dgm:txFillClrLst>
+    <dgm:txEffectClrLst/>
+  </dgm:styleLbl>
+  <dgm:styleLbl name="parChTrans2D4">
+    <dgm:fillClrLst meth="repeat">
+      <a:schemeClr val="accent1"/>
+    </dgm:fillClrLst>
+    <dgm:linClrLst meth="repeat">
+      <a:schemeClr val="accent1"/>
+    </dgm:linClrLst>
+    <dgm:effectClrLst/>
+    <dgm:txLinClrLst/>
+    <dgm:txFillClrLst meth="repeat">
+      <a:schemeClr val="lt1"/>
+    </dgm:txFillClrLst>
+    <dgm:txEffectClrLst/>
+  </dgm:styleLbl>
+  <dgm:styleLbl name="parChTrans1D1">
+    <dgm:fillClrLst meth="repeat">
+      <a:schemeClr val="accent1"/>
+    </dgm:fillClrLst>
+    <dgm:linClrLst meth="repeat">
+      <a:schemeClr val="accent1">
+        <a:shade val="60000"/>
+      </a:schemeClr>
+    </dgm:linClrLst>
+    <dgm:effectClrLst/>
+    <dgm:txLinClrLst/>
+    <dgm:txFillClrLst meth="repeat">
+      <a:schemeClr val="tx1"/>
+    </dgm:txFillClrLst>
+    <dgm:txEffectClrLst/>
+  </dgm:styleLbl>
+  <dgm:styleLbl name="parChTrans1D2">
+    <dgm:fillClrLst meth="repeat">
+      <a:schemeClr val="accent1"/>
+    </dgm:fillClrLst>
+    <dgm:linClrLst meth="repeat">
+      <a:schemeClr val="accent1">
+        <a:shade val="60000"/>
+      </a:schemeClr>
+    </dgm:linClrLst>
+    <dgm:effectClrLst/>
+    <dgm:txLinClrLst/>
+    <dgm:txFillClrLst meth="repeat">
+      <a:schemeClr val="tx1"/>
+    </dgm:txFillClrLst>
+    <dgm:txEffectClrLst/>
+  </dgm:styleLbl>
+  <dgm:styleLbl name="parChTrans1D3">
+    <dgm:fillClrLst meth="repeat">
+      <a:schemeClr val="accent1"/>
+    </dgm:fillClrLst>
+    <dgm:linClrLst meth="repeat">
+      <a:schemeClr val="accent1">
+        <a:shade val="80000"/>
+      </a:schemeClr>
+    </dgm:linClrLst>
+    <dgm:effectClrLst/>
+    <dgm:txLinClrLst/>
+    <dgm:txFillClrLst meth="repeat">
+      <a:schemeClr val="tx1"/>
+    </dgm:txFillClrLst>
+    <dgm:txEffectClrLst/>
+  </dgm:styleLbl>
+  <dgm:styleLbl name="parChTrans1D4">
+    <dgm:fillClrLst meth="repeat">
+      <a:schemeClr val="accent1"/>
+    </dgm:fillClrLst>
+    <dgm:linClrLst meth="repeat">
+      <a:schemeClr val="accent1">
+        <a:shade val="80000"/>
+      </a:schemeClr>
+    </dgm:linClrLst>
+    <dgm:effectClrLst/>
+    <dgm:txLinClrLst/>
+    <dgm:txFillClrLst meth="repeat">
+      <a:schemeClr val="tx1"/>
+    </dgm:txFillClrLst>
+    <dgm:txEffectClrLst/>
+  </dgm:styleLbl>
+  <dgm:styleLbl name="fgAcc1">
+    <dgm:fillClrLst meth="repeat">
+      <a:schemeClr val="lt1">
+        <a:alpha val="90000"/>
+      </a:schemeClr>
+    </dgm:fillClrLst>
+    <dgm:linClrLst meth="repeat">
+      <a:schemeClr val="accent1"/>
+    </dgm:linClrLst>
+    <dgm:effectClrLst/>
+    <dgm:txLinClrLst/>
+    <dgm:txFillClrLst meth="repeat">
+      <a:schemeClr val="dk1"/>
+    </dgm:txFillClrLst>
+    <dgm:txEffectClrLst/>
+  </dgm:styleLbl>
+  <dgm:styleLbl name="conFgAcc1">
+    <dgm:fillClrLst meth="repeat">
+      <a:schemeClr val="lt1">
+        <a:alpha val="90000"/>
+      </a:schemeClr>
+    </dgm:fillClrLst>
+    <dgm:linClrLst meth="repeat">
+      <a:schemeClr val="accent1"/>
+    </dgm:linClrLst>
+    <dgm:effectClrLst/>
+    <dgm:txLinClrLst/>
+    <dgm:txFillClrLst meth="repeat">
+      <a:schemeClr val="dk1"/>
+    </dgm:txFillClrLst>
+    <dgm:txEffectClrLst/>
+  </dgm:styleLbl>
+  <dgm:styleLbl name="alignAcc1">
+    <dgm:fillClrLst meth="repeat">
+      <a:schemeClr val="lt1">
+        <a:alpha val="90000"/>
+      </a:schemeClr>
+    </dgm:fillClrLst>
+    <dgm:linClrLst meth="repeat">
+      <a:schemeClr val="accent1"/>
+    </dgm:linClrLst>
+    <dgm:effectClrLst/>
+    <dgm:txLinClrLst/>
+    <dgm:txFillClrLst meth="repeat">
+      <a:schemeClr val="dk1"/>
+    </dgm:txFillClrLst>
+    <dgm:txEffectClrLst/>
+  </dgm:styleLbl>
+  <dgm:styleLbl name="trAlignAcc1">
+    <dgm:fillClrLst meth="repeat">
+      <a:schemeClr val="lt1">
+        <a:alpha val="40000"/>
+      </a:schemeClr>
+    </dgm:fillClrLst>
+    <dgm:linClrLst meth="repeat">
+      <a:schemeClr val="accent1"/>
+    </dgm:linClrLst>
+    <dgm:effectClrLst/>
+    <dgm:txLinClrLst/>
+    <dgm:txFillClrLst meth="repeat">
+      <a:schemeClr val="dk1"/>
+    </dgm:txFillClrLst>
+    <dgm:txEffectClrLst/>
+  </dgm:styleLbl>
+  <dgm:styleLbl name="bgAcc1">
+    <dgm:fillClrLst meth="repeat">
+      <a:schemeClr val="lt1">
+        <a:alpha val="90000"/>
+      </a:schemeClr>
+    </dgm:fillClrLst>
+    <dgm:linClrLst meth="repeat">
+      <a:schemeClr val="accent1"/>
+    </dgm:linClrLst>
+    <dgm:effectClrLst/>
+    <dgm:txLinClrLst/>
+    <dgm:txFillClrLst meth="repeat">
+      <a:schemeClr val="dk1"/>
+    </dgm:txFillClrLst>
+    <dgm:txEffectClrLst/>
+  </dgm:styleLbl>
+  <dgm:styleLbl name="solidFgAcc1">
+    <dgm:fillClrLst meth="repeat">
+      <a:schemeClr val="lt1"/>
+    </dgm:fillClrLst>
+    <dgm:linClrLst meth="repeat">
+      <a:schemeClr val="accent1"/>
+    </dgm:linClrLst>
+    <dgm:effectClrLst/>
+    <dgm:txLinClrLst/>
+    <dgm:txFillClrLst meth="repeat">
+      <a:schemeClr val="dk1"/>
+    </dgm:txFillClrLst>
+    <dgm:txEffectClrLst/>
+  </dgm:styleLbl>
+  <dgm:styleLbl name="solidAlignAcc1">
+    <dgm:fillClrLst meth="repeat">
+      <a:schemeClr val="lt1"/>
+    </dgm:fillClrLst>
+    <dgm:linClrLst meth="repeat">
+      <a:schemeClr val="accent1"/>
+    </dgm:linClrLst>
+    <dgm:effectClrLst/>
+    <dgm:txLinClrLst/>
+    <dgm:txFillClrLst meth="repeat">
+      <a:schemeClr val="dk1"/>
+    </dgm:txFillClrLst>
+    <dgm:txEffectClrLst/>
+  </dgm:styleLbl>
+  <dgm:styleLbl name="solidBgAcc1">
+    <dgm:fillClrLst meth="repeat">
+      <a:schemeClr val="lt1"/>
+    </dgm:fillClrLst>
+    <dgm:linClrLst meth="repeat">
+      <a:schemeClr val="accent1"/>
+    </dgm:linClrLst>
+    <dgm:effectClrLst/>
+    <dgm:txLinClrLst/>
+    <dgm:txFillClrLst meth="repeat">
+      <a:schemeClr val="dk1"/>
+    </dgm:txFillClrLst>
+    <dgm:txEffectClrLst/>
+  </dgm:styleLbl>
+  <dgm:styleLbl name="fgAccFollowNode1">
+    <dgm:fillClrLst meth="repeat">
+      <a:schemeClr val="accent1">
+        <a:alpha val="90000"/>
+        <a:tint val="40000"/>
+      </a:schemeClr>
+    </dgm:fillClrLst>
+    <dgm:linClrLst meth="repeat">
+      <a:schemeClr val="accent1">
+        <a:alpha val="90000"/>
+        <a:tint val="40000"/>
+      </a:schemeClr>
+    </dgm:linClrLst>
+    <dgm:effectClrLst/>
+    <dgm:txLinClrLst/>
+    <dgm:txFillClrLst meth="repeat">
+      <a:schemeClr val="dk1"/>
+    </dgm:txFillClrLst>
+    <dgm:txEffectClrLst/>
+  </dgm:styleLbl>
+  <dgm:styleLbl name="alignAccFollowNode1">
+    <dgm:fillClrLst meth="repeat">
+      <a:schemeClr val="accent1">
+        <a:alpha val="90000"/>
+        <a:tint val="40000"/>
+      </a:schemeClr>
+    </dgm:fillClrLst>
+    <dgm:linClrLst meth="repeat">
+      <a:schemeClr val="accent1">
+        <a:alpha val="90000"/>
+        <a:tint val="40000"/>
+      </a:schemeClr>
+    </dgm:linClrLst>
+    <dgm:effectClrLst/>
+    <dgm:txLinClrLst/>
+    <dgm:txFillClrLst meth="repeat">
+      <a:schemeClr val="dk1"/>
+    </dgm:txFillClrLst>
+    <dgm:txEffectClrLst/>
+  </dgm:styleLbl>
+  <dgm:styleLbl name="bgAccFollowNode1">
+    <dgm:fillClrLst meth="repeat">
+      <a:schemeClr val="accent1">
+        <a:alpha val="90000"/>
+        <a:tint val="40000"/>
+      </a:schemeClr>
+    </dgm:fillClrLst>
+    <dgm:linClrLst meth="repeat">
+      <a:schemeClr val="accent1">
+        <a:alpha val="90000"/>
+        <a:tint val="40000"/>
+      </a:schemeClr>
+    </dgm:linClrLst>
+    <dgm:effectClrLst/>
+    <dgm:txLinClrLst/>
+    <dgm:txFillClrLst meth="repeat">
+      <a:schemeClr val="dk1"/>
+    </dgm:txFillClrLst>
+    <dgm:txEffectClrLst/>
+  </dgm:styleLbl>
+  <dgm:styleLbl name="fgAcc0">
+    <dgm:fillClrLst meth="repeat">
+      <a:schemeClr val="lt1">
+        <a:alpha val="90000"/>
+      </a:schemeClr>
+    </dgm:fillClrLst>
+    <dgm:linClrLst meth="repeat">
+      <a:schemeClr val="accent1"/>
+    </dgm:linClrLst>
+    <dgm:effectClrLst/>
+    <dgm:txLinClrLst/>
+    <dgm:txFillClrLst meth="repeat">
+      <a:schemeClr val="dk1"/>
+    </dgm:txFillClrLst>
+    <dgm:txEffectClrLst/>
+  </dgm:styleLbl>
+  <dgm:styleLbl name="fgAcc2">
+    <dgm:fillClrLst meth="repeat">
+      <a:schemeClr val="lt1">
+        <a:alpha val="90000"/>
+      </a:schemeClr>
+    </dgm:fillClrLst>
+    <dgm:linClrLst meth="repeat">
+      <a:schemeClr val="accent1"/>
+    </dgm:linClrLst>
+    <dgm:effectClrLst/>
+    <dgm:txLinClrLst/>
+    <dgm:txFillClrLst meth="repeat">
+      <a:schemeClr val="dk1"/>
+    </dgm:txFillClrLst>
+    <dgm:txEffectClrLst/>
+  </dgm:styleLbl>
+  <dgm:styleLbl name="fgAcc3">
+    <dgm:fillClrLst meth="repeat">
+      <a:schemeClr val="lt1">
+        <a:alpha val="90000"/>
+      </a:schemeClr>
+    </dgm:fillClrLst>
+    <dgm:linClrLst meth="repeat">
+      <a:schemeClr val="accent1"/>
+    </dgm:linClrLst>
+    <dgm:effectClrLst/>
+    <dgm:txLinClrLst/>
+    <dgm:txFillClrLst meth="repeat">
+      <a:schemeClr val="dk1"/>
+    </dgm:txFillClrLst>
+    <dgm:txEffectClrLst/>
+  </dgm:styleLbl>
+  <dgm:styleLbl name="fgAcc4">
+    <dgm:fillClrLst meth="repeat">
+      <a:schemeClr val="lt1">
+        <a:alpha val="90000"/>
+      </a:schemeClr>
+    </dgm:fillClrLst>
+    <dgm:linClrLst meth="repeat">
+      <a:schemeClr val="accent1"/>
+    </dgm:linClrLst>
+    <dgm:effectClrLst/>
+    <dgm:txLinClrLst/>
+    <dgm:txFillClrLst meth="repeat">
+      <a:schemeClr val="dk1"/>
+    </dgm:txFillClrLst>
+    <dgm:txEffectClrLst/>
+  </dgm:styleLbl>
+  <dgm:styleLbl name="bgShp">
+    <dgm:fillClrLst meth="repeat">
+      <a:schemeClr val="accent1">
+        <a:tint val="40000"/>
+      </a:schemeClr>
+    </dgm:fillClrLst>
+    <dgm:linClrLst meth="repeat">
+      <a:schemeClr val="accent1"/>
+    </dgm:linClrLst>
+    <dgm:effectClrLst/>
+    <dgm:txLinClrLst/>
+    <dgm:txFillClrLst meth="repeat">
+      <a:schemeClr val="dk1"/>
+    </dgm:txFillClrLst>
+    <dgm:txEffectClrLst/>
+  </dgm:styleLbl>
+  <dgm:styleLbl name="dkBgShp">
+    <dgm:fillClrLst meth="repeat">
+      <a:schemeClr val="accent1">
+        <a:shade val="80000"/>
+      </a:schemeClr>
+    </dgm:fillClrLst>
+    <dgm:linClrLst meth="repeat">
+      <a:schemeClr val="accent1"/>
+    </dgm:linClrLst>
+    <dgm:effectClrLst/>
+    <dgm:txLinClrLst/>
+    <dgm:txFillClrLst meth="repeat">
+      <a:schemeClr val="lt1"/>
+    </dgm:txFillClrLst>
+    <dgm:txEffectClrLst/>
+  </dgm:styleLbl>
+  <dgm:styleLbl name="trBgShp">
+    <dgm:fillClrLst meth="repeat">
+      <a:schemeClr val="accent1">
+        <a:tint val="50000"/>
+        <a:alpha val="40000"/>
+      </a:schemeClr>
+    </dgm:fillClrLst>
+    <dgm:linClrLst meth="repeat">
+      <a:schemeClr val="accent1"/>
+    </dgm:linClrLst>
+    <dgm:effectClrLst/>
+    <dgm:txLinClrLst/>
+    <dgm:txFillClrLst meth="repeat">
+      <a:schemeClr val="lt1"/>
+    </dgm:txFillClrLst>
+    <dgm:txEffectClrLst/>
+  </dgm:styleLbl>
+  <dgm:styleLbl name="fgShp">
+    <dgm:fillClrLst meth="repeat">
+      <a:schemeClr val="accent1">
+        <a:tint val="60000"/>
+      </a:schemeClr>
+    </dgm:fillClrLst>
+    <dgm:linClrLst meth="repeat">
+      <a:schemeClr val="lt1"/>
+    </dgm:linClrLst>
+    <dgm:effectClrLst/>
+    <dgm:txLinClrLst/>
+    <dgm:txFillClrLst meth="repeat">
+      <a:schemeClr val="dk1"/>
+    </dgm:txFillClrLst>
+    <dgm:txEffectClrLst/>
+  </dgm:styleLbl>
+  <dgm:styleLbl name="revTx">
+    <dgm:fillClrLst meth="repeat">
+      <a:schemeClr val="lt1">
+        <a:alpha val="0"/>
+      </a:schemeClr>
+    </dgm:fillClrLst>
+    <dgm:linClrLst meth="repeat">
+      <a:schemeClr val="dk1">
+        <a:alpha val="0"/>
+      </a:schemeClr>
+    </dgm:linClrLst>
+    <dgm:effectClrLst/>
+    <dgm:txLinClrLst/>
+    <dgm:txFillClrLst meth="repeat">
+      <a:schemeClr val="tx1"/>
+    </dgm:txFillClrLst>
+    <dgm:txEffectClrLst/>
+  </dgm:styleLbl>
+</dgm:colorsDef>
+</file>
+
+<file path=ppt/diagrams/data1.xml><?xml version="1.0" encoding="utf-8"?>
+<dgm:dataModel xmlns:dgm="http://schemas.openxmlformats.org/drawingml/2006/diagram" xmlns:a="http://schemas.openxmlformats.org/drawingml/2006/main">
+  <dgm:ptLst>
+    <dgm:pt modelId="{42A7AF39-9F16-4BE0-9691-F2A4EAA889D5}" type="doc">
+      <dgm:prSet loTypeId="urn:microsoft.com/office/officeart/2009/3/layout/StepUpProcess" loCatId="process" qsTypeId="urn:microsoft.com/office/officeart/2005/8/quickstyle/simple1" qsCatId="simple" csTypeId="urn:microsoft.com/office/officeart/2005/8/colors/accent1_2" csCatId="accent1" phldr="1"/>
+      <dgm:spPr/>
+      <dgm:t>
+        <a:bodyPr/>
+        <a:lstStyle/>
+        <a:p>
+          <a:endParaRPr lang="de-DE"/>
+        </a:p>
+      </dgm:t>
+    </dgm:pt>
+    <dgm:pt modelId="{B4BBFA07-05DD-4CDD-AC39-6342607DC2A1}">
+      <dgm:prSet phldrT="[Text]" custT="1"/>
+      <dgm:spPr/>
+      <dgm:t>
+        <a:bodyPr/>
+        <a:lstStyle/>
+        <a:p>
+          <a:r>
+            <a:rPr lang="de-DE" sz="1800" dirty="0" smtClean="0"/>
+            <a:t>Analyse</a:t>
+          </a:r>
+          <a:endParaRPr lang="de-DE" sz="1800" dirty="0"/>
+        </a:p>
+      </dgm:t>
+    </dgm:pt>
+    <dgm:pt modelId="{4C9357AE-0A8A-4E31-8803-F14E79C0DCAE}" type="parTrans" cxnId="{5DFF5E92-6524-4E83-9A7E-3FD2AE1E0B19}">
+      <dgm:prSet/>
+      <dgm:spPr/>
+      <dgm:t>
+        <a:bodyPr/>
+        <a:lstStyle/>
+        <a:p>
+          <a:endParaRPr lang="de-DE" sz="2400"/>
+        </a:p>
+      </dgm:t>
+    </dgm:pt>
+    <dgm:pt modelId="{B652451A-AD6D-4DFA-B925-9D21BB71A0C7}" type="sibTrans" cxnId="{5DFF5E92-6524-4E83-9A7E-3FD2AE1E0B19}">
+      <dgm:prSet/>
+      <dgm:spPr/>
+      <dgm:t>
+        <a:bodyPr/>
+        <a:lstStyle/>
+        <a:p>
+          <a:endParaRPr lang="de-DE" sz="2400"/>
+        </a:p>
+      </dgm:t>
+    </dgm:pt>
+    <dgm:pt modelId="{10E407B9-5FCC-4D3A-94D2-6AB25397AEC7}">
+      <dgm:prSet phldrT="[Text]" custT="1"/>
+      <dgm:spPr/>
+      <dgm:t>
+        <a:bodyPr/>
+        <a:lstStyle/>
+        <a:p>
+          <a:r>
+            <a:rPr lang="de-DE" sz="1400" dirty="0" err="1" smtClean="0"/>
+            <a:t>Use</a:t>
+          </a:r>
+          <a:r>
+            <a:rPr lang="de-DE" sz="1400" dirty="0" smtClean="0"/>
+            <a:t> Cases</a:t>
+          </a:r>
+          <a:endParaRPr lang="de-DE" sz="1400" dirty="0"/>
+        </a:p>
+      </dgm:t>
+    </dgm:pt>
+    <dgm:pt modelId="{0560221A-0D57-438B-900A-B03E24CCA932}" type="parTrans" cxnId="{742F0ED1-DC5E-4FDC-BC68-EC649BA19C45}">
+      <dgm:prSet/>
+      <dgm:spPr/>
+      <dgm:t>
+        <a:bodyPr/>
+        <a:lstStyle/>
+        <a:p>
+          <a:endParaRPr lang="de-DE" sz="2400"/>
+        </a:p>
+      </dgm:t>
+    </dgm:pt>
+    <dgm:pt modelId="{40E49337-7DC0-4E0E-B2C1-5C40A2AD0A26}" type="sibTrans" cxnId="{742F0ED1-DC5E-4FDC-BC68-EC649BA19C45}">
+      <dgm:prSet/>
+      <dgm:spPr/>
+      <dgm:t>
+        <a:bodyPr/>
+        <a:lstStyle/>
+        <a:p>
+          <a:endParaRPr lang="de-DE" sz="2400"/>
+        </a:p>
+      </dgm:t>
+    </dgm:pt>
+    <dgm:pt modelId="{BFAD5C6C-3CCC-47DA-B82A-97A0E60E41A5}">
+      <dgm:prSet phldrT="[Text]" custT="1"/>
+      <dgm:spPr/>
+      <dgm:t>
+        <a:bodyPr/>
+        <a:lstStyle/>
+        <a:p>
+          <a:r>
+            <a:rPr lang="de-DE" sz="1400" dirty="0" smtClean="0"/>
+            <a:t>Anforderungs-katalog</a:t>
+          </a:r>
+          <a:endParaRPr lang="de-DE" sz="1400" dirty="0"/>
+        </a:p>
+      </dgm:t>
+    </dgm:pt>
+    <dgm:pt modelId="{2AC788DB-883E-4B3F-8E32-FB8F2C3C80B9}" type="parTrans" cxnId="{B317833C-6656-437C-8CFB-9E1078BA4F7B}">
+      <dgm:prSet/>
+      <dgm:spPr/>
+      <dgm:t>
+        <a:bodyPr/>
+        <a:lstStyle/>
+        <a:p>
+          <a:endParaRPr lang="de-DE" sz="2400"/>
+        </a:p>
+      </dgm:t>
+    </dgm:pt>
+    <dgm:pt modelId="{0A4F5D0E-4864-4480-8E69-940E5490226B}" type="sibTrans" cxnId="{B317833C-6656-437C-8CFB-9E1078BA4F7B}">
+      <dgm:prSet/>
+      <dgm:spPr/>
+      <dgm:t>
+        <a:bodyPr/>
+        <a:lstStyle/>
+        <a:p>
+          <a:endParaRPr lang="de-DE" sz="2400"/>
+        </a:p>
+      </dgm:t>
+    </dgm:pt>
+    <dgm:pt modelId="{27323C3F-7D4E-44F5-9FA3-413CFCD7B174}">
+      <dgm:prSet phldrT="[Text]" custT="1"/>
+      <dgm:spPr/>
+      <dgm:t>
+        <a:bodyPr/>
+        <a:lstStyle/>
+        <a:p>
+          <a:r>
+            <a:rPr lang="de-DE" sz="1400" dirty="0" smtClean="0"/>
+            <a:t>Fachliches Klassenmodell</a:t>
+          </a:r>
+          <a:endParaRPr lang="de-DE" sz="1400" dirty="0"/>
+        </a:p>
+      </dgm:t>
+    </dgm:pt>
+    <dgm:pt modelId="{18FA00AE-387D-4A8D-981A-94EDEBCA8EC2}" type="parTrans" cxnId="{3DE7FD94-D5E7-407C-989B-2C1F91B4CE03}">
+      <dgm:prSet/>
+      <dgm:spPr/>
+      <dgm:t>
+        <a:bodyPr/>
+        <a:lstStyle/>
+        <a:p>
+          <a:endParaRPr lang="de-DE" sz="2400"/>
+        </a:p>
+      </dgm:t>
+    </dgm:pt>
+    <dgm:pt modelId="{D4734B30-AB73-4712-B278-2895E8608C4E}" type="sibTrans" cxnId="{3DE7FD94-D5E7-407C-989B-2C1F91B4CE03}">
+      <dgm:prSet/>
+      <dgm:spPr/>
+      <dgm:t>
+        <a:bodyPr/>
+        <a:lstStyle/>
+        <a:p>
+          <a:endParaRPr lang="de-DE" sz="2400"/>
+        </a:p>
+      </dgm:t>
+    </dgm:pt>
+    <dgm:pt modelId="{360394FA-829F-403E-9AF0-5F6CF96DFD1E}">
+      <dgm:prSet phldrT="[Text]" custT="1"/>
+      <dgm:spPr/>
+      <dgm:t>
+        <a:bodyPr/>
+        <a:lstStyle/>
+        <a:p>
+          <a:r>
+            <a:rPr lang="de-DE" sz="1400" dirty="0" smtClean="0"/>
+            <a:t>Papierprototypen</a:t>
+          </a:r>
+          <a:endParaRPr lang="de-DE" sz="1400" dirty="0"/>
+        </a:p>
+      </dgm:t>
+    </dgm:pt>
+    <dgm:pt modelId="{A75ACD84-8BFD-4E17-B22A-BCE08E0C1060}" type="parTrans" cxnId="{3A080199-5708-4D95-BDC6-677CE1E53018}">
+      <dgm:prSet/>
+      <dgm:spPr/>
+      <dgm:t>
+        <a:bodyPr/>
+        <a:lstStyle/>
+        <a:p>
+          <a:endParaRPr lang="de-DE" sz="2400"/>
+        </a:p>
+      </dgm:t>
+    </dgm:pt>
+    <dgm:pt modelId="{47CD002A-17EB-41C8-A521-C511E59926EB}" type="sibTrans" cxnId="{3A080199-5708-4D95-BDC6-677CE1E53018}">
+      <dgm:prSet/>
+      <dgm:spPr/>
+      <dgm:t>
+        <a:bodyPr/>
+        <a:lstStyle/>
+        <a:p>
+          <a:endParaRPr lang="de-DE" sz="2400"/>
+        </a:p>
+      </dgm:t>
+    </dgm:pt>
+    <dgm:pt modelId="{182E85C3-C0C1-4055-B42E-08657C1D36EB}">
+      <dgm:prSet phldrT="[Text]" custT="1"/>
+      <dgm:spPr/>
+      <dgm:t>
+        <a:bodyPr/>
+        <a:lstStyle/>
+        <a:p>
+          <a:r>
+            <a:rPr lang="de-DE" sz="1800" dirty="0" smtClean="0"/>
+            <a:t>Entwurf</a:t>
+          </a:r>
+          <a:endParaRPr lang="de-DE" sz="1800" dirty="0"/>
+        </a:p>
+      </dgm:t>
+    </dgm:pt>
+    <dgm:pt modelId="{0A1F7A6C-A332-4BAC-A0D1-C846CF97F4EC}" type="parTrans" cxnId="{DECDAAFB-95F9-4E08-902E-357CAE6BE867}">
+      <dgm:prSet/>
+      <dgm:spPr/>
+      <dgm:t>
+        <a:bodyPr/>
+        <a:lstStyle/>
+        <a:p>
+          <a:endParaRPr lang="de-DE" sz="2400"/>
+        </a:p>
+      </dgm:t>
+    </dgm:pt>
+    <dgm:pt modelId="{53EC14C8-D3F0-4F81-A9BC-0E03B0043A69}" type="sibTrans" cxnId="{DECDAAFB-95F9-4E08-902E-357CAE6BE867}">
+      <dgm:prSet/>
+      <dgm:spPr/>
+      <dgm:t>
+        <a:bodyPr/>
+        <a:lstStyle/>
+        <a:p>
+          <a:endParaRPr lang="de-DE" sz="2400"/>
+        </a:p>
+      </dgm:t>
+    </dgm:pt>
+    <dgm:pt modelId="{2739C324-A41E-4970-8A01-796A2C795ACC}">
+      <dgm:prSet phldrT="[Text]" custT="1"/>
+      <dgm:spPr/>
+      <dgm:t>
+        <a:bodyPr/>
+        <a:lstStyle/>
+        <a:p>
+          <a:r>
+            <a:rPr lang="de-DE" sz="1400" dirty="0" smtClean="0"/>
+            <a:t>Logisches DB-Modell</a:t>
+          </a:r>
+          <a:endParaRPr lang="de-DE" sz="1400" dirty="0"/>
+        </a:p>
+      </dgm:t>
+    </dgm:pt>
+    <dgm:pt modelId="{34EABE2C-343C-4A99-94EF-992C7B2864FB}" type="parTrans" cxnId="{8130EFA1-7C19-4707-918B-EBD61B992DC1}">
+      <dgm:prSet/>
+      <dgm:spPr/>
+      <dgm:t>
+        <a:bodyPr/>
+        <a:lstStyle/>
+        <a:p>
+          <a:endParaRPr lang="de-DE" sz="2400"/>
+        </a:p>
+      </dgm:t>
+    </dgm:pt>
+    <dgm:pt modelId="{E3CAAA70-690B-43D6-AD4A-610350C2031C}" type="sibTrans" cxnId="{8130EFA1-7C19-4707-918B-EBD61B992DC1}">
+      <dgm:prSet/>
+      <dgm:spPr/>
+      <dgm:t>
+        <a:bodyPr/>
+        <a:lstStyle/>
+        <a:p>
+          <a:endParaRPr lang="de-DE" sz="2400"/>
+        </a:p>
+      </dgm:t>
+    </dgm:pt>
+    <dgm:pt modelId="{DDBD9E0E-2857-478B-9BFD-EB049F36A6F4}">
+      <dgm:prSet phldrT="[Text]" custT="1"/>
+      <dgm:spPr/>
+      <dgm:t>
+        <a:bodyPr/>
+        <a:lstStyle/>
+        <a:p>
+          <a:r>
+            <a:rPr lang="de-DE" sz="1400" dirty="0" smtClean="0"/>
+            <a:t>Technische Klassenmodelle (View, Controller, Modell</a:t>
+          </a:r>
+          <a:endParaRPr lang="de-DE" sz="1400" dirty="0"/>
+        </a:p>
+      </dgm:t>
+    </dgm:pt>
+    <dgm:pt modelId="{64FDB413-C3BC-4DF0-942B-0162F878BA5B}" type="parTrans" cxnId="{E2E8D555-E2A1-4B5C-B90D-F16299503649}">
+      <dgm:prSet/>
+      <dgm:spPr/>
+      <dgm:t>
+        <a:bodyPr/>
+        <a:lstStyle/>
+        <a:p>
+          <a:endParaRPr lang="de-DE" sz="2400"/>
+        </a:p>
+      </dgm:t>
+    </dgm:pt>
+    <dgm:pt modelId="{79BD68F6-F4B8-49E3-96CA-A2D68A915F02}" type="sibTrans" cxnId="{E2E8D555-E2A1-4B5C-B90D-F16299503649}">
+      <dgm:prSet/>
+      <dgm:spPr/>
+      <dgm:t>
+        <a:bodyPr/>
+        <a:lstStyle/>
+        <a:p>
+          <a:endParaRPr lang="de-DE" sz="2400"/>
+        </a:p>
+      </dgm:t>
+    </dgm:pt>
+    <dgm:pt modelId="{3F8391EC-2E89-41BC-979F-48D4E21A811C}">
+      <dgm:prSet phldrT="[Text]" custT="1"/>
+      <dgm:spPr/>
+      <dgm:t>
+        <a:bodyPr/>
+        <a:lstStyle/>
+        <a:p>
+          <a:r>
+            <a:rPr lang="de-DE" sz="1400" dirty="0" smtClean="0"/>
+            <a:t>Design Guide</a:t>
+          </a:r>
+          <a:endParaRPr lang="de-DE" sz="1400" dirty="0"/>
+        </a:p>
+      </dgm:t>
+    </dgm:pt>
+    <dgm:pt modelId="{E9716149-5B95-4904-8590-6A93EE8C5197}" type="parTrans" cxnId="{1ADAA526-6B24-45CB-89D0-518E04A3D93F}">
+      <dgm:prSet/>
+      <dgm:spPr/>
+      <dgm:t>
+        <a:bodyPr/>
+        <a:lstStyle/>
+        <a:p>
+          <a:endParaRPr lang="de-DE" sz="2400"/>
+        </a:p>
+      </dgm:t>
+    </dgm:pt>
+    <dgm:pt modelId="{BFA852D6-66A0-4365-B195-CB67CFDCDE73}" type="sibTrans" cxnId="{1ADAA526-6B24-45CB-89D0-518E04A3D93F}">
+      <dgm:prSet/>
+      <dgm:spPr/>
+      <dgm:t>
+        <a:bodyPr/>
+        <a:lstStyle/>
+        <a:p>
+          <a:endParaRPr lang="de-DE" sz="2400"/>
+        </a:p>
+      </dgm:t>
+    </dgm:pt>
+    <dgm:pt modelId="{124AB731-44F7-42FC-A2C7-6A103755875A}">
+      <dgm:prSet phldrT="[Text]" custT="1"/>
+      <dgm:spPr/>
+      <dgm:t>
+        <a:bodyPr/>
+        <a:lstStyle/>
+        <a:p>
+          <a:r>
+            <a:rPr lang="de-DE" sz="1400" dirty="0" smtClean="0"/>
+            <a:t>System-architektur</a:t>
+          </a:r>
+          <a:endParaRPr lang="de-DE" sz="1400" dirty="0"/>
+        </a:p>
+      </dgm:t>
+    </dgm:pt>
+    <dgm:pt modelId="{903CC23E-A10B-484A-8A4F-24054DDF4137}" type="parTrans" cxnId="{6595E131-DCFC-4660-A166-B06A9C58E5A3}">
+      <dgm:prSet/>
+      <dgm:spPr/>
+      <dgm:t>
+        <a:bodyPr/>
+        <a:lstStyle/>
+        <a:p>
+          <a:endParaRPr lang="de-DE" sz="2400"/>
+        </a:p>
+      </dgm:t>
+    </dgm:pt>
+    <dgm:pt modelId="{C0BE0EF1-E06D-43E6-AF12-3CA2033E2AE2}" type="sibTrans" cxnId="{6595E131-DCFC-4660-A166-B06A9C58E5A3}">
+      <dgm:prSet/>
+      <dgm:spPr/>
+      <dgm:t>
+        <a:bodyPr/>
+        <a:lstStyle/>
+        <a:p>
+          <a:endParaRPr lang="de-DE" sz="2400"/>
+        </a:p>
+      </dgm:t>
+    </dgm:pt>
+    <dgm:pt modelId="{1E975C45-1647-472C-8812-EFF81A215801}">
+      <dgm:prSet phldrT="[Text]" custT="1"/>
+      <dgm:spPr/>
+      <dgm:t>
+        <a:bodyPr/>
+        <a:lstStyle/>
+        <a:p>
+          <a:r>
+            <a:rPr lang="de-DE" sz="1400" dirty="0" smtClean="0"/>
+            <a:t>Pflichtenheft</a:t>
+          </a:r>
+          <a:endParaRPr lang="de-DE" sz="1400" dirty="0"/>
+        </a:p>
+      </dgm:t>
+    </dgm:pt>
+    <dgm:pt modelId="{11DCAC3E-4C2C-4945-B245-E7C69099CB34}" type="parTrans" cxnId="{58ECD606-DF49-456C-92CC-3FC995338DA5}">
+      <dgm:prSet/>
+      <dgm:spPr/>
+      <dgm:t>
+        <a:bodyPr/>
+        <a:lstStyle/>
+        <a:p>
+          <a:endParaRPr lang="de-DE" sz="2400"/>
+        </a:p>
+      </dgm:t>
+    </dgm:pt>
+    <dgm:pt modelId="{50A0534A-8921-429F-AEBF-0E0D60438255}" type="sibTrans" cxnId="{58ECD606-DF49-456C-92CC-3FC995338DA5}">
+      <dgm:prSet/>
+      <dgm:spPr/>
+      <dgm:t>
+        <a:bodyPr/>
+        <a:lstStyle/>
+        <a:p>
+          <a:endParaRPr lang="de-DE" sz="2400"/>
+        </a:p>
+      </dgm:t>
+    </dgm:pt>
+    <dgm:pt modelId="{6043B0A8-44FC-4706-B37A-7F342ABD7CAE}">
+      <dgm:prSet phldrT="[Text]" custT="1"/>
+      <dgm:spPr/>
+      <dgm:t>
+        <a:bodyPr/>
+        <a:lstStyle/>
+        <a:p>
+          <a:r>
+            <a:rPr lang="de-DE" sz="1800" dirty="0" smtClean="0"/>
+            <a:t>Realisierung</a:t>
+          </a:r>
+          <a:endParaRPr lang="de-DE" sz="1800" dirty="0"/>
+        </a:p>
+      </dgm:t>
+    </dgm:pt>
+    <dgm:pt modelId="{D8109DA1-2E16-4DF6-A989-9DA006F96235}" type="parTrans" cxnId="{F1608424-95E6-4187-9F50-C1AB10DFF465}">
+      <dgm:prSet/>
+      <dgm:spPr/>
+      <dgm:t>
+        <a:bodyPr/>
+        <a:lstStyle/>
+        <a:p>
+          <a:endParaRPr lang="de-DE" sz="2400"/>
+        </a:p>
+      </dgm:t>
+    </dgm:pt>
+    <dgm:pt modelId="{3B27F8F0-46DD-48CE-89ED-BD65A552898B}" type="sibTrans" cxnId="{F1608424-95E6-4187-9F50-C1AB10DFF465}">
+      <dgm:prSet/>
+      <dgm:spPr/>
+      <dgm:t>
+        <a:bodyPr/>
+        <a:lstStyle/>
+        <a:p>
+          <a:endParaRPr lang="de-DE" sz="2400"/>
+        </a:p>
+      </dgm:t>
+    </dgm:pt>
+    <dgm:pt modelId="{ABD30D39-23EC-4FCC-9B13-57D32A82A546}">
+      <dgm:prSet phldrT="[Text]" custT="1"/>
+      <dgm:spPr/>
+      <dgm:t>
+        <a:bodyPr/>
+        <a:lstStyle/>
+        <a:p>
+          <a:r>
+            <a:rPr lang="de-DE" sz="1400" dirty="0" smtClean="0"/>
+            <a:t>Datenbank</a:t>
+          </a:r>
+          <a:endParaRPr lang="de-DE" sz="1400" dirty="0"/>
+        </a:p>
+      </dgm:t>
+    </dgm:pt>
+    <dgm:pt modelId="{C5A94903-DF8D-4907-A3E8-951CE956DA5D}" type="parTrans" cxnId="{9423DADA-472C-41D9-88AD-46BB03D27D4E}">
+      <dgm:prSet/>
+      <dgm:spPr/>
+      <dgm:t>
+        <a:bodyPr/>
+        <a:lstStyle/>
+        <a:p>
+          <a:endParaRPr lang="de-DE" sz="2400"/>
+        </a:p>
+      </dgm:t>
+    </dgm:pt>
+    <dgm:pt modelId="{3EF7BC8F-673B-4ADA-9436-138C06DF52D8}" type="sibTrans" cxnId="{9423DADA-472C-41D9-88AD-46BB03D27D4E}">
+      <dgm:prSet/>
+      <dgm:spPr/>
+      <dgm:t>
+        <a:bodyPr/>
+        <a:lstStyle/>
+        <a:p>
+          <a:endParaRPr lang="de-DE" sz="2400"/>
+        </a:p>
+      </dgm:t>
+    </dgm:pt>
+    <dgm:pt modelId="{60FFB2DA-71E2-4B60-8F03-B97F02814FE8}">
+      <dgm:prSet phldrT="[Text]" custT="1"/>
+      <dgm:spPr/>
+      <dgm:t>
+        <a:bodyPr/>
+        <a:lstStyle/>
+        <a:p>
+          <a:r>
+            <a:rPr lang="de-DE" sz="1400" dirty="0" smtClean="0"/>
+            <a:t>Programmier-</a:t>
+          </a:r>
+          <a:r>
+            <a:rPr lang="de-DE" sz="1400" dirty="0" err="1" smtClean="0"/>
+            <a:t>ung</a:t>
+          </a:r>
+          <a:r>
+            <a:rPr lang="de-DE" sz="1400" dirty="0" smtClean="0"/>
+            <a:t> (View, Controller, Modell)</a:t>
+          </a:r>
+          <a:endParaRPr lang="de-DE" sz="1400" dirty="0"/>
+        </a:p>
+      </dgm:t>
+    </dgm:pt>
+    <dgm:pt modelId="{F5495816-0C9E-4B5B-A238-F565E58D7803}" type="parTrans" cxnId="{24BACCAC-AE3B-4A99-B678-9387F463D2EF}">
+      <dgm:prSet/>
+      <dgm:spPr/>
+      <dgm:t>
+        <a:bodyPr/>
+        <a:lstStyle/>
+        <a:p>
+          <a:endParaRPr lang="de-DE" sz="2400"/>
+        </a:p>
+      </dgm:t>
+    </dgm:pt>
+    <dgm:pt modelId="{D06C6867-E1BA-43A9-A6CE-AE88C2CD94FD}" type="sibTrans" cxnId="{24BACCAC-AE3B-4A99-B678-9387F463D2EF}">
+      <dgm:prSet/>
+      <dgm:spPr/>
+      <dgm:t>
+        <a:bodyPr/>
+        <a:lstStyle/>
+        <a:p>
+          <a:endParaRPr lang="de-DE" sz="2400"/>
+        </a:p>
+      </dgm:t>
+    </dgm:pt>
+    <dgm:pt modelId="{A967B292-09E8-4E01-8A94-A81D6D92DBDD}">
+      <dgm:prSet phldrT="[Text]" custT="1"/>
+      <dgm:spPr/>
+      <dgm:t>
+        <a:bodyPr/>
+        <a:lstStyle/>
+        <a:p>
+          <a:r>
+            <a:rPr lang="de-DE" sz="1400" dirty="0" err="1" smtClean="0"/>
+            <a:t>Cronjob</a:t>
+          </a:r>
+          <a:endParaRPr lang="de-DE" sz="1400" dirty="0"/>
+        </a:p>
+      </dgm:t>
+    </dgm:pt>
+    <dgm:pt modelId="{83978787-CABD-419D-BEFF-2326C86E307F}" type="parTrans" cxnId="{FEA06E14-6714-460E-A2C4-76AF673D96B2}">
+      <dgm:prSet/>
+      <dgm:spPr/>
+      <dgm:t>
+        <a:bodyPr/>
+        <a:lstStyle/>
+        <a:p>
+          <a:endParaRPr lang="de-DE" sz="2400"/>
+        </a:p>
+      </dgm:t>
+    </dgm:pt>
+    <dgm:pt modelId="{966BBEAF-F424-4C1B-9F50-D3530EDBD3F4}" type="sibTrans" cxnId="{FEA06E14-6714-460E-A2C4-76AF673D96B2}">
+      <dgm:prSet/>
+      <dgm:spPr/>
+      <dgm:t>
+        <a:bodyPr/>
+        <a:lstStyle/>
+        <a:p>
+          <a:endParaRPr lang="de-DE" sz="2400"/>
+        </a:p>
+      </dgm:t>
+    </dgm:pt>
+    <dgm:pt modelId="{1D2BD1DA-3657-4A8C-9785-D7282AB16A84}">
+      <dgm:prSet phldrT="[Text]" custT="1"/>
+      <dgm:spPr/>
+      <dgm:t>
+        <a:bodyPr/>
+        <a:lstStyle/>
+        <a:p>
+          <a:r>
+            <a:rPr lang="de-DE" sz="1400" dirty="0" smtClean="0"/>
+            <a:t>Installer erstellen</a:t>
+          </a:r>
+          <a:endParaRPr lang="de-DE" sz="1400" dirty="0"/>
+        </a:p>
+      </dgm:t>
+    </dgm:pt>
+    <dgm:pt modelId="{13AD18B7-6C9D-4DA5-8CF7-426D68467982}" type="parTrans" cxnId="{4AA9AB66-BA44-475B-A8A8-30AD54C4CD1A}">
+      <dgm:prSet/>
+      <dgm:spPr/>
+      <dgm:t>
+        <a:bodyPr/>
+        <a:lstStyle/>
+        <a:p>
+          <a:endParaRPr lang="de-DE" sz="2400"/>
+        </a:p>
+      </dgm:t>
+    </dgm:pt>
+    <dgm:pt modelId="{5FB73046-B1E2-46DC-A2CC-49B3DBF79A17}" type="sibTrans" cxnId="{4AA9AB66-BA44-475B-A8A8-30AD54C4CD1A}">
+      <dgm:prSet/>
+      <dgm:spPr/>
+      <dgm:t>
+        <a:bodyPr/>
+        <a:lstStyle/>
+        <a:p>
+          <a:endParaRPr lang="de-DE" sz="2400"/>
+        </a:p>
+      </dgm:t>
+    </dgm:pt>
+    <dgm:pt modelId="{DBD17336-B141-494E-A31C-6EA653EE637A}">
+      <dgm:prSet phldrT="[Text]" custT="1"/>
+      <dgm:spPr/>
+      <dgm:t>
+        <a:bodyPr/>
+        <a:lstStyle/>
+        <a:p>
+          <a:r>
+            <a:rPr lang="de-DE" sz="1800" dirty="0" smtClean="0"/>
+            <a:t>Test</a:t>
+          </a:r>
+          <a:endParaRPr lang="de-DE" sz="1800" dirty="0"/>
+        </a:p>
+      </dgm:t>
+    </dgm:pt>
+    <dgm:pt modelId="{09A6F55D-0974-44D2-B12D-48E16F3D0029}" type="parTrans" cxnId="{2198E06B-EBEE-42F2-BF31-52AD13E73BC6}">
+      <dgm:prSet/>
+      <dgm:spPr/>
+      <dgm:t>
+        <a:bodyPr/>
+        <a:lstStyle/>
+        <a:p>
+          <a:endParaRPr lang="de-DE" sz="2400"/>
+        </a:p>
+      </dgm:t>
+    </dgm:pt>
+    <dgm:pt modelId="{A6141C16-1C65-42F9-8DF0-A27738FE79EE}" type="sibTrans" cxnId="{2198E06B-EBEE-42F2-BF31-52AD13E73BC6}">
+      <dgm:prSet/>
+      <dgm:spPr/>
+      <dgm:t>
+        <a:bodyPr/>
+        <a:lstStyle/>
+        <a:p>
+          <a:endParaRPr lang="de-DE" sz="2400"/>
+        </a:p>
+      </dgm:t>
+    </dgm:pt>
+    <dgm:pt modelId="{FCE05639-9A34-421D-9FD3-79EEF57498D8}">
+      <dgm:prSet phldrT="[Text]" custT="1"/>
+      <dgm:spPr/>
+      <dgm:t>
+        <a:bodyPr/>
+        <a:lstStyle/>
+        <a:p>
+          <a:r>
+            <a:rPr lang="de-DE" sz="1400" dirty="0" smtClean="0"/>
+            <a:t>Auftragnehmer</a:t>
+          </a:r>
+          <a:endParaRPr lang="de-DE" sz="1400" dirty="0"/>
+        </a:p>
+      </dgm:t>
+    </dgm:pt>
+    <dgm:pt modelId="{F3903BDF-F0ED-4A06-8C1B-A96D8DDD8DDC}" type="parTrans" cxnId="{3F65C4C7-8DE4-4F28-82C5-0662EBCF8C0E}">
+      <dgm:prSet/>
+      <dgm:spPr/>
+      <dgm:t>
+        <a:bodyPr/>
+        <a:lstStyle/>
+        <a:p>
+          <a:endParaRPr lang="de-DE" sz="2400"/>
+        </a:p>
+      </dgm:t>
+    </dgm:pt>
+    <dgm:pt modelId="{4F6AA9F8-0B5F-499B-AE30-3D935C570E4E}" type="sibTrans" cxnId="{3F65C4C7-8DE4-4F28-82C5-0662EBCF8C0E}">
+      <dgm:prSet/>
+      <dgm:spPr/>
+      <dgm:t>
+        <a:bodyPr/>
+        <a:lstStyle/>
+        <a:p>
+          <a:endParaRPr lang="de-DE" sz="2400"/>
+        </a:p>
+      </dgm:t>
+    </dgm:pt>
+    <dgm:pt modelId="{8852547F-3DE1-4303-BABC-35751A1FFAA4}">
+      <dgm:prSet phldrT="[Text]" custT="1"/>
+      <dgm:spPr/>
+      <dgm:t>
+        <a:bodyPr/>
+        <a:lstStyle/>
+        <a:p>
+          <a:r>
+            <a:rPr lang="de-DE" sz="1400" dirty="0" smtClean="0"/>
+            <a:t>Auftragsgeber</a:t>
+          </a:r>
+          <a:endParaRPr lang="de-DE" sz="1400" dirty="0"/>
+        </a:p>
+      </dgm:t>
+    </dgm:pt>
+    <dgm:pt modelId="{E3280EF4-38C9-4B21-B7E2-305ED52D9188}" type="parTrans" cxnId="{165AFAEA-5E3C-4D2F-B24C-8AB5DB51E1D8}">
+      <dgm:prSet/>
+      <dgm:spPr/>
+      <dgm:t>
+        <a:bodyPr/>
+        <a:lstStyle/>
+        <a:p>
+          <a:endParaRPr lang="de-DE" sz="2400"/>
+        </a:p>
+      </dgm:t>
+    </dgm:pt>
+    <dgm:pt modelId="{7EF36CEC-CFA4-4D2A-9ADF-9A92FE46FB8F}" type="sibTrans" cxnId="{165AFAEA-5E3C-4D2F-B24C-8AB5DB51E1D8}">
+      <dgm:prSet/>
+      <dgm:spPr/>
+      <dgm:t>
+        <a:bodyPr/>
+        <a:lstStyle/>
+        <a:p>
+          <a:endParaRPr lang="de-DE" sz="2400"/>
+        </a:p>
+      </dgm:t>
+    </dgm:pt>
+    <dgm:pt modelId="{5245D8E1-9FDE-4633-85B7-BE42CD6AA787}">
+      <dgm:prSet phldrT="[Text]" custT="1"/>
+      <dgm:spPr/>
+      <dgm:t>
+        <a:bodyPr/>
+        <a:lstStyle/>
+        <a:p>
+          <a:r>
+            <a:rPr lang="de-DE" sz="1800" dirty="0" smtClean="0"/>
+            <a:t>Abgabe</a:t>
+          </a:r>
+          <a:endParaRPr lang="de-DE" sz="1800" dirty="0"/>
+        </a:p>
+      </dgm:t>
+    </dgm:pt>
+    <dgm:pt modelId="{55F15053-25F4-4161-BCA1-92DDB4FB32E9}" type="parTrans" cxnId="{5647984F-2F20-4C53-AFA6-A50F0B2D982A}">
+      <dgm:prSet/>
+      <dgm:spPr/>
+      <dgm:t>
+        <a:bodyPr/>
+        <a:lstStyle/>
+        <a:p>
+          <a:endParaRPr lang="de-DE" sz="2400"/>
+        </a:p>
+      </dgm:t>
+    </dgm:pt>
+    <dgm:pt modelId="{B0D58DB8-A061-4E28-A244-8F898564CBF4}" type="sibTrans" cxnId="{5647984F-2F20-4C53-AFA6-A50F0B2D982A}">
+      <dgm:prSet/>
+      <dgm:spPr/>
+      <dgm:t>
+        <a:bodyPr/>
+        <a:lstStyle/>
+        <a:p>
+          <a:endParaRPr lang="de-DE" sz="2400"/>
+        </a:p>
+      </dgm:t>
+    </dgm:pt>
+    <dgm:pt modelId="{AD34B4C5-1A81-4AC6-A5F9-35CC4DC5D843}">
+      <dgm:prSet phldrT="[Text]" custT="1"/>
+      <dgm:spPr/>
+      <dgm:t>
+        <a:bodyPr/>
+        <a:lstStyle/>
+        <a:p>
+          <a:r>
+            <a:rPr lang="de-DE" sz="1400" dirty="0" err="1" smtClean="0"/>
+            <a:t>Dokumen-tation</a:t>
+          </a:r>
+          <a:endParaRPr lang="de-DE" sz="1400" dirty="0"/>
+        </a:p>
+      </dgm:t>
+    </dgm:pt>
+    <dgm:pt modelId="{FD6F77B6-DA9F-491F-B649-F16E90DA55B0}" type="parTrans" cxnId="{549CF814-C607-4921-A024-5CFAC5637540}">
+      <dgm:prSet/>
+      <dgm:spPr/>
+      <dgm:t>
+        <a:bodyPr/>
+        <a:lstStyle/>
+        <a:p>
+          <a:endParaRPr lang="de-DE" sz="2400"/>
+        </a:p>
+      </dgm:t>
+    </dgm:pt>
+    <dgm:pt modelId="{8B95582E-B691-45DD-8D9C-114E0B7A4E01}" type="sibTrans" cxnId="{549CF814-C607-4921-A024-5CFAC5637540}">
+      <dgm:prSet/>
+      <dgm:spPr/>
+      <dgm:t>
+        <a:bodyPr/>
+        <a:lstStyle/>
+        <a:p>
+          <a:endParaRPr lang="de-DE" sz="2400"/>
+        </a:p>
+      </dgm:t>
+    </dgm:pt>
+    <dgm:pt modelId="{8693C395-BAA7-449A-ACDD-FFFEEE0DC862}">
+      <dgm:prSet phldrT="[Text]" custT="1"/>
+      <dgm:spPr/>
+      <dgm:t>
+        <a:bodyPr/>
+        <a:lstStyle/>
+        <a:p>
+          <a:r>
+            <a:rPr lang="de-DE" sz="1400" dirty="0" smtClean="0"/>
+            <a:t>Präsentation</a:t>
+          </a:r>
+          <a:endParaRPr lang="de-DE" sz="1400" dirty="0"/>
+        </a:p>
+      </dgm:t>
+    </dgm:pt>
+    <dgm:pt modelId="{0DB5F330-DE96-4670-8EFA-8B7B45CEA34D}" type="parTrans" cxnId="{929DDD9F-A144-4496-902C-7A0CEA79C4C8}">
+      <dgm:prSet/>
+      <dgm:spPr/>
+      <dgm:t>
+        <a:bodyPr/>
+        <a:lstStyle/>
+        <a:p>
+          <a:endParaRPr lang="de-DE" sz="2400"/>
+        </a:p>
+      </dgm:t>
+    </dgm:pt>
+    <dgm:pt modelId="{87BE7E65-1B97-4314-AB36-B212E2476EE6}" type="sibTrans" cxnId="{929DDD9F-A144-4496-902C-7A0CEA79C4C8}">
+      <dgm:prSet/>
+      <dgm:spPr/>
+      <dgm:t>
+        <a:bodyPr/>
+        <a:lstStyle/>
+        <a:p>
+          <a:endParaRPr lang="de-DE" sz="2400"/>
+        </a:p>
+      </dgm:t>
+    </dgm:pt>
+    <dgm:pt modelId="{15924F1D-DFFE-44B8-9A4D-64F79E9D1294}" type="pres">
+      <dgm:prSet presAssocID="{42A7AF39-9F16-4BE0-9691-F2A4EAA889D5}" presName="rootnode" presStyleCnt="0">
+        <dgm:presLayoutVars>
+          <dgm:chMax/>
+          <dgm:chPref/>
+          <dgm:dir/>
+          <dgm:animLvl val="lvl"/>
+        </dgm:presLayoutVars>
+      </dgm:prSet>
+      <dgm:spPr/>
+    </dgm:pt>
+    <dgm:pt modelId="{BB78FA45-E9B1-4CCB-B3B1-6CFA0CEF3944}" type="pres">
+      <dgm:prSet presAssocID="{B4BBFA07-05DD-4CDD-AC39-6342607DC2A1}" presName="composite" presStyleCnt="0"/>
+      <dgm:spPr/>
+    </dgm:pt>
+    <dgm:pt modelId="{3EAD6723-0198-42FA-A966-C636D421C4A3}" type="pres">
+      <dgm:prSet presAssocID="{B4BBFA07-05DD-4CDD-AC39-6342607DC2A1}" presName="LShape" presStyleLbl="alignNode1" presStyleIdx="0" presStyleCnt="9"/>
+      <dgm:spPr/>
+    </dgm:pt>
+    <dgm:pt modelId="{2DE05352-9E55-41AB-8A05-49E73E35CA67}" type="pres">
+      <dgm:prSet presAssocID="{B4BBFA07-05DD-4CDD-AC39-6342607DC2A1}" presName="ParentText" presStyleLbl="revTx" presStyleIdx="0" presStyleCnt="5" custLinFactNeighborX="-2260" custLinFactNeighborY="5213">
+        <dgm:presLayoutVars>
+          <dgm:chMax val="0"/>
+          <dgm:chPref val="0"/>
+          <dgm:bulletEnabled val="1"/>
+        </dgm:presLayoutVars>
+      </dgm:prSet>
+      <dgm:spPr/>
+      <dgm:t>
+        <a:bodyPr/>
+        <a:lstStyle/>
+        <a:p>
+          <a:endParaRPr lang="de-DE"/>
+        </a:p>
+      </dgm:t>
+    </dgm:pt>
+    <dgm:pt modelId="{C9DEE7F5-E11A-4A08-9476-B079D00A7F6B}" type="pres">
+      <dgm:prSet presAssocID="{B4BBFA07-05DD-4CDD-AC39-6342607DC2A1}" presName="Triangle" presStyleLbl="alignNode1" presStyleIdx="1" presStyleCnt="9"/>
+      <dgm:spPr/>
+    </dgm:pt>
+    <dgm:pt modelId="{163B084B-63D4-4E49-B3EB-27370305AEE5}" type="pres">
+      <dgm:prSet presAssocID="{B652451A-AD6D-4DFA-B925-9D21BB71A0C7}" presName="sibTrans" presStyleCnt="0"/>
+      <dgm:spPr/>
+    </dgm:pt>
+    <dgm:pt modelId="{1B27DFAA-4067-4CDA-9319-DFB815496060}" type="pres">
+      <dgm:prSet presAssocID="{B652451A-AD6D-4DFA-B925-9D21BB71A0C7}" presName="space" presStyleCnt="0"/>
+      <dgm:spPr/>
+    </dgm:pt>
+    <dgm:pt modelId="{5E67DAD9-27D1-4A1E-B6C0-459B16D95DAE}" type="pres">
+      <dgm:prSet presAssocID="{182E85C3-C0C1-4055-B42E-08657C1D36EB}" presName="composite" presStyleCnt="0"/>
+      <dgm:spPr/>
+    </dgm:pt>
+    <dgm:pt modelId="{404BCD33-CEBE-4D5E-A72A-293DD4A80C28}" type="pres">
+      <dgm:prSet presAssocID="{182E85C3-C0C1-4055-B42E-08657C1D36EB}" presName="LShape" presStyleLbl="alignNode1" presStyleIdx="2" presStyleCnt="9"/>
+      <dgm:spPr/>
+    </dgm:pt>
+    <dgm:pt modelId="{49408975-06AA-4BDB-97EE-39A2B5B65172}" type="pres">
+      <dgm:prSet presAssocID="{182E85C3-C0C1-4055-B42E-08657C1D36EB}" presName="ParentText" presStyleLbl="revTx" presStyleIdx="1" presStyleCnt="5" custScaleX="103934">
+        <dgm:presLayoutVars>
+          <dgm:chMax val="0"/>
+          <dgm:chPref val="0"/>
+          <dgm:bulletEnabled val="1"/>
+        </dgm:presLayoutVars>
+      </dgm:prSet>
+      <dgm:spPr/>
+    </dgm:pt>
+    <dgm:pt modelId="{39D54914-F98B-46AF-A62F-C80B5168465D}" type="pres">
+      <dgm:prSet presAssocID="{182E85C3-C0C1-4055-B42E-08657C1D36EB}" presName="Triangle" presStyleLbl="alignNode1" presStyleIdx="3" presStyleCnt="9"/>
+      <dgm:spPr/>
+    </dgm:pt>
+    <dgm:pt modelId="{4567F7C4-375F-484E-AA3E-E97BDE61DB7B}" type="pres">
+      <dgm:prSet presAssocID="{53EC14C8-D3F0-4F81-A9BC-0E03B0043A69}" presName="sibTrans" presStyleCnt="0"/>
+      <dgm:spPr/>
+    </dgm:pt>
+    <dgm:pt modelId="{32A5D423-0B36-4B34-99B7-65CB3B96B3AE}" type="pres">
+      <dgm:prSet presAssocID="{53EC14C8-D3F0-4F81-A9BC-0E03B0043A69}" presName="space" presStyleCnt="0"/>
+      <dgm:spPr/>
+    </dgm:pt>
+    <dgm:pt modelId="{CD2AAD6F-BFF0-4F13-AF81-3E15B7C2CAA3}" type="pres">
+      <dgm:prSet presAssocID="{6043B0A8-44FC-4706-B37A-7F342ABD7CAE}" presName="composite" presStyleCnt="0"/>
+      <dgm:spPr/>
+    </dgm:pt>
+    <dgm:pt modelId="{F31C53CD-562E-4EE7-935D-F59CB0298959}" type="pres">
+      <dgm:prSet presAssocID="{6043B0A8-44FC-4706-B37A-7F342ABD7CAE}" presName="LShape" presStyleLbl="alignNode1" presStyleIdx="4" presStyleCnt="9"/>
+      <dgm:spPr/>
+    </dgm:pt>
+    <dgm:pt modelId="{41C4E12E-38CD-4528-8DC8-FA3E7A5D033F}" type="pres">
+      <dgm:prSet presAssocID="{6043B0A8-44FC-4706-B37A-7F342ABD7CAE}" presName="ParentText" presStyleLbl="revTx" presStyleIdx="2" presStyleCnt="5">
+        <dgm:presLayoutVars>
+          <dgm:chMax val="0"/>
+          <dgm:chPref val="0"/>
+          <dgm:bulletEnabled val="1"/>
+        </dgm:presLayoutVars>
+      </dgm:prSet>
+      <dgm:spPr/>
+    </dgm:pt>
+    <dgm:pt modelId="{B2E6B3F1-D6A9-473F-A3D8-87BE7275F81D}" type="pres">
+      <dgm:prSet presAssocID="{6043B0A8-44FC-4706-B37A-7F342ABD7CAE}" presName="Triangle" presStyleLbl="alignNode1" presStyleIdx="5" presStyleCnt="9"/>
+      <dgm:spPr/>
+    </dgm:pt>
+    <dgm:pt modelId="{A8C7035C-E079-4ACE-825E-7CBD47C64291}" type="pres">
+      <dgm:prSet presAssocID="{3B27F8F0-46DD-48CE-89ED-BD65A552898B}" presName="sibTrans" presStyleCnt="0"/>
+      <dgm:spPr/>
+    </dgm:pt>
+    <dgm:pt modelId="{62BD9F6B-9291-4149-B21D-B6723887784D}" type="pres">
+      <dgm:prSet presAssocID="{3B27F8F0-46DD-48CE-89ED-BD65A552898B}" presName="space" presStyleCnt="0"/>
+      <dgm:spPr/>
+    </dgm:pt>
+    <dgm:pt modelId="{00F724E3-552D-4362-BF84-479A077FF641}" type="pres">
+      <dgm:prSet presAssocID="{DBD17336-B141-494E-A31C-6EA653EE637A}" presName="composite" presStyleCnt="0"/>
+      <dgm:spPr/>
+    </dgm:pt>
+    <dgm:pt modelId="{FA8C4396-95FC-43B7-AD5D-867BEADACDF1}" type="pres">
+      <dgm:prSet presAssocID="{DBD17336-B141-494E-A31C-6EA653EE637A}" presName="LShape" presStyleLbl="alignNode1" presStyleIdx="6" presStyleCnt="9"/>
+      <dgm:spPr/>
+    </dgm:pt>
+    <dgm:pt modelId="{CB8E302D-B6B3-4357-A38F-1B39E75756AF}" type="pres">
+      <dgm:prSet presAssocID="{DBD17336-B141-494E-A31C-6EA653EE637A}" presName="ParentText" presStyleLbl="revTx" presStyleIdx="3" presStyleCnt="5">
+        <dgm:presLayoutVars>
+          <dgm:chMax val="0"/>
+          <dgm:chPref val="0"/>
+          <dgm:bulletEnabled val="1"/>
+        </dgm:presLayoutVars>
+      </dgm:prSet>
+      <dgm:spPr/>
+    </dgm:pt>
+    <dgm:pt modelId="{0E4CE61A-6A67-4F3C-9EBB-0DAC5686D681}" type="pres">
+      <dgm:prSet presAssocID="{DBD17336-B141-494E-A31C-6EA653EE637A}" presName="Triangle" presStyleLbl="alignNode1" presStyleIdx="7" presStyleCnt="9"/>
+      <dgm:spPr/>
+    </dgm:pt>
+    <dgm:pt modelId="{10F5BE76-B3BC-4FB8-8402-A68E7802F255}" type="pres">
+      <dgm:prSet presAssocID="{A6141C16-1C65-42F9-8DF0-A27738FE79EE}" presName="sibTrans" presStyleCnt="0"/>
+      <dgm:spPr/>
+    </dgm:pt>
+    <dgm:pt modelId="{5A2C55C3-04F3-4986-894B-B8B061711641}" type="pres">
+      <dgm:prSet presAssocID="{A6141C16-1C65-42F9-8DF0-A27738FE79EE}" presName="space" presStyleCnt="0"/>
+      <dgm:spPr/>
+    </dgm:pt>
+    <dgm:pt modelId="{4669DF2F-DD6F-4E66-BA0D-6EB2D1C531FE}" type="pres">
+      <dgm:prSet presAssocID="{5245D8E1-9FDE-4633-85B7-BE42CD6AA787}" presName="composite" presStyleCnt="0"/>
+      <dgm:spPr/>
+    </dgm:pt>
+    <dgm:pt modelId="{6A433629-CB9E-4399-A77A-DEAEFC3E39C2}" type="pres">
+      <dgm:prSet presAssocID="{5245D8E1-9FDE-4633-85B7-BE42CD6AA787}" presName="LShape" presStyleLbl="alignNode1" presStyleIdx="8" presStyleCnt="9"/>
+      <dgm:spPr/>
+    </dgm:pt>
+    <dgm:pt modelId="{E92E13EE-0FC2-4C6F-B6F9-A9FA123682BA}" type="pres">
+      <dgm:prSet presAssocID="{5245D8E1-9FDE-4633-85B7-BE42CD6AA787}" presName="ParentText" presStyleLbl="revTx" presStyleIdx="4" presStyleCnt="5">
+        <dgm:presLayoutVars>
+          <dgm:chMax val="0"/>
+          <dgm:chPref val="0"/>
+          <dgm:bulletEnabled val="1"/>
+        </dgm:presLayoutVars>
+      </dgm:prSet>
+      <dgm:spPr/>
+    </dgm:pt>
+  </dgm:ptLst>
+  <dgm:cxnLst>
+    <dgm:cxn modelId="{147788A7-2779-456E-B258-73484AAD0795}" type="presOf" srcId="{60FFB2DA-71E2-4B60-8F03-B97F02814FE8}" destId="{41C4E12E-38CD-4528-8DC8-FA3E7A5D033F}" srcOrd="0" destOrd="2" presId="urn:microsoft.com/office/officeart/2009/3/layout/StepUpProcess"/>
+    <dgm:cxn modelId="{B8F0145C-8308-460B-8FAB-8B1FBF02104D}" type="presOf" srcId="{8852547F-3DE1-4303-BABC-35751A1FFAA4}" destId="{CB8E302D-B6B3-4357-A38F-1B39E75756AF}" srcOrd="0" destOrd="2" presId="urn:microsoft.com/office/officeart/2009/3/layout/StepUpProcess"/>
+    <dgm:cxn modelId="{F7908085-1A04-433D-B269-85C12971F30D}" type="presOf" srcId="{B4BBFA07-05DD-4CDD-AC39-6342607DC2A1}" destId="{2DE05352-9E55-41AB-8A05-49E73E35CA67}" srcOrd="0" destOrd="0" presId="urn:microsoft.com/office/officeart/2009/3/layout/StepUpProcess"/>
+    <dgm:cxn modelId="{3DE7FD94-D5E7-407C-989B-2C1F91B4CE03}" srcId="{B4BBFA07-05DD-4CDD-AC39-6342607DC2A1}" destId="{27323C3F-7D4E-44F5-9FA3-413CFCD7B174}" srcOrd="2" destOrd="0" parTransId="{18FA00AE-387D-4A8D-981A-94EDEBCA8EC2}" sibTransId="{D4734B30-AB73-4712-B278-2895E8608C4E}"/>
+    <dgm:cxn modelId="{F1889F2E-D478-44D1-95C5-34A8B81E679D}" type="presOf" srcId="{ABD30D39-23EC-4FCC-9B13-57D32A82A546}" destId="{41C4E12E-38CD-4528-8DC8-FA3E7A5D033F}" srcOrd="0" destOrd="1" presId="urn:microsoft.com/office/officeart/2009/3/layout/StepUpProcess"/>
+    <dgm:cxn modelId="{96E1826D-A600-4700-8556-6C6BBEFC9865}" type="presOf" srcId="{DBD17336-B141-494E-A31C-6EA653EE637A}" destId="{CB8E302D-B6B3-4357-A38F-1B39E75756AF}" srcOrd="0" destOrd="0" presId="urn:microsoft.com/office/officeart/2009/3/layout/StepUpProcess"/>
+    <dgm:cxn modelId="{DA08D63A-B9EE-44A4-92C2-A70A4B6E5A2B}" type="presOf" srcId="{BFAD5C6C-3CCC-47DA-B82A-97A0E60E41A5}" destId="{2DE05352-9E55-41AB-8A05-49E73E35CA67}" srcOrd="0" destOrd="2" presId="urn:microsoft.com/office/officeart/2009/3/layout/StepUpProcess"/>
+    <dgm:cxn modelId="{E2E8D555-E2A1-4B5C-B90D-F16299503649}" srcId="{182E85C3-C0C1-4055-B42E-08657C1D36EB}" destId="{DDBD9E0E-2857-478B-9BFD-EB049F36A6F4}" srcOrd="1" destOrd="0" parTransId="{64FDB413-C3BC-4DF0-942B-0162F878BA5B}" sibTransId="{79BD68F6-F4B8-49E3-96CA-A2D68A915F02}"/>
+    <dgm:cxn modelId="{B7AD1B12-7AFB-4FDC-9EC7-F852FAC685F4}" type="presOf" srcId="{10E407B9-5FCC-4D3A-94D2-6AB25397AEC7}" destId="{2DE05352-9E55-41AB-8A05-49E73E35CA67}" srcOrd="0" destOrd="1" presId="urn:microsoft.com/office/officeart/2009/3/layout/StepUpProcess"/>
+    <dgm:cxn modelId="{165AFAEA-5E3C-4D2F-B24C-8AB5DB51E1D8}" srcId="{DBD17336-B141-494E-A31C-6EA653EE637A}" destId="{8852547F-3DE1-4303-BABC-35751A1FFAA4}" srcOrd="1" destOrd="0" parTransId="{E3280EF4-38C9-4B21-B7E2-305ED52D9188}" sibTransId="{7EF36CEC-CFA4-4D2A-9ADF-9A92FE46FB8F}"/>
+    <dgm:cxn modelId="{D4427064-C3A1-4CD7-9480-2E06E0E918CA}" type="presOf" srcId="{AD34B4C5-1A81-4AC6-A5F9-35CC4DC5D843}" destId="{E92E13EE-0FC2-4C6F-B6F9-A9FA123682BA}" srcOrd="0" destOrd="1" presId="urn:microsoft.com/office/officeart/2009/3/layout/StepUpProcess"/>
+    <dgm:cxn modelId="{2332A261-0B55-41F1-90E2-7FF6C56C18CE}" type="presOf" srcId="{1E975C45-1647-472C-8812-EFF81A215801}" destId="{49408975-06AA-4BDB-97EE-39A2B5B65172}" srcOrd="0" destOrd="5" presId="urn:microsoft.com/office/officeart/2009/3/layout/StepUpProcess"/>
+    <dgm:cxn modelId="{2EA9FA6D-82C5-4D6D-96E2-190B9F45C64F}" type="presOf" srcId="{DDBD9E0E-2857-478B-9BFD-EB049F36A6F4}" destId="{49408975-06AA-4BDB-97EE-39A2B5B65172}" srcOrd="0" destOrd="2" presId="urn:microsoft.com/office/officeart/2009/3/layout/StepUpProcess"/>
+    <dgm:cxn modelId="{C2E7BCFE-AD34-4091-A98F-E1ADE8B86F48}" type="presOf" srcId="{124AB731-44F7-42FC-A2C7-6A103755875A}" destId="{49408975-06AA-4BDB-97EE-39A2B5B65172}" srcOrd="0" destOrd="4" presId="urn:microsoft.com/office/officeart/2009/3/layout/StepUpProcess"/>
+    <dgm:cxn modelId="{5647984F-2F20-4C53-AFA6-A50F0B2D982A}" srcId="{42A7AF39-9F16-4BE0-9691-F2A4EAA889D5}" destId="{5245D8E1-9FDE-4633-85B7-BE42CD6AA787}" srcOrd="4" destOrd="0" parTransId="{55F15053-25F4-4161-BCA1-92DDB4FB32E9}" sibTransId="{B0D58DB8-A061-4E28-A244-8F898564CBF4}"/>
+    <dgm:cxn modelId="{2198E06B-EBEE-42F2-BF31-52AD13E73BC6}" srcId="{42A7AF39-9F16-4BE0-9691-F2A4EAA889D5}" destId="{DBD17336-B141-494E-A31C-6EA653EE637A}" srcOrd="3" destOrd="0" parTransId="{09A6F55D-0974-44D2-B12D-48E16F3D0029}" sibTransId="{A6141C16-1C65-42F9-8DF0-A27738FE79EE}"/>
+    <dgm:cxn modelId="{99EA9B64-3C5A-473B-A35C-FDA18DD70345}" type="presOf" srcId="{2739C324-A41E-4970-8A01-796A2C795ACC}" destId="{49408975-06AA-4BDB-97EE-39A2B5B65172}" srcOrd="0" destOrd="1" presId="urn:microsoft.com/office/officeart/2009/3/layout/StepUpProcess"/>
+    <dgm:cxn modelId="{4136FEBA-F98C-4772-9D11-CF2BB82C9521}" type="presOf" srcId="{182E85C3-C0C1-4055-B42E-08657C1D36EB}" destId="{49408975-06AA-4BDB-97EE-39A2B5B65172}" srcOrd="0" destOrd="0" presId="urn:microsoft.com/office/officeart/2009/3/layout/StepUpProcess"/>
+    <dgm:cxn modelId="{0AA5296D-0018-4285-B040-A470E27A3E17}" type="presOf" srcId="{3F8391EC-2E89-41BC-979F-48D4E21A811C}" destId="{49408975-06AA-4BDB-97EE-39A2B5B65172}" srcOrd="0" destOrd="3" presId="urn:microsoft.com/office/officeart/2009/3/layout/StepUpProcess"/>
+    <dgm:cxn modelId="{3A2AB074-10D5-4BC7-85E4-CE17B7E60BE3}" type="presOf" srcId="{360394FA-829F-403E-9AF0-5F6CF96DFD1E}" destId="{2DE05352-9E55-41AB-8A05-49E73E35CA67}" srcOrd="0" destOrd="4" presId="urn:microsoft.com/office/officeart/2009/3/layout/StepUpProcess"/>
+    <dgm:cxn modelId="{5DFF5E92-6524-4E83-9A7E-3FD2AE1E0B19}" srcId="{42A7AF39-9F16-4BE0-9691-F2A4EAA889D5}" destId="{B4BBFA07-05DD-4CDD-AC39-6342607DC2A1}" srcOrd="0" destOrd="0" parTransId="{4C9357AE-0A8A-4E31-8803-F14E79C0DCAE}" sibTransId="{B652451A-AD6D-4DFA-B925-9D21BB71A0C7}"/>
+    <dgm:cxn modelId="{2EFC6ECC-2A1D-49AA-9A00-0D10690547BC}" type="presOf" srcId="{5245D8E1-9FDE-4633-85B7-BE42CD6AA787}" destId="{E92E13EE-0FC2-4C6F-B6F9-A9FA123682BA}" srcOrd="0" destOrd="0" presId="urn:microsoft.com/office/officeart/2009/3/layout/StepUpProcess"/>
+    <dgm:cxn modelId="{9423DADA-472C-41D9-88AD-46BB03D27D4E}" srcId="{6043B0A8-44FC-4706-B37A-7F342ABD7CAE}" destId="{ABD30D39-23EC-4FCC-9B13-57D32A82A546}" srcOrd="0" destOrd="0" parTransId="{C5A94903-DF8D-4907-A3E8-951CE956DA5D}" sibTransId="{3EF7BC8F-673B-4ADA-9436-138C06DF52D8}"/>
+    <dgm:cxn modelId="{3A080199-5708-4D95-BDC6-677CE1E53018}" srcId="{B4BBFA07-05DD-4CDD-AC39-6342607DC2A1}" destId="{360394FA-829F-403E-9AF0-5F6CF96DFD1E}" srcOrd="3" destOrd="0" parTransId="{A75ACD84-8BFD-4E17-B22A-BCE08E0C1060}" sibTransId="{47CD002A-17EB-41C8-A521-C511E59926EB}"/>
+    <dgm:cxn modelId="{FEA06E14-6714-460E-A2C4-76AF673D96B2}" srcId="{6043B0A8-44FC-4706-B37A-7F342ABD7CAE}" destId="{A967B292-09E8-4E01-8A94-A81D6D92DBDD}" srcOrd="2" destOrd="0" parTransId="{83978787-CABD-419D-BEFF-2326C86E307F}" sibTransId="{966BBEAF-F424-4C1B-9F50-D3530EDBD3F4}"/>
+    <dgm:cxn modelId="{929DDD9F-A144-4496-902C-7A0CEA79C4C8}" srcId="{5245D8E1-9FDE-4633-85B7-BE42CD6AA787}" destId="{8693C395-BAA7-449A-ACDD-FFFEEE0DC862}" srcOrd="1" destOrd="0" parTransId="{0DB5F330-DE96-4670-8EFA-8B7B45CEA34D}" sibTransId="{87BE7E65-1B97-4314-AB36-B212E2476EE6}"/>
+    <dgm:cxn modelId="{4AA9AB66-BA44-475B-A8A8-30AD54C4CD1A}" srcId="{6043B0A8-44FC-4706-B37A-7F342ABD7CAE}" destId="{1D2BD1DA-3657-4A8C-9785-D7282AB16A84}" srcOrd="3" destOrd="0" parTransId="{13AD18B7-6C9D-4DA5-8CF7-426D68467982}" sibTransId="{5FB73046-B1E2-46DC-A2CC-49B3DBF79A17}"/>
+    <dgm:cxn modelId="{FE91AF71-63CF-490B-BCB5-D34589C9613E}" type="presOf" srcId="{1D2BD1DA-3657-4A8C-9785-D7282AB16A84}" destId="{41C4E12E-38CD-4528-8DC8-FA3E7A5D033F}" srcOrd="0" destOrd="4" presId="urn:microsoft.com/office/officeart/2009/3/layout/StepUpProcess"/>
+    <dgm:cxn modelId="{8130EFA1-7C19-4707-918B-EBD61B992DC1}" srcId="{182E85C3-C0C1-4055-B42E-08657C1D36EB}" destId="{2739C324-A41E-4970-8A01-796A2C795ACC}" srcOrd="0" destOrd="0" parTransId="{34EABE2C-343C-4A99-94EF-992C7B2864FB}" sibTransId="{E3CAAA70-690B-43D6-AD4A-610350C2031C}"/>
+    <dgm:cxn modelId="{16CC829F-DE06-4051-9B19-2D0E545FC101}" type="presOf" srcId="{A967B292-09E8-4E01-8A94-A81D6D92DBDD}" destId="{41C4E12E-38CD-4528-8DC8-FA3E7A5D033F}" srcOrd="0" destOrd="3" presId="urn:microsoft.com/office/officeart/2009/3/layout/StepUpProcess"/>
+    <dgm:cxn modelId="{80A6A1ED-969B-42DE-82DC-502731430260}" type="presOf" srcId="{6043B0A8-44FC-4706-B37A-7F342ABD7CAE}" destId="{41C4E12E-38CD-4528-8DC8-FA3E7A5D033F}" srcOrd="0" destOrd="0" presId="urn:microsoft.com/office/officeart/2009/3/layout/StepUpProcess"/>
+    <dgm:cxn modelId="{6595E131-DCFC-4660-A166-B06A9C58E5A3}" srcId="{182E85C3-C0C1-4055-B42E-08657C1D36EB}" destId="{124AB731-44F7-42FC-A2C7-6A103755875A}" srcOrd="3" destOrd="0" parTransId="{903CC23E-A10B-484A-8A4F-24054DDF4137}" sibTransId="{C0BE0EF1-E06D-43E6-AF12-3CA2033E2AE2}"/>
+    <dgm:cxn modelId="{2B5E4E51-EEF5-4BB3-97DE-EBD9B45E11FF}" type="presOf" srcId="{FCE05639-9A34-421D-9FD3-79EEF57498D8}" destId="{CB8E302D-B6B3-4357-A38F-1B39E75756AF}" srcOrd="0" destOrd="1" presId="urn:microsoft.com/office/officeart/2009/3/layout/StepUpProcess"/>
+    <dgm:cxn modelId="{59B3A881-E38B-4FAA-A234-B97E25DCFFBB}" type="presOf" srcId="{8693C395-BAA7-449A-ACDD-FFFEEE0DC862}" destId="{E92E13EE-0FC2-4C6F-B6F9-A9FA123682BA}" srcOrd="0" destOrd="2" presId="urn:microsoft.com/office/officeart/2009/3/layout/StepUpProcess"/>
+    <dgm:cxn modelId="{1ADAA526-6B24-45CB-89D0-518E04A3D93F}" srcId="{182E85C3-C0C1-4055-B42E-08657C1D36EB}" destId="{3F8391EC-2E89-41BC-979F-48D4E21A811C}" srcOrd="2" destOrd="0" parTransId="{E9716149-5B95-4904-8590-6A93EE8C5197}" sibTransId="{BFA852D6-66A0-4365-B195-CB67CFDCDE73}"/>
+    <dgm:cxn modelId="{B317833C-6656-437C-8CFB-9E1078BA4F7B}" srcId="{B4BBFA07-05DD-4CDD-AC39-6342607DC2A1}" destId="{BFAD5C6C-3CCC-47DA-B82A-97A0E60E41A5}" srcOrd="1" destOrd="0" parTransId="{2AC788DB-883E-4B3F-8E32-FB8F2C3C80B9}" sibTransId="{0A4F5D0E-4864-4480-8E69-940E5490226B}"/>
+    <dgm:cxn modelId="{3F65C4C7-8DE4-4F28-82C5-0662EBCF8C0E}" srcId="{DBD17336-B141-494E-A31C-6EA653EE637A}" destId="{FCE05639-9A34-421D-9FD3-79EEF57498D8}" srcOrd="0" destOrd="0" parTransId="{F3903BDF-F0ED-4A06-8C1B-A96D8DDD8DDC}" sibTransId="{4F6AA9F8-0B5F-499B-AE30-3D935C570E4E}"/>
+    <dgm:cxn modelId="{24BACCAC-AE3B-4A99-B678-9387F463D2EF}" srcId="{6043B0A8-44FC-4706-B37A-7F342ABD7CAE}" destId="{60FFB2DA-71E2-4B60-8F03-B97F02814FE8}" srcOrd="1" destOrd="0" parTransId="{F5495816-0C9E-4B5B-A238-F565E58D7803}" sibTransId="{D06C6867-E1BA-43A9-A6CE-AE88C2CD94FD}"/>
+    <dgm:cxn modelId="{549CF814-C607-4921-A024-5CFAC5637540}" srcId="{5245D8E1-9FDE-4633-85B7-BE42CD6AA787}" destId="{AD34B4C5-1A81-4AC6-A5F9-35CC4DC5D843}" srcOrd="0" destOrd="0" parTransId="{FD6F77B6-DA9F-491F-B649-F16E90DA55B0}" sibTransId="{8B95582E-B691-45DD-8D9C-114E0B7A4E01}"/>
+    <dgm:cxn modelId="{F1608424-95E6-4187-9F50-C1AB10DFF465}" srcId="{42A7AF39-9F16-4BE0-9691-F2A4EAA889D5}" destId="{6043B0A8-44FC-4706-B37A-7F342ABD7CAE}" srcOrd="2" destOrd="0" parTransId="{D8109DA1-2E16-4DF6-A989-9DA006F96235}" sibTransId="{3B27F8F0-46DD-48CE-89ED-BD65A552898B}"/>
+    <dgm:cxn modelId="{8ABCB6FD-1737-423C-93EC-40BB9C7CF745}" type="presOf" srcId="{27323C3F-7D4E-44F5-9FA3-413CFCD7B174}" destId="{2DE05352-9E55-41AB-8A05-49E73E35CA67}" srcOrd="0" destOrd="3" presId="urn:microsoft.com/office/officeart/2009/3/layout/StepUpProcess"/>
+    <dgm:cxn modelId="{58ECD606-DF49-456C-92CC-3FC995338DA5}" srcId="{182E85C3-C0C1-4055-B42E-08657C1D36EB}" destId="{1E975C45-1647-472C-8812-EFF81A215801}" srcOrd="4" destOrd="0" parTransId="{11DCAC3E-4C2C-4945-B245-E7C69099CB34}" sibTransId="{50A0534A-8921-429F-AEBF-0E0D60438255}"/>
+    <dgm:cxn modelId="{FC10460B-50DF-4D26-9442-DC72FF8CB078}" type="presOf" srcId="{42A7AF39-9F16-4BE0-9691-F2A4EAA889D5}" destId="{15924F1D-DFFE-44B8-9A4D-64F79E9D1294}" srcOrd="0" destOrd="0" presId="urn:microsoft.com/office/officeart/2009/3/layout/StepUpProcess"/>
+    <dgm:cxn modelId="{742F0ED1-DC5E-4FDC-BC68-EC649BA19C45}" srcId="{B4BBFA07-05DD-4CDD-AC39-6342607DC2A1}" destId="{10E407B9-5FCC-4D3A-94D2-6AB25397AEC7}" srcOrd="0" destOrd="0" parTransId="{0560221A-0D57-438B-900A-B03E24CCA932}" sibTransId="{40E49337-7DC0-4E0E-B2C1-5C40A2AD0A26}"/>
+    <dgm:cxn modelId="{DECDAAFB-95F9-4E08-902E-357CAE6BE867}" srcId="{42A7AF39-9F16-4BE0-9691-F2A4EAA889D5}" destId="{182E85C3-C0C1-4055-B42E-08657C1D36EB}" srcOrd="1" destOrd="0" parTransId="{0A1F7A6C-A332-4BAC-A0D1-C846CF97F4EC}" sibTransId="{53EC14C8-D3F0-4F81-A9BC-0E03B0043A69}"/>
+    <dgm:cxn modelId="{A72DAA56-5984-476C-B5C1-B5B57F220272}" type="presParOf" srcId="{15924F1D-DFFE-44B8-9A4D-64F79E9D1294}" destId="{BB78FA45-E9B1-4CCB-B3B1-6CFA0CEF3944}" srcOrd="0" destOrd="0" presId="urn:microsoft.com/office/officeart/2009/3/layout/StepUpProcess"/>
+    <dgm:cxn modelId="{8A6F381A-1796-4BC5-8508-5CF7C9E6D2EA}" type="presParOf" srcId="{BB78FA45-E9B1-4CCB-B3B1-6CFA0CEF3944}" destId="{3EAD6723-0198-42FA-A966-C636D421C4A3}" srcOrd="0" destOrd="0" presId="urn:microsoft.com/office/officeart/2009/3/layout/StepUpProcess"/>
+    <dgm:cxn modelId="{1582D3C5-6EEE-4DE9-8525-A6F88042F966}" type="presParOf" srcId="{BB78FA45-E9B1-4CCB-B3B1-6CFA0CEF3944}" destId="{2DE05352-9E55-41AB-8A05-49E73E35CA67}" srcOrd="1" destOrd="0" presId="urn:microsoft.com/office/officeart/2009/3/layout/StepUpProcess"/>
+    <dgm:cxn modelId="{09B4E4E9-479F-4910-81C9-51954ACD3F24}" type="presParOf" srcId="{BB78FA45-E9B1-4CCB-B3B1-6CFA0CEF3944}" destId="{C9DEE7F5-E11A-4A08-9476-B079D00A7F6B}" srcOrd="2" destOrd="0" presId="urn:microsoft.com/office/officeart/2009/3/layout/StepUpProcess"/>
+    <dgm:cxn modelId="{BDEE5E3E-9C77-4E75-A761-37D7EF440E83}" type="presParOf" srcId="{15924F1D-DFFE-44B8-9A4D-64F79E9D1294}" destId="{163B084B-63D4-4E49-B3EB-27370305AEE5}" srcOrd="1" destOrd="0" presId="urn:microsoft.com/office/officeart/2009/3/layout/StepUpProcess"/>
+    <dgm:cxn modelId="{094F03AB-4F7A-4D06-A9DB-1180030213D4}" type="presParOf" srcId="{163B084B-63D4-4E49-B3EB-27370305AEE5}" destId="{1B27DFAA-4067-4CDA-9319-DFB815496060}" srcOrd="0" destOrd="0" presId="urn:microsoft.com/office/officeart/2009/3/layout/StepUpProcess"/>
+    <dgm:cxn modelId="{7F5169D7-F9E0-46E3-9315-948325B6A420}" type="presParOf" srcId="{15924F1D-DFFE-44B8-9A4D-64F79E9D1294}" destId="{5E67DAD9-27D1-4A1E-B6C0-459B16D95DAE}" srcOrd="2" destOrd="0" presId="urn:microsoft.com/office/officeart/2009/3/layout/StepUpProcess"/>
+    <dgm:cxn modelId="{3B0A30F5-BA00-46F1-A974-C022C26A4988}" type="presParOf" srcId="{5E67DAD9-27D1-4A1E-B6C0-459B16D95DAE}" destId="{404BCD33-CEBE-4D5E-A72A-293DD4A80C28}" srcOrd="0" destOrd="0" presId="urn:microsoft.com/office/officeart/2009/3/layout/StepUpProcess"/>
+    <dgm:cxn modelId="{269CE815-462D-44C8-B4C4-97015451C5C2}" type="presParOf" srcId="{5E67DAD9-27D1-4A1E-B6C0-459B16D95DAE}" destId="{49408975-06AA-4BDB-97EE-39A2B5B65172}" srcOrd="1" destOrd="0" presId="urn:microsoft.com/office/officeart/2009/3/layout/StepUpProcess"/>
+    <dgm:cxn modelId="{3A6DF13E-5884-45BC-83E0-E42DED398558}" type="presParOf" srcId="{5E67DAD9-27D1-4A1E-B6C0-459B16D95DAE}" destId="{39D54914-F98B-46AF-A62F-C80B5168465D}" srcOrd="2" destOrd="0" presId="urn:microsoft.com/office/officeart/2009/3/layout/StepUpProcess"/>
+    <dgm:cxn modelId="{9626D8AB-90EE-459F-BB6A-9A4D016CEDB7}" type="presParOf" srcId="{15924F1D-DFFE-44B8-9A4D-64F79E9D1294}" destId="{4567F7C4-375F-484E-AA3E-E97BDE61DB7B}" srcOrd="3" destOrd="0" presId="urn:microsoft.com/office/officeart/2009/3/layout/StepUpProcess"/>
+    <dgm:cxn modelId="{8EC78AD1-26F0-45EC-9118-8027408C842D}" type="presParOf" srcId="{4567F7C4-375F-484E-AA3E-E97BDE61DB7B}" destId="{32A5D423-0B36-4B34-99B7-65CB3B96B3AE}" srcOrd="0" destOrd="0" presId="urn:microsoft.com/office/officeart/2009/3/layout/StepUpProcess"/>
+    <dgm:cxn modelId="{CA32548E-60CB-40C6-9BEB-447D0BF8145D}" type="presParOf" srcId="{15924F1D-DFFE-44B8-9A4D-64F79E9D1294}" destId="{CD2AAD6F-BFF0-4F13-AF81-3E15B7C2CAA3}" srcOrd="4" destOrd="0" presId="urn:microsoft.com/office/officeart/2009/3/layout/StepUpProcess"/>
+    <dgm:cxn modelId="{E0FE8620-9B2C-4B13-82F4-9788FF38BD11}" type="presParOf" srcId="{CD2AAD6F-BFF0-4F13-AF81-3E15B7C2CAA3}" destId="{F31C53CD-562E-4EE7-935D-F59CB0298959}" srcOrd="0" destOrd="0" presId="urn:microsoft.com/office/officeart/2009/3/layout/StepUpProcess"/>
+    <dgm:cxn modelId="{AC0CD148-8E12-425C-AB09-5C54DE9F87DB}" type="presParOf" srcId="{CD2AAD6F-BFF0-4F13-AF81-3E15B7C2CAA3}" destId="{41C4E12E-38CD-4528-8DC8-FA3E7A5D033F}" srcOrd="1" destOrd="0" presId="urn:microsoft.com/office/officeart/2009/3/layout/StepUpProcess"/>
+    <dgm:cxn modelId="{6876C9B3-0E35-428E-8AD9-33075810552B}" type="presParOf" srcId="{CD2AAD6F-BFF0-4F13-AF81-3E15B7C2CAA3}" destId="{B2E6B3F1-D6A9-473F-A3D8-87BE7275F81D}" srcOrd="2" destOrd="0" presId="urn:microsoft.com/office/officeart/2009/3/layout/StepUpProcess"/>
+    <dgm:cxn modelId="{BFF023CD-E92D-40C2-8E82-AF6B06EEA384}" type="presParOf" srcId="{15924F1D-DFFE-44B8-9A4D-64F79E9D1294}" destId="{A8C7035C-E079-4ACE-825E-7CBD47C64291}" srcOrd="5" destOrd="0" presId="urn:microsoft.com/office/officeart/2009/3/layout/StepUpProcess"/>
+    <dgm:cxn modelId="{457E4F62-A9AA-470D-9F0A-6B24B857A819}" type="presParOf" srcId="{A8C7035C-E079-4ACE-825E-7CBD47C64291}" destId="{62BD9F6B-9291-4149-B21D-B6723887784D}" srcOrd="0" destOrd="0" presId="urn:microsoft.com/office/officeart/2009/3/layout/StepUpProcess"/>
+    <dgm:cxn modelId="{61D4068B-7758-42A4-8F77-6D53EF9242BC}" type="presParOf" srcId="{15924F1D-DFFE-44B8-9A4D-64F79E9D1294}" destId="{00F724E3-552D-4362-BF84-479A077FF641}" srcOrd="6" destOrd="0" presId="urn:microsoft.com/office/officeart/2009/3/layout/StepUpProcess"/>
+    <dgm:cxn modelId="{EB6B2D79-B2A8-4776-B9E6-B555AF03A22B}" type="presParOf" srcId="{00F724E3-552D-4362-BF84-479A077FF641}" destId="{FA8C4396-95FC-43B7-AD5D-867BEADACDF1}" srcOrd="0" destOrd="0" presId="urn:microsoft.com/office/officeart/2009/3/layout/StepUpProcess"/>
+    <dgm:cxn modelId="{59A6C7F2-E720-4586-B7D3-4B6F014185C0}" type="presParOf" srcId="{00F724E3-552D-4362-BF84-479A077FF641}" destId="{CB8E302D-B6B3-4357-A38F-1B39E75756AF}" srcOrd="1" destOrd="0" presId="urn:microsoft.com/office/officeart/2009/3/layout/StepUpProcess"/>
+    <dgm:cxn modelId="{D79D99A8-F874-4A71-B280-6C80D42FBF96}" type="presParOf" srcId="{00F724E3-552D-4362-BF84-479A077FF641}" destId="{0E4CE61A-6A67-4F3C-9EBB-0DAC5686D681}" srcOrd="2" destOrd="0" presId="urn:microsoft.com/office/officeart/2009/3/layout/StepUpProcess"/>
+    <dgm:cxn modelId="{70C67C24-E827-4233-AD7C-CB501690A708}" type="presParOf" srcId="{15924F1D-DFFE-44B8-9A4D-64F79E9D1294}" destId="{10F5BE76-B3BC-4FB8-8402-A68E7802F255}" srcOrd="7" destOrd="0" presId="urn:microsoft.com/office/officeart/2009/3/layout/StepUpProcess"/>
+    <dgm:cxn modelId="{8CEF6942-98E5-49C0-9D88-341E4EEBF2EC}" type="presParOf" srcId="{10F5BE76-B3BC-4FB8-8402-A68E7802F255}" destId="{5A2C55C3-04F3-4986-894B-B8B061711641}" srcOrd="0" destOrd="0" presId="urn:microsoft.com/office/officeart/2009/3/layout/StepUpProcess"/>
+    <dgm:cxn modelId="{7CE3B404-928C-4685-B61D-382C0C9AFB40}" type="presParOf" srcId="{15924F1D-DFFE-44B8-9A4D-64F79E9D1294}" destId="{4669DF2F-DD6F-4E66-BA0D-6EB2D1C531FE}" srcOrd="8" destOrd="0" presId="urn:microsoft.com/office/officeart/2009/3/layout/StepUpProcess"/>
+    <dgm:cxn modelId="{7F96877A-BAE1-46DF-AC9B-E118C9157CE5}" type="presParOf" srcId="{4669DF2F-DD6F-4E66-BA0D-6EB2D1C531FE}" destId="{6A433629-CB9E-4399-A77A-DEAEFC3E39C2}" srcOrd="0" destOrd="0" presId="urn:microsoft.com/office/officeart/2009/3/layout/StepUpProcess"/>
+    <dgm:cxn modelId="{39F11219-5158-42AF-A630-49046E38203B}" type="presParOf" srcId="{4669DF2F-DD6F-4E66-BA0D-6EB2D1C531FE}" destId="{E92E13EE-0FC2-4C6F-B6F9-A9FA123682BA}" srcOrd="1" destOrd="0" presId="urn:microsoft.com/office/officeart/2009/3/layout/StepUpProcess"/>
+  </dgm:cxnLst>
+  <dgm:bg/>
+  <dgm:whole/>
+  <dgm:extLst>
+    <a:ext uri="http://schemas.microsoft.com/office/drawing/2008/diagram">
+      <dsp:dataModelExt xmlns:dsp="http://schemas.microsoft.com/office/drawing/2008/diagram" relId="rId6" minVer="http://schemas.openxmlformats.org/drawingml/2006/diagram"/>
+    </a:ext>
+  </dgm:extLst>
+</dgm:dataModel>
+</file>
+
+<file path=ppt/diagrams/drawing1.xml><?xml version="1.0" encoding="utf-8"?>
+<dsp:drawing xmlns:dgm="http://schemas.openxmlformats.org/drawingml/2006/diagram" xmlns:dsp="http://schemas.microsoft.com/office/drawing/2008/diagram" xmlns:a="http://schemas.openxmlformats.org/drawingml/2006/main">
+  <dsp:spTree>
+    <dsp:nvGrpSpPr>
+      <dsp:cNvPr id="0" name=""/>
+      <dsp:cNvGrpSpPr/>
+    </dsp:nvGrpSpPr>
+    <dsp:grpSpPr/>
+    <dsp:sp modelId="{3EAD6723-0198-42FA-A966-C636D421C4A3}">
+      <dsp:nvSpPr>
+        <dsp:cNvPr id="0" name=""/>
+        <dsp:cNvSpPr/>
+      </dsp:nvSpPr>
+      <dsp:spPr>
+        <a:xfrm rot="5400000">
+          <a:off x="327224" y="2403931"/>
+          <a:ext cx="984052" cy="1637440"/>
+        </a:xfrm>
+        <a:prstGeom prst="corner">
+          <a:avLst>
+            <a:gd name="adj1" fmla="val 16120"/>
+            <a:gd name="adj2" fmla="val 16110"/>
+          </a:avLst>
+        </a:prstGeom>
+        <a:solidFill>
+          <a:schemeClr val="accent1">
+            <a:hueOff val="0"/>
+            <a:satOff val="0"/>
+            <a:lumOff val="0"/>
+            <a:alphaOff val="0"/>
+          </a:schemeClr>
+        </a:solidFill>
+        <a:ln w="19050" cap="flat" cmpd="sng" algn="ctr">
+          <a:solidFill>
+            <a:schemeClr val="accent1">
+              <a:hueOff val="0"/>
+              <a:satOff val="0"/>
+              <a:lumOff val="0"/>
+              <a:alphaOff val="0"/>
+            </a:schemeClr>
+          </a:solidFill>
+          <a:prstDash val="solid"/>
+        </a:ln>
+        <a:effectLst/>
+      </dsp:spPr>
+      <dsp:style>
+        <a:lnRef idx="2">
+          <a:scrgbClr r="0" g="0" b="0"/>
+        </a:lnRef>
+        <a:fillRef idx="1">
+          <a:scrgbClr r="0" g="0" b="0"/>
+        </a:fillRef>
+        <a:effectRef idx="0">
+          <a:scrgbClr r="0" g="0" b="0"/>
+        </a:effectRef>
+        <a:fontRef idx="minor">
+          <a:schemeClr val="lt1"/>
+        </a:fontRef>
+      </dsp:style>
+    </dsp:sp>
+    <dsp:sp modelId="{2DE05352-9E55-41AB-8A05-49E73E35CA67}">
+      <dsp:nvSpPr>
+        <dsp:cNvPr id="0" name=""/>
+        <dsp:cNvSpPr/>
+      </dsp:nvSpPr>
+      <dsp:spPr>
+        <a:xfrm>
+          <a:off x="129552" y="2960724"/>
+          <a:ext cx="1478290" cy="1295808"/>
+        </a:xfrm>
+        <a:prstGeom prst="rect">
+          <a:avLst/>
+        </a:prstGeom>
+        <a:noFill/>
+        <a:ln>
+          <a:noFill/>
+        </a:ln>
+        <a:effectLst/>
+      </dsp:spPr>
+      <dsp:style>
+        <a:lnRef idx="0">
+          <a:scrgbClr r="0" g="0" b="0"/>
+        </a:lnRef>
+        <a:fillRef idx="0">
+          <a:scrgbClr r="0" g="0" b="0"/>
+        </a:fillRef>
+        <a:effectRef idx="0">
+          <a:scrgbClr r="0" g="0" b="0"/>
+        </a:effectRef>
+        <a:fontRef idx="minor"/>
+      </dsp:style>
+      <dsp:txBody>
+        <a:bodyPr spcFirstLastPara="0" vert="horz" wrap="square" lIns="68580" tIns="68580" rIns="68580" bIns="68580" numCol="1" spcCol="1270" anchor="t" anchorCtr="0">
+          <a:noAutofit/>
+        </a:bodyPr>
+        <a:lstStyle/>
+        <a:p>
+          <a:pPr lvl="0" algn="l" defTabSz="800100">
+            <a:lnSpc>
+              <a:spcPct val="90000"/>
+            </a:lnSpc>
+            <a:spcBef>
+              <a:spcPct val="0"/>
+            </a:spcBef>
+            <a:spcAft>
+              <a:spcPct val="35000"/>
+            </a:spcAft>
+          </a:pPr>
+          <a:r>
+            <a:rPr lang="de-DE" sz="1800" kern="1200" dirty="0" smtClean="0"/>
+            <a:t>Analyse</a:t>
+          </a:r>
+          <a:endParaRPr lang="de-DE" sz="1800" kern="1200" dirty="0"/>
+        </a:p>
+        <a:p>
+          <a:pPr marL="114300" lvl="1" indent="-114300" algn="l" defTabSz="622300">
+            <a:lnSpc>
+              <a:spcPct val="90000"/>
+            </a:lnSpc>
+            <a:spcBef>
+              <a:spcPct val="0"/>
+            </a:spcBef>
+            <a:spcAft>
+              <a:spcPct val="15000"/>
+            </a:spcAft>
+            <a:buChar char="••"/>
+          </a:pPr>
+          <a:r>
+            <a:rPr lang="de-DE" sz="1400" kern="1200" dirty="0" err="1" smtClean="0"/>
+            <a:t>Use</a:t>
+          </a:r>
+          <a:r>
+            <a:rPr lang="de-DE" sz="1400" kern="1200" dirty="0" smtClean="0"/>
+            <a:t> Cases</a:t>
+          </a:r>
+          <a:endParaRPr lang="de-DE" sz="1400" kern="1200" dirty="0"/>
+        </a:p>
+        <a:p>
+          <a:pPr marL="114300" lvl="1" indent="-114300" algn="l" defTabSz="622300">
+            <a:lnSpc>
+              <a:spcPct val="90000"/>
+            </a:lnSpc>
+            <a:spcBef>
+              <a:spcPct val="0"/>
+            </a:spcBef>
+            <a:spcAft>
+              <a:spcPct val="15000"/>
+            </a:spcAft>
+            <a:buChar char="••"/>
+          </a:pPr>
+          <a:r>
+            <a:rPr lang="de-DE" sz="1400" kern="1200" dirty="0" smtClean="0"/>
+            <a:t>Anforderungs-katalog</a:t>
+          </a:r>
+          <a:endParaRPr lang="de-DE" sz="1400" kern="1200" dirty="0"/>
+        </a:p>
+        <a:p>
+          <a:pPr marL="114300" lvl="1" indent="-114300" algn="l" defTabSz="622300">
+            <a:lnSpc>
+              <a:spcPct val="90000"/>
+            </a:lnSpc>
+            <a:spcBef>
+              <a:spcPct val="0"/>
+            </a:spcBef>
+            <a:spcAft>
+              <a:spcPct val="15000"/>
+            </a:spcAft>
+            <a:buChar char="••"/>
+          </a:pPr>
+          <a:r>
+            <a:rPr lang="de-DE" sz="1400" kern="1200" dirty="0" smtClean="0"/>
+            <a:t>Fachliches Klassenmodell</a:t>
+          </a:r>
+          <a:endParaRPr lang="de-DE" sz="1400" kern="1200" dirty="0"/>
+        </a:p>
+        <a:p>
+          <a:pPr marL="114300" lvl="1" indent="-114300" algn="l" defTabSz="622300">
+            <a:lnSpc>
+              <a:spcPct val="90000"/>
+            </a:lnSpc>
+            <a:spcBef>
+              <a:spcPct val="0"/>
+            </a:spcBef>
+            <a:spcAft>
+              <a:spcPct val="15000"/>
+            </a:spcAft>
+            <a:buChar char="••"/>
+          </a:pPr>
+          <a:r>
+            <a:rPr lang="de-DE" sz="1400" kern="1200" dirty="0" smtClean="0"/>
+            <a:t>Papierprototypen</a:t>
+          </a:r>
+          <a:endParaRPr lang="de-DE" sz="1400" kern="1200" dirty="0"/>
+        </a:p>
+      </dsp:txBody>
+      <dsp:txXfrm>
+        <a:off x="129552" y="2960724"/>
+        <a:ext cx="1478290" cy="1295808"/>
+      </dsp:txXfrm>
+    </dsp:sp>
+    <dsp:sp modelId="{C9DEE7F5-E11A-4A08-9476-B079D00A7F6B}">
+      <dsp:nvSpPr>
+        <dsp:cNvPr id="0" name=""/>
+        <dsp:cNvSpPr/>
+      </dsp:nvSpPr>
+      <dsp:spPr>
+        <a:xfrm>
+          <a:off x="1362329" y="2283381"/>
+          <a:ext cx="278922" cy="278922"/>
+        </a:xfrm>
+        <a:prstGeom prst="triangle">
+          <a:avLst>
+            <a:gd name="adj" fmla="val 100000"/>
+          </a:avLst>
+        </a:prstGeom>
+        <a:solidFill>
+          <a:schemeClr val="accent1">
+            <a:hueOff val="0"/>
+            <a:satOff val="0"/>
+            <a:lumOff val="0"/>
+            <a:alphaOff val="0"/>
+          </a:schemeClr>
+        </a:solidFill>
+        <a:ln w="19050" cap="flat" cmpd="sng" algn="ctr">
+          <a:solidFill>
+            <a:schemeClr val="accent1">
+              <a:hueOff val="0"/>
+              <a:satOff val="0"/>
+              <a:lumOff val="0"/>
+              <a:alphaOff val="0"/>
+            </a:schemeClr>
+          </a:solidFill>
+          <a:prstDash val="solid"/>
+        </a:ln>
+        <a:effectLst/>
+      </dsp:spPr>
+      <dsp:style>
+        <a:lnRef idx="2">
+          <a:scrgbClr r="0" g="0" b="0"/>
+        </a:lnRef>
+        <a:fillRef idx="1">
+          <a:scrgbClr r="0" g="0" b="0"/>
+        </a:fillRef>
+        <a:effectRef idx="0">
+          <a:scrgbClr r="0" g="0" b="0"/>
+        </a:effectRef>
+        <a:fontRef idx="minor">
+          <a:schemeClr val="lt1"/>
+        </a:fontRef>
+      </dsp:style>
+    </dsp:sp>
+    <dsp:sp modelId="{404BCD33-CEBE-4D5E-A72A-293DD4A80C28}">
+      <dsp:nvSpPr>
+        <dsp:cNvPr id="0" name=""/>
+        <dsp:cNvSpPr/>
+      </dsp:nvSpPr>
+      <dsp:spPr>
+        <a:xfrm rot="5400000">
+          <a:off x="2136940" y="1956115"/>
+          <a:ext cx="984052" cy="1637440"/>
+        </a:xfrm>
+        <a:prstGeom prst="corner">
+          <a:avLst>
+            <a:gd name="adj1" fmla="val 16120"/>
+            <a:gd name="adj2" fmla="val 16110"/>
+          </a:avLst>
+        </a:prstGeom>
+        <a:solidFill>
+          <a:schemeClr val="accent1">
+            <a:hueOff val="0"/>
+            <a:satOff val="0"/>
+            <a:lumOff val="0"/>
+            <a:alphaOff val="0"/>
+          </a:schemeClr>
+        </a:solidFill>
+        <a:ln w="19050" cap="flat" cmpd="sng" algn="ctr">
+          <a:solidFill>
+            <a:schemeClr val="accent1">
+              <a:hueOff val="0"/>
+              <a:satOff val="0"/>
+              <a:lumOff val="0"/>
+              <a:alphaOff val="0"/>
+            </a:schemeClr>
+          </a:solidFill>
+          <a:prstDash val="solid"/>
+        </a:ln>
+        <a:effectLst/>
+      </dsp:spPr>
+      <dsp:style>
+        <a:lnRef idx="2">
+          <a:scrgbClr r="0" g="0" b="0"/>
+        </a:lnRef>
+        <a:fillRef idx="1">
+          <a:scrgbClr r="0" g="0" b="0"/>
+        </a:fillRef>
+        <a:effectRef idx="0">
+          <a:scrgbClr r="0" g="0" b="0"/>
+        </a:effectRef>
+        <a:fontRef idx="minor">
+          <a:schemeClr val="lt1"/>
+        </a:fontRef>
+      </dsp:style>
+    </dsp:sp>
+    <dsp:sp modelId="{49408975-06AA-4BDB-97EE-39A2B5B65172}">
+      <dsp:nvSpPr>
+        <dsp:cNvPr id="0" name=""/>
+        <dsp:cNvSpPr/>
+      </dsp:nvSpPr>
+      <dsp:spPr>
+        <a:xfrm>
+          <a:off x="1943600" y="2445357"/>
+          <a:ext cx="1536446" cy="1295808"/>
+        </a:xfrm>
+        <a:prstGeom prst="rect">
+          <a:avLst/>
+        </a:prstGeom>
+        <a:noFill/>
+        <a:ln>
+          <a:noFill/>
+        </a:ln>
+        <a:effectLst/>
+      </dsp:spPr>
+      <dsp:style>
+        <a:lnRef idx="0">
+          <a:scrgbClr r="0" g="0" b="0"/>
+        </a:lnRef>
+        <a:fillRef idx="0">
+          <a:scrgbClr r="0" g="0" b="0"/>
+        </a:fillRef>
+        <a:effectRef idx="0">
+          <a:scrgbClr r="0" g="0" b="0"/>
+        </a:effectRef>
+        <a:fontRef idx="minor"/>
+      </dsp:style>
+      <dsp:txBody>
+        <a:bodyPr spcFirstLastPara="0" vert="horz" wrap="square" lIns="68580" tIns="68580" rIns="68580" bIns="68580" numCol="1" spcCol="1270" anchor="t" anchorCtr="0">
+          <a:noAutofit/>
+        </a:bodyPr>
+        <a:lstStyle/>
+        <a:p>
+          <a:pPr lvl="0" algn="l" defTabSz="800100">
+            <a:lnSpc>
+              <a:spcPct val="90000"/>
+            </a:lnSpc>
+            <a:spcBef>
+              <a:spcPct val="0"/>
+            </a:spcBef>
+            <a:spcAft>
+              <a:spcPct val="35000"/>
+            </a:spcAft>
+          </a:pPr>
+          <a:r>
+            <a:rPr lang="de-DE" sz="1800" kern="1200" dirty="0" smtClean="0"/>
+            <a:t>Entwurf</a:t>
+          </a:r>
+          <a:endParaRPr lang="de-DE" sz="1800" kern="1200" dirty="0"/>
+        </a:p>
+        <a:p>
+          <a:pPr marL="114300" lvl="1" indent="-114300" algn="l" defTabSz="622300">
+            <a:lnSpc>
+              <a:spcPct val="90000"/>
+            </a:lnSpc>
+            <a:spcBef>
+              <a:spcPct val="0"/>
+            </a:spcBef>
+            <a:spcAft>
+              <a:spcPct val="15000"/>
+            </a:spcAft>
+            <a:buChar char="••"/>
+          </a:pPr>
+          <a:r>
+            <a:rPr lang="de-DE" sz="1400" kern="1200" dirty="0" smtClean="0"/>
+            <a:t>Logisches DB-Modell</a:t>
+          </a:r>
+          <a:endParaRPr lang="de-DE" sz="1400" kern="1200" dirty="0"/>
+        </a:p>
+        <a:p>
+          <a:pPr marL="114300" lvl="1" indent="-114300" algn="l" defTabSz="622300">
+            <a:lnSpc>
+              <a:spcPct val="90000"/>
+            </a:lnSpc>
+            <a:spcBef>
+              <a:spcPct val="0"/>
+            </a:spcBef>
+            <a:spcAft>
+              <a:spcPct val="15000"/>
+            </a:spcAft>
+            <a:buChar char="••"/>
+          </a:pPr>
+          <a:r>
+            <a:rPr lang="de-DE" sz="1400" kern="1200" dirty="0" smtClean="0"/>
+            <a:t>Technische Klassenmodelle (View, Controller, Modell</a:t>
+          </a:r>
+          <a:endParaRPr lang="de-DE" sz="1400" kern="1200" dirty="0"/>
+        </a:p>
+        <a:p>
+          <a:pPr marL="114300" lvl="1" indent="-114300" algn="l" defTabSz="622300">
+            <a:lnSpc>
+              <a:spcPct val="90000"/>
+            </a:lnSpc>
+            <a:spcBef>
+              <a:spcPct val="0"/>
+            </a:spcBef>
+            <a:spcAft>
+              <a:spcPct val="15000"/>
+            </a:spcAft>
+            <a:buChar char="••"/>
+          </a:pPr>
+          <a:r>
+            <a:rPr lang="de-DE" sz="1400" kern="1200" dirty="0" smtClean="0"/>
+            <a:t>Design Guide</a:t>
+          </a:r>
+          <a:endParaRPr lang="de-DE" sz="1400" kern="1200" dirty="0"/>
+        </a:p>
+        <a:p>
+          <a:pPr marL="114300" lvl="1" indent="-114300" algn="l" defTabSz="622300">
+            <a:lnSpc>
+              <a:spcPct val="90000"/>
+            </a:lnSpc>
+            <a:spcBef>
+              <a:spcPct val="0"/>
+            </a:spcBef>
+            <a:spcAft>
+              <a:spcPct val="15000"/>
+            </a:spcAft>
+            <a:buChar char="••"/>
+          </a:pPr>
+          <a:r>
+            <a:rPr lang="de-DE" sz="1400" kern="1200" dirty="0" smtClean="0"/>
+            <a:t>System-architektur</a:t>
+          </a:r>
+          <a:endParaRPr lang="de-DE" sz="1400" kern="1200" dirty="0"/>
+        </a:p>
+        <a:p>
+          <a:pPr marL="114300" lvl="1" indent="-114300" algn="l" defTabSz="622300">
+            <a:lnSpc>
+              <a:spcPct val="90000"/>
+            </a:lnSpc>
+            <a:spcBef>
+              <a:spcPct val="0"/>
+            </a:spcBef>
+            <a:spcAft>
+              <a:spcPct val="15000"/>
+            </a:spcAft>
+            <a:buChar char="••"/>
+          </a:pPr>
+          <a:r>
+            <a:rPr lang="de-DE" sz="1400" kern="1200" dirty="0" smtClean="0"/>
+            <a:t>Pflichtenheft</a:t>
+          </a:r>
+          <a:endParaRPr lang="de-DE" sz="1400" kern="1200" dirty="0"/>
+        </a:p>
+      </dsp:txBody>
+      <dsp:txXfrm>
+        <a:off x="1943600" y="2445357"/>
+        <a:ext cx="1536446" cy="1295808"/>
+      </dsp:txXfrm>
+    </dsp:sp>
+    <dsp:sp modelId="{39D54914-F98B-46AF-A62F-C80B5168465D}">
+      <dsp:nvSpPr>
+        <dsp:cNvPr id="0" name=""/>
+        <dsp:cNvSpPr/>
+      </dsp:nvSpPr>
+      <dsp:spPr>
+        <a:xfrm>
+          <a:off x="3172045" y="1835565"/>
+          <a:ext cx="278922" cy="278922"/>
+        </a:xfrm>
+        <a:prstGeom prst="triangle">
+          <a:avLst>
+            <a:gd name="adj" fmla="val 100000"/>
+          </a:avLst>
+        </a:prstGeom>
+        <a:solidFill>
+          <a:schemeClr val="accent1">
+            <a:hueOff val="0"/>
+            <a:satOff val="0"/>
+            <a:lumOff val="0"/>
+            <a:alphaOff val="0"/>
+          </a:schemeClr>
+        </a:solidFill>
+        <a:ln w="19050" cap="flat" cmpd="sng" algn="ctr">
+          <a:solidFill>
+            <a:schemeClr val="accent1">
+              <a:hueOff val="0"/>
+              <a:satOff val="0"/>
+              <a:lumOff val="0"/>
+              <a:alphaOff val="0"/>
+            </a:schemeClr>
+          </a:solidFill>
+          <a:prstDash val="solid"/>
+        </a:ln>
+        <a:effectLst/>
+      </dsp:spPr>
+      <dsp:style>
+        <a:lnRef idx="2">
+          <a:scrgbClr r="0" g="0" b="0"/>
+        </a:lnRef>
+        <a:fillRef idx="1">
+          <a:scrgbClr r="0" g="0" b="0"/>
+        </a:fillRef>
+        <a:effectRef idx="0">
+          <a:scrgbClr r="0" g="0" b="0"/>
+        </a:effectRef>
+        <a:fontRef idx="minor">
+          <a:schemeClr val="lt1"/>
+        </a:fontRef>
+      </dsp:style>
+    </dsp:sp>
+    <dsp:sp modelId="{F31C53CD-562E-4EE7-935D-F59CB0298959}">
+      <dsp:nvSpPr>
+        <dsp:cNvPr id="0" name=""/>
+        <dsp:cNvSpPr/>
+      </dsp:nvSpPr>
+      <dsp:spPr>
+        <a:xfrm rot="5400000">
+          <a:off x="3946657" y="1508299"/>
+          <a:ext cx="984052" cy="1637440"/>
+        </a:xfrm>
+        <a:prstGeom prst="corner">
+          <a:avLst>
+            <a:gd name="adj1" fmla="val 16120"/>
+            <a:gd name="adj2" fmla="val 16110"/>
+          </a:avLst>
+        </a:prstGeom>
+        <a:solidFill>
+          <a:schemeClr val="accent1">
+            <a:hueOff val="0"/>
+            <a:satOff val="0"/>
+            <a:lumOff val="0"/>
+            <a:alphaOff val="0"/>
+          </a:schemeClr>
+        </a:solidFill>
+        <a:ln w="19050" cap="flat" cmpd="sng" algn="ctr">
+          <a:solidFill>
+            <a:schemeClr val="accent1">
+              <a:hueOff val="0"/>
+              <a:satOff val="0"/>
+              <a:lumOff val="0"/>
+              <a:alphaOff val="0"/>
+            </a:schemeClr>
+          </a:solidFill>
+          <a:prstDash val="solid"/>
+        </a:ln>
+        <a:effectLst/>
+      </dsp:spPr>
+      <dsp:style>
+        <a:lnRef idx="2">
+          <a:scrgbClr r="0" g="0" b="0"/>
+        </a:lnRef>
+        <a:fillRef idx="1">
+          <a:scrgbClr r="0" g="0" b="0"/>
+        </a:fillRef>
+        <a:effectRef idx="0">
+          <a:scrgbClr r="0" g="0" b="0"/>
+        </a:effectRef>
+        <a:fontRef idx="minor">
+          <a:schemeClr val="lt1"/>
+        </a:fontRef>
+      </dsp:style>
+    </dsp:sp>
+    <dsp:sp modelId="{41C4E12E-38CD-4528-8DC8-FA3E7A5D033F}">
+      <dsp:nvSpPr>
+        <dsp:cNvPr id="0" name=""/>
+        <dsp:cNvSpPr/>
+      </dsp:nvSpPr>
+      <dsp:spPr>
+        <a:xfrm>
+          <a:off x="3782394" y="1997541"/>
+          <a:ext cx="1478290" cy="1295808"/>
+        </a:xfrm>
+        <a:prstGeom prst="rect">
+          <a:avLst/>
+        </a:prstGeom>
+        <a:noFill/>
+        <a:ln>
+          <a:noFill/>
+        </a:ln>
+        <a:effectLst/>
+      </dsp:spPr>
+      <dsp:style>
+        <a:lnRef idx="0">
+          <a:scrgbClr r="0" g="0" b="0"/>
+        </a:lnRef>
+        <a:fillRef idx="0">
+          <a:scrgbClr r="0" g="0" b="0"/>
+        </a:fillRef>
+        <a:effectRef idx="0">
+          <a:scrgbClr r="0" g="0" b="0"/>
+        </a:effectRef>
+        <a:fontRef idx="minor"/>
+      </dsp:style>
+      <dsp:txBody>
+        <a:bodyPr spcFirstLastPara="0" vert="horz" wrap="square" lIns="68580" tIns="68580" rIns="68580" bIns="68580" numCol="1" spcCol="1270" anchor="t" anchorCtr="0">
+          <a:noAutofit/>
+        </a:bodyPr>
+        <a:lstStyle/>
+        <a:p>
+          <a:pPr lvl="0" algn="l" defTabSz="800100">
+            <a:lnSpc>
+              <a:spcPct val="90000"/>
+            </a:lnSpc>
+            <a:spcBef>
+              <a:spcPct val="0"/>
+            </a:spcBef>
+            <a:spcAft>
+              <a:spcPct val="35000"/>
+            </a:spcAft>
+          </a:pPr>
+          <a:r>
+            <a:rPr lang="de-DE" sz="1800" kern="1200" dirty="0" smtClean="0"/>
+            <a:t>Realisierung</a:t>
+          </a:r>
+          <a:endParaRPr lang="de-DE" sz="1800" kern="1200" dirty="0"/>
+        </a:p>
+        <a:p>
+          <a:pPr marL="114300" lvl="1" indent="-114300" algn="l" defTabSz="622300">
+            <a:lnSpc>
+              <a:spcPct val="90000"/>
+            </a:lnSpc>
+            <a:spcBef>
+              <a:spcPct val="0"/>
+            </a:spcBef>
+            <a:spcAft>
+              <a:spcPct val="15000"/>
+            </a:spcAft>
+            <a:buChar char="••"/>
+          </a:pPr>
+          <a:r>
+            <a:rPr lang="de-DE" sz="1400" kern="1200" dirty="0" smtClean="0"/>
+            <a:t>Datenbank</a:t>
+          </a:r>
+          <a:endParaRPr lang="de-DE" sz="1400" kern="1200" dirty="0"/>
+        </a:p>
+        <a:p>
+          <a:pPr marL="114300" lvl="1" indent="-114300" algn="l" defTabSz="622300">
+            <a:lnSpc>
+              <a:spcPct val="90000"/>
+            </a:lnSpc>
+            <a:spcBef>
+              <a:spcPct val="0"/>
+            </a:spcBef>
+            <a:spcAft>
+              <a:spcPct val="15000"/>
+            </a:spcAft>
+            <a:buChar char="••"/>
+          </a:pPr>
+          <a:r>
+            <a:rPr lang="de-DE" sz="1400" kern="1200" dirty="0" smtClean="0"/>
+            <a:t>Programmier-</a:t>
+          </a:r>
+          <a:r>
+            <a:rPr lang="de-DE" sz="1400" kern="1200" dirty="0" err="1" smtClean="0"/>
+            <a:t>ung</a:t>
+          </a:r>
+          <a:r>
+            <a:rPr lang="de-DE" sz="1400" kern="1200" dirty="0" smtClean="0"/>
+            <a:t> (View, Controller, Modell)</a:t>
+          </a:r>
+          <a:endParaRPr lang="de-DE" sz="1400" kern="1200" dirty="0"/>
+        </a:p>
+        <a:p>
+          <a:pPr marL="114300" lvl="1" indent="-114300" algn="l" defTabSz="622300">
+            <a:lnSpc>
+              <a:spcPct val="90000"/>
+            </a:lnSpc>
+            <a:spcBef>
+              <a:spcPct val="0"/>
+            </a:spcBef>
+            <a:spcAft>
+              <a:spcPct val="15000"/>
+            </a:spcAft>
+            <a:buChar char="••"/>
+          </a:pPr>
+          <a:r>
+            <a:rPr lang="de-DE" sz="1400" kern="1200" dirty="0" err="1" smtClean="0"/>
+            <a:t>Cronjob</a:t>
+          </a:r>
+          <a:endParaRPr lang="de-DE" sz="1400" kern="1200" dirty="0"/>
+        </a:p>
+        <a:p>
+          <a:pPr marL="114300" lvl="1" indent="-114300" algn="l" defTabSz="622300">
+            <a:lnSpc>
+              <a:spcPct val="90000"/>
+            </a:lnSpc>
+            <a:spcBef>
+              <a:spcPct val="0"/>
+            </a:spcBef>
+            <a:spcAft>
+              <a:spcPct val="15000"/>
+            </a:spcAft>
+            <a:buChar char="••"/>
+          </a:pPr>
+          <a:r>
+            <a:rPr lang="de-DE" sz="1400" kern="1200" dirty="0" smtClean="0"/>
+            <a:t>Installer erstellen</a:t>
+          </a:r>
+          <a:endParaRPr lang="de-DE" sz="1400" kern="1200" dirty="0"/>
+        </a:p>
+      </dsp:txBody>
+      <dsp:txXfrm>
+        <a:off x="3782394" y="1997541"/>
+        <a:ext cx="1478290" cy="1295808"/>
+      </dsp:txXfrm>
+    </dsp:sp>
+    <dsp:sp modelId="{B2E6B3F1-D6A9-473F-A3D8-87BE7275F81D}">
+      <dsp:nvSpPr>
+        <dsp:cNvPr id="0" name=""/>
+        <dsp:cNvSpPr/>
+      </dsp:nvSpPr>
+      <dsp:spPr>
+        <a:xfrm>
+          <a:off x="4981762" y="1387749"/>
+          <a:ext cx="278922" cy="278922"/>
+        </a:xfrm>
+        <a:prstGeom prst="triangle">
+          <a:avLst>
+            <a:gd name="adj" fmla="val 100000"/>
+          </a:avLst>
+        </a:prstGeom>
+        <a:solidFill>
+          <a:schemeClr val="accent1">
+            <a:hueOff val="0"/>
+            <a:satOff val="0"/>
+            <a:lumOff val="0"/>
+            <a:alphaOff val="0"/>
+          </a:schemeClr>
+        </a:solidFill>
+        <a:ln w="19050" cap="flat" cmpd="sng" algn="ctr">
+          <a:solidFill>
+            <a:schemeClr val="accent1">
+              <a:hueOff val="0"/>
+              <a:satOff val="0"/>
+              <a:lumOff val="0"/>
+              <a:alphaOff val="0"/>
+            </a:schemeClr>
+          </a:solidFill>
+          <a:prstDash val="solid"/>
+        </a:ln>
+        <a:effectLst/>
+      </dsp:spPr>
+      <dsp:style>
+        <a:lnRef idx="2">
+          <a:scrgbClr r="0" g="0" b="0"/>
+        </a:lnRef>
+        <a:fillRef idx="1">
+          <a:scrgbClr r="0" g="0" b="0"/>
+        </a:fillRef>
+        <a:effectRef idx="0">
+          <a:scrgbClr r="0" g="0" b="0"/>
+        </a:effectRef>
+        <a:fontRef idx="minor">
+          <a:schemeClr val="lt1"/>
+        </a:fontRef>
+      </dsp:style>
+    </dsp:sp>
+    <dsp:sp modelId="{FA8C4396-95FC-43B7-AD5D-867BEADACDF1}">
+      <dsp:nvSpPr>
+        <dsp:cNvPr id="0" name=""/>
+        <dsp:cNvSpPr/>
+      </dsp:nvSpPr>
+      <dsp:spPr>
+        <a:xfrm rot="5400000">
+          <a:off x="5756373" y="1060483"/>
+          <a:ext cx="984052" cy="1637440"/>
+        </a:xfrm>
+        <a:prstGeom prst="corner">
+          <a:avLst>
+            <a:gd name="adj1" fmla="val 16120"/>
+            <a:gd name="adj2" fmla="val 16110"/>
+          </a:avLst>
+        </a:prstGeom>
+        <a:solidFill>
+          <a:schemeClr val="accent1">
+            <a:hueOff val="0"/>
+            <a:satOff val="0"/>
+            <a:lumOff val="0"/>
+            <a:alphaOff val="0"/>
+          </a:schemeClr>
+        </a:solidFill>
+        <a:ln w="19050" cap="flat" cmpd="sng" algn="ctr">
+          <a:solidFill>
+            <a:schemeClr val="accent1">
+              <a:hueOff val="0"/>
+              <a:satOff val="0"/>
+              <a:lumOff val="0"/>
+              <a:alphaOff val="0"/>
+            </a:schemeClr>
+          </a:solidFill>
+          <a:prstDash val="solid"/>
+        </a:ln>
+        <a:effectLst/>
+      </dsp:spPr>
+      <dsp:style>
+        <a:lnRef idx="2">
+          <a:scrgbClr r="0" g="0" b="0"/>
+        </a:lnRef>
+        <a:fillRef idx="1">
+          <a:scrgbClr r="0" g="0" b="0"/>
+        </a:fillRef>
+        <a:effectRef idx="0">
+          <a:scrgbClr r="0" g="0" b="0"/>
+        </a:effectRef>
+        <a:fontRef idx="minor">
+          <a:schemeClr val="lt1"/>
+        </a:fontRef>
+      </dsp:style>
+    </dsp:sp>
+    <dsp:sp modelId="{CB8E302D-B6B3-4357-A38F-1B39E75756AF}">
+      <dsp:nvSpPr>
+        <dsp:cNvPr id="0" name=""/>
+        <dsp:cNvSpPr/>
+      </dsp:nvSpPr>
+      <dsp:spPr>
+        <a:xfrm>
+          <a:off x="5592110" y="1549725"/>
+          <a:ext cx="1478290" cy="1295808"/>
+        </a:xfrm>
+        <a:prstGeom prst="rect">
+          <a:avLst/>
+        </a:prstGeom>
+        <a:noFill/>
+        <a:ln>
+          <a:noFill/>
+        </a:ln>
+        <a:effectLst/>
+      </dsp:spPr>
+      <dsp:style>
+        <a:lnRef idx="0">
+          <a:scrgbClr r="0" g="0" b="0"/>
+        </a:lnRef>
+        <a:fillRef idx="0">
+          <a:scrgbClr r="0" g="0" b="0"/>
+        </a:fillRef>
+        <a:effectRef idx="0">
+          <a:scrgbClr r="0" g="0" b="0"/>
+        </a:effectRef>
+        <a:fontRef idx="minor"/>
+      </dsp:style>
+      <dsp:txBody>
+        <a:bodyPr spcFirstLastPara="0" vert="horz" wrap="square" lIns="68580" tIns="68580" rIns="68580" bIns="68580" numCol="1" spcCol="1270" anchor="t" anchorCtr="0">
+          <a:noAutofit/>
+        </a:bodyPr>
+        <a:lstStyle/>
+        <a:p>
+          <a:pPr lvl="0" algn="l" defTabSz="800100">
+            <a:lnSpc>
+              <a:spcPct val="90000"/>
+            </a:lnSpc>
+            <a:spcBef>
+              <a:spcPct val="0"/>
+            </a:spcBef>
+            <a:spcAft>
+              <a:spcPct val="35000"/>
+            </a:spcAft>
+          </a:pPr>
+          <a:r>
+            <a:rPr lang="de-DE" sz="1800" kern="1200" dirty="0" smtClean="0"/>
+            <a:t>Test</a:t>
+          </a:r>
+          <a:endParaRPr lang="de-DE" sz="1800" kern="1200" dirty="0"/>
+        </a:p>
+        <a:p>
+          <a:pPr marL="114300" lvl="1" indent="-114300" algn="l" defTabSz="622300">
+            <a:lnSpc>
+              <a:spcPct val="90000"/>
+            </a:lnSpc>
+            <a:spcBef>
+              <a:spcPct val="0"/>
+            </a:spcBef>
+            <a:spcAft>
+              <a:spcPct val="15000"/>
+            </a:spcAft>
+            <a:buChar char="••"/>
+          </a:pPr>
+          <a:r>
+            <a:rPr lang="de-DE" sz="1400" kern="1200" dirty="0" smtClean="0"/>
+            <a:t>Auftragnehmer</a:t>
+          </a:r>
+          <a:endParaRPr lang="de-DE" sz="1400" kern="1200" dirty="0"/>
+        </a:p>
+        <a:p>
+          <a:pPr marL="114300" lvl="1" indent="-114300" algn="l" defTabSz="622300">
+            <a:lnSpc>
+              <a:spcPct val="90000"/>
+            </a:lnSpc>
+            <a:spcBef>
+              <a:spcPct val="0"/>
+            </a:spcBef>
+            <a:spcAft>
+              <a:spcPct val="15000"/>
+            </a:spcAft>
+            <a:buChar char="••"/>
+          </a:pPr>
+          <a:r>
+            <a:rPr lang="de-DE" sz="1400" kern="1200" dirty="0" smtClean="0"/>
+            <a:t>Auftragsgeber</a:t>
+          </a:r>
+          <a:endParaRPr lang="de-DE" sz="1400" kern="1200" dirty="0"/>
+        </a:p>
+      </dsp:txBody>
+      <dsp:txXfrm>
+        <a:off x="5592110" y="1549725"/>
+        <a:ext cx="1478290" cy="1295808"/>
+      </dsp:txXfrm>
+    </dsp:sp>
+    <dsp:sp modelId="{0E4CE61A-6A67-4F3C-9EBB-0DAC5686D681}">
+      <dsp:nvSpPr>
+        <dsp:cNvPr id="0" name=""/>
+        <dsp:cNvSpPr/>
+      </dsp:nvSpPr>
+      <dsp:spPr>
+        <a:xfrm>
+          <a:off x="6791478" y="939933"/>
+          <a:ext cx="278922" cy="278922"/>
+        </a:xfrm>
+        <a:prstGeom prst="triangle">
+          <a:avLst>
+            <a:gd name="adj" fmla="val 100000"/>
+          </a:avLst>
+        </a:prstGeom>
+        <a:solidFill>
+          <a:schemeClr val="accent1">
+            <a:hueOff val="0"/>
+            <a:satOff val="0"/>
+            <a:lumOff val="0"/>
+            <a:alphaOff val="0"/>
+          </a:schemeClr>
+        </a:solidFill>
+        <a:ln w="19050" cap="flat" cmpd="sng" algn="ctr">
+          <a:solidFill>
+            <a:schemeClr val="accent1">
+              <a:hueOff val="0"/>
+              <a:satOff val="0"/>
+              <a:lumOff val="0"/>
+              <a:alphaOff val="0"/>
+            </a:schemeClr>
+          </a:solidFill>
+          <a:prstDash val="solid"/>
+        </a:ln>
+        <a:effectLst/>
+      </dsp:spPr>
+      <dsp:style>
+        <a:lnRef idx="2">
+          <a:scrgbClr r="0" g="0" b="0"/>
+        </a:lnRef>
+        <a:fillRef idx="1">
+          <a:scrgbClr r="0" g="0" b="0"/>
+        </a:fillRef>
+        <a:effectRef idx="0">
+          <a:scrgbClr r="0" g="0" b="0"/>
+        </a:effectRef>
+        <a:fontRef idx="minor">
+          <a:schemeClr val="lt1"/>
+        </a:fontRef>
+      </dsp:style>
+    </dsp:sp>
+    <dsp:sp modelId="{6A433629-CB9E-4399-A77A-DEAEFC3E39C2}">
+      <dsp:nvSpPr>
+        <dsp:cNvPr id="0" name=""/>
+        <dsp:cNvSpPr/>
+      </dsp:nvSpPr>
+      <dsp:spPr>
+        <a:xfrm rot="5400000">
+          <a:off x="7566089" y="612667"/>
+          <a:ext cx="984052" cy="1637440"/>
+        </a:xfrm>
+        <a:prstGeom prst="corner">
+          <a:avLst>
+            <a:gd name="adj1" fmla="val 16120"/>
+            <a:gd name="adj2" fmla="val 16110"/>
+          </a:avLst>
+        </a:prstGeom>
+        <a:solidFill>
+          <a:schemeClr val="accent1">
+            <a:hueOff val="0"/>
+            <a:satOff val="0"/>
+            <a:lumOff val="0"/>
+            <a:alphaOff val="0"/>
+          </a:schemeClr>
+        </a:solidFill>
+        <a:ln w="19050" cap="flat" cmpd="sng" algn="ctr">
+          <a:solidFill>
+            <a:schemeClr val="accent1">
+              <a:hueOff val="0"/>
+              <a:satOff val="0"/>
+              <a:lumOff val="0"/>
+              <a:alphaOff val="0"/>
+            </a:schemeClr>
+          </a:solidFill>
+          <a:prstDash val="solid"/>
+        </a:ln>
+        <a:effectLst/>
+      </dsp:spPr>
+      <dsp:style>
+        <a:lnRef idx="2">
+          <a:scrgbClr r="0" g="0" b="0"/>
+        </a:lnRef>
+        <a:fillRef idx="1">
+          <a:scrgbClr r="0" g="0" b="0"/>
+        </a:fillRef>
+        <a:effectRef idx="0">
+          <a:scrgbClr r="0" g="0" b="0"/>
+        </a:effectRef>
+        <a:fontRef idx="minor">
+          <a:schemeClr val="lt1"/>
+        </a:fontRef>
+      </dsp:style>
+    </dsp:sp>
+    <dsp:sp modelId="{E92E13EE-0FC2-4C6F-B6F9-A9FA123682BA}">
+      <dsp:nvSpPr>
+        <dsp:cNvPr id="0" name=""/>
+        <dsp:cNvSpPr/>
+      </dsp:nvSpPr>
+      <dsp:spPr>
+        <a:xfrm>
+          <a:off x="7401827" y="1101909"/>
+          <a:ext cx="1478290" cy="1295808"/>
+        </a:xfrm>
+        <a:prstGeom prst="rect">
+          <a:avLst/>
+        </a:prstGeom>
+        <a:noFill/>
+        <a:ln>
+          <a:noFill/>
+        </a:ln>
+        <a:effectLst/>
+      </dsp:spPr>
+      <dsp:style>
+        <a:lnRef idx="0">
+          <a:scrgbClr r="0" g="0" b="0"/>
+        </a:lnRef>
+        <a:fillRef idx="0">
+          <a:scrgbClr r="0" g="0" b="0"/>
+        </a:fillRef>
+        <a:effectRef idx="0">
+          <a:scrgbClr r="0" g="0" b="0"/>
+        </a:effectRef>
+        <a:fontRef idx="minor"/>
+      </dsp:style>
+      <dsp:txBody>
+        <a:bodyPr spcFirstLastPara="0" vert="horz" wrap="square" lIns="68580" tIns="68580" rIns="68580" bIns="68580" numCol="1" spcCol="1270" anchor="t" anchorCtr="0">
+          <a:noAutofit/>
+        </a:bodyPr>
+        <a:lstStyle/>
+        <a:p>
+          <a:pPr lvl="0" algn="l" defTabSz="800100">
+            <a:lnSpc>
+              <a:spcPct val="90000"/>
+            </a:lnSpc>
+            <a:spcBef>
+              <a:spcPct val="0"/>
+            </a:spcBef>
+            <a:spcAft>
+              <a:spcPct val="35000"/>
+            </a:spcAft>
+          </a:pPr>
+          <a:r>
+            <a:rPr lang="de-DE" sz="1800" kern="1200" dirty="0" smtClean="0"/>
+            <a:t>Abgabe</a:t>
+          </a:r>
+          <a:endParaRPr lang="de-DE" sz="1800" kern="1200" dirty="0"/>
+        </a:p>
+        <a:p>
+          <a:pPr marL="114300" lvl="1" indent="-114300" algn="l" defTabSz="622300">
+            <a:lnSpc>
+              <a:spcPct val="90000"/>
+            </a:lnSpc>
+            <a:spcBef>
+              <a:spcPct val="0"/>
+            </a:spcBef>
+            <a:spcAft>
+              <a:spcPct val="15000"/>
+            </a:spcAft>
+            <a:buChar char="••"/>
+          </a:pPr>
+          <a:r>
+            <a:rPr lang="de-DE" sz="1400" kern="1200" dirty="0" err="1" smtClean="0"/>
+            <a:t>Dokumen-tation</a:t>
+          </a:r>
+          <a:endParaRPr lang="de-DE" sz="1400" kern="1200" dirty="0"/>
+        </a:p>
+        <a:p>
+          <a:pPr marL="114300" lvl="1" indent="-114300" algn="l" defTabSz="622300">
+            <a:lnSpc>
+              <a:spcPct val="90000"/>
+            </a:lnSpc>
+            <a:spcBef>
+              <a:spcPct val="0"/>
+            </a:spcBef>
+            <a:spcAft>
+              <a:spcPct val="15000"/>
+            </a:spcAft>
+            <a:buChar char="••"/>
+          </a:pPr>
+          <a:r>
+            <a:rPr lang="de-DE" sz="1400" kern="1200" dirty="0" smtClean="0"/>
+            <a:t>Präsentation</a:t>
+          </a:r>
+          <a:endParaRPr lang="de-DE" sz="1400" kern="1200" dirty="0"/>
+        </a:p>
+      </dsp:txBody>
+      <dsp:txXfrm>
+        <a:off x="7401827" y="1101909"/>
+        <a:ext cx="1478290" cy="1295808"/>
+      </dsp:txXfrm>
+    </dsp:sp>
+  </dsp:spTree>
+</dsp:drawing>
+</file>
+
+<file path=ppt/diagrams/layout1.xml><?xml version="1.0" encoding="utf-8"?>
+<dgm:layoutDef xmlns:dgm="http://schemas.openxmlformats.org/drawingml/2006/diagram" xmlns:a="http://schemas.openxmlformats.org/drawingml/2006/main" uniqueId="urn:microsoft.com/office/officeart/2009/3/layout/StepUpProcess">
+  <dgm:title val=""/>
+  <dgm:desc val=""/>
+  <dgm:catLst>
+    <dgm:cat type="process" pri="1300"/>
+  </dgm:catLst>
+  <dgm:sampData>
+    <dgm:dataModel>
+      <dgm:ptLst>
+        <dgm:pt modelId="0" type="doc"/>
+        <dgm:pt modelId="10">
+          <dgm:prSet phldr="1"/>
+        </dgm:pt>
+        <dgm:pt modelId="20">
+          <dgm:prSet phldr="1"/>
+        </dgm:pt>
+        <dgm:pt modelId="30">
+          <dgm:prSet phldr="1"/>
+        </dgm:pt>
+      </dgm:ptLst>
+      <dgm:cxnLst>
+        <dgm:cxn modelId="60" srcId="0" destId="10" srcOrd="0" destOrd="0"/>
+        <dgm:cxn modelId="70" srcId="0" destId="20" srcOrd="1" destOrd="0"/>
+        <dgm:cxn modelId="80" srcId="0" destId="30" srcOrd="2" destOrd="0"/>
+      </dgm:cxnLst>
+      <dgm:bg/>
+      <dgm:whole/>
+    </dgm:dataModel>
+  </dgm:sampData>
+  <dgm:styleData>
+    <dgm:dataModel>
+      <dgm:ptLst>
+        <dgm:pt modelId="0" type="doc"/>
+        <dgm:pt modelId="10">
+          <dgm:prSet phldr="1"/>
+        </dgm:pt>
+        <dgm:pt modelId="20">
+          <dgm:prSet phldr="1"/>
+        </dgm:pt>
+      </dgm:ptLst>
+      <dgm:cxnLst>
+        <dgm:cxn modelId="60" srcId="0" destId="10" srcOrd="0" destOrd="0"/>
+        <dgm:cxn modelId="70" srcId="0" destId="20" srcOrd="1" destOrd="0"/>
+      </dgm:cxnLst>
+      <dgm:bg/>
+      <dgm:whole/>
+    </dgm:dataModel>
+  </dgm:styleData>
+  <dgm:clrData>
+    <dgm:dataModel>
+      <dgm:ptLst>
+        <dgm:pt modelId="0" type="doc"/>
+        <dgm:pt modelId="10">
+          <dgm:prSet phldr="1"/>
+        </dgm:pt>
+        <dgm:pt modelId="20">
+          <dgm:prSet phldr="1"/>
+        </dgm:pt>
+        <dgm:pt modelId="30">
+          <dgm:prSet phldr="1"/>
+        </dgm:pt>
+        <dgm:pt modelId="40">
+          <dgm:prSet phldr="1"/>
+        </dgm:pt>
+      </dgm:ptLst>
+      <dgm:cxnLst>
+        <dgm:cxn modelId="60" srcId="0" destId="10" srcOrd="0" destOrd="0"/>
+        <dgm:cxn modelId="70" srcId="0" destId="20" srcOrd="1" destOrd="0"/>
+        <dgm:cxn modelId="80" srcId="0" destId="30" srcOrd="2" destOrd="0"/>
+        <dgm:cxn modelId="90" srcId="0" destId="40" srcOrd="3" destOrd="0"/>
+      </dgm:cxnLst>
+      <dgm:bg/>
+      <dgm:whole/>
+    </dgm:dataModel>
+  </dgm:clrData>
+  <dgm:layoutNode name="rootnode">
+    <dgm:varLst>
+      <dgm:chMax/>
+      <dgm:chPref/>
+      <dgm:dir/>
+      <dgm:animLvl val="lvl"/>
+    </dgm:varLst>
+    <dgm:choose name="Name0">
+      <dgm:if name="Name1" func="var" arg="dir" op="equ" val="norm">
+        <dgm:alg type="snake">
+          <dgm:param type="grDir" val="bL"/>
+          <dgm:param type="flowDir" val="row"/>
+          <dgm:param type="off" val="off"/>
+          <dgm:param type="bkpt" val="fixed"/>
+          <dgm:param type="bkPtFixedVal" val="1"/>
+        </dgm:alg>
+      </dgm:if>
+      <dgm:else name="Name2">
+        <dgm:alg type="snake">
+          <dgm:param type="grDir" val="bR"/>
+          <dgm:param type="flowDir" val="row"/>
+          <dgm:param type="off" val="off"/>
+          <dgm:param type="bkpt" val="fixed"/>
+          <dgm:param type="bkPtFixedVal" val="1"/>
+        </dgm:alg>
+      </dgm:else>
+    </dgm:choose>
+    <dgm:shape xmlns:r="http://schemas.openxmlformats.org/officeDocument/2006/relationships" r:blip="">
+      <dgm:adjLst/>
+    </dgm:shape>
+    <dgm:constrLst>
+      <dgm:constr type="alignOff" forName="rootnode" val="1"/>
+      <dgm:constr type="primFontSz" for="des" ptType="node" op="equ" val="65"/>
+      <dgm:constr type="w" for="ch" forName="composite" refType="w"/>
+      <dgm:constr type="h" for="ch" forName="composite" refType="h"/>
+      <dgm:constr type="sp" refType="h" refFor="ch" refForName="composite" op="equ" fact="-0.765"/>
+      <dgm:constr type="w" for="ch" forName="sibTrans" refType="w" fact="0.103"/>
+      <dgm:constr type="h" for="ch" forName="sibTrans" refType="h" fact="0.103"/>
+    </dgm:constrLst>
+    <dgm:forEach name="nodesForEach" axis="ch" ptType="node">
+      <dgm:layoutNode name="composite">
+        <dgm:alg type="composite">
+          <dgm:param type="ar" val="0.861"/>
+        </dgm:alg>
+        <dgm:shape xmlns:r="http://schemas.openxmlformats.org/officeDocument/2006/relationships" r:blip="">
+          <dgm:adjLst/>
+        </dgm:shape>
+        <dgm:choose name="Name3">
+          <dgm:if name="Name4" func="var" arg="dir" op="equ" val="norm">
+            <dgm:constrLst>
+              <dgm:constr type="l" for="ch" forName="LShape" refType="w" fact="0"/>
+              <dgm:constr type="t" for="ch" forName="LShape" refType="h" fact="0.2347"/>
+              <dgm:constr type="w" for="ch" forName="LShape" refType="w" fact="0.998"/>
+              <dgm:constr type="h" for="ch" forName="LShape" refType="h" fact="0.5164"/>
+              <dgm:constr type="r" for="ch" forName="ParentText" refType="w"/>
+              <dgm:constr type="t" for="ch" forName="ParentText" refType="h" fact="0.32"/>
+              <dgm:constr type="w" for="ch" forName="ParentText" refType="w" fact="0.901"/>
+              <dgm:constr type="h" for="ch" forName="ParentText" refType="h" fact="0.68"/>
+              <dgm:constr type="l" for="ch" forName="Triangle" refType="w" fact="0.83"/>
+              <dgm:constr type="t" for="ch" forName="Triangle" refType="h" fact="0"/>
+              <dgm:constr type="w" for="ch" forName="Triangle" refType="w" fact="0.17"/>
+              <dgm:constr type="h" for="ch" forName="Triangle" refType="w" refFor="ch" refForName="Triangle"/>
+            </dgm:constrLst>
+          </dgm:if>
+          <dgm:else name="Name5">
+            <dgm:constrLst>
+              <dgm:constr type="l" for="ch" forName="LShape" refType="w" fact="0.002"/>
+              <dgm:constr type="t" for="ch" forName="LShape" refType="h" fact="0.2347"/>
+              <dgm:constr type="w" for="ch" forName="LShape" refType="w"/>
+              <dgm:constr type="h" for="ch" forName="LShape" refType="h" fact="0.5164"/>
+              <dgm:constr type="l" for="ch" forName="ParentText" refType="w" fact="0"/>
+              <dgm:constr type="t" for="ch" forName="ParentText" refType="h" fact="0.32"/>
+              <dgm:constr type="w" for="ch" forName="ParentText" refType="w" fact="0.902"/>
+              <dgm:constr type="h" for="ch" forName="ParentText" refType="h" fact="0.68"/>
+              <dgm:constr type="l" for="ch" forName="Triangle" refType="w" fact="0"/>
+              <dgm:constr type="t" for="ch" forName="Triangle" refType="h" fact="0"/>
+              <dgm:constr type="w" for="ch" forName="Triangle" refType="w" fact="0.17"/>
+              <dgm:constr type="h" for="ch" forName="Triangle" refType="w" refFor="ch" refForName="Triangle"/>
+            </dgm:constrLst>
+          </dgm:else>
+        </dgm:choose>
+        <dgm:layoutNode name="LShape" styleLbl="alignNode1">
+          <dgm:alg type="sp"/>
+          <dgm:choose name="Name6">
+            <dgm:if name="Name7" func="var" arg="dir" op="equ" val="norm">
+              <dgm:shape xmlns:r="http://schemas.openxmlformats.org/officeDocument/2006/relationships" rot="90" type="corner" r:blip="">
+                <dgm:adjLst>
+                  <dgm:adj idx="1" val="0.1612"/>
+                  <dgm:adj idx="2" val="0.1611"/>
+                </dgm:adjLst>
+              </dgm:shape>
+            </dgm:if>
+            <dgm:else name="Name8">
+              <dgm:shape xmlns:r="http://schemas.openxmlformats.org/officeDocument/2006/relationships" rot="180" type="corner" r:blip="">
+                <dgm:adjLst>
+                  <dgm:adj idx="1" val="0.1612"/>
+                  <dgm:adj idx="2" val="0.1611"/>
+                </dgm:adjLst>
+              </dgm:shape>
+            </dgm:else>
+          </dgm:choose>
+          <dgm:presOf/>
+        </dgm:layoutNode>
+        <dgm:layoutNode name="ParentText" styleLbl="revTx">
+          <dgm:varLst>
+            <dgm:chMax val="0"/>
+            <dgm:chPref val="0"/>
+            <dgm:bulletEnabled val="1"/>
+          </dgm:varLst>
+          <dgm:alg type="tx">
+            <dgm:param type="parTxLTRAlign" val="l"/>
+            <dgm:param type="txAnchorVert" val="t"/>
+          </dgm:alg>
+          <dgm:shape xmlns:r="http://schemas.openxmlformats.org/officeDocument/2006/relationships" type="rect" r:blip="">
+            <dgm:adjLst/>
+          </dgm:shape>
+          <dgm:presOf axis="desOrSelf" ptType="node"/>
+          <dgm:constrLst>
+            <dgm:constr type="lMarg" refType="primFontSz" fact="0.3"/>
+            <dgm:constr type="rMarg" refType="primFontSz" fact="0.3"/>
+            <dgm:constr type="tMarg" refType="primFontSz" fact="0.3"/>
+            <dgm:constr type="bMarg" refType="primFontSz" fact="0.3"/>
+          </dgm:constrLst>
+          <dgm:ruleLst>
+            <dgm:rule type="primFontSz" val="5" fact="NaN" max="NaN"/>
+          </dgm:ruleLst>
+        </dgm:layoutNode>
+        <dgm:choose name="Name9">
+          <dgm:if name="Name10" axis="followSib" ptType="node" func="cnt" op="gte" val="1">
+            <dgm:layoutNode name="Triangle" styleLbl="alignNode1">
+              <dgm:alg type="sp"/>
+              <dgm:choose name="Name11">
+                <dgm:if name="Name12" func="var" arg="dir" op="equ" val="norm">
+                  <dgm:shape xmlns:r="http://schemas.openxmlformats.org/officeDocument/2006/relationships" type="triangle" r:blip="">
+                    <dgm:adjLst>
+                      <dgm:adj idx="1" val="1"/>
+                    </dgm:adjLst>
+                  </dgm:shape>
+                </dgm:if>
+                <dgm:else name="Name13">
+                  <dgm:shape xmlns:r="http://schemas.openxmlformats.org/officeDocument/2006/relationships" rot="90" type="triangle" r:blip="">
+                    <dgm:adjLst>
+                      <dgm:adj idx="1" val="1"/>
+                    </dgm:adjLst>
+                  </dgm:shape>
+                </dgm:else>
+              </dgm:choose>
+              <dgm:presOf/>
+            </dgm:layoutNode>
+          </dgm:if>
+          <dgm:else name="Name14"/>
+        </dgm:choose>
+      </dgm:layoutNode>
+      <dgm:forEach name="sibTransForEach" axis="followSib" ptType="sibTrans" cnt="1">
+        <dgm:layoutNode name="sibTrans">
+          <dgm:alg type="composite">
+            <dgm:param type="ar" val="0.861"/>
+          </dgm:alg>
+          <dgm:constrLst>
+            <dgm:constr type="w" for="ch" forName="space" refType="w"/>
+            <dgm:constr type="h" for="ch" forName="space" refType="w"/>
+          </dgm:constrLst>
+          <dgm:layoutNode name="space" styleLbl="alignNode1">
+            <dgm:alg type="sp"/>
+            <dgm:shape xmlns:r="http://schemas.openxmlformats.org/officeDocument/2006/relationships" r:blip="">
+              <dgm:adjLst/>
+            </dgm:shape>
+            <dgm:presOf/>
+          </dgm:layoutNode>
+        </dgm:layoutNode>
+      </dgm:forEach>
+    </dgm:forEach>
+  </dgm:layoutNode>
+</dgm:layoutDef>
+</file>
+
+<file path=ppt/diagrams/quickStyle1.xml><?xml version="1.0" encoding="utf-8"?>
+<dgm:styleDef xmlns:dgm="http://schemas.openxmlformats.org/drawingml/2006/diagram" xmlns:a="http://schemas.openxmlformats.org/drawingml/2006/main" uniqueId="urn:microsoft.com/office/officeart/2005/8/quickstyle/simple1">
+  <dgm:title val=""/>
+  <dgm:desc val=""/>
+  <dgm:catLst>
+    <dgm:cat type="simple" pri="10100"/>
+  </dgm:catLst>
+  <dgm:scene3d>
+    <a:camera prst="orthographicFront"/>
+    <a:lightRig rig="threePt" dir="t"/>
+  </dgm:scene3d>
+  <dgm:styleLbl name="node0">
+    <dgm:scene3d>
+      <a:camera prst="orthographicFront"/>
+      <a:lightRig rig="threePt" dir="t"/>
+    </dgm:scene3d>
+    <dgm:sp3d/>
+    <dgm:txPr/>
+    <dgm:style>
+      <a:lnRef idx="2">
+        <a:scrgbClr r="0" g="0" b="0"/>
+      </a:lnRef>
+      <a:fillRef idx="1">
+        <a:scrgbClr r="0" g="0" b="0"/>
+      </a:fillRef>
+      <a:effectRef idx="0">
+        <a:scrgbClr r="0" g="0" b="0"/>
+      </a:effectRef>
+      <a:fontRef idx="minor">
+        <a:schemeClr val="lt1"/>
+      </a:fontRef>
+    </dgm:style>
+  </dgm:styleLbl>
+  <dgm:styleLbl name="lnNode1">
+    <dgm:scene3d>
+      <a:camera prst="orthographicFront"/>
+      <a:lightRig rig="threePt" dir="t"/>
+    </dgm:scene3d>
+    <dgm:sp3d/>
+    <dgm:txPr/>
+    <dgm:style>
+      <a:lnRef idx="2">
+        <a:scrgbClr r="0" g="0" b="0"/>
+      </a:lnRef>
+      <a:fillRef idx="1">
+        <a:scrgbClr r="0" g="0" b="0"/>
+      </a:fillRef>
+      <a:effectRef idx="0">
+        <a:scrgbClr r="0" g="0" b="0"/>
+      </a:effectRef>
+      <a:fontRef idx="minor">
+        <a:schemeClr val="lt1"/>
+      </a:fontRef>
+    </dgm:style>
+  </dgm:styleLbl>
+  <dgm:styleLbl name="vennNode1">
+    <dgm:scene3d>
+      <a:camera prst="orthographicFront"/>
+      <a:lightRig rig="threePt" dir="t"/>
+    </dgm:scene3d>
+    <dgm:sp3d/>
+    <dgm:txPr/>
+    <dgm:style>
+      <a:lnRef idx="2">
+        <a:scrgbClr r="0" g="0" b="0"/>
+      </a:lnRef>
+      <a:fillRef idx="1">
+        <a:scrgbClr r="0" g="0" b="0"/>
+      </a:fillRef>
+      <a:effectRef idx="0">
+        <a:scrgbClr r="0" g="0" b="0"/>
+      </a:effectRef>
+      <a:fontRef idx="minor">
+        <a:schemeClr val="tx1"/>
+      </a:fontRef>
+    </dgm:style>
+  </dgm:styleLbl>
+  <dgm:styleLbl name="alignNode1">
+    <dgm:scene3d>
+      <a:camera prst="orthographicFront"/>
+      <a:lightRig rig="threePt" dir="t"/>
+    </dgm:scene3d>
+    <dgm:sp3d/>
+    <dgm:txPr/>
+    <dgm:style>
+      <a:lnRef idx="2">
+        <a:scrgbClr r="0" g="0" b="0"/>
+      </a:lnRef>
+      <a:fillRef idx="1">
+        <a:scrgbClr r="0" g="0" b="0"/>
+      </a:fillRef>
+      <a:effectRef idx="0">
+        <a:scrgbClr r="0" g="0" b="0"/>
+      </a:effectRef>
+      <a:fontRef idx="minor">
+        <a:schemeClr val="lt1"/>
+      </a:fontRef>
+    </dgm:style>
+  </dgm:styleLbl>
+  <dgm:styleLbl name="node1">
+    <dgm:scene3d>
+      <a:camera prst="orthographicFront"/>
+      <a:lightRig rig="threePt" dir="t"/>
+    </dgm:scene3d>
+    <dgm:sp3d/>
+    <dgm:txPr/>
+    <dgm:style>
+      <a:lnRef idx="2">
+        <a:scrgbClr r="0" g="0" b="0"/>
+      </a:lnRef>
+      <a:fillRef idx="1">
+        <a:scrgbClr r="0" g="0" b="0"/>
+      </a:fillRef>
+      <a:effectRef idx="0">
+        <a:scrgbClr r="0" g="0" b="0"/>
+      </a:effectRef>
+      <a:fontRef idx="minor">
+        <a:schemeClr val="lt1"/>
+      </a:fontRef>
+    </dgm:style>
+  </dgm:styleLbl>
+  <dgm:styleLbl name="node2">
+    <dgm:scene3d>
+      <a:camera prst="orthographicFront"/>
+      <a:lightRig rig="threePt" dir="t"/>
+    </dgm:scene3d>
+    <dgm:sp3d/>
+    <dgm:txPr/>
+    <dgm:style>
+      <a:lnRef idx="2">
+        <a:scrgbClr r="0" g="0" b="0"/>
+      </a:lnRef>
+      <a:fillRef idx="1">
+        <a:scrgbClr r="0" g="0" b="0"/>
+      </a:fillRef>
+      <a:effectRef idx="0">
+        <a:scrgbClr r="0" g="0" b="0"/>
+      </a:effectRef>
+      <a:fontRef idx="minor">
+        <a:schemeClr val="lt1"/>
+      </a:fontRef>
+    </dgm:style>
+  </dgm:styleLbl>
+  <dgm:styleLbl name="node3">
+    <dgm:scene3d>
+      <a:camera prst="orthographicFront"/>
+      <a:lightRig rig="threePt" dir="t"/>
+    </dgm:scene3d>
+    <dgm:sp3d/>
+    <dgm:txPr/>
+    <dgm:style>
+      <a:lnRef idx="2">
+        <a:scrgbClr r="0" g="0" b="0"/>
+      </a:lnRef>
+      <a:fillRef idx="1">
+        <a:scrgbClr r="0" g="0" b="0"/>
+      </a:fillRef>
+      <a:effectRef idx="0">
+        <a:scrgbClr r="0" g="0" b="0"/>
+      </a:effectRef>
+      <a:fontRef idx="minor">
+        <a:schemeClr val="lt1"/>
+      </a:fontRef>
+    </dgm:style>
+  </dgm:styleLbl>
+  <dgm:styleLbl name="node4">
+    <dgm:scene3d>
+      <a:camera prst="orthographicFront"/>
+      <a:lightRig rig="threePt" dir="t"/>
+    </dgm:scene3d>
+    <dgm:sp3d/>
+    <dgm:txPr/>
+    <dgm:style>
+      <a:lnRef idx="2">
+        <a:scrgbClr r="0" g="0" b="0"/>
+      </a:lnRef>
+      <a:fillRef idx="1">
+        <a:scrgbClr r="0" g="0" b="0"/>
+      </a:fillRef>
+      <a:effectRef idx="0">
+        <a:scrgbClr r="0" g="0" b="0"/>
+      </a:effectRef>
+      <a:fontRef idx="minor">
+        <a:schemeClr val="lt1"/>
+      </a:fontRef>
+    </dgm:style>
+  </dgm:styleLbl>
+  <dgm:styleLbl name="fgImgPlace1">
+    <dgm:scene3d>
+      <a:camera prst="orthographicFront"/>
+      <a:lightRig rig="threePt" dir="t"/>
+    </dgm:scene3d>
+    <dgm:sp3d/>
+    <dgm:txPr/>
+    <dgm:style>
+      <a:lnRef idx="2">
+        <a:scrgbClr r="0" g="0" b="0"/>
+      </a:lnRef>
+      <a:fillRef idx="1">
+        <a:scrgbClr r="0" g="0" b="0"/>
+      </a:fillRef>
+      <a:effectRef idx="0">
+        <a:scrgbClr r="0" g="0" b="0"/>
+      </a:effectRef>
+      <a:fontRef idx="minor"/>
+    </dgm:style>
+  </dgm:styleLbl>
+  <dgm:styleLbl name="alignImgPlace1">
+    <dgm:scene3d>
+      <a:camera prst="orthographicFront"/>
+      <a:lightRig rig="threePt" dir="t"/>
+    </dgm:scene3d>
+    <dgm:sp3d/>
+    <dgm:txPr/>
+    <dgm:style>
+      <a:lnRef idx="2">
+        <a:scrgbClr r="0" g="0" b="0"/>
+      </a:lnRef>
+      <a:fillRef idx="1">
+        <a:scrgbClr r="0" g="0" b="0"/>
+      </a:fillRef>
+      <a:effectRef idx="0">
+        <a:scrgbClr r="0" g="0" b="0"/>
+      </a:effectRef>
+      <a:fontRef idx="minor"/>
+    </dgm:style>
+  </dgm:styleLbl>
+  <dgm:styleLbl name="bgImgPlace1">
+    <dgm:scene3d>
+      <a:camera prst="orthographicFront"/>
+      <a:lightRig rig="threePt" dir="t"/>
+    </dgm:scene3d>
+    <dgm:sp3d/>
+    <dgm:txPr/>
+    <dgm:style>
+      <a:lnRef idx="2">
+        <a:scrgbClr r="0" g="0" b="0"/>
+      </a:lnRef>
+      <a:fillRef idx="1">
+        <a:scrgbClr r="0" g="0" b="0"/>
+      </a:fillRef>
+      <a:effectRef idx="0">
+        <a:scrgbClr r="0" g="0" b="0"/>
+      </a:effectRef>
+      <a:fontRef idx="minor"/>
+    </dgm:style>
+  </dgm:styleLbl>
+  <dgm:styleLbl name="sibTrans2D1">
+    <dgm:scene3d>
+      <a:camera prst="orthographicFront"/>
+      <a:lightRig rig="threePt" dir="t"/>
+    </dgm:scene3d>
+    <dgm:sp3d/>
+    <dgm:txPr/>
+    <dgm:style>
+      <a:lnRef idx="0">
+        <a:scrgbClr r="0" g="0" b="0"/>
+      </a:lnRef>
+      <a:fillRef idx="1">
+        <a:scrgbClr r="0" g="0" b="0"/>
+      </a:fillRef>
+      <a:effectRef idx="0">
+        <a:scrgbClr r="0" g="0" b="0"/>
+      </a:effectRef>
+      <a:fontRef idx="minor">
+        <a:schemeClr val="lt1"/>
+      </a:fontRef>
+    </dgm:style>
+  </dgm:styleLbl>
+  <dgm:styleLbl name="fgSibTrans2D1">
+    <dgm:scene3d>
+      <a:camera prst="orthographicFront"/>
+      <a:lightRig rig="threePt" dir="t"/>
+    </dgm:scene3d>
+    <dgm:sp3d/>
+    <dgm:txPr/>
+    <dgm:style>
+      <a:lnRef idx="0">
+        <a:scrgbClr r="0" g="0" b="0"/>
+      </a:lnRef>
+      <a:fillRef idx="1">
+        <a:scrgbClr r="0" g="0" b="0"/>
+      </a:fillRef>
+      <a:effectRef idx="0">
+        <a:scrgbClr r="0" g="0" b="0"/>
+      </a:effectRef>
+      <a:fontRef idx="minor">
+        <a:schemeClr val="lt1"/>
+      </a:fontRef>
+    </dgm:style>
+  </dgm:styleLbl>
+  <dgm:styleLbl name="bgSibTrans2D1">
+    <dgm:scene3d>
+      <a:camera prst="orthographicFront"/>
+      <a:lightRig rig="threePt" dir="t"/>
+    </dgm:scene3d>
+    <dgm:sp3d/>
+    <dgm:txPr/>
+    <dgm:style>
+      <a:lnRef idx="0">
+        <a:scrgbClr r="0" g="0" b="0"/>
+      </a:lnRef>
+      <a:fillRef idx="1">
+        <a:scrgbClr r="0" g="0" b="0"/>
+      </a:fillRef>
+      <a:effectRef idx="0">
+        <a:scrgbClr r="0" g="0" b="0"/>
+      </a:effectRef>
+      <a:fontRef idx="minor">
+        <a:schemeClr val="lt1"/>
+      </a:fontRef>
+    </dgm:style>
+  </dgm:styleLbl>
+  <dgm:styleLbl name="sibTrans1D1">
+    <dgm:scene3d>
+      <a:camera prst="orthographicFront"/>
+      <a:lightRig rig="threePt" dir="t"/>
+    </dgm:scene3d>
+    <dgm:sp3d/>
+    <dgm:txPr/>
+    <dgm:style>
+      <a:lnRef idx="1">
+        <a:scrgbClr r="0" g="0" b="0"/>
+      </a:lnRef>
+      <a:fillRef idx="0">
+        <a:scrgbClr r="0" g="0" b="0"/>
+      </a:fillRef>
+      <a:effectRef idx="0">
+        <a:scrgbClr r="0" g="0" b="0"/>
+      </a:effectRef>
+      <a:fontRef idx="minor"/>
+    </dgm:style>
+  </dgm:styleLbl>
+  <dgm:styleLbl name="callout">
+    <dgm:scene3d>
+      <a:camera prst="orthographicFront"/>
+      <a:lightRig rig="threePt" dir="t"/>
+    </dgm:scene3d>
+    <dgm:sp3d/>
+    <dgm:txPr/>
+    <dgm:style>
+      <a:lnRef idx="2">
+        <a:scrgbClr r="0" g="0" b="0"/>
+      </a:lnRef>
+      <a:fillRef idx="1">
+        <a:scrgbClr r="0" g="0" b="0"/>
+      </a:fillRef>
+      <a:effectRef idx="0">
+        <a:scrgbClr r="0" g="0" b="0"/>
+      </a:effectRef>
+      <a:fontRef idx="minor"/>
+    </dgm:style>
+  </dgm:styleLbl>
+  <dgm:styleLbl name="asst0">
+    <dgm:scene3d>
+      <a:camera prst="orthographicFront"/>
+      <a:lightRig rig="threePt" dir="t"/>
+    </dgm:scene3d>
+    <dgm:sp3d/>
+    <dgm:txPr/>
+    <dgm:style>
+      <a:lnRef idx="2">
+        <a:scrgbClr r="0" g="0" b="0"/>
+      </a:lnRef>
+      <a:fillRef idx="1">
+        <a:scrgbClr r="0" g="0" b="0"/>
+      </a:fillRef>
+      <a:effectRef idx="0">
+        <a:scrgbClr r="0" g="0" b="0"/>
+      </a:effectRef>
+      <a:fontRef idx="minor">
+        <a:schemeClr val="lt1"/>
+      </a:fontRef>
+    </dgm:style>
+  </dgm:styleLbl>
+  <dgm:styleLbl name="asst1">
+    <dgm:scene3d>
+      <a:camera prst="orthographicFront"/>
+      <a:lightRig rig="threePt" dir="t"/>
+    </dgm:scene3d>
+    <dgm:sp3d/>
+    <dgm:txPr/>
+    <dgm:style>
+      <a:lnRef idx="2">
+        <a:scrgbClr r="0" g="0" b="0"/>
+      </a:lnRef>
+      <a:fillRef idx="1">
+        <a:scrgbClr r="0" g="0" b="0"/>
+      </a:fillRef>
+      <a:effectRef idx="0">
+        <a:scrgbClr r="0" g="0" b="0"/>
+      </a:effectRef>
+      <a:fontRef idx="minor">
+        <a:schemeClr val="lt1"/>
+      </a:fontRef>
+    </dgm:style>
+  </dgm:styleLbl>
+  <dgm:styleLbl name="asst2">
+    <dgm:scene3d>
+      <a:camera prst="orthographicFront"/>
+      <a:lightRig rig="threePt" dir="t"/>
+    </dgm:scene3d>
+    <dgm:sp3d/>
+    <dgm:txPr/>
+    <dgm:style>
+      <a:lnRef idx="2">
+        <a:scrgbClr r="0" g="0" b="0"/>
+      </a:lnRef>
+      <a:fillRef idx="1">
+        <a:scrgbClr r="0" g="0" b="0"/>
+      </a:fillRef>
+      <a:effectRef idx="0">
+        <a:scrgbClr r="0" g="0" b="0"/>
+      </a:effectRef>
+      <a:fontRef idx="minor">
+        <a:schemeClr val="lt1"/>
+      </a:fontRef>
+    </dgm:style>
+  </dgm:styleLbl>
+  <dgm:styleLbl name="asst3">
+    <dgm:scene3d>
+      <a:camera prst="orthographicFront"/>
+      <a:lightRig rig="threePt" dir="t"/>
+    </dgm:scene3d>
+    <dgm:sp3d/>
+    <dgm:txPr/>
+    <dgm:style>
+      <a:lnRef idx="2">
+        <a:scrgbClr r="0" g="0" b="0"/>
+      </a:lnRef>
+      <a:fillRef idx="1">
+        <a:scrgbClr r="0" g="0" b="0"/>
+      </a:fillRef>
+      <a:effectRef idx="0">
+        <a:scrgbClr r="0" g="0" b="0"/>
+      </a:effectRef>
+      <a:fontRef idx="minor">
+        <a:schemeClr val="lt1"/>
+      </a:fontRef>
+    </dgm:style>
+  </dgm:styleLbl>
+  <dgm:styleLbl name="asst4">
+    <dgm:scene3d>
+      <a:camera prst="orthographicFront"/>
+      <a:lightRig rig="threePt" dir="t"/>
+    </dgm:scene3d>
+    <dgm:sp3d/>
+    <dgm:txPr/>
+    <dgm:style>
+      <a:lnRef idx="2">
+        <a:scrgbClr r="0" g="0" b="0"/>
+      </a:lnRef>
+      <a:fillRef idx="1">
+        <a:scrgbClr r="0" g="0" b="0"/>
+      </a:fillRef>
+      <a:effectRef idx="0">
+        <a:scrgbClr r="0" g="0" b="0"/>
+      </a:effectRef>
+      <a:fontRef idx="minor">
+        <a:schemeClr val="lt1"/>
+      </a:fontRef>
+    </dgm:style>
+  </dgm:styleLbl>
+  <dgm:styleLbl name="parChTrans2D1">
+    <dgm:scene3d>
+      <a:camera prst="orthographicFront"/>
+      <a:lightRig rig="threePt" dir="t"/>
+    </dgm:scene3d>
+    <dgm:sp3d/>
+    <dgm:txPr/>
+    <dgm:style>
+      <a:lnRef idx="2">
+        <a:scrgbClr r="0" g="0" b="0"/>
+      </a:lnRef>
+      <a:fillRef idx="1">
+        <a:scrgbClr r="0" g="0" b="0"/>
+      </a:fillRef>
+      <a:effectRef idx="0">
+        <a:scrgbClr r="0" g="0" b="0"/>
+      </a:effectRef>
+      <a:fontRef idx="minor">
+        <a:schemeClr val="lt1"/>
+      </a:fontRef>
+    </dgm:style>
+  </dgm:styleLbl>
+  <dgm:styleLbl name="parChTrans2D2">
+    <dgm:scene3d>
+      <a:camera prst="orthographicFront"/>
+      <a:lightRig rig="threePt" dir="t"/>
+    </dgm:scene3d>
+    <dgm:sp3d/>
+    <dgm:txPr/>
+    <dgm:style>
+      <a:lnRef idx="2">
+        <a:scrgbClr r="0" g="0" b="0"/>
+      </a:lnRef>
+      <a:fillRef idx="1">
+        <a:scrgbClr r="0" g="0" b="0"/>
+      </a:fillRef>
+      <a:effectRef idx="0">
+        <a:scrgbClr r="0" g="0" b="0"/>
+      </a:effectRef>
+      <a:fontRef idx="minor">
+        <a:schemeClr val="lt1"/>
+      </a:fontRef>
+    </dgm:style>
+  </dgm:styleLbl>
+  <dgm:styleLbl name="parChTrans2D3">
+    <dgm:scene3d>
+      <a:camera prst="orthographicFront"/>
+      <a:lightRig rig="threePt" dir="t"/>
+    </dgm:scene3d>
+    <dgm:sp3d/>
+    <dgm:txPr/>
+    <dgm:style>
+      <a:lnRef idx="2">
+        <a:scrgbClr r="0" g="0" b="0"/>
+      </a:lnRef>
+      <a:fillRef idx="1">
+        <a:scrgbClr r="0" g="0" b="0"/>
+      </a:fillRef>
+      <a:effectRef idx="0">
+        <a:scrgbClr r="0" g="0" b="0"/>
+      </a:effectRef>
+      <a:fontRef idx="minor">
+        <a:schemeClr val="lt1"/>
+      </a:fontRef>
+    </dgm:style>
+  </dgm:styleLbl>
+  <dgm:styleLbl name="parChTrans2D4">
+    <dgm:scene3d>
+      <a:camera prst="orthographicFront"/>
+      <a:lightRig rig="threePt" dir="t"/>
+    </dgm:scene3d>
+    <dgm:sp3d/>
+    <dgm:txPr/>
+    <dgm:style>
+      <a:lnRef idx="2">
+        <a:scrgbClr r="0" g="0" b="0"/>
+      </a:lnRef>
+      <a:fillRef idx="1">
+        <a:scrgbClr r="0" g="0" b="0"/>
+      </a:fillRef>
+      <a:effectRef idx="0">
+        <a:scrgbClr r="0" g="0" b="0"/>
+      </a:effectRef>
+      <a:fontRef idx="minor">
+        <a:schemeClr val="lt1"/>
+      </a:fontRef>
+    </dgm:style>
+  </dgm:styleLbl>
+  <dgm:styleLbl name="parChTrans1D1">
+    <dgm:scene3d>
+      <a:camera prst="orthographicFront"/>
+      <a:lightRig rig="threePt" dir="t"/>
+    </dgm:scene3d>
+    <dgm:sp3d/>
+    <dgm:txPr/>
+    <dgm:style>
+      <a:lnRef idx="2">
+        <a:scrgbClr r="0" g="0" b="0"/>
+      </a:lnRef>
+      <a:fillRef idx="0">
+        <a:scrgbClr r="0" g="0" b="0"/>
+      </a:fillRef>
+      <a:effectRef idx="0">
+        <a:scrgbClr r="0" g="0" b="0"/>
+      </a:effectRef>
+      <a:fontRef idx="minor"/>
+    </dgm:style>
+  </dgm:styleLbl>
+  <dgm:styleLbl name="parChTrans1D2">
+    <dgm:scene3d>
+      <a:camera prst="orthographicFront"/>
+      <a:lightRig rig="threePt" dir="t"/>
+    </dgm:scene3d>
+    <dgm:sp3d/>
+    <dgm:txPr/>
+    <dgm:style>
+      <a:lnRef idx="2">
+        <a:scrgbClr r="0" g="0" b="0"/>
+      </a:lnRef>
+      <a:fillRef idx="0">
+        <a:scrgbClr r="0" g="0" b="0"/>
+      </a:fillRef>
+      <a:effectRef idx="0">
+        <a:scrgbClr r="0" g="0" b="0"/>
+      </a:effectRef>
+      <a:fontRef idx="minor"/>
+    </dgm:style>
+  </dgm:styleLbl>
+  <dgm:styleLbl name="parChTrans1D3">
+    <dgm:scene3d>
+      <a:camera prst="orthographicFront"/>
+      <a:lightRig rig="threePt" dir="t"/>
+    </dgm:scene3d>
+    <dgm:sp3d/>
+    <dgm:txPr/>
+    <dgm:style>
+      <a:lnRef idx="2">
+        <a:scrgbClr r="0" g="0" b="0"/>
+      </a:lnRef>
+      <a:fillRef idx="0">
+        <a:scrgbClr r="0" g="0" b="0"/>
+      </a:fillRef>
+      <a:effectRef idx="0">
+        <a:scrgbClr r="0" g="0" b="0"/>
+      </a:effectRef>
+      <a:fontRef idx="minor"/>
+    </dgm:style>
+  </dgm:styleLbl>
+  <dgm:styleLbl name="parChTrans1D4">
+    <dgm:scene3d>
+      <a:camera prst="orthographicFront"/>
+      <a:lightRig rig="threePt" dir="t"/>
+    </dgm:scene3d>
+    <dgm:sp3d/>
+    <dgm:txPr/>
+    <dgm:style>
+      <a:lnRef idx="2">
+        <a:scrgbClr r="0" g="0" b="0"/>
+      </a:lnRef>
+      <a:fillRef idx="0">
+        <a:scrgbClr r="0" g="0" b="0"/>
+      </a:fillRef>
+      <a:effectRef idx="0">
+        <a:scrgbClr r="0" g="0" b="0"/>
+      </a:effectRef>
+      <a:fontRef idx="minor"/>
+    </dgm:style>
+  </dgm:styleLbl>
+  <dgm:styleLbl name="fgAcc1">
+    <dgm:scene3d>
+      <a:camera prst="orthographicFront"/>
+      <a:lightRig rig="threePt" dir="t"/>
+    </dgm:scene3d>
+    <dgm:sp3d/>
+    <dgm:txPr/>
+    <dgm:style>
+      <a:lnRef idx="2">
+        <a:scrgbClr r="0" g="0" b="0"/>
+      </a:lnRef>
+      <a:fillRef idx="1">
+        <a:scrgbClr r="0" g="0" b="0"/>
+      </a:fillRef>
+      <a:effectRef idx="0">
+        <a:scrgbClr r="0" g="0" b="0"/>
+      </a:effectRef>
+      <a:fontRef idx="minor"/>
+    </dgm:style>
+  </dgm:styleLbl>
+  <dgm:styleLbl name="conFgAcc1">
+    <dgm:scene3d>
+      <a:camera prst="orthographicFront"/>
+      <a:lightRig rig="threePt" dir="t"/>
+    </dgm:scene3d>
+    <dgm:sp3d/>
+    <dgm:txPr/>
+    <dgm:style>
+      <a:lnRef idx="2">
+        <a:scrgbClr r="0" g="0" b="0"/>
+      </a:lnRef>
+      <a:fillRef idx="1">
+        <a:scrgbClr r="0" g="0" b="0"/>
+      </a:fillRef>
+      <a:effectRef idx="0">
+        <a:scrgbClr r="0" g="0" b="0"/>
+      </a:effectRef>
+      <a:fontRef idx="minor"/>
+    </dgm:style>
+  </dgm:styleLbl>
+  <dgm:styleLbl name="alignAcc1">
+    <dgm:scene3d>
+      <a:camera prst="orthographicFront"/>
+      <a:lightRig rig="threePt" dir="t"/>
+    </dgm:scene3d>
+    <dgm:sp3d/>
+    <dgm:txPr/>
+    <dgm:style>
+      <a:lnRef idx="2">
+        <a:scrgbClr r="0" g="0" b="0"/>
+      </a:lnRef>
+      <a:fillRef idx="1">
+        <a:scrgbClr r="0" g="0" b="0"/>
+      </a:fillRef>
+      <a:effectRef idx="0">
+        <a:scrgbClr r="0" g="0" b="0"/>
+      </a:effectRef>
+      <a:fontRef idx="minor"/>
+    </dgm:style>
+  </dgm:styleLbl>
+  <dgm:styleLbl name="trAlignAcc1">
+    <dgm:scene3d>
+      <a:camera prst="orthographicFront"/>
+      <a:lightRig rig="threePt" dir="t"/>
+    </dgm:scene3d>
+    <dgm:sp3d/>
+    <dgm:txPr/>
+    <dgm:style>
+      <a:lnRef idx="1">
+        <a:scrgbClr r="0" g="0" b="0"/>
+      </a:lnRef>
+      <a:fillRef idx="1">
+        <a:scrgbClr r="0" g="0" b="0"/>
+      </a:fillRef>
+      <a:effectRef idx="0">
+        <a:scrgbClr r="0" g="0" b="0"/>
+      </a:effectRef>
+      <a:fontRef idx="minor"/>
+    </dgm:style>
+  </dgm:styleLbl>
+  <dgm:styleLbl name="bgAcc1">
+    <dgm:scene3d>
+      <a:camera prst="orthographicFront"/>
+      <a:lightRig rig="threePt" dir="t"/>
+    </dgm:scene3d>
+    <dgm:sp3d/>
+    <dgm:txPr/>
+    <dgm:style>
+      <a:lnRef idx="2">
+        <a:scrgbClr r="0" g="0" b="0"/>
+      </a:lnRef>
+      <a:fillRef idx="1">
+        <a:scrgbClr r="0" g="0" b="0"/>
+      </a:fillRef>
+      <a:effectRef idx="0">
+        <a:scrgbClr r="0" g="0" b="0"/>
+      </a:effectRef>
+      <a:fontRef idx="minor"/>
+    </dgm:style>
+  </dgm:styleLbl>
+  <dgm:styleLbl name="solidFgAcc1">
+    <dgm:scene3d>
+      <a:camera prst="orthographicFront"/>
+      <a:lightRig rig="threePt" dir="t"/>
+    </dgm:scene3d>
+    <dgm:sp3d/>
+    <dgm:txPr/>
+    <dgm:style>
+      <a:lnRef idx="2">
+        <a:scrgbClr r="0" g="0" b="0"/>
+      </a:lnRef>
+      <a:fillRef idx="1">
+        <a:scrgbClr r="0" g="0" b="0"/>
+      </a:fillRef>
+      <a:effectRef idx="0">
+        <a:scrgbClr r="0" g="0" b="0"/>
+      </a:effectRef>
+      <a:fontRef idx="minor"/>
+    </dgm:style>
+  </dgm:styleLbl>
+  <dgm:styleLbl name="solidAlignAcc1">
+    <dgm:scene3d>
+      <a:camera prst="orthographicFront"/>
+      <a:lightRig rig="threePt" dir="t"/>
+    </dgm:scene3d>
+    <dgm:sp3d/>
+    <dgm:txPr/>
+    <dgm:style>
+      <a:lnRef idx="2">
+        <a:scrgbClr r="0" g="0" b="0"/>
+      </a:lnRef>
+      <a:fillRef idx="1">
+        <a:scrgbClr r="0" g="0" b="0"/>
+      </a:fillRef>
+      <a:effectRef idx="0">
+        <a:scrgbClr r="0" g="0" b="0"/>
+      </a:effectRef>
+      <a:fontRef idx="minor"/>
+    </dgm:style>
+  </dgm:styleLbl>
+  <dgm:styleLbl name="solidBgAcc1">
+    <dgm:scene3d>
+      <a:camera prst="orthographicFront"/>
+      <a:lightRig rig="threePt" dir="t"/>
+    </dgm:scene3d>
+    <dgm:sp3d/>
+    <dgm:txPr/>
+    <dgm:style>
+      <a:lnRef idx="2">
+        <a:scrgbClr r="0" g="0" b="0"/>
+      </a:lnRef>
+      <a:fillRef idx="1">
+        <a:scrgbClr r="0" g="0" b="0"/>
+      </a:fillRef>
+      <a:effectRef idx="0">
+        <a:scrgbClr r="0" g="0" b="0"/>
+      </a:effectRef>
+      <a:fontRef idx="minor"/>
+    </dgm:style>
+  </dgm:styleLbl>
+  <dgm:styleLbl name="fgAccFollowNode1">
+    <dgm:scene3d>
+      <a:camera prst="orthographicFront"/>
+      <a:lightRig rig="threePt" dir="t"/>
+    </dgm:scene3d>
+    <dgm:sp3d/>
+    <dgm:txPr/>
+    <dgm:style>
+      <a:lnRef idx="2">
+        <a:scrgbClr r="0" g="0" b="0"/>
+      </a:lnRef>
+      <a:fillRef idx="1">
+        <a:scrgbClr r="0" g="0" b="0"/>
+      </a:fillRef>
+      <a:effectRef idx="0">
+        <a:scrgbClr r="0" g="0" b="0"/>
+      </a:effectRef>
+      <a:fontRef idx="minor"/>
+    </dgm:style>
+  </dgm:styleLbl>
+  <dgm:styleLbl name="alignAccFollowNode1">
+    <dgm:scene3d>
+      <a:camera prst="orthographicFront"/>
+      <a:lightRig rig="threePt" dir="t"/>
+    </dgm:scene3d>
+    <dgm:sp3d/>
+    <dgm:txPr/>
+    <dgm:style>
+      <a:lnRef idx="2">
+        <a:scrgbClr r="0" g="0" b="0"/>
+      </a:lnRef>
+      <a:fillRef idx="1">
+        <a:scrgbClr r="0" g="0" b="0"/>
+      </a:fillRef>
+      <a:effectRef idx="0">
+        <a:scrgbClr r="0" g="0" b="0"/>
+      </a:effectRef>
+      <a:fontRef idx="minor"/>
+    </dgm:style>
+  </dgm:styleLbl>
+  <dgm:styleLbl name="bgAccFollowNode1">
+    <dgm:scene3d>
+      <a:camera prst="orthographicFront"/>
+      <a:lightRig rig="threePt" dir="t"/>
+    </dgm:scene3d>
+    <dgm:sp3d/>
+    <dgm:txPr/>
+    <dgm:style>
+      <a:lnRef idx="2">
+        <a:scrgbClr r="0" g="0" b="0"/>
+      </a:lnRef>
+      <a:fillRef idx="1">
+        <a:scrgbClr r="0" g="0" b="0"/>
+      </a:fillRef>
+      <a:effectRef idx="0">
+        <a:scrgbClr r="0" g="0" b="0"/>
+      </a:effectRef>
+      <a:fontRef idx="minor"/>
+    </dgm:style>
+  </dgm:styleLbl>
+  <dgm:styleLbl name="fgAcc0">
+    <dgm:scene3d>
+      <a:camera prst="orthographicFront"/>
+      <a:lightRig rig="threePt" dir="t"/>
+    </dgm:scene3d>
+    <dgm:sp3d/>
+    <dgm:txPr/>
+    <dgm:style>
+      <a:lnRef idx="2">
+        <a:scrgbClr r="0" g="0" b="0"/>
+      </a:lnRef>
+      <a:fillRef idx="1">
+        <a:scrgbClr r="0" g="0" b="0"/>
+      </a:fillRef>
+      <a:effectRef idx="0">
+        <a:scrgbClr r="0" g="0" b="0"/>
+      </a:effectRef>
+      <a:fontRef idx="minor"/>
+    </dgm:style>
+  </dgm:styleLbl>
+  <dgm:styleLbl name="fgAcc2">
+    <dgm:scene3d>
+      <a:camera prst="orthographicFront"/>
+      <a:lightRig rig="threePt" dir="t"/>
+    </dgm:scene3d>
+    <dgm:sp3d/>
+    <dgm:txPr/>
+    <dgm:style>
+      <a:lnRef idx="2">
+        <a:scrgbClr r="0" g="0" b="0"/>
+      </a:lnRef>
+      <a:fillRef idx="1">
+        <a:scrgbClr r="0" g="0" b="0"/>
+      </a:fillRef>
+      <a:effectRef idx="0">
+        <a:scrgbClr r="0" g="0" b="0"/>
+      </a:effectRef>
+      <a:fontRef idx="minor"/>
+    </dgm:style>
+  </dgm:styleLbl>
+  <dgm:styleLbl name="fgAcc3">
+    <dgm:scene3d>
+      <a:camera prst="orthographicFront"/>
+      <a:lightRig rig="threePt" dir="t"/>
+    </dgm:scene3d>
+    <dgm:sp3d/>
+    <dgm:txPr/>
+    <dgm:style>
+      <a:lnRef idx="2">
+        <a:scrgbClr r="0" g="0" b="0"/>
+      </a:lnRef>
+      <a:fillRef idx="1">
+        <a:scrgbClr r="0" g="0" b="0"/>
+      </a:fillRef>
+      <a:effectRef idx="0">
+        <a:scrgbClr r="0" g="0" b="0"/>
+      </a:effectRef>
+      <a:fontRef idx="minor"/>
+    </dgm:style>
+  </dgm:styleLbl>
+  <dgm:styleLbl name="fgAcc4">
+    <dgm:scene3d>
+      <a:camera prst="orthographicFront"/>
+      <a:lightRig rig="threePt" dir="t"/>
+    </dgm:scene3d>
+    <dgm:sp3d/>
+    <dgm:txPr/>
+    <dgm:style>
+      <a:lnRef idx="2">
+        <a:scrgbClr r="0" g="0" b="0"/>
+      </a:lnRef>
+      <a:fillRef idx="1">
+        <a:scrgbClr r="0" g="0" b="0"/>
+      </a:fillRef>
+      <a:effectRef idx="0">
+        <a:scrgbClr r="0" g="0" b="0"/>
+      </a:effectRef>
+      <a:fontRef idx="minor"/>
+    </dgm:style>
+  </dgm:styleLbl>
+  <dgm:styleLbl name="bgShp">
+    <dgm:scene3d>
+      <a:camera prst="orthographicFront"/>
+      <a:lightRig rig="threePt" dir="t"/>
+    </dgm:scene3d>
+    <dgm:sp3d/>
+    <dgm:txPr/>
+    <dgm:style>
+      <a:lnRef idx="0">
+        <a:scrgbClr r="0" g="0" b="0"/>
+      </a:lnRef>
+      <a:fillRef idx="1">
+        <a:scrgbClr r="0" g="0" b="0"/>
+      </a:fillRef>
+      <a:effectRef idx="0">
+        <a:scrgbClr r="0" g="0" b="0"/>
+      </a:effectRef>
+      <a:fontRef idx="minor"/>
+    </dgm:style>
+  </dgm:styleLbl>
+  <dgm:styleLbl name="dkBgShp">
+    <dgm:scene3d>
+      <a:camera prst="orthographicFront"/>
+      <a:lightRig rig="threePt" dir="t"/>
+    </dgm:scene3d>
+    <dgm:sp3d/>
+    <dgm:txPr/>
+    <dgm:style>
+      <a:lnRef idx="0">
+        <a:scrgbClr r="0" g="0" b="0"/>
+      </a:lnRef>
+      <a:fillRef idx="1">
+        <a:scrgbClr r="0" g="0" b="0"/>
+      </a:fillRef>
+      <a:effectRef idx="0">
+        <a:scrgbClr r="0" g="0" b="0"/>
+      </a:effectRef>
+      <a:fontRef idx="minor"/>
+    </dgm:style>
+  </dgm:styleLbl>
+  <dgm:styleLbl name="trBgShp">
+    <dgm:scene3d>
+      <a:camera prst="orthographicFront"/>
+      <a:lightRig rig="threePt" dir="t"/>
+    </dgm:scene3d>
+    <dgm:sp3d/>
+    <dgm:txPr/>
+    <dgm:style>
+      <a:lnRef idx="0">
+        <a:scrgbClr r="0" g="0" b="0"/>
+      </a:lnRef>
+      <a:fillRef idx="1">
+        <a:scrgbClr r="0" g="0" b="0"/>
+      </a:fillRef>
+      <a:effectRef idx="0">
+        <a:scrgbClr r="0" g="0" b="0"/>
+      </a:effectRef>
+      <a:fontRef idx="minor"/>
+    </dgm:style>
+  </dgm:styleLbl>
+  <dgm:styleLbl name="fgShp">
+    <dgm:scene3d>
+      <a:camera prst="orthographicFront"/>
+      <a:lightRig rig="threePt" dir="t"/>
+    </dgm:scene3d>
+    <dgm:sp3d/>
+    <dgm:txPr/>
+    <dgm:style>
+      <a:lnRef idx="2">
+        <a:scrgbClr r="0" g="0" b="0"/>
+      </a:lnRef>
+      <a:fillRef idx="1">
+        <a:scrgbClr r="0" g="0" b="0"/>
+      </a:fillRef>
+      <a:effectRef idx="0">
+        <a:scrgbClr r="0" g="0" b="0"/>
+      </a:effectRef>
+      <a:fontRef idx="minor"/>
+    </dgm:style>
+  </dgm:styleLbl>
+  <dgm:styleLbl name="revTx">
+    <dgm:scene3d>
+      <a:camera prst="orthographicFront"/>
+      <a:lightRig rig="threePt" dir="t"/>
+    </dgm:scene3d>
+    <dgm:sp3d/>
+    <dgm:txPr/>
+    <dgm:style>
+      <a:lnRef idx="0">
+        <a:scrgbClr r="0" g="0" b="0"/>
+      </a:lnRef>
+      <a:fillRef idx="0">
+        <a:scrgbClr r="0" g="0" b="0"/>
+      </a:fillRef>
+      <a:effectRef idx="0">
+        <a:scrgbClr r="0" g="0" b="0"/>
+      </a:effectRef>
+      <a:fontRef idx="minor"/>
+    </dgm:style>
+  </dgm:styleLbl>
+</dgm:styleDef>
+</file>
+
 <file path=ppt/handoutMasters/handoutMaster1.xml><?xml version="1.0" encoding="utf-8"?>
 <p:handoutMaster xmlns:a="http://schemas.openxmlformats.org/drawingml/2006/main" xmlns:r="http://schemas.openxmlformats.org/officeDocument/2006/relationships" xmlns:p="http://schemas.openxmlformats.org/presentationml/2006/main">
   <p:cSld>
@@ -862,7 +5090,7 @@
           <a:p>
             <a:fld id="{72841C41-988A-40D2-BD42-D850E09ED2B7}" type="slidenum">
               <a:rPr lang="de-DE" smtClean="0"/>
-              <a:t>16</a:t>
+              <a:t>19</a:t>
             </a:fld>
             <a:endParaRPr lang="de-DE"/>
           </a:p>
@@ -946,7 +5174,7 @@
           <a:p>
             <a:fld id="{72841C41-988A-40D2-BD42-D850E09ED2B7}" type="slidenum">
               <a:rPr lang="de-DE" smtClean="0"/>
-              <a:t>32</a:t>
+              <a:t>35</a:t>
             </a:fld>
             <a:endParaRPr lang="de-DE"/>
           </a:p>
@@ -5463,13 +9691,24 @@
           <a:p>
             <a:r>
               <a:rPr lang="de-DE" dirty="0" smtClean="0"/>
-              <a:t>Verbindung von Oberfläche mit Datenbank</a:t>
-            </a:r>
+              <a:t>Verbindung von </a:t>
+            </a:r>
+            <a:r>
+              <a:rPr lang="de-DE" dirty="0" smtClean="0"/>
+              <a:t>View und Model</a:t>
+            </a:r>
+            <a:endParaRPr lang="de-DE" dirty="0" smtClean="0"/>
           </a:p>
           <a:p>
             <a:r>
               <a:rPr lang="de-DE" dirty="0" smtClean="0"/>
               <a:t>Verarbeitungslogik</a:t>
+            </a:r>
+          </a:p>
+          <a:p>
+            <a:r>
+              <a:rPr lang="de-DE" dirty="0" smtClean="0"/>
+              <a:t>Interaktion zwischen Controller</a:t>
             </a:r>
             <a:endParaRPr lang="de-DE" dirty="0"/>
           </a:p>
@@ -5485,6 +9724,13 @@
   <p:clrMapOvr>
     <a:masterClrMapping/>
   </p:clrMapOvr>
+  <p:timing>
+    <p:tnLst>
+      <p:par>
+        <p:cTn id="1" dur="indefinite" restart="never" nodeType="tmRoot"/>
+      </p:par>
+    </p:tnLst>
+  </p:timing>
 </p:sld>
 </file>
 
@@ -5924,6 +10170,23 @@
             </a:r>
             <a:endParaRPr lang="de-DE" dirty="0"/>
           </a:p>
+          <a:p>
+            <a:r>
+              <a:rPr lang="de-DE" dirty="0" smtClean="0"/>
+              <a:t>Schnittstelle zur Datenbank</a:t>
+            </a:r>
+          </a:p>
+          <a:p>
+            <a:r>
+              <a:rPr lang="de-DE" dirty="0" smtClean="0"/>
+              <a:t>SQL </a:t>
+            </a:r>
+            <a:r>
+              <a:rPr lang="de-DE" dirty="0" err="1" smtClean="0"/>
+              <a:t>Queries</a:t>
+            </a:r>
+            <a:endParaRPr lang="de-DE" dirty="0" smtClean="0"/>
+          </a:p>
         </p:txBody>
       </p:sp>
     </p:spTree>
@@ -5936,6 +10199,13 @@
   <p:clrMapOvr>
     <a:masterClrMapping/>
   </p:clrMapOvr>
+  <p:timing>
+    <p:tnLst>
+      <p:par>
+        <p:cTn id="1" dur="indefinite" restart="never" nodeType="tmRoot"/>
+      </p:par>
+    </p:tnLst>
+  </p:timing>
 </p:sld>
 </file>
 
@@ -6173,7 +10443,17 @@
           <a:p>
             <a:r>
               <a:rPr lang="de-DE" dirty="0" smtClean="0"/>
-              <a:t>Aufwand bei Programmierung reduziert</a:t>
+              <a:t>Aufwand bei Programmierung </a:t>
+            </a:r>
+            <a:r>
+              <a:rPr lang="de-DE" dirty="0" smtClean="0"/>
+              <a:t>reduziert</a:t>
+            </a:r>
+          </a:p>
+          <a:p>
+            <a:r>
+              <a:rPr lang="de-DE" dirty="0" smtClean="0"/>
+              <a:t>Interaktion zwischen Schichten sowie zwischen Controllern</a:t>
             </a:r>
             <a:endParaRPr lang="de-DE" dirty="0"/>
           </a:p>
@@ -6189,6 +10469,13 @@
   <p:clrMapOvr>
     <a:masterClrMapping/>
   </p:clrMapOvr>
+  <p:timing>
+    <p:tnLst>
+      <p:par>
+        <p:cTn id="1" dur="indefinite" restart="never" nodeType="tmRoot"/>
+      </p:par>
+    </p:tnLst>
+  </p:timing>
 </p:sld>
 </file>
 
@@ -6242,6 +10529,13 @@
   <p:clrMapOvr>
     <a:masterClrMapping/>
   </p:clrMapOvr>
+  <p:timing>
+    <p:tnLst>
+      <p:par>
+        <p:cTn id="1" dur="indefinite" restart="never" nodeType="tmRoot"/>
+      </p:par>
+    </p:tnLst>
+  </p:timing>
 </p:sld>
 </file>
 
@@ -6278,326 +10572,30 @@
           <a:lstStyle/>
           <a:p>
             <a:r>
-              <a:rPr lang="de-DE" dirty="0" err="1" smtClean="0"/>
-              <a:t>Lessons</a:t>
-            </a:r>
-            <a:r>
               <a:rPr lang="de-DE" dirty="0" smtClean="0"/>
-              <a:t> </a:t>
-            </a:r>
-            <a:r>
-              <a:rPr lang="de-DE" dirty="0" err="1" smtClean="0"/>
-              <a:t>learned</a:t>
+              <a:t>Live Demo</a:t>
             </a:r>
             <a:endParaRPr lang="de-DE" dirty="0"/>
-          </a:p>
-        </p:txBody>
-      </p:sp>
-      <p:sp>
-        <p:nvSpPr>
-          <p:cNvPr id="4" name="Inhaltsplatzhalter 2"/>
-          <p:cNvSpPr txBox="1">
-            <a:spLocks/>
-          </p:cNvSpPr>
-          <p:nvPr/>
-        </p:nvSpPr>
-        <p:spPr>
-          <a:xfrm>
-            <a:off x="457200" y="2249424"/>
-            <a:ext cx="8229600" cy="4325112"/>
-          </a:xfrm>
-          <a:prstGeom prst="rect">
-            <a:avLst/>
-          </a:prstGeom>
-        </p:spPr>
-        <p:txBody>
-          <a:bodyPr>
-            <a:normAutofit fontScale="70000" lnSpcReduction="20000"/>
-          </a:bodyPr>
-          <a:lstStyle>
-            <a:lvl1pPr marL="365760" indent="-256032" algn="l" rtl="0" eaLnBrk="1" latinLnBrk="0" hangingPunct="1">
-              <a:spcBef>
-                <a:spcPts val="300"/>
-              </a:spcBef>
-              <a:buClr>
-                <a:schemeClr val="accent3"/>
-              </a:buClr>
-              <a:buFont typeface="Georgia"/>
-              <a:buChar char="•"/>
-              <a:defRPr kumimoji="0" sz="2800" kern="1200">
-                <a:solidFill>
-                  <a:schemeClr val="tx1"/>
-                </a:solidFill>
-                <a:latin typeface="+mn-lt"/>
-                <a:ea typeface="+mn-ea"/>
-                <a:cs typeface="+mn-cs"/>
-              </a:defRPr>
-            </a:lvl1pPr>
-            <a:lvl2pPr marL="658368" indent="-246888" algn="l" rtl="0" eaLnBrk="1" latinLnBrk="0" hangingPunct="1">
-              <a:spcBef>
-                <a:spcPts val="300"/>
-              </a:spcBef>
-              <a:buClr>
-                <a:schemeClr val="accent2"/>
-              </a:buClr>
-              <a:buFont typeface="Georgia"/>
-              <a:buChar char="▫"/>
-              <a:defRPr kumimoji="0" sz="2600" kern="1200">
-                <a:solidFill>
-                  <a:schemeClr val="accent2"/>
-                </a:solidFill>
-                <a:latin typeface="+mn-lt"/>
-                <a:ea typeface="+mn-ea"/>
-                <a:cs typeface="+mn-cs"/>
-              </a:defRPr>
-            </a:lvl2pPr>
-            <a:lvl3pPr marL="923544" indent="-219456" algn="l" rtl="0" eaLnBrk="1" latinLnBrk="0" hangingPunct="1">
-              <a:spcBef>
-                <a:spcPts val="300"/>
-              </a:spcBef>
-              <a:buClr>
-                <a:schemeClr val="accent1"/>
-              </a:buClr>
-              <a:buFont typeface="Wingdings 2"/>
-              <a:buChar char=""/>
-              <a:defRPr kumimoji="0" sz="2400" kern="1200">
-                <a:solidFill>
-                  <a:schemeClr val="accent1"/>
-                </a:solidFill>
-                <a:latin typeface="+mn-lt"/>
-                <a:ea typeface="+mn-ea"/>
-                <a:cs typeface="+mn-cs"/>
-              </a:defRPr>
-            </a:lvl3pPr>
-            <a:lvl4pPr marL="1179576" indent="-201168" algn="l" rtl="0" eaLnBrk="1" latinLnBrk="0" hangingPunct="1">
-              <a:spcBef>
-                <a:spcPts val="300"/>
-              </a:spcBef>
-              <a:buClr>
-                <a:schemeClr val="accent1"/>
-              </a:buClr>
-              <a:buFont typeface="Wingdings 2"/>
-              <a:buChar char=""/>
-              <a:defRPr kumimoji="0" sz="2200" kern="1200">
-                <a:solidFill>
-                  <a:schemeClr val="accent1"/>
-                </a:solidFill>
-                <a:latin typeface="+mn-lt"/>
-                <a:ea typeface="+mn-ea"/>
-                <a:cs typeface="+mn-cs"/>
-              </a:defRPr>
-            </a:lvl4pPr>
-            <a:lvl5pPr marL="1389888" indent="-182880" algn="l" rtl="0" eaLnBrk="1" latinLnBrk="0" hangingPunct="1">
-              <a:spcBef>
-                <a:spcPts val="300"/>
-              </a:spcBef>
-              <a:buClr>
-                <a:schemeClr val="accent3"/>
-              </a:buClr>
-              <a:buFont typeface="Georgia"/>
-              <a:buChar char="▫"/>
-              <a:defRPr kumimoji="0" sz="2000" kern="1200">
-                <a:solidFill>
-                  <a:schemeClr val="accent3"/>
-                </a:solidFill>
-                <a:latin typeface="+mn-lt"/>
-                <a:ea typeface="+mn-ea"/>
-                <a:cs typeface="+mn-cs"/>
-              </a:defRPr>
-            </a:lvl5pPr>
-            <a:lvl6pPr marL="1609344" indent="-182880" algn="l" rtl="0" eaLnBrk="1" latinLnBrk="0" hangingPunct="1">
-              <a:spcBef>
-                <a:spcPts val="300"/>
-              </a:spcBef>
-              <a:buClr>
-                <a:schemeClr val="accent3"/>
-              </a:buClr>
-              <a:buFont typeface="Georgia"/>
-              <a:buChar char="▫"/>
-              <a:defRPr kumimoji="0" sz="1800" kern="1200">
-                <a:solidFill>
-                  <a:schemeClr val="accent3"/>
-                </a:solidFill>
-                <a:latin typeface="+mn-lt"/>
-                <a:ea typeface="+mn-ea"/>
-                <a:cs typeface="+mn-cs"/>
-              </a:defRPr>
-            </a:lvl6pPr>
-            <a:lvl7pPr marL="1828800" indent="-182880" algn="l" rtl="0" eaLnBrk="1" latinLnBrk="0" hangingPunct="1">
-              <a:spcBef>
-                <a:spcPts val="300"/>
-              </a:spcBef>
-              <a:buClr>
-                <a:schemeClr val="accent3"/>
-              </a:buClr>
-              <a:buFont typeface="Georgia"/>
-              <a:buChar char="▫"/>
-              <a:defRPr kumimoji="0" sz="1600" kern="1200">
-                <a:solidFill>
-                  <a:schemeClr val="accent3"/>
-                </a:solidFill>
-                <a:latin typeface="+mn-lt"/>
-                <a:ea typeface="+mn-ea"/>
-                <a:cs typeface="+mn-cs"/>
-              </a:defRPr>
-            </a:lvl7pPr>
-            <a:lvl8pPr marL="2029968" indent="-182880" algn="l" rtl="0" eaLnBrk="1" latinLnBrk="0" hangingPunct="1">
-              <a:spcBef>
-                <a:spcPts val="300"/>
-              </a:spcBef>
-              <a:buClr>
-                <a:schemeClr val="accent3"/>
-              </a:buClr>
-              <a:buFont typeface="Georgia"/>
-              <a:buChar char="◦"/>
-              <a:defRPr kumimoji="0" sz="1500" kern="1200">
-                <a:solidFill>
-                  <a:schemeClr val="accent3"/>
-                </a:solidFill>
-                <a:latin typeface="+mn-lt"/>
-                <a:ea typeface="+mn-ea"/>
-                <a:cs typeface="+mn-cs"/>
-              </a:defRPr>
-            </a:lvl8pPr>
-            <a:lvl9pPr marL="2240280" indent="-182880" algn="l" rtl="0" eaLnBrk="1" latinLnBrk="0" hangingPunct="1">
-              <a:spcBef>
-                <a:spcPts val="300"/>
-              </a:spcBef>
-              <a:buClr>
-                <a:schemeClr val="accent3"/>
-              </a:buClr>
-              <a:buFont typeface="Georgia"/>
-              <a:buChar char="◦"/>
-              <a:defRPr kumimoji="0" sz="1400" kern="1200" baseline="0">
-                <a:solidFill>
-                  <a:schemeClr val="accent3"/>
-                </a:solidFill>
-                <a:latin typeface="+mn-lt"/>
-                <a:ea typeface="+mn-ea"/>
-                <a:cs typeface="+mn-cs"/>
-              </a:defRPr>
-            </a:lvl9pPr>
-          </a:lstStyle>
-          <a:p>
-            <a:r>
-              <a:rPr lang="de-DE" dirty="0" smtClean="0"/>
-              <a:t>Papierprototypen </a:t>
-            </a:r>
-            <a:r>
-              <a:rPr lang="de-DE" dirty="0" smtClean="0">
-                <a:sym typeface="Wingdings" panose="05000000000000000000" pitchFamily="2" charset="2"/>
-              </a:rPr>
-              <a:t> GUI-Designer</a:t>
-            </a:r>
-            <a:endParaRPr lang="de-DE" dirty="0" smtClean="0"/>
-          </a:p>
-          <a:p>
-            <a:r>
-              <a:rPr lang="de-DE" dirty="0" smtClean="0"/>
-              <a:t>Modelle vollständig fertigstellen, bevor aufbauendende Schritte begonnen werden</a:t>
-            </a:r>
-          </a:p>
-          <a:p>
-            <a:pPr lvl="1"/>
-            <a:r>
-              <a:rPr lang="de-DE" dirty="0" smtClean="0">
-                <a:sym typeface="Wingdings" panose="05000000000000000000" pitchFamily="2" charset="2"/>
-              </a:rPr>
-              <a:t>Vermeidet Redundanz und somit Änderungsaufwand</a:t>
-            </a:r>
-            <a:endParaRPr lang="de-DE" dirty="0" smtClean="0"/>
-          </a:p>
-          <a:p>
-            <a:r>
-              <a:rPr lang="de-DE" dirty="0" smtClean="0"/>
-              <a:t>Oberflächenelemente eindeutig festlegen</a:t>
-            </a:r>
-          </a:p>
-          <a:p>
-            <a:r>
-              <a:rPr lang="de-DE" dirty="0" smtClean="0"/>
-              <a:t>Schnittstellen definieren (View – Controller – Model)</a:t>
-            </a:r>
-          </a:p>
-          <a:p>
-            <a:r>
-              <a:rPr lang="de-DE" dirty="0" smtClean="0"/>
-              <a:t>Klare Strukturen </a:t>
-            </a:r>
-            <a:r>
-              <a:rPr lang="de-DE" dirty="0" smtClean="0">
-                <a:sym typeface="Wingdings" panose="05000000000000000000" pitchFamily="2" charset="2"/>
-              </a:rPr>
-              <a:t> Architektur-Modell</a:t>
-            </a:r>
-          </a:p>
-          <a:p>
-            <a:r>
-              <a:rPr lang="de-DE" dirty="0" smtClean="0">
-                <a:sym typeface="Wingdings" panose="05000000000000000000" pitchFamily="2" charset="2"/>
-              </a:rPr>
-              <a:t>Modelle</a:t>
-            </a:r>
-          </a:p>
-          <a:p>
-            <a:pPr lvl="1"/>
-            <a:r>
-              <a:rPr lang="de-DE" dirty="0" smtClean="0">
-                <a:sym typeface="Wingdings" panose="05000000000000000000" pitchFamily="2" charset="2"/>
-              </a:rPr>
-              <a:t>Hilfreich</a:t>
-            </a:r>
-          </a:p>
-          <a:p>
-            <a:pPr lvl="1"/>
-            <a:r>
-              <a:rPr lang="de-DE" dirty="0" smtClean="0">
-                <a:sym typeface="Wingdings" panose="05000000000000000000" pitchFamily="2" charset="2"/>
-              </a:rPr>
-              <a:t>Nicht alles kann vollständig erfasst werden</a:t>
-            </a:r>
-          </a:p>
-          <a:p>
-            <a:pPr lvl="1"/>
-            <a:r>
-              <a:rPr lang="de-DE" dirty="0" smtClean="0">
-                <a:sym typeface="Wingdings" panose="05000000000000000000" pitchFamily="2" charset="2"/>
-              </a:rPr>
-              <a:t>Aufwand bei Modellierung spart später Programmieraufwand</a:t>
-            </a:r>
-          </a:p>
-          <a:p>
-            <a:r>
-              <a:rPr lang="de-DE" dirty="0" smtClean="0"/>
-              <a:t>Falsche Annahmen aus Kundenanforderungen können Konzept komplett in Frage stellen</a:t>
-            </a:r>
-          </a:p>
-          <a:p>
-            <a:pPr lvl="1"/>
-            <a:r>
-              <a:rPr lang="de-DE" dirty="0" smtClean="0"/>
-              <a:t>z.B. verschiedene Arten anlegen</a:t>
-            </a:r>
-          </a:p>
-          <a:p>
-            <a:pPr lvl="1"/>
-            <a:r>
-              <a:rPr lang="de-DE" dirty="0" smtClean="0"/>
-              <a:t>Anforderungen hinterfragen</a:t>
-            </a:r>
           </a:p>
         </p:txBody>
       </p:sp>
     </p:spTree>
     <p:extLst>
       <p:ext uri="{BB962C8B-B14F-4D97-AF65-F5344CB8AC3E}">
-        <p14:creationId xmlns:p14="http://schemas.microsoft.com/office/powerpoint/2010/main" val="3771086656"/>
+        <p14:creationId xmlns:p14="http://schemas.microsoft.com/office/powerpoint/2010/main" val="3414407465"/>
       </p:ext>
     </p:extLst>
   </p:cSld>
   <p:clrMapOvr>
     <a:masterClrMapping/>
   </p:clrMapOvr>
+  <p:timing>
+    <p:tnLst>
+      <p:par>
+        <p:cTn id="1" dur="indefinite" restart="never" nodeType="tmRoot"/>
+      </p:par>
+    </p:tnLst>
+  </p:timing>
 </p:sld>
 </file>
 
@@ -6634,8 +10632,16 @@
           <a:lstStyle/>
           <a:p>
             <a:r>
+              <a:rPr lang="de-DE" dirty="0" err="1" smtClean="0"/>
+              <a:t>Lessons</a:t>
+            </a:r>
+            <a:r>
               <a:rPr lang="de-DE" dirty="0" smtClean="0"/>
-              <a:t>Abgabedokumente</a:t>
+              <a:t> </a:t>
+            </a:r>
+            <a:r>
+              <a:rPr lang="de-DE" dirty="0" err="1" smtClean="0"/>
+              <a:t>learned</a:t>
             </a:r>
             <a:endParaRPr lang="de-DE" dirty="0"/>
           </a:p>
@@ -6643,7 +10649,7 @@
       </p:sp>
       <p:sp>
         <p:nvSpPr>
-          <p:cNvPr id="3" name="Inhaltsplatzhalter 2"/>
+          <p:cNvPr id="4" name="Inhaltsplatzhalter 2"/>
           <p:cNvSpPr txBox="1">
             <a:spLocks/>
           </p:cNvSpPr>
@@ -6829,60 +10835,46 @@
           <a:p>
             <a:r>
               <a:rPr lang="de-DE" dirty="0" smtClean="0"/>
-              <a:t>Style Guide</a:t>
-            </a:r>
+              <a:t>Papierprototypen </a:t>
+            </a:r>
+            <a:r>
+              <a:rPr lang="de-DE" dirty="0" smtClean="0">
+                <a:sym typeface="Wingdings" panose="05000000000000000000" pitchFamily="2" charset="2"/>
+              </a:rPr>
+              <a:t> GUI-Designer</a:t>
+            </a:r>
+            <a:endParaRPr lang="de-DE" dirty="0" smtClean="0"/>
           </a:p>
           <a:p>
             <a:r>
               <a:rPr lang="de-DE" dirty="0" smtClean="0"/>
-              <a:t>Installationsanleitung</a:t>
-            </a:r>
+              <a:t>Modelle vollständig fertigstellen, bevor aufbauendende Schritte begonnen werden</a:t>
+            </a:r>
+          </a:p>
+          <a:p>
+            <a:pPr lvl="1"/>
+            <a:r>
+              <a:rPr lang="de-DE" dirty="0" smtClean="0">
+                <a:sym typeface="Wingdings" panose="05000000000000000000" pitchFamily="2" charset="2"/>
+              </a:rPr>
+              <a:t>Vermeidet Redundanz und somit Änderungsaufwand</a:t>
+            </a:r>
+            <a:endParaRPr lang="de-DE" dirty="0" smtClean="0"/>
           </a:p>
           <a:p>
             <a:r>
               <a:rPr lang="de-DE" dirty="0" smtClean="0"/>
-              <a:t>Modelle</a:t>
-            </a:r>
-          </a:p>
-          <a:p>
-            <a:pPr lvl="1"/>
+              <a:t>Oberflächenelemente eindeutig festlegen</a:t>
+            </a:r>
+          </a:p>
+          <a:p>
             <a:r>
               <a:rPr lang="de-DE" dirty="0" smtClean="0"/>
-              <a:t>GUI / View</a:t>
-            </a:r>
-          </a:p>
-          <a:p>
-            <a:pPr lvl="1"/>
+              <a:t>Schnittstellen definieren (View – Controller – Model</a:t>
+            </a:r>
             <a:r>
               <a:rPr lang="de-DE" dirty="0" smtClean="0"/>
-              <a:t>Controller</a:t>
-            </a:r>
-          </a:p>
-          <a:p>
-            <a:pPr lvl="1"/>
-            <a:r>
-              <a:rPr lang="de-DE" dirty="0" smtClean="0"/>
-              <a:t>Model</a:t>
-            </a:r>
-          </a:p>
-          <a:p>
-            <a:pPr lvl="1"/>
-            <a:r>
-              <a:rPr lang="de-DE" dirty="0" smtClean="0"/>
-              <a:t>Architektur</a:t>
-            </a:r>
-            <a:endParaRPr lang="de-DE" dirty="0"/>
-          </a:p>
-          <a:p>
-            <a:r>
-              <a:rPr lang="de-DE" dirty="0" smtClean="0"/>
-              <a:t>Rollen und Rechte</a:t>
-            </a:r>
-          </a:p>
-          <a:p>
-            <a:r>
-              <a:rPr lang="de-DE" dirty="0" err="1" smtClean="0"/>
-              <a:t>JavaDoc</a:t>
+              <a:t>)</a:t>
             </a:r>
             <a:endParaRPr lang="de-DE" dirty="0" smtClean="0"/>
           </a:p>
@@ -6891,13 +10883,20 @@
     </p:spTree>
     <p:extLst>
       <p:ext uri="{BB962C8B-B14F-4D97-AF65-F5344CB8AC3E}">
-        <p14:creationId xmlns:p14="http://schemas.microsoft.com/office/powerpoint/2010/main" val="215732145"/>
+        <p14:creationId xmlns:p14="http://schemas.microsoft.com/office/powerpoint/2010/main" val="3771086656"/>
       </p:ext>
     </p:extLst>
   </p:cSld>
   <p:clrMapOvr>
     <a:masterClrMapping/>
   </p:clrMapOvr>
+  <p:timing>
+    <p:tnLst>
+      <p:par>
+        <p:cTn id="1" dur="indefinite" restart="never" nodeType="tmRoot"/>
+      </p:par>
+    </p:tnLst>
+  </p:timing>
 </p:sld>
 </file>
 
@@ -6928,1467 +10927,30 @@
             <p:ph type="title"/>
           </p:nvPr>
         </p:nvSpPr>
-        <p:spPr>
-          <a:xfrm>
-            <a:off x="457200" y="1143000"/>
-            <a:ext cx="8229600" cy="3510136"/>
-          </a:xfrm>
-        </p:spPr>
-        <p:txBody>
-          <a:bodyPr>
-            <a:normAutofit/>
-          </a:bodyPr>
-          <a:lstStyle/>
-          <a:p>
-            <a:pPr algn="ctr"/>
-            <a:r>
-              <a:rPr lang="de-DE" dirty="0" smtClean="0"/>
-              <a:t>Vielen Dank für Ihre Aufmerksamkeit.</a:t>
-            </a:r>
-            <a:endParaRPr lang="de-DE" dirty="0"/>
-          </a:p>
-        </p:txBody>
-      </p:sp>
-    </p:spTree>
-    <p:extLst>
-      <p:ext uri="{BB962C8B-B14F-4D97-AF65-F5344CB8AC3E}">
-        <p14:creationId xmlns:p14="http://schemas.microsoft.com/office/powerpoint/2010/main" val="3080953501"/>
-      </p:ext>
-    </p:extLst>
-  </p:cSld>
-  <p:clrMapOvr>
-    <a:masterClrMapping/>
-  </p:clrMapOvr>
-</p:sld>
-</file>
-
-<file path=ppt/slides/slide17.xml><?xml version="1.0" encoding="utf-8"?>
-<p:sld xmlns:a="http://schemas.openxmlformats.org/drawingml/2006/main" xmlns:r="http://schemas.openxmlformats.org/officeDocument/2006/relationships" xmlns:p="http://schemas.openxmlformats.org/presentationml/2006/main">
-  <p:cSld>
-    <p:spTree>
-      <p:nvGrpSpPr>
-        <p:cNvPr id="1" name=""/>
-        <p:cNvGrpSpPr/>
-        <p:nvPr/>
-      </p:nvGrpSpPr>
-      <p:grpSpPr>
-        <a:xfrm>
-          <a:off x="0" y="0"/>
-          <a:ext cx="0" cy="0"/>
-          <a:chOff x="0" y="0"/>
-          <a:chExt cx="0" cy="0"/>
-        </a:xfrm>
-      </p:grpSpPr>
-      <p:sp>
-        <p:nvSpPr>
-          <p:cNvPr id="2" name="Titel 1"/>
-          <p:cNvSpPr>
-            <a:spLocks noGrp="1"/>
-          </p:cNvSpPr>
-          <p:nvPr>
-            <p:ph type="title"/>
-          </p:nvPr>
-        </p:nvSpPr>
         <p:spPr/>
         <p:txBody>
           <a:bodyPr/>
           <a:lstStyle/>
           <a:p>
             <a:r>
+              <a:rPr lang="de-DE" dirty="0" err="1" smtClean="0"/>
+              <a:t>Lessons</a:t>
+            </a:r>
+            <a:r>
               <a:rPr lang="de-DE" dirty="0" smtClean="0"/>
-              <a:t>BACKUP</a:t>
+              <a:t> </a:t>
+            </a:r>
+            <a:r>
+              <a:rPr lang="de-DE" dirty="0" err="1" smtClean="0"/>
+              <a:t>learned</a:t>
             </a:r>
             <a:endParaRPr lang="de-DE" dirty="0"/>
           </a:p>
         </p:txBody>
       </p:sp>
-    </p:spTree>
-    <p:extLst>
-      <p:ext uri="{BB962C8B-B14F-4D97-AF65-F5344CB8AC3E}">
-        <p14:creationId xmlns:p14="http://schemas.microsoft.com/office/powerpoint/2010/main" val="1555926251"/>
-      </p:ext>
-    </p:extLst>
-  </p:cSld>
-  <p:clrMapOvr>
-    <a:masterClrMapping/>
-  </p:clrMapOvr>
-</p:sld>
-</file>
-
-<file path=ppt/slides/slide18.xml><?xml version="1.0" encoding="utf-8"?>
-<p:sld xmlns:a="http://schemas.openxmlformats.org/drawingml/2006/main" xmlns:r="http://schemas.openxmlformats.org/officeDocument/2006/relationships" xmlns:p="http://schemas.openxmlformats.org/presentationml/2006/main">
-  <p:cSld>
-    <p:spTree>
-      <p:nvGrpSpPr>
-        <p:cNvPr id="1" name=""/>
-        <p:cNvGrpSpPr/>
-        <p:nvPr/>
-      </p:nvGrpSpPr>
-      <p:grpSpPr>
-        <a:xfrm>
-          <a:off x="0" y="0"/>
-          <a:ext cx="0" cy="0"/>
-          <a:chOff x="0" y="0"/>
-          <a:chExt cx="0" cy="0"/>
-        </a:xfrm>
-      </p:grpSpPr>
-      <p:sp>
-        <p:nvSpPr>
-          <p:cNvPr id="2" name="Titel 1"/>
-          <p:cNvSpPr>
-            <a:spLocks noGrp="1"/>
-          </p:cNvSpPr>
-          <p:nvPr>
-            <p:ph type="title"/>
-          </p:nvPr>
-        </p:nvSpPr>
-        <p:spPr/>
-        <p:txBody>
-          <a:bodyPr/>
-          <a:lstStyle/>
-          <a:p>
-            <a:r>
-              <a:rPr lang="de-DE" dirty="0" smtClean="0"/>
-              <a:t>Use Case „Login“</a:t>
-            </a:r>
-            <a:endParaRPr lang="de-DE" dirty="0"/>
-          </a:p>
-        </p:txBody>
-      </p:sp>
-      <p:sp>
-        <p:nvSpPr>
-          <p:cNvPr id="3" name="Inhaltsplatzhalter 2"/>
-          <p:cNvSpPr>
-            <a:spLocks noGrp="1"/>
-          </p:cNvSpPr>
-          <p:nvPr>
-            <p:ph idx="1"/>
-          </p:nvPr>
-        </p:nvSpPr>
-        <p:spPr/>
-        <p:txBody>
-          <a:bodyPr/>
-          <a:lstStyle/>
-          <a:p>
-            <a:r>
-              <a:rPr lang="de-DE" dirty="0" smtClean="0"/>
-              <a:t>Benutzername und Passwort müssen zur Authentifizierung eingegeben werden</a:t>
-            </a:r>
-          </a:p>
-          <a:p>
-            <a:r>
-              <a:rPr lang="de-DE" dirty="0" smtClean="0"/>
-              <a:t>Passwort muss in der Datenbank verschlüsselt abgelegt werden</a:t>
-            </a:r>
-            <a:endParaRPr lang="de-DE" dirty="0"/>
-          </a:p>
-        </p:txBody>
-      </p:sp>
-    </p:spTree>
-    <p:extLst>
-      <p:ext uri="{BB962C8B-B14F-4D97-AF65-F5344CB8AC3E}">
-        <p14:creationId xmlns:p14="http://schemas.microsoft.com/office/powerpoint/2010/main" val="511365991"/>
-      </p:ext>
-    </p:extLst>
-  </p:cSld>
-  <p:clrMapOvr>
-    <a:masterClrMapping/>
-  </p:clrMapOvr>
-  <p:timing>
-    <p:tnLst>
-      <p:par>
-        <p:cTn id="1" dur="indefinite" restart="never" nodeType="tmRoot"/>
-      </p:par>
-    </p:tnLst>
-  </p:timing>
-</p:sld>
-</file>
-
-<file path=ppt/slides/slide19.xml><?xml version="1.0" encoding="utf-8"?>
-<p:sld xmlns:a="http://schemas.openxmlformats.org/drawingml/2006/main" xmlns:r="http://schemas.openxmlformats.org/officeDocument/2006/relationships" xmlns:p="http://schemas.openxmlformats.org/presentationml/2006/main">
-  <p:cSld>
-    <p:spTree>
-      <p:nvGrpSpPr>
-        <p:cNvPr id="1" name=""/>
-        <p:cNvGrpSpPr/>
-        <p:nvPr/>
-      </p:nvGrpSpPr>
-      <p:grpSpPr>
-        <a:xfrm>
-          <a:off x="0" y="0"/>
-          <a:ext cx="0" cy="0"/>
-          <a:chOff x="0" y="0"/>
-          <a:chExt cx="0" cy="0"/>
-        </a:xfrm>
-      </p:grpSpPr>
-      <p:sp>
-        <p:nvSpPr>
-          <p:cNvPr id="2" name="Titel 1"/>
-          <p:cNvSpPr>
-            <a:spLocks noGrp="1"/>
-          </p:cNvSpPr>
-          <p:nvPr>
-            <p:ph type="title"/>
-          </p:nvPr>
-        </p:nvSpPr>
-        <p:spPr/>
-        <p:txBody>
-          <a:bodyPr/>
-          <a:lstStyle/>
-          <a:p>
-            <a:r>
-              <a:rPr lang="de-DE" dirty="0" smtClean="0"/>
-              <a:t>Use Case „Passwort“</a:t>
-            </a:r>
-            <a:endParaRPr lang="de-DE" dirty="0"/>
-          </a:p>
-        </p:txBody>
-      </p:sp>
-      <p:sp>
-        <p:nvSpPr>
-          <p:cNvPr id="3" name="Inhaltsplatzhalter 2"/>
-          <p:cNvSpPr>
-            <a:spLocks noGrp="1"/>
-          </p:cNvSpPr>
-          <p:nvPr>
-            <p:ph idx="1"/>
-          </p:nvPr>
-        </p:nvSpPr>
-        <p:spPr/>
-        <p:txBody>
-          <a:bodyPr/>
-          <a:lstStyle/>
-          <a:p>
-            <a:r>
-              <a:rPr lang="de-DE" dirty="0" smtClean="0"/>
-              <a:t>Vergessen: bei vergessenem Passwort muss sich der User beim UHD melden (die Telefonnummer wird im Hilfe-Fenster der Login-Oberfläche angezeigt)</a:t>
-            </a:r>
-          </a:p>
-          <a:p>
-            <a:r>
-              <a:rPr lang="de-DE" dirty="0" smtClean="0"/>
-              <a:t>Ändern: beim ersten Login muss das Passwort vom User geändert werden</a:t>
-            </a:r>
-          </a:p>
-          <a:p>
-            <a:pPr lvl="1"/>
-            <a:r>
-              <a:rPr lang="de-DE" dirty="0" smtClean="0"/>
-              <a:t>Danach kann es jederzeit wieder geändert werden</a:t>
-            </a:r>
-            <a:endParaRPr lang="de-DE" dirty="0"/>
-          </a:p>
-        </p:txBody>
-      </p:sp>
-    </p:spTree>
-    <p:extLst>
-      <p:ext uri="{BB962C8B-B14F-4D97-AF65-F5344CB8AC3E}">
-        <p14:creationId xmlns:p14="http://schemas.microsoft.com/office/powerpoint/2010/main" val="2367586276"/>
-      </p:ext>
-    </p:extLst>
-  </p:cSld>
-  <p:clrMapOvr>
-    <a:masterClrMapping/>
-  </p:clrMapOvr>
-  <p:timing>
-    <p:tnLst>
-      <p:par>
-        <p:cTn id="1" dur="indefinite" restart="never" nodeType="tmRoot"/>
-      </p:par>
-    </p:tnLst>
-  </p:timing>
-</p:sld>
-</file>
-
-<file path=ppt/slides/slide2.xml><?xml version="1.0" encoding="utf-8"?>
-<p:sld xmlns:a="http://schemas.openxmlformats.org/drawingml/2006/main" xmlns:r="http://schemas.openxmlformats.org/officeDocument/2006/relationships" xmlns:p="http://schemas.openxmlformats.org/presentationml/2006/main">
-  <p:cSld>
-    <p:spTree>
-      <p:nvGrpSpPr>
-        <p:cNvPr id="1" name=""/>
-        <p:cNvGrpSpPr/>
-        <p:nvPr/>
-      </p:nvGrpSpPr>
-      <p:grpSpPr>
-        <a:xfrm>
-          <a:off x="0" y="0"/>
-          <a:ext cx="0" cy="0"/>
-          <a:chOff x="0" y="0"/>
-          <a:chExt cx="0" cy="0"/>
-        </a:xfrm>
-      </p:grpSpPr>
-      <p:sp>
-        <p:nvSpPr>
-          <p:cNvPr id="2" name="Titel 1"/>
-          <p:cNvSpPr>
-            <a:spLocks noGrp="1"/>
-          </p:cNvSpPr>
-          <p:nvPr>
-            <p:ph type="title"/>
-          </p:nvPr>
-        </p:nvSpPr>
-        <p:spPr/>
-        <p:txBody>
-          <a:bodyPr/>
-          <a:lstStyle/>
-          <a:p>
-            <a:r>
-              <a:rPr lang="de-DE" dirty="0" smtClean="0"/>
-              <a:t>Aufgabenstellung</a:t>
-            </a:r>
-            <a:endParaRPr lang="de-DE" dirty="0"/>
-          </a:p>
-        </p:txBody>
-      </p:sp>
-      <p:sp>
-        <p:nvSpPr>
-          <p:cNvPr id="3" name="Inhaltsplatzhalter 2"/>
-          <p:cNvSpPr>
-            <a:spLocks noGrp="1"/>
-          </p:cNvSpPr>
-          <p:nvPr>
-            <p:ph idx="1"/>
-          </p:nvPr>
-        </p:nvSpPr>
-        <p:spPr/>
-        <p:txBody>
-          <a:bodyPr>
-            <a:normAutofit/>
-          </a:bodyPr>
-          <a:lstStyle/>
-          <a:p>
-            <a:r>
-              <a:rPr lang="de-DE" dirty="0" smtClean="0"/>
-              <a:t>Programm zur anonymisierten Datenerfassung</a:t>
-            </a:r>
-          </a:p>
-          <a:p>
-            <a:endParaRPr lang="de-DE" dirty="0" smtClean="0"/>
-          </a:p>
-          <a:p>
-            <a:r>
-              <a:rPr lang="de-DE" dirty="0" smtClean="0"/>
-              <a:t>Dokumentieren Arbeitsaufgaben je Kalenderwoche</a:t>
-            </a:r>
-          </a:p>
-          <a:p>
-            <a:endParaRPr lang="de-DE" dirty="0" smtClean="0"/>
-          </a:p>
-          <a:p>
-            <a:r>
-              <a:rPr lang="de-DE" dirty="0" smtClean="0"/>
-              <a:t>Statistiken über bearbeitete Aufträge je nach Bereich bzw. Arbeitsgruppe</a:t>
-            </a:r>
-            <a:endParaRPr lang="de-DE" dirty="0"/>
-          </a:p>
-        </p:txBody>
-      </p:sp>
-    </p:spTree>
-    <p:extLst>
-      <p:ext uri="{BB962C8B-B14F-4D97-AF65-F5344CB8AC3E}">
-        <p14:creationId xmlns:p14="http://schemas.microsoft.com/office/powerpoint/2010/main" val="2231903888"/>
-      </p:ext>
-    </p:extLst>
-  </p:cSld>
-  <p:clrMapOvr>
-    <a:masterClrMapping/>
-  </p:clrMapOvr>
-  <p:timing>
-    <p:tnLst>
-      <p:par>
-        <p:cTn id="1" dur="indefinite" restart="never" nodeType="tmRoot"/>
-      </p:par>
-    </p:tnLst>
-  </p:timing>
-</p:sld>
-</file>
-
-<file path=ppt/slides/slide20.xml><?xml version="1.0" encoding="utf-8"?>
-<p:sld xmlns:a="http://schemas.openxmlformats.org/drawingml/2006/main" xmlns:r="http://schemas.openxmlformats.org/officeDocument/2006/relationships" xmlns:p="http://schemas.openxmlformats.org/presentationml/2006/main">
-  <p:cSld>
-    <p:spTree>
-      <p:nvGrpSpPr>
-        <p:cNvPr id="1" name=""/>
-        <p:cNvGrpSpPr/>
-        <p:nvPr/>
-      </p:nvGrpSpPr>
-      <p:grpSpPr>
-        <a:xfrm>
-          <a:off x="0" y="0"/>
-          <a:ext cx="0" cy="0"/>
-          <a:chOff x="0" y="0"/>
-          <a:chExt cx="0" cy="0"/>
-        </a:xfrm>
-      </p:grpSpPr>
-      <p:sp>
-        <p:nvSpPr>
-          <p:cNvPr id="2" name="Titel 1"/>
-          <p:cNvSpPr>
-            <a:spLocks noGrp="1"/>
-          </p:cNvSpPr>
-          <p:nvPr>
-            <p:ph type="title"/>
-          </p:nvPr>
-        </p:nvSpPr>
-        <p:spPr/>
-        <p:txBody>
-          <a:bodyPr/>
-          <a:lstStyle/>
-          <a:p>
-            <a:r>
-              <a:rPr lang="de-DE" dirty="0" smtClean="0"/>
-              <a:t>Use Case „Passwort“</a:t>
-            </a:r>
-            <a:endParaRPr lang="de-DE" dirty="0"/>
-          </a:p>
-        </p:txBody>
-      </p:sp>
-      <p:pic>
-        <p:nvPicPr>
-          <p:cNvPr id="5" name="Grafik 4"/>
-          <p:cNvPicPr>
-            <a:picLocks noChangeAspect="1"/>
-          </p:cNvPicPr>
-          <p:nvPr/>
-        </p:nvPicPr>
-        <p:blipFill>
-          <a:blip r:embed="rId2"/>
-          <a:stretch>
-            <a:fillRect/>
-          </a:stretch>
-        </p:blipFill>
-        <p:spPr>
-          <a:xfrm>
-            <a:off x="261937" y="2564904"/>
-            <a:ext cx="8620125" cy="2590800"/>
-          </a:xfrm>
-          <a:prstGeom prst="rect">
-            <a:avLst/>
-          </a:prstGeom>
-        </p:spPr>
-      </p:pic>
-    </p:spTree>
-    <p:extLst>
-      <p:ext uri="{BB962C8B-B14F-4D97-AF65-F5344CB8AC3E}">
-        <p14:creationId xmlns:p14="http://schemas.microsoft.com/office/powerpoint/2010/main" val="167482871"/>
-      </p:ext>
-    </p:extLst>
-  </p:cSld>
-  <p:clrMapOvr>
-    <a:masterClrMapping/>
-  </p:clrMapOvr>
-  <p:timing>
-    <p:tnLst>
-      <p:par>
-        <p:cTn id="1" dur="indefinite" restart="never" nodeType="tmRoot"/>
-      </p:par>
-    </p:tnLst>
-  </p:timing>
-</p:sld>
-</file>
-
-<file path=ppt/slides/slide21.xml><?xml version="1.0" encoding="utf-8"?>
-<p:sld xmlns:a="http://schemas.openxmlformats.org/drawingml/2006/main" xmlns:r="http://schemas.openxmlformats.org/officeDocument/2006/relationships" xmlns:p="http://schemas.openxmlformats.org/presentationml/2006/main">
-  <p:cSld>
-    <p:spTree>
-      <p:nvGrpSpPr>
-        <p:cNvPr id="1" name=""/>
-        <p:cNvGrpSpPr/>
-        <p:nvPr/>
-      </p:nvGrpSpPr>
-      <p:grpSpPr>
-        <a:xfrm>
-          <a:off x="0" y="0"/>
-          <a:ext cx="0" cy="0"/>
-          <a:chOff x="0" y="0"/>
-          <a:chExt cx="0" cy="0"/>
-        </a:xfrm>
-      </p:grpSpPr>
-      <p:sp>
-        <p:nvSpPr>
-          <p:cNvPr id="3" name="Titel 2"/>
-          <p:cNvSpPr>
-            <a:spLocks noGrp="1"/>
-          </p:cNvSpPr>
-          <p:nvPr>
-            <p:ph type="title"/>
-          </p:nvPr>
-        </p:nvSpPr>
-        <p:spPr/>
-        <p:txBody>
-          <a:bodyPr/>
-          <a:lstStyle/>
-          <a:p>
-            <a:r>
-              <a:rPr lang="de-DE" dirty="0" smtClean="0"/>
-              <a:t>Use Case „Erfassen“</a:t>
-            </a:r>
-            <a:endParaRPr lang="de-DE" dirty="0"/>
-          </a:p>
-        </p:txBody>
-      </p:sp>
-      <p:sp>
-        <p:nvSpPr>
-          <p:cNvPr id="4" name="Inhaltsplatzhalter 3"/>
-          <p:cNvSpPr>
-            <a:spLocks noGrp="1"/>
-          </p:cNvSpPr>
-          <p:nvPr>
-            <p:ph idx="1"/>
-          </p:nvPr>
-        </p:nvSpPr>
-        <p:spPr/>
-        <p:txBody>
-          <a:bodyPr/>
-          <a:lstStyle/>
-          <a:p>
-            <a:r>
-              <a:rPr lang="de-DE" dirty="0" smtClean="0"/>
-              <a:t>Mitarbeiter soll mehrmals täglich einen Eintrag erfassen können</a:t>
-            </a:r>
-          </a:p>
-          <a:p>
-            <a:r>
-              <a:rPr lang="de-DE" dirty="0" smtClean="0"/>
-              <a:t>Ein Eintrag darf nur für die aktuelle und die vorherige Kalenderwoche (aktuelles Jahr) erfasst werden</a:t>
-            </a:r>
-            <a:endParaRPr lang="de-DE" dirty="0"/>
-          </a:p>
-        </p:txBody>
-      </p:sp>
-    </p:spTree>
-    <p:extLst>
-      <p:ext uri="{BB962C8B-B14F-4D97-AF65-F5344CB8AC3E}">
-        <p14:creationId xmlns:p14="http://schemas.microsoft.com/office/powerpoint/2010/main" val="432645280"/>
-      </p:ext>
-    </p:extLst>
-  </p:cSld>
-  <p:clrMapOvr>
-    <a:masterClrMapping/>
-  </p:clrMapOvr>
-  <p:timing>
-    <p:tnLst>
-      <p:par>
-        <p:cTn id="1" dur="indefinite" restart="never" nodeType="tmRoot"/>
-      </p:par>
-    </p:tnLst>
-  </p:timing>
-</p:sld>
-</file>
-
-<file path=ppt/slides/slide22.xml><?xml version="1.0" encoding="utf-8"?>
-<p:sld xmlns:a="http://schemas.openxmlformats.org/drawingml/2006/main" xmlns:r="http://schemas.openxmlformats.org/officeDocument/2006/relationships" xmlns:p="http://schemas.openxmlformats.org/presentationml/2006/main">
-  <p:cSld>
-    <p:spTree>
-      <p:nvGrpSpPr>
-        <p:cNvPr id="1" name=""/>
-        <p:cNvGrpSpPr/>
-        <p:nvPr/>
-      </p:nvGrpSpPr>
-      <p:grpSpPr>
-        <a:xfrm>
-          <a:off x="0" y="0"/>
-          <a:ext cx="0" cy="0"/>
-          <a:chOff x="0" y="0"/>
-          <a:chExt cx="0" cy="0"/>
-        </a:xfrm>
-      </p:grpSpPr>
-      <p:sp>
-        <p:nvSpPr>
-          <p:cNvPr id="2" name="Titel 1"/>
-          <p:cNvSpPr>
-            <a:spLocks noGrp="1"/>
-          </p:cNvSpPr>
-          <p:nvPr>
-            <p:ph type="title"/>
-          </p:nvPr>
-        </p:nvSpPr>
-        <p:spPr/>
-        <p:txBody>
-          <a:bodyPr>
-            <a:normAutofit fontScale="90000"/>
-          </a:bodyPr>
-          <a:lstStyle/>
-          <a:p>
-            <a:r>
-              <a:rPr lang="de-DE" dirty="0" smtClean="0"/>
-              <a:t>Use Case „Arbeitsgruppe einsehen“ - 		 Gruppenleiter</a:t>
-            </a:r>
-            <a:endParaRPr lang="de-DE" dirty="0"/>
-          </a:p>
-        </p:txBody>
-      </p:sp>
-      <p:sp>
-        <p:nvSpPr>
-          <p:cNvPr id="3" name="Inhaltsplatzhalter 2"/>
-          <p:cNvSpPr>
-            <a:spLocks noGrp="1"/>
-          </p:cNvSpPr>
-          <p:nvPr>
-            <p:ph idx="1"/>
-          </p:nvPr>
-        </p:nvSpPr>
-        <p:spPr>
-          <a:xfrm>
-            <a:off x="457200" y="2416256"/>
-            <a:ext cx="8229600" cy="4325112"/>
-          </a:xfrm>
-        </p:spPr>
-        <p:txBody>
-          <a:bodyPr/>
-          <a:lstStyle/>
-          <a:p>
-            <a:r>
-              <a:rPr lang="de-DE" dirty="0" smtClean="0"/>
-              <a:t>Gruppenleiter: darf die Ergebnisse seiner eigenen Arbeitsgruppe einsehen</a:t>
-            </a:r>
-          </a:p>
-          <a:p>
-            <a:r>
-              <a:rPr lang="de-DE" dirty="0" smtClean="0"/>
-              <a:t>„Drucken“ gibt die aktuelle Tabelle als PDF-Datei aus</a:t>
-            </a:r>
-          </a:p>
-        </p:txBody>
-      </p:sp>
-    </p:spTree>
-    <p:extLst>
-      <p:ext uri="{BB962C8B-B14F-4D97-AF65-F5344CB8AC3E}">
-        <p14:creationId xmlns:p14="http://schemas.microsoft.com/office/powerpoint/2010/main" val="2011369229"/>
-      </p:ext>
-    </p:extLst>
-  </p:cSld>
-  <p:clrMapOvr>
-    <a:masterClrMapping/>
-  </p:clrMapOvr>
-  <p:timing>
-    <p:tnLst>
-      <p:par>
-        <p:cTn id="1" dur="indefinite" restart="never" nodeType="tmRoot"/>
-      </p:par>
-    </p:tnLst>
-  </p:timing>
-</p:sld>
-</file>
-
-<file path=ppt/slides/slide23.xml><?xml version="1.0" encoding="utf-8"?>
-<p:sld xmlns:a="http://schemas.openxmlformats.org/drawingml/2006/main" xmlns:r="http://schemas.openxmlformats.org/officeDocument/2006/relationships" xmlns:p="http://schemas.openxmlformats.org/presentationml/2006/main">
-  <p:cSld>
-    <p:spTree>
-      <p:nvGrpSpPr>
-        <p:cNvPr id="1" name=""/>
-        <p:cNvGrpSpPr/>
-        <p:nvPr/>
-      </p:nvGrpSpPr>
-      <p:grpSpPr>
-        <a:xfrm>
-          <a:off x="0" y="0"/>
-          <a:ext cx="0" cy="0"/>
-          <a:chOff x="0" y="0"/>
-          <a:chExt cx="0" cy="0"/>
-        </a:xfrm>
-      </p:grpSpPr>
-      <p:sp>
-        <p:nvSpPr>
-          <p:cNvPr id="2" name="Titel 1"/>
-          <p:cNvSpPr>
-            <a:spLocks noGrp="1"/>
-          </p:cNvSpPr>
-          <p:nvPr>
-            <p:ph type="title"/>
-          </p:nvPr>
-        </p:nvSpPr>
-        <p:spPr/>
-        <p:txBody>
-          <a:bodyPr>
-            <a:normAutofit fontScale="90000"/>
-          </a:bodyPr>
-          <a:lstStyle/>
-          <a:p>
-            <a:r>
-              <a:rPr lang="de-DE" dirty="0" smtClean="0"/>
-              <a:t>Use Case „Arbeitsgruppen einsehen“ - 		 Bereichsleiter</a:t>
-            </a:r>
-            <a:endParaRPr lang="de-DE" dirty="0"/>
-          </a:p>
-        </p:txBody>
-      </p:sp>
-      <p:sp>
-        <p:nvSpPr>
-          <p:cNvPr id="3" name="Inhaltsplatzhalter 2"/>
-          <p:cNvSpPr>
-            <a:spLocks noGrp="1"/>
-          </p:cNvSpPr>
-          <p:nvPr>
-            <p:ph idx="1"/>
-          </p:nvPr>
-        </p:nvSpPr>
-        <p:spPr>
-          <a:xfrm>
-            <a:off x="457200" y="2416256"/>
-            <a:ext cx="8229600" cy="4325112"/>
-          </a:xfrm>
-        </p:spPr>
-        <p:txBody>
-          <a:bodyPr>
-            <a:normAutofit/>
-          </a:bodyPr>
-          <a:lstStyle/>
-          <a:p>
-            <a:r>
-              <a:rPr lang="de-DE" dirty="0" smtClean="0"/>
-              <a:t>Bereichsleiter: darf alle Arbeitsgruppen seines Bereichs einsehen</a:t>
-            </a:r>
-          </a:p>
-          <a:p>
-            <a:r>
-              <a:rPr lang="de-DE" dirty="0" smtClean="0"/>
-              <a:t>Einträge der Arbeitsgruppen werden zusätzlich aufsummiert</a:t>
-            </a:r>
-          </a:p>
-          <a:p>
-            <a:r>
-              <a:rPr lang="de-DE" dirty="0" smtClean="0"/>
-              <a:t>„</a:t>
-            </a:r>
-            <a:r>
-              <a:rPr lang="de-DE" dirty="0"/>
-              <a:t>Drucken“ gibt die aktuelle Tabelle als PDF-Datei </a:t>
-            </a:r>
-            <a:r>
-              <a:rPr lang="de-DE" dirty="0" smtClean="0"/>
-              <a:t>aus</a:t>
-            </a:r>
-            <a:endParaRPr lang="de-DE" dirty="0"/>
-          </a:p>
-        </p:txBody>
-      </p:sp>
-    </p:spTree>
-    <p:extLst>
-      <p:ext uri="{BB962C8B-B14F-4D97-AF65-F5344CB8AC3E}">
-        <p14:creationId xmlns:p14="http://schemas.microsoft.com/office/powerpoint/2010/main" val="241156330"/>
-      </p:ext>
-    </p:extLst>
-  </p:cSld>
-  <p:clrMapOvr>
-    <a:masterClrMapping/>
-  </p:clrMapOvr>
-  <p:timing>
-    <p:tnLst>
-      <p:par>
-        <p:cTn id="1" dur="indefinite" restart="never" nodeType="tmRoot"/>
-      </p:par>
-    </p:tnLst>
-  </p:timing>
-</p:sld>
-</file>
-
-<file path=ppt/slides/slide24.xml><?xml version="1.0" encoding="utf-8"?>
-<p:sld xmlns:a="http://schemas.openxmlformats.org/drawingml/2006/main" xmlns:r="http://schemas.openxmlformats.org/officeDocument/2006/relationships" xmlns:p="http://schemas.openxmlformats.org/presentationml/2006/main">
-  <p:cSld>
-    <p:spTree>
-      <p:nvGrpSpPr>
-        <p:cNvPr id="1" name=""/>
-        <p:cNvGrpSpPr/>
-        <p:nvPr/>
-      </p:nvGrpSpPr>
-      <p:grpSpPr>
-        <a:xfrm>
-          <a:off x="0" y="0"/>
-          <a:ext cx="0" cy="0"/>
-          <a:chOff x="0" y="0"/>
-          <a:chExt cx="0" cy="0"/>
-        </a:xfrm>
-      </p:grpSpPr>
-      <p:sp>
-        <p:nvSpPr>
-          <p:cNvPr id="2" name="Titel 1"/>
-          <p:cNvSpPr>
-            <a:spLocks noGrp="1"/>
-          </p:cNvSpPr>
-          <p:nvPr>
-            <p:ph type="title"/>
-          </p:nvPr>
-        </p:nvSpPr>
-        <p:spPr/>
-        <p:txBody>
-          <a:bodyPr/>
-          <a:lstStyle/>
-          <a:p>
-            <a:r>
-              <a:rPr lang="de-DE" dirty="0" smtClean="0"/>
-              <a:t>Use Case „Bereich einsehen“</a:t>
-            </a:r>
-            <a:endParaRPr lang="de-DE" dirty="0"/>
-          </a:p>
-        </p:txBody>
-      </p:sp>
-      <p:sp>
-        <p:nvSpPr>
-          <p:cNvPr id="3" name="Inhaltsplatzhalter 2"/>
-          <p:cNvSpPr>
-            <a:spLocks noGrp="1"/>
-          </p:cNvSpPr>
-          <p:nvPr>
-            <p:ph idx="1"/>
-          </p:nvPr>
-        </p:nvSpPr>
-        <p:spPr/>
-        <p:txBody>
-          <a:bodyPr>
-            <a:normAutofit fontScale="92500" lnSpcReduction="10000"/>
-          </a:bodyPr>
-          <a:lstStyle/>
-          <a:p>
-            <a:r>
-              <a:rPr lang="de-DE" dirty="0" smtClean="0"/>
-              <a:t>Zentralbereichsleiter und Fachbereichs-organisation: dürfen alle Bereiche einsehen</a:t>
-            </a:r>
-          </a:p>
-          <a:p>
-            <a:r>
-              <a:rPr lang="de-DE" dirty="0" smtClean="0"/>
-              <a:t>Von der Übersicht der Bereiche kann der User direkt auf die Arbeitsgruppen eines Bereichs gelangen</a:t>
-            </a:r>
-          </a:p>
-          <a:p>
-            <a:r>
-              <a:rPr lang="de-DE" dirty="0" smtClean="0"/>
-              <a:t>Einträge der Bereiche werden zusätzlich aufsummiert</a:t>
-            </a:r>
-          </a:p>
-          <a:p>
-            <a:r>
-              <a:rPr lang="de-DE" dirty="0"/>
-              <a:t>„Abrechen“ leitet den </a:t>
-            </a:r>
-            <a:r>
-              <a:rPr lang="de-DE" dirty="0" smtClean="0"/>
-              <a:t>User wieder </a:t>
-            </a:r>
-            <a:r>
-              <a:rPr lang="de-DE" dirty="0"/>
-              <a:t>auf die Seite zurück, auf der er Kalenderjahr und Kalenderwoche eingeben kann, um Daten anzuzeigen</a:t>
-            </a:r>
-          </a:p>
-          <a:p>
-            <a:r>
-              <a:rPr lang="de-DE" dirty="0"/>
-              <a:t>„Drucken“ gibt die aktuelle Tabelle als PDF-Datei </a:t>
-            </a:r>
-            <a:r>
-              <a:rPr lang="de-DE" dirty="0" smtClean="0"/>
-              <a:t>aus</a:t>
-            </a:r>
-            <a:endParaRPr lang="de-DE" dirty="0"/>
-          </a:p>
-        </p:txBody>
-      </p:sp>
-    </p:spTree>
-    <p:extLst>
-      <p:ext uri="{BB962C8B-B14F-4D97-AF65-F5344CB8AC3E}">
-        <p14:creationId xmlns:p14="http://schemas.microsoft.com/office/powerpoint/2010/main" val="1739418431"/>
-      </p:ext>
-    </p:extLst>
-  </p:cSld>
-  <p:clrMapOvr>
-    <a:masterClrMapping/>
-  </p:clrMapOvr>
-  <p:timing>
-    <p:tnLst>
-      <p:par>
-        <p:cTn id="1" dur="indefinite" restart="never" nodeType="tmRoot"/>
-      </p:par>
-    </p:tnLst>
-  </p:timing>
-</p:sld>
-</file>
-
-<file path=ppt/slides/slide25.xml><?xml version="1.0" encoding="utf-8"?>
-<p:sld xmlns:a="http://schemas.openxmlformats.org/drawingml/2006/main" xmlns:r="http://schemas.openxmlformats.org/officeDocument/2006/relationships" xmlns:p="http://schemas.openxmlformats.org/presentationml/2006/main">
-  <p:cSld>
-    <p:spTree>
-      <p:nvGrpSpPr>
-        <p:cNvPr id="1" name=""/>
-        <p:cNvGrpSpPr/>
-        <p:nvPr/>
-      </p:nvGrpSpPr>
-      <p:grpSpPr>
-        <a:xfrm>
-          <a:off x="0" y="0"/>
-          <a:ext cx="0" cy="0"/>
-          <a:chOff x="0" y="0"/>
-          <a:chExt cx="0" cy="0"/>
-        </a:xfrm>
-      </p:grpSpPr>
-      <p:sp>
-        <p:nvSpPr>
-          <p:cNvPr id="2" name="Titel 1"/>
-          <p:cNvSpPr>
-            <a:spLocks noGrp="1"/>
-          </p:cNvSpPr>
-          <p:nvPr>
-            <p:ph type="title"/>
-          </p:nvPr>
-        </p:nvSpPr>
-        <p:spPr/>
-        <p:txBody>
-          <a:bodyPr/>
-          <a:lstStyle/>
-          <a:p>
-            <a:r>
-              <a:rPr lang="de-DE" dirty="0" smtClean="0"/>
-              <a:t>Use Case „Bereich“</a:t>
-            </a:r>
-            <a:endParaRPr lang="de-DE" dirty="0"/>
-          </a:p>
-        </p:txBody>
-      </p:sp>
-      <p:sp>
-        <p:nvSpPr>
-          <p:cNvPr id="3" name="Inhaltsplatzhalter 2"/>
-          <p:cNvSpPr>
-            <a:spLocks noGrp="1"/>
-          </p:cNvSpPr>
-          <p:nvPr>
-            <p:ph idx="1"/>
-          </p:nvPr>
-        </p:nvSpPr>
-        <p:spPr/>
-        <p:txBody>
-          <a:bodyPr>
-            <a:normAutofit/>
-          </a:bodyPr>
-          <a:lstStyle/>
-          <a:p>
-            <a:r>
-              <a:rPr lang="de-DE" dirty="0" smtClean="0"/>
-              <a:t>Die Verwaltung erfolgt über die Fachbereichs-organisation</a:t>
-            </a:r>
-          </a:p>
-          <a:p>
-            <a:r>
-              <a:rPr lang="de-DE" dirty="0" smtClean="0"/>
-              <a:t>Anlegen: mit Angaben über Bezeichnung und Kurzbezeichnung soll ein Bereich angelegt werden können</a:t>
-            </a:r>
-          </a:p>
-        </p:txBody>
-      </p:sp>
-    </p:spTree>
-    <p:extLst>
-      <p:ext uri="{BB962C8B-B14F-4D97-AF65-F5344CB8AC3E}">
-        <p14:creationId xmlns:p14="http://schemas.microsoft.com/office/powerpoint/2010/main" val="2615168494"/>
-      </p:ext>
-    </p:extLst>
-  </p:cSld>
-  <p:clrMapOvr>
-    <a:masterClrMapping/>
-  </p:clrMapOvr>
-  <p:timing>
-    <p:tnLst>
-      <p:par>
-        <p:cTn id="1" dur="indefinite" restart="never" nodeType="tmRoot"/>
-      </p:par>
-    </p:tnLst>
-  </p:timing>
-</p:sld>
-</file>
-
-<file path=ppt/slides/slide26.xml><?xml version="1.0" encoding="utf-8"?>
-<p:sld xmlns:a="http://schemas.openxmlformats.org/drawingml/2006/main" xmlns:r="http://schemas.openxmlformats.org/officeDocument/2006/relationships" xmlns:p="http://schemas.openxmlformats.org/presentationml/2006/main">
-  <p:cSld>
-    <p:spTree>
-      <p:nvGrpSpPr>
-        <p:cNvPr id="1" name=""/>
-        <p:cNvGrpSpPr/>
-        <p:nvPr/>
-      </p:nvGrpSpPr>
-      <p:grpSpPr>
-        <a:xfrm>
-          <a:off x="0" y="0"/>
-          <a:ext cx="0" cy="0"/>
-          <a:chOff x="0" y="0"/>
-          <a:chExt cx="0" cy="0"/>
-        </a:xfrm>
-      </p:grpSpPr>
-      <p:sp>
-        <p:nvSpPr>
-          <p:cNvPr id="2" name="Titel 1"/>
-          <p:cNvSpPr>
-            <a:spLocks noGrp="1"/>
-          </p:cNvSpPr>
-          <p:nvPr>
-            <p:ph type="title"/>
-          </p:nvPr>
-        </p:nvSpPr>
-        <p:spPr/>
-        <p:txBody>
-          <a:bodyPr/>
-          <a:lstStyle/>
-          <a:p>
-            <a:r>
-              <a:rPr lang="de-DE" dirty="0" smtClean="0"/>
-              <a:t>Use Case „Bereich“</a:t>
-            </a:r>
-            <a:endParaRPr lang="de-DE" dirty="0"/>
-          </a:p>
-        </p:txBody>
-      </p:sp>
-      <p:sp>
-        <p:nvSpPr>
-          <p:cNvPr id="3" name="Inhaltsplatzhalter 2"/>
-          <p:cNvSpPr>
-            <a:spLocks noGrp="1"/>
-          </p:cNvSpPr>
-          <p:nvPr>
-            <p:ph idx="1"/>
-          </p:nvPr>
-        </p:nvSpPr>
-        <p:spPr/>
-        <p:txBody>
-          <a:bodyPr>
-            <a:normAutofit/>
-          </a:bodyPr>
-          <a:lstStyle/>
-          <a:p>
-            <a:r>
-              <a:rPr lang="de-DE" dirty="0"/>
-              <a:t>Die Auswahl zur Bearbeitung bzw. zur Löschung erfolgt über eine </a:t>
-            </a:r>
-            <a:r>
-              <a:rPr lang="de-DE" dirty="0" smtClean="0"/>
-              <a:t>Oberfläche mit Drop-Down-Feld</a:t>
-            </a:r>
-          </a:p>
-          <a:p>
-            <a:r>
-              <a:rPr lang="de-DE" dirty="0" smtClean="0"/>
-              <a:t>Bearbeiten: die Bezeichnung, die Kurz-bezeichnung und der Leiter sollen geändert werden können</a:t>
-            </a:r>
-          </a:p>
-          <a:p>
-            <a:r>
-              <a:rPr lang="de-DE" dirty="0" smtClean="0"/>
-              <a:t>Löschen: der Bereich wird inaktiv gesetzt, sobald alle Arbeitsgruppen und Mitarbeiter aus dem Bereich entfernt wurden</a:t>
-            </a:r>
-            <a:endParaRPr lang="de-DE" dirty="0"/>
-          </a:p>
-        </p:txBody>
-      </p:sp>
-    </p:spTree>
-    <p:extLst>
-      <p:ext uri="{BB962C8B-B14F-4D97-AF65-F5344CB8AC3E}">
-        <p14:creationId xmlns:p14="http://schemas.microsoft.com/office/powerpoint/2010/main" val="42813484"/>
-      </p:ext>
-    </p:extLst>
-  </p:cSld>
-  <p:clrMapOvr>
-    <a:masterClrMapping/>
-  </p:clrMapOvr>
-  <p:timing>
-    <p:tnLst>
-      <p:par>
-        <p:cTn id="1" dur="indefinite" restart="never" nodeType="tmRoot"/>
-      </p:par>
-    </p:tnLst>
-  </p:timing>
-</p:sld>
-</file>
-
-<file path=ppt/slides/slide27.xml><?xml version="1.0" encoding="utf-8"?>
-<p:sld xmlns:a="http://schemas.openxmlformats.org/drawingml/2006/main" xmlns:r="http://schemas.openxmlformats.org/officeDocument/2006/relationships" xmlns:p="http://schemas.openxmlformats.org/presentationml/2006/main">
-  <p:cSld>
-    <p:spTree>
-      <p:nvGrpSpPr>
-        <p:cNvPr id="1" name=""/>
-        <p:cNvGrpSpPr/>
-        <p:nvPr/>
-      </p:nvGrpSpPr>
-      <p:grpSpPr>
-        <a:xfrm>
-          <a:off x="0" y="0"/>
-          <a:ext cx="0" cy="0"/>
-          <a:chOff x="0" y="0"/>
-          <a:chExt cx="0" cy="0"/>
-        </a:xfrm>
-      </p:grpSpPr>
-      <p:sp>
-        <p:nvSpPr>
-          <p:cNvPr id="2" name="Titel 1"/>
-          <p:cNvSpPr>
-            <a:spLocks noGrp="1"/>
-          </p:cNvSpPr>
-          <p:nvPr>
-            <p:ph type="title"/>
-          </p:nvPr>
-        </p:nvSpPr>
-        <p:spPr/>
-        <p:txBody>
-          <a:bodyPr/>
-          <a:lstStyle/>
-          <a:p>
-            <a:r>
-              <a:rPr lang="de-DE" dirty="0" smtClean="0"/>
-              <a:t>Use Case „Arbeitsgruppe“</a:t>
-            </a:r>
-            <a:endParaRPr lang="de-DE" dirty="0"/>
-          </a:p>
-        </p:txBody>
-      </p:sp>
-      <p:sp>
-        <p:nvSpPr>
-          <p:cNvPr id="3" name="Inhaltsplatzhalter 2"/>
-          <p:cNvSpPr>
-            <a:spLocks noGrp="1"/>
-          </p:cNvSpPr>
-          <p:nvPr>
-            <p:ph idx="1"/>
-          </p:nvPr>
-        </p:nvSpPr>
-        <p:spPr/>
-        <p:txBody>
-          <a:bodyPr>
-            <a:normAutofit/>
-          </a:bodyPr>
-          <a:lstStyle/>
-          <a:p>
-            <a:r>
-              <a:rPr lang="de-DE" dirty="0"/>
-              <a:t>Die Verwaltung erfolgt über die Fachbereichs-organisation</a:t>
-            </a:r>
-          </a:p>
-          <a:p>
-            <a:r>
-              <a:rPr lang="de-DE" dirty="0"/>
-              <a:t>Anlegen: mit Angaben über </a:t>
-            </a:r>
-            <a:r>
-              <a:rPr lang="de-DE" dirty="0" smtClean="0"/>
-              <a:t>Bezeichnung, Kurz-bezeichnung und Bereich soll eine Arbeitsgruppe angelegt </a:t>
-            </a:r>
-            <a:r>
-              <a:rPr lang="de-DE" dirty="0"/>
-              <a:t>werden </a:t>
-            </a:r>
-            <a:r>
-              <a:rPr lang="de-DE" dirty="0" smtClean="0"/>
-              <a:t>können</a:t>
-            </a:r>
-            <a:endParaRPr lang="de-DE" dirty="0"/>
-          </a:p>
-        </p:txBody>
-      </p:sp>
-    </p:spTree>
-    <p:extLst>
-      <p:ext uri="{BB962C8B-B14F-4D97-AF65-F5344CB8AC3E}">
-        <p14:creationId xmlns:p14="http://schemas.microsoft.com/office/powerpoint/2010/main" val="243874718"/>
-      </p:ext>
-    </p:extLst>
-  </p:cSld>
-  <p:clrMapOvr>
-    <a:masterClrMapping/>
-  </p:clrMapOvr>
-  <p:timing>
-    <p:tnLst>
-      <p:par>
-        <p:cTn id="1" dur="indefinite" restart="never" nodeType="tmRoot"/>
-      </p:par>
-    </p:tnLst>
-  </p:timing>
-</p:sld>
-</file>
-
-<file path=ppt/slides/slide28.xml><?xml version="1.0" encoding="utf-8"?>
-<p:sld xmlns:a="http://schemas.openxmlformats.org/drawingml/2006/main" xmlns:r="http://schemas.openxmlformats.org/officeDocument/2006/relationships" xmlns:p="http://schemas.openxmlformats.org/presentationml/2006/main">
-  <p:cSld>
-    <p:spTree>
-      <p:nvGrpSpPr>
-        <p:cNvPr id="1" name=""/>
-        <p:cNvGrpSpPr/>
-        <p:nvPr/>
-      </p:nvGrpSpPr>
-      <p:grpSpPr>
-        <a:xfrm>
-          <a:off x="0" y="0"/>
-          <a:ext cx="0" cy="0"/>
-          <a:chOff x="0" y="0"/>
-          <a:chExt cx="0" cy="0"/>
-        </a:xfrm>
-      </p:grpSpPr>
-      <p:sp>
-        <p:nvSpPr>
-          <p:cNvPr id="2" name="Titel 1"/>
-          <p:cNvSpPr>
-            <a:spLocks noGrp="1"/>
-          </p:cNvSpPr>
-          <p:nvPr>
-            <p:ph type="title"/>
-          </p:nvPr>
-        </p:nvSpPr>
-        <p:spPr/>
-        <p:txBody>
-          <a:bodyPr/>
-          <a:lstStyle/>
-          <a:p>
-            <a:r>
-              <a:rPr lang="de-DE" dirty="0" smtClean="0"/>
-              <a:t>Use Case „Arbeitsgruppe“</a:t>
-            </a:r>
-            <a:endParaRPr lang="de-DE" dirty="0"/>
-          </a:p>
-        </p:txBody>
-      </p:sp>
-      <p:sp>
-        <p:nvSpPr>
-          <p:cNvPr id="3" name="Inhaltsplatzhalter 2"/>
-          <p:cNvSpPr>
-            <a:spLocks noGrp="1"/>
-          </p:cNvSpPr>
-          <p:nvPr>
-            <p:ph idx="1"/>
-          </p:nvPr>
-        </p:nvSpPr>
-        <p:spPr/>
-        <p:txBody>
-          <a:bodyPr>
-            <a:normAutofit/>
-          </a:bodyPr>
-          <a:lstStyle/>
-          <a:p>
-            <a:r>
-              <a:rPr lang="de-DE" dirty="0"/>
-              <a:t>Die Auswahl zur Bearbeitung bzw. zur Löschung erfolgt über eine Suchen-Oberfläche</a:t>
-            </a:r>
-          </a:p>
-          <a:p>
-            <a:r>
-              <a:rPr lang="de-DE" dirty="0" smtClean="0"/>
-              <a:t>Bearbeiten</a:t>
-            </a:r>
-            <a:r>
-              <a:rPr lang="de-DE" dirty="0"/>
-              <a:t>: die Bezeichnung, die </a:t>
-            </a:r>
-            <a:r>
-              <a:rPr lang="de-DE" dirty="0" smtClean="0"/>
-              <a:t>Kurzbezeichnung, die Zuordnung zum Bereich </a:t>
-            </a:r>
-            <a:r>
-              <a:rPr lang="de-DE" dirty="0"/>
-              <a:t>und der Leiter sollen geändert werden können</a:t>
-            </a:r>
-          </a:p>
-          <a:p>
-            <a:r>
-              <a:rPr lang="de-DE" dirty="0"/>
-              <a:t>Löschen: </a:t>
-            </a:r>
-            <a:r>
-              <a:rPr lang="de-DE" dirty="0" smtClean="0"/>
-              <a:t>die Arbeitsgruppe wird </a:t>
-            </a:r>
-            <a:r>
-              <a:rPr lang="de-DE" dirty="0"/>
-              <a:t>inaktiv gesetzt, sobald alle </a:t>
-            </a:r>
-            <a:r>
-              <a:rPr lang="de-DE" dirty="0" smtClean="0"/>
-              <a:t>Mitarbeiter </a:t>
-            </a:r>
-            <a:r>
-              <a:rPr lang="de-DE" dirty="0"/>
-              <a:t>aus </a:t>
-            </a:r>
-            <a:r>
-              <a:rPr lang="de-DE" dirty="0" smtClean="0"/>
-              <a:t>der Arbeitsgruppe entfernt </a:t>
-            </a:r>
-            <a:r>
-              <a:rPr lang="de-DE" dirty="0"/>
-              <a:t>wurden</a:t>
-            </a:r>
-          </a:p>
-        </p:txBody>
-      </p:sp>
-    </p:spTree>
-    <p:extLst>
-      <p:ext uri="{BB962C8B-B14F-4D97-AF65-F5344CB8AC3E}">
-        <p14:creationId xmlns:p14="http://schemas.microsoft.com/office/powerpoint/2010/main" val="600913733"/>
-      </p:ext>
-    </p:extLst>
-  </p:cSld>
-  <p:clrMapOvr>
-    <a:masterClrMapping/>
-  </p:clrMapOvr>
-  <p:timing>
-    <p:tnLst>
-      <p:par>
-        <p:cTn id="1" dur="indefinite" restart="never" nodeType="tmRoot"/>
-      </p:par>
-    </p:tnLst>
-  </p:timing>
-</p:sld>
-</file>
-
-<file path=ppt/slides/slide29.xml><?xml version="1.0" encoding="utf-8"?>
-<p:sld xmlns:a="http://schemas.openxmlformats.org/drawingml/2006/main" xmlns:r="http://schemas.openxmlformats.org/officeDocument/2006/relationships" xmlns:p="http://schemas.openxmlformats.org/presentationml/2006/main">
-  <p:cSld>
-    <p:spTree>
-      <p:nvGrpSpPr>
-        <p:cNvPr id="1" name=""/>
-        <p:cNvGrpSpPr/>
-        <p:nvPr/>
-      </p:nvGrpSpPr>
-      <p:grpSpPr>
-        <a:xfrm>
-          <a:off x="0" y="0"/>
-          <a:ext cx="0" cy="0"/>
-          <a:chOff x="0" y="0"/>
-          <a:chExt cx="0" cy="0"/>
-        </a:xfrm>
-      </p:grpSpPr>
-      <p:sp>
-        <p:nvSpPr>
-          <p:cNvPr id="2" name="Titel 1"/>
-          <p:cNvSpPr>
-            <a:spLocks noGrp="1"/>
-          </p:cNvSpPr>
-          <p:nvPr>
-            <p:ph type="title"/>
-          </p:nvPr>
-        </p:nvSpPr>
-        <p:spPr/>
-        <p:txBody>
-          <a:bodyPr/>
-          <a:lstStyle/>
-          <a:p>
-            <a:r>
-              <a:rPr lang="de-DE" dirty="0" smtClean="0"/>
-              <a:t>Use Case „Mitarbeiter“</a:t>
-            </a:r>
-            <a:endParaRPr lang="de-DE" dirty="0"/>
-          </a:p>
-        </p:txBody>
-      </p:sp>
-      <p:sp>
-        <p:nvSpPr>
-          <p:cNvPr id="3" name="Inhaltsplatzhalter 2"/>
-          <p:cNvSpPr>
-            <a:spLocks noGrp="1"/>
-          </p:cNvSpPr>
-          <p:nvPr>
-            <p:ph idx="1"/>
-          </p:nvPr>
-        </p:nvSpPr>
-        <p:spPr/>
-        <p:txBody>
-          <a:bodyPr>
-            <a:normAutofit lnSpcReduction="10000"/>
-          </a:bodyPr>
-          <a:lstStyle/>
-          <a:p>
-            <a:r>
-              <a:rPr lang="de-DE" dirty="0"/>
-              <a:t>Die Verwaltung erfolgt über die Fachbereichs-organisation</a:t>
-            </a:r>
-          </a:p>
-          <a:p>
-            <a:r>
-              <a:rPr lang="de-DE" dirty="0"/>
-              <a:t>Anlegen: </a:t>
-            </a:r>
-            <a:r>
-              <a:rPr lang="de-DE" dirty="0" smtClean="0"/>
-              <a:t>die Oberfläche wird je nach Rolle des Mitarbeiters angepasst</a:t>
-            </a:r>
-          </a:p>
-          <a:p>
-            <a:pPr lvl="1"/>
-            <a:r>
-              <a:rPr lang="de-DE" dirty="0" smtClean="0"/>
-              <a:t>Vorname, Nachname, Benutzername und Rolle müssen immer angegeben werden</a:t>
-            </a:r>
-          </a:p>
-          <a:p>
-            <a:pPr lvl="1"/>
-            <a:r>
-              <a:rPr lang="de-DE" dirty="0" smtClean="0"/>
-              <a:t>Das Passwort kann entweder manuell eingegeben werden oder kann über einen Button automatisch generiert werden</a:t>
-            </a:r>
-          </a:p>
-          <a:p>
-            <a:pPr lvl="1"/>
-            <a:r>
-              <a:rPr lang="de-DE" dirty="0" smtClean="0"/>
-              <a:t>Je nach Rolle muss entweder eine Arbeitsgruppe oder ein Bereich ausgewählt werden</a:t>
-            </a:r>
-            <a:endParaRPr lang="de-DE" dirty="0"/>
-          </a:p>
-        </p:txBody>
-      </p:sp>
-    </p:spTree>
-    <p:extLst>
-      <p:ext uri="{BB962C8B-B14F-4D97-AF65-F5344CB8AC3E}">
-        <p14:creationId xmlns:p14="http://schemas.microsoft.com/office/powerpoint/2010/main" val="3395818784"/>
-      </p:ext>
-    </p:extLst>
-  </p:cSld>
-  <p:clrMapOvr>
-    <a:masterClrMapping/>
-  </p:clrMapOvr>
-  <p:timing>
-    <p:tnLst>
-      <p:par>
-        <p:cTn id="1" dur="indefinite" restart="never" nodeType="tmRoot"/>
-      </p:par>
-    </p:tnLst>
-  </p:timing>
-</p:sld>
-</file>
-
-<file path=ppt/slides/slide3.xml><?xml version="1.0" encoding="utf-8"?>
-<p:sld xmlns:a="http://schemas.openxmlformats.org/drawingml/2006/main" xmlns:r="http://schemas.openxmlformats.org/officeDocument/2006/relationships" xmlns:p="http://schemas.openxmlformats.org/presentationml/2006/main">
-  <p:cSld>
-    <p:spTree>
-      <p:nvGrpSpPr>
-        <p:cNvPr id="1" name=""/>
-        <p:cNvGrpSpPr/>
-        <p:nvPr/>
-      </p:nvGrpSpPr>
-      <p:grpSpPr>
-        <a:xfrm>
-          <a:off x="0" y="0"/>
-          <a:ext cx="0" cy="0"/>
-          <a:chOff x="0" y="0"/>
-          <a:chExt cx="0" cy="0"/>
-        </a:xfrm>
-      </p:grpSpPr>
-      <p:sp>
-        <p:nvSpPr>
-          <p:cNvPr id="2" name="Titel 1"/>
-          <p:cNvSpPr>
-            <a:spLocks noGrp="1"/>
-          </p:cNvSpPr>
-          <p:nvPr>
-            <p:ph type="title"/>
-          </p:nvPr>
-        </p:nvSpPr>
-        <p:spPr/>
-        <p:txBody>
-          <a:bodyPr/>
-          <a:lstStyle/>
-          <a:p>
-            <a:r>
-              <a:rPr lang="de-DE" dirty="0" smtClean="0"/>
-              <a:t>Gliederung</a:t>
-            </a:r>
-            <a:endParaRPr lang="de-DE" dirty="0"/>
-          </a:p>
-        </p:txBody>
-      </p:sp>
-      <p:sp>
-        <p:nvSpPr>
-          <p:cNvPr id="3" name="Inhaltsplatzhalter 2"/>
+      <p:sp>
+        <p:nvSpPr>
+          <p:cNvPr id="4" name="Inhaltsplatzhalter 2"/>
           <p:cNvSpPr txBox="1">
             <a:spLocks/>
           </p:cNvSpPr>
@@ -8405,7 +10967,7 @@
         </p:spPr>
         <p:txBody>
           <a:bodyPr>
-            <a:normAutofit fontScale="92500" lnSpcReduction="20000"/>
+            <a:normAutofit lnSpcReduction="10000"/>
           </a:bodyPr>
           <a:lstStyle>
             <a:lvl1pPr marL="365760" indent="-256032" algn="l" rtl="0" eaLnBrk="1" latinLnBrk="0" hangingPunct="1">
@@ -8573,6 +11135,1026 @@
           </a:lstStyle>
           <a:p>
             <a:r>
+              <a:rPr lang="de-DE" dirty="0"/>
+              <a:t>Klare Strukturen </a:t>
+            </a:r>
+            <a:r>
+              <a:rPr lang="de-DE" dirty="0">
+                <a:sym typeface="Wingdings" panose="05000000000000000000" pitchFamily="2" charset="2"/>
+              </a:rPr>
+              <a:t> Architektur-Modell</a:t>
+            </a:r>
+          </a:p>
+          <a:p>
+            <a:r>
+              <a:rPr lang="de-DE" dirty="0">
+                <a:sym typeface="Wingdings" panose="05000000000000000000" pitchFamily="2" charset="2"/>
+              </a:rPr>
+              <a:t>Modelle</a:t>
+            </a:r>
+          </a:p>
+          <a:p>
+            <a:pPr lvl="1"/>
+            <a:r>
+              <a:rPr lang="de-DE" dirty="0">
+                <a:sym typeface="Wingdings" panose="05000000000000000000" pitchFamily="2" charset="2"/>
+              </a:rPr>
+              <a:t>Hilfreich</a:t>
+            </a:r>
+          </a:p>
+          <a:p>
+            <a:pPr lvl="1"/>
+            <a:r>
+              <a:rPr lang="de-DE" dirty="0">
+                <a:sym typeface="Wingdings" panose="05000000000000000000" pitchFamily="2" charset="2"/>
+              </a:rPr>
+              <a:t>Nicht alles kann vollständig erfasst werden</a:t>
+            </a:r>
+          </a:p>
+          <a:p>
+            <a:pPr lvl="1"/>
+            <a:r>
+              <a:rPr lang="de-DE" dirty="0">
+                <a:sym typeface="Wingdings" panose="05000000000000000000" pitchFamily="2" charset="2"/>
+              </a:rPr>
+              <a:t>Aufwand bei Modellierung spart später Programmieraufwand</a:t>
+            </a:r>
+          </a:p>
+          <a:p>
+            <a:r>
+              <a:rPr lang="de-DE" dirty="0"/>
+              <a:t>Falsche Annahmen aus Kundenanforderungen können Konzept komplett in Frage stellen</a:t>
+            </a:r>
+          </a:p>
+          <a:p>
+            <a:pPr lvl="1"/>
+            <a:r>
+              <a:rPr lang="de-DE" dirty="0"/>
+              <a:t>z.B. verschiedene Arten anlegen</a:t>
+            </a:r>
+          </a:p>
+          <a:p>
+            <a:pPr lvl="1"/>
+            <a:r>
+              <a:rPr lang="de-DE" dirty="0"/>
+              <a:t>Anforderungen hinterfragen</a:t>
+            </a:r>
+          </a:p>
+        </p:txBody>
+      </p:sp>
+    </p:spTree>
+    <p:extLst>
+      <p:ext uri="{BB962C8B-B14F-4D97-AF65-F5344CB8AC3E}">
+        <p14:creationId xmlns:p14="http://schemas.microsoft.com/office/powerpoint/2010/main" val="3709997242"/>
+      </p:ext>
+    </p:extLst>
+  </p:cSld>
+  <p:clrMapOvr>
+    <a:masterClrMapping/>
+  </p:clrMapOvr>
+  <p:timing>
+    <p:tnLst>
+      <p:par>
+        <p:cTn id="1" dur="indefinite" restart="never" nodeType="tmRoot"/>
+      </p:par>
+    </p:tnLst>
+  </p:timing>
+</p:sld>
+</file>
+
+<file path=ppt/slides/slide17.xml><?xml version="1.0" encoding="utf-8"?>
+<p:sld xmlns:a="http://schemas.openxmlformats.org/drawingml/2006/main" xmlns:r="http://schemas.openxmlformats.org/officeDocument/2006/relationships" xmlns:p="http://schemas.openxmlformats.org/presentationml/2006/main">
+  <p:cSld>
+    <p:spTree>
+      <p:nvGrpSpPr>
+        <p:cNvPr id="1" name=""/>
+        <p:cNvGrpSpPr/>
+        <p:nvPr/>
+      </p:nvGrpSpPr>
+      <p:grpSpPr>
+        <a:xfrm>
+          <a:off x="0" y="0"/>
+          <a:ext cx="0" cy="0"/>
+          <a:chOff x="0" y="0"/>
+          <a:chExt cx="0" cy="0"/>
+        </a:xfrm>
+      </p:grpSpPr>
+      <p:sp>
+        <p:nvSpPr>
+          <p:cNvPr id="2" name="Titel 1"/>
+          <p:cNvSpPr>
+            <a:spLocks noGrp="1"/>
+          </p:cNvSpPr>
+          <p:nvPr>
+            <p:ph type="title"/>
+          </p:nvPr>
+        </p:nvSpPr>
+        <p:spPr/>
+        <p:txBody>
+          <a:bodyPr/>
+          <a:lstStyle/>
+          <a:p>
+            <a:r>
+              <a:rPr lang="de-DE" dirty="0" err="1" smtClean="0"/>
+              <a:t>Lessons</a:t>
+            </a:r>
+            <a:r>
+              <a:rPr lang="de-DE" dirty="0" smtClean="0"/>
+              <a:t> </a:t>
+            </a:r>
+            <a:r>
+              <a:rPr lang="de-DE" dirty="0" err="1" smtClean="0"/>
+              <a:t>learned</a:t>
+            </a:r>
+            <a:endParaRPr lang="de-DE" dirty="0"/>
+          </a:p>
+        </p:txBody>
+      </p:sp>
+      <p:sp>
+        <p:nvSpPr>
+          <p:cNvPr id="4" name="Inhaltsplatzhalter 2"/>
+          <p:cNvSpPr txBox="1">
+            <a:spLocks/>
+          </p:cNvSpPr>
+          <p:nvPr/>
+        </p:nvSpPr>
+        <p:spPr>
+          <a:xfrm>
+            <a:off x="457200" y="2249424"/>
+            <a:ext cx="8229600" cy="4325112"/>
+          </a:xfrm>
+          <a:prstGeom prst="rect">
+            <a:avLst/>
+          </a:prstGeom>
+        </p:spPr>
+        <p:txBody>
+          <a:bodyPr>
+            <a:normAutofit/>
+          </a:bodyPr>
+          <a:lstStyle>
+            <a:lvl1pPr marL="365760" indent="-256032" algn="l" rtl="0" eaLnBrk="1" latinLnBrk="0" hangingPunct="1">
+              <a:spcBef>
+                <a:spcPts val="300"/>
+              </a:spcBef>
+              <a:buClr>
+                <a:schemeClr val="accent3"/>
+              </a:buClr>
+              <a:buFont typeface="Georgia"/>
+              <a:buChar char="•"/>
+              <a:defRPr kumimoji="0" sz="2800" kern="1200">
+                <a:solidFill>
+                  <a:schemeClr val="tx1"/>
+                </a:solidFill>
+                <a:latin typeface="+mn-lt"/>
+                <a:ea typeface="+mn-ea"/>
+                <a:cs typeface="+mn-cs"/>
+              </a:defRPr>
+            </a:lvl1pPr>
+            <a:lvl2pPr marL="658368" indent="-246888" algn="l" rtl="0" eaLnBrk="1" latinLnBrk="0" hangingPunct="1">
+              <a:spcBef>
+                <a:spcPts val="300"/>
+              </a:spcBef>
+              <a:buClr>
+                <a:schemeClr val="accent2"/>
+              </a:buClr>
+              <a:buFont typeface="Georgia"/>
+              <a:buChar char="▫"/>
+              <a:defRPr kumimoji="0" sz="2600" kern="1200">
+                <a:solidFill>
+                  <a:schemeClr val="accent2"/>
+                </a:solidFill>
+                <a:latin typeface="+mn-lt"/>
+                <a:ea typeface="+mn-ea"/>
+                <a:cs typeface="+mn-cs"/>
+              </a:defRPr>
+            </a:lvl2pPr>
+            <a:lvl3pPr marL="923544" indent="-219456" algn="l" rtl="0" eaLnBrk="1" latinLnBrk="0" hangingPunct="1">
+              <a:spcBef>
+                <a:spcPts val="300"/>
+              </a:spcBef>
+              <a:buClr>
+                <a:schemeClr val="accent1"/>
+              </a:buClr>
+              <a:buFont typeface="Wingdings 2"/>
+              <a:buChar char=""/>
+              <a:defRPr kumimoji="0" sz="2400" kern="1200">
+                <a:solidFill>
+                  <a:schemeClr val="accent1"/>
+                </a:solidFill>
+                <a:latin typeface="+mn-lt"/>
+                <a:ea typeface="+mn-ea"/>
+                <a:cs typeface="+mn-cs"/>
+              </a:defRPr>
+            </a:lvl3pPr>
+            <a:lvl4pPr marL="1179576" indent="-201168" algn="l" rtl="0" eaLnBrk="1" latinLnBrk="0" hangingPunct="1">
+              <a:spcBef>
+                <a:spcPts val="300"/>
+              </a:spcBef>
+              <a:buClr>
+                <a:schemeClr val="accent1"/>
+              </a:buClr>
+              <a:buFont typeface="Wingdings 2"/>
+              <a:buChar char=""/>
+              <a:defRPr kumimoji="0" sz="2200" kern="1200">
+                <a:solidFill>
+                  <a:schemeClr val="accent1"/>
+                </a:solidFill>
+                <a:latin typeface="+mn-lt"/>
+                <a:ea typeface="+mn-ea"/>
+                <a:cs typeface="+mn-cs"/>
+              </a:defRPr>
+            </a:lvl4pPr>
+            <a:lvl5pPr marL="1389888" indent="-182880" algn="l" rtl="0" eaLnBrk="1" latinLnBrk="0" hangingPunct="1">
+              <a:spcBef>
+                <a:spcPts val="300"/>
+              </a:spcBef>
+              <a:buClr>
+                <a:schemeClr val="accent3"/>
+              </a:buClr>
+              <a:buFont typeface="Georgia"/>
+              <a:buChar char="▫"/>
+              <a:defRPr kumimoji="0" sz="2000" kern="1200">
+                <a:solidFill>
+                  <a:schemeClr val="accent3"/>
+                </a:solidFill>
+                <a:latin typeface="+mn-lt"/>
+                <a:ea typeface="+mn-ea"/>
+                <a:cs typeface="+mn-cs"/>
+              </a:defRPr>
+            </a:lvl5pPr>
+            <a:lvl6pPr marL="1609344" indent="-182880" algn="l" rtl="0" eaLnBrk="1" latinLnBrk="0" hangingPunct="1">
+              <a:spcBef>
+                <a:spcPts val="300"/>
+              </a:spcBef>
+              <a:buClr>
+                <a:schemeClr val="accent3"/>
+              </a:buClr>
+              <a:buFont typeface="Georgia"/>
+              <a:buChar char="▫"/>
+              <a:defRPr kumimoji="0" sz="1800" kern="1200">
+                <a:solidFill>
+                  <a:schemeClr val="accent3"/>
+                </a:solidFill>
+                <a:latin typeface="+mn-lt"/>
+                <a:ea typeface="+mn-ea"/>
+                <a:cs typeface="+mn-cs"/>
+              </a:defRPr>
+            </a:lvl6pPr>
+            <a:lvl7pPr marL="1828800" indent="-182880" algn="l" rtl="0" eaLnBrk="1" latinLnBrk="0" hangingPunct="1">
+              <a:spcBef>
+                <a:spcPts val="300"/>
+              </a:spcBef>
+              <a:buClr>
+                <a:schemeClr val="accent3"/>
+              </a:buClr>
+              <a:buFont typeface="Georgia"/>
+              <a:buChar char="▫"/>
+              <a:defRPr kumimoji="0" sz="1600" kern="1200">
+                <a:solidFill>
+                  <a:schemeClr val="accent3"/>
+                </a:solidFill>
+                <a:latin typeface="+mn-lt"/>
+                <a:ea typeface="+mn-ea"/>
+                <a:cs typeface="+mn-cs"/>
+              </a:defRPr>
+            </a:lvl7pPr>
+            <a:lvl8pPr marL="2029968" indent="-182880" algn="l" rtl="0" eaLnBrk="1" latinLnBrk="0" hangingPunct="1">
+              <a:spcBef>
+                <a:spcPts val="300"/>
+              </a:spcBef>
+              <a:buClr>
+                <a:schemeClr val="accent3"/>
+              </a:buClr>
+              <a:buFont typeface="Georgia"/>
+              <a:buChar char="◦"/>
+              <a:defRPr kumimoji="0" sz="1500" kern="1200">
+                <a:solidFill>
+                  <a:schemeClr val="accent3"/>
+                </a:solidFill>
+                <a:latin typeface="+mn-lt"/>
+                <a:ea typeface="+mn-ea"/>
+                <a:cs typeface="+mn-cs"/>
+              </a:defRPr>
+            </a:lvl8pPr>
+            <a:lvl9pPr marL="2240280" indent="-182880" algn="l" rtl="0" eaLnBrk="1" latinLnBrk="0" hangingPunct="1">
+              <a:spcBef>
+                <a:spcPts val="300"/>
+              </a:spcBef>
+              <a:buClr>
+                <a:schemeClr val="accent3"/>
+              </a:buClr>
+              <a:buFont typeface="Georgia"/>
+              <a:buChar char="◦"/>
+              <a:defRPr kumimoji="0" sz="1400" kern="1200" baseline="0">
+                <a:solidFill>
+                  <a:schemeClr val="accent3"/>
+                </a:solidFill>
+                <a:latin typeface="+mn-lt"/>
+                <a:ea typeface="+mn-ea"/>
+                <a:cs typeface="+mn-cs"/>
+              </a:defRPr>
+            </a:lvl9pPr>
+          </a:lstStyle>
+          <a:p>
+            <a:r>
+              <a:rPr lang="de-DE" dirty="0" smtClean="0"/>
+              <a:t>Projektleiterfunktion nicht in operativer Arbeit</a:t>
+            </a:r>
+          </a:p>
+          <a:p>
+            <a:r>
+              <a:rPr lang="de-DE" dirty="0" smtClean="0"/>
+              <a:t>Team</a:t>
+            </a:r>
+          </a:p>
+          <a:p>
+            <a:pPr lvl="1"/>
+            <a:r>
+              <a:rPr lang="de-DE" dirty="0" smtClean="0"/>
+              <a:t>max. 6 Personen</a:t>
+            </a:r>
+          </a:p>
+          <a:p>
+            <a:pPr lvl="1"/>
+            <a:r>
+              <a:rPr lang="de-DE" dirty="0" smtClean="0"/>
+              <a:t>Keine räumliche Trennung</a:t>
+            </a:r>
+          </a:p>
+          <a:p>
+            <a:r>
+              <a:rPr lang="de-DE" dirty="0" err="1" smtClean="0"/>
+              <a:t>Know-How</a:t>
+            </a:r>
+            <a:r>
+              <a:rPr lang="de-DE" dirty="0" smtClean="0"/>
+              <a:t> Übertragung </a:t>
+            </a:r>
+            <a:r>
+              <a:rPr lang="de-DE" dirty="0" smtClean="0">
+                <a:sym typeface="Wingdings" panose="05000000000000000000" pitchFamily="2" charset="2"/>
+              </a:rPr>
+              <a:t> </a:t>
+            </a:r>
+            <a:r>
+              <a:rPr lang="de-DE" dirty="0" smtClean="0"/>
+              <a:t>aufwändig</a:t>
+            </a:r>
+          </a:p>
+          <a:p>
+            <a:endParaRPr lang="de-DE" dirty="0" smtClean="0"/>
+          </a:p>
+          <a:p>
+            <a:pPr lvl="1"/>
+            <a:endParaRPr lang="de-DE" dirty="0" smtClean="0"/>
+          </a:p>
+          <a:p>
+            <a:pPr marL="411480" lvl="1" indent="0">
+              <a:buNone/>
+            </a:pPr>
+            <a:endParaRPr lang="de-DE" dirty="0"/>
+          </a:p>
+        </p:txBody>
+      </p:sp>
+    </p:spTree>
+    <p:extLst>
+      <p:ext uri="{BB962C8B-B14F-4D97-AF65-F5344CB8AC3E}">
+        <p14:creationId xmlns:p14="http://schemas.microsoft.com/office/powerpoint/2010/main" val="813066869"/>
+      </p:ext>
+    </p:extLst>
+  </p:cSld>
+  <p:clrMapOvr>
+    <a:masterClrMapping/>
+  </p:clrMapOvr>
+  <p:timing>
+    <p:tnLst>
+      <p:par>
+        <p:cTn id="1" dur="indefinite" restart="never" nodeType="tmRoot"/>
+      </p:par>
+    </p:tnLst>
+  </p:timing>
+</p:sld>
+</file>
+
+<file path=ppt/slides/slide18.xml><?xml version="1.0" encoding="utf-8"?>
+<p:sld xmlns:a="http://schemas.openxmlformats.org/drawingml/2006/main" xmlns:r="http://schemas.openxmlformats.org/officeDocument/2006/relationships" xmlns:p="http://schemas.openxmlformats.org/presentationml/2006/main">
+  <p:cSld>
+    <p:spTree>
+      <p:nvGrpSpPr>
+        <p:cNvPr id="1" name=""/>
+        <p:cNvGrpSpPr/>
+        <p:nvPr/>
+      </p:nvGrpSpPr>
+      <p:grpSpPr>
+        <a:xfrm>
+          <a:off x="0" y="0"/>
+          <a:ext cx="0" cy="0"/>
+          <a:chOff x="0" y="0"/>
+          <a:chExt cx="0" cy="0"/>
+        </a:xfrm>
+      </p:grpSpPr>
+      <p:sp>
+        <p:nvSpPr>
+          <p:cNvPr id="2" name="Titel 1"/>
+          <p:cNvSpPr>
+            <a:spLocks noGrp="1"/>
+          </p:cNvSpPr>
+          <p:nvPr>
+            <p:ph type="title"/>
+          </p:nvPr>
+        </p:nvSpPr>
+        <p:spPr/>
+        <p:txBody>
+          <a:bodyPr/>
+          <a:lstStyle/>
+          <a:p>
+            <a:r>
+              <a:rPr lang="de-DE" dirty="0" smtClean="0"/>
+              <a:t>Abgabedokumente</a:t>
+            </a:r>
+            <a:endParaRPr lang="de-DE" dirty="0"/>
+          </a:p>
+        </p:txBody>
+      </p:sp>
+      <p:sp>
+        <p:nvSpPr>
+          <p:cNvPr id="3" name="Inhaltsplatzhalter 2"/>
+          <p:cNvSpPr txBox="1">
+            <a:spLocks/>
+          </p:cNvSpPr>
+          <p:nvPr/>
+        </p:nvSpPr>
+        <p:spPr>
+          <a:xfrm>
+            <a:off x="457200" y="2249424"/>
+            <a:ext cx="8229600" cy="4325112"/>
+          </a:xfrm>
+          <a:prstGeom prst="rect">
+            <a:avLst/>
+          </a:prstGeom>
+        </p:spPr>
+        <p:txBody>
+          <a:bodyPr>
+            <a:normAutofit lnSpcReduction="10000"/>
+          </a:bodyPr>
+          <a:lstStyle>
+            <a:lvl1pPr marL="365760" indent="-256032" algn="l" rtl="0" eaLnBrk="1" latinLnBrk="0" hangingPunct="1">
+              <a:spcBef>
+                <a:spcPts val="300"/>
+              </a:spcBef>
+              <a:buClr>
+                <a:schemeClr val="accent3"/>
+              </a:buClr>
+              <a:buFont typeface="Georgia"/>
+              <a:buChar char="•"/>
+              <a:defRPr kumimoji="0" sz="2800" kern="1200">
+                <a:solidFill>
+                  <a:schemeClr val="tx1"/>
+                </a:solidFill>
+                <a:latin typeface="+mn-lt"/>
+                <a:ea typeface="+mn-ea"/>
+                <a:cs typeface="+mn-cs"/>
+              </a:defRPr>
+            </a:lvl1pPr>
+            <a:lvl2pPr marL="658368" indent="-246888" algn="l" rtl="0" eaLnBrk="1" latinLnBrk="0" hangingPunct="1">
+              <a:spcBef>
+                <a:spcPts val="300"/>
+              </a:spcBef>
+              <a:buClr>
+                <a:schemeClr val="accent2"/>
+              </a:buClr>
+              <a:buFont typeface="Georgia"/>
+              <a:buChar char="▫"/>
+              <a:defRPr kumimoji="0" sz="2600" kern="1200">
+                <a:solidFill>
+                  <a:schemeClr val="accent2"/>
+                </a:solidFill>
+                <a:latin typeface="+mn-lt"/>
+                <a:ea typeface="+mn-ea"/>
+                <a:cs typeface="+mn-cs"/>
+              </a:defRPr>
+            </a:lvl2pPr>
+            <a:lvl3pPr marL="923544" indent="-219456" algn="l" rtl="0" eaLnBrk="1" latinLnBrk="0" hangingPunct="1">
+              <a:spcBef>
+                <a:spcPts val="300"/>
+              </a:spcBef>
+              <a:buClr>
+                <a:schemeClr val="accent1"/>
+              </a:buClr>
+              <a:buFont typeface="Wingdings 2"/>
+              <a:buChar char=""/>
+              <a:defRPr kumimoji="0" sz="2400" kern="1200">
+                <a:solidFill>
+                  <a:schemeClr val="accent1"/>
+                </a:solidFill>
+                <a:latin typeface="+mn-lt"/>
+                <a:ea typeface="+mn-ea"/>
+                <a:cs typeface="+mn-cs"/>
+              </a:defRPr>
+            </a:lvl3pPr>
+            <a:lvl4pPr marL="1179576" indent="-201168" algn="l" rtl="0" eaLnBrk="1" latinLnBrk="0" hangingPunct="1">
+              <a:spcBef>
+                <a:spcPts val="300"/>
+              </a:spcBef>
+              <a:buClr>
+                <a:schemeClr val="accent1"/>
+              </a:buClr>
+              <a:buFont typeface="Wingdings 2"/>
+              <a:buChar char=""/>
+              <a:defRPr kumimoji="0" sz="2200" kern="1200">
+                <a:solidFill>
+                  <a:schemeClr val="accent1"/>
+                </a:solidFill>
+                <a:latin typeface="+mn-lt"/>
+                <a:ea typeface="+mn-ea"/>
+                <a:cs typeface="+mn-cs"/>
+              </a:defRPr>
+            </a:lvl4pPr>
+            <a:lvl5pPr marL="1389888" indent="-182880" algn="l" rtl="0" eaLnBrk="1" latinLnBrk="0" hangingPunct="1">
+              <a:spcBef>
+                <a:spcPts val="300"/>
+              </a:spcBef>
+              <a:buClr>
+                <a:schemeClr val="accent3"/>
+              </a:buClr>
+              <a:buFont typeface="Georgia"/>
+              <a:buChar char="▫"/>
+              <a:defRPr kumimoji="0" sz="2000" kern="1200">
+                <a:solidFill>
+                  <a:schemeClr val="accent3"/>
+                </a:solidFill>
+                <a:latin typeface="+mn-lt"/>
+                <a:ea typeface="+mn-ea"/>
+                <a:cs typeface="+mn-cs"/>
+              </a:defRPr>
+            </a:lvl5pPr>
+            <a:lvl6pPr marL="1609344" indent="-182880" algn="l" rtl="0" eaLnBrk="1" latinLnBrk="0" hangingPunct="1">
+              <a:spcBef>
+                <a:spcPts val="300"/>
+              </a:spcBef>
+              <a:buClr>
+                <a:schemeClr val="accent3"/>
+              </a:buClr>
+              <a:buFont typeface="Georgia"/>
+              <a:buChar char="▫"/>
+              <a:defRPr kumimoji="0" sz="1800" kern="1200">
+                <a:solidFill>
+                  <a:schemeClr val="accent3"/>
+                </a:solidFill>
+                <a:latin typeface="+mn-lt"/>
+                <a:ea typeface="+mn-ea"/>
+                <a:cs typeface="+mn-cs"/>
+              </a:defRPr>
+            </a:lvl6pPr>
+            <a:lvl7pPr marL="1828800" indent="-182880" algn="l" rtl="0" eaLnBrk="1" latinLnBrk="0" hangingPunct="1">
+              <a:spcBef>
+                <a:spcPts val="300"/>
+              </a:spcBef>
+              <a:buClr>
+                <a:schemeClr val="accent3"/>
+              </a:buClr>
+              <a:buFont typeface="Georgia"/>
+              <a:buChar char="▫"/>
+              <a:defRPr kumimoji="0" sz="1600" kern="1200">
+                <a:solidFill>
+                  <a:schemeClr val="accent3"/>
+                </a:solidFill>
+                <a:latin typeface="+mn-lt"/>
+                <a:ea typeface="+mn-ea"/>
+                <a:cs typeface="+mn-cs"/>
+              </a:defRPr>
+            </a:lvl7pPr>
+            <a:lvl8pPr marL="2029968" indent="-182880" algn="l" rtl="0" eaLnBrk="1" latinLnBrk="0" hangingPunct="1">
+              <a:spcBef>
+                <a:spcPts val="300"/>
+              </a:spcBef>
+              <a:buClr>
+                <a:schemeClr val="accent3"/>
+              </a:buClr>
+              <a:buFont typeface="Georgia"/>
+              <a:buChar char="◦"/>
+              <a:defRPr kumimoji="0" sz="1500" kern="1200">
+                <a:solidFill>
+                  <a:schemeClr val="accent3"/>
+                </a:solidFill>
+                <a:latin typeface="+mn-lt"/>
+                <a:ea typeface="+mn-ea"/>
+                <a:cs typeface="+mn-cs"/>
+              </a:defRPr>
+            </a:lvl8pPr>
+            <a:lvl9pPr marL="2240280" indent="-182880" algn="l" rtl="0" eaLnBrk="1" latinLnBrk="0" hangingPunct="1">
+              <a:spcBef>
+                <a:spcPts val="300"/>
+              </a:spcBef>
+              <a:buClr>
+                <a:schemeClr val="accent3"/>
+              </a:buClr>
+              <a:buFont typeface="Georgia"/>
+              <a:buChar char="◦"/>
+              <a:defRPr kumimoji="0" sz="1400" kern="1200" baseline="0">
+                <a:solidFill>
+                  <a:schemeClr val="accent3"/>
+                </a:solidFill>
+                <a:latin typeface="+mn-lt"/>
+                <a:ea typeface="+mn-ea"/>
+                <a:cs typeface="+mn-cs"/>
+              </a:defRPr>
+            </a:lvl9pPr>
+          </a:lstStyle>
+          <a:p>
+            <a:r>
+              <a:rPr lang="de-DE" dirty="0" smtClean="0"/>
+              <a:t>Style Guide</a:t>
+            </a:r>
+          </a:p>
+          <a:p>
+            <a:r>
+              <a:rPr lang="de-DE" dirty="0" smtClean="0"/>
+              <a:t>Installationsanleitung</a:t>
+            </a:r>
+          </a:p>
+          <a:p>
+            <a:r>
+              <a:rPr lang="de-DE" dirty="0" smtClean="0"/>
+              <a:t>Modelle</a:t>
+            </a:r>
+          </a:p>
+          <a:p>
+            <a:pPr lvl="1"/>
+            <a:r>
+              <a:rPr lang="de-DE" dirty="0" smtClean="0"/>
+              <a:t>GUI / View</a:t>
+            </a:r>
+          </a:p>
+          <a:p>
+            <a:pPr lvl="1"/>
+            <a:r>
+              <a:rPr lang="de-DE" dirty="0" smtClean="0"/>
+              <a:t>Controller</a:t>
+            </a:r>
+          </a:p>
+          <a:p>
+            <a:pPr lvl="1"/>
+            <a:r>
+              <a:rPr lang="de-DE" dirty="0" smtClean="0"/>
+              <a:t>Model</a:t>
+            </a:r>
+          </a:p>
+          <a:p>
+            <a:pPr lvl="1"/>
+            <a:r>
+              <a:rPr lang="de-DE" dirty="0" smtClean="0"/>
+              <a:t>Architektur</a:t>
+            </a:r>
+            <a:endParaRPr lang="de-DE" dirty="0"/>
+          </a:p>
+          <a:p>
+            <a:r>
+              <a:rPr lang="de-DE" dirty="0" smtClean="0"/>
+              <a:t>Rollen und </a:t>
+            </a:r>
+            <a:r>
+              <a:rPr lang="de-DE" dirty="0" smtClean="0"/>
+              <a:t>Rechte</a:t>
+            </a:r>
+          </a:p>
+          <a:p>
+            <a:r>
+              <a:rPr lang="de-DE" dirty="0" smtClean="0"/>
+              <a:t>Testdokumentation</a:t>
+            </a:r>
+            <a:endParaRPr lang="de-DE" dirty="0" smtClean="0"/>
+          </a:p>
+          <a:p>
+            <a:r>
+              <a:rPr lang="de-DE" dirty="0" err="1" smtClean="0"/>
+              <a:t>JavaDoc</a:t>
+            </a:r>
+            <a:endParaRPr lang="de-DE" dirty="0" smtClean="0"/>
+          </a:p>
+        </p:txBody>
+      </p:sp>
+    </p:spTree>
+    <p:extLst>
+      <p:ext uri="{BB962C8B-B14F-4D97-AF65-F5344CB8AC3E}">
+        <p14:creationId xmlns:p14="http://schemas.microsoft.com/office/powerpoint/2010/main" val="215732145"/>
+      </p:ext>
+    </p:extLst>
+  </p:cSld>
+  <p:clrMapOvr>
+    <a:masterClrMapping/>
+  </p:clrMapOvr>
+  <p:timing>
+    <p:tnLst>
+      <p:par>
+        <p:cTn id="1" dur="indefinite" restart="never" nodeType="tmRoot"/>
+      </p:par>
+    </p:tnLst>
+  </p:timing>
+</p:sld>
+</file>
+
+<file path=ppt/slides/slide19.xml><?xml version="1.0" encoding="utf-8"?>
+<p:sld xmlns:a="http://schemas.openxmlformats.org/drawingml/2006/main" xmlns:r="http://schemas.openxmlformats.org/officeDocument/2006/relationships" xmlns:p="http://schemas.openxmlformats.org/presentationml/2006/main">
+  <p:cSld>
+    <p:spTree>
+      <p:nvGrpSpPr>
+        <p:cNvPr id="1" name=""/>
+        <p:cNvGrpSpPr/>
+        <p:nvPr/>
+      </p:nvGrpSpPr>
+      <p:grpSpPr>
+        <a:xfrm>
+          <a:off x="0" y="0"/>
+          <a:ext cx="0" cy="0"/>
+          <a:chOff x="0" y="0"/>
+          <a:chExt cx="0" cy="0"/>
+        </a:xfrm>
+      </p:grpSpPr>
+      <p:sp>
+        <p:nvSpPr>
+          <p:cNvPr id="2" name="Titel 1"/>
+          <p:cNvSpPr>
+            <a:spLocks noGrp="1"/>
+          </p:cNvSpPr>
+          <p:nvPr>
+            <p:ph type="title"/>
+          </p:nvPr>
+        </p:nvSpPr>
+        <p:spPr>
+          <a:xfrm>
+            <a:off x="457200" y="1143000"/>
+            <a:ext cx="8229600" cy="3510136"/>
+          </a:xfrm>
+        </p:spPr>
+        <p:txBody>
+          <a:bodyPr>
+            <a:normAutofit/>
+          </a:bodyPr>
+          <a:lstStyle/>
+          <a:p>
+            <a:pPr algn="ctr"/>
+            <a:r>
+              <a:rPr lang="de-DE" dirty="0" smtClean="0"/>
+              <a:t>Vielen Dank für Ihre Aufmerksamkeit.</a:t>
+            </a:r>
+            <a:endParaRPr lang="de-DE" dirty="0"/>
+          </a:p>
+        </p:txBody>
+      </p:sp>
+    </p:spTree>
+    <p:extLst>
+      <p:ext uri="{BB962C8B-B14F-4D97-AF65-F5344CB8AC3E}">
+        <p14:creationId xmlns:p14="http://schemas.microsoft.com/office/powerpoint/2010/main" val="3080953501"/>
+      </p:ext>
+    </p:extLst>
+  </p:cSld>
+  <p:clrMapOvr>
+    <a:masterClrMapping/>
+  </p:clrMapOvr>
+  <p:timing>
+    <p:tnLst>
+      <p:par>
+        <p:cTn id="1" dur="indefinite" restart="never" nodeType="tmRoot"/>
+      </p:par>
+    </p:tnLst>
+  </p:timing>
+</p:sld>
+</file>
+
+<file path=ppt/slides/slide2.xml><?xml version="1.0" encoding="utf-8"?>
+<p:sld xmlns:a="http://schemas.openxmlformats.org/drawingml/2006/main" xmlns:r="http://schemas.openxmlformats.org/officeDocument/2006/relationships" xmlns:p="http://schemas.openxmlformats.org/presentationml/2006/main">
+  <p:cSld>
+    <p:spTree>
+      <p:nvGrpSpPr>
+        <p:cNvPr id="1" name=""/>
+        <p:cNvGrpSpPr/>
+        <p:nvPr/>
+      </p:nvGrpSpPr>
+      <p:grpSpPr>
+        <a:xfrm>
+          <a:off x="0" y="0"/>
+          <a:ext cx="0" cy="0"/>
+          <a:chOff x="0" y="0"/>
+          <a:chExt cx="0" cy="0"/>
+        </a:xfrm>
+      </p:grpSpPr>
+      <p:sp>
+        <p:nvSpPr>
+          <p:cNvPr id="2" name="Titel 1"/>
+          <p:cNvSpPr>
+            <a:spLocks noGrp="1"/>
+          </p:cNvSpPr>
+          <p:nvPr>
+            <p:ph type="title"/>
+          </p:nvPr>
+        </p:nvSpPr>
+        <p:spPr/>
+        <p:txBody>
+          <a:bodyPr/>
+          <a:lstStyle/>
+          <a:p>
+            <a:r>
+              <a:rPr lang="de-DE" dirty="0" smtClean="0"/>
+              <a:t>Agenda</a:t>
+            </a:r>
+            <a:endParaRPr lang="de-DE" dirty="0"/>
+          </a:p>
+        </p:txBody>
+      </p:sp>
+      <p:sp>
+        <p:nvSpPr>
+          <p:cNvPr id="3" name="Inhaltsplatzhalter 2"/>
+          <p:cNvSpPr txBox="1">
+            <a:spLocks/>
+          </p:cNvSpPr>
+          <p:nvPr/>
+        </p:nvSpPr>
+        <p:spPr>
+          <a:xfrm>
+            <a:off x="457200" y="2249424"/>
+            <a:ext cx="8229600" cy="4325112"/>
+          </a:xfrm>
+          <a:prstGeom prst="rect">
+            <a:avLst/>
+          </a:prstGeom>
+        </p:spPr>
+        <p:txBody>
+          <a:bodyPr>
+            <a:normAutofit fontScale="85000" lnSpcReduction="20000"/>
+          </a:bodyPr>
+          <a:lstStyle>
+            <a:lvl1pPr marL="365760" indent="-256032" algn="l" rtl="0" eaLnBrk="1" latinLnBrk="0" hangingPunct="1">
+              <a:spcBef>
+                <a:spcPts val="300"/>
+              </a:spcBef>
+              <a:buClr>
+                <a:schemeClr val="accent3"/>
+              </a:buClr>
+              <a:buFont typeface="Georgia"/>
+              <a:buChar char="•"/>
+              <a:defRPr kumimoji="0" sz="2800" kern="1200">
+                <a:solidFill>
+                  <a:schemeClr val="tx1"/>
+                </a:solidFill>
+                <a:latin typeface="+mn-lt"/>
+                <a:ea typeface="+mn-ea"/>
+                <a:cs typeface="+mn-cs"/>
+              </a:defRPr>
+            </a:lvl1pPr>
+            <a:lvl2pPr marL="658368" indent="-246888" algn="l" rtl="0" eaLnBrk="1" latinLnBrk="0" hangingPunct="1">
+              <a:spcBef>
+                <a:spcPts val="300"/>
+              </a:spcBef>
+              <a:buClr>
+                <a:schemeClr val="accent2"/>
+              </a:buClr>
+              <a:buFont typeface="Georgia"/>
+              <a:buChar char="▫"/>
+              <a:defRPr kumimoji="0" sz="2600" kern="1200">
+                <a:solidFill>
+                  <a:schemeClr val="accent2"/>
+                </a:solidFill>
+                <a:latin typeface="+mn-lt"/>
+                <a:ea typeface="+mn-ea"/>
+                <a:cs typeface="+mn-cs"/>
+              </a:defRPr>
+            </a:lvl2pPr>
+            <a:lvl3pPr marL="923544" indent="-219456" algn="l" rtl="0" eaLnBrk="1" latinLnBrk="0" hangingPunct="1">
+              <a:spcBef>
+                <a:spcPts val="300"/>
+              </a:spcBef>
+              <a:buClr>
+                <a:schemeClr val="accent1"/>
+              </a:buClr>
+              <a:buFont typeface="Wingdings 2"/>
+              <a:buChar char=""/>
+              <a:defRPr kumimoji="0" sz="2400" kern="1200">
+                <a:solidFill>
+                  <a:schemeClr val="accent1"/>
+                </a:solidFill>
+                <a:latin typeface="+mn-lt"/>
+                <a:ea typeface="+mn-ea"/>
+                <a:cs typeface="+mn-cs"/>
+              </a:defRPr>
+            </a:lvl3pPr>
+            <a:lvl4pPr marL="1179576" indent="-201168" algn="l" rtl="0" eaLnBrk="1" latinLnBrk="0" hangingPunct="1">
+              <a:spcBef>
+                <a:spcPts val="300"/>
+              </a:spcBef>
+              <a:buClr>
+                <a:schemeClr val="accent1"/>
+              </a:buClr>
+              <a:buFont typeface="Wingdings 2"/>
+              <a:buChar char=""/>
+              <a:defRPr kumimoji="0" sz="2200" kern="1200">
+                <a:solidFill>
+                  <a:schemeClr val="accent1"/>
+                </a:solidFill>
+                <a:latin typeface="+mn-lt"/>
+                <a:ea typeface="+mn-ea"/>
+                <a:cs typeface="+mn-cs"/>
+              </a:defRPr>
+            </a:lvl4pPr>
+            <a:lvl5pPr marL="1389888" indent="-182880" algn="l" rtl="0" eaLnBrk="1" latinLnBrk="0" hangingPunct="1">
+              <a:spcBef>
+                <a:spcPts val="300"/>
+              </a:spcBef>
+              <a:buClr>
+                <a:schemeClr val="accent3"/>
+              </a:buClr>
+              <a:buFont typeface="Georgia"/>
+              <a:buChar char="▫"/>
+              <a:defRPr kumimoji="0" sz="2000" kern="1200">
+                <a:solidFill>
+                  <a:schemeClr val="accent3"/>
+                </a:solidFill>
+                <a:latin typeface="+mn-lt"/>
+                <a:ea typeface="+mn-ea"/>
+                <a:cs typeface="+mn-cs"/>
+              </a:defRPr>
+            </a:lvl5pPr>
+            <a:lvl6pPr marL="1609344" indent="-182880" algn="l" rtl="0" eaLnBrk="1" latinLnBrk="0" hangingPunct="1">
+              <a:spcBef>
+                <a:spcPts val="300"/>
+              </a:spcBef>
+              <a:buClr>
+                <a:schemeClr val="accent3"/>
+              </a:buClr>
+              <a:buFont typeface="Georgia"/>
+              <a:buChar char="▫"/>
+              <a:defRPr kumimoji="0" sz="1800" kern="1200">
+                <a:solidFill>
+                  <a:schemeClr val="accent3"/>
+                </a:solidFill>
+                <a:latin typeface="+mn-lt"/>
+                <a:ea typeface="+mn-ea"/>
+                <a:cs typeface="+mn-cs"/>
+              </a:defRPr>
+            </a:lvl6pPr>
+            <a:lvl7pPr marL="1828800" indent="-182880" algn="l" rtl="0" eaLnBrk="1" latinLnBrk="0" hangingPunct="1">
+              <a:spcBef>
+                <a:spcPts val="300"/>
+              </a:spcBef>
+              <a:buClr>
+                <a:schemeClr val="accent3"/>
+              </a:buClr>
+              <a:buFont typeface="Georgia"/>
+              <a:buChar char="▫"/>
+              <a:defRPr kumimoji="0" sz="1600" kern="1200">
+                <a:solidFill>
+                  <a:schemeClr val="accent3"/>
+                </a:solidFill>
+                <a:latin typeface="+mn-lt"/>
+                <a:ea typeface="+mn-ea"/>
+                <a:cs typeface="+mn-cs"/>
+              </a:defRPr>
+            </a:lvl7pPr>
+            <a:lvl8pPr marL="2029968" indent="-182880" algn="l" rtl="0" eaLnBrk="1" latinLnBrk="0" hangingPunct="1">
+              <a:spcBef>
+                <a:spcPts val="300"/>
+              </a:spcBef>
+              <a:buClr>
+                <a:schemeClr val="accent3"/>
+              </a:buClr>
+              <a:buFont typeface="Georgia"/>
+              <a:buChar char="◦"/>
+              <a:defRPr kumimoji="0" sz="1500" kern="1200">
+                <a:solidFill>
+                  <a:schemeClr val="accent3"/>
+                </a:solidFill>
+                <a:latin typeface="+mn-lt"/>
+                <a:ea typeface="+mn-ea"/>
+                <a:cs typeface="+mn-cs"/>
+              </a:defRPr>
+            </a:lvl8pPr>
+            <a:lvl9pPr marL="2240280" indent="-182880" algn="l" rtl="0" eaLnBrk="1" latinLnBrk="0" hangingPunct="1">
+              <a:spcBef>
+                <a:spcPts val="300"/>
+              </a:spcBef>
+              <a:buClr>
+                <a:schemeClr val="accent3"/>
+              </a:buClr>
+              <a:buFont typeface="Georgia"/>
+              <a:buChar char="◦"/>
+              <a:defRPr kumimoji="0" sz="1400" kern="1200" baseline="0">
+                <a:solidFill>
+                  <a:schemeClr val="accent3"/>
+                </a:solidFill>
+                <a:latin typeface="+mn-lt"/>
+                <a:ea typeface="+mn-ea"/>
+                <a:cs typeface="+mn-cs"/>
+              </a:defRPr>
+            </a:lvl9pPr>
+          </a:lstStyle>
+          <a:p>
+            <a:r>
+              <a:rPr lang="de-DE" dirty="0" smtClean="0"/>
+              <a:t>Aufgabenstellung</a:t>
+            </a:r>
+          </a:p>
+          <a:p>
+            <a:r>
               <a:rPr lang="de-DE" dirty="0" smtClean="0"/>
               <a:t>Projektorganisation</a:t>
             </a:r>
@@ -8642,7 +12224,7 @@
           <a:p>
             <a:r>
               <a:rPr lang="de-DE" dirty="0" smtClean="0"/>
-              <a:t>Live Show</a:t>
+              <a:t>Live Demo</a:t>
             </a:r>
           </a:p>
           <a:p>
@@ -8675,6 +12257,1053 @@
   <p:clrMapOvr>
     <a:masterClrMapping/>
   </p:clrMapOvr>
+  <p:timing>
+    <p:tnLst>
+      <p:par>
+        <p:cTn id="1" dur="indefinite" restart="never" nodeType="tmRoot"/>
+      </p:par>
+    </p:tnLst>
+  </p:timing>
+</p:sld>
+</file>
+
+<file path=ppt/slides/slide20.xml><?xml version="1.0" encoding="utf-8"?>
+<p:sld xmlns:a="http://schemas.openxmlformats.org/drawingml/2006/main" xmlns:r="http://schemas.openxmlformats.org/officeDocument/2006/relationships" xmlns:p="http://schemas.openxmlformats.org/presentationml/2006/main">
+  <p:cSld>
+    <p:spTree>
+      <p:nvGrpSpPr>
+        <p:cNvPr id="1" name=""/>
+        <p:cNvGrpSpPr/>
+        <p:nvPr/>
+      </p:nvGrpSpPr>
+      <p:grpSpPr>
+        <a:xfrm>
+          <a:off x="0" y="0"/>
+          <a:ext cx="0" cy="0"/>
+          <a:chOff x="0" y="0"/>
+          <a:chExt cx="0" cy="0"/>
+        </a:xfrm>
+      </p:grpSpPr>
+      <p:sp>
+        <p:nvSpPr>
+          <p:cNvPr id="2" name="Titel 1"/>
+          <p:cNvSpPr>
+            <a:spLocks noGrp="1"/>
+          </p:cNvSpPr>
+          <p:nvPr>
+            <p:ph type="title"/>
+          </p:nvPr>
+        </p:nvSpPr>
+        <p:spPr/>
+        <p:txBody>
+          <a:bodyPr/>
+          <a:lstStyle/>
+          <a:p>
+            <a:r>
+              <a:rPr lang="de-DE" dirty="0" smtClean="0"/>
+              <a:t>BACKUP</a:t>
+            </a:r>
+            <a:endParaRPr lang="de-DE" dirty="0"/>
+          </a:p>
+        </p:txBody>
+      </p:sp>
+    </p:spTree>
+    <p:extLst>
+      <p:ext uri="{BB962C8B-B14F-4D97-AF65-F5344CB8AC3E}">
+        <p14:creationId xmlns:p14="http://schemas.microsoft.com/office/powerpoint/2010/main" val="1555926251"/>
+      </p:ext>
+    </p:extLst>
+  </p:cSld>
+  <p:clrMapOvr>
+    <a:masterClrMapping/>
+  </p:clrMapOvr>
+  <p:timing>
+    <p:tnLst>
+      <p:par>
+        <p:cTn id="1" dur="indefinite" restart="never" nodeType="tmRoot"/>
+      </p:par>
+    </p:tnLst>
+  </p:timing>
+</p:sld>
+</file>
+
+<file path=ppt/slides/slide21.xml><?xml version="1.0" encoding="utf-8"?>
+<p:sld xmlns:a="http://schemas.openxmlformats.org/drawingml/2006/main" xmlns:r="http://schemas.openxmlformats.org/officeDocument/2006/relationships" xmlns:p="http://schemas.openxmlformats.org/presentationml/2006/main">
+  <p:cSld>
+    <p:spTree>
+      <p:nvGrpSpPr>
+        <p:cNvPr id="1" name=""/>
+        <p:cNvGrpSpPr/>
+        <p:nvPr/>
+      </p:nvGrpSpPr>
+      <p:grpSpPr>
+        <a:xfrm>
+          <a:off x="0" y="0"/>
+          <a:ext cx="0" cy="0"/>
+          <a:chOff x="0" y="0"/>
+          <a:chExt cx="0" cy="0"/>
+        </a:xfrm>
+      </p:grpSpPr>
+      <p:sp>
+        <p:nvSpPr>
+          <p:cNvPr id="2" name="Titel 1"/>
+          <p:cNvSpPr>
+            <a:spLocks noGrp="1"/>
+          </p:cNvSpPr>
+          <p:nvPr>
+            <p:ph type="title"/>
+          </p:nvPr>
+        </p:nvSpPr>
+        <p:spPr/>
+        <p:txBody>
+          <a:bodyPr/>
+          <a:lstStyle/>
+          <a:p>
+            <a:r>
+              <a:rPr lang="de-DE" dirty="0" smtClean="0"/>
+              <a:t>Use Case „Login“</a:t>
+            </a:r>
+            <a:endParaRPr lang="de-DE" dirty="0"/>
+          </a:p>
+        </p:txBody>
+      </p:sp>
+      <p:sp>
+        <p:nvSpPr>
+          <p:cNvPr id="3" name="Inhaltsplatzhalter 2"/>
+          <p:cNvSpPr>
+            <a:spLocks noGrp="1"/>
+          </p:cNvSpPr>
+          <p:nvPr>
+            <p:ph idx="1"/>
+          </p:nvPr>
+        </p:nvSpPr>
+        <p:spPr/>
+        <p:txBody>
+          <a:bodyPr/>
+          <a:lstStyle/>
+          <a:p>
+            <a:r>
+              <a:rPr lang="de-DE" dirty="0" smtClean="0"/>
+              <a:t>Benutzername und Passwort müssen zur Authentifizierung eingegeben werden</a:t>
+            </a:r>
+          </a:p>
+          <a:p>
+            <a:r>
+              <a:rPr lang="de-DE" dirty="0" smtClean="0"/>
+              <a:t>Passwort muss in der Datenbank verschlüsselt abgelegt werden</a:t>
+            </a:r>
+            <a:endParaRPr lang="de-DE" dirty="0"/>
+          </a:p>
+        </p:txBody>
+      </p:sp>
+    </p:spTree>
+    <p:extLst>
+      <p:ext uri="{BB962C8B-B14F-4D97-AF65-F5344CB8AC3E}">
+        <p14:creationId xmlns:p14="http://schemas.microsoft.com/office/powerpoint/2010/main" val="511365991"/>
+      </p:ext>
+    </p:extLst>
+  </p:cSld>
+  <p:clrMapOvr>
+    <a:masterClrMapping/>
+  </p:clrMapOvr>
+  <p:timing>
+    <p:tnLst>
+      <p:par>
+        <p:cTn id="1" dur="indefinite" restart="never" nodeType="tmRoot"/>
+      </p:par>
+    </p:tnLst>
+  </p:timing>
+</p:sld>
+</file>
+
+<file path=ppt/slides/slide22.xml><?xml version="1.0" encoding="utf-8"?>
+<p:sld xmlns:a="http://schemas.openxmlformats.org/drawingml/2006/main" xmlns:r="http://schemas.openxmlformats.org/officeDocument/2006/relationships" xmlns:p="http://schemas.openxmlformats.org/presentationml/2006/main">
+  <p:cSld>
+    <p:spTree>
+      <p:nvGrpSpPr>
+        <p:cNvPr id="1" name=""/>
+        <p:cNvGrpSpPr/>
+        <p:nvPr/>
+      </p:nvGrpSpPr>
+      <p:grpSpPr>
+        <a:xfrm>
+          <a:off x="0" y="0"/>
+          <a:ext cx="0" cy="0"/>
+          <a:chOff x="0" y="0"/>
+          <a:chExt cx="0" cy="0"/>
+        </a:xfrm>
+      </p:grpSpPr>
+      <p:sp>
+        <p:nvSpPr>
+          <p:cNvPr id="2" name="Titel 1"/>
+          <p:cNvSpPr>
+            <a:spLocks noGrp="1"/>
+          </p:cNvSpPr>
+          <p:nvPr>
+            <p:ph type="title"/>
+          </p:nvPr>
+        </p:nvSpPr>
+        <p:spPr/>
+        <p:txBody>
+          <a:bodyPr/>
+          <a:lstStyle/>
+          <a:p>
+            <a:r>
+              <a:rPr lang="de-DE" dirty="0" smtClean="0"/>
+              <a:t>Use Case „Passwort“</a:t>
+            </a:r>
+            <a:endParaRPr lang="de-DE" dirty="0"/>
+          </a:p>
+        </p:txBody>
+      </p:sp>
+      <p:sp>
+        <p:nvSpPr>
+          <p:cNvPr id="3" name="Inhaltsplatzhalter 2"/>
+          <p:cNvSpPr>
+            <a:spLocks noGrp="1"/>
+          </p:cNvSpPr>
+          <p:nvPr>
+            <p:ph idx="1"/>
+          </p:nvPr>
+        </p:nvSpPr>
+        <p:spPr/>
+        <p:txBody>
+          <a:bodyPr/>
+          <a:lstStyle/>
+          <a:p>
+            <a:r>
+              <a:rPr lang="de-DE" dirty="0" smtClean="0"/>
+              <a:t>Vergessen: bei vergessenem Passwort muss sich der User beim UHD melden (die Telefonnummer wird im Hilfe-Fenster der Login-Oberfläche angezeigt)</a:t>
+            </a:r>
+          </a:p>
+          <a:p>
+            <a:r>
+              <a:rPr lang="de-DE" dirty="0" smtClean="0"/>
+              <a:t>Ändern: beim ersten Login muss das Passwort vom User geändert werden</a:t>
+            </a:r>
+          </a:p>
+          <a:p>
+            <a:pPr lvl="1"/>
+            <a:r>
+              <a:rPr lang="de-DE" dirty="0" smtClean="0"/>
+              <a:t>Danach kann es jederzeit wieder geändert werden</a:t>
+            </a:r>
+            <a:endParaRPr lang="de-DE" dirty="0"/>
+          </a:p>
+        </p:txBody>
+      </p:sp>
+    </p:spTree>
+    <p:extLst>
+      <p:ext uri="{BB962C8B-B14F-4D97-AF65-F5344CB8AC3E}">
+        <p14:creationId xmlns:p14="http://schemas.microsoft.com/office/powerpoint/2010/main" val="2367586276"/>
+      </p:ext>
+    </p:extLst>
+  </p:cSld>
+  <p:clrMapOvr>
+    <a:masterClrMapping/>
+  </p:clrMapOvr>
+  <p:timing>
+    <p:tnLst>
+      <p:par>
+        <p:cTn id="1" dur="indefinite" restart="never" nodeType="tmRoot"/>
+      </p:par>
+    </p:tnLst>
+  </p:timing>
+</p:sld>
+</file>
+
+<file path=ppt/slides/slide23.xml><?xml version="1.0" encoding="utf-8"?>
+<p:sld xmlns:a="http://schemas.openxmlformats.org/drawingml/2006/main" xmlns:r="http://schemas.openxmlformats.org/officeDocument/2006/relationships" xmlns:p="http://schemas.openxmlformats.org/presentationml/2006/main">
+  <p:cSld>
+    <p:spTree>
+      <p:nvGrpSpPr>
+        <p:cNvPr id="1" name=""/>
+        <p:cNvGrpSpPr/>
+        <p:nvPr/>
+      </p:nvGrpSpPr>
+      <p:grpSpPr>
+        <a:xfrm>
+          <a:off x="0" y="0"/>
+          <a:ext cx="0" cy="0"/>
+          <a:chOff x="0" y="0"/>
+          <a:chExt cx="0" cy="0"/>
+        </a:xfrm>
+      </p:grpSpPr>
+      <p:sp>
+        <p:nvSpPr>
+          <p:cNvPr id="2" name="Titel 1"/>
+          <p:cNvSpPr>
+            <a:spLocks noGrp="1"/>
+          </p:cNvSpPr>
+          <p:nvPr>
+            <p:ph type="title"/>
+          </p:nvPr>
+        </p:nvSpPr>
+        <p:spPr/>
+        <p:txBody>
+          <a:bodyPr/>
+          <a:lstStyle/>
+          <a:p>
+            <a:r>
+              <a:rPr lang="de-DE" dirty="0" smtClean="0"/>
+              <a:t>Use Case „Passwort“</a:t>
+            </a:r>
+            <a:endParaRPr lang="de-DE" dirty="0"/>
+          </a:p>
+        </p:txBody>
+      </p:sp>
+      <p:pic>
+        <p:nvPicPr>
+          <p:cNvPr id="5" name="Grafik 4"/>
+          <p:cNvPicPr>
+            <a:picLocks noChangeAspect="1"/>
+          </p:cNvPicPr>
+          <p:nvPr/>
+        </p:nvPicPr>
+        <p:blipFill>
+          <a:blip r:embed="rId2"/>
+          <a:stretch>
+            <a:fillRect/>
+          </a:stretch>
+        </p:blipFill>
+        <p:spPr>
+          <a:xfrm>
+            <a:off x="261937" y="2564904"/>
+            <a:ext cx="8620125" cy="2590800"/>
+          </a:xfrm>
+          <a:prstGeom prst="rect">
+            <a:avLst/>
+          </a:prstGeom>
+        </p:spPr>
+      </p:pic>
+    </p:spTree>
+    <p:extLst>
+      <p:ext uri="{BB962C8B-B14F-4D97-AF65-F5344CB8AC3E}">
+        <p14:creationId xmlns:p14="http://schemas.microsoft.com/office/powerpoint/2010/main" val="167482871"/>
+      </p:ext>
+    </p:extLst>
+  </p:cSld>
+  <p:clrMapOvr>
+    <a:masterClrMapping/>
+  </p:clrMapOvr>
+  <p:timing>
+    <p:tnLst>
+      <p:par>
+        <p:cTn id="1" dur="indefinite" restart="never" nodeType="tmRoot"/>
+      </p:par>
+    </p:tnLst>
+  </p:timing>
+</p:sld>
+</file>
+
+<file path=ppt/slides/slide24.xml><?xml version="1.0" encoding="utf-8"?>
+<p:sld xmlns:a="http://schemas.openxmlformats.org/drawingml/2006/main" xmlns:r="http://schemas.openxmlformats.org/officeDocument/2006/relationships" xmlns:p="http://schemas.openxmlformats.org/presentationml/2006/main">
+  <p:cSld>
+    <p:spTree>
+      <p:nvGrpSpPr>
+        <p:cNvPr id="1" name=""/>
+        <p:cNvGrpSpPr/>
+        <p:nvPr/>
+      </p:nvGrpSpPr>
+      <p:grpSpPr>
+        <a:xfrm>
+          <a:off x="0" y="0"/>
+          <a:ext cx="0" cy="0"/>
+          <a:chOff x="0" y="0"/>
+          <a:chExt cx="0" cy="0"/>
+        </a:xfrm>
+      </p:grpSpPr>
+      <p:sp>
+        <p:nvSpPr>
+          <p:cNvPr id="3" name="Titel 2"/>
+          <p:cNvSpPr>
+            <a:spLocks noGrp="1"/>
+          </p:cNvSpPr>
+          <p:nvPr>
+            <p:ph type="title"/>
+          </p:nvPr>
+        </p:nvSpPr>
+        <p:spPr/>
+        <p:txBody>
+          <a:bodyPr/>
+          <a:lstStyle/>
+          <a:p>
+            <a:r>
+              <a:rPr lang="de-DE" dirty="0" smtClean="0"/>
+              <a:t>Use Case „Erfassen“</a:t>
+            </a:r>
+            <a:endParaRPr lang="de-DE" dirty="0"/>
+          </a:p>
+        </p:txBody>
+      </p:sp>
+      <p:sp>
+        <p:nvSpPr>
+          <p:cNvPr id="4" name="Inhaltsplatzhalter 3"/>
+          <p:cNvSpPr>
+            <a:spLocks noGrp="1"/>
+          </p:cNvSpPr>
+          <p:nvPr>
+            <p:ph idx="1"/>
+          </p:nvPr>
+        </p:nvSpPr>
+        <p:spPr/>
+        <p:txBody>
+          <a:bodyPr/>
+          <a:lstStyle/>
+          <a:p>
+            <a:r>
+              <a:rPr lang="de-DE" dirty="0" smtClean="0"/>
+              <a:t>Mitarbeiter soll mehrmals täglich einen Eintrag erfassen können</a:t>
+            </a:r>
+          </a:p>
+          <a:p>
+            <a:r>
+              <a:rPr lang="de-DE" dirty="0" smtClean="0"/>
+              <a:t>Ein Eintrag darf nur für die aktuelle und die vorherige Kalenderwoche (aktuelles Jahr) erfasst werden</a:t>
+            </a:r>
+            <a:endParaRPr lang="de-DE" dirty="0"/>
+          </a:p>
+        </p:txBody>
+      </p:sp>
+    </p:spTree>
+    <p:extLst>
+      <p:ext uri="{BB962C8B-B14F-4D97-AF65-F5344CB8AC3E}">
+        <p14:creationId xmlns:p14="http://schemas.microsoft.com/office/powerpoint/2010/main" val="432645280"/>
+      </p:ext>
+    </p:extLst>
+  </p:cSld>
+  <p:clrMapOvr>
+    <a:masterClrMapping/>
+  </p:clrMapOvr>
+  <p:timing>
+    <p:tnLst>
+      <p:par>
+        <p:cTn id="1" dur="indefinite" restart="never" nodeType="tmRoot"/>
+      </p:par>
+    </p:tnLst>
+  </p:timing>
+</p:sld>
+</file>
+
+<file path=ppt/slides/slide25.xml><?xml version="1.0" encoding="utf-8"?>
+<p:sld xmlns:a="http://schemas.openxmlformats.org/drawingml/2006/main" xmlns:r="http://schemas.openxmlformats.org/officeDocument/2006/relationships" xmlns:p="http://schemas.openxmlformats.org/presentationml/2006/main">
+  <p:cSld>
+    <p:spTree>
+      <p:nvGrpSpPr>
+        <p:cNvPr id="1" name=""/>
+        <p:cNvGrpSpPr/>
+        <p:nvPr/>
+      </p:nvGrpSpPr>
+      <p:grpSpPr>
+        <a:xfrm>
+          <a:off x="0" y="0"/>
+          <a:ext cx="0" cy="0"/>
+          <a:chOff x="0" y="0"/>
+          <a:chExt cx="0" cy="0"/>
+        </a:xfrm>
+      </p:grpSpPr>
+      <p:sp>
+        <p:nvSpPr>
+          <p:cNvPr id="2" name="Titel 1"/>
+          <p:cNvSpPr>
+            <a:spLocks noGrp="1"/>
+          </p:cNvSpPr>
+          <p:nvPr>
+            <p:ph type="title"/>
+          </p:nvPr>
+        </p:nvSpPr>
+        <p:spPr/>
+        <p:txBody>
+          <a:bodyPr>
+            <a:normAutofit fontScale="90000"/>
+          </a:bodyPr>
+          <a:lstStyle/>
+          <a:p>
+            <a:r>
+              <a:rPr lang="de-DE" dirty="0" smtClean="0"/>
+              <a:t>Use Case „Arbeitsgruppe einsehen“ - 		 Gruppenleiter</a:t>
+            </a:r>
+            <a:endParaRPr lang="de-DE" dirty="0"/>
+          </a:p>
+        </p:txBody>
+      </p:sp>
+      <p:sp>
+        <p:nvSpPr>
+          <p:cNvPr id="3" name="Inhaltsplatzhalter 2"/>
+          <p:cNvSpPr>
+            <a:spLocks noGrp="1"/>
+          </p:cNvSpPr>
+          <p:nvPr>
+            <p:ph idx="1"/>
+          </p:nvPr>
+        </p:nvSpPr>
+        <p:spPr>
+          <a:xfrm>
+            <a:off x="457200" y="2416256"/>
+            <a:ext cx="8229600" cy="4325112"/>
+          </a:xfrm>
+        </p:spPr>
+        <p:txBody>
+          <a:bodyPr/>
+          <a:lstStyle/>
+          <a:p>
+            <a:r>
+              <a:rPr lang="de-DE" dirty="0" smtClean="0"/>
+              <a:t>Gruppenleiter: darf die Ergebnisse seiner eigenen Arbeitsgruppe einsehen</a:t>
+            </a:r>
+          </a:p>
+          <a:p>
+            <a:r>
+              <a:rPr lang="de-DE" dirty="0" smtClean="0"/>
+              <a:t>„Drucken“ gibt die aktuelle Tabelle als PDF-Datei aus</a:t>
+            </a:r>
+          </a:p>
+        </p:txBody>
+      </p:sp>
+    </p:spTree>
+    <p:extLst>
+      <p:ext uri="{BB962C8B-B14F-4D97-AF65-F5344CB8AC3E}">
+        <p14:creationId xmlns:p14="http://schemas.microsoft.com/office/powerpoint/2010/main" val="2011369229"/>
+      </p:ext>
+    </p:extLst>
+  </p:cSld>
+  <p:clrMapOvr>
+    <a:masterClrMapping/>
+  </p:clrMapOvr>
+  <p:timing>
+    <p:tnLst>
+      <p:par>
+        <p:cTn id="1" dur="indefinite" restart="never" nodeType="tmRoot"/>
+      </p:par>
+    </p:tnLst>
+  </p:timing>
+</p:sld>
+</file>
+
+<file path=ppt/slides/slide26.xml><?xml version="1.0" encoding="utf-8"?>
+<p:sld xmlns:a="http://schemas.openxmlformats.org/drawingml/2006/main" xmlns:r="http://schemas.openxmlformats.org/officeDocument/2006/relationships" xmlns:p="http://schemas.openxmlformats.org/presentationml/2006/main">
+  <p:cSld>
+    <p:spTree>
+      <p:nvGrpSpPr>
+        <p:cNvPr id="1" name=""/>
+        <p:cNvGrpSpPr/>
+        <p:nvPr/>
+      </p:nvGrpSpPr>
+      <p:grpSpPr>
+        <a:xfrm>
+          <a:off x="0" y="0"/>
+          <a:ext cx="0" cy="0"/>
+          <a:chOff x="0" y="0"/>
+          <a:chExt cx="0" cy="0"/>
+        </a:xfrm>
+      </p:grpSpPr>
+      <p:sp>
+        <p:nvSpPr>
+          <p:cNvPr id="2" name="Titel 1"/>
+          <p:cNvSpPr>
+            <a:spLocks noGrp="1"/>
+          </p:cNvSpPr>
+          <p:nvPr>
+            <p:ph type="title"/>
+          </p:nvPr>
+        </p:nvSpPr>
+        <p:spPr/>
+        <p:txBody>
+          <a:bodyPr>
+            <a:normAutofit fontScale="90000"/>
+          </a:bodyPr>
+          <a:lstStyle/>
+          <a:p>
+            <a:r>
+              <a:rPr lang="de-DE" dirty="0" smtClean="0"/>
+              <a:t>Use Case „Arbeitsgruppen einsehen“ - 		 Bereichsleiter</a:t>
+            </a:r>
+            <a:endParaRPr lang="de-DE" dirty="0"/>
+          </a:p>
+        </p:txBody>
+      </p:sp>
+      <p:sp>
+        <p:nvSpPr>
+          <p:cNvPr id="3" name="Inhaltsplatzhalter 2"/>
+          <p:cNvSpPr>
+            <a:spLocks noGrp="1"/>
+          </p:cNvSpPr>
+          <p:nvPr>
+            <p:ph idx="1"/>
+          </p:nvPr>
+        </p:nvSpPr>
+        <p:spPr>
+          <a:xfrm>
+            <a:off x="457200" y="2416256"/>
+            <a:ext cx="8229600" cy="4325112"/>
+          </a:xfrm>
+        </p:spPr>
+        <p:txBody>
+          <a:bodyPr>
+            <a:normAutofit/>
+          </a:bodyPr>
+          <a:lstStyle/>
+          <a:p>
+            <a:r>
+              <a:rPr lang="de-DE" dirty="0" smtClean="0"/>
+              <a:t>Bereichsleiter: darf alle Arbeitsgruppen seines Bereichs einsehen</a:t>
+            </a:r>
+          </a:p>
+          <a:p>
+            <a:r>
+              <a:rPr lang="de-DE" dirty="0" smtClean="0"/>
+              <a:t>Einträge der Arbeitsgruppen werden zusätzlich aufsummiert</a:t>
+            </a:r>
+          </a:p>
+          <a:p>
+            <a:r>
+              <a:rPr lang="de-DE" dirty="0" smtClean="0"/>
+              <a:t>„</a:t>
+            </a:r>
+            <a:r>
+              <a:rPr lang="de-DE" dirty="0"/>
+              <a:t>Drucken“ gibt die aktuelle Tabelle als PDF-Datei </a:t>
+            </a:r>
+            <a:r>
+              <a:rPr lang="de-DE" dirty="0" smtClean="0"/>
+              <a:t>aus</a:t>
+            </a:r>
+            <a:endParaRPr lang="de-DE" dirty="0"/>
+          </a:p>
+        </p:txBody>
+      </p:sp>
+    </p:spTree>
+    <p:extLst>
+      <p:ext uri="{BB962C8B-B14F-4D97-AF65-F5344CB8AC3E}">
+        <p14:creationId xmlns:p14="http://schemas.microsoft.com/office/powerpoint/2010/main" val="241156330"/>
+      </p:ext>
+    </p:extLst>
+  </p:cSld>
+  <p:clrMapOvr>
+    <a:masterClrMapping/>
+  </p:clrMapOvr>
+  <p:timing>
+    <p:tnLst>
+      <p:par>
+        <p:cTn id="1" dur="indefinite" restart="never" nodeType="tmRoot"/>
+      </p:par>
+    </p:tnLst>
+  </p:timing>
+</p:sld>
+</file>
+
+<file path=ppt/slides/slide27.xml><?xml version="1.0" encoding="utf-8"?>
+<p:sld xmlns:a="http://schemas.openxmlformats.org/drawingml/2006/main" xmlns:r="http://schemas.openxmlformats.org/officeDocument/2006/relationships" xmlns:p="http://schemas.openxmlformats.org/presentationml/2006/main">
+  <p:cSld>
+    <p:spTree>
+      <p:nvGrpSpPr>
+        <p:cNvPr id="1" name=""/>
+        <p:cNvGrpSpPr/>
+        <p:nvPr/>
+      </p:nvGrpSpPr>
+      <p:grpSpPr>
+        <a:xfrm>
+          <a:off x="0" y="0"/>
+          <a:ext cx="0" cy="0"/>
+          <a:chOff x="0" y="0"/>
+          <a:chExt cx="0" cy="0"/>
+        </a:xfrm>
+      </p:grpSpPr>
+      <p:sp>
+        <p:nvSpPr>
+          <p:cNvPr id="2" name="Titel 1"/>
+          <p:cNvSpPr>
+            <a:spLocks noGrp="1"/>
+          </p:cNvSpPr>
+          <p:nvPr>
+            <p:ph type="title"/>
+          </p:nvPr>
+        </p:nvSpPr>
+        <p:spPr/>
+        <p:txBody>
+          <a:bodyPr/>
+          <a:lstStyle/>
+          <a:p>
+            <a:r>
+              <a:rPr lang="de-DE" dirty="0" smtClean="0"/>
+              <a:t>Use Case „Bereich einsehen“</a:t>
+            </a:r>
+            <a:endParaRPr lang="de-DE" dirty="0"/>
+          </a:p>
+        </p:txBody>
+      </p:sp>
+      <p:sp>
+        <p:nvSpPr>
+          <p:cNvPr id="3" name="Inhaltsplatzhalter 2"/>
+          <p:cNvSpPr>
+            <a:spLocks noGrp="1"/>
+          </p:cNvSpPr>
+          <p:nvPr>
+            <p:ph idx="1"/>
+          </p:nvPr>
+        </p:nvSpPr>
+        <p:spPr/>
+        <p:txBody>
+          <a:bodyPr>
+            <a:normAutofit fontScale="92500" lnSpcReduction="10000"/>
+          </a:bodyPr>
+          <a:lstStyle/>
+          <a:p>
+            <a:r>
+              <a:rPr lang="de-DE" dirty="0" smtClean="0"/>
+              <a:t>Zentralbereichsleiter und Fachbereichs-organisation: dürfen alle Bereiche einsehen</a:t>
+            </a:r>
+          </a:p>
+          <a:p>
+            <a:r>
+              <a:rPr lang="de-DE" dirty="0" smtClean="0"/>
+              <a:t>Von der Übersicht der Bereiche kann der User direkt auf die Arbeitsgruppen eines Bereichs gelangen</a:t>
+            </a:r>
+          </a:p>
+          <a:p>
+            <a:r>
+              <a:rPr lang="de-DE" dirty="0" smtClean="0"/>
+              <a:t>Einträge der Bereiche werden zusätzlich aufsummiert</a:t>
+            </a:r>
+          </a:p>
+          <a:p>
+            <a:r>
+              <a:rPr lang="de-DE" dirty="0"/>
+              <a:t>„Abrechen“ leitet den </a:t>
+            </a:r>
+            <a:r>
+              <a:rPr lang="de-DE" dirty="0" smtClean="0"/>
+              <a:t>User wieder </a:t>
+            </a:r>
+            <a:r>
+              <a:rPr lang="de-DE" dirty="0"/>
+              <a:t>auf die Seite zurück, auf der er Kalenderjahr und Kalenderwoche eingeben kann, um Daten anzuzeigen</a:t>
+            </a:r>
+          </a:p>
+          <a:p>
+            <a:r>
+              <a:rPr lang="de-DE" dirty="0"/>
+              <a:t>„Drucken“ gibt die aktuelle Tabelle als PDF-Datei </a:t>
+            </a:r>
+            <a:r>
+              <a:rPr lang="de-DE" dirty="0" smtClean="0"/>
+              <a:t>aus</a:t>
+            </a:r>
+            <a:endParaRPr lang="de-DE" dirty="0"/>
+          </a:p>
+        </p:txBody>
+      </p:sp>
+    </p:spTree>
+    <p:extLst>
+      <p:ext uri="{BB962C8B-B14F-4D97-AF65-F5344CB8AC3E}">
+        <p14:creationId xmlns:p14="http://schemas.microsoft.com/office/powerpoint/2010/main" val="1739418431"/>
+      </p:ext>
+    </p:extLst>
+  </p:cSld>
+  <p:clrMapOvr>
+    <a:masterClrMapping/>
+  </p:clrMapOvr>
+  <p:timing>
+    <p:tnLst>
+      <p:par>
+        <p:cTn id="1" dur="indefinite" restart="never" nodeType="tmRoot"/>
+      </p:par>
+    </p:tnLst>
+  </p:timing>
+</p:sld>
+</file>
+
+<file path=ppt/slides/slide28.xml><?xml version="1.0" encoding="utf-8"?>
+<p:sld xmlns:a="http://schemas.openxmlformats.org/drawingml/2006/main" xmlns:r="http://schemas.openxmlformats.org/officeDocument/2006/relationships" xmlns:p="http://schemas.openxmlformats.org/presentationml/2006/main">
+  <p:cSld>
+    <p:spTree>
+      <p:nvGrpSpPr>
+        <p:cNvPr id="1" name=""/>
+        <p:cNvGrpSpPr/>
+        <p:nvPr/>
+      </p:nvGrpSpPr>
+      <p:grpSpPr>
+        <a:xfrm>
+          <a:off x="0" y="0"/>
+          <a:ext cx="0" cy="0"/>
+          <a:chOff x="0" y="0"/>
+          <a:chExt cx="0" cy="0"/>
+        </a:xfrm>
+      </p:grpSpPr>
+      <p:sp>
+        <p:nvSpPr>
+          <p:cNvPr id="2" name="Titel 1"/>
+          <p:cNvSpPr>
+            <a:spLocks noGrp="1"/>
+          </p:cNvSpPr>
+          <p:nvPr>
+            <p:ph type="title"/>
+          </p:nvPr>
+        </p:nvSpPr>
+        <p:spPr/>
+        <p:txBody>
+          <a:bodyPr/>
+          <a:lstStyle/>
+          <a:p>
+            <a:r>
+              <a:rPr lang="de-DE" dirty="0" smtClean="0"/>
+              <a:t>Use Case „Bereich“</a:t>
+            </a:r>
+            <a:endParaRPr lang="de-DE" dirty="0"/>
+          </a:p>
+        </p:txBody>
+      </p:sp>
+      <p:sp>
+        <p:nvSpPr>
+          <p:cNvPr id="3" name="Inhaltsplatzhalter 2"/>
+          <p:cNvSpPr>
+            <a:spLocks noGrp="1"/>
+          </p:cNvSpPr>
+          <p:nvPr>
+            <p:ph idx="1"/>
+          </p:nvPr>
+        </p:nvSpPr>
+        <p:spPr/>
+        <p:txBody>
+          <a:bodyPr>
+            <a:normAutofit/>
+          </a:bodyPr>
+          <a:lstStyle/>
+          <a:p>
+            <a:r>
+              <a:rPr lang="de-DE" dirty="0" smtClean="0"/>
+              <a:t>Die Verwaltung erfolgt über die Fachbereichs-organisation</a:t>
+            </a:r>
+          </a:p>
+          <a:p>
+            <a:r>
+              <a:rPr lang="de-DE" dirty="0" smtClean="0"/>
+              <a:t>Anlegen: mit Angaben über Bezeichnung und Kurzbezeichnung soll ein Bereich angelegt werden können</a:t>
+            </a:r>
+          </a:p>
+        </p:txBody>
+      </p:sp>
+    </p:spTree>
+    <p:extLst>
+      <p:ext uri="{BB962C8B-B14F-4D97-AF65-F5344CB8AC3E}">
+        <p14:creationId xmlns:p14="http://schemas.microsoft.com/office/powerpoint/2010/main" val="2615168494"/>
+      </p:ext>
+    </p:extLst>
+  </p:cSld>
+  <p:clrMapOvr>
+    <a:masterClrMapping/>
+  </p:clrMapOvr>
+  <p:timing>
+    <p:tnLst>
+      <p:par>
+        <p:cTn id="1" dur="indefinite" restart="never" nodeType="tmRoot"/>
+      </p:par>
+    </p:tnLst>
+  </p:timing>
+</p:sld>
+</file>
+
+<file path=ppt/slides/slide29.xml><?xml version="1.0" encoding="utf-8"?>
+<p:sld xmlns:a="http://schemas.openxmlformats.org/drawingml/2006/main" xmlns:r="http://schemas.openxmlformats.org/officeDocument/2006/relationships" xmlns:p="http://schemas.openxmlformats.org/presentationml/2006/main">
+  <p:cSld>
+    <p:spTree>
+      <p:nvGrpSpPr>
+        <p:cNvPr id="1" name=""/>
+        <p:cNvGrpSpPr/>
+        <p:nvPr/>
+      </p:nvGrpSpPr>
+      <p:grpSpPr>
+        <a:xfrm>
+          <a:off x="0" y="0"/>
+          <a:ext cx="0" cy="0"/>
+          <a:chOff x="0" y="0"/>
+          <a:chExt cx="0" cy="0"/>
+        </a:xfrm>
+      </p:grpSpPr>
+      <p:sp>
+        <p:nvSpPr>
+          <p:cNvPr id="2" name="Titel 1"/>
+          <p:cNvSpPr>
+            <a:spLocks noGrp="1"/>
+          </p:cNvSpPr>
+          <p:nvPr>
+            <p:ph type="title"/>
+          </p:nvPr>
+        </p:nvSpPr>
+        <p:spPr/>
+        <p:txBody>
+          <a:bodyPr/>
+          <a:lstStyle/>
+          <a:p>
+            <a:r>
+              <a:rPr lang="de-DE" dirty="0" smtClean="0"/>
+              <a:t>Use Case „Bereich“</a:t>
+            </a:r>
+            <a:endParaRPr lang="de-DE" dirty="0"/>
+          </a:p>
+        </p:txBody>
+      </p:sp>
+      <p:sp>
+        <p:nvSpPr>
+          <p:cNvPr id="3" name="Inhaltsplatzhalter 2"/>
+          <p:cNvSpPr>
+            <a:spLocks noGrp="1"/>
+          </p:cNvSpPr>
+          <p:nvPr>
+            <p:ph idx="1"/>
+          </p:nvPr>
+        </p:nvSpPr>
+        <p:spPr/>
+        <p:txBody>
+          <a:bodyPr>
+            <a:normAutofit/>
+          </a:bodyPr>
+          <a:lstStyle/>
+          <a:p>
+            <a:r>
+              <a:rPr lang="de-DE" dirty="0"/>
+              <a:t>Die Auswahl zur Bearbeitung bzw. zur Löschung erfolgt über eine </a:t>
+            </a:r>
+            <a:r>
+              <a:rPr lang="de-DE" dirty="0" smtClean="0"/>
+              <a:t>Oberfläche mit Drop-Down-Feld</a:t>
+            </a:r>
+          </a:p>
+          <a:p>
+            <a:r>
+              <a:rPr lang="de-DE" dirty="0" smtClean="0"/>
+              <a:t>Bearbeiten: die Bezeichnung, die Kurz-bezeichnung und der Leiter sollen geändert werden können</a:t>
+            </a:r>
+          </a:p>
+          <a:p>
+            <a:r>
+              <a:rPr lang="de-DE" dirty="0" smtClean="0"/>
+              <a:t>Löschen: der Bereich wird inaktiv gesetzt, sobald alle Arbeitsgruppen und Mitarbeiter aus dem Bereich entfernt wurden</a:t>
+            </a:r>
+            <a:endParaRPr lang="de-DE" dirty="0"/>
+          </a:p>
+        </p:txBody>
+      </p:sp>
+    </p:spTree>
+    <p:extLst>
+      <p:ext uri="{BB962C8B-B14F-4D97-AF65-F5344CB8AC3E}">
+        <p14:creationId xmlns:p14="http://schemas.microsoft.com/office/powerpoint/2010/main" val="42813484"/>
+      </p:ext>
+    </p:extLst>
+  </p:cSld>
+  <p:clrMapOvr>
+    <a:masterClrMapping/>
+  </p:clrMapOvr>
+  <p:timing>
+    <p:tnLst>
+      <p:par>
+        <p:cTn id="1" dur="indefinite" restart="never" nodeType="tmRoot"/>
+      </p:par>
+    </p:tnLst>
+  </p:timing>
+</p:sld>
+</file>
+
+<file path=ppt/slides/slide3.xml><?xml version="1.0" encoding="utf-8"?>
+<p:sld xmlns:a="http://schemas.openxmlformats.org/drawingml/2006/main" xmlns:r="http://schemas.openxmlformats.org/officeDocument/2006/relationships" xmlns:p="http://schemas.openxmlformats.org/presentationml/2006/main">
+  <p:cSld>
+    <p:spTree>
+      <p:nvGrpSpPr>
+        <p:cNvPr id="1" name=""/>
+        <p:cNvGrpSpPr/>
+        <p:nvPr/>
+      </p:nvGrpSpPr>
+      <p:grpSpPr>
+        <a:xfrm>
+          <a:off x="0" y="0"/>
+          <a:ext cx="0" cy="0"/>
+          <a:chOff x="0" y="0"/>
+          <a:chExt cx="0" cy="0"/>
+        </a:xfrm>
+      </p:grpSpPr>
+      <p:sp>
+        <p:nvSpPr>
+          <p:cNvPr id="2" name="Titel 1"/>
+          <p:cNvSpPr>
+            <a:spLocks noGrp="1"/>
+          </p:cNvSpPr>
+          <p:nvPr>
+            <p:ph type="title"/>
+          </p:nvPr>
+        </p:nvSpPr>
+        <p:spPr/>
+        <p:txBody>
+          <a:bodyPr/>
+          <a:lstStyle/>
+          <a:p>
+            <a:r>
+              <a:rPr lang="de-DE" dirty="0" smtClean="0"/>
+              <a:t>Aufgabenstellung</a:t>
+            </a:r>
+            <a:endParaRPr lang="de-DE" dirty="0"/>
+          </a:p>
+        </p:txBody>
+      </p:sp>
+      <p:sp>
+        <p:nvSpPr>
+          <p:cNvPr id="3" name="Inhaltsplatzhalter 2"/>
+          <p:cNvSpPr>
+            <a:spLocks noGrp="1"/>
+          </p:cNvSpPr>
+          <p:nvPr>
+            <p:ph idx="1"/>
+          </p:nvPr>
+        </p:nvSpPr>
+        <p:spPr/>
+        <p:txBody>
+          <a:bodyPr>
+            <a:normAutofit/>
+          </a:bodyPr>
+          <a:lstStyle/>
+          <a:p>
+            <a:r>
+              <a:rPr lang="de-DE" dirty="0" smtClean="0"/>
+              <a:t>Programm zur anonymisierten Datenerfassung</a:t>
+            </a:r>
+          </a:p>
+          <a:p>
+            <a:endParaRPr lang="de-DE" dirty="0" smtClean="0"/>
+          </a:p>
+          <a:p>
+            <a:r>
+              <a:rPr lang="de-DE" dirty="0" smtClean="0"/>
+              <a:t>Dokumentieren Arbeitsaufgaben je Kalenderwoche</a:t>
+            </a:r>
+          </a:p>
+          <a:p>
+            <a:endParaRPr lang="de-DE" dirty="0" smtClean="0"/>
+          </a:p>
+          <a:p>
+            <a:r>
+              <a:rPr lang="de-DE" dirty="0" smtClean="0"/>
+              <a:t>Statistiken über bearbeitete Aufträge je nach Bereich bzw. Arbeitsgruppe</a:t>
+            </a:r>
+            <a:endParaRPr lang="de-DE" dirty="0"/>
+          </a:p>
+        </p:txBody>
+      </p:sp>
+    </p:spTree>
+    <p:extLst>
+      <p:ext uri="{BB962C8B-B14F-4D97-AF65-F5344CB8AC3E}">
+        <p14:creationId xmlns:p14="http://schemas.microsoft.com/office/powerpoint/2010/main" val="2231903888"/>
+      </p:ext>
+    </p:extLst>
+  </p:cSld>
+  <p:clrMapOvr>
+    <a:masterClrMapping/>
+  </p:clrMapOvr>
+  <p:timing>
+    <p:tnLst>
+      <p:par>
+        <p:cTn id="1" dur="indefinite" restart="never" nodeType="tmRoot"/>
+      </p:par>
+    </p:tnLst>
+  </p:timing>
 </p:sld>
 </file>
 
@@ -8711,9 +13340,10 @@
           <a:lstStyle/>
           <a:p>
             <a:r>
-              <a:rPr lang="de-DE" dirty="0"/>
-              <a:t>Use Case „Mitarbeiter“</a:t>
-            </a:r>
+              <a:rPr lang="de-DE" dirty="0" smtClean="0"/>
+              <a:t>Use Case „Arbeitsgruppe“</a:t>
+            </a:r>
+            <a:endParaRPr lang="de-DE" dirty="0"/>
           </a:p>
         </p:txBody>
       </p:sp>
@@ -8730,32 +13360,31 @@
         <p:spPr/>
         <p:txBody>
           <a:bodyPr>
-            <a:normAutofit lnSpcReduction="10000"/>
+            <a:normAutofit/>
           </a:bodyPr>
           <a:lstStyle/>
           <a:p>
             <a:r>
+              <a:rPr lang="de-DE" dirty="0"/>
+              <a:t>Die Verwaltung erfolgt über die Fachbereichs-organisation</a:t>
+            </a:r>
+          </a:p>
+          <a:p>
+            <a:r>
+              <a:rPr lang="de-DE" dirty="0"/>
+              <a:t>Anlegen: mit Angaben über </a:t>
+            </a:r>
+            <a:r>
               <a:rPr lang="de-DE" dirty="0" smtClean="0"/>
-              <a:t>Die Auswahl zur Bearbeitung bzw. zur Löschung erfolgt über eine Suchen-Oberfläche</a:t>
-            </a:r>
-          </a:p>
-          <a:p>
+              <a:t>Bezeichnung, Kurz-bezeichnung und Bereich soll eine Arbeitsgruppe angelegt </a:t>
+            </a:r>
+            <a:r>
+              <a:rPr lang="de-DE" dirty="0"/>
+              <a:t>werden </a:t>
+            </a:r>
             <a:r>
               <a:rPr lang="de-DE" dirty="0" smtClean="0"/>
-              <a:t>Bearbeiten: Vorname, Nachname, Rolle und Bereich bzw. Arbeitsgruppe können geändert werden</a:t>
-            </a:r>
-          </a:p>
-          <a:p>
-            <a:pPr lvl="1"/>
-            <a:r>
-              <a:rPr lang="de-DE" dirty="0" smtClean="0"/>
-              <a:t>Je nach Rolle wird entweder Bereich oder Arbeitsgruppe angezeigt</a:t>
-            </a:r>
-          </a:p>
-          <a:p>
-            <a:r>
-              <a:rPr lang="de-DE" dirty="0" smtClean="0"/>
-              <a:t>Löschen: nach der Suche erscheint eine Auswahl-Tabelle über die der Mitarbeiter gelöscht werden kann</a:t>
+              <a:t>können</a:t>
             </a:r>
             <a:endParaRPr lang="de-DE" dirty="0"/>
           </a:p>
@@ -8764,7 +13393,7 @@
     </p:spTree>
     <p:extLst>
       <p:ext uri="{BB962C8B-B14F-4D97-AF65-F5344CB8AC3E}">
-        <p14:creationId xmlns:p14="http://schemas.microsoft.com/office/powerpoint/2010/main" val="1313710794"/>
+        <p14:creationId xmlns:p14="http://schemas.microsoft.com/office/powerpoint/2010/main" val="243874718"/>
       </p:ext>
     </p:extLst>
   </p:cSld>
@@ -8815,6 +13444,357 @@
           <a:p>
             <a:r>
               <a:rPr lang="de-DE" dirty="0" smtClean="0"/>
+              <a:t>Use Case „Arbeitsgruppe“</a:t>
+            </a:r>
+            <a:endParaRPr lang="de-DE" dirty="0"/>
+          </a:p>
+        </p:txBody>
+      </p:sp>
+      <p:sp>
+        <p:nvSpPr>
+          <p:cNvPr id="3" name="Inhaltsplatzhalter 2"/>
+          <p:cNvSpPr>
+            <a:spLocks noGrp="1"/>
+          </p:cNvSpPr>
+          <p:nvPr>
+            <p:ph idx="1"/>
+          </p:nvPr>
+        </p:nvSpPr>
+        <p:spPr/>
+        <p:txBody>
+          <a:bodyPr>
+            <a:normAutofit/>
+          </a:bodyPr>
+          <a:lstStyle/>
+          <a:p>
+            <a:r>
+              <a:rPr lang="de-DE" dirty="0"/>
+              <a:t>Die Auswahl zur Bearbeitung bzw. zur Löschung erfolgt über eine Suchen-Oberfläche</a:t>
+            </a:r>
+          </a:p>
+          <a:p>
+            <a:r>
+              <a:rPr lang="de-DE" dirty="0" smtClean="0"/>
+              <a:t>Bearbeiten</a:t>
+            </a:r>
+            <a:r>
+              <a:rPr lang="de-DE" dirty="0"/>
+              <a:t>: die Bezeichnung, die </a:t>
+            </a:r>
+            <a:r>
+              <a:rPr lang="de-DE" dirty="0" smtClean="0"/>
+              <a:t>Kurzbezeichnung, die Zuordnung zum Bereich </a:t>
+            </a:r>
+            <a:r>
+              <a:rPr lang="de-DE" dirty="0"/>
+              <a:t>und der Leiter sollen geändert werden können</a:t>
+            </a:r>
+          </a:p>
+          <a:p>
+            <a:r>
+              <a:rPr lang="de-DE" dirty="0"/>
+              <a:t>Löschen: </a:t>
+            </a:r>
+            <a:r>
+              <a:rPr lang="de-DE" dirty="0" smtClean="0"/>
+              <a:t>die Arbeitsgruppe wird </a:t>
+            </a:r>
+            <a:r>
+              <a:rPr lang="de-DE" dirty="0"/>
+              <a:t>inaktiv gesetzt, sobald alle </a:t>
+            </a:r>
+            <a:r>
+              <a:rPr lang="de-DE" dirty="0" smtClean="0"/>
+              <a:t>Mitarbeiter </a:t>
+            </a:r>
+            <a:r>
+              <a:rPr lang="de-DE" dirty="0"/>
+              <a:t>aus </a:t>
+            </a:r>
+            <a:r>
+              <a:rPr lang="de-DE" dirty="0" smtClean="0"/>
+              <a:t>der Arbeitsgruppe entfernt </a:t>
+            </a:r>
+            <a:r>
+              <a:rPr lang="de-DE" dirty="0"/>
+              <a:t>wurden</a:t>
+            </a:r>
+          </a:p>
+        </p:txBody>
+      </p:sp>
+    </p:spTree>
+    <p:extLst>
+      <p:ext uri="{BB962C8B-B14F-4D97-AF65-F5344CB8AC3E}">
+        <p14:creationId xmlns:p14="http://schemas.microsoft.com/office/powerpoint/2010/main" val="600913733"/>
+      </p:ext>
+    </p:extLst>
+  </p:cSld>
+  <p:clrMapOvr>
+    <a:masterClrMapping/>
+  </p:clrMapOvr>
+  <p:timing>
+    <p:tnLst>
+      <p:par>
+        <p:cTn id="1" dur="indefinite" restart="never" nodeType="tmRoot"/>
+      </p:par>
+    </p:tnLst>
+  </p:timing>
+</p:sld>
+</file>
+
+<file path=ppt/slides/slide32.xml><?xml version="1.0" encoding="utf-8"?>
+<p:sld xmlns:a="http://schemas.openxmlformats.org/drawingml/2006/main" xmlns:r="http://schemas.openxmlformats.org/officeDocument/2006/relationships" xmlns:p="http://schemas.openxmlformats.org/presentationml/2006/main">
+  <p:cSld>
+    <p:spTree>
+      <p:nvGrpSpPr>
+        <p:cNvPr id="1" name=""/>
+        <p:cNvGrpSpPr/>
+        <p:nvPr/>
+      </p:nvGrpSpPr>
+      <p:grpSpPr>
+        <a:xfrm>
+          <a:off x="0" y="0"/>
+          <a:ext cx="0" cy="0"/>
+          <a:chOff x="0" y="0"/>
+          <a:chExt cx="0" cy="0"/>
+        </a:xfrm>
+      </p:grpSpPr>
+      <p:sp>
+        <p:nvSpPr>
+          <p:cNvPr id="2" name="Titel 1"/>
+          <p:cNvSpPr>
+            <a:spLocks noGrp="1"/>
+          </p:cNvSpPr>
+          <p:nvPr>
+            <p:ph type="title"/>
+          </p:nvPr>
+        </p:nvSpPr>
+        <p:spPr/>
+        <p:txBody>
+          <a:bodyPr/>
+          <a:lstStyle/>
+          <a:p>
+            <a:r>
+              <a:rPr lang="de-DE" dirty="0" smtClean="0"/>
+              <a:t>Use Case „Mitarbeiter“</a:t>
+            </a:r>
+            <a:endParaRPr lang="de-DE" dirty="0"/>
+          </a:p>
+        </p:txBody>
+      </p:sp>
+      <p:sp>
+        <p:nvSpPr>
+          <p:cNvPr id="3" name="Inhaltsplatzhalter 2"/>
+          <p:cNvSpPr>
+            <a:spLocks noGrp="1"/>
+          </p:cNvSpPr>
+          <p:nvPr>
+            <p:ph idx="1"/>
+          </p:nvPr>
+        </p:nvSpPr>
+        <p:spPr/>
+        <p:txBody>
+          <a:bodyPr>
+            <a:normAutofit lnSpcReduction="10000"/>
+          </a:bodyPr>
+          <a:lstStyle/>
+          <a:p>
+            <a:r>
+              <a:rPr lang="de-DE" dirty="0"/>
+              <a:t>Die Verwaltung erfolgt über die Fachbereichs-organisation</a:t>
+            </a:r>
+          </a:p>
+          <a:p>
+            <a:r>
+              <a:rPr lang="de-DE" dirty="0"/>
+              <a:t>Anlegen: </a:t>
+            </a:r>
+            <a:r>
+              <a:rPr lang="de-DE" dirty="0" smtClean="0"/>
+              <a:t>die Oberfläche wird je nach Rolle des Mitarbeiters angepasst</a:t>
+            </a:r>
+          </a:p>
+          <a:p>
+            <a:pPr lvl="1"/>
+            <a:r>
+              <a:rPr lang="de-DE" dirty="0" smtClean="0"/>
+              <a:t>Vorname, Nachname, Benutzername und Rolle müssen immer angegeben werden</a:t>
+            </a:r>
+          </a:p>
+          <a:p>
+            <a:pPr lvl="1"/>
+            <a:r>
+              <a:rPr lang="de-DE" dirty="0" smtClean="0"/>
+              <a:t>Das Passwort kann entweder manuell eingegeben werden oder kann über einen Button automatisch generiert werden</a:t>
+            </a:r>
+          </a:p>
+          <a:p>
+            <a:pPr lvl="1"/>
+            <a:r>
+              <a:rPr lang="de-DE" dirty="0" smtClean="0"/>
+              <a:t>Je nach Rolle muss entweder eine Arbeitsgruppe oder ein Bereich ausgewählt werden</a:t>
+            </a:r>
+            <a:endParaRPr lang="de-DE" dirty="0"/>
+          </a:p>
+        </p:txBody>
+      </p:sp>
+    </p:spTree>
+    <p:extLst>
+      <p:ext uri="{BB962C8B-B14F-4D97-AF65-F5344CB8AC3E}">
+        <p14:creationId xmlns:p14="http://schemas.microsoft.com/office/powerpoint/2010/main" val="3395818784"/>
+      </p:ext>
+    </p:extLst>
+  </p:cSld>
+  <p:clrMapOvr>
+    <a:masterClrMapping/>
+  </p:clrMapOvr>
+  <p:timing>
+    <p:tnLst>
+      <p:par>
+        <p:cTn id="1" dur="indefinite" restart="never" nodeType="tmRoot"/>
+      </p:par>
+    </p:tnLst>
+  </p:timing>
+</p:sld>
+</file>
+
+<file path=ppt/slides/slide33.xml><?xml version="1.0" encoding="utf-8"?>
+<p:sld xmlns:a="http://schemas.openxmlformats.org/drawingml/2006/main" xmlns:r="http://schemas.openxmlformats.org/officeDocument/2006/relationships" xmlns:p="http://schemas.openxmlformats.org/presentationml/2006/main">
+  <p:cSld>
+    <p:spTree>
+      <p:nvGrpSpPr>
+        <p:cNvPr id="1" name=""/>
+        <p:cNvGrpSpPr/>
+        <p:nvPr/>
+      </p:nvGrpSpPr>
+      <p:grpSpPr>
+        <a:xfrm>
+          <a:off x="0" y="0"/>
+          <a:ext cx="0" cy="0"/>
+          <a:chOff x="0" y="0"/>
+          <a:chExt cx="0" cy="0"/>
+        </a:xfrm>
+      </p:grpSpPr>
+      <p:sp>
+        <p:nvSpPr>
+          <p:cNvPr id="2" name="Titel 1"/>
+          <p:cNvSpPr>
+            <a:spLocks noGrp="1"/>
+          </p:cNvSpPr>
+          <p:nvPr>
+            <p:ph type="title"/>
+          </p:nvPr>
+        </p:nvSpPr>
+        <p:spPr/>
+        <p:txBody>
+          <a:bodyPr/>
+          <a:lstStyle/>
+          <a:p>
+            <a:r>
+              <a:rPr lang="de-DE" dirty="0"/>
+              <a:t>Use Case „Mitarbeiter“</a:t>
+            </a:r>
+          </a:p>
+        </p:txBody>
+      </p:sp>
+      <p:sp>
+        <p:nvSpPr>
+          <p:cNvPr id="3" name="Inhaltsplatzhalter 2"/>
+          <p:cNvSpPr>
+            <a:spLocks noGrp="1"/>
+          </p:cNvSpPr>
+          <p:nvPr>
+            <p:ph idx="1"/>
+          </p:nvPr>
+        </p:nvSpPr>
+        <p:spPr/>
+        <p:txBody>
+          <a:bodyPr>
+            <a:normAutofit lnSpcReduction="10000"/>
+          </a:bodyPr>
+          <a:lstStyle/>
+          <a:p>
+            <a:r>
+              <a:rPr lang="de-DE" dirty="0" smtClean="0"/>
+              <a:t>Die Auswahl zur Bearbeitung bzw. zur Löschung erfolgt über eine Suchen-Oberfläche</a:t>
+            </a:r>
+          </a:p>
+          <a:p>
+            <a:r>
+              <a:rPr lang="de-DE" dirty="0" smtClean="0"/>
+              <a:t>Bearbeiten: Vorname, Nachname, Rolle und Bereich bzw. Arbeitsgruppe können geändert werden</a:t>
+            </a:r>
+          </a:p>
+          <a:p>
+            <a:pPr lvl="1"/>
+            <a:r>
+              <a:rPr lang="de-DE" dirty="0" smtClean="0"/>
+              <a:t>Je nach Rolle wird entweder Bereich oder Arbeitsgruppe angezeigt</a:t>
+            </a:r>
+          </a:p>
+          <a:p>
+            <a:r>
+              <a:rPr lang="de-DE" dirty="0" smtClean="0"/>
+              <a:t>Löschen: nach der Suche erscheint eine Auswahl-Tabelle über die der Mitarbeiter gelöscht werden kann</a:t>
+            </a:r>
+            <a:endParaRPr lang="de-DE" dirty="0"/>
+          </a:p>
+        </p:txBody>
+      </p:sp>
+    </p:spTree>
+    <p:extLst>
+      <p:ext uri="{BB962C8B-B14F-4D97-AF65-F5344CB8AC3E}">
+        <p14:creationId xmlns:p14="http://schemas.microsoft.com/office/powerpoint/2010/main" val="1313710794"/>
+      </p:ext>
+    </p:extLst>
+  </p:cSld>
+  <p:clrMapOvr>
+    <a:masterClrMapping/>
+  </p:clrMapOvr>
+  <p:timing>
+    <p:tnLst>
+      <p:par>
+        <p:cTn id="1" dur="indefinite" restart="never" nodeType="tmRoot"/>
+      </p:par>
+    </p:tnLst>
+  </p:timing>
+</p:sld>
+</file>
+
+<file path=ppt/slides/slide34.xml><?xml version="1.0" encoding="utf-8"?>
+<p:sld xmlns:a="http://schemas.openxmlformats.org/drawingml/2006/main" xmlns:r="http://schemas.openxmlformats.org/officeDocument/2006/relationships" xmlns:p="http://schemas.openxmlformats.org/presentationml/2006/main">
+  <p:cSld>
+    <p:spTree>
+      <p:nvGrpSpPr>
+        <p:cNvPr id="1" name=""/>
+        <p:cNvGrpSpPr/>
+        <p:nvPr/>
+      </p:nvGrpSpPr>
+      <p:grpSpPr>
+        <a:xfrm>
+          <a:off x="0" y="0"/>
+          <a:ext cx="0" cy="0"/>
+          <a:chOff x="0" y="0"/>
+          <a:chExt cx="0" cy="0"/>
+        </a:xfrm>
+      </p:grpSpPr>
+      <p:sp>
+        <p:nvSpPr>
+          <p:cNvPr id="2" name="Titel 1"/>
+          <p:cNvSpPr>
+            <a:spLocks noGrp="1"/>
+          </p:cNvSpPr>
+          <p:nvPr>
+            <p:ph type="title"/>
+          </p:nvPr>
+        </p:nvSpPr>
+        <p:spPr/>
+        <p:txBody>
+          <a:bodyPr/>
+          <a:lstStyle/>
+          <a:p>
+            <a:r>
+              <a:rPr lang="de-DE" dirty="0" smtClean="0"/>
               <a:t>Use Case „Art“</a:t>
             </a:r>
             <a:endParaRPr lang="de-DE" dirty="0"/>
@@ -8878,7 +13858,7 @@
 </p:sld>
 </file>
 
-<file path=ppt/slides/slide32.xml><?xml version="1.0" encoding="utf-8"?>
+<file path=ppt/slides/slide35.xml><?xml version="1.0" encoding="utf-8"?>
 <p:sld xmlns:a="http://schemas.openxmlformats.org/drawingml/2006/main" xmlns:r="http://schemas.openxmlformats.org/officeDocument/2006/relationships" xmlns:p="http://schemas.openxmlformats.org/presentationml/2006/main">
   <p:cSld>
     <p:spTree>
@@ -9429,16 +14409,45 @@
           </a:p>
         </p:txBody>
       </p:sp>
+      <p:graphicFrame>
+        <p:nvGraphicFramePr>
+          <p:cNvPr id="3" name="Diagramm 2"/>
+          <p:cNvGraphicFramePr/>
+          <p:nvPr>
+            <p:extLst>
+              <p:ext uri="{D42A27DB-BD31-4B8C-83A1-F6EECF244321}">
+                <p14:modId xmlns:p14="http://schemas.microsoft.com/office/powerpoint/2010/main" val="3621902295"/>
+              </p:ext>
+            </p:extLst>
+          </p:nvPr>
+        </p:nvGraphicFramePr>
+        <p:xfrm>
+          <a:off x="83840" y="1397000"/>
+          <a:ext cx="8880648" cy="5128344"/>
+        </p:xfrm>
+        <a:graphic>
+          <a:graphicData uri="http://schemas.openxmlformats.org/drawingml/2006/diagram">
+            <dgm:relIds xmlns:dgm="http://schemas.openxmlformats.org/drawingml/2006/diagram" xmlns:r="http://schemas.openxmlformats.org/officeDocument/2006/relationships" r:dm="rId2" r:lo="rId3" r:qs="rId4" r:cs="rId5"/>
+          </a:graphicData>
+        </a:graphic>
+      </p:graphicFrame>
     </p:spTree>
     <p:extLst>
       <p:ext uri="{BB962C8B-B14F-4D97-AF65-F5344CB8AC3E}">
-        <p14:creationId xmlns:p14="http://schemas.microsoft.com/office/powerpoint/2010/main" val="4055082209"/>
+        <p14:creationId xmlns:p14="http://schemas.microsoft.com/office/powerpoint/2010/main" val="4174946828"/>
       </p:ext>
     </p:extLst>
   </p:cSld>
   <p:clrMapOvr>
     <a:masterClrMapping/>
   </p:clrMapOvr>
+  <p:timing>
+    <p:tnLst>
+      <p:par>
+        <p:cTn id="1" dur="indefinite" restart="never" nodeType="tmRoot"/>
+      </p:par>
+    </p:tnLst>
+  </p:timing>
 </p:sld>
 </file>
 
@@ -10066,7 +15075,7 @@
             <a:pPr algn="ctr"/>
             <a:r>
               <a:rPr lang="de-DE" dirty="0" smtClean="0"/>
-              <a:t>VIEW</a:t>
+              <a:t>View</a:t>
             </a:r>
             <a:endParaRPr lang="de-DE" dirty="0"/>
           </a:p>
@@ -10791,7 +15800,19 @@
               <a:rPr lang="de-DE" dirty="0" smtClean="0"/>
               <a:t>)</a:t>
             </a:r>
+          </a:p>
+          <a:p>
+            <a:pPr marL="411480" lvl="1" indent="0">
+              <a:buNone/>
+            </a:pPr>
             <a:endParaRPr lang="de-DE" dirty="0"/>
+          </a:p>
+          <a:p>
+            <a:r>
+              <a:rPr lang="de-DE" dirty="0" smtClean="0"/>
+              <a:t>Vermeidung von Redundanzen</a:t>
+            </a:r>
+            <a:endParaRPr lang="de-DE" dirty="0" smtClean="0"/>
           </a:p>
         </p:txBody>
       </p:sp>
@@ -10805,6 +15826,13 @@
   <p:clrMapOvr>
     <a:masterClrMapping/>
   </p:clrMapOvr>
+  <p:timing>
+    <p:tnLst>
+      <p:par>
+        <p:cTn id="1" dur="indefinite" restart="never" nodeType="tmRoot"/>
+      </p:par>
+    </p:tnLst>
+  </p:timing>
 </p:sld>
 </file>
 

--- a/Projektmanagement/Abschlusspräsentation.pptx
+++ b/Projektmanagement/Abschlusspräsentation.pptx
@@ -5,10 +5,10 @@
     <p:sldMasterId id="2147483828" r:id="rId1"/>
   </p:sldMasterIdLst>
   <p:notesMasterIdLst>
-    <p:notesMasterId r:id="rId37"/>
+    <p:notesMasterId r:id="rId49"/>
   </p:notesMasterIdLst>
   <p:handoutMasterIdLst>
-    <p:handoutMasterId r:id="rId38"/>
+    <p:handoutMasterId r:id="rId50"/>
   </p:handoutMasterIdLst>
   <p:sldIdLst>
     <p:sldId id="256" r:id="rId2"/>
@@ -25,27 +25,39 @@
     <p:sldId id="286" r:id="rId13"/>
     <p:sldId id="290" r:id="rId14"/>
     <p:sldId id="295" r:id="rId15"/>
-    <p:sldId id="282" r:id="rId16"/>
-    <p:sldId id="296" r:id="rId17"/>
-    <p:sldId id="297" r:id="rId18"/>
-    <p:sldId id="288" r:id="rId19"/>
-    <p:sldId id="287" r:id="rId20"/>
-    <p:sldId id="281" r:id="rId21"/>
-    <p:sldId id="263" r:id="rId22"/>
-    <p:sldId id="272" r:id="rId23"/>
-    <p:sldId id="278" r:id="rId24"/>
-    <p:sldId id="260" r:id="rId25"/>
-    <p:sldId id="261" r:id="rId26"/>
-    <p:sldId id="275" r:id="rId27"/>
-    <p:sldId id="276" r:id="rId28"/>
-    <p:sldId id="265" r:id="rId29"/>
-    <p:sldId id="269" r:id="rId30"/>
-    <p:sldId id="266" r:id="rId31"/>
-    <p:sldId id="270" r:id="rId32"/>
-    <p:sldId id="267" r:id="rId33"/>
-    <p:sldId id="268" r:id="rId34"/>
-    <p:sldId id="271" r:id="rId35"/>
-    <p:sldId id="273" r:id="rId36"/>
+    <p:sldId id="298" r:id="rId16"/>
+    <p:sldId id="301" r:id="rId17"/>
+    <p:sldId id="300" r:id="rId18"/>
+    <p:sldId id="299" r:id="rId19"/>
+    <p:sldId id="304" r:id="rId20"/>
+    <p:sldId id="305" r:id="rId21"/>
+    <p:sldId id="303" r:id="rId22"/>
+    <p:sldId id="302" r:id="rId23"/>
+    <p:sldId id="306" r:id="rId24"/>
+    <p:sldId id="307" r:id="rId25"/>
+    <p:sldId id="308" r:id="rId26"/>
+    <p:sldId id="309" r:id="rId27"/>
+    <p:sldId id="282" r:id="rId28"/>
+    <p:sldId id="296" r:id="rId29"/>
+    <p:sldId id="297" r:id="rId30"/>
+    <p:sldId id="288" r:id="rId31"/>
+    <p:sldId id="287" r:id="rId32"/>
+    <p:sldId id="281" r:id="rId33"/>
+    <p:sldId id="263" r:id="rId34"/>
+    <p:sldId id="272" r:id="rId35"/>
+    <p:sldId id="278" r:id="rId36"/>
+    <p:sldId id="260" r:id="rId37"/>
+    <p:sldId id="261" r:id="rId38"/>
+    <p:sldId id="275" r:id="rId39"/>
+    <p:sldId id="276" r:id="rId40"/>
+    <p:sldId id="265" r:id="rId41"/>
+    <p:sldId id="269" r:id="rId42"/>
+    <p:sldId id="266" r:id="rId43"/>
+    <p:sldId id="270" r:id="rId44"/>
+    <p:sldId id="267" r:id="rId45"/>
+    <p:sldId id="268" r:id="rId46"/>
+    <p:sldId id="271" r:id="rId47"/>
+    <p:sldId id="273" r:id="rId48"/>
   </p:sldIdLst>
   <p:sldSz cx="9144000" cy="6858000" type="screen4x3"/>
   <p:notesSz cx="6858000" cy="9144000"/>
@@ -1774,6 +1786,13 @@
         </dgm:presLayoutVars>
       </dgm:prSet>
       <dgm:spPr/>
+      <dgm:t>
+        <a:bodyPr/>
+        <a:lstStyle/>
+        <a:p>
+          <a:endParaRPr lang="de-DE"/>
+        </a:p>
+      </dgm:t>
     </dgm:pt>
     <dgm:pt modelId="{BB78FA45-E9B1-4CCB-B3B1-6CFA0CEF3944}" type="pres">
       <dgm:prSet presAssocID="{B4BBFA07-05DD-4CDD-AC39-6342607DC2A1}" presName="composite" presStyleCnt="0"/>
@@ -1829,6 +1848,13 @@
         </dgm:presLayoutVars>
       </dgm:prSet>
       <dgm:spPr/>
+      <dgm:t>
+        <a:bodyPr/>
+        <a:lstStyle/>
+        <a:p>
+          <a:endParaRPr lang="de-DE"/>
+        </a:p>
+      </dgm:t>
     </dgm:pt>
     <dgm:pt modelId="{39D54914-F98B-46AF-A62F-C80B5168465D}" type="pres">
       <dgm:prSet presAssocID="{182E85C3-C0C1-4055-B42E-08657C1D36EB}" presName="Triangle" presStyleLbl="alignNode1" presStyleIdx="3" presStyleCnt="9"/>
@@ -1859,6 +1885,13 @@
         </dgm:presLayoutVars>
       </dgm:prSet>
       <dgm:spPr/>
+      <dgm:t>
+        <a:bodyPr/>
+        <a:lstStyle/>
+        <a:p>
+          <a:endParaRPr lang="de-DE"/>
+        </a:p>
+      </dgm:t>
     </dgm:pt>
     <dgm:pt modelId="{B2E6B3F1-D6A9-473F-A3D8-87BE7275F81D}" type="pres">
       <dgm:prSet presAssocID="{6043B0A8-44FC-4706-B37A-7F342ABD7CAE}" presName="Triangle" presStyleLbl="alignNode1" presStyleIdx="5" presStyleCnt="9"/>
@@ -1889,6 +1922,13 @@
         </dgm:presLayoutVars>
       </dgm:prSet>
       <dgm:spPr/>
+      <dgm:t>
+        <a:bodyPr/>
+        <a:lstStyle/>
+        <a:p>
+          <a:endParaRPr lang="de-DE"/>
+        </a:p>
+      </dgm:t>
     </dgm:pt>
     <dgm:pt modelId="{0E4CE61A-6A67-4F3C-9EBB-0DAC5686D681}" type="pres">
       <dgm:prSet presAssocID="{DBD17336-B141-494E-A31C-6EA653EE637A}" presName="Triangle" presStyleLbl="alignNode1" presStyleIdx="7" presStyleCnt="9"/>
@@ -1919,6 +1959,13 @@
         </dgm:presLayoutVars>
       </dgm:prSet>
       <dgm:spPr/>
+      <dgm:t>
+        <a:bodyPr/>
+        <a:lstStyle/>
+        <a:p>
+          <a:endParaRPr lang="de-DE"/>
+        </a:p>
+      </dgm:t>
     </dgm:pt>
   </dgm:ptLst>
   <dgm:cxnLst>
@@ -1999,7 +2046,7 @@
   <dgm:whole/>
   <dgm:extLst>
     <a:ext uri="http://schemas.microsoft.com/office/drawing/2008/diagram">
-      <dsp:dataModelExt xmlns:dsp="http://schemas.microsoft.com/office/drawing/2008/diagram" relId="rId6" minVer="http://schemas.openxmlformats.org/drawingml/2006/diagram"/>
+      <dsp:dataModelExt xmlns:dsp="http://schemas.microsoft.com/office/drawing/2008/diagram" relId="rId7" minVer="http://schemas.openxmlformats.org/drawingml/2006/diagram"/>
     </a:ext>
   </dgm:extLst>
 </dgm:dataModel>
@@ -4963,28 +5010,8 @@
           <a:p>
             <a:r>
               <a:rPr lang="de-DE" dirty="0" smtClean="0"/>
-              <a:t>Datenbank: Realisierung der Datenbank und Datenbankanbindung</a:t>
-            </a:r>
-          </a:p>
-          <a:p>
-            <a:r>
-              <a:rPr lang="de-DE" dirty="0" smtClean="0"/>
-              <a:t>GUI: Oberflächengestaltung und deren Umsetzung</a:t>
-            </a:r>
-          </a:p>
-          <a:p>
-            <a:r>
-              <a:rPr lang="de-DE" dirty="0" smtClean="0"/>
-              <a:t>Logik: Umsetzung Business-Logik der Anwendung</a:t>
-            </a:r>
-          </a:p>
-          <a:p>
-            <a:r>
-              <a:rPr lang="de-DE" dirty="0" smtClean="0"/>
-              <a:t>Test: Erstellung und Durchführung Testfälle (gesamtes Team)</a:t>
-            </a:r>
-          </a:p>
-          <a:p>
+              <a:t>Johannes</a:t>
+            </a:r>
             <a:endParaRPr lang="de-DE" dirty="0"/>
           </a:p>
         </p:txBody>
@@ -5006,7 +5033,7 @@
           <a:p>
             <a:fld id="{72841C41-988A-40D2-BD42-D850E09ED2B7}" type="slidenum">
               <a:rPr lang="de-DE" smtClean="0"/>
-              <a:t>4</a:t>
+              <a:t>1</a:t>
             </a:fld>
             <a:endParaRPr lang="de-DE"/>
           </a:p>
@@ -5015,7 +5042,795 @@
     </p:spTree>
     <p:extLst>
       <p:ext uri="{BB962C8B-B14F-4D97-AF65-F5344CB8AC3E}">
-        <p14:creationId xmlns:p14="http://schemas.microsoft.com/office/powerpoint/2010/main" val="2505227762"/>
+        <p14:creationId xmlns:p14="http://schemas.microsoft.com/office/powerpoint/2010/main" val="3072081027"/>
+      </p:ext>
+    </p:extLst>
+  </p:cSld>
+  <p:clrMapOvr>
+    <a:masterClrMapping/>
+  </p:clrMapOvr>
+</p:notes>
+</file>
+
+<file path=ppt/notesSlides/notesSlide10.xml><?xml version="1.0" encoding="utf-8"?>
+<p:notes xmlns:a="http://schemas.openxmlformats.org/drawingml/2006/main" xmlns:r="http://schemas.openxmlformats.org/officeDocument/2006/relationships" xmlns:p="http://schemas.openxmlformats.org/presentationml/2006/main">
+  <p:cSld>
+    <p:spTree>
+      <p:nvGrpSpPr>
+        <p:cNvPr id="1" name=""/>
+        <p:cNvGrpSpPr/>
+        <p:nvPr/>
+      </p:nvGrpSpPr>
+      <p:grpSpPr>
+        <a:xfrm>
+          <a:off x="0" y="0"/>
+          <a:ext cx="0" cy="0"/>
+          <a:chOff x="0" y="0"/>
+          <a:chExt cx="0" cy="0"/>
+        </a:xfrm>
+      </p:grpSpPr>
+      <p:sp>
+        <p:nvSpPr>
+          <p:cNvPr id="2" name="Folienbildplatzhalter 1"/>
+          <p:cNvSpPr>
+            <a:spLocks noGrp="1" noRot="1" noChangeAspect="1"/>
+          </p:cNvSpPr>
+          <p:nvPr>
+            <p:ph type="sldImg"/>
+          </p:nvPr>
+        </p:nvSpPr>
+        <p:spPr/>
+      </p:sp>
+      <p:sp>
+        <p:nvSpPr>
+          <p:cNvPr id="3" name="Notizenplatzhalter 2"/>
+          <p:cNvSpPr>
+            <a:spLocks noGrp="1"/>
+          </p:cNvSpPr>
+          <p:nvPr>
+            <p:ph type="body" idx="1"/>
+          </p:nvPr>
+        </p:nvSpPr>
+        <p:spPr/>
+        <p:txBody>
+          <a:bodyPr/>
+          <a:lstStyle/>
+          <a:p>
+            <a:r>
+              <a:rPr lang="de-DE" dirty="0" err="1" smtClean="0"/>
+              <a:t>Evtl</a:t>
+            </a:r>
+            <a:r>
+              <a:rPr lang="de-DE" dirty="0" smtClean="0"/>
+              <a:t> raus</a:t>
+            </a:r>
+            <a:endParaRPr lang="de-DE" dirty="0"/>
+          </a:p>
+        </p:txBody>
+      </p:sp>
+      <p:sp>
+        <p:nvSpPr>
+          <p:cNvPr id="4" name="Foliennummernplatzhalter 3"/>
+          <p:cNvSpPr>
+            <a:spLocks noGrp="1"/>
+          </p:cNvSpPr>
+          <p:nvPr>
+            <p:ph type="sldNum" sz="quarter" idx="10"/>
+          </p:nvPr>
+        </p:nvSpPr>
+        <p:spPr/>
+        <p:txBody>
+          <a:bodyPr/>
+          <a:lstStyle/>
+          <a:p>
+            <a:fld id="{72841C41-988A-40D2-BD42-D850E09ED2B7}" type="slidenum">
+              <a:rPr lang="de-DE" smtClean="0"/>
+              <a:t>10</a:t>
+            </a:fld>
+            <a:endParaRPr lang="de-DE"/>
+          </a:p>
+        </p:txBody>
+      </p:sp>
+    </p:spTree>
+    <p:extLst>
+      <p:ext uri="{BB962C8B-B14F-4D97-AF65-F5344CB8AC3E}">
+        <p14:creationId xmlns:p14="http://schemas.microsoft.com/office/powerpoint/2010/main" val="2009034880"/>
+      </p:ext>
+    </p:extLst>
+  </p:cSld>
+  <p:clrMapOvr>
+    <a:masterClrMapping/>
+  </p:clrMapOvr>
+</p:notes>
+</file>
+
+<file path=ppt/notesSlides/notesSlide11.xml><?xml version="1.0" encoding="utf-8"?>
+<p:notes xmlns:a="http://schemas.openxmlformats.org/drawingml/2006/main" xmlns:r="http://schemas.openxmlformats.org/officeDocument/2006/relationships" xmlns:p="http://schemas.openxmlformats.org/presentationml/2006/main">
+  <p:cSld>
+    <p:spTree>
+      <p:nvGrpSpPr>
+        <p:cNvPr id="1" name=""/>
+        <p:cNvGrpSpPr/>
+        <p:nvPr/>
+      </p:nvGrpSpPr>
+      <p:grpSpPr>
+        <a:xfrm>
+          <a:off x="0" y="0"/>
+          <a:ext cx="0" cy="0"/>
+          <a:chOff x="0" y="0"/>
+          <a:chExt cx="0" cy="0"/>
+        </a:xfrm>
+      </p:grpSpPr>
+      <p:sp>
+        <p:nvSpPr>
+          <p:cNvPr id="2" name="Folienbildplatzhalter 1"/>
+          <p:cNvSpPr>
+            <a:spLocks noGrp="1" noRot="1" noChangeAspect="1"/>
+          </p:cNvSpPr>
+          <p:nvPr>
+            <p:ph type="sldImg"/>
+          </p:nvPr>
+        </p:nvSpPr>
+        <p:spPr/>
+      </p:sp>
+      <p:sp>
+        <p:nvSpPr>
+          <p:cNvPr id="3" name="Notizenplatzhalter 2"/>
+          <p:cNvSpPr>
+            <a:spLocks noGrp="1"/>
+          </p:cNvSpPr>
+          <p:nvPr>
+            <p:ph type="body" idx="1"/>
+          </p:nvPr>
+        </p:nvSpPr>
+        <p:spPr/>
+        <p:txBody>
+          <a:bodyPr/>
+          <a:lstStyle/>
+          <a:p>
+            <a:r>
+              <a:rPr lang="de-DE" dirty="0" smtClean="0"/>
+              <a:t>Phil</a:t>
+            </a:r>
+            <a:endParaRPr lang="de-DE" dirty="0"/>
+          </a:p>
+        </p:txBody>
+      </p:sp>
+      <p:sp>
+        <p:nvSpPr>
+          <p:cNvPr id="4" name="Foliennummernplatzhalter 3"/>
+          <p:cNvSpPr>
+            <a:spLocks noGrp="1"/>
+          </p:cNvSpPr>
+          <p:nvPr>
+            <p:ph type="sldNum" sz="quarter" idx="10"/>
+          </p:nvPr>
+        </p:nvSpPr>
+        <p:spPr/>
+        <p:txBody>
+          <a:bodyPr/>
+          <a:lstStyle/>
+          <a:p>
+            <a:fld id="{72841C41-988A-40D2-BD42-D850E09ED2B7}" type="slidenum">
+              <a:rPr lang="de-DE" smtClean="0"/>
+              <a:t>11</a:t>
+            </a:fld>
+            <a:endParaRPr lang="de-DE"/>
+          </a:p>
+        </p:txBody>
+      </p:sp>
+    </p:spTree>
+    <p:extLst>
+      <p:ext uri="{BB962C8B-B14F-4D97-AF65-F5344CB8AC3E}">
+        <p14:creationId xmlns:p14="http://schemas.microsoft.com/office/powerpoint/2010/main" val="471274584"/>
+      </p:ext>
+    </p:extLst>
+  </p:cSld>
+  <p:clrMapOvr>
+    <a:masterClrMapping/>
+  </p:clrMapOvr>
+</p:notes>
+</file>
+
+<file path=ppt/notesSlides/notesSlide12.xml><?xml version="1.0" encoding="utf-8"?>
+<p:notes xmlns:a="http://schemas.openxmlformats.org/drawingml/2006/main" xmlns:r="http://schemas.openxmlformats.org/officeDocument/2006/relationships" xmlns:p="http://schemas.openxmlformats.org/presentationml/2006/main">
+  <p:cSld>
+    <p:spTree>
+      <p:nvGrpSpPr>
+        <p:cNvPr id="1" name=""/>
+        <p:cNvGrpSpPr/>
+        <p:nvPr/>
+      </p:nvGrpSpPr>
+      <p:grpSpPr>
+        <a:xfrm>
+          <a:off x="0" y="0"/>
+          <a:ext cx="0" cy="0"/>
+          <a:chOff x="0" y="0"/>
+          <a:chExt cx="0" cy="0"/>
+        </a:xfrm>
+      </p:grpSpPr>
+      <p:sp>
+        <p:nvSpPr>
+          <p:cNvPr id="2" name="Folienbildplatzhalter 1"/>
+          <p:cNvSpPr>
+            <a:spLocks noGrp="1" noRot="1" noChangeAspect="1"/>
+          </p:cNvSpPr>
+          <p:nvPr>
+            <p:ph type="sldImg"/>
+          </p:nvPr>
+        </p:nvSpPr>
+        <p:spPr/>
+      </p:sp>
+      <p:sp>
+        <p:nvSpPr>
+          <p:cNvPr id="3" name="Notizenplatzhalter 2"/>
+          <p:cNvSpPr>
+            <a:spLocks noGrp="1"/>
+          </p:cNvSpPr>
+          <p:nvPr>
+            <p:ph type="body" idx="1"/>
+          </p:nvPr>
+        </p:nvSpPr>
+        <p:spPr/>
+        <p:txBody>
+          <a:bodyPr/>
+          <a:lstStyle/>
+          <a:p>
+            <a:r>
+              <a:rPr lang="de-DE" dirty="0" smtClean="0"/>
+              <a:t>Marc</a:t>
+            </a:r>
+            <a:endParaRPr lang="de-DE" dirty="0"/>
+          </a:p>
+        </p:txBody>
+      </p:sp>
+      <p:sp>
+        <p:nvSpPr>
+          <p:cNvPr id="4" name="Foliennummernplatzhalter 3"/>
+          <p:cNvSpPr>
+            <a:spLocks noGrp="1"/>
+          </p:cNvSpPr>
+          <p:nvPr>
+            <p:ph type="sldNum" sz="quarter" idx="10"/>
+          </p:nvPr>
+        </p:nvSpPr>
+        <p:spPr/>
+        <p:txBody>
+          <a:bodyPr/>
+          <a:lstStyle/>
+          <a:p>
+            <a:fld id="{72841C41-988A-40D2-BD42-D850E09ED2B7}" type="slidenum">
+              <a:rPr lang="de-DE" smtClean="0"/>
+              <a:t>12</a:t>
+            </a:fld>
+            <a:endParaRPr lang="de-DE"/>
+          </a:p>
+        </p:txBody>
+      </p:sp>
+    </p:spTree>
+    <p:extLst>
+      <p:ext uri="{BB962C8B-B14F-4D97-AF65-F5344CB8AC3E}">
+        <p14:creationId xmlns:p14="http://schemas.microsoft.com/office/powerpoint/2010/main" val="3859340865"/>
+      </p:ext>
+    </p:extLst>
+  </p:cSld>
+  <p:clrMapOvr>
+    <a:masterClrMapping/>
+  </p:clrMapOvr>
+</p:notes>
+</file>
+
+<file path=ppt/notesSlides/notesSlide13.xml><?xml version="1.0" encoding="utf-8"?>
+<p:notes xmlns:a="http://schemas.openxmlformats.org/drawingml/2006/main" xmlns:r="http://schemas.openxmlformats.org/officeDocument/2006/relationships" xmlns:p="http://schemas.openxmlformats.org/presentationml/2006/main">
+  <p:cSld>
+    <p:spTree>
+      <p:nvGrpSpPr>
+        <p:cNvPr id="1" name=""/>
+        <p:cNvGrpSpPr/>
+        <p:nvPr/>
+      </p:nvGrpSpPr>
+      <p:grpSpPr>
+        <a:xfrm>
+          <a:off x="0" y="0"/>
+          <a:ext cx="0" cy="0"/>
+          <a:chOff x="0" y="0"/>
+          <a:chExt cx="0" cy="0"/>
+        </a:xfrm>
+      </p:grpSpPr>
+      <p:sp>
+        <p:nvSpPr>
+          <p:cNvPr id="2" name="Folienbildplatzhalter 1"/>
+          <p:cNvSpPr>
+            <a:spLocks noGrp="1" noRot="1" noChangeAspect="1"/>
+          </p:cNvSpPr>
+          <p:nvPr>
+            <p:ph type="sldImg"/>
+          </p:nvPr>
+        </p:nvSpPr>
+        <p:spPr/>
+      </p:sp>
+      <p:sp>
+        <p:nvSpPr>
+          <p:cNvPr id="3" name="Notizenplatzhalter 2"/>
+          <p:cNvSpPr>
+            <a:spLocks noGrp="1"/>
+          </p:cNvSpPr>
+          <p:nvPr>
+            <p:ph type="body" idx="1"/>
+          </p:nvPr>
+        </p:nvSpPr>
+        <p:spPr/>
+        <p:txBody>
+          <a:bodyPr/>
+          <a:lstStyle/>
+          <a:p>
+            <a:r>
+              <a:rPr lang="de-DE" dirty="0" smtClean="0"/>
+              <a:t>Sari</a:t>
+            </a:r>
+            <a:endParaRPr lang="de-DE" dirty="0"/>
+          </a:p>
+        </p:txBody>
+      </p:sp>
+      <p:sp>
+        <p:nvSpPr>
+          <p:cNvPr id="4" name="Foliennummernplatzhalter 3"/>
+          <p:cNvSpPr>
+            <a:spLocks noGrp="1"/>
+          </p:cNvSpPr>
+          <p:nvPr>
+            <p:ph type="sldNum" sz="quarter" idx="10"/>
+          </p:nvPr>
+        </p:nvSpPr>
+        <p:spPr/>
+        <p:txBody>
+          <a:bodyPr/>
+          <a:lstStyle/>
+          <a:p>
+            <a:fld id="{72841C41-988A-40D2-BD42-D850E09ED2B7}" type="slidenum">
+              <a:rPr lang="de-DE" smtClean="0"/>
+              <a:t>13</a:t>
+            </a:fld>
+            <a:endParaRPr lang="de-DE"/>
+          </a:p>
+        </p:txBody>
+      </p:sp>
+    </p:spTree>
+    <p:extLst>
+      <p:ext uri="{BB962C8B-B14F-4D97-AF65-F5344CB8AC3E}">
+        <p14:creationId xmlns:p14="http://schemas.microsoft.com/office/powerpoint/2010/main" val="2310265331"/>
+      </p:ext>
+    </p:extLst>
+  </p:cSld>
+  <p:clrMapOvr>
+    <a:masterClrMapping/>
+  </p:clrMapOvr>
+</p:notes>
+</file>
+
+<file path=ppt/notesSlides/notesSlide14.xml><?xml version="1.0" encoding="utf-8"?>
+<p:notes xmlns:a="http://schemas.openxmlformats.org/drawingml/2006/main" xmlns:r="http://schemas.openxmlformats.org/officeDocument/2006/relationships" xmlns:p="http://schemas.openxmlformats.org/presentationml/2006/main">
+  <p:cSld>
+    <p:spTree>
+      <p:nvGrpSpPr>
+        <p:cNvPr id="1" name=""/>
+        <p:cNvGrpSpPr/>
+        <p:nvPr/>
+      </p:nvGrpSpPr>
+      <p:grpSpPr>
+        <a:xfrm>
+          <a:off x="0" y="0"/>
+          <a:ext cx="0" cy="0"/>
+          <a:chOff x="0" y="0"/>
+          <a:chExt cx="0" cy="0"/>
+        </a:xfrm>
+      </p:grpSpPr>
+      <p:sp>
+        <p:nvSpPr>
+          <p:cNvPr id="2" name="Folienbildplatzhalter 1"/>
+          <p:cNvSpPr>
+            <a:spLocks noGrp="1" noRot="1" noChangeAspect="1"/>
+          </p:cNvSpPr>
+          <p:nvPr>
+            <p:ph type="sldImg"/>
+          </p:nvPr>
+        </p:nvSpPr>
+        <p:spPr/>
+      </p:sp>
+      <p:sp>
+        <p:nvSpPr>
+          <p:cNvPr id="3" name="Notizenplatzhalter 2"/>
+          <p:cNvSpPr>
+            <a:spLocks noGrp="1"/>
+          </p:cNvSpPr>
+          <p:nvPr>
+            <p:ph type="body" idx="1"/>
+          </p:nvPr>
+        </p:nvSpPr>
+        <p:spPr/>
+        <p:txBody>
+          <a:bodyPr/>
+          <a:lstStyle/>
+          <a:p>
+            <a:r>
+              <a:rPr lang="de-DE" dirty="0" smtClean="0"/>
+              <a:t>Ralf und Phil und Angelos</a:t>
+            </a:r>
+            <a:endParaRPr lang="de-DE" dirty="0"/>
+          </a:p>
+        </p:txBody>
+      </p:sp>
+      <p:sp>
+        <p:nvSpPr>
+          <p:cNvPr id="4" name="Foliennummernplatzhalter 3"/>
+          <p:cNvSpPr>
+            <a:spLocks noGrp="1"/>
+          </p:cNvSpPr>
+          <p:nvPr>
+            <p:ph type="sldNum" sz="quarter" idx="10"/>
+          </p:nvPr>
+        </p:nvSpPr>
+        <p:spPr/>
+        <p:txBody>
+          <a:bodyPr/>
+          <a:lstStyle/>
+          <a:p>
+            <a:fld id="{72841C41-988A-40D2-BD42-D850E09ED2B7}" type="slidenum">
+              <a:rPr lang="de-DE" smtClean="0"/>
+              <a:t>14</a:t>
+            </a:fld>
+            <a:endParaRPr lang="de-DE"/>
+          </a:p>
+        </p:txBody>
+      </p:sp>
+    </p:spTree>
+    <p:extLst>
+      <p:ext uri="{BB962C8B-B14F-4D97-AF65-F5344CB8AC3E}">
+        <p14:creationId xmlns:p14="http://schemas.microsoft.com/office/powerpoint/2010/main" val="199634551"/>
+      </p:ext>
+    </p:extLst>
+  </p:cSld>
+  <p:clrMapOvr>
+    <a:masterClrMapping/>
+  </p:clrMapOvr>
+</p:notes>
+</file>
+
+<file path=ppt/notesSlides/notesSlide15.xml><?xml version="1.0" encoding="utf-8"?>
+<p:notes xmlns:a="http://schemas.openxmlformats.org/drawingml/2006/main" xmlns:r="http://schemas.openxmlformats.org/officeDocument/2006/relationships" xmlns:p="http://schemas.openxmlformats.org/presentationml/2006/main">
+  <p:cSld>
+    <p:spTree>
+      <p:nvGrpSpPr>
+        <p:cNvPr id="1" name=""/>
+        <p:cNvGrpSpPr/>
+        <p:nvPr/>
+      </p:nvGrpSpPr>
+      <p:grpSpPr>
+        <a:xfrm>
+          <a:off x="0" y="0"/>
+          <a:ext cx="0" cy="0"/>
+          <a:chOff x="0" y="0"/>
+          <a:chExt cx="0" cy="0"/>
+        </a:xfrm>
+      </p:grpSpPr>
+      <p:sp>
+        <p:nvSpPr>
+          <p:cNvPr id="2" name="Folienbildplatzhalter 1"/>
+          <p:cNvSpPr>
+            <a:spLocks noGrp="1" noRot="1" noChangeAspect="1"/>
+          </p:cNvSpPr>
+          <p:nvPr>
+            <p:ph type="sldImg"/>
+          </p:nvPr>
+        </p:nvSpPr>
+        <p:spPr/>
+      </p:sp>
+      <p:sp>
+        <p:nvSpPr>
+          <p:cNvPr id="3" name="Notizenplatzhalter 2"/>
+          <p:cNvSpPr>
+            <a:spLocks noGrp="1"/>
+          </p:cNvSpPr>
+          <p:nvPr>
+            <p:ph type="body" idx="1"/>
+          </p:nvPr>
+        </p:nvSpPr>
+        <p:spPr/>
+        <p:txBody>
+          <a:bodyPr/>
+          <a:lstStyle/>
+          <a:p>
+            <a:r>
+              <a:rPr lang="de-DE" dirty="0" smtClean="0"/>
+              <a:t>Adriana </a:t>
+            </a:r>
+            <a:r>
+              <a:rPr lang="de-DE" dirty="0" err="1" smtClean="0"/>
+              <a:t>kathrin</a:t>
+            </a:r>
+            <a:endParaRPr lang="de-DE" dirty="0"/>
+          </a:p>
+        </p:txBody>
+      </p:sp>
+      <p:sp>
+        <p:nvSpPr>
+          <p:cNvPr id="4" name="Foliennummernplatzhalter 3"/>
+          <p:cNvSpPr>
+            <a:spLocks noGrp="1"/>
+          </p:cNvSpPr>
+          <p:nvPr>
+            <p:ph type="sldNum" sz="quarter" idx="10"/>
+          </p:nvPr>
+        </p:nvSpPr>
+        <p:spPr/>
+        <p:txBody>
+          <a:bodyPr/>
+          <a:lstStyle/>
+          <a:p>
+            <a:fld id="{72841C41-988A-40D2-BD42-D850E09ED2B7}" type="slidenum">
+              <a:rPr lang="de-DE" smtClean="0"/>
+              <a:t>27</a:t>
+            </a:fld>
+            <a:endParaRPr lang="de-DE"/>
+          </a:p>
+        </p:txBody>
+      </p:sp>
+    </p:spTree>
+    <p:extLst>
+      <p:ext uri="{BB962C8B-B14F-4D97-AF65-F5344CB8AC3E}">
+        <p14:creationId xmlns:p14="http://schemas.microsoft.com/office/powerpoint/2010/main" val="1602375425"/>
+      </p:ext>
+    </p:extLst>
+  </p:cSld>
+  <p:clrMapOvr>
+    <a:masterClrMapping/>
+  </p:clrMapOvr>
+</p:notes>
+</file>
+
+<file path=ppt/notesSlides/notesSlide16.xml><?xml version="1.0" encoding="utf-8"?>
+<p:notes xmlns:a="http://schemas.openxmlformats.org/drawingml/2006/main" xmlns:r="http://schemas.openxmlformats.org/officeDocument/2006/relationships" xmlns:p="http://schemas.openxmlformats.org/presentationml/2006/main">
+  <p:cSld>
+    <p:spTree>
+      <p:nvGrpSpPr>
+        <p:cNvPr id="1" name=""/>
+        <p:cNvGrpSpPr/>
+        <p:nvPr/>
+      </p:nvGrpSpPr>
+      <p:grpSpPr>
+        <a:xfrm>
+          <a:off x="0" y="0"/>
+          <a:ext cx="0" cy="0"/>
+          <a:chOff x="0" y="0"/>
+          <a:chExt cx="0" cy="0"/>
+        </a:xfrm>
+      </p:grpSpPr>
+      <p:sp>
+        <p:nvSpPr>
+          <p:cNvPr id="2" name="Folienbildplatzhalter 1"/>
+          <p:cNvSpPr>
+            <a:spLocks noGrp="1" noRot="1" noChangeAspect="1"/>
+          </p:cNvSpPr>
+          <p:nvPr>
+            <p:ph type="sldImg"/>
+          </p:nvPr>
+        </p:nvSpPr>
+        <p:spPr/>
+      </p:sp>
+      <p:sp>
+        <p:nvSpPr>
+          <p:cNvPr id="3" name="Notizenplatzhalter 2"/>
+          <p:cNvSpPr>
+            <a:spLocks noGrp="1"/>
+          </p:cNvSpPr>
+          <p:nvPr>
+            <p:ph type="body" idx="1"/>
+          </p:nvPr>
+        </p:nvSpPr>
+        <p:spPr/>
+        <p:txBody>
+          <a:bodyPr/>
+          <a:lstStyle/>
+          <a:p>
+            <a:endParaRPr lang="de-DE" dirty="0"/>
+          </a:p>
+        </p:txBody>
+      </p:sp>
+      <p:sp>
+        <p:nvSpPr>
+          <p:cNvPr id="4" name="Foliennummernplatzhalter 3"/>
+          <p:cNvSpPr>
+            <a:spLocks noGrp="1"/>
+          </p:cNvSpPr>
+          <p:nvPr>
+            <p:ph type="sldNum" sz="quarter" idx="10"/>
+          </p:nvPr>
+        </p:nvSpPr>
+        <p:spPr/>
+        <p:txBody>
+          <a:bodyPr/>
+          <a:lstStyle/>
+          <a:p>
+            <a:fld id="{72841C41-988A-40D2-BD42-D850E09ED2B7}" type="slidenum">
+              <a:rPr lang="de-DE" smtClean="0"/>
+              <a:t>30</a:t>
+            </a:fld>
+            <a:endParaRPr lang="de-DE"/>
+          </a:p>
+        </p:txBody>
+      </p:sp>
+    </p:spTree>
+    <p:extLst>
+      <p:ext uri="{BB962C8B-B14F-4D97-AF65-F5344CB8AC3E}">
+        <p14:creationId xmlns:p14="http://schemas.microsoft.com/office/powerpoint/2010/main" val="1794501352"/>
+      </p:ext>
+    </p:extLst>
+  </p:cSld>
+  <p:clrMapOvr>
+    <a:masterClrMapping/>
+  </p:clrMapOvr>
+</p:notes>
+</file>
+
+<file path=ppt/notesSlides/notesSlide17.xml><?xml version="1.0" encoding="utf-8"?>
+<p:notes xmlns:a="http://schemas.openxmlformats.org/drawingml/2006/main" xmlns:r="http://schemas.openxmlformats.org/officeDocument/2006/relationships" xmlns:p="http://schemas.openxmlformats.org/presentationml/2006/main">
+  <p:cSld>
+    <p:spTree>
+      <p:nvGrpSpPr>
+        <p:cNvPr id="1" name=""/>
+        <p:cNvGrpSpPr/>
+        <p:nvPr/>
+      </p:nvGrpSpPr>
+      <p:grpSpPr>
+        <a:xfrm>
+          <a:off x="0" y="0"/>
+          <a:ext cx="0" cy="0"/>
+          <a:chOff x="0" y="0"/>
+          <a:chExt cx="0" cy="0"/>
+        </a:xfrm>
+      </p:grpSpPr>
+      <p:sp>
+        <p:nvSpPr>
+          <p:cNvPr id="2" name="Folienbildplatzhalter 1"/>
+          <p:cNvSpPr>
+            <a:spLocks noGrp="1" noRot="1" noChangeAspect="1"/>
+          </p:cNvSpPr>
+          <p:nvPr>
+            <p:ph type="sldImg"/>
+          </p:nvPr>
+        </p:nvSpPr>
+        <p:spPr/>
+      </p:sp>
+      <p:sp>
+        <p:nvSpPr>
+          <p:cNvPr id="3" name="Notizenplatzhalter 2"/>
+          <p:cNvSpPr>
+            <a:spLocks noGrp="1"/>
+          </p:cNvSpPr>
+          <p:nvPr>
+            <p:ph type="body" idx="1"/>
+          </p:nvPr>
+        </p:nvSpPr>
+        <p:spPr/>
+        <p:txBody>
+          <a:bodyPr/>
+          <a:lstStyle/>
+          <a:p>
+            <a:endParaRPr lang="de-DE" dirty="0"/>
+          </a:p>
+        </p:txBody>
+      </p:sp>
+      <p:sp>
+        <p:nvSpPr>
+          <p:cNvPr id="4" name="Foliennummernplatzhalter 3"/>
+          <p:cNvSpPr>
+            <a:spLocks noGrp="1"/>
+          </p:cNvSpPr>
+          <p:nvPr>
+            <p:ph type="sldNum" sz="quarter" idx="10"/>
+          </p:nvPr>
+        </p:nvSpPr>
+        <p:spPr/>
+        <p:txBody>
+          <a:bodyPr/>
+          <a:lstStyle/>
+          <a:p>
+            <a:fld id="{72841C41-988A-40D2-BD42-D850E09ED2B7}" type="slidenum">
+              <a:rPr lang="de-DE" smtClean="0"/>
+              <a:t>31</a:t>
+            </a:fld>
+            <a:endParaRPr lang="de-DE"/>
+          </a:p>
+        </p:txBody>
+      </p:sp>
+    </p:spTree>
+    <p:extLst>
+      <p:ext uri="{BB962C8B-B14F-4D97-AF65-F5344CB8AC3E}">
+        <p14:creationId xmlns:p14="http://schemas.microsoft.com/office/powerpoint/2010/main" val="337020109"/>
+      </p:ext>
+    </p:extLst>
+  </p:cSld>
+  <p:clrMapOvr>
+    <a:masterClrMapping/>
+  </p:clrMapOvr>
+</p:notes>
+</file>
+
+<file path=ppt/notesSlides/notesSlide18.xml><?xml version="1.0" encoding="utf-8"?>
+<p:notes xmlns:a="http://schemas.openxmlformats.org/drawingml/2006/main" xmlns:r="http://schemas.openxmlformats.org/officeDocument/2006/relationships" xmlns:p="http://schemas.openxmlformats.org/presentationml/2006/main">
+  <p:cSld>
+    <p:spTree>
+      <p:nvGrpSpPr>
+        <p:cNvPr id="1" name=""/>
+        <p:cNvGrpSpPr/>
+        <p:nvPr/>
+      </p:nvGrpSpPr>
+      <p:grpSpPr>
+        <a:xfrm>
+          <a:off x="0" y="0"/>
+          <a:ext cx="0" cy="0"/>
+          <a:chOff x="0" y="0"/>
+          <a:chExt cx="0" cy="0"/>
+        </a:xfrm>
+      </p:grpSpPr>
+      <p:sp>
+        <p:nvSpPr>
+          <p:cNvPr id="2" name="Folienbildplatzhalter 1"/>
+          <p:cNvSpPr>
+            <a:spLocks noGrp="1" noRot="1" noChangeAspect="1"/>
+          </p:cNvSpPr>
+          <p:nvPr>
+            <p:ph type="sldImg"/>
+          </p:nvPr>
+        </p:nvSpPr>
+        <p:spPr/>
+      </p:sp>
+      <p:sp>
+        <p:nvSpPr>
+          <p:cNvPr id="3" name="Notizenplatzhalter 2"/>
+          <p:cNvSpPr>
+            <a:spLocks noGrp="1"/>
+          </p:cNvSpPr>
+          <p:nvPr>
+            <p:ph type="body" idx="1"/>
+          </p:nvPr>
+        </p:nvSpPr>
+        <p:spPr/>
+        <p:txBody>
+          <a:bodyPr/>
+          <a:lstStyle/>
+          <a:p>
+            <a:endParaRPr lang="de-DE" dirty="0"/>
+          </a:p>
+        </p:txBody>
+      </p:sp>
+      <p:sp>
+        <p:nvSpPr>
+          <p:cNvPr id="4" name="Foliennummernplatzhalter 3"/>
+          <p:cNvSpPr>
+            <a:spLocks noGrp="1"/>
+          </p:cNvSpPr>
+          <p:nvPr>
+            <p:ph type="sldNum" sz="quarter" idx="10"/>
+          </p:nvPr>
+        </p:nvSpPr>
+        <p:spPr/>
+        <p:txBody>
+          <a:bodyPr/>
+          <a:lstStyle/>
+          <a:p>
+            <a:fld id="{72841C41-988A-40D2-BD42-D850E09ED2B7}" type="slidenum">
+              <a:rPr lang="de-DE" smtClean="0"/>
+              <a:t>47</a:t>
+            </a:fld>
+            <a:endParaRPr lang="de-DE"/>
+          </a:p>
+        </p:txBody>
+      </p:sp>
+    </p:spTree>
+    <p:extLst>
+      <p:ext uri="{BB962C8B-B14F-4D97-AF65-F5344CB8AC3E}">
+        <p14:creationId xmlns:p14="http://schemas.microsoft.com/office/powerpoint/2010/main" val="2781132002"/>
       </p:ext>
     </p:extLst>
   </p:cSld>
@@ -5069,6 +5884,10 @@
           <a:bodyPr/>
           <a:lstStyle/>
           <a:p>
+            <a:r>
+              <a:rPr lang="de-DE" dirty="0" smtClean="0"/>
+              <a:t>Johannes</a:t>
+            </a:r>
             <a:endParaRPr lang="de-DE" dirty="0"/>
           </a:p>
         </p:txBody>
@@ -5090,7 +5909,7 @@
           <a:p>
             <a:fld id="{72841C41-988A-40D2-BD42-D850E09ED2B7}" type="slidenum">
               <a:rPr lang="de-DE" smtClean="0"/>
-              <a:t>19</a:t>
+              <a:t>2</a:t>
             </a:fld>
             <a:endParaRPr lang="de-DE"/>
           </a:p>
@@ -5099,7 +5918,7 @@
     </p:spTree>
     <p:extLst>
       <p:ext uri="{BB962C8B-B14F-4D97-AF65-F5344CB8AC3E}">
-        <p14:creationId xmlns:p14="http://schemas.microsoft.com/office/powerpoint/2010/main" val="337020109"/>
+        <p14:creationId xmlns:p14="http://schemas.microsoft.com/office/powerpoint/2010/main" val="2997718527"/>
       </p:ext>
     </p:extLst>
   </p:cSld>
@@ -5153,6 +5972,10 @@
           <a:bodyPr/>
           <a:lstStyle/>
           <a:p>
+            <a:r>
+              <a:rPr lang="de-DE" dirty="0" smtClean="0"/>
+              <a:t>Johannes</a:t>
+            </a:r>
             <a:endParaRPr lang="de-DE" dirty="0"/>
           </a:p>
         </p:txBody>
@@ -5174,7 +5997,7 @@
           <a:p>
             <a:fld id="{72841C41-988A-40D2-BD42-D850E09ED2B7}" type="slidenum">
               <a:rPr lang="de-DE" smtClean="0"/>
-              <a:t>35</a:t>
+              <a:t>3</a:t>
             </a:fld>
             <a:endParaRPr lang="de-DE"/>
           </a:p>
@@ -5183,7 +6006,568 @@
     </p:spTree>
     <p:extLst>
       <p:ext uri="{BB962C8B-B14F-4D97-AF65-F5344CB8AC3E}">
-        <p14:creationId xmlns:p14="http://schemas.microsoft.com/office/powerpoint/2010/main" val="2781132002"/>
+        <p14:creationId xmlns:p14="http://schemas.microsoft.com/office/powerpoint/2010/main" val="358048833"/>
+      </p:ext>
+    </p:extLst>
+  </p:cSld>
+  <p:clrMapOvr>
+    <a:masterClrMapping/>
+  </p:clrMapOvr>
+</p:notes>
+</file>
+
+<file path=ppt/notesSlides/notesSlide4.xml><?xml version="1.0" encoding="utf-8"?>
+<p:notes xmlns:a="http://schemas.openxmlformats.org/drawingml/2006/main" xmlns:r="http://schemas.openxmlformats.org/officeDocument/2006/relationships" xmlns:p="http://schemas.openxmlformats.org/presentationml/2006/main">
+  <p:cSld>
+    <p:spTree>
+      <p:nvGrpSpPr>
+        <p:cNvPr id="1" name=""/>
+        <p:cNvGrpSpPr/>
+        <p:nvPr/>
+      </p:nvGrpSpPr>
+      <p:grpSpPr>
+        <a:xfrm>
+          <a:off x="0" y="0"/>
+          <a:ext cx="0" cy="0"/>
+          <a:chOff x="0" y="0"/>
+          <a:chExt cx="0" cy="0"/>
+        </a:xfrm>
+      </p:grpSpPr>
+      <p:sp>
+        <p:nvSpPr>
+          <p:cNvPr id="2" name="Folienbildplatzhalter 1"/>
+          <p:cNvSpPr>
+            <a:spLocks noGrp="1" noRot="1" noChangeAspect="1"/>
+          </p:cNvSpPr>
+          <p:nvPr>
+            <p:ph type="sldImg"/>
+          </p:nvPr>
+        </p:nvSpPr>
+        <p:spPr/>
+      </p:sp>
+      <p:sp>
+        <p:nvSpPr>
+          <p:cNvPr id="3" name="Notizenplatzhalter 2"/>
+          <p:cNvSpPr>
+            <a:spLocks noGrp="1"/>
+          </p:cNvSpPr>
+          <p:nvPr>
+            <p:ph type="body" idx="1"/>
+          </p:nvPr>
+        </p:nvSpPr>
+        <p:spPr/>
+        <p:txBody>
+          <a:bodyPr/>
+          <a:lstStyle/>
+          <a:p>
+            <a:r>
+              <a:rPr lang="de-DE" dirty="0" smtClean="0"/>
+              <a:t>Johannes</a:t>
+            </a:r>
+          </a:p>
+          <a:p>
+            <a:endParaRPr lang="de-DE" dirty="0" smtClean="0"/>
+          </a:p>
+          <a:p>
+            <a:r>
+              <a:rPr lang="de-DE" dirty="0" smtClean="0"/>
+              <a:t>Datenbank</a:t>
+            </a:r>
+            <a:r>
+              <a:rPr lang="de-DE" dirty="0" smtClean="0"/>
+              <a:t>: Realisierung der Datenbank und Datenbankanbindung</a:t>
+            </a:r>
+          </a:p>
+          <a:p>
+            <a:r>
+              <a:rPr lang="de-DE" dirty="0" smtClean="0"/>
+              <a:t>GUI: Oberflächengestaltung und deren Umsetzung</a:t>
+            </a:r>
+          </a:p>
+          <a:p>
+            <a:r>
+              <a:rPr lang="de-DE" dirty="0" smtClean="0"/>
+              <a:t>Logik: Umsetzung Business-Logik der Anwendung</a:t>
+            </a:r>
+          </a:p>
+          <a:p>
+            <a:r>
+              <a:rPr lang="de-DE" dirty="0" smtClean="0"/>
+              <a:t>Test: Erstellung und Durchführung Testfälle (gesamtes Team)</a:t>
+            </a:r>
+          </a:p>
+          <a:p>
+            <a:endParaRPr lang="de-DE" dirty="0"/>
+          </a:p>
+        </p:txBody>
+      </p:sp>
+      <p:sp>
+        <p:nvSpPr>
+          <p:cNvPr id="4" name="Foliennummernplatzhalter 3"/>
+          <p:cNvSpPr>
+            <a:spLocks noGrp="1"/>
+          </p:cNvSpPr>
+          <p:nvPr>
+            <p:ph type="sldNum" sz="quarter" idx="10"/>
+          </p:nvPr>
+        </p:nvSpPr>
+        <p:spPr/>
+        <p:txBody>
+          <a:bodyPr/>
+          <a:lstStyle/>
+          <a:p>
+            <a:fld id="{72841C41-988A-40D2-BD42-D850E09ED2B7}" type="slidenum">
+              <a:rPr lang="de-DE" smtClean="0"/>
+              <a:t>4</a:t>
+            </a:fld>
+            <a:endParaRPr lang="de-DE"/>
+          </a:p>
+        </p:txBody>
+      </p:sp>
+    </p:spTree>
+    <p:extLst>
+      <p:ext uri="{BB962C8B-B14F-4D97-AF65-F5344CB8AC3E}">
+        <p14:creationId xmlns:p14="http://schemas.microsoft.com/office/powerpoint/2010/main" val="2505227762"/>
+      </p:ext>
+    </p:extLst>
+  </p:cSld>
+  <p:clrMapOvr>
+    <a:masterClrMapping/>
+  </p:clrMapOvr>
+</p:notes>
+</file>
+
+<file path=ppt/notesSlides/notesSlide5.xml><?xml version="1.0" encoding="utf-8"?>
+<p:notes xmlns:a="http://schemas.openxmlformats.org/drawingml/2006/main" xmlns:r="http://schemas.openxmlformats.org/officeDocument/2006/relationships" xmlns:p="http://schemas.openxmlformats.org/presentationml/2006/main">
+  <p:cSld>
+    <p:spTree>
+      <p:nvGrpSpPr>
+        <p:cNvPr id="1" name=""/>
+        <p:cNvGrpSpPr/>
+        <p:nvPr/>
+      </p:nvGrpSpPr>
+      <p:grpSpPr>
+        <a:xfrm>
+          <a:off x="0" y="0"/>
+          <a:ext cx="0" cy="0"/>
+          <a:chOff x="0" y="0"/>
+          <a:chExt cx="0" cy="0"/>
+        </a:xfrm>
+      </p:grpSpPr>
+      <p:sp>
+        <p:nvSpPr>
+          <p:cNvPr id="2" name="Folienbildplatzhalter 1"/>
+          <p:cNvSpPr>
+            <a:spLocks noGrp="1" noRot="1" noChangeAspect="1"/>
+          </p:cNvSpPr>
+          <p:nvPr>
+            <p:ph type="sldImg"/>
+          </p:nvPr>
+        </p:nvSpPr>
+        <p:spPr/>
+      </p:sp>
+      <p:sp>
+        <p:nvSpPr>
+          <p:cNvPr id="3" name="Notizenplatzhalter 2"/>
+          <p:cNvSpPr>
+            <a:spLocks noGrp="1"/>
+          </p:cNvSpPr>
+          <p:nvPr>
+            <p:ph type="body" idx="1"/>
+          </p:nvPr>
+        </p:nvSpPr>
+        <p:spPr/>
+        <p:txBody>
+          <a:bodyPr/>
+          <a:lstStyle/>
+          <a:p>
+            <a:r>
+              <a:rPr lang="de-DE" dirty="0" smtClean="0"/>
+              <a:t>Johannes</a:t>
+            </a:r>
+            <a:endParaRPr lang="de-DE" dirty="0"/>
+          </a:p>
+        </p:txBody>
+      </p:sp>
+      <p:sp>
+        <p:nvSpPr>
+          <p:cNvPr id="4" name="Foliennummernplatzhalter 3"/>
+          <p:cNvSpPr>
+            <a:spLocks noGrp="1"/>
+          </p:cNvSpPr>
+          <p:nvPr>
+            <p:ph type="sldNum" sz="quarter" idx="10"/>
+          </p:nvPr>
+        </p:nvSpPr>
+        <p:spPr/>
+        <p:txBody>
+          <a:bodyPr/>
+          <a:lstStyle/>
+          <a:p>
+            <a:fld id="{72841C41-988A-40D2-BD42-D850E09ED2B7}" type="slidenum">
+              <a:rPr lang="de-DE" smtClean="0"/>
+              <a:t>5</a:t>
+            </a:fld>
+            <a:endParaRPr lang="de-DE"/>
+          </a:p>
+        </p:txBody>
+      </p:sp>
+    </p:spTree>
+    <p:extLst>
+      <p:ext uri="{BB962C8B-B14F-4D97-AF65-F5344CB8AC3E}">
+        <p14:creationId xmlns:p14="http://schemas.microsoft.com/office/powerpoint/2010/main" val="1113625367"/>
+      </p:ext>
+    </p:extLst>
+  </p:cSld>
+  <p:clrMapOvr>
+    <a:masterClrMapping/>
+  </p:clrMapOvr>
+</p:notes>
+</file>
+
+<file path=ppt/notesSlides/notesSlide6.xml><?xml version="1.0" encoding="utf-8"?>
+<p:notes xmlns:a="http://schemas.openxmlformats.org/drawingml/2006/main" xmlns:r="http://schemas.openxmlformats.org/officeDocument/2006/relationships" xmlns:p="http://schemas.openxmlformats.org/presentationml/2006/main">
+  <p:cSld>
+    <p:spTree>
+      <p:nvGrpSpPr>
+        <p:cNvPr id="1" name=""/>
+        <p:cNvGrpSpPr/>
+        <p:nvPr/>
+      </p:nvGrpSpPr>
+      <p:grpSpPr>
+        <a:xfrm>
+          <a:off x="0" y="0"/>
+          <a:ext cx="0" cy="0"/>
+          <a:chOff x="0" y="0"/>
+          <a:chExt cx="0" cy="0"/>
+        </a:xfrm>
+      </p:grpSpPr>
+      <p:sp>
+        <p:nvSpPr>
+          <p:cNvPr id="2" name="Folienbildplatzhalter 1"/>
+          <p:cNvSpPr>
+            <a:spLocks noGrp="1" noRot="1" noChangeAspect="1"/>
+          </p:cNvSpPr>
+          <p:nvPr>
+            <p:ph type="sldImg"/>
+          </p:nvPr>
+        </p:nvSpPr>
+        <p:spPr/>
+      </p:sp>
+      <p:sp>
+        <p:nvSpPr>
+          <p:cNvPr id="3" name="Notizenplatzhalter 2"/>
+          <p:cNvSpPr>
+            <a:spLocks noGrp="1"/>
+          </p:cNvSpPr>
+          <p:nvPr>
+            <p:ph type="body" idx="1"/>
+          </p:nvPr>
+        </p:nvSpPr>
+        <p:spPr/>
+        <p:txBody>
+          <a:bodyPr/>
+          <a:lstStyle/>
+          <a:p>
+            <a:r>
+              <a:rPr lang="de-DE" dirty="0" smtClean="0"/>
+              <a:t>Jenny</a:t>
+            </a:r>
+            <a:endParaRPr lang="de-DE" dirty="0"/>
+          </a:p>
+        </p:txBody>
+      </p:sp>
+      <p:sp>
+        <p:nvSpPr>
+          <p:cNvPr id="4" name="Foliennummernplatzhalter 3"/>
+          <p:cNvSpPr>
+            <a:spLocks noGrp="1"/>
+          </p:cNvSpPr>
+          <p:nvPr>
+            <p:ph type="sldNum" sz="quarter" idx="10"/>
+          </p:nvPr>
+        </p:nvSpPr>
+        <p:spPr/>
+        <p:txBody>
+          <a:bodyPr/>
+          <a:lstStyle/>
+          <a:p>
+            <a:fld id="{72841C41-988A-40D2-BD42-D850E09ED2B7}" type="slidenum">
+              <a:rPr lang="de-DE" smtClean="0"/>
+              <a:t>6</a:t>
+            </a:fld>
+            <a:endParaRPr lang="de-DE"/>
+          </a:p>
+        </p:txBody>
+      </p:sp>
+    </p:spTree>
+    <p:extLst>
+      <p:ext uri="{BB962C8B-B14F-4D97-AF65-F5344CB8AC3E}">
+        <p14:creationId xmlns:p14="http://schemas.microsoft.com/office/powerpoint/2010/main" val="3699469937"/>
+      </p:ext>
+    </p:extLst>
+  </p:cSld>
+  <p:clrMapOvr>
+    <a:masterClrMapping/>
+  </p:clrMapOvr>
+</p:notes>
+</file>
+
+<file path=ppt/notesSlides/notesSlide7.xml><?xml version="1.0" encoding="utf-8"?>
+<p:notes xmlns:a="http://schemas.openxmlformats.org/drawingml/2006/main" xmlns:r="http://schemas.openxmlformats.org/officeDocument/2006/relationships" xmlns:p="http://schemas.openxmlformats.org/presentationml/2006/main">
+  <p:cSld>
+    <p:spTree>
+      <p:nvGrpSpPr>
+        <p:cNvPr id="1" name=""/>
+        <p:cNvGrpSpPr/>
+        <p:nvPr/>
+      </p:nvGrpSpPr>
+      <p:grpSpPr>
+        <a:xfrm>
+          <a:off x="0" y="0"/>
+          <a:ext cx="0" cy="0"/>
+          <a:chOff x="0" y="0"/>
+          <a:chExt cx="0" cy="0"/>
+        </a:xfrm>
+      </p:grpSpPr>
+      <p:sp>
+        <p:nvSpPr>
+          <p:cNvPr id="2" name="Folienbildplatzhalter 1"/>
+          <p:cNvSpPr>
+            <a:spLocks noGrp="1" noRot="1" noChangeAspect="1"/>
+          </p:cNvSpPr>
+          <p:nvPr>
+            <p:ph type="sldImg"/>
+          </p:nvPr>
+        </p:nvSpPr>
+        <p:spPr/>
+      </p:sp>
+      <p:sp>
+        <p:nvSpPr>
+          <p:cNvPr id="3" name="Notizenplatzhalter 2"/>
+          <p:cNvSpPr>
+            <a:spLocks noGrp="1"/>
+          </p:cNvSpPr>
+          <p:nvPr>
+            <p:ph type="body" idx="1"/>
+          </p:nvPr>
+        </p:nvSpPr>
+        <p:spPr/>
+        <p:txBody>
+          <a:bodyPr/>
+          <a:lstStyle/>
+          <a:p>
+            <a:r>
+              <a:rPr lang="de-DE" dirty="0" smtClean="0"/>
+              <a:t>Marc</a:t>
+            </a:r>
+            <a:endParaRPr lang="de-DE" dirty="0"/>
+          </a:p>
+        </p:txBody>
+      </p:sp>
+      <p:sp>
+        <p:nvSpPr>
+          <p:cNvPr id="4" name="Foliennummernplatzhalter 3"/>
+          <p:cNvSpPr>
+            <a:spLocks noGrp="1"/>
+          </p:cNvSpPr>
+          <p:nvPr>
+            <p:ph type="sldNum" sz="quarter" idx="10"/>
+          </p:nvPr>
+        </p:nvSpPr>
+        <p:spPr/>
+        <p:txBody>
+          <a:bodyPr/>
+          <a:lstStyle/>
+          <a:p>
+            <a:fld id="{72841C41-988A-40D2-BD42-D850E09ED2B7}" type="slidenum">
+              <a:rPr lang="de-DE" smtClean="0"/>
+              <a:t>7</a:t>
+            </a:fld>
+            <a:endParaRPr lang="de-DE"/>
+          </a:p>
+        </p:txBody>
+      </p:sp>
+    </p:spTree>
+    <p:extLst>
+      <p:ext uri="{BB962C8B-B14F-4D97-AF65-F5344CB8AC3E}">
+        <p14:creationId xmlns:p14="http://schemas.microsoft.com/office/powerpoint/2010/main" val="567656433"/>
+      </p:ext>
+    </p:extLst>
+  </p:cSld>
+  <p:clrMapOvr>
+    <a:masterClrMapping/>
+  </p:clrMapOvr>
+</p:notes>
+</file>
+
+<file path=ppt/notesSlides/notesSlide8.xml><?xml version="1.0" encoding="utf-8"?>
+<p:notes xmlns:a="http://schemas.openxmlformats.org/drawingml/2006/main" xmlns:r="http://schemas.openxmlformats.org/officeDocument/2006/relationships" xmlns:p="http://schemas.openxmlformats.org/presentationml/2006/main">
+  <p:cSld>
+    <p:spTree>
+      <p:nvGrpSpPr>
+        <p:cNvPr id="1" name=""/>
+        <p:cNvGrpSpPr/>
+        <p:nvPr/>
+      </p:nvGrpSpPr>
+      <p:grpSpPr>
+        <a:xfrm>
+          <a:off x="0" y="0"/>
+          <a:ext cx="0" cy="0"/>
+          <a:chOff x="0" y="0"/>
+          <a:chExt cx="0" cy="0"/>
+        </a:xfrm>
+      </p:grpSpPr>
+      <p:sp>
+        <p:nvSpPr>
+          <p:cNvPr id="2" name="Folienbildplatzhalter 1"/>
+          <p:cNvSpPr>
+            <a:spLocks noGrp="1" noRot="1" noChangeAspect="1"/>
+          </p:cNvSpPr>
+          <p:nvPr>
+            <p:ph type="sldImg"/>
+          </p:nvPr>
+        </p:nvSpPr>
+        <p:spPr/>
+      </p:sp>
+      <p:sp>
+        <p:nvSpPr>
+          <p:cNvPr id="3" name="Notizenplatzhalter 2"/>
+          <p:cNvSpPr>
+            <a:spLocks noGrp="1"/>
+          </p:cNvSpPr>
+          <p:nvPr>
+            <p:ph type="body" idx="1"/>
+          </p:nvPr>
+        </p:nvSpPr>
+        <p:spPr/>
+        <p:txBody>
+          <a:bodyPr/>
+          <a:lstStyle/>
+          <a:p>
+            <a:r>
+              <a:rPr lang="de-DE" dirty="0" smtClean="0"/>
+              <a:t>Marc</a:t>
+            </a:r>
+            <a:endParaRPr lang="de-DE" dirty="0"/>
+          </a:p>
+        </p:txBody>
+      </p:sp>
+      <p:sp>
+        <p:nvSpPr>
+          <p:cNvPr id="4" name="Foliennummernplatzhalter 3"/>
+          <p:cNvSpPr>
+            <a:spLocks noGrp="1"/>
+          </p:cNvSpPr>
+          <p:nvPr>
+            <p:ph type="sldNum" sz="quarter" idx="10"/>
+          </p:nvPr>
+        </p:nvSpPr>
+        <p:spPr/>
+        <p:txBody>
+          <a:bodyPr/>
+          <a:lstStyle/>
+          <a:p>
+            <a:fld id="{72841C41-988A-40D2-BD42-D850E09ED2B7}" type="slidenum">
+              <a:rPr lang="de-DE" smtClean="0"/>
+              <a:t>8</a:t>
+            </a:fld>
+            <a:endParaRPr lang="de-DE"/>
+          </a:p>
+        </p:txBody>
+      </p:sp>
+    </p:spTree>
+    <p:extLst>
+      <p:ext uri="{BB962C8B-B14F-4D97-AF65-F5344CB8AC3E}">
+        <p14:creationId xmlns:p14="http://schemas.microsoft.com/office/powerpoint/2010/main" val="2657475957"/>
+      </p:ext>
+    </p:extLst>
+  </p:cSld>
+  <p:clrMapOvr>
+    <a:masterClrMapping/>
+  </p:clrMapOvr>
+</p:notes>
+</file>
+
+<file path=ppt/notesSlides/notesSlide9.xml><?xml version="1.0" encoding="utf-8"?>
+<p:notes xmlns:a="http://schemas.openxmlformats.org/drawingml/2006/main" xmlns:r="http://schemas.openxmlformats.org/officeDocument/2006/relationships" xmlns:p="http://schemas.openxmlformats.org/presentationml/2006/main">
+  <p:cSld>
+    <p:spTree>
+      <p:nvGrpSpPr>
+        <p:cNvPr id="1" name=""/>
+        <p:cNvGrpSpPr/>
+        <p:nvPr/>
+      </p:nvGrpSpPr>
+      <p:grpSpPr>
+        <a:xfrm>
+          <a:off x="0" y="0"/>
+          <a:ext cx="0" cy="0"/>
+          <a:chOff x="0" y="0"/>
+          <a:chExt cx="0" cy="0"/>
+        </a:xfrm>
+      </p:grpSpPr>
+      <p:sp>
+        <p:nvSpPr>
+          <p:cNvPr id="2" name="Folienbildplatzhalter 1"/>
+          <p:cNvSpPr>
+            <a:spLocks noGrp="1" noRot="1" noChangeAspect="1"/>
+          </p:cNvSpPr>
+          <p:nvPr>
+            <p:ph type="sldImg"/>
+          </p:nvPr>
+        </p:nvSpPr>
+        <p:spPr/>
+      </p:sp>
+      <p:sp>
+        <p:nvSpPr>
+          <p:cNvPr id="3" name="Notizenplatzhalter 2"/>
+          <p:cNvSpPr>
+            <a:spLocks noGrp="1"/>
+          </p:cNvSpPr>
+          <p:nvPr>
+            <p:ph type="body" idx="1"/>
+          </p:nvPr>
+        </p:nvSpPr>
+        <p:spPr/>
+        <p:txBody>
+          <a:bodyPr/>
+          <a:lstStyle/>
+          <a:p>
+            <a:r>
+              <a:rPr lang="de-DE" dirty="0" smtClean="0"/>
+              <a:t>Natalja</a:t>
+            </a:r>
+            <a:endParaRPr lang="de-DE" dirty="0"/>
+          </a:p>
+        </p:txBody>
+      </p:sp>
+      <p:sp>
+        <p:nvSpPr>
+          <p:cNvPr id="4" name="Foliennummernplatzhalter 3"/>
+          <p:cNvSpPr>
+            <a:spLocks noGrp="1"/>
+          </p:cNvSpPr>
+          <p:nvPr>
+            <p:ph type="sldNum" sz="quarter" idx="10"/>
+          </p:nvPr>
+        </p:nvSpPr>
+        <p:spPr/>
+        <p:txBody>
+          <a:bodyPr/>
+          <a:lstStyle/>
+          <a:p>
+            <a:fld id="{72841C41-988A-40D2-BD42-D850E09ED2B7}" type="slidenum">
+              <a:rPr lang="de-DE" smtClean="0"/>
+              <a:t>9</a:t>
+            </a:fld>
+            <a:endParaRPr lang="de-DE"/>
+          </a:p>
+        </p:txBody>
+      </p:sp>
+    </p:spTree>
+    <p:extLst>
+      <p:ext uri="{BB962C8B-B14F-4D97-AF65-F5344CB8AC3E}">
+        <p14:creationId xmlns:p14="http://schemas.microsoft.com/office/powerpoint/2010/main" val="1770973867"/>
       </p:ext>
     </p:extLst>
   </p:cSld>
@@ -9253,6 +10637,36 @@
           </a:p>
         </p:txBody>
       </p:sp>
+      <p:pic>
+        <p:nvPicPr>
+          <p:cNvPr id="5" name="Grafik 4"/>
+          <p:cNvPicPr>
+            <a:picLocks noChangeAspect="1"/>
+          </p:cNvPicPr>
+          <p:nvPr/>
+        </p:nvPicPr>
+        <p:blipFill>
+          <a:blip r:embed="rId3">
+            <a:extLst>
+              <a:ext uri="{28A0092B-C50C-407E-A947-70E740481C1C}">
+                <a14:useLocalDpi xmlns:a14="http://schemas.microsoft.com/office/drawing/2010/main" val="0"/>
+              </a:ext>
+            </a:extLst>
+          </a:blip>
+          <a:stretch>
+            <a:fillRect/>
+          </a:stretch>
+        </p:blipFill>
+        <p:spPr>
+          <a:xfrm>
+            <a:off x="6335688" y="11737"/>
+            <a:ext cx="2808312" cy="2808312"/>
+          </a:xfrm>
+          <a:prstGeom prst="rect">
+            <a:avLst/>
+          </a:prstGeom>
+        </p:spPr>
+      </p:pic>
     </p:spTree>
     <p:extLst>
       <p:ext uri="{BB962C8B-B14F-4D97-AF65-F5344CB8AC3E}">
@@ -9691,13 +11105,8 @@
           <a:p>
             <a:r>
               <a:rPr lang="de-DE" dirty="0" smtClean="0"/>
-              <a:t>Verbindung von </a:t>
-            </a:r>
-            <a:r>
-              <a:rPr lang="de-DE" dirty="0" smtClean="0"/>
-              <a:t>View und Model</a:t>
-            </a:r>
-            <a:endParaRPr lang="de-DE" dirty="0" smtClean="0"/>
+              <a:t>Verbindung von View und Model</a:t>
+            </a:r>
           </a:p>
           <a:p>
             <a:r>
@@ -10443,11 +11852,7 @@
           <a:p>
             <a:r>
               <a:rPr lang="de-DE" dirty="0" smtClean="0"/>
-              <a:t>Aufwand bei Programmierung </a:t>
-            </a:r>
-            <a:r>
-              <a:rPr lang="de-DE" dirty="0" smtClean="0"/>
-              <a:t>reduziert</a:t>
+              <a:t>Aufwand bei Programmierung reduziert</a:t>
             </a:r>
           </a:p>
           <a:p>
@@ -10600,6 +12005,1481 @@
 </file>
 
 <file path=ppt/slides/slide15.xml><?xml version="1.0" encoding="utf-8"?>
+<p:sld xmlns:a="http://schemas.openxmlformats.org/drawingml/2006/main" xmlns:r="http://schemas.openxmlformats.org/officeDocument/2006/relationships" xmlns:p="http://schemas.openxmlformats.org/presentationml/2006/main">
+  <p:cSld>
+    <p:spTree>
+      <p:nvGrpSpPr>
+        <p:cNvPr id="1" name=""/>
+        <p:cNvGrpSpPr/>
+        <p:nvPr/>
+      </p:nvGrpSpPr>
+      <p:grpSpPr>
+        <a:xfrm>
+          <a:off x="0" y="0"/>
+          <a:ext cx="0" cy="0"/>
+          <a:chOff x="0" y="0"/>
+          <a:chExt cx="0" cy="0"/>
+        </a:xfrm>
+      </p:grpSpPr>
+      <p:sp>
+        <p:nvSpPr>
+          <p:cNvPr id="2" name="Titel 1"/>
+          <p:cNvSpPr>
+            <a:spLocks noGrp="1"/>
+          </p:cNvSpPr>
+          <p:nvPr>
+            <p:ph type="title"/>
+          </p:nvPr>
+        </p:nvSpPr>
+        <p:spPr/>
+        <p:txBody>
+          <a:bodyPr>
+            <a:normAutofit fontScale="90000"/>
+          </a:bodyPr>
+          <a:lstStyle/>
+          <a:p>
+            <a:r>
+              <a:rPr lang="de-DE" dirty="0" smtClean="0"/>
+              <a:t>Fachbereichsorganisation </a:t>
+            </a:r>
+            <a:r>
+              <a:rPr lang="de-DE" dirty="0"/>
+              <a:t>legt Bereich, Arbeitsgruppe und Mitarbeiter an.</a:t>
+            </a:r>
+            <a:br>
+              <a:rPr lang="de-DE" dirty="0"/>
+            </a:br>
+            <a:endParaRPr lang="de-DE" dirty="0"/>
+          </a:p>
+        </p:txBody>
+      </p:sp>
+      <p:pic>
+        <p:nvPicPr>
+          <p:cNvPr id="3" name="Grafik 2"/>
+          <p:cNvPicPr/>
+          <p:nvPr/>
+        </p:nvPicPr>
+        <p:blipFill>
+          <a:blip r:embed="rId2"/>
+          <a:stretch>
+            <a:fillRect/>
+          </a:stretch>
+        </p:blipFill>
+        <p:spPr>
+          <a:xfrm>
+            <a:off x="503548" y="2420888"/>
+            <a:ext cx="8136904" cy="4105796"/>
+          </a:xfrm>
+          <a:prstGeom prst="rect">
+            <a:avLst/>
+          </a:prstGeom>
+        </p:spPr>
+      </p:pic>
+    </p:spTree>
+    <p:extLst>
+      <p:ext uri="{BB962C8B-B14F-4D97-AF65-F5344CB8AC3E}">
+        <p14:creationId xmlns:p14="http://schemas.microsoft.com/office/powerpoint/2010/main" val="1709195912"/>
+      </p:ext>
+    </p:extLst>
+  </p:cSld>
+  <p:clrMapOvr>
+    <a:masterClrMapping/>
+  </p:clrMapOvr>
+</p:sld>
+</file>
+
+<file path=ppt/slides/slide16.xml><?xml version="1.0" encoding="utf-8"?>
+<p:sld xmlns:a="http://schemas.openxmlformats.org/drawingml/2006/main" xmlns:r="http://schemas.openxmlformats.org/officeDocument/2006/relationships" xmlns:p="http://schemas.openxmlformats.org/presentationml/2006/main">
+  <p:cSld>
+    <p:spTree>
+      <p:nvGrpSpPr>
+        <p:cNvPr id="1" name=""/>
+        <p:cNvGrpSpPr/>
+        <p:nvPr/>
+      </p:nvGrpSpPr>
+      <p:grpSpPr>
+        <a:xfrm>
+          <a:off x="0" y="0"/>
+          <a:ext cx="0" cy="0"/>
+          <a:chOff x="0" y="0"/>
+          <a:chExt cx="0" cy="0"/>
+        </a:xfrm>
+      </p:grpSpPr>
+      <p:sp>
+        <p:nvSpPr>
+          <p:cNvPr id="2" name="Titel 1"/>
+          <p:cNvSpPr>
+            <a:spLocks noGrp="1"/>
+          </p:cNvSpPr>
+          <p:nvPr>
+            <p:ph type="title"/>
+          </p:nvPr>
+        </p:nvSpPr>
+        <p:spPr/>
+        <p:txBody>
+          <a:bodyPr>
+            <a:normAutofit fontScale="90000"/>
+          </a:bodyPr>
+          <a:lstStyle/>
+          <a:p>
+            <a:r>
+              <a:rPr lang="de-DE" dirty="0"/>
+              <a:t>Unternehmensstruktur nach anlegen eines </a:t>
+            </a:r>
+            <a:r>
+              <a:rPr lang="de-DE" dirty="0" smtClean="0"/>
+              <a:t>Bereichs: Mitarbeiter </a:t>
+            </a:r>
+            <a:r>
+              <a:rPr lang="de-DE" dirty="0"/>
+              <a:t>in der Gruppe fehlen.</a:t>
+            </a:r>
+            <a:br>
+              <a:rPr lang="de-DE" dirty="0"/>
+            </a:br>
+            <a:endParaRPr lang="de-DE" dirty="0"/>
+          </a:p>
+        </p:txBody>
+      </p:sp>
+      <p:pic>
+        <p:nvPicPr>
+          <p:cNvPr id="3" name="Grafik 2"/>
+          <p:cNvPicPr/>
+          <p:nvPr/>
+        </p:nvPicPr>
+        <p:blipFill>
+          <a:blip r:embed="rId2"/>
+          <a:stretch>
+            <a:fillRect/>
+          </a:stretch>
+        </p:blipFill>
+        <p:spPr>
+          <a:xfrm>
+            <a:off x="215516" y="2348880"/>
+            <a:ext cx="8712968" cy="4509120"/>
+          </a:xfrm>
+          <a:prstGeom prst="rect">
+            <a:avLst/>
+          </a:prstGeom>
+        </p:spPr>
+      </p:pic>
+    </p:spTree>
+    <p:extLst>
+      <p:ext uri="{BB962C8B-B14F-4D97-AF65-F5344CB8AC3E}">
+        <p14:creationId xmlns:p14="http://schemas.microsoft.com/office/powerpoint/2010/main" val="63509948"/>
+      </p:ext>
+    </p:extLst>
+  </p:cSld>
+  <p:clrMapOvr>
+    <a:masterClrMapping/>
+  </p:clrMapOvr>
+</p:sld>
+</file>
+
+<file path=ppt/slides/slide17.xml><?xml version="1.0" encoding="utf-8"?>
+<p:sld xmlns:a="http://schemas.openxmlformats.org/drawingml/2006/main" xmlns:r="http://schemas.openxmlformats.org/officeDocument/2006/relationships" xmlns:p="http://schemas.openxmlformats.org/presentationml/2006/main">
+  <p:cSld>
+    <p:spTree>
+      <p:nvGrpSpPr>
+        <p:cNvPr id="1" name=""/>
+        <p:cNvGrpSpPr/>
+        <p:nvPr/>
+      </p:nvGrpSpPr>
+      <p:grpSpPr>
+        <a:xfrm>
+          <a:off x="0" y="0"/>
+          <a:ext cx="0" cy="0"/>
+          <a:chOff x="0" y="0"/>
+          <a:chExt cx="0" cy="0"/>
+        </a:xfrm>
+      </p:grpSpPr>
+      <p:sp>
+        <p:nvSpPr>
+          <p:cNvPr id="2" name="Titel 1"/>
+          <p:cNvSpPr>
+            <a:spLocks noGrp="1"/>
+          </p:cNvSpPr>
+          <p:nvPr>
+            <p:ph type="title"/>
+          </p:nvPr>
+        </p:nvSpPr>
+        <p:spPr/>
+        <p:txBody>
+          <a:bodyPr>
+            <a:normAutofit fontScale="90000"/>
+          </a:bodyPr>
+          <a:lstStyle/>
+          <a:p>
+            <a:r>
+              <a:rPr lang="de-DE" dirty="0"/>
+              <a:t>Mitarbeiter wird als Sachbearbeiter angelegt. Nach Telefonat erfasst er seine Daten im Programm.</a:t>
+            </a:r>
+            <a:br>
+              <a:rPr lang="de-DE" dirty="0"/>
+            </a:br>
+            <a:endParaRPr lang="de-DE" dirty="0"/>
+          </a:p>
+        </p:txBody>
+      </p:sp>
+      <p:pic>
+        <p:nvPicPr>
+          <p:cNvPr id="3" name="Grafik 2"/>
+          <p:cNvPicPr/>
+          <p:nvPr/>
+        </p:nvPicPr>
+        <p:blipFill>
+          <a:blip r:embed="rId2">
+            <a:extLst>
+              <a:ext uri="{28A0092B-C50C-407E-A947-70E740481C1C}">
+                <a14:useLocalDpi xmlns:a14="http://schemas.microsoft.com/office/drawing/2010/main" val="0"/>
+              </a:ext>
+            </a:extLst>
+          </a:blip>
+          <a:srcRect/>
+          <a:stretch>
+            <a:fillRect/>
+          </a:stretch>
+        </p:blipFill>
+        <p:spPr bwMode="auto">
+          <a:xfrm>
+            <a:off x="457200" y="2311509"/>
+            <a:ext cx="8229600" cy="4546491"/>
+          </a:xfrm>
+          <a:prstGeom prst="rect">
+            <a:avLst/>
+          </a:prstGeom>
+          <a:noFill/>
+          <a:ln>
+            <a:noFill/>
+          </a:ln>
+        </p:spPr>
+      </p:pic>
+    </p:spTree>
+    <p:extLst>
+      <p:ext uri="{BB962C8B-B14F-4D97-AF65-F5344CB8AC3E}">
+        <p14:creationId xmlns:p14="http://schemas.microsoft.com/office/powerpoint/2010/main" val="526157708"/>
+      </p:ext>
+    </p:extLst>
+  </p:cSld>
+  <p:clrMapOvr>
+    <a:masterClrMapping/>
+  </p:clrMapOvr>
+</p:sld>
+</file>
+
+<file path=ppt/slides/slide18.xml><?xml version="1.0" encoding="utf-8"?>
+<p:sld xmlns:a="http://schemas.openxmlformats.org/drawingml/2006/main" xmlns:r="http://schemas.openxmlformats.org/officeDocument/2006/relationships" xmlns:p="http://schemas.openxmlformats.org/presentationml/2006/main">
+  <p:cSld>
+    <p:spTree>
+      <p:nvGrpSpPr>
+        <p:cNvPr id="1" name=""/>
+        <p:cNvGrpSpPr/>
+        <p:nvPr/>
+      </p:nvGrpSpPr>
+      <p:grpSpPr>
+        <a:xfrm>
+          <a:off x="0" y="0"/>
+          <a:ext cx="0" cy="0"/>
+          <a:chOff x="0" y="0"/>
+          <a:chExt cx="0" cy="0"/>
+        </a:xfrm>
+      </p:grpSpPr>
+      <p:sp>
+        <p:nvSpPr>
+          <p:cNvPr id="2" name="Titel 1"/>
+          <p:cNvSpPr>
+            <a:spLocks noGrp="1"/>
+          </p:cNvSpPr>
+          <p:nvPr>
+            <p:ph type="title"/>
+          </p:nvPr>
+        </p:nvSpPr>
+        <p:spPr>
+          <a:xfrm>
+            <a:off x="395536" y="1072316"/>
+            <a:ext cx="8229600" cy="1069848"/>
+          </a:xfrm>
+        </p:spPr>
+        <p:txBody>
+          <a:bodyPr>
+            <a:noAutofit/>
+          </a:bodyPr>
+          <a:lstStyle/>
+          <a:p>
+            <a:r>
+              <a:rPr lang="de-DE" sz="2800" dirty="0"/>
+              <a:t>Sachbearbeiter wird zum Gruppenleiter ernannt. Hat jetzt eine Arbeitsgruppe unter sich. Darf weiterhin Daten erfassen. Hat durch Stippler eine Übersicht aller Daten seiner Arbeitsgruppe.</a:t>
+            </a:r>
+            <a:br>
+              <a:rPr lang="de-DE" sz="2800" dirty="0"/>
+            </a:br>
+            <a:endParaRPr lang="de-DE" sz="2800" dirty="0"/>
+          </a:p>
+        </p:txBody>
+      </p:sp>
+      <p:pic>
+        <p:nvPicPr>
+          <p:cNvPr id="3" name="Grafik 2"/>
+          <p:cNvPicPr/>
+          <p:nvPr/>
+        </p:nvPicPr>
+        <p:blipFill rotWithShape="1">
+          <a:blip r:embed="rId2"/>
+          <a:srcRect l="21287"/>
+          <a:stretch/>
+        </p:blipFill>
+        <p:spPr>
+          <a:xfrm>
+            <a:off x="492034" y="2348880"/>
+            <a:ext cx="8359234" cy="4509120"/>
+          </a:xfrm>
+          <a:prstGeom prst="rect">
+            <a:avLst/>
+          </a:prstGeom>
+        </p:spPr>
+      </p:pic>
+    </p:spTree>
+    <p:extLst>
+      <p:ext uri="{BB962C8B-B14F-4D97-AF65-F5344CB8AC3E}">
+        <p14:creationId xmlns:p14="http://schemas.microsoft.com/office/powerpoint/2010/main" val="1260923131"/>
+      </p:ext>
+    </p:extLst>
+  </p:cSld>
+  <p:clrMapOvr>
+    <a:masterClrMapping/>
+  </p:clrMapOvr>
+</p:sld>
+</file>
+
+<file path=ppt/slides/slide19.xml><?xml version="1.0" encoding="utf-8"?>
+<p:sld xmlns:a="http://schemas.openxmlformats.org/drawingml/2006/main" xmlns:r="http://schemas.openxmlformats.org/officeDocument/2006/relationships" xmlns:p="http://schemas.openxmlformats.org/presentationml/2006/main">
+  <p:cSld>
+    <p:spTree>
+      <p:nvGrpSpPr>
+        <p:cNvPr id="1" name=""/>
+        <p:cNvGrpSpPr/>
+        <p:nvPr/>
+      </p:nvGrpSpPr>
+      <p:grpSpPr>
+        <a:xfrm>
+          <a:off x="0" y="0"/>
+          <a:ext cx="0" cy="0"/>
+          <a:chOff x="0" y="0"/>
+          <a:chExt cx="0" cy="0"/>
+        </a:xfrm>
+      </p:grpSpPr>
+      <p:sp>
+        <p:nvSpPr>
+          <p:cNvPr id="2" name="Titel 1"/>
+          <p:cNvSpPr>
+            <a:spLocks noGrp="1"/>
+          </p:cNvSpPr>
+          <p:nvPr>
+            <p:ph type="title"/>
+          </p:nvPr>
+        </p:nvSpPr>
+        <p:spPr>
+          <a:xfrm>
+            <a:off x="457200" y="1412776"/>
+            <a:ext cx="8229600" cy="1069848"/>
+          </a:xfrm>
+        </p:spPr>
+        <p:txBody>
+          <a:bodyPr>
+            <a:noAutofit/>
+          </a:bodyPr>
+          <a:lstStyle/>
+          <a:p>
+            <a:r>
+              <a:rPr lang="de-DE" sz="3200" dirty="0"/>
+              <a:t>Gruppenleiter wird zum Bereichsleiter ernannt. </a:t>
+            </a:r>
+            <a:r>
+              <a:rPr lang="de-DE" sz="3200" dirty="0" smtClean="0"/>
+              <a:t>Er Hat </a:t>
+            </a:r>
+            <a:r>
+              <a:rPr lang="de-DE" sz="3200" dirty="0"/>
+              <a:t>jetzt mehrere Arbeitsgruppen unter sich. Durch Stippler ist ein Export der Übersichten in ein PDF oder eine Excel-Tabelle möglich.</a:t>
+            </a:r>
+            <a:br>
+              <a:rPr lang="de-DE" sz="3200" dirty="0"/>
+            </a:br>
+            <a:endParaRPr lang="de-DE" sz="3200" dirty="0"/>
+          </a:p>
+        </p:txBody>
+      </p:sp>
+      <p:pic>
+        <p:nvPicPr>
+          <p:cNvPr id="3" name="Grafik 2"/>
+          <p:cNvPicPr/>
+          <p:nvPr/>
+        </p:nvPicPr>
+        <p:blipFill>
+          <a:blip r:embed="rId2">
+            <a:extLst>
+              <a:ext uri="{28A0092B-C50C-407E-A947-70E740481C1C}">
+                <a14:useLocalDpi xmlns:a14="http://schemas.microsoft.com/office/drawing/2010/main" val="0"/>
+              </a:ext>
+            </a:extLst>
+          </a:blip>
+          <a:srcRect/>
+          <a:stretch>
+            <a:fillRect/>
+          </a:stretch>
+        </p:blipFill>
+        <p:spPr bwMode="auto">
+          <a:xfrm>
+            <a:off x="457200" y="2996952"/>
+            <a:ext cx="8363272" cy="3861048"/>
+          </a:xfrm>
+          <a:prstGeom prst="rect">
+            <a:avLst/>
+          </a:prstGeom>
+          <a:noFill/>
+          <a:ln>
+            <a:noFill/>
+          </a:ln>
+        </p:spPr>
+      </p:pic>
+    </p:spTree>
+    <p:extLst>
+      <p:ext uri="{BB962C8B-B14F-4D97-AF65-F5344CB8AC3E}">
+        <p14:creationId xmlns:p14="http://schemas.microsoft.com/office/powerpoint/2010/main" val="2480907429"/>
+      </p:ext>
+    </p:extLst>
+  </p:cSld>
+  <p:clrMapOvr>
+    <a:masterClrMapping/>
+  </p:clrMapOvr>
+</p:sld>
+</file>
+
+<file path=ppt/slides/slide2.xml><?xml version="1.0" encoding="utf-8"?>
+<p:sld xmlns:a="http://schemas.openxmlformats.org/drawingml/2006/main" xmlns:r="http://schemas.openxmlformats.org/officeDocument/2006/relationships" xmlns:p="http://schemas.openxmlformats.org/presentationml/2006/main">
+  <p:cSld>
+    <p:spTree>
+      <p:nvGrpSpPr>
+        <p:cNvPr id="1" name=""/>
+        <p:cNvGrpSpPr/>
+        <p:nvPr/>
+      </p:nvGrpSpPr>
+      <p:grpSpPr>
+        <a:xfrm>
+          <a:off x="0" y="0"/>
+          <a:ext cx="0" cy="0"/>
+          <a:chOff x="0" y="0"/>
+          <a:chExt cx="0" cy="0"/>
+        </a:xfrm>
+      </p:grpSpPr>
+      <p:sp>
+        <p:nvSpPr>
+          <p:cNvPr id="2" name="Titel 1"/>
+          <p:cNvSpPr>
+            <a:spLocks noGrp="1"/>
+          </p:cNvSpPr>
+          <p:nvPr>
+            <p:ph type="title"/>
+          </p:nvPr>
+        </p:nvSpPr>
+        <p:spPr/>
+        <p:txBody>
+          <a:bodyPr/>
+          <a:lstStyle/>
+          <a:p>
+            <a:r>
+              <a:rPr lang="de-DE" dirty="0" smtClean="0"/>
+              <a:t>Agenda</a:t>
+            </a:r>
+            <a:endParaRPr lang="de-DE" dirty="0"/>
+          </a:p>
+        </p:txBody>
+      </p:sp>
+      <p:sp>
+        <p:nvSpPr>
+          <p:cNvPr id="3" name="Inhaltsplatzhalter 2"/>
+          <p:cNvSpPr txBox="1">
+            <a:spLocks/>
+          </p:cNvSpPr>
+          <p:nvPr/>
+        </p:nvSpPr>
+        <p:spPr>
+          <a:xfrm>
+            <a:off x="457200" y="2249424"/>
+            <a:ext cx="8229600" cy="4325112"/>
+          </a:xfrm>
+          <a:prstGeom prst="rect">
+            <a:avLst/>
+          </a:prstGeom>
+        </p:spPr>
+        <p:txBody>
+          <a:bodyPr>
+            <a:normAutofit fontScale="85000" lnSpcReduction="20000"/>
+          </a:bodyPr>
+          <a:lstStyle>
+            <a:lvl1pPr marL="365760" indent="-256032" algn="l" rtl="0" eaLnBrk="1" latinLnBrk="0" hangingPunct="1">
+              <a:spcBef>
+                <a:spcPts val="300"/>
+              </a:spcBef>
+              <a:buClr>
+                <a:schemeClr val="accent3"/>
+              </a:buClr>
+              <a:buFont typeface="Georgia"/>
+              <a:buChar char="•"/>
+              <a:defRPr kumimoji="0" sz="2800" kern="1200">
+                <a:solidFill>
+                  <a:schemeClr val="tx1"/>
+                </a:solidFill>
+                <a:latin typeface="+mn-lt"/>
+                <a:ea typeface="+mn-ea"/>
+                <a:cs typeface="+mn-cs"/>
+              </a:defRPr>
+            </a:lvl1pPr>
+            <a:lvl2pPr marL="658368" indent="-246888" algn="l" rtl="0" eaLnBrk="1" latinLnBrk="0" hangingPunct="1">
+              <a:spcBef>
+                <a:spcPts val="300"/>
+              </a:spcBef>
+              <a:buClr>
+                <a:schemeClr val="accent2"/>
+              </a:buClr>
+              <a:buFont typeface="Georgia"/>
+              <a:buChar char="▫"/>
+              <a:defRPr kumimoji="0" sz="2600" kern="1200">
+                <a:solidFill>
+                  <a:schemeClr val="accent2"/>
+                </a:solidFill>
+                <a:latin typeface="+mn-lt"/>
+                <a:ea typeface="+mn-ea"/>
+                <a:cs typeface="+mn-cs"/>
+              </a:defRPr>
+            </a:lvl2pPr>
+            <a:lvl3pPr marL="923544" indent="-219456" algn="l" rtl="0" eaLnBrk="1" latinLnBrk="0" hangingPunct="1">
+              <a:spcBef>
+                <a:spcPts val="300"/>
+              </a:spcBef>
+              <a:buClr>
+                <a:schemeClr val="accent1"/>
+              </a:buClr>
+              <a:buFont typeface="Wingdings 2"/>
+              <a:buChar char=""/>
+              <a:defRPr kumimoji="0" sz="2400" kern="1200">
+                <a:solidFill>
+                  <a:schemeClr val="accent1"/>
+                </a:solidFill>
+                <a:latin typeface="+mn-lt"/>
+                <a:ea typeface="+mn-ea"/>
+                <a:cs typeface="+mn-cs"/>
+              </a:defRPr>
+            </a:lvl3pPr>
+            <a:lvl4pPr marL="1179576" indent="-201168" algn="l" rtl="0" eaLnBrk="1" latinLnBrk="0" hangingPunct="1">
+              <a:spcBef>
+                <a:spcPts val="300"/>
+              </a:spcBef>
+              <a:buClr>
+                <a:schemeClr val="accent1"/>
+              </a:buClr>
+              <a:buFont typeface="Wingdings 2"/>
+              <a:buChar char=""/>
+              <a:defRPr kumimoji="0" sz="2200" kern="1200">
+                <a:solidFill>
+                  <a:schemeClr val="accent1"/>
+                </a:solidFill>
+                <a:latin typeface="+mn-lt"/>
+                <a:ea typeface="+mn-ea"/>
+                <a:cs typeface="+mn-cs"/>
+              </a:defRPr>
+            </a:lvl4pPr>
+            <a:lvl5pPr marL="1389888" indent="-182880" algn="l" rtl="0" eaLnBrk="1" latinLnBrk="0" hangingPunct="1">
+              <a:spcBef>
+                <a:spcPts val="300"/>
+              </a:spcBef>
+              <a:buClr>
+                <a:schemeClr val="accent3"/>
+              </a:buClr>
+              <a:buFont typeface="Georgia"/>
+              <a:buChar char="▫"/>
+              <a:defRPr kumimoji="0" sz="2000" kern="1200">
+                <a:solidFill>
+                  <a:schemeClr val="accent3"/>
+                </a:solidFill>
+                <a:latin typeface="+mn-lt"/>
+                <a:ea typeface="+mn-ea"/>
+                <a:cs typeface="+mn-cs"/>
+              </a:defRPr>
+            </a:lvl5pPr>
+            <a:lvl6pPr marL="1609344" indent="-182880" algn="l" rtl="0" eaLnBrk="1" latinLnBrk="0" hangingPunct="1">
+              <a:spcBef>
+                <a:spcPts val="300"/>
+              </a:spcBef>
+              <a:buClr>
+                <a:schemeClr val="accent3"/>
+              </a:buClr>
+              <a:buFont typeface="Georgia"/>
+              <a:buChar char="▫"/>
+              <a:defRPr kumimoji="0" sz="1800" kern="1200">
+                <a:solidFill>
+                  <a:schemeClr val="accent3"/>
+                </a:solidFill>
+                <a:latin typeface="+mn-lt"/>
+                <a:ea typeface="+mn-ea"/>
+                <a:cs typeface="+mn-cs"/>
+              </a:defRPr>
+            </a:lvl6pPr>
+            <a:lvl7pPr marL="1828800" indent="-182880" algn="l" rtl="0" eaLnBrk="1" latinLnBrk="0" hangingPunct="1">
+              <a:spcBef>
+                <a:spcPts val="300"/>
+              </a:spcBef>
+              <a:buClr>
+                <a:schemeClr val="accent3"/>
+              </a:buClr>
+              <a:buFont typeface="Georgia"/>
+              <a:buChar char="▫"/>
+              <a:defRPr kumimoji="0" sz="1600" kern="1200">
+                <a:solidFill>
+                  <a:schemeClr val="accent3"/>
+                </a:solidFill>
+                <a:latin typeface="+mn-lt"/>
+                <a:ea typeface="+mn-ea"/>
+                <a:cs typeface="+mn-cs"/>
+              </a:defRPr>
+            </a:lvl7pPr>
+            <a:lvl8pPr marL="2029968" indent="-182880" algn="l" rtl="0" eaLnBrk="1" latinLnBrk="0" hangingPunct="1">
+              <a:spcBef>
+                <a:spcPts val="300"/>
+              </a:spcBef>
+              <a:buClr>
+                <a:schemeClr val="accent3"/>
+              </a:buClr>
+              <a:buFont typeface="Georgia"/>
+              <a:buChar char="◦"/>
+              <a:defRPr kumimoji="0" sz="1500" kern="1200">
+                <a:solidFill>
+                  <a:schemeClr val="accent3"/>
+                </a:solidFill>
+                <a:latin typeface="+mn-lt"/>
+                <a:ea typeface="+mn-ea"/>
+                <a:cs typeface="+mn-cs"/>
+              </a:defRPr>
+            </a:lvl8pPr>
+            <a:lvl9pPr marL="2240280" indent="-182880" algn="l" rtl="0" eaLnBrk="1" latinLnBrk="0" hangingPunct="1">
+              <a:spcBef>
+                <a:spcPts val="300"/>
+              </a:spcBef>
+              <a:buClr>
+                <a:schemeClr val="accent3"/>
+              </a:buClr>
+              <a:buFont typeface="Georgia"/>
+              <a:buChar char="◦"/>
+              <a:defRPr kumimoji="0" sz="1400" kern="1200" baseline="0">
+                <a:solidFill>
+                  <a:schemeClr val="accent3"/>
+                </a:solidFill>
+                <a:latin typeface="+mn-lt"/>
+                <a:ea typeface="+mn-ea"/>
+                <a:cs typeface="+mn-cs"/>
+              </a:defRPr>
+            </a:lvl9pPr>
+          </a:lstStyle>
+          <a:p>
+            <a:r>
+              <a:rPr lang="de-DE" dirty="0" smtClean="0"/>
+              <a:t>Aufgabenstellung</a:t>
+            </a:r>
+          </a:p>
+          <a:p>
+            <a:r>
+              <a:rPr lang="de-DE" dirty="0" smtClean="0"/>
+              <a:t>Projektorganisation</a:t>
+            </a:r>
+          </a:p>
+          <a:p>
+            <a:r>
+              <a:rPr lang="de-DE" dirty="0" smtClean="0"/>
+              <a:t>Zeitplan</a:t>
+            </a:r>
+          </a:p>
+          <a:p>
+            <a:r>
+              <a:rPr lang="de-DE" dirty="0" err="1" smtClean="0"/>
+              <a:t>Use</a:t>
+            </a:r>
+            <a:r>
+              <a:rPr lang="de-DE" dirty="0" smtClean="0"/>
+              <a:t> Cases / Rollen und Rechte</a:t>
+            </a:r>
+          </a:p>
+          <a:p>
+            <a:r>
+              <a:rPr lang="de-DE" dirty="0" smtClean="0"/>
+              <a:t>Systemumgebung</a:t>
+            </a:r>
+          </a:p>
+          <a:p>
+            <a:r>
+              <a:rPr lang="de-DE" dirty="0" smtClean="0"/>
+              <a:t>Systemarchitektur</a:t>
+            </a:r>
+          </a:p>
+          <a:p>
+            <a:pPr lvl="1"/>
+            <a:r>
+              <a:rPr lang="de-DE" dirty="0" smtClean="0"/>
+              <a:t>View</a:t>
+            </a:r>
+          </a:p>
+          <a:p>
+            <a:pPr lvl="1"/>
+            <a:r>
+              <a:rPr lang="de-DE" dirty="0" smtClean="0"/>
+              <a:t>Controller</a:t>
+            </a:r>
+          </a:p>
+          <a:p>
+            <a:pPr lvl="1"/>
+            <a:r>
+              <a:rPr lang="de-DE" dirty="0" smtClean="0"/>
+              <a:t>Modell</a:t>
+            </a:r>
+          </a:p>
+          <a:p>
+            <a:pPr lvl="1"/>
+            <a:r>
+              <a:rPr lang="de-DE" dirty="0" smtClean="0"/>
+              <a:t>Architektur</a:t>
+            </a:r>
+          </a:p>
+          <a:p>
+            <a:r>
+              <a:rPr lang="de-DE" dirty="0" smtClean="0"/>
+              <a:t>Testphase</a:t>
+            </a:r>
+          </a:p>
+          <a:p>
+            <a:r>
+              <a:rPr lang="de-DE" dirty="0" smtClean="0"/>
+              <a:t>Live Demo</a:t>
+            </a:r>
+          </a:p>
+          <a:p>
+            <a:r>
+              <a:rPr lang="de-DE" dirty="0" err="1" smtClean="0"/>
+              <a:t>Lessons</a:t>
+            </a:r>
+            <a:r>
+              <a:rPr lang="de-DE" dirty="0" smtClean="0"/>
+              <a:t> </a:t>
+            </a:r>
+            <a:r>
+              <a:rPr lang="de-DE" dirty="0" err="1" smtClean="0"/>
+              <a:t>learned</a:t>
+            </a:r>
+            <a:endParaRPr lang="de-DE" dirty="0" smtClean="0"/>
+          </a:p>
+          <a:p>
+            <a:endParaRPr lang="de-DE" dirty="0"/>
+          </a:p>
+        </p:txBody>
+      </p:sp>
+    </p:spTree>
+    <p:extLst>
+      <p:ext uri="{BB962C8B-B14F-4D97-AF65-F5344CB8AC3E}">
+        <p14:creationId xmlns:p14="http://schemas.microsoft.com/office/powerpoint/2010/main" val="2653359653"/>
+      </p:ext>
+    </p:extLst>
+  </p:cSld>
+  <p:clrMapOvr>
+    <a:masterClrMapping/>
+  </p:clrMapOvr>
+  <p:timing>
+    <p:tnLst>
+      <p:par>
+        <p:cTn id="1" dur="indefinite" restart="never" nodeType="tmRoot"/>
+      </p:par>
+    </p:tnLst>
+  </p:timing>
+</p:sld>
+</file>
+
+<file path=ppt/slides/slide20.xml><?xml version="1.0" encoding="utf-8"?>
+<p:sld xmlns:a="http://schemas.openxmlformats.org/drawingml/2006/main" xmlns:r="http://schemas.openxmlformats.org/officeDocument/2006/relationships" xmlns:p="http://schemas.openxmlformats.org/presentationml/2006/main">
+  <p:cSld>
+    <p:spTree>
+      <p:nvGrpSpPr>
+        <p:cNvPr id="1" name=""/>
+        <p:cNvGrpSpPr/>
+        <p:nvPr/>
+      </p:nvGrpSpPr>
+      <p:grpSpPr>
+        <a:xfrm>
+          <a:off x="0" y="0"/>
+          <a:ext cx="0" cy="0"/>
+          <a:chOff x="0" y="0"/>
+          <a:chExt cx="0" cy="0"/>
+        </a:xfrm>
+      </p:grpSpPr>
+      <p:sp>
+        <p:nvSpPr>
+          <p:cNvPr id="2" name="Titel 1"/>
+          <p:cNvSpPr>
+            <a:spLocks noGrp="1"/>
+          </p:cNvSpPr>
+          <p:nvPr>
+            <p:ph type="title"/>
+          </p:nvPr>
+        </p:nvSpPr>
+        <p:spPr/>
+        <p:txBody>
+          <a:bodyPr>
+            <a:noAutofit/>
+          </a:bodyPr>
+          <a:lstStyle/>
+          <a:p>
+            <a:r>
+              <a:rPr lang="de-DE" sz="2400" dirty="0"/>
+              <a:t>Bereichsleiter wird zum Zentralbereichsleiter. Dadurch erhält er </a:t>
+            </a:r>
+            <a:r>
+              <a:rPr lang="de-DE" sz="2400" dirty="0" smtClean="0"/>
+              <a:t>Einblick </a:t>
+            </a:r>
+            <a:r>
+              <a:rPr lang="de-DE" sz="2400" dirty="0"/>
+              <a:t>auf alle Bereiche. Das Runterbrechen der Übersicht auf die einzelnen Arbeitsgruppen ist durch Stippler möglich. Die Ausgabe als PDF und Excel-Tabelle ist weiterhin möglich.</a:t>
+            </a:r>
+            <a:br>
+              <a:rPr lang="de-DE" sz="2400" dirty="0"/>
+            </a:br>
+            <a:endParaRPr lang="de-DE" sz="2400" dirty="0"/>
+          </a:p>
+        </p:txBody>
+      </p:sp>
+      <p:pic>
+        <p:nvPicPr>
+          <p:cNvPr id="3" name="Grafik 2"/>
+          <p:cNvPicPr/>
+          <p:nvPr/>
+        </p:nvPicPr>
+        <p:blipFill>
+          <a:blip r:embed="rId2">
+            <a:extLst>
+              <a:ext uri="{28A0092B-C50C-407E-A947-70E740481C1C}">
+                <a14:useLocalDpi xmlns:a14="http://schemas.microsoft.com/office/drawing/2010/main" val="0"/>
+              </a:ext>
+            </a:extLst>
+          </a:blip>
+          <a:srcRect/>
+          <a:stretch>
+            <a:fillRect/>
+          </a:stretch>
+        </p:blipFill>
+        <p:spPr bwMode="auto">
+          <a:xfrm>
+            <a:off x="457200" y="2492896"/>
+            <a:ext cx="8229600" cy="4365104"/>
+          </a:xfrm>
+          <a:prstGeom prst="rect">
+            <a:avLst/>
+          </a:prstGeom>
+          <a:noFill/>
+          <a:ln>
+            <a:noFill/>
+          </a:ln>
+        </p:spPr>
+      </p:pic>
+    </p:spTree>
+    <p:extLst>
+      <p:ext uri="{BB962C8B-B14F-4D97-AF65-F5344CB8AC3E}">
+        <p14:creationId xmlns:p14="http://schemas.microsoft.com/office/powerpoint/2010/main" val="2659840383"/>
+      </p:ext>
+    </p:extLst>
+  </p:cSld>
+  <p:clrMapOvr>
+    <a:masterClrMapping/>
+  </p:clrMapOvr>
+</p:sld>
+</file>
+
+<file path=ppt/slides/slide21.xml><?xml version="1.0" encoding="utf-8"?>
+<p:sld xmlns:a="http://schemas.openxmlformats.org/drawingml/2006/main" xmlns:r="http://schemas.openxmlformats.org/officeDocument/2006/relationships" xmlns:p="http://schemas.openxmlformats.org/presentationml/2006/main">
+  <p:cSld>
+    <p:spTree>
+      <p:nvGrpSpPr>
+        <p:cNvPr id="1" name=""/>
+        <p:cNvGrpSpPr/>
+        <p:nvPr/>
+      </p:nvGrpSpPr>
+      <p:grpSpPr>
+        <a:xfrm>
+          <a:off x="0" y="0"/>
+          <a:ext cx="0" cy="0"/>
+          <a:chOff x="0" y="0"/>
+          <a:chExt cx="0" cy="0"/>
+        </a:xfrm>
+      </p:grpSpPr>
+      <p:sp>
+        <p:nvSpPr>
+          <p:cNvPr id="2" name="Titel 1"/>
+          <p:cNvSpPr>
+            <a:spLocks noGrp="1"/>
+          </p:cNvSpPr>
+          <p:nvPr>
+            <p:ph type="title"/>
+          </p:nvPr>
+        </p:nvSpPr>
+        <p:spPr>
+          <a:xfrm>
+            <a:off x="469542" y="692696"/>
+            <a:ext cx="8229600" cy="1069848"/>
+          </a:xfrm>
+        </p:spPr>
+        <p:txBody>
+          <a:bodyPr>
+            <a:noAutofit/>
+          </a:bodyPr>
+          <a:lstStyle/>
+          <a:p>
+            <a:r>
+              <a:rPr lang="de-DE" sz="3200" dirty="0"/>
+              <a:t>Hier endet die Karriere des angelegten Mitarbeiters. Es folgen weitere Aufgaben der Fachbereichsorganisation in Stippler</a:t>
+            </a:r>
+            <a:r>
+              <a:rPr lang="de-DE" sz="3200" dirty="0" smtClean="0"/>
+              <a:t>.</a:t>
+            </a:r>
+            <a:endParaRPr lang="de-DE" sz="3200" dirty="0"/>
+          </a:p>
+        </p:txBody>
+      </p:sp>
+      <p:pic>
+        <p:nvPicPr>
+          <p:cNvPr id="3" name="Grafik 2"/>
+          <p:cNvPicPr/>
+          <p:nvPr/>
+        </p:nvPicPr>
+        <p:blipFill>
+          <a:blip r:embed="rId2"/>
+          <a:stretch>
+            <a:fillRect/>
+          </a:stretch>
+        </p:blipFill>
+        <p:spPr>
+          <a:xfrm>
+            <a:off x="450054" y="1988840"/>
+            <a:ext cx="8236745" cy="4869160"/>
+          </a:xfrm>
+          <a:prstGeom prst="rect">
+            <a:avLst/>
+          </a:prstGeom>
+        </p:spPr>
+      </p:pic>
+    </p:spTree>
+    <p:extLst>
+      <p:ext uri="{BB962C8B-B14F-4D97-AF65-F5344CB8AC3E}">
+        <p14:creationId xmlns:p14="http://schemas.microsoft.com/office/powerpoint/2010/main" val="2538859933"/>
+      </p:ext>
+    </p:extLst>
+  </p:cSld>
+  <p:clrMapOvr>
+    <a:masterClrMapping/>
+  </p:clrMapOvr>
+</p:sld>
+</file>
+
+<file path=ppt/slides/slide22.xml><?xml version="1.0" encoding="utf-8"?>
+<p:sld xmlns:a="http://schemas.openxmlformats.org/drawingml/2006/main" xmlns:r="http://schemas.openxmlformats.org/officeDocument/2006/relationships" xmlns:p="http://schemas.openxmlformats.org/presentationml/2006/main">
+  <p:cSld>
+    <p:spTree>
+      <p:nvGrpSpPr>
+        <p:cNvPr id="1" name=""/>
+        <p:cNvGrpSpPr/>
+        <p:nvPr/>
+      </p:nvGrpSpPr>
+      <p:grpSpPr>
+        <a:xfrm>
+          <a:off x="0" y="0"/>
+          <a:ext cx="0" cy="0"/>
+          <a:chOff x="0" y="0"/>
+          <a:chExt cx="0" cy="0"/>
+        </a:xfrm>
+      </p:grpSpPr>
+      <p:sp>
+        <p:nvSpPr>
+          <p:cNvPr id="2" name="Titel 1"/>
+          <p:cNvSpPr>
+            <a:spLocks noGrp="1"/>
+          </p:cNvSpPr>
+          <p:nvPr>
+            <p:ph type="title"/>
+          </p:nvPr>
+        </p:nvSpPr>
+        <p:spPr>
+          <a:xfrm>
+            <a:off x="457200" y="972190"/>
+            <a:ext cx="8229600" cy="1069848"/>
+          </a:xfrm>
+        </p:spPr>
+        <p:txBody>
+          <a:bodyPr>
+            <a:noAutofit/>
+          </a:bodyPr>
+          <a:lstStyle/>
+          <a:p>
+            <a:r>
+              <a:rPr lang="de-DE" sz="2800" u="sng" dirty="0"/>
+              <a:t>Szenario Mitarbeiter löschen:</a:t>
+            </a:r>
+            <a:r>
+              <a:rPr lang="de-DE" sz="2800" dirty="0"/>
+              <a:t/>
+            </a:r>
+            <a:br>
+              <a:rPr lang="de-DE" sz="2800" dirty="0"/>
+            </a:br>
+            <a:r>
+              <a:rPr lang="de-DE" sz="2800" dirty="0"/>
+              <a:t>Mitarbeiter wird entlassen und aus dem Stippler-System entfernt. Der Zugang </a:t>
+            </a:r>
+            <a:r>
+              <a:rPr lang="de-DE" sz="2800" dirty="0" smtClean="0"/>
+              <a:t>wird ihm in Stippler </a:t>
+            </a:r>
+            <a:r>
+              <a:rPr lang="de-DE" sz="2800" dirty="0"/>
+              <a:t>verweigert.</a:t>
+            </a:r>
+            <a:br>
+              <a:rPr lang="de-DE" sz="2800" dirty="0"/>
+            </a:br>
+            <a:endParaRPr lang="de-DE" sz="2800" dirty="0"/>
+          </a:p>
+        </p:txBody>
+      </p:sp>
+      <p:pic>
+        <p:nvPicPr>
+          <p:cNvPr id="3" name="Grafik 2"/>
+          <p:cNvPicPr/>
+          <p:nvPr/>
+        </p:nvPicPr>
+        <p:blipFill rotWithShape="1">
+          <a:blip r:embed="rId2"/>
+          <a:srcRect t="3003"/>
+          <a:stretch/>
+        </p:blipFill>
+        <p:spPr>
+          <a:xfrm>
+            <a:off x="457200" y="2204864"/>
+            <a:ext cx="8229600" cy="4653136"/>
+          </a:xfrm>
+          <a:prstGeom prst="rect">
+            <a:avLst/>
+          </a:prstGeom>
+        </p:spPr>
+      </p:pic>
+    </p:spTree>
+    <p:extLst>
+      <p:ext uri="{BB962C8B-B14F-4D97-AF65-F5344CB8AC3E}">
+        <p14:creationId xmlns:p14="http://schemas.microsoft.com/office/powerpoint/2010/main" val="3956960791"/>
+      </p:ext>
+    </p:extLst>
+  </p:cSld>
+  <p:clrMapOvr>
+    <a:masterClrMapping/>
+  </p:clrMapOvr>
+</p:sld>
+</file>
+
+<file path=ppt/slides/slide23.xml><?xml version="1.0" encoding="utf-8"?>
+<p:sld xmlns:a="http://schemas.openxmlformats.org/drawingml/2006/main" xmlns:r="http://schemas.openxmlformats.org/officeDocument/2006/relationships" xmlns:p="http://schemas.openxmlformats.org/presentationml/2006/main">
+  <p:cSld>
+    <p:spTree>
+      <p:nvGrpSpPr>
+        <p:cNvPr id="1" name=""/>
+        <p:cNvGrpSpPr/>
+        <p:nvPr/>
+      </p:nvGrpSpPr>
+      <p:grpSpPr>
+        <a:xfrm>
+          <a:off x="0" y="0"/>
+          <a:ext cx="0" cy="0"/>
+          <a:chOff x="0" y="0"/>
+          <a:chExt cx="0" cy="0"/>
+        </a:xfrm>
+      </p:grpSpPr>
+      <p:sp>
+        <p:nvSpPr>
+          <p:cNvPr id="2" name="Titel 1"/>
+          <p:cNvSpPr>
+            <a:spLocks noGrp="1"/>
+          </p:cNvSpPr>
+          <p:nvPr>
+            <p:ph type="title"/>
+          </p:nvPr>
+        </p:nvSpPr>
+        <p:spPr>
+          <a:xfrm>
+            <a:off x="474099" y="764704"/>
+            <a:ext cx="8229600" cy="1069848"/>
+          </a:xfrm>
+        </p:spPr>
+        <p:txBody>
+          <a:bodyPr>
+            <a:noAutofit/>
+          </a:bodyPr>
+          <a:lstStyle/>
+          <a:p>
+            <a:r>
+              <a:rPr lang="de-DE" sz="1800" u="sng" dirty="0"/>
+              <a:t>Szenario Art anlegen:</a:t>
+            </a:r>
+            <a:r>
+              <a:rPr lang="de-DE" sz="1800" dirty="0"/>
+              <a:t/>
+            </a:r>
+            <a:br>
+              <a:rPr lang="de-DE" sz="1800" dirty="0"/>
+            </a:br>
+            <a:r>
+              <a:rPr lang="de-DE" sz="1800" dirty="0"/>
+              <a:t>Mitarbeiter telefoniert mit Kunden, welcher ein Problem mit seinem Computer besitzt. Da die Art „Computerprobleme“ nicht im System implementiert ist, legt die Fachbereichsorganisation eine neue Art an um die Zahl </a:t>
+            </a:r>
+            <a:r>
+              <a:rPr lang="de-DE" sz="1800" dirty="0" smtClean="0"/>
+              <a:t>der gelösten Computerprobleme elektronisch </a:t>
+            </a:r>
+            <a:r>
+              <a:rPr lang="de-DE" sz="1800" dirty="0"/>
+              <a:t>zu erfassen.</a:t>
+            </a:r>
+            <a:br>
+              <a:rPr lang="de-DE" sz="1800" dirty="0"/>
+            </a:br>
+            <a:endParaRPr lang="de-DE" sz="1800" dirty="0"/>
+          </a:p>
+        </p:txBody>
+      </p:sp>
+      <p:pic>
+        <p:nvPicPr>
+          <p:cNvPr id="3" name="Grafik 2"/>
+          <p:cNvPicPr/>
+          <p:nvPr/>
+        </p:nvPicPr>
+        <p:blipFill>
+          <a:blip r:embed="rId2"/>
+          <a:stretch>
+            <a:fillRect/>
+          </a:stretch>
+        </p:blipFill>
+        <p:spPr>
+          <a:xfrm>
+            <a:off x="449662" y="1916832"/>
+            <a:ext cx="8237138" cy="4941167"/>
+          </a:xfrm>
+          <a:prstGeom prst="rect">
+            <a:avLst/>
+          </a:prstGeom>
+        </p:spPr>
+      </p:pic>
+    </p:spTree>
+    <p:extLst>
+      <p:ext uri="{BB962C8B-B14F-4D97-AF65-F5344CB8AC3E}">
+        <p14:creationId xmlns:p14="http://schemas.microsoft.com/office/powerpoint/2010/main" val="2566061532"/>
+      </p:ext>
+    </p:extLst>
+  </p:cSld>
+  <p:clrMapOvr>
+    <a:masterClrMapping/>
+  </p:clrMapOvr>
+</p:sld>
+</file>
+
+<file path=ppt/slides/slide24.xml><?xml version="1.0" encoding="utf-8"?>
+<p:sld xmlns:a="http://schemas.openxmlformats.org/drawingml/2006/main" xmlns:r="http://schemas.openxmlformats.org/officeDocument/2006/relationships" xmlns:p="http://schemas.openxmlformats.org/presentationml/2006/main">
+  <p:cSld>
+    <p:spTree>
+      <p:nvGrpSpPr>
+        <p:cNvPr id="1" name=""/>
+        <p:cNvGrpSpPr/>
+        <p:nvPr/>
+      </p:nvGrpSpPr>
+      <p:grpSpPr>
+        <a:xfrm>
+          <a:off x="0" y="0"/>
+          <a:ext cx="0" cy="0"/>
+          <a:chOff x="0" y="0"/>
+          <a:chExt cx="0" cy="0"/>
+        </a:xfrm>
+      </p:grpSpPr>
+      <p:sp>
+        <p:nvSpPr>
+          <p:cNvPr id="2" name="Titel 1"/>
+          <p:cNvSpPr>
+            <a:spLocks noGrp="1"/>
+          </p:cNvSpPr>
+          <p:nvPr>
+            <p:ph type="title"/>
+          </p:nvPr>
+        </p:nvSpPr>
+        <p:spPr>
+          <a:xfrm>
+            <a:off x="457200" y="774976"/>
+            <a:ext cx="8229600" cy="1069848"/>
+          </a:xfrm>
+        </p:spPr>
+        <p:txBody>
+          <a:bodyPr>
+            <a:noAutofit/>
+          </a:bodyPr>
+          <a:lstStyle/>
+          <a:p>
+            <a:r>
+              <a:rPr lang="de-DE" sz="2400" u="heavy" dirty="0"/>
+              <a:t>Szenario Bereich bearbeiten:</a:t>
+            </a:r>
+            <a:r>
+              <a:rPr lang="de-DE" sz="2400" dirty="0"/>
+              <a:t/>
+            </a:r>
+            <a:br>
+              <a:rPr lang="de-DE" sz="2400" dirty="0"/>
+            </a:br>
+            <a:r>
+              <a:rPr lang="de-DE" sz="2400" dirty="0"/>
+              <a:t>Da der Mitarbeiter aus dem System entfernt wurde, ist der Bereich ohne Leiter. Der Bereichsleiter wird durch die Fachbereichsorganisation </a:t>
+            </a:r>
+            <a:r>
+              <a:rPr lang="de-DE" sz="2400" dirty="0" smtClean="0"/>
+              <a:t>in Stippler gepflegt</a:t>
+            </a:r>
+            <a:r>
+              <a:rPr lang="de-DE" sz="2400" dirty="0"/>
+              <a:t>.</a:t>
+            </a:r>
+            <a:br>
+              <a:rPr lang="de-DE" sz="2400" dirty="0"/>
+            </a:br>
+            <a:endParaRPr lang="de-DE" sz="2400" dirty="0"/>
+          </a:p>
+        </p:txBody>
+      </p:sp>
+      <p:pic>
+        <p:nvPicPr>
+          <p:cNvPr id="3" name="Grafik 2"/>
+          <p:cNvPicPr/>
+          <p:nvPr/>
+        </p:nvPicPr>
+        <p:blipFill>
+          <a:blip r:embed="rId2"/>
+          <a:stretch>
+            <a:fillRect/>
+          </a:stretch>
+        </p:blipFill>
+        <p:spPr>
+          <a:xfrm>
+            <a:off x="457200" y="1844824"/>
+            <a:ext cx="8229600" cy="5013176"/>
+          </a:xfrm>
+          <a:prstGeom prst="rect">
+            <a:avLst/>
+          </a:prstGeom>
+        </p:spPr>
+      </p:pic>
+    </p:spTree>
+    <p:extLst>
+      <p:ext uri="{BB962C8B-B14F-4D97-AF65-F5344CB8AC3E}">
+        <p14:creationId xmlns:p14="http://schemas.microsoft.com/office/powerpoint/2010/main" val="2657265906"/>
+      </p:ext>
+    </p:extLst>
+  </p:cSld>
+  <p:clrMapOvr>
+    <a:masterClrMapping/>
+  </p:clrMapOvr>
+</p:sld>
+</file>
+
+<file path=ppt/slides/slide25.xml><?xml version="1.0" encoding="utf-8"?>
+<p:sld xmlns:a="http://schemas.openxmlformats.org/drawingml/2006/main" xmlns:r="http://schemas.openxmlformats.org/officeDocument/2006/relationships" xmlns:p="http://schemas.openxmlformats.org/presentationml/2006/main">
+  <p:cSld>
+    <p:spTree>
+      <p:nvGrpSpPr>
+        <p:cNvPr id="1" name=""/>
+        <p:cNvGrpSpPr/>
+        <p:nvPr/>
+      </p:nvGrpSpPr>
+      <p:grpSpPr>
+        <a:xfrm>
+          <a:off x="0" y="0"/>
+          <a:ext cx="0" cy="0"/>
+          <a:chOff x="0" y="0"/>
+          <a:chExt cx="0" cy="0"/>
+        </a:xfrm>
+      </p:grpSpPr>
+      <p:sp>
+        <p:nvSpPr>
+          <p:cNvPr id="2" name="Titel 1"/>
+          <p:cNvSpPr>
+            <a:spLocks noGrp="1"/>
+          </p:cNvSpPr>
+          <p:nvPr>
+            <p:ph type="title"/>
+          </p:nvPr>
+        </p:nvSpPr>
+        <p:spPr>
+          <a:xfrm>
+            <a:off x="457200" y="1279032"/>
+            <a:ext cx="8229600" cy="1069848"/>
+          </a:xfrm>
+        </p:spPr>
+        <p:txBody>
+          <a:bodyPr>
+            <a:noAutofit/>
+          </a:bodyPr>
+          <a:lstStyle/>
+          <a:p>
+            <a:r>
+              <a:rPr lang="de-DE" sz="2800" u="heavy" dirty="0"/>
+              <a:t>Szenario Arbeitsgruppe bearbeiten:</a:t>
+            </a:r>
+            <a:r>
+              <a:rPr lang="de-DE" sz="2800" dirty="0"/>
+              <a:t/>
+            </a:r>
+            <a:br>
+              <a:rPr lang="de-DE" sz="2800" dirty="0"/>
+            </a:br>
+            <a:r>
+              <a:rPr lang="de-DE" sz="2800" dirty="0"/>
+              <a:t>Innerhalb einer Gruppe wird ein neuer Leiter gesetzt</a:t>
+            </a:r>
+            <a:r>
+              <a:rPr lang="de-DE" sz="2800" dirty="0" smtClean="0"/>
+              <a:t>. Die Pflege der Daten einer Arbeitsgruppe wird durch die Fachbereichsorganisation sichergestellt</a:t>
+            </a:r>
+            <a:r>
+              <a:rPr lang="de-DE" sz="2800" dirty="0"/>
+              <a:t/>
+            </a:r>
+            <a:br>
+              <a:rPr lang="de-DE" sz="2800" dirty="0"/>
+            </a:br>
+            <a:endParaRPr lang="de-DE" sz="2800" dirty="0"/>
+          </a:p>
+        </p:txBody>
+      </p:sp>
+      <p:pic>
+        <p:nvPicPr>
+          <p:cNvPr id="3" name="Grafik 2"/>
+          <p:cNvPicPr/>
+          <p:nvPr/>
+        </p:nvPicPr>
+        <p:blipFill>
+          <a:blip r:embed="rId2"/>
+          <a:stretch>
+            <a:fillRect/>
+          </a:stretch>
+        </p:blipFill>
+        <p:spPr>
+          <a:xfrm>
+            <a:off x="457200" y="2780928"/>
+            <a:ext cx="8229600" cy="4077072"/>
+          </a:xfrm>
+          <a:prstGeom prst="rect">
+            <a:avLst/>
+          </a:prstGeom>
+        </p:spPr>
+      </p:pic>
+    </p:spTree>
+    <p:extLst>
+      <p:ext uri="{BB962C8B-B14F-4D97-AF65-F5344CB8AC3E}">
+        <p14:creationId xmlns:p14="http://schemas.microsoft.com/office/powerpoint/2010/main" val="1762684078"/>
+      </p:ext>
+    </p:extLst>
+  </p:cSld>
+  <p:clrMapOvr>
+    <a:masterClrMapping/>
+  </p:clrMapOvr>
+</p:sld>
+</file>
+
+<file path=ppt/slides/slide26.xml><?xml version="1.0" encoding="utf-8"?>
+<p:sld xmlns:a="http://schemas.openxmlformats.org/drawingml/2006/main" xmlns:r="http://schemas.openxmlformats.org/officeDocument/2006/relationships" xmlns:p="http://schemas.openxmlformats.org/presentationml/2006/main">
+  <p:cSld>
+    <p:spTree>
+      <p:nvGrpSpPr>
+        <p:cNvPr id="1" name=""/>
+        <p:cNvGrpSpPr/>
+        <p:nvPr/>
+      </p:nvGrpSpPr>
+      <p:grpSpPr>
+        <a:xfrm>
+          <a:off x="0" y="0"/>
+          <a:ext cx="0" cy="0"/>
+          <a:chOff x="0" y="0"/>
+          <a:chExt cx="0" cy="0"/>
+        </a:xfrm>
+      </p:grpSpPr>
+      <p:sp>
+        <p:nvSpPr>
+          <p:cNvPr id="2" name="Titel 1"/>
+          <p:cNvSpPr>
+            <a:spLocks noGrp="1"/>
+          </p:cNvSpPr>
+          <p:nvPr>
+            <p:ph type="title"/>
+          </p:nvPr>
+        </p:nvSpPr>
+        <p:spPr/>
+        <p:txBody>
+          <a:bodyPr>
+            <a:normAutofit fontScale="90000"/>
+          </a:bodyPr>
+          <a:lstStyle/>
+          <a:p>
+            <a:r>
+              <a:rPr lang="de-DE" dirty="0" smtClean="0"/>
+              <a:t>All das wird realisiert durch.. Stippler!</a:t>
+            </a:r>
+            <a:endParaRPr lang="de-DE" dirty="0"/>
+          </a:p>
+        </p:txBody>
+      </p:sp>
+      <p:pic>
+        <p:nvPicPr>
+          <p:cNvPr id="3" name="Grafik 2"/>
+          <p:cNvPicPr>
+            <a:picLocks noChangeAspect="1"/>
+          </p:cNvPicPr>
+          <p:nvPr/>
+        </p:nvPicPr>
+        <p:blipFill>
+          <a:blip r:embed="rId2"/>
+          <a:stretch>
+            <a:fillRect/>
+          </a:stretch>
+        </p:blipFill>
+        <p:spPr>
+          <a:xfrm>
+            <a:off x="128587" y="2181225"/>
+            <a:ext cx="8886825" cy="4676775"/>
+          </a:xfrm>
+          <a:prstGeom prst="rect">
+            <a:avLst/>
+          </a:prstGeom>
+        </p:spPr>
+      </p:pic>
+    </p:spTree>
+    <p:extLst>
+      <p:ext uri="{BB962C8B-B14F-4D97-AF65-F5344CB8AC3E}">
+        <p14:creationId xmlns:p14="http://schemas.microsoft.com/office/powerpoint/2010/main" val="3372370494"/>
+      </p:ext>
+    </p:extLst>
+  </p:cSld>
+  <p:clrMapOvr>
+    <a:masterClrMapping/>
+  </p:clrMapOvr>
+</p:sld>
+</file>
+
+<file path=ppt/slides/slide27.xml><?xml version="1.0" encoding="utf-8"?>
 <p:sld xmlns:a="http://schemas.openxmlformats.org/drawingml/2006/main" xmlns:r="http://schemas.openxmlformats.org/officeDocument/2006/relationships" xmlns:p="http://schemas.openxmlformats.org/presentationml/2006/main">
   <p:cSld>
     <p:spTree>
@@ -10870,13 +13750,8 @@
           <a:p>
             <a:r>
               <a:rPr lang="de-DE" dirty="0" smtClean="0"/>
-              <a:t>Schnittstellen definieren (View – Controller – Model</a:t>
-            </a:r>
-            <a:r>
-              <a:rPr lang="de-DE" dirty="0" smtClean="0"/>
-              <a:t>)</a:t>
-            </a:r>
-            <a:endParaRPr lang="de-DE" dirty="0" smtClean="0"/>
+              <a:t>Schnittstellen definieren (View – Controller – Model)</a:t>
+            </a:r>
           </a:p>
         </p:txBody>
       </p:sp>
@@ -10900,7 +13775,7 @@
 </p:sld>
 </file>
 
-<file path=ppt/slides/slide16.xml><?xml version="1.0" encoding="utf-8"?>
+<file path=ppt/slides/slide28.xml><?xml version="1.0" encoding="utf-8"?>
 <p:sld xmlns:a="http://schemas.openxmlformats.org/drawingml/2006/main" xmlns:r="http://schemas.openxmlformats.org/officeDocument/2006/relationships" xmlns:p="http://schemas.openxmlformats.org/presentationml/2006/main">
   <p:cSld>
     <p:spTree>
@@ -11222,7 +14097,7 @@
 </p:sld>
 </file>
 
-<file path=ppt/slides/slide17.xml><?xml version="1.0" encoding="utf-8"?>
+<file path=ppt/slides/slide29.xml><?xml version="1.0" encoding="utf-8"?>
 <p:sld xmlns:a="http://schemas.openxmlformats.org/drawingml/2006/main" xmlns:r="http://schemas.openxmlformats.org/officeDocument/2006/relationships" xmlns:p="http://schemas.openxmlformats.org/presentationml/2006/main">
   <p:cSld>
     <p:spTree>
@@ -11536,7 +14411,110 @@
 </p:sld>
 </file>
 
-<file path=ppt/slides/slide18.xml><?xml version="1.0" encoding="utf-8"?>
+<file path=ppt/slides/slide3.xml><?xml version="1.0" encoding="utf-8"?>
+<p:sld xmlns:a="http://schemas.openxmlformats.org/drawingml/2006/main" xmlns:r="http://schemas.openxmlformats.org/officeDocument/2006/relationships" xmlns:p="http://schemas.openxmlformats.org/presentationml/2006/main">
+  <p:cSld>
+    <p:spTree>
+      <p:nvGrpSpPr>
+        <p:cNvPr id="1" name=""/>
+        <p:cNvGrpSpPr/>
+        <p:nvPr/>
+      </p:nvGrpSpPr>
+      <p:grpSpPr>
+        <a:xfrm>
+          <a:off x="0" y="0"/>
+          <a:ext cx="0" cy="0"/>
+          <a:chOff x="0" y="0"/>
+          <a:chExt cx="0" cy="0"/>
+        </a:xfrm>
+      </p:grpSpPr>
+      <p:sp>
+        <p:nvSpPr>
+          <p:cNvPr id="2" name="Titel 1"/>
+          <p:cNvSpPr>
+            <a:spLocks noGrp="1"/>
+          </p:cNvSpPr>
+          <p:nvPr>
+            <p:ph type="title"/>
+          </p:nvPr>
+        </p:nvSpPr>
+        <p:spPr/>
+        <p:txBody>
+          <a:bodyPr/>
+          <a:lstStyle/>
+          <a:p>
+            <a:r>
+              <a:rPr lang="de-DE" dirty="0" smtClean="0"/>
+              <a:t>Aufgabenstellung</a:t>
+            </a:r>
+            <a:endParaRPr lang="de-DE" dirty="0"/>
+          </a:p>
+        </p:txBody>
+      </p:sp>
+      <p:sp>
+        <p:nvSpPr>
+          <p:cNvPr id="3" name="Inhaltsplatzhalter 2"/>
+          <p:cNvSpPr>
+            <a:spLocks noGrp="1"/>
+          </p:cNvSpPr>
+          <p:nvPr>
+            <p:ph idx="1"/>
+          </p:nvPr>
+        </p:nvSpPr>
+        <p:spPr/>
+        <p:txBody>
+          <a:bodyPr>
+            <a:normAutofit/>
+          </a:bodyPr>
+          <a:lstStyle/>
+          <a:p>
+            <a:r>
+              <a:rPr lang="de-DE" dirty="0" smtClean="0"/>
+              <a:t>Programm zur anonymisierten Datenerfassung</a:t>
+            </a:r>
+          </a:p>
+          <a:p>
+            <a:endParaRPr lang="de-DE" dirty="0" smtClean="0"/>
+          </a:p>
+          <a:p>
+            <a:r>
+              <a:rPr lang="de-DE" dirty="0" smtClean="0"/>
+              <a:t>Dokumentieren Arbeitsaufgaben je Kalenderwoche</a:t>
+            </a:r>
+          </a:p>
+          <a:p>
+            <a:endParaRPr lang="de-DE" dirty="0" smtClean="0"/>
+          </a:p>
+          <a:p>
+            <a:r>
+              <a:rPr lang="de-DE" dirty="0" smtClean="0"/>
+              <a:t>Statistiken über bearbeitete Aufträge je nach Bereich bzw. Arbeitsgruppe</a:t>
+            </a:r>
+            <a:endParaRPr lang="de-DE" dirty="0"/>
+          </a:p>
+        </p:txBody>
+      </p:sp>
+    </p:spTree>
+    <p:extLst>
+      <p:ext uri="{BB962C8B-B14F-4D97-AF65-F5344CB8AC3E}">
+        <p14:creationId xmlns:p14="http://schemas.microsoft.com/office/powerpoint/2010/main" val="2231903888"/>
+      </p:ext>
+    </p:extLst>
+  </p:cSld>
+  <p:clrMapOvr>
+    <a:masterClrMapping/>
+  </p:clrMapOvr>
+  <p:timing>
+    <p:tnLst>
+      <p:par>
+        <p:cTn id="1" dur="indefinite" restart="never" nodeType="tmRoot"/>
+      </p:par>
+    </p:tnLst>
+  </p:timing>
+</p:sld>
+</file>
+
+<file path=ppt/slides/slide30.xml><?xml version="1.0" encoding="utf-8"?>
 <p:sld xmlns:a="http://schemas.openxmlformats.org/drawingml/2006/main" xmlns:r="http://schemas.openxmlformats.org/officeDocument/2006/relationships" xmlns:p="http://schemas.openxmlformats.org/presentationml/2006/main">
   <p:cSld>
     <p:spTree>
@@ -11811,11 +14789,7 @@
           <a:p>
             <a:r>
               <a:rPr lang="de-DE" dirty="0" smtClean="0"/>
-              <a:t>Rollen und </a:t>
-            </a:r>
-            <a:r>
-              <a:rPr lang="de-DE" dirty="0" smtClean="0"/>
-              <a:t>Rechte</a:t>
+              <a:t>Rollen und Rechte</a:t>
             </a:r>
           </a:p>
           <a:p>
@@ -11823,7 +14797,6 @@
               <a:rPr lang="de-DE" dirty="0" smtClean="0"/>
               <a:t>Testdokumentation</a:t>
             </a:r>
-            <a:endParaRPr lang="de-DE" dirty="0" smtClean="0"/>
           </a:p>
           <a:p>
             <a:r>
@@ -11854,7 +14827,7 @@
 </p:sld>
 </file>
 
-<file path=ppt/slides/slide19.xml><?xml version="1.0" encoding="utf-8"?>
+<file path=ppt/slides/slide31.xml><?xml version="1.0" encoding="utf-8"?>
 <p:sld xmlns:a="http://schemas.openxmlformats.org/drawingml/2006/main" xmlns:r="http://schemas.openxmlformats.org/officeDocument/2006/relationships" xmlns:p="http://schemas.openxmlformats.org/presentationml/2006/main">
   <p:cSld>
     <p:spTree>
@@ -11922,352 +14895,7 @@
 </p:sld>
 </file>
 
-<file path=ppt/slides/slide2.xml><?xml version="1.0" encoding="utf-8"?>
-<p:sld xmlns:a="http://schemas.openxmlformats.org/drawingml/2006/main" xmlns:r="http://schemas.openxmlformats.org/officeDocument/2006/relationships" xmlns:p="http://schemas.openxmlformats.org/presentationml/2006/main">
-  <p:cSld>
-    <p:spTree>
-      <p:nvGrpSpPr>
-        <p:cNvPr id="1" name=""/>
-        <p:cNvGrpSpPr/>
-        <p:nvPr/>
-      </p:nvGrpSpPr>
-      <p:grpSpPr>
-        <a:xfrm>
-          <a:off x="0" y="0"/>
-          <a:ext cx="0" cy="0"/>
-          <a:chOff x="0" y="0"/>
-          <a:chExt cx="0" cy="0"/>
-        </a:xfrm>
-      </p:grpSpPr>
-      <p:sp>
-        <p:nvSpPr>
-          <p:cNvPr id="2" name="Titel 1"/>
-          <p:cNvSpPr>
-            <a:spLocks noGrp="1"/>
-          </p:cNvSpPr>
-          <p:nvPr>
-            <p:ph type="title"/>
-          </p:nvPr>
-        </p:nvSpPr>
-        <p:spPr/>
-        <p:txBody>
-          <a:bodyPr/>
-          <a:lstStyle/>
-          <a:p>
-            <a:r>
-              <a:rPr lang="de-DE" dirty="0" smtClean="0"/>
-              <a:t>Agenda</a:t>
-            </a:r>
-            <a:endParaRPr lang="de-DE" dirty="0"/>
-          </a:p>
-        </p:txBody>
-      </p:sp>
-      <p:sp>
-        <p:nvSpPr>
-          <p:cNvPr id="3" name="Inhaltsplatzhalter 2"/>
-          <p:cNvSpPr txBox="1">
-            <a:spLocks/>
-          </p:cNvSpPr>
-          <p:nvPr/>
-        </p:nvSpPr>
-        <p:spPr>
-          <a:xfrm>
-            <a:off x="457200" y="2249424"/>
-            <a:ext cx="8229600" cy="4325112"/>
-          </a:xfrm>
-          <a:prstGeom prst="rect">
-            <a:avLst/>
-          </a:prstGeom>
-        </p:spPr>
-        <p:txBody>
-          <a:bodyPr>
-            <a:normAutofit fontScale="85000" lnSpcReduction="20000"/>
-          </a:bodyPr>
-          <a:lstStyle>
-            <a:lvl1pPr marL="365760" indent="-256032" algn="l" rtl="0" eaLnBrk="1" latinLnBrk="0" hangingPunct="1">
-              <a:spcBef>
-                <a:spcPts val="300"/>
-              </a:spcBef>
-              <a:buClr>
-                <a:schemeClr val="accent3"/>
-              </a:buClr>
-              <a:buFont typeface="Georgia"/>
-              <a:buChar char="•"/>
-              <a:defRPr kumimoji="0" sz="2800" kern="1200">
-                <a:solidFill>
-                  <a:schemeClr val="tx1"/>
-                </a:solidFill>
-                <a:latin typeface="+mn-lt"/>
-                <a:ea typeface="+mn-ea"/>
-                <a:cs typeface="+mn-cs"/>
-              </a:defRPr>
-            </a:lvl1pPr>
-            <a:lvl2pPr marL="658368" indent="-246888" algn="l" rtl="0" eaLnBrk="1" latinLnBrk="0" hangingPunct="1">
-              <a:spcBef>
-                <a:spcPts val="300"/>
-              </a:spcBef>
-              <a:buClr>
-                <a:schemeClr val="accent2"/>
-              </a:buClr>
-              <a:buFont typeface="Georgia"/>
-              <a:buChar char="▫"/>
-              <a:defRPr kumimoji="0" sz="2600" kern="1200">
-                <a:solidFill>
-                  <a:schemeClr val="accent2"/>
-                </a:solidFill>
-                <a:latin typeface="+mn-lt"/>
-                <a:ea typeface="+mn-ea"/>
-                <a:cs typeface="+mn-cs"/>
-              </a:defRPr>
-            </a:lvl2pPr>
-            <a:lvl3pPr marL="923544" indent="-219456" algn="l" rtl="0" eaLnBrk="1" latinLnBrk="0" hangingPunct="1">
-              <a:spcBef>
-                <a:spcPts val="300"/>
-              </a:spcBef>
-              <a:buClr>
-                <a:schemeClr val="accent1"/>
-              </a:buClr>
-              <a:buFont typeface="Wingdings 2"/>
-              <a:buChar char=""/>
-              <a:defRPr kumimoji="0" sz="2400" kern="1200">
-                <a:solidFill>
-                  <a:schemeClr val="accent1"/>
-                </a:solidFill>
-                <a:latin typeface="+mn-lt"/>
-                <a:ea typeface="+mn-ea"/>
-                <a:cs typeface="+mn-cs"/>
-              </a:defRPr>
-            </a:lvl3pPr>
-            <a:lvl4pPr marL="1179576" indent="-201168" algn="l" rtl="0" eaLnBrk="1" latinLnBrk="0" hangingPunct="1">
-              <a:spcBef>
-                <a:spcPts val="300"/>
-              </a:spcBef>
-              <a:buClr>
-                <a:schemeClr val="accent1"/>
-              </a:buClr>
-              <a:buFont typeface="Wingdings 2"/>
-              <a:buChar char=""/>
-              <a:defRPr kumimoji="0" sz="2200" kern="1200">
-                <a:solidFill>
-                  <a:schemeClr val="accent1"/>
-                </a:solidFill>
-                <a:latin typeface="+mn-lt"/>
-                <a:ea typeface="+mn-ea"/>
-                <a:cs typeface="+mn-cs"/>
-              </a:defRPr>
-            </a:lvl4pPr>
-            <a:lvl5pPr marL="1389888" indent="-182880" algn="l" rtl="0" eaLnBrk="1" latinLnBrk="0" hangingPunct="1">
-              <a:spcBef>
-                <a:spcPts val="300"/>
-              </a:spcBef>
-              <a:buClr>
-                <a:schemeClr val="accent3"/>
-              </a:buClr>
-              <a:buFont typeface="Georgia"/>
-              <a:buChar char="▫"/>
-              <a:defRPr kumimoji="0" sz="2000" kern="1200">
-                <a:solidFill>
-                  <a:schemeClr val="accent3"/>
-                </a:solidFill>
-                <a:latin typeface="+mn-lt"/>
-                <a:ea typeface="+mn-ea"/>
-                <a:cs typeface="+mn-cs"/>
-              </a:defRPr>
-            </a:lvl5pPr>
-            <a:lvl6pPr marL="1609344" indent="-182880" algn="l" rtl="0" eaLnBrk="1" latinLnBrk="0" hangingPunct="1">
-              <a:spcBef>
-                <a:spcPts val="300"/>
-              </a:spcBef>
-              <a:buClr>
-                <a:schemeClr val="accent3"/>
-              </a:buClr>
-              <a:buFont typeface="Georgia"/>
-              <a:buChar char="▫"/>
-              <a:defRPr kumimoji="0" sz="1800" kern="1200">
-                <a:solidFill>
-                  <a:schemeClr val="accent3"/>
-                </a:solidFill>
-                <a:latin typeface="+mn-lt"/>
-                <a:ea typeface="+mn-ea"/>
-                <a:cs typeface="+mn-cs"/>
-              </a:defRPr>
-            </a:lvl6pPr>
-            <a:lvl7pPr marL="1828800" indent="-182880" algn="l" rtl="0" eaLnBrk="1" latinLnBrk="0" hangingPunct="1">
-              <a:spcBef>
-                <a:spcPts val="300"/>
-              </a:spcBef>
-              <a:buClr>
-                <a:schemeClr val="accent3"/>
-              </a:buClr>
-              <a:buFont typeface="Georgia"/>
-              <a:buChar char="▫"/>
-              <a:defRPr kumimoji="0" sz="1600" kern="1200">
-                <a:solidFill>
-                  <a:schemeClr val="accent3"/>
-                </a:solidFill>
-                <a:latin typeface="+mn-lt"/>
-                <a:ea typeface="+mn-ea"/>
-                <a:cs typeface="+mn-cs"/>
-              </a:defRPr>
-            </a:lvl7pPr>
-            <a:lvl8pPr marL="2029968" indent="-182880" algn="l" rtl="0" eaLnBrk="1" latinLnBrk="0" hangingPunct="1">
-              <a:spcBef>
-                <a:spcPts val="300"/>
-              </a:spcBef>
-              <a:buClr>
-                <a:schemeClr val="accent3"/>
-              </a:buClr>
-              <a:buFont typeface="Georgia"/>
-              <a:buChar char="◦"/>
-              <a:defRPr kumimoji="0" sz="1500" kern="1200">
-                <a:solidFill>
-                  <a:schemeClr val="accent3"/>
-                </a:solidFill>
-                <a:latin typeface="+mn-lt"/>
-                <a:ea typeface="+mn-ea"/>
-                <a:cs typeface="+mn-cs"/>
-              </a:defRPr>
-            </a:lvl8pPr>
-            <a:lvl9pPr marL="2240280" indent="-182880" algn="l" rtl="0" eaLnBrk="1" latinLnBrk="0" hangingPunct="1">
-              <a:spcBef>
-                <a:spcPts val="300"/>
-              </a:spcBef>
-              <a:buClr>
-                <a:schemeClr val="accent3"/>
-              </a:buClr>
-              <a:buFont typeface="Georgia"/>
-              <a:buChar char="◦"/>
-              <a:defRPr kumimoji="0" sz="1400" kern="1200" baseline="0">
-                <a:solidFill>
-                  <a:schemeClr val="accent3"/>
-                </a:solidFill>
-                <a:latin typeface="+mn-lt"/>
-                <a:ea typeface="+mn-ea"/>
-                <a:cs typeface="+mn-cs"/>
-              </a:defRPr>
-            </a:lvl9pPr>
-          </a:lstStyle>
-          <a:p>
-            <a:r>
-              <a:rPr lang="de-DE" dirty="0" smtClean="0"/>
-              <a:t>Aufgabenstellung</a:t>
-            </a:r>
-          </a:p>
-          <a:p>
-            <a:r>
-              <a:rPr lang="de-DE" dirty="0" smtClean="0"/>
-              <a:t>Projektorganisation</a:t>
-            </a:r>
-          </a:p>
-          <a:p>
-            <a:r>
-              <a:rPr lang="de-DE" dirty="0" smtClean="0"/>
-              <a:t>Zeitplan</a:t>
-            </a:r>
-          </a:p>
-          <a:p>
-            <a:r>
-              <a:rPr lang="de-DE" dirty="0" err="1" smtClean="0"/>
-              <a:t>Use</a:t>
-            </a:r>
-            <a:r>
-              <a:rPr lang="de-DE" dirty="0" smtClean="0"/>
-              <a:t> Cases / Rollen und Rechte</a:t>
-            </a:r>
-          </a:p>
-          <a:p>
-            <a:r>
-              <a:rPr lang="de-DE" dirty="0" smtClean="0"/>
-              <a:t>Systemumgebung</a:t>
-            </a:r>
-          </a:p>
-          <a:p>
-            <a:r>
-              <a:rPr lang="de-DE" dirty="0" smtClean="0"/>
-              <a:t>Systemarchitektur</a:t>
-            </a:r>
-          </a:p>
-          <a:p>
-            <a:pPr lvl="1"/>
-            <a:r>
-              <a:rPr lang="de-DE" dirty="0" smtClean="0"/>
-              <a:t>View</a:t>
-            </a:r>
-          </a:p>
-          <a:p>
-            <a:pPr lvl="1"/>
-            <a:r>
-              <a:rPr lang="de-DE" dirty="0" smtClean="0"/>
-              <a:t>Controller</a:t>
-            </a:r>
-          </a:p>
-          <a:p>
-            <a:pPr lvl="1"/>
-            <a:r>
-              <a:rPr lang="de-DE" dirty="0" smtClean="0"/>
-              <a:t>Modell</a:t>
-            </a:r>
-          </a:p>
-          <a:p>
-            <a:pPr lvl="1"/>
-            <a:r>
-              <a:rPr lang="de-DE" dirty="0" smtClean="0"/>
-              <a:t>Architektur</a:t>
-            </a:r>
-          </a:p>
-          <a:p>
-            <a:r>
-              <a:rPr lang="de-DE" dirty="0" smtClean="0"/>
-              <a:t>Testphase</a:t>
-            </a:r>
-          </a:p>
-          <a:p>
-            <a:r>
-              <a:rPr lang="de-DE" dirty="0" smtClean="0"/>
-              <a:t>Live Demo</a:t>
-            </a:r>
-          </a:p>
-          <a:p>
-            <a:r>
-              <a:rPr lang="de-DE" dirty="0" err="1" smtClean="0"/>
-              <a:t>Lessons</a:t>
-            </a:r>
-            <a:r>
-              <a:rPr lang="de-DE" dirty="0" smtClean="0"/>
-              <a:t> </a:t>
-            </a:r>
-            <a:r>
-              <a:rPr lang="de-DE" dirty="0" err="1" smtClean="0"/>
-              <a:t>learned</a:t>
-            </a:r>
-            <a:endParaRPr lang="de-DE" dirty="0" smtClean="0"/>
-          </a:p>
-          <a:p>
-            <a:endParaRPr lang="de-DE" dirty="0"/>
-          </a:p>
-        </p:txBody>
-      </p:sp>
-    </p:spTree>
-    <p:extLst>
-      <p:ext uri="{BB962C8B-B14F-4D97-AF65-F5344CB8AC3E}">
-        <p14:creationId xmlns:p14="http://schemas.microsoft.com/office/powerpoint/2010/main" val="2653359653"/>
-      </p:ext>
-    </p:extLst>
-  </p:cSld>
-  <p:clrMapOvr>
-    <a:masterClrMapping/>
-  </p:clrMapOvr>
-  <p:timing>
-    <p:tnLst>
-      <p:par>
-        <p:cTn id="1" dur="indefinite" restart="never" nodeType="tmRoot"/>
-      </p:par>
-    </p:tnLst>
-  </p:timing>
-</p:sld>
-</file>
-
-<file path=ppt/slides/slide20.xml><?xml version="1.0" encoding="utf-8"?>
+<file path=ppt/slides/slide32.xml><?xml version="1.0" encoding="utf-8"?>
 <p:sld xmlns:a="http://schemas.openxmlformats.org/drawingml/2006/main" xmlns:r="http://schemas.openxmlformats.org/officeDocument/2006/relationships" xmlns:p="http://schemas.openxmlformats.org/presentationml/2006/main">
   <p:cSld>
     <p:spTree>
@@ -12327,7 +14955,7 @@
 </p:sld>
 </file>
 
-<file path=ppt/slides/slide21.xml><?xml version="1.0" encoding="utf-8"?>
+<file path=ppt/slides/slide33.xml><?xml version="1.0" encoding="utf-8"?>
 <p:sld xmlns:a="http://schemas.openxmlformats.org/drawingml/2006/main" xmlns:r="http://schemas.openxmlformats.org/officeDocument/2006/relationships" xmlns:p="http://schemas.openxmlformats.org/presentationml/2006/main">
   <p:cSld>
     <p:spTree>
@@ -12416,7 +15044,7 @@
 </p:sld>
 </file>
 
-<file path=ppt/slides/slide22.xml><?xml version="1.0" encoding="utf-8"?>
+<file path=ppt/slides/slide34.xml><?xml version="1.0" encoding="utf-8"?>
 <p:sld xmlns:a="http://schemas.openxmlformats.org/drawingml/2006/main" xmlns:r="http://schemas.openxmlformats.org/officeDocument/2006/relationships" xmlns:p="http://schemas.openxmlformats.org/presentationml/2006/main">
   <p:cSld>
     <p:spTree>
@@ -12512,7 +15140,7 @@
 </p:sld>
 </file>
 
-<file path=ppt/slides/slide23.xml><?xml version="1.0" encoding="utf-8"?>
+<file path=ppt/slides/slide35.xml><?xml version="1.0" encoding="utf-8"?>
 <p:sld xmlns:a="http://schemas.openxmlformats.org/drawingml/2006/main" xmlns:r="http://schemas.openxmlformats.org/officeDocument/2006/relationships" xmlns:p="http://schemas.openxmlformats.org/presentationml/2006/main">
   <p:cSld>
     <p:spTree>
@@ -12596,7 +15224,7 @@
 </p:sld>
 </file>
 
-<file path=ppt/slides/slide24.xml><?xml version="1.0" encoding="utf-8"?>
+<file path=ppt/slides/slide36.xml><?xml version="1.0" encoding="utf-8"?>
 <p:sld xmlns:a="http://schemas.openxmlformats.org/drawingml/2006/main" xmlns:r="http://schemas.openxmlformats.org/officeDocument/2006/relationships" xmlns:p="http://schemas.openxmlformats.org/presentationml/2006/main">
   <p:cSld>
     <p:spTree>
@@ -12685,7 +15313,7 @@
 </p:sld>
 </file>
 
-<file path=ppt/slides/slide25.xml><?xml version="1.0" encoding="utf-8"?>
+<file path=ppt/slides/slide37.xml><?xml version="1.0" encoding="utf-8"?>
 <p:sld xmlns:a="http://schemas.openxmlformats.org/drawingml/2006/main" xmlns:r="http://schemas.openxmlformats.org/officeDocument/2006/relationships" xmlns:p="http://schemas.openxmlformats.org/presentationml/2006/main">
   <p:cSld>
     <p:spTree>
@@ -12780,7 +15408,7 @@
 </p:sld>
 </file>
 
-<file path=ppt/slides/slide26.xml><?xml version="1.0" encoding="utf-8"?>
+<file path=ppt/slides/slide38.xml><?xml version="1.0" encoding="utf-8"?>
 <p:sld xmlns:a="http://schemas.openxmlformats.org/drawingml/2006/main" xmlns:r="http://schemas.openxmlformats.org/officeDocument/2006/relationships" xmlns:p="http://schemas.openxmlformats.org/presentationml/2006/main">
   <p:cSld>
     <p:spTree>
@@ -12892,7 +15520,7 @@
 </p:sld>
 </file>
 
-<file path=ppt/slides/slide27.xml><?xml version="1.0" encoding="utf-8"?>
+<file path=ppt/slides/slide39.xml><?xml version="1.0" encoding="utf-8"?>
 <p:sld xmlns:a="http://schemas.openxmlformats.org/drawingml/2006/main" xmlns:r="http://schemas.openxmlformats.org/officeDocument/2006/relationships" xmlns:p="http://schemas.openxmlformats.org/presentationml/2006/main">
   <p:cSld>
     <p:spTree>
@@ -12997,960 +15625,6 @@
     <p:extLst>
       <p:ext uri="{BB962C8B-B14F-4D97-AF65-F5344CB8AC3E}">
         <p14:creationId xmlns:p14="http://schemas.microsoft.com/office/powerpoint/2010/main" val="1739418431"/>
-      </p:ext>
-    </p:extLst>
-  </p:cSld>
-  <p:clrMapOvr>
-    <a:masterClrMapping/>
-  </p:clrMapOvr>
-  <p:timing>
-    <p:tnLst>
-      <p:par>
-        <p:cTn id="1" dur="indefinite" restart="never" nodeType="tmRoot"/>
-      </p:par>
-    </p:tnLst>
-  </p:timing>
-</p:sld>
-</file>
-
-<file path=ppt/slides/slide28.xml><?xml version="1.0" encoding="utf-8"?>
-<p:sld xmlns:a="http://schemas.openxmlformats.org/drawingml/2006/main" xmlns:r="http://schemas.openxmlformats.org/officeDocument/2006/relationships" xmlns:p="http://schemas.openxmlformats.org/presentationml/2006/main">
-  <p:cSld>
-    <p:spTree>
-      <p:nvGrpSpPr>
-        <p:cNvPr id="1" name=""/>
-        <p:cNvGrpSpPr/>
-        <p:nvPr/>
-      </p:nvGrpSpPr>
-      <p:grpSpPr>
-        <a:xfrm>
-          <a:off x="0" y="0"/>
-          <a:ext cx="0" cy="0"/>
-          <a:chOff x="0" y="0"/>
-          <a:chExt cx="0" cy="0"/>
-        </a:xfrm>
-      </p:grpSpPr>
-      <p:sp>
-        <p:nvSpPr>
-          <p:cNvPr id="2" name="Titel 1"/>
-          <p:cNvSpPr>
-            <a:spLocks noGrp="1"/>
-          </p:cNvSpPr>
-          <p:nvPr>
-            <p:ph type="title"/>
-          </p:nvPr>
-        </p:nvSpPr>
-        <p:spPr/>
-        <p:txBody>
-          <a:bodyPr/>
-          <a:lstStyle/>
-          <a:p>
-            <a:r>
-              <a:rPr lang="de-DE" dirty="0" smtClean="0"/>
-              <a:t>Use Case „Bereich“</a:t>
-            </a:r>
-            <a:endParaRPr lang="de-DE" dirty="0"/>
-          </a:p>
-        </p:txBody>
-      </p:sp>
-      <p:sp>
-        <p:nvSpPr>
-          <p:cNvPr id="3" name="Inhaltsplatzhalter 2"/>
-          <p:cNvSpPr>
-            <a:spLocks noGrp="1"/>
-          </p:cNvSpPr>
-          <p:nvPr>
-            <p:ph idx="1"/>
-          </p:nvPr>
-        </p:nvSpPr>
-        <p:spPr/>
-        <p:txBody>
-          <a:bodyPr>
-            <a:normAutofit/>
-          </a:bodyPr>
-          <a:lstStyle/>
-          <a:p>
-            <a:r>
-              <a:rPr lang="de-DE" dirty="0" smtClean="0"/>
-              <a:t>Die Verwaltung erfolgt über die Fachbereichs-organisation</a:t>
-            </a:r>
-          </a:p>
-          <a:p>
-            <a:r>
-              <a:rPr lang="de-DE" dirty="0" smtClean="0"/>
-              <a:t>Anlegen: mit Angaben über Bezeichnung und Kurzbezeichnung soll ein Bereich angelegt werden können</a:t>
-            </a:r>
-          </a:p>
-        </p:txBody>
-      </p:sp>
-    </p:spTree>
-    <p:extLst>
-      <p:ext uri="{BB962C8B-B14F-4D97-AF65-F5344CB8AC3E}">
-        <p14:creationId xmlns:p14="http://schemas.microsoft.com/office/powerpoint/2010/main" val="2615168494"/>
-      </p:ext>
-    </p:extLst>
-  </p:cSld>
-  <p:clrMapOvr>
-    <a:masterClrMapping/>
-  </p:clrMapOvr>
-  <p:timing>
-    <p:tnLst>
-      <p:par>
-        <p:cTn id="1" dur="indefinite" restart="never" nodeType="tmRoot"/>
-      </p:par>
-    </p:tnLst>
-  </p:timing>
-</p:sld>
-</file>
-
-<file path=ppt/slides/slide29.xml><?xml version="1.0" encoding="utf-8"?>
-<p:sld xmlns:a="http://schemas.openxmlformats.org/drawingml/2006/main" xmlns:r="http://schemas.openxmlformats.org/officeDocument/2006/relationships" xmlns:p="http://schemas.openxmlformats.org/presentationml/2006/main">
-  <p:cSld>
-    <p:spTree>
-      <p:nvGrpSpPr>
-        <p:cNvPr id="1" name=""/>
-        <p:cNvGrpSpPr/>
-        <p:nvPr/>
-      </p:nvGrpSpPr>
-      <p:grpSpPr>
-        <a:xfrm>
-          <a:off x="0" y="0"/>
-          <a:ext cx="0" cy="0"/>
-          <a:chOff x="0" y="0"/>
-          <a:chExt cx="0" cy="0"/>
-        </a:xfrm>
-      </p:grpSpPr>
-      <p:sp>
-        <p:nvSpPr>
-          <p:cNvPr id="2" name="Titel 1"/>
-          <p:cNvSpPr>
-            <a:spLocks noGrp="1"/>
-          </p:cNvSpPr>
-          <p:nvPr>
-            <p:ph type="title"/>
-          </p:nvPr>
-        </p:nvSpPr>
-        <p:spPr/>
-        <p:txBody>
-          <a:bodyPr/>
-          <a:lstStyle/>
-          <a:p>
-            <a:r>
-              <a:rPr lang="de-DE" dirty="0" smtClean="0"/>
-              <a:t>Use Case „Bereich“</a:t>
-            </a:r>
-            <a:endParaRPr lang="de-DE" dirty="0"/>
-          </a:p>
-        </p:txBody>
-      </p:sp>
-      <p:sp>
-        <p:nvSpPr>
-          <p:cNvPr id="3" name="Inhaltsplatzhalter 2"/>
-          <p:cNvSpPr>
-            <a:spLocks noGrp="1"/>
-          </p:cNvSpPr>
-          <p:nvPr>
-            <p:ph idx="1"/>
-          </p:nvPr>
-        </p:nvSpPr>
-        <p:spPr/>
-        <p:txBody>
-          <a:bodyPr>
-            <a:normAutofit/>
-          </a:bodyPr>
-          <a:lstStyle/>
-          <a:p>
-            <a:r>
-              <a:rPr lang="de-DE" dirty="0"/>
-              <a:t>Die Auswahl zur Bearbeitung bzw. zur Löschung erfolgt über eine </a:t>
-            </a:r>
-            <a:r>
-              <a:rPr lang="de-DE" dirty="0" smtClean="0"/>
-              <a:t>Oberfläche mit Drop-Down-Feld</a:t>
-            </a:r>
-          </a:p>
-          <a:p>
-            <a:r>
-              <a:rPr lang="de-DE" dirty="0" smtClean="0"/>
-              <a:t>Bearbeiten: die Bezeichnung, die Kurz-bezeichnung und der Leiter sollen geändert werden können</a:t>
-            </a:r>
-          </a:p>
-          <a:p>
-            <a:r>
-              <a:rPr lang="de-DE" dirty="0" smtClean="0"/>
-              <a:t>Löschen: der Bereich wird inaktiv gesetzt, sobald alle Arbeitsgruppen und Mitarbeiter aus dem Bereich entfernt wurden</a:t>
-            </a:r>
-            <a:endParaRPr lang="de-DE" dirty="0"/>
-          </a:p>
-        </p:txBody>
-      </p:sp>
-    </p:spTree>
-    <p:extLst>
-      <p:ext uri="{BB962C8B-B14F-4D97-AF65-F5344CB8AC3E}">
-        <p14:creationId xmlns:p14="http://schemas.microsoft.com/office/powerpoint/2010/main" val="42813484"/>
-      </p:ext>
-    </p:extLst>
-  </p:cSld>
-  <p:clrMapOvr>
-    <a:masterClrMapping/>
-  </p:clrMapOvr>
-  <p:timing>
-    <p:tnLst>
-      <p:par>
-        <p:cTn id="1" dur="indefinite" restart="never" nodeType="tmRoot"/>
-      </p:par>
-    </p:tnLst>
-  </p:timing>
-</p:sld>
-</file>
-
-<file path=ppt/slides/slide3.xml><?xml version="1.0" encoding="utf-8"?>
-<p:sld xmlns:a="http://schemas.openxmlformats.org/drawingml/2006/main" xmlns:r="http://schemas.openxmlformats.org/officeDocument/2006/relationships" xmlns:p="http://schemas.openxmlformats.org/presentationml/2006/main">
-  <p:cSld>
-    <p:spTree>
-      <p:nvGrpSpPr>
-        <p:cNvPr id="1" name=""/>
-        <p:cNvGrpSpPr/>
-        <p:nvPr/>
-      </p:nvGrpSpPr>
-      <p:grpSpPr>
-        <a:xfrm>
-          <a:off x="0" y="0"/>
-          <a:ext cx="0" cy="0"/>
-          <a:chOff x="0" y="0"/>
-          <a:chExt cx="0" cy="0"/>
-        </a:xfrm>
-      </p:grpSpPr>
-      <p:sp>
-        <p:nvSpPr>
-          <p:cNvPr id="2" name="Titel 1"/>
-          <p:cNvSpPr>
-            <a:spLocks noGrp="1"/>
-          </p:cNvSpPr>
-          <p:nvPr>
-            <p:ph type="title"/>
-          </p:nvPr>
-        </p:nvSpPr>
-        <p:spPr/>
-        <p:txBody>
-          <a:bodyPr/>
-          <a:lstStyle/>
-          <a:p>
-            <a:r>
-              <a:rPr lang="de-DE" dirty="0" smtClean="0"/>
-              <a:t>Aufgabenstellung</a:t>
-            </a:r>
-            <a:endParaRPr lang="de-DE" dirty="0"/>
-          </a:p>
-        </p:txBody>
-      </p:sp>
-      <p:sp>
-        <p:nvSpPr>
-          <p:cNvPr id="3" name="Inhaltsplatzhalter 2"/>
-          <p:cNvSpPr>
-            <a:spLocks noGrp="1"/>
-          </p:cNvSpPr>
-          <p:nvPr>
-            <p:ph idx="1"/>
-          </p:nvPr>
-        </p:nvSpPr>
-        <p:spPr/>
-        <p:txBody>
-          <a:bodyPr>
-            <a:normAutofit/>
-          </a:bodyPr>
-          <a:lstStyle/>
-          <a:p>
-            <a:r>
-              <a:rPr lang="de-DE" dirty="0" smtClean="0"/>
-              <a:t>Programm zur anonymisierten Datenerfassung</a:t>
-            </a:r>
-          </a:p>
-          <a:p>
-            <a:endParaRPr lang="de-DE" dirty="0" smtClean="0"/>
-          </a:p>
-          <a:p>
-            <a:r>
-              <a:rPr lang="de-DE" dirty="0" smtClean="0"/>
-              <a:t>Dokumentieren Arbeitsaufgaben je Kalenderwoche</a:t>
-            </a:r>
-          </a:p>
-          <a:p>
-            <a:endParaRPr lang="de-DE" dirty="0" smtClean="0"/>
-          </a:p>
-          <a:p>
-            <a:r>
-              <a:rPr lang="de-DE" dirty="0" smtClean="0"/>
-              <a:t>Statistiken über bearbeitete Aufträge je nach Bereich bzw. Arbeitsgruppe</a:t>
-            </a:r>
-            <a:endParaRPr lang="de-DE" dirty="0"/>
-          </a:p>
-        </p:txBody>
-      </p:sp>
-    </p:spTree>
-    <p:extLst>
-      <p:ext uri="{BB962C8B-B14F-4D97-AF65-F5344CB8AC3E}">
-        <p14:creationId xmlns:p14="http://schemas.microsoft.com/office/powerpoint/2010/main" val="2231903888"/>
-      </p:ext>
-    </p:extLst>
-  </p:cSld>
-  <p:clrMapOvr>
-    <a:masterClrMapping/>
-  </p:clrMapOvr>
-  <p:timing>
-    <p:tnLst>
-      <p:par>
-        <p:cTn id="1" dur="indefinite" restart="never" nodeType="tmRoot"/>
-      </p:par>
-    </p:tnLst>
-  </p:timing>
-</p:sld>
-</file>
-
-<file path=ppt/slides/slide30.xml><?xml version="1.0" encoding="utf-8"?>
-<p:sld xmlns:a="http://schemas.openxmlformats.org/drawingml/2006/main" xmlns:r="http://schemas.openxmlformats.org/officeDocument/2006/relationships" xmlns:p="http://schemas.openxmlformats.org/presentationml/2006/main">
-  <p:cSld>
-    <p:spTree>
-      <p:nvGrpSpPr>
-        <p:cNvPr id="1" name=""/>
-        <p:cNvGrpSpPr/>
-        <p:nvPr/>
-      </p:nvGrpSpPr>
-      <p:grpSpPr>
-        <a:xfrm>
-          <a:off x="0" y="0"/>
-          <a:ext cx="0" cy="0"/>
-          <a:chOff x="0" y="0"/>
-          <a:chExt cx="0" cy="0"/>
-        </a:xfrm>
-      </p:grpSpPr>
-      <p:sp>
-        <p:nvSpPr>
-          <p:cNvPr id="2" name="Titel 1"/>
-          <p:cNvSpPr>
-            <a:spLocks noGrp="1"/>
-          </p:cNvSpPr>
-          <p:nvPr>
-            <p:ph type="title"/>
-          </p:nvPr>
-        </p:nvSpPr>
-        <p:spPr/>
-        <p:txBody>
-          <a:bodyPr/>
-          <a:lstStyle/>
-          <a:p>
-            <a:r>
-              <a:rPr lang="de-DE" dirty="0" smtClean="0"/>
-              <a:t>Use Case „Arbeitsgruppe“</a:t>
-            </a:r>
-            <a:endParaRPr lang="de-DE" dirty="0"/>
-          </a:p>
-        </p:txBody>
-      </p:sp>
-      <p:sp>
-        <p:nvSpPr>
-          <p:cNvPr id="3" name="Inhaltsplatzhalter 2"/>
-          <p:cNvSpPr>
-            <a:spLocks noGrp="1"/>
-          </p:cNvSpPr>
-          <p:nvPr>
-            <p:ph idx="1"/>
-          </p:nvPr>
-        </p:nvSpPr>
-        <p:spPr/>
-        <p:txBody>
-          <a:bodyPr>
-            <a:normAutofit/>
-          </a:bodyPr>
-          <a:lstStyle/>
-          <a:p>
-            <a:r>
-              <a:rPr lang="de-DE" dirty="0"/>
-              <a:t>Die Verwaltung erfolgt über die Fachbereichs-organisation</a:t>
-            </a:r>
-          </a:p>
-          <a:p>
-            <a:r>
-              <a:rPr lang="de-DE" dirty="0"/>
-              <a:t>Anlegen: mit Angaben über </a:t>
-            </a:r>
-            <a:r>
-              <a:rPr lang="de-DE" dirty="0" smtClean="0"/>
-              <a:t>Bezeichnung, Kurz-bezeichnung und Bereich soll eine Arbeitsgruppe angelegt </a:t>
-            </a:r>
-            <a:r>
-              <a:rPr lang="de-DE" dirty="0"/>
-              <a:t>werden </a:t>
-            </a:r>
-            <a:r>
-              <a:rPr lang="de-DE" dirty="0" smtClean="0"/>
-              <a:t>können</a:t>
-            </a:r>
-            <a:endParaRPr lang="de-DE" dirty="0"/>
-          </a:p>
-        </p:txBody>
-      </p:sp>
-    </p:spTree>
-    <p:extLst>
-      <p:ext uri="{BB962C8B-B14F-4D97-AF65-F5344CB8AC3E}">
-        <p14:creationId xmlns:p14="http://schemas.microsoft.com/office/powerpoint/2010/main" val="243874718"/>
-      </p:ext>
-    </p:extLst>
-  </p:cSld>
-  <p:clrMapOvr>
-    <a:masterClrMapping/>
-  </p:clrMapOvr>
-  <p:timing>
-    <p:tnLst>
-      <p:par>
-        <p:cTn id="1" dur="indefinite" restart="never" nodeType="tmRoot"/>
-      </p:par>
-    </p:tnLst>
-  </p:timing>
-</p:sld>
-</file>
-
-<file path=ppt/slides/slide31.xml><?xml version="1.0" encoding="utf-8"?>
-<p:sld xmlns:a="http://schemas.openxmlformats.org/drawingml/2006/main" xmlns:r="http://schemas.openxmlformats.org/officeDocument/2006/relationships" xmlns:p="http://schemas.openxmlformats.org/presentationml/2006/main">
-  <p:cSld>
-    <p:spTree>
-      <p:nvGrpSpPr>
-        <p:cNvPr id="1" name=""/>
-        <p:cNvGrpSpPr/>
-        <p:nvPr/>
-      </p:nvGrpSpPr>
-      <p:grpSpPr>
-        <a:xfrm>
-          <a:off x="0" y="0"/>
-          <a:ext cx="0" cy="0"/>
-          <a:chOff x="0" y="0"/>
-          <a:chExt cx="0" cy="0"/>
-        </a:xfrm>
-      </p:grpSpPr>
-      <p:sp>
-        <p:nvSpPr>
-          <p:cNvPr id="2" name="Titel 1"/>
-          <p:cNvSpPr>
-            <a:spLocks noGrp="1"/>
-          </p:cNvSpPr>
-          <p:nvPr>
-            <p:ph type="title"/>
-          </p:nvPr>
-        </p:nvSpPr>
-        <p:spPr/>
-        <p:txBody>
-          <a:bodyPr/>
-          <a:lstStyle/>
-          <a:p>
-            <a:r>
-              <a:rPr lang="de-DE" dirty="0" smtClean="0"/>
-              <a:t>Use Case „Arbeitsgruppe“</a:t>
-            </a:r>
-            <a:endParaRPr lang="de-DE" dirty="0"/>
-          </a:p>
-        </p:txBody>
-      </p:sp>
-      <p:sp>
-        <p:nvSpPr>
-          <p:cNvPr id="3" name="Inhaltsplatzhalter 2"/>
-          <p:cNvSpPr>
-            <a:spLocks noGrp="1"/>
-          </p:cNvSpPr>
-          <p:nvPr>
-            <p:ph idx="1"/>
-          </p:nvPr>
-        </p:nvSpPr>
-        <p:spPr/>
-        <p:txBody>
-          <a:bodyPr>
-            <a:normAutofit/>
-          </a:bodyPr>
-          <a:lstStyle/>
-          <a:p>
-            <a:r>
-              <a:rPr lang="de-DE" dirty="0"/>
-              <a:t>Die Auswahl zur Bearbeitung bzw. zur Löschung erfolgt über eine Suchen-Oberfläche</a:t>
-            </a:r>
-          </a:p>
-          <a:p>
-            <a:r>
-              <a:rPr lang="de-DE" dirty="0" smtClean="0"/>
-              <a:t>Bearbeiten</a:t>
-            </a:r>
-            <a:r>
-              <a:rPr lang="de-DE" dirty="0"/>
-              <a:t>: die Bezeichnung, die </a:t>
-            </a:r>
-            <a:r>
-              <a:rPr lang="de-DE" dirty="0" smtClean="0"/>
-              <a:t>Kurzbezeichnung, die Zuordnung zum Bereich </a:t>
-            </a:r>
-            <a:r>
-              <a:rPr lang="de-DE" dirty="0"/>
-              <a:t>und der Leiter sollen geändert werden können</a:t>
-            </a:r>
-          </a:p>
-          <a:p>
-            <a:r>
-              <a:rPr lang="de-DE" dirty="0"/>
-              <a:t>Löschen: </a:t>
-            </a:r>
-            <a:r>
-              <a:rPr lang="de-DE" dirty="0" smtClean="0"/>
-              <a:t>die Arbeitsgruppe wird </a:t>
-            </a:r>
-            <a:r>
-              <a:rPr lang="de-DE" dirty="0"/>
-              <a:t>inaktiv gesetzt, sobald alle </a:t>
-            </a:r>
-            <a:r>
-              <a:rPr lang="de-DE" dirty="0" smtClean="0"/>
-              <a:t>Mitarbeiter </a:t>
-            </a:r>
-            <a:r>
-              <a:rPr lang="de-DE" dirty="0"/>
-              <a:t>aus </a:t>
-            </a:r>
-            <a:r>
-              <a:rPr lang="de-DE" dirty="0" smtClean="0"/>
-              <a:t>der Arbeitsgruppe entfernt </a:t>
-            </a:r>
-            <a:r>
-              <a:rPr lang="de-DE" dirty="0"/>
-              <a:t>wurden</a:t>
-            </a:r>
-          </a:p>
-        </p:txBody>
-      </p:sp>
-    </p:spTree>
-    <p:extLst>
-      <p:ext uri="{BB962C8B-B14F-4D97-AF65-F5344CB8AC3E}">
-        <p14:creationId xmlns:p14="http://schemas.microsoft.com/office/powerpoint/2010/main" val="600913733"/>
-      </p:ext>
-    </p:extLst>
-  </p:cSld>
-  <p:clrMapOvr>
-    <a:masterClrMapping/>
-  </p:clrMapOvr>
-  <p:timing>
-    <p:tnLst>
-      <p:par>
-        <p:cTn id="1" dur="indefinite" restart="never" nodeType="tmRoot"/>
-      </p:par>
-    </p:tnLst>
-  </p:timing>
-</p:sld>
-</file>
-
-<file path=ppt/slides/slide32.xml><?xml version="1.0" encoding="utf-8"?>
-<p:sld xmlns:a="http://schemas.openxmlformats.org/drawingml/2006/main" xmlns:r="http://schemas.openxmlformats.org/officeDocument/2006/relationships" xmlns:p="http://schemas.openxmlformats.org/presentationml/2006/main">
-  <p:cSld>
-    <p:spTree>
-      <p:nvGrpSpPr>
-        <p:cNvPr id="1" name=""/>
-        <p:cNvGrpSpPr/>
-        <p:nvPr/>
-      </p:nvGrpSpPr>
-      <p:grpSpPr>
-        <a:xfrm>
-          <a:off x="0" y="0"/>
-          <a:ext cx="0" cy="0"/>
-          <a:chOff x="0" y="0"/>
-          <a:chExt cx="0" cy="0"/>
-        </a:xfrm>
-      </p:grpSpPr>
-      <p:sp>
-        <p:nvSpPr>
-          <p:cNvPr id="2" name="Titel 1"/>
-          <p:cNvSpPr>
-            <a:spLocks noGrp="1"/>
-          </p:cNvSpPr>
-          <p:nvPr>
-            <p:ph type="title"/>
-          </p:nvPr>
-        </p:nvSpPr>
-        <p:spPr/>
-        <p:txBody>
-          <a:bodyPr/>
-          <a:lstStyle/>
-          <a:p>
-            <a:r>
-              <a:rPr lang="de-DE" dirty="0" smtClean="0"/>
-              <a:t>Use Case „Mitarbeiter“</a:t>
-            </a:r>
-            <a:endParaRPr lang="de-DE" dirty="0"/>
-          </a:p>
-        </p:txBody>
-      </p:sp>
-      <p:sp>
-        <p:nvSpPr>
-          <p:cNvPr id="3" name="Inhaltsplatzhalter 2"/>
-          <p:cNvSpPr>
-            <a:spLocks noGrp="1"/>
-          </p:cNvSpPr>
-          <p:nvPr>
-            <p:ph idx="1"/>
-          </p:nvPr>
-        </p:nvSpPr>
-        <p:spPr/>
-        <p:txBody>
-          <a:bodyPr>
-            <a:normAutofit lnSpcReduction="10000"/>
-          </a:bodyPr>
-          <a:lstStyle/>
-          <a:p>
-            <a:r>
-              <a:rPr lang="de-DE" dirty="0"/>
-              <a:t>Die Verwaltung erfolgt über die Fachbereichs-organisation</a:t>
-            </a:r>
-          </a:p>
-          <a:p>
-            <a:r>
-              <a:rPr lang="de-DE" dirty="0"/>
-              <a:t>Anlegen: </a:t>
-            </a:r>
-            <a:r>
-              <a:rPr lang="de-DE" dirty="0" smtClean="0"/>
-              <a:t>die Oberfläche wird je nach Rolle des Mitarbeiters angepasst</a:t>
-            </a:r>
-          </a:p>
-          <a:p>
-            <a:pPr lvl="1"/>
-            <a:r>
-              <a:rPr lang="de-DE" dirty="0" smtClean="0"/>
-              <a:t>Vorname, Nachname, Benutzername und Rolle müssen immer angegeben werden</a:t>
-            </a:r>
-          </a:p>
-          <a:p>
-            <a:pPr lvl="1"/>
-            <a:r>
-              <a:rPr lang="de-DE" dirty="0" smtClean="0"/>
-              <a:t>Das Passwort kann entweder manuell eingegeben werden oder kann über einen Button automatisch generiert werden</a:t>
-            </a:r>
-          </a:p>
-          <a:p>
-            <a:pPr lvl="1"/>
-            <a:r>
-              <a:rPr lang="de-DE" dirty="0" smtClean="0"/>
-              <a:t>Je nach Rolle muss entweder eine Arbeitsgruppe oder ein Bereich ausgewählt werden</a:t>
-            </a:r>
-            <a:endParaRPr lang="de-DE" dirty="0"/>
-          </a:p>
-        </p:txBody>
-      </p:sp>
-    </p:spTree>
-    <p:extLst>
-      <p:ext uri="{BB962C8B-B14F-4D97-AF65-F5344CB8AC3E}">
-        <p14:creationId xmlns:p14="http://schemas.microsoft.com/office/powerpoint/2010/main" val="3395818784"/>
-      </p:ext>
-    </p:extLst>
-  </p:cSld>
-  <p:clrMapOvr>
-    <a:masterClrMapping/>
-  </p:clrMapOvr>
-  <p:timing>
-    <p:tnLst>
-      <p:par>
-        <p:cTn id="1" dur="indefinite" restart="never" nodeType="tmRoot"/>
-      </p:par>
-    </p:tnLst>
-  </p:timing>
-</p:sld>
-</file>
-
-<file path=ppt/slides/slide33.xml><?xml version="1.0" encoding="utf-8"?>
-<p:sld xmlns:a="http://schemas.openxmlformats.org/drawingml/2006/main" xmlns:r="http://schemas.openxmlformats.org/officeDocument/2006/relationships" xmlns:p="http://schemas.openxmlformats.org/presentationml/2006/main">
-  <p:cSld>
-    <p:spTree>
-      <p:nvGrpSpPr>
-        <p:cNvPr id="1" name=""/>
-        <p:cNvGrpSpPr/>
-        <p:nvPr/>
-      </p:nvGrpSpPr>
-      <p:grpSpPr>
-        <a:xfrm>
-          <a:off x="0" y="0"/>
-          <a:ext cx="0" cy="0"/>
-          <a:chOff x="0" y="0"/>
-          <a:chExt cx="0" cy="0"/>
-        </a:xfrm>
-      </p:grpSpPr>
-      <p:sp>
-        <p:nvSpPr>
-          <p:cNvPr id="2" name="Titel 1"/>
-          <p:cNvSpPr>
-            <a:spLocks noGrp="1"/>
-          </p:cNvSpPr>
-          <p:nvPr>
-            <p:ph type="title"/>
-          </p:nvPr>
-        </p:nvSpPr>
-        <p:spPr/>
-        <p:txBody>
-          <a:bodyPr/>
-          <a:lstStyle/>
-          <a:p>
-            <a:r>
-              <a:rPr lang="de-DE" dirty="0"/>
-              <a:t>Use Case „Mitarbeiter“</a:t>
-            </a:r>
-          </a:p>
-        </p:txBody>
-      </p:sp>
-      <p:sp>
-        <p:nvSpPr>
-          <p:cNvPr id="3" name="Inhaltsplatzhalter 2"/>
-          <p:cNvSpPr>
-            <a:spLocks noGrp="1"/>
-          </p:cNvSpPr>
-          <p:nvPr>
-            <p:ph idx="1"/>
-          </p:nvPr>
-        </p:nvSpPr>
-        <p:spPr/>
-        <p:txBody>
-          <a:bodyPr>
-            <a:normAutofit lnSpcReduction="10000"/>
-          </a:bodyPr>
-          <a:lstStyle/>
-          <a:p>
-            <a:r>
-              <a:rPr lang="de-DE" dirty="0" smtClean="0"/>
-              <a:t>Die Auswahl zur Bearbeitung bzw. zur Löschung erfolgt über eine Suchen-Oberfläche</a:t>
-            </a:r>
-          </a:p>
-          <a:p>
-            <a:r>
-              <a:rPr lang="de-DE" dirty="0" smtClean="0"/>
-              <a:t>Bearbeiten: Vorname, Nachname, Rolle und Bereich bzw. Arbeitsgruppe können geändert werden</a:t>
-            </a:r>
-          </a:p>
-          <a:p>
-            <a:pPr lvl="1"/>
-            <a:r>
-              <a:rPr lang="de-DE" dirty="0" smtClean="0"/>
-              <a:t>Je nach Rolle wird entweder Bereich oder Arbeitsgruppe angezeigt</a:t>
-            </a:r>
-          </a:p>
-          <a:p>
-            <a:r>
-              <a:rPr lang="de-DE" dirty="0" smtClean="0"/>
-              <a:t>Löschen: nach der Suche erscheint eine Auswahl-Tabelle über die der Mitarbeiter gelöscht werden kann</a:t>
-            </a:r>
-            <a:endParaRPr lang="de-DE" dirty="0"/>
-          </a:p>
-        </p:txBody>
-      </p:sp>
-    </p:spTree>
-    <p:extLst>
-      <p:ext uri="{BB962C8B-B14F-4D97-AF65-F5344CB8AC3E}">
-        <p14:creationId xmlns:p14="http://schemas.microsoft.com/office/powerpoint/2010/main" val="1313710794"/>
-      </p:ext>
-    </p:extLst>
-  </p:cSld>
-  <p:clrMapOvr>
-    <a:masterClrMapping/>
-  </p:clrMapOvr>
-  <p:timing>
-    <p:tnLst>
-      <p:par>
-        <p:cTn id="1" dur="indefinite" restart="never" nodeType="tmRoot"/>
-      </p:par>
-    </p:tnLst>
-  </p:timing>
-</p:sld>
-</file>
-
-<file path=ppt/slides/slide34.xml><?xml version="1.0" encoding="utf-8"?>
-<p:sld xmlns:a="http://schemas.openxmlformats.org/drawingml/2006/main" xmlns:r="http://schemas.openxmlformats.org/officeDocument/2006/relationships" xmlns:p="http://schemas.openxmlformats.org/presentationml/2006/main">
-  <p:cSld>
-    <p:spTree>
-      <p:nvGrpSpPr>
-        <p:cNvPr id="1" name=""/>
-        <p:cNvGrpSpPr/>
-        <p:nvPr/>
-      </p:nvGrpSpPr>
-      <p:grpSpPr>
-        <a:xfrm>
-          <a:off x="0" y="0"/>
-          <a:ext cx="0" cy="0"/>
-          <a:chOff x="0" y="0"/>
-          <a:chExt cx="0" cy="0"/>
-        </a:xfrm>
-      </p:grpSpPr>
-      <p:sp>
-        <p:nvSpPr>
-          <p:cNvPr id="2" name="Titel 1"/>
-          <p:cNvSpPr>
-            <a:spLocks noGrp="1"/>
-          </p:cNvSpPr>
-          <p:nvPr>
-            <p:ph type="title"/>
-          </p:nvPr>
-        </p:nvSpPr>
-        <p:spPr/>
-        <p:txBody>
-          <a:bodyPr/>
-          <a:lstStyle/>
-          <a:p>
-            <a:r>
-              <a:rPr lang="de-DE" dirty="0" smtClean="0"/>
-              <a:t>Use Case „Art“</a:t>
-            </a:r>
-            <a:endParaRPr lang="de-DE" dirty="0"/>
-          </a:p>
-        </p:txBody>
-      </p:sp>
-      <p:sp>
-        <p:nvSpPr>
-          <p:cNvPr id="3" name="Inhaltsplatzhalter 2"/>
-          <p:cNvSpPr>
-            <a:spLocks noGrp="1"/>
-          </p:cNvSpPr>
-          <p:nvPr>
-            <p:ph idx="1"/>
-          </p:nvPr>
-        </p:nvSpPr>
-        <p:spPr/>
-        <p:txBody>
-          <a:bodyPr/>
-          <a:lstStyle/>
-          <a:p>
-            <a:r>
-              <a:rPr lang="de-DE" dirty="0"/>
-              <a:t>Die Verwaltung erfolgt über die Fachbereichs-organisation</a:t>
-            </a:r>
-          </a:p>
-          <a:p>
-            <a:r>
-              <a:rPr lang="de-DE" dirty="0" smtClean="0"/>
-              <a:t>Anlegen: über Angabe einer Bezeichnung kann eine neue Eintragsart angelegt werden</a:t>
-            </a:r>
-          </a:p>
-          <a:p>
-            <a:r>
-              <a:rPr lang="de-DE" dirty="0" smtClean="0"/>
-              <a:t>Löschen: über ein Drop-Down-Feld kann die zu löschende Art ausgewählt werden</a:t>
-            </a:r>
-          </a:p>
-          <a:p>
-            <a:endParaRPr lang="de-DE" dirty="0"/>
-          </a:p>
-        </p:txBody>
-      </p:sp>
-    </p:spTree>
-    <p:extLst>
-      <p:ext uri="{BB962C8B-B14F-4D97-AF65-F5344CB8AC3E}">
-        <p14:creationId xmlns:p14="http://schemas.microsoft.com/office/powerpoint/2010/main" val="2204375755"/>
-      </p:ext>
-    </p:extLst>
-  </p:cSld>
-  <p:clrMapOvr>
-    <a:masterClrMapping/>
-  </p:clrMapOvr>
-  <p:timing>
-    <p:tnLst>
-      <p:par>
-        <p:cTn id="1" dur="indefinite" restart="never" nodeType="tmRoot"/>
-      </p:par>
-    </p:tnLst>
-  </p:timing>
-</p:sld>
-</file>
-
-<file path=ppt/slides/slide35.xml><?xml version="1.0" encoding="utf-8"?>
-<p:sld xmlns:a="http://schemas.openxmlformats.org/drawingml/2006/main" xmlns:r="http://schemas.openxmlformats.org/officeDocument/2006/relationships" xmlns:p="http://schemas.openxmlformats.org/presentationml/2006/main">
-  <p:cSld>
-    <p:spTree>
-      <p:nvGrpSpPr>
-        <p:cNvPr id="1" name=""/>
-        <p:cNvGrpSpPr/>
-        <p:nvPr/>
-      </p:nvGrpSpPr>
-      <p:grpSpPr>
-        <a:xfrm>
-          <a:off x="0" y="0"/>
-          <a:ext cx="0" cy="0"/>
-          <a:chOff x="0" y="0"/>
-          <a:chExt cx="0" cy="0"/>
-        </a:xfrm>
-      </p:grpSpPr>
-      <p:sp>
-        <p:nvSpPr>
-          <p:cNvPr id="2" name="Titel 1"/>
-          <p:cNvSpPr>
-            <a:spLocks noGrp="1"/>
-          </p:cNvSpPr>
-          <p:nvPr>
-            <p:ph type="title"/>
-          </p:nvPr>
-        </p:nvSpPr>
-        <p:spPr/>
-        <p:txBody>
-          <a:bodyPr/>
-          <a:lstStyle/>
-          <a:p>
-            <a:r>
-              <a:rPr lang="de-DE" dirty="0" smtClean="0"/>
-              <a:t>Use Case „Job“</a:t>
-            </a:r>
-            <a:endParaRPr lang="de-DE" dirty="0"/>
-          </a:p>
-        </p:txBody>
-      </p:sp>
-      <p:sp>
-        <p:nvSpPr>
-          <p:cNvPr id="3" name="Inhaltsplatzhalter 2"/>
-          <p:cNvSpPr>
-            <a:spLocks noGrp="1"/>
-          </p:cNvSpPr>
-          <p:nvPr>
-            <p:ph idx="1"/>
-          </p:nvPr>
-        </p:nvSpPr>
-        <p:spPr/>
-        <p:txBody>
-          <a:bodyPr>
-            <a:normAutofit lnSpcReduction="10000"/>
-          </a:bodyPr>
-          <a:lstStyle/>
-          <a:p>
-            <a:r>
-              <a:rPr lang="de-DE" dirty="0" smtClean="0"/>
-              <a:t>Einstellungen: es kann festgelegt werden in welchem Intervall die Einträge der Sachbearbeiter bzw. der Gruppenleiter gelöscht werden</a:t>
-            </a:r>
-          </a:p>
-          <a:p>
-            <a:pPr lvl="1"/>
-            <a:r>
-              <a:rPr lang="de-DE" dirty="0" smtClean="0"/>
-              <a:t>Das Intervall kann nur monatsweise festgelegt werden</a:t>
-            </a:r>
-          </a:p>
-          <a:p>
-            <a:r>
-              <a:rPr lang="de-DE" dirty="0" smtClean="0"/>
-              <a:t>Aufsummierung: die Einträge werden in der Wochenübersicht bzw. in der Jahresübersicht aufsummiert</a:t>
-            </a:r>
-          </a:p>
-          <a:p>
-            <a:pPr lvl="1"/>
-            <a:r>
-              <a:rPr lang="de-DE" dirty="0" smtClean="0"/>
-              <a:t>Der Job </a:t>
-            </a:r>
-            <a:r>
-              <a:rPr lang="de-DE" smtClean="0"/>
-              <a:t>läuft jede Nacht</a:t>
-            </a:r>
-            <a:endParaRPr lang="de-DE" dirty="0" smtClean="0"/>
-          </a:p>
-        </p:txBody>
-      </p:sp>
-    </p:spTree>
-    <p:extLst>
-      <p:ext uri="{BB962C8B-B14F-4D97-AF65-F5344CB8AC3E}">
-        <p14:creationId xmlns:p14="http://schemas.microsoft.com/office/powerpoint/2010/main" val="2726382500"/>
       </p:ext>
     </p:extLst>
   </p:cSld>
@@ -14369,6 +16043,857 @@
 </p:sld>
 </file>
 
+<file path=ppt/slides/slide40.xml><?xml version="1.0" encoding="utf-8"?>
+<p:sld xmlns:a="http://schemas.openxmlformats.org/drawingml/2006/main" xmlns:r="http://schemas.openxmlformats.org/officeDocument/2006/relationships" xmlns:p="http://schemas.openxmlformats.org/presentationml/2006/main">
+  <p:cSld>
+    <p:spTree>
+      <p:nvGrpSpPr>
+        <p:cNvPr id="1" name=""/>
+        <p:cNvGrpSpPr/>
+        <p:nvPr/>
+      </p:nvGrpSpPr>
+      <p:grpSpPr>
+        <a:xfrm>
+          <a:off x="0" y="0"/>
+          <a:ext cx="0" cy="0"/>
+          <a:chOff x="0" y="0"/>
+          <a:chExt cx="0" cy="0"/>
+        </a:xfrm>
+      </p:grpSpPr>
+      <p:sp>
+        <p:nvSpPr>
+          <p:cNvPr id="2" name="Titel 1"/>
+          <p:cNvSpPr>
+            <a:spLocks noGrp="1"/>
+          </p:cNvSpPr>
+          <p:nvPr>
+            <p:ph type="title"/>
+          </p:nvPr>
+        </p:nvSpPr>
+        <p:spPr/>
+        <p:txBody>
+          <a:bodyPr/>
+          <a:lstStyle/>
+          <a:p>
+            <a:r>
+              <a:rPr lang="de-DE" dirty="0" smtClean="0"/>
+              <a:t>Use Case „Bereich“</a:t>
+            </a:r>
+            <a:endParaRPr lang="de-DE" dirty="0"/>
+          </a:p>
+        </p:txBody>
+      </p:sp>
+      <p:sp>
+        <p:nvSpPr>
+          <p:cNvPr id="3" name="Inhaltsplatzhalter 2"/>
+          <p:cNvSpPr>
+            <a:spLocks noGrp="1"/>
+          </p:cNvSpPr>
+          <p:nvPr>
+            <p:ph idx="1"/>
+          </p:nvPr>
+        </p:nvSpPr>
+        <p:spPr/>
+        <p:txBody>
+          <a:bodyPr>
+            <a:normAutofit/>
+          </a:bodyPr>
+          <a:lstStyle/>
+          <a:p>
+            <a:r>
+              <a:rPr lang="de-DE" dirty="0" smtClean="0"/>
+              <a:t>Die Verwaltung erfolgt über die Fachbereichs-organisation</a:t>
+            </a:r>
+          </a:p>
+          <a:p>
+            <a:r>
+              <a:rPr lang="de-DE" dirty="0" smtClean="0"/>
+              <a:t>Anlegen: mit Angaben über Bezeichnung und Kurzbezeichnung soll ein Bereich angelegt werden können</a:t>
+            </a:r>
+          </a:p>
+        </p:txBody>
+      </p:sp>
+    </p:spTree>
+    <p:extLst>
+      <p:ext uri="{BB962C8B-B14F-4D97-AF65-F5344CB8AC3E}">
+        <p14:creationId xmlns:p14="http://schemas.microsoft.com/office/powerpoint/2010/main" val="2615168494"/>
+      </p:ext>
+    </p:extLst>
+  </p:cSld>
+  <p:clrMapOvr>
+    <a:masterClrMapping/>
+  </p:clrMapOvr>
+  <p:timing>
+    <p:tnLst>
+      <p:par>
+        <p:cTn id="1" dur="indefinite" restart="never" nodeType="tmRoot"/>
+      </p:par>
+    </p:tnLst>
+  </p:timing>
+</p:sld>
+</file>
+
+<file path=ppt/slides/slide41.xml><?xml version="1.0" encoding="utf-8"?>
+<p:sld xmlns:a="http://schemas.openxmlformats.org/drawingml/2006/main" xmlns:r="http://schemas.openxmlformats.org/officeDocument/2006/relationships" xmlns:p="http://schemas.openxmlformats.org/presentationml/2006/main">
+  <p:cSld>
+    <p:spTree>
+      <p:nvGrpSpPr>
+        <p:cNvPr id="1" name=""/>
+        <p:cNvGrpSpPr/>
+        <p:nvPr/>
+      </p:nvGrpSpPr>
+      <p:grpSpPr>
+        <a:xfrm>
+          <a:off x="0" y="0"/>
+          <a:ext cx="0" cy="0"/>
+          <a:chOff x="0" y="0"/>
+          <a:chExt cx="0" cy="0"/>
+        </a:xfrm>
+      </p:grpSpPr>
+      <p:sp>
+        <p:nvSpPr>
+          <p:cNvPr id="2" name="Titel 1"/>
+          <p:cNvSpPr>
+            <a:spLocks noGrp="1"/>
+          </p:cNvSpPr>
+          <p:nvPr>
+            <p:ph type="title"/>
+          </p:nvPr>
+        </p:nvSpPr>
+        <p:spPr/>
+        <p:txBody>
+          <a:bodyPr/>
+          <a:lstStyle/>
+          <a:p>
+            <a:r>
+              <a:rPr lang="de-DE" dirty="0" smtClean="0"/>
+              <a:t>Use Case „Bereich“</a:t>
+            </a:r>
+            <a:endParaRPr lang="de-DE" dirty="0"/>
+          </a:p>
+        </p:txBody>
+      </p:sp>
+      <p:sp>
+        <p:nvSpPr>
+          <p:cNvPr id="3" name="Inhaltsplatzhalter 2"/>
+          <p:cNvSpPr>
+            <a:spLocks noGrp="1"/>
+          </p:cNvSpPr>
+          <p:nvPr>
+            <p:ph idx="1"/>
+          </p:nvPr>
+        </p:nvSpPr>
+        <p:spPr/>
+        <p:txBody>
+          <a:bodyPr>
+            <a:normAutofit/>
+          </a:bodyPr>
+          <a:lstStyle/>
+          <a:p>
+            <a:r>
+              <a:rPr lang="de-DE" dirty="0"/>
+              <a:t>Die Auswahl zur Bearbeitung bzw. zur Löschung erfolgt über eine </a:t>
+            </a:r>
+            <a:r>
+              <a:rPr lang="de-DE" dirty="0" smtClean="0"/>
+              <a:t>Oberfläche mit Drop-Down-Feld</a:t>
+            </a:r>
+          </a:p>
+          <a:p>
+            <a:r>
+              <a:rPr lang="de-DE" dirty="0" smtClean="0"/>
+              <a:t>Bearbeiten: die Bezeichnung, die Kurz-bezeichnung und der Leiter sollen geändert werden können</a:t>
+            </a:r>
+          </a:p>
+          <a:p>
+            <a:r>
+              <a:rPr lang="de-DE" dirty="0" smtClean="0"/>
+              <a:t>Löschen: der Bereich wird inaktiv gesetzt, sobald alle Arbeitsgruppen und Mitarbeiter aus dem Bereich entfernt wurden</a:t>
+            </a:r>
+            <a:endParaRPr lang="de-DE" dirty="0"/>
+          </a:p>
+        </p:txBody>
+      </p:sp>
+    </p:spTree>
+    <p:extLst>
+      <p:ext uri="{BB962C8B-B14F-4D97-AF65-F5344CB8AC3E}">
+        <p14:creationId xmlns:p14="http://schemas.microsoft.com/office/powerpoint/2010/main" val="42813484"/>
+      </p:ext>
+    </p:extLst>
+  </p:cSld>
+  <p:clrMapOvr>
+    <a:masterClrMapping/>
+  </p:clrMapOvr>
+  <p:timing>
+    <p:tnLst>
+      <p:par>
+        <p:cTn id="1" dur="indefinite" restart="never" nodeType="tmRoot"/>
+      </p:par>
+    </p:tnLst>
+  </p:timing>
+</p:sld>
+</file>
+
+<file path=ppt/slides/slide42.xml><?xml version="1.0" encoding="utf-8"?>
+<p:sld xmlns:a="http://schemas.openxmlformats.org/drawingml/2006/main" xmlns:r="http://schemas.openxmlformats.org/officeDocument/2006/relationships" xmlns:p="http://schemas.openxmlformats.org/presentationml/2006/main">
+  <p:cSld>
+    <p:spTree>
+      <p:nvGrpSpPr>
+        <p:cNvPr id="1" name=""/>
+        <p:cNvGrpSpPr/>
+        <p:nvPr/>
+      </p:nvGrpSpPr>
+      <p:grpSpPr>
+        <a:xfrm>
+          <a:off x="0" y="0"/>
+          <a:ext cx="0" cy="0"/>
+          <a:chOff x="0" y="0"/>
+          <a:chExt cx="0" cy="0"/>
+        </a:xfrm>
+      </p:grpSpPr>
+      <p:sp>
+        <p:nvSpPr>
+          <p:cNvPr id="2" name="Titel 1"/>
+          <p:cNvSpPr>
+            <a:spLocks noGrp="1"/>
+          </p:cNvSpPr>
+          <p:nvPr>
+            <p:ph type="title"/>
+          </p:nvPr>
+        </p:nvSpPr>
+        <p:spPr/>
+        <p:txBody>
+          <a:bodyPr/>
+          <a:lstStyle/>
+          <a:p>
+            <a:r>
+              <a:rPr lang="de-DE" dirty="0" smtClean="0"/>
+              <a:t>Use Case „Arbeitsgruppe“</a:t>
+            </a:r>
+            <a:endParaRPr lang="de-DE" dirty="0"/>
+          </a:p>
+        </p:txBody>
+      </p:sp>
+      <p:sp>
+        <p:nvSpPr>
+          <p:cNvPr id="3" name="Inhaltsplatzhalter 2"/>
+          <p:cNvSpPr>
+            <a:spLocks noGrp="1"/>
+          </p:cNvSpPr>
+          <p:nvPr>
+            <p:ph idx="1"/>
+          </p:nvPr>
+        </p:nvSpPr>
+        <p:spPr/>
+        <p:txBody>
+          <a:bodyPr>
+            <a:normAutofit/>
+          </a:bodyPr>
+          <a:lstStyle/>
+          <a:p>
+            <a:r>
+              <a:rPr lang="de-DE" dirty="0"/>
+              <a:t>Die Verwaltung erfolgt über die Fachbereichs-organisation</a:t>
+            </a:r>
+          </a:p>
+          <a:p>
+            <a:r>
+              <a:rPr lang="de-DE" dirty="0"/>
+              <a:t>Anlegen: mit Angaben über </a:t>
+            </a:r>
+            <a:r>
+              <a:rPr lang="de-DE" dirty="0" smtClean="0"/>
+              <a:t>Bezeichnung, Kurz-bezeichnung und Bereich soll eine Arbeitsgruppe angelegt </a:t>
+            </a:r>
+            <a:r>
+              <a:rPr lang="de-DE" dirty="0"/>
+              <a:t>werden </a:t>
+            </a:r>
+            <a:r>
+              <a:rPr lang="de-DE" dirty="0" smtClean="0"/>
+              <a:t>können</a:t>
+            </a:r>
+            <a:endParaRPr lang="de-DE" dirty="0"/>
+          </a:p>
+        </p:txBody>
+      </p:sp>
+    </p:spTree>
+    <p:extLst>
+      <p:ext uri="{BB962C8B-B14F-4D97-AF65-F5344CB8AC3E}">
+        <p14:creationId xmlns:p14="http://schemas.microsoft.com/office/powerpoint/2010/main" val="243874718"/>
+      </p:ext>
+    </p:extLst>
+  </p:cSld>
+  <p:clrMapOvr>
+    <a:masterClrMapping/>
+  </p:clrMapOvr>
+  <p:timing>
+    <p:tnLst>
+      <p:par>
+        <p:cTn id="1" dur="indefinite" restart="never" nodeType="tmRoot"/>
+      </p:par>
+    </p:tnLst>
+  </p:timing>
+</p:sld>
+</file>
+
+<file path=ppt/slides/slide43.xml><?xml version="1.0" encoding="utf-8"?>
+<p:sld xmlns:a="http://schemas.openxmlformats.org/drawingml/2006/main" xmlns:r="http://schemas.openxmlformats.org/officeDocument/2006/relationships" xmlns:p="http://schemas.openxmlformats.org/presentationml/2006/main">
+  <p:cSld>
+    <p:spTree>
+      <p:nvGrpSpPr>
+        <p:cNvPr id="1" name=""/>
+        <p:cNvGrpSpPr/>
+        <p:nvPr/>
+      </p:nvGrpSpPr>
+      <p:grpSpPr>
+        <a:xfrm>
+          <a:off x="0" y="0"/>
+          <a:ext cx="0" cy="0"/>
+          <a:chOff x="0" y="0"/>
+          <a:chExt cx="0" cy="0"/>
+        </a:xfrm>
+      </p:grpSpPr>
+      <p:sp>
+        <p:nvSpPr>
+          <p:cNvPr id="2" name="Titel 1"/>
+          <p:cNvSpPr>
+            <a:spLocks noGrp="1"/>
+          </p:cNvSpPr>
+          <p:nvPr>
+            <p:ph type="title"/>
+          </p:nvPr>
+        </p:nvSpPr>
+        <p:spPr/>
+        <p:txBody>
+          <a:bodyPr/>
+          <a:lstStyle/>
+          <a:p>
+            <a:r>
+              <a:rPr lang="de-DE" dirty="0" smtClean="0"/>
+              <a:t>Use Case „Arbeitsgruppe“</a:t>
+            </a:r>
+            <a:endParaRPr lang="de-DE" dirty="0"/>
+          </a:p>
+        </p:txBody>
+      </p:sp>
+      <p:sp>
+        <p:nvSpPr>
+          <p:cNvPr id="3" name="Inhaltsplatzhalter 2"/>
+          <p:cNvSpPr>
+            <a:spLocks noGrp="1"/>
+          </p:cNvSpPr>
+          <p:nvPr>
+            <p:ph idx="1"/>
+          </p:nvPr>
+        </p:nvSpPr>
+        <p:spPr/>
+        <p:txBody>
+          <a:bodyPr>
+            <a:normAutofit/>
+          </a:bodyPr>
+          <a:lstStyle/>
+          <a:p>
+            <a:r>
+              <a:rPr lang="de-DE" dirty="0"/>
+              <a:t>Die Auswahl zur Bearbeitung bzw. zur Löschung erfolgt über eine Suchen-Oberfläche</a:t>
+            </a:r>
+          </a:p>
+          <a:p>
+            <a:r>
+              <a:rPr lang="de-DE" dirty="0" smtClean="0"/>
+              <a:t>Bearbeiten</a:t>
+            </a:r>
+            <a:r>
+              <a:rPr lang="de-DE" dirty="0"/>
+              <a:t>: die Bezeichnung, die </a:t>
+            </a:r>
+            <a:r>
+              <a:rPr lang="de-DE" dirty="0" smtClean="0"/>
+              <a:t>Kurzbezeichnung, die Zuordnung zum Bereich </a:t>
+            </a:r>
+            <a:r>
+              <a:rPr lang="de-DE" dirty="0"/>
+              <a:t>und der Leiter sollen geändert werden können</a:t>
+            </a:r>
+          </a:p>
+          <a:p>
+            <a:r>
+              <a:rPr lang="de-DE" dirty="0"/>
+              <a:t>Löschen: </a:t>
+            </a:r>
+            <a:r>
+              <a:rPr lang="de-DE" dirty="0" smtClean="0"/>
+              <a:t>die Arbeitsgruppe wird </a:t>
+            </a:r>
+            <a:r>
+              <a:rPr lang="de-DE" dirty="0"/>
+              <a:t>inaktiv gesetzt, sobald alle </a:t>
+            </a:r>
+            <a:r>
+              <a:rPr lang="de-DE" dirty="0" smtClean="0"/>
+              <a:t>Mitarbeiter </a:t>
+            </a:r>
+            <a:r>
+              <a:rPr lang="de-DE" dirty="0"/>
+              <a:t>aus </a:t>
+            </a:r>
+            <a:r>
+              <a:rPr lang="de-DE" dirty="0" smtClean="0"/>
+              <a:t>der Arbeitsgruppe entfernt </a:t>
+            </a:r>
+            <a:r>
+              <a:rPr lang="de-DE" dirty="0"/>
+              <a:t>wurden</a:t>
+            </a:r>
+          </a:p>
+        </p:txBody>
+      </p:sp>
+    </p:spTree>
+    <p:extLst>
+      <p:ext uri="{BB962C8B-B14F-4D97-AF65-F5344CB8AC3E}">
+        <p14:creationId xmlns:p14="http://schemas.microsoft.com/office/powerpoint/2010/main" val="600913733"/>
+      </p:ext>
+    </p:extLst>
+  </p:cSld>
+  <p:clrMapOvr>
+    <a:masterClrMapping/>
+  </p:clrMapOvr>
+  <p:timing>
+    <p:tnLst>
+      <p:par>
+        <p:cTn id="1" dur="indefinite" restart="never" nodeType="tmRoot"/>
+      </p:par>
+    </p:tnLst>
+  </p:timing>
+</p:sld>
+</file>
+
+<file path=ppt/slides/slide44.xml><?xml version="1.0" encoding="utf-8"?>
+<p:sld xmlns:a="http://schemas.openxmlformats.org/drawingml/2006/main" xmlns:r="http://schemas.openxmlformats.org/officeDocument/2006/relationships" xmlns:p="http://schemas.openxmlformats.org/presentationml/2006/main">
+  <p:cSld>
+    <p:spTree>
+      <p:nvGrpSpPr>
+        <p:cNvPr id="1" name=""/>
+        <p:cNvGrpSpPr/>
+        <p:nvPr/>
+      </p:nvGrpSpPr>
+      <p:grpSpPr>
+        <a:xfrm>
+          <a:off x="0" y="0"/>
+          <a:ext cx="0" cy="0"/>
+          <a:chOff x="0" y="0"/>
+          <a:chExt cx="0" cy="0"/>
+        </a:xfrm>
+      </p:grpSpPr>
+      <p:sp>
+        <p:nvSpPr>
+          <p:cNvPr id="2" name="Titel 1"/>
+          <p:cNvSpPr>
+            <a:spLocks noGrp="1"/>
+          </p:cNvSpPr>
+          <p:nvPr>
+            <p:ph type="title"/>
+          </p:nvPr>
+        </p:nvSpPr>
+        <p:spPr/>
+        <p:txBody>
+          <a:bodyPr/>
+          <a:lstStyle/>
+          <a:p>
+            <a:r>
+              <a:rPr lang="de-DE" dirty="0" smtClean="0"/>
+              <a:t>Use Case „Mitarbeiter“</a:t>
+            </a:r>
+            <a:endParaRPr lang="de-DE" dirty="0"/>
+          </a:p>
+        </p:txBody>
+      </p:sp>
+      <p:sp>
+        <p:nvSpPr>
+          <p:cNvPr id="3" name="Inhaltsplatzhalter 2"/>
+          <p:cNvSpPr>
+            <a:spLocks noGrp="1"/>
+          </p:cNvSpPr>
+          <p:nvPr>
+            <p:ph idx="1"/>
+          </p:nvPr>
+        </p:nvSpPr>
+        <p:spPr/>
+        <p:txBody>
+          <a:bodyPr>
+            <a:normAutofit lnSpcReduction="10000"/>
+          </a:bodyPr>
+          <a:lstStyle/>
+          <a:p>
+            <a:r>
+              <a:rPr lang="de-DE" dirty="0"/>
+              <a:t>Die Verwaltung erfolgt über die Fachbereichs-organisation</a:t>
+            </a:r>
+          </a:p>
+          <a:p>
+            <a:r>
+              <a:rPr lang="de-DE" dirty="0"/>
+              <a:t>Anlegen: </a:t>
+            </a:r>
+            <a:r>
+              <a:rPr lang="de-DE" dirty="0" smtClean="0"/>
+              <a:t>die Oberfläche wird je nach Rolle des Mitarbeiters angepasst</a:t>
+            </a:r>
+          </a:p>
+          <a:p>
+            <a:pPr lvl="1"/>
+            <a:r>
+              <a:rPr lang="de-DE" dirty="0" smtClean="0"/>
+              <a:t>Vorname, Nachname, Benutzername und Rolle müssen immer angegeben werden</a:t>
+            </a:r>
+          </a:p>
+          <a:p>
+            <a:pPr lvl="1"/>
+            <a:r>
+              <a:rPr lang="de-DE" dirty="0" smtClean="0"/>
+              <a:t>Das Passwort kann entweder manuell eingegeben werden oder kann über einen Button automatisch generiert werden</a:t>
+            </a:r>
+          </a:p>
+          <a:p>
+            <a:pPr lvl="1"/>
+            <a:r>
+              <a:rPr lang="de-DE" dirty="0" smtClean="0"/>
+              <a:t>Je nach Rolle muss entweder eine Arbeitsgruppe oder ein Bereich ausgewählt werden</a:t>
+            </a:r>
+            <a:endParaRPr lang="de-DE" dirty="0"/>
+          </a:p>
+        </p:txBody>
+      </p:sp>
+    </p:spTree>
+    <p:extLst>
+      <p:ext uri="{BB962C8B-B14F-4D97-AF65-F5344CB8AC3E}">
+        <p14:creationId xmlns:p14="http://schemas.microsoft.com/office/powerpoint/2010/main" val="3395818784"/>
+      </p:ext>
+    </p:extLst>
+  </p:cSld>
+  <p:clrMapOvr>
+    <a:masterClrMapping/>
+  </p:clrMapOvr>
+  <p:timing>
+    <p:tnLst>
+      <p:par>
+        <p:cTn id="1" dur="indefinite" restart="never" nodeType="tmRoot"/>
+      </p:par>
+    </p:tnLst>
+  </p:timing>
+</p:sld>
+</file>
+
+<file path=ppt/slides/slide45.xml><?xml version="1.0" encoding="utf-8"?>
+<p:sld xmlns:a="http://schemas.openxmlformats.org/drawingml/2006/main" xmlns:r="http://schemas.openxmlformats.org/officeDocument/2006/relationships" xmlns:p="http://schemas.openxmlformats.org/presentationml/2006/main">
+  <p:cSld>
+    <p:spTree>
+      <p:nvGrpSpPr>
+        <p:cNvPr id="1" name=""/>
+        <p:cNvGrpSpPr/>
+        <p:nvPr/>
+      </p:nvGrpSpPr>
+      <p:grpSpPr>
+        <a:xfrm>
+          <a:off x="0" y="0"/>
+          <a:ext cx="0" cy="0"/>
+          <a:chOff x="0" y="0"/>
+          <a:chExt cx="0" cy="0"/>
+        </a:xfrm>
+      </p:grpSpPr>
+      <p:sp>
+        <p:nvSpPr>
+          <p:cNvPr id="2" name="Titel 1"/>
+          <p:cNvSpPr>
+            <a:spLocks noGrp="1"/>
+          </p:cNvSpPr>
+          <p:nvPr>
+            <p:ph type="title"/>
+          </p:nvPr>
+        </p:nvSpPr>
+        <p:spPr/>
+        <p:txBody>
+          <a:bodyPr/>
+          <a:lstStyle/>
+          <a:p>
+            <a:r>
+              <a:rPr lang="de-DE" dirty="0"/>
+              <a:t>Use Case „Mitarbeiter“</a:t>
+            </a:r>
+          </a:p>
+        </p:txBody>
+      </p:sp>
+      <p:sp>
+        <p:nvSpPr>
+          <p:cNvPr id="3" name="Inhaltsplatzhalter 2"/>
+          <p:cNvSpPr>
+            <a:spLocks noGrp="1"/>
+          </p:cNvSpPr>
+          <p:nvPr>
+            <p:ph idx="1"/>
+          </p:nvPr>
+        </p:nvSpPr>
+        <p:spPr/>
+        <p:txBody>
+          <a:bodyPr>
+            <a:normAutofit lnSpcReduction="10000"/>
+          </a:bodyPr>
+          <a:lstStyle/>
+          <a:p>
+            <a:r>
+              <a:rPr lang="de-DE" dirty="0" smtClean="0"/>
+              <a:t>Die Auswahl zur Bearbeitung bzw. zur Löschung erfolgt über eine Suchen-Oberfläche</a:t>
+            </a:r>
+          </a:p>
+          <a:p>
+            <a:r>
+              <a:rPr lang="de-DE" dirty="0" smtClean="0"/>
+              <a:t>Bearbeiten: Vorname, Nachname, Rolle und Bereich bzw. Arbeitsgruppe können geändert werden</a:t>
+            </a:r>
+          </a:p>
+          <a:p>
+            <a:pPr lvl="1"/>
+            <a:r>
+              <a:rPr lang="de-DE" dirty="0" smtClean="0"/>
+              <a:t>Je nach Rolle wird entweder Bereich oder Arbeitsgruppe angezeigt</a:t>
+            </a:r>
+          </a:p>
+          <a:p>
+            <a:r>
+              <a:rPr lang="de-DE" dirty="0" smtClean="0"/>
+              <a:t>Löschen: nach der Suche erscheint eine Auswahl-Tabelle über die der Mitarbeiter gelöscht werden kann</a:t>
+            </a:r>
+            <a:endParaRPr lang="de-DE" dirty="0"/>
+          </a:p>
+        </p:txBody>
+      </p:sp>
+    </p:spTree>
+    <p:extLst>
+      <p:ext uri="{BB962C8B-B14F-4D97-AF65-F5344CB8AC3E}">
+        <p14:creationId xmlns:p14="http://schemas.microsoft.com/office/powerpoint/2010/main" val="1313710794"/>
+      </p:ext>
+    </p:extLst>
+  </p:cSld>
+  <p:clrMapOvr>
+    <a:masterClrMapping/>
+  </p:clrMapOvr>
+  <p:timing>
+    <p:tnLst>
+      <p:par>
+        <p:cTn id="1" dur="indefinite" restart="never" nodeType="tmRoot"/>
+      </p:par>
+    </p:tnLst>
+  </p:timing>
+</p:sld>
+</file>
+
+<file path=ppt/slides/slide46.xml><?xml version="1.0" encoding="utf-8"?>
+<p:sld xmlns:a="http://schemas.openxmlformats.org/drawingml/2006/main" xmlns:r="http://schemas.openxmlformats.org/officeDocument/2006/relationships" xmlns:p="http://schemas.openxmlformats.org/presentationml/2006/main">
+  <p:cSld>
+    <p:spTree>
+      <p:nvGrpSpPr>
+        <p:cNvPr id="1" name=""/>
+        <p:cNvGrpSpPr/>
+        <p:nvPr/>
+      </p:nvGrpSpPr>
+      <p:grpSpPr>
+        <a:xfrm>
+          <a:off x="0" y="0"/>
+          <a:ext cx="0" cy="0"/>
+          <a:chOff x="0" y="0"/>
+          <a:chExt cx="0" cy="0"/>
+        </a:xfrm>
+      </p:grpSpPr>
+      <p:sp>
+        <p:nvSpPr>
+          <p:cNvPr id="2" name="Titel 1"/>
+          <p:cNvSpPr>
+            <a:spLocks noGrp="1"/>
+          </p:cNvSpPr>
+          <p:nvPr>
+            <p:ph type="title"/>
+          </p:nvPr>
+        </p:nvSpPr>
+        <p:spPr/>
+        <p:txBody>
+          <a:bodyPr/>
+          <a:lstStyle/>
+          <a:p>
+            <a:r>
+              <a:rPr lang="de-DE" dirty="0" smtClean="0"/>
+              <a:t>Use Case „Art“</a:t>
+            </a:r>
+            <a:endParaRPr lang="de-DE" dirty="0"/>
+          </a:p>
+        </p:txBody>
+      </p:sp>
+      <p:sp>
+        <p:nvSpPr>
+          <p:cNvPr id="3" name="Inhaltsplatzhalter 2"/>
+          <p:cNvSpPr>
+            <a:spLocks noGrp="1"/>
+          </p:cNvSpPr>
+          <p:nvPr>
+            <p:ph idx="1"/>
+          </p:nvPr>
+        </p:nvSpPr>
+        <p:spPr/>
+        <p:txBody>
+          <a:bodyPr/>
+          <a:lstStyle/>
+          <a:p>
+            <a:r>
+              <a:rPr lang="de-DE" dirty="0"/>
+              <a:t>Die Verwaltung erfolgt über die Fachbereichs-organisation</a:t>
+            </a:r>
+          </a:p>
+          <a:p>
+            <a:r>
+              <a:rPr lang="de-DE" dirty="0" smtClean="0"/>
+              <a:t>Anlegen: über Angabe einer Bezeichnung kann eine neue Eintragsart angelegt werden</a:t>
+            </a:r>
+          </a:p>
+          <a:p>
+            <a:r>
+              <a:rPr lang="de-DE" dirty="0" smtClean="0"/>
+              <a:t>Löschen: über ein Drop-Down-Feld kann die zu löschende Art ausgewählt werden</a:t>
+            </a:r>
+          </a:p>
+          <a:p>
+            <a:endParaRPr lang="de-DE" dirty="0"/>
+          </a:p>
+        </p:txBody>
+      </p:sp>
+    </p:spTree>
+    <p:extLst>
+      <p:ext uri="{BB962C8B-B14F-4D97-AF65-F5344CB8AC3E}">
+        <p14:creationId xmlns:p14="http://schemas.microsoft.com/office/powerpoint/2010/main" val="2204375755"/>
+      </p:ext>
+    </p:extLst>
+  </p:cSld>
+  <p:clrMapOvr>
+    <a:masterClrMapping/>
+  </p:clrMapOvr>
+  <p:timing>
+    <p:tnLst>
+      <p:par>
+        <p:cTn id="1" dur="indefinite" restart="never" nodeType="tmRoot"/>
+      </p:par>
+    </p:tnLst>
+  </p:timing>
+</p:sld>
+</file>
+
+<file path=ppt/slides/slide47.xml><?xml version="1.0" encoding="utf-8"?>
+<p:sld xmlns:a="http://schemas.openxmlformats.org/drawingml/2006/main" xmlns:r="http://schemas.openxmlformats.org/officeDocument/2006/relationships" xmlns:p="http://schemas.openxmlformats.org/presentationml/2006/main">
+  <p:cSld>
+    <p:spTree>
+      <p:nvGrpSpPr>
+        <p:cNvPr id="1" name=""/>
+        <p:cNvGrpSpPr/>
+        <p:nvPr/>
+      </p:nvGrpSpPr>
+      <p:grpSpPr>
+        <a:xfrm>
+          <a:off x="0" y="0"/>
+          <a:ext cx="0" cy="0"/>
+          <a:chOff x="0" y="0"/>
+          <a:chExt cx="0" cy="0"/>
+        </a:xfrm>
+      </p:grpSpPr>
+      <p:sp>
+        <p:nvSpPr>
+          <p:cNvPr id="2" name="Titel 1"/>
+          <p:cNvSpPr>
+            <a:spLocks noGrp="1"/>
+          </p:cNvSpPr>
+          <p:nvPr>
+            <p:ph type="title"/>
+          </p:nvPr>
+        </p:nvSpPr>
+        <p:spPr/>
+        <p:txBody>
+          <a:bodyPr/>
+          <a:lstStyle/>
+          <a:p>
+            <a:r>
+              <a:rPr lang="de-DE" dirty="0" smtClean="0"/>
+              <a:t>Use Case „Job“</a:t>
+            </a:r>
+            <a:endParaRPr lang="de-DE" dirty="0"/>
+          </a:p>
+        </p:txBody>
+      </p:sp>
+      <p:sp>
+        <p:nvSpPr>
+          <p:cNvPr id="3" name="Inhaltsplatzhalter 2"/>
+          <p:cNvSpPr>
+            <a:spLocks noGrp="1"/>
+          </p:cNvSpPr>
+          <p:nvPr>
+            <p:ph idx="1"/>
+          </p:nvPr>
+        </p:nvSpPr>
+        <p:spPr/>
+        <p:txBody>
+          <a:bodyPr>
+            <a:normAutofit lnSpcReduction="10000"/>
+          </a:bodyPr>
+          <a:lstStyle/>
+          <a:p>
+            <a:r>
+              <a:rPr lang="de-DE" dirty="0" smtClean="0"/>
+              <a:t>Einstellungen: es kann festgelegt werden in welchem Intervall die Einträge der Sachbearbeiter bzw. der Gruppenleiter gelöscht werden</a:t>
+            </a:r>
+          </a:p>
+          <a:p>
+            <a:pPr lvl="1"/>
+            <a:r>
+              <a:rPr lang="de-DE" dirty="0" smtClean="0"/>
+              <a:t>Das Intervall kann nur monatsweise festgelegt werden</a:t>
+            </a:r>
+          </a:p>
+          <a:p>
+            <a:r>
+              <a:rPr lang="de-DE" dirty="0" smtClean="0"/>
+              <a:t>Aufsummierung: die Einträge werden in der Wochenübersicht bzw. in der Jahresübersicht aufsummiert</a:t>
+            </a:r>
+          </a:p>
+          <a:p>
+            <a:pPr lvl="1"/>
+            <a:r>
+              <a:rPr lang="de-DE" dirty="0" smtClean="0"/>
+              <a:t>Der Job </a:t>
+            </a:r>
+            <a:r>
+              <a:rPr lang="de-DE" smtClean="0"/>
+              <a:t>läuft jede Nacht</a:t>
+            </a:r>
+            <a:endParaRPr lang="de-DE" dirty="0" smtClean="0"/>
+          </a:p>
+        </p:txBody>
+      </p:sp>
+    </p:spTree>
+    <p:extLst>
+      <p:ext uri="{BB962C8B-B14F-4D97-AF65-F5344CB8AC3E}">
+        <p14:creationId xmlns:p14="http://schemas.microsoft.com/office/powerpoint/2010/main" val="2726382500"/>
+      </p:ext>
+    </p:extLst>
+  </p:cSld>
+  <p:clrMapOvr>
+    <a:masterClrMapping/>
+  </p:clrMapOvr>
+  <p:timing>
+    <p:tnLst>
+      <p:par>
+        <p:cTn id="1" dur="indefinite" restart="never" nodeType="tmRoot"/>
+      </p:par>
+    </p:tnLst>
+  </p:timing>
+</p:sld>
+</file>
+
 <file path=ppt/slides/slide5.xml><?xml version="1.0" encoding="utf-8"?>
 <p:sld xmlns:a="http://schemas.openxmlformats.org/drawingml/2006/main" xmlns:r="http://schemas.openxmlformats.org/officeDocument/2006/relationships" xmlns:p="http://schemas.openxmlformats.org/presentationml/2006/main">
   <p:cSld>
@@ -14427,7 +16952,7 @@
         </p:xfrm>
         <a:graphic>
           <a:graphicData uri="http://schemas.openxmlformats.org/drawingml/2006/diagram">
-            <dgm:relIds xmlns:dgm="http://schemas.openxmlformats.org/drawingml/2006/diagram" xmlns:r="http://schemas.openxmlformats.org/officeDocument/2006/relationships" r:dm="rId2" r:lo="rId3" r:qs="rId4" r:cs="rId5"/>
+            <dgm:relIds xmlns:dgm="http://schemas.openxmlformats.org/drawingml/2006/diagram" xmlns:r="http://schemas.openxmlformats.org/officeDocument/2006/relationships" r:dm="rId3" r:lo="rId4" r:qs="rId5" r:cs="rId6"/>
           </a:graphicData>
         </a:graphic>
       </p:graphicFrame>
@@ -14513,7 +17038,7 @@
           <p:nvPr/>
         </p:nvPicPr>
         <p:blipFill>
-          <a:blip r:embed="rId2">
+          <a:blip r:embed="rId3">
             <a:extLst>
               <a:ext uri="{28A0092B-C50C-407E-A947-70E740481C1C}">
                 <a14:useLocalDpi xmlns:a14="http://schemas.microsoft.com/office/drawing/2010/main" val="0"/>
@@ -14604,7 +17129,7 @@
           <p:nvPr/>
         </p:nvPicPr>
         <p:blipFill>
-          <a:blip r:embed="rId2">
+          <a:blip r:embed="rId3">
             <a:extLst>
               <a:ext uri="{28A0092B-C50C-407E-A947-70E740481C1C}">
                 <a14:useLocalDpi xmlns:a14="http://schemas.microsoft.com/office/drawing/2010/main" val="0"/>
@@ -14695,7 +17220,7 @@
           <p:nvPr/>
         </p:nvPicPr>
         <p:blipFill>
-          <a:blip r:embed="rId3" cstate="print">
+          <a:blip r:embed="rId4" cstate="print">
             <a:extLst>
               <a:ext uri="{28A0092B-C50C-407E-A947-70E740481C1C}">
                 <a14:useLocalDpi xmlns:a14="http://schemas.microsoft.com/office/drawing/2010/main" val="0"/>
@@ -14725,7 +17250,7 @@
           <p:nvPr/>
         </p:nvPicPr>
         <p:blipFill>
-          <a:blip r:embed="rId4">
+          <a:blip r:embed="rId5">
             <a:extLst>
               <a:ext uri="{28A0092B-C50C-407E-A947-70E740481C1C}">
                 <a14:useLocalDpi xmlns:a14="http://schemas.microsoft.com/office/drawing/2010/main" val="0"/>
@@ -14831,7 +17356,7 @@
           <p:nvPr/>
         </p:nvPicPr>
         <p:blipFill>
-          <a:blip r:embed="rId5" cstate="print">
+          <a:blip r:embed="rId6" cstate="print">
             <a:extLst>
               <a:ext uri="{28A0092B-C50C-407E-A947-70E740481C1C}">
                 <a14:useLocalDpi xmlns:a14="http://schemas.microsoft.com/office/drawing/2010/main" val="0"/>
@@ -15812,7 +18337,6 @@
               <a:rPr lang="de-DE" dirty="0" smtClean="0"/>
               <a:t>Vermeidung von Redundanzen</a:t>
             </a:r>
-            <a:endParaRPr lang="de-DE" dirty="0" smtClean="0"/>
           </a:p>
         </p:txBody>
       </p:sp>

--- a/Projektmanagement/Abschlusspräsentation.pptx
+++ b/Projektmanagement/Abschlusspräsentation.pptx
@@ -158,7 +158,7 @@
   </p:defaultTextStyle>
   <p:extLst>
     <p:ext uri="{EFAFB233-063F-42B5-8137-9DF3F51BA10A}">
-      <p15:sldGuideLst xmlns:p15="http://schemas.microsoft.com/office/powerpoint/2012/main">
+      <p15:sldGuideLst xmlns:p15="http://schemas.microsoft.com/office/powerpoint/2012/main" xmlns="">
         <p15:guide id="1" orient="horz" pos="2160">
           <p15:clr>
             <a:srgbClr val="A4A3A4"/>
@@ -172,7 +172,7 @@
       </p15:sldGuideLst>
     </p:ext>
     <p:ext uri="{2D200454-40CA-4A62-9FC3-DE9A4176ACB9}">
-      <p15:notesGuideLst xmlns:p15="http://schemas.microsoft.com/office/powerpoint/2012/main">
+      <p15:notesGuideLst xmlns:p15="http://schemas.microsoft.com/office/powerpoint/2012/main" xmlns="">
         <p15:guide id="1" orient="horz" pos="2880">
           <p15:clr>
             <a:srgbClr val="A4A3A4"/>
@@ -1969,51 +1969,51 @@
     </dgm:pt>
   </dgm:ptLst>
   <dgm:cxnLst>
+    <dgm:cxn modelId="{8130EFA1-7C19-4707-918B-EBD61B992DC1}" srcId="{182E85C3-C0C1-4055-B42E-08657C1D36EB}" destId="{2739C324-A41E-4970-8A01-796A2C795ACC}" srcOrd="0" destOrd="0" parTransId="{34EABE2C-343C-4A99-94EF-992C7B2864FB}" sibTransId="{E3CAAA70-690B-43D6-AD4A-610350C2031C}"/>
+    <dgm:cxn modelId="{3F65C4C7-8DE4-4F28-82C5-0662EBCF8C0E}" srcId="{DBD17336-B141-494E-A31C-6EA653EE637A}" destId="{FCE05639-9A34-421D-9FD3-79EEF57498D8}" srcOrd="0" destOrd="0" parTransId="{F3903BDF-F0ED-4A06-8C1B-A96D8DDD8DDC}" sibTransId="{4F6AA9F8-0B5F-499B-AE30-3D935C570E4E}"/>
     <dgm:cxn modelId="{147788A7-2779-456E-B258-73484AAD0795}" type="presOf" srcId="{60FFB2DA-71E2-4B60-8F03-B97F02814FE8}" destId="{41C4E12E-38CD-4528-8DC8-FA3E7A5D033F}" srcOrd="0" destOrd="2" presId="urn:microsoft.com/office/officeart/2009/3/layout/StepUpProcess"/>
     <dgm:cxn modelId="{B8F0145C-8308-460B-8FAB-8B1FBF02104D}" type="presOf" srcId="{8852547F-3DE1-4303-BABC-35751A1FFAA4}" destId="{CB8E302D-B6B3-4357-A38F-1B39E75756AF}" srcOrd="0" destOrd="2" presId="urn:microsoft.com/office/officeart/2009/3/layout/StepUpProcess"/>
-    <dgm:cxn modelId="{F7908085-1A04-433D-B269-85C12971F30D}" type="presOf" srcId="{B4BBFA07-05DD-4CDD-AC39-6342607DC2A1}" destId="{2DE05352-9E55-41AB-8A05-49E73E35CA67}" srcOrd="0" destOrd="0" presId="urn:microsoft.com/office/officeart/2009/3/layout/StepUpProcess"/>
+    <dgm:cxn modelId="{FE91AF71-63CF-490B-BCB5-D34589C9613E}" type="presOf" srcId="{1D2BD1DA-3657-4A8C-9785-D7282AB16A84}" destId="{41C4E12E-38CD-4528-8DC8-FA3E7A5D033F}" srcOrd="0" destOrd="4" presId="urn:microsoft.com/office/officeart/2009/3/layout/StepUpProcess"/>
+    <dgm:cxn modelId="{DA08D63A-B9EE-44A4-92C2-A70A4B6E5A2B}" type="presOf" srcId="{BFAD5C6C-3CCC-47DA-B82A-97A0E60E41A5}" destId="{2DE05352-9E55-41AB-8A05-49E73E35CA67}" srcOrd="0" destOrd="2" presId="urn:microsoft.com/office/officeart/2009/3/layout/StepUpProcess"/>
+    <dgm:cxn modelId="{F1608424-95E6-4187-9F50-C1AB10DFF465}" srcId="{42A7AF39-9F16-4BE0-9691-F2A4EAA889D5}" destId="{6043B0A8-44FC-4706-B37A-7F342ABD7CAE}" srcOrd="2" destOrd="0" parTransId="{D8109DA1-2E16-4DF6-A989-9DA006F96235}" sibTransId="{3B27F8F0-46DD-48CE-89ED-BD65A552898B}"/>
+    <dgm:cxn modelId="{5DFF5E92-6524-4E83-9A7E-3FD2AE1E0B19}" srcId="{42A7AF39-9F16-4BE0-9691-F2A4EAA889D5}" destId="{B4BBFA07-05DD-4CDD-AC39-6342607DC2A1}" srcOrd="0" destOrd="0" parTransId="{4C9357AE-0A8A-4E31-8803-F14E79C0DCAE}" sibTransId="{B652451A-AD6D-4DFA-B925-9D21BB71A0C7}"/>
+    <dgm:cxn modelId="{D4427064-C3A1-4CD7-9480-2E06E0E918CA}" type="presOf" srcId="{AD34B4C5-1A81-4AC6-A5F9-35CC4DC5D843}" destId="{E92E13EE-0FC2-4C6F-B6F9-A9FA123682BA}" srcOrd="0" destOrd="1" presId="urn:microsoft.com/office/officeart/2009/3/layout/StepUpProcess"/>
+    <dgm:cxn modelId="{742F0ED1-DC5E-4FDC-BC68-EC649BA19C45}" srcId="{B4BBFA07-05DD-4CDD-AC39-6342607DC2A1}" destId="{10E407B9-5FCC-4D3A-94D2-6AB25397AEC7}" srcOrd="0" destOrd="0" parTransId="{0560221A-0D57-438B-900A-B03E24CCA932}" sibTransId="{40E49337-7DC0-4E0E-B2C1-5C40A2AD0A26}"/>
+    <dgm:cxn modelId="{59B3A881-E38B-4FAA-A234-B97E25DCFFBB}" type="presOf" srcId="{8693C395-BAA7-449A-ACDD-FFFEEE0DC862}" destId="{E92E13EE-0FC2-4C6F-B6F9-A9FA123682BA}" srcOrd="0" destOrd="2" presId="urn:microsoft.com/office/officeart/2009/3/layout/StepUpProcess"/>
+    <dgm:cxn modelId="{96E1826D-A600-4700-8556-6C6BBEFC9865}" type="presOf" srcId="{DBD17336-B141-494E-A31C-6EA653EE637A}" destId="{CB8E302D-B6B3-4357-A38F-1B39E75756AF}" srcOrd="0" destOrd="0" presId="urn:microsoft.com/office/officeart/2009/3/layout/StepUpProcess"/>
+    <dgm:cxn modelId="{58ECD606-DF49-456C-92CC-3FC995338DA5}" srcId="{182E85C3-C0C1-4055-B42E-08657C1D36EB}" destId="{1E975C45-1647-472C-8812-EFF81A215801}" srcOrd="4" destOrd="0" parTransId="{11DCAC3E-4C2C-4945-B245-E7C69099CB34}" sibTransId="{50A0534A-8921-429F-AEBF-0E0D60438255}"/>
+    <dgm:cxn modelId="{E2E8D555-E2A1-4B5C-B90D-F16299503649}" srcId="{182E85C3-C0C1-4055-B42E-08657C1D36EB}" destId="{DDBD9E0E-2857-478B-9BFD-EB049F36A6F4}" srcOrd="1" destOrd="0" parTransId="{64FDB413-C3BC-4DF0-942B-0162F878BA5B}" sibTransId="{79BD68F6-F4B8-49E3-96CA-A2D68A915F02}"/>
+    <dgm:cxn modelId="{2EFC6ECC-2A1D-49AA-9A00-0D10690547BC}" type="presOf" srcId="{5245D8E1-9FDE-4633-85B7-BE42CD6AA787}" destId="{E92E13EE-0FC2-4C6F-B6F9-A9FA123682BA}" srcOrd="0" destOrd="0" presId="urn:microsoft.com/office/officeart/2009/3/layout/StepUpProcess"/>
+    <dgm:cxn modelId="{FC10460B-50DF-4D26-9442-DC72FF8CB078}" type="presOf" srcId="{42A7AF39-9F16-4BE0-9691-F2A4EAA889D5}" destId="{15924F1D-DFFE-44B8-9A4D-64F79E9D1294}" srcOrd="0" destOrd="0" presId="urn:microsoft.com/office/officeart/2009/3/layout/StepUpProcess"/>
+    <dgm:cxn modelId="{3A2AB074-10D5-4BC7-85E4-CE17B7E60BE3}" type="presOf" srcId="{360394FA-829F-403E-9AF0-5F6CF96DFD1E}" destId="{2DE05352-9E55-41AB-8A05-49E73E35CA67}" srcOrd="0" destOrd="4" presId="urn:microsoft.com/office/officeart/2009/3/layout/StepUpProcess"/>
+    <dgm:cxn modelId="{0AA5296D-0018-4285-B040-A470E27A3E17}" type="presOf" srcId="{3F8391EC-2E89-41BC-979F-48D4E21A811C}" destId="{49408975-06AA-4BDB-97EE-39A2B5B65172}" srcOrd="0" destOrd="3" presId="urn:microsoft.com/office/officeart/2009/3/layout/StepUpProcess"/>
+    <dgm:cxn modelId="{165AFAEA-5E3C-4D2F-B24C-8AB5DB51E1D8}" srcId="{DBD17336-B141-494E-A31C-6EA653EE637A}" destId="{8852547F-3DE1-4303-BABC-35751A1FFAA4}" srcOrd="1" destOrd="0" parTransId="{E3280EF4-38C9-4B21-B7E2-305ED52D9188}" sibTransId="{7EF36CEC-CFA4-4D2A-9ADF-9A92FE46FB8F}"/>
+    <dgm:cxn modelId="{3A080199-5708-4D95-BDC6-677CE1E53018}" srcId="{B4BBFA07-05DD-4CDD-AC39-6342607DC2A1}" destId="{360394FA-829F-403E-9AF0-5F6CF96DFD1E}" srcOrd="3" destOrd="0" parTransId="{A75ACD84-8BFD-4E17-B22A-BCE08E0C1060}" sibTransId="{47CD002A-17EB-41C8-A521-C511E59926EB}"/>
+    <dgm:cxn modelId="{2332A261-0B55-41F1-90E2-7FF6C56C18CE}" type="presOf" srcId="{1E975C45-1647-472C-8812-EFF81A215801}" destId="{49408975-06AA-4BDB-97EE-39A2B5B65172}" srcOrd="0" destOrd="5" presId="urn:microsoft.com/office/officeart/2009/3/layout/StepUpProcess"/>
+    <dgm:cxn modelId="{DECDAAFB-95F9-4E08-902E-357CAE6BE867}" srcId="{42A7AF39-9F16-4BE0-9691-F2A4EAA889D5}" destId="{182E85C3-C0C1-4055-B42E-08657C1D36EB}" srcOrd="1" destOrd="0" parTransId="{0A1F7A6C-A332-4BAC-A0D1-C846CF97F4EC}" sibTransId="{53EC14C8-D3F0-4F81-A9BC-0E03B0043A69}"/>
     <dgm:cxn modelId="{3DE7FD94-D5E7-407C-989B-2C1F91B4CE03}" srcId="{B4BBFA07-05DD-4CDD-AC39-6342607DC2A1}" destId="{27323C3F-7D4E-44F5-9FA3-413CFCD7B174}" srcOrd="2" destOrd="0" parTransId="{18FA00AE-387D-4A8D-981A-94EDEBCA8EC2}" sibTransId="{D4734B30-AB73-4712-B278-2895E8608C4E}"/>
+    <dgm:cxn modelId="{4AA9AB66-BA44-475B-A8A8-30AD54C4CD1A}" srcId="{6043B0A8-44FC-4706-B37A-7F342ABD7CAE}" destId="{1D2BD1DA-3657-4A8C-9785-D7282AB16A84}" srcOrd="3" destOrd="0" parTransId="{13AD18B7-6C9D-4DA5-8CF7-426D68467982}" sibTransId="{5FB73046-B1E2-46DC-A2CC-49B3DBF79A17}"/>
     <dgm:cxn modelId="{F1889F2E-D478-44D1-95C5-34A8B81E679D}" type="presOf" srcId="{ABD30D39-23EC-4FCC-9B13-57D32A82A546}" destId="{41C4E12E-38CD-4528-8DC8-FA3E7A5D033F}" srcOrd="0" destOrd="1" presId="urn:microsoft.com/office/officeart/2009/3/layout/StepUpProcess"/>
-    <dgm:cxn modelId="{96E1826D-A600-4700-8556-6C6BBEFC9865}" type="presOf" srcId="{DBD17336-B141-494E-A31C-6EA653EE637A}" destId="{CB8E302D-B6B3-4357-A38F-1B39E75756AF}" srcOrd="0" destOrd="0" presId="urn:microsoft.com/office/officeart/2009/3/layout/StepUpProcess"/>
-    <dgm:cxn modelId="{DA08D63A-B9EE-44A4-92C2-A70A4B6E5A2B}" type="presOf" srcId="{BFAD5C6C-3CCC-47DA-B82A-97A0E60E41A5}" destId="{2DE05352-9E55-41AB-8A05-49E73E35CA67}" srcOrd="0" destOrd="2" presId="urn:microsoft.com/office/officeart/2009/3/layout/StepUpProcess"/>
-    <dgm:cxn modelId="{E2E8D555-E2A1-4B5C-B90D-F16299503649}" srcId="{182E85C3-C0C1-4055-B42E-08657C1D36EB}" destId="{DDBD9E0E-2857-478B-9BFD-EB049F36A6F4}" srcOrd="1" destOrd="0" parTransId="{64FDB413-C3BC-4DF0-942B-0162F878BA5B}" sibTransId="{79BD68F6-F4B8-49E3-96CA-A2D68A915F02}"/>
-    <dgm:cxn modelId="{B7AD1B12-7AFB-4FDC-9EC7-F852FAC685F4}" type="presOf" srcId="{10E407B9-5FCC-4D3A-94D2-6AB25397AEC7}" destId="{2DE05352-9E55-41AB-8A05-49E73E35CA67}" srcOrd="0" destOrd="1" presId="urn:microsoft.com/office/officeart/2009/3/layout/StepUpProcess"/>
-    <dgm:cxn modelId="{165AFAEA-5E3C-4D2F-B24C-8AB5DB51E1D8}" srcId="{DBD17336-B141-494E-A31C-6EA653EE637A}" destId="{8852547F-3DE1-4303-BABC-35751A1FFAA4}" srcOrd="1" destOrd="0" parTransId="{E3280EF4-38C9-4B21-B7E2-305ED52D9188}" sibTransId="{7EF36CEC-CFA4-4D2A-9ADF-9A92FE46FB8F}"/>
-    <dgm:cxn modelId="{D4427064-C3A1-4CD7-9480-2E06E0E918CA}" type="presOf" srcId="{AD34B4C5-1A81-4AC6-A5F9-35CC4DC5D843}" destId="{E92E13EE-0FC2-4C6F-B6F9-A9FA123682BA}" srcOrd="0" destOrd="1" presId="urn:microsoft.com/office/officeart/2009/3/layout/StepUpProcess"/>
-    <dgm:cxn modelId="{2332A261-0B55-41F1-90E2-7FF6C56C18CE}" type="presOf" srcId="{1E975C45-1647-472C-8812-EFF81A215801}" destId="{49408975-06AA-4BDB-97EE-39A2B5B65172}" srcOrd="0" destOrd="5" presId="urn:microsoft.com/office/officeart/2009/3/layout/StepUpProcess"/>
+    <dgm:cxn modelId="{16CC829F-DE06-4051-9B19-2D0E545FC101}" type="presOf" srcId="{A967B292-09E8-4E01-8A94-A81D6D92DBDD}" destId="{41C4E12E-38CD-4528-8DC8-FA3E7A5D033F}" srcOrd="0" destOrd="3" presId="urn:microsoft.com/office/officeart/2009/3/layout/StepUpProcess"/>
+    <dgm:cxn modelId="{80A6A1ED-969B-42DE-82DC-502731430260}" type="presOf" srcId="{6043B0A8-44FC-4706-B37A-7F342ABD7CAE}" destId="{41C4E12E-38CD-4528-8DC8-FA3E7A5D033F}" srcOrd="0" destOrd="0" presId="urn:microsoft.com/office/officeart/2009/3/layout/StepUpProcess"/>
+    <dgm:cxn modelId="{8ABCB6FD-1737-423C-93EC-40BB9C7CF745}" type="presOf" srcId="{27323C3F-7D4E-44F5-9FA3-413CFCD7B174}" destId="{2DE05352-9E55-41AB-8A05-49E73E35CA67}" srcOrd="0" destOrd="3" presId="urn:microsoft.com/office/officeart/2009/3/layout/StepUpProcess"/>
     <dgm:cxn modelId="{2EA9FA6D-82C5-4D6D-96E2-190B9F45C64F}" type="presOf" srcId="{DDBD9E0E-2857-478B-9BFD-EB049F36A6F4}" destId="{49408975-06AA-4BDB-97EE-39A2B5B65172}" srcOrd="0" destOrd="2" presId="urn:microsoft.com/office/officeart/2009/3/layout/StepUpProcess"/>
     <dgm:cxn modelId="{C2E7BCFE-AD34-4091-A98F-E1ADE8B86F48}" type="presOf" srcId="{124AB731-44F7-42FC-A2C7-6A103755875A}" destId="{49408975-06AA-4BDB-97EE-39A2B5B65172}" srcOrd="0" destOrd="4" presId="urn:microsoft.com/office/officeart/2009/3/layout/StepUpProcess"/>
-    <dgm:cxn modelId="{5647984F-2F20-4C53-AFA6-A50F0B2D982A}" srcId="{42A7AF39-9F16-4BE0-9691-F2A4EAA889D5}" destId="{5245D8E1-9FDE-4633-85B7-BE42CD6AA787}" srcOrd="4" destOrd="0" parTransId="{55F15053-25F4-4161-BCA1-92DDB4FB32E9}" sibTransId="{B0D58DB8-A061-4E28-A244-8F898564CBF4}"/>
-    <dgm:cxn modelId="{2198E06B-EBEE-42F2-BF31-52AD13E73BC6}" srcId="{42A7AF39-9F16-4BE0-9691-F2A4EAA889D5}" destId="{DBD17336-B141-494E-A31C-6EA653EE637A}" srcOrd="3" destOrd="0" parTransId="{09A6F55D-0974-44D2-B12D-48E16F3D0029}" sibTransId="{A6141C16-1C65-42F9-8DF0-A27738FE79EE}"/>
-    <dgm:cxn modelId="{99EA9B64-3C5A-473B-A35C-FDA18DD70345}" type="presOf" srcId="{2739C324-A41E-4970-8A01-796A2C795ACC}" destId="{49408975-06AA-4BDB-97EE-39A2B5B65172}" srcOrd="0" destOrd="1" presId="urn:microsoft.com/office/officeart/2009/3/layout/StepUpProcess"/>
+    <dgm:cxn modelId="{B317833C-6656-437C-8CFB-9E1078BA4F7B}" srcId="{B4BBFA07-05DD-4CDD-AC39-6342607DC2A1}" destId="{BFAD5C6C-3CCC-47DA-B82A-97A0E60E41A5}" srcOrd="1" destOrd="0" parTransId="{2AC788DB-883E-4B3F-8E32-FB8F2C3C80B9}" sibTransId="{0A4F5D0E-4864-4480-8E69-940E5490226B}"/>
     <dgm:cxn modelId="{4136FEBA-F98C-4772-9D11-CF2BB82C9521}" type="presOf" srcId="{182E85C3-C0C1-4055-B42E-08657C1D36EB}" destId="{49408975-06AA-4BDB-97EE-39A2B5B65172}" srcOrd="0" destOrd="0" presId="urn:microsoft.com/office/officeart/2009/3/layout/StepUpProcess"/>
-    <dgm:cxn modelId="{0AA5296D-0018-4285-B040-A470E27A3E17}" type="presOf" srcId="{3F8391EC-2E89-41BC-979F-48D4E21A811C}" destId="{49408975-06AA-4BDB-97EE-39A2B5B65172}" srcOrd="0" destOrd="3" presId="urn:microsoft.com/office/officeart/2009/3/layout/StepUpProcess"/>
-    <dgm:cxn modelId="{3A2AB074-10D5-4BC7-85E4-CE17B7E60BE3}" type="presOf" srcId="{360394FA-829F-403E-9AF0-5F6CF96DFD1E}" destId="{2DE05352-9E55-41AB-8A05-49E73E35CA67}" srcOrd="0" destOrd="4" presId="urn:microsoft.com/office/officeart/2009/3/layout/StepUpProcess"/>
-    <dgm:cxn modelId="{5DFF5E92-6524-4E83-9A7E-3FD2AE1E0B19}" srcId="{42A7AF39-9F16-4BE0-9691-F2A4EAA889D5}" destId="{B4BBFA07-05DD-4CDD-AC39-6342607DC2A1}" srcOrd="0" destOrd="0" parTransId="{4C9357AE-0A8A-4E31-8803-F14E79C0DCAE}" sibTransId="{B652451A-AD6D-4DFA-B925-9D21BB71A0C7}"/>
-    <dgm:cxn modelId="{2EFC6ECC-2A1D-49AA-9A00-0D10690547BC}" type="presOf" srcId="{5245D8E1-9FDE-4633-85B7-BE42CD6AA787}" destId="{E92E13EE-0FC2-4C6F-B6F9-A9FA123682BA}" srcOrd="0" destOrd="0" presId="urn:microsoft.com/office/officeart/2009/3/layout/StepUpProcess"/>
-    <dgm:cxn modelId="{9423DADA-472C-41D9-88AD-46BB03D27D4E}" srcId="{6043B0A8-44FC-4706-B37A-7F342ABD7CAE}" destId="{ABD30D39-23EC-4FCC-9B13-57D32A82A546}" srcOrd="0" destOrd="0" parTransId="{C5A94903-DF8D-4907-A3E8-951CE956DA5D}" sibTransId="{3EF7BC8F-673B-4ADA-9436-138C06DF52D8}"/>
-    <dgm:cxn modelId="{3A080199-5708-4D95-BDC6-677CE1E53018}" srcId="{B4BBFA07-05DD-4CDD-AC39-6342607DC2A1}" destId="{360394FA-829F-403E-9AF0-5F6CF96DFD1E}" srcOrd="3" destOrd="0" parTransId="{A75ACD84-8BFD-4E17-B22A-BCE08E0C1060}" sibTransId="{47CD002A-17EB-41C8-A521-C511E59926EB}"/>
-    <dgm:cxn modelId="{FEA06E14-6714-460E-A2C4-76AF673D96B2}" srcId="{6043B0A8-44FC-4706-B37A-7F342ABD7CAE}" destId="{A967B292-09E8-4E01-8A94-A81D6D92DBDD}" srcOrd="2" destOrd="0" parTransId="{83978787-CABD-419D-BEFF-2326C86E307F}" sibTransId="{966BBEAF-F424-4C1B-9F50-D3530EDBD3F4}"/>
-    <dgm:cxn modelId="{929DDD9F-A144-4496-902C-7A0CEA79C4C8}" srcId="{5245D8E1-9FDE-4633-85B7-BE42CD6AA787}" destId="{8693C395-BAA7-449A-ACDD-FFFEEE0DC862}" srcOrd="1" destOrd="0" parTransId="{0DB5F330-DE96-4670-8EFA-8B7B45CEA34D}" sibTransId="{87BE7E65-1B97-4314-AB36-B212E2476EE6}"/>
-    <dgm:cxn modelId="{4AA9AB66-BA44-475B-A8A8-30AD54C4CD1A}" srcId="{6043B0A8-44FC-4706-B37A-7F342ABD7CAE}" destId="{1D2BD1DA-3657-4A8C-9785-D7282AB16A84}" srcOrd="3" destOrd="0" parTransId="{13AD18B7-6C9D-4DA5-8CF7-426D68467982}" sibTransId="{5FB73046-B1E2-46DC-A2CC-49B3DBF79A17}"/>
-    <dgm:cxn modelId="{FE91AF71-63CF-490B-BCB5-D34589C9613E}" type="presOf" srcId="{1D2BD1DA-3657-4A8C-9785-D7282AB16A84}" destId="{41C4E12E-38CD-4528-8DC8-FA3E7A5D033F}" srcOrd="0" destOrd="4" presId="urn:microsoft.com/office/officeart/2009/3/layout/StepUpProcess"/>
-    <dgm:cxn modelId="{8130EFA1-7C19-4707-918B-EBD61B992DC1}" srcId="{182E85C3-C0C1-4055-B42E-08657C1D36EB}" destId="{2739C324-A41E-4970-8A01-796A2C795ACC}" srcOrd="0" destOrd="0" parTransId="{34EABE2C-343C-4A99-94EF-992C7B2864FB}" sibTransId="{E3CAAA70-690B-43D6-AD4A-610350C2031C}"/>
-    <dgm:cxn modelId="{16CC829F-DE06-4051-9B19-2D0E545FC101}" type="presOf" srcId="{A967B292-09E8-4E01-8A94-A81D6D92DBDD}" destId="{41C4E12E-38CD-4528-8DC8-FA3E7A5D033F}" srcOrd="0" destOrd="3" presId="urn:microsoft.com/office/officeart/2009/3/layout/StepUpProcess"/>
-    <dgm:cxn modelId="{80A6A1ED-969B-42DE-82DC-502731430260}" type="presOf" srcId="{6043B0A8-44FC-4706-B37A-7F342ABD7CAE}" destId="{41C4E12E-38CD-4528-8DC8-FA3E7A5D033F}" srcOrd="0" destOrd="0" presId="urn:microsoft.com/office/officeart/2009/3/layout/StepUpProcess"/>
     <dgm:cxn modelId="{6595E131-DCFC-4660-A166-B06A9C58E5A3}" srcId="{182E85C3-C0C1-4055-B42E-08657C1D36EB}" destId="{124AB731-44F7-42FC-A2C7-6A103755875A}" srcOrd="3" destOrd="0" parTransId="{903CC23E-A10B-484A-8A4F-24054DDF4137}" sibTransId="{C0BE0EF1-E06D-43E6-AF12-3CA2033E2AE2}"/>
     <dgm:cxn modelId="{2B5E4E51-EEF5-4BB3-97DE-EBD9B45E11FF}" type="presOf" srcId="{FCE05639-9A34-421D-9FD3-79EEF57498D8}" destId="{CB8E302D-B6B3-4357-A38F-1B39E75756AF}" srcOrd="0" destOrd="1" presId="urn:microsoft.com/office/officeart/2009/3/layout/StepUpProcess"/>
-    <dgm:cxn modelId="{59B3A881-E38B-4FAA-A234-B97E25DCFFBB}" type="presOf" srcId="{8693C395-BAA7-449A-ACDD-FFFEEE0DC862}" destId="{E92E13EE-0FC2-4C6F-B6F9-A9FA123682BA}" srcOrd="0" destOrd="2" presId="urn:microsoft.com/office/officeart/2009/3/layout/StepUpProcess"/>
+    <dgm:cxn modelId="{F7908085-1A04-433D-B269-85C12971F30D}" type="presOf" srcId="{B4BBFA07-05DD-4CDD-AC39-6342607DC2A1}" destId="{2DE05352-9E55-41AB-8A05-49E73E35CA67}" srcOrd="0" destOrd="0" presId="urn:microsoft.com/office/officeart/2009/3/layout/StepUpProcess"/>
+    <dgm:cxn modelId="{929DDD9F-A144-4496-902C-7A0CEA79C4C8}" srcId="{5245D8E1-9FDE-4633-85B7-BE42CD6AA787}" destId="{8693C395-BAA7-449A-ACDD-FFFEEE0DC862}" srcOrd="1" destOrd="0" parTransId="{0DB5F330-DE96-4670-8EFA-8B7B45CEA34D}" sibTransId="{87BE7E65-1B97-4314-AB36-B212E2476EE6}"/>
+    <dgm:cxn modelId="{99EA9B64-3C5A-473B-A35C-FDA18DD70345}" type="presOf" srcId="{2739C324-A41E-4970-8A01-796A2C795ACC}" destId="{49408975-06AA-4BDB-97EE-39A2B5B65172}" srcOrd="0" destOrd="1" presId="urn:microsoft.com/office/officeart/2009/3/layout/StepUpProcess"/>
     <dgm:cxn modelId="{1ADAA526-6B24-45CB-89D0-518E04A3D93F}" srcId="{182E85C3-C0C1-4055-B42E-08657C1D36EB}" destId="{3F8391EC-2E89-41BC-979F-48D4E21A811C}" srcOrd="2" destOrd="0" parTransId="{E9716149-5B95-4904-8590-6A93EE8C5197}" sibTransId="{BFA852D6-66A0-4365-B195-CB67CFDCDE73}"/>
-    <dgm:cxn modelId="{B317833C-6656-437C-8CFB-9E1078BA4F7B}" srcId="{B4BBFA07-05DD-4CDD-AC39-6342607DC2A1}" destId="{BFAD5C6C-3CCC-47DA-B82A-97A0E60E41A5}" srcOrd="1" destOrd="0" parTransId="{2AC788DB-883E-4B3F-8E32-FB8F2C3C80B9}" sibTransId="{0A4F5D0E-4864-4480-8E69-940E5490226B}"/>
-    <dgm:cxn modelId="{3F65C4C7-8DE4-4F28-82C5-0662EBCF8C0E}" srcId="{DBD17336-B141-494E-A31C-6EA653EE637A}" destId="{FCE05639-9A34-421D-9FD3-79EEF57498D8}" srcOrd="0" destOrd="0" parTransId="{F3903BDF-F0ED-4A06-8C1B-A96D8DDD8DDC}" sibTransId="{4F6AA9F8-0B5F-499B-AE30-3D935C570E4E}"/>
+    <dgm:cxn modelId="{5647984F-2F20-4C53-AFA6-A50F0B2D982A}" srcId="{42A7AF39-9F16-4BE0-9691-F2A4EAA889D5}" destId="{5245D8E1-9FDE-4633-85B7-BE42CD6AA787}" srcOrd="4" destOrd="0" parTransId="{55F15053-25F4-4161-BCA1-92DDB4FB32E9}" sibTransId="{B0D58DB8-A061-4E28-A244-8F898564CBF4}"/>
     <dgm:cxn modelId="{24BACCAC-AE3B-4A99-B678-9387F463D2EF}" srcId="{6043B0A8-44FC-4706-B37A-7F342ABD7CAE}" destId="{60FFB2DA-71E2-4B60-8F03-B97F02814FE8}" srcOrd="1" destOrd="0" parTransId="{F5495816-0C9E-4B5B-A238-F565E58D7803}" sibTransId="{D06C6867-E1BA-43A9-A6CE-AE88C2CD94FD}"/>
+    <dgm:cxn modelId="{FEA06E14-6714-460E-A2C4-76AF673D96B2}" srcId="{6043B0A8-44FC-4706-B37A-7F342ABD7CAE}" destId="{A967B292-09E8-4E01-8A94-A81D6D92DBDD}" srcOrd="2" destOrd="0" parTransId="{83978787-CABD-419D-BEFF-2326C86E307F}" sibTransId="{966BBEAF-F424-4C1B-9F50-D3530EDBD3F4}"/>
+    <dgm:cxn modelId="{B7AD1B12-7AFB-4FDC-9EC7-F852FAC685F4}" type="presOf" srcId="{10E407B9-5FCC-4D3A-94D2-6AB25397AEC7}" destId="{2DE05352-9E55-41AB-8A05-49E73E35CA67}" srcOrd="0" destOrd="1" presId="urn:microsoft.com/office/officeart/2009/3/layout/StepUpProcess"/>
     <dgm:cxn modelId="{549CF814-C607-4921-A024-5CFAC5637540}" srcId="{5245D8E1-9FDE-4633-85B7-BE42CD6AA787}" destId="{AD34B4C5-1A81-4AC6-A5F9-35CC4DC5D843}" srcOrd="0" destOrd="0" parTransId="{FD6F77B6-DA9F-491F-B649-F16E90DA55B0}" sibTransId="{8B95582E-B691-45DD-8D9C-114E0B7A4E01}"/>
-    <dgm:cxn modelId="{F1608424-95E6-4187-9F50-C1AB10DFF465}" srcId="{42A7AF39-9F16-4BE0-9691-F2A4EAA889D5}" destId="{6043B0A8-44FC-4706-B37A-7F342ABD7CAE}" srcOrd="2" destOrd="0" parTransId="{D8109DA1-2E16-4DF6-A989-9DA006F96235}" sibTransId="{3B27F8F0-46DD-48CE-89ED-BD65A552898B}"/>
-    <dgm:cxn modelId="{8ABCB6FD-1737-423C-93EC-40BB9C7CF745}" type="presOf" srcId="{27323C3F-7D4E-44F5-9FA3-413CFCD7B174}" destId="{2DE05352-9E55-41AB-8A05-49E73E35CA67}" srcOrd="0" destOrd="3" presId="urn:microsoft.com/office/officeart/2009/3/layout/StepUpProcess"/>
-    <dgm:cxn modelId="{58ECD606-DF49-456C-92CC-3FC995338DA5}" srcId="{182E85C3-C0C1-4055-B42E-08657C1D36EB}" destId="{1E975C45-1647-472C-8812-EFF81A215801}" srcOrd="4" destOrd="0" parTransId="{11DCAC3E-4C2C-4945-B245-E7C69099CB34}" sibTransId="{50A0534A-8921-429F-AEBF-0E0D60438255}"/>
-    <dgm:cxn modelId="{FC10460B-50DF-4D26-9442-DC72FF8CB078}" type="presOf" srcId="{42A7AF39-9F16-4BE0-9691-F2A4EAA889D5}" destId="{15924F1D-DFFE-44B8-9A4D-64F79E9D1294}" srcOrd="0" destOrd="0" presId="urn:microsoft.com/office/officeart/2009/3/layout/StepUpProcess"/>
-    <dgm:cxn modelId="{742F0ED1-DC5E-4FDC-BC68-EC649BA19C45}" srcId="{B4BBFA07-05DD-4CDD-AC39-6342607DC2A1}" destId="{10E407B9-5FCC-4D3A-94D2-6AB25397AEC7}" srcOrd="0" destOrd="0" parTransId="{0560221A-0D57-438B-900A-B03E24CCA932}" sibTransId="{40E49337-7DC0-4E0E-B2C1-5C40A2AD0A26}"/>
-    <dgm:cxn modelId="{DECDAAFB-95F9-4E08-902E-357CAE6BE867}" srcId="{42A7AF39-9F16-4BE0-9691-F2A4EAA889D5}" destId="{182E85C3-C0C1-4055-B42E-08657C1D36EB}" srcOrd="1" destOrd="0" parTransId="{0A1F7A6C-A332-4BAC-A0D1-C846CF97F4EC}" sibTransId="{53EC14C8-D3F0-4F81-A9BC-0E03B0043A69}"/>
+    <dgm:cxn modelId="{9423DADA-472C-41D9-88AD-46BB03D27D4E}" srcId="{6043B0A8-44FC-4706-B37A-7F342ABD7CAE}" destId="{ABD30D39-23EC-4FCC-9B13-57D32A82A546}" srcOrd="0" destOrd="0" parTransId="{C5A94903-DF8D-4907-A3E8-951CE956DA5D}" sibTransId="{3EF7BC8F-673B-4ADA-9436-138C06DF52D8}"/>
+    <dgm:cxn modelId="{2198E06B-EBEE-42F2-BF31-52AD13E73BC6}" srcId="{42A7AF39-9F16-4BE0-9691-F2A4EAA889D5}" destId="{DBD17336-B141-494E-A31C-6EA653EE637A}" srcOrd="3" destOrd="0" parTransId="{09A6F55D-0974-44D2-B12D-48E16F3D0029}" sibTransId="{A6141C16-1C65-42F9-8DF0-A27738FE79EE}"/>
     <dgm:cxn modelId="{A72DAA56-5984-476C-B5C1-B5B57F220272}" type="presParOf" srcId="{15924F1D-DFFE-44B8-9A4D-64F79E9D1294}" destId="{BB78FA45-E9B1-4CCB-B3B1-6CFA0CEF3944}" srcOrd="0" destOrd="0" presId="urn:microsoft.com/office/officeart/2009/3/layout/StepUpProcess"/>
     <dgm:cxn modelId="{8A6F381A-1796-4BC5-8508-5CF7C9E6D2EA}" type="presParOf" srcId="{BB78FA45-E9B1-4CCB-B3B1-6CFA0CEF3944}" destId="{3EAD6723-0198-42FA-A966-C636D421C4A3}" srcOrd="0" destOrd="0" presId="urn:microsoft.com/office/officeart/2009/3/layout/StepUpProcess"/>
     <dgm:cxn modelId="{1582D3C5-6EEE-4DE9-8525-A6F88042F966}" type="presParOf" srcId="{BB78FA45-E9B1-4CCB-B3B1-6CFA0CEF3944}" destId="{2DE05352-9E55-41AB-8A05-49E73E35CA67}" srcOrd="1" destOrd="0" presId="urn:microsoft.com/office/officeart/2009/3/layout/StepUpProcess"/>
@@ -2046,14 +2046,14 @@
   <dgm:whole/>
   <dgm:extLst>
     <a:ext uri="http://schemas.microsoft.com/office/drawing/2008/diagram">
-      <dsp:dataModelExt xmlns:dsp="http://schemas.microsoft.com/office/drawing/2008/diagram" relId="rId7" minVer="http://schemas.openxmlformats.org/drawingml/2006/diagram"/>
+      <dsp:dataModelExt xmlns:dsp="http://schemas.microsoft.com/office/drawing/2008/diagram" xmlns="" relId="rId7" minVer="http://schemas.openxmlformats.org/drawingml/2006/diagram"/>
     </a:ext>
   </dgm:extLst>
 </dgm:dataModel>
 </file>
 
 <file path=ppt/diagrams/drawing1.xml><?xml version="1.0" encoding="utf-8"?>
-<dsp:drawing xmlns:dgm="http://schemas.openxmlformats.org/drawingml/2006/diagram" xmlns:dsp="http://schemas.microsoft.com/office/drawing/2008/diagram" xmlns:a="http://schemas.openxmlformats.org/drawingml/2006/main">
+<dsp:drawing xmlns:dgm="http://schemas.openxmlformats.org/drawingml/2006/diagram" xmlns:a="http://schemas.openxmlformats.org/drawingml/2006/main" xmlns:dsp="http://schemas.microsoft.com/office/drawing/2008/diagram">
   <dsp:spTree>
     <dsp:nvGrpSpPr>
       <dsp:cNvPr id="0" name=""/>
@@ -4531,6 +4531,7 @@
           <a:p>
             <a:fld id="{6DE7D471-23B3-46CB-9C19-FE802EC31550}" type="datetimeFigureOut">
               <a:rPr lang="de-DE" smtClean="0"/>
+              <a:pPr/>
               <a:t>28.10.2013</a:t>
             </a:fld>
             <a:endParaRPr lang="de-DE"/>
@@ -4597,6 +4598,7 @@
           <a:p>
             <a:fld id="{B98083F0-1712-4E93-A331-34AE89DA1ED0}" type="slidenum">
               <a:rPr lang="de-DE" smtClean="0"/>
+              <a:pPr/>
               <a:t>‹Nr.›</a:t>
             </a:fld>
             <a:endParaRPr lang="de-DE"/>
@@ -4606,7 +4608,7 @@
     </p:spTree>
     <p:extLst>
       <p:ext uri="{BB962C8B-B14F-4D97-AF65-F5344CB8AC3E}">
-        <p14:creationId xmlns:p14="http://schemas.microsoft.com/office/powerpoint/2010/main" val="4293457334"/>
+        <p14:creationId xmlns:p14="http://schemas.microsoft.com/office/powerpoint/2010/main" xmlns="" val="4293457334"/>
       </p:ext>
     </p:extLst>
   </p:cSld>
@@ -4696,6 +4698,7 @@
           <a:p>
             <a:fld id="{F8ADFA6A-A181-4216-B4EE-F250058645E3}" type="datetimeFigureOut">
               <a:rPr lang="de-DE" smtClean="0"/>
+              <a:pPr/>
               <a:t>28.10.2013</a:t>
             </a:fld>
             <a:endParaRPr lang="de-DE"/>
@@ -4855,6 +4858,7 @@
           <a:p>
             <a:fld id="{72841C41-988A-40D2-BD42-D850E09ED2B7}" type="slidenum">
               <a:rPr lang="de-DE" smtClean="0"/>
+              <a:pPr/>
               <a:t>‹Nr.›</a:t>
             </a:fld>
             <a:endParaRPr lang="de-DE"/>
@@ -4864,7 +4868,7 @@
     </p:spTree>
     <p:extLst>
       <p:ext uri="{BB962C8B-B14F-4D97-AF65-F5344CB8AC3E}">
-        <p14:creationId xmlns:p14="http://schemas.microsoft.com/office/powerpoint/2010/main" val="2981845176"/>
+        <p14:creationId xmlns:p14="http://schemas.microsoft.com/office/powerpoint/2010/main" xmlns="" val="2981845176"/>
       </p:ext>
     </p:extLst>
   </p:cSld>
@@ -5033,6 +5037,7 @@
           <a:p>
             <a:fld id="{72841C41-988A-40D2-BD42-D850E09ED2B7}" type="slidenum">
               <a:rPr lang="de-DE" smtClean="0"/>
+              <a:pPr/>
               <a:t>1</a:t>
             </a:fld>
             <a:endParaRPr lang="de-DE"/>
@@ -5042,7 +5047,7 @@
     </p:spTree>
     <p:extLst>
       <p:ext uri="{BB962C8B-B14F-4D97-AF65-F5344CB8AC3E}">
-        <p14:creationId xmlns:p14="http://schemas.microsoft.com/office/powerpoint/2010/main" val="3072081027"/>
+        <p14:creationId xmlns:p14="http://schemas.microsoft.com/office/powerpoint/2010/main" xmlns="" val="3072081027"/>
       </p:ext>
     </p:extLst>
   </p:cSld>
@@ -5125,6 +5130,7 @@
           <a:p>
             <a:fld id="{72841C41-988A-40D2-BD42-D850E09ED2B7}" type="slidenum">
               <a:rPr lang="de-DE" smtClean="0"/>
+              <a:pPr/>
               <a:t>10</a:t>
             </a:fld>
             <a:endParaRPr lang="de-DE"/>
@@ -5134,7 +5140,7 @@
     </p:spTree>
     <p:extLst>
       <p:ext uri="{BB962C8B-B14F-4D97-AF65-F5344CB8AC3E}">
-        <p14:creationId xmlns:p14="http://schemas.microsoft.com/office/powerpoint/2010/main" val="2009034880"/>
+        <p14:creationId xmlns:p14="http://schemas.microsoft.com/office/powerpoint/2010/main" xmlns="" val="2009034880"/>
       </p:ext>
     </p:extLst>
   </p:cSld>
@@ -5213,6 +5219,7 @@
           <a:p>
             <a:fld id="{72841C41-988A-40D2-BD42-D850E09ED2B7}" type="slidenum">
               <a:rPr lang="de-DE" smtClean="0"/>
+              <a:pPr/>
               <a:t>11</a:t>
             </a:fld>
             <a:endParaRPr lang="de-DE"/>
@@ -5222,7 +5229,7 @@
     </p:spTree>
     <p:extLst>
       <p:ext uri="{BB962C8B-B14F-4D97-AF65-F5344CB8AC3E}">
-        <p14:creationId xmlns:p14="http://schemas.microsoft.com/office/powerpoint/2010/main" val="471274584"/>
+        <p14:creationId xmlns:p14="http://schemas.microsoft.com/office/powerpoint/2010/main" xmlns="" val="471274584"/>
       </p:ext>
     </p:extLst>
   </p:cSld>
@@ -5301,6 +5308,7 @@
           <a:p>
             <a:fld id="{72841C41-988A-40D2-BD42-D850E09ED2B7}" type="slidenum">
               <a:rPr lang="de-DE" smtClean="0"/>
+              <a:pPr/>
               <a:t>12</a:t>
             </a:fld>
             <a:endParaRPr lang="de-DE"/>
@@ -5310,7 +5318,7 @@
     </p:spTree>
     <p:extLst>
       <p:ext uri="{BB962C8B-B14F-4D97-AF65-F5344CB8AC3E}">
-        <p14:creationId xmlns:p14="http://schemas.microsoft.com/office/powerpoint/2010/main" val="3859340865"/>
+        <p14:creationId xmlns:p14="http://schemas.microsoft.com/office/powerpoint/2010/main" xmlns="" val="3859340865"/>
       </p:ext>
     </p:extLst>
   </p:cSld>
@@ -5389,6 +5397,7 @@
           <a:p>
             <a:fld id="{72841C41-988A-40D2-BD42-D850E09ED2B7}" type="slidenum">
               <a:rPr lang="de-DE" smtClean="0"/>
+              <a:pPr/>
               <a:t>13</a:t>
             </a:fld>
             <a:endParaRPr lang="de-DE"/>
@@ -5398,7 +5407,7 @@
     </p:spTree>
     <p:extLst>
       <p:ext uri="{BB962C8B-B14F-4D97-AF65-F5344CB8AC3E}">
-        <p14:creationId xmlns:p14="http://schemas.microsoft.com/office/powerpoint/2010/main" val="2310265331"/>
+        <p14:creationId xmlns:p14="http://schemas.microsoft.com/office/powerpoint/2010/main" xmlns="" val="2310265331"/>
       </p:ext>
     </p:extLst>
   </p:cSld>
@@ -5477,6 +5486,7 @@
           <a:p>
             <a:fld id="{72841C41-988A-40D2-BD42-D850E09ED2B7}" type="slidenum">
               <a:rPr lang="de-DE" smtClean="0"/>
+              <a:pPr/>
               <a:t>14</a:t>
             </a:fld>
             <a:endParaRPr lang="de-DE"/>
@@ -5486,7 +5496,7 @@
     </p:spTree>
     <p:extLst>
       <p:ext uri="{BB962C8B-B14F-4D97-AF65-F5344CB8AC3E}">
-        <p14:creationId xmlns:p14="http://schemas.microsoft.com/office/powerpoint/2010/main" val="199634551"/>
+        <p14:creationId xmlns:p14="http://schemas.microsoft.com/office/powerpoint/2010/main" xmlns="" val="199634551"/>
       </p:ext>
     </p:extLst>
   </p:cSld>
@@ -5569,6 +5579,7 @@
           <a:p>
             <a:fld id="{72841C41-988A-40D2-BD42-D850E09ED2B7}" type="slidenum">
               <a:rPr lang="de-DE" smtClean="0"/>
+              <a:pPr/>
               <a:t>27</a:t>
             </a:fld>
             <a:endParaRPr lang="de-DE"/>
@@ -5578,7 +5589,7 @@
     </p:spTree>
     <p:extLst>
       <p:ext uri="{BB962C8B-B14F-4D97-AF65-F5344CB8AC3E}">
-        <p14:creationId xmlns:p14="http://schemas.microsoft.com/office/powerpoint/2010/main" val="1602375425"/>
+        <p14:creationId xmlns:p14="http://schemas.microsoft.com/office/powerpoint/2010/main" xmlns="" val="1602375425"/>
       </p:ext>
     </p:extLst>
   </p:cSld>
@@ -5653,6 +5664,7 @@
           <a:p>
             <a:fld id="{72841C41-988A-40D2-BD42-D850E09ED2B7}" type="slidenum">
               <a:rPr lang="de-DE" smtClean="0"/>
+              <a:pPr/>
               <a:t>30</a:t>
             </a:fld>
             <a:endParaRPr lang="de-DE"/>
@@ -5662,7 +5674,7 @@
     </p:spTree>
     <p:extLst>
       <p:ext uri="{BB962C8B-B14F-4D97-AF65-F5344CB8AC3E}">
-        <p14:creationId xmlns:p14="http://schemas.microsoft.com/office/powerpoint/2010/main" val="1794501352"/>
+        <p14:creationId xmlns:p14="http://schemas.microsoft.com/office/powerpoint/2010/main" xmlns="" val="1794501352"/>
       </p:ext>
     </p:extLst>
   </p:cSld>
@@ -5737,6 +5749,7 @@
           <a:p>
             <a:fld id="{72841C41-988A-40D2-BD42-D850E09ED2B7}" type="slidenum">
               <a:rPr lang="de-DE" smtClean="0"/>
+              <a:pPr/>
               <a:t>31</a:t>
             </a:fld>
             <a:endParaRPr lang="de-DE"/>
@@ -5746,7 +5759,7 @@
     </p:spTree>
     <p:extLst>
       <p:ext uri="{BB962C8B-B14F-4D97-AF65-F5344CB8AC3E}">
-        <p14:creationId xmlns:p14="http://schemas.microsoft.com/office/powerpoint/2010/main" val="337020109"/>
+        <p14:creationId xmlns:p14="http://schemas.microsoft.com/office/powerpoint/2010/main" xmlns="" val="337020109"/>
       </p:ext>
     </p:extLst>
   </p:cSld>
@@ -5821,6 +5834,7 @@
           <a:p>
             <a:fld id="{72841C41-988A-40D2-BD42-D850E09ED2B7}" type="slidenum">
               <a:rPr lang="de-DE" smtClean="0"/>
+              <a:pPr/>
               <a:t>47</a:t>
             </a:fld>
             <a:endParaRPr lang="de-DE"/>
@@ -5830,7 +5844,7 @@
     </p:spTree>
     <p:extLst>
       <p:ext uri="{BB962C8B-B14F-4D97-AF65-F5344CB8AC3E}">
-        <p14:creationId xmlns:p14="http://schemas.microsoft.com/office/powerpoint/2010/main" val="2781132002"/>
+        <p14:creationId xmlns:p14="http://schemas.microsoft.com/office/powerpoint/2010/main" xmlns="" val="2781132002"/>
       </p:ext>
     </p:extLst>
   </p:cSld>
@@ -5909,6 +5923,7 @@
           <a:p>
             <a:fld id="{72841C41-988A-40D2-BD42-D850E09ED2B7}" type="slidenum">
               <a:rPr lang="de-DE" smtClean="0"/>
+              <a:pPr/>
               <a:t>2</a:t>
             </a:fld>
             <a:endParaRPr lang="de-DE"/>
@@ -5918,7 +5933,7 @@
     </p:spTree>
     <p:extLst>
       <p:ext uri="{BB962C8B-B14F-4D97-AF65-F5344CB8AC3E}">
-        <p14:creationId xmlns:p14="http://schemas.microsoft.com/office/powerpoint/2010/main" val="2997718527"/>
+        <p14:creationId xmlns:p14="http://schemas.microsoft.com/office/powerpoint/2010/main" xmlns="" val="2997718527"/>
       </p:ext>
     </p:extLst>
   </p:cSld>
@@ -5997,6 +6012,7 @@
           <a:p>
             <a:fld id="{72841C41-988A-40D2-BD42-D850E09ED2B7}" type="slidenum">
               <a:rPr lang="de-DE" smtClean="0"/>
+              <a:pPr/>
               <a:t>3</a:t>
             </a:fld>
             <a:endParaRPr lang="de-DE"/>
@@ -6006,7 +6022,7 @@
     </p:spTree>
     <p:extLst>
       <p:ext uri="{BB962C8B-B14F-4D97-AF65-F5344CB8AC3E}">
-        <p14:creationId xmlns:p14="http://schemas.microsoft.com/office/powerpoint/2010/main" val="358048833"/>
+        <p14:creationId xmlns:p14="http://schemas.microsoft.com/office/powerpoint/2010/main" xmlns="" val="358048833"/>
       </p:ext>
     </p:extLst>
   </p:cSld>
@@ -6071,11 +6087,7 @@
           <a:p>
             <a:r>
               <a:rPr lang="de-DE" dirty="0" smtClean="0"/>
-              <a:t>Datenbank</a:t>
-            </a:r>
-            <a:r>
-              <a:rPr lang="de-DE" dirty="0" smtClean="0"/>
-              <a:t>: Realisierung der Datenbank und Datenbankanbindung</a:t>
+              <a:t>Datenbank: Realisierung der Datenbank und Datenbankanbindung</a:t>
             </a:r>
           </a:p>
           <a:p>
@@ -6118,6 +6130,7 @@
           <a:p>
             <a:fld id="{72841C41-988A-40D2-BD42-D850E09ED2B7}" type="slidenum">
               <a:rPr lang="de-DE" smtClean="0"/>
+              <a:pPr/>
               <a:t>4</a:t>
             </a:fld>
             <a:endParaRPr lang="de-DE"/>
@@ -6127,7 +6140,7 @@
     </p:spTree>
     <p:extLst>
       <p:ext uri="{BB962C8B-B14F-4D97-AF65-F5344CB8AC3E}">
-        <p14:creationId xmlns:p14="http://schemas.microsoft.com/office/powerpoint/2010/main" val="2505227762"/>
+        <p14:creationId xmlns:p14="http://schemas.microsoft.com/office/powerpoint/2010/main" xmlns="" val="2505227762"/>
       </p:ext>
     </p:extLst>
   </p:cSld>
@@ -6206,6 +6219,7 @@
           <a:p>
             <a:fld id="{72841C41-988A-40D2-BD42-D850E09ED2B7}" type="slidenum">
               <a:rPr lang="de-DE" smtClean="0"/>
+              <a:pPr/>
               <a:t>5</a:t>
             </a:fld>
             <a:endParaRPr lang="de-DE"/>
@@ -6215,7 +6229,7 @@
     </p:spTree>
     <p:extLst>
       <p:ext uri="{BB962C8B-B14F-4D97-AF65-F5344CB8AC3E}">
-        <p14:creationId xmlns:p14="http://schemas.microsoft.com/office/powerpoint/2010/main" val="1113625367"/>
+        <p14:creationId xmlns:p14="http://schemas.microsoft.com/office/powerpoint/2010/main" xmlns="" val="1113625367"/>
       </p:ext>
     </p:extLst>
   </p:cSld>
@@ -6294,6 +6308,7 @@
           <a:p>
             <a:fld id="{72841C41-988A-40D2-BD42-D850E09ED2B7}" type="slidenum">
               <a:rPr lang="de-DE" smtClean="0"/>
+              <a:pPr/>
               <a:t>6</a:t>
             </a:fld>
             <a:endParaRPr lang="de-DE"/>
@@ -6303,7 +6318,7 @@
     </p:spTree>
     <p:extLst>
       <p:ext uri="{BB962C8B-B14F-4D97-AF65-F5344CB8AC3E}">
-        <p14:creationId xmlns:p14="http://schemas.microsoft.com/office/powerpoint/2010/main" val="3699469937"/>
+        <p14:creationId xmlns:p14="http://schemas.microsoft.com/office/powerpoint/2010/main" xmlns="" val="3699469937"/>
       </p:ext>
     </p:extLst>
   </p:cSld>
@@ -6382,6 +6397,7 @@
           <a:p>
             <a:fld id="{72841C41-988A-40D2-BD42-D850E09ED2B7}" type="slidenum">
               <a:rPr lang="de-DE" smtClean="0"/>
+              <a:pPr/>
               <a:t>7</a:t>
             </a:fld>
             <a:endParaRPr lang="de-DE"/>
@@ -6391,7 +6407,7 @@
     </p:spTree>
     <p:extLst>
       <p:ext uri="{BB962C8B-B14F-4D97-AF65-F5344CB8AC3E}">
-        <p14:creationId xmlns:p14="http://schemas.microsoft.com/office/powerpoint/2010/main" val="567656433"/>
+        <p14:creationId xmlns:p14="http://schemas.microsoft.com/office/powerpoint/2010/main" xmlns="" val="567656433"/>
       </p:ext>
     </p:extLst>
   </p:cSld>
@@ -6470,6 +6486,7 @@
           <a:p>
             <a:fld id="{72841C41-988A-40D2-BD42-D850E09ED2B7}" type="slidenum">
               <a:rPr lang="de-DE" smtClean="0"/>
+              <a:pPr/>
               <a:t>8</a:t>
             </a:fld>
             <a:endParaRPr lang="de-DE"/>
@@ -6479,7 +6496,7 @@
     </p:spTree>
     <p:extLst>
       <p:ext uri="{BB962C8B-B14F-4D97-AF65-F5344CB8AC3E}">
-        <p14:creationId xmlns:p14="http://schemas.microsoft.com/office/powerpoint/2010/main" val="2657475957"/>
+        <p14:creationId xmlns:p14="http://schemas.microsoft.com/office/powerpoint/2010/main" xmlns="" val="2657475957"/>
       </p:ext>
     </p:extLst>
   </p:cSld>
@@ -6558,6 +6575,7 @@
           <a:p>
             <a:fld id="{72841C41-988A-40D2-BD42-D850E09ED2B7}" type="slidenum">
               <a:rPr lang="de-DE" smtClean="0"/>
+              <a:pPr/>
               <a:t>9</a:t>
             </a:fld>
             <a:endParaRPr lang="de-DE"/>
@@ -6567,7 +6585,7 @@
     </p:spTree>
     <p:extLst>
       <p:ext uri="{BB962C8B-B14F-4D97-AF65-F5344CB8AC3E}">
-        <p14:creationId xmlns:p14="http://schemas.microsoft.com/office/powerpoint/2010/main" val="1770973867"/>
+        <p14:creationId xmlns:p14="http://schemas.microsoft.com/office/powerpoint/2010/main" xmlns="" val="1770973867"/>
       </p:ext>
     </p:extLst>
   </p:cSld>
@@ -7235,6 +7253,7 @@
           <a:p>
             <a:fld id="{AE7D85B2-395F-4693-9648-199952BACC42}" type="datetimeFigureOut">
               <a:rPr lang="de-DE" smtClean="0"/>
+              <a:pPr/>
               <a:t>28.10.2013</a:t>
             </a:fld>
             <a:endParaRPr lang="de-DE" dirty="0"/>
@@ -7295,6 +7314,7 @@
           <a:p>
             <a:fld id="{5F4D6440-1F17-4389-BEAA-8CB6F5977206}" type="slidenum">
               <a:rPr lang="de-DE" smtClean="0"/>
+              <a:pPr/>
               <a:t>‹Nr.›</a:t>
             </a:fld>
             <a:endParaRPr lang="de-DE" dirty="0"/>
@@ -7418,6 +7438,7 @@
           <a:p>
             <a:fld id="{AE7D85B2-395F-4693-9648-199952BACC42}" type="datetimeFigureOut">
               <a:rPr lang="de-DE" smtClean="0"/>
+              <a:pPr/>
               <a:t>28.10.2013</a:t>
             </a:fld>
             <a:endParaRPr lang="de-DE" dirty="0"/>
@@ -7460,6 +7481,7 @@
           <a:p>
             <a:fld id="{5F4D6440-1F17-4389-BEAA-8CB6F5977206}" type="slidenum">
               <a:rPr lang="de-DE" smtClean="0"/>
+              <a:pPr/>
               <a:t>‹Nr.›</a:t>
             </a:fld>
             <a:endParaRPr lang="de-DE" dirty="0"/>
@@ -7593,6 +7615,7 @@
           <a:p>
             <a:fld id="{AE7D85B2-395F-4693-9648-199952BACC42}" type="datetimeFigureOut">
               <a:rPr lang="de-DE" smtClean="0"/>
+              <a:pPr/>
               <a:t>28.10.2013</a:t>
             </a:fld>
             <a:endParaRPr lang="de-DE" dirty="0"/>
@@ -7635,6 +7658,7 @@
           <a:p>
             <a:fld id="{5F4D6440-1F17-4389-BEAA-8CB6F5977206}" type="slidenum">
               <a:rPr lang="de-DE" smtClean="0"/>
+              <a:pPr/>
               <a:t>‹Nr.›</a:t>
             </a:fld>
             <a:endParaRPr lang="de-DE" dirty="0"/>
@@ -7758,6 +7782,7 @@
           <a:p>
             <a:fld id="{AE7D85B2-395F-4693-9648-199952BACC42}" type="datetimeFigureOut">
               <a:rPr lang="de-DE" smtClean="0"/>
+              <a:pPr/>
               <a:t>28.10.2013</a:t>
             </a:fld>
             <a:endParaRPr lang="de-DE" dirty="0"/>
@@ -7800,6 +7825,7 @@
           <a:p>
             <a:fld id="{5F4D6440-1F17-4389-BEAA-8CB6F5977206}" type="slidenum">
               <a:rPr lang="de-DE" smtClean="0"/>
+              <a:pPr/>
               <a:t>‹Nr.›</a:t>
             </a:fld>
             <a:endParaRPr lang="de-DE" dirty="0"/>
@@ -7986,6 +8012,7 @@
           <a:p>
             <a:fld id="{AE7D85B2-395F-4693-9648-199952BACC42}" type="datetimeFigureOut">
               <a:rPr lang="de-DE" smtClean="0"/>
+              <a:pPr/>
               <a:t>28.10.2013</a:t>
             </a:fld>
             <a:endParaRPr lang="de-DE" dirty="0"/>
@@ -8028,6 +8055,7 @@
           <a:p>
             <a:fld id="{5F4D6440-1F17-4389-BEAA-8CB6F5977206}" type="slidenum">
               <a:rPr lang="de-DE" smtClean="0"/>
+              <a:pPr/>
               <a:t>‹Nr.›</a:t>
             </a:fld>
             <a:endParaRPr lang="de-DE" dirty="0"/>
@@ -8245,6 +8273,7 @@
           <a:p>
             <a:fld id="{AE7D85B2-395F-4693-9648-199952BACC42}" type="datetimeFigureOut">
               <a:rPr lang="de-DE" smtClean="0"/>
+              <a:pPr/>
               <a:t>28.10.2013</a:t>
             </a:fld>
             <a:endParaRPr lang="de-DE" dirty="0"/>
@@ -8287,6 +8316,7 @@
           <a:p>
             <a:fld id="{5F4D6440-1F17-4389-BEAA-8CB6F5977206}" type="slidenum">
               <a:rPr lang="de-DE" smtClean="0"/>
+              <a:pPr/>
               <a:t>‹Nr.›</a:t>
             </a:fld>
             <a:endParaRPr lang="de-DE" dirty="0"/>
@@ -8649,6 +8679,7 @@
           <a:p>
             <a:fld id="{AE7D85B2-395F-4693-9648-199952BACC42}" type="datetimeFigureOut">
               <a:rPr lang="de-DE" smtClean="0"/>
+              <a:pPr/>
               <a:t>28.10.2013</a:t>
             </a:fld>
             <a:endParaRPr lang="de-DE" dirty="0"/>
@@ -8672,6 +8703,7 @@
           <a:p>
             <a:fld id="{5F4D6440-1F17-4389-BEAA-8CB6F5977206}" type="slidenum">
               <a:rPr lang="de-DE" smtClean="0"/>
+              <a:pPr/>
               <a:t>‹Nr.›</a:t>
             </a:fld>
             <a:endParaRPr lang="de-DE" dirty="0"/>
@@ -8780,6 +8812,7 @@
           <a:p>
             <a:fld id="{AE7D85B2-395F-4693-9648-199952BACC42}" type="datetimeFigureOut">
               <a:rPr lang="de-DE" smtClean="0"/>
+              <a:pPr/>
               <a:t>28.10.2013</a:t>
             </a:fld>
             <a:endParaRPr lang="de-DE" dirty="0"/>
@@ -8832,6 +8865,7 @@
           <a:p>
             <a:fld id="{5F4D6440-1F17-4389-BEAA-8CB6F5977206}" type="slidenum">
               <a:rPr lang="de-DE" smtClean="0"/>
+              <a:pPr/>
               <a:t>‹Nr.›</a:t>
             </a:fld>
             <a:endParaRPr lang="de-DE" dirty="0"/>
@@ -8880,6 +8914,7 @@
           <a:p>
             <a:fld id="{AE7D85B2-395F-4693-9648-199952BACC42}" type="datetimeFigureOut">
               <a:rPr lang="de-DE" smtClean="0"/>
+              <a:pPr/>
               <a:t>28.10.2013</a:t>
             </a:fld>
             <a:endParaRPr lang="de-DE" dirty="0"/>
@@ -8922,6 +8957,7 @@
           <a:p>
             <a:fld id="{5F4D6440-1F17-4389-BEAA-8CB6F5977206}" type="slidenum">
               <a:rPr lang="de-DE" smtClean="0"/>
+              <a:pPr/>
               <a:t>‹Nr.›</a:t>
             </a:fld>
             <a:endParaRPr lang="de-DE" dirty="0"/>
@@ -9125,6 +9161,7 @@
           <a:p>
             <a:fld id="{AE7D85B2-395F-4693-9648-199952BACC42}" type="datetimeFigureOut">
               <a:rPr lang="de-DE" smtClean="0"/>
+              <a:pPr/>
               <a:t>28.10.2013</a:t>
             </a:fld>
             <a:endParaRPr lang="de-DE" dirty="0"/>
@@ -9167,6 +9204,7 @@
           <a:p>
             <a:fld id="{5F4D6440-1F17-4389-BEAA-8CB6F5977206}" type="slidenum">
               <a:rPr lang="de-DE" smtClean="0"/>
+              <a:pPr/>
               <a:t>‹Nr.›</a:t>
             </a:fld>
             <a:endParaRPr lang="de-DE" dirty="0"/>
@@ -9369,6 +9407,7 @@
           <a:p>
             <a:fld id="{AE7D85B2-395F-4693-9648-199952BACC42}" type="datetimeFigureOut">
               <a:rPr lang="de-DE" smtClean="0"/>
+              <a:pPr/>
               <a:t>28.10.2013</a:t>
             </a:fld>
             <a:endParaRPr lang="de-DE" dirty="0"/>
@@ -9411,6 +9450,7 @@
           <a:p>
             <a:fld id="{5F4D6440-1F17-4389-BEAA-8CB6F5977206}" type="slidenum">
               <a:rPr lang="de-DE" smtClean="0"/>
+              <a:pPr/>
               <a:t>‹Nr.›</a:t>
             </a:fld>
             <a:endParaRPr lang="de-DE" dirty="0"/>
@@ -10193,6 +10233,7 @@
           <a:p>
             <a:fld id="{AE7D85B2-395F-4693-9648-199952BACC42}" type="datetimeFigureOut">
               <a:rPr lang="de-DE" smtClean="0"/>
+              <a:pPr/>
               <a:t>28.10.2013</a:t>
             </a:fld>
             <a:endParaRPr lang="de-DE" dirty="0"/>
@@ -10267,6 +10308,7 @@
           <a:p>
             <a:fld id="{5F4D6440-1F17-4389-BEAA-8CB6F5977206}" type="slidenum">
               <a:rPr lang="de-DE" smtClean="0"/>
+              <a:pPr/>
               <a:t>‹Nr.›</a:t>
             </a:fld>
             <a:endParaRPr lang="de-DE" dirty="0"/>
@@ -10646,10 +10688,10 @@
           <p:nvPr/>
         </p:nvPicPr>
         <p:blipFill>
-          <a:blip r:embed="rId3">
+          <a:blip r:embed="rId3" cstate="print">
             <a:extLst>
               <a:ext uri="{28A0092B-C50C-407E-A947-70E740481C1C}">
-                <a14:useLocalDpi xmlns:a14="http://schemas.microsoft.com/office/drawing/2010/main" val="0"/>
+                <a14:useLocalDpi xmlns:a14="http://schemas.microsoft.com/office/drawing/2010/main" xmlns="" val="0"/>
               </a:ext>
             </a:extLst>
           </a:blip>
@@ -10670,7 +10712,7 @@
     </p:spTree>
     <p:extLst>
       <p:ext uri="{BB962C8B-B14F-4D97-AF65-F5344CB8AC3E}">
-        <p14:creationId xmlns:p14="http://schemas.microsoft.com/office/powerpoint/2010/main" val="709012416"/>
+        <p14:creationId xmlns:p14="http://schemas.microsoft.com/office/powerpoint/2010/main" xmlns="" val="709012416"/>
       </p:ext>
     </p:extLst>
   </p:cSld>
@@ -11126,7 +11168,7 @@
     </p:spTree>
     <p:extLst>
       <p:ext uri="{BB962C8B-B14F-4D97-AF65-F5344CB8AC3E}">
-        <p14:creationId xmlns:p14="http://schemas.microsoft.com/office/powerpoint/2010/main" val="1944802853"/>
+        <p14:creationId xmlns:p14="http://schemas.microsoft.com/office/powerpoint/2010/main" xmlns="" val="1944802853"/>
       </p:ext>
     </p:extLst>
   </p:cSld>
@@ -11601,7 +11643,7 @@
     </p:spTree>
     <p:extLst>
       <p:ext uri="{BB962C8B-B14F-4D97-AF65-F5344CB8AC3E}">
-        <p14:creationId xmlns:p14="http://schemas.microsoft.com/office/powerpoint/2010/main" val="2447740237"/>
+        <p14:creationId xmlns:p14="http://schemas.microsoft.com/office/powerpoint/2010/main" xmlns="" val="2447740237"/>
       </p:ext>
     </p:extLst>
   </p:cSld>
@@ -11867,7 +11909,7 @@
     </p:spTree>
     <p:extLst>
       <p:ext uri="{BB962C8B-B14F-4D97-AF65-F5344CB8AC3E}">
-        <p14:creationId xmlns:p14="http://schemas.microsoft.com/office/powerpoint/2010/main" val="3159283490"/>
+        <p14:creationId xmlns:p14="http://schemas.microsoft.com/office/powerpoint/2010/main" xmlns="" val="3159283490"/>
       </p:ext>
     </p:extLst>
   </p:cSld>
@@ -11924,10 +11966,40 @@
           </a:p>
         </p:txBody>
       </p:sp>
+      <p:pic>
+        <p:nvPicPr>
+          <p:cNvPr id="3" name="Grafik 2"/>
+          <p:cNvPicPr/>
+          <p:nvPr/>
+        </p:nvPicPr>
+        <p:blipFill>
+          <a:blip r:embed="rId3" cstate="print"/>
+          <a:srcRect t="23118" r="1612" b="7258"/>
+          <a:stretch>
+            <a:fillRect/>
+          </a:stretch>
+        </p:blipFill>
+        <p:spPr bwMode="auto">
+          <a:xfrm>
+            <a:off x="539552" y="2060848"/>
+            <a:ext cx="8136904" cy="4392488"/>
+          </a:xfrm>
+          <a:prstGeom prst="rect">
+            <a:avLst/>
+          </a:prstGeom>
+          <a:noFill/>
+          <a:ln w="9525">
+            <a:noFill/>
+            <a:miter lim="800000"/>
+            <a:headEnd/>
+            <a:tailEnd/>
+          </a:ln>
+        </p:spPr>
+      </p:pic>
     </p:spTree>
     <p:extLst>
       <p:ext uri="{BB962C8B-B14F-4D97-AF65-F5344CB8AC3E}">
-        <p14:creationId xmlns:p14="http://schemas.microsoft.com/office/powerpoint/2010/main" val="3420678931"/>
+        <p14:creationId xmlns:p14="http://schemas.microsoft.com/office/powerpoint/2010/main" xmlns="" val="3420678931"/>
       </p:ext>
     </p:extLst>
   </p:cSld>
@@ -11987,7 +12059,7 @@
     </p:spTree>
     <p:extLst>
       <p:ext uri="{BB962C8B-B14F-4D97-AF65-F5344CB8AC3E}">
-        <p14:creationId xmlns:p14="http://schemas.microsoft.com/office/powerpoint/2010/main" val="3414407465"/>
+        <p14:creationId xmlns:p14="http://schemas.microsoft.com/office/powerpoint/2010/main" xmlns="" val="3414407465"/>
       </p:ext>
     </p:extLst>
   </p:cSld>
@@ -12060,7 +12132,7 @@
           <p:nvPr/>
         </p:nvPicPr>
         <p:blipFill>
-          <a:blip r:embed="rId2"/>
+          <a:blip r:embed="rId2" cstate="print"/>
           <a:stretch>
             <a:fillRect/>
           </a:stretch>
@@ -12078,7 +12150,7 @@
     </p:spTree>
     <p:extLst>
       <p:ext uri="{BB962C8B-B14F-4D97-AF65-F5344CB8AC3E}">
-        <p14:creationId xmlns:p14="http://schemas.microsoft.com/office/powerpoint/2010/main" val="1709195912"/>
+        <p14:creationId xmlns:p14="http://schemas.microsoft.com/office/powerpoint/2010/main" xmlns="" val="1709195912"/>
       </p:ext>
     </p:extLst>
   </p:cSld>
@@ -12148,7 +12220,7 @@
           <p:nvPr/>
         </p:nvPicPr>
         <p:blipFill>
-          <a:blip r:embed="rId2"/>
+          <a:blip r:embed="rId2" cstate="print"/>
           <a:stretch>
             <a:fillRect/>
           </a:stretch>
@@ -12166,7 +12238,7 @@
     </p:spTree>
     <p:extLst>
       <p:ext uri="{BB962C8B-B14F-4D97-AF65-F5344CB8AC3E}">
-        <p14:creationId xmlns:p14="http://schemas.microsoft.com/office/powerpoint/2010/main" val="63509948"/>
+        <p14:creationId xmlns:p14="http://schemas.microsoft.com/office/powerpoint/2010/main" xmlns="" val="63509948"/>
       </p:ext>
     </p:extLst>
   </p:cSld>
@@ -12228,10 +12300,10 @@
           <p:nvPr/>
         </p:nvPicPr>
         <p:blipFill>
-          <a:blip r:embed="rId2">
+          <a:blip r:embed="rId2" cstate="print">
             <a:extLst>
               <a:ext uri="{28A0092B-C50C-407E-A947-70E740481C1C}">
-                <a14:useLocalDpi xmlns:a14="http://schemas.microsoft.com/office/drawing/2010/main" val="0"/>
+                <a14:useLocalDpi xmlns:a14="http://schemas.microsoft.com/office/drawing/2010/main" xmlns="" val="0"/>
               </a:ext>
             </a:extLst>
           </a:blip>
@@ -12257,7 +12329,7 @@
     </p:spTree>
     <p:extLst>
       <p:ext uri="{BB962C8B-B14F-4D97-AF65-F5344CB8AC3E}">
-        <p14:creationId xmlns:p14="http://schemas.microsoft.com/office/powerpoint/2010/main" val="526157708"/>
+        <p14:creationId xmlns:p14="http://schemas.microsoft.com/office/powerpoint/2010/main" xmlns="" val="526157708"/>
       </p:ext>
     </p:extLst>
   </p:cSld>
@@ -12324,7 +12396,7 @@
           <p:nvPr/>
         </p:nvPicPr>
         <p:blipFill rotWithShape="1">
-          <a:blip r:embed="rId2"/>
+          <a:blip r:embed="rId2" cstate="print"/>
           <a:srcRect l="21287"/>
           <a:stretch/>
         </p:blipFill>
@@ -12341,7 +12413,7 @@
     </p:spTree>
     <p:extLst>
       <p:ext uri="{BB962C8B-B14F-4D97-AF65-F5344CB8AC3E}">
-        <p14:creationId xmlns:p14="http://schemas.microsoft.com/office/powerpoint/2010/main" val="1260923131"/>
+        <p14:creationId xmlns:p14="http://schemas.microsoft.com/office/powerpoint/2010/main" xmlns="" val="1260923131"/>
       </p:ext>
     </p:extLst>
   </p:cSld>
@@ -12416,10 +12488,10 @@
           <p:nvPr/>
         </p:nvPicPr>
         <p:blipFill>
-          <a:blip r:embed="rId2">
+          <a:blip r:embed="rId2" cstate="print">
             <a:extLst>
               <a:ext uri="{28A0092B-C50C-407E-A947-70E740481C1C}">
-                <a14:useLocalDpi xmlns:a14="http://schemas.microsoft.com/office/drawing/2010/main" val="0"/>
+                <a14:useLocalDpi xmlns:a14="http://schemas.microsoft.com/office/drawing/2010/main" xmlns="" val="0"/>
               </a:ext>
             </a:extLst>
           </a:blip>
@@ -12445,7 +12517,7 @@
     </p:spTree>
     <p:extLst>
       <p:ext uri="{BB962C8B-B14F-4D97-AF65-F5344CB8AC3E}">
-        <p14:creationId xmlns:p14="http://schemas.microsoft.com/office/powerpoint/2010/main" val="2480907429"/>
+        <p14:creationId xmlns:p14="http://schemas.microsoft.com/office/powerpoint/2010/main" xmlns="" val="2480907429"/>
       </p:ext>
     </p:extLst>
   </p:cSld>
@@ -12783,7 +12855,7 @@
     </p:spTree>
     <p:extLst>
       <p:ext uri="{BB962C8B-B14F-4D97-AF65-F5344CB8AC3E}">
-        <p14:creationId xmlns:p14="http://schemas.microsoft.com/office/powerpoint/2010/main" val="2653359653"/>
+        <p14:creationId xmlns:p14="http://schemas.microsoft.com/office/powerpoint/2010/main" xmlns="" val="2653359653"/>
       </p:ext>
     </p:extLst>
   </p:cSld>
@@ -12860,10 +12932,10 @@
           <p:nvPr/>
         </p:nvPicPr>
         <p:blipFill>
-          <a:blip r:embed="rId2">
+          <a:blip r:embed="rId2" cstate="print">
             <a:extLst>
               <a:ext uri="{28A0092B-C50C-407E-A947-70E740481C1C}">
-                <a14:useLocalDpi xmlns:a14="http://schemas.microsoft.com/office/drawing/2010/main" val="0"/>
+                <a14:useLocalDpi xmlns:a14="http://schemas.microsoft.com/office/drawing/2010/main" xmlns="" val="0"/>
               </a:ext>
             </a:extLst>
           </a:blip>
@@ -12889,7 +12961,7 @@
     </p:spTree>
     <p:extLst>
       <p:ext uri="{BB962C8B-B14F-4D97-AF65-F5344CB8AC3E}">
-        <p14:creationId xmlns:p14="http://schemas.microsoft.com/office/powerpoint/2010/main" val="2659840383"/>
+        <p14:creationId xmlns:p14="http://schemas.microsoft.com/office/powerpoint/2010/main" xmlns="" val="2659840383"/>
       </p:ext>
     </p:extLst>
   </p:cSld>
@@ -12957,7 +13029,7 @@
           <p:nvPr/>
         </p:nvPicPr>
         <p:blipFill>
-          <a:blip r:embed="rId2"/>
+          <a:blip r:embed="rId2" cstate="print"/>
           <a:stretch>
             <a:fillRect/>
           </a:stretch>
@@ -12975,7 +13047,7 @@
     </p:spTree>
     <p:extLst>
       <p:ext uri="{BB962C8B-B14F-4D97-AF65-F5344CB8AC3E}">
-        <p14:creationId xmlns:p14="http://schemas.microsoft.com/office/powerpoint/2010/main" val="2538859933"/>
+        <p14:creationId xmlns:p14="http://schemas.microsoft.com/office/powerpoint/2010/main" xmlns="" val="2538859933"/>
       </p:ext>
     </p:extLst>
   </p:cSld>
@@ -13061,7 +13133,7 @@
           <p:nvPr/>
         </p:nvPicPr>
         <p:blipFill rotWithShape="1">
-          <a:blip r:embed="rId2"/>
+          <a:blip r:embed="rId2" cstate="print"/>
           <a:srcRect t="3003"/>
           <a:stretch/>
         </p:blipFill>
@@ -13078,7 +13150,7 @@
     </p:spTree>
     <p:extLst>
       <p:ext uri="{BB962C8B-B14F-4D97-AF65-F5344CB8AC3E}">
-        <p14:creationId xmlns:p14="http://schemas.microsoft.com/office/powerpoint/2010/main" val="3956960791"/>
+        <p14:creationId xmlns:p14="http://schemas.microsoft.com/office/powerpoint/2010/main" xmlns="" val="3956960791"/>
       </p:ext>
     </p:extLst>
   </p:cSld>
@@ -13164,7 +13236,7 @@
           <p:nvPr/>
         </p:nvPicPr>
         <p:blipFill>
-          <a:blip r:embed="rId2"/>
+          <a:blip r:embed="rId2" cstate="print"/>
           <a:stretch>
             <a:fillRect/>
           </a:stretch>
@@ -13182,7 +13254,7 @@
     </p:spTree>
     <p:extLst>
       <p:ext uri="{BB962C8B-B14F-4D97-AF65-F5344CB8AC3E}">
-        <p14:creationId xmlns:p14="http://schemas.microsoft.com/office/powerpoint/2010/main" val="2566061532"/>
+        <p14:creationId xmlns:p14="http://schemas.microsoft.com/office/powerpoint/2010/main" xmlns="" val="2566061532"/>
       </p:ext>
     </p:extLst>
   </p:cSld>
@@ -13268,7 +13340,7 @@
           <p:nvPr/>
         </p:nvPicPr>
         <p:blipFill>
-          <a:blip r:embed="rId2"/>
+          <a:blip r:embed="rId2" cstate="print"/>
           <a:stretch>
             <a:fillRect/>
           </a:stretch>
@@ -13286,7 +13358,7 @@
     </p:spTree>
     <p:extLst>
       <p:ext uri="{BB962C8B-B14F-4D97-AF65-F5344CB8AC3E}">
-        <p14:creationId xmlns:p14="http://schemas.microsoft.com/office/powerpoint/2010/main" val="2657265906"/>
+        <p14:creationId xmlns:p14="http://schemas.microsoft.com/office/powerpoint/2010/main" xmlns="" val="2657265906"/>
       </p:ext>
     </p:extLst>
   </p:cSld>
@@ -13372,7 +13444,7 @@
           <p:nvPr/>
         </p:nvPicPr>
         <p:blipFill>
-          <a:blip r:embed="rId2"/>
+          <a:blip r:embed="rId2" cstate="print"/>
           <a:stretch>
             <a:fillRect/>
           </a:stretch>
@@ -13390,7 +13462,7 @@
     </p:spTree>
     <p:extLst>
       <p:ext uri="{BB962C8B-B14F-4D97-AF65-F5344CB8AC3E}">
-        <p14:creationId xmlns:p14="http://schemas.microsoft.com/office/powerpoint/2010/main" val="1762684078"/>
+        <p14:creationId xmlns:p14="http://schemas.microsoft.com/office/powerpoint/2010/main" xmlns="" val="1762684078"/>
       </p:ext>
     </p:extLst>
   </p:cSld>
@@ -13451,7 +13523,7 @@
           <p:nvPr/>
         </p:nvPicPr>
         <p:blipFill>
-          <a:blip r:embed="rId2"/>
+          <a:blip r:embed="rId2" cstate="print"/>
           <a:stretch>
             <a:fillRect/>
           </a:stretch>
@@ -13469,7 +13541,7 @@
     </p:spTree>
     <p:extLst>
       <p:ext uri="{BB962C8B-B14F-4D97-AF65-F5344CB8AC3E}">
-        <p14:creationId xmlns:p14="http://schemas.microsoft.com/office/powerpoint/2010/main" val="3372370494"/>
+        <p14:creationId xmlns:p14="http://schemas.microsoft.com/office/powerpoint/2010/main" xmlns="" val="3372370494"/>
       </p:ext>
     </p:extLst>
   </p:cSld>
@@ -13758,7 +13830,7 @@
     </p:spTree>
     <p:extLst>
       <p:ext uri="{BB962C8B-B14F-4D97-AF65-F5344CB8AC3E}">
-        <p14:creationId xmlns:p14="http://schemas.microsoft.com/office/powerpoint/2010/main" val="3771086656"/>
+        <p14:creationId xmlns:p14="http://schemas.microsoft.com/office/powerpoint/2010/main" xmlns="" val="3771086656"/>
       </p:ext>
     </p:extLst>
   </p:cSld>
@@ -14080,7 +14152,7 @@
     </p:spTree>
     <p:extLst>
       <p:ext uri="{BB962C8B-B14F-4D97-AF65-F5344CB8AC3E}">
-        <p14:creationId xmlns:p14="http://schemas.microsoft.com/office/powerpoint/2010/main" val="3709997242"/>
+        <p14:creationId xmlns:p14="http://schemas.microsoft.com/office/powerpoint/2010/main" xmlns="" val="3709997242"/>
       </p:ext>
     </p:extLst>
   </p:cSld>
@@ -14394,7 +14466,7 @@
     </p:spTree>
     <p:extLst>
       <p:ext uri="{BB962C8B-B14F-4D97-AF65-F5344CB8AC3E}">
-        <p14:creationId xmlns:p14="http://schemas.microsoft.com/office/powerpoint/2010/main" val="813066869"/>
+        <p14:creationId xmlns:p14="http://schemas.microsoft.com/office/powerpoint/2010/main" xmlns="" val="813066869"/>
       </p:ext>
     </p:extLst>
   </p:cSld>
@@ -14497,7 +14569,7 @@
     </p:spTree>
     <p:extLst>
       <p:ext uri="{BB962C8B-B14F-4D97-AF65-F5344CB8AC3E}">
-        <p14:creationId xmlns:p14="http://schemas.microsoft.com/office/powerpoint/2010/main" val="2231903888"/>
+        <p14:creationId xmlns:p14="http://schemas.microsoft.com/office/powerpoint/2010/main" xmlns="" val="2231903888"/>
       </p:ext>
     </p:extLst>
   </p:cSld>
@@ -14810,7 +14882,7 @@
     </p:spTree>
     <p:extLst>
       <p:ext uri="{BB962C8B-B14F-4D97-AF65-F5344CB8AC3E}">
-        <p14:creationId xmlns:p14="http://schemas.microsoft.com/office/powerpoint/2010/main" val="215732145"/>
+        <p14:creationId xmlns:p14="http://schemas.microsoft.com/office/powerpoint/2010/main" xmlns="" val="215732145"/>
       </p:ext>
     </p:extLst>
   </p:cSld>
@@ -14878,7 +14950,7 @@
     </p:spTree>
     <p:extLst>
       <p:ext uri="{BB962C8B-B14F-4D97-AF65-F5344CB8AC3E}">
-        <p14:creationId xmlns:p14="http://schemas.microsoft.com/office/powerpoint/2010/main" val="3080953501"/>
+        <p14:creationId xmlns:p14="http://schemas.microsoft.com/office/powerpoint/2010/main" xmlns="" val="3080953501"/>
       </p:ext>
     </p:extLst>
   </p:cSld>
@@ -14938,7 +15010,7 @@
     </p:spTree>
     <p:extLst>
       <p:ext uri="{BB962C8B-B14F-4D97-AF65-F5344CB8AC3E}">
-        <p14:creationId xmlns:p14="http://schemas.microsoft.com/office/powerpoint/2010/main" val="1555926251"/>
+        <p14:creationId xmlns:p14="http://schemas.microsoft.com/office/powerpoint/2010/main" xmlns="" val="1555926251"/>
       </p:ext>
     </p:extLst>
   </p:cSld>
@@ -15027,7 +15099,7 @@
     </p:spTree>
     <p:extLst>
       <p:ext uri="{BB962C8B-B14F-4D97-AF65-F5344CB8AC3E}">
-        <p14:creationId xmlns:p14="http://schemas.microsoft.com/office/powerpoint/2010/main" val="511365991"/>
+        <p14:creationId xmlns:p14="http://schemas.microsoft.com/office/powerpoint/2010/main" xmlns="" val="511365991"/>
       </p:ext>
     </p:extLst>
   </p:cSld>
@@ -15123,7 +15195,7 @@
     </p:spTree>
     <p:extLst>
       <p:ext uri="{BB962C8B-B14F-4D97-AF65-F5344CB8AC3E}">
-        <p14:creationId xmlns:p14="http://schemas.microsoft.com/office/powerpoint/2010/main" val="2367586276"/>
+        <p14:creationId xmlns:p14="http://schemas.microsoft.com/office/powerpoint/2010/main" xmlns="" val="2367586276"/>
       </p:ext>
     </p:extLst>
   </p:cSld>
@@ -15189,7 +15261,7 @@
           <p:nvPr/>
         </p:nvPicPr>
         <p:blipFill>
-          <a:blip r:embed="rId2"/>
+          <a:blip r:embed="rId2" cstate="print"/>
           <a:stretch>
             <a:fillRect/>
           </a:stretch>
@@ -15207,7 +15279,7 @@
     </p:spTree>
     <p:extLst>
       <p:ext uri="{BB962C8B-B14F-4D97-AF65-F5344CB8AC3E}">
-        <p14:creationId xmlns:p14="http://schemas.microsoft.com/office/powerpoint/2010/main" val="167482871"/>
+        <p14:creationId xmlns:p14="http://schemas.microsoft.com/office/powerpoint/2010/main" xmlns="" val="167482871"/>
       </p:ext>
     </p:extLst>
   </p:cSld>
@@ -15296,7 +15368,7 @@
     </p:spTree>
     <p:extLst>
       <p:ext uri="{BB962C8B-B14F-4D97-AF65-F5344CB8AC3E}">
-        <p14:creationId xmlns:p14="http://schemas.microsoft.com/office/powerpoint/2010/main" val="432645280"/>
+        <p14:creationId xmlns:p14="http://schemas.microsoft.com/office/powerpoint/2010/main" xmlns="" val="432645280"/>
       </p:ext>
     </p:extLst>
   </p:cSld>
@@ -15391,7 +15463,7 @@
     </p:spTree>
     <p:extLst>
       <p:ext uri="{BB962C8B-B14F-4D97-AF65-F5344CB8AC3E}">
-        <p14:creationId xmlns:p14="http://schemas.microsoft.com/office/powerpoint/2010/main" val="2011369229"/>
+        <p14:creationId xmlns:p14="http://schemas.microsoft.com/office/powerpoint/2010/main" xmlns="" val="2011369229"/>
       </p:ext>
     </p:extLst>
   </p:cSld>
@@ -15503,7 +15575,7 @@
     </p:spTree>
     <p:extLst>
       <p:ext uri="{BB962C8B-B14F-4D97-AF65-F5344CB8AC3E}">
-        <p14:creationId xmlns:p14="http://schemas.microsoft.com/office/powerpoint/2010/main" val="241156330"/>
+        <p14:creationId xmlns:p14="http://schemas.microsoft.com/office/powerpoint/2010/main" xmlns="" val="241156330"/>
       </p:ext>
     </p:extLst>
   </p:cSld>
@@ -15624,7 +15696,7 @@
     </p:spTree>
     <p:extLst>
       <p:ext uri="{BB962C8B-B14F-4D97-AF65-F5344CB8AC3E}">
-        <p14:creationId xmlns:p14="http://schemas.microsoft.com/office/powerpoint/2010/main" val="1739418431"/>
+        <p14:creationId xmlns:p14="http://schemas.microsoft.com/office/powerpoint/2010/main" xmlns="" val="1739418431"/>
       </p:ext>
     </p:extLst>
   </p:cSld>
@@ -16026,7 +16098,7 @@
     </p:spTree>
     <p:extLst>
       <p:ext uri="{BB962C8B-B14F-4D97-AF65-F5344CB8AC3E}">
-        <p14:creationId xmlns:p14="http://schemas.microsoft.com/office/powerpoint/2010/main" val="2473085626"/>
+        <p14:creationId xmlns:p14="http://schemas.microsoft.com/office/powerpoint/2010/main" xmlns="" val="2473085626"/>
       </p:ext>
     </p:extLst>
   </p:cSld>
@@ -16116,7 +16188,7 @@
     </p:spTree>
     <p:extLst>
       <p:ext uri="{BB962C8B-B14F-4D97-AF65-F5344CB8AC3E}">
-        <p14:creationId xmlns:p14="http://schemas.microsoft.com/office/powerpoint/2010/main" val="2615168494"/>
+        <p14:creationId xmlns:p14="http://schemas.microsoft.com/office/powerpoint/2010/main" xmlns="" val="2615168494"/>
       </p:ext>
     </p:extLst>
   </p:cSld>
@@ -16217,7 +16289,7 @@
     </p:spTree>
     <p:extLst>
       <p:ext uri="{BB962C8B-B14F-4D97-AF65-F5344CB8AC3E}">
-        <p14:creationId xmlns:p14="http://schemas.microsoft.com/office/powerpoint/2010/main" val="42813484"/>
+        <p14:creationId xmlns:p14="http://schemas.microsoft.com/office/powerpoint/2010/main" xmlns="" val="42813484"/>
       </p:ext>
     </p:extLst>
   </p:cSld>
@@ -16320,7 +16392,7 @@
     </p:spTree>
     <p:extLst>
       <p:ext uri="{BB962C8B-B14F-4D97-AF65-F5344CB8AC3E}">
-        <p14:creationId xmlns:p14="http://schemas.microsoft.com/office/powerpoint/2010/main" val="243874718"/>
+        <p14:creationId xmlns:p14="http://schemas.microsoft.com/office/powerpoint/2010/main" xmlns="" val="243874718"/>
       </p:ext>
     </p:extLst>
   </p:cSld>
@@ -16452,7 +16524,7 @@
     </p:spTree>
     <p:extLst>
       <p:ext uri="{BB962C8B-B14F-4D97-AF65-F5344CB8AC3E}">
-        <p14:creationId xmlns:p14="http://schemas.microsoft.com/office/powerpoint/2010/main" val="600913733"/>
+        <p14:creationId xmlns:p14="http://schemas.microsoft.com/office/powerpoint/2010/main" xmlns="" val="600913733"/>
       </p:ext>
     </p:extLst>
   </p:cSld>
@@ -16568,7 +16640,7 @@
     </p:spTree>
     <p:extLst>
       <p:ext uri="{BB962C8B-B14F-4D97-AF65-F5344CB8AC3E}">
-        <p14:creationId xmlns:p14="http://schemas.microsoft.com/office/powerpoint/2010/main" val="3395818784"/>
+        <p14:creationId xmlns:p14="http://schemas.microsoft.com/office/powerpoint/2010/main" xmlns="" val="3395818784"/>
       </p:ext>
     </p:extLst>
   </p:cSld>
@@ -16671,7 +16743,7 @@
     </p:spTree>
     <p:extLst>
       <p:ext uri="{BB962C8B-B14F-4D97-AF65-F5344CB8AC3E}">
-        <p14:creationId xmlns:p14="http://schemas.microsoft.com/office/powerpoint/2010/main" val="1313710794"/>
+        <p14:creationId xmlns:p14="http://schemas.microsoft.com/office/powerpoint/2010/main" xmlns="" val="1313710794"/>
       </p:ext>
     </p:extLst>
   </p:cSld>
@@ -16768,7 +16840,7 @@
     </p:spTree>
     <p:extLst>
       <p:ext uri="{BB962C8B-B14F-4D97-AF65-F5344CB8AC3E}">
-        <p14:creationId xmlns:p14="http://schemas.microsoft.com/office/powerpoint/2010/main" val="2204375755"/>
+        <p14:creationId xmlns:p14="http://schemas.microsoft.com/office/powerpoint/2010/main" xmlns="" val="2204375755"/>
       </p:ext>
     </p:extLst>
   </p:cSld>
@@ -16877,7 +16949,7 @@
     </p:spTree>
     <p:extLst>
       <p:ext uri="{BB962C8B-B14F-4D97-AF65-F5344CB8AC3E}">
-        <p14:creationId xmlns:p14="http://schemas.microsoft.com/office/powerpoint/2010/main" val="2726382500"/>
+        <p14:creationId xmlns:p14="http://schemas.microsoft.com/office/powerpoint/2010/main" xmlns="" val="2726382500"/>
       </p:ext>
     </p:extLst>
   </p:cSld>
@@ -16941,7 +17013,7 @@
           <p:nvPr>
             <p:extLst>
               <p:ext uri="{D42A27DB-BD31-4B8C-83A1-F6EECF244321}">
-                <p14:modId xmlns:p14="http://schemas.microsoft.com/office/powerpoint/2010/main" val="3621902295"/>
+                <p14:modId xmlns:p14="http://schemas.microsoft.com/office/powerpoint/2010/main" xmlns="" val="3621902295"/>
               </p:ext>
             </p:extLst>
           </p:nvPr>
@@ -16959,7 +17031,7 @@
     </p:spTree>
     <p:extLst>
       <p:ext uri="{BB962C8B-B14F-4D97-AF65-F5344CB8AC3E}">
-        <p14:creationId xmlns:p14="http://schemas.microsoft.com/office/powerpoint/2010/main" val="4174946828"/>
+        <p14:creationId xmlns:p14="http://schemas.microsoft.com/office/powerpoint/2010/main" xmlns="" val="4174946828"/>
       </p:ext>
     </p:extLst>
   </p:cSld>
@@ -17038,10 +17110,10 @@
           <p:nvPr/>
         </p:nvPicPr>
         <p:blipFill>
-          <a:blip r:embed="rId3">
+          <a:blip r:embed="rId3" cstate="print">
             <a:extLst>
               <a:ext uri="{28A0092B-C50C-407E-A947-70E740481C1C}">
-                <a14:useLocalDpi xmlns:a14="http://schemas.microsoft.com/office/drawing/2010/main" val="0"/>
+                <a14:useLocalDpi xmlns:a14="http://schemas.microsoft.com/office/drawing/2010/main" xmlns="" val="0"/>
               </a:ext>
             </a:extLst>
           </a:blip>
@@ -17064,14 +17136,14 @@
           </a:ln>
           <a:extLst>
             <a:ext uri="{909E8E84-426E-40DD-AFC4-6F175D3DCCD1}">
-              <a14:hiddenFill xmlns:a14="http://schemas.microsoft.com/office/drawing/2010/main">
+              <a14:hiddenFill xmlns:a14="http://schemas.microsoft.com/office/drawing/2010/main" xmlns="">
                 <a:solidFill>
                   <a:schemeClr val="accent1"/>
                 </a:solidFill>
               </a14:hiddenFill>
             </a:ext>
             <a:ext uri="{91240B29-F687-4F45-9708-019B960494DF}">
-              <a14:hiddenLine xmlns:a14="http://schemas.microsoft.com/office/drawing/2010/main" w="9525">
+              <a14:hiddenLine xmlns:a14="http://schemas.microsoft.com/office/drawing/2010/main" xmlns="" w="9525">
                 <a:solidFill>
                   <a:schemeClr val="tx1"/>
                 </a:solidFill>
@@ -17086,7 +17158,7 @@
     </p:spTree>
     <p:extLst>
       <p:ext uri="{BB962C8B-B14F-4D97-AF65-F5344CB8AC3E}">
-        <p14:creationId xmlns:p14="http://schemas.microsoft.com/office/powerpoint/2010/main" val="1176199176"/>
+        <p14:creationId xmlns:p14="http://schemas.microsoft.com/office/powerpoint/2010/main" xmlns="" val="1176199176"/>
       </p:ext>
     </p:extLst>
   </p:cSld>
@@ -17129,10 +17201,10 @@
           <p:nvPr/>
         </p:nvPicPr>
         <p:blipFill>
-          <a:blip r:embed="rId3">
+          <a:blip r:embed="rId3" cstate="print">
             <a:extLst>
               <a:ext uri="{28A0092B-C50C-407E-A947-70E740481C1C}">
-                <a14:useLocalDpi xmlns:a14="http://schemas.microsoft.com/office/drawing/2010/main" val="0"/>
+                <a14:useLocalDpi xmlns:a14="http://schemas.microsoft.com/office/drawing/2010/main" xmlns="" val="0"/>
               </a:ext>
             </a:extLst>
           </a:blip>
@@ -17223,7 +17295,7 @@
           <a:blip r:embed="rId4" cstate="print">
             <a:extLst>
               <a:ext uri="{28A0092B-C50C-407E-A947-70E740481C1C}">
-                <a14:useLocalDpi xmlns:a14="http://schemas.microsoft.com/office/drawing/2010/main" val="0"/>
+                <a14:useLocalDpi xmlns:a14="http://schemas.microsoft.com/office/drawing/2010/main" xmlns="" val="0"/>
               </a:ext>
             </a:extLst>
           </a:blip>
@@ -17250,10 +17322,10 @@
           <p:nvPr/>
         </p:nvPicPr>
         <p:blipFill>
-          <a:blip r:embed="rId5">
+          <a:blip r:embed="rId5" cstate="print">
             <a:extLst>
               <a:ext uri="{28A0092B-C50C-407E-A947-70E740481C1C}">
-                <a14:useLocalDpi xmlns:a14="http://schemas.microsoft.com/office/drawing/2010/main" val="0"/>
+                <a14:useLocalDpi xmlns:a14="http://schemas.microsoft.com/office/drawing/2010/main" xmlns="" val="0"/>
               </a:ext>
             </a:extLst>
           </a:blip>
@@ -17359,7 +17431,7 @@
           <a:blip r:embed="rId6" cstate="print">
             <a:extLst>
               <a:ext uri="{28A0092B-C50C-407E-A947-70E740481C1C}">
-                <a14:useLocalDpi xmlns:a14="http://schemas.microsoft.com/office/drawing/2010/main" val="0"/>
+                <a14:useLocalDpi xmlns:a14="http://schemas.microsoft.com/office/drawing/2010/main" xmlns="" val="0"/>
               </a:ext>
             </a:extLst>
           </a:blip>
@@ -17507,7 +17579,7 @@
     </p:spTree>
     <p:extLst>
       <p:ext uri="{BB962C8B-B14F-4D97-AF65-F5344CB8AC3E}">
-        <p14:creationId xmlns:p14="http://schemas.microsoft.com/office/powerpoint/2010/main" val="2896085358"/>
+        <p14:creationId xmlns:p14="http://schemas.microsoft.com/office/powerpoint/2010/main" xmlns="" val="2896085358"/>
       </p:ext>
     </p:extLst>
   </p:cSld>
@@ -17845,7 +17917,7 @@
     </p:spTree>
     <p:extLst>
       <p:ext uri="{BB962C8B-B14F-4D97-AF65-F5344CB8AC3E}">
-        <p14:creationId xmlns:p14="http://schemas.microsoft.com/office/powerpoint/2010/main" val="2247188198"/>
+        <p14:creationId xmlns:p14="http://schemas.microsoft.com/office/powerpoint/2010/main" xmlns="" val="2247188198"/>
       </p:ext>
     </p:extLst>
   </p:cSld>
@@ -18343,7 +18415,7 @@
     </p:spTree>
     <p:extLst>
       <p:ext uri="{BB962C8B-B14F-4D97-AF65-F5344CB8AC3E}">
-        <p14:creationId xmlns:p14="http://schemas.microsoft.com/office/powerpoint/2010/main" val="3149715247"/>
+        <p14:creationId xmlns:p14="http://schemas.microsoft.com/office/powerpoint/2010/main" xmlns="" val="3149715247"/>
       </p:ext>
     </p:extLst>
   </p:cSld>

--- a/Projektmanagement/Abschlusspräsentation.pptx
+++ b/Projektmanagement/Abschlusspräsentation.pptx
@@ -158,7 +158,7 @@
   </p:defaultTextStyle>
   <p:extLst>
     <p:ext uri="{EFAFB233-063F-42B5-8137-9DF3F51BA10A}">
-      <p15:sldGuideLst xmlns:p15="http://schemas.microsoft.com/office/powerpoint/2012/main" xmlns="">
+      <p15:sldGuideLst xmlns="" xmlns:p15="http://schemas.microsoft.com/office/powerpoint/2012/main">
         <p15:guide id="1" orient="horz" pos="2160">
           <p15:clr>
             <a:srgbClr val="A4A3A4"/>
@@ -172,7 +172,7 @@
       </p15:sldGuideLst>
     </p:ext>
     <p:ext uri="{2D200454-40CA-4A62-9FC3-DE9A4176ACB9}">
-      <p15:notesGuideLst xmlns:p15="http://schemas.microsoft.com/office/powerpoint/2012/main" xmlns="">
+      <p15:notesGuideLst xmlns="" xmlns:p15="http://schemas.microsoft.com/office/powerpoint/2012/main">
         <p15:guide id="1" orient="horz" pos="2880">
           <p15:clr>
             <a:srgbClr val="A4A3A4"/>
@@ -940,7 +940,7 @@
 <dgm:dataModel xmlns:dgm="http://schemas.openxmlformats.org/drawingml/2006/diagram" xmlns:a="http://schemas.openxmlformats.org/drawingml/2006/main">
   <dgm:ptLst>
     <dgm:pt modelId="{42A7AF39-9F16-4BE0-9691-F2A4EAA889D5}" type="doc">
-      <dgm:prSet loTypeId="urn:microsoft.com/office/officeart/2009/3/layout/StepUpProcess" loCatId="process" qsTypeId="urn:microsoft.com/office/officeart/2005/8/quickstyle/simple1" qsCatId="simple" csTypeId="urn:microsoft.com/office/officeart/2005/8/colors/accent1_2" csCatId="accent1" phldr="1"/>
+      <dgm:prSet loTypeId="urn:microsoft.com/office/officeart/2005/8/layout/hProcess9" loCatId="process" qsTypeId="urn:microsoft.com/office/officeart/2005/8/quickstyle/simple4" qsCatId="simple" csTypeId="urn:microsoft.com/office/officeart/2005/8/colors/accent1_2" csCatId="accent1" phldr="1"/>
       <dgm:spPr/>
       <dgm:t>
         <a:bodyPr/>
@@ -1111,7 +1111,7 @@
         <a:p>
           <a:r>
             <a:rPr lang="de-DE" sz="1400" dirty="0" smtClean="0"/>
-            <a:t>Papierprototypen</a:t>
+            <a:t>Papierproto-typen</a:t>
           </a:r>
           <a:endParaRPr lang="de-DE" sz="1400" dirty="0"/>
         </a:p>
@@ -1222,7 +1222,7 @@
         <a:p>
           <a:r>
             <a:rPr lang="de-DE" sz="1400" dirty="0" smtClean="0"/>
-            <a:t>Technische Klassenmodelle (View, Controller, Modell</a:t>
+            <a:t>Tech. Klassen-modelle</a:t>
           </a:r>
           <a:endParaRPr lang="de-DE" sz="1400" dirty="0"/>
         </a:p>
@@ -1450,10 +1450,6 @@
             <a:rPr lang="de-DE" sz="1400" dirty="0" err="1" smtClean="0"/>
             <a:t>ung</a:t>
           </a:r>
-          <a:r>
-            <a:rPr lang="de-DE" sz="1400" dirty="0" smtClean="0"/>
-            <a:t> (View, Controller, Modell)</a:t>
-          </a:r>
           <a:endParaRPr lang="de-DE" sz="1400" dirty="0"/>
         </a:p>
       </dgm:t>
@@ -1480,43 +1476,6 @@
         </a:p>
       </dgm:t>
     </dgm:pt>
-    <dgm:pt modelId="{A967B292-09E8-4E01-8A94-A81D6D92DBDD}">
-      <dgm:prSet phldrT="[Text]" custT="1"/>
-      <dgm:spPr/>
-      <dgm:t>
-        <a:bodyPr/>
-        <a:lstStyle/>
-        <a:p>
-          <a:r>
-            <a:rPr lang="de-DE" sz="1400" dirty="0" err="1" smtClean="0"/>
-            <a:t>Cronjob</a:t>
-          </a:r>
-          <a:endParaRPr lang="de-DE" sz="1400" dirty="0"/>
-        </a:p>
-      </dgm:t>
-    </dgm:pt>
-    <dgm:pt modelId="{83978787-CABD-419D-BEFF-2326C86E307F}" type="parTrans" cxnId="{FEA06E14-6714-460E-A2C4-76AF673D96B2}">
-      <dgm:prSet/>
-      <dgm:spPr/>
-      <dgm:t>
-        <a:bodyPr/>
-        <a:lstStyle/>
-        <a:p>
-          <a:endParaRPr lang="de-DE" sz="2400"/>
-        </a:p>
-      </dgm:t>
-    </dgm:pt>
-    <dgm:pt modelId="{966BBEAF-F424-4C1B-9F50-D3530EDBD3F4}" type="sibTrans" cxnId="{FEA06E14-6714-460E-A2C4-76AF673D96B2}">
-      <dgm:prSet/>
-      <dgm:spPr/>
-      <dgm:t>
-        <a:bodyPr/>
-        <a:lstStyle/>
-        <a:p>
-          <a:endParaRPr lang="de-DE" sz="2400"/>
-        </a:p>
-      </dgm:t>
-    </dgm:pt>
     <dgm:pt modelId="{1D2BD1DA-3657-4A8C-9785-D7282AB16A84}">
       <dgm:prSet phldrT="[Text]" custT="1"/>
       <dgm:spPr/>
@@ -1526,7 +1485,7 @@
         <a:p>
           <a:r>
             <a:rPr lang="de-DE" sz="1400" dirty="0" smtClean="0"/>
-            <a:t>Installer erstellen</a:t>
+            <a:t>Installer </a:t>
           </a:r>
           <a:endParaRPr lang="de-DE" sz="1400" dirty="0"/>
         </a:p>
@@ -1600,7 +1559,7 @@
         <a:p>
           <a:r>
             <a:rPr lang="de-DE" sz="1400" dirty="0" smtClean="0"/>
-            <a:t>Auftragnehmer</a:t>
+            <a:t>Auftrag-nehmer</a:t>
           </a:r>
           <a:endParaRPr lang="de-DE" sz="1400" dirty="0"/>
         </a:p>
@@ -1776,13 +1735,48 @@
         </a:p>
       </dgm:t>
     </dgm:pt>
-    <dgm:pt modelId="{15924F1D-DFFE-44B8-9A4D-64F79E9D1294}" type="pres">
-      <dgm:prSet presAssocID="{42A7AF39-9F16-4BE0-9691-F2A4EAA889D5}" presName="rootnode" presStyleCnt="0">
+    <dgm:pt modelId="{64A53441-CA35-4183-98A4-98146221F8AE}">
+      <dgm:prSet phldrT="[Text]" custT="1"/>
+      <dgm:spPr/>
+      <dgm:t>
+        <a:bodyPr/>
+        <a:lstStyle/>
+        <a:p>
+          <a:r>
+            <a:rPr lang="de-DE" sz="1400" dirty="0" err="1" smtClean="0"/>
+            <a:t>Cronjob</a:t>
+          </a:r>
+          <a:endParaRPr lang="de-DE" sz="1400" dirty="0"/>
+        </a:p>
+      </dgm:t>
+    </dgm:pt>
+    <dgm:pt modelId="{34A59247-41BB-4387-901C-F4B4BA0ABC20}" type="parTrans" cxnId="{F99FE896-AED4-426E-B77C-0AB5248E0CCE}">
+      <dgm:prSet/>
+      <dgm:spPr/>
+      <dgm:t>
+        <a:bodyPr/>
+        <a:lstStyle/>
+        <a:p>
+          <a:endParaRPr lang="de-DE"/>
+        </a:p>
+      </dgm:t>
+    </dgm:pt>
+    <dgm:pt modelId="{0C284384-0EF7-4A62-BF30-04B34F7CD0AC}" type="sibTrans" cxnId="{F99FE896-AED4-426E-B77C-0AB5248E0CCE}">
+      <dgm:prSet/>
+      <dgm:spPr/>
+      <dgm:t>
+        <a:bodyPr/>
+        <a:lstStyle/>
+        <a:p>
+          <a:endParaRPr lang="de-DE"/>
+        </a:p>
+      </dgm:t>
+    </dgm:pt>
+    <dgm:pt modelId="{734A29E2-3521-46BA-B5C0-E8A3637FA4B0}" type="pres">
+      <dgm:prSet presAssocID="{42A7AF39-9F16-4BE0-9691-F2A4EAA889D5}" presName="CompostProcess" presStyleCnt="0">
         <dgm:presLayoutVars>
-          <dgm:chMax/>
-          <dgm:chPref/>
           <dgm:dir/>
-          <dgm:animLvl val="lvl"/>
+          <dgm:resizeHandles val="exact"/>
         </dgm:presLayoutVars>
       </dgm:prSet>
       <dgm:spPr/>
@@ -1794,19 +1788,31 @@
         </a:p>
       </dgm:t>
     </dgm:pt>
-    <dgm:pt modelId="{BB78FA45-E9B1-4CCB-B3B1-6CFA0CEF3944}" type="pres">
-      <dgm:prSet presAssocID="{B4BBFA07-05DD-4CDD-AC39-6342607DC2A1}" presName="composite" presStyleCnt="0"/>
+    <dgm:pt modelId="{3E058364-C437-4B0E-B373-8D6523686A02}" type="pres">
+      <dgm:prSet presAssocID="{42A7AF39-9F16-4BE0-9691-F2A4EAA889D5}" presName="arrow" presStyleLbl="bgShp" presStyleIdx="0" presStyleCnt="1"/>
       <dgm:spPr/>
+      <dgm:t>
+        <a:bodyPr/>
+        <a:lstStyle/>
+        <a:p>
+          <a:endParaRPr lang="de-DE"/>
+        </a:p>
+      </dgm:t>
     </dgm:pt>
-    <dgm:pt modelId="{3EAD6723-0198-42FA-A966-C636D421C4A3}" type="pres">
-      <dgm:prSet presAssocID="{B4BBFA07-05DD-4CDD-AC39-6342607DC2A1}" presName="LShape" presStyleLbl="alignNode1" presStyleIdx="0" presStyleCnt="9"/>
+    <dgm:pt modelId="{90CFEA40-A29F-40A9-966B-DA7D8D7003DF}" type="pres">
+      <dgm:prSet presAssocID="{42A7AF39-9F16-4BE0-9691-F2A4EAA889D5}" presName="linearProcess" presStyleCnt="0"/>
       <dgm:spPr/>
+      <dgm:t>
+        <a:bodyPr/>
+        <a:lstStyle/>
+        <a:p>
+          <a:endParaRPr lang="de-DE"/>
+        </a:p>
+      </dgm:t>
     </dgm:pt>
-    <dgm:pt modelId="{2DE05352-9E55-41AB-8A05-49E73E35CA67}" type="pres">
-      <dgm:prSet presAssocID="{B4BBFA07-05DD-4CDD-AC39-6342607DC2A1}" presName="ParentText" presStyleLbl="revTx" presStyleIdx="0" presStyleCnt="5" custLinFactNeighborX="-2260" custLinFactNeighborY="5213">
+    <dgm:pt modelId="{8C0195AE-96DF-44DB-8CA5-EA3E73389D9C}" type="pres">
+      <dgm:prSet presAssocID="{B4BBFA07-05DD-4CDD-AC39-6342607DC2A1}" presName="textNode" presStyleLbl="node1" presStyleIdx="0" presStyleCnt="5">
         <dgm:presLayoutVars>
-          <dgm:chMax val="0"/>
-          <dgm:chPref val="0"/>
           <dgm:bulletEnabled val="1"/>
         </dgm:presLayoutVars>
       </dgm:prSet>
@@ -1819,31 +1825,20 @@
         </a:p>
       </dgm:t>
     </dgm:pt>
-    <dgm:pt modelId="{C9DEE7F5-E11A-4A08-9476-B079D00A7F6B}" type="pres">
-      <dgm:prSet presAssocID="{B4BBFA07-05DD-4CDD-AC39-6342607DC2A1}" presName="Triangle" presStyleLbl="alignNode1" presStyleIdx="1" presStyleCnt="9"/>
-      <dgm:spPr/>
-    </dgm:pt>
-    <dgm:pt modelId="{163B084B-63D4-4E49-B3EB-27370305AEE5}" type="pres">
+    <dgm:pt modelId="{1DFAC620-1C0A-4E5A-8742-40A4B95EDE15}" type="pres">
       <dgm:prSet presAssocID="{B652451A-AD6D-4DFA-B925-9D21BB71A0C7}" presName="sibTrans" presStyleCnt="0"/>
       <dgm:spPr/>
+      <dgm:t>
+        <a:bodyPr/>
+        <a:lstStyle/>
+        <a:p>
+          <a:endParaRPr lang="de-DE"/>
+        </a:p>
+      </dgm:t>
     </dgm:pt>
-    <dgm:pt modelId="{1B27DFAA-4067-4CDA-9319-DFB815496060}" type="pres">
-      <dgm:prSet presAssocID="{B652451A-AD6D-4DFA-B925-9D21BB71A0C7}" presName="space" presStyleCnt="0"/>
-      <dgm:spPr/>
-    </dgm:pt>
-    <dgm:pt modelId="{5E67DAD9-27D1-4A1E-B6C0-459B16D95DAE}" type="pres">
-      <dgm:prSet presAssocID="{182E85C3-C0C1-4055-B42E-08657C1D36EB}" presName="composite" presStyleCnt="0"/>
-      <dgm:spPr/>
-    </dgm:pt>
-    <dgm:pt modelId="{404BCD33-CEBE-4D5E-A72A-293DD4A80C28}" type="pres">
-      <dgm:prSet presAssocID="{182E85C3-C0C1-4055-B42E-08657C1D36EB}" presName="LShape" presStyleLbl="alignNode1" presStyleIdx="2" presStyleCnt="9"/>
-      <dgm:spPr/>
-    </dgm:pt>
-    <dgm:pt modelId="{49408975-06AA-4BDB-97EE-39A2B5B65172}" type="pres">
-      <dgm:prSet presAssocID="{182E85C3-C0C1-4055-B42E-08657C1D36EB}" presName="ParentText" presStyleLbl="revTx" presStyleIdx="1" presStyleCnt="5" custScaleX="103934">
+    <dgm:pt modelId="{BA4718A9-DFD2-471C-969C-97F876ADC320}" type="pres">
+      <dgm:prSet presAssocID="{182E85C3-C0C1-4055-B42E-08657C1D36EB}" presName="textNode" presStyleLbl="node1" presStyleIdx="1" presStyleCnt="5">
         <dgm:presLayoutVars>
-          <dgm:chMax val="0"/>
-          <dgm:chPref val="0"/>
           <dgm:bulletEnabled val="1"/>
         </dgm:presLayoutVars>
       </dgm:prSet>
@@ -1856,31 +1851,20 @@
         </a:p>
       </dgm:t>
     </dgm:pt>
-    <dgm:pt modelId="{39D54914-F98B-46AF-A62F-C80B5168465D}" type="pres">
-      <dgm:prSet presAssocID="{182E85C3-C0C1-4055-B42E-08657C1D36EB}" presName="Triangle" presStyleLbl="alignNode1" presStyleIdx="3" presStyleCnt="9"/>
-      <dgm:spPr/>
-    </dgm:pt>
-    <dgm:pt modelId="{4567F7C4-375F-484E-AA3E-E97BDE61DB7B}" type="pres">
+    <dgm:pt modelId="{3A6E66EA-295C-476B-9A0B-DDE3BACDD29E}" type="pres">
       <dgm:prSet presAssocID="{53EC14C8-D3F0-4F81-A9BC-0E03B0043A69}" presName="sibTrans" presStyleCnt="0"/>
       <dgm:spPr/>
+      <dgm:t>
+        <a:bodyPr/>
+        <a:lstStyle/>
+        <a:p>
+          <a:endParaRPr lang="de-DE"/>
+        </a:p>
+      </dgm:t>
     </dgm:pt>
-    <dgm:pt modelId="{32A5D423-0B36-4B34-99B7-65CB3B96B3AE}" type="pres">
-      <dgm:prSet presAssocID="{53EC14C8-D3F0-4F81-A9BC-0E03B0043A69}" presName="space" presStyleCnt="0"/>
-      <dgm:spPr/>
-    </dgm:pt>
-    <dgm:pt modelId="{CD2AAD6F-BFF0-4F13-AF81-3E15B7C2CAA3}" type="pres">
-      <dgm:prSet presAssocID="{6043B0A8-44FC-4706-B37A-7F342ABD7CAE}" presName="composite" presStyleCnt="0"/>
-      <dgm:spPr/>
-    </dgm:pt>
-    <dgm:pt modelId="{F31C53CD-562E-4EE7-935D-F59CB0298959}" type="pres">
-      <dgm:prSet presAssocID="{6043B0A8-44FC-4706-B37A-7F342ABD7CAE}" presName="LShape" presStyleLbl="alignNode1" presStyleIdx="4" presStyleCnt="9"/>
-      <dgm:spPr/>
-    </dgm:pt>
-    <dgm:pt modelId="{41C4E12E-38CD-4528-8DC8-FA3E7A5D033F}" type="pres">
-      <dgm:prSet presAssocID="{6043B0A8-44FC-4706-B37A-7F342ABD7CAE}" presName="ParentText" presStyleLbl="revTx" presStyleIdx="2" presStyleCnt="5">
+    <dgm:pt modelId="{F3C847B4-E9D1-403C-BF56-3BADCB1909DC}" type="pres">
+      <dgm:prSet presAssocID="{6043B0A8-44FC-4706-B37A-7F342ABD7CAE}" presName="textNode" presStyleLbl="node1" presStyleIdx="2" presStyleCnt="5">
         <dgm:presLayoutVars>
-          <dgm:chMax val="0"/>
-          <dgm:chPref val="0"/>
           <dgm:bulletEnabled val="1"/>
         </dgm:presLayoutVars>
       </dgm:prSet>
@@ -1893,31 +1877,20 @@
         </a:p>
       </dgm:t>
     </dgm:pt>
-    <dgm:pt modelId="{B2E6B3F1-D6A9-473F-A3D8-87BE7275F81D}" type="pres">
-      <dgm:prSet presAssocID="{6043B0A8-44FC-4706-B37A-7F342ABD7CAE}" presName="Triangle" presStyleLbl="alignNode1" presStyleIdx="5" presStyleCnt="9"/>
-      <dgm:spPr/>
-    </dgm:pt>
-    <dgm:pt modelId="{A8C7035C-E079-4ACE-825E-7CBD47C64291}" type="pres">
+    <dgm:pt modelId="{234EE88E-99FE-4924-94DA-9FF4E9555BCE}" type="pres">
       <dgm:prSet presAssocID="{3B27F8F0-46DD-48CE-89ED-BD65A552898B}" presName="sibTrans" presStyleCnt="0"/>
       <dgm:spPr/>
+      <dgm:t>
+        <a:bodyPr/>
+        <a:lstStyle/>
+        <a:p>
+          <a:endParaRPr lang="de-DE"/>
+        </a:p>
+      </dgm:t>
     </dgm:pt>
-    <dgm:pt modelId="{62BD9F6B-9291-4149-B21D-B6723887784D}" type="pres">
-      <dgm:prSet presAssocID="{3B27F8F0-46DD-48CE-89ED-BD65A552898B}" presName="space" presStyleCnt="0"/>
-      <dgm:spPr/>
-    </dgm:pt>
-    <dgm:pt modelId="{00F724E3-552D-4362-BF84-479A077FF641}" type="pres">
-      <dgm:prSet presAssocID="{DBD17336-B141-494E-A31C-6EA653EE637A}" presName="composite" presStyleCnt="0"/>
-      <dgm:spPr/>
-    </dgm:pt>
-    <dgm:pt modelId="{FA8C4396-95FC-43B7-AD5D-867BEADACDF1}" type="pres">
-      <dgm:prSet presAssocID="{DBD17336-B141-494E-A31C-6EA653EE637A}" presName="LShape" presStyleLbl="alignNode1" presStyleIdx="6" presStyleCnt="9"/>
-      <dgm:spPr/>
-    </dgm:pt>
-    <dgm:pt modelId="{CB8E302D-B6B3-4357-A38F-1B39E75756AF}" type="pres">
-      <dgm:prSet presAssocID="{DBD17336-B141-494E-A31C-6EA653EE637A}" presName="ParentText" presStyleLbl="revTx" presStyleIdx="3" presStyleCnt="5">
+    <dgm:pt modelId="{62F66354-603A-41C3-B161-16A4A9E45F44}" type="pres">
+      <dgm:prSet presAssocID="{DBD17336-B141-494E-A31C-6EA653EE637A}" presName="textNode" presStyleLbl="node1" presStyleIdx="3" presStyleCnt="5">
         <dgm:presLayoutVars>
-          <dgm:chMax val="0"/>
-          <dgm:chPref val="0"/>
           <dgm:bulletEnabled val="1"/>
         </dgm:presLayoutVars>
       </dgm:prSet>
@@ -1930,31 +1903,20 @@
         </a:p>
       </dgm:t>
     </dgm:pt>
-    <dgm:pt modelId="{0E4CE61A-6A67-4F3C-9EBB-0DAC5686D681}" type="pres">
-      <dgm:prSet presAssocID="{DBD17336-B141-494E-A31C-6EA653EE637A}" presName="Triangle" presStyleLbl="alignNode1" presStyleIdx="7" presStyleCnt="9"/>
-      <dgm:spPr/>
-    </dgm:pt>
-    <dgm:pt modelId="{10F5BE76-B3BC-4FB8-8402-A68E7802F255}" type="pres">
+    <dgm:pt modelId="{CF5EF42C-6230-4D95-BFDA-B33635692A62}" type="pres">
       <dgm:prSet presAssocID="{A6141C16-1C65-42F9-8DF0-A27738FE79EE}" presName="sibTrans" presStyleCnt="0"/>
       <dgm:spPr/>
+      <dgm:t>
+        <a:bodyPr/>
+        <a:lstStyle/>
+        <a:p>
+          <a:endParaRPr lang="de-DE"/>
+        </a:p>
+      </dgm:t>
     </dgm:pt>
-    <dgm:pt modelId="{5A2C55C3-04F3-4986-894B-B8B061711641}" type="pres">
-      <dgm:prSet presAssocID="{A6141C16-1C65-42F9-8DF0-A27738FE79EE}" presName="space" presStyleCnt="0"/>
-      <dgm:spPr/>
-    </dgm:pt>
-    <dgm:pt modelId="{4669DF2F-DD6F-4E66-BA0D-6EB2D1C531FE}" type="pres">
-      <dgm:prSet presAssocID="{5245D8E1-9FDE-4633-85B7-BE42CD6AA787}" presName="composite" presStyleCnt="0"/>
-      <dgm:spPr/>
-    </dgm:pt>
-    <dgm:pt modelId="{6A433629-CB9E-4399-A77A-DEAEFC3E39C2}" type="pres">
-      <dgm:prSet presAssocID="{5245D8E1-9FDE-4633-85B7-BE42CD6AA787}" presName="LShape" presStyleLbl="alignNode1" presStyleIdx="8" presStyleCnt="9"/>
-      <dgm:spPr/>
-    </dgm:pt>
-    <dgm:pt modelId="{E92E13EE-0FC2-4C6F-B6F9-A9FA123682BA}" type="pres">
-      <dgm:prSet presAssocID="{5245D8E1-9FDE-4633-85B7-BE42CD6AA787}" presName="ParentText" presStyleLbl="revTx" presStyleIdx="4" presStyleCnt="5">
+    <dgm:pt modelId="{20382240-D5AC-4B89-8E53-73A8B41769F1}" type="pres">
+      <dgm:prSet presAssocID="{5245D8E1-9FDE-4633-85B7-BE42CD6AA787}" presName="textNode" presStyleLbl="node1" presStyleIdx="4" presStyleCnt="5">
         <dgm:presLayoutVars>
-          <dgm:chMax val="0"/>
-          <dgm:chPref val="0"/>
           <dgm:bulletEnabled val="1"/>
         </dgm:presLayoutVars>
       </dgm:prSet>
@@ -1969,179 +1931,200 @@
     </dgm:pt>
   </dgm:ptLst>
   <dgm:cxnLst>
+    <dgm:cxn modelId="{165AFAEA-5E3C-4D2F-B24C-8AB5DB51E1D8}" srcId="{DBD17336-B141-494E-A31C-6EA653EE637A}" destId="{8852547F-3DE1-4303-BABC-35751A1FFAA4}" srcOrd="1" destOrd="0" parTransId="{E3280EF4-38C9-4B21-B7E2-305ED52D9188}" sibTransId="{7EF36CEC-CFA4-4D2A-9ADF-9A92FE46FB8F}"/>
+    <dgm:cxn modelId="{F1608424-95E6-4187-9F50-C1AB10DFF465}" srcId="{42A7AF39-9F16-4BE0-9691-F2A4EAA889D5}" destId="{6043B0A8-44FC-4706-B37A-7F342ABD7CAE}" srcOrd="2" destOrd="0" parTransId="{D8109DA1-2E16-4DF6-A989-9DA006F96235}" sibTransId="{3B27F8F0-46DD-48CE-89ED-BD65A552898B}"/>
+    <dgm:cxn modelId="{5647984F-2F20-4C53-AFA6-A50F0B2D982A}" srcId="{42A7AF39-9F16-4BE0-9691-F2A4EAA889D5}" destId="{5245D8E1-9FDE-4633-85B7-BE42CD6AA787}" srcOrd="4" destOrd="0" parTransId="{55F15053-25F4-4161-BCA1-92DDB4FB32E9}" sibTransId="{B0D58DB8-A061-4E28-A244-8F898564CBF4}"/>
+    <dgm:cxn modelId="{E2E8D555-E2A1-4B5C-B90D-F16299503649}" srcId="{182E85C3-C0C1-4055-B42E-08657C1D36EB}" destId="{DDBD9E0E-2857-478B-9BFD-EB049F36A6F4}" srcOrd="1" destOrd="0" parTransId="{64FDB413-C3BC-4DF0-942B-0162F878BA5B}" sibTransId="{79BD68F6-F4B8-49E3-96CA-A2D68A915F02}"/>
+    <dgm:cxn modelId="{21C40A1C-D218-4855-8389-19E2BFED7B78}" type="presOf" srcId="{ABD30D39-23EC-4FCC-9B13-57D32A82A546}" destId="{F3C847B4-E9D1-403C-BF56-3BADCB1909DC}" srcOrd="0" destOrd="1" presId="urn:microsoft.com/office/officeart/2005/8/layout/hProcess9"/>
+    <dgm:cxn modelId="{742F0ED1-DC5E-4FDC-BC68-EC649BA19C45}" srcId="{B4BBFA07-05DD-4CDD-AC39-6342607DC2A1}" destId="{10E407B9-5FCC-4D3A-94D2-6AB25397AEC7}" srcOrd="0" destOrd="0" parTransId="{0560221A-0D57-438B-900A-B03E24CCA932}" sibTransId="{40E49337-7DC0-4E0E-B2C1-5C40A2AD0A26}"/>
+    <dgm:cxn modelId="{66704B5C-1B3A-4DE5-B794-CC8167E42596}" type="presOf" srcId="{182E85C3-C0C1-4055-B42E-08657C1D36EB}" destId="{BA4718A9-DFD2-471C-969C-97F876ADC320}" srcOrd="0" destOrd="0" presId="urn:microsoft.com/office/officeart/2005/8/layout/hProcess9"/>
+    <dgm:cxn modelId="{08E746BB-D95F-4886-82E3-5ED9A83CD38E}" type="presOf" srcId="{FCE05639-9A34-421D-9FD3-79EEF57498D8}" destId="{62F66354-603A-41C3-B161-16A4A9E45F44}" srcOrd="0" destOrd="1" presId="urn:microsoft.com/office/officeart/2005/8/layout/hProcess9"/>
+    <dgm:cxn modelId="{549CF814-C607-4921-A024-5CFAC5637540}" srcId="{5245D8E1-9FDE-4633-85B7-BE42CD6AA787}" destId="{AD34B4C5-1A81-4AC6-A5F9-35CC4DC5D843}" srcOrd="0" destOrd="0" parTransId="{FD6F77B6-DA9F-491F-B649-F16E90DA55B0}" sibTransId="{8B95582E-B691-45DD-8D9C-114E0B7A4E01}"/>
+    <dgm:cxn modelId="{1ADAA526-6B24-45CB-89D0-518E04A3D93F}" srcId="{182E85C3-C0C1-4055-B42E-08657C1D36EB}" destId="{3F8391EC-2E89-41BC-979F-48D4E21A811C}" srcOrd="2" destOrd="0" parTransId="{E9716149-5B95-4904-8590-6A93EE8C5197}" sibTransId="{BFA852D6-66A0-4365-B195-CB67CFDCDE73}"/>
+    <dgm:cxn modelId="{607F61A3-2D5A-4D02-89FC-B7345F88B402}" type="presOf" srcId="{1E975C45-1647-472C-8812-EFF81A215801}" destId="{BA4718A9-DFD2-471C-969C-97F876ADC320}" srcOrd="0" destOrd="5" presId="urn:microsoft.com/office/officeart/2005/8/layout/hProcess9"/>
+    <dgm:cxn modelId="{63AA4ECF-F510-4F05-A169-468A7E8A96E5}" type="presOf" srcId="{6043B0A8-44FC-4706-B37A-7F342ABD7CAE}" destId="{F3C847B4-E9D1-403C-BF56-3BADCB1909DC}" srcOrd="0" destOrd="0" presId="urn:microsoft.com/office/officeart/2005/8/layout/hProcess9"/>
+    <dgm:cxn modelId="{4AA9AB66-BA44-475B-A8A8-30AD54C4CD1A}" srcId="{6043B0A8-44FC-4706-B37A-7F342ABD7CAE}" destId="{1D2BD1DA-3657-4A8C-9785-D7282AB16A84}" srcOrd="3" destOrd="0" parTransId="{13AD18B7-6C9D-4DA5-8CF7-426D68467982}" sibTransId="{5FB73046-B1E2-46DC-A2CC-49B3DBF79A17}"/>
+    <dgm:cxn modelId="{C36FF4DC-CCD6-47E2-9C05-747BCCD4C37E}" type="presOf" srcId="{2739C324-A41E-4970-8A01-796A2C795ACC}" destId="{BA4718A9-DFD2-471C-969C-97F876ADC320}" srcOrd="0" destOrd="1" presId="urn:microsoft.com/office/officeart/2005/8/layout/hProcess9"/>
+    <dgm:cxn modelId="{5DFF5E92-6524-4E83-9A7E-3FD2AE1E0B19}" srcId="{42A7AF39-9F16-4BE0-9691-F2A4EAA889D5}" destId="{B4BBFA07-05DD-4CDD-AC39-6342607DC2A1}" srcOrd="0" destOrd="0" parTransId="{4C9357AE-0A8A-4E31-8803-F14E79C0DCAE}" sibTransId="{B652451A-AD6D-4DFA-B925-9D21BB71A0C7}"/>
+    <dgm:cxn modelId="{C75F7C68-8484-4A91-B6A3-583D73E6BC93}" type="presOf" srcId="{124AB731-44F7-42FC-A2C7-6A103755875A}" destId="{BA4718A9-DFD2-471C-969C-97F876ADC320}" srcOrd="0" destOrd="4" presId="urn:microsoft.com/office/officeart/2005/8/layout/hProcess9"/>
+    <dgm:cxn modelId="{60C1C020-F1A3-4D32-B6BC-9893F6A3628C}" type="presOf" srcId="{360394FA-829F-403E-9AF0-5F6CF96DFD1E}" destId="{8C0195AE-96DF-44DB-8CA5-EA3E73389D9C}" srcOrd="0" destOrd="4" presId="urn:microsoft.com/office/officeart/2005/8/layout/hProcess9"/>
+    <dgm:cxn modelId="{A4E4E3C8-7B99-4F7C-A2C4-16D3A3CA62E3}" type="presOf" srcId="{DDBD9E0E-2857-478B-9BFD-EB049F36A6F4}" destId="{BA4718A9-DFD2-471C-969C-97F876ADC320}" srcOrd="0" destOrd="2" presId="urn:microsoft.com/office/officeart/2005/8/layout/hProcess9"/>
+    <dgm:cxn modelId="{E98B806D-7427-40E5-9217-58A7BBA4F702}" type="presOf" srcId="{BFAD5C6C-3CCC-47DA-B82A-97A0E60E41A5}" destId="{8C0195AE-96DF-44DB-8CA5-EA3E73389D9C}" srcOrd="0" destOrd="2" presId="urn:microsoft.com/office/officeart/2005/8/layout/hProcess9"/>
+    <dgm:cxn modelId="{3F65C4C7-8DE4-4F28-82C5-0662EBCF8C0E}" srcId="{DBD17336-B141-494E-A31C-6EA653EE637A}" destId="{FCE05639-9A34-421D-9FD3-79EEF57498D8}" srcOrd="0" destOrd="0" parTransId="{F3903BDF-F0ED-4A06-8C1B-A96D8DDD8DDC}" sibTransId="{4F6AA9F8-0B5F-499B-AE30-3D935C570E4E}"/>
+    <dgm:cxn modelId="{DB1CAB31-0E81-4807-9A4F-8B2AC71839A2}" type="presOf" srcId="{1D2BD1DA-3657-4A8C-9785-D7282AB16A84}" destId="{F3C847B4-E9D1-403C-BF56-3BADCB1909DC}" srcOrd="0" destOrd="4" presId="urn:microsoft.com/office/officeart/2005/8/layout/hProcess9"/>
+    <dgm:cxn modelId="{24BACCAC-AE3B-4A99-B678-9387F463D2EF}" srcId="{6043B0A8-44FC-4706-B37A-7F342ABD7CAE}" destId="{60FFB2DA-71E2-4B60-8F03-B97F02814FE8}" srcOrd="1" destOrd="0" parTransId="{F5495816-0C9E-4B5B-A238-F565E58D7803}" sibTransId="{D06C6867-E1BA-43A9-A6CE-AE88C2CD94FD}"/>
+    <dgm:cxn modelId="{2198E06B-EBEE-42F2-BF31-52AD13E73BC6}" srcId="{42A7AF39-9F16-4BE0-9691-F2A4EAA889D5}" destId="{DBD17336-B141-494E-A31C-6EA653EE637A}" srcOrd="3" destOrd="0" parTransId="{09A6F55D-0974-44D2-B12D-48E16F3D0029}" sibTransId="{A6141C16-1C65-42F9-8DF0-A27738FE79EE}"/>
+    <dgm:cxn modelId="{B317833C-6656-437C-8CFB-9E1078BA4F7B}" srcId="{B4BBFA07-05DD-4CDD-AC39-6342607DC2A1}" destId="{BFAD5C6C-3CCC-47DA-B82A-97A0E60E41A5}" srcOrd="1" destOrd="0" parTransId="{2AC788DB-883E-4B3F-8E32-FB8F2C3C80B9}" sibTransId="{0A4F5D0E-4864-4480-8E69-940E5490226B}"/>
+    <dgm:cxn modelId="{929DDD9F-A144-4496-902C-7A0CEA79C4C8}" srcId="{5245D8E1-9FDE-4633-85B7-BE42CD6AA787}" destId="{8693C395-BAA7-449A-ACDD-FFFEEE0DC862}" srcOrd="1" destOrd="0" parTransId="{0DB5F330-DE96-4670-8EFA-8B7B45CEA34D}" sibTransId="{87BE7E65-1B97-4314-AB36-B212E2476EE6}"/>
+    <dgm:cxn modelId="{3A080199-5708-4D95-BDC6-677CE1E53018}" srcId="{B4BBFA07-05DD-4CDD-AC39-6342607DC2A1}" destId="{360394FA-829F-403E-9AF0-5F6CF96DFD1E}" srcOrd="3" destOrd="0" parTransId="{A75ACD84-8BFD-4E17-B22A-BCE08E0C1060}" sibTransId="{47CD002A-17EB-41C8-A521-C511E59926EB}"/>
+    <dgm:cxn modelId="{58ECD606-DF49-456C-92CC-3FC995338DA5}" srcId="{182E85C3-C0C1-4055-B42E-08657C1D36EB}" destId="{1E975C45-1647-472C-8812-EFF81A215801}" srcOrd="4" destOrd="0" parTransId="{11DCAC3E-4C2C-4945-B245-E7C69099CB34}" sibTransId="{50A0534A-8921-429F-AEBF-0E0D60438255}"/>
+    <dgm:cxn modelId="{6595E131-DCFC-4660-A166-B06A9C58E5A3}" srcId="{182E85C3-C0C1-4055-B42E-08657C1D36EB}" destId="{124AB731-44F7-42FC-A2C7-6A103755875A}" srcOrd="3" destOrd="0" parTransId="{903CC23E-A10B-484A-8A4F-24054DDF4137}" sibTransId="{C0BE0EF1-E06D-43E6-AF12-3CA2033E2AE2}"/>
+    <dgm:cxn modelId="{EFB2B553-798E-499E-868E-5A323D49D87B}" type="presOf" srcId="{8852547F-3DE1-4303-BABC-35751A1FFAA4}" destId="{62F66354-603A-41C3-B161-16A4A9E45F44}" srcOrd="0" destOrd="2" presId="urn:microsoft.com/office/officeart/2005/8/layout/hProcess9"/>
     <dgm:cxn modelId="{8130EFA1-7C19-4707-918B-EBD61B992DC1}" srcId="{182E85C3-C0C1-4055-B42E-08657C1D36EB}" destId="{2739C324-A41E-4970-8A01-796A2C795ACC}" srcOrd="0" destOrd="0" parTransId="{34EABE2C-343C-4A99-94EF-992C7B2864FB}" sibTransId="{E3CAAA70-690B-43D6-AD4A-610350C2031C}"/>
-    <dgm:cxn modelId="{3F65C4C7-8DE4-4F28-82C5-0662EBCF8C0E}" srcId="{DBD17336-B141-494E-A31C-6EA653EE637A}" destId="{FCE05639-9A34-421D-9FD3-79EEF57498D8}" srcOrd="0" destOrd="0" parTransId="{F3903BDF-F0ED-4A06-8C1B-A96D8DDD8DDC}" sibTransId="{4F6AA9F8-0B5F-499B-AE30-3D935C570E4E}"/>
-    <dgm:cxn modelId="{147788A7-2779-456E-B258-73484AAD0795}" type="presOf" srcId="{60FFB2DA-71E2-4B60-8F03-B97F02814FE8}" destId="{41C4E12E-38CD-4528-8DC8-FA3E7A5D033F}" srcOrd="0" destOrd="2" presId="urn:microsoft.com/office/officeart/2009/3/layout/StepUpProcess"/>
-    <dgm:cxn modelId="{B8F0145C-8308-460B-8FAB-8B1FBF02104D}" type="presOf" srcId="{8852547F-3DE1-4303-BABC-35751A1FFAA4}" destId="{CB8E302D-B6B3-4357-A38F-1B39E75756AF}" srcOrd="0" destOrd="2" presId="urn:microsoft.com/office/officeart/2009/3/layout/StepUpProcess"/>
-    <dgm:cxn modelId="{FE91AF71-63CF-490B-BCB5-D34589C9613E}" type="presOf" srcId="{1D2BD1DA-3657-4A8C-9785-D7282AB16A84}" destId="{41C4E12E-38CD-4528-8DC8-FA3E7A5D033F}" srcOrd="0" destOrd="4" presId="urn:microsoft.com/office/officeart/2009/3/layout/StepUpProcess"/>
-    <dgm:cxn modelId="{DA08D63A-B9EE-44A4-92C2-A70A4B6E5A2B}" type="presOf" srcId="{BFAD5C6C-3CCC-47DA-B82A-97A0E60E41A5}" destId="{2DE05352-9E55-41AB-8A05-49E73E35CA67}" srcOrd="0" destOrd="2" presId="urn:microsoft.com/office/officeart/2009/3/layout/StepUpProcess"/>
-    <dgm:cxn modelId="{F1608424-95E6-4187-9F50-C1AB10DFF465}" srcId="{42A7AF39-9F16-4BE0-9691-F2A4EAA889D5}" destId="{6043B0A8-44FC-4706-B37A-7F342ABD7CAE}" srcOrd="2" destOrd="0" parTransId="{D8109DA1-2E16-4DF6-A989-9DA006F96235}" sibTransId="{3B27F8F0-46DD-48CE-89ED-BD65A552898B}"/>
-    <dgm:cxn modelId="{5DFF5E92-6524-4E83-9A7E-3FD2AE1E0B19}" srcId="{42A7AF39-9F16-4BE0-9691-F2A4EAA889D5}" destId="{B4BBFA07-05DD-4CDD-AC39-6342607DC2A1}" srcOrd="0" destOrd="0" parTransId="{4C9357AE-0A8A-4E31-8803-F14E79C0DCAE}" sibTransId="{B652451A-AD6D-4DFA-B925-9D21BB71A0C7}"/>
-    <dgm:cxn modelId="{D4427064-C3A1-4CD7-9480-2E06E0E918CA}" type="presOf" srcId="{AD34B4C5-1A81-4AC6-A5F9-35CC4DC5D843}" destId="{E92E13EE-0FC2-4C6F-B6F9-A9FA123682BA}" srcOrd="0" destOrd="1" presId="urn:microsoft.com/office/officeart/2009/3/layout/StepUpProcess"/>
-    <dgm:cxn modelId="{742F0ED1-DC5E-4FDC-BC68-EC649BA19C45}" srcId="{B4BBFA07-05DD-4CDD-AC39-6342607DC2A1}" destId="{10E407B9-5FCC-4D3A-94D2-6AB25397AEC7}" srcOrd="0" destOrd="0" parTransId="{0560221A-0D57-438B-900A-B03E24CCA932}" sibTransId="{40E49337-7DC0-4E0E-B2C1-5C40A2AD0A26}"/>
-    <dgm:cxn modelId="{59B3A881-E38B-4FAA-A234-B97E25DCFFBB}" type="presOf" srcId="{8693C395-BAA7-449A-ACDD-FFFEEE0DC862}" destId="{E92E13EE-0FC2-4C6F-B6F9-A9FA123682BA}" srcOrd="0" destOrd="2" presId="urn:microsoft.com/office/officeart/2009/3/layout/StepUpProcess"/>
-    <dgm:cxn modelId="{96E1826D-A600-4700-8556-6C6BBEFC9865}" type="presOf" srcId="{DBD17336-B141-494E-A31C-6EA653EE637A}" destId="{CB8E302D-B6B3-4357-A38F-1B39E75756AF}" srcOrd="0" destOrd="0" presId="urn:microsoft.com/office/officeart/2009/3/layout/StepUpProcess"/>
-    <dgm:cxn modelId="{58ECD606-DF49-456C-92CC-3FC995338DA5}" srcId="{182E85C3-C0C1-4055-B42E-08657C1D36EB}" destId="{1E975C45-1647-472C-8812-EFF81A215801}" srcOrd="4" destOrd="0" parTransId="{11DCAC3E-4C2C-4945-B245-E7C69099CB34}" sibTransId="{50A0534A-8921-429F-AEBF-0E0D60438255}"/>
-    <dgm:cxn modelId="{E2E8D555-E2A1-4B5C-B90D-F16299503649}" srcId="{182E85C3-C0C1-4055-B42E-08657C1D36EB}" destId="{DDBD9E0E-2857-478B-9BFD-EB049F36A6F4}" srcOrd="1" destOrd="0" parTransId="{64FDB413-C3BC-4DF0-942B-0162F878BA5B}" sibTransId="{79BD68F6-F4B8-49E3-96CA-A2D68A915F02}"/>
-    <dgm:cxn modelId="{2EFC6ECC-2A1D-49AA-9A00-0D10690547BC}" type="presOf" srcId="{5245D8E1-9FDE-4633-85B7-BE42CD6AA787}" destId="{E92E13EE-0FC2-4C6F-B6F9-A9FA123682BA}" srcOrd="0" destOrd="0" presId="urn:microsoft.com/office/officeart/2009/3/layout/StepUpProcess"/>
-    <dgm:cxn modelId="{FC10460B-50DF-4D26-9442-DC72FF8CB078}" type="presOf" srcId="{42A7AF39-9F16-4BE0-9691-F2A4EAA889D5}" destId="{15924F1D-DFFE-44B8-9A4D-64F79E9D1294}" srcOrd="0" destOrd="0" presId="urn:microsoft.com/office/officeart/2009/3/layout/StepUpProcess"/>
-    <dgm:cxn modelId="{3A2AB074-10D5-4BC7-85E4-CE17B7E60BE3}" type="presOf" srcId="{360394FA-829F-403E-9AF0-5F6CF96DFD1E}" destId="{2DE05352-9E55-41AB-8A05-49E73E35CA67}" srcOrd="0" destOrd="4" presId="urn:microsoft.com/office/officeart/2009/3/layout/StepUpProcess"/>
-    <dgm:cxn modelId="{0AA5296D-0018-4285-B040-A470E27A3E17}" type="presOf" srcId="{3F8391EC-2E89-41BC-979F-48D4E21A811C}" destId="{49408975-06AA-4BDB-97EE-39A2B5B65172}" srcOrd="0" destOrd="3" presId="urn:microsoft.com/office/officeart/2009/3/layout/StepUpProcess"/>
-    <dgm:cxn modelId="{165AFAEA-5E3C-4D2F-B24C-8AB5DB51E1D8}" srcId="{DBD17336-B141-494E-A31C-6EA653EE637A}" destId="{8852547F-3DE1-4303-BABC-35751A1FFAA4}" srcOrd="1" destOrd="0" parTransId="{E3280EF4-38C9-4B21-B7E2-305ED52D9188}" sibTransId="{7EF36CEC-CFA4-4D2A-9ADF-9A92FE46FB8F}"/>
-    <dgm:cxn modelId="{3A080199-5708-4D95-BDC6-677CE1E53018}" srcId="{B4BBFA07-05DD-4CDD-AC39-6342607DC2A1}" destId="{360394FA-829F-403E-9AF0-5F6CF96DFD1E}" srcOrd="3" destOrd="0" parTransId="{A75ACD84-8BFD-4E17-B22A-BCE08E0C1060}" sibTransId="{47CD002A-17EB-41C8-A521-C511E59926EB}"/>
-    <dgm:cxn modelId="{2332A261-0B55-41F1-90E2-7FF6C56C18CE}" type="presOf" srcId="{1E975C45-1647-472C-8812-EFF81A215801}" destId="{49408975-06AA-4BDB-97EE-39A2B5B65172}" srcOrd="0" destOrd="5" presId="urn:microsoft.com/office/officeart/2009/3/layout/StepUpProcess"/>
+    <dgm:cxn modelId="{9423DADA-472C-41D9-88AD-46BB03D27D4E}" srcId="{6043B0A8-44FC-4706-B37A-7F342ABD7CAE}" destId="{ABD30D39-23EC-4FCC-9B13-57D32A82A546}" srcOrd="0" destOrd="0" parTransId="{C5A94903-DF8D-4907-A3E8-951CE956DA5D}" sibTransId="{3EF7BC8F-673B-4ADA-9436-138C06DF52D8}"/>
+    <dgm:cxn modelId="{4296771F-3E76-4B6E-BCA1-FFBE218B6B73}" type="presOf" srcId="{10E407B9-5FCC-4D3A-94D2-6AB25397AEC7}" destId="{8C0195AE-96DF-44DB-8CA5-EA3E73389D9C}" srcOrd="0" destOrd="1" presId="urn:microsoft.com/office/officeart/2005/8/layout/hProcess9"/>
+    <dgm:cxn modelId="{1CE0B2E1-B57A-47FF-B7CD-0A610852C41C}" type="presOf" srcId="{60FFB2DA-71E2-4B60-8F03-B97F02814FE8}" destId="{F3C847B4-E9D1-403C-BF56-3BADCB1909DC}" srcOrd="0" destOrd="2" presId="urn:microsoft.com/office/officeart/2005/8/layout/hProcess9"/>
+    <dgm:cxn modelId="{238D6892-0E24-4060-A415-A69BB6AA037E}" type="presOf" srcId="{27323C3F-7D4E-44F5-9FA3-413CFCD7B174}" destId="{8C0195AE-96DF-44DB-8CA5-EA3E73389D9C}" srcOrd="0" destOrd="3" presId="urn:microsoft.com/office/officeart/2005/8/layout/hProcess9"/>
+    <dgm:cxn modelId="{03C82376-6DFF-4B7E-B036-A886B0520F93}" type="presOf" srcId="{DBD17336-B141-494E-A31C-6EA653EE637A}" destId="{62F66354-603A-41C3-B161-16A4A9E45F44}" srcOrd="0" destOrd="0" presId="urn:microsoft.com/office/officeart/2005/8/layout/hProcess9"/>
     <dgm:cxn modelId="{DECDAAFB-95F9-4E08-902E-357CAE6BE867}" srcId="{42A7AF39-9F16-4BE0-9691-F2A4EAA889D5}" destId="{182E85C3-C0C1-4055-B42E-08657C1D36EB}" srcOrd="1" destOrd="0" parTransId="{0A1F7A6C-A332-4BAC-A0D1-C846CF97F4EC}" sibTransId="{53EC14C8-D3F0-4F81-A9BC-0E03B0043A69}"/>
+    <dgm:cxn modelId="{9E16A8B2-B87E-4EC6-8F80-A092713ABD93}" type="presOf" srcId="{64A53441-CA35-4183-98A4-98146221F8AE}" destId="{F3C847B4-E9D1-403C-BF56-3BADCB1909DC}" srcOrd="0" destOrd="3" presId="urn:microsoft.com/office/officeart/2005/8/layout/hProcess9"/>
+    <dgm:cxn modelId="{CA27D4C9-7305-47C1-B558-E71A93D8B295}" type="presOf" srcId="{AD34B4C5-1A81-4AC6-A5F9-35CC4DC5D843}" destId="{20382240-D5AC-4B89-8E53-73A8B41769F1}" srcOrd="0" destOrd="1" presId="urn:microsoft.com/office/officeart/2005/8/layout/hProcess9"/>
+    <dgm:cxn modelId="{F99FE896-AED4-426E-B77C-0AB5248E0CCE}" srcId="{6043B0A8-44FC-4706-B37A-7F342ABD7CAE}" destId="{64A53441-CA35-4183-98A4-98146221F8AE}" srcOrd="2" destOrd="0" parTransId="{34A59247-41BB-4387-901C-F4B4BA0ABC20}" sibTransId="{0C284384-0EF7-4A62-BF30-04B34F7CD0AC}"/>
     <dgm:cxn modelId="{3DE7FD94-D5E7-407C-989B-2C1F91B4CE03}" srcId="{B4BBFA07-05DD-4CDD-AC39-6342607DC2A1}" destId="{27323C3F-7D4E-44F5-9FA3-413CFCD7B174}" srcOrd="2" destOrd="0" parTransId="{18FA00AE-387D-4A8D-981A-94EDEBCA8EC2}" sibTransId="{D4734B30-AB73-4712-B278-2895E8608C4E}"/>
-    <dgm:cxn modelId="{4AA9AB66-BA44-475B-A8A8-30AD54C4CD1A}" srcId="{6043B0A8-44FC-4706-B37A-7F342ABD7CAE}" destId="{1D2BD1DA-3657-4A8C-9785-D7282AB16A84}" srcOrd="3" destOrd="0" parTransId="{13AD18B7-6C9D-4DA5-8CF7-426D68467982}" sibTransId="{5FB73046-B1E2-46DC-A2CC-49B3DBF79A17}"/>
-    <dgm:cxn modelId="{F1889F2E-D478-44D1-95C5-34A8B81E679D}" type="presOf" srcId="{ABD30D39-23EC-4FCC-9B13-57D32A82A546}" destId="{41C4E12E-38CD-4528-8DC8-FA3E7A5D033F}" srcOrd="0" destOrd="1" presId="urn:microsoft.com/office/officeart/2009/3/layout/StepUpProcess"/>
-    <dgm:cxn modelId="{16CC829F-DE06-4051-9B19-2D0E545FC101}" type="presOf" srcId="{A967B292-09E8-4E01-8A94-A81D6D92DBDD}" destId="{41C4E12E-38CD-4528-8DC8-FA3E7A5D033F}" srcOrd="0" destOrd="3" presId="urn:microsoft.com/office/officeart/2009/3/layout/StepUpProcess"/>
-    <dgm:cxn modelId="{80A6A1ED-969B-42DE-82DC-502731430260}" type="presOf" srcId="{6043B0A8-44FC-4706-B37A-7F342ABD7CAE}" destId="{41C4E12E-38CD-4528-8DC8-FA3E7A5D033F}" srcOrd="0" destOrd="0" presId="urn:microsoft.com/office/officeart/2009/3/layout/StepUpProcess"/>
-    <dgm:cxn modelId="{8ABCB6FD-1737-423C-93EC-40BB9C7CF745}" type="presOf" srcId="{27323C3F-7D4E-44F5-9FA3-413CFCD7B174}" destId="{2DE05352-9E55-41AB-8A05-49E73E35CA67}" srcOrd="0" destOrd="3" presId="urn:microsoft.com/office/officeart/2009/3/layout/StepUpProcess"/>
-    <dgm:cxn modelId="{2EA9FA6D-82C5-4D6D-96E2-190B9F45C64F}" type="presOf" srcId="{DDBD9E0E-2857-478B-9BFD-EB049F36A6F4}" destId="{49408975-06AA-4BDB-97EE-39A2B5B65172}" srcOrd="0" destOrd="2" presId="urn:microsoft.com/office/officeart/2009/3/layout/StepUpProcess"/>
-    <dgm:cxn modelId="{C2E7BCFE-AD34-4091-A98F-E1ADE8B86F48}" type="presOf" srcId="{124AB731-44F7-42FC-A2C7-6A103755875A}" destId="{49408975-06AA-4BDB-97EE-39A2B5B65172}" srcOrd="0" destOrd="4" presId="urn:microsoft.com/office/officeart/2009/3/layout/StepUpProcess"/>
-    <dgm:cxn modelId="{B317833C-6656-437C-8CFB-9E1078BA4F7B}" srcId="{B4BBFA07-05DD-4CDD-AC39-6342607DC2A1}" destId="{BFAD5C6C-3CCC-47DA-B82A-97A0E60E41A5}" srcOrd="1" destOrd="0" parTransId="{2AC788DB-883E-4B3F-8E32-FB8F2C3C80B9}" sibTransId="{0A4F5D0E-4864-4480-8E69-940E5490226B}"/>
-    <dgm:cxn modelId="{4136FEBA-F98C-4772-9D11-CF2BB82C9521}" type="presOf" srcId="{182E85C3-C0C1-4055-B42E-08657C1D36EB}" destId="{49408975-06AA-4BDB-97EE-39A2B5B65172}" srcOrd="0" destOrd="0" presId="urn:microsoft.com/office/officeart/2009/3/layout/StepUpProcess"/>
-    <dgm:cxn modelId="{6595E131-DCFC-4660-A166-B06A9C58E5A3}" srcId="{182E85C3-C0C1-4055-B42E-08657C1D36EB}" destId="{124AB731-44F7-42FC-A2C7-6A103755875A}" srcOrd="3" destOrd="0" parTransId="{903CC23E-A10B-484A-8A4F-24054DDF4137}" sibTransId="{C0BE0EF1-E06D-43E6-AF12-3CA2033E2AE2}"/>
-    <dgm:cxn modelId="{2B5E4E51-EEF5-4BB3-97DE-EBD9B45E11FF}" type="presOf" srcId="{FCE05639-9A34-421D-9FD3-79EEF57498D8}" destId="{CB8E302D-B6B3-4357-A38F-1B39E75756AF}" srcOrd="0" destOrd="1" presId="urn:microsoft.com/office/officeart/2009/3/layout/StepUpProcess"/>
-    <dgm:cxn modelId="{F7908085-1A04-433D-B269-85C12971F30D}" type="presOf" srcId="{B4BBFA07-05DD-4CDD-AC39-6342607DC2A1}" destId="{2DE05352-9E55-41AB-8A05-49E73E35CA67}" srcOrd="0" destOrd="0" presId="urn:microsoft.com/office/officeart/2009/3/layout/StepUpProcess"/>
-    <dgm:cxn modelId="{929DDD9F-A144-4496-902C-7A0CEA79C4C8}" srcId="{5245D8E1-9FDE-4633-85B7-BE42CD6AA787}" destId="{8693C395-BAA7-449A-ACDD-FFFEEE0DC862}" srcOrd="1" destOrd="0" parTransId="{0DB5F330-DE96-4670-8EFA-8B7B45CEA34D}" sibTransId="{87BE7E65-1B97-4314-AB36-B212E2476EE6}"/>
-    <dgm:cxn modelId="{99EA9B64-3C5A-473B-A35C-FDA18DD70345}" type="presOf" srcId="{2739C324-A41E-4970-8A01-796A2C795ACC}" destId="{49408975-06AA-4BDB-97EE-39A2B5B65172}" srcOrd="0" destOrd="1" presId="urn:microsoft.com/office/officeart/2009/3/layout/StepUpProcess"/>
-    <dgm:cxn modelId="{1ADAA526-6B24-45CB-89D0-518E04A3D93F}" srcId="{182E85C3-C0C1-4055-B42E-08657C1D36EB}" destId="{3F8391EC-2E89-41BC-979F-48D4E21A811C}" srcOrd="2" destOrd="0" parTransId="{E9716149-5B95-4904-8590-6A93EE8C5197}" sibTransId="{BFA852D6-66A0-4365-B195-CB67CFDCDE73}"/>
-    <dgm:cxn modelId="{5647984F-2F20-4C53-AFA6-A50F0B2D982A}" srcId="{42A7AF39-9F16-4BE0-9691-F2A4EAA889D5}" destId="{5245D8E1-9FDE-4633-85B7-BE42CD6AA787}" srcOrd="4" destOrd="0" parTransId="{55F15053-25F4-4161-BCA1-92DDB4FB32E9}" sibTransId="{B0D58DB8-A061-4E28-A244-8F898564CBF4}"/>
-    <dgm:cxn modelId="{24BACCAC-AE3B-4A99-B678-9387F463D2EF}" srcId="{6043B0A8-44FC-4706-B37A-7F342ABD7CAE}" destId="{60FFB2DA-71E2-4B60-8F03-B97F02814FE8}" srcOrd="1" destOrd="0" parTransId="{F5495816-0C9E-4B5B-A238-F565E58D7803}" sibTransId="{D06C6867-E1BA-43A9-A6CE-AE88C2CD94FD}"/>
-    <dgm:cxn modelId="{FEA06E14-6714-460E-A2C4-76AF673D96B2}" srcId="{6043B0A8-44FC-4706-B37A-7F342ABD7CAE}" destId="{A967B292-09E8-4E01-8A94-A81D6D92DBDD}" srcOrd="2" destOrd="0" parTransId="{83978787-CABD-419D-BEFF-2326C86E307F}" sibTransId="{966BBEAF-F424-4C1B-9F50-D3530EDBD3F4}"/>
-    <dgm:cxn modelId="{B7AD1B12-7AFB-4FDC-9EC7-F852FAC685F4}" type="presOf" srcId="{10E407B9-5FCC-4D3A-94D2-6AB25397AEC7}" destId="{2DE05352-9E55-41AB-8A05-49E73E35CA67}" srcOrd="0" destOrd="1" presId="urn:microsoft.com/office/officeart/2009/3/layout/StepUpProcess"/>
-    <dgm:cxn modelId="{549CF814-C607-4921-A024-5CFAC5637540}" srcId="{5245D8E1-9FDE-4633-85B7-BE42CD6AA787}" destId="{AD34B4C5-1A81-4AC6-A5F9-35CC4DC5D843}" srcOrd="0" destOrd="0" parTransId="{FD6F77B6-DA9F-491F-B649-F16E90DA55B0}" sibTransId="{8B95582E-B691-45DD-8D9C-114E0B7A4E01}"/>
-    <dgm:cxn modelId="{9423DADA-472C-41D9-88AD-46BB03D27D4E}" srcId="{6043B0A8-44FC-4706-B37A-7F342ABD7CAE}" destId="{ABD30D39-23EC-4FCC-9B13-57D32A82A546}" srcOrd="0" destOrd="0" parTransId="{C5A94903-DF8D-4907-A3E8-951CE956DA5D}" sibTransId="{3EF7BC8F-673B-4ADA-9436-138C06DF52D8}"/>
-    <dgm:cxn modelId="{2198E06B-EBEE-42F2-BF31-52AD13E73BC6}" srcId="{42A7AF39-9F16-4BE0-9691-F2A4EAA889D5}" destId="{DBD17336-B141-494E-A31C-6EA653EE637A}" srcOrd="3" destOrd="0" parTransId="{09A6F55D-0974-44D2-B12D-48E16F3D0029}" sibTransId="{A6141C16-1C65-42F9-8DF0-A27738FE79EE}"/>
-    <dgm:cxn modelId="{A72DAA56-5984-476C-B5C1-B5B57F220272}" type="presParOf" srcId="{15924F1D-DFFE-44B8-9A4D-64F79E9D1294}" destId="{BB78FA45-E9B1-4CCB-B3B1-6CFA0CEF3944}" srcOrd="0" destOrd="0" presId="urn:microsoft.com/office/officeart/2009/3/layout/StepUpProcess"/>
-    <dgm:cxn modelId="{8A6F381A-1796-4BC5-8508-5CF7C9E6D2EA}" type="presParOf" srcId="{BB78FA45-E9B1-4CCB-B3B1-6CFA0CEF3944}" destId="{3EAD6723-0198-42FA-A966-C636D421C4A3}" srcOrd="0" destOrd="0" presId="urn:microsoft.com/office/officeart/2009/3/layout/StepUpProcess"/>
-    <dgm:cxn modelId="{1582D3C5-6EEE-4DE9-8525-A6F88042F966}" type="presParOf" srcId="{BB78FA45-E9B1-4CCB-B3B1-6CFA0CEF3944}" destId="{2DE05352-9E55-41AB-8A05-49E73E35CA67}" srcOrd="1" destOrd="0" presId="urn:microsoft.com/office/officeart/2009/3/layout/StepUpProcess"/>
-    <dgm:cxn modelId="{09B4E4E9-479F-4910-81C9-51954ACD3F24}" type="presParOf" srcId="{BB78FA45-E9B1-4CCB-B3B1-6CFA0CEF3944}" destId="{C9DEE7F5-E11A-4A08-9476-B079D00A7F6B}" srcOrd="2" destOrd="0" presId="urn:microsoft.com/office/officeart/2009/3/layout/StepUpProcess"/>
-    <dgm:cxn modelId="{BDEE5E3E-9C77-4E75-A761-37D7EF440E83}" type="presParOf" srcId="{15924F1D-DFFE-44B8-9A4D-64F79E9D1294}" destId="{163B084B-63D4-4E49-B3EB-27370305AEE5}" srcOrd="1" destOrd="0" presId="urn:microsoft.com/office/officeart/2009/3/layout/StepUpProcess"/>
-    <dgm:cxn modelId="{094F03AB-4F7A-4D06-A9DB-1180030213D4}" type="presParOf" srcId="{163B084B-63D4-4E49-B3EB-27370305AEE5}" destId="{1B27DFAA-4067-4CDA-9319-DFB815496060}" srcOrd="0" destOrd="0" presId="urn:microsoft.com/office/officeart/2009/3/layout/StepUpProcess"/>
-    <dgm:cxn modelId="{7F5169D7-F9E0-46E3-9315-948325B6A420}" type="presParOf" srcId="{15924F1D-DFFE-44B8-9A4D-64F79E9D1294}" destId="{5E67DAD9-27D1-4A1E-B6C0-459B16D95DAE}" srcOrd="2" destOrd="0" presId="urn:microsoft.com/office/officeart/2009/3/layout/StepUpProcess"/>
-    <dgm:cxn modelId="{3B0A30F5-BA00-46F1-A974-C022C26A4988}" type="presParOf" srcId="{5E67DAD9-27D1-4A1E-B6C0-459B16D95DAE}" destId="{404BCD33-CEBE-4D5E-A72A-293DD4A80C28}" srcOrd="0" destOrd="0" presId="urn:microsoft.com/office/officeart/2009/3/layout/StepUpProcess"/>
-    <dgm:cxn modelId="{269CE815-462D-44C8-B4C4-97015451C5C2}" type="presParOf" srcId="{5E67DAD9-27D1-4A1E-B6C0-459B16D95DAE}" destId="{49408975-06AA-4BDB-97EE-39A2B5B65172}" srcOrd="1" destOrd="0" presId="urn:microsoft.com/office/officeart/2009/3/layout/StepUpProcess"/>
-    <dgm:cxn modelId="{3A6DF13E-5884-45BC-83E0-E42DED398558}" type="presParOf" srcId="{5E67DAD9-27D1-4A1E-B6C0-459B16D95DAE}" destId="{39D54914-F98B-46AF-A62F-C80B5168465D}" srcOrd="2" destOrd="0" presId="urn:microsoft.com/office/officeart/2009/3/layout/StepUpProcess"/>
-    <dgm:cxn modelId="{9626D8AB-90EE-459F-BB6A-9A4D016CEDB7}" type="presParOf" srcId="{15924F1D-DFFE-44B8-9A4D-64F79E9D1294}" destId="{4567F7C4-375F-484E-AA3E-E97BDE61DB7B}" srcOrd="3" destOrd="0" presId="urn:microsoft.com/office/officeart/2009/3/layout/StepUpProcess"/>
-    <dgm:cxn modelId="{8EC78AD1-26F0-45EC-9118-8027408C842D}" type="presParOf" srcId="{4567F7C4-375F-484E-AA3E-E97BDE61DB7B}" destId="{32A5D423-0B36-4B34-99B7-65CB3B96B3AE}" srcOrd="0" destOrd="0" presId="urn:microsoft.com/office/officeart/2009/3/layout/StepUpProcess"/>
-    <dgm:cxn modelId="{CA32548E-60CB-40C6-9BEB-447D0BF8145D}" type="presParOf" srcId="{15924F1D-DFFE-44B8-9A4D-64F79E9D1294}" destId="{CD2AAD6F-BFF0-4F13-AF81-3E15B7C2CAA3}" srcOrd="4" destOrd="0" presId="urn:microsoft.com/office/officeart/2009/3/layout/StepUpProcess"/>
-    <dgm:cxn modelId="{E0FE8620-9B2C-4B13-82F4-9788FF38BD11}" type="presParOf" srcId="{CD2AAD6F-BFF0-4F13-AF81-3E15B7C2CAA3}" destId="{F31C53CD-562E-4EE7-935D-F59CB0298959}" srcOrd="0" destOrd="0" presId="urn:microsoft.com/office/officeart/2009/3/layout/StepUpProcess"/>
-    <dgm:cxn modelId="{AC0CD148-8E12-425C-AB09-5C54DE9F87DB}" type="presParOf" srcId="{CD2AAD6F-BFF0-4F13-AF81-3E15B7C2CAA3}" destId="{41C4E12E-38CD-4528-8DC8-FA3E7A5D033F}" srcOrd="1" destOrd="0" presId="urn:microsoft.com/office/officeart/2009/3/layout/StepUpProcess"/>
-    <dgm:cxn modelId="{6876C9B3-0E35-428E-8AD9-33075810552B}" type="presParOf" srcId="{CD2AAD6F-BFF0-4F13-AF81-3E15B7C2CAA3}" destId="{B2E6B3F1-D6A9-473F-A3D8-87BE7275F81D}" srcOrd="2" destOrd="0" presId="urn:microsoft.com/office/officeart/2009/3/layout/StepUpProcess"/>
-    <dgm:cxn modelId="{BFF023CD-E92D-40C2-8E82-AF6B06EEA384}" type="presParOf" srcId="{15924F1D-DFFE-44B8-9A4D-64F79E9D1294}" destId="{A8C7035C-E079-4ACE-825E-7CBD47C64291}" srcOrd="5" destOrd="0" presId="urn:microsoft.com/office/officeart/2009/3/layout/StepUpProcess"/>
-    <dgm:cxn modelId="{457E4F62-A9AA-470D-9F0A-6B24B857A819}" type="presParOf" srcId="{A8C7035C-E079-4ACE-825E-7CBD47C64291}" destId="{62BD9F6B-9291-4149-B21D-B6723887784D}" srcOrd="0" destOrd="0" presId="urn:microsoft.com/office/officeart/2009/3/layout/StepUpProcess"/>
-    <dgm:cxn modelId="{61D4068B-7758-42A4-8F77-6D53EF9242BC}" type="presParOf" srcId="{15924F1D-DFFE-44B8-9A4D-64F79E9D1294}" destId="{00F724E3-552D-4362-BF84-479A077FF641}" srcOrd="6" destOrd="0" presId="urn:microsoft.com/office/officeart/2009/3/layout/StepUpProcess"/>
-    <dgm:cxn modelId="{EB6B2D79-B2A8-4776-B9E6-B555AF03A22B}" type="presParOf" srcId="{00F724E3-552D-4362-BF84-479A077FF641}" destId="{FA8C4396-95FC-43B7-AD5D-867BEADACDF1}" srcOrd="0" destOrd="0" presId="urn:microsoft.com/office/officeart/2009/3/layout/StepUpProcess"/>
-    <dgm:cxn modelId="{59A6C7F2-E720-4586-B7D3-4B6F014185C0}" type="presParOf" srcId="{00F724E3-552D-4362-BF84-479A077FF641}" destId="{CB8E302D-B6B3-4357-A38F-1B39E75756AF}" srcOrd="1" destOrd="0" presId="urn:microsoft.com/office/officeart/2009/3/layout/StepUpProcess"/>
-    <dgm:cxn modelId="{D79D99A8-F874-4A71-B280-6C80D42FBF96}" type="presParOf" srcId="{00F724E3-552D-4362-BF84-479A077FF641}" destId="{0E4CE61A-6A67-4F3C-9EBB-0DAC5686D681}" srcOrd="2" destOrd="0" presId="urn:microsoft.com/office/officeart/2009/3/layout/StepUpProcess"/>
-    <dgm:cxn modelId="{70C67C24-E827-4233-AD7C-CB501690A708}" type="presParOf" srcId="{15924F1D-DFFE-44B8-9A4D-64F79E9D1294}" destId="{10F5BE76-B3BC-4FB8-8402-A68E7802F255}" srcOrd="7" destOrd="0" presId="urn:microsoft.com/office/officeart/2009/3/layout/StepUpProcess"/>
-    <dgm:cxn modelId="{8CEF6942-98E5-49C0-9D88-341E4EEBF2EC}" type="presParOf" srcId="{10F5BE76-B3BC-4FB8-8402-A68E7802F255}" destId="{5A2C55C3-04F3-4986-894B-B8B061711641}" srcOrd="0" destOrd="0" presId="urn:microsoft.com/office/officeart/2009/3/layout/StepUpProcess"/>
-    <dgm:cxn modelId="{7CE3B404-928C-4685-B61D-382C0C9AFB40}" type="presParOf" srcId="{15924F1D-DFFE-44B8-9A4D-64F79E9D1294}" destId="{4669DF2F-DD6F-4E66-BA0D-6EB2D1C531FE}" srcOrd="8" destOrd="0" presId="urn:microsoft.com/office/officeart/2009/3/layout/StepUpProcess"/>
-    <dgm:cxn modelId="{7F96877A-BAE1-46DF-AC9B-E118C9157CE5}" type="presParOf" srcId="{4669DF2F-DD6F-4E66-BA0D-6EB2D1C531FE}" destId="{6A433629-CB9E-4399-A77A-DEAEFC3E39C2}" srcOrd="0" destOrd="0" presId="urn:microsoft.com/office/officeart/2009/3/layout/StepUpProcess"/>
-    <dgm:cxn modelId="{39F11219-5158-42AF-A630-49046E38203B}" type="presParOf" srcId="{4669DF2F-DD6F-4E66-BA0D-6EB2D1C531FE}" destId="{E92E13EE-0FC2-4C6F-B6F9-A9FA123682BA}" srcOrd="1" destOrd="0" presId="urn:microsoft.com/office/officeart/2009/3/layout/StepUpProcess"/>
+    <dgm:cxn modelId="{B848308C-6711-4ECC-A275-3BD95A47C3D1}" type="presOf" srcId="{3F8391EC-2E89-41BC-979F-48D4E21A811C}" destId="{BA4718A9-DFD2-471C-969C-97F876ADC320}" srcOrd="0" destOrd="3" presId="urn:microsoft.com/office/officeart/2005/8/layout/hProcess9"/>
+    <dgm:cxn modelId="{503287BE-2194-4F0B-9AA9-12C9B00499EE}" type="presOf" srcId="{5245D8E1-9FDE-4633-85B7-BE42CD6AA787}" destId="{20382240-D5AC-4B89-8E53-73A8B41769F1}" srcOrd="0" destOrd="0" presId="urn:microsoft.com/office/officeart/2005/8/layout/hProcess9"/>
+    <dgm:cxn modelId="{7B8B71DC-DC57-43EA-BE14-CDBA81ACEF98}" type="presOf" srcId="{42A7AF39-9F16-4BE0-9691-F2A4EAA889D5}" destId="{734A29E2-3521-46BA-B5C0-E8A3637FA4B0}" srcOrd="0" destOrd="0" presId="urn:microsoft.com/office/officeart/2005/8/layout/hProcess9"/>
+    <dgm:cxn modelId="{20EFF80B-8D1F-44F0-A98A-47DA2A47CC91}" type="presOf" srcId="{B4BBFA07-05DD-4CDD-AC39-6342607DC2A1}" destId="{8C0195AE-96DF-44DB-8CA5-EA3E73389D9C}" srcOrd="0" destOrd="0" presId="urn:microsoft.com/office/officeart/2005/8/layout/hProcess9"/>
+    <dgm:cxn modelId="{D4AF4160-DDE6-4565-8479-2BC7137E4EDA}" type="presOf" srcId="{8693C395-BAA7-449A-ACDD-FFFEEE0DC862}" destId="{20382240-D5AC-4B89-8E53-73A8B41769F1}" srcOrd="0" destOrd="2" presId="urn:microsoft.com/office/officeart/2005/8/layout/hProcess9"/>
+    <dgm:cxn modelId="{F3801A3C-3E3D-475A-B6DA-AD1066FF5E06}" type="presParOf" srcId="{734A29E2-3521-46BA-B5C0-E8A3637FA4B0}" destId="{3E058364-C437-4B0E-B373-8D6523686A02}" srcOrd="0" destOrd="0" presId="urn:microsoft.com/office/officeart/2005/8/layout/hProcess9"/>
+    <dgm:cxn modelId="{9DDFD9AB-E4CB-4CFE-8C0A-EF116411C6C7}" type="presParOf" srcId="{734A29E2-3521-46BA-B5C0-E8A3637FA4B0}" destId="{90CFEA40-A29F-40A9-966B-DA7D8D7003DF}" srcOrd="1" destOrd="0" presId="urn:microsoft.com/office/officeart/2005/8/layout/hProcess9"/>
+    <dgm:cxn modelId="{3BCAA9FB-5D8C-45AB-AAF9-5A4E6A40DDB1}" type="presParOf" srcId="{90CFEA40-A29F-40A9-966B-DA7D8D7003DF}" destId="{8C0195AE-96DF-44DB-8CA5-EA3E73389D9C}" srcOrd="0" destOrd="0" presId="urn:microsoft.com/office/officeart/2005/8/layout/hProcess9"/>
+    <dgm:cxn modelId="{A13D7C61-0B8C-44A8-A2C2-E9305C5DC491}" type="presParOf" srcId="{90CFEA40-A29F-40A9-966B-DA7D8D7003DF}" destId="{1DFAC620-1C0A-4E5A-8742-40A4B95EDE15}" srcOrd="1" destOrd="0" presId="urn:microsoft.com/office/officeart/2005/8/layout/hProcess9"/>
+    <dgm:cxn modelId="{1B1DE270-3278-47EE-A789-5EC4F58D4C6F}" type="presParOf" srcId="{90CFEA40-A29F-40A9-966B-DA7D8D7003DF}" destId="{BA4718A9-DFD2-471C-969C-97F876ADC320}" srcOrd="2" destOrd="0" presId="urn:microsoft.com/office/officeart/2005/8/layout/hProcess9"/>
+    <dgm:cxn modelId="{76E7F88D-621F-4088-90FC-4D06F41B6748}" type="presParOf" srcId="{90CFEA40-A29F-40A9-966B-DA7D8D7003DF}" destId="{3A6E66EA-295C-476B-9A0B-DDE3BACDD29E}" srcOrd="3" destOrd="0" presId="urn:microsoft.com/office/officeart/2005/8/layout/hProcess9"/>
+    <dgm:cxn modelId="{7ECBAD4C-DE11-4F4F-9C75-B6EA51E34E28}" type="presParOf" srcId="{90CFEA40-A29F-40A9-966B-DA7D8D7003DF}" destId="{F3C847B4-E9D1-403C-BF56-3BADCB1909DC}" srcOrd="4" destOrd="0" presId="urn:microsoft.com/office/officeart/2005/8/layout/hProcess9"/>
+    <dgm:cxn modelId="{871AC8A4-64AB-4DA8-BCC8-2C286659009C}" type="presParOf" srcId="{90CFEA40-A29F-40A9-966B-DA7D8D7003DF}" destId="{234EE88E-99FE-4924-94DA-9FF4E9555BCE}" srcOrd="5" destOrd="0" presId="urn:microsoft.com/office/officeart/2005/8/layout/hProcess9"/>
+    <dgm:cxn modelId="{BDF27E4E-4814-4304-8B44-CD3488CF0844}" type="presParOf" srcId="{90CFEA40-A29F-40A9-966B-DA7D8D7003DF}" destId="{62F66354-603A-41C3-B161-16A4A9E45F44}" srcOrd="6" destOrd="0" presId="urn:microsoft.com/office/officeart/2005/8/layout/hProcess9"/>
+    <dgm:cxn modelId="{50D67FA0-4291-422C-AC23-EC871F7377C8}" type="presParOf" srcId="{90CFEA40-A29F-40A9-966B-DA7D8D7003DF}" destId="{CF5EF42C-6230-4D95-BFDA-B33635692A62}" srcOrd="7" destOrd="0" presId="urn:microsoft.com/office/officeart/2005/8/layout/hProcess9"/>
+    <dgm:cxn modelId="{8D994BA9-EAAF-4C7D-9FA8-5F999D3F70A2}" type="presParOf" srcId="{90CFEA40-A29F-40A9-966B-DA7D8D7003DF}" destId="{20382240-D5AC-4B89-8E53-73A8B41769F1}" srcOrd="8" destOrd="0" presId="urn:microsoft.com/office/officeart/2005/8/layout/hProcess9"/>
   </dgm:cxnLst>
   <dgm:bg/>
   <dgm:whole/>
   <dgm:extLst>
     <a:ext uri="http://schemas.microsoft.com/office/drawing/2008/diagram">
-      <dsp:dataModelExt xmlns:dsp="http://schemas.microsoft.com/office/drawing/2008/diagram" xmlns="" relId="rId7" minVer="http://schemas.openxmlformats.org/drawingml/2006/diagram"/>
+      <dsp:dataModelExt xmlns:dsp="http://schemas.microsoft.com/office/drawing/2008/diagram" relId="rId7" minVer="http://schemas.openxmlformats.org/drawingml/2006/diagram"/>
     </a:ext>
   </dgm:extLst>
 </dgm:dataModel>
 </file>
 
 <file path=ppt/diagrams/drawing1.xml><?xml version="1.0" encoding="utf-8"?>
-<dsp:drawing xmlns:dgm="http://schemas.openxmlformats.org/drawingml/2006/diagram" xmlns:a="http://schemas.openxmlformats.org/drawingml/2006/main" xmlns:dsp="http://schemas.microsoft.com/office/drawing/2008/diagram">
+<dsp:drawing xmlns:dgm="http://schemas.openxmlformats.org/drawingml/2006/diagram" xmlns:dsp="http://schemas.microsoft.com/office/drawing/2008/diagram" xmlns:a="http://schemas.openxmlformats.org/drawingml/2006/main">
   <dsp:spTree>
     <dsp:nvGrpSpPr>
       <dsp:cNvPr id="0" name=""/>
       <dsp:cNvGrpSpPr/>
     </dsp:nvGrpSpPr>
     <dsp:grpSpPr/>
-    <dsp:sp modelId="{3EAD6723-0198-42FA-A966-C636D421C4A3}">
+    <dsp:sp modelId="{3E058364-C437-4B0E-B373-8D6523686A02}">
       <dsp:nvSpPr>
         <dsp:cNvPr id="0" name=""/>
         <dsp:cNvSpPr/>
       </dsp:nvSpPr>
       <dsp:spPr>
-        <a:xfrm rot="5400000">
-          <a:off x="327224" y="2403931"/>
-          <a:ext cx="984052" cy="1637440"/>
+        <a:xfrm>
+          <a:off x="666048" y="0"/>
+          <a:ext cx="7548550" cy="5128344"/>
         </a:xfrm>
-        <a:prstGeom prst="corner">
-          <a:avLst>
-            <a:gd name="adj1" fmla="val 16120"/>
-            <a:gd name="adj2" fmla="val 16110"/>
-          </a:avLst>
+        <a:prstGeom prst="rightArrow">
+          <a:avLst/>
         </a:prstGeom>
         <a:solidFill>
           <a:schemeClr val="accent1">
+            <a:tint val="40000"/>
             <a:hueOff val="0"/>
             <a:satOff val="0"/>
             <a:lumOff val="0"/>
             <a:alphaOff val="0"/>
           </a:schemeClr>
         </a:solidFill>
-        <a:ln w="19050" cap="flat" cmpd="sng" algn="ctr">
-          <a:solidFill>
-            <a:schemeClr val="accent1">
-              <a:hueOff val="0"/>
-              <a:satOff val="0"/>
-              <a:lumOff val="0"/>
-              <a:alphaOff val="0"/>
-            </a:schemeClr>
-          </a:solidFill>
-          <a:prstDash val="solid"/>
+        <a:ln>
+          <a:noFill/>
         </a:ln>
-        <a:effectLst/>
+        <a:effectLst>
+          <a:outerShdw blurRad="50800" dist="25400" dir="5400000" rotWithShape="0">
+            <a:srgbClr val="000000">
+              <a:alpha val="45000"/>
+            </a:srgbClr>
+          </a:outerShdw>
+        </a:effectLst>
       </dsp:spPr>
       <dsp:style>
-        <a:lnRef idx="2">
+        <a:lnRef idx="0">
           <a:scrgbClr r="0" g="0" b="0"/>
         </a:lnRef>
         <a:fillRef idx="1">
           <a:scrgbClr r="0" g="0" b="0"/>
         </a:fillRef>
-        <a:effectRef idx="0">
+        <a:effectRef idx="2">
           <a:scrgbClr r="0" g="0" b="0"/>
         </a:effectRef>
-        <a:fontRef idx="minor">
-          <a:schemeClr val="lt1"/>
-        </a:fontRef>
+        <a:fontRef idx="minor"/>
       </dsp:style>
     </dsp:sp>
-    <dsp:sp modelId="{2DE05352-9E55-41AB-8A05-49E73E35CA67}">
+    <dsp:sp modelId="{8C0195AE-96DF-44DB-8CA5-EA3E73389D9C}">
       <dsp:nvSpPr>
         <dsp:cNvPr id="0" name=""/>
         <dsp:cNvSpPr/>
       </dsp:nvSpPr>
       <dsp:spPr>
         <a:xfrm>
-          <a:off x="129552" y="2960724"/>
-          <a:ext cx="1478290" cy="1295808"/>
+          <a:off x="2601" y="1538503"/>
+          <a:ext cx="1566254" cy="2051337"/>
         </a:xfrm>
-        <a:prstGeom prst="rect">
+        <a:prstGeom prst="roundRect">
           <a:avLst/>
         </a:prstGeom>
-        <a:noFill/>
+        <a:gradFill rotWithShape="0">
+          <a:gsLst>
+            <a:gs pos="0">
+              <a:schemeClr val="accent1">
+                <a:hueOff val="0"/>
+                <a:satOff val="0"/>
+                <a:lumOff val="0"/>
+                <a:alphaOff val="0"/>
+                <a:tint val="43000"/>
+                <a:satMod val="165000"/>
+              </a:schemeClr>
+            </a:gs>
+            <a:gs pos="55000">
+              <a:schemeClr val="accent1">
+                <a:hueOff val="0"/>
+                <a:satOff val="0"/>
+                <a:lumOff val="0"/>
+                <a:alphaOff val="0"/>
+                <a:tint val="83000"/>
+                <a:satMod val="155000"/>
+              </a:schemeClr>
+            </a:gs>
+            <a:gs pos="100000">
+              <a:schemeClr val="accent1">
+                <a:hueOff val="0"/>
+                <a:satOff val="0"/>
+                <a:lumOff val="0"/>
+                <a:alphaOff val="0"/>
+                <a:shade val="85000"/>
+              </a:schemeClr>
+            </a:gs>
+          </a:gsLst>
+          <a:path path="circle">
+            <a:fillToRect l="-40000" t="-90000" r="140000" b="190000"/>
+          </a:path>
+        </a:gradFill>
         <a:ln>
           <a:noFill/>
         </a:ln>
-        <a:effectLst/>
+        <a:effectLst>
+          <a:outerShdw blurRad="50800" dist="25400" dir="5400000" rotWithShape="0">
+            <a:srgbClr val="000000">
+              <a:alpha val="45000"/>
+            </a:srgbClr>
+          </a:outerShdw>
+        </a:effectLst>
       </dsp:spPr>
       <dsp:style>
         <a:lnRef idx="0">
           <a:scrgbClr r="0" g="0" b="0"/>
         </a:lnRef>
-        <a:fillRef idx="0">
+        <a:fillRef idx="3">
           <a:scrgbClr r="0" g="0" b="0"/>
         </a:fillRef>
-        <a:effectRef idx="0">
+        <a:effectRef idx="2">
           <a:scrgbClr r="0" g="0" b="0"/>
         </a:effectRef>
-        <a:fontRef idx="minor"/>
+        <a:fontRef idx="minor">
+          <a:schemeClr val="lt1"/>
+        </a:fontRef>
       </dsp:style>
       <dsp:txBody>
         <a:bodyPr spcFirstLastPara="0" vert="horz" wrap="square" lIns="68580" tIns="68580" rIns="68580" bIns="68580" numCol="1" spcCol="1270" anchor="t" anchorCtr="0">
@@ -2242,149 +2225,89 @@
           </a:pPr>
           <a:r>
             <a:rPr lang="de-DE" sz="1400" kern="1200" dirty="0" smtClean="0"/>
-            <a:t>Papierprototypen</a:t>
+            <a:t>Papierproto-typen</a:t>
           </a:r>
           <a:endParaRPr lang="de-DE" sz="1400" kern="1200" dirty="0"/>
         </a:p>
       </dsp:txBody>
       <dsp:txXfrm>
-        <a:off x="129552" y="2960724"/>
-        <a:ext cx="1478290" cy="1295808"/>
+        <a:off x="79059" y="1614961"/>
+        <a:ext cx="1413338" cy="1898421"/>
       </dsp:txXfrm>
     </dsp:sp>
-    <dsp:sp modelId="{C9DEE7F5-E11A-4A08-9476-B079D00A7F6B}">
+    <dsp:sp modelId="{BA4718A9-DFD2-471C-969C-97F876ADC320}">
       <dsp:nvSpPr>
         <dsp:cNvPr id="0" name=""/>
         <dsp:cNvSpPr/>
       </dsp:nvSpPr>
       <dsp:spPr>
         <a:xfrm>
-          <a:off x="1362329" y="2283381"/>
-          <a:ext cx="278922" cy="278922"/>
+          <a:off x="1829899" y="1538503"/>
+          <a:ext cx="1566254" cy="2051337"/>
         </a:xfrm>
-        <a:prstGeom prst="triangle">
-          <a:avLst>
-            <a:gd name="adj" fmla="val 100000"/>
-          </a:avLst>
+        <a:prstGeom prst="roundRect">
+          <a:avLst/>
         </a:prstGeom>
-        <a:solidFill>
-          <a:schemeClr val="accent1">
-            <a:hueOff val="0"/>
-            <a:satOff val="0"/>
-            <a:lumOff val="0"/>
-            <a:alphaOff val="0"/>
-          </a:schemeClr>
-        </a:solidFill>
-        <a:ln w="19050" cap="flat" cmpd="sng" algn="ctr">
-          <a:solidFill>
-            <a:schemeClr val="accent1">
-              <a:hueOff val="0"/>
-              <a:satOff val="0"/>
-              <a:lumOff val="0"/>
-              <a:alphaOff val="0"/>
-            </a:schemeClr>
-          </a:solidFill>
-          <a:prstDash val="solid"/>
+        <a:gradFill rotWithShape="0">
+          <a:gsLst>
+            <a:gs pos="0">
+              <a:schemeClr val="accent1">
+                <a:hueOff val="0"/>
+                <a:satOff val="0"/>
+                <a:lumOff val="0"/>
+                <a:alphaOff val="0"/>
+                <a:tint val="43000"/>
+                <a:satMod val="165000"/>
+              </a:schemeClr>
+            </a:gs>
+            <a:gs pos="55000">
+              <a:schemeClr val="accent1">
+                <a:hueOff val="0"/>
+                <a:satOff val="0"/>
+                <a:lumOff val="0"/>
+                <a:alphaOff val="0"/>
+                <a:tint val="83000"/>
+                <a:satMod val="155000"/>
+              </a:schemeClr>
+            </a:gs>
+            <a:gs pos="100000">
+              <a:schemeClr val="accent1">
+                <a:hueOff val="0"/>
+                <a:satOff val="0"/>
+                <a:lumOff val="0"/>
+                <a:alphaOff val="0"/>
+                <a:shade val="85000"/>
+              </a:schemeClr>
+            </a:gs>
+          </a:gsLst>
+          <a:path path="circle">
+            <a:fillToRect l="-40000" t="-90000" r="140000" b="190000"/>
+          </a:path>
+        </a:gradFill>
+        <a:ln>
+          <a:noFill/>
         </a:ln>
-        <a:effectLst/>
+        <a:effectLst>
+          <a:outerShdw blurRad="50800" dist="25400" dir="5400000" rotWithShape="0">
+            <a:srgbClr val="000000">
+              <a:alpha val="45000"/>
+            </a:srgbClr>
+          </a:outerShdw>
+        </a:effectLst>
       </dsp:spPr>
       <dsp:style>
-        <a:lnRef idx="2">
+        <a:lnRef idx="0">
           <a:scrgbClr r="0" g="0" b="0"/>
         </a:lnRef>
-        <a:fillRef idx="1">
+        <a:fillRef idx="3">
           <a:scrgbClr r="0" g="0" b="0"/>
         </a:fillRef>
-        <a:effectRef idx="0">
+        <a:effectRef idx="2">
           <a:scrgbClr r="0" g="0" b="0"/>
         </a:effectRef>
         <a:fontRef idx="minor">
           <a:schemeClr val="lt1"/>
         </a:fontRef>
-      </dsp:style>
-    </dsp:sp>
-    <dsp:sp modelId="{404BCD33-CEBE-4D5E-A72A-293DD4A80C28}">
-      <dsp:nvSpPr>
-        <dsp:cNvPr id="0" name=""/>
-        <dsp:cNvSpPr/>
-      </dsp:nvSpPr>
-      <dsp:spPr>
-        <a:xfrm rot="5400000">
-          <a:off x="2136940" y="1956115"/>
-          <a:ext cx="984052" cy="1637440"/>
-        </a:xfrm>
-        <a:prstGeom prst="corner">
-          <a:avLst>
-            <a:gd name="adj1" fmla="val 16120"/>
-            <a:gd name="adj2" fmla="val 16110"/>
-          </a:avLst>
-        </a:prstGeom>
-        <a:solidFill>
-          <a:schemeClr val="accent1">
-            <a:hueOff val="0"/>
-            <a:satOff val="0"/>
-            <a:lumOff val="0"/>
-            <a:alphaOff val="0"/>
-          </a:schemeClr>
-        </a:solidFill>
-        <a:ln w="19050" cap="flat" cmpd="sng" algn="ctr">
-          <a:solidFill>
-            <a:schemeClr val="accent1">
-              <a:hueOff val="0"/>
-              <a:satOff val="0"/>
-              <a:lumOff val="0"/>
-              <a:alphaOff val="0"/>
-            </a:schemeClr>
-          </a:solidFill>
-          <a:prstDash val="solid"/>
-        </a:ln>
-        <a:effectLst/>
-      </dsp:spPr>
-      <dsp:style>
-        <a:lnRef idx="2">
-          <a:scrgbClr r="0" g="0" b="0"/>
-        </a:lnRef>
-        <a:fillRef idx="1">
-          <a:scrgbClr r="0" g="0" b="0"/>
-        </a:fillRef>
-        <a:effectRef idx="0">
-          <a:scrgbClr r="0" g="0" b="0"/>
-        </a:effectRef>
-        <a:fontRef idx="minor">
-          <a:schemeClr val="lt1"/>
-        </a:fontRef>
-      </dsp:style>
-    </dsp:sp>
-    <dsp:sp modelId="{49408975-06AA-4BDB-97EE-39A2B5B65172}">
-      <dsp:nvSpPr>
-        <dsp:cNvPr id="0" name=""/>
-        <dsp:cNvSpPr/>
-      </dsp:nvSpPr>
-      <dsp:spPr>
-        <a:xfrm>
-          <a:off x="1943600" y="2445357"/>
-          <a:ext cx="1536446" cy="1295808"/>
-        </a:xfrm>
-        <a:prstGeom prst="rect">
-          <a:avLst/>
-        </a:prstGeom>
-        <a:noFill/>
-        <a:ln>
-          <a:noFill/>
-        </a:ln>
-        <a:effectLst/>
-      </dsp:spPr>
-      <dsp:style>
-        <a:lnRef idx="0">
-          <a:scrgbClr r="0" g="0" b="0"/>
-        </a:lnRef>
-        <a:fillRef idx="0">
-          <a:scrgbClr r="0" g="0" b="0"/>
-        </a:fillRef>
-        <a:effectRef idx="0">
-          <a:scrgbClr r="0" g="0" b="0"/>
-        </a:effectRef>
-        <a:fontRef idx="minor"/>
       </dsp:style>
       <dsp:txBody>
         <a:bodyPr spcFirstLastPara="0" vert="horz" wrap="square" lIns="68580" tIns="68580" rIns="68580" bIns="68580" numCol="1" spcCol="1270" anchor="t" anchorCtr="0">
@@ -2443,7 +2366,7 @@
           </a:pPr>
           <a:r>
             <a:rPr lang="de-DE" sz="1400" kern="1200" dirty="0" smtClean="0"/>
-            <a:t>Technische Klassenmodelle (View, Controller, Modell</a:t>
+            <a:t>Tech. Klassen-modelle</a:t>
           </a:r>
           <a:endParaRPr lang="de-DE" sz="1400" kern="1200" dirty="0"/>
         </a:p>
@@ -2506,143 +2429,83 @@
         </a:p>
       </dsp:txBody>
       <dsp:txXfrm>
-        <a:off x="1943600" y="2445357"/>
-        <a:ext cx="1536446" cy="1295808"/>
+        <a:off x="1906357" y="1614961"/>
+        <a:ext cx="1413338" cy="1898421"/>
       </dsp:txXfrm>
     </dsp:sp>
-    <dsp:sp modelId="{39D54914-F98B-46AF-A62F-C80B5168465D}">
+    <dsp:sp modelId="{F3C847B4-E9D1-403C-BF56-3BADCB1909DC}">
       <dsp:nvSpPr>
         <dsp:cNvPr id="0" name=""/>
         <dsp:cNvSpPr/>
       </dsp:nvSpPr>
       <dsp:spPr>
         <a:xfrm>
-          <a:off x="3172045" y="1835565"/>
-          <a:ext cx="278922" cy="278922"/>
+          <a:off x="3657196" y="1538503"/>
+          <a:ext cx="1566254" cy="2051337"/>
         </a:xfrm>
-        <a:prstGeom prst="triangle">
-          <a:avLst>
-            <a:gd name="adj" fmla="val 100000"/>
-          </a:avLst>
+        <a:prstGeom prst="roundRect">
+          <a:avLst/>
         </a:prstGeom>
-        <a:solidFill>
-          <a:schemeClr val="accent1">
-            <a:hueOff val="0"/>
-            <a:satOff val="0"/>
-            <a:lumOff val="0"/>
-            <a:alphaOff val="0"/>
-          </a:schemeClr>
-        </a:solidFill>
-        <a:ln w="19050" cap="flat" cmpd="sng" algn="ctr">
-          <a:solidFill>
-            <a:schemeClr val="accent1">
-              <a:hueOff val="0"/>
-              <a:satOff val="0"/>
-              <a:lumOff val="0"/>
-              <a:alphaOff val="0"/>
-            </a:schemeClr>
-          </a:solidFill>
-          <a:prstDash val="solid"/>
+        <a:gradFill rotWithShape="0">
+          <a:gsLst>
+            <a:gs pos="0">
+              <a:schemeClr val="accent1">
+                <a:hueOff val="0"/>
+                <a:satOff val="0"/>
+                <a:lumOff val="0"/>
+                <a:alphaOff val="0"/>
+                <a:tint val="43000"/>
+                <a:satMod val="165000"/>
+              </a:schemeClr>
+            </a:gs>
+            <a:gs pos="55000">
+              <a:schemeClr val="accent1">
+                <a:hueOff val="0"/>
+                <a:satOff val="0"/>
+                <a:lumOff val="0"/>
+                <a:alphaOff val="0"/>
+                <a:tint val="83000"/>
+                <a:satMod val="155000"/>
+              </a:schemeClr>
+            </a:gs>
+            <a:gs pos="100000">
+              <a:schemeClr val="accent1">
+                <a:hueOff val="0"/>
+                <a:satOff val="0"/>
+                <a:lumOff val="0"/>
+                <a:alphaOff val="0"/>
+                <a:shade val="85000"/>
+              </a:schemeClr>
+            </a:gs>
+          </a:gsLst>
+          <a:path path="circle">
+            <a:fillToRect l="-40000" t="-90000" r="140000" b="190000"/>
+          </a:path>
+        </a:gradFill>
+        <a:ln>
+          <a:noFill/>
         </a:ln>
-        <a:effectLst/>
+        <a:effectLst>
+          <a:outerShdw blurRad="50800" dist="25400" dir="5400000" rotWithShape="0">
+            <a:srgbClr val="000000">
+              <a:alpha val="45000"/>
+            </a:srgbClr>
+          </a:outerShdw>
+        </a:effectLst>
       </dsp:spPr>
       <dsp:style>
-        <a:lnRef idx="2">
+        <a:lnRef idx="0">
           <a:scrgbClr r="0" g="0" b="0"/>
         </a:lnRef>
-        <a:fillRef idx="1">
+        <a:fillRef idx="3">
           <a:scrgbClr r="0" g="0" b="0"/>
         </a:fillRef>
-        <a:effectRef idx="0">
+        <a:effectRef idx="2">
           <a:scrgbClr r="0" g="0" b="0"/>
         </a:effectRef>
         <a:fontRef idx="minor">
           <a:schemeClr val="lt1"/>
         </a:fontRef>
-      </dsp:style>
-    </dsp:sp>
-    <dsp:sp modelId="{F31C53CD-562E-4EE7-935D-F59CB0298959}">
-      <dsp:nvSpPr>
-        <dsp:cNvPr id="0" name=""/>
-        <dsp:cNvSpPr/>
-      </dsp:nvSpPr>
-      <dsp:spPr>
-        <a:xfrm rot="5400000">
-          <a:off x="3946657" y="1508299"/>
-          <a:ext cx="984052" cy="1637440"/>
-        </a:xfrm>
-        <a:prstGeom prst="corner">
-          <a:avLst>
-            <a:gd name="adj1" fmla="val 16120"/>
-            <a:gd name="adj2" fmla="val 16110"/>
-          </a:avLst>
-        </a:prstGeom>
-        <a:solidFill>
-          <a:schemeClr val="accent1">
-            <a:hueOff val="0"/>
-            <a:satOff val="0"/>
-            <a:lumOff val="0"/>
-            <a:alphaOff val="0"/>
-          </a:schemeClr>
-        </a:solidFill>
-        <a:ln w="19050" cap="flat" cmpd="sng" algn="ctr">
-          <a:solidFill>
-            <a:schemeClr val="accent1">
-              <a:hueOff val="0"/>
-              <a:satOff val="0"/>
-              <a:lumOff val="0"/>
-              <a:alphaOff val="0"/>
-            </a:schemeClr>
-          </a:solidFill>
-          <a:prstDash val="solid"/>
-        </a:ln>
-        <a:effectLst/>
-      </dsp:spPr>
-      <dsp:style>
-        <a:lnRef idx="2">
-          <a:scrgbClr r="0" g="0" b="0"/>
-        </a:lnRef>
-        <a:fillRef idx="1">
-          <a:scrgbClr r="0" g="0" b="0"/>
-        </a:fillRef>
-        <a:effectRef idx="0">
-          <a:scrgbClr r="0" g="0" b="0"/>
-        </a:effectRef>
-        <a:fontRef idx="minor">
-          <a:schemeClr val="lt1"/>
-        </a:fontRef>
-      </dsp:style>
-    </dsp:sp>
-    <dsp:sp modelId="{41C4E12E-38CD-4528-8DC8-FA3E7A5D033F}">
-      <dsp:nvSpPr>
-        <dsp:cNvPr id="0" name=""/>
-        <dsp:cNvSpPr/>
-      </dsp:nvSpPr>
-      <dsp:spPr>
-        <a:xfrm>
-          <a:off x="3782394" y="1997541"/>
-          <a:ext cx="1478290" cy="1295808"/>
-        </a:xfrm>
-        <a:prstGeom prst="rect">
-          <a:avLst/>
-        </a:prstGeom>
-        <a:noFill/>
-        <a:ln>
-          <a:noFill/>
-        </a:ln>
-        <a:effectLst/>
-      </dsp:spPr>
-      <dsp:style>
-        <a:lnRef idx="0">
-          <a:scrgbClr r="0" g="0" b="0"/>
-        </a:lnRef>
-        <a:fillRef idx="0">
-          <a:scrgbClr r="0" g="0" b="0"/>
-        </a:fillRef>
-        <a:effectRef idx="0">
-          <a:scrgbClr r="0" g="0" b="0"/>
-        </a:effectRef>
-        <a:fontRef idx="minor"/>
       </dsp:style>
       <dsp:txBody>
         <a:bodyPr spcFirstLastPara="0" vert="horz" wrap="square" lIns="68580" tIns="68580" rIns="68580" bIns="68580" numCol="1" spcCol="1270" anchor="t" anchorCtr="0">
@@ -2707,10 +2570,6 @@
             <a:rPr lang="de-DE" sz="1400" kern="1200" dirty="0" err="1" smtClean="0"/>
             <a:t>ung</a:t>
           </a:r>
-          <a:r>
-            <a:rPr lang="de-DE" sz="1400" kern="1200" dirty="0" smtClean="0"/>
-            <a:t> (View, Controller, Modell)</a:t>
-          </a:r>
           <a:endParaRPr lang="de-DE" sz="1400" kern="1200" dirty="0"/>
         </a:p>
         <a:p>
@@ -2747,149 +2606,89 @@
           </a:pPr>
           <a:r>
             <a:rPr lang="de-DE" sz="1400" kern="1200" dirty="0" smtClean="0"/>
-            <a:t>Installer erstellen</a:t>
+            <a:t>Installer </a:t>
           </a:r>
           <a:endParaRPr lang="de-DE" sz="1400" kern="1200" dirty="0"/>
         </a:p>
       </dsp:txBody>
       <dsp:txXfrm>
-        <a:off x="3782394" y="1997541"/>
-        <a:ext cx="1478290" cy="1295808"/>
+        <a:off x="3733654" y="1614961"/>
+        <a:ext cx="1413338" cy="1898421"/>
       </dsp:txXfrm>
     </dsp:sp>
-    <dsp:sp modelId="{B2E6B3F1-D6A9-473F-A3D8-87BE7275F81D}">
+    <dsp:sp modelId="{62F66354-603A-41C3-B161-16A4A9E45F44}">
       <dsp:nvSpPr>
         <dsp:cNvPr id="0" name=""/>
         <dsp:cNvSpPr/>
       </dsp:nvSpPr>
       <dsp:spPr>
         <a:xfrm>
-          <a:off x="4981762" y="1387749"/>
-          <a:ext cx="278922" cy="278922"/>
+          <a:off x="5484493" y="1538503"/>
+          <a:ext cx="1566254" cy="2051337"/>
         </a:xfrm>
-        <a:prstGeom prst="triangle">
-          <a:avLst>
-            <a:gd name="adj" fmla="val 100000"/>
-          </a:avLst>
+        <a:prstGeom prst="roundRect">
+          <a:avLst/>
         </a:prstGeom>
-        <a:solidFill>
-          <a:schemeClr val="accent1">
-            <a:hueOff val="0"/>
-            <a:satOff val="0"/>
-            <a:lumOff val="0"/>
-            <a:alphaOff val="0"/>
-          </a:schemeClr>
-        </a:solidFill>
-        <a:ln w="19050" cap="flat" cmpd="sng" algn="ctr">
-          <a:solidFill>
-            <a:schemeClr val="accent1">
-              <a:hueOff val="0"/>
-              <a:satOff val="0"/>
-              <a:lumOff val="0"/>
-              <a:alphaOff val="0"/>
-            </a:schemeClr>
-          </a:solidFill>
-          <a:prstDash val="solid"/>
+        <a:gradFill rotWithShape="0">
+          <a:gsLst>
+            <a:gs pos="0">
+              <a:schemeClr val="accent1">
+                <a:hueOff val="0"/>
+                <a:satOff val="0"/>
+                <a:lumOff val="0"/>
+                <a:alphaOff val="0"/>
+                <a:tint val="43000"/>
+                <a:satMod val="165000"/>
+              </a:schemeClr>
+            </a:gs>
+            <a:gs pos="55000">
+              <a:schemeClr val="accent1">
+                <a:hueOff val="0"/>
+                <a:satOff val="0"/>
+                <a:lumOff val="0"/>
+                <a:alphaOff val="0"/>
+                <a:tint val="83000"/>
+                <a:satMod val="155000"/>
+              </a:schemeClr>
+            </a:gs>
+            <a:gs pos="100000">
+              <a:schemeClr val="accent1">
+                <a:hueOff val="0"/>
+                <a:satOff val="0"/>
+                <a:lumOff val="0"/>
+                <a:alphaOff val="0"/>
+                <a:shade val="85000"/>
+              </a:schemeClr>
+            </a:gs>
+          </a:gsLst>
+          <a:path path="circle">
+            <a:fillToRect l="-40000" t="-90000" r="140000" b="190000"/>
+          </a:path>
+        </a:gradFill>
+        <a:ln>
+          <a:noFill/>
         </a:ln>
-        <a:effectLst/>
+        <a:effectLst>
+          <a:outerShdw blurRad="50800" dist="25400" dir="5400000" rotWithShape="0">
+            <a:srgbClr val="000000">
+              <a:alpha val="45000"/>
+            </a:srgbClr>
+          </a:outerShdw>
+        </a:effectLst>
       </dsp:spPr>
       <dsp:style>
-        <a:lnRef idx="2">
+        <a:lnRef idx="0">
           <a:scrgbClr r="0" g="0" b="0"/>
         </a:lnRef>
-        <a:fillRef idx="1">
+        <a:fillRef idx="3">
           <a:scrgbClr r="0" g="0" b="0"/>
         </a:fillRef>
-        <a:effectRef idx="0">
+        <a:effectRef idx="2">
           <a:scrgbClr r="0" g="0" b="0"/>
         </a:effectRef>
         <a:fontRef idx="minor">
           <a:schemeClr val="lt1"/>
         </a:fontRef>
-      </dsp:style>
-    </dsp:sp>
-    <dsp:sp modelId="{FA8C4396-95FC-43B7-AD5D-867BEADACDF1}">
-      <dsp:nvSpPr>
-        <dsp:cNvPr id="0" name=""/>
-        <dsp:cNvSpPr/>
-      </dsp:nvSpPr>
-      <dsp:spPr>
-        <a:xfrm rot="5400000">
-          <a:off x="5756373" y="1060483"/>
-          <a:ext cx="984052" cy="1637440"/>
-        </a:xfrm>
-        <a:prstGeom prst="corner">
-          <a:avLst>
-            <a:gd name="adj1" fmla="val 16120"/>
-            <a:gd name="adj2" fmla="val 16110"/>
-          </a:avLst>
-        </a:prstGeom>
-        <a:solidFill>
-          <a:schemeClr val="accent1">
-            <a:hueOff val="0"/>
-            <a:satOff val="0"/>
-            <a:lumOff val="0"/>
-            <a:alphaOff val="0"/>
-          </a:schemeClr>
-        </a:solidFill>
-        <a:ln w="19050" cap="flat" cmpd="sng" algn="ctr">
-          <a:solidFill>
-            <a:schemeClr val="accent1">
-              <a:hueOff val="0"/>
-              <a:satOff val="0"/>
-              <a:lumOff val="0"/>
-              <a:alphaOff val="0"/>
-            </a:schemeClr>
-          </a:solidFill>
-          <a:prstDash val="solid"/>
-        </a:ln>
-        <a:effectLst/>
-      </dsp:spPr>
-      <dsp:style>
-        <a:lnRef idx="2">
-          <a:scrgbClr r="0" g="0" b="0"/>
-        </a:lnRef>
-        <a:fillRef idx="1">
-          <a:scrgbClr r="0" g="0" b="0"/>
-        </a:fillRef>
-        <a:effectRef idx="0">
-          <a:scrgbClr r="0" g="0" b="0"/>
-        </a:effectRef>
-        <a:fontRef idx="minor">
-          <a:schemeClr val="lt1"/>
-        </a:fontRef>
-      </dsp:style>
-    </dsp:sp>
-    <dsp:sp modelId="{CB8E302D-B6B3-4357-A38F-1B39E75756AF}">
-      <dsp:nvSpPr>
-        <dsp:cNvPr id="0" name=""/>
-        <dsp:cNvSpPr/>
-      </dsp:nvSpPr>
-      <dsp:spPr>
-        <a:xfrm>
-          <a:off x="5592110" y="1549725"/>
-          <a:ext cx="1478290" cy="1295808"/>
-        </a:xfrm>
-        <a:prstGeom prst="rect">
-          <a:avLst/>
-        </a:prstGeom>
-        <a:noFill/>
-        <a:ln>
-          <a:noFill/>
-        </a:ln>
-        <a:effectLst/>
-      </dsp:spPr>
-      <dsp:style>
-        <a:lnRef idx="0">
-          <a:scrgbClr r="0" g="0" b="0"/>
-        </a:lnRef>
-        <a:fillRef idx="0">
-          <a:scrgbClr r="0" g="0" b="0"/>
-        </a:fillRef>
-        <a:effectRef idx="0">
-          <a:scrgbClr r="0" g="0" b="0"/>
-        </a:effectRef>
-        <a:fontRef idx="minor"/>
       </dsp:style>
       <dsp:txBody>
         <a:bodyPr spcFirstLastPara="0" vert="horz" wrap="square" lIns="68580" tIns="68580" rIns="68580" bIns="68580" numCol="1" spcCol="1270" anchor="t" anchorCtr="0">
@@ -2929,7 +2728,7 @@
           </a:pPr>
           <a:r>
             <a:rPr lang="de-DE" sz="1400" kern="1200" dirty="0" smtClean="0"/>
-            <a:t>Auftragnehmer</a:t>
+            <a:t>Auftrag-nehmer</a:t>
           </a:r>
           <a:endParaRPr lang="de-DE" sz="1400" kern="1200" dirty="0"/>
         </a:p>
@@ -2954,143 +2753,83 @@
         </a:p>
       </dsp:txBody>
       <dsp:txXfrm>
-        <a:off x="5592110" y="1549725"/>
-        <a:ext cx="1478290" cy="1295808"/>
+        <a:off x="5560951" y="1614961"/>
+        <a:ext cx="1413338" cy="1898421"/>
       </dsp:txXfrm>
     </dsp:sp>
-    <dsp:sp modelId="{0E4CE61A-6A67-4F3C-9EBB-0DAC5686D681}">
+    <dsp:sp modelId="{20382240-D5AC-4B89-8E53-73A8B41769F1}">
       <dsp:nvSpPr>
         <dsp:cNvPr id="0" name=""/>
         <dsp:cNvSpPr/>
       </dsp:nvSpPr>
       <dsp:spPr>
         <a:xfrm>
-          <a:off x="6791478" y="939933"/>
-          <a:ext cx="278922" cy="278922"/>
+          <a:off x="7311791" y="1538503"/>
+          <a:ext cx="1566254" cy="2051337"/>
         </a:xfrm>
-        <a:prstGeom prst="triangle">
-          <a:avLst>
-            <a:gd name="adj" fmla="val 100000"/>
-          </a:avLst>
+        <a:prstGeom prst="roundRect">
+          <a:avLst/>
         </a:prstGeom>
-        <a:solidFill>
-          <a:schemeClr val="accent1">
-            <a:hueOff val="0"/>
-            <a:satOff val="0"/>
-            <a:lumOff val="0"/>
-            <a:alphaOff val="0"/>
-          </a:schemeClr>
-        </a:solidFill>
-        <a:ln w="19050" cap="flat" cmpd="sng" algn="ctr">
-          <a:solidFill>
-            <a:schemeClr val="accent1">
-              <a:hueOff val="0"/>
-              <a:satOff val="0"/>
-              <a:lumOff val="0"/>
-              <a:alphaOff val="0"/>
-            </a:schemeClr>
-          </a:solidFill>
-          <a:prstDash val="solid"/>
+        <a:gradFill rotWithShape="0">
+          <a:gsLst>
+            <a:gs pos="0">
+              <a:schemeClr val="accent1">
+                <a:hueOff val="0"/>
+                <a:satOff val="0"/>
+                <a:lumOff val="0"/>
+                <a:alphaOff val="0"/>
+                <a:tint val="43000"/>
+                <a:satMod val="165000"/>
+              </a:schemeClr>
+            </a:gs>
+            <a:gs pos="55000">
+              <a:schemeClr val="accent1">
+                <a:hueOff val="0"/>
+                <a:satOff val="0"/>
+                <a:lumOff val="0"/>
+                <a:alphaOff val="0"/>
+                <a:tint val="83000"/>
+                <a:satMod val="155000"/>
+              </a:schemeClr>
+            </a:gs>
+            <a:gs pos="100000">
+              <a:schemeClr val="accent1">
+                <a:hueOff val="0"/>
+                <a:satOff val="0"/>
+                <a:lumOff val="0"/>
+                <a:alphaOff val="0"/>
+                <a:shade val="85000"/>
+              </a:schemeClr>
+            </a:gs>
+          </a:gsLst>
+          <a:path path="circle">
+            <a:fillToRect l="-40000" t="-90000" r="140000" b="190000"/>
+          </a:path>
+        </a:gradFill>
+        <a:ln>
+          <a:noFill/>
         </a:ln>
-        <a:effectLst/>
+        <a:effectLst>
+          <a:outerShdw blurRad="50800" dist="25400" dir="5400000" rotWithShape="0">
+            <a:srgbClr val="000000">
+              <a:alpha val="45000"/>
+            </a:srgbClr>
+          </a:outerShdw>
+        </a:effectLst>
       </dsp:spPr>
       <dsp:style>
-        <a:lnRef idx="2">
+        <a:lnRef idx="0">
           <a:scrgbClr r="0" g="0" b="0"/>
         </a:lnRef>
-        <a:fillRef idx="1">
+        <a:fillRef idx="3">
           <a:scrgbClr r="0" g="0" b="0"/>
         </a:fillRef>
-        <a:effectRef idx="0">
+        <a:effectRef idx="2">
           <a:scrgbClr r="0" g="0" b="0"/>
         </a:effectRef>
         <a:fontRef idx="minor">
           <a:schemeClr val="lt1"/>
         </a:fontRef>
-      </dsp:style>
-    </dsp:sp>
-    <dsp:sp modelId="{6A433629-CB9E-4399-A77A-DEAEFC3E39C2}">
-      <dsp:nvSpPr>
-        <dsp:cNvPr id="0" name=""/>
-        <dsp:cNvSpPr/>
-      </dsp:nvSpPr>
-      <dsp:spPr>
-        <a:xfrm rot="5400000">
-          <a:off x="7566089" y="612667"/>
-          <a:ext cx="984052" cy="1637440"/>
-        </a:xfrm>
-        <a:prstGeom prst="corner">
-          <a:avLst>
-            <a:gd name="adj1" fmla="val 16120"/>
-            <a:gd name="adj2" fmla="val 16110"/>
-          </a:avLst>
-        </a:prstGeom>
-        <a:solidFill>
-          <a:schemeClr val="accent1">
-            <a:hueOff val="0"/>
-            <a:satOff val="0"/>
-            <a:lumOff val="0"/>
-            <a:alphaOff val="0"/>
-          </a:schemeClr>
-        </a:solidFill>
-        <a:ln w="19050" cap="flat" cmpd="sng" algn="ctr">
-          <a:solidFill>
-            <a:schemeClr val="accent1">
-              <a:hueOff val="0"/>
-              <a:satOff val="0"/>
-              <a:lumOff val="0"/>
-              <a:alphaOff val="0"/>
-            </a:schemeClr>
-          </a:solidFill>
-          <a:prstDash val="solid"/>
-        </a:ln>
-        <a:effectLst/>
-      </dsp:spPr>
-      <dsp:style>
-        <a:lnRef idx="2">
-          <a:scrgbClr r="0" g="0" b="0"/>
-        </a:lnRef>
-        <a:fillRef idx="1">
-          <a:scrgbClr r="0" g="0" b="0"/>
-        </a:fillRef>
-        <a:effectRef idx="0">
-          <a:scrgbClr r="0" g="0" b="0"/>
-        </a:effectRef>
-        <a:fontRef idx="minor">
-          <a:schemeClr val="lt1"/>
-        </a:fontRef>
-      </dsp:style>
-    </dsp:sp>
-    <dsp:sp modelId="{E92E13EE-0FC2-4C6F-B6F9-A9FA123682BA}">
-      <dsp:nvSpPr>
-        <dsp:cNvPr id="0" name=""/>
-        <dsp:cNvSpPr/>
-      </dsp:nvSpPr>
-      <dsp:spPr>
-        <a:xfrm>
-          <a:off x="7401827" y="1101909"/>
-          <a:ext cx="1478290" cy="1295808"/>
-        </a:xfrm>
-        <a:prstGeom prst="rect">
-          <a:avLst/>
-        </a:prstGeom>
-        <a:noFill/>
-        <a:ln>
-          <a:noFill/>
-        </a:ln>
-        <a:effectLst/>
-      </dsp:spPr>
-      <dsp:style>
-        <a:lnRef idx="0">
-          <a:scrgbClr r="0" g="0" b="0"/>
-        </a:lnRef>
-        <a:fillRef idx="0">
-          <a:scrgbClr r="0" g="0" b="0"/>
-        </a:fillRef>
-        <a:effectRef idx="0">
-          <a:scrgbClr r="0" g="0" b="0"/>
-        </a:effectRef>
-        <a:fontRef idx="minor"/>
       </dsp:style>
       <dsp:txBody>
         <a:bodyPr spcFirstLastPara="0" vert="horz" wrap="square" lIns="68580" tIns="68580" rIns="68580" bIns="68580" numCol="1" spcCol="1270" anchor="t" anchorCtr="0">
@@ -3155,8 +2894,8 @@
         </a:p>
       </dsp:txBody>
       <dsp:txXfrm>
-        <a:off x="7401827" y="1101909"/>
-        <a:ext cx="1478290" cy="1295808"/>
+        <a:off x="7388249" y="1614961"/>
+        <a:ext cx="1413338" cy="1898421"/>
       </dsp:txXfrm>
     </dsp:sp>
   </dsp:spTree>
@@ -3164,31 +2903,16 @@
 </file>
 
 <file path=ppt/diagrams/layout1.xml><?xml version="1.0" encoding="utf-8"?>
-<dgm:layoutDef xmlns:dgm="http://schemas.openxmlformats.org/drawingml/2006/diagram" xmlns:a="http://schemas.openxmlformats.org/drawingml/2006/main" uniqueId="urn:microsoft.com/office/officeart/2009/3/layout/StepUpProcess">
+<dgm:layoutDef xmlns:dgm="http://schemas.openxmlformats.org/drawingml/2006/diagram" xmlns:a="http://schemas.openxmlformats.org/drawingml/2006/main" uniqueId="urn:microsoft.com/office/officeart/2005/8/layout/hProcess9">
   <dgm:title val=""/>
   <dgm:desc val=""/>
   <dgm:catLst>
-    <dgm:cat type="process" pri="1300"/>
+    <dgm:cat type="process" pri="5000"/>
+    <dgm:cat type="convert" pri="13000"/>
   </dgm:catLst>
-  <dgm:sampData>
+  <dgm:sampData useDef="1">
     <dgm:dataModel>
-      <dgm:ptLst>
-        <dgm:pt modelId="0" type="doc"/>
-        <dgm:pt modelId="10">
-          <dgm:prSet phldr="1"/>
-        </dgm:pt>
-        <dgm:pt modelId="20">
-          <dgm:prSet phldr="1"/>
-        </dgm:pt>
-        <dgm:pt modelId="30">
-          <dgm:prSet phldr="1"/>
-        </dgm:pt>
-      </dgm:ptLst>
-      <dgm:cxnLst>
-        <dgm:cxn modelId="60" srcId="0" destId="10" srcOrd="0" destOrd="0"/>
-        <dgm:cxn modelId="70" srcId="0" destId="20" srcOrd="1" destOrd="0"/>
-        <dgm:cxn modelId="80" srcId="0" destId="30" srcOrd="2" destOrd="0"/>
-      </dgm:cxnLst>
+      <dgm:ptLst/>
       <dgm:bg/>
       <dgm:whole/>
     </dgm:dataModel>
@@ -3197,16 +2921,12 @@
     <dgm:dataModel>
       <dgm:ptLst>
         <dgm:pt modelId="0" type="doc"/>
-        <dgm:pt modelId="10">
-          <dgm:prSet phldr="1"/>
-        </dgm:pt>
-        <dgm:pt modelId="20">
-          <dgm:prSet phldr="1"/>
-        </dgm:pt>
+        <dgm:pt modelId="1"/>
+        <dgm:pt modelId="2"/>
       </dgm:ptLst>
       <dgm:cxnLst>
-        <dgm:cxn modelId="60" srcId="0" destId="10" srcOrd="0" destOrd="0"/>
-        <dgm:cxn modelId="70" srcId="0" destId="20" srcOrd="1" destOrd="0"/>
+        <dgm:cxn modelId="3" srcId="0" destId="1" srcOrd="0" destOrd="0"/>
+        <dgm:cxn modelId="4" srcId="0" destId="2" srcOrd="1" destOrd="0"/>
       </dgm:cxnLst>
       <dgm:bg/>
       <dgm:whole/>
@@ -3216,211 +2936,132 @@
     <dgm:dataModel>
       <dgm:ptLst>
         <dgm:pt modelId="0" type="doc"/>
-        <dgm:pt modelId="10">
-          <dgm:prSet phldr="1"/>
-        </dgm:pt>
-        <dgm:pt modelId="20">
-          <dgm:prSet phldr="1"/>
-        </dgm:pt>
-        <dgm:pt modelId="30">
-          <dgm:prSet phldr="1"/>
-        </dgm:pt>
-        <dgm:pt modelId="40">
-          <dgm:prSet phldr="1"/>
-        </dgm:pt>
+        <dgm:pt modelId="1"/>
+        <dgm:pt modelId="2"/>
+        <dgm:pt modelId="3"/>
+        <dgm:pt modelId="4"/>
       </dgm:ptLst>
       <dgm:cxnLst>
-        <dgm:cxn modelId="60" srcId="0" destId="10" srcOrd="0" destOrd="0"/>
-        <dgm:cxn modelId="70" srcId="0" destId="20" srcOrd="1" destOrd="0"/>
-        <dgm:cxn modelId="80" srcId="0" destId="30" srcOrd="2" destOrd="0"/>
-        <dgm:cxn modelId="90" srcId="0" destId="40" srcOrd="3" destOrd="0"/>
+        <dgm:cxn modelId="5" srcId="0" destId="1" srcOrd="0" destOrd="0"/>
+        <dgm:cxn modelId="6" srcId="0" destId="2" srcOrd="1" destOrd="0"/>
+        <dgm:cxn modelId="7" srcId="0" destId="3" srcOrd="2" destOrd="0"/>
+        <dgm:cxn modelId="8" srcId="0" destId="4" srcOrd="3" destOrd="0"/>
       </dgm:cxnLst>
       <dgm:bg/>
       <dgm:whole/>
     </dgm:dataModel>
   </dgm:clrData>
-  <dgm:layoutNode name="rootnode">
+  <dgm:layoutNode name="CompostProcess">
     <dgm:varLst>
-      <dgm:chMax/>
-      <dgm:chPref/>
       <dgm:dir/>
-      <dgm:animLvl val="lvl"/>
+      <dgm:resizeHandles val="exact"/>
     </dgm:varLst>
-    <dgm:choose name="Name0">
-      <dgm:if name="Name1" func="var" arg="dir" op="equ" val="norm">
-        <dgm:alg type="snake">
-          <dgm:param type="grDir" val="bL"/>
-          <dgm:param type="flowDir" val="row"/>
-          <dgm:param type="off" val="off"/>
-          <dgm:param type="bkpt" val="fixed"/>
-          <dgm:param type="bkPtFixedVal" val="1"/>
-        </dgm:alg>
-      </dgm:if>
-      <dgm:else name="Name2">
-        <dgm:alg type="snake">
-          <dgm:param type="grDir" val="bR"/>
-          <dgm:param type="flowDir" val="row"/>
-          <dgm:param type="off" val="off"/>
-          <dgm:param type="bkpt" val="fixed"/>
-          <dgm:param type="bkPtFixedVal" val="1"/>
-        </dgm:alg>
-      </dgm:else>
-    </dgm:choose>
+    <dgm:alg type="composite">
+      <dgm:param type="horzAlign" val="ctr"/>
+      <dgm:param type="vertAlign" val="mid"/>
+    </dgm:alg>
     <dgm:shape xmlns:r="http://schemas.openxmlformats.org/officeDocument/2006/relationships" r:blip="">
       <dgm:adjLst/>
     </dgm:shape>
+    <dgm:presOf/>
     <dgm:constrLst>
-      <dgm:constr type="alignOff" forName="rootnode" val="1"/>
-      <dgm:constr type="primFontSz" for="des" ptType="node" op="equ" val="65"/>
-      <dgm:constr type="w" for="ch" forName="composite" refType="w"/>
-      <dgm:constr type="h" for="ch" forName="composite" refType="h"/>
-      <dgm:constr type="sp" refType="h" refFor="ch" refForName="composite" op="equ" fact="-0.765"/>
-      <dgm:constr type="w" for="ch" forName="sibTrans" refType="w" fact="0.103"/>
-      <dgm:constr type="h" for="ch" forName="sibTrans" refType="h" fact="0.103"/>
+      <dgm:constr type="w" for="ch" forName="arrow" refType="w" fact="0.85"/>
+      <dgm:constr type="h" for="ch" forName="arrow" refType="h"/>
+      <dgm:constr type="ctrX" for="ch" forName="arrow" refType="w" fact="0.5"/>
+      <dgm:constr type="ctrY" for="ch" forName="arrow" refType="h" fact="0.5"/>
+      <dgm:constr type="w" for="ch" forName="linearProcess" refType="w"/>
+      <dgm:constr type="h" for="ch" forName="linearProcess" refType="h" fact="0.4"/>
+      <dgm:constr type="ctrX" for="ch" forName="linearProcess" refType="w" fact="0.5"/>
+      <dgm:constr type="ctrY" for="ch" forName="linearProcess" refType="h" fact="0.5"/>
     </dgm:constrLst>
-    <dgm:forEach name="nodesForEach" axis="ch" ptType="node">
-      <dgm:layoutNode name="composite">
-        <dgm:alg type="composite">
-          <dgm:param type="ar" val="0.861"/>
-        </dgm:alg>
-        <dgm:shape xmlns:r="http://schemas.openxmlformats.org/officeDocument/2006/relationships" r:blip="">
-          <dgm:adjLst/>
-        </dgm:shape>
-        <dgm:choose name="Name3">
-          <dgm:if name="Name4" func="var" arg="dir" op="equ" val="norm">
-            <dgm:constrLst>
-              <dgm:constr type="l" for="ch" forName="LShape" refType="w" fact="0"/>
-              <dgm:constr type="t" for="ch" forName="LShape" refType="h" fact="0.2347"/>
-              <dgm:constr type="w" for="ch" forName="LShape" refType="w" fact="0.998"/>
-              <dgm:constr type="h" for="ch" forName="LShape" refType="h" fact="0.5164"/>
-              <dgm:constr type="r" for="ch" forName="ParentText" refType="w"/>
-              <dgm:constr type="t" for="ch" forName="ParentText" refType="h" fact="0.32"/>
-              <dgm:constr type="w" for="ch" forName="ParentText" refType="w" fact="0.901"/>
-              <dgm:constr type="h" for="ch" forName="ParentText" refType="h" fact="0.68"/>
-              <dgm:constr type="l" for="ch" forName="Triangle" refType="w" fact="0.83"/>
-              <dgm:constr type="t" for="ch" forName="Triangle" refType="h" fact="0"/>
-              <dgm:constr type="w" for="ch" forName="Triangle" refType="w" fact="0.17"/>
-              <dgm:constr type="h" for="ch" forName="Triangle" refType="w" refFor="ch" refForName="Triangle"/>
-            </dgm:constrLst>
-          </dgm:if>
-          <dgm:else name="Name5">
-            <dgm:constrLst>
-              <dgm:constr type="l" for="ch" forName="LShape" refType="w" fact="0.002"/>
-              <dgm:constr type="t" for="ch" forName="LShape" refType="h" fact="0.2347"/>
-              <dgm:constr type="w" for="ch" forName="LShape" refType="w"/>
-              <dgm:constr type="h" for="ch" forName="LShape" refType="h" fact="0.5164"/>
-              <dgm:constr type="l" for="ch" forName="ParentText" refType="w" fact="0"/>
-              <dgm:constr type="t" for="ch" forName="ParentText" refType="h" fact="0.32"/>
-              <dgm:constr type="w" for="ch" forName="ParentText" refType="w" fact="0.902"/>
-              <dgm:constr type="h" for="ch" forName="ParentText" refType="h" fact="0.68"/>
-              <dgm:constr type="l" for="ch" forName="Triangle" refType="w" fact="0"/>
-              <dgm:constr type="t" for="ch" forName="Triangle" refType="h" fact="0"/>
-              <dgm:constr type="w" for="ch" forName="Triangle" refType="w" fact="0.17"/>
-              <dgm:constr type="h" for="ch" forName="Triangle" refType="w" refFor="ch" refForName="Triangle"/>
-            </dgm:constrLst>
-          </dgm:else>
-        </dgm:choose>
-        <dgm:layoutNode name="LShape" styleLbl="alignNode1">
-          <dgm:alg type="sp"/>
-          <dgm:choose name="Name6">
-            <dgm:if name="Name7" func="var" arg="dir" op="equ" val="norm">
-              <dgm:shape xmlns:r="http://schemas.openxmlformats.org/officeDocument/2006/relationships" rot="90" type="corner" r:blip="">
-                <dgm:adjLst>
-                  <dgm:adj idx="1" val="0.1612"/>
-                  <dgm:adj idx="2" val="0.1611"/>
-                </dgm:adjLst>
-              </dgm:shape>
-            </dgm:if>
-            <dgm:else name="Name8">
-              <dgm:shape xmlns:r="http://schemas.openxmlformats.org/officeDocument/2006/relationships" rot="180" type="corner" r:blip="">
-                <dgm:adjLst>
-                  <dgm:adj idx="1" val="0.1612"/>
-                  <dgm:adj idx="2" val="0.1611"/>
-                </dgm:adjLst>
-              </dgm:shape>
-            </dgm:else>
-          </dgm:choose>
-          <dgm:presOf/>
-        </dgm:layoutNode>
-        <dgm:layoutNode name="ParentText" styleLbl="revTx">
+    <dgm:ruleLst/>
+    <dgm:layoutNode name="arrow" styleLbl="bgShp">
+      <dgm:alg type="sp"/>
+      <dgm:choose name="Name0">
+        <dgm:if name="Name1" func="var" arg="dir" op="equ" val="norm">
+          <dgm:shape xmlns:r="http://schemas.openxmlformats.org/officeDocument/2006/relationships" type="rightArrow" r:blip="">
+            <dgm:adjLst/>
+          </dgm:shape>
+        </dgm:if>
+        <dgm:else name="Name2">
+          <dgm:shape xmlns:r="http://schemas.openxmlformats.org/officeDocument/2006/relationships" type="leftArrow" r:blip="">
+            <dgm:adjLst/>
+          </dgm:shape>
+        </dgm:else>
+      </dgm:choose>
+      <dgm:presOf/>
+      <dgm:constrLst/>
+      <dgm:ruleLst/>
+    </dgm:layoutNode>
+    <dgm:layoutNode name="linearProcess">
+      <dgm:choose name="Name3">
+        <dgm:if name="Name4" func="var" arg="dir" op="equ" val="norm">
+          <dgm:alg type="lin"/>
+        </dgm:if>
+        <dgm:else name="Name5">
+          <dgm:alg type="lin">
+            <dgm:param type="linDir" val="fromR"/>
+          </dgm:alg>
+        </dgm:else>
+      </dgm:choose>
+      <dgm:shape xmlns:r="http://schemas.openxmlformats.org/officeDocument/2006/relationships" r:blip="">
+        <dgm:adjLst/>
+      </dgm:shape>
+      <dgm:presOf/>
+      <dgm:constrLst>
+        <dgm:constr type="userA" for="ch" ptType="node" refType="w"/>
+        <dgm:constr type="h" for="ch" ptType="node" refType="h"/>
+        <dgm:constr type="w" for="ch" ptType="node" op="equ"/>
+        <dgm:constr type="w" for="ch" forName="sibTrans" refType="w" fact="0.05"/>
+        <dgm:constr type="primFontSz" for="ch" ptType="node" op="equ" val="65"/>
+      </dgm:constrLst>
+      <dgm:ruleLst/>
+      <dgm:forEach name="Name6" axis="ch" ptType="node">
+        <dgm:layoutNode name="textNode" styleLbl="node1">
           <dgm:varLst>
-            <dgm:chMax val="0"/>
-            <dgm:chPref val="0"/>
             <dgm:bulletEnabled val="1"/>
           </dgm:varLst>
-          <dgm:alg type="tx">
-            <dgm:param type="parTxLTRAlign" val="l"/>
-            <dgm:param type="txAnchorVert" val="t"/>
-          </dgm:alg>
-          <dgm:shape xmlns:r="http://schemas.openxmlformats.org/officeDocument/2006/relationships" type="rect" r:blip="">
+          <dgm:alg type="tx"/>
+          <dgm:shape xmlns:r="http://schemas.openxmlformats.org/officeDocument/2006/relationships" type="roundRect" r:blip="">
             <dgm:adjLst/>
           </dgm:shape>
           <dgm:presOf axis="desOrSelf" ptType="node"/>
           <dgm:constrLst>
+            <dgm:constr type="userA"/>
+            <dgm:constr type="w" refType="userA" fact="0.3"/>
+            <dgm:constr type="tMarg" refType="primFontSz" fact="0.3"/>
+            <dgm:constr type="bMarg" refType="primFontSz" fact="0.3"/>
             <dgm:constr type="lMarg" refType="primFontSz" fact="0.3"/>
             <dgm:constr type="rMarg" refType="primFontSz" fact="0.3"/>
-            <dgm:constr type="tMarg" refType="primFontSz" fact="0.3"/>
-            <dgm:constr type="bMarg" refType="primFontSz" fact="0.3"/>
           </dgm:constrLst>
           <dgm:ruleLst>
+            <dgm:rule type="w" val="NaN" fact="1" max="NaN"/>
             <dgm:rule type="primFontSz" val="5" fact="NaN" max="NaN"/>
           </dgm:ruleLst>
         </dgm:layoutNode>
-        <dgm:choose name="Name9">
-          <dgm:if name="Name10" axis="followSib" ptType="node" func="cnt" op="gte" val="1">
-            <dgm:layoutNode name="Triangle" styleLbl="alignNode1">
-              <dgm:alg type="sp"/>
-              <dgm:choose name="Name11">
-                <dgm:if name="Name12" func="var" arg="dir" op="equ" val="norm">
-                  <dgm:shape xmlns:r="http://schemas.openxmlformats.org/officeDocument/2006/relationships" type="triangle" r:blip="">
-                    <dgm:adjLst>
-                      <dgm:adj idx="1" val="1"/>
-                    </dgm:adjLst>
-                  </dgm:shape>
-                </dgm:if>
-                <dgm:else name="Name13">
-                  <dgm:shape xmlns:r="http://schemas.openxmlformats.org/officeDocument/2006/relationships" rot="90" type="triangle" r:blip="">
-                    <dgm:adjLst>
-                      <dgm:adj idx="1" val="1"/>
-                    </dgm:adjLst>
-                  </dgm:shape>
-                </dgm:else>
-              </dgm:choose>
-              <dgm:presOf/>
-            </dgm:layoutNode>
-          </dgm:if>
-          <dgm:else name="Name14"/>
-        </dgm:choose>
-      </dgm:layoutNode>
-      <dgm:forEach name="sibTransForEach" axis="followSib" ptType="sibTrans" cnt="1">
-        <dgm:layoutNode name="sibTrans">
-          <dgm:alg type="composite">
-            <dgm:param type="ar" val="0.861"/>
-          </dgm:alg>
-          <dgm:constrLst>
-            <dgm:constr type="w" for="ch" forName="space" refType="w"/>
-            <dgm:constr type="h" for="ch" forName="space" refType="w"/>
-          </dgm:constrLst>
-          <dgm:layoutNode name="space" styleLbl="alignNode1">
+        <dgm:forEach name="Name7" axis="followSib" ptType="sibTrans" cnt="1">
+          <dgm:layoutNode name="sibTrans">
             <dgm:alg type="sp"/>
             <dgm:shape xmlns:r="http://schemas.openxmlformats.org/officeDocument/2006/relationships" r:blip="">
               <dgm:adjLst/>
             </dgm:shape>
             <dgm:presOf/>
+            <dgm:constrLst/>
+            <dgm:ruleLst/>
           </dgm:layoutNode>
-        </dgm:layoutNode>
+        </dgm:forEach>
       </dgm:forEach>
-    </dgm:forEach>
+    </dgm:layoutNode>
   </dgm:layoutNode>
 </dgm:layoutDef>
 </file>
 
 <file path=ppt/diagrams/quickStyle1.xml><?xml version="1.0" encoding="utf-8"?>
-<dgm:styleDef xmlns:dgm="http://schemas.openxmlformats.org/drawingml/2006/diagram" xmlns:a="http://schemas.openxmlformats.org/drawingml/2006/main" uniqueId="urn:microsoft.com/office/officeart/2005/8/quickstyle/simple1">
+<dgm:styleDef xmlns:dgm="http://schemas.openxmlformats.org/drawingml/2006/diagram" xmlns:a="http://schemas.openxmlformats.org/drawingml/2006/main" uniqueId="urn:microsoft.com/office/officeart/2005/8/quickstyle/simple4">
   <dgm:title val=""/>
   <dgm:desc val=""/>
   <dgm:catLst>
-    <dgm:cat type="simple" pri="10100"/>
+    <dgm:cat type="simple" pri="10400"/>
   </dgm:catLst>
   <dgm:scene3d>
     <a:camera prst="orthographicFront"/>
@@ -3434,13 +3075,13 @@
     <dgm:sp3d/>
     <dgm:txPr/>
     <dgm:style>
-      <a:lnRef idx="2">
+      <a:lnRef idx="0">
         <a:scrgbClr r="0" g="0" b="0"/>
       </a:lnRef>
-      <a:fillRef idx="1">
+      <a:fillRef idx="3">
         <a:scrgbClr r="0" g="0" b="0"/>
       </a:fillRef>
-      <a:effectRef idx="0">
+      <a:effectRef idx="2">
         <a:scrgbClr r="0" g="0" b="0"/>
       </a:effectRef>
       <a:fontRef idx="minor">
@@ -3456,13 +3097,13 @@
     <dgm:sp3d/>
     <dgm:txPr/>
     <dgm:style>
-      <a:lnRef idx="2">
+      <a:lnRef idx="1">
         <a:scrgbClr r="0" g="0" b="0"/>
       </a:lnRef>
-      <a:fillRef idx="1">
+      <a:fillRef idx="3">
         <a:scrgbClr r="0" g="0" b="0"/>
       </a:fillRef>
-      <a:effectRef idx="0">
+      <a:effectRef idx="2">
         <a:scrgbClr r="0" g="0" b="0"/>
       </a:effectRef>
       <a:fontRef idx="minor">
@@ -3478,10 +3119,10 @@
     <dgm:sp3d/>
     <dgm:txPr/>
     <dgm:style>
-      <a:lnRef idx="2">
+      <a:lnRef idx="0">
         <a:scrgbClr r="0" g="0" b="0"/>
       </a:lnRef>
-      <a:fillRef idx="1">
+      <a:fillRef idx="3">
         <a:scrgbClr r="0" g="0" b="0"/>
       </a:fillRef>
       <a:effectRef idx="0">
@@ -3500,13 +3141,13 @@
     <dgm:sp3d/>
     <dgm:txPr/>
     <dgm:style>
-      <a:lnRef idx="2">
+      <a:lnRef idx="1">
         <a:scrgbClr r="0" g="0" b="0"/>
       </a:lnRef>
-      <a:fillRef idx="1">
+      <a:fillRef idx="3">
         <a:scrgbClr r="0" g="0" b="0"/>
       </a:fillRef>
-      <a:effectRef idx="0">
+      <a:effectRef idx="2">
         <a:scrgbClr r="0" g="0" b="0"/>
       </a:effectRef>
       <a:fontRef idx="minor">
@@ -3522,13 +3163,13 @@
     <dgm:sp3d/>
     <dgm:txPr/>
     <dgm:style>
-      <a:lnRef idx="2">
+      <a:lnRef idx="0">
         <a:scrgbClr r="0" g="0" b="0"/>
       </a:lnRef>
-      <a:fillRef idx="1">
+      <a:fillRef idx="3">
         <a:scrgbClr r="0" g="0" b="0"/>
       </a:fillRef>
-      <a:effectRef idx="0">
+      <a:effectRef idx="2">
         <a:scrgbClr r="0" g="0" b="0"/>
       </a:effectRef>
       <a:fontRef idx="minor">
@@ -3544,13 +3185,13 @@
     <dgm:sp3d/>
     <dgm:txPr/>
     <dgm:style>
-      <a:lnRef idx="2">
+      <a:lnRef idx="0">
         <a:scrgbClr r="0" g="0" b="0"/>
       </a:lnRef>
-      <a:fillRef idx="1">
+      <a:fillRef idx="3">
         <a:scrgbClr r="0" g="0" b="0"/>
       </a:fillRef>
-      <a:effectRef idx="0">
+      <a:effectRef idx="2">
         <a:scrgbClr r="0" g="0" b="0"/>
       </a:effectRef>
       <a:fontRef idx="minor">
@@ -3566,13 +3207,13 @@
     <dgm:sp3d/>
     <dgm:txPr/>
     <dgm:style>
-      <a:lnRef idx="2">
+      <a:lnRef idx="0">
         <a:scrgbClr r="0" g="0" b="0"/>
       </a:lnRef>
-      <a:fillRef idx="1">
+      <a:fillRef idx="3">
         <a:scrgbClr r="0" g="0" b="0"/>
       </a:fillRef>
-      <a:effectRef idx="0">
+      <a:effectRef idx="2">
         <a:scrgbClr r="0" g="0" b="0"/>
       </a:effectRef>
       <a:fontRef idx="minor">
@@ -3588,13 +3229,13 @@
     <dgm:sp3d/>
     <dgm:txPr/>
     <dgm:style>
-      <a:lnRef idx="2">
+      <a:lnRef idx="0">
         <a:scrgbClr r="0" g="0" b="0"/>
       </a:lnRef>
-      <a:fillRef idx="1">
+      <a:fillRef idx="3">
         <a:scrgbClr r="0" g="0" b="0"/>
       </a:fillRef>
-      <a:effectRef idx="0">
+      <a:effectRef idx="2">
         <a:scrgbClr r="0" g="0" b="0"/>
       </a:effectRef>
       <a:fontRef idx="minor">
@@ -3610,13 +3251,13 @@
     <dgm:sp3d/>
     <dgm:txPr/>
     <dgm:style>
-      <a:lnRef idx="2">
+      <a:lnRef idx="0">
         <a:scrgbClr r="0" g="0" b="0"/>
       </a:lnRef>
       <a:fillRef idx="1">
         <a:scrgbClr r="0" g="0" b="0"/>
       </a:fillRef>
-      <a:effectRef idx="0">
+      <a:effectRef idx="2">
         <a:scrgbClr r="0" g="0" b="0"/>
       </a:effectRef>
       <a:fontRef idx="minor"/>
@@ -3630,13 +3271,13 @@
     <dgm:sp3d/>
     <dgm:txPr/>
     <dgm:style>
-      <a:lnRef idx="2">
+      <a:lnRef idx="0">
         <a:scrgbClr r="0" g="0" b="0"/>
       </a:lnRef>
       <a:fillRef idx="1">
         <a:scrgbClr r="0" g="0" b="0"/>
       </a:fillRef>
-      <a:effectRef idx="0">
+      <a:effectRef idx="2">
         <a:scrgbClr r="0" g="0" b="0"/>
       </a:effectRef>
       <a:fontRef idx="minor"/>
@@ -3650,13 +3291,13 @@
     <dgm:sp3d/>
     <dgm:txPr/>
     <dgm:style>
-      <a:lnRef idx="2">
+      <a:lnRef idx="0">
         <a:scrgbClr r="0" g="0" b="0"/>
       </a:lnRef>
       <a:fillRef idx="1">
         <a:scrgbClr r="0" g="0" b="0"/>
       </a:fillRef>
-      <a:effectRef idx="0">
+      <a:effectRef idx="2">
         <a:scrgbClr r="0" g="0" b="0"/>
       </a:effectRef>
       <a:fontRef idx="minor"/>
@@ -3673,10 +3314,10 @@
       <a:lnRef idx="0">
         <a:scrgbClr r="0" g="0" b="0"/>
       </a:lnRef>
-      <a:fillRef idx="1">
+      <a:fillRef idx="3">
         <a:scrgbClr r="0" g="0" b="0"/>
       </a:fillRef>
-      <a:effectRef idx="0">
+      <a:effectRef idx="2">
         <a:scrgbClr r="0" g="0" b="0"/>
       </a:effectRef>
       <a:fontRef idx="minor">
@@ -3695,10 +3336,10 @@
       <a:lnRef idx="0">
         <a:scrgbClr r="0" g="0" b="0"/>
       </a:lnRef>
-      <a:fillRef idx="1">
+      <a:fillRef idx="3">
         <a:scrgbClr r="0" g="0" b="0"/>
       </a:fillRef>
-      <a:effectRef idx="0">
+      <a:effectRef idx="2">
         <a:scrgbClr r="0" g="0" b="0"/>
       </a:effectRef>
       <a:fontRef idx="minor">
@@ -3717,10 +3358,10 @@
       <a:lnRef idx="0">
         <a:scrgbClr r="0" g="0" b="0"/>
       </a:lnRef>
-      <a:fillRef idx="1">
+      <a:fillRef idx="3">
         <a:scrgbClr r="0" g="0" b="0"/>
       </a:fillRef>
-      <a:effectRef idx="0">
+      <a:effectRef idx="2">
         <a:scrgbClr r="0" g="0" b="0"/>
       </a:effectRef>
       <a:fontRef idx="minor">
@@ -3762,7 +3403,7 @@
       <a:fillRef idx="1">
         <a:scrgbClr r="0" g="0" b="0"/>
       </a:fillRef>
-      <a:effectRef idx="0">
+      <a:effectRef idx="1">
         <a:scrgbClr r="0" g="0" b="0"/>
       </a:effectRef>
       <a:fontRef idx="minor"/>
@@ -3776,13 +3417,13 @@
     <dgm:sp3d/>
     <dgm:txPr/>
     <dgm:style>
-      <a:lnRef idx="2">
+      <a:lnRef idx="0">
         <a:scrgbClr r="0" g="0" b="0"/>
       </a:lnRef>
-      <a:fillRef idx="1">
+      <a:fillRef idx="3">
         <a:scrgbClr r="0" g="0" b="0"/>
       </a:fillRef>
-      <a:effectRef idx="0">
+      <a:effectRef idx="2">
         <a:scrgbClr r="0" g="0" b="0"/>
       </a:effectRef>
       <a:fontRef idx="minor">
@@ -3798,13 +3439,13 @@
     <dgm:sp3d/>
     <dgm:txPr/>
     <dgm:style>
-      <a:lnRef idx="2">
+      <a:lnRef idx="0">
         <a:scrgbClr r="0" g="0" b="0"/>
       </a:lnRef>
-      <a:fillRef idx="1">
+      <a:fillRef idx="3">
         <a:scrgbClr r="0" g="0" b="0"/>
       </a:fillRef>
-      <a:effectRef idx="0">
+      <a:effectRef idx="2">
         <a:scrgbClr r="0" g="0" b="0"/>
       </a:effectRef>
       <a:fontRef idx="minor">
@@ -3820,13 +3461,13 @@
     <dgm:sp3d/>
     <dgm:txPr/>
     <dgm:style>
-      <a:lnRef idx="2">
+      <a:lnRef idx="0">
         <a:scrgbClr r="0" g="0" b="0"/>
       </a:lnRef>
-      <a:fillRef idx="1">
+      <a:fillRef idx="3">
         <a:scrgbClr r="0" g="0" b="0"/>
       </a:fillRef>
-      <a:effectRef idx="0">
+      <a:effectRef idx="2">
         <a:scrgbClr r="0" g="0" b="0"/>
       </a:effectRef>
       <a:fontRef idx="minor">
@@ -3842,13 +3483,13 @@
     <dgm:sp3d/>
     <dgm:txPr/>
     <dgm:style>
-      <a:lnRef idx="2">
+      <a:lnRef idx="0">
         <a:scrgbClr r="0" g="0" b="0"/>
       </a:lnRef>
-      <a:fillRef idx="1">
+      <a:fillRef idx="3">
         <a:scrgbClr r="0" g="0" b="0"/>
       </a:fillRef>
-      <a:effectRef idx="0">
+      <a:effectRef idx="2">
         <a:scrgbClr r="0" g="0" b="0"/>
       </a:effectRef>
       <a:fontRef idx="minor">
@@ -3864,13 +3505,13 @@
     <dgm:sp3d/>
     <dgm:txPr/>
     <dgm:style>
-      <a:lnRef idx="2">
+      <a:lnRef idx="0">
         <a:scrgbClr r="0" g="0" b="0"/>
       </a:lnRef>
-      <a:fillRef idx="1">
+      <a:fillRef idx="3">
         <a:scrgbClr r="0" g="0" b="0"/>
       </a:fillRef>
-      <a:effectRef idx="0">
+      <a:effectRef idx="2">
         <a:scrgbClr r="0" g="0" b="0"/>
       </a:effectRef>
       <a:fontRef idx="minor">
@@ -3886,13 +3527,13 @@
     <dgm:sp3d/>
     <dgm:txPr/>
     <dgm:style>
-      <a:lnRef idx="2">
+      <a:lnRef idx="0">
         <a:scrgbClr r="0" g="0" b="0"/>
       </a:lnRef>
-      <a:fillRef idx="1">
+      <a:fillRef idx="3">
         <a:scrgbClr r="0" g="0" b="0"/>
       </a:fillRef>
-      <a:effectRef idx="0">
+      <a:effectRef idx="2">
         <a:scrgbClr r="0" g="0" b="0"/>
       </a:effectRef>
       <a:fontRef idx="minor">
@@ -3908,13 +3549,13 @@
     <dgm:sp3d/>
     <dgm:txPr/>
     <dgm:style>
-      <a:lnRef idx="2">
+      <a:lnRef idx="0">
         <a:scrgbClr r="0" g="0" b="0"/>
       </a:lnRef>
-      <a:fillRef idx="1">
+      <a:fillRef idx="3">
         <a:scrgbClr r="0" g="0" b="0"/>
       </a:fillRef>
-      <a:effectRef idx="0">
+      <a:effectRef idx="2">
         <a:scrgbClr r="0" g="0" b="0"/>
       </a:effectRef>
       <a:fontRef idx="minor">
@@ -3930,13 +3571,13 @@
     <dgm:sp3d/>
     <dgm:txPr/>
     <dgm:style>
-      <a:lnRef idx="2">
+      <a:lnRef idx="1">
         <a:scrgbClr r="0" g="0" b="0"/>
       </a:lnRef>
-      <a:fillRef idx="1">
+      <a:fillRef idx="3">
         <a:scrgbClr r="0" g="0" b="0"/>
       </a:fillRef>
-      <a:effectRef idx="0">
+      <a:effectRef idx="2">
         <a:scrgbClr r="0" g="0" b="0"/>
       </a:effectRef>
       <a:fontRef idx="minor">
@@ -3952,13 +3593,13 @@
     <dgm:sp3d/>
     <dgm:txPr/>
     <dgm:style>
-      <a:lnRef idx="2">
+      <a:lnRef idx="1">
         <a:scrgbClr r="0" g="0" b="0"/>
       </a:lnRef>
-      <a:fillRef idx="1">
+      <a:fillRef idx="3">
         <a:scrgbClr r="0" g="0" b="0"/>
       </a:fillRef>
-      <a:effectRef idx="0">
+      <a:effectRef idx="2">
         <a:scrgbClr r="0" g="0" b="0"/>
       </a:effectRef>
       <a:fontRef idx="minor">
@@ -3974,7 +3615,7 @@
     <dgm:sp3d/>
     <dgm:txPr/>
     <dgm:style>
-      <a:lnRef idx="2">
+      <a:lnRef idx="1">
         <a:scrgbClr r="0" g="0" b="0"/>
       </a:lnRef>
       <a:fillRef idx="0">
@@ -3994,7 +3635,7 @@
     <dgm:sp3d/>
     <dgm:txPr/>
     <dgm:style>
-      <a:lnRef idx="2">
+      <a:lnRef idx="1">
         <a:scrgbClr r="0" g="0" b="0"/>
       </a:lnRef>
       <a:fillRef idx="0">
@@ -4014,7 +3655,7 @@
     <dgm:sp3d/>
     <dgm:txPr/>
     <dgm:style>
-      <a:lnRef idx="2">
+      <a:lnRef idx="1">
         <a:scrgbClr r="0" g="0" b="0"/>
       </a:lnRef>
       <a:fillRef idx="0">
@@ -4034,7 +3675,7 @@
     <dgm:sp3d/>
     <dgm:txPr/>
     <dgm:style>
-      <a:lnRef idx="2">
+      <a:lnRef idx="1">
         <a:scrgbClr r="0" g="0" b="0"/>
       </a:lnRef>
       <a:fillRef idx="0">
@@ -4054,7 +3695,7 @@
     <dgm:sp3d/>
     <dgm:txPr/>
     <dgm:style>
-      <a:lnRef idx="2">
+      <a:lnRef idx="1">
         <a:scrgbClr r="0" g="0" b="0"/>
       </a:lnRef>
       <a:fillRef idx="1">
@@ -4074,7 +3715,7 @@
     <dgm:sp3d/>
     <dgm:txPr/>
     <dgm:style>
-      <a:lnRef idx="2">
+      <a:lnRef idx="1">
         <a:scrgbClr r="0" g="0" b="0"/>
       </a:lnRef>
       <a:fillRef idx="1">
@@ -4094,7 +3735,7 @@
     <dgm:sp3d/>
     <dgm:txPr/>
     <dgm:style>
-      <a:lnRef idx="2">
+      <a:lnRef idx="1">
         <a:scrgbClr r="0" g="0" b="0"/>
       </a:lnRef>
       <a:fillRef idx="1">
@@ -4134,7 +3775,7 @@
     <dgm:sp3d/>
     <dgm:txPr/>
     <dgm:style>
-      <a:lnRef idx="2">
+      <a:lnRef idx="1">
         <a:scrgbClr r="0" g="0" b="0"/>
       </a:lnRef>
       <a:fillRef idx="1">
@@ -4154,7 +3795,7 @@
     <dgm:sp3d/>
     <dgm:txPr/>
     <dgm:style>
-      <a:lnRef idx="2">
+      <a:lnRef idx="1">
         <a:scrgbClr r="0" g="0" b="0"/>
       </a:lnRef>
       <a:fillRef idx="1">
@@ -4174,7 +3815,7 @@
     <dgm:sp3d/>
     <dgm:txPr/>
     <dgm:style>
-      <a:lnRef idx="2">
+      <a:lnRef idx="1">
         <a:scrgbClr r="0" g="0" b="0"/>
       </a:lnRef>
       <a:fillRef idx="1">
@@ -4194,7 +3835,7 @@
     <dgm:sp3d/>
     <dgm:txPr/>
     <dgm:style>
-      <a:lnRef idx="2">
+      <a:lnRef idx="1">
         <a:scrgbClr r="0" g="0" b="0"/>
       </a:lnRef>
       <a:fillRef idx="1">
@@ -4214,7 +3855,7 @@
     <dgm:sp3d/>
     <dgm:txPr/>
     <dgm:style>
-      <a:lnRef idx="2">
+      <a:lnRef idx="1">
         <a:scrgbClr r="0" g="0" b="0"/>
       </a:lnRef>
       <a:fillRef idx="1">
@@ -4234,7 +3875,7 @@
     <dgm:sp3d/>
     <dgm:txPr/>
     <dgm:style>
-      <a:lnRef idx="2">
+      <a:lnRef idx="1">
         <a:scrgbClr r="0" g="0" b="0"/>
       </a:lnRef>
       <a:fillRef idx="1">
@@ -4254,7 +3895,7 @@
     <dgm:sp3d/>
     <dgm:txPr/>
     <dgm:style>
-      <a:lnRef idx="2">
+      <a:lnRef idx="1">
         <a:scrgbClr r="0" g="0" b="0"/>
       </a:lnRef>
       <a:fillRef idx="1">
@@ -4274,7 +3915,7 @@
     <dgm:sp3d/>
     <dgm:txPr/>
     <dgm:style>
-      <a:lnRef idx="2">
+      <a:lnRef idx="1">
         <a:scrgbClr r="0" g="0" b="0"/>
       </a:lnRef>
       <a:fillRef idx="1">
@@ -4294,7 +3935,7 @@
     <dgm:sp3d/>
     <dgm:txPr/>
     <dgm:style>
-      <a:lnRef idx="2">
+      <a:lnRef idx="1">
         <a:scrgbClr r="0" g="0" b="0"/>
       </a:lnRef>
       <a:fillRef idx="1">
@@ -4314,7 +3955,7 @@
     <dgm:sp3d/>
     <dgm:txPr/>
     <dgm:style>
-      <a:lnRef idx="2">
+      <a:lnRef idx="1">
         <a:scrgbClr r="0" g="0" b="0"/>
       </a:lnRef>
       <a:fillRef idx="1">
@@ -4334,7 +3975,7 @@
     <dgm:sp3d/>
     <dgm:txPr/>
     <dgm:style>
-      <a:lnRef idx="2">
+      <a:lnRef idx="1">
         <a:scrgbClr r="0" g="0" b="0"/>
       </a:lnRef>
       <a:fillRef idx="1">
@@ -4360,7 +4001,7 @@
       <a:fillRef idx="1">
         <a:scrgbClr r="0" g="0" b="0"/>
       </a:fillRef>
-      <a:effectRef idx="0">
+      <a:effectRef idx="2">
         <a:scrgbClr r="0" g="0" b="0"/>
       </a:effectRef>
       <a:fontRef idx="minor"/>
@@ -4380,7 +4021,7 @@
       <a:fillRef idx="1">
         <a:scrgbClr r="0" g="0" b="0"/>
       </a:fillRef>
-      <a:effectRef idx="0">
+      <a:effectRef idx="2">
         <a:scrgbClr r="0" g="0" b="0"/>
       </a:effectRef>
       <a:fontRef idx="minor"/>
@@ -4414,13 +4055,13 @@
     <dgm:sp3d/>
     <dgm:txPr/>
     <dgm:style>
-      <a:lnRef idx="2">
+      <a:lnRef idx="0">
         <a:scrgbClr r="0" g="0" b="0"/>
       </a:lnRef>
-      <a:fillRef idx="1">
+      <a:fillRef idx="3">
         <a:scrgbClr r="0" g="0" b="0"/>
       </a:fillRef>
-      <a:effectRef idx="0">
+      <a:effectRef idx="2">
         <a:scrgbClr r="0" g="0" b="0"/>
       </a:effectRef>
       <a:fontRef idx="minor"/>
@@ -4532,7 +4173,7 @@
             <a:fld id="{6DE7D471-23B3-46CB-9C19-FE802EC31550}" type="datetimeFigureOut">
               <a:rPr lang="de-DE" smtClean="0"/>
               <a:pPr/>
-              <a:t>28.10.2013</a:t>
+              <a:t>29.10.2013</a:t>
             </a:fld>
             <a:endParaRPr lang="de-DE"/>
           </a:p>
@@ -4608,7 +4249,7 @@
     </p:spTree>
     <p:extLst>
       <p:ext uri="{BB962C8B-B14F-4D97-AF65-F5344CB8AC3E}">
-        <p14:creationId xmlns:p14="http://schemas.microsoft.com/office/powerpoint/2010/main" xmlns="" val="4293457334"/>
+        <p14:creationId xmlns:p14="http://schemas.microsoft.com/office/powerpoint/2010/main" val="4293457334"/>
       </p:ext>
     </p:extLst>
   </p:cSld>
@@ -4699,7 +4340,7 @@
             <a:fld id="{F8ADFA6A-A181-4216-B4EE-F250058645E3}" type="datetimeFigureOut">
               <a:rPr lang="de-DE" smtClean="0"/>
               <a:pPr/>
-              <a:t>28.10.2013</a:t>
+              <a:t>29.10.2013</a:t>
             </a:fld>
             <a:endParaRPr lang="de-DE"/>
           </a:p>
@@ -4868,7 +4509,7 @@
     </p:spTree>
     <p:extLst>
       <p:ext uri="{BB962C8B-B14F-4D97-AF65-F5344CB8AC3E}">
-        <p14:creationId xmlns:p14="http://schemas.microsoft.com/office/powerpoint/2010/main" xmlns="" val="2981845176"/>
+        <p14:creationId xmlns:p14="http://schemas.microsoft.com/office/powerpoint/2010/main" val="2981845176"/>
       </p:ext>
     </p:extLst>
   </p:cSld>
@@ -5047,7 +4688,7 @@
     </p:spTree>
     <p:extLst>
       <p:ext uri="{BB962C8B-B14F-4D97-AF65-F5344CB8AC3E}">
-        <p14:creationId xmlns:p14="http://schemas.microsoft.com/office/powerpoint/2010/main" xmlns="" val="3072081027"/>
+        <p14:creationId xmlns:p14="http://schemas.microsoft.com/office/powerpoint/2010/main" val="3072081027"/>
       </p:ext>
     </p:extLst>
   </p:cSld>
@@ -5140,7 +4781,7 @@
     </p:spTree>
     <p:extLst>
       <p:ext uri="{BB962C8B-B14F-4D97-AF65-F5344CB8AC3E}">
-        <p14:creationId xmlns:p14="http://schemas.microsoft.com/office/powerpoint/2010/main" xmlns="" val="2009034880"/>
+        <p14:creationId xmlns:p14="http://schemas.microsoft.com/office/powerpoint/2010/main" val="2009034880"/>
       </p:ext>
     </p:extLst>
   </p:cSld>
@@ -5229,7 +4870,7 @@
     </p:spTree>
     <p:extLst>
       <p:ext uri="{BB962C8B-B14F-4D97-AF65-F5344CB8AC3E}">
-        <p14:creationId xmlns:p14="http://schemas.microsoft.com/office/powerpoint/2010/main" xmlns="" val="471274584"/>
+        <p14:creationId xmlns:p14="http://schemas.microsoft.com/office/powerpoint/2010/main" val="471274584"/>
       </p:ext>
     </p:extLst>
   </p:cSld>
@@ -5318,7 +4959,7 @@
     </p:spTree>
     <p:extLst>
       <p:ext uri="{BB962C8B-B14F-4D97-AF65-F5344CB8AC3E}">
-        <p14:creationId xmlns:p14="http://schemas.microsoft.com/office/powerpoint/2010/main" xmlns="" val="3859340865"/>
+        <p14:creationId xmlns:p14="http://schemas.microsoft.com/office/powerpoint/2010/main" val="3859340865"/>
       </p:ext>
     </p:extLst>
   </p:cSld>
@@ -5407,7 +5048,7 @@
     </p:spTree>
     <p:extLst>
       <p:ext uri="{BB962C8B-B14F-4D97-AF65-F5344CB8AC3E}">
-        <p14:creationId xmlns:p14="http://schemas.microsoft.com/office/powerpoint/2010/main" xmlns="" val="2310265331"/>
+        <p14:creationId xmlns:p14="http://schemas.microsoft.com/office/powerpoint/2010/main" val="2310265331"/>
       </p:ext>
     </p:extLst>
   </p:cSld>
@@ -5496,7 +5137,7 @@
     </p:spTree>
     <p:extLst>
       <p:ext uri="{BB962C8B-B14F-4D97-AF65-F5344CB8AC3E}">
-        <p14:creationId xmlns:p14="http://schemas.microsoft.com/office/powerpoint/2010/main" xmlns="" val="199634551"/>
+        <p14:creationId xmlns:p14="http://schemas.microsoft.com/office/powerpoint/2010/main" val="199634551"/>
       </p:ext>
     </p:extLst>
   </p:cSld>
@@ -5589,7 +5230,7 @@
     </p:spTree>
     <p:extLst>
       <p:ext uri="{BB962C8B-B14F-4D97-AF65-F5344CB8AC3E}">
-        <p14:creationId xmlns:p14="http://schemas.microsoft.com/office/powerpoint/2010/main" xmlns="" val="1602375425"/>
+        <p14:creationId xmlns:p14="http://schemas.microsoft.com/office/powerpoint/2010/main" val="1602375425"/>
       </p:ext>
     </p:extLst>
   </p:cSld>
@@ -5674,7 +5315,7 @@
     </p:spTree>
     <p:extLst>
       <p:ext uri="{BB962C8B-B14F-4D97-AF65-F5344CB8AC3E}">
-        <p14:creationId xmlns:p14="http://schemas.microsoft.com/office/powerpoint/2010/main" xmlns="" val="1794501352"/>
+        <p14:creationId xmlns:p14="http://schemas.microsoft.com/office/powerpoint/2010/main" val="1794501352"/>
       </p:ext>
     </p:extLst>
   </p:cSld>
@@ -5759,7 +5400,7 @@
     </p:spTree>
     <p:extLst>
       <p:ext uri="{BB962C8B-B14F-4D97-AF65-F5344CB8AC3E}">
-        <p14:creationId xmlns:p14="http://schemas.microsoft.com/office/powerpoint/2010/main" xmlns="" val="337020109"/>
+        <p14:creationId xmlns:p14="http://schemas.microsoft.com/office/powerpoint/2010/main" val="337020109"/>
       </p:ext>
     </p:extLst>
   </p:cSld>
@@ -5844,7 +5485,7 @@
     </p:spTree>
     <p:extLst>
       <p:ext uri="{BB962C8B-B14F-4D97-AF65-F5344CB8AC3E}">
-        <p14:creationId xmlns:p14="http://schemas.microsoft.com/office/powerpoint/2010/main" xmlns="" val="2781132002"/>
+        <p14:creationId xmlns:p14="http://schemas.microsoft.com/office/powerpoint/2010/main" val="2781132002"/>
       </p:ext>
     </p:extLst>
   </p:cSld>
@@ -5933,7 +5574,7 @@
     </p:spTree>
     <p:extLst>
       <p:ext uri="{BB962C8B-B14F-4D97-AF65-F5344CB8AC3E}">
-        <p14:creationId xmlns:p14="http://schemas.microsoft.com/office/powerpoint/2010/main" xmlns="" val="2997718527"/>
+        <p14:creationId xmlns:p14="http://schemas.microsoft.com/office/powerpoint/2010/main" val="2997718527"/>
       </p:ext>
     </p:extLst>
   </p:cSld>
@@ -6022,7 +5663,7 @@
     </p:spTree>
     <p:extLst>
       <p:ext uri="{BB962C8B-B14F-4D97-AF65-F5344CB8AC3E}">
-        <p14:creationId xmlns:p14="http://schemas.microsoft.com/office/powerpoint/2010/main" xmlns="" val="358048833"/>
+        <p14:creationId xmlns:p14="http://schemas.microsoft.com/office/powerpoint/2010/main" val="358048833"/>
       </p:ext>
     </p:extLst>
   </p:cSld>
@@ -6140,7 +5781,7 @@
     </p:spTree>
     <p:extLst>
       <p:ext uri="{BB962C8B-B14F-4D97-AF65-F5344CB8AC3E}">
-        <p14:creationId xmlns:p14="http://schemas.microsoft.com/office/powerpoint/2010/main" xmlns="" val="2505227762"/>
+        <p14:creationId xmlns:p14="http://schemas.microsoft.com/office/powerpoint/2010/main" val="2505227762"/>
       </p:ext>
     </p:extLst>
   </p:cSld>
@@ -6229,7 +5870,7 @@
     </p:spTree>
     <p:extLst>
       <p:ext uri="{BB962C8B-B14F-4D97-AF65-F5344CB8AC3E}">
-        <p14:creationId xmlns:p14="http://schemas.microsoft.com/office/powerpoint/2010/main" xmlns="" val="1113625367"/>
+        <p14:creationId xmlns:p14="http://schemas.microsoft.com/office/powerpoint/2010/main" val="1113625367"/>
       </p:ext>
     </p:extLst>
   </p:cSld>
@@ -6318,7 +5959,7 @@
     </p:spTree>
     <p:extLst>
       <p:ext uri="{BB962C8B-B14F-4D97-AF65-F5344CB8AC3E}">
-        <p14:creationId xmlns:p14="http://schemas.microsoft.com/office/powerpoint/2010/main" xmlns="" val="3699469937"/>
+        <p14:creationId xmlns:p14="http://schemas.microsoft.com/office/powerpoint/2010/main" val="3699469937"/>
       </p:ext>
     </p:extLst>
   </p:cSld>
@@ -6407,7 +6048,7 @@
     </p:spTree>
     <p:extLst>
       <p:ext uri="{BB962C8B-B14F-4D97-AF65-F5344CB8AC3E}">
-        <p14:creationId xmlns:p14="http://schemas.microsoft.com/office/powerpoint/2010/main" xmlns="" val="567656433"/>
+        <p14:creationId xmlns:p14="http://schemas.microsoft.com/office/powerpoint/2010/main" val="567656433"/>
       </p:ext>
     </p:extLst>
   </p:cSld>
@@ -6496,7 +6137,7 @@
     </p:spTree>
     <p:extLst>
       <p:ext uri="{BB962C8B-B14F-4D97-AF65-F5344CB8AC3E}">
-        <p14:creationId xmlns:p14="http://schemas.microsoft.com/office/powerpoint/2010/main" xmlns="" val="2657475957"/>
+        <p14:creationId xmlns:p14="http://schemas.microsoft.com/office/powerpoint/2010/main" val="2657475957"/>
       </p:ext>
     </p:extLst>
   </p:cSld>
@@ -6585,7 +6226,7 @@
     </p:spTree>
     <p:extLst>
       <p:ext uri="{BB962C8B-B14F-4D97-AF65-F5344CB8AC3E}">
-        <p14:creationId xmlns:p14="http://schemas.microsoft.com/office/powerpoint/2010/main" xmlns="" val="1770973867"/>
+        <p14:creationId xmlns:p14="http://schemas.microsoft.com/office/powerpoint/2010/main" val="1770973867"/>
       </p:ext>
     </p:extLst>
   </p:cSld>
@@ -7254,7 +6895,7 @@
             <a:fld id="{AE7D85B2-395F-4693-9648-199952BACC42}" type="datetimeFigureOut">
               <a:rPr lang="de-DE" smtClean="0"/>
               <a:pPr/>
-              <a:t>28.10.2013</a:t>
+              <a:t>29.10.2013</a:t>
             </a:fld>
             <a:endParaRPr lang="de-DE" dirty="0"/>
           </a:p>
@@ -7439,7 +7080,7 @@
             <a:fld id="{AE7D85B2-395F-4693-9648-199952BACC42}" type="datetimeFigureOut">
               <a:rPr lang="de-DE" smtClean="0"/>
               <a:pPr/>
-              <a:t>28.10.2013</a:t>
+              <a:t>29.10.2013</a:t>
             </a:fld>
             <a:endParaRPr lang="de-DE" dirty="0"/>
           </a:p>
@@ -7616,7 +7257,7 @@
             <a:fld id="{AE7D85B2-395F-4693-9648-199952BACC42}" type="datetimeFigureOut">
               <a:rPr lang="de-DE" smtClean="0"/>
               <a:pPr/>
-              <a:t>28.10.2013</a:t>
+              <a:t>29.10.2013</a:t>
             </a:fld>
             <a:endParaRPr lang="de-DE" dirty="0"/>
           </a:p>
@@ -7783,7 +7424,7 @@
             <a:fld id="{AE7D85B2-395F-4693-9648-199952BACC42}" type="datetimeFigureOut">
               <a:rPr lang="de-DE" smtClean="0"/>
               <a:pPr/>
-              <a:t>28.10.2013</a:t>
+              <a:t>29.10.2013</a:t>
             </a:fld>
             <a:endParaRPr lang="de-DE" dirty="0"/>
           </a:p>
@@ -8013,7 +7654,7 @@
             <a:fld id="{AE7D85B2-395F-4693-9648-199952BACC42}" type="datetimeFigureOut">
               <a:rPr lang="de-DE" smtClean="0"/>
               <a:pPr/>
-              <a:t>28.10.2013</a:t>
+              <a:t>29.10.2013</a:t>
             </a:fld>
             <a:endParaRPr lang="de-DE" dirty="0"/>
           </a:p>
@@ -8274,7 +7915,7 @@
             <a:fld id="{AE7D85B2-395F-4693-9648-199952BACC42}" type="datetimeFigureOut">
               <a:rPr lang="de-DE" smtClean="0"/>
               <a:pPr/>
-              <a:t>28.10.2013</a:t>
+              <a:t>29.10.2013</a:t>
             </a:fld>
             <a:endParaRPr lang="de-DE" dirty="0"/>
           </a:p>
@@ -8680,7 +8321,7 @@
             <a:fld id="{AE7D85B2-395F-4693-9648-199952BACC42}" type="datetimeFigureOut">
               <a:rPr lang="de-DE" smtClean="0"/>
               <a:pPr/>
-              <a:t>28.10.2013</a:t>
+              <a:t>29.10.2013</a:t>
             </a:fld>
             <a:endParaRPr lang="de-DE" dirty="0"/>
           </a:p>
@@ -8813,7 +8454,7 @@
             <a:fld id="{AE7D85B2-395F-4693-9648-199952BACC42}" type="datetimeFigureOut">
               <a:rPr lang="de-DE" smtClean="0"/>
               <a:pPr/>
-              <a:t>28.10.2013</a:t>
+              <a:t>29.10.2013</a:t>
             </a:fld>
             <a:endParaRPr lang="de-DE" dirty="0"/>
           </a:p>
@@ -8915,7 +8556,7 @@
             <a:fld id="{AE7D85B2-395F-4693-9648-199952BACC42}" type="datetimeFigureOut">
               <a:rPr lang="de-DE" smtClean="0"/>
               <a:pPr/>
-              <a:t>28.10.2013</a:t>
+              <a:t>29.10.2013</a:t>
             </a:fld>
             <a:endParaRPr lang="de-DE" dirty="0"/>
           </a:p>
@@ -9162,7 +8803,7 @@
             <a:fld id="{AE7D85B2-395F-4693-9648-199952BACC42}" type="datetimeFigureOut">
               <a:rPr lang="de-DE" smtClean="0"/>
               <a:pPr/>
-              <a:t>28.10.2013</a:t>
+              <a:t>29.10.2013</a:t>
             </a:fld>
             <a:endParaRPr lang="de-DE" dirty="0"/>
           </a:p>
@@ -9408,7 +9049,7 @@
             <a:fld id="{AE7D85B2-395F-4693-9648-199952BACC42}" type="datetimeFigureOut">
               <a:rPr lang="de-DE" smtClean="0"/>
               <a:pPr/>
-              <a:t>28.10.2013</a:t>
+              <a:t>29.10.2013</a:t>
             </a:fld>
             <a:endParaRPr lang="de-DE" dirty="0"/>
           </a:p>
@@ -10234,7 +9875,7 @@
             <a:fld id="{AE7D85B2-395F-4693-9648-199952BACC42}" type="datetimeFigureOut">
               <a:rPr lang="de-DE" smtClean="0"/>
               <a:pPr/>
-              <a:t>28.10.2013</a:t>
+              <a:t>29.10.2013</a:t>
             </a:fld>
             <a:endParaRPr lang="de-DE" dirty="0"/>
           </a:p>
@@ -10691,7 +10332,7 @@
           <a:blip r:embed="rId3" cstate="print">
             <a:extLst>
               <a:ext uri="{28A0092B-C50C-407E-A947-70E740481C1C}">
-                <a14:useLocalDpi xmlns:a14="http://schemas.microsoft.com/office/drawing/2010/main" xmlns="" val="0"/>
+                <a14:useLocalDpi xmlns:a14="http://schemas.microsoft.com/office/drawing/2010/main" val="0"/>
               </a:ext>
             </a:extLst>
           </a:blip>
@@ -10712,7 +10353,7 @@
     </p:spTree>
     <p:extLst>
       <p:ext uri="{BB962C8B-B14F-4D97-AF65-F5344CB8AC3E}">
-        <p14:creationId xmlns:p14="http://schemas.microsoft.com/office/powerpoint/2010/main" xmlns="" val="709012416"/>
+        <p14:creationId xmlns:p14="http://schemas.microsoft.com/office/powerpoint/2010/main" val="709012416"/>
       </p:ext>
     </p:extLst>
   </p:cSld>
@@ -11168,7 +10809,7 @@
     </p:spTree>
     <p:extLst>
       <p:ext uri="{BB962C8B-B14F-4D97-AF65-F5344CB8AC3E}">
-        <p14:creationId xmlns:p14="http://schemas.microsoft.com/office/powerpoint/2010/main" xmlns="" val="1944802853"/>
+        <p14:creationId xmlns:p14="http://schemas.microsoft.com/office/powerpoint/2010/main" val="1944802853"/>
       </p:ext>
     </p:extLst>
   </p:cSld>
@@ -11643,7 +11284,7 @@
     </p:spTree>
     <p:extLst>
       <p:ext uri="{BB962C8B-B14F-4D97-AF65-F5344CB8AC3E}">
-        <p14:creationId xmlns:p14="http://schemas.microsoft.com/office/powerpoint/2010/main" xmlns="" val="2447740237"/>
+        <p14:creationId xmlns:p14="http://schemas.microsoft.com/office/powerpoint/2010/main" val="2447740237"/>
       </p:ext>
     </p:extLst>
   </p:cSld>
@@ -11909,7 +11550,7 @@
     </p:spTree>
     <p:extLst>
       <p:ext uri="{BB962C8B-B14F-4D97-AF65-F5344CB8AC3E}">
-        <p14:creationId xmlns:p14="http://schemas.microsoft.com/office/powerpoint/2010/main" xmlns="" val="3159283490"/>
+        <p14:creationId xmlns:p14="http://schemas.microsoft.com/office/powerpoint/2010/main" val="3159283490"/>
       </p:ext>
     </p:extLst>
   </p:cSld>
@@ -11999,7 +11640,7 @@
     </p:spTree>
     <p:extLst>
       <p:ext uri="{BB962C8B-B14F-4D97-AF65-F5344CB8AC3E}">
-        <p14:creationId xmlns:p14="http://schemas.microsoft.com/office/powerpoint/2010/main" xmlns="" val="3420678931"/>
+        <p14:creationId xmlns:p14="http://schemas.microsoft.com/office/powerpoint/2010/main" val="3420678931"/>
       </p:ext>
     </p:extLst>
   </p:cSld>
@@ -12059,7 +11700,7 @@
     </p:spTree>
     <p:extLst>
       <p:ext uri="{BB962C8B-B14F-4D97-AF65-F5344CB8AC3E}">
-        <p14:creationId xmlns:p14="http://schemas.microsoft.com/office/powerpoint/2010/main" xmlns="" val="3414407465"/>
+        <p14:creationId xmlns:p14="http://schemas.microsoft.com/office/powerpoint/2010/main" val="3414407465"/>
       </p:ext>
     </p:extLst>
   </p:cSld>
@@ -12150,13 +11791,20 @@
     </p:spTree>
     <p:extLst>
       <p:ext uri="{BB962C8B-B14F-4D97-AF65-F5344CB8AC3E}">
-        <p14:creationId xmlns:p14="http://schemas.microsoft.com/office/powerpoint/2010/main" xmlns="" val="1709195912"/>
+        <p14:creationId xmlns:p14="http://schemas.microsoft.com/office/powerpoint/2010/main" val="1709195912"/>
       </p:ext>
     </p:extLst>
   </p:cSld>
   <p:clrMapOvr>
     <a:masterClrMapping/>
   </p:clrMapOvr>
+  <p:timing>
+    <p:tnLst>
+      <p:par>
+        <p:cTn id="1" dur="indefinite" restart="never" nodeType="tmRoot"/>
+      </p:par>
+    </p:tnLst>
+  </p:timing>
 </p:sld>
 </file>
 
@@ -12238,13 +11886,20 @@
     </p:spTree>
     <p:extLst>
       <p:ext uri="{BB962C8B-B14F-4D97-AF65-F5344CB8AC3E}">
-        <p14:creationId xmlns:p14="http://schemas.microsoft.com/office/powerpoint/2010/main" xmlns="" val="63509948"/>
+        <p14:creationId xmlns:p14="http://schemas.microsoft.com/office/powerpoint/2010/main" val="63509948"/>
       </p:ext>
     </p:extLst>
   </p:cSld>
   <p:clrMapOvr>
     <a:masterClrMapping/>
   </p:clrMapOvr>
+  <p:timing>
+    <p:tnLst>
+      <p:par>
+        <p:cTn id="1" dur="indefinite" restart="never" nodeType="tmRoot"/>
+      </p:par>
+    </p:tnLst>
+  </p:timing>
 </p:sld>
 </file>
 
@@ -12303,7 +11958,7 @@
           <a:blip r:embed="rId2" cstate="print">
             <a:extLst>
               <a:ext uri="{28A0092B-C50C-407E-A947-70E740481C1C}">
-                <a14:useLocalDpi xmlns:a14="http://schemas.microsoft.com/office/drawing/2010/main" xmlns="" val="0"/>
+                <a14:useLocalDpi xmlns:a14="http://schemas.microsoft.com/office/drawing/2010/main" val="0"/>
               </a:ext>
             </a:extLst>
           </a:blip>
@@ -12329,13 +11984,20 @@
     </p:spTree>
     <p:extLst>
       <p:ext uri="{BB962C8B-B14F-4D97-AF65-F5344CB8AC3E}">
-        <p14:creationId xmlns:p14="http://schemas.microsoft.com/office/powerpoint/2010/main" xmlns="" val="526157708"/>
+        <p14:creationId xmlns:p14="http://schemas.microsoft.com/office/powerpoint/2010/main" val="526157708"/>
       </p:ext>
     </p:extLst>
   </p:cSld>
   <p:clrMapOvr>
     <a:masterClrMapping/>
   </p:clrMapOvr>
+  <p:timing>
+    <p:tnLst>
+      <p:par>
+        <p:cTn id="1" dur="indefinite" restart="never" nodeType="tmRoot"/>
+      </p:par>
+    </p:tnLst>
+  </p:timing>
 </p:sld>
 </file>
 
@@ -12413,13 +12075,20 @@
     </p:spTree>
     <p:extLst>
       <p:ext uri="{BB962C8B-B14F-4D97-AF65-F5344CB8AC3E}">
-        <p14:creationId xmlns:p14="http://schemas.microsoft.com/office/powerpoint/2010/main" xmlns="" val="1260923131"/>
+        <p14:creationId xmlns:p14="http://schemas.microsoft.com/office/powerpoint/2010/main" val="1260923131"/>
       </p:ext>
     </p:extLst>
   </p:cSld>
   <p:clrMapOvr>
     <a:masterClrMapping/>
   </p:clrMapOvr>
+  <p:timing>
+    <p:tnLst>
+      <p:par>
+        <p:cTn id="1" dur="indefinite" restart="never" nodeType="tmRoot"/>
+      </p:par>
+    </p:tnLst>
+  </p:timing>
 </p:sld>
 </file>
 
@@ -12491,7 +12160,7 @@
           <a:blip r:embed="rId2" cstate="print">
             <a:extLst>
               <a:ext uri="{28A0092B-C50C-407E-A947-70E740481C1C}">
-                <a14:useLocalDpi xmlns:a14="http://schemas.microsoft.com/office/drawing/2010/main" xmlns="" val="0"/>
+                <a14:useLocalDpi xmlns:a14="http://schemas.microsoft.com/office/drawing/2010/main" val="0"/>
               </a:ext>
             </a:extLst>
           </a:blip>
@@ -12517,13 +12186,20 @@
     </p:spTree>
     <p:extLst>
       <p:ext uri="{BB962C8B-B14F-4D97-AF65-F5344CB8AC3E}">
-        <p14:creationId xmlns:p14="http://schemas.microsoft.com/office/powerpoint/2010/main" xmlns="" val="2480907429"/>
+        <p14:creationId xmlns:p14="http://schemas.microsoft.com/office/powerpoint/2010/main" val="2480907429"/>
       </p:ext>
     </p:extLst>
   </p:cSld>
   <p:clrMapOvr>
     <a:masterClrMapping/>
   </p:clrMapOvr>
+  <p:timing>
+    <p:tnLst>
+      <p:par>
+        <p:cTn id="1" dur="indefinite" restart="never" nodeType="tmRoot"/>
+      </p:par>
+    </p:tnLst>
+  </p:timing>
 </p:sld>
 </file>
 
@@ -12570,1038 +12246,6 @@
       <p:sp>
         <p:nvSpPr>
           <p:cNvPr id="3" name="Inhaltsplatzhalter 2"/>
-          <p:cNvSpPr txBox="1">
-            <a:spLocks/>
-          </p:cNvSpPr>
-          <p:nvPr/>
-        </p:nvSpPr>
-        <p:spPr>
-          <a:xfrm>
-            <a:off x="457200" y="2249424"/>
-            <a:ext cx="8229600" cy="4325112"/>
-          </a:xfrm>
-          <a:prstGeom prst="rect">
-            <a:avLst/>
-          </a:prstGeom>
-        </p:spPr>
-        <p:txBody>
-          <a:bodyPr>
-            <a:normAutofit fontScale="85000" lnSpcReduction="20000"/>
-          </a:bodyPr>
-          <a:lstStyle>
-            <a:lvl1pPr marL="365760" indent="-256032" algn="l" rtl="0" eaLnBrk="1" latinLnBrk="0" hangingPunct="1">
-              <a:spcBef>
-                <a:spcPts val="300"/>
-              </a:spcBef>
-              <a:buClr>
-                <a:schemeClr val="accent3"/>
-              </a:buClr>
-              <a:buFont typeface="Georgia"/>
-              <a:buChar char="•"/>
-              <a:defRPr kumimoji="0" sz="2800" kern="1200">
-                <a:solidFill>
-                  <a:schemeClr val="tx1"/>
-                </a:solidFill>
-                <a:latin typeface="+mn-lt"/>
-                <a:ea typeface="+mn-ea"/>
-                <a:cs typeface="+mn-cs"/>
-              </a:defRPr>
-            </a:lvl1pPr>
-            <a:lvl2pPr marL="658368" indent="-246888" algn="l" rtl="0" eaLnBrk="1" latinLnBrk="0" hangingPunct="1">
-              <a:spcBef>
-                <a:spcPts val="300"/>
-              </a:spcBef>
-              <a:buClr>
-                <a:schemeClr val="accent2"/>
-              </a:buClr>
-              <a:buFont typeface="Georgia"/>
-              <a:buChar char="▫"/>
-              <a:defRPr kumimoji="0" sz="2600" kern="1200">
-                <a:solidFill>
-                  <a:schemeClr val="accent2"/>
-                </a:solidFill>
-                <a:latin typeface="+mn-lt"/>
-                <a:ea typeface="+mn-ea"/>
-                <a:cs typeface="+mn-cs"/>
-              </a:defRPr>
-            </a:lvl2pPr>
-            <a:lvl3pPr marL="923544" indent="-219456" algn="l" rtl="0" eaLnBrk="1" latinLnBrk="0" hangingPunct="1">
-              <a:spcBef>
-                <a:spcPts val="300"/>
-              </a:spcBef>
-              <a:buClr>
-                <a:schemeClr val="accent1"/>
-              </a:buClr>
-              <a:buFont typeface="Wingdings 2"/>
-              <a:buChar char=""/>
-              <a:defRPr kumimoji="0" sz="2400" kern="1200">
-                <a:solidFill>
-                  <a:schemeClr val="accent1"/>
-                </a:solidFill>
-                <a:latin typeface="+mn-lt"/>
-                <a:ea typeface="+mn-ea"/>
-                <a:cs typeface="+mn-cs"/>
-              </a:defRPr>
-            </a:lvl3pPr>
-            <a:lvl4pPr marL="1179576" indent="-201168" algn="l" rtl="0" eaLnBrk="1" latinLnBrk="0" hangingPunct="1">
-              <a:spcBef>
-                <a:spcPts val="300"/>
-              </a:spcBef>
-              <a:buClr>
-                <a:schemeClr val="accent1"/>
-              </a:buClr>
-              <a:buFont typeface="Wingdings 2"/>
-              <a:buChar char=""/>
-              <a:defRPr kumimoji="0" sz="2200" kern="1200">
-                <a:solidFill>
-                  <a:schemeClr val="accent1"/>
-                </a:solidFill>
-                <a:latin typeface="+mn-lt"/>
-                <a:ea typeface="+mn-ea"/>
-                <a:cs typeface="+mn-cs"/>
-              </a:defRPr>
-            </a:lvl4pPr>
-            <a:lvl5pPr marL="1389888" indent="-182880" algn="l" rtl="0" eaLnBrk="1" latinLnBrk="0" hangingPunct="1">
-              <a:spcBef>
-                <a:spcPts val="300"/>
-              </a:spcBef>
-              <a:buClr>
-                <a:schemeClr val="accent3"/>
-              </a:buClr>
-              <a:buFont typeface="Georgia"/>
-              <a:buChar char="▫"/>
-              <a:defRPr kumimoji="0" sz="2000" kern="1200">
-                <a:solidFill>
-                  <a:schemeClr val="accent3"/>
-                </a:solidFill>
-                <a:latin typeface="+mn-lt"/>
-                <a:ea typeface="+mn-ea"/>
-                <a:cs typeface="+mn-cs"/>
-              </a:defRPr>
-            </a:lvl5pPr>
-            <a:lvl6pPr marL="1609344" indent="-182880" algn="l" rtl="0" eaLnBrk="1" latinLnBrk="0" hangingPunct="1">
-              <a:spcBef>
-                <a:spcPts val="300"/>
-              </a:spcBef>
-              <a:buClr>
-                <a:schemeClr val="accent3"/>
-              </a:buClr>
-              <a:buFont typeface="Georgia"/>
-              <a:buChar char="▫"/>
-              <a:defRPr kumimoji="0" sz="1800" kern="1200">
-                <a:solidFill>
-                  <a:schemeClr val="accent3"/>
-                </a:solidFill>
-                <a:latin typeface="+mn-lt"/>
-                <a:ea typeface="+mn-ea"/>
-                <a:cs typeface="+mn-cs"/>
-              </a:defRPr>
-            </a:lvl6pPr>
-            <a:lvl7pPr marL="1828800" indent="-182880" algn="l" rtl="0" eaLnBrk="1" latinLnBrk="0" hangingPunct="1">
-              <a:spcBef>
-                <a:spcPts val="300"/>
-              </a:spcBef>
-              <a:buClr>
-                <a:schemeClr val="accent3"/>
-              </a:buClr>
-              <a:buFont typeface="Georgia"/>
-              <a:buChar char="▫"/>
-              <a:defRPr kumimoji="0" sz="1600" kern="1200">
-                <a:solidFill>
-                  <a:schemeClr val="accent3"/>
-                </a:solidFill>
-                <a:latin typeface="+mn-lt"/>
-                <a:ea typeface="+mn-ea"/>
-                <a:cs typeface="+mn-cs"/>
-              </a:defRPr>
-            </a:lvl7pPr>
-            <a:lvl8pPr marL="2029968" indent="-182880" algn="l" rtl="0" eaLnBrk="1" latinLnBrk="0" hangingPunct="1">
-              <a:spcBef>
-                <a:spcPts val="300"/>
-              </a:spcBef>
-              <a:buClr>
-                <a:schemeClr val="accent3"/>
-              </a:buClr>
-              <a:buFont typeface="Georgia"/>
-              <a:buChar char="◦"/>
-              <a:defRPr kumimoji="0" sz="1500" kern="1200">
-                <a:solidFill>
-                  <a:schemeClr val="accent3"/>
-                </a:solidFill>
-                <a:latin typeface="+mn-lt"/>
-                <a:ea typeface="+mn-ea"/>
-                <a:cs typeface="+mn-cs"/>
-              </a:defRPr>
-            </a:lvl8pPr>
-            <a:lvl9pPr marL="2240280" indent="-182880" algn="l" rtl="0" eaLnBrk="1" latinLnBrk="0" hangingPunct="1">
-              <a:spcBef>
-                <a:spcPts val="300"/>
-              </a:spcBef>
-              <a:buClr>
-                <a:schemeClr val="accent3"/>
-              </a:buClr>
-              <a:buFont typeface="Georgia"/>
-              <a:buChar char="◦"/>
-              <a:defRPr kumimoji="0" sz="1400" kern="1200" baseline="0">
-                <a:solidFill>
-                  <a:schemeClr val="accent3"/>
-                </a:solidFill>
-                <a:latin typeface="+mn-lt"/>
-                <a:ea typeface="+mn-ea"/>
-                <a:cs typeface="+mn-cs"/>
-              </a:defRPr>
-            </a:lvl9pPr>
-          </a:lstStyle>
-          <a:p>
-            <a:r>
-              <a:rPr lang="de-DE" dirty="0" smtClean="0"/>
-              <a:t>Aufgabenstellung</a:t>
-            </a:r>
-          </a:p>
-          <a:p>
-            <a:r>
-              <a:rPr lang="de-DE" dirty="0" smtClean="0"/>
-              <a:t>Projektorganisation</a:t>
-            </a:r>
-          </a:p>
-          <a:p>
-            <a:r>
-              <a:rPr lang="de-DE" dirty="0" smtClean="0"/>
-              <a:t>Zeitplan</a:t>
-            </a:r>
-          </a:p>
-          <a:p>
-            <a:r>
-              <a:rPr lang="de-DE" dirty="0" err="1" smtClean="0"/>
-              <a:t>Use</a:t>
-            </a:r>
-            <a:r>
-              <a:rPr lang="de-DE" dirty="0" smtClean="0"/>
-              <a:t> Cases / Rollen und Rechte</a:t>
-            </a:r>
-          </a:p>
-          <a:p>
-            <a:r>
-              <a:rPr lang="de-DE" dirty="0" smtClean="0"/>
-              <a:t>Systemumgebung</a:t>
-            </a:r>
-          </a:p>
-          <a:p>
-            <a:r>
-              <a:rPr lang="de-DE" dirty="0" smtClean="0"/>
-              <a:t>Systemarchitektur</a:t>
-            </a:r>
-          </a:p>
-          <a:p>
-            <a:pPr lvl="1"/>
-            <a:r>
-              <a:rPr lang="de-DE" dirty="0" smtClean="0"/>
-              <a:t>View</a:t>
-            </a:r>
-          </a:p>
-          <a:p>
-            <a:pPr lvl="1"/>
-            <a:r>
-              <a:rPr lang="de-DE" dirty="0" smtClean="0"/>
-              <a:t>Controller</a:t>
-            </a:r>
-          </a:p>
-          <a:p>
-            <a:pPr lvl="1"/>
-            <a:r>
-              <a:rPr lang="de-DE" dirty="0" smtClean="0"/>
-              <a:t>Modell</a:t>
-            </a:r>
-          </a:p>
-          <a:p>
-            <a:pPr lvl="1"/>
-            <a:r>
-              <a:rPr lang="de-DE" dirty="0" smtClean="0"/>
-              <a:t>Architektur</a:t>
-            </a:r>
-          </a:p>
-          <a:p>
-            <a:r>
-              <a:rPr lang="de-DE" dirty="0" smtClean="0"/>
-              <a:t>Testphase</a:t>
-            </a:r>
-          </a:p>
-          <a:p>
-            <a:r>
-              <a:rPr lang="de-DE" dirty="0" smtClean="0"/>
-              <a:t>Live Demo</a:t>
-            </a:r>
-          </a:p>
-          <a:p>
-            <a:r>
-              <a:rPr lang="de-DE" dirty="0" err="1" smtClean="0"/>
-              <a:t>Lessons</a:t>
-            </a:r>
-            <a:r>
-              <a:rPr lang="de-DE" dirty="0" smtClean="0"/>
-              <a:t> </a:t>
-            </a:r>
-            <a:r>
-              <a:rPr lang="de-DE" dirty="0" err="1" smtClean="0"/>
-              <a:t>learned</a:t>
-            </a:r>
-            <a:endParaRPr lang="de-DE" dirty="0" smtClean="0"/>
-          </a:p>
-          <a:p>
-            <a:endParaRPr lang="de-DE" dirty="0"/>
-          </a:p>
-        </p:txBody>
-      </p:sp>
-    </p:spTree>
-    <p:extLst>
-      <p:ext uri="{BB962C8B-B14F-4D97-AF65-F5344CB8AC3E}">
-        <p14:creationId xmlns:p14="http://schemas.microsoft.com/office/powerpoint/2010/main" xmlns="" val="2653359653"/>
-      </p:ext>
-    </p:extLst>
-  </p:cSld>
-  <p:clrMapOvr>
-    <a:masterClrMapping/>
-  </p:clrMapOvr>
-  <p:timing>
-    <p:tnLst>
-      <p:par>
-        <p:cTn id="1" dur="indefinite" restart="never" nodeType="tmRoot"/>
-      </p:par>
-    </p:tnLst>
-  </p:timing>
-</p:sld>
-</file>
-
-<file path=ppt/slides/slide20.xml><?xml version="1.0" encoding="utf-8"?>
-<p:sld xmlns:a="http://schemas.openxmlformats.org/drawingml/2006/main" xmlns:r="http://schemas.openxmlformats.org/officeDocument/2006/relationships" xmlns:p="http://schemas.openxmlformats.org/presentationml/2006/main">
-  <p:cSld>
-    <p:spTree>
-      <p:nvGrpSpPr>
-        <p:cNvPr id="1" name=""/>
-        <p:cNvGrpSpPr/>
-        <p:nvPr/>
-      </p:nvGrpSpPr>
-      <p:grpSpPr>
-        <a:xfrm>
-          <a:off x="0" y="0"/>
-          <a:ext cx="0" cy="0"/>
-          <a:chOff x="0" y="0"/>
-          <a:chExt cx="0" cy="0"/>
-        </a:xfrm>
-      </p:grpSpPr>
-      <p:sp>
-        <p:nvSpPr>
-          <p:cNvPr id="2" name="Titel 1"/>
-          <p:cNvSpPr>
-            <a:spLocks noGrp="1"/>
-          </p:cNvSpPr>
-          <p:nvPr>
-            <p:ph type="title"/>
-          </p:nvPr>
-        </p:nvSpPr>
-        <p:spPr/>
-        <p:txBody>
-          <a:bodyPr>
-            <a:noAutofit/>
-          </a:bodyPr>
-          <a:lstStyle/>
-          <a:p>
-            <a:r>
-              <a:rPr lang="de-DE" sz="2400" dirty="0"/>
-              <a:t>Bereichsleiter wird zum Zentralbereichsleiter. Dadurch erhält er </a:t>
-            </a:r>
-            <a:r>
-              <a:rPr lang="de-DE" sz="2400" dirty="0" smtClean="0"/>
-              <a:t>Einblick </a:t>
-            </a:r>
-            <a:r>
-              <a:rPr lang="de-DE" sz="2400" dirty="0"/>
-              <a:t>auf alle Bereiche. Das Runterbrechen der Übersicht auf die einzelnen Arbeitsgruppen ist durch Stippler möglich. Die Ausgabe als PDF und Excel-Tabelle ist weiterhin möglich.</a:t>
-            </a:r>
-            <a:br>
-              <a:rPr lang="de-DE" sz="2400" dirty="0"/>
-            </a:br>
-            <a:endParaRPr lang="de-DE" sz="2400" dirty="0"/>
-          </a:p>
-        </p:txBody>
-      </p:sp>
-      <p:pic>
-        <p:nvPicPr>
-          <p:cNvPr id="3" name="Grafik 2"/>
-          <p:cNvPicPr/>
-          <p:nvPr/>
-        </p:nvPicPr>
-        <p:blipFill>
-          <a:blip r:embed="rId2" cstate="print">
-            <a:extLst>
-              <a:ext uri="{28A0092B-C50C-407E-A947-70E740481C1C}">
-                <a14:useLocalDpi xmlns:a14="http://schemas.microsoft.com/office/drawing/2010/main" xmlns="" val="0"/>
-              </a:ext>
-            </a:extLst>
-          </a:blip>
-          <a:srcRect/>
-          <a:stretch>
-            <a:fillRect/>
-          </a:stretch>
-        </p:blipFill>
-        <p:spPr bwMode="auto">
-          <a:xfrm>
-            <a:off x="457200" y="2492896"/>
-            <a:ext cx="8229600" cy="4365104"/>
-          </a:xfrm>
-          <a:prstGeom prst="rect">
-            <a:avLst/>
-          </a:prstGeom>
-          <a:noFill/>
-          <a:ln>
-            <a:noFill/>
-          </a:ln>
-        </p:spPr>
-      </p:pic>
-    </p:spTree>
-    <p:extLst>
-      <p:ext uri="{BB962C8B-B14F-4D97-AF65-F5344CB8AC3E}">
-        <p14:creationId xmlns:p14="http://schemas.microsoft.com/office/powerpoint/2010/main" xmlns="" val="2659840383"/>
-      </p:ext>
-    </p:extLst>
-  </p:cSld>
-  <p:clrMapOvr>
-    <a:masterClrMapping/>
-  </p:clrMapOvr>
-</p:sld>
-</file>
-
-<file path=ppt/slides/slide21.xml><?xml version="1.0" encoding="utf-8"?>
-<p:sld xmlns:a="http://schemas.openxmlformats.org/drawingml/2006/main" xmlns:r="http://schemas.openxmlformats.org/officeDocument/2006/relationships" xmlns:p="http://schemas.openxmlformats.org/presentationml/2006/main">
-  <p:cSld>
-    <p:spTree>
-      <p:nvGrpSpPr>
-        <p:cNvPr id="1" name=""/>
-        <p:cNvGrpSpPr/>
-        <p:nvPr/>
-      </p:nvGrpSpPr>
-      <p:grpSpPr>
-        <a:xfrm>
-          <a:off x="0" y="0"/>
-          <a:ext cx="0" cy="0"/>
-          <a:chOff x="0" y="0"/>
-          <a:chExt cx="0" cy="0"/>
-        </a:xfrm>
-      </p:grpSpPr>
-      <p:sp>
-        <p:nvSpPr>
-          <p:cNvPr id="2" name="Titel 1"/>
-          <p:cNvSpPr>
-            <a:spLocks noGrp="1"/>
-          </p:cNvSpPr>
-          <p:nvPr>
-            <p:ph type="title"/>
-          </p:nvPr>
-        </p:nvSpPr>
-        <p:spPr>
-          <a:xfrm>
-            <a:off x="469542" y="692696"/>
-            <a:ext cx="8229600" cy="1069848"/>
-          </a:xfrm>
-        </p:spPr>
-        <p:txBody>
-          <a:bodyPr>
-            <a:noAutofit/>
-          </a:bodyPr>
-          <a:lstStyle/>
-          <a:p>
-            <a:r>
-              <a:rPr lang="de-DE" sz="3200" dirty="0"/>
-              <a:t>Hier endet die Karriere des angelegten Mitarbeiters. Es folgen weitere Aufgaben der Fachbereichsorganisation in Stippler</a:t>
-            </a:r>
-            <a:r>
-              <a:rPr lang="de-DE" sz="3200" dirty="0" smtClean="0"/>
-              <a:t>.</a:t>
-            </a:r>
-            <a:endParaRPr lang="de-DE" sz="3200" dirty="0"/>
-          </a:p>
-        </p:txBody>
-      </p:sp>
-      <p:pic>
-        <p:nvPicPr>
-          <p:cNvPr id="3" name="Grafik 2"/>
-          <p:cNvPicPr/>
-          <p:nvPr/>
-        </p:nvPicPr>
-        <p:blipFill>
-          <a:blip r:embed="rId2" cstate="print"/>
-          <a:stretch>
-            <a:fillRect/>
-          </a:stretch>
-        </p:blipFill>
-        <p:spPr>
-          <a:xfrm>
-            <a:off x="450054" y="1988840"/>
-            <a:ext cx="8236745" cy="4869160"/>
-          </a:xfrm>
-          <a:prstGeom prst="rect">
-            <a:avLst/>
-          </a:prstGeom>
-        </p:spPr>
-      </p:pic>
-    </p:spTree>
-    <p:extLst>
-      <p:ext uri="{BB962C8B-B14F-4D97-AF65-F5344CB8AC3E}">
-        <p14:creationId xmlns:p14="http://schemas.microsoft.com/office/powerpoint/2010/main" xmlns="" val="2538859933"/>
-      </p:ext>
-    </p:extLst>
-  </p:cSld>
-  <p:clrMapOvr>
-    <a:masterClrMapping/>
-  </p:clrMapOvr>
-</p:sld>
-</file>
-
-<file path=ppt/slides/slide22.xml><?xml version="1.0" encoding="utf-8"?>
-<p:sld xmlns:a="http://schemas.openxmlformats.org/drawingml/2006/main" xmlns:r="http://schemas.openxmlformats.org/officeDocument/2006/relationships" xmlns:p="http://schemas.openxmlformats.org/presentationml/2006/main">
-  <p:cSld>
-    <p:spTree>
-      <p:nvGrpSpPr>
-        <p:cNvPr id="1" name=""/>
-        <p:cNvGrpSpPr/>
-        <p:nvPr/>
-      </p:nvGrpSpPr>
-      <p:grpSpPr>
-        <a:xfrm>
-          <a:off x="0" y="0"/>
-          <a:ext cx="0" cy="0"/>
-          <a:chOff x="0" y="0"/>
-          <a:chExt cx="0" cy="0"/>
-        </a:xfrm>
-      </p:grpSpPr>
-      <p:sp>
-        <p:nvSpPr>
-          <p:cNvPr id="2" name="Titel 1"/>
-          <p:cNvSpPr>
-            <a:spLocks noGrp="1"/>
-          </p:cNvSpPr>
-          <p:nvPr>
-            <p:ph type="title"/>
-          </p:nvPr>
-        </p:nvSpPr>
-        <p:spPr>
-          <a:xfrm>
-            <a:off x="457200" y="972190"/>
-            <a:ext cx="8229600" cy="1069848"/>
-          </a:xfrm>
-        </p:spPr>
-        <p:txBody>
-          <a:bodyPr>
-            <a:noAutofit/>
-          </a:bodyPr>
-          <a:lstStyle/>
-          <a:p>
-            <a:r>
-              <a:rPr lang="de-DE" sz="2800" u="sng" dirty="0"/>
-              <a:t>Szenario Mitarbeiter löschen:</a:t>
-            </a:r>
-            <a:r>
-              <a:rPr lang="de-DE" sz="2800" dirty="0"/>
-              <a:t/>
-            </a:r>
-            <a:br>
-              <a:rPr lang="de-DE" sz="2800" dirty="0"/>
-            </a:br>
-            <a:r>
-              <a:rPr lang="de-DE" sz="2800" dirty="0"/>
-              <a:t>Mitarbeiter wird entlassen und aus dem Stippler-System entfernt. Der Zugang </a:t>
-            </a:r>
-            <a:r>
-              <a:rPr lang="de-DE" sz="2800" dirty="0" smtClean="0"/>
-              <a:t>wird ihm in Stippler </a:t>
-            </a:r>
-            <a:r>
-              <a:rPr lang="de-DE" sz="2800" dirty="0"/>
-              <a:t>verweigert.</a:t>
-            </a:r>
-            <a:br>
-              <a:rPr lang="de-DE" sz="2800" dirty="0"/>
-            </a:br>
-            <a:endParaRPr lang="de-DE" sz="2800" dirty="0"/>
-          </a:p>
-        </p:txBody>
-      </p:sp>
-      <p:pic>
-        <p:nvPicPr>
-          <p:cNvPr id="3" name="Grafik 2"/>
-          <p:cNvPicPr/>
-          <p:nvPr/>
-        </p:nvPicPr>
-        <p:blipFill rotWithShape="1">
-          <a:blip r:embed="rId2" cstate="print"/>
-          <a:srcRect t="3003"/>
-          <a:stretch/>
-        </p:blipFill>
-        <p:spPr>
-          <a:xfrm>
-            <a:off x="457200" y="2204864"/>
-            <a:ext cx="8229600" cy="4653136"/>
-          </a:xfrm>
-          <a:prstGeom prst="rect">
-            <a:avLst/>
-          </a:prstGeom>
-        </p:spPr>
-      </p:pic>
-    </p:spTree>
-    <p:extLst>
-      <p:ext uri="{BB962C8B-B14F-4D97-AF65-F5344CB8AC3E}">
-        <p14:creationId xmlns:p14="http://schemas.microsoft.com/office/powerpoint/2010/main" xmlns="" val="3956960791"/>
-      </p:ext>
-    </p:extLst>
-  </p:cSld>
-  <p:clrMapOvr>
-    <a:masterClrMapping/>
-  </p:clrMapOvr>
-</p:sld>
-</file>
-
-<file path=ppt/slides/slide23.xml><?xml version="1.0" encoding="utf-8"?>
-<p:sld xmlns:a="http://schemas.openxmlformats.org/drawingml/2006/main" xmlns:r="http://schemas.openxmlformats.org/officeDocument/2006/relationships" xmlns:p="http://schemas.openxmlformats.org/presentationml/2006/main">
-  <p:cSld>
-    <p:spTree>
-      <p:nvGrpSpPr>
-        <p:cNvPr id="1" name=""/>
-        <p:cNvGrpSpPr/>
-        <p:nvPr/>
-      </p:nvGrpSpPr>
-      <p:grpSpPr>
-        <a:xfrm>
-          <a:off x="0" y="0"/>
-          <a:ext cx="0" cy="0"/>
-          <a:chOff x="0" y="0"/>
-          <a:chExt cx="0" cy="0"/>
-        </a:xfrm>
-      </p:grpSpPr>
-      <p:sp>
-        <p:nvSpPr>
-          <p:cNvPr id="2" name="Titel 1"/>
-          <p:cNvSpPr>
-            <a:spLocks noGrp="1"/>
-          </p:cNvSpPr>
-          <p:nvPr>
-            <p:ph type="title"/>
-          </p:nvPr>
-        </p:nvSpPr>
-        <p:spPr>
-          <a:xfrm>
-            <a:off x="474099" y="764704"/>
-            <a:ext cx="8229600" cy="1069848"/>
-          </a:xfrm>
-        </p:spPr>
-        <p:txBody>
-          <a:bodyPr>
-            <a:noAutofit/>
-          </a:bodyPr>
-          <a:lstStyle/>
-          <a:p>
-            <a:r>
-              <a:rPr lang="de-DE" sz="1800" u="sng" dirty="0"/>
-              <a:t>Szenario Art anlegen:</a:t>
-            </a:r>
-            <a:r>
-              <a:rPr lang="de-DE" sz="1800" dirty="0"/>
-              <a:t/>
-            </a:r>
-            <a:br>
-              <a:rPr lang="de-DE" sz="1800" dirty="0"/>
-            </a:br>
-            <a:r>
-              <a:rPr lang="de-DE" sz="1800" dirty="0"/>
-              <a:t>Mitarbeiter telefoniert mit Kunden, welcher ein Problem mit seinem Computer besitzt. Da die Art „Computerprobleme“ nicht im System implementiert ist, legt die Fachbereichsorganisation eine neue Art an um die Zahl </a:t>
-            </a:r>
-            <a:r>
-              <a:rPr lang="de-DE" sz="1800" dirty="0" smtClean="0"/>
-              <a:t>der gelösten Computerprobleme elektronisch </a:t>
-            </a:r>
-            <a:r>
-              <a:rPr lang="de-DE" sz="1800" dirty="0"/>
-              <a:t>zu erfassen.</a:t>
-            </a:r>
-            <a:br>
-              <a:rPr lang="de-DE" sz="1800" dirty="0"/>
-            </a:br>
-            <a:endParaRPr lang="de-DE" sz="1800" dirty="0"/>
-          </a:p>
-        </p:txBody>
-      </p:sp>
-      <p:pic>
-        <p:nvPicPr>
-          <p:cNvPr id="3" name="Grafik 2"/>
-          <p:cNvPicPr/>
-          <p:nvPr/>
-        </p:nvPicPr>
-        <p:blipFill>
-          <a:blip r:embed="rId2" cstate="print"/>
-          <a:stretch>
-            <a:fillRect/>
-          </a:stretch>
-        </p:blipFill>
-        <p:spPr>
-          <a:xfrm>
-            <a:off x="449662" y="1916832"/>
-            <a:ext cx="8237138" cy="4941167"/>
-          </a:xfrm>
-          <a:prstGeom prst="rect">
-            <a:avLst/>
-          </a:prstGeom>
-        </p:spPr>
-      </p:pic>
-    </p:spTree>
-    <p:extLst>
-      <p:ext uri="{BB962C8B-B14F-4D97-AF65-F5344CB8AC3E}">
-        <p14:creationId xmlns:p14="http://schemas.microsoft.com/office/powerpoint/2010/main" xmlns="" val="2566061532"/>
-      </p:ext>
-    </p:extLst>
-  </p:cSld>
-  <p:clrMapOvr>
-    <a:masterClrMapping/>
-  </p:clrMapOvr>
-</p:sld>
-</file>
-
-<file path=ppt/slides/slide24.xml><?xml version="1.0" encoding="utf-8"?>
-<p:sld xmlns:a="http://schemas.openxmlformats.org/drawingml/2006/main" xmlns:r="http://schemas.openxmlformats.org/officeDocument/2006/relationships" xmlns:p="http://schemas.openxmlformats.org/presentationml/2006/main">
-  <p:cSld>
-    <p:spTree>
-      <p:nvGrpSpPr>
-        <p:cNvPr id="1" name=""/>
-        <p:cNvGrpSpPr/>
-        <p:nvPr/>
-      </p:nvGrpSpPr>
-      <p:grpSpPr>
-        <a:xfrm>
-          <a:off x="0" y="0"/>
-          <a:ext cx="0" cy="0"/>
-          <a:chOff x="0" y="0"/>
-          <a:chExt cx="0" cy="0"/>
-        </a:xfrm>
-      </p:grpSpPr>
-      <p:sp>
-        <p:nvSpPr>
-          <p:cNvPr id="2" name="Titel 1"/>
-          <p:cNvSpPr>
-            <a:spLocks noGrp="1"/>
-          </p:cNvSpPr>
-          <p:nvPr>
-            <p:ph type="title"/>
-          </p:nvPr>
-        </p:nvSpPr>
-        <p:spPr>
-          <a:xfrm>
-            <a:off x="457200" y="774976"/>
-            <a:ext cx="8229600" cy="1069848"/>
-          </a:xfrm>
-        </p:spPr>
-        <p:txBody>
-          <a:bodyPr>
-            <a:noAutofit/>
-          </a:bodyPr>
-          <a:lstStyle/>
-          <a:p>
-            <a:r>
-              <a:rPr lang="de-DE" sz="2400" u="heavy" dirty="0"/>
-              <a:t>Szenario Bereich bearbeiten:</a:t>
-            </a:r>
-            <a:r>
-              <a:rPr lang="de-DE" sz="2400" dirty="0"/>
-              <a:t/>
-            </a:r>
-            <a:br>
-              <a:rPr lang="de-DE" sz="2400" dirty="0"/>
-            </a:br>
-            <a:r>
-              <a:rPr lang="de-DE" sz="2400" dirty="0"/>
-              <a:t>Da der Mitarbeiter aus dem System entfernt wurde, ist der Bereich ohne Leiter. Der Bereichsleiter wird durch die Fachbereichsorganisation </a:t>
-            </a:r>
-            <a:r>
-              <a:rPr lang="de-DE" sz="2400" dirty="0" smtClean="0"/>
-              <a:t>in Stippler gepflegt</a:t>
-            </a:r>
-            <a:r>
-              <a:rPr lang="de-DE" sz="2400" dirty="0"/>
-              <a:t>.</a:t>
-            </a:r>
-            <a:br>
-              <a:rPr lang="de-DE" sz="2400" dirty="0"/>
-            </a:br>
-            <a:endParaRPr lang="de-DE" sz="2400" dirty="0"/>
-          </a:p>
-        </p:txBody>
-      </p:sp>
-      <p:pic>
-        <p:nvPicPr>
-          <p:cNvPr id="3" name="Grafik 2"/>
-          <p:cNvPicPr/>
-          <p:nvPr/>
-        </p:nvPicPr>
-        <p:blipFill>
-          <a:blip r:embed="rId2" cstate="print"/>
-          <a:stretch>
-            <a:fillRect/>
-          </a:stretch>
-        </p:blipFill>
-        <p:spPr>
-          <a:xfrm>
-            <a:off x="457200" y="1844824"/>
-            <a:ext cx="8229600" cy="5013176"/>
-          </a:xfrm>
-          <a:prstGeom prst="rect">
-            <a:avLst/>
-          </a:prstGeom>
-        </p:spPr>
-      </p:pic>
-    </p:spTree>
-    <p:extLst>
-      <p:ext uri="{BB962C8B-B14F-4D97-AF65-F5344CB8AC3E}">
-        <p14:creationId xmlns:p14="http://schemas.microsoft.com/office/powerpoint/2010/main" xmlns="" val="2657265906"/>
-      </p:ext>
-    </p:extLst>
-  </p:cSld>
-  <p:clrMapOvr>
-    <a:masterClrMapping/>
-  </p:clrMapOvr>
-</p:sld>
-</file>
-
-<file path=ppt/slides/slide25.xml><?xml version="1.0" encoding="utf-8"?>
-<p:sld xmlns:a="http://schemas.openxmlformats.org/drawingml/2006/main" xmlns:r="http://schemas.openxmlformats.org/officeDocument/2006/relationships" xmlns:p="http://schemas.openxmlformats.org/presentationml/2006/main">
-  <p:cSld>
-    <p:spTree>
-      <p:nvGrpSpPr>
-        <p:cNvPr id="1" name=""/>
-        <p:cNvGrpSpPr/>
-        <p:nvPr/>
-      </p:nvGrpSpPr>
-      <p:grpSpPr>
-        <a:xfrm>
-          <a:off x="0" y="0"/>
-          <a:ext cx="0" cy="0"/>
-          <a:chOff x="0" y="0"/>
-          <a:chExt cx="0" cy="0"/>
-        </a:xfrm>
-      </p:grpSpPr>
-      <p:sp>
-        <p:nvSpPr>
-          <p:cNvPr id="2" name="Titel 1"/>
-          <p:cNvSpPr>
-            <a:spLocks noGrp="1"/>
-          </p:cNvSpPr>
-          <p:nvPr>
-            <p:ph type="title"/>
-          </p:nvPr>
-        </p:nvSpPr>
-        <p:spPr>
-          <a:xfrm>
-            <a:off x="457200" y="1279032"/>
-            <a:ext cx="8229600" cy="1069848"/>
-          </a:xfrm>
-        </p:spPr>
-        <p:txBody>
-          <a:bodyPr>
-            <a:noAutofit/>
-          </a:bodyPr>
-          <a:lstStyle/>
-          <a:p>
-            <a:r>
-              <a:rPr lang="de-DE" sz="2800" u="heavy" dirty="0"/>
-              <a:t>Szenario Arbeitsgruppe bearbeiten:</a:t>
-            </a:r>
-            <a:r>
-              <a:rPr lang="de-DE" sz="2800" dirty="0"/>
-              <a:t/>
-            </a:r>
-            <a:br>
-              <a:rPr lang="de-DE" sz="2800" dirty="0"/>
-            </a:br>
-            <a:r>
-              <a:rPr lang="de-DE" sz="2800" dirty="0"/>
-              <a:t>Innerhalb einer Gruppe wird ein neuer Leiter gesetzt</a:t>
-            </a:r>
-            <a:r>
-              <a:rPr lang="de-DE" sz="2800" dirty="0" smtClean="0"/>
-              <a:t>. Die Pflege der Daten einer Arbeitsgruppe wird durch die Fachbereichsorganisation sichergestellt</a:t>
-            </a:r>
-            <a:r>
-              <a:rPr lang="de-DE" sz="2800" dirty="0"/>
-              <a:t/>
-            </a:r>
-            <a:br>
-              <a:rPr lang="de-DE" sz="2800" dirty="0"/>
-            </a:br>
-            <a:endParaRPr lang="de-DE" sz="2800" dirty="0"/>
-          </a:p>
-        </p:txBody>
-      </p:sp>
-      <p:pic>
-        <p:nvPicPr>
-          <p:cNvPr id="3" name="Grafik 2"/>
-          <p:cNvPicPr/>
-          <p:nvPr/>
-        </p:nvPicPr>
-        <p:blipFill>
-          <a:blip r:embed="rId2" cstate="print"/>
-          <a:stretch>
-            <a:fillRect/>
-          </a:stretch>
-        </p:blipFill>
-        <p:spPr>
-          <a:xfrm>
-            <a:off x="457200" y="2780928"/>
-            <a:ext cx="8229600" cy="4077072"/>
-          </a:xfrm>
-          <a:prstGeom prst="rect">
-            <a:avLst/>
-          </a:prstGeom>
-        </p:spPr>
-      </p:pic>
-    </p:spTree>
-    <p:extLst>
-      <p:ext uri="{BB962C8B-B14F-4D97-AF65-F5344CB8AC3E}">
-        <p14:creationId xmlns:p14="http://schemas.microsoft.com/office/powerpoint/2010/main" xmlns="" val="1762684078"/>
-      </p:ext>
-    </p:extLst>
-  </p:cSld>
-  <p:clrMapOvr>
-    <a:masterClrMapping/>
-  </p:clrMapOvr>
-</p:sld>
-</file>
-
-<file path=ppt/slides/slide26.xml><?xml version="1.0" encoding="utf-8"?>
-<p:sld xmlns:a="http://schemas.openxmlformats.org/drawingml/2006/main" xmlns:r="http://schemas.openxmlformats.org/officeDocument/2006/relationships" xmlns:p="http://schemas.openxmlformats.org/presentationml/2006/main">
-  <p:cSld>
-    <p:spTree>
-      <p:nvGrpSpPr>
-        <p:cNvPr id="1" name=""/>
-        <p:cNvGrpSpPr/>
-        <p:nvPr/>
-      </p:nvGrpSpPr>
-      <p:grpSpPr>
-        <a:xfrm>
-          <a:off x="0" y="0"/>
-          <a:ext cx="0" cy="0"/>
-          <a:chOff x="0" y="0"/>
-          <a:chExt cx="0" cy="0"/>
-        </a:xfrm>
-      </p:grpSpPr>
-      <p:sp>
-        <p:nvSpPr>
-          <p:cNvPr id="2" name="Titel 1"/>
-          <p:cNvSpPr>
-            <a:spLocks noGrp="1"/>
-          </p:cNvSpPr>
-          <p:nvPr>
-            <p:ph type="title"/>
-          </p:nvPr>
-        </p:nvSpPr>
-        <p:spPr/>
-        <p:txBody>
-          <a:bodyPr>
-            <a:normAutofit fontScale="90000"/>
-          </a:bodyPr>
-          <a:lstStyle/>
-          <a:p>
-            <a:r>
-              <a:rPr lang="de-DE" dirty="0" smtClean="0"/>
-              <a:t>All das wird realisiert durch.. Stippler!</a:t>
-            </a:r>
-            <a:endParaRPr lang="de-DE" dirty="0"/>
-          </a:p>
-        </p:txBody>
-      </p:sp>
-      <p:pic>
-        <p:nvPicPr>
-          <p:cNvPr id="3" name="Grafik 2"/>
-          <p:cNvPicPr>
-            <a:picLocks noChangeAspect="1"/>
-          </p:cNvPicPr>
-          <p:nvPr/>
-        </p:nvPicPr>
-        <p:blipFill>
-          <a:blip r:embed="rId2" cstate="print"/>
-          <a:stretch>
-            <a:fillRect/>
-          </a:stretch>
-        </p:blipFill>
-        <p:spPr>
-          <a:xfrm>
-            <a:off x="128587" y="2181225"/>
-            <a:ext cx="8886825" cy="4676775"/>
-          </a:xfrm>
-          <a:prstGeom prst="rect">
-            <a:avLst/>
-          </a:prstGeom>
-        </p:spPr>
-      </p:pic>
-    </p:spTree>
-    <p:extLst>
-      <p:ext uri="{BB962C8B-B14F-4D97-AF65-F5344CB8AC3E}">
-        <p14:creationId xmlns:p14="http://schemas.microsoft.com/office/powerpoint/2010/main" xmlns="" val="3372370494"/>
-      </p:ext>
-    </p:extLst>
-  </p:cSld>
-  <p:clrMapOvr>
-    <a:masterClrMapping/>
-  </p:clrMapOvr>
-</p:sld>
-</file>
-
-<file path=ppt/slides/slide27.xml><?xml version="1.0" encoding="utf-8"?>
-<p:sld xmlns:a="http://schemas.openxmlformats.org/drawingml/2006/main" xmlns:r="http://schemas.openxmlformats.org/officeDocument/2006/relationships" xmlns:p="http://schemas.openxmlformats.org/presentationml/2006/main">
-  <p:cSld>
-    <p:spTree>
-      <p:nvGrpSpPr>
-        <p:cNvPr id="1" name=""/>
-        <p:cNvGrpSpPr/>
-        <p:nvPr/>
-      </p:nvGrpSpPr>
-      <p:grpSpPr>
-        <a:xfrm>
-          <a:off x="0" y="0"/>
-          <a:ext cx="0" cy="0"/>
-          <a:chOff x="0" y="0"/>
-          <a:chExt cx="0" cy="0"/>
-        </a:xfrm>
-      </p:grpSpPr>
-      <p:sp>
-        <p:nvSpPr>
-          <p:cNvPr id="2" name="Titel 1"/>
-          <p:cNvSpPr>
-            <a:spLocks noGrp="1"/>
-          </p:cNvSpPr>
-          <p:nvPr>
-            <p:ph type="title"/>
-          </p:nvPr>
-        </p:nvSpPr>
-        <p:spPr/>
-        <p:txBody>
-          <a:bodyPr/>
-          <a:lstStyle/>
-          <a:p>
-            <a:r>
-              <a:rPr lang="de-DE" dirty="0" err="1" smtClean="0"/>
-              <a:t>Lessons</a:t>
-            </a:r>
-            <a:r>
-              <a:rPr lang="de-DE" dirty="0" smtClean="0"/>
-              <a:t> </a:t>
-            </a:r>
-            <a:r>
-              <a:rPr lang="de-DE" dirty="0" err="1" smtClean="0"/>
-              <a:t>learned</a:t>
-            </a:r>
-            <a:endParaRPr lang="de-DE" dirty="0"/>
-          </a:p>
-        </p:txBody>
-      </p:sp>
-      <p:sp>
-        <p:nvSpPr>
-          <p:cNvPr id="4" name="Inhaltsplatzhalter 2"/>
           <p:cNvSpPr txBox="1">
             <a:spLocks/>
           </p:cNvSpPr>
@@ -13787,6 +12431,1064 @@
           <a:p>
             <a:r>
               <a:rPr lang="de-DE" dirty="0" smtClean="0"/>
+              <a:t>Aufgabenstellung</a:t>
+            </a:r>
+          </a:p>
+          <a:p>
+            <a:r>
+              <a:rPr lang="de-DE" dirty="0" smtClean="0"/>
+              <a:t>Projektorganisation</a:t>
+            </a:r>
+          </a:p>
+          <a:p>
+            <a:r>
+              <a:rPr lang="de-DE" dirty="0" smtClean="0"/>
+              <a:t>Zeitplan</a:t>
+            </a:r>
+          </a:p>
+          <a:p>
+            <a:r>
+              <a:rPr lang="de-DE" dirty="0" err="1" smtClean="0"/>
+              <a:t>Use</a:t>
+            </a:r>
+            <a:r>
+              <a:rPr lang="de-DE" dirty="0" smtClean="0"/>
+              <a:t> Cases / Rollen und Rechte</a:t>
+            </a:r>
+          </a:p>
+          <a:p>
+            <a:r>
+              <a:rPr lang="de-DE" dirty="0" smtClean="0"/>
+              <a:t>Systemumgebung</a:t>
+            </a:r>
+          </a:p>
+          <a:p>
+            <a:r>
+              <a:rPr lang="de-DE" dirty="0" smtClean="0"/>
+              <a:t>Systemarchitektur</a:t>
+            </a:r>
+          </a:p>
+          <a:p>
+            <a:r>
+              <a:rPr lang="de-DE" dirty="0" smtClean="0"/>
+              <a:t>Testphase</a:t>
+            </a:r>
+            <a:endParaRPr lang="de-DE" dirty="0" smtClean="0"/>
+          </a:p>
+          <a:p>
+            <a:r>
+              <a:rPr lang="de-DE" dirty="0" smtClean="0"/>
+              <a:t>Live </a:t>
+            </a:r>
+            <a:r>
+              <a:rPr lang="de-DE" dirty="0" smtClean="0"/>
+              <a:t>Demo</a:t>
+            </a:r>
+          </a:p>
+          <a:p>
+            <a:r>
+              <a:rPr lang="de-DE" dirty="0" err="1" smtClean="0"/>
+              <a:t>Lessons</a:t>
+            </a:r>
+            <a:r>
+              <a:rPr lang="de-DE" dirty="0" smtClean="0"/>
+              <a:t> </a:t>
+            </a:r>
+            <a:r>
+              <a:rPr lang="de-DE" dirty="0" err="1" smtClean="0"/>
+              <a:t>learned</a:t>
+            </a:r>
+            <a:endParaRPr lang="de-DE" dirty="0" smtClean="0"/>
+          </a:p>
+          <a:p>
+            <a:endParaRPr lang="de-DE" dirty="0"/>
+          </a:p>
+        </p:txBody>
+      </p:sp>
+    </p:spTree>
+    <p:extLst>
+      <p:ext uri="{BB962C8B-B14F-4D97-AF65-F5344CB8AC3E}">
+        <p14:creationId xmlns:p14="http://schemas.microsoft.com/office/powerpoint/2010/main" val="2653359653"/>
+      </p:ext>
+    </p:extLst>
+  </p:cSld>
+  <p:clrMapOvr>
+    <a:masterClrMapping/>
+  </p:clrMapOvr>
+  <p:timing>
+    <p:tnLst>
+      <p:par>
+        <p:cTn id="1" dur="indefinite" restart="never" nodeType="tmRoot"/>
+      </p:par>
+    </p:tnLst>
+  </p:timing>
+</p:sld>
+</file>
+
+<file path=ppt/slides/slide20.xml><?xml version="1.0" encoding="utf-8"?>
+<p:sld xmlns:a="http://schemas.openxmlformats.org/drawingml/2006/main" xmlns:r="http://schemas.openxmlformats.org/officeDocument/2006/relationships" xmlns:p="http://schemas.openxmlformats.org/presentationml/2006/main">
+  <p:cSld>
+    <p:spTree>
+      <p:nvGrpSpPr>
+        <p:cNvPr id="1" name=""/>
+        <p:cNvGrpSpPr/>
+        <p:nvPr/>
+      </p:nvGrpSpPr>
+      <p:grpSpPr>
+        <a:xfrm>
+          <a:off x="0" y="0"/>
+          <a:ext cx="0" cy="0"/>
+          <a:chOff x="0" y="0"/>
+          <a:chExt cx="0" cy="0"/>
+        </a:xfrm>
+      </p:grpSpPr>
+      <p:sp>
+        <p:nvSpPr>
+          <p:cNvPr id="2" name="Titel 1"/>
+          <p:cNvSpPr>
+            <a:spLocks noGrp="1"/>
+          </p:cNvSpPr>
+          <p:nvPr>
+            <p:ph type="title"/>
+          </p:nvPr>
+        </p:nvSpPr>
+        <p:spPr/>
+        <p:txBody>
+          <a:bodyPr>
+            <a:noAutofit/>
+          </a:bodyPr>
+          <a:lstStyle/>
+          <a:p>
+            <a:r>
+              <a:rPr lang="de-DE" sz="2400" dirty="0"/>
+              <a:t>Bereichsleiter wird zum Zentralbereichsleiter. Dadurch erhält er </a:t>
+            </a:r>
+            <a:r>
+              <a:rPr lang="de-DE" sz="2400" dirty="0" smtClean="0"/>
+              <a:t>Einblick </a:t>
+            </a:r>
+            <a:r>
+              <a:rPr lang="de-DE" sz="2400" dirty="0"/>
+              <a:t>auf alle Bereiche. Das Runterbrechen der Übersicht auf die einzelnen Arbeitsgruppen ist durch Stippler möglich. Die Ausgabe als PDF und Excel-Tabelle ist weiterhin möglich.</a:t>
+            </a:r>
+            <a:br>
+              <a:rPr lang="de-DE" sz="2400" dirty="0"/>
+            </a:br>
+            <a:endParaRPr lang="de-DE" sz="2400" dirty="0"/>
+          </a:p>
+        </p:txBody>
+      </p:sp>
+      <p:pic>
+        <p:nvPicPr>
+          <p:cNvPr id="3" name="Grafik 2"/>
+          <p:cNvPicPr/>
+          <p:nvPr/>
+        </p:nvPicPr>
+        <p:blipFill>
+          <a:blip r:embed="rId2" cstate="print">
+            <a:extLst>
+              <a:ext uri="{28A0092B-C50C-407E-A947-70E740481C1C}">
+                <a14:useLocalDpi xmlns:a14="http://schemas.microsoft.com/office/drawing/2010/main" val="0"/>
+              </a:ext>
+            </a:extLst>
+          </a:blip>
+          <a:srcRect/>
+          <a:stretch>
+            <a:fillRect/>
+          </a:stretch>
+        </p:blipFill>
+        <p:spPr bwMode="auto">
+          <a:xfrm>
+            <a:off x="457200" y="2492896"/>
+            <a:ext cx="8229600" cy="4365104"/>
+          </a:xfrm>
+          <a:prstGeom prst="rect">
+            <a:avLst/>
+          </a:prstGeom>
+          <a:noFill/>
+          <a:ln>
+            <a:noFill/>
+          </a:ln>
+        </p:spPr>
+      </p:pic>
+    </p:spTree>
+    <p:extLst>
+      <p:ext uri="{BB962C8B-B14F-4D97-AF65-F5344CB8AC3E}">
+        <p14:creationId xmlns:p14="http://schemas.microsoft.com/office/powerpoint/2010/main" val="2659840383"/>
+      </p:ext>
+    </p:extLst>
+  </p:cSld>
+  <p:clrMapOvr>
+    <a:masterClrMapping/>
+  </p:clrMapOvr>
+  <p:timing>
+    <p:tnLst>
+      <p:par>
+        <p:cTn id="1" dur="indefinite" restart="never" nodeType="tmRoot"/>
+      </p:par>
+    </p:tnLst>
+  </p:timing>
+</p:sld>
+</file>
+
+<file path=ppt/slides/slide21.xml><?xml version="1.0" encoding="utf-8"?>
+<p:sld xmlns:a="http://schemas.openxmlformats.org/drawingml/2006/main" xmlns:r="http://schemas.openxmlformats.org/officeDocument/2006/relationships" xmlns:p="http://schemas.openxmlformats.org/presentationml/2006/main">
+  <p:cSld>
+    <p:spTree>
+      <p:nvGrpSpPr>
+        <p:cNvPr id="1" name=""/>
+        <p:cNvGrpSpPr/>
+        <p:nvPr/>
+      </p:nvGrpSpPr>
+      <p:grpSpPr>
+        <a:xfrm>
+          <a:off x="0" y="0"/>
+          <a:ext cx="0" cy="0"/>
+          <a:chOff x="0" y="0"/>
+          <a:chExt cx="0" cy="0"/>
+        </a:xfrm>
+      </p:grpSpPr>
+      <p:sp>
+        <p:nvSpPr>
+          <p:cNvPr id="2" name="Titel 1"/>
+          <p:cNvSpPr>
+            <a:spLocks noGrp="1"/>
+          </p:cNvSpPr>
+          <p:nvPr>
+            <p:ph type="title"/>
+          </p:nvPr>
+        </p:nvSpPr>
+        <p:spPr>
+          <a:xfrm>
+            <a:off x="469542" y="692696"/>
+            <a:ext cx="8229600" cy="1069848"/>
+          </a:xfrm>
+        </p:spPr>
+        <p:txBody>
+          <a:bodyPr>
+            <a:noAutofit/>
+          </a:bodyPr>
+          <a:lstStyle/>
+          <a:p>
+            <a:r>
+              <a:rPr lang="de-DE" sz="3200" dirty="0"/>
+              <a:t>Hier endet die Karriere des angelegten Mitarbeiters. Es folgen weitere Aufgaben der Fachbereichsorganisation in Stippler</a:t>
+            </a:r>
+            <a:r>
+              <a:rPr lang="de-DE" sz="3200" dirty="0" smtClean="0"/>
+              <a:t>.</a:t>
+            </a:r>
+            <a:endParaRPr lang="de-DE" sz="3200" dirty="0"/>
+          </a:p>
+        </p:txBody>
+      </p:sp>
+      <p:pic>
+        <p:nvPicPr>
+          <p:cNvPr id="3" name="Grafik 2"/>
+          <p:cNvPicPr/>
+          <p:nvPr/>
+        </p:nvPicPr>
+        <p:blipFill>
+          <a:blip r:embed="rId2" cstate="print"/>
+          <a:stretch>
+            <a:fillRect/>
+          </a:stretch>
+        </p:blipFill>
+        <p:spPr>
+          <a:xfrm>
+            <a:off x="450054" y="1988840"/>
+            <a:ext cx="8236745" cy="4869160"/>
+          </a:xfrm>
+          <a:prstGeom prst="rect">
+            <a:avLst/>
+          </a:prstGeom>
+        </p:spPr>
+      </p:pic>
+    </p:spTree>
+    <p:extLst>
+      <p:ext uri="{BB962C8B-B14F-4D97-AF65-F5344CB8AC3E}">
+        <p14:creationId xmlns:p14="http://schemas.microsoft.com/office/powerpoint/2010/main" val="2538859933"/>
+      </p:ext>
+    </p:extLst>
+  </p:cSld>
+  <p:clrMapOvr>
+    <a:masterClrMapping/>
+  </p:clrMapOvr>
+  <p:timing>
+    <p:tnLst>
+      <p:par>
+        <p:cTn id="1" dur="indefinite" restart="never" nodeType="tmRoot"/>
+      </p:par>
+    </p:tnLst>
+  </p:timing>
+</p:sld>
+</file>
+
+<file path=ppt/slides/slide22.xml><?xml version="1.0" encoding="utf-8"?>
+<p:sld xmlns:a="http://schemas.openxmlformats.org/drawingml/2006/main" xmlns:r="http://schemas.openxmlformats.org/officeDocument/2006/relationships" xmlns:p="http://schemas.openxmlformats.org/presentationml/2006/main">
+  <p:cSld>
+    <p:spTree>
+      <p:nvGrpSpPr>
+        <p:cNvPr id="1" name=""/>
+        <p:cNvGrpSpPr/>
+        <p:nvPr/>
+      </p:nvGrpSpPr>
+      <p:grpSpPr>
+        <a:xfrm>
+          <a:off x="0" y="0"/>
+          <a:ext cx="0" cy="0"/>
+          <a:chOff x="0" y="0"/>
+          <a:chExt cx="0" cy="0"/>
+        </a:xfrm>
+      </p:grpSpPr>
+      <p:sp>
+        <p:nvSpPr>
+          <p:cNvPr id="2" name="Titel 1"/>
+          <p:cNvSpPr>
+            <a:spLocks noGrp="1"/>
+          </p:cNvSpPr>
+          <p:nvPr>
+            <p:ph type="title"/>
+          </p:nvPr>
+        </p:nvSpPr>
+        <p:spPr>
+          <a:xfrm>
+            <a:off x="457200" y="972190"/>
+            <a:ext cx="8229600" cy="1069848"/>
+          </a:xfrm>
+        </p:spPr>
+        <p:txBody>
+          <a:bodyPr>
+            <a:noAutofit/>
+          </a:bodyPr>
+          <a:lstStyle/>
+          <a:p>
+            <a:r>
+              <a:rPr lang="de-DE" sz="2800" u="sng" dirty="0"/>
+              <a:t>Szenario Mitarbeiter löschen:</a:t>
+            </a:r>
+            <a:r>
+              <a:rPr lang="de-DE" sz="2800" dirty="0"/>
+              <a:t/>
+            </a:r>
+            <a:br>
+              <a:rPr lang="de-DE" sz="2800" dirty="0"/>
+            </a:br>
+            <a:r>
+              <a:rPr lang="de-DE" sz="2800" dirty="0"/>
+              <a:t>Mitarbeiter wird entlassen und aus dem Stippler-System entfernt. Der Zugang </a:t>
+            </a:r>
+            <a:r>
+              <a:rPr lang="de-DE" sz="2800" dirty="0" smtClean="0"/>
+              <a:t>wird ihm in Stippler </a:t>
+            </a:r>
+            <a:r>
+              <a:rPr lang="de-DE" sz="2800" dirty="0"/>
+              <a:t>verweigert.</a:t>
+            </a:r>
+            <a:br>
+              <a:rPr lang="de-DE" sz="2800" dirty="0"/>
+            </a:br>
+            <a:endParaRPr lang="de-DE" sz="2800" dirty="0"/>
+          </a:p>
+        </p:txBody>
+      </p:sp>
+      <p:pic>
+        <p:nvPicPr>
+          <p:cNvPr id="3" name="Grafik 2"/>
+          <p:cNvPicPr/>
+          <p:nvPr/>
+        </p:nvPicPr>
+        <p:blipFill rotWithShape="1">
+          <a:blip r:embed="rId2" cstate="print"/>
+          <a:srcRect t="3003"/>
+          <a:stretch/>
+        </p:blipFill>
+        <p:spPr>
+          <a:xfrm>
+            <a:off x="457200" y="2204864"/>
+            <a:ext cx="8229600" cy="4653136"/>
+          </a:xfrm>
+          <a:prstGeom prst="rect">
+            <a:avLst/>
+          </a:prstGeom>
+        </p:spPr>
+      </p:pic>
+    </p:spTree>
+    <p:extLst>
+      <p:ext uri="{BB962C8B-B14F-4D97-AF65-F5344CB8AC3E}">
+        <p14:creationId xmlns:p14="http://schemas.microsoft.com/office/powerpoint/2010/main" val="3956960791"/>
+      </p:ext>
+    </p:extLst>
+  </p:cSld>
+  <p:clrMapOvr>
+    <a:masterClrMapping/>
+  </p:clrMapOvr>
+  <p:timing>
+    <p:tnLst>
+      <p:par>
+        <p:cTn id="1" dur="indefinite" restart="never" nodeType="tmRoot"/>
+      </p:par>
+    </p:tnLst>
+  </p:timing>
+</p:sld>
+</file>
+
+<file path=ppt/slides/slide23.xml><?xml version="1.0" encoding="utf-8"?>
+<p:sld xmlns:a="http://schemas.openxmlformats.org/drawingml/2006/main" xmlns:r="http://schemas.openxmlformats.org/officeDocument/2006/relationships" xmlns:p="http://schemas.openxmlformats.org/presentationml/2006/main">
+  <p:cSld>
+    <p:spTree>
+      <p:nvGrpSpPr>
+        <p:cNvPr id="1" name=""/>
+        <p:cNvGrpSpPr/>
+        <p:nvPr/>
+      </p:nvGrpSpPr>
+      <p:grpSpPr>
+        <a:xfrm>
+          <a:off x="0" y="0"/>
+          <a:ext cx="0" cy="0"/>
+          <a:chOff x="0" y="0"/>
+          <a:chExt cx="0" cy="0"/>
+        </a:xfrm>
+      </p:grpSpPr>
+      <p:sp>
+        <p:nvSpPr>
+          <p:cNvPr id="2" name="Titel 1"/>
+          <p:cNvSpPr>
+            <a:spLocks noGrp="1"/>
+          </p:cNvSpPr>
+          <p:nvPr>
+            <p:ph type="title"/>
+          </p:nvPr>
+        </p:nvSpPr>
+        <p:spPr>
+          <a:xfrm>
+            <a:off x="474099" y="764704"/>
+            <a:ext cx="8229600" cy="1069848"/>
+          </a:xfrm>
+        </p:spPr>
+        <p:txBody>
+          <a:bodyPr>
+            <a:noAutofit/>
+          </a:bodyPr>
+          <a:lstStyle/>
+          <a:p>
+            <a:r>
+              <a:rPr lang="de-DE" sz="1800" u="sng" dirty="0"/>
+              <a:t>Szenario Art anlegen:</a:t>
+            </a:r>
+            <a:r>
+              <a:rPr lang="de-DE" sz="1800" dirty="0"/>
+              <a:t/>
+            </a:r>
+            <a:br>
+              <a:rPr lang="de-DE" sz="1800" dirty="0"/>
+            </a:br>
+            <a:r>
+              <a:rPr lang="de-DE" sz="1800" dirty="0"/>
+              <a:t>Mitarbeiter telefoniert mit Kunden, welcher ein Problem mit seinem Computer besitzt. Da die Art „Computerprobleme“ nicht im System implementiert ist, legt die Fachbereichsorganisation eine neue Art an um die Zahl </a:t>
+            </a:r>
+            <a:r>
+              <a:rPr lang="de-DE" sz="1800" dirty="0" smtClean="0"/>
+              <a:t>der gelösten Computerprobleme elektronisch </a:t>
+            </a:r>
+            <a:r>
+              <a:rPr lang="de-DE" sz="1800" dirty="0"/>
+              <a:t>zu erfassen.</a:t>
+            </a:r>
+            <a:br>
+              <a:rPr lang="de-DE" sz="1800" dirty="0"/>
+            </a:br>
+            <a:endParaRPr lang="de-DE" sz="1800" dirty="0"/>
+          </a:p>
+        </p:txBody>
+      </p:sp>
+      <p:pic>
+        <p:nvPicPr>
+          <p:cNvPr id="3" name="Grafik 2"/>
+          <p:cNvPicPr/>
+          <p:nvPr/>
+        </p:nvPicPr>
+        <p:blipFill>
+          <a:blip r:embed="rId2" cstate="print"/>
+          <a:stretch>
+            <a:fillRect/>
+          </a:stretch>
+        </p:blipFill>
+        <p:spPr>
+          <a:xfrm>
+            <a:off x="449662" y="1916832"/>
+            <a:ext cx="8237138" cy="4941167"/>
+          </a:xfrm>
+          <a:prstGeom prst="rect">
+            <a:avLst/>
+          </a:prstGeom>
+        </p:spPr>
+      </p:pic>
+    </p:spTree>
+    <p:extLst>
+      <p:ext uri="{BB962C8B-B14F-4D97-AF65-F5344CB8AC3E}">
+        <p14:creationId xmlns:p14="http://schemas.microsoft.com/office/powerpoint/2010/main" val="2566061532"/>
+      </p:ext>
+    </p:extLst>
+  </p:cSld>
+  <p:clrMapOvr>
+    <a:masterClrMapping/>
+  </p:clrMapOvr>
+  <p:timing>
+    <p:tnLst>
+      <p:par>
+        <p:cTn id="1" dur="indefinite" restart="never" nodeType="tmRoot"/>
+      </p:par>
+    </p:tnLst>
+  </p:timing>
+</p:sld>
+</file>
+
+<file path=ppt/slides/slide24.xml><?xml version="1.0" encoding="utf-8"?>
+<p:sld xmlns:a="http://schemas.openxmlformats.org/drawingml/2006/main" xmlns:r="http://schemas.openxmlformats.org/officeDocument/2006/relationships" xmlns:p="http://schemas.openxmlformats.org/presentationml/2006/main">
+  <p:cSld>
+    <p:spTree>
+      <p:nvGrpSpPr>
+        <p:cNvPr id="1" name=""/>
+        <p:cNvGrpSpPr/>
+        <p:nvPr/>
+      </p:nvGrpSpPr>
+      <p:grpSpPr>
+        <a:xfrm>
+          <a:off x="0" y="0"/>
+          <a:ext cx="0" cy="0"/>
+          <a:chOff x="0" y="0"/>
+          <a:chExt cx="0" cy="0"/>
+        </a:xfrm>
+      </p:grpSpPr>
+      <p:sp>
+        <p:nvSpPr>
+          <p:cNvPr id="2" name="Titel 1"/>
+          <p:cNvSpPr>
+            <a:spLocks noGrp="1"/>
+          </p:cNvSpPr>
+          <p:nvPr>
+            <p:ph type="title"/>
+          </p:nvPr>
+        </p:nvSpPr>
+        <p:spPr>
+          <a:xfrm>
+            <a:off x="457200" y="774976"/>
+            <a:ext cx="8229600" cy="1069848"/>
+          </a:xfrm>
+        </p:spPr>
+        <p:txBody>
+          <a:bodyPr>
+            <a:noAutofit/>
+          </a:bodyPr>
+          <a:lstStyle/>
+          <a:p>
+            <a:r>
+              <a:rPr lang="de-DE" sz="2400" u="heavy" dirty="0"/>
+              <a:t>Szenario Bereich bearbeiten:</a:t>
+            </a:r>
+            <a:r>
+              <a:rPr lang="de-DE" sz="2400" dirty="0"/>
+              <a:t/>
+            </a:r>
+            <a:br>
+              <a:rPr lang="de-DE" sz="2400" dirty="0"/>
+            </a:br>
+            <a:r>
+              <a:rPr lang="de-DE" sz="2400" dirty="0"/>
+              <a:t>Da der Mitarbeiter aus dem System entfernt wurde, ist der Bereich ohne Leiter. Der Bereichsleiter wird durch die Fachbereichsorganisation </a:t>
+            </a:r>
+            <a:r>
+              <a:rPr lang="de-DE" sz="2400" dirty="0" smtClean="0"/>
+              <a:t>in Stippler gepflegt</a:t>
+            </a:r>
+            <a:r>
+              <a:rPr lang="de-DE" sz="2400" dirty="0"/>
+              <a:t>.</a:t>
+            </a:r>
+            <a:br>
+              <a:rPr lang="de-DE" sz="2400" dirty="0"/>
+            </a:br>
+            <a:endParaRPr lang="de-DE" sz="2400" dirty="0"/>
+          </a:p>
+        </p:txBody>
+      </p:sp>
+      <p:pic>
+        <p:nvPicPr>
+          <p:cNvPr id="3" name="Grafik 2"/>
+          <p:cNvPicPr/>
+          <p:nvPr/>
+        </p:nvPicPr>
+        <p:blipFill>
+          <a:blip r:embed="rId2" cstate="print"/>
+          <a:stretch>
+            <a:fillRect/>
+          </a:stretch>
+        </p:blipFill>
+        <p:spPr>
+          <a:xfrm>
+            <a:off x="457200" y="1844824"/>
+            <a:ext cx="8229600" cy="5013176"/>
+          </a:xfrm>
+          <a:prstGeom prst="rect">
+            <a:avLst/>
+          </a:prstGeom>
+        </p:spPr>
+      </p:pic>
+    </p:spTree>
+    <p:extLst>
+      <p:ext uri="{BB962C8B-B14F-4D97-AF65-F5344CB8AC3E}">
+        <p14:creationId xmlns:p14="http://schemas.microsoft.com/office/powerpoint/2010/main" val="2657265906"/>
+      </p:ext>
+    </p:extLst>
+  </p:cSld>
+  <p:clrMapOvr>
+    <a:masterClrMapping/>
+  </p:clrMapOvr>
+  <p:timing>
+    <p:tnLst>
+      <p:par>
+        <p:cTn id="1" dur="indefinite" restart="never" nodeType="tmRoot"/>
+      </p:par>
+    </p:tnLst>
+  </p:timing>
+</p:sld>
+</file>
+
+<file path=ppt/slides/slide25.xml><?xml version="1.0" encoding="utf-8"?>
+<p:sld xmlns:a="http://schemas.openxmlformats.org/drawingml/2006/main" xmlns:r="http://schemas.openxmlformats.org/officeDocument/2006/relationships" xmlns:p="http://schemas.openxmlformats.org/presentationml/2006/main">
+  <p:cSld>
+    <p:spTree>
+      <p:nvGrpSpPr>
+        <p:cNvPr id="1" name=""/>
+        <p:cNvGrpSpPr/>
+        <p:nvPr/>
+      </p:nvGrpSpPr>
+      <p:grpSpPr>
+        <a:xfrm>
+          <a:off x="0" y="0"/>
+          <a:ext cx="0" cy="0"/>
+          <a:chOff x="0" y="0"/>
+          <a:chExt cx="0" cy="0"/>
+        </a:xfrm>
+      </p:grpSpPr>
+      <p:sp>
+        <p:nvSpPr>
+          <p:cNvPr id="2" name="Titel 1"/>
+          <p:cNvSpPr>
+            <a:spLocks noGrp="1"/>
+          </p:cNvSpPr>
+          <p:nvPr>
+            <p:ph type="title"/>
+          </p:nvPr>
+        </p:nvSpPr>
+        <p:spPr>
+          <a:xfrm>
+            <a:off x="457200" y="1279032"/>
+            <a:ext cx="8229600" cy="1069848"/>
+          </a:xfrm>
+        </p:spPr>
+        <p:txBody>
+          <a:bodyPr>
+            <a:noAutofit/>
+          </a:bodyPr>
+          <a:lstStyle/>
+          <a:p>
+            <a:r>
+              <a:rPr lang="de-DE" sz="2800" u="heavy" dirty="0"/>
+              <a:t>Szenario Arbeitsgruppe bearbeiten:</a:t>
+            </a:r>
+            <a:r>
+              <a:rPr lang="de-DE" sz="2800" dirty="0"/>
+              <a:t/>
+            </a:r>
+            <a:br>
+              <a:rPr lang="de-DE" sz="2800" dirty="0"/>
+            </a:br>
+            <a:r>
+              <a:rPr lang="de-DE" sz="2800" dirty="0"/>
+              <a:t>Innerhalb einer Gruppe wird ein neuer Leiter gesetzt</a:t>
+            </a:r>
+            <a:r>
+              <a:rPr lang="de-DE" sz="2800" dirty="0" smtClean="0"/>
+              <a:t>. Die Pflege der Daten einer Arbeitsgruppe wird durch die Fachbereichsorganisation sichergestellt</a:t>
+            </a:r>
+            <a:r>
+              <a:rPr lang="de-DE" sz="2800" dirty="0"/>
+              <a:t/>
+            </a:r>
+            <a:br>
+              <a:rPr lang="de-DE" sz="2800" dirty="0"/>
+            </a:br>
+            <a:endParaRPr lang="de-DE" sz="2800" dirty="0"/>
+          </a:p>
+        </p:txBody>
+      </p:sp>
+      <p:pic>
+        <p:nvPicPr>
+          <p:cNvPr id="3" name="Grafik 2"/>
+          <p:cNvPicPr/>
+          <p:nvPr/>
+        </p:nvPicPr>
+        <p:blipFill>
+          <a:blip r:embed="rId2" cstate="print"/>
+          <a:stretch>
+            <a:fillRect/>
+          </a:stretch>
+        </p:blipFill>
+        <p:spPr>
+          <a:xfrm>
+            <a:off x="457200" y="2780928"/>
+            <a:ext cx="8229600" cy="4077072"/>
+          </a:xfrm>
+          <a:prstGeom prst="rect">
+            <a:avLst/>
+          </a:prstGeom>
+        </p:spPr>
+      </p:pic>
+    </p:spTree>
+    <p:extLst>
+      <p:ext uri="{BB962C8B-B14F-4D97-AF65-F5344CB8AC3E}">
+        <p14:creationId xmlns:p14="http://schemas.microsoft.com/office/powerpoint/2010/main" val="1762684078"/>
+      </p:ext>
+    </p:extLst>
+  </p:cSld>
+  <p:clrMapOvr>
+    <a:masterClrMapping/>
+  </p:clrMapOvr>
+  <p:timing>
+    <p:tnLst>
+      <p:par>
+        <p:cTn id="1" dur="indefinite" restart="never" nodeType="tmRoot"/>
+      </p:par>
+    </p:tnLst>
+  </p:timing>
+</p:sld>
+</file>
+
+<file path=ppt/slides/slide26.xml><?xml version="1.0" encoding="utf-8"?>
+<p:sld xmlns:a="http://schemas.openxmlformats.org/drawingml/2006/main" xmlns:r="http://schemas.openxmlformats.org/officeDocument/2006/relationships" xmlns:p="http://schemas.openxmlformats.org/presentationml/2006/main">
+  <p:cSld>
+    <p:spTree>
+      <p:nvGrpSpPr>
+        <p:cNvPr id="1" name=""/>
+        <p:cNvGrpSpPr/>
+        <p:nvPr/>
+      </p:nvGrpSpPr>
+      <p:grpSpPr>
+        <a:xfrm>
+          <a:off x="0" y="0"/>
+          <a:ext cx="0" cy="0"/>
+          <a:chOff x="0" y="0"/>
+          <a:chExt cx="0" cy="0"/>
+        </a:xfrm>
+      </p:grpSpPr>
+      <p:sp>
+        <p:nvSpPr>
+          <p:cNvPr id="2" name="Titel 1"/>
+          <p:cNvSpPr>
+            <a:spLocks noGrp="1"/>
+          </p:cNvSpPr>
+          <p:nvPr>
+            <p:ph type="title"/>
+          </p:nvPr>
+        </p:nvSpPr>
+        <p:spPr/>
+        <p:txBody>
+          <a:bodyPr>
+            <a:normAutofit fontScale="90000"/>
+          </a:bodyPr>
+          <a:lstStyle/>
+          <a:p>
+            <a:r>
+              <a:rPr lang="de-DE" dirty="0" smtClean="0"/>
+              <a:t>All das wird realisiert durch.. Stippler!</a:t>
+            </a:r>
+            <a:endParaRPr lang="de-DE" dirty="0"/>
+          </a:p>
+        </p:txBody>
+      </p:sp>
+      <p:pic>
+        <p:nvPicPr>
+          <p:cNvPr id="3" name="Grafik 2"/>
+          <p:cNvPicPr>
+            <a:picLocks noChangeAspect="1"/>
+          </p:cNvPicPr>
+          <p:nvPr/>
+        </p:nvPicPr>
+        <p:blipFill>
+          <a:blip r:embed="rId2" cstate="print"/>
+          <a:stretch>
+            <a:fillRect/>
+          </a:stretch>
+        </p:blipFill>
+        <p:spPr>
+          <a:xfrm>
+            <a:off x="128587" y="2181225"/>
+            <a:ext cx="8886825" cy="4676775"/>
+          </a:xfrm>
+          <a:prstGeom prst="rect">
+            <a:avLst/>
+          </a:prstGeom>
+        </p:spPr>
+      </p:pic>
+    </p:spTree>
+    <p:extLst>
+      <p:ext uri="{BB962C8B-B14F-4D97-AF65-F5344CB8AC3E}">
+        <p14:creationId xmlns:p14="http://schemas.microsoft.com/office/powerpoint/2010/main" val="3372370494"/>
+      </p:ext>
+    </p:extLst>
+  </p:cSld>
+  <p:clrMapOvr>
+    <a:masterClrMapping/>
+  </p:clrMapOvr>
+  <p:timing>
+    <p:tnLst>
+      <p:par>
+        <p:cTn id="1" dur="indefinite" restart="never" nodeType="tmRoot"/>
+      </p:par>
+    </p:tnLst>
+  </p:timing>
+</p:sld>
+</file>
+
+<file path=ppt/slides/slide27.xml><?xml version="1.0" encoding="utf-8"?>
+<p:sld xmlns:a="http://schemas.openxmlformats.org/drawingml/2006/main" xmlns:r="http://schemas.openxmlformats.org/officeDocument/2006/relationships" xmlns:p="http://schemas.openxmlformats.org/presentationml/2006/main">
+  <p:cSld>
+    <p:spTree>
+      <p:nvGrpSpPr>
+        <p:cNvPr id="1" name=""/>
+        <p:cNvGrpSpPr/>
+        <p:nvPr/>
+      </p:nvGrpSpPr>
+      <p:grpSpPr>
+        <a:xfrm>
+          <a:off x="0" y="0"/>
+          <a:ext cx="0" cy="0"/>
+          <a:chOff x="0" y="0"/>
+          <a:chExt cx="0" cy="0"/>
+        </a:xfrm>
+      </p:grpSpPr>
+      <p:sp>
+        <p:nvSpPr>
+          <p:cNvPr id="2" name="Titel 1"/>
+          <p:cNvSpPr>
+            <a:spLocks noGrp="1"/>
+          </p:cNvSpPr>
+          <p:nvPr>
+            <p:ph type="title"/>
+          </p:nvPr>
+        </p:nvSpPr>
+        <p:spPr/>
+        <p:txBody>
+          <a:bodyPr/>
+          <a:lstStyle/>
+          <a:p>
+            <a:r>
+              <a:rPr lang="de-DE" dirty="0" err="1" smtClean="0"/>
+              <a:t>Lessons</a:t>
+            </a:r>
+            <a:r>
+              <a:rPr lang="de-DE" dirty="0" smtClean="0"/>
+              <a:t> </a:t>
+            </a:r>
+            <a:r>
+              <a:rPr lang="de-DE" dirty="0" err="1" smtClean="0"/>
+              <a:t>learned</a:t>
+            </a:r>
+            <a:endParaRPr lang="de-DE" dirty="0"/>
+          </a:p>
+        </p:txBody>
+      </p:sp>
+      <p:sp>
+        <p:nvSpPr>
+          <p:cNvPr id="4" name="Inhaltsplatzhalter 2"/>
+          <p:cNvSpPr txBox="1">
+            <a:spLocks/>
+          </p:cNvSpPr>
+          <p:nvPr/>
+        </p:nvSpPr>
+        <p:spPr>
+          <a:xfrm>
+            <a:off x="457200" y="2249424"/>
+            <a:ext cx="8229600" cy="4325112"/>
+          </a:xfrm>
+          <a:prstGeom prst="rect">
+            <a:avLst/>
+          </a:prstGeom>
+        </p:spPr>
+        <p:txBody>
+          <a:bodyPr>
+            <a:normAutofit/>
+          </a:bodyPr>
+          <a:lstStyle>
+            <a:lvl1pPr marL="365760" indent="-256032" algn="l" rtl="0" eaLnBrk="1" latinLnBrk="0" hangingPunct="1">
+              <a:spcBef>
+                <a:spcPts val="300"/>
+              </a:spcBef>
+              <a:buClr>
+                <a:schemeClr val="accent3"/>
+              </a:buClr>
+              <a:buFont typeface="Georgia"/>
+              <a:buChar char="•"/>
+              <a:defRPr kumimoji="0" sz="2800" kern="1200">
+                <a:solidFill>
+                  <a:schemeClr val="tx1"/>
+                </a:solidFill>
+                <a:latin typeface="+mn-lt"/>
+                <a:ea typeface="+mn-ea"/>
+                <a:cs typeface="+mn-cs"/>
+              </a:defRPr>
+            </a:lvl1pPr>
+            <a:lvl2pPr marL="658368" indent="-246888" algn="l" rtl="0" eaLnBrk="1" latinLnBrk="0" hangingPunct="1">
+              <a:spcBef>
+                <a:spcPts val="300"/>
+              </a:spcBef>
+              <a:buClr>
+                <a:schemeClr val="accent2"/>
+              </a:buClr>
+              <a:buFont typeface="Georgia"/>
+              <a:buChar char="▫"/>
+              <a:defRPr kumimoji="0" sz="2600" kern="1200">
+                <a:solidFill>
+                  <a:schemeClr val="accent2"/>
+                </a:solidFill>
+                <a:latin typeface="+mn-lt"/>
+                <a:ea typeface="+mn-ea"/>
+                <a:cs typeface="+mn-cs"/>
+              </a:defRPr>
+            </a:lvl2pPr>
+            <a:lvl3pPr marL="923544" indent="-219456" algn="l" rtl="0" eaLnBrk="1" latinLnBrk="0" hangingPunct="1">
+              <a:spcBef>
+                <a:spcPts val="300"/>
+              </a:spcBef>
+              <a:buClr>
+                <a:schemeClr val="accent1"/>
+              </a:buClr>
+              <a:buFont typeface="Wingdings 2"/>
+              <a:buChar char=""/>
+              <a:defRPr kumimoji="0" sz="2400" kern="1200">
+                <a:solidFill>
+                  <a:schemeClr val="accent1"/>
+                </a:solidFill>
+                <a:latin typeface="+mn-lt"/>
+                <a:ea typeface="+mn-ea"/>
+                <a:cs typeface="+mn-cs"/>
+              </a:defRPr>
+            </a:lvl3pPr>
+            <a:lvl4pPr marL="1179576" indent="-201168" algn="l" rtl="0" eaLnBrk="1" latinLnBrk="0" hangingPunct="1">
+              <a:spcBef>
+                <a:spcPts val="300"/>
+              </a:spcBef>
+              <a:buClr>
+                <a:schemeClr val="accent1"/>
+              </a:buClr>
+              <a:buFont typeface="Wingdings 2"/>
+              <a:buChar char=""/>
+              <a:defRPr kumimoji="0" sz="2200" kern="1200">
+                <a:solidFill>
+                  <a:schemeClr val="accent1"/>
+                </a:solidFill>
+                <a:latin typeface="+mn-lt"/>
+                <a:ea typeface="+mn-ea"/>
+                <a:cs typeface="+mn-cs"/>
+              </a:defRPr>
+            </a:lvl4pPr>
+            <a:lvl5pPr marL="1389888" indent="-182880" algn="l" rtl="0" eaLnBrk="1" latinLnBrk="0" hangingPunct="1">
+              <a:spcBef>
+                <a:spcPts val="300"/>
+              </a:spcBef>
+              <a:buClr>
+                <a:schemeClr val="accent3"/>
+              </a:buClr>
+              <a:buFont typeface="Georgia"/>
+              <a:buChar char="▫"/>
+              <a:defRPr kumimoji="0" sz="2000" kern="1200">
+                <a:solidFill>
+                  <a:schemeClr val="accent3"/>
+                </a:solidFill>
+                <a:latin typeface="+mn-lt"/>
+                <a:ea typeface="+mn-ea"/>
+                <a:cs typeface="+mn-cs"/>
+              </a:defRPr>
+            </a:lvl5pPr>
+            <a:lvl6pPr marL="1609344" indent="-182880" algn="l" rtl="0" eaLnBrk="1" latinLnBrk="0" hangingPunct="1">
+              <a:spcBef>
+                <a:spcPts val="300"/>
+              </a:spcBef>
+              <a:buClr>
+                <a:schemeClr val="accent3"/>
+              </a:buClr>
+              <a:buFont typeface="Georgia"/>
+              <a:buChar char="▫"/>
+              <a:defRPr kumimoji="0" sz="1800" kern="1200">
+                <a:solidFill>
+                  <a:schemeClr val="accent3"/>
+                </a:solidFill>
+                <a:latin typeface="+mn-lt"/>
+                <a:ea typeface="+mn-ea"/>
+                <a:cs typeface="+mn-cs"/>
+              </a:defRPr>
+            </a:lvl6pPr>
+            <a:lvl7pPr marL="1828800" indent="-182880" algn="l" rtl="0" eaLnBrk="1" latinLnBrk="0" hangingPunct="1">
+              <a:spcBef>
+                <a:spcPts val="300"/>
+              </a:spcBef>
+              <a:buClr>
+                <a:schemeClr val="accent3"/>
+              </a:buClr>
+              <a:buFont typeface="Georgia"/>
+              <a:buChar char="▫"/>
+              <a:defRPr kumimoji="0" sz="1600" kern="1200">
+                <a:solidFill>
+                  <a:schemeClr val="accent3"/>
+                </a:solidFill>
+                <a:latin typeface="+mn-lt"/>
+                <a:ea typeface="+mn-ea"/>
+                <a:cs typeface="+mn-cs"/>
+              </a:defRPr>
+            </a:lvl7pPr>
+            <a:lvl8pPr marL="2029968" indent="-182880" algn="l" rtl="0" eaLnBrk="1" latinLnBrk="0" hangingPunct="1">
+              <a:spcBef>
+                <a:spcPts val="300"/>
+              </a:spcBef>
+              <a:buClr>
+                <a:schemeClr val="accent3"/>
+              </a:buClr>
+              <a:buFont typeface="Georgia"/>
+              <a:buChar char="◦"/>
+              <a:defRPr kumimoji="0" sz="1500" kern="1200">
+                <a:solidFill>
+                  <a:schemeClr val="accent3"/>
+                </a:solidFill>
+                <a:latin typeface="+mn-lt"/>
+                <a:ea typeface="+mn-ea"/>
+                <a:cs typeface="+mn-cs"/>
+              </a:defRPr>
+            </a:lvl8pPr>
+            <a:lvl9pPr marL="2240280" indent="-182880" algn="l" rtl="0" eaLnBrk="1" latinLnBrk="0" hangingPunct="1">
+              <a:spcBef>
+                <a:spcPts val="300"/>
+              </a:spcBef>
+              <a:buClr>
+                <a:schemeClr val="accent3"/>
+              </a:buClr>
+              <a:buFont typeface="Georgia"/>
+              <a:buChar char="◦"/>
+              <a:defRPr kumimoji="0" sz="1400" kern="1200" baseline="0">
+                <a:solidFill>
+                  <a:schemeClr val="accent3"/>
+                </a:solidFill>
+                <a:latin typeface="+mn-lt"/>
+                <a:ea typeface="+mn-ea"/>
+                <a:cs typeface="+mn-cs"/>
+              </a:defRPr>
+            </a:lvl9pPr>
+          </a:lstStyle>
+          <a:p>
+            <a:r>
+              <a:rPr lang="de-DE" dirty="0" smtClean="0"/>
               <a:t>Papierprototypen </a:t>
             </a:r>
             <a:r>
@@ -13830,7 +13532,7 @@
     </p:spTree>
     <p:extLst>
       <p:ext uri="{BB962C8B-B14F-4D97-AF65-F5344CB8AC3E}">
-        <p14:creationId xmlns:p14="http://schemas.microsoft.com/office/powerpoint/2010/main" xmlns="" val="3771086656"/>
+        <p14:creationId xmlns:p14="http://schemas.microsoft.com/office/powerpoint/2010/main" val="3771086656"/>
       </p:ext>
     </p:extLst>
   </p:cSld>
@@ -14152,7 +13854,7 @@
     </p:spTree>
     <p:extLst>
       <p:ext uri="{BB962C8B-B14F-4D97-AF65-F5344CB8AC3E}">
-        <p14:creationId xmlns:p14="http://schemas.microsoft.com/office/powerpoint/2010/main" xmlns="" val="3709997242"/>
+        <p14:creationId xmlns:p14="http://schemas.microsoft.com/office/powerpoint/2010/main" val="3709997242"/>
       </p:ext>
     </p:extLst>
   </p:cSld>
@@ -14466,7 +14168,7 @@
     </p:spTree>
     <p:extLst>
       <p:ext uri="{BB962C8B-B14F-4D97-AF65-F5344CB8AC3E}">
-        <p14:creationId xmlns:p14="http://schemas.microsoft.com/office/powerpoint/2010/main" xmlns="" val="813066869"/>
+        <p14:creationId xmlns:p14="http://schemas.microsoft.com/office/powerpoint/2010/main" val="813066869"/>
       </p:ext>
     </p:extLst>
   </p:cSld>
@@ -14551,7 +14253,11 @@
           <a:p>
             <a:r>
               <a:rPr lang="de-DE" dirty="0" smtClean="0"/>
-              <a:t>Dokumentieren Arbeitsaufgaben je Kalenderwoche</a:t>
+              <a:t>Dokumentation der Anzahl der erledigten </a:t>
+            </a:r>
+            <a:r>
+              <a:rPr lang="de-DE" dirty="0" smtClean="0"/>
+              <a:t>Arbeitsaufgaben je Kalenderwoche</a:t>
             </a:r>
           </a:p>
           <a:p>
@@ -14560,7 +14266,11 @@
           <a:p>
             <a:r>
               <a:rPr lang="de-DE" dirty="0" smtClean="0"/>
-              <a:t>Statistiken über bearbeitete Aufträge je nach Bereich bzw. Arbeitsgruppe</a:t>
+              <a:t>Statistiken je </a:t>
+            </a:r>
+            <a:r>
+              <a:rPr lang="de-DE" dirty="0" smtClean="0"/>
+              <a:t>nach Bereich bzw. Arbeitsgruppe</a:t>
             </a:r>
             <a:endParaRPr lang="de-DE" dirty="0"/>
           </a:p>
@@ -14569,7 +14279,7 @@
     </p:spTree>
     <p:extLst>
       <p:ext uri="{BB962C8B-B14F-4D97-AF65-F5344CB8AC3E}">
-        <p14:creationId xmlns:p14="http://schemas.microsoft.com/office/powerpoint/2010/main" xmlns="" val="2231903888"/>
+        <p14:creationId xmlns:p14="http://schemas.microsoft.com/office/powerpoint/2010/main" val="2231903888"/>
       </p:ext>
     </p:extLst>
   </p:cSld>
@@ -14882,7 +14592,7 @@
     </p:spTree>
     <p:extLst>
       <p:ext uri="{BB962C8B-B14F-4D97-AF65-F5344CB8AC3E}">
-        <p14:creationId xmlns:p14="http://schemas.microsoft.com/office/powerpoint/2010/main" xmlns="" val="215732145"/>
+        <p14:creationId xmlns:p14="http://schemas.microsoft.com/office/powerpoint/2010/main" val="215732145"/>
       </p:ext>
     </p:extLst>
   </p:cSld>
@@ -14950,7 +14660,7 @@
     </p:spTree>
     <p:extLst>
       <p:ext uri="{BB962C8B-B14F-4D97-AF65-F5344CB8AC3E}">
-        <p14:creationId xmlns:p14="http://schemas.microsoft.com/office/powerpoint/2010/main" xmlns="" val="3080953501"/>
+        <p14:creationId xmlns:p14="http://schemas.microsoft.com/office/powerpoint/2010/main" val="3080953501"/>
       </p:ext>
     </p:extLst>
   </p:cSld>
@@ -15000,8 +14710,12 @@
           <a:lstStyle/>
           <a:p>
             <a:r>
+              <a:rPr lang="de-DE" dirty="0" err="1" smtClean="0"/>
+              <a:t>Use</a:t>
+            </a:r>
+            <a:r>
               <a:rPr lang="de-DE" dirty="0" smtClean="0"/>
-              <a:t>BACKUP</a:t>
+              <a:t> Case Beschreibungen</a:t>
             </a:r>
             <a:endParaRPr lang="de-DE" dirty="0"/>
           </a:p>
@@ -15010,7 +14724,7 @@
     </p:spTree>
     <p:extLst>
       <p:ext uri="{BB962C8B-B14F-4D97-AF65-F5344CB8AC3E}">
-        <p14:creationId xmlns:p14="http://schemas.microsoft.com/office/powerpoint/2010/main" xmlns="" val="1555926251"/>
+        <p14:creationId xmlns:p14="http://schemas.microsoft.com/office/powerpoint/2010/main" val="1555926251"/>
       </p:ext>
     </p:extLst>
   </p:cSld>
@@ -15099,7 +14813,7 @@
     </p:spTree>
     <p:extLst>
       <p:ext uri="{BB962C8B-B14F-4D97-AF65-F5344CB8AC3E}">
-        <p14:creationId xmlns:p14="http://schemas.microsoft.com/office/powerpoint/2010/main" xmlns="" val="511365991"/>
+        <p14:creationId xmlns:p14="http://schemas.microsoft.com/office/powerpoint/2010/main" val="511365991"/>
       </p:ext>
     </p:extLst>
   </p:cSld>
@@ -15195,7 +14909,7 @@
     </p:spTree>
     <p:extLst>
       <p:ext uri="{BB962C8B-B14F-4D97-AF65-F5344CB8AC3E}">
-        <p14:creationId xmlns:p14="http://schemas.microsoft.com/office/powerpoint/2010/main" xmlns="" val="2367586276"/>
+        <p14:creationId xmlns:p14="http://schemas.microsoft.com/office/powerpoint/2010/main" val="2367586276"/>
       </p:ext>
     </p:extLst>
   </p:cSld>
@@ -15279,7 +14993,7 @@
     </p:spTree>
     <p:extLst>
       <p:ext uri="{BB962C8B-B14F-4D97-AF65-F5344CB8AC3E}">
-        <p14:creationId xmlns:p14="http://schemas.microsoft.com/office/powerpoint/2010/main" xmlns="" val="167482871"/>
+        <p14:creationId xmlns:p14="http://schemas.microsoft.com/office/powerpoint/2010/main" val="167482871"/>
       </p:ext>
     </p:extLst>
   </p:cSld>
@@ -15368,7 +15082,7 @@
     </p:spTree>
     <p:extLst>
       <p:ext uri="{BB962C8B-B14F-4D97-AF65-F5344CB8AC3E}">
-        <p14:creationId xmlns:p14="http://schemas.microsoft.com/office/powerpoint/2010/main" xmlns="" val="432645280"/>
+        <p14:creationId xmlns:p14="http://schemas.microsoft.com/office/powerpoint/2010/main" val="432645280"/>
       </p:ext>
     </p:extLst>
   </p:cSld>
@@ -15463,7 +15177,7 @@
     </p:spTree>
     <p:extLst>
       <p:ext uri="{BB962C8B-B14F-4D97-AF65-F5344CB8AC3E}">
-        <p14:creationId xmlns:p14="http://schemas.microsoft.com/office/powerpoint/2010/main" xmlns="" val="2011369229"/>
+        <p14:creationId xmlns:p14="http://schemas.microsoft.com/office/powerpoint/2010/main" val="2011369229"/>
       </p:ext>
     </p:extLst>
   </p:cSld>
@@ -15575,7 +15289,7 @@
     </p:spTree>
     <p:extLst>
       <p:ext uri="{BB962C8B-B14F-4D97-AF65-F5344CB8AC3E}">
-        <p14:creationId xmlns:p14="http://schemas.microsoft.com/office/powerpoint/2010/main" xmlns="" val="241156330"/>
+        <p14:creationId xmlns:p14="http://schemas.microsoft.com/office/powerpoint/2010/main" val="241156330"/>
       </p:ext>
     </p:extLst>
   </p:cSld>
@@ -15696,7 +15410,7 @@
     </p:spTree>
     <p:extLst>
       <p:ext uri="{BB962C8B-B14F-4D97-AF65-F5344CB8AC3E}">
-        <p14:creationId xmlns:p14="http://schemas.microsoft.com/office/powerpoint/2010/main" xmlns="" val="1739418431"/>
+        <p14:creationId xmlns:p14="http://schemas.microsoft.com/office/powerpoint/2010/main" val="1739418431"/>
       </p:ext>
     </p:extLst>
   </p:cSld>
@@ -16098,7 +15812,7 @@
     </p:spTree>
     <p:extLst>
       <p:ext uri="{BB962C8B-B14F-4D97-AF65-F5344CB8AC3E}">
-        <p14:creationId xmlns:p14="http://schemas.microsoft.com/office/powerpoint/2010/main" xmlns="" val="2473085626"/>
+        <p14:creationId xmlns:p14="http://schemas.microsoft.com/office/powerpoint/2010/main" val="2473085626"/>
       </p:ext>
     </p:extLst>
   </p:cSld>
@@ -16188,7 +15902,7 @@
     </p:spTree>
     <p:extLst>
       <p:ext uri="{BB962C8B-B14F-4D97-AF65-F5344CB8AC3E}">
-        <p14:creationId xmlns:p14="http://schemas.microsoft.com/office/powerpoint/2010/main" xmlns="" val="2615168494"/>
+        <p14:creationId xmlns:p14="http://schemas.microsoft.com/office/powerpoint/2010/main" val="2615168494"/>
       </p:ext>
     </p:extLst>
   </p:cSld>
@@ -16289,7 +16003,7 @@
     </p:spTree>
     <p:extLst>
       <p:ext uri="{BB962C8B-B14F-4D97-AF65-F5344CB8AC3E}">
-        <p14:creationId xmlns:p14="http://schemas.microsoft.com/office/powerpoint/2010/main" xmlns="" val="42813484"/>
+        <p14:creationId xmlns:p14="http://schemas.microsoft.com/office/powerpoint/2010/main" val="42813484"/>
       </p:ext>
     </p:extLst>
   </p:cSld>
@@ -16392,7 +16106,7 @@
     </p:spTree>
     <p:extLst>
       <p:ext uri="{BB962C8B-B14F-4D97-AF65-F5344CB8AC3E}">
-        <p14:creationId xmlns:p14="http://schemas.microsoft.com/office/powerpoint/2010/main" xmlns="" val="243874718"/>
+        <p14:creationId xmlns:p14="http://schemas.microsoft.com/office/powerpoint/2010/main" val="243874718"/>
       </p:ext>
     </p:extLst>
   </p:cSld>
@@ -16524,7 +16238,7 @@
     </p:spTree>
     <p:extLst>
       <p:ext uri="{BB962C8B-B14F-4D97-AF65-F5344CB8AC3E}">
-        <p14:creationId xmlns:p14="http://schemas.microsoft.com/office/powerpoint/2010/main" xmlns="" val="600913733"/>
+        <p14:creationId xmlns:p14="http://schemas.microsoft.com/office/powerpoint/2010/main" val="600913733"/>
       </p:ext>
     </p:extLst>
   </p:cSld>
@@ -16640,7 +16354,7 @@
     </p:spTree>
     <p:extLst>
       <p:ext uri="{BB962C8B-B14F-4D97-AF65-F5344CB8AC3E}">
-        <p14:creationId xmlns:p14="http://schemas.microsoft.com/office/powerpoint/2010/main" xmlns="" val="3395818784"/>
+        <p14:creationId xmlns:p14="http://schemas.microsoft.com/office/powerpoint/2010/main" val="3395818784"/>
       </p:ext>
     </p:extLst>
   </p:cSld>
@@ -16743,7 +16457,7 @@
     </p:spTree>
     <p:extLst>
       <p:ext uri="{BB962C8B-B14F-4D97-AF65-F5344CB8AC3E}">
-        <p14:creationId xmlns:p14="http://schemas.microsoft.com/office/powerpoint/2010/main" xmlns="" val="1313710794"/>
+        <p14:creationId xmlns:p14="http://schemas.microsoft.com/office/powerpoint/2010/main" val="1313710794"/>
       </p:ext>
     </p:extLst>
   </p:cSld>
@@ -16840,7 +16554,7 @@
     </p:spTree>
     <p:extLst>
       <p:ext uri="{BB962C8B-B14F-4D97-AF65-F5344CB8AC3E}">
-        <p14:creationId xmlns:p14="http://schemas.microsoft.com/office/powerpoint/2010/main" xmlns="" val="2204375755"/>
+        <p14:creationId xmlns:p14="http://schemas.microsoft.com/office/powerpoint/2010/main" val="2204375755"/>
       </p:ext>
     </p:extLst>
   </p:cSld>
@@ -16949,7 +16663,7 @@
     </p:spTree>
     <p:extLst>
       <p:ext uri="{BB962C8B-B14F-4D97-AF65-F5344CB8AC3E}">
-        <p14:creationId xmlns:p14="http://schemas.microsoft.com/office/powerpoint/2010/main" xmlns="" val="2726382500"/>
+        <p14:creationId xmlns:p14="http://schemas.microsoft.com/office/powerpoint/2010/main" val="2726382500"/>
       </p:ext>
     </p:extLst>
   </p:cSld>
@@ -17013,7 +16727,7 @@
           <p:nvPr>
             <p:extLst>
               <p:ext uri="{D42A27DB-BD31-4B8C-83A1-F6EECF244321}">
-                <p14:modId xmlns:p14="http://schemas.microsoft.com/office/powerpoint/2010/main" xmlns="" val="3621902295"/>
+                <p14:modId xmlns:p14="http://schemas.microsoft.com/office/powerpoint/2010/main" val="1881831684"/>
               </p:ext>
             </p:extLst>
           </p:nvPr>
@@ -17031,7 +16745,7 @@
     </p:spTree>
     <p:extLst>
       <p:ext uri="{BB962C8B-B14F-4D97-AF65-F5344CB8AC3E}">
-        <p14:creationId xmlns:p14="http://schemas.microsoft.com/office/powerpoint/2010/main" xmlns="" val="4174946828"/>
+        <p14:creationId xmlns:p14="http://schemas.microsoft.com/office/powerpoint/2010/main" val="4174946828"/>
       </p:ext>
     </p:extLst>
   </p:cSld>
@@ -17113,7 +16827,7 @@
           <a:blip r:embed="rId3" cstate="print">
             <a:extLst>
               <a:ext uri="{28A0092B-C50C-407E-A947-70E740481C1C}">
-                <a14:useLocalDpi xmlns:a14="http://schemas.microsoft.com/office/drawing/2010/main" xmlns="" val="0"/>
+                <a14:useLocalDpi xmlns:a14="http://schemas.microsoft.com/office/drawing/2010/main" val="0"/>
               </a:ext>
             </a:extLst>
           </a:blip>
@@ -17136,14 +16850,14 @@
           </a:ln>
           <a:extLst>
             <a:ext uri="{909E8E84-426E-40DD-AFC4-6F175D3DCCD1}">
-              <a14:hiddenFill xmlns:a14="http://schemas.microsoft.com/office/drawing/2010/main" xmlns="">
+              <a14:hiddenFill xmlns:a14="http://schemas.microsoft.com/office/drawing/2010/main">
                 <a:solidFill>
                   <a:schemeClr val="accent1"/>
                 </a:solidFill>
               </a14:hiddenFill>
             </a:ext>
             <a:ext uri="{91240B29-F687-4F45-9708-019B960494DF}">
-              <a14:hiddenLine xmlns:a14="http://schemas.microsoft.com/office/drawing/2010/main" xmlns="" w="9525">
+              <a14:hiddenLine xmlns:a14="http://schemas.microsoft.com/office/drawing/2010/main" w="9525">
                 <a:solidFill>
                   <a:schemeClr val="tx1"/>
                 </a:solidFill>
@@ -17158,7 +16872,7 @@
     </p:spTree>
     <p:extLst>
       <p:ext uri="{BB962C8B-B14F-4D97-AF65-F5344CB8AC3E}">
-        <p14:creationId xmlns:p14="http://schemas.microsoft.com/office/powerpoint/2010/main" xmlns="" val="1176199176"/>
+        <p14:creationId xmlns:p14="http://schemas.microsoft.com/office/powerpoint/2010/main" val="1176199176"/>
       </p:ext>
     </p:extLst>
   </p:cSld>
@@ -17204,7 +16918,7 @@
           <a:blip r:embed="rId3" cstate="print">
             <a:extLst>
               <a:ext uri="{28A0092B-C50C-407E-A947-70E740481C1C}">
-                <a14:useLocalDpi xmlns:a14="http://schemas.microsoft.com/office/drawing/2010/main" xmlns="" val="0"/>
+                <a14:useLocalDpi xmlns:a14="http://schemas.microsoft.com/office/drawing/2010/main" val="0"/>
               </a:ext>
             </a:extLst>
           </a:blip>
@@ -17295,7 +17009,7 @@
           <a:blip r:embed="rId4" cstate="print">
             <a:extLst>
               <a:ext uri="{28A0092B-C50C-407E-A947-70E740481C1C}">
-                <a14:useLocalDpi xmlns:a14="http://schemas.microsoft.com/office/drawing/2010/main" xmlns="" val="0"/>
+                <a14:useLocalDpi xmlns:a14="http://schemas.microsoft.com/office/drawing/2010/main" val="0"/>
               </a:ext>
             </a:extLst>
           </a:blip>
@@ -17325,7 +17039,7 @@
           <a:blip r:embed="rId5" cstate="print">
             <a:extLst>
               <a:ext uri="{28A0092B-C50C-407E-A947-70E740481C1C}">
-                <a14:useLocalDpi xmlns:a14="http://schemas.microsoft.com/office/drawing/2010/main" xmlns="" val="0"/>
+                <a14:useLocalDpi xmlns:a14="http://schemas.microsoft.com/office/drawing/2010/main" val="0"/>
               </a:ext>
             </a:extLst>
           </a:blip>
@@ -17431,7 +17145,7 @@
           <a:blip r:embed="rId6" cstate="print">
             <a:extLst>
               <a:ext uri="{28A0092B-C50C-407E-A947-70E740481C1C}">
-                <a14:useLocalDpi xmlns:a14="http://schemas.microsoft.com/office/drawing/2010/main" xmlns="" val="0"/>
+                <a14:useLocalDpi xmlns:a14="http://schemas.microsoft.com/office/drawing/2010/main" val="0"/>
               </a:ext>
             </a:extLst>
           </a:blip>
@@ -17579,7 +17293,7 @@
     </p:spTree>
     <p:extLst>
       <p:ext uri="{BB962C8B-B14F-4D97-AF65-F5344CB8AC3E}">
-        <p14:creationId xmlns:p14="http://schemas.microsoft.com/office/powerpoint/2010/main" xmlns="" val="2896085358"/>
+        <p14:creationId xmlns:p14="http://schemas.microsoft.com/office/powerpoint/2010/main" val="2896085358"/>
       </p:ext>
     </p:extLst>
   </p:cSld>
@@ -17917,7 +17631,7 @@
     </p:spTree>
     <p:extLst>
       <p:ext uri="{BB962C8B-B14F-4D97-AF65-F5344CB8AC3E}">
-        <p14:creationId xmlns:p14="http://schemas.microsoft.com/office/powerpoint/2010/main" xmlns="" val="2247188198"/>
+        <p14:creationId xmlns:p14="http://schemas.microsoft.com/office/powerpoint/2010/main" val="2247188198"/>
       </p:ext>
     </p:extLst>
   </p:cSld>
@@ -18415,7 +18129,7 @@
     </p:spTree>
     <p:extLst>
       <p:ext uri="{BB962C8B-B14F-4D97-AF65-F5344CB8AC3E}">
-        <p14:creationId xmlns:p14="http://schemas.microsoft.com/office/powerpoint/2010/main" xmlns="" val="3149715247"/>
+        <p14:creationId xmlns:p14="http://schemas.microsoft.com/office/powerpoint/2010/main" val="3149715247"/>
       </p:ext>
     </p:extLst>
   </p:cSld>

--- a/Projektmanagement/Abschlusspräsentation.pptx
+++ b/Projektmanagement/Abschlusspräsentation.pptx
@@ -20,9 +20,9 @@
     <p:sldId id="280" r:id="rId8"/>
     <p:sldId id="279" r:id="rId9"/>
     <p:sldId id="283" r:id="rId10"/>
-    <p:sldId id="284" r:id="rId11"/>
-    <p:sldId id="285" r:id="rId12"/>
-    <p:sldId id="286" r:id="rId13"/>
+    <p:sldId id="285" r:id="rId11"/>
+    <p:sldId id="286" r:id="rId12"/>
+    <p:sldId id="310" r:id="rId13"/>
     <p:sldId id="290" r:id="rId14"/>
     <p:sldId id="295" r:id="rId15"/>
     <p:sldId id="298" r:id="rId16"/>
@@ -158,7 +158,7 @@
   </p:defaultTextStyle>
   <p:extLst>
     <p:ext uri="{EFAFB233-063F-42B5-8137-9DF3F51BA10A}">
-      <p15:sldGuideLst xmlns="" xmlns:p15="http://schemas.microsoft.com/office/powerpoint/2012/main">
+      <p15:sldGuideLst xmlns:p15="http://schemas.microsoft.com/office/powerpoint/2012/main" xmlns="">
         <p15:guide id="1" orient="horz" pos="2160">
           <p15:clr>
             <a:srgbClr val="A4A3A4"/>
@@ -172,7 +172,7 @@
       </p15:sldGuideLst>
     </p:ext>
     <p:ext uri="{2D200454-40CA-4A62-9FC3-DE9A4176ACB9}">
-      <p15:notesGuideLst xmlns="" xmlns:p15="http://schemas.microsoft.com/office/powerpoint/2012/main">
+      <p15:notesGuideLst xmlns:p15="http://schemas.microsoft.com/office/powerpoint/2012/main" xmlns="">
         <p15:guide id="1" orient="horz" pos="2880">
           <p15:clr>
             <a:srgbClr val="A4A3A4"/>
@@ -1931,51 +1931,51 @@
     </dgm:pt>
   </dgm:ptLst>
   <dgm:cxnLst>
+    <dgm:cxn modelId="{C75F7C68-8484-4A91-B6A3-583D73E6BC93}" type="presOf" srcId="{124AB731-44F7-42FC-A2C7-6A103755875A}" destId="{BA4718A9-DFD2-471C-969C-97F876ADC320}" srcOrd="0" destOrd="4" presId="urn:microsoft.com/office/officeart/2005/8/layout/hProcess9"/>
+    <dgm:cxn modelId="{742F0ED1-DC5E-4FDC-BC68-EC649BA19C45}" srcId="{B4BBFA07-05DD-4CDD-AC39-6342607DC2A1}" destId="{10E407B9-5FCC-4D3A-94D2-6AB25397AEC7}" srcOrd="0" destOrd="0" parTransId="{0560221A-0D57-438B-900A-B03E24CCA932}" sibTransId="{40E49337-7DC0-4E0E-B2C1-5C40A2AD0A26}"/>
+    <dgm:cxn modelId="{63AA4ECF-F510-4F05-A169-468A7E8A96E5}" type="presOf" srcId="{6043B0A8-44FC-4706-B37A-7F342ABD7CAE}" destId="{F3C847B4-E9D1-403C-BF56-3BADCB1909DC}" srcOrd="0" destOrd="0" presId="urn:microsoft.com/office/officeart/2005/8/layout/hProcess9"/>
+    <dgm:cxn modelId="{24BACCAC-AE3B-4A99-B678-9387F463D2EF}" srcId="{6043B0A8-44FC-4706-B37A-7F342ABD7CAE}" destId="{60FFB2DA-71E2-4B60-8F03-B97F02814FE8}" srcOrd="1" destOrd="0" parTransId="{F5495816-0C9E-4B5B-A238-F565E58D7803}" sibTransId="{D06C6867-E1BA-43A9-A6CE-AE88C2CD94FD}"/>
+    <dgm:cxn modelId="{3F65C4C7-8DE4-4F28-82C5-0662EBCF8C0E}" srcId="{DBD17336-B141-494E-A31C-6EA653EE637A}" destId="{FCE05639-9A34-421D-9FD3-79EEF57498D8}" srcOrd="0" destOrd="0" parTransId="{F3903BDF-F0ED-4A06-8C1B-A96D8DDD8DDC}" sibTransId="{4F6AA9F8-0B5F-499B-AE30-3D935C570E4E}"/>
+    <dgm:cxn modelId="{9E16A8B2-B87E-4EC6-8F80-A092713ABD93}" type="presOf" srcId="{64A53441-CA35-4183-98A4-98146221F8AE}" destId="{F3C847B4-E9D1-403C-BF56-3BADCB1909DC}" srcOrd="0" destOrd="3" presId="urn:microsoft.com/office/officeart/2005/8/layout/hProcess9"/>
+    <dgm:cxn modelId="{E98B806D-7427-40E5-9217-58A7BBA4F702}" type="presOf" srcId="{BFAD5C6C-3CCC-47DA-B82A-97A0E60E41A5}" destId="{8C0195AE-96DF-44DB-8CA5-EA3E73389D9C}" srcOrd="0" destOrd="2" presId="urn:microsoft.com/office/officeart/2005/8/layout/hProcess9"/>
+    <dgm:cxn modelId="{D4AF4160-DDE6-4565-8479-2BC7137E4EDA}" type="presOf" srcId="{8693C395-BAA7-449A-ACDD-FFFEEE0DC862}" destId="{20382240-D5AC-4B89-8E53-73A8B41769F1}" srcOrd="0" destOrd="2" presId="urn:microsoft.com/office/officeart/2005/8/layout/hProcess9"/>
+    <dgm:cxn modelId="{1CE0B2E1-B57A-47FF-B7CD-0A610852C41C}" type="presOf" srcId="{60FFB2DA-71E2-4B60-8F03-B97F02814FE8}" destId="{F3C847B4-E9D1-403C-BF56-3BADCB1909DC}" srcOrd="0" destOrd="2" presId="urn:microsoft.com/office/officeart/2005/8/layout/hProcess9"/>
+    <dgm:cxn modelId="{60C1C020-F1A3-4D32-B6BC-9893F6A3628C}" type="presOf" srcId="{360394FA-829F-403E-9AF0-5F6CF96DFD1E}" destId="{8C0195AE-96DF-44DB-8CA5-EA3E73389D9C}" srcOrd="0" destOrd="4" presId="urn:microsoft.com/office/officeart/2005/8/layout/hProcess9"/>
+    <dgm:cxn modelId="{08E746BB-D95F-4886-82E3-5ED9A83CD38E}" type="presOf" srcId="{FCE05639-9A34-421D-9FD3-79EEF57498D8}" destId="{62F66354-603A-41C3-B161-16A4A9E45F44}" srcOrd="0" destOrd="1" presId="urn:microsoft.com/office/officeart/2005/8/layout/hProcess9"/>
+    <dgm:cxn modelId="{DB1CAB31-0E81-4807-9A4F-8B2AC71839A2}" type="presOf" srcId="{1D2BD1DA-3657-4A8C-9785-D7282AB16A84}" destId="{F3C847B4-E9D1-403C-BF56-3BADCB1909DC}" srcOrd="0" destOrd="4" presId="urn:microsoft.com/office/officeart/2005/8/layout/hProcess9"/>
+    <dgm:cxn modelId="{B317833C-6656-437C-8CFB-9E1078BA4F7B}" srcId="{B4BBFA07-05DD-4CDD-AC39-6342607DC2A1}" destId="{BFAD5C6C-3CCC-47DA-B82A-97A0E60E41A5}" srcOrd="1" destOrd="0" parTransId="{2AC788DB-883E-4B3F-8E32-FB8F2C3C80B9}" sibTransId="{0A4F5D0E-4864-4480-8E69-940E5490226B}"/>
+    <dgm:cxn modelId="{F1608424-95E6-4187-9F50-C1AB10DFF465}" srcId="{42A7AF39-9F16-4BE0-9691-F2A4EAA889D5}" destId="{6043B0A8-44FC-4706-B37A-7F342ABD7CAE}" srcOrd="2" destOrd="0" parTransId="{D8109DA1-2E16-4DF6-A989-9DA006F96235}" sibTransId="{3B27F8F0-46DD-48CE-89ED-BD65A552898B}"/>
+    <dgm:cxn modelId="{B848308C-6711-4ECC-A275-3BD95A47C3D1}" type="presOf" srcId="{3F8391EC-2E89-41BC-979F-48D4E21A811C}" destId="{BA4718A9-DFD2-471C-969C-97F876ADC320}" srcOrd="0" destOrd="3" presId="urn:microsoft.com/office/officeart/2005/8/layout/hProcess9"/>
+    <dgm:cxn modelId="{8130EFA1-7C19-4707-918B-EBD61B992DC1}" srcId="{182E85C3-C0C1-4055-B42E-08657C1D36EB}" destId="{2739C324-A41E-4970-8A01-796A2C795ACC}" srcOrd="0" destOrd="0" parTransId="{34EABE2C-343C-4A99-94EF-992C7B2864FB}" sibTransId="{E3CAAA70-690B-43D6-AD4A-610350C2031C}"/>
+    <dgm:cxn modelId="{5647984F-2F20-4C53-AFA6-A50F0B2D982A}" srcId="{42A7AF39-9F16-4BE0-9691-F2A4EAA889D5}" destId="{5245D8E1-9FDE-4633-85B7-BE42CD6AA787}" srcOrd="4" destOrd="0" parTransId="{55F15053-25F4-4161-BCA1-92DDB4FB32E9}" sibTransId="{B0D58DB8-A061-4E28-A244-8F898564CBF4}"/>
     <dgm:cxn modelId="{165AFAEA-5E3C-4D2F-B24C-8AB5DB51E1D8}" srcId="{DBD17336-B141-494E-A31C-6EA653EE637A}" destId="{8852547F-3DE1-4303-BABC-35751A1FFAA4}" srcOrd="1" destOrd="0" parTransId="{E3280EF4-38C9-4B21-B7E2-305ED52D9188}" sibTransId="{7EF36CEC-CFA4-4D2A-9ADF-9A92FE46FB8F}"/>
-    <dgm:cxn modelId="{F1608424-95E6-4187-9F50-C1AB10DFF465}" srcId="{42A7AF39-9F16-4BE0-9691-F2A4EAA889D5}" destId="{6043B0A8-44FC-4706-B37A-7F342ABD7CAE}" srcOrd="2" destOrd="0" parTransId="{D8109DA1-2E16-4DF6-A989-9DA006F96235}" sibTransId="{3B27F8F0-46DD-48CE-89ED-BD65A552898B}"/>
-    <dgm:cxn modelId="{5647984F-2F20-4C53-AFA6-A50F0B2D982A}" srcId="{42A7AF39-9F16-4BE0-9691-F2A4EAA889D5}" destId="{5245D8E1-9FDE-4633-85B7-BE42CD6AA787}" srcOrd="4" destOrd="0" parTransId="{55F15053-25F4-4161-BCA1-92DDB4FB32E9}" sibTransId="{B0D58DB8-A061-4E28-A244-8F898564CBF4}"/>
+    <dgm:cxn modelId="{9423DADA-472C-41D9-88AD-46BB03D27D4E}" srcId="{6043B0A8-44FC-4706-B37A-7F342ABD7CAE}" destId="{ABD30D39-23EC-4FCC-9B13-57D32A82A546}" srcOrd="0" destOrd="0" parTransId="{C5A94903-DF8D-4907-A3E8-951CE956DA5D}" sibTransId="{3EF7BC8F-673B-4ADA-9436-138C06DF52D8}"/>
+    <dgm:cxn modelId="{3A080199-5708-4D95-BDC6-677CE1E53018}" srcId="{B4BBFA07-05DD-4CDD-AC39-6342607DC2A1}" destId="{360394FA-829F-403E-9AF0-5F6CF96DFD1E}" srcOrd="3" destOrd="0" parTransId="{A75ACD84-8BFD-4E17-B22A-BCE08E0C1060}" sibTransId="{47CD002A-17EB-41C8-A521-C511E59926EB}"/>
+    <dgm:cxn modelId="{DECDAAFB-95F9-4E08-902E-357CAE6BE867}" srcId="{42A7AF39-9F16-4BE0-9691-F2A4EAA889D5}" destId="{182E85C3-C0C1-4055-B42E-08657C1D36EB}" srcOrd="1" destOrd="0" parTransId="{0A1F7A6C-A332-4BAC-A0D1-C846CF97F4EC}" sibTransId="{53EC14C8-D3F0-4F81-A9BC-0E03B0043A69}"/>
+    <dgm:cxn modelId="{2198E06B-EBEE-42F2-BF31-52AD13E73BC6}" srcId="{42A7AF39-9F16-4BE0-9691-F2A4EAA889D5}" destId="{DBD17336-B141-494E-A31C-6EA653EE637A}" srcOrd="3" destOrd="0" parTransId="{09A6F55D-0974-44D2-B12D-48E16F3D0029}" sibTransId="{A6141C16-1C65-42F9-8DF0-A27738FE79EE}"/>
+    <dgm:cxn modelId="{58ECD606-DF49-456C-92CC-3FC995338DA5}" srcId="{182E85C3-C0C1-4055-B42E-08657C1D36EB}" destId="{1E975C45-1647-472C-8812-EFF81A215801}" srcOrd="4" destOrd="0" parTransId="{11DCAC3E-4C2C-4945-B245-E7C69099CB34}" sibTransId="{50A0534A-8921-429F-AEBF-0E0D60438255}"/>
+    <dgm:cxn modelId="{EFB2B553-798E-499E-868E-5A323D49D87B}" type="presOf" srcId="{8852547F-3DE1-4303-BABC-35751A1FFAA4}" destId="{62F66354-603A-41C3-B161-16A4A9E45F44}" srcOrd="0" destOrd="2" presId="urn:microsoft.com/office/officeart/2005/8/layout/hProcess9"/>
+    <dgm:cxn modelId="{238D6892-0E24-4060-A415-A69BB6AA037E}" type="presOf" srcId="{27323C3F-7D4E-44F5-9FA3-413CFCD7B174}" destId="{8C0195AE-96DF-44DB-8CA5-EA3E73389D9C}" srcOrd="0" destOrd="3" presId="urn:microsoft.com/office/officeart/2005/8/layout/hProcess9"/>
+    <dgm:cxn modelId="{20EFF80B-8D1F-44F0-A98A-47DA2A47CC91}" type="presOf" srcId="{B4BBFA07-05DD-4CDD-AC39-6342607DC2A1}" destId="{8C0195AE-96DF-44DB-8CA5-EA3E73389D9C}" srcOrd="0" destOrd="0" presId="urn:microsoft.com/office/officeart/2005/8/layout/hProcess9"/>
+    <dgm:cxn modelId="{4AA9AB66-BA44-475B-A8A8-30AD54C4CD1A}" srcId="{6043B0A8-44FC-4706-B37A-7F342ABD7CAE}" destId="{1D2BD1DA-3657-4A8C-9785-D7282AB16A84}" srcOrd="3" destOrd="0" parTransId="{13AD18B7-6C9D-4DA5-8CF7-426D68467982}" sibTransId="{5FB73046-B1E2-46DC-A2CC-49B3DBF79A17}"/>
     <dgm:cxn modelId="{E2E8D555-E2A1-4B5C-B90D-F16299503649}" srcId="{182E85C3-C0C1-4055-B42E-08657C1D36EB}" destId="{DDBD9E0E-2857-478B-9BFD-EB049F36A6F4}" srcOrd="1" destOrd="0" parTransId="{64FDB413-C3BC-4DF0-942B-0162F878BA5B}" sibTransId="{79BD68F6-F4B8-49E3-96CA-A2D68A915F02}"/>
     <dgm:cxn modelId="{21C40A1C-D218-4855-8389-19E2BFED7B78}" type="presOf" srcId="{ABD30D39-23EC-4FCC-9B13-57D32A82A546}" destId="{F3C847B4-E9D1-403C-BF56-3BADCB1909DC}" srcOrd="0" destOrd="1" presId="urn:microsoft.com/office/officeart/2005/8/layout/hProcess9"/>
-    <dgm:cxn modelId="{742F0ED1-DC5E-4FDC-BC68-EC649BA19C45}" srcId="{B4BBFA07-05DD-4CDD-AC39-6342607DC2A1}" destId="{10E407B9-5FCC-4D3A-94D2-6AB25397AEC7}" srcOrd="0" destOrd="0" parTransId="{0560221A-0D57-438B-900A-B03E24CCA932}" sibTransId="{40E49337-7DC0-4E0E-B2C1-5C40A2AD0A26}"/>
+    <dgm:cxn modelId="{549CF814-C607-4921-A024-5CFAC5637540}" srcId="{5245D8E1-9FDE-4633-85B7-BE42CD6AA787}" destId="{AD34B4C5-1A81-4AC6-A5F9-35CC4DC5D843}" srcOrd="0" destOrd="0" parTransId="{FD6F77B6-DA9F-491F-B649-F16E90DA55B0}" sibTransId="{8B95582E-B691-45DD-8D9C-114E0B7A4E01}"/>
+    <dgm:cxn modelId="{5DFF5E92-6524-4E83-9A7E-3FD2AE1E0B19}" srcId="{42A7AF39-9F16-4BE0-9691-F2A4EAA889D5}" destId="{B4BBFA07-05DD-4CDD-AC39-6342607DC2A1}" srcOrd="0" destOrd="0" parTransId="{4C9357AE-0A8A-4E31-8803-F14E79C0DCAE}" sibTransId="{B652451A-AD6D-4DFA-B925-9D21BB71A0C7}"/>
+    <dgm:cxn modelId="{F99FE896-AED4-426E-B77C-0AB5248E0CCE}" srcId="{6043B0A8-44FC-4706-B37A-7F342ABD7CAE}" destId="{64A53441-CA35-4183-98A4-98146221F8AE}" srcOrd="2" destOrd="0" parTransId="{34A59247-41BB-4387-901C-F4B4BA0ABC20}" sibTransId="{0C284384-0EF7-4A62-BF30-04B34F7CD0AC}"/>
+    <dgm:cxn modelId="{03C82376-6DFF-4B7E-B036-A886B0520F93}" type="presOf" srcId="{DBD17336-B141-494E-A31C-6EA653EE637A}" destId="{62F66354-603A-41C3-B161-16A4A9E45F44}" srcOrd="0" destOrd="0" presId="urn:microsoft.com/office/officeart/2005/8/layout/hProcess9"/>
+    <dgm:cxn modelId="{4296771F-3E76-4B6E-BCA1-FFBE218B6B73}" type="presOf" srcId="{10E407B9-5FCC-4D3A-94D2-6AB25397AEC7}" destId="{8C0195AE-96DF-44DB-8CA5-EA3E73389D9C}" srcOrd="0" destOrd="1" presId="urn:microsoft.com/office/officeart/2005/8/layout/hProcess9"/>
+    <dgm:cxn modelId="{6595E131-DCFC-4660-A166-B06A9C58E5A3}" srcId="{182E85C3-C0C1-4055-B42E-08657C1D36EB}" destId="{124AB731-44F7-42FC-A2C7-6A103755875A}" srcOrd="3" destOrd="0" parTransId="{903CC23E-A10B-484A-8A4F-24054DDF4137}" sibTransId="{C0BE0EF1-E06D-43E6-AF12-3CA2033E2AE2}"/>
     <dgm:cxn modelId="{66704B5C-1B3A-4DE5-B794-CC8167E42596}" type="presOf" srcId="{182E85C3-C0C1-4055-B42E-08657C1D36EB}" destId="{BA4718A9-DFD2-471C-969C-97F876ADC320}" srcOrd="0" destOrd="0" presId="urn:microsoft.com/office/officeart/2005/8/layout/hProcess9"/>
-    <dgm:cxn modelId="{08E746BB-D95F-4886-82E3-5ED9A83CD38E}" type="presOf" srcId="{FCE05639-9A34-421D-9FD3-79EEF57498D8}" destId="{62F66354-603A-41C3-B161-16A4A9E45F44}" srcOrd="0" destOrd="1" presId="urn:microsoft.com/office/officeart/2005/8/layout/hProcess9"/>
-    <dgm:cxn modelId="{549CF814-C607-4921-A024-5CFAC5637540}" srcId="{5245D8E1-9FDE-4633-85B7-BE42CD6AA787}" destId="{AD34B4C5-1A81-4AC6-A5F9-35CC4DC5D843}" srcOrd="0" destOrd="0" parTransId="{FD6F77B6-DA9F-491F-B649-F16E90DA55B0}" sibTransId="{8B95582E-B691-45DD-8D9C-114E0B7A4E01}"/>
+    <dgm:cxn modelId="{607F61A3-2D5A-4D02-89FC-B7345F88B402}" type="presOf" srcId="{1E975C45-1647-472C-8812-EFF81A215801}" destId="{BA4718A9-DFD2-471C-969C-97F876ADC320}" srcOrd="0" destOrd="5" presId="urn:microsoft.com/office/officeart/2005/8/layout/hProcess9"/>
+    <dgm:cxn modelId="{C36FF4DC-CCD6-47E2-9C05-747BCCD4C37E}" type="presOf" srcId="{2739C324-A41E-4970-8A01-796A2C795ACC}" destId="{BA4718A9-DFD2-471C-969C-97F876ADC320}" srcOrd="0" destOrd="1" presId="urn:microsoft.com/office/officeart/2005/8/layout/hProcess9"/>
+    <dgm:cxn modelId="{CA27D4C9-7305-47C1-B558-E71A93D8B295}" type="presOf" srcId="{AD34B4C5-1A81-4AC6-A5F9-35CC4DC5D843}" destId="{20382240-D5AC-4B89-8E53-73A8B41769F1}" srcOrd="0" destOrd="1" presId="urn:microsoft.com/office/officeart/2005/8/layout/hProcess9"/>
+    <dgm:cxn modelId="{7B8B71DC-DC57-43EA-BE14-CDBA81ACEF98}" type="presOf" srcId="{42A7AF39-9F16-4BE0-9691-F2A4EAA889D5}" destId="{734A29E2-3521-46BA-B5C0-E8A3637FA4B0}" srcOrd="0" destOrd="0" presId="urn:microsoft.com/office/officeart/2005/8/layout/hProcess9"/>
+    <dgm:cxn modelId="{A4E4E3C8-7B99-4F7C-A2C4-16D3A3CA62E3}" type="presOf" srcId="{DDBD9E0E-2857-478B-9BFD-EB049F36A6F4}" destId="{BA4718A9-DFD2-471C-969C-97F876ADC320}" srcOrd="0" destOrd="2" presId="urn:microsoft.com/office/officeart/2005/8/layout/hProcess9"/>
+    <dgm:cxn modelId="{503287BE-2194-4F0B-9AA9-12C9B00499EE}" type="presOf" srcId="{5245D8E1-9FDE-4633-85B7-BE42CD6AA787}" destId="{20382240-D5AC-4B89-8E53-73A8B41769F1}" srcOrd="0" destOrd="0" presId="urn:microsoft.com/office/officeart/2005/8/layout/hProcess9"/>
+    <dgm:cxn modelId="{3DE7FD94-D5E7-407C-989B-2C1F91B4CE03}" srcId="{B4BBFA07-05DD-4CDD-AC39-6342607DC2A1}" destId="{27323C3F-7D4E-44F5-9FA3-413CFCD7B174}" srcOrd="2" destOrd="0" parTransId="{18FA00AE-387D-4A8D-981A-94EDEBCA8EC2}" sibTransId="{D4734B30-AB73-4712-B278-2895E8608C4E}"/>
     <dgm:cxn modelId="{1ADAA526-6B24-45CB-89D0-518E04A3D93F}" srcId="{182E85C3-C0C1-4055-B42E-08657C1D36EB}" destId="{3F8391EC-2E89-41BC-979F-48D4E21A811C}" srcOrd="2" destOrd="0" parTransId="{E9716149-5B95-4904-8590-6A93EE8C5197}" sibTransId="{BFA852D6-66A0-4365-B195-CB67CFDCDE73}"/>
-    <dgm:cxn modelId="{607F61A3-2D5A-4D02-89FC-B7345F88B402}" type="presOf" srcId="{1E975C45-1647-472C-8812-EFF81A215801}" destId="{BA4718A9-DFD2-471C-969C-97F876ADC320}" srcOrd="0" destOrd="5" presId="urn:microsoft.com/office/officeart/2005/8/layout/hProcess9"/>
-    <dgm:cxn modelId="{63AA4ECF-F510-4F05-A169-468A7E8A96E5}" type="presOf" srcId="{6043B0A8-44FC-4706-B37A-7F342ABD7CAE}" destId="{F3C847B4-E9D1-403C-BF56-3BADCB1909DC}" srcOrd="0" destOrd="0" presId="urn:microsoft.com/office/officeart/2005/8/layout/hProcess9"/>
-    <dgm:cxn modelId="{4AA9AB66-BA44-475B-A8A8-30AD54C4CD1A}" srcId="{6043B0A8-44FC-4706-B37A-7F342ABD7CAE}" destId="{1D2BD1DA-3657-4A8C-9785-D7282AB16A84}" srcOrd="3" destOrd="0" parTransId="{13AD18B7-6C9D-4DA5-8CF7-426D68467982}" sibTransId="{5FB73046-B1E2-46DC-A2CC-49B3DBF79A17}"/>
-    <dgm:cxn modelId="{C36FF4DC-CCD6-47E2-9C05-747BCCD4C37E}" type="presOf" srcId="{2739C324-A41E-4970-8A01-796A2C795ACC}" destId="{BA4718A9-DFD2-471C-969C-97F876ADC320}" srcOrd="0" destOrd="1" presId="urn:microsoft.com/office/officeart/2005/8/layout/hProcess9"/>
-    <dgm:cxn modelId="{5DFF5E92-6524-4E83-9A7E-3FD2AE1E0B19}" srcId="{42A7AF39-9F16-4BE0-9691-F2A4EAA889D5}" destId="{B4BBFA07-05DD-4CDD-AC39-6342607DC2A1}" srcOrd="0" destOrd="0" parTransId="{4C9357AE-0A8A-4E31-8803-F14E79C0DCAE}" sibTransId="{B652451A-AD6D-4DFA-B925-9D21BB71A0C7}"/>
-    <dgm:cxn modelId="{C75F7C68-8484-4A91-B6A3-583D73E6BC93}" type="presOf" srcId="{124AB731-44F7-42FC-A2C7-6A103755875A}" destId="{BA4718A9-DFD2-471C-969C-97F876ADC320}" srcOrd="0" destOrd="4" presId="urn:microsoft.com/office/officeart/2005/8/layout/hProcess9"/>
-    <dgm:cxn modelId="{60C1C020-F1A3-4D32-B6BC-9893F6A3628C}" type="presOf" srcId="{360394FA-829F-403E-9AF0-5F6CF96DFD1E}" destId="{8C0195AE-96DF-44DB-8CA5-EA3E73389D9C}" srcOrd="0" destOrd="4" presId="urn:microsoft.com/office/officeart/2005/8/layout/hProcess9"/>
-    <dgm:cxn modelId="{A4E4E3C8-7B99-4F7C-A2C4-16D3A3CA62E3}" type="presOf" srcId="{DDBD9E0E-2857-478B-9BFD-EB049F36A6F4}" destId="{BA4718A9-DFD2-471C-969C-97F876ADC320}" srcOrd="0" destOrd="2" presId="urn:microsoft.com/office/officeart/2005/8/layout/hProcess9"/>
-    <dgm:cxn modelId="{E98B806D-7427-40E5-9217-58A7BBA4F702}" type="presOf" srcId="{BFAD5C6C-3CCC-47DA-B82A-97A0E60E41A5}" destId="{8C0195AE-96DF-44DB-8CA5-EA3E73389D9C}" srcOrd="0" destOrd="2" presId="urn:microsoft.com/office/officeart/2005/8/layout/hProcess9"/>
-    <dgm:cxn modelId="{3F65C4C7-8DE4-4F28-82C5-0662EBCF8C0E}" srcId="{DBD17336-B141-494E-A31C-6EA653EE637A}" destId="{FCE05639-9A34-421D-9FD3-79EEF57498D8}" srcOrd="0" destOrd="0" parTransId="{F3903BDF-F0ED-4A06-8C1B-A96D8DDD8DDC}" sibTransId="{4F6AA9F8-0B5F-499B-AE30-3D935C570E4E}"/>
-    <dgm:cxn modelId="{DB1CAB31-0E81-4807-9A4F-8B2AC71839A2}" type="presOf" srcId="{1D2BD1DA-3657-4A8C-9785-D7282AB16A84}" destId="{F3C847B4-E9D1-403C-BF56-3BADCB1909DC}" srcOrd="0" destOrd="4" presId="urn:microsoft.com/office/officeart/2005/8/layout/hProcess9"/>
-    <dgm:cxn modelId="{24BACCAC-AE3B-4A99-B678-9387F463D2EF}" srcId="{6043B0A8-44FC-4706-B37A-7F342ABD7CAE}" destId="{60FFB2DA-71E2-4B60-8F03-B97F02814FE8}" srcOrd="1" destOrd="0" parTransId="{F5495816-0C9E-4B5B-A238-F565E58D7803}" sibTransId="{D06C6867-E1BA-43A9-A6CE-AE88C2CD94FD}"/>
-    <dgm:cxn modelId="{2198E06B-EBEE-42F2-BF31-52AD13E73BC6}" srcId="{42A7AF39-9F16-4BE0-9691-F2A4EAA889D5}" destId="{DBD17336-B141-494E-A31C-6EA653EE637A}" srcOrd="3" destOrd="0" parTransId="{09A6F55D-0974-44D2-B12D-48E16F3D0029}" sibTransId="{A6141C16-1C65-42F9-8DF0-A27738FE79EE}"/>
-    <dgm:cxn modelId="{B317833C-6656-437C-8CFB-9E1078BA4F7B}" srcId="{B4BBFA07-05DD-4CDD-AC39-6342607DC2A1}" destId="{BFAD5C6C-3CCC-47DA-B82A-97A0E60E41A5}" srcOrd="1" destOrd="0" parTransId="{2AC788DB-883E-4B3F-8E32-FB8F2C3C80B9}" sibTransId="{0A4F5D0E-4864-4480-8E69-940E5490226B}"/>
     <dgm:cxn modelId="{929DDD9F-A144-4496-902C-7A0CEA79C4C8}" srcId="{5245D8E1-9FDE-4633-85B7-BE42CD6AA787}" destId="{8693C395-BAA7-449A-ACDD-FFFEEE0DC862}" srcOrd="1" destOrd="0" parTransId="{0DB5F330-DE96-4670-8EFA-8B7B45CEA34D}" sibTransId="{87BE7E65-1B97-4314-AB36-B212E2476EE6}"/>
-    <dgm:cxn modelId="{3A080199-5708-4D95-BDC6-677CE1E53018}" srcId="{B4BBFA07-05DD-4CDD-AC39-6342607DC2A1}" destId="{360394FA-829F-403E-9AF0-5F6CF96DFD1E}" srcOrd="3" destOrd="0" parTransId="{A75ACD84-8BFD-4E17-B22A-BCE08E0C1060}" sibTransId="{47CD002A-17EB-41C8-A521-C511E59926EB}"/>
-    <dgm:cxn modelId="{58ECD606-DF49-456C-92CC-3FC995338DA5}" srcId="{182E85C3-C0C1-4055-B42E-08657C1D36EB}" destId="{1E975C45-1647-472C-8812-EFF81A215801}" srcOrd="4" destOrd="0" parTransId="{11DCAC3E-4C2C-4945-B245-E7C69099CB34}" sibTransId="{50A0534A-8921-429F-AEBF-0E0D60438255}"/>
-    <dgm:cxn modelId="{6595E131-DCFC-4660-A166-B06A9C58E5A3}" srcId="{182E85C3-C0C1-4055-B42E-08657C1D36EB}" destId="{124AB731-44F7-42FC-A2C7-6A103755875A}" srcOrd="3" destOrd="0" parTransId="{903CC23E-A10B-484A-8A4F-24054DDF4137}" sibTransId="{C0BE0EF1-E06D-43E6-AF12-3CA2033E2AE2}"/>
-    <dgm:cxn modelId="{EFB2B553-798E-499E-868E-5A323D49D87B}" type="presOf" srcId="{8852547F-3DE1-4303-BABC-35751A1FFAA4}" destId="{62F66354-603A-41C3-B161-16A4A9E45F44}" srcOrd="0" destOrd="2" presId="urn:microsoft.com/office/officeart/2005/8/layout/hProcess9"/>
-    <dgm:cxn modelId="{8130EFA1-7C19-4707-918B-EBD61B992DC1}" srcId="{182E85C3-C0C1-4055-B42E-08657C1D36EB}" destId="{2739C324-A41E-4970-8A01-796A2C795ACC}" srcOrd="0" destOrd="0" parTransId="{34EABE2C-343C-4A99-94EF-992C7B2864FB}" sibTransId="{E3CAAA70-690B-43D6-AD4A-610350C2031C}"/>
-    <dgm:cxn modelId="{9423DADA-472C-41D9-88AD-46BB03D27D4E}" srcId="{6043B0A8-44FC-4706-B37A-7F342ABD7CAE}" destId="{ABD30D39-23EC-4FCC-9B13-57D32A82A546}" srcOrd="0" destOrd="0" parTransId="{C5A94903-DF8D-4907-A3E8-951CE956DA5D}" sibTransId="{3EF7BC8F-673B-4ADA-9436-138C06DF52D8}"/>
-    <dgm:cxn modelId="{4296771F-3E76-4B6E-BCA1-FFBE218B6B73}" type="presOf" srcId="{10E407B9-5FCC-4D3A-94D2-6AB25397AEC7}" destId="{8C0195AE-96DF-44DB-8CA5-EA3E73389D9C}" srcOrd="0" destOrd="1" presId="urn:microsoft.com/office/officeart/2005/8/layout/hProcess9"/>
-    <dgm:cxn modelId="{1CE0B2E1-B57A-47FF-B7CD-0A610852C41C}" type="presOf" srcId="{60FFB2DA-71E2-4B60-8F03-B97F02814FE8}" destId="{F3C847B4-E9D1-403C-BF56-3BADCB1909DC}" srcOrd="0" destOrd="2" presId="urn:microsoft.com/office/officeart/2005/8/layout/hProcess9"/>
-    <dgm:cxn modelId="{238D6892-0E24-4060-A415-A69BB6AA037E}" type="presOf" srcId="{27323C3F-7D4E-44F5-9FA3-413CFCD7B174}" destId="{8C0195AE-96DF-44DB-8CA5-EA3E73389D9C}" srcOrd="0" destOrd="3" presId="urn:microsoft.com/office/officeart/2005/8/layout/hProcess9"/>
-    <dgm:cxn modelId="{03C82376-6DFF-4B7E-B036-A886B0520F93}" type="presOf" srcId="{DBD17336-B141-494E-A31C-6EA653EE637A}" destId="{62F66354-603A-41C3-B161-16A4A9E45F44}" srcOrd="0" destOrd="0" presId="urn:microsoft.com/office/officeart/2005/8/layout/hProcess9"/>
-    <dgm:cxn modelId="{DECDAAFB-95F9-4E08-902E-357CAE6BE867}" srcId="{42A7AF39-9F16-4BE0-9691-F2A4EAA889D5}" destId="{182E85C3-C0C1-4055-B42E-08657C1D36EB}" srcOrd="1" destOrd="0" parTransId="{0A1F7A6C-A332-4BAC-A0D1-C846CF97F4EC}" sibTransId="{53EC14C8-D3F0-4F81-A9BC-0E03B0043A69}"/>
-    <dgm:cxn modelId="{9E16A8B2-B87E-4EC6-8F80-A092713ABD93}" type="presOf" srcId="{64A53441-CA35-4183-98A4-98146221F8AE}" destId="{F3C847B4-E9D1-403C-BF56-3BADCB1909DC}" srcOrd="0" destOrd="3" presId="urn:microsoft.com/office/officeart/2005/8/layout/hProcess9"/>
-    <dgm:cxn modelId="{CA27D4C9-7305-47C1-B558-E71A93D8B295}" type="presOf" srcId="{AD34B4C5-1A81-4AC6-A5F9-35CC4DC5D843}" destId="{20382240-D5AC-4B89-8E53-73A8B41769F1}" srcOrd="0" destOrd="1" presId="urn:microsoft.com/office/officeart/2005/8/layout/hProcess9"/>
-    <dgm:cxn modelId="{F99FE896-AED4-426E-B77C-0AB5248E0CCE}" srcId="{6043B0A8-44FC-4706-B37A-7F342ABD7CAE}" destId="{64A53441-CA35-4183-98A4-98146221F8AE}" srcOrd="2" destOrd="0" parTransId="{34A59247-41BB-4387-901C-F4B4BA0ABC20}" sibTransId="{0C284384-0EF7-4A62-BF30-04B34F7CD0AC}"/>
-    <dgm:cxn modelId="{3DE7FD94-D5E7-407C-989B-2C1F91B4CE03}" srcId="{B4BBFA07-05DD-4CDD-AC39-6342607DC2A1}" destId="{27323C3F-7D4E-44F5-9FA3-413CFCD7B174}" srcOrd="2" destOrd="0" parTransId="{18FA00AE-387D-4A8D-981A-94EDEBCA8EC2}" sibTransId="{D4734B30-AB73-4712-B278-2895E8608C4E}"/>
-    <dgm:cxn modelId="{B848308C-6711-4ECC-A275-3BD95A47C3D1}" type="presOf" srcId="{3F8391EC-2E89-41BC-979F-48D4E21A811C}" destId="{BA4718A9-DFD2-471C-969C-97F876ADC320}" srcOrd="0" destOrd="3" presId="urn:microsoft.com/office/officeart/2005/8/layout/hProcess9"/>
-    <dgm:cxn modelId="{503287BE-2194-4F0B-9AA9-12C9B00499EE}" type="presOf" srcId="{5245D8E1-9FDE-4633-85B7-BE42CD6AA787}" destId="{20382240-D5AC-4B89-8E53-73A8B41769F1}" srcOrd="0" destOrd="0" presId="urn:microsoft.com/office/officeart/2005/8/layout/hProcess9"/>
-    <dgm:cxn modelId="{7B8B71DC-DC57-43EA-BE14-CDBA81ACEF98}" type="presOf" srcId="{42A7AF39-9F16-4BE0-9691-F2A4EAA889D5}" destId="{734A29E2-3521-46BA-B5C0-E8A3637FA4B0}" srcOrd="0" destOrd="0" presId="urn:microsoft.com/office/officeart/2005/8/layout/hProcess9"/>
-    <dgm:cxn modelId="{20EFF80B-8D1F-44F0-A98A-47DA2A47CC91}" type="presOf" srcId="{B4BBFA07-05DD-4CDD-AC39-6342607DC2A1}" destId="{8C0195AE-96DF-44DB-8CA5-EA3E73389D9C}" srcOrd="0" destOrd="0" presId="urn:microsoft.com/office/officeart/2005/8/layout/hProcess9"/>
-    <dgm:cxn modelId="{D4AF4160-DDE6-4565-8479-2BC7137E4EDA}" type="presOf" srcId="{8693C395-BAA7-449A-ACDD-FFFEEE0DC862}" destId="{20382240-D5AC-4B89-8E53-73A8B41769F1}" srcOrd="0" destOrd="2" presId="urn:microsoft.com/office/officeart/2005/8/layout/hProcess9"/>
     <dgm:cxn modelId="{F3801A3C-3E3D-475A-B6DA-AD1066FF5E06}" type="presParOf" srcId="{734A29E2-3521-46BA-B5C0-E8A3637FA4B0}" destId="{3E058364-C437-4B0E-B373-8D6523686A02}" srcOrd="0" destOrd="0" presId="urn:microsoft.com/office/officeart/2005/8/layout/hProcess9"/>
     <dgm:cxn modelId="{9DDFD9AB-E4CB-4CFE-8C0A-EF116411C6C7}" type="presParOf" srcId="{734A29E2-3521-46BA-B5C0-E8A3637FA4B0}" destId="{90CFEA40-A29F-40A9-966B-DA7D8D7003DF}" srcOrd="1" destOrd="0" presId="urn:microsoft.com/office/officeart/2005/8/layout/hProcess9"/>
     <dgm:cxn modelId="{3BCAA9FB-5D8C-45AB-AAF9-5A4E6A40DDB1}" type="presParOf" srcId="{90CFEA40-A29F-40A9-966B-DA7D8D7003DF}" destId="{8C0195AE-96DF-44DB-8CA5-EA3E73389D9C}" srcOrd="0" destOrd="0" presId="urn:microsoft.com/office/officeart/2005/8/layout/hProcess9"/>
@@ -4743,12 +4743,8 @@
           <a:lstStyle/>
           <a:p>
             <a:r>
-              <a:rPr lang="de-DE" dirty="0" err="1" smtClean="0"/>
-              <a:t>Evtl</a:t>
-            </a:r>
-            <a:r>
               <a:rPr lang="de-DE" dirty="0" smtClean="0"/>
-              <a:t> raus</a:t>
+              <a:t>Phil</a:t>
             </a:r>
             <a:endParaRPr lang="de-DE" dirty="0"/>
           </a:p>
@@ -4781,7 +4777,7 @@
     </p:spTree>
     <p:extLst>
       <p:ext uri="{BB962C8B-B14F-4D97-AF65-F5344CB8AC3E}">
-        <p14:creationId xmlns:p14="http://schemas.microsoft.com/office/powerpoint/2010/main" val="2009034880"/>
+        <p14:creationId xmlns:p14="http://schemas.microsoft.com/office/powerpoint/2010/main" val="471274584"/>
       </p:ext>
     </p:extLst>
   </p:cSld>
@@ -4837,7 +4833,7 @@
           <a:p>
             <a:r>
               <a:rPr lang="de-DE" dirty="0" smtClean="0"/>
-              <a:t>Phil</a:t>
+              <a:t>Marc</a:t>
             </a:r>
             <a:endParaRPr lang="de-DE" dirty="0"/>
           </a:p>
@@ -4870,7 +4866,7 @@
     </p:spTree>
     <p:extLst>
       <p:ext uri="{BB962C8B-B14F-4D97-AF65-F5344CB8AC3E}">
-        <p14:creationId xmlns:p14="http://schemas.microsoft.com/office/powerpoint/2010/main" val="471274584"/>
+        <p14:creationId xmlns:p14="http://schemas.microsoft.com/office/powerpoint/2010/main" val="3859340865"/>
       </p:ext>
     </p:extLst>
   </p:cSld>
@@ -10404,7 +10400,7 @@
           <a:p>
             <a:r>
               <a:rPr lang="de-DE" dirty="0" smtClean="0"/>
-              <a:t>Controller</a:t>
+              <a:t>Model</a:t>
             </a:r>
             <a:endParaRPr lang="de-DE" dirty="0"/>
           </a:p>
@@ -10788,28 +10784,47 @@
           <a:p>
             <a:r>
               <a:rPr lang="de-DE" dirty="0" smtClean="0"/>
-              <a:t>Verbindung von View und Model</a:t>
-            </a:r>
-          </a:p>
-          <a:p>
+              <a:t>Datenstruktur</a:t>
+            </a:r>
+          </a:p>
+          <a:p>
+            <a:pPr lvl="1"/>
             <a:r>
               <a:rPr lang="de-DE" dirty="0" smtClean="0"/>
-              <a:t>Verarbeitungslogik</a:t>
-            </a:r>
-          </a:p>
-          <a:p>
+              <a:t>Keine Redundanzen</a:t>
+            </a:r>
+          </a:p>
+          <a:p>
+            <a:pPr lvl="1"/>
             <a:r>
               <a:rPr lang="de-DE" dirty="0" smtClean="0"/>
-              <a:t>Interaktion zwischen Controller</a:t>
+              <a:t>Multiplizitäten</a:t>
             </a:r>
             <a:endParaRPr lang="de-DE" dirty="0"/>
+          </a:p>
+          <a:p>
+            <a:r>
+              <a:rPr lang="de-DE" dirty="0" smtClean="0"/>
+              <a:t>Schnittstelle zur Datenbank</a:t>
+            </a:r>
+          </a:p>
+          <a:p>
+            <a:r>
+              <a:rPr lang="de-DE" dirty="0" smtClean="0"/>
+              <a:t>SQL </a:t>
+            </a:r>
+            <a:r>
+              <a:rPr lang="de-DE" dirty="0" err="1" smtClean="0"/>
+              <a:t>Queries</a:t>
+            </a:r>
+            <a:endParaRPr lang="de-DE" dirty="0" smtClean="0"/>
           </a:p>
         </p:txBody>
       </p:sp>
     </p:spTree>
     <p:extLst>
       <p:ext uri="{BB962C8B-B14F-4D97-AF65-F5344CB8AC3E}">
-        <p14:creationId xmlns:p14="http://schemas.microsoft.com/office/powerpoint/2010/main" val="1944802853"/>
+        <p14:creationId xmlns:p14="http://schemas.microsoft.com/office/powerpoint/2010/main" val="2447740237"/>
       </p:ext>
     </p:extLst>
   </p:cSld>
@@ -10853,14 +10868,19 @@
             <p:ph type="title"/>
           </p:nvPr>
         </p:nvSpPr>
-        <p:spPr/>
+        <p:spPr>
+          <a:xfrm>
+            <a:off x="430640" y="476672"/>
+            <a:ext cx="8229600" cy="1069848"/>
+          </a:xfrm>
+        </p:spPr>
         <p:txBody>
           <a:bodyPr/>
           <a:lstStyle/>
           <a:p>
             <a:r>
               <a:rPr lang="de-DE" dirty="0" smtClean="0"/>
-              <a:t>Model</a:t>
+              <a:t>Architektur</a:t>
             </a:r>
             <a:endParaRPr lang="de-DE" dirty="0"/>
           </a:p>
@@ -10876,7 +10896,7 @@
         </p:nvSpPr>
         <p:spPr>
           <a:xfrm>
-            <a:off x="457200" y="2249424"/>
+            <a:off x="474228" y="1408144"/>
             <a:ext cx="8229600" cy="4325112"/>
           </a:xfrm>
           <a:prstGeom prst="rect">
@@ -11052,13 +11072,1015 @@
             </a:lvl9pPr>
           </a:lstStyle>
           <a:p>
+            <a:r>
+              <a:rPr lang="de-DE" dirty="0" smtClean="0"/>
+              <a:t>Definition </a:t>
+            </a:r>
+            <a:r>
+              <a:rPr lang="de-DE" dirty="0" smtClean="0"/>
+              <a:t>Schnittstellen</a:t>
+            </a:r>
+          </a:p>
+          <a:p>
+            <a:r>
+              <a:rPr lang="de-DE" dirty="0" smtClean="0"/>
+              <a:t>Verbindung von View und Modell</a:t>
+            </a:r>
+          </a:p>
+          <a:p>
+            <a:r>
+              <a:rPr lang="de-DE" dirty="0" smtClean="0"/>
+              <a:t>Interaktion </a:t>
+            </a:r>
+            <a:r>
+              <a:rPr lang="de-DE" dirty="0" smtClean="0"/>
+              <a:t>zwischen Schichten sowie zwischen </a:t>
+            </a:r>
+            <a:r>
+              <a:rPr lang="de-DE" dirty="0" smtClean="0"/>
+              <a:t>Controllern (Verarbeitungslogik)</a:t>
+            </a:r>
+          </a:p>
+          <a:p>
+            <a:r>
+              <a:rPr lang="de-DE" dirty="0"/>
+              <a:t>Aufwand bei Programmierung </a:t>
+            </a:r>
+            <a:r>
+              <a:rPr lang="de-DE" dirty="0" smtClean="0"/>
+              <a:t>reduziert</a:t>
+            </a:r>
+          </a:p>
+        </p:txBody>
+      </p:sp>
+      <p:pic>
+        <p:nvPicPr>
+          <p:cNvPr id="1026" name="Picture 2"/>
+          <p:cNvPicPr>
+            <a:picLocks noChangeAspect="1" noChangeArrowheads="1"/>
+          </p:cNvPicPr>
+          <p:nvPr/>
+        </p:nvPicPr>
+        <p:blipFill>
+          <a:blip r:embed="rId3">
+            <a:extLst>
+              <a:ext uri="{28A0092B-C50C-407E-A947-70E740481C1C}">
+                <a14:useLocalDpi xmlns:a14="http://schemas.microsoft.com/office/drawing/2010/main" val="0"/>
+              </a:ext>
+            </a:extLst>
+          </a:blip>
+          <a:srcRect/>
+          <a:stretch>
+            <a:fillRect/>
+          </a:stretch>
+        </p:blipFill>
+        <p:spPr bwMode="auto">
+          <a:xfrm>
+            <a:off x="107504" y="3861048"/>
+            <a:ext cx="8928992" cy="2849563"/>
+          </a:xfrm>
+          <a:prstGeom prst="rect">
+            <a:avLst/>
+          </a:prstGeom>
+          <a:noFill/>
+          <a:ln>
+            <a:noFill/>
+          </a:ln>
+          <a:effectLst/>
+          <a:extLst>
+            <a:ext uri="{909E8E84-426E-40DD-AFC4-6F175D3DCCD1}">
+              <a14:hiddenFill xmlns:a14="http://schemas.microsoft.com/office/drawing/2010/main">
+                <a:solidFill>
+                  <a:schemeClr val="accent1"/>
+                </a:solidFill>
+              </a14:hiddenFill>
+            </a:ext>
+            <a:ext uri="{91240B29-F687-4F45-9708-019B960494DF}">
+              <a14:hiddenLine xmlns:a14="http://schemas.microsoft.com/office/drawing/2010/main" w="9525">
+                <a:solidFill>
+                  <a:schemeClr val="tx1"/>
+                </a:solidFill>
+                <a:miter lim="800000"/>
+                <a:headEnd/>
+                <a:tailEnd/>
+              </a14:hiddenLine>
+            </a:ext>
+            <a:ext uri="{AF507438-7753-43E0-B8FC-AC1667EBCBE1}">
+              <a14:hiddenEffects xmlns:a14="http://schemas.microsoft.com/office/drawing/2010/main">
+                <a:effectLst>
+                  <a:outerShdw dist="35921" dir="2700000" algn="ctr" rotWithShape="0">
+                    <a:schemeClr val="bg2"/>
+                  </a:outerShdw>
+                </a:effectLst>
+              </a14:hiddenEffects>
+            </a:ext>
+          </a:extLst>
+        </p:spPr>
+      </p:pic>
+    </p:spTree>
+    <p:extLst>
+      <p:ext uri="{BB962C8B-B14F-4D97-AF65-F5344CB8AC3E}">
+        <p14:creationId xmlns:p14="http://schemas.microsoft.com/office/powerpoint/2010/main" val="3159283490"/>
+      </p:ext>
+    </p:extLst>
+  </p:cSld>
+  <p:clrMapOvr>
+    <a:masterClrMapping/>
+  </p:clrMapOvr>
+  <p:timing>
+    <p:tnLst>
+      <p:par>
+        <p:cTn id="1" dur="indefinite" restart="never" nodeType="tmRoot">
+          <p:childTnLst>
+            <p:seq concurrent="1" nextAc="seek">
+              <p:cTn id="2" dur="indefinite" nodeType="mainSeq">
+                <p:childTnLst>
+                  <p:par>
+                    <p:cTn id="3" fill="hold">
+                      <p:stCondLst>
+                        <p:cond delay="indefinite"/>
+                      </p:stCondLst>
+                      <p:childTnLst>
+                        <p:par>
+                          <p:cTn id="4" fill="hold">
+                            <p:stCondLst>
+                              <p:cond delay="0"/>
+                            </p:stCondLst>
+                            <p:childTnLst>
+                              <p:par>
+                                <p:cTn id="5" presetID="16" presetClass="entr" presetSubtype="21" fill="hold" nodeType="clickEffect">
+                                  <p:stCondLst>
+                                    <p:cond delay="0"/>
+                                  </p:stCondLst>
+                                  <p:childTnLst>
+                                    <p:set>
+                                      <p:cBhvr>
+                                        <p:cTn id="6" dur="1" fill="hold">
+                                          <p:stCondLst>
+                                            <p:cond delay="0"/>
+                                          </p:stCondLst>
+                                        </p:cTn>
+                                        <p:tgtEl>
+                                          <p:spTgt spid="1026"/>
+                                        </p:tgtEl>
+                                        <p:attrNameLst>
+                                          <p:attrName>style.visibility</p:attrName>
+                                        </p:attrNameLst>
+                                      </p:cBhvr>
+                                      <p:to>
+                                        <p:strVal val="visible"/>
+                                      </p:to>
+                                    </p:set>
+                                    <p:animEffect transition="in" filter="barn(inVertical)">
+                                      <p:cBhvr>
+                                        <p:cTn id="7" dur="500"/>
+                                        <p:tgtEl>
+                                          <p:spTgt spid="1026"/>
+                                        </p:tgtEl>
+                                      </p:cBhvr>
+                                    </p:animEffect>
+                                  </p:childTnLst>
+                                </p:cTn>
+                              </p:par>
+                            </p:childTnLst>
+                          </p:cTn>
+                        </p:par>
+                      </p:childTnLst>
+                    </p:cTn>
+                  </p:par>
+                </p:childTnLst>
+              </p:cTn>
+              <p:prevCondLst>
+                <p:cond evt="onPrev" delay="0">
+                  <p:tgtEl>
+                    <p:sldTgt/>
+                  </p:tgtEl>
+                </p:cond>
+              </p:prevCondLst>
+              <p:nextCondLst>
+                <p:cond evt="onNext" delay="0">
+                  <p:tgtEl>
+                    <p:sldTgt/>
+                  </p:tgtEl>
+                </p:cond>
+              </p:nextCondLst>
+            </p:seq>
+          </p:childTnLst>
+        </p:cTn>
+      </p:par>
+    </p:tnLst>
+  </p:timing>
+</p:sld>
+</file>
+
+<file path=ppt/slides/slide12.xml><?xml version="1.0" encoding="utf-8"?>
+<p:sld xmlns:a="http://schemas.openxmlformats.org/drawingml/2006/main" xmlns:r="http://schemas.openxmlformats.org/officeDocument/2006/relationships" xmlns:p="http://schemas.openxmlformats.org/presentationml/2006/main">
+  <p:cSld>
+    <p:spTree>
+      <p:nvGrpSpPr>
+        <p:cNvPr id="1" name=""/>
+        <p:cNvGrpSpPr/>
+        <p:nvPr/>
+      </p:nvGrpSpPr>
+      <p:grpSpPr>
+        <a:xfrm>
+          <a:off x="0" y="0"/>
+          <a:ext cx="0" cy="0"/>
+          <a:chOff x="0" y="0"/>
+          <a:chExt cx="0" cy="0"/>
+        </a:xfrm>
+      </p:grpSpPr>
+      <p:sp>
+        <p:nvSpPr>
+          <p:cNvPr id="2" name="Titel 1"/>
+          <p:cNvSpPr>
+            <a:spLocks noGrp="1"/>
+          </p:cNvSpPr>
+          <p:nvPr>
+            <p:ph type="title"/>
+          </p:nvPr>
+        </p:nvSpPr>
+        <p:spPr>
+          <a:xfrm>
+            <a:off x="430640" y="476672"/>
+            <a:ext cx="8229600" cy="1069848"/>
+          </a:xfrm>
+        </p:spPr>
+        <p:txBody>
+          <a:bodyPr/>
+          <a:lstStyle/>
+          <a:p>
+            <a:r>
+              <a:rPr lang="de-DE" dirty="0" smtClean="0"/>
+              <a:t>Architektur</a:t>
+            </a:r>
             <a:endParaRPr lang="de-DE" dirty="0"/>
           </a:p>
         </p:txBody>
       </p:sp>
-      <p:sp>
-        <p:nvSpPr>
-          <p:cNvPr id="4" name="Inhaltsplatzhalter 2"/>
+      <p:pic>
+        <p:nvPicPr>
+          <p:cNvPr id="2055" name="Picture 7"/>
+          <p:cNvPicPr>
+            <a:picLocks noChangeAspect="1" noChangeArrowheads="1"/>
+          </p:cNvPicPr>
+          <p:nvPr/>
+        </p:nvPicPr>
+        <p:blipFill>
+          <a:blip r:embed="rId3">
+            <a:extLst>
+              <a:ext uri="{28A0092B-C50C-407E-A947-70E740481C1C}">
+                <a14:useLocalDpi xmlns:a14="http://schemas.microsoft.com/office/drawing/2010/main" val="0"/>
+              </a:ext>
+            </a:extLst>
+          </a:blip>
+          <a:srcRect/>
+          <a:stretch>
+            <a:fillRect/>
+          </a:stretch>
+        </p:blipFill>
+        <p:spPr bwMode="auto">
+          <a:xfrm>
+            <a:off x="467544" y="1412776"/>
+            <a:ext cx="8474271" cy="4824536"/>
+          </a:xfrm>
+          <a:prstGeom prst="rect">
+            <a:avLst/>
+          </a:prstGeom>
+          <a:noFill/>
+          <a:ln>
+            <a:noFill/>
+          </a:ln>
+          <a:effectLst/>
+          <a:extLst>
+            <a:ext uri="{909E8E84-426E-40DD-AFC4-6F175D3DCCD1}">
+              <a14:hiddenFill xmlns:a14="http://schemas.microsoft.com/office/drawing/2010/main">
+                <a:solidFill>
+                  <a:schemeClr val="accent1"/>
+                </a:solidFill>
+              </a14:hiddenFill>
+            </a:ext>
+            <a:ext uri="{91240B29-F687-4F45-9708-019B960494DF}">
+              <a14:hiddenLine xmlns:a14="http://schemas.microsoft.com/office/drawing/2010/main" w="9525">
+                <a:solidFill>
+                  <a:schemeClr val="tx1"/>
+                </a:solidFill>
+                <a:miter lim="800000"/>
+                <a:headEnd/>
+                <a:tailEnd/>
+              </a14:hiddenLine>
+            </a:ext>
+            <a:ext uri="{AF507438-7753-43E0-B8FC-AC1667EBCBE1}">
+              <a14:hiddenEffects xmlns:a14="http://schemas.microsoft.com/office/drawing/2010/main">
+                <a:effectLst>
+                  <a:outerShdw dist="35921" dir="2700000" algn="ctr" rotWithShape="0">
+                    <a:schemeClr val="bg2"/>
+                  </a:outerShdw>
+                </a:effectLst>
+              </a14:hiddenEffects>
+            </a:ext>
+          </a:extLst>
+        </p:spPr>
+      </p:pic>
+    </p:spTree>
+    <p:extLst>
+      <p:ext uri="{BB962C8B-B14F-4D97-AF65-F5344CB8AC3E}">
+        <p14:creationId xmlns:p14="http://schemas.microsoft.com/office/powerpoint/2010/main" val="795031017"/>
+      </p:ext>
+    </p:extLst>
+  </p:cSld>
+  <p:clrMapOvr>
+    <a:masterClrMapping/>
+  </p:clrMapOvr>
+  <p:timing>
+    <p:tnLst>
+      <p:par>
+        <p:cTn id="1" dur="indefinite" restart="never" nodeType="tmRoot"/>
+      </p:par>
+    </p:tnLst>
+  </p:timing>
+</p:sld>
+</file>
+
+<file path=ppt/slides/slide13.xml><?xml version="1.0" encoding="utf-8"?>
+<p:sld xmlns:a="http://schemas.openxmlformats.org/drawingml/2006/main" xmlns:r="http://schemas.openxmlformats.org/officeDocument/2006/relationships" xmlns:p="http://schemas.openxmlformats.org/presentationml/2006/main">
+  <p:cSld>
+    <p:spTree>
+      <p:nvGrpSpPr>
+        <p:cNvPr id="1" name=""/>
+        <p:cNvGrpSpPr/>
+        <p:nvPr/>
+      </p:nvGrpSpPr>
+      <p:grpSpPr>
+        <a:xfrm>
+          <a:off x="0" y="0"/>
+          <a:ext cx="0" cy="0"/>
+          <a:chOff x="0" y="0"/>
+          <a:chExt cx="0" cy="0"/>
+        </a:xfrm>
+      </p:grpSpPr>
+      <p:sp>
+        <p:nvSpPr>
+          <p:cNvPr id="2" name="Titel 1"/>
+          <p:cNvSpPr>
+            <a:spLocks noGrp="1"/>
+          </p:cNvSpPr>
+          <p:nvPr>
+            <p:ph type="title"/>
+          </p:nvPr>
+        </p:nvSpPr>
+        <p:spPr/>
+        <p:txBody>
+          <a:bodyPr/>
+          <a:lstStyle/>
+          <a:p>
+            <a:r>
+              <a:rPr lang="de-DE" dirty="0" smtClean="0"/>
+              <a:t>Testphase</a:t>
+            </a:r>
+            <a:endParaRPr lang="de-DE" dirty="0"/>
+          </a:p>
+        </p:txBody>
+      </p:sp>
+      <p:pic>
+        <p:nvPicPr>
+          <p:cNvPr id="3" name="Grafik 2"/>
+          <p:cNvPicPr/>
+          <p:nvPr/>
+        </p:nvPicPr>
+        <p:blipFill>
+          <a:blip r:embed="rId3" cstate="print"/>
+          <a:srcRect t="23118" r="1612" b="7258"/>
+          <a:stretch>
+            <a:fillRect/>
+          </a:stretch>
+        </p:blipFill>
+        <p:spPr bwMode="auto">
+          <a:xfrm>
+            <a:off x="539552" y="2060848"/>
+            <a:ext cx="8136904" cy="4392488"/>
+          </a:xfrm>
+          <a:prstGeom prst="rect">
+            <a:avLst/>
+          </a:prstGeom>
+          <a:noFill/>
+          <a:ln w="9525">
+            <a:noFill/>
+            <a:miter lim="800000"/>
+            <a:headEnd/>
+            <a:tailEnd/>
+          </a:ln>
+        </p:spPr>
+      </p:pic>
+    </p:spTree>
+    <p:extLst>
+      <p:ext uri="{BB962C8B-B14F-4D97-AF65-F5344CB8AC3E}">
+        <p14:creationId xmlns:p14="http://schemas.microsoft.com/office/powerpoint/2010/main" val="3420678931"/>
+      </p:ext>
+    </p:extLst>
+  </p:cSld>
+  <p:clrMapOvr>
+    <a:masterClrMapping/>
+  </p:clrMapOvr>
+  <p:timing>
+    <p:tnLst>
+      <p:par>
+        <p:cTn id="1" dur="indefinite" restart="never" nodeType="tmRoot"/>
+      </p:par>
+    </p:tnLst>
+  </p:timing>
+</p:sld>
+</file>
+
+<file path=ppt/slides/slide14.xml><?xml version="1.0" encoding="utf-8"?>
+<p:sld xmlns:a="http://schemas.openxmlformats.org/drawingml/2006/main" xmlns:r="http://schemas.openxmlformats.org/officeDocument/2006/relationships" xmlns:p="http://schemas.openxmlformats.org/presentationml/2006/main">
+  <p:cSld>
+    <p:spTree>
+      <p:nvGrpSpPr>
+        <p:cNvPr id="1" name=""/>
+        <p:cNvGrpSpPr/>
+        <p:nvPr/>
+      </p:nvGrpSpPr>
+      <p:grpSpPr>
+        <a:xfrm>
+          <a:off x="0" y="0"/>
+          <a:ext cx="0" cy="0"/>
+          <a:chOff x="0" y="0"/>
+          <a:chExt cx="0" cy="0"/>
+        </a:xfrm>
+      </p:grpSpPr>
+      <p:sp>
+        <p:nvSpPr>
+          <p:cNvPr id="2" name="Titel 1"/>
+          <p:cNvSpPr>
+            <a:spLocks noGrp="1"/>
+          </p:cNvSpPr>
+          <p:nvPr>
+            <p:ph type="title"/>
+          </p:nvPr>
+        </p:nvSpPr>
+        <p:spPr/>
+        <p:txBody>
+          <a:bodyPr/>
+          <a:lstStyle/>
+          <a:p>
+            <a:r>
+              <a:rPr lang="de-DE" dirty="0" smtClean="0"/>
+              <a:t>Live Demo</a:t>
+            </a:r>
+            <a:endParaRPr lang="de-DE" dirty="0"/>
+          </a:p>
+        </p:txBody>
+      </p:sp>
+    </p:spTree>
+    <p:extLst>
+      <p:ext uri="{BB962C8B-B14F-4D97-AF65-F5344CB8AC3E}">
+        <p14:creationId xmlns:p14="http://schemas.microsoft.com/office/powerpoint/2010/main" val="3414407465"/>
+      </p:ext>
+    </p:extLst>
+  </p:cSld>
+  <p:clrMapOvr>
+    <a:masterClrMapping/>
+  </p:clrMapOvr>
+  <p:timing>
+    <p:tnLst>
+      <p:par>
+        <p:cTn id="1" dur="indefinite" restart="never" nodeType="tmRoot"/>
+      </p:par>
+    </p:tnLst>
+  </p:timing>
+</p:sld>
+</file>
+
+<file path=ppt/slides/slide15.xml><?xml version="1.0" encoding="utf-8"?>
+<p:sld xmlns:a="http://schemas.openxmlformats.org/drawingml/2006/main" xmlns:r="http://schemas.openxmlformats.org/officeDocument/2006/relationships" xmlns:p="http://schemas.openxmlformats.org/presentationml/2006/main">
+  <p:cSld>
+    <p:spTree>
+      <p:nvGrpSpPr>
+        <p:cNvPr id="1" name=""/>
+        <p:cNvGrpSpPr/>
+        <p:nvPr/>
+      </p:nvGrpSpPr>
+      <p:grpSpPr>
+        <a:xfrm>
+          <a:off x="0" y="0"/>
+          <a:ext cx="0" cy="0"/>
+          <a:chOff x="0" y="0"/>
+          <a:chExt cx="0" cy="0"/>
+        </a:xfrm>
+      </p:grpSpPr>
+      <p:sp>
+        <p:nvSpPr>
+          <p:cNvPr id="2" name="Titel 1"/>
+          <p:cNvSpPr>
+            <a:spLocks noGrp="1"/>
+          </p:cNvSpPr>
+          <p:nvPr>
+            <p:ph type="title"/>
+          </p:nvPr>
+        </p:nvSpPr>
+        <p:spPr/>
+        <p:txBody>
+          <a:bodyPr>
+            <a:normAutofit fontScale="90000"/>
+          </a:bodyPr>
+          <a:lstStyle/>
+          <a:p>
+            <a:r>
+              <a:rPr lang="de-DE" dirty="0" smtClean="0"/>
+              <a:t>Fachbereichsorganisation </a:t>
+            </a:r>
+            <a:r>
+              <a:rPr lang="de-DE" dirty="0"/>
+              <a:t>legt Bereich, Arbeitsgruppe und Mitarbeiter an.</a:t>
+            </a:r>
+            <a:br>
+              <a:rPr lang="de-DE" dirty="0"/>
+            </a:br>
+            <a:endParaRPr lang="de-DE" dirty="0"/>
+          </a:p>
+        </p:txBody>
+      </p:sp>
+      <p:pic>
+        <p:nvPicPr>
+          <p:cNvPr id="3" name="Grafik 2"/>
+          <p:cNvPicPr/>
+          <p:nvPr/>
+        </p:nvPicPr>
+        <p:blipFill>
+          <a:blip r:embed="rId2" cstate="print"/>
+          <a:stretch>
+            <a:fillRect/>
+          </a:stretch>
+        </p:blipFill>
+        <p:spPr>
+          <a:xfrm>
+            <a:off x="503548" y="2420888"/>
+            <a:ext cx="8136904" cy="4105796"/>
+          </a:xfrm>
+          <a:prstGeom prst="rect">
+            <a:avLst/>
+          </a:prstGeom>
+        </p:spPr>
+      </p:pic>
+    </p:spTree>
+    <p:extLst>
+      <p:ext uri="{BB962C8B-B14F-4D97-AF65-F5344CB8AC3E}">
+        <p14:creationId xmlns:p14="http://schemas.microsoft.com/office/powerpoint/2010/main" val="1709195912"/>
+      </p:ext>
+    </p:extLst>
+  </p:cSld>
+  <p:clrMapOvr>
+    <a:masterClrMapping/>
+  </p:clrMapOvr>
+  <p:timing>
+    <p:tnLst>
+      <p:par>
+        <p:cTn id="1" dur="indefinite" restart="never" nodeType="tmRoot"/>
+      </p:par>
+    </p:tnLst>
+  </p:timing>
+</p:sld>
+</file>
+
+<file path=ppt/slides/slide16.xml><?xml version="1.0" encoding="utf-8"?>
+<p:sld xmlns:a="http://schemas.openxmlformats.org/drawingml/2006/main" xmlns:r="http://schemas.openxmlformats.org/officeDocument/2006/relationships" xmlns:p="http://schemas.openxmlformats.org/presentationml/2006/main">
+  <p:cSld>
+    <p:spTree>
+      <p:nvGrpSpPr>
+        <p:cNvPr id="1" name=""/>
+        <p:cNvGrpSpPr/>
+        <p:nvPr/>
+      </p:nvGrpSpPr>
+      <p:grpSpPr>
+        <a:xfrm>
+          <a:off x="0" y="0"/>
+          <a:ext cx="0" cy="0"/>
+          <a:chOff x="0" y="0"/>
+          <a:chExt cx="0" cy="0"/>
+        </a:xfrm>
+      </p:grpSpPr>
+      <p:sp>
+        <p:nvSpPr>
+          <p:cNvPr id="2" name="Titel 1"/>
+          <p:cNvSpPr>
+            <a:spLocks noGrp="1"/>
+          </p:cNvSpPr>
+          <p:nvPr>
+            <p:ph type="title"/>
+          </p:nvPr>
+        </p:nvSpPr>
+        <p:spPr/>
+        <p:txBody>
+          <a:bodyPr>
+            <a:normAutofit fontScale="90000"/>
+          </a:bodyPr>
+          <a:lstStyle/>
+          <a:p>
+            <a:r>
+              <a:rPr lang="de-DE" dirty="0"/>
+              <a:t>Unternehmensstruktur nach anlegen eines </a:t>
+            </a:r>
+            <a:r>
+              <a:rPr lang="de-DE" dirty="0" smtClean="0"/>
+              <a:t>Bereichs: Mitarbeiter </a:t>
+            </a:r>
+            <a:r>
+              <a:rPr lang="de-DE" dirty="0"/>
+              <a:t>in der Gruppe fehlen.</a:t>
+            </a:r>
+            <a:br>
+              <a:rPr lang="de-DE" dirty="0"/>
+            </a:br>
+            <a:endParaRPr lang="de-DE" dirty="0"/>
+          </a:p>
+        </p:txBody>
+      </p:sp>
+      <p:pic>
+        <p:nvPicPr>
+          <p:cNvPr id="3" name="Grafik 2"/>
+          <p:cNvPicPr/>
+          <p:nvPr/>
+        </p:nvPicPr>
+        <p:blipFill>
+          <a:blip r:embed="rId2" cstate="print"/>
+          <a:stretch>
+            <a:fillRect/>
+          </a:stretch>
+        </p:blipFill>
+        <p:spPr>
+          <a:xfrm>
+            <a:off x="215516" y="2348880"/>
+            <a:ext cx="8712968" cy="4509120"/>
+          </a:xfrm>
+          <a:prstGeom prst="rect">
+            <a:avLst/>
+          </a:prstGeom>
+        </p:spPr>
+      </p:pic>
+    </p:spTree>
+    <p:extLst>
+      <p:ext uri="{BB962C8B-B14F-4D97-AF65-F5344CB8AC3E}">
+        <p14:creationId xmlns:p14="http://schemas.microsoft.com/office/powerpoint/2010/main" val="63509948"/>
+      </p:ext>
+    </p:extLst>
+  </p:cSld>
+  <p:clrMapOvr>
+    <a:masterClrMapping/>
+  </p:clrMapOvr>
+  <p:timing>
+    <p:tnLst>
+      <p:par>
+        <p:cTn id="1" dur="indefinite" restart="never" nodeType="tmRoot"/>
+      </p:par>
+    </p:tnLst>
+  </p:timing>
+</p:sld>
+</file>
+
+<file path=ppt/slides/slide17.xml><?xml version="1.0" encoding="utf-8"?>
+<p:sld xmlns:a="http://schemas.openxmlformats.org/drawingml/2006/main" xmlns:r="http://schemas.openxmlformats.org/officeDocument/2006/relationships" xmlns:p="http://schemas.openxmlformats.org/presentationml/2006/main">
+  <p:cSld>
+    <p:spTree>
+      <p:nvGrpSpPr>
+        <p:cNvPr id="1" name=""/>
+        <p:cNvGrpSpPr/>
+        <p:nvPr/>
+      </p:nvGrpSpPr>
+      <p:grpSpPr>
+        <a:xfrm>
+          <a:off x="0" y="0"/>
+          <a:ext cx="0" cy="0"/>
+          <a:chOff x="0" y="0"/>
+          <a:chExt cx="0" cy="0"/>
+        </a:xfrm>
+      </p:grpSpPr>
+      <p:sp>
+        <p:nvSpPr>
+          <p:cNvPr id="2" name="Titel 1"/>
+          <p:cNvSpPr>
+            <a:spLocks noGrp="1"/>
+          </p:cNvSpPr>
+          <p:nvPr>
+            <p:ph type="title"/>
+          </p:nvPr>
+        </p:nvSpPr>
+        <p:spPr/>
+        <p:txBody>
+          <a:bodyPr>
+            <a:normAutofit fontScale="90000"/>
+          </a:bodyPr>
+          <a:lstStyle/>
+          <a:p>
+            <a:r>
+              <a:rPr lang="de-DE" dirty="0"/>
+              <a:t>Mitarbeiter wird als Sachbearbeiter angelegt. Nach Telefonat erfasst er seine Daten im Programm.</a:t>
+            </a:r>
+            <a:br>
+              <a:rPr lang="de-DE" dirty="0"/>
+            </a:br>
+            <a:endParaRPr lang="de-DE" dirty="0"/>
+          </a:p>
+        </p:txBody>
+      </p:sp>
+      <p:pic>
+        <p:nvPicPr>
+          <p:cNvPr id="3" name="Grafik 2"/>
+          <p:cNvPicPr/>
+          <p:nvPr/>
+        </p:nvPicPr>
+        <p:blipFill>
+          <a:blip r:embed="rId2" cstate="print">
+            <a:extLst>
+              <a:ext uri="{28A0092B-C50C-407E-A947-70E740481C1C}">
+                <a14:useLocalDpi xmlns:a14="http://schemas.microsoft.com/office/drawing/2010/main" val="0"/>
+              </a:ext>
+            </a:extLst>
+          </a:blip>
+          <a:srcRect/>
+          <a:stretch>
+            <a:fillRect/>
+          </a:stretch>
+        </p:blipFill>
+        <p:spPr bwMode="auto">
+          <a:xfrm>
+            <a:off x="457200" y="2311509"/>
+            <a:ext cx="8229600" cy="4546491"/>
+          </a:xfrm>
+          <a:prstGeom prst="rect">
+            <a:avLst/>
+          </a:prstGeom>
+          <a:noFill/>
+          <a:ln>
+            <a:noFill/>
+          </a:ln>
+        </p:spPr>
+      </p:pic>
+    </p:spTree>
+    <p:extLst>
+      <p:ext uri="{BB962C8B-B14F-4D97-AF65-F5344CB8AC3E}">
+        <p14:creationId xmlns:p14="http://schemas.microsoft.com/office/powerpoint/2010/main" val="526157708"/>
+      </p:ext>
+    </p:extLst>
+  </p:cSld>
+  <p:clrMapOvr>
+    <a:masterClrMapping/>
+  </p:clrMapOvr>
+  <p:timing>
+    <p:tnLst>
+      <p:par>
+        <p:cTn id="1" dur="indefinite" restart="never" nodeType="tmRoot"/>
+      </p:par>
+    </p:tnLst>
+  </p:timing>
+</p:sld>
+</file>
+
+<file path=ppt/slides/slide18.xml><?xml version="1.0" encoding="utf-8"?>
+<p:sld xmlns:a="http://schemas.openxmlformats.org/drawingml/2006/main" xmlns:r="http://schemas.openxmlformats.org/officeDocument/2006/relationships" xmlns:p="http://schemas.openxmlformats.org/presentationml/2006/main">
+  <p:cSld>
+    <p:spTree>
+      <p:nvGrpSpPr>
+        <p:cNvPr id="1" name=""/>
+        <p:cNvGrpSpPr/>
+        <p:nvPr/>
+      </p:nvGrpSpPr>
+      <p:grpSpPr>
+        <a:xfrm>
+          <a:off x="0" y="0"/>
+          <a:ext cx="0" cy="0"/>
+          <a:chOff x="0" y="0"/>
+          <a:chExt cx="0" cy="0"/>
+        </a:xfrm>
+      </p:grpSpPr>
+      <p:sp>
+        <p:nvSpPr>
+          <p:cNvPr id="2" name="Titel 1"/>
+          <p:cNvSpPr>
+            <a:spLocks noGrp="1"/>
+          </p:cNvSpPr>
+          <p:nvPr>
+            <p:ph type="title"/>
+          </p:nvPr>
+        </p:nvSpPr>
+        <p:spPr>
+          <a:xfrm>
+            <a:off x="395536" y="1072316"/>
+            <a:ext cx="8229600" cy="1069848"/>
+          </a:xfrm>
+        </p:spPr>
+        <p:txBody>
+          <a:bodyPr>
+            <a:noAutofit/>
+          </a:bodyPr>
+          <a:lstStyle/>
+          <a:p>
+            <a:r>
+              <a:rPr lang="de-DE" sz="2800" dirty="0"/>
+              <a:t>Sachbearbeiter wird zum Gruppenleiter ernannt. Hat jetzt eine Arbeitsgruppe unter sich. Darf weiterhin Daten erfassen. Hat durch Stippler eine Übersicht aller Daten seiner Arbeitsgruppe.</a:t>
+            </a:r>
+            <a:br>
+              <a:rPr lang="de-DE" sz="2800" dirty="0"/>
+            </a:br>
+            <a:endParaRPr lang="de-DE" sz="2800" dirty="0"/>
+          </a:p>
+        </p:txBody>
+      </p:sp>
+      <p:pic>
+        <p:nvPicPr>
+          <p:cNvPr id="3" name="Grafik 2"/>
+          <p:cNvPicPr/>
+          <p:nvPr/>
+        </p:nvPicPr>
+        <p:blipFill rotWithShape="1">
+          <a:blip r:embed="rId2" cstate="print"/>
+          <a:srcRect l="21287"/>
+          <a:stretch/>
+        </p:blipFill>
+        <p:spPr>
+          <a:xfrm>
+            <a:off x="492034" y="2348880"/>
+            <a:ext cx="8359234" cy="4509120"/>
+          </a:xfrm>
+          <a:prstGeom prst="rect">
+            <a:avLst/>
+          </a:prstGeom>
+        </p:spPr>
+      </p:pic>
+    </p:spTree>
+    <p:extLst>
+      <p:ext uri="{BB962C8B-B14F-4D97-AF65-F5344CB8AC3E}">
+        <p14:creationId xmlns:p14="http://schemas.microsoft.com/office/powerpoint/2010/main" val="1260923131"/>
+      </p:ext>
+    </p:extLst>
+  </p:cSld>
+  <p:clrMapOvr>
+    <a:masterClrMapping/>
+  </p:clrMapOvr>
+  <p:timing>
+    <p:tnLst>
+      <p:par>
+        <p:cTn id="1" dur="indefinite" restart="never" nodeType="tmRoot"/>
+      </p:par>
+    </p:tnLst>
+  </p:timing>
+</p:sld>
+</file>
+
+<file path=ppt/slides/slide19.xml><?xml version="1.0" encoding="utf-8"?>
+<p:sld xmlns:a="http://schemas.openxmlformats.org/drawingml/2006/main" xmlns:r="http://schemas.openxmlformats.org/officeDocument/2006/relationships" xmlns:p="http://schemas.openxmlformats.org/presentationml/2006/main">
+  <p:cSld>
+    <p:spTree>
+      <p:nvGrpSpPr>
+        <p:cNvPr id="1" name=""/>
+        <p:cNvGrpSpPr/>
+        <p:nvPr/>
+      </p:nvGrpSpPr>
+      <p:grpSpPr>
+        <a:xfrm>
+          <a:off x="0" y="0"/>
+          <a:ext cx="0" cy="0"/>
+          <a:chOff x="0" y="0"/>
+          <a:chExt cx="0" cy="0"/>
+        </a:xfrm>
+      </p:grpSpPr>
+      <p:sp>
+        <p:nvSpPr>
+          <p:cNvPr id="2" name="Titel 1"/>
+          <p:cNvSpPr>
+            <a:spLocks noGrp="1"/>
+          </p:cNvSpPr>
+          <p:nvPr>
+            <p:ph type="title"/>
+          </p:nvPr>
+        </p:nvSpPr>
+        <p:spPr>
+          <a:xfrm>
+            <a:off x="457200" y="1412776"/>
+            <a:ext cx="8229600" cy="1069848"/>
+          </a:xfrm>
+        </p:spPr>
+        <p:txBody>
+          <a:bodyPr>
+            <a:noAutofit/>
+          </a:bodyPr>
+          <a:lstStyle/>
+          <a:p>
+            <a:r>
+              <a:rPr lang="de-DE" sz="3200" dirty="0"/>
+              <a:t>Gruppenleiter wird zum Bereichsleiter ernannt. </a:t>
+            </a:r>
+            <a:r>
+              <a:rPr lang="de-DE" sz="3200" dirty="0" smtClean="0"/>
+              <a:t>Er Hat </a:t>
+            </a:r>
+            <a:r>
+              <a:rPr lang="de-DE" sz="3200" dirty="0"/>
+              <a:t>jetzt mehrere Arbeitsgruppen unter sich. Durch Stippler ist ein Export der Übersichten in ein PDF oder eine Excel-Tabelle möglich.</a:t>
+            </a:r>
+            <a:br>
+              <a:rPr lang="de-DE" sz="3200" dirty="0"/>
+            </a:br>
+            <a:endParaRPr lang="de-DE" sz="3200" dirty="0"/>
+          </a:p>
+        </p:txBody>
+      </p:sp>
+      <p:pic>
+        <p:nvPicPr>
+          <p:cNvPr id="3" name="Grafik 2"/>
+          <p:cNvPicPr/>
+          <p:nvPr/>
+        </p:nvPicPr>
+        <p:blipFill>
+          <a:blip r:embed="rId2" cstate="print">
+            <a:extLst>
+              <a:ext uri="{28A0092B-C50C-407E-A947-70E740481C1C}">
+                <a14:useLocalDpi xmlns:a14="http://schemas.microsoft.com/office/drawing/2010/main" val="0"/>
+              </a:ext>
+            </a:extLst>
+          </a:blip>
+          <a:srcRect/>
+          <a:stretch>
+            <a:fillRect/>
+          </a:stretch>
+        </p:blipFill>
+        <p:spPr bwMode="auto">
+          <a:xfrm>
+            <a:off x="457200" y="2996952"/>
+            <a:ext cx="8363272" cy="3861048"/>
+          </a:xfrm>
+          <a:prstGeom prst="rect">
+            <a:avLst/>
+          </a:prstGeom>
+          <a:noFill/>
+          <a:ln>
+            <a:noFill/>
+          </a:ln>
+        </p:spPr>
+      </p:pic>
+    </p:spTree>
+    <p:extLst>
+      <p:ext uri="{BB962C8B-B14F-4D97-AF65-F5344CB8AC3E}">
+        <p14:creationId xmlns:p14="http://schemas.microsoft.com/office/powerpoint/2010/main" val="2480907429"/>
+      </p:ext>
+    </p:extLst>
+  </p:cSld>
+  <p:clrMapOvr>
+    <a:masterClrMapping/>
+  </p:clrMapOvr>
+  <p:timing>
+    <p:tnLst>
+      <p:par>
+        <p:cTn id="1" dur="indefinite" restart="never" nodeType="tmRoot"/>
+      </p:par>
+    </p:tnLst>
+  </p:timing>
+</p:sld>
+</file>
+
+<file path=ppt/slides/slide2.xml><?xml version="1.0" encoding="utf-8"?>
+<p:sld xmlns:a="http://schemas.openxmlformats.org/drawingml/2006/main" xmlns:r="http://schemas.openxmlformats.org/officeDocument/2006/relationships" xmlns:p="http://schemas.openxmlformats.org/presentationml/2006/main">
+  <p:cSld>
+    <p:spTree>
+      <p:nvGrpSpPr>
+        <p:cNvPr id="1" name=""/>
+        <p:cNvGrpSpPr/>
+        <p:nvPr/>
+      </p:nvGrpSpPr>
+      <p:grpSpPr>
+        <a:xfrm>
+          <a:off x="0" y="0"/>
+          <a:ext cx="0" cy="0"/>
+          <a:chOff x="0" y="0"/>
+          <a:chExt cx="0" cy="0"/>
+        </a:xfrm>
+      </p:grpSpPr>
+      <p:sp>
+        <p:nvSpPr>
+          <p:cNvPr id="2" name="Titel 1"/>
+          <p:cNvSpPr>
+            <a:spLocks noGrp="1"/>
+          </p:cNvSpPr>
+          <p:nvPr>
+            <p:ph type="title"/>
+          </p:nvPr>
+        </p:nvSpPr>
+        <p:spPr/>
+        <p:txBody>
+          <a:bodyPr/>
+          <a:lstStyle/>
+          <a:p>
+            <a:r>
+              <a:rPr lang="de-DE" dirty="0" smtClean="0"/>
+              <a:t>Agenda</a:t>
+            </a:r>
+            <a:endParaRPr lang="de-DE" dirty="0"/>
+          </a:p>
+        </p:txBody>
+      </p:sp>
+      <p:sp>
+        <p:nvSpPr>
+          <p:cNvPr id="3" name="Inhaltsplatzhalter 2"/>
           <p:cNvSpPr txBox="1">
             <a:spLocks/>
           </p:cNvSpPr>
@@ -11066,7 +12088,7 @@
         </p:nvSpPr>
         <p:spPr>
           <a:xfrm>
-            <a:off x="609600" y="2401824"/>
+            <a:off x="457200" y="2249424"/>
             <a:ext cx="8229600" cy="4325112"/>
           </a:xfrm>
           <a:prstGeom prst="rect">
@@ -11244,47 +12266,79 @@
           <a:p>
             <a:r>
               <a:rPr lang="de-DE" dirty="0" smtClean="0"/>
-              <a:t>Datenstruktur</a:t>
-            </a:r>
-          </a:p>
-          <a:p>
-            <a:pPr lvl="1"/>
+              <a:t>Aufgabenstellung</a:t>
+            </a:r>
+          </a:p>
+          <a:p>
             <a:r>
               <a:rPr lang="de-DE" dirty="0" smtClean="0"/>
-              <a:t>Keine Redundanzen</a:t>
-            </a:r>
-          </a:p>
-          <a:p>
-            <a:pPr lvl="1"/>
+              <a:t>Projektorganisation</a:t>
+            </a:r>
+          </a:p>
+          <a:p>
             <a:r>
               <a:rPr lang="de-DE" dirty="0" smtClean="0"/>
-              <a:t>Multiplizitäten</a:t>
-            </a:r>
+              <a:t>Zeitplan</a:t>
+            </a:r>
+          </a:p>
+          <a:p>
+            <a:r>
+              <a:rPr lang="de-DE" dirty="0" err="1" smtClean="0"/>
+              <a:t>Use</a:t>
+            </a:r>
+            <a:r>
+              <a:rPr lang="de-DE" dirty="0" smtClean="0"/>
+              <a:t> Cases / Rollen und Rechte</a:t>
+            </a:r>
+          </a:p>
+          <a:p>
+            <a:r>
+              <a:rPr lang="de-DE" dirty="0" smtClean="0"/>
+              <a:t>Systemumgebung</a:t>
+            </a:r>
+          </a:p>
+          <a:p>
+            <a:r>
+              <a:rPr lang="de-DE" dirty="0" smtClean="0"/>
+              <a:t>Systemarchitektur</a:t>
+            </a:r>
+          </a:p>
+          <a:p>
+            <a:r>
+              <a:rPr lang="de-DE" dirty="0" smtClean="0"/>
+              <a:t>Testphase</a:t>
+            </a:r>
+          </a:p>
+          <a:p>
+            <a:r>
+              <a:rPr lang="de-DE" dirty="0" smtClean="0"/>
+              <a:t>Live Demo</a:t>
+            </a:r>
+          </a:p>
+          <a:p>
+            <a:r>
+              <a:rPr lang="de-DE" dirty="0" err="1" smtClean="0"/>
+              <a:t>Lessons</a:t>
+            </a:r>
+            <a:r>
+              <a:rPr lang="de-DE" dirty="0" smtClean="0"/>
+              <a:t> </a:t>
+            </a:r>
+            <a:r>
+              <a:rPr lang="de-DE" dirty="0" err="1" smtClean="0"/>
+              <a:t>learned</a:t>
+            </a:r>
+            <a:endParaRPr lang="de-DE" dirty="0" smtClean="0"/>
+          </a:p>
+          <a:p>
             <a:endParaRPr lang="de-DE" dirty="0"/>
-          </a:p>
-          <a:p>
-            <a:r>
-              <a:rPr lang="de-DE" dirty="0" smtClean="0"/>
-              <a:t>Schnittstelle zur Datenbank</a:t>
-            </a:r>
-          </a:p>
-          <a:p>
-            <a:r>
-              <a:rPr lang="de-DE" dirty="0" smtClean="0"/>
-              <a:t>SQL </a:t>
-            </a:r>
-            <a:r>
-              <a:rPr lang="de-DE" dirty="0" err="1" smtClean="0"/>
-              <a:t>Queries</a:t>
-            </a:r>
-            <a:endParaRPr lang="de-DE" dirty="0" smtClean="0"/>
           </a:p>
         </p:txBody>
       </p:sp>
     </p:spTree>
     <p:extLst>
       <p:ext uri="{BB962C8B-B14F-4D97-AF65-F5344CB8AC3E}">
-        <p14:creationId xmlns:p14="http://schemas.microsoft.com/office/powerpoint/2010/main" val="2447740237"/>
+        <p14:creationId xmlns:p14="http://schemas.microsoft.com/office/powerpoint/2010/main" val="2653359653"/>
       </p:ext>
     </p:extLst>
   </p:cSld>
@@ -11301,7 +12355,7 @@
 </p:sld>
 </file>
 
-<file path=ppt/slides/slide12.xml><?xml version="1.0" encoding="utf-8"?>
+<file path=ppt/slides/slide20.xml><?xml version="1.0" encoding="utf-8"?>
 <p:sld xmlns:a="http://schemas.openxmlformats.org/drawingml/2006/main" xmlns:r="http://schemas.openxmlformats.org/officeDocument/2006/relationships" xmlns:p="http://schemas.openxmlformats.org/presentationml/2006/main">
   <p:cSld>
     <p:spTree>
@@ -11330,12 +12384,748 @@
         </p:nvSpPr>
         <p:spPr/>
         <p:txBody>
+          <a:bodyPr>
+            <a:noAutofit/>
+          </a:bodyPr>
+          <a:lstStyle/>
+          <a:p>
+            <a:r>
+              <a:rPr lang="de-DE" sz="2400" dirty="0"/>
+              <a:t>Bereichsleiter wird zum Zentralbereichsleiter. Dadurch erhält er </a:t>
+            </a:r>
+            <a:r>
+              <a:rPr lang="de-DE" sz="2400" dirty="0" smtClean="0"/>
+              <a:t>Einblick </a:t>
+            </a:r>
+            <a:r>
+              <a:rPr lang="de-DE" sz="2400" dirty="0"/>
+              <a:t>auf alle Bereiche. Das Runterbrechen der Übersicht auf die einzelnen Arbeitsgruppen ist durch Stippler möglich. Die Ausgabe als PDF und Excel-Tabelle ist weiterhin möglich.</a:t>
+            </a:r>
+            <a:br>
+              <a:rPr lang="de-DE" sz="2400" dirty="0"/>
+            </a:br>
+            <a:endParaRPr lang="de-DE" sz="2400" dirty="0"/>
+          </a:p>
+        </p:txBody>
+      </p:sp>
+      <p:pic>
+        <p:nvPicPr>
+          <p:cNvPr id="3" name="Grafik 2"/>
+          <p:cNvPicPr/>
+          <p:nvPr/>
+        </p:nvPicPr>
+        <p:blipFill>
+          <a:blip r:embed="rId2" cstate="print">
+            <a:extLst>
+              <a:ext uri="{28A0092B-C50C-407E-A947-70E740481C1C}">
+                <a14:useLocalDpi xmlns:a14="http://schemas.microsoft.com/office/drawing/2010/main" val="0"/>
+              </a:ext>
+            </a:extLst>
+          </a:blip>
+          <a:srcRect/>
+          <a:stretch>
+            <a:fillRect/>
+          </a:stretch>
+        </p:blipFill>
+        <p:spPr bwMode="auto">
+          <a:xfrm>
+            <a:off x="457200" y="2492896"/>
+            <a:ext cx="8229600" cy="4365104"/>
+          </a:xfrm>
+          <a:prstGeom prst="rect">
+            <a:avLst/>
+          </a:prstGeom>
+          <a:noFill/>
+          <a:ln>
+            <a:noFill/>
+          </a:ln>
+        </p:spPr>
+      </p:pic>
+    </p:spTree>
+    <p:extLst>
+      <p:ext uri="{BB962C8B-B14F-4D97-AF65-F5344CB8AC3E}">
+        <p14:creationId xmlns:p14="http://schemas.microsoft.com/office/powerpoint/2010/main" val="2659840383"/>
+      </p:ext>
+    </p:extLst>
+  </p:cSld>
+  <p:clrMapOvr>
+    <a:masterClrMapping/>
+  </p:clrMapOvr>
+  <p:timing>
+    <p:tnLst>
+      <p:par>
+        <p:cTn id="1" dur="indefinite" restart="never" nodeType="tmRoot"/>
+      </p:par>
+    </p:tnLst>
+  </p:timing>
+</p:sld>
+</file>
+
+<file path=ppt/slides/slide21.xml><?xml version="1.0" encoding="utf-8"?>
+<p:sld xmlns:a="http://schemas.openxmlformats.org/drawingml/2006/main" xmlns:r="http://schemas.openxmlformats.org/officeDocument/2006/relationships" xmlns:p="http://schemas.openxmlformats.org/presentationml/2006/main">
+  <p:cSld>
+    <p:spTree>
+      <p:nvGrpSpPr>
+        <p:cNvPr id="1" name=""/>
+        <p:cNvGrpSpPr/>
+        <p:nvPr/>
+      </p:nvGrpSpPr>
+      <p:grpSpPr>
+        <a:xfrm>
+          <a:off x="0" y="0"/>
+          <a:ext cx="0" cy="0"/>
+          <a:chOff x="0" y="0"/>
+          <a:chExt cx="0" cy="0"/>
+        </a:xfrm>
+      </p:grpSpPr>
+      <p:sp>
+        <p:nvSpPr>
+          <p:cNvPr id="2" name="Titel 1"/>
+          <p:cNvSpPr>
+            <a:spLocks noGrp="1"/>
+          </p:cNvSpPr>
+          <p:nvPr>
+            <p:ph type="title"/>
+          </p:nvPr>
+        </p:nvSpPr>
+        <p:spPr>
+          <a:xfrm>
+            <a:off x="469542" y="692696"/>
+            <a:ext cx="8229600" cy="1069848"/>
+          </a:xfrm>
+        </p:spPr>
+        <p:txBody>
+          <a:bodyPr>
+            <a:noAutofit/>
+          </a:bodyPr>
+          <a:lstStyle/>
+          <a:p>
+            <a:r>
+              <a:rPr lang="de-DE" sz="3200" dirty="0"/>
+              <a:t>Hier endet die Karriere des angelegten Mitarbeiters. Es folgen weitere Aufgaben der Fachbereichsorganisation in Stippler</a:t>
+            </a:r>
+            <a:r>
+              <a:rPr lang="de-DE" sz="3200" dirty="0" smtClean="0"/>
+              <a:t>.</a:t>
+            </a:r>
+            <a:endParaRPr lang="de-DE" sz="3200" dirty="0"/>
+          </a:p>
+        </p:txBody>
+      </p:sp>
+      <p:pic>
+        <p:nvPicPr>
+          <p:cNvPr id="3" name="Grafik 2"/>
+          <p:cNvPicPr/>
+          <p:nvPr/>
+        </p:nvPicPr>
+        <p:blipFill>
+          <a:blip r:embed="rId2" cstate="print"/>
+          <a:stretch>
+            <a:fillRect/>
+          </a:stretch>
+        </p:blipFill>
+        <p:spPr>
+          <a:xfrm>
+            <a:off x="450054" y="1988840"/>
+            <a:ext cx="8236745" cy="4869160"/>
+          </a:xfrm>
+          <a:prstGeom prst="rect">
+            <a:avLst/>
+          </a:prstGeom>
+        </p:spPr>
+      </p:pic>
+    </p:spTree>
+    <p:extLst>
+      <p:ext uri="{BB962C8B-B14F-4D97-AF65-F5344CB8AC3E}">
+        <p14:creationId xmlns:p14="http://schemas.microsoft.com/office/powerpoint/2010/main" val="2538859933"/>
+      </p:ext>
+    </p:extLst>
+  </p:cSld>
+  <p:clrMapOvr>
+    <a:masterClrMapping/>
+  </p:clrMapOvr>
+  <p:timing>
+    <p:tnLst>
+      <p:par>
+        <p:cTn id="1" dur="indefinite" restart="never" nodeType="tmRoot"/>
+      </p:par>
+    </p:tnLst>
+  </p:timing>
+</p:sld>
+</file>
+
+<file path=ppt/slides/slide22.xml><?xml version="1.0" encoding="utf-8"?>
+<p:sld xmlns:a="http://schemas.openxmlformats.org/drawingml/2006/main" xmlns:r="http://schemas.openxmlformats.org/officeDocument/2006/relationships" xmlns:p="http://schemas.openxmlformats.org/presentationml/2006/main">
+  <p:cSld>
+    <p:spTree>
+      <p:nvGrpSpPr>
+        <p:cNvPr id="1" name=""/>
+        <p:cNvGrpSpPr/>
+        <p:nvPr/>
+      </p:nvGrpSpPr>
+      <p:grpSpPr>
+        <a:xfrm>
+          <a:off x="0" y="0"/>
+          <a:ext cx="0" cy="0"/>
+          <a:chOff x="0" y="0"/>
+          <a:chExt cx="0" cy="0"/>
+        </a:xfrm>
+      </p:grpSpPr>
+      <p:sp>
+        <p:nvSpPr>
+          <p:cNvPr id="2" name="Titel 1"/>
+          <p:cNvSpPr>
+            <a:spLocks noGrp="1"/>
+          </p:cNvSpPr>
+          <p:nvPr>
+            <p:ph type="title"/>
+          </p:nvPr>
+        </p:nvSpPr>
+        <p:spPr>
+          <a:xfrm>
+            <a:off x="457200" y="972190"/>
+            <a:ext cx="8229600" cy="1069848"/>
+          </a:xfrm>
+        </p:spPr>
+        <p:txBody>
+          <a:bodyPr>
+            <a:noAutofit/>
+          </a:bodyPr>
+          <a:lstStyle/>
+          <a:p>
+            <a:r>
+              <a:rPr lang="de-DE" sz="2800" u="sng" dirty="0"/>
+              <a:t>Szenario Mitarbeiter löschen:</a:t>
+            </a:r>
+            <a:r>
+              <a:rPr lang="de-DE" sz="2800" dirty="0"/>
+              <a:t/>
+            </a:r>
+            <a:br>
+              <a:rPr lang="de-DE" sz="2800" dirty="0"/>
+            </a:br>
+            <a:r>
+              <a:rPr lang="de-DE" sz="2800" dirty="0"/>
+              <a:t>Mitarbeiter wird entlassen und aus dem Stippler-System entfernt. Der Zugang </a:t>
+            </a:r>
+            <a:r>
+              <a:rPr lang="de-DE" sz="2800" dirty="0" smtClean="0"/>
+              <a:t>wird ihm in Stippler </a:t>
+            </a:r>
+            <a:r>
+              <a:rPr lang="de-DE" sz="2800" dirty="0"/>
+              <a:t>verweigert.</a:t>
+            </a:r>
+            <a:br>
+              <a:rPr lang="de-DE" sz="2800" dirty="0"/>
+            </a:br>
+            <a:endParaRPr lang="de-DE" sz="2800" dirty="0"/>
+          </a:p>
+        </p:txBody>
+      </p:sp>
+      <p:pic>
+        <p:nvPicPr>
+          <p:cNvPr id="3" name="Grafik 2"/>
+          <p:cNvPicPr/>
+          <p:nvPr/>
+        </p:nvPicPr>
+        <p:blipFill rotWithShape="1">
+          <a:blip r:embed="rId2" cstate="print"/>
+          <a:srcRect t="3003"/>
+          <a:stretch/>
+        </p:blipFill>
+        <p:spPr>
+          <a:xfrm>
+            <a:off x="457200" y="2204864"/>
+            <a:ext cx="8229600" cy="4653136"/>
+          </a:xfrm>
+          <a:prstGeom prst="rect">
+            <a:avLst/>
+          </a:prstGeom>
+        </p:spPr>
+      </p:pic>
+    </p:spTree>
+    <p:extLst>
+      <p:ext uri="{BB962C8B-B14F-4D97-AF65-F5344CB8AC3E}">
+        <p14:creationId xmlns:p14="http://schemas.microsoft.com/office/powerpoint/2010/main" val="3956960791"/>
+      </p:ext>
+    </p:extLst>
+  </p:cSld>
+  <p:clrMapOvr>
+    <a:masterClrMapping/>
+  </p:clrMapOvr>
+  <p:timing>
+    <p:tnLst>
+      <p:par>
+        <p:cTn id="1" dur="indefinite" restart="never" nodeType="tmRoot"/>
+      </p:par>
+    </p:tnLst>
+  </p:timing>
+</p:sld>
+</file>
+
+<file path=ppt/slides/slide23.xml><?xml version="1.0" encoding="utf-8"?>
+<p:sld xmlns:a="http://schemas.openxmlformats.org/drawingml/2006/main" xmlns:r="http://schemas.openxmlformats.org/officeDocument/2006/relationships" xmlns:p="http://schemas.openxmlformats.org/presentationml/2006/main">
+  <p:cSld>
+    <p:spTree>
+      <p:nvGrpSpPr>
+        <p:cNvPr id="1" name=""/>
+        <p:cNvGrpSpPr/>
+        <p:nvPr/>
+      </p:nvGrpSpPr>
+      <p:grpSpPr>
+        <a:xfrm>
+          <a:off x="0" y="0"/>
+          <a:ext cx="0" cy="0"/>
+          <a:chOff x="0" y="0"/>
+          <a:chExt cx="0" cy="0"/>
+        </a:xfrm>
+      </p:grpSpPr>
+      <p:sp>
+        <p:nvSpPr>
+          <p:cNvPr id="2" name="Titel 1"/>
+          <p:cNvSpPr>
+            <a:spLocks noGrp="1"/>
+          </p:cNvSpPr>
+          <p:nvPr>
+            <p:ph type="title"/>
+          </p:nvPr>
+        </p:nvSpPr>
+        <p:spPr>
+          <a:xfrm>
+            <a:off x="474099" y="764704"/>
+            <a:ext cx="8229600" cy="1069848"/>
+          </a:xfrm>
+        </p:spPr>
+        <p:txBody>
+          <a:bodyPr>
+            <a:noAutofit/>
+          </a:bodyPr>
+          <a:lstStyle/>
+          <a:p>
+            <a:r>
+              <a:rPr lang="de-DE" sz="1800" u="sng" dirty="0"/>
+              <a:t>Szenario Art anlegen:</a:t>
+            </a:r>
+            <a:r>
+              <a:rPr lang="de-DE" sz="1800" dirty="0"/>
+              <a:t/>
+            </a:r>
+            <a:br>
+              <a:rPr lang="de-DE" sz="1800" dirty="0"/>
+            </a:br>
+            <a:r>
+              <a:rPr lang="de-DE" sz="1800" dirty="0"/>
+              <a:t>Mitarbeiter telefoniert mit Kunden, welcher ein Problem mit seinem Computer besitzt. Da die Art „Computerprobleme“ nicht im System implementiert ist, legt die Fachbereichsorganisation eine neue Art an um die Zahl </a:t>
+            </a:r>
+            <a:r>
+              <a:rPr lang="de-DE" sz="1800" dirty="0" smtClean="0"/>
+              <a:t>der gelösten Computerprobleme elektronisch </a:t>
+            </a:r>
+            <a:r>
+              <a:rPr lang="de-DE" sz="1800" dirty="0"/>
+              <a:t>zu erfassen.</a:t>
+            </a:r>
+            <a:br>
+              <a:rPr lang="de-DE" sz="1800" dirty="0"/>
+            </a:br>
+            <a:endParaRPr lang="de-DE" sz="1800" dirty="0"/>
+          </a:p>
+        </p:txBody>
+      </p:sp>
+      <p:pic>
+        <p:nvPicPr>
+          <p:cNvPr id="3" name="Grafik 2"/>
+          <p:cNvPicPr/>
+          <p:nvPr/>
+        </p:nvPicPr>
+        <p:blipFill>
+          <a:blip r:embed="rId2" cstate="print"/>
+          <a:stretch>
+            <a:fillRect/>
+          </a:stretch>
+        </p:blipFill>
+        <p:spPr>
+          <a:xfrm>
+            <a:off x="449662" y="1916832"/>
+            <a:ext cx="8237138" cy="4941167"/>
+          </a:xfrm>
+          <a:prstGeom prst="rect">
+            <a:avLst/>
+          </a:prstGeom>
+        </p:spPr>
+      </p:pic>
+    </p:spTree>
+    <p:extLst>
+      <p:ext uri="{BB962C8B-B14F-4D97-AF65-F5344CB8AC3E}">
+        <p14:creationId xmlns:p14="http://schemas.microsoft.com/office/powerpoint/2010/main" val="2566061532"/>
+      </p:ext>
+    </p:extLst>
+  </p:cSld>
+  <p:clrMapOvr>
+    <a:masterClrMapping/>
+  </p:clrMapOvr>
+  <p:timing>
+    <p:tnLst>
+      <p:par>
+        <p:cTn id="1" dur="indefinite" restart="never" nodeType="tmRoot"/>
+      </p:par>
+    </p:tnLst>
+  </p:timing>
+</p:sld>
+</file>
+
+<file path=ppt/slides/slide24.xml><?xml version="1.0" encoding="utf-8"?>
+<p:sld xmlns:a="http://schemas.openxmlformats.org/drawingml/2006/main" xmlns:r="http://schemas.openxmlformats.org/officeDocument/2006/relationships" xmlns:p="http://schemas.openxmlformats.org/presentationml/2006/main">
+  <p:cSld>
+    <p:spTree>
+      <p:nvGrpSpPr>
+        <p:cNvPr id="1" name=""/>
+        <p:cNvGrpSpPr/>
+        <p:nvPr/>
+      </p:nvGrpSpPr>
+      <p:grpSpPr>
+        <a:xfrm>
+          <a:off x="0" y="0"/>
+          <a:ext cx="0" cy="0"/>
+          <a:chOff x="0" y="0"/>
+          <a:chExt cx="0" cy="0"/>
+        </a:xfrm>
+      </p:grpSpPr>
+      <p:sp>
+        <p:nvSpPr>
+          <p:cNvPr id="2" name="Titel 1"/>
+          <p:cNvSpPr>
+            <a:spLocks noGrp="1"/>
+          </p:cNvSpPr>
+          <p:nvPr>
+            <p:ph type="title"/>
+          </p:nvPr>
+        </p:nvSpPr>
+        <p:spPr>
+          <a:xfrm>
+            <a:off x="457200" y="774976"/>
+            <a:ext cx="8229600" cy="1069848"/>
+          </a:xfrm>
+        </p:spPr>
+        <p:txBody>
+          <a:bodyPr>
+            <a:noAutofit/>
+          </a:bodyPr>
+          <a:lstStyle/>
+          <a:p>
+            <a:r>
+              <a:rPr lang="de-DE" sz="2400" u="heavy" dirty="0"/>
+              <a:t>Szenario Bereich bearbeiten:</a:t>
+            </a:r>
+            <a:r>
+              <a:rPr lang="de-DE" sz="2400" dirty="0"/>
+              <a:t/>
+            </a:r>
+            <a:br>
+              <a:rPr lang="de-DE" sz="2400" dirty="0"/>
+            </a:br>
+            <a:r>
+              <a:rPr lang="de-DE" sz="2400" dirty="0"/>
+              <a:t>Da der Mitarbeiter aus dem System entfernt wurde, ist der Bereich ohne Leiter. Der Bereichsleiter wird durch die Fachbereichsorganisation </a:t>
+            </a:r>
+            <a:r>
+              <a:rPr lang="de-DE" sz="2400" dirty="0" smtClean="0"/>
+              <a:t>in Stippler gepflegt</a:t>
+            </a:r>
+            <a:r>
+              <a:rPr lang="de-DE" sz="2400" dirty="0"/>
+              <a:t>.</a:t>
+            </a:r>
+            <a:br>
+              <a:rPr lang="de-DE" sz="2400" dirty="0"/>
+            </a:br>
+            <a:endParaRPr lang="de-DE" sz="2400" dirty="0"/>
+          </a:p>
+        </p:txBody>
+      </p:sp>
+      <p:pic>
+        <p:nvPicPr>
+          <p:cNvPr id="3" name="Grafik 2"/>
+          <p:cNvPicPr/>
+          <p:nvPr/>
+        </p:nvPicPr>
+        <p:blipFill>
+          <a:blip r:embed="rId2" cstate="print"/>
+          <a:stretch>
+            <a:fillRect/>
+          </a:stretch>
+        </p:blipFill>
+        <p:spPr>
+          <a:xfrm>
+            <a:off x="457200" y="1844824"/>
+            <a:ext cx="8229600" cy="5013176"/>
+          </a:xfrm>
+          <a:prstGeom prst="rect">
+            <a:avLst/>
+          </a:prstGeom>
+        </p:spPr>
+      </p:pic>
+    </p:spTree>
+    <p:extLst>
+      <p:ext uri="{BB962C8B-B14F-4D97-AF65-F5344CB8AC3E}">
+        <p14:creationId xmlns:p14="http://schemas.microsoft.com/office/powerpoint/2010/main" val="2657265906"/>
+      </p:ext>
+    </p:extLst>
+  </p:cSld>
+  <p:clrMapOvr>
+    <a:masterClrMapping/>
+  </p:clrMapOvr>
+  <p:timing>
+    <p:tnLst>
+      <p:par>
+        <p:cTn id="1" dur="indefinite" restart="never" nodeType="tmRoot"/>
+      </p:par>
+    </p:tnLst>
+  </p:timing>
+</p:sld>
+</file>
+
+<file path=ppt/slides/slide25.xml><?xml version="1.0" encoding="utf-8"?>
+<p:sld xmlns:a="http://schemas.openxmlformats.org/drawingml/2006/main" xmlns:r="http://schemas.openxmlformats.org/officeDocument/2006/relationships" xmlns:p="http://schemas.openxmlformats.org/presentationml/2006/main">
+  <p:cSld>
+    <p:spTree>
+      <p:nvGrpSpPr>
+        <p:cNvPr id="1" name=""/>
+        <p:cNvGrpSpPr/>
+        <p:nvPr/>
+      </p:nvGrpSpPr>
+      <p:grpSpPr>
+        <a:xfrm>
+          <a:off x="0" y="0"/>
+          <a:ext cx="0" cy="0"/>
+          <a:chOff x="0" y="0"/>
+          <a:chExt cx="0" cy="0"/>
+        </a:xfrm>
+      </p:grpSpPr>
+      <p:sp>
+        <p:nvSpPr>
+          <p:cNvPr id="2" name="Titel 1"/>
+          <p:cNvSpPr>
+            <a:spLocks noGrp="1"/>
+          </p:cNvSpPr>
+          <p:nvPr>
+            <p:ph type="title"/>
+          </p:nvPr>
+        </p:nvSpPr>
+        <p:spPr>
+          <a:xfrm>
+            <a:off x="457200" y="1279032"/>
+            <a:ext cx="8229600" cy="1069848"/>
+          </a:xfrm>
+        </p:spPr>
+        <p:txBody>
+          <a:bodyPr>
+            <a:noAutofit/>
+          </a:bodyPr>
+          <a:lstStyle/>
+          <a:p>
+            <a:r>
+              <a:rPr lang="de-DE" sz="2800" u="heavy" dirty="0"/>
+              <a:t>Szenario Arbeitsgruppe bearbeiten:</a:t>
+            </a:r>
+            <a:r>
+              <a:rPr lang="de-DE" sz="2800" dirty="0"/>
+              <a:t/>
+            </a:r>
+            <a:br>
+              <a:rPr lang="de-DE" sz="2800" dirty="0"/>
+            </a:br>
+            <a:r>
+              <a:rPr lang="de-DE" sz="2800" dirty="0"/>
+              <a:t>Innerhalb einer Gruppe wird ein neuer Leiter gesetzt</a:t>
+            </a:r>
+            <a:r>
+              <a:rPr lang="de-DE" sz="2800" dirty="0" smtClean="0"/>
+              <a:t>. Die Pflege der Daten einer Arbeitsgruppe wird durch die Fachbereichsorganisation sichergestellt</a:t>
+            </a:r>
+            <a:r>
+              <a:rPr lang="de-DE" sz="2800" dirty="0"/>
+              <a:t/>
+            </a:r>
+            <a:br>
+              <a:rPr lang="de-DE" sz="2800" dirty="0"/>
+            </a:br>
+            <a:endParaRPr lang="de-DE" sz="2800" dirty="0"/>
+          </a:p>
+        </p:txBody>
+      </p:sp>
+      <p:pic>
+        <p:nvPicPr>
+          <p:cNvPr id="3" name="Grafik 2"/>
+          <p:cNvPicPr/>
+          <p:nvPr/>
+        </p:nvPicPr>
+        <p:blipFill>
+          <a:blip r:embed="rId2" cstate="print"/>
+          <a:stretch>
+            <a:fillRect/>
+          </a:stretch>
+        </p:blipFill>
+        <p:spPr>
+          <a:xfrm>
+            <a:off x="457200" y="2780928"/>
+            <a:ext cx="8229600" cy="4077072"/>
+          </a:xfrm>
+          <a:prstGeom prst="rect">
+            <a:avLst/>
+          </a:prstGeom>
+        </p:spPr>
+      </p:pic>
+    </p:spTree>
+    <p:extLst>
+      <p:ext uri="{BB962C8B-B14F-4D97-AF65-F5344CB8AC3E}">
+        <p14:creationId xmlns:p14="http://schemas.microsoft.com/office/powerpoint/2010/main" val="1762684078"/>
+      </p:ext>
+    </p:extLst>
+  </p:cSld>
+  <p:clrMapOvr>
+    <a:masterClrMapping/>
+  </p:clrMapOvr>
+  <p:timing>
+    <p:tnLst>
+      <p:par>
+        <p:cTn id="1" dur="indefinite" restart="never" nodeType="tmRoot"/>
+      </p:par>
+    </p:tnLst>
+  </p:timing>
+</p:sld>
+</file>
+
+<file path=ppt/slides/slide26.xml><?xml version="1.0" encoding="utf-8"?>
+<p:sld xmlns:a="http://schemas.openxmlformats.org/drawingml/2006/main" xmlns:r="http://schemas.openxmlformats.org/officeDocument/2006/relationships" xmlns:p="http://schemas.openxmlformats.org/presentationml/2006/main">
+  <p:cSld>
+    <p:spTree>
+      <p:nvGrpSpPr>
+        <p:cNvPr id="1" name=""/>
+        <p:cNvGrpSpPr/>
+        <p:nvPr/>
+      </p:nvGrpSpPr>
+      <p:grpSpPr>
+        <a:xfrm>
+          <a:off x="0" y="0"/>
+          <a:ext cx="0" cy="0"/>
+          <a:chOff x="0" y="0"/>
+          <a:chExt cx="0" cy="0"/>
+        </a:xfrm>
+      </p:grpSpPr>
+      <p:sp>
+        <p:nvSpPr>
+          <p:cNvPr id="2" name="Titel 1"/>
+          <p:cNvSpPr>
+            <a:spLocks noGrp="1"/>
+          </p:cNvSpPr>
+          <p:nvPr>
+            <p:ph type="title"/>
+          </p:nvPr>
+        </p:nvSpPr>
+        <p:spPr/>
+        <p:txBody>
+          <a:bodyPr>
+            <a:normAutofit fontScale="90000"/>
+          </a:bodyPr>
+          <a:lstStyle/>
+          <a:p>
+            <a:r>
+              <a:rPr lang="de-DE" dirty="0" smtClean="0"/>
+              <a:t>All das wird realisiert durch.. Stippler!</a:t>
+            </a:r>
+            <a:endParaRPr lang="de-DE" dirty="0"/>
+          </a:p>
+        </p:txBody>
+      </p:sp>
+      <p:pic>
+        <p:nvPicPr>
+          <p:cNvPr id="3" name="Grafik 2"/>
+          <p:cNvPicPr>
+            <a:picLocks noChangeAspect="1"/>
+          </p:cNvPicPr>
+          <p:nvPr/>
+        </p:nvPicPr>
+        <p:blipFill>
+          <a:blip r:embed="rId2" cstate="print"/>
+          <a:stretch>
+            <a:fillRect/>
+          </a:stretch>
+        </p:blipFill>
+        <p:spPr>
+          <a:xfrm>
+            <a:off x="128587" y="2181225"/>
+            <a:ext cx="8886825" cy="4676775"/>
+          </a:xfrm>
+          <a:prstGeom prst="rect">
+            <a:avLst/>
+          </a:prstGeom>
+        </p:spPr>
+      </p:pic>
+    </p:spTree>
+    <p:extLst>
+      <p:ext uri="{BB962C8B-B14F-4D97-AF65-F5344CB8AC3E}">
+        <p14:creationId xmlns:p14="http://schemas.microsoft.com/office/powerpoint/2010/main" val="3372370494"/>
+      </p:ext>
+    </p:extLst>
+  </p:cSld>
+  <p:clrMapOvr>
+    <a:masterClrMapping/>
+  </p:clrMapOvr>
+  <p:timing>
+    <p:tnLst>
+      <p:par>
+        <p:cTn id="1" dur="indefinite" restart="never" nodeType="tmRoot"/>
+      </p:par>
+    </p:tnLst>
+  </p:timing>
+</p:sld>
+</file>
+
+<file path=ppt/slides/slide27.xml><?xml version="1.0" encoding="utf-8"?>
+<p:sld xmlns:a="http://schemas.openxmlformats.org/drawingml/2006/main" xmlns:r="http://schemas.openxmlformats.org/officeDocument/2006/relationships" xmlns:p="http://schemas.openxmlformats.org/presentationml/2006/main">
+  <p:cSld>
+    <p:spTree>
+      <p:nvGrpSpPr>
+        <p:cNvPr id="1" name=""/>
+        <p:cNvGrpSpPr/>
+        <p:nvPr/>
+      </p:nvGrpSpPr>
+      <p:grpSpPr>
+        <a:xfrm>
+          <a:off x="0" y="0"/>
+          <a:ext cx="0" cy="0"/>
+          <a:chOff x="0" y="0"/>
+          <a:chExt cx="0" cy="0"/>
+        </a:xfrm>
+      </p:grpSpPr>
+      <p:sp>
+        <p:nvSpPr>
+          <p:cNvPr id="2" name="Titel 1"/>
+          <p:cNvSpPr>
+            <a:spLocks noGrp="1"/>
+          </p:cNvSpPr>
+          <p:nvPr>
+            <p:ph type="title"/>
+          </p:nvPr>
+        </p:nvSpPr>
+        <p:spPr/>
+        <p:txBody>
           <a:bodyPr/>
           <a:lstStyle/>
           <a:p>
             <a:r>
+              <a:rPr lang="de-DE" dirty="0" err="1" smtClean="0"/>
+              <a:t>Lessons</a:t>
+            </a:r>
+            <a:r>
               <a:rPr lang="de-DE" dirty="0" smtClean="0"/>
-              <a:t>Architektur</a:t>
+              <a:t> </a:t>
+            </a:r>
+            <a:r>
+              <a:rPr lang="de-DE" dirty="0" err="1" smtClean="0"/>
+              <a:t>learned</a:t>
             </a:r>
             <a:endParaRPr lang="de-DE" dirty="0"/>
           </a:p>
@@ -11343,7 +13133,7 @@
       </p:sp>
       <p:sp>
         <p:nvSpPr>
-          <p:cNvPr id="3" name="Inhaltsplatzhalter 2"/>
+          <p:cNvPr id="4" name="Inhaltsplatzhalter 2"/>
           <p:cNvSpPr txBox="1">
             <a:spLocks/>
           </p:cNvSpPr>
@@ -11529,28 +13319,50 @@
           <a:p>
             <a:r>
               <a:rPr lang="de-DE" dirty="0" smtClean="0"/>
-              <a:t>Definition Schnittstellen</a:t>
-            </a:r>
+              <a:t>Papierprototypen </a:t>
+            </a:r>
+            <a:r>
+              <a:rPr lang="de-DE" dirty="0" smtClean="0">
+                <a:sym typeface="Wingdings" panose="05000000000000000000" pitchFamily="2" charset="2"/>
+              </a:rPr>
+              <a:t> GUI-Designer</a:t>
+            </a:r>
+            <a:endParaRPr lang="de-DE" dirty="0" smtClean="0"/>
           </a:p>
           <a:p>
             <a:r>
               <a:rPr lang="de-DE" dirty="0" smtClean="0"/>
-              <a:t>Aufwand bei Programmierung reduziert</a:t>
-            </a:r>
+              <a:t>Modelle vollständig fertigstellen, bevor aufbauendende Schritte begonnen werden</a:t>
+            </a:r>
+          </a:p>
+          <a:p>
+            <a:pPr lvl="1"/>
+            <a:r>
+              <a:rPr lang="de-DE" dirty="0" smtClean="0">
+                <a:sym typeface="Wingdings" panose="05000000000000000000" pitchFamily="2" charset="2"/>
+              </a:rPr>
+              <a:t>Vermeidet Redundanz und somit Änderungsaufwand</a:t>
+            </a:r>
+            <a:endParaRPr lang="de-DE" dirty="0" smtClean="0"/>
           </a:p>
           <a:p>
             <a:r>
               <a:rPr lang="de-DE" dirty="0" smtClean="0"/>
-              <a:t>Interaktion zwischen Schichten sowie zwischen Controllern</a:t>
-            </a:r>
-            <a:endParaRPr lang="de-DE" dirty="0"/>
+              <a:t>Oberflächenelemente eindeutig festlegen</a:t>
+            </a:r>
+          </a:p>
+          <a:p>
+            <a:r>
+              <a:rPr lang="de-DE" dirty="0" smtClean="0"/>
+              <a:t>Schnittstellen definieren (View – Controller – Model)</a:t>
+            </a:r>
           </a:p>
         </p:txBody>
       </p:sp>
     </p:spTree>
     <p:extLst>
       <p:ext uri="{BB962C8B-B14F-4D97-AF65-F5344CB8AC3E}">
-        <p14:creationId xmlns:p14="http://schemas.microsoft.com/office/powerpoint/2010/main" val="3159283490"/>
+        <p14:creationId xmlns:p14="http://schemas.microsoft.com/office/powerpoint/2010/main" val="3771086656"/>
       </p:ext>
     </p:extLst>
   </p:cSld>
@@ -11567,7 +13379,7 @@
 </p:sld>
 </file>
 
-<file path=ppt/slides/slide13.xml><?xml version="1.0" encoding="utf-8"?>
+<file path=ppt/slides/slide28.xml><?xml version="1.0" encoding="utf-8"?>
 <p:sld xmlns:a="http://schemas.openxmlformats.org/drawingml/2006/main" xmlns:r="http://schemas.openxmlformats.org/officeDocument/2006/relationships" xmlns:p="http://schemas.openxmlformats.org/presentationml/2006/main">
   <p:cSld>
     <p:spTree>
@@ -11600,47 +13412,279 @@
           <a:lstStyle/>
           <a:p>
             <a:r>
+              <a:rPr lang="de-DE" dirty="0" err="1" smtClean="0"/>
+              <a:t>Lessons</a:t>
+            </a:r>
+            <a:r>
               <a:rPr lang="de-DE" dirty="0" smtClean="0"/>
-              <a:t>Testphase</a:t>
+              <a:t> </a:t>
+            </a:r>
+            <a:r>
+              <a:rPr lang="de-DE" dirty="0" err="1" smtClean="0"/>
+              <a:t>learned</a:t>
             </a:r>
             <a:endParaRPr lang="de-DE" dirty="0"/>
           </a:p>
         </p:txBody>
       </p:sp>
-      <p:pic>
-        <p:nvPicPr>
-          <p:cNvPr id="3" name="Grafik 2"/>
-          <p:cNvPicPr/>
+      <p:sp>
+        <p:nvSpPr>
+          <p:cNvPr id="4" name="Inhaltsplatzhalter 2"/>
+          <p:cNvSpPr txBox="1">
+            <a:spLocks/>
+          </p:cNvSpPr>
           <p:nvPr/>
-        </p:nvPicPr>
-        <p:blipFill>
-          <a:blip r:embed="rId3" cstate="print"/>
-          <a:srcRect t="23118" r="1612" b="7258"/>
-          <a:stretch>
-            <a:fillRect/>
-          </a:stretch>
-        </p:blipFill>
-        <p:spPr bwMode="auto">
+        </p:nvSpPr>
+        <p:spPr>
           <a:xfrm>
-            <a:off x="539552" y="2060848"/>
-            <a:ext cx="8136904" cy="4392488"/>
+            <a:off x="457200" y="2249424"/>
+            <a:ext cx="8229600" cy="4325112"/>
           </a:xfrm>
           <a:prstGeom prst="rect">
             <a:avLst/>
           </a:prstGeom>
-          <a:noFill/>
-          <a:ln w="9525">
-            <a:noFill/>
-            <a:miter lim="800000"/>
-            <a:headEnd/>
-            <a:tailEnd/>
-          </a:ln>
         </p:spPr>
-      </p:pic>
+        <p:txBody>
+          <a:bodyPr>
+            <a:normAutofit lnSpcReduction="10000"/>
+          </a:bodyPr>
+          <a:lstStyle>
+            <a:lvl1pPr marL="365760" indent="-256032" algn="l" rtl="0" eaLnBrk="1" latinLnBrk="0" hangingPunct="1">
+              <a:spcBef>
+                <a:spcPts val="300"/>
+              </a:spcBef>
+              <a:buClr>
+                <a:schemeClr val="accent3"/>
+              </a:buClr>
+              <a:buFont typeface="Georgia"/>
+              <a:buChar char="•"/>
+              <a:defRPr kumimoji="0" sz="2800" kern="1200">
+                <a:solidFill>
+                  <a:schemeClr val="tx1"/>
+                </a:solidFill>
+                <a:latin typeface="+mn-lt"/>
+                <a:ea typeface="+mn-ea"/>
+                <a:cs typeface="+mn-cs"/>
+              </a:defRPr>
+            </a:lvl1pPr>
+            <a:lvl2pPr marL="658368" indent="-246888" algn="l" rtl="0" eaLnBrk="1" latinLnBrk="0" hangingPunct="1">
+              <a:spcBef>
+                <a:spcPts val="300"/>
+              </a:spcBef>
+              <a:buClr>
+                <a:schemeClr val="accent2"/>
+              </a:buClr>
+              <a:buFont typeface="Georgia"/>
+              <a:buChar char="▫"/>
+              <a:defRPr kumimoji="0" sz="2600" kern="1200">
+                <a:solidFill>
+                  <a:schemeClr val="accent2"/>
+                </a:solidFill>
+                <a:latin typeface="+mn-lt"/>
+                <a:ea typeface="+mn-ea"/>
+                <a:cs typeface="+mn-cs"/>
+              </a:defRPr>
+            </a:lvl2pPr>
+            <a:lvl3pPr marL="923544" indent="-219456" algn="l" rtl="0" eaLnBrk="1" latinLnBrk="0" hangingPunct="1">
+              <a:spcBef>
+                <a:spcPts val="300"/>
+              </a:spcBef>
+              <a:buClr>
+                <a:schemeClr val="accent1"/>
+              </a:buClr>
+              <a:buFont typeface="Wingdings 2"/>
+              <a:buChar char=""/>
+              <a:defRPr kumimoji="0" sz="2400" kern="1200">
+                <a:solidFill>
+                  <a:schemeClr val="accent1"/>
+                </a:solidFill>
+                <a:latin typeface="+mn-lt"/>
+                <a:ea typeface="+mn-ea"/>
+                <a:cs typeface="+mn-cs"/>
+              </a:defRPr>
+            </a:lvl3pPr>
+            <a:lvl4pPr marL="1179576" indent="-201168" algn="l" rtl="0" eaLnBrk="1" latinLnBrk="0" hangingPunct="1">
+              <a:spcBef>
+                <a:spcPts val="300"/>
+              </a:spcBef>
+              <a:buClr>
+                <a:schemeClr val="accent1"/>
+              </a:buClr>
+              <a:buFont typeface="Wingdings 2"/>
+              <a:buChar char=""/>
+              <a:defRPr kumimoji="0" sz="2200" kern="1200">
+                <a:solidFill>
+                  <a:schemeClr val="accent1"/>
+                </a:solidFill>
+                <a:latin typeface="+mn-lt"/>
+                <a:ea typeface="+mn-ea"/>
+                <a:cs typeface="+mn-cs"/>
+              </a:defRPr>
+            </a:lvl4pPr>
+            <a:lvl5pPr marL="1389888" indent="-182880" algn="l" rtl="0" eaLnBrk="1" latinLnBrk="0" hangingPunct="1">
+              <a:spcBef>
+                <a:spcPts val="300"/>
+              </a:spcBef>
+              <a:buClr>
+                <a:schemeClr val="accent3"/>
+              </a:buClr>
+              <a:buFont typeface="Georgia"/>
+              <a:buChar char="▫"/>
+              <a:defRPr kumimoji="0" sz="2000" kern="1200">
+                <a:solidFill>
+                  <a:schemeClr val="accent3"/>
+                </a:solidFill>
+                <a:latin typeface="+mn-lt"/>
+                <a:ea typeface="+mn-ea"/>
+                <a:cs typeface="+mn-cs"/>
+              </a:defRPr>
+            </a:lvl5pPr>
+            <a:lvl6pPr marL="1609344" indent="-182880" algn="l" rtl="0" eaLnBrk="1" latinLnBrk="0" hangingPunct="1">
+              <a:spcBef>
+                <a:spcPts val="300"/>
+              </a:spcBef>
+              <a:buClr>
+                <a:schemeClr val="accent3"/>
+              </a:buClr>
+              <a:buFont typeface="Georgia"/>
+              <a:buChar char="▫"/>
+              <a:defRPr kumimoji="0" sz="1800" kern="1200">
+                <a:solidFill>
+                  <a:schemeClr val="accent3"/>
+                </a:solidFill>
+                <a:latin typeface="+mn-lt"/>
+                <a:ea typeface="+mn-ea"/>
+                <a:cs typeface="+mn-cs"/>
+              </a:defRPr>
+            </a:lvl6pPr>
+            <a:lvl7pPr marL="1828800" indent="-182880" algn="l" rtl="0" eaLnBrk="1" latinLnBrk="0" hangingPunct="1">
+              <a:spcBef>
+                <a:spcPts val="300"/>
+              </a:spcBef>
+              <a:buClr>
+                <a:schemeClr val="accent3"/>
+              </a:buClr>
+              <a:buFont typeface="Georgia"/>
+              <a:buChar char="▫"/>
+              <a:defRPr kumimoji="0" sz="1600" kern="1200">
+                <a:solidFill>
+                  <a:schemeClr val="accent3"/>
+                </a:solidFill>
+                <a:latin typeface="+mn-lt"/>
+                <a:ea typeface="+mn-ea"/>
+                <a:cs typeface="+mn-cs"/>
+              </a:defRPr>
+            </a:lvl7pPr>
+            <a:lvl8pPr marL="2029968" indent="-182880" algn="l" rtl="0" eaLnBrk="1" latinLnBrk="0" hangingPunct="1">
+              <a:spcBef>
+                <a:spcPts val="300"/>
+              </a:spcBef>
+              <a:buClr>
+                <a:schemeClr val="accent3"/>
+              </a:buClr>
+              <a:buFont typeface="Georgia"/>
+              <a:buChar char="◦"/>
+              <a:defRPr kumimoji="0" sz="1500" kern="1200">
+                <a:solidFill>
+                  <a:schemeClr val="accent3"/>
+                </a:solidFill>
+                <a:latin typeface="+mn-lt"/>
+                <a:ea typeface="+mn-ea"/>
+                <a:cs typeface="+mn-cs"/>
+              </a:defRPr>
+            </a:lvl8pPr>
+            <a:lvl9pPr marL="2240280" indent="-182880" algn="l" rtl="0" eaLnBrk="1" latinLnBrk="0" hangingPunct="1">
+              <a:spcBef>
+                <a:spcPts val="300"/>
+              </a:spcBef>
+              <a:buClr>
+                <a:schemeClr val="accent3"/>
+              </a:buClr>
+              <a:buFont typeface="Georgia"/>
+              <a:buChar char="◦"/>
+              <a:defRPr kumimoji="0" sz="1400" kern="1200" baseline="0">
+                <a:solidFill>
+                  <a:schemeClr val="accent3"/>
+                </a:solidFill>
+                <a:latin typeface="+mn-lt"/>
+                <a:ea typeface="+mn-ea"/>
+                <a:cs typeface="+mn-cs"/>
+              </a:defRPr>
+            </a:lvl9pPr>
+          </a:lstStyle>
+          <a:p>
+            <a:r>
+              <a:rPr lang="de-DE" dirty="0"/>
+              <a:t>Klare Strukturen </a:t>
+            </a:r>
+            <a:r>
+              <a:rPr lang="de-DE" dirty="0">
+                <a:sym typeface="Wingdings" panose="05000000000000000000" pitchFamily="2" charset="2"/>
+              </a:rPr>
+              <a:t> Architektur-Modell</a:t>
+            </a:r>
+          </a:p>
+          <a:p>
+            <a:r>
+              <a:rPr lang="de-DE" dirty="0">
+                <a:sym typeface="Wingdings" panose="05000000000000000000" pitchFamily="2" charset="2"/>
+              </a:rPr>
+              <a:t>Modelle</a:t>
+            </a:r>
+          </a:p>
+          <a:p>
+            <a:pPr lvl="1"/>
+            <a:r>
+              <a:rPr lang="de-DE" dirty="0">
+                <a:sym typeface="Wingdings" panose="05000000000000000000" pitchFamily="2" charset="2"/>
+              </a:rPr>
+              <a:t>Hilfreich</a:t>
+            </a:r>
+          </a:p>
+          <a:p>
+            <a:pPr lvl="1"/>
+            <a:r>
+              <a:rPr lang="de-DE" dirty="0">
+                <a:sym typeface="Wingdings" panose="05000000000000000000" pitchFamily="2" charset="2"/>
+              </a:rPr>
+              <a:t>Nicht alles kann vollständig erfasst werden</a:t>
+            </a:r>
+          </a:p>
+          <a:p>
+            <a:pPr lvl="1"/>
+            <a:r>
+              <a:rPr lang="de-DE" dirty="0">
+                <a:sym typeface="Wingdings" panose="05000000000000000000" pitchFamily="2" charset="2"/>
+              </a:rPr>
+              <a:t>Aufwand bei Modellierung spart später Programmieraufwand</a:t>
+            </a:r>
+          </a:p>
+          <a:p>
+            <a:r>
+              <a:rPr lang="de-DE" dirty="0"/>
+              <a:t>Falsche Annahmen aus Kundenanforderungen können Konzept komplett in Frage stellen</a:t>
+            </a:r>
+          </a:p>
+          <a:p>
+            <a:pPr lvl="1"/>
+            <a:r>
+              <a:rPr lang="de-DE" dirty="0"/>
+              <a:t>z.B. verschiedene Arten anlegen</a:t>
+            </a:r>
+          </a:p>
+          <a:p>
+            <a:pPr lvl="1"/>
+            <a:r>
+              <a:rPr lang="de-DE" dirty="0"/>
+              <a:t>Anforderungen hinterfragen</a:t>
+            </a:r>
+          </a:p>
+        </p:txBody>
+      </p:sp>
     </p:spTree>
     <p:extLst>
       <p:ext uri="{BB962C8B-B14F-4D97-AF65-F5344CB8AC3E}">
-        <p14:creationId xmlns:p14="http://schemas.microsoft.com/office/powerpoint/2010/main" val="3420678931"/>
+        <p14:creationId xmlns:p14="http://schemas.microsoft.com/office/powerpoint/2010/main" val="3709997242"/>
       </p:ext>
     </p:extLst>
   </p:cSld>
@@ -11657,7 +13701,7 @@
 </p:sld>
 </file>
 
-<file path=ppt/slides/slide14.xml><?xml version="1.0" encoding="utf-8"?>
+<file path=ppt/slides/slide29.xml><?xml version="1.0" encoding="utf-8"?>
 <p:sld xmlns:a="http://schemas.openxmlformats.org/drawingml/2006/main" xmlns:r="http://schemas.openxmlformats.org/officeDocument/2006/relationships" xmlns:p="http://schemas.openxmlformats.org/presentationml/2006/main">
   <p:cSld>
     <p:spTree>
@@ -11690,562 +13734,24 @@
           <a:lstStyle/>
           <a:p>
             <a:r>
+              <a:rPr lang="de-DE" dirty="0" err="1" smtClean="0"/>
+              <a:t>Lessons</a:t>
+            </a:r>
+            <a:r>
               <a:rPr lang="de-DE" dirty="0" smtClean="0"/>
-              <a:t>Live Demo</a:t>
+              <a:t> </a:t>
+            </a:r>
+            <a:r>
+              <a:rPr lang="de-DE" dirty="0" err="1" smtClean="0"/>
+              <a:t>learned</a:t>
             </a:r>
             <a:endParaRPr lang="de-DE" dirty="0"/>
           </a:p>
         </p:txBody>
       </p:sp>
-    </p:spTree>
-    <p:extLst>
-      <p:ext uri="{BB962C8B-B14F-4D97-AF65-F5344CB8AC3E}">
-        <p14:creationId xmlns:p14="http://schemas.microsoft.com/office/powerpoint/2010/main" val="3414407465"/>
-      </p:ext>
-    </p:extLst>
-  </p:cSld>
-  <p:clrMapOvr>
-    <a:masterClrMapping/>
-  </p:clrMapOvr>
-  <p:timing>
-    <p:tnLst>
-      <p:par>
-        <p:cTn id="1" dur="indefinite" restart="never" nodeType="tmRoot"/>
-      </p:par>
-    </p:tnLst>
-  </p:timing>
-</p:sld>
-</file>
-
-<file path=ppt/slides/slide15.xml><?xml version="1.0" encoding="utf-8"?>
-<p:sld xmlns:a="http://schemas.openxmlformats.org/drawingml/2006/main" xmlns:r="http://schemas.openxmlformats.org/officeDocument/2006/relationships" xmlns:p="http://schemas.openxmlformats.org/presentationml/2006/main">
-  <p:cSld>
-    <p:spTree>
-      <p:nvGrpSpPr>
-        <p:cNvPr id="1" name=""/>
-        <p:cNvGrpSpPr/>
-        <p:nvPr/>
-      </p:nvGrpSpPr>
-      <p:grpSpPr>
-        <a:xfrm>
-          <a:off x="0" y="0"/>
-          <a:ext cx="0" cy="0"/>
-          <a:chOff x="0" y="0"/>
-          <a:chExt cx="0" cy="0"/>
-        </a:xfrm>
-      </p:grpSpPr>
-      <p:sp>
-        <p:nvSpPr>
-          <p:cNvPr id="2" name="Titel 1"/>
-          <p:cNvSpPr>
-            <a:spLocks noGrp="1"/>
-          </p:cNvSpPr>
-          <p:nvPr>
-            <p:ph type="title"/>
-          </p:nvPr>
-        </p:nvSpPr>
-        <p:spPr/>
-        <p:txBody>
-          <a:bodyPr>
-            <a:normAutofit fontScale="90000"/>
-          </a:bodyPr>
-          <a:lstStyle/>
-          <a:p>
-            <a:r>
-              <a:rPr lang="de-DE" dirty="0" smtClean="0"/>
-              <a:t>Fachbereichsorganisation </a:t>
-            </a:r>
-            <a:r>
-              <a:rPr lang="de-DE" dirty="0"/>
-              <a:t>legt Bereich, Arbeitsgruppe und Mitarbeiter an.</a:t>
-            </a:r>
-            <a:br>
-              <a:rPr lang="de-DE" dirty="0"/>
-            </a:br>
-            <a:endParaRPr lang="de-DE" dirty="0"/>
-          </a:p>
-        </p:txBody>
-      </p:sp>
-      <p:pic>
-        <p:nvPicPr>
-          <p:cNvPr id="3" name="Grafik 2"/>
-          <p:cNvPicPr/>
-          <p:nvPr/>
-        </p:nvPicPr>
-        <p:blipFill>
-          <a:blip r:embed="rId2" cstate="print"/>
-          <a:stretch>
-            <a:fillRect/>
-          </a:stretch>
-        </p:blipFill>
-        <p:spPr>
-          <a:xfrm>
-            <a:off x="503548" y="2420888"/>
-            <a:ext cx="8136904" cy="4105796"/>
-          </a:xfrm>
-          <a:prstGeom prst="rect">
-            <a:avLst/>
-          </a:prstGeom>
-        </p:spPr>
-      </p:pic>
-    </p:spTree>
-    <p:extLst>
-      <p:ext uri="{BB962C8B-B14F-4D97-AF65-F5344CB8AC3E}">
-        <p14:creationId xmlns:p14="http://schemas.microsoft.com/office/powerpoint/2010/main" val="1709195912"/>
-      </p:ext>
-    </p:extLst>
-  </p:cSld>
-  <p:clrMapOvr>
-    <a:masterClrMapping/>
-  </p:clrMapOvr>
-  <p:timing>
-    <p:tnLst>
-      <p:par>
-        <p:cTn id="1" dur="indefinite" restart="never" nodeType="tmRoot"/>
-      </p:par>
-    </p:tnLst>
-  </p:timing>
-</p:sld>
-</file>
-
-<file path=ppt/slides/slide16.xml><?xml version="1.0" encoding="utf-8"?>
-<p:sld xmlns:a="http://schemas.openxmlformats.org/drawingml/2006/main" xmlns:r="http://schemas.openxmlformats.org/officeDocument/2006/relationships" xmlns:p="http://schemas.openxmlformats.org/presentationml/2006/main">
-  <p:cSld>
-    <p:spTree>
-      <p:nvGrpSpPr>
-        <p:cNvPr id="1" name=""/>
-        <p:cNvGrpSpPr/>
-        <p:nvPr/>
-      </p:nvGrpSpPr>
-      <p:grpSpPr>
-        <a:xfrm>
-          <a:off x="0" y="0"/>
-          <a:ext cx="0" cy="0"/>
-          <a:chOff x="0" y="0"/>
-          <a:chExt cx="0" cy="0"/>
-        </a:xfrm>
-      </p:grpSpPr>
-      <p:sp>
-        <p:nvSpPr>
-          <p:cNvPr id="2" name="Titel 1"/>
-          <p:cNvSpPr>
-            <a:spLocks noGrp="1"/>
-          </p:cNvSpPr>
-          <p:nvPr>
-            <p:ph type="title"/>
-          </p:nvPr>
-        </p:nvSpPr>
-        <p:spPr/>
-        <p:txBody>
-          <a:bodyPr>
-            <a:normAutofit fontScale="90000"/>
-          </a:bodyPr>
-          <a:lstStyle/>
-          <a:p>
-            <a:r>
-              <a:rPr lang="de-DE" dirty="0"/>
-              <a:t>Unternehmensstruktur nach anlegen eines </a:t>
-            </a:r>
-            <a:r>
-              <a:rPr lang="de-DE" dirty="0" smtClean="0"/>
-              <a:t>Bereichs: Mitarbeiter </a:t>
-            </a:r>
-            <a:r>
-              <a:rPr lang="de-DE" dirty="0"/>
-              <a:t>in der Gruppe fehlen.</a:t>
-            </a:r>
-            <a:br>
-              <a:rPr lang="de-DE" dirty="0"/>
-            </a:br>
-            <a:endParaRPr lang="de-DE" dirty="0"/>
-          </a:p>
-        </p:txBody>
-      </p:sp>
-      <p:pic>
-        <p:nvPicPr>
-          <p:cNvPr id="3" name="Grafik 2"/>
-          <p:cNvPicPr/>
-          <p:nvPr/>
-        </p:nvPicPr>
-        <p:blipFill>
-          <a:blip r:embed="rId2" cstate="print"/>
-          <a:stretch>
-            <a:fillRect/>
-          </a:stretch>
-        </p:blipFill>
-        <p:spPr>
-          <a:xfrm>
-            <a:off x="215516" y="2348880"/>
-            <a:ext cx="8712968" cy="4509120"/>
-          </a:xfrm>
-          <a:prstGeom prst="rect">
-            <a:avLst/>
-          </a:prstGeom>
-        </p:spPr>
-      </p:pic>
-    </p:spTree>
-    <p:extLst>
-      <p:ext uri="{BB962C8B-B14F-4D97-AF65-F5344CB8AC3E}">
-        <p14:creationId xmlns:p14="http://schemas.microsoft.com/office/powerpoint/2010/main" val="63509948"/>
-      </p:ext>
-    </p:extLst>
-  </p:cSld>
-  <p:clrMapOvr>
-    <a:masterClrMapping/>
-  </p:clrMapOvr>
-  <p:timing>
-    <p:tnLst>
-      <p:par>
-        <p:cTn id="1" dur="indefinite" restart="never" nodeType="tmRoot"/>
-      </p:par>
-    </p:tnLst>
-  </p:timing>
-</p:sld>
-</file>
-
-<file path=ppt/slides/slide17.xml><?xml version="1.0" encoding="utf-8"?>
-<p:sld xmlns:a="http://schemas.openxmlformats.org/drawingml/2006/main" xmlns:r="http://schemas.openxmlformats.org/officeDocument/2006/relationships" xmlns:p="http://schemas.openxmlformats.org/presentationml/2006/main">
-  <p:cSld>
-    <p:spTree>
-      <p:nvGrpSpPr>
-        <p:cNvPr id="1" name=""/>
-        <p:cNvGrpSpPr/>
-        <p:nvPr/>
-      </p:nvGrpSpPr>
-      <p:grpSpPr>
-        <a:xfrm>
-          <a:off x="0" y="0"/>
-          <a:ext cx="0" cy="0"/>
-          <a:chOff x="0" y="0"/>
-          <a:chExt cx="0" cy="0"/>
-        </a:xfrm>
-      </p:grpSpPr>
-      <p:sp>
-        <p:nvSpPr>
-          <p:cNvPr id="2" name="Titel 1"/>
-          <p:cNvSpPr>
-            <a:spLocks noGrp="1"/>
-          </p:cNvSpPr>
-          <p:nvPr>
-            <p:ph type="title"/>
-          </p:nvPr>
-        </p:nvSpPr>
-        <p:spPr/>
-        <p:txBody>
-          <a:bodyPr>
-            <a:normAutofit fontScale="90000"/>
-          </a:bodyPr>
-          <a:lstStyle/>
-          <a:p>
-            <a:r>
-              <a:rPr lang="de-DE" dirty="0"/>
-              <a:t>Mitarbeiter wird als Sachbearbeiter angelegt. Nach Telefonat erfasst er seine Daten im Programm.</a:t>
-            </a:r>
-            <a:br>
-              <a:rPr lang="de-DE" dirty="0"/>
-            </a:br>
-            <a:endParaRPr lang="de-DE" dirty="0"/>
-          </a:p>
-        </p:txBody>
-      </p:sp>
-      <p:pic>
-        <p:nvPicPr>
-          <p:cNvPr id="3" name="Grafik 2"/>
-          <p:cNvPicPr/>
-          <p:nvPr/>
-        </p:nvPicPr>
-        <p:blipFill>
-          <a:blip r:embed="rId2" cstate="print">
-            <a:extLst>
-              <a:ext uri="{28A0092B-C50C-407E-A947-70E740481C1C}">
-                <a14:useLocalDpi xmlns:a14="http://schemas.microsoft.com/office/drawing/2010/main" val="0"/>
-              </a:ext>
-            </a:extLst>
-          </a:blip>
-          <a:srcRect/>
-          <a:stretch>
-            <a:fillRect/>
-          </a:stretch>
-        </p:blipFill>
-        <p:spPr bwMode="auto">
-          <a:xfrm>
-            <a:off x="457200" y="2311509"/>
-            <a:ext cx="8229600" cy="4546491"/>
-          </a:xfrm>
-          <a:prstGeom prst="rect">
-            <a:avLst/>
-          </a:prstGeom>
-          <a:noFill/>
-          <a:ln>
-            <a:noFill/>
-          </a:ln>
-        </p:spPr>
-      </p:pic>
-    </p:spTree>
-    <p:extLst>
-      <p:ext uri="{BB962C8B-B14F-4D97-AF65-F5344CB8AC3E}">
-        <p14:creationId xmlns:p14="http://schemas.microsoft.com/office/powerpoint/2010/main" val="526157708"/>
-      </p:ext>
-    </p:extLst>
-  </p:cSld>
-  <p:clrMapOvr>
-    <a:masterClrMapping/>
-  </p:clrMapOvr>
-  <p:timing>
-    <p:tnLst>
-      <p:par>
-        <p:cTn id="1" dur="indefinite" restart="never" nodeType="tmRoot"/>
-      </p:par>
-    </p:tnLst>
-  </p:timing>
-</p:sld>
-</file>
-
-<file path=ppt/slides/slide18.xml><?xml version="1.0" encoding="utf-8"?>
-<p:sld xmlns:a="http://schemas.openxmlformats.org/drawingml/2006/main" xmlns:r="http://schemas.openxmlformats.org/officeDocument/2006/relationships" xmlns:p="http://schemas.openxmlformats.org/presentationml/2006/main">
-  <p:cSld>
-    <p:spTree>
-      <p:nvGrpSpPr>
-        <p:cNvPr id="1" name=""/>
-        <p:cNvGrpSpPr/>
-        <p:nvPr/>
-      </p:nvGrpSpPr>
-      <p:grpSpPr>
-        <a:xfrm>
-          <a:off x="0" y="0"/>
-          <a:ext cx="0" cy="0"/>
-          <a:chOff x="0" y="0"/>
-          <a:chExt cx="0" cy="0"/>
-        </a:xfrm>
-      </p:grpSpPr>
-      <p:sp>
-        <p:nvSpPr>
-          <p:cNvPr id="2" name="Titel 1"/>
-          <p:cNvSpPr>
-            <a:spLocks noGrp="1"/>
-          </p:cNvSpPr>
-          <p:nvPr>
-            <p:ph type="title"/>
-          </p:nvPr>
-        </p:nvSpPr>
-        <p:spPr>
-          <a:xfrm>
-            <a:off x="395536" y="1072316"/>
-            <a:ext cx="8229600" cy="1069848"/>
-          </a:xfrm>
-        </p:spPr>
-        <p:txBody>
-          <a:bodyPr>
-            <a:noAutofit/>
-          </a:bodyPr>
-          <a:lstStyle/>
-          <a:p>
-            <a:r>
-              <a:rPr lang="de-DE" sz="2800" dirty="0"/>
-              <a:t>Sachbearbeiter wird zum Gruppenleiter ernannt. Hat jetzt eine Arbeitsgruppe unter sich. Darf weiterhin Daten erfassen. Hat durch Stippler eine Übersicht aller Daten seiner Arbeitsgruppe.</a:t>
-            </a:r>
-            <a:br>
-              <a:rPr lang="de-DE" sz="2800" dirty="0"/>
-            </a:br>
-            <a:endParaRPr lang="de-DE" sz="2800" dirty="0"/>
-          </a:p>
-        </p:txBody>
-      </p:sp>
-      <p:pic>
-        <p:nvPicPr>
-          <p:cNvPr id="3" name="Grafik 2"/>
-          <p:cNvPicPr/>
-          <p:nvPr/>
-        </p:nvPicPr>
-        <p:blipFill rotWithShape="1">
-          <a:blip r:embed="rId2" cstate="print"/>
-          <a:srcRect l="21287"/>
-          <a:stretch/>
-        </p:blipFill>
-        <p:spPr>
-          <a:xfrm>
-            <a:off x="492034" y="2348880"/>
-            <a:ext cx="8359234" cy="4509120"/>
-          </a:xfrm>
-          <a:prstGeom prst="rect">
-            <a:avLst/>
-          </a:prstGeom>
-        </p:spPr>
-      </p:pic>
-    </p:spTree>
-    <p:extLst>
-      <p:ext uri="{BB962C8B-B14F-4D97-AF65-F5344CB8AC3E}">
-        <p14:creationId xmlns:p14="http://schemas.microsoft.com/office/powerpoint/2010/main" val="1260923131"/>
-      </p:ext>
-    </p:extLst>
-  </p:cSld>
-  <p:clrMapOvr>
-    <a:masterClrMapping/>
-  </p:clrMapOvr>
-  <p:timing>
-    <p:tnLst>
-      <p:par>
-        <p:cTn id="1" dur="indefinite" restart="never" nodeType="tmRoot"/>
-      </p:par>
-    </p:tnLst>
-  </p:timing>
-</p:sld>
-</file>
-
-<file path=ppt/slides/slide19.xml><?xml version="1.0" encoding="utf-8"?>
-<p:sld xmlns:a="http://schemas.openxmlformats.org/drawingml/2006/main" xmlns:r="http://schemas.openxmlformats.org/officeDocument/2006/relationships" xmlns:p="http://schemas.openxmlformats.org/presentationml/2006/main">
-  <p:cSld>
-    <p:spTree>
-      <p:nvGrpSpPr>
-        <p:cNvPr id="1" name=""/>
-        <p:cNvGrpSpPr/>
-        <p:nvPr/>
-      </p:nvGrpSpPr>
-      <p:grpSpPr>
-        <a:xfrm>
-          <a:off x="0" y="0"/>
-          <a:ext cx="0" cy="0"/>
-          <a:chOff x="0" y="0"/>
-          <a:chExt cx="0" cy="0"/>
-        </a:xfrm>
-      </p:grpSpPr>
-      <p:sp>
-        <p:nvSpPr>
-          <p:cNvPr id="2" name="Titel 1"/>
-          <p:cNvSpPr>
-            <a:spLocks noGrp="1"/>
-          </p:cNvSpPr>
-          <p:nvPr>
-            <p:ph type="title"/>
-          </p:nvPr>
-        </p:nvSpPr>
-        <p:spPr>
-          <a:xfrm>
-            <a:off x="457200" y="1412776"/>
-            <a:ext cx="8229600" cy="1069848"/>
-          </a:xfrm>
-        </p:spPr>
-        <p:txBody>
-          <a:bodyPr>
-            <a:noAutofit/>
-          </a:bodyPr>
-          <a:lstStyle/>
-          <a:p>
-            <a:r>
-              <a:rPr lang="de-DE" sz="3200" dirty="0"/>
-              <a:t>Gruppenleiter wird zum Bereichsleiter ernannt. </a:t>
-            </a:r>
-            <a:r>
-              <a:rPr lang="de-DE" sz="3200" dirty="0" smtClean="0"/>
-              <a:t>Er Hat </a:t>
-            </a:r>
-            <a:r>
-              <a:rPr lang="de-DE" sz="3200" dirty="0"/>
-              <a:t>jetzt mehrere Arbeitsgruppen unter sich. Durch Stippler ist ein Export der Übersichten in ein PDF oder eine Excel-Tabelle möglich.</a:t>
-            </a:r>
-            <a:br>
-              <a:rPr lang="de-DE" sz="3200" dirty="0"/>
-            </a:br>
-            <a:endParaRPr lang="de-DE" sz="3200" dirty="0"/>
-          </a:p>
-        </p:txBody>
-      </p:sp>
-      <p:pic>
-        <p:nvPicPr>
-          <p:cNvPr id="3" name="Grafik 2"/>
-          <p:cNvPicPr/>
-          <p:nvPr/>
-        </p:nvPicPr>
-        <p:blipFill>
-          <a:blip r:embed="rId2" cstate="print">
-            <a:extLst>
-              <a:ext uri="{28A0092B-C50C-407E-A947-70E740481C1C}">
-                <a14:useLocalDpi xmlns:a14="http://schemas.microsoft.com/office/drawing/2010/main" val="0"/>
-              </a:ext>
-            </a:extLst>
-          </a:blip>
-          <a:srcRect/>
-          <a:stretch>
-            <a:fillRect/>
-          </a:stretch>
-        </p:blipFill>
-        <p:spPr bwMode="auto">
-          <a:xfrm>
-            <a:off x="457200" y="2996952"/>
-            <a:ext cx="8363272" cy="3861048"/>
-          </a:xfrm>
-          <a:prstGeom prst="rect">
-            <a:avLst/>
-          </a:prstGeom>
-          <a:noFill/>
-          <a:ln>
-            <a:noFill/>
-          </a:ln>
-        </p:spPr>
-      </p:pic>
-    </p:spTree>
-    <p:extLst>
-      <p:ext uri="{BB962C8B-B14F-4D97-AF65-F5344CB8AC3E}">
-        <p14:creationId xmlns:p14="http://schemas.microsoft.com/office/powerpoint/2010/main" val="2480907429"/>
-      </p:ext>
-    </p:extLst>
-  </p:cSld>
-  <p:clrMapOvr>
-    <a:masterClrMapping/>
-  </p:clrMapOvr>
-  <p:timing>
-    <p:tnLst>
-      <p:par>
-        <p:cTn id="1" dur="indefinite" restart="never" nodeType="tmRoot"/>
-      </p:par>
-    </p:tnLst>
-  </p:timing>
-</p:sld>
-</file>
-
-<file path=ppt/slides/slide2.xml><?xml version="1.0" encoding="utf-8"?>
-<p:sld xmlns:a="http://schemas.openxmlformats.org/drawingml/2006/main" xmlns:r="http://schemas.openxmlformats.org/officeDocument/2006/relationships" xmlns:p="http://schemas.openxmlformats.org/presentationml/2006/main">
-  <p:cSld>
-    <p:spTree>
-      <p:nvGrpSpPr>
-        <p:cNvPr id="1" name=""/>
-        <p:cNvGrpSpPr/>
-        <p:nvPr/>
-      </p:nvGrpSpPr>
-      <p:grpSpPr>
-        <a:xfrm>
-          <a:off x="0" y="0"/>
-          <a:ext cx="0" cy="0"/>
-          <a:chOff x="0" y="0"/>
-          <a:chExt cx="0" cy="0"/>
-        </a:xfrm>
-      </p:grpSpPr>
-      <p:sp>
-        <p:nvSpPr>
-          <p:cNvPr id="2" name="Titel 1"/>
-          <p:cNvSpPr>
-            <a:spLocks noGrp="1"/>
-          </p:cNvSpPr>
-          <p:nvPr>
-            <p:ph type="title"/>
-          </p:nvPr>
-        </p:nvSpPr>
-        <p:spPr/>
-        <p:txBody>
-          <a:bodyPr/>
-          <a:lstStyle/>
-          <a:p>
-            <a:r>
-              <a:rPr lang="de-DE" dirty="0" smtClean="0"/>
-              <a:t>Agenda</a:t>
-            </a:r>
-            <a:endParaRPr lang="de-DE" dirty="0"/>
-          </a:p>
-        </p:txBody>
-      </p:sp>
-      <p:sp>
-        <p:nvSpPr>
-          <p:cNvPr id="3" name="Inhaltsplatzhalter 2"/>
+      <p:sp>
+        <p:nvSpPr>
+          <p:cNvPr id="4" name="Inhaltsplatzhalter 2"/>
           <p:cNvSpPr txBox="1">
             <a:spLocks/>
           </p:cNvSpPr>
@@ -12431,1682 +13937,6 @@
           <a:p>
             <a:r>
               <a:rPr lang="de-DE" dirty="0" smtClean="0"/>
-              <a:t>Aufgabenstellung</a:t>
-            </a:r>
-          </a:p>
-          <a:p>
-            <a:r>
-              <a:rPr lang="de-DE" dirty="0" smtClean="0"/>
-              <a:t>Projektorganisation</a:t>
-            </a:r>
-          </a:p>
-          <a:p>
-            <a:r>
-              <a:rPr lang="de-DE" dirty="0" smtClean="0"/>
-              <a:t>Zeitplan</a:t>
-            </a:r>
-          </a:p>
-          <a:p>
-            <a:r>
-              <a:rPr lang="de-DE" dirty="0" err="1" smtClean="0"/>
-              <a:t>Use</a:t>
-            </a:r>
-            <a:r>
-              <a:rPr lang="de-DE" dirty="0" smtClean="0"/>
-              <a:t> Cases / Rollen und Rechte</a:t>
-            </a:r>
-          </a:p>
-          <a:p>
-            <a:r>
-              <a:rPr lang="de-DE" dirty="0" smtClean="0"/>
-              <a:t>Systemumgebung</a:t>
-            </a:r>
-          </a:p>
-          <a:p>
-            <a:r>
-              <a:rPr lang="de-DE" dirty="0" smtClean="0"/>
-              <a:t>Systemarchitektur</a:t>
-            </a:r>
-          </a:p>
-          <a:p>
-            <a:r>
-              <a:rPr lang="de-DE" dirty="0" smtClean="0"/>
-              <a:t>Testphase</a:t>
-            </a:r>
-            <a:endParaRPr lang="de-DE" dirty="0" smtClean="0"/>
-          </a:p>
-          <a:p>
-            <a:r>
-              <a:rPr lang="de-DE" dirty="0" smtClean="0"/>
-              <a:t>Live </a:t>
-            </a:r>
-            <a:r>
-              <a:rPr lang="de-DE" dirty="0" smtClean="0"/>
-              <a:t>Demo</a:t>
-            </a:r>
-          </a:p>
-          <a:p>
-            <a:r>
-              <a:rPr lang="de-DE" dirty="0" err="1" smtClean="0"/>
-              <a:t>Lessons</a:t>
-            </a:r>
-            <a:r>
-              <a:rPr lang="de-DE" dirty="0" smtClean="0"/>
-              <a:t> </a:t>
-            </a:r>
-            <a:r>
-              <a:rPr lang="de-DE" dirty="0" err="1" smtClean="0"/>
-              <a:t>learned</a:t>
-            </a:r>
-            <a:endParaRPr lang="de-DE" dirty="0" smtClean="0"/>
-          </a:p>
-          <a:p>
-            <a:endParaRPr lang="de-DE" dirty="0"/>
-          </a:p>
-        </p:txBody>
-      </p:sp>
-    </p:spTree>
-    <p:extLst>
-      <p:ext uri="{BB962C8B-B14F-4D97-AF65-F5344CB8AC3E}">
-        <p14:creationId xmlns:p14="http://schemas.microsoft.com/office/powerpoint/2010/main" val="2653359653"/>
-      </p:ext>
-    </p:extLst>
-  </p:cSld>
-  <p:clrMapOvr>
-    <a:masterClrMapping/>
-  </p:clrMapOvr>
-  <p:timing>
-    <p:tnLst>
-      <p:par>
-        <p:cTn id="1" dur="indefinite" restart="never" nodeType="tmRoot"/>
-      </p:par>
-    </p:tnLst>
-  </p:timing>
-</p:sld>
-</file>
-
-<file path=ppt/slides/slide20.xml><?xml version="1.0" encoding="utf-8"?>
-<p:sld xmlns:a="http://schemas.openxmlformats.org/drawingml/2006/main" xmlns:r="http://schemas.openxmlformats.org/officeDocument/2006/relationships" xmlns:p="http://schemas.openxmlformats.org/presentationml/2006/main">
-  <p:cSld>
-    <p:spTree>
-      <p:nvGrpSpPr>
-        <p:cNvPr id="1" name=""/>
-        <p:cNvGrpSpPr/>
-        <p:nvPr/>
-      </p:nvGrpSpPr>
-      <p:grpSpPr>
-        <a:xfrm>
-          <a:off x="0" y="0"/>
-          <a:ext cx="0" cy="0"/>
-          <a:chOff x="0" y="0"/>
-          <a:chExt cx="0" cy="0"/>
-        </a:xfrm>
-      </p:grpSpPr>
-      <p:sp>
-        <p:nvSpPr>
-          <p:cNvPr id="2" name="Titel 1"/>
-          <p:cNvSpPr>
-            <a:spLocks noGrp="1"/>
-          </p:cNvSpPr>
-          <p:nvPr>
-            <p:ph type="title"/>
-          </p:nvPr>
-        </p:nvSpPr>
-        <p:spPr/>
-        <p:txBody>
-          <a:bodyPr>
-            <a:noAutofit/>
-          </a:bodyPr>
-          <a:lstStyle/>
-          <a:p>
-            <a:r>
-              <a:rPr lang="de-DE" sz="2400" dirty="0"/>
-              <a:t>Bereichsleiter wird zum Zentralbereichsleiter. Dadurch erhält er </a:t>
-            </a:r>
-            <a:r>
-              <a:rPr lang="de-DE" sz="2400" dirty="0" smtClean="0"/>
-              <a:t>Einblick </a:t>
-            </a:r>
-            <a:r>
-              <a:rPr lang="de-DE" sz="2400" dirty="0"/>
-              <a:t>auf alle Bereiche. Das Runterbrechen der Übersicht auf die einzelnen Arbeitsgruppen ist durch Stippler möglich. Die Ausgabe als PDF und Excel-Tabelle ist weiterhin möglich.</a:t>
-            </a:r>
-            <a:br>
-              <a:rPr lang="de-DE" sz="2400" dirty="0"/>
-            </a:br>
-            <a:endParaRPr lang="de-DE" sz="2400" dirty="0"/>
-          </a:p>
-        </p:txBody>
-      </p:sp>
-      <p:pic>
-        <p:nvPicPr>
-          <p:cNvPr id="3" name="Grafik 2"/>
-          <p:cNvPicPr/>
-          <p:nvPr/>
-        </p:nvPicPr>
-        <p:blipFill>
-          <a:blip r:embed="rId2" cstate="print">
-            <a:extLst>
-              <a:ext uri="{28A0092B-C50C-407E-A947-70E740481C1C}">
-                <a14:useLocalDpi xmlns:a14="http://schemas.microsoft.com/office/drawing/2010/main" val="0"/>
-              </a:ext>
-            </a:extLst>
-          </a:blip>
-          <a:srcRect/>
-          <a:stretch>
-            <a:fillRect/>
-          </a:stretch>
-        </p:blipFill>
-        <p:spPr bwMode="auto">
-          <a:xfrm>
-            <a:off x="457200" y="2492896"/>
-            <a:ext cx="8229600" cy="4365104"/>
-          </a:xfrm>
-          <a:prstGeom prst="rect">
-            <a:avLst/>
-          </a:prstGeom>
-          <a:noFill/>
-          <a:ln>
-            <a:noFill/>
-          </a:ln>
-        </p:spPr>
-      </p:pic>
-    </p:spTree>
-    <p:extLst>
-      <p:ext uri="{BB962C8B-B14F-4D97-AF65-F5344CB8AC3E}">
-        <p14:creationId xmlns:p14="http://schemas.microsoft.com/office/powerpoint/2010/main" val="2659840383"/>
-      </p:ext>
-    </p:extLst>
-  </p:cSld>
-  <p:clrMapOvr>
-    <a:masterClrMapping/>
-  </p:clrMapOvr>
-  <p:timing>
-    <p:tnLst>
-      <p:par>
-        <p:cTn id="1" dur="indefinite" restart="never" nodeType="tmRoot"/>
-      </p:par>
-    </p:tnLst>
-  </p:timing>
-</p:sld>
-</file>
-
-<file path=ppt/slides/slide21.xml><?xml version="1.0" encoding="utf-8"?>
-<p:sld xmlns:a="http://schemas.openxmlformats.org/drawingml/2006/main" xmlns:r="http://schemas.openxmlformats.org/officeDocument/2006/relationships" xmlns:p="http://schemas.openxmlformats.org/presentationml/2006/main">
-  <p:cSld>
-    <p:spTree>
-      <p:nvGrpSpPr>
-        <p:cNvPr id="1" name=""/>
-        <p:cNvGrpSpPr/>
-        <p:nvPr/>
-      </p:nvGrpSpPr>
-      <p:grpSpPr>
-        <a:xfrm>
-          <a:off x="0" y="0"/>
-          <a:ext cx="0" cy="0"/>
-          <a:chOff x="0" y="0"/>
-          <a:chExt cx="0" cy="0"/>
-        </a:xfrm>
-      </p:grpSpPr>
-      <p:sp>
-        <p:nvSpPr>
-          <p:cNvPr id="2" name="Titel 1"/>
-          <p:cNvSpPr>
-            <a:spLocks noGrp="1"/>
-          </p:cNvSpPr>
-          <p:nvPr>
-            <p:ph type="title"/>
-          </p:nvPr>
-        </p:nvSpPr>
-        <p:spPr>
-          <a:xfrm>
-            <a:off x="469542" y="692696"/>
-            <a:ext cx="8229600" cy="1069848"/>
-          </a:xfrm>
-        </p:spPr>
-        <p:txBody>
-          <a:bodyPr>
-            <a:noAutofit/>
-          </a:bodyPr>
-          <a:lstStyle/>
-          <a:p>
-            <a:r>
-              <a:rPr lang="de-DE" sz="3200" dirty="0"/>
-              <a:t>Hier endet die Karriere des angelegten Mitarbeiters. Es folgen weitere Aufgaben der Fachbereichsorganisation in Stippler</a:t>
-            </a:r>
-            <a:r>
-              <a:rPr lang="de-DE" sz="3200" dirty="0" smtClean="0"/>
-              <a:t>.</a:t>
-            </a:r>
-            <a:endParaRPr lang="de-DE" sz="3200" dirty="0"/>
-          </a:p>
-        </p:txBody>
-      </p:sp>
-      <p:pic>
-        <p:nvPicPr>
-          <p:cNvPr id="3" name="Grafik 2"/>
-          <p:cNvPicPr/>
-          <p:nvPr/>
-        </p:nvPicPr>
-        <p:blipFill>
-          <a:blip r:embed="rId2" cstate="print"/>
-          <a:stretch>
-            <a:fillRect/>
-          </a:stretch>
-        </p:blipFill>
-        <p:spPr>
-          <a:xfrm>
-            <a:off x="450054" y="1988840"/>
-            <a:ext cx="8236745" cy="4869160"/>
-          </a:xfrm>
-          <a:prstGeom prst="rect">
-            <a:avLst/>
-          </a:prstGeom>
-        </p:spPr>
-      </p:pic>
-    </p:spTree>
-    <p:extLst>
-      <p:ext uri="{BB962C8B-B14F-4D97-AF65-F5344CB8AC3E}">
-        <p14:creationId xmlns:p14="http://schemas.microsoft.com/office/powerpoint/2010/main" val="2538859933"/>
-      </p:ext>
-    </p:extLst>
-  </p:cSld>
-  <p:clrMapOvr>
-    <a:masterClrMapping/>
-  </p:clrMapOvr>
-  <p:timing>
-    <p:tnLst>
-      <p:par>
-        <p:cTn id="1" dur="indefinite" restart="never" nodeType="tmRoot"/>
-      </p:par>
-    </p:tnLst>
-  </p:timing>
-</p:sld>
-</file>
-
-<file path=ppt/slides/slide22.xml><?xml version="1.0" encoding="utf-8"?>
-<p:sld xmlns:a="http://schemas.openxmlformats.org/drawingml/2006/main" xmlns:r="http://schemas.openxmlformats.org/officeDocument/2006/relationships" xmlns:p="http://schemas.openxmlformats.org/presentationml/2006/main">
-  <p:cSld>
-    <p:spTree>
-      <p:nvGrpSpPr>
-        <p:cNvPr id="1" name=""/>
-        <p:cNvGrpSpPr/>
-        <p:nvPr/>
-      </p:nvGrpSpPr>
-      <p:grpSpPr>
-        <a:xfrm>
-          <a:off x="0" y="0"/>
-          <a:ext cx="0" cy="0"/>
-          <a:chOff x="0" y="0"/>
-          <a:chExt cx="0" cy="0"/>
-        </a:xfrm>
-      </p:grpSpPr>
-      <p:sp>
-        <p:nvSpPr>
-          <p:cNvPr id="2" name="Titel 1"/>
-          <p:cNvSpPr>
-            <a:spLocks noGrp="1"/>
-          </p:cNvSpPr>
-          <p:nvPr>
-            <p:ph type="title"/>
-          </p:nvPr>
-        </p:nvSpPr>
-        <p:spPr>
-          <a:xfrm>
-            <a:off x="457200" y="972190"/>
-            <a:ext cx="8229600" cy="1069848"/>
-          </a:xfrm>
-        </p:spPr>
-        <p:txBody>
-          <a:bodyPr>
-            <a:noAutofit/>
-          </a:bodyPr>
-          <a:lstStyle/>
-          <a:p>
-            <a:r>
-              <a:rPr lang="de-DE" sz="2800" u="sng" dirty="0"/>
-              <a:t>Szenario Mitarbeiter löschen:</a:t>
-            </a:r>
-            <a:r>
-              <a:rPr lang="de-DE" sz="2800" dirty="0"/>
-              <a:t/>
-            </a:r>
-            <a:br>
-              <a:rPr lang="de-DE" sz="2800" dirty="0"/>
-            </a:br>
-            <a:r>
-              <a:rPr lang="de-DE" sz="2800" dirty="0"/>
-              <a:t>Mitarbeiter wird entlassen und aus dem Stippler-System entfernt. Der Zugang </a:t>
-            </a:r>
-            <a:r>
-              <a:rPr lang="de-DE" sz="2800" dirty="0" smtClean="0"/>
-              <a:t>wird ihm in Stippler </a:t>
-            </a:r>
-            <a:r>
-              <a:rPr lang="de-DE" sz="2800" dirty="0"/>
-              <a:t>verweigert.</a:t>
-            </a:r>
-            <a:br>
-              <a:rPr lang="de-DE" sz="2800" dirty="0"/>
-            </a:br>
-            <a:endParaRPr lang="de-DE" sz="2800" dirty="0"/>
-          </a:p>
-        </p:txBody>
-      </p:sp>
-      <p:pic>
-        <p:nvPicPr>
-          <p:cNvPr id="3" name="Grafik 2"/>
-          <p:cNvPicPr/>
-          <p:nvPr/>
-        </p:nvPicPr>
-        <p:blipFill rotWithShape="1">
-          <a:blip r:embed="rId2" cstate="print"/>
-          <a:srcRect t="3003"/>
-          <a:stretch/>
-        </p:blipFill>
-        <p:spPr>
-          <a:xfrm>
-            <a:off x="457200" y="2204864"/>
-            <a:ext cx="8229600" cy="4653136"/>
-          </a:xfrm>
-          <a:prstGeom prst="rect">
-            <a:avLst/>
-          </a:prstGeom>
-        </p:spPr>
-      </p:pic>
-    </p:spTree>
-    <p:extLst>
-      <p:ext uri="{BB962C8B-B14F-4D97-AF65-F5344CB8AC3E}">
-        <p14:creationId xmlns:p14="http://schemas.microsoft.com/office/powerpoint/2010/main" val="3956960791"/>
-      </p:ext>
-    </p:extLst>
-  </p:cSld>
-  <p:clrMapOvr>
-    <a:masterClrMapping/>
-  </p:clrMapOvr>
-  <p:timing>
-    <p:tnLst>
-      <p:par>
-        <p:cTn id="1" dur="indefinite" restart="never" nodeType="tmRoot"/>
-      </p:par>
-    </p:tnLst>
-  </p:timing>
-</p:sld>
-</file>
-
-<file path=ppt/slides/slide23.xml><?xml version="1.0" encoding="utf-8"?>
-<p:sld xmlns:a="http://schemas.openxmlformats.org/drawingml/2006/main" xmlns:r="http://schemas.openxmlformats.org/officeDocument/2006/relationships" xmlns:p="http://schemas.openxmlformats.org/presentationml/2006/main">
-  <p:cSld>
-    <p:spTree>
-      <p:nvGrpSpPr>
-        <p:cNvPr id="1" name=""/>
-        <p:cNvGrpSpPr/>
-        <p:nvPr/>
-      </p:nvGrpSpPr>
-      <p:grpSpPr>
-        <a:xfrm>
-          <a:off x="0" y="0"/>
-          <a:ext cx="0" cy="0"/>
-          <a:chOff x="0" y="0"/>
-          <a:chExt cx="0" cy="0"/>
-        </a:xfrm>
-      </p:grpSpPr>
-      <p:sp>
-        <p:nvSpPr>
-          <p:cNvPr id="2" name="Titel 1"/>
-          <p:cNvSpPr>
-            <a:spLocks noGrp="1"/>
-          </p:cNvSpPr>
-          <p:nvPr>
-            <p:ph type="title"/>
-          </p:nvPr>
-        </p:nvSpPr>
-        <p:spPr>
-          <a:xfrm>
-            <a:off x="474099" y="764704"/>
-            <a:ext cx="8229600" cy="1069848"/>
-          </a:xfrm>
-        </p:spPr>
-        <p:txBody>
-          <a:bodyPr>
-            <a:noAutofit/>
-          </a:bodyPr>
-          <a:lstStyle/>
-          <a:p>
-            <a:r>
-              <a:rPr lang="de-DE" sz="1800" u="sng" dirty="0"/>
-              <a:t>Szenario Art anlegen:</a:t>
-            </a:r>
-            <a:r>
-              <a:rPr lang="de-DE" sz="1800" dirty="0"/>
-              <a:t/>
-            </a:r>
-            <a:br>
-              <a:rPr lang="de-DE" sz="1800" dirty="0"/>
-            </a:br>
-            <a:r>
-              <a:rPr lang="de-DE" sz="1800" dirty="0"/>
-              <a:t>Mitarbeiter telefoniert mit Kunden, welcher ein Problem mit seinem Computer besitzt. Da die Art „Computerprobleme“ nicht im System implementiert ist, legt die Fachbereichsorganisation eine neue Art an um die Zahl </a:t>
-            </a:r>
-            <a:r>
-              <a:rPr lang="de-DE" sz="1800" dirty="0" smtClean="0"/>
-              <a:t>der gelösten Computerprobleme elektronisch </a:t>
-            </a:r>
-            <a:r>
-              <a:rPr lang="de-DE" sz="1800" dirty="0"/>
-              <a:t>zu erfassen.</a:t>
-            </a:r>
-            <a:br>
-              <a:rPr lang="de-DE" sz="1800" dirty="0"/>
-            </a:br>
-            <a:endParaRPr lang="de-DE" sz="1800" dirty="0"/>
-          </a:p>
-        </p:txBody>
-      </p:sp>
-      <p:pic>
-        <p:nvPicPr>
-          <p:cNvPr id="3" name="Grafik 2"/>
-          <p:cNvPicPr/>
-          <p:nvPr/>
-        </p:nvPicPr>
-        <p:blipFill>
-          <a:blip r:embed="rId2" cstate="print"/>
-          <a:stretch>
-            <a:fillRect/>
-          </a:stretch>
-        </p:blipFill>
-        <p:spPr>
-          <a:xfrm>
-            <a:off x="449662" y="1916832"/>
-            <a:ext cx="8237138" cy="4941167"/>
-          </a:xfrm>
-          <a:prstGeom prst="rect">
-            <a:avLst/>
-          </a:prstGeom>
-        </p:spPr>
-      </p:pic>
-    </p:spTree>
-    <p:extLst>
-      <p:ext uri="{BB962C8B-B14F-4D97-AF65-F5344CB8AC3E}">
-        <p14:creationId xmlns:p14="http://schemas.microsoft.com/office/powerpoint/2010/main" val="2566061532"/>
-      </p:ext>
-    </p:extLst>
-  </p:cSld>
-  <p:clrMapOvr>
-    <a:masterClrMapping/>
-  </p:clrMapOvr>
-  <p:timing>
-    <p:tnLst>
-      <p:par>
-        <p:cTn id="1" dur="indefinite" restart="never" nodeType="tmRoot"/>
-      </p:par>
-    </p:tnLst>
-  </p:timing>
-</p:sld>
-</file>
-
-<file path=ppt/slides/slide24.xml><?xml version="1.0" encoding="utf-8"?>
-<p:sld xmlns:a="http://schemas.openxmlformats.org/drawingml/2006/main" xmlns:r="http://schemas.openxmlformats.org/officeDocument/2006/relationships" xmlns:p="http://schemas.openxmlformats.org/presentationml/2006/main">
-  <p:cSld>
-    <p:spTree>
-      <p:nvGrpSpPr>
-        <p:cNvPr id="1" name=""/>
-        <p:cNvGrpSpPr/>
-        <p:nvPr/>
-      </p:nvGrpSpPr>
-      <p:grpSpPr>
-        <a:xfrm>
-          <a:off x="0" y="0"/>
-          <a:ext cx="0" cy="0"/>
-          <a:chOff x="0" y="0"/>
-          <a:chExt cx="0" cy="0"/>
-        </a:xfrm>
-      </p:grpSpPr>
-      <p:sp>
-        <p:nvSpPr>
-          <p:cNvPr id="2" name="Titel 1"/>
-          <p:cNvSpPr>
-            <a:spLocks noGrp="1"/>
-          </p:cNvSpPr>
-          <p:nvPr>
-            <p:ph type="title"/>
-          </p:nvPr>
-        </p:nvSpPr>
-        <p:spPr>
-          <a:xfrm>
-            <a:off x="457200" y="774976"/>
-            <a:ext cx="8229600" cy="1069848"/>
-          </a:xfrm>
-        </p:spPr>
-        <p:txBody>
-          <a:bodyPr>
-            <a:noAutofit/>
-          </a:bodyPr>
-          <a:lstStyle/>
-          <a:p>
-            <a:r>
-              <a:rPr lang="de-DE" sz="2400" u="heavy" dirty="0"/>
-              <a:t>Szenario Bereich bearbeiten:</a:t>
-            </a:r>
-            <a:r>
-              <a:rPr lang="de-DE" sz="2400" dirty="0"/>
-              <a:t/>
-            </a:r>
-            <a:br>
-              <a:rPr lang="de-DE" sz="2400" dirty="0"/>
-            </a:br>
-            <a:r>
-              <a:rPr lang="de-DE" sz="2400" dirty="0"/>
-              <a:t>Da der Mitarbeiter aus dem System entfernt wurde, ist der Bereich ohne Leiter. Der Bereichsleiter wird durch die Fachbereichsorganisation </a:t>
-            </a:r>
-            <a:r>
-              <a:rPr lang="de-DE" sz="2400" dirty="0" smtClean="0"/>
-              <a:t>in Stippler gepflegt</a:t>
-            </a:r>
-            <a:r>
-              <a:rPr lang="de-DE" sz="2400" dirty="0"/>
-              <a:t>.</a:t>
-            </a:r>
-            <a:br>
-              <a:rPr lang="de-DE" sz="2400" dirty="0"/>
-            </a:br>
-            <a:endParaRPr lang="de-DE" sz="2400" dirty="0"/>
-          </a:p>
-        </p:txBody>
-      </p:sp>
-      <p:pic>
-        <p:nvPicPr>
-          <p:cNvPr id="3" name="Grafik 2"/>
-          <p:cNvPicPr/>
-          <p:nvPr/>
-        </p:nvPicPr>
-        <p:blipFill>
-          <a:blip r:embed="rId2" cstate="print"/>
-          <a:stretch>
-            <a:fillRect/>
-          </a:stretch>
-        </p:blipFill>
-        <p:spPr>
-          <a:xfrm>
-            <a:off x="457200" y="1844824"/>
-            <a:ext cx="8229600" cy="5013176"/>
-          </a:xfrm>
-          <a:prstGeom prst="rect">
-            <a:avLst/>
-          </a:prstGeom>
-        </p:spPr>
-      </p:pic>
-    </p:spTree>
-    <p:extLst>
-      <p:ext uri="{BB962C8B-B14F-4D97-AF65-F5344CB8AC3E}">
-        <p14:creationId xmlns:p14="http://schemas.microsoft.com/office/powerpoint/2010/main" val="2657265906"/>
-      </p:ext>
-    </p:extLst>
-  </p:cSld>
-  <p:clrMapOvr>
-    <a:masterClrMapping/>
-  </p:clrMapOvr>
-  <p:timing>
-    <p:tnLst>
-      <p:par>
-        <p:cTn id="1" dur="indefinite" restart="never" nodeType="tmRoot"/>
-      </p:par>
-    </p:tnLst>
-  </p:timing>
-</p:sld>
-</file>
-
-<file path=ppt/slides/slide25.xml><?xml version="1.0" encoding="utf-8"?>
-<p:sld xmlns:a="http://schemas.openxmlformats.org/drawingml/2006/main" xmlns:r="http://schemas.openxmlformats.org/officeDocument/2006/relationships" xmlns:p="http://schemas.openxmlformats.org/presentationml/2006/main">
-  <p:cSld>
-    <p:spTree>
-      <p:nvGrpSpPr>
-        <p:cNvPr id="1" name=""/>
-        <p:cNvGrpSpPr/>
-        <p:nvPr/>
-      </p:nvGrpSpPr>
-      <p:grpSpPr>
-        <a:xfrm>
-          <a:off x="0" y="0"/>
-          <a:ext cx="0" cy="0"/>
-          <a:chOff x="0" y="0"/>
-          <a:chExt cx="0" cy="0"/>
-        </a:xfrm>
-      </p:grpSpPr>
-      <p:sp>
-        <p:nvSpPr>
-          <p:cNvPr id="2" name="Titel 1"/>
-          <p:cNvSpPr>
-            <a:spLocks noGrp="1"/>
-          </p:cNvSpPr>
-          <p:nvPr>
-            <p:ph type="title"/>
-          </p:nvPr>
-        </p:nvSpPr>
-        <p:spPr>
-          <a:xfrm>
-            <a:off x="457200" y="1279032"/>
-            <a:ext cx="8229600" cy="1069848"/>
-          </a:xfrm>
-        </p:spPr>
-        <p:txBody>
-          <a:bodyPr>
-            <a:noAutofit/>
-          </a:bodyPr>
-          <a:lstStyle/>
-          <a:p>
-            <a:r>
-              <a:rPr lang="de-DE" sz="2800" u="heavy" dirty="0"/>
-              <a:t>Szenario Arbeitsgruppe bearbeiten:</a:t>
-            </a:r>
-            <a:r>
-              <a:rPr lang="de-DE" sz="2800" dirty="0"/>
-              <a:t/>
-            </a:r>
-            <a:br>
-              <a:rPr lang="de-DE" sz="2800" dirty="0"/>
-            </a:br>
-            <a:r>
-              <a:rPr lang="de-DE" sz="2800" dirty="0"/>
-              <a:t>Innerhalb einer Gruppe wird ein neuer Leiter gesetzt</a:t>
-            </a:r>
-            <a:r>
-              <a:rPr lang="de-DE" sz="2800" dirty="0" smtClean="0"/>
-              <a:t>. Die Pflege der Daten einer Arbeitsgruppe wird durch die Fachbereichsorganisation sichergestellt</a:t>
-            </a:r>
-            <a:r>
-              <a:rPr lang="de-DE" sz="2800" dirty="0"/>
-              <a:t/>
-            </a:r>
-            <a:br>
-              <a:rPr lang="de-DE" sz="2800" dirty="0"/>
-            </a:br>
-            <a:endParaRPr lang="de-DE" sz="2800" dirty="0"/>
-          </a:p>
-        </p:txBody>
-      </p:sp>
-      <p:pic>
-        <p:nvPicPr>
-          <p:cNvPr id="3" name="Grafik 2"/>
-          <p:cNvPicPr/>
-          <p:nvPr/>
-        </p:nvPicPr>
-        <p:blipFill>
-          <a:blip r:embed="rId2" cstate="print"/>
-          <a:stretch>
-            <a:fillRect/>
-          </a:stretch>
-        </p:blipFill>
-        <p:spPr>
-          <a:xfrm>
-            <a:off x="457200" y="2780928"/>
-            <a:ext cx="8229600" cy="4077072"/>
-          </a:xfrm>
-          <a:prstGeom prst="rect">
-            <a:avLst/>
-          </a:prstGeom>
-        </p:spPr>
-      </p:pic>
-    </p:spTree>
-    <p:extLst>
-      <p:ext uri="{BB962C8B-B14F-4D97-AF65-F5344CB8AC3E}">
-        <p14:creationId xmlns:p14="http://schemas.microsoft.com/office/powerpoint/2010/main" val="1762684078"/>
-      </p:ext>
-    </p:extLst>
-  </p:cSld>
-  <p:clrMapOvr>
-    <a:masterClrMapping/>
-  </p:clrMapOvr>
-  <p:timing>
-    <p:tnLst>
-      <p:par>
-        <p:cTn id="1" dur="indefinite" restart="never" nodeType="tmRoot"/>
-      </p:par>
-    </p:tnLst>
-  </p:timing>
-</p:sld>
-</file>
-
-<file path=ppt/slides/slide26.xml><?xml version="1.0" encoding="utf-8"?>
-<p:sld xmlns:a="http://schemas.openxmlformats.org/drawingml/2006/main" xmlns:r="http://schemas.openxmlformats.org/officeDocument/2006/relationships" xmlns:p="http://schemas.openxmlformats.org/presentationml/2006/main">
-  <p:cSld>
-    <p:spTree>
-      <p:nvGrpSpPr>
-        <p:cNvPr id="1" name=""/>
-        <p:cNvGrpSpPr/>
-        <p:nvPr/>
-      </p:nvGrpSpPr>
-      <p:grpSpPr>
-        <a:xfrm>
-          <a:off x="0" y="0"/>
-          <a:ext cx="0" cy="0"/>
-          <a:chOff x="0" y="0"/>
-          <a:chExt cx="0" cy="0"/>
-        </a:xfrm>
-      </p:grpSpPr>
-      <p:sp>
-        <p:nvSpPr>
-          <p:cNvPr id="2" name="Titel 1"/>
-          <p:cNvSpPr>
-            <a:spLocks noGrp="1"/>
-          </p:cNvSpPr>
-          <p:nvPr>
-            <p:ph type="title"/>
-          </p:nvPr>
-        </p:nvSpPr>
-        <p:spPr/>
-        <p:txBody>
-          <a:bodyPr>
-            <a:normAutofit fontScale="90000"/>
-          </a:bodyPr>
-          <a:lstStyle/>
-          <a:p>
-            <a:r>
-              <a:rPr lang="de-DE" dirty="0" smtClean="0"/>
-              <a:t>All das wird realisiert durch.. Stippler!</a:t>
-            </a:r>
-            <a:endParaRPr lang="de-DE" dirty="0"/>
-          </a:p>
-        </p:txBody>
-      </p:sp>
-      <p:pic>
-        <p:nvPicPr>
-          <p:cNvPr id="3" name="Grafik 2"/>
-          <p:cNvPicPr>
-            <a:picLocks noChangeAspect="1"/>
-          </p:cNvPicPr>
-          <p:nvPr/>
-        </p:nvPicPr>
-        <p:blipFill>
-          <a:blip r:embed="rId2" cstate="print"/>
-          <a:stretch>
-            <a:fillRect/>
-          </a:stretch>
-        </p:blipFill>
-        <p:spPr>
-          <a:xfrm>
-            <a:off x="128587" y="2181225"/>
-            <a:ext cx="8886825" cy="4676775"/>
-          </a:xfrm>
-          <a:prstGeom prst="rect">
-            <a:avLst/>
-          </a:prstGeom>
-        </p:spPr>
-      </p:pic>
-    </p:spTree>
-    <p:extLst>
-      <p:ext uri="{BB962C8B-B14F-4D97-AF65-F5344CB8AC3E}">
-        <p14:creationId xmlns:p14="http://schemas.microsoft.com/office/powerpoint/2010/main" val="3372370494"/>
-      </p:ext>
-    </p:extLst>
-  </p:cSld>
-  <p:clrMapOvr>
-    <a:masterClrMapping/>
-  </p:clrMapOvr>
-  <p:timing>
-    <p:tnLst>
-      <p:par>
-        <p:cTn id="1" dur="indefinite" restart="never" nodeType="tmRoot"/>
-      </p:par>
-    </p:tnLst>
-  </p:timing>
-</p:sld>
-</file>
-
-<file path=ppt/slides/slide27.xml><?xml version="1.0" encoding="utf-8"?>
-<p:sld xmlns:a="http://schemas.openxmlformats.org/drawingml/2006/main" xmlns:r="http://schemas.openxmlformats.org/officeDocument/2006/relationships" xmlns:p="http://schemas.openxmlformats.org/presentationml/2006/main">
-  <p:cSld>
-    <p:spTree>
-      <p:nvGrpSpPr>
-        <p:cNvPr id="1" name=""/>
-        <p:cNvGrpSpPr/>
-        <p:nvPr/>
-      </p:nvGrpSpPr>
-      <p:grpSpPr>
-        <a:xfrm>
-          <a:off x="0" y="0"/>
-          <a:ext cx="0" cy="0"/>
-          <a:chOff x="0" y="0"/>
-          <a:chExt cx="0" cy="0"/>
-        </a:xfrm>
-      </p:grpSpPr>
-      <p:sp>
-        <p:nvSpPr>
-          <p:cNvPr id="2" name="Titel 1"/>
-          <p:cNvSpPr>
-            <a:spLocks noGrp="1"/>
-          </p:cNvSpPr>
-          <p:nvPr>
-            <p:ph type="title"/>
-          </p:nvPr>
-        </p:nvSpPr>
-        <p:spPr/>
-        <p:txBody>
-          <a:bodyPr/>
-          <a:lstStyle/>
-          <a:p>
-            <a:r>
-              <a:rPr lang="de-DE" dirty="0" err="1" smtClean="0"/>
-              <a:t>Lessons</a:t>
-            </a:r>
-            <a:r>
-              <a:rPr lang="de-DE" dirty="0" smtClean="0"/>
-              <a:t> </a:t>
-            </a:r>
-            <a:r>
-              <a:rPr lang="de-DE" dirty="0" err="1" smtClean="0"/>
-              <a:t>learned</a:t>
-            </a:r>
-            <a:endParaRPr lang="de-DE" dirty="0"/>
-          </a:p>
-        </p:txBody>
-      </p:sp>
-      <p:sp>
-        <p:nvSpPr>
-          <p:cNvPr id="4" name="Inhaltsplatzhalter 2"/>
-          <p:cNvSpPr txBox="1">
-            <a:spLocks/>
-          </p:cNvSpPr>
-          <p:nvPr/>
-        </p:nvSpPr>
-        <p:spPr>
-          <a:xfrm>
-            <a:off x="457200" y="2249424"/>
-            <a:ext cx="8229600" cy="4325112"/>
-          </a:xfrm>
-          <a:prstGeom prst="rect">
-            <a:avLst/>
-          </a:prstGeom>
-        </p:spPr>
-        <p:txBody>
-          <a:bodyPr>
-            <a:normAutofit/>
-          </a:bodyPr>
-          <a:lstStyle>
-            <a:lvl1pPr marL="365760" indent="-256032" algn="l" rtl="0" eaLnBrk="1" latinLnBrk="0" hangingPunct="1">
-              <a:spcBef>
-                <a:spcPts val="300"/>
-              </a:spcBef>
-              <a:buClr>
-                <a:schemeClr val="accent3"/>
-              </a:buClr>
-              <a:buFont typeface="Georgia"/>
-              <a:buChar char="•"/>
-              <a:defRPr kumimoji="0" sz="2800" kern="1200">
-                <a:solidFill>
-                  <a:schemeClr val="tx1"/>
-                </a:solidFill>
-                <a:latin typeface="+mn-lt"/>
-                <a:ea typeface="+mn-ea"/>
-                <a:cs typeface="+mn-cs"/>
-              </a:defRPr>
-            </a:lvl1pPr>
-            <a:lvl2pPr marL="658368" indent="-246888" algn="l" rtl="0" eaLnBrk="1" latinLnBrk="0" hangingPunct="1">
-              <a:spcBef>
-                <a:spcPts val="300"/>
-              </a:spcBef>
-              <a:buClr>
-                <a:schemeClr val="accent2"/>
-              </a:buClr>
-              <a:buFont typeface="Georgia"/>
-              <a:buChar char="▫"/>
-              <a:defRPr kumimoji="0" sz="2600" kern="1200">
-                <a:solidFill>
-                  <a:schemeClr val="accent2"/>
-                </a:solidFill>
-                <a:latin typeface="+mn-lt"/>
-                <a:ea typeface="+mn-ea"/>
-                <a:cs typeface="+mn-cs"/>
-              </a:defRPr>
-            </a:lvl2pPr>
-            <a:lvl3pPr marL="923544" indent="-219456" algn="l" rtl="0" eaLnBrk="1" latinLnBrk="0" hangingPunct="1">
-              <a:spcBef>
-                <a:spcPts val="300"/>
-              </a:spcBef>
-              <a:buClr>
-                <a:schemeClr val="accent1"/>
-              </a:buClr>
-              <a:buFont typeface="Wingdings 2"/>
-              <a:buChar char=""/>
-              <a:defRPr kumimoji="0" sz="2400" kern="1200">
-                <a:solidFill>
-                  <a:schemeClr val="accent1"/>
-                </a:solidFill>
-                <a:latin typeface="+mn-lt"/>
-                <a:ea typeface="+mn-ea"/>
-                <a:cs typeface="+mn-cs"/>
-              </a:defRPr>
-            </a:lvl3pPr>
-            <a:lvl4pPr marL="1179576" indent="-201168" algn="l" rtl="0" eaLnBrk="1" latinLnBrk="0" hangingPunct="1">
-              <a:spcBef>
-                <a:spcPts val="300"/>
-              </a:spcBef>
-              <a:buClr>
-                <a:schemeClr val="accent1"/>
-              </a:buClr>
-              <a:buFont typeface="Wingdings 2"/>
-              <a:buChar char=""/>
-              <a:defRPr kumimoji="0" sz="2200" kern="1200">
-                <a:solidFill>
-                  <a:schemeClr val="accent1"/>
-                </a:solidFill>
-                <a:latin typeface="+mn-lt"/>
-                <a:ea typeface="+mn-ea"/>
-                <a:cs typeface="+mn-cs"/>
-              </a:defRPr>
-            </a:lvl4pPr>
-            <a:lvl5pPr marL="1389888" indent="-182880" algn="l" rtl="0" eaLnBrk="1" latinLnBrk="0" hangingPunct="1">
-              <a:spcBef>
-                <a:spcPts val="300"/>
-              </a:spcBef>
-              <a:buClr>
-                <a:schemeClr val="accent3"/>
-              </a:buClr>
-              <a:buFont typeface="Georgia"/>
-              <a:buChar char="▫"/>
-              <a:defRPr kumimoji="0" sz="2000" kern="1200">
-                <a:solidFill>
-                  <a:schemeClr val="accent3"/>
-                </a:solidFill>
-                <a:latin typeface="+mn-lt"/>
-                <a:ea typeface="+mn-ea"/>
-                <a:cs typeface="+mn-cs"/>
-              </a:defRPr>
-            </a:lvl5pPr>
-            <a:lvl6pPr marL="1609344" indent="-182880" algn="l" rtl="0" eaLnBrk="1" latinLnBrk="0" hangingPunct="1">
-              <a:spcBef>
-                <a:spcPts val="300"/>
-              </a:spcBef>
-              <a:buClr>
-                <a:schemeClr val="accent3"/>
-              </a:buClr>
-              <a:buFont typeface="Georgia"/>
-              <a:buChar char="▫"/>
-              <a:defRPr kumimoji="0" sz="1800" kern="1200">
-                <a:solidFill>
-                  <a:schemeClr val="accent3"/>
-                </a:solidFill>
-                <a:latin typeface="+mn-lt"/>
-                <a:ea typeface="+mn-ea"/>
-                <a:cs typeface="+mn-cs"/>
-              </a:defRPr>
-            </a:lvl6pPr>
-            <a:lvl7pPr marL="1828800" indent="-182880" algn="l" rtl="0" eaLnBrk="1" latinLnBrk="0" hangingPunct="1">
-              <a:spcBef>
-                <a:spcPts val="300"/>
-              </a:spcBef>
-              <a:buClr>
-                <a:schemeClr val="accent3"/>
-              </a:buClr>
-              <a:buFont typeface="Georgia"/>
-              <a:buChar char="▫"/>
-              <a:defRPr kumimoji="0" sz="1600" kern="1200">
-                <a:solidFill>
-                  <a:schemeClr val="accent3"/>
-                </a:solidFill>
-                <a:latin typeface="+mn-lt"/>
-                <a:ea typeface="+mn-ea"/>
-                <a:cs typeface="+mn-cs"/>
-              </a:defRPr>
-            </a:lvl7pPr>
-            <a:lvl8pPr marL="2029968" indent="-182880" algn="l" rtl="0" eaLnBrk="1" latinLnBrk="0" hangingPunct="1">
-              <a:spcBef>
-                <a:spcPts val="300"/>
-              </a:spcBef>
-              <a:buClr>
-                <a:schemeClr val="accent3"/>
-              </a:buClr>
-              <a:buFont typeface="Georgia"/>
-              <a:buChar char="◦"/>
-              <a:defRPr kumimoji="0" sz="1500" kern="1200">
-                <a:solidFill>
-                  <a:schemeClr val="accent3"/>
-                </a:solidFill>
-                <a:latin typeface="+mn-lt"/>
-                <a:ea typeface="+mn-ea"/>
-                <a:cs typeface="+mn-cs"/>
-              </a:defRPr>
-            </a:lvl8pPr>
-            <a:lvl9pPr marL="2240280" indent="-182880" algn="l" rtl="0" eaLnBrk="1" latinLnBrk="0" hangingPunct="1">
-              <a:spcBef>
-                <a:spcPts val="300"/>
-              </a:spcBef>
-              <a:buClr>
-                <a:schemeClr val="accent3"/>
-              </a:buClr>
-              <a:buFont typeface="Georgia"/>
-              <a:buChar char="◦"/>
-              <a:defRPr kumimoji="0" sz="1400" kern="1200" baseline="0">
-                <a:solidFill>
-                  <a:schemeClr val="accent3"/>
-                </a:solidFill>
-                <a:latin typeface="+mn-lt"/>
-                <a:ea typeface="+mn-ea"/>
-                <a:cs typeface="+mn-cs"/>
-              </a:defRPr>
-            </a:lvl9pPr>
-          </a:lstStyle>
-          <a:p>
-            <a:r>
-              <a:rPr lang="de-DE" dirty="0" smtClean="0"/>
-              <a:t>Papierprototypen </a:t>
-            </a:r>
-            <a:r>
-              <a:rPr lang="de-DE" dirty="0" smtClean="0">
-                <a:sym typeface="Wingdings" panose="05000000000000000000" pitchFamily="2" charset="2"/>
-              </a:rPr>
-              <a:t> GUI-Designer</a:t>
-            </a:r>
-            <a:endParaRPr lang="de-DE" dirty="0" smtClean="0"/>
-          </a:p>
-          <a:p>
-            <a:r>
-              <a:rPr lang="de-DE" dirty="0" smtClean="0"/>
-              <a:t>Modelle vollständig fertigstellen, bevor aufbauendende Schritte begonnen werden</a:t>
-            </a:r>
-          </a:p>
-          <a:p>
-            <a:pPr lvl="1"/>
-            <a:r>
-              <a:rPr lang="de-DE" dirty="0" smtClean="0">
-                <a:sym typeface="Wingdings" panose="05000000000000000000" pitchFamily="2" charset="2"/>
-              </a:rPr>
-              <a:t>Vermeidet Redundanz und somit Änderungsaufwand</a:t>
-            </a:r>
-            <a:endParaRPr lang="de-DE" dirty="0" smtClean="0"/>
-          </a:p>
-          <a:p>
-            <a:r>
-              <a:rPr lang="de-DE" dirty="0" smtClean="0"/>
-              <a:t>Oberflächenelemente eindeutig festlegen</a:t>
-            </a:r>
-          </a:p>
-          <a:p>
-            <a:r>
-              <a:rPr lang="de-DE" dirty="0" smtClean="0"/>
-              <a:t>Schnittstellen definieren (View – Controller – Model)</a:t>
-            </a:r>
-          </a:p>
-        </p:txBody>
-      </p:sp>
-    </p:spTree>
-    <p:extLst>
-      <p:ext uri="{BB962C8B-B14F-4D97-AF65-F5344CB8AC3E}">
-        <p14:creationId xmlns:p14="http://schemas.microsoft.com/office/powerpoint/2010/main" val="3771086656"/>
-      </p:ext>
-    </p:extLst>
-  </p:cSld>
-  <p:clrMapOvr>
-    <a:masterClrMapping/>
-  </p:clrMapOvr>
-  <p:timing>
-    <p:tnLst>
-      <p:par>
-        <p:cTn id="1" dur="indefinite" restart="never" nodeType="tmRoot"/>
-      </p:par>
-    </p:tnLst>
-  </p:timing>
-</p:sld>
-</file>
-
-<file path=ppt/slides/slide28.xml><?xml version="1.0" encoding="utf-8"?>
-<p:sld xmlns:a="http://schemas.openxmlformats.org/drawingml/2006/main" xmlns:r="http://schemas.openxmlformats.org/officeDocument/2006/relationships" xmlns:p="http://schemas.openxmlformats.org/presentationml/2006/main">
-  <p:cSld>
-    <p:spTree>
-      <p:nvGrpSpPr>
-        <p:cNvPr id="1" name=""/>
-        <p:cNvGrpSpPr/>
-        <p:nvPr/>
-      </p:nvGrpSpPr>
-      <p:grpSpPr>
-        <a:xfrm>
-          <a:off x="0" y="0"/>
-          <a:ext cx="0" cy="0"/>
-          <a:chOff x="0" y="0"/>
-          <a:chExt cx="0" cy="0"/>
-        </a:xfrm>
-      </p:grpSpPr>
-      <p:sp>
-        <p:nvSpPr>
-          <p:cNvPr id="2" name="Titel 1"/>
-          <p:cNvSpPr>
-            <a:spLocks noGrp="1"/>
-          </p:cNvSpPr>
-          <p:nvPr>
-            <p:ph type="title"/>
-          </p:nvPr>
-        </p:nvSpPr>
-        <p:spPr/>
-        <p:txBody>
-          <a:bodyPr/>
-          <a:lstStyle/>
-          <a:p>
-            <a:r>
-              <a:rPr lang="de-DE" dirty="0" err="1" smtClean="0"/>
-              <a:t>Lessons</a:t>
-            </a:r>
-            <a:r>
-              <a:rPr lang="de-DE" dirty="0" smtClean="0"/>
-              <a:t> </a:t>
-            </a:r>
-            <a:r>
-              <a:rPr lang="de-DE" dirty="0" err="1" smtClean="0"/>
-              <a:t>learned</a:t>
-            </a:r>
-            <a:endParaRPr lang="de-DE" dirty="0"/>
-          </a:p>
-        </p:txBody>
-      </p:sp>
-      <p:sp>
-        <p:nvSpPr>
-          <p:cNvPr id="4" name="Inhaltsplatzhalter 2"/>
-          <p:cNvSpPr txBox="1">
-            <a:spLocks/>
-          </p:cNvSpPr>
-          <p:nvPr/>
-        </p:nvSpPr>
-        <p:spPr>
-          <a:xfrm>
-            <a:off x="457200" y="2249424"/>
-            <a:ext cx="8229600" cy="4325112"/>
-          </a:xfrm>
-          <a:prstGeom prst="rect">
-            <a:avLst/>
-          </a:prstGeom>
-        </p:spPr>
-        <p:txBody>
-          <a:bodyPr>
-            <a:normAutofit lnSpcReduction="10000"/>
-          </a:bodyPr>
-          <a:lstStyle>
-            <a:lvl1pPr marL="365760" indent="-256032" algn="l" rtl="0" eaLnBrk="1" latinLnBrk="0" hangingPunct="1">
-              <a:spcBef>
-                <a:spcPts val="300"/>
-              </a:spcBef>
-              <a:buClr>
-                <a:schemeClr val="accent3"/>
-              </a:buClr>
-              <a:buFont typeface="Georgia"/>
-              <a:buChar char="•"/>
-              <a:defRPr kumimoji="0" sz="2800" kern="1200">
-                <a:solidFill>
-                  <a:schemeClr val="tx1"/>
-                </a:solidFill>
-                <a:latin typeface="+mn-lt"/>
-                <a:ea typeface="+mn-ea"/>
-                <a:cs typeface="+mn-cs"/>
-              </a:defRPr>
-            </a:lvl1pPr>
-            <a:lvl2pPr marL="658368" indent="-246888" algn="l" rtl="0" eaLnBrk="1" latinLnBrk="0" hangingPunct="1">
-              <a:spcBef>
-                <a:spcPts val="300"/>
-              </a:spcBef>
-              <a:buClr>
-                <a:schemeClr val="accent2"/>
-              </a:buClr>
-              <a:buFont typeface="Georgia"/>
-              <a:buChar char="▫"/>
-              <a:defRPr kumimoji="0" sz="2600" kern="1200">
-                <a:solidFill>
-                  <a:schemeClr val="accent2"/>
-                </a:solidFill>
-                <a:latin typeface="+mn-lt"/>
-                <a:ea typeface="+mn-ea"/>
-                <a:cs typeface="+mn-cs"/>
-              </a:defRPr>
-            </a:lvl2pPr>
-            <a:lvl3pPr marL="923544" indent="-219456" algn="l" rtl="0" eaLnBrk="1" latinLnBrk="0" hangingPunct="1">
-              <a:spcBef>
-                <a:spcPts val="300"/>
-              </a:spcBef>
-              <a:buClr>
-                <a:schemeClr val="accent1"/>
-              </a:buClr>
-              <a:buFont typeface="Wingdings 2"/>
-              <a:buChar char=""/>
-              <a:defRPr kumimoji="0" sz="2400" kern="1200">
-                <a:solidFill>
-                  <a:schemeClr val="accent1"/>
-                </a:solidFill>
-                <a:latin typeface="+mn-lt"/>
-                <a:ea typeface="+mn-ea"/>
-                <a:cs typeface="+mn-cs"/>
-              </a:defRPr>
-            </a:lvl3pPr>
-            <a:lvl4pPr marL="1179576" indent="-201168" algn="l" rtl="0" eaLnBrk="1" latinLnBrk="0" hangingPunct="1">
-              <a:spcBef>
-                <a:spcPts val="300"/>
-              </a:spcBef>
-              <a:buClr>
-                <a:schemeClr val="accent1"/>
-              </a:buClr>
-              <a:buFont typeface="Wingdings 2"/>
-              <a:buChar char=""/>
-              <a:defRPr kumimoji="0" sz="2200" kern="1200">
-                <a:solidFill>
-                  <a:schemeClr val="accent1"/>
-                </a:solidFill>
-                <a:latin typeface="+mn-lt"/>
-                <a:ea typeface="+mn-ea"/>
-                <a:cs typeface="+mn-cs"/>
-              </a:defRPr>
-            </a:lvl4pPr>
-            <a:lvl5pPr marL="1389888" indent="-182880" algn="l" rtl="0" eaLnBrk="1" latinLnBrk="0" hangingPunct="1">
-              <a:spcBef>
-                <a:spcPts val="300"/>
-              </a:spcBef>
-              <a:buClr>
-                <a:schemeClr val="accent3"/>
-              </a:buClr>
-              <a:buFont typeface="Georgia"/>
-              <a:buChar char="▫"/>
-              <a:defRPr kumimoji="0" sz="2000" kern="1200">
-                <a:solidFill>
-                  <a:schemeClr val="accent3"/>
-                </a:solidFill>
-                <a:latin typeface="+mn-lt"/>
-                <a:ea typeface="+mn-ea"/>
-                <a:cs typeface="+mn-cs"/>
-              </a:defRPr>
-            </a:lvl5pPr>
-            <a:lvl6pPr marL="1609344" indent="-182880" algn="l" rtl="0" eaLnBrk="1" latinLnBrk="0" hangingPunct="1">
-              <a:spcBef>
-                <a:spcPts val="300"/>
-              </a:spcBef>
-              <a:buClr>
-                <a:schemeClr val="accent3"/>
-              </a:buClr>
-              <a:buFont typeface="Georgia"/>
-              <a:buChar char="▫"/>
-              <a:defRPr kumimoji="0" sz="1800" kern="1200">
-                <a:solidFill>
-                  <a:schemeClr val="accent3"/>
-                </a:solidFill>
-                <a:latin typeface="+mn-lt"/>
-                <a:ea typeface="+mn-ea"/>
-                <a:cs typeface="+mn-cs"/>
-              </a:defRPr>
-            </a:lvl6pPr>
-            <a:lvl7pPr marL="1828800" indent="-182880" algn="l" rtl="0" eaLnBrk="1" latinLnBrk="0" hangingPunct="1">
-              <a:spcBef>
-                <a:spcPts val="300"/>
-              </a:spcBef>
-              <a:buClr>
-                <a:schemeClr val="accent3"/>
-              </a:buClr>
-              <a:buFont typeface="Georgia"/>
-              <a:buChar char="▫"/>
-              <a:defRPr kumimoji="0" sz="1600" kern="1200">
-                <a:solidFill>
-                  <a:schemeClr val="accent3"/>
-                </a:solidFill>
-                <a:latin typeface="+mn-lt"/>
-                <a:ea typeface="+mn-ea"/>
-                <a:cs typeface="+mn-cs"/>
-              </a:defRPr>
-            </a:lvl7pPr>
-            <a:lvl8pPr marL="2029968" indent="-182880" algn="l" rtl="0" eaLnBrk="1" latinLnBrk="0" hangingPunct="1">
-              <a:spcBef>
-                <a:spcPts val="300"/>
-              </a:spcBef>
-              <a:buClr>
-                <a:schemeClr val="accent3"/>
-              </a:buClr>
-              <a:buFont typeface="Georgia"/>
-              <a:buChar char="◦"/>
-              <a:defRPr kumimoji="0" sz="1500" kern="1200">
-                <a:solidFill>
-                  <a:schemeClr val="accent3"/>
-                </a:solidFill>
-                <a:latin typeface="+mn-lt"/>
-                <a:ea typeface="+mn-ea"/>
-                <a:cs typeface="+mn-cs"/>
-              </a:defRPr>
-            </a:lvl8pPr>
-            <a:lvl9pPr marL="2240280" indent="-182880" algn="l" rtl="0" eaLnBrk="1" latinLnBrk="0" hangingPunct="1">
-              <a:spcBef>
-                <a:spcPts val="300"/>
-              </a:spcBef>
-              <a:buClr>
-                <a:schemeClr val="accent3"/>
-              </a:buClr>
-              <a:buFont typeface="Georgia"/>
-              <a:buChar char="◦"/>
-              <a:defRPr kumimoji="0" sz="1400" kern="1200" baseline="0">
-                <a:solidFill>
-                  <a:schemeClr val="accent3"/>
-                </a:solidFill>
-                <a:latin typeface="+mn-lt"/>
-                <a:ea typeface="+mn-ea"/>
-                <a:cs typeface="+mn-cs"/>
-              </a:defRPr>
-            </a:lvl9pPr>
-          </a:lstStyle>
-          <a:p>
-            <a:r>
-              <a:rPr lang="de-DE" dirty="0"/>
-              <a:t>Klare Strukturen </a:t>
-            </a:r>
-            <a:r>
-              <a:rPr lang="de-DE" dirty="0">
-                <a:sym typeface="Wingdings" panose="05000000000000000000" pitchFamily="2" charset="2"/>
-              </a:rPr>
-              <a:t> Architektur-Modell</a:t>
-            </a:r>
-          </a:p>
-          <a:p>
-            <a:r>
-              <a:rPr lang="de-DE" dirty="0">
-                <a:sym typeface="Wingdings" panose="05000000000000000000" pitchFamily="2" charset="2"/>
-              </a:rPr>
-              <a:t>Modelle</a:t>
-            </a:r>
-          </a:p>
-          <a:p>
-            <a:pPr lvl="1"/>
-            <a:r>
-              <a:rPr lang="de-DE" dirty="0">
-                <a:sym typeface="Wingdings" panose="05000000000000000000" pitchFamily="2" charset="2"/>
-              </a:rPr>
-              <a:t>Hilfreich</a:t>
-            </a:r>
-          </a:p>
-          <a:p>
-            <a:pPr lvl="1"/>
-            <a:r>
-              <a:rPr lang="de-DE" dirty="0">
-                <a:sym typeface="Wingdings" panose="05000000000000000000" pitchFamily="2" charset="2"/>
-              </a:rPr>
-              <a:t>Nicht alles kann vollständig erfasst werden</a:t>
-            </a:r>
-          </a:p>
-          <a:p>
-            <a:pPr lvl="1"/>
-            <a:r>
-              <a:rPr lang="de-DE" dirty="0">
-                <a:sym typeface="Wingdings" panose="05000000000000000000" pitchFamily="2" charset="2"/>
-              </a:rPr>
-              <a:t>Aufwand bei Modellierung spart später Programmieraufwand</a:t>
-            </a:r>
-          </a:p>
-          <a:p>
-            <a:r>
-              <a:rPr lang="de-DE" dirty="0"/>
-              <a:t>Falsche Annahmen aus Kundenanforderungen können Konzept komplett in Frage stellen</a:t>
-            </a:r>
-          </a:p>
-          <a:p>
-            <a:pPr lvl="1"/>
-            <a:r>
-              <a:rPr lang="de-DE" dirty="0"/>
-              <a:t>z.B. verschiedene Arten anlegen</a:t>
-            </a:r>
-          </a:p>
-          <a:p>
-            <a:pPr lvl="1"/>
-            <a:r>
-              <a:rPr lang="de-DE" dirty="0"/>
-              <a:t>Anforderungen hinterfragen</a:t>
-            </a:r>
-          </a:p>
-        </p:txBody>
-      </p:sp>
-    </p:spTree>
-    <p:extLst>
-      <p:ext uri="{BB962C8B-B14F-4D97-AF65-F5344CB8AC3E}">
-        <p14:creationId xmlns:p14="http://schemas.microsoft.com/office/powerpoint/2010/main" val="3709997242"/>
-      </p:ext>
-    </p:extLst>
-  </p:cSld>
-  <p:clrMapOvr>
-    <a:masterClrMapping/>
-  </p:clrMapOvr>
-  <p:timing>
-    <p:tnLst>
-      <p:par>
-        <p:cTn id="1" dur="indefinite" restart="never" nodeType="tmRoot"/>
-      </p:par>
-    </p:tnLst>
-  </p:timing>
-</p:sld>
-</file>
-
-<file path=ppt/slides/slide29.xml><?xml version="1.0" encoding="utf-8"?>
-<p:sld xmlns:a="http://schemas.openxmlformats.org/drawingml/2006/main" xmlns:r="http://schemas.openxmlformats.org/officeDocument/2006/relationships" xmlns:p="http://schemas.openxmlformats.org/presentationml/2006/main">
-  <p:cSld>
-    <p:spTree>
-      <p:nvGrpSpPr>
-        <p:cNvPr id="1" name=""/>
-        <p:cNvGrpSpPr/>
-        <p:nvPr/>
-      </p:nvGrpSpPr>
-      <p:grpSpPr>
-        <a:xfrm>
-          <a:off x="0" y="0"/>
-          <a:ext cx="0" cy="0"/>
-          <a:chOff x="0" y="0"/>
-          <a:chExt cx="0" cy="0"/>
-        </a:xfrm>
-      </p:grpSpPr>
-      <p:sp>
-        <p:nvSpPr>
-          <p:cNvPr id="2" name="Titel 1"/>
-          <p:cNvSpPr>
-            <a:spLocks noGrp="1"/>
-          </p:cNvSpPr>
-          <p:nvPr>
-            <p:ph type="title"/>
-          </p:nvPr>
-        </p:nvSpPr>
-        <p:spPr/>
-        <p:txBody>
-          <a:bodyPr/>
-          <a:lstStyle/>
-          <a:p>
-            <a:r>
-              <a:rPr lang="de-DE" dirty="0" err="1" smtClean="0"/>
-              <a:t>Lessons</a:t>
-            </a:r>
-            <a:r>
-              <a:rPr lang="de-DE" dirty="0" smtClean="0"/>
-              <a:t> </a:t>
-            </a:r>
-            <a:r>
-              <a:rPr lang="de-DE" dirty="0" err="1" smtClean="0"/>
-              <a:t>learned</a:t>
-            </a:r>
-            <a:endParaRPr lang="de-DE" dirty="0"/>
-          </a:p>
-        </p:txBody>
-      </p:sp>
-      <p:sp>
-        <p:nvSpPr>
-          <p:cNvPr id="4" name="Inhaltsplatzhalter 2"/>
-          <p:cNvSpPr txBox="1">
-            <a:spLocks/>
-          </p:cNvSpPr>
-          <p:nvPr/>
-        </p:nvSpPr>
-        <p:spPr>
-          <a:xfrm>
-            <a:off x="457200" y="2249424"/>
-            <a:ext cx="8229600" cy="4325112"/>
-          </a:xfrm>
-          <a:prstGeom prst="rect">
-            <a:avLst/>
-          </a:prstGeom>
-        </p:spPr>
-        <p:txBody>
-          <a:bodyPr>
-            <a:normAutofit/>
-          </a:bodyPr>
-          <a:lstStyle>
-            <a:lvl1pPr marL="365760" indent="-256032" algn="l" rtl="0" eaLnBrk="1" latinLnBrk="0" hangingPunct="1">
-              <a:spcBef>
-                <a:spcPts val="300"/>
-              </a:spcBef>
-              <a:buClr>
-                <a:schemeClr val="accent3"/>
-              </a:buClr>
-              <a:buFont typeface="Georgia"/>
-              <a:buChar char="•"/>
-              <a:defRPr kumimoji="0" sz="2800" kern="1200">
-                <a:solidFill>
-                  <a:schemeClr val="tx1"/>
-                </a:solidFill>
-                <a:latin typeface="+mn-lt"/>
-                <a:ea typeface="+mn-ea"/>
-                <a:cs typeface="+mn-cs"/>
-              </a:defRPr>
-            </a:lvl1pPr>
-            <a:lvl2pPr marL="658368" indent="-246888" algn="l" rtl="0" eaLnBrk="1" latinLnBrk="0" hangingPunct="1">
-              <a:spcBef>
-                <a:spcPts val="300"/>
-              </a:spcBef>
-              <a:buClr>
-                <a:schemeClr val="accent2"/>
-              </a:buClr>
-              <a:buFont typeface="Georgia"/>
-              <a:buChar char="▫"/>
-              <a:defRPr kumimoji="0" sz="2600" kern="1200">
-                <a:solidFill>
-                  <a:schemeClr val="accent2"/>
-                </a:solidFill>
-                <a:latin typeface="+mn-lt"/>
-                <a:ea typeface="+mn-ea"/>
-                <a:cs typeface="+mn-cs"/>
-              </a:defRPr>
-            </a:lvl2pPr>
-            <a:lvl3pPr marL="923544" indent="-219456" algn="l" rtl="0" eaLnBrk="1" latinLnBrk="0" hangingPunct="1">
-              <a:spcBef>
-                <a:spcPts val="300"/>
-              </a:spcBef>
-              <a:buClr>
-                <a:schemeClr val="accent1"/>
-              </a:buClr>
-              <a:buFont typeface="Wingdings 2"/>
-              <a:buChar char=""/>
-              <a:defRPr kumimoji="0" sz="2400" kern="1200">
-                <a:solidFill>
-                  <a:schemeClr val="accent1"/>
-                </a:solidFill>
-                <a:latin typeface="+mn-lt"/>
-                <a:ea typeface="+mn-ea"/>
-                <a:cs typeface="+mn-cs"/>
-              </a:defRPr>
-            </a:lvl3pPr>
-            <a:lvl4pPr marL="1179576" indent="-201168" algn="l" rtl="0" eaLnBrk="1" latinLnBrk="0" hangingPunct="1">
-              <a:spcBef>
-                <a:spcPts val="300"/>
-              </a:spcBef>
-              <a:buClr>
-                <a:schemeClr val="accent1"/>
-              </a:buClr>
-              <a:buFont typeface="Wingdings 2"/>
-              <a:buChar char=""/>
-              <a:defRPr kumimoji="0" sz="2200" kern="1200">
-                <a:solidFill>
-                  <a:schemeClr val="accent1"/>
-                </a:solidFill>
-                <a:latin typeface="+mn-lt"/>
-                <a:ea typeface="+mn-ea"/>
-                <a:cs typeface="+mn-cs"/>
-              </a:defRPr>
-            </a:lvl4pPr>
-            <a:lvl5pPr marL="1389888" indent="-182880" algn="l" rtl="0" eaLnBrk="1" latinLnBrk="0" hangingPunct="1">
-              <a:spcBef>
-                <a:spcPts val="300"/>
-              </a:spcBef>
-              <a:buClr>
-                <a:schemeClr val="accent3"/>
-              </a:buClr>
-              <a:buFont typeface="Georgia"/>
-              <a:buChar char="▫"/>
-              <a:defRPr kumimoji="0" sz="2000" kern="1200">
-                <a:solidFill>
-                  <a:schemeClr val="accent3"/>
-                </a:solidFill>
-                <a:latin typeface="+mn-lt"/>
-                <a:ea typeface="+mn-ea"/>
-                <a:cs typeface="+mn-cs"/>
-              </a:defRPr>
-            </a:lvl5pPr>
-            <a:lvl6pPr marL="1609344" indent="-182880" algn="l" rtl="0" eaLnBrk="1" latinLnBrk="0" hangingPunct="1">
-              <a:spcBef>
-                <a:spcPts val="300"/>
-              </a:spcBef>
-              <a:buClr>
-                <a:schemeClr val="accent3"/>
-              </a:buClr>
-              <a:buFont typeface="Georgia"/>
-              <a:buChar char="▫"/>
-              <a:defRPr kumimoji="0" sz="1800" kern="1200">
-                <a:solidFill>
-                  <a:schemeClr val="accent3"/>
-                </a:solidFill>
-                <a:latin typeface="+mn-lt"/>
-                <a:ea typeface="+mn-ea"/>
-                <a:cs typeface="+mn-cs"/>
-              </a:defRPr>
-            </a:lvl6pPr>
-            <a:lvl7pPr marL="1828800" indent="-182880" algn="l" rtl="0" eaLnBrk="1" latinLnBrk="0" hangingPunct="1">
-              <a:spcBef>
-                <a:spcPts val="300"/>
-              </a:spcBef>
-              <a:buClr>
-                <a:schemeClr val="accent3"/>
-              </a:buClr>
-              <a:buFont typeface="Georgia"/>
-              <a:buChar char="▫"/>
-              <a:defRPr kumimoji="0" sz="1600" kern="1200">
-                <a:solidFill>
-                  <a:schemeClr val="accent3"/>
-                </a:solidFill>
-                <a:latin typeface="+mn-lt"/>
-                <a:ea typeface="+mn-ea"/>
-                <a:cs typeface="+mn-cs"/>
-              </a:defRPr>
-            </a:lvl7pPr>
-            <a:lvl8pPr marL="2029968" indent="-182880" algn="l" rtl="0" eaLnBrk="1" latinLnBrk="0" hangingPunct="1">
-              <a:spcBef>
-                <a:spcPts val="300"/>
-              </a:spcBef>
-              <a:buClr>
-                <a:schemeClr val="accent3"/>
-              </a:buClr>
-              <a:buFont typeface="Georgia"/>
-              <a:buChar char="◦"/>
-              <a:defRPr kumimoji="0" sz="1500" kern="1200">
-                <a:solidFill>
-                  <a:schemeClr val="accent3"/>
-                </a:solidFill>
-                <a:latin typeface="+mn-lt"/>
-                <a:ea typeface="+mn-ea"/>
-                <a:cs typeface="+mn-cs"/>
-              </a:defRPr>
-            </a:lvl8pPr>
-            <a:lvl9pPr marL="2240280" indent="-182880" algn="l" rtl="0" eaLnBrk="1" latinLnBrk="0" hangingPunct="1">
-              <a:spcBef>
-                <a:spcPts val="300"/>
-              </a:spcBef>
-              <a:buClr>
-                <a:schemeClr val="accent3"/>
-              </a:buClr>
-              <a:buFont typeface="Georgia"/>
-              <a:buChar char="◦"/>
-              <a:defRPr kumimoji="0" sz="1400" kern="1200" baseline="0">
-                <a:solidFill>
-                  <a:schemeClr val="accent3"/>
-                </a:solidFill>
-                <a:latin typeface="+mn-lt"/>
-                <a:ea typeface="+mn-ea"/>
-                <a:cs typeface="+mn-cs"/>
-              </a:defRPr>
-            </a:lvl9pPr>
-          </a:lstStyle>
-          <a:p>
-            <a:r>
-              <a:rPr lang="de-DE" dirty="0" smtClean="0"/>
               <a:t>Projektleiterfunktion nicht in operativer Arbeit</a:t>
             </a:r>
           </a:p>
@@ -14253,24 +14083,16 @@
           <a:p>
             <a:r>
               <a:rPr lang="de-DE" dirty="0" smtClean="0"/>
-              <a:t>Dokumentation der Anzahl der erledigten </a:t>
-            </a:r>
+              <a:t>Dokumentation der Anzahl der erledigten Arbeitsaufgaben je Kalenderwoche</a:t>
+            </a:r>
+          </a:p>
+          <a:p>
+            <a:endParaRPr lang="de-DE" dirty="0" smtClean="0"/>
+          </a:p>
+          <a:p>
             <a:r>
               <a:rPr lang="de-DE" dirty="0" smtClean="0"/>
-              <a:t>Arbeitsaufgaben je Kalenderwoche</a:t>
-            </a:r>
-          </a:p>
-          <a:p>
-            <a:endParaRPr lang="de-DE" dirty="0" smtClean="0"/>
-          </a:p>
-          <a:p>
-            <a:r>
-              <a:rPr lang="de-DE" dirty="0" smtClean="0"/>
-              <a:t>Statistiken je </a:t>
-            </a:r>
-            <a:r>
-              <a:rPr lang="de-DE" dirty="0" smtClean="0"/>
-              <a:t>nach Bereich bzw. Arbeitsgruppe</a:t>
+              <a:t>Statistiken je nach Bereich bzw. Arbeitsgruppe</a:t>
             </a:r>
             <a:endParaRPr lang="de-DE" dirty="0"/>
           </a:p>
@@ -17171,8 +16993,8 @@
         </p:nvSpPr>
         <p:spPr>
           <a:xfrm>
-            <a:off x="6167246" y="4780070"/>
-            <a:ext cx="2698734" cy="646331"/>
+            <a:off x="6193746" y="4780070"/>
+            <a:ext cx="2698734" cy="2031325"/>
           </a:xfrm>
           <a:prstGeom prst="rect">
             <a:avLst/>
@@ -17189,11 +17011,56 @@
               <a:rPr lang="de-DE" dirty="0" smtClean="0">
                 <a:latin typeface="+mj-lt"/>
               </a:rPr>
-              <a:t>Jede Nacht: kopiere Einträge vom Vortag</a:t>
-            </a:r>
-            <a:endParaRPr lang="de-DE" dirty="0">
-              <a:latin typeface="+mj-lt"/>
-            </a:endParaRPr>
+              <a:t>Jede </a:t>
+            </a:r>
+            <a:r>
+              <a:rPr lang="de-DE" dirty="0" smtClean="0">
+                <a:latin typeface="+mj-lt"/>
+              </a:rPr>
+              <a:t>Nacht:</a:t>
+            </a:r>
+          </a:p>
+          <a:p>
+            <a:pPr marL="285750" indent="-285750">
+              <a:buFontTx/>
+              <a:buChar char="-"/>
+            </a:pPr>
+            <a:r>
+              <a:rPr lang="de-DE" dirty="0" smtClean="0">
+                <a:latin typeface="+mj-lt"/>
+              </a:rPr>
+              <a:t>Zusammenfassen der </a:t>
+            </a:r>
+            <a:r>
+              <a:rPr lang="de-DE" dirty="0" smtClean="0">
+                <a:latin typeface="+mj-lt"/>
+              </a:rPr>
+              <a:t>Einträge </a:t>
+            </a:r>
+            <a:r>
+              <a:rPr lang="de-DE" dirty="0" smtClean="0">
+                <a:latin typeface="+mj-lt"/>
+              </a:rPr>
+              <a:t>vom </a:t>
+            </a:r>
+            <a:r>
+              <a:rPr lang="de-DE" dirty="0" smtClean="0">
+                <a:latin typeface="+mj-lt"/>
+              </a:rPr>
+              <a:t>Vortag zur Wochen- und Jahresübersicht</a:t>
+            </a:r>
+          </a:p>
+          <a:p>
+            <a:pPr marL="285750" indent="-285750">
+              <a:buFontTx/>
+              <a:buChar char="-"/>
+            </a:pPr>
+            <a:r>
+              <a:rPr lang="de-DE" dirty="0" smtClean="0">
+                <a:latin typeface="+mj-lt"/>
+              </a:rPr>
+              <a:t>Löschen der Einträge nach X Monaten</a:t>
+            </a:r>
           </a:p>
         </p:txBody>
       </p:sp>
@@ -17239,8 +17106,8 @@
         </p:nvSpPr>
         <p:spPr>
           <a:xfrm>
-            <a:off x="2245269" y="2651236"/>
-            <a:ext cx="2698734" cy="923330"/>
+            <a:off x="2245269" y="2636912"/>
+            <a:ext cx="2698734" cy="1200329"/>
           </a:xfrm>
           <a:prstGeom prst="rect">
             <a:avLst/>
@@ -17254,10 +17121,24 @@
           <a:lstStyle/>
           <a:p>
             <a:r>
+              <a:rPr lang="de-DE" b="1" dirty="0" smtClean="0">
+                <a:latin typeface="+mj-lt"/>
+              </a:rPr>
+              <a:t>Client Anforderungen</a:t>
+            </a:r>
+          </a:p>
+          <a:p>
+            <a:r>
               <a:rPr lang="de-DE" dirty="0" smtClean="0">
                 <a:latin typeface="+mj-lt"/>
               </a:rPr>
-              <a:t>OS &gt; </a:t>
+              <a:t>OS </a:t>
+            </a:r>
+            <a:r>
+              <a:rPr lang="de-DE" dirty="0" smtClean="0">
+                <a:latin typeface="+mj-lt"/>
+              </a:rPr>
+              <a:t>&gt; </a:t>
             </a:r>
             <a:r>
               <a:rPr lang="de-DE" dirty="0" err="1" smtClean="0">
@@ -17303,9 +17184,389 @@
   <p:timing>
     <p:tnLst>
       <p:par>
-        <p:cTn id="1" dur="indefinite" restart="never" nodeType="tmRoot"/>
+        <p:cTn id="1" dur="indefinite" restart="never" nodeType="tmRoot">
+          <p:childTnLst>
+            <p:seq concurrent="1" nextAc="seek">
+              <p:cTn id="2" dur="indefinite" nodeType="mainSeq">
+                <p:childTnLst>
+                  <p:par>
+                    <p:cTn id="3" fill="hold">
+                      <p:stCondLst>
+                        <p:cond delay="indefinite"/>
+                        <p:cond evt="onBegin" delay="0">
+                          <p:tn val="2"/>
+                        </p:cond>
+                      </p:stCondLst>
+                      <p:childTnLst>
+                        <p:par>
+                          <p:cTn id="4" fill="hold">
+                            <p:stCondLst>
+                              <p:cond delay="0"/>
+                            </p:stCondLst>
+                            <p:childTnLst>
+                              <p:par>
+                                <p:cTn id="5" presetID="1" presetClass="entr" presetSubtype="0" fill="hold" grpId="0" nodeType="withEffect">
+                                  <p:stCondLst>
+                                    <p:cond delay="0"/>
+                                  </p:stCondLst>
+                                  <p:childTnLst>
+                                    <p:set>
+                                      <p:cBhvr>
+                                        <p:cTn id="6" dur="1" fill="hold">
+                                          <p:stCondLst>
+                                            <p:cond delay="0"/>
+                                          </p:stCondLst>
+                                        </p:cTn>
+                                        <p:tgtEl>
+                                          <p:spTgt spid="2"/>
+                                        </p:tgtEl>
+                                        <p:attrNameLst>
+                                          <p:attrName>style.visibility</p:attrName>
+                                        </p:attrNameLst>
+                                      </p:cBhvr>
+                                      <p:to>
+                                        <p:strVal val="visible"/>
+                                      </p:to>
+                                    </p:set>
+                                  </p:childTnLst>
+                                </p:cTn>
+                              </p:par>
+                              <p:par>
+                                <p:cTn id="7" presetID="1" presetClass="entr" presetSubtype="0" fill="hold" grpId="0" nodeType="withEffect">
+                                  <p:stCondLst>
+                                    <p:cond delay="0"/>
+                                  </p:stCondLst>
+                                  <p:childTnLst>
+                                    <p:set>
+                                      <p:cBhvr>
+                                        <p:cTn id="8" dur="1" fill="hold">
+                                          <p:stCondLst>
+                                            <p:cond delay="0"/>
+                                          </p:stCondLst>
+                                        </p:cTn>
+                                        <p:tgtEl>
+                                          <p:spTgt spid="17"/>
+                                        </p:tgtEl>
+                                        <p:attrNameLst>
+                                          <p:attrName>style.visibility</p:attrName>
+                                        </p:attrNameLst>
+                                      </p:cBhvr>
+                                      <p:to>
+                                        <p:strVal val="visible"/>
+                                      </p:to>
+                                    </p:set>
+                                  </p:childTnLst>
+                                </p:cTn>
+                              </p:par>
+                              <p:par>
+                                <p:cTn id="9" presetID="1" presetClass="entr" presetSubtype="0" fill="hold" nodeType="withEffect">
+                                  <p:stCondLst>
+                                    <p:cond delay="0"/>
+                                  </p:stCondLst>
+                                  <p:childTnLst>
+                                    <p:set>
+                                      <p:cBhvr>
+                                        <p:cTn id="10" dur="1" fill="hold">
+                                          <p:stCondLst>
+                                            <p:cond delay="0"/>
+                                          </p:stCondLst>
+                                        </p:cTn>
+                                        <p:tgtEl>
+                                          <p:spTgt spid="10"/>
+                                        </p:tgtEl>
+                                        <p:attrNameLst>
+                                          <p:attrName>style.visibility</p:attrName>
+                                        </p:attrNameLst>
+                                      </p:cBhvr>
+                                      <p:to>
+                                        <p:strVal val="visible"/>
+                                      </p:to>
+                                    </p:set>
+                                  </p:childTnLst>
+                                </p:cTn>
+                              </p:par>
+                              <p:par>
+                                <p:cTn id="11" presetID="1" presetClass="entr" presetSubtype="0" fill="hold" grpId="0" nodeType="withEffect">
+                                  <p:stCondLst>
+                                    <p:cond delay="0"/>
+                                  </p:stCondLst>
+                                  <p:childTnLst>
+                                    <p:set>
+                                      <p:cBhvr>
+                                        <p:cTn id="12" dur="1" fill="hold">
+                                          <p:stCondLst>
+                                            <p:cond delay="0"/>
+                                          </p:stCondLst>
+                                        </p:cTn>
+                                        <p:tgtEl>
+                                          <p:spTgt spid="11"/>
+                                        </p:tgtEl>
+                                        <p:attrNameLst>
+                                          <p:attrName>style.visibility</p:attrName>
+                                        </p:attrNameLst>
+                                      </p:cBhvr>
+                                      <p:to>
+                                        <p:strVal val="visible"/>
+                                      </p:to>
+                                    </p:set>
+                                  </p:childTnLst>
+                                </p:cTn>
+                              </p:par>
+                              <p:par>
+                                <p:cTn id="13" presetID="1" presetClass="entr" presetSubtype="0" fill="hold" grpId="0" nodeType="withEffect">
+                                  <p:stCondLst>
+                                    <p:cond delay="0"/>
+                                  </p:stCondLst>
+                                  <p:childTnLst>
+                                    <p:set>
+                                      <p:cBhvr>
+                                        <p:cTn id="14" dur="1" fill="hold">
+                                          <p:stCondLst>
+                                            <p:cond delay="0"/>
+                                          </p:stCondLst>
+                                        </p:cTn>
+                                        <p:tgtEl>
+                                          <p:spTgt spid="3"/>
+                                        </p:tgtEl>
+                                        <p:attrNameLst>
+                                          <p:attrName>style.visibility</p:attrName>
+                                        </p:attrNameLst>
+                                      </p:cBhvr>
+                                      <p:to>
+                                        <p:strVal val="visible"/>
+                                      </p:to>
+                                    </p:set>
+                                  </p:childTnLst>
+                                </p:cTn>
+                              </p:par>
+                            </p:childTnLst>
+                          </p:cTn>
+                        </p:par>
+                      </p:childTnLst>
+                    </p:cTn>
+                  </p:par>
+                  <p:par>
+                    <p:cTn id="15" fill="hold">
+                      <p:stCondLst>
+                        <p:cond delay="indefinite"/>
+                      </p:stCondLst>
+                      <p:childTnLst>
+                        <p:par>
+                          <p:cTn id="16" fill="hold">
+                            <p:stCondLst>
+                              <p:cond delay="0"/>
+                            </p:stCondLst>
+                            <p:childTnLst>
+                              <p:par>
+                                <p:cTn id="17" presetID="6" presetClass="entr" presetSubtype="16" fill="hold" grpId="0" nodeType="clickEffect">
+                                  <p:stCondLst>
+                                    <p:cond delay="0"/>
+                                  </p:stCondLst>
+                                  <p:childTnLst>
+                                    <p:set>
+                                      <p:cBhvr>
+                                        <p:cTn id="18" dur="1" fill="hold">
+                                          <p:stCondLst>
+                                            <p:cond delay="0"/>
+                                          </p:stCondLst>
+                                        </p:cTn>
+                                        <p:tgtEl>
+                                          <p:spTgt spid="12"/>
+                                        </p:tgtEl>
+                                        <p:attrNameLst>
+                                          <p:attrName>style.visibility</p:attrName>
+                                        </p:attrNameLst>
+                                      </p:cBhvr>
+                                      <p:to>
+                                        <p:strVal val="visible"/>
+                                      </p:to>
+                                    </p:set>
+                                    <p:animEffect transition="in" filter="circle(in)">
+                                      <p:cBhvr>
+                                        <p:cTn id="19" dur="2000"/>
+                                        <p:tgtEl>
+                                          <p:spTgt spid="12"/>
+                                        </p:tgtEl>
+                                      </p:cBhvr>
+                                    </p:animEffect>
+                                  </p:childTnLst>
+                                </p:cTn>
+                              </p:par>
+                              <p:par>
+                                <p:cTn id="20" presetID="6" presetClass="entr" presetSubtype="16" fill="hold" nodeType="withEffect">
+                                  <p:stCondLst>
+                                    <p:cond delay="0"/>
+                                  </p:stCondLst>
+                                  <p:childTnLst>
+                                    <p:set>
+                                      <p:cBhvr>
+                                        <p:cTn id="21" dur="1" fill="hold">
+                                          <p:stCondLst>
+                                            <p:cond delay="0"/>
+                                          </p:stCondLst>
+                                        </p:cTn>
+                                        <p:tgtEl>
+                                          <p:spTgt spid="14"/>
+                                        </p:tgtEl>
+                                        <p:attrNameLst>
+                                          <p:attrName>style.visibility</p:attrName>
+                                        </p:attrNameLst>
+                                      </p:cBhvr>
+                                      <p:to>
+                                        <p:strVal val="visible"/>
+                                      </p:to>
+                                    </p:set>
+                                    <p:animEffect transition="in" filter="circle(in)">
+                                      <p:cBhvr>
+                                        <p:cTn id="22" dur="2000"/>
+                                        <p:tgtEl>
+                                          <p:spTgt spid="14"/>
+                                        </p:tgtEl>
+                                      </p:cBhvr>
+                                    </p:animEffect>
+                                  </p:childTnLst>
+                                </p:cTn>
+                              </p:par>
+                              <p:par>
+                                <p:cTn id="23" presetID="6" presetClass="entr" presetSubtype="16" fill="hold" grpId="0" nodeType="withEffect">
+                                  <p:stCondLst>
+                                    <p:cond delay="0"/>
+                                  </p:stCondLst>
+                                  <p:childTnLst>
+                                    <p:set>
+                                      <p:cBhvr>
+                                        <p:cTn id="24" dur="1" fill="hold">
+                                          <p:stCondLst>
+                                            <p:cond delay="0"/>
+                                          </p:stCondLst>
+                                        </p:cTn>
+                                        <p:tgtEl>
+                                          <p:spTgt spid="15"/>
+                                        </p:tgtEl>
+                                        <p:attrNameLst>
+                                          <p:attrName>style.visibility</p:attrName>
+                                        </p:attrNameLst>
+                                      </p:cBhvr>
+                                      <p:to>
+                                        <p:strVal val="visible"/>
+                                      </p:to>
+                                    </p:set>
+                                    <p:animEffect transition="in" filter="circle(in)">
+                                      <p:cBhvr>
+                                        <p:cTn id="25" dur="2000"/>
+                                        <p:tgtEl>
+                                          <p:spTgt spid="15"/>
+                                        </p:tgtEl>
+                                      </p:cBhvr>
+                                    </p:animEffect>
+                                  </p:childTnLst>
+                                </p:cTn>
+                              </p:par>
+                              <p:par>
+                                <p:cTn id="26" presetID="6" presetClass="entr" presetSubtype="16" fill="hold" nodeType="withEffect">
+                                  <p:stCondLst>
+                                    <p:cond delay="0"/>
+                                  </p:stCondLst>
+                                  <p:childTnLst>
+                                    <p:set>
+                                      <p:cBhvr>
+                                        <p:cTn id="27" dur="1" fill="hold">
+                                          <p:stCondLst>
+                                            <p:cond delay="0"/>
+                                          </p:stCondLst>
+                                        </p:cTn>
+                                        <p:tgtEl>
+                                          <p:spTgt spid="6"/>
+                                        </p:tgtEl>
+                                        <p:attrNameLst>
+                                          <p:attrName>style.visibility</p:attrName>
+                                        </p:attrNameLst>
+                                      </p:cBhvr>
+                                      <p:to>
+                                        <p:strVal val="visible"/>
+                                      </p:to>
+                                    </p:set>
+                                    <p:animEffect transition="in" filter="circle(in)">
+                                      <p:cBhvr>
+                                        <p:cTn id="28" dur="2000"/>
+                                        <p:tgtEl>
+                                          <p:spTgt spid="6"/>
+                                        </p:tgtEl>
+                                      </p:cBhvr>
+                                    </p:animEffect>
+                                  </p:childTnLst>
+                                </p:cTn>
+                              </p:par>
+                              <p:par>
+                                <p:cTn id="29" presetID="6" presetClass="entr" presetSubtype="16" fill="hold" nodeType="withEffect">
+                                  <p:stCondLst>
+                                    <p:cond delay="0"/>
+                                  </p:stCondLst>
+                                  <p:childTnLst>
+                                    <p:set>
+                                      <p:cBhvr>
+                                        <p:cTn id="30" dur="1" fill="hold">
+                                          <p:stCondLst>
+                                            <p:cond delay="0"/>
+                                          </p:stCondLst>
+                                        </p:cTn>
+                                        <p:tgtEl>
+                                          <p:spTgt spid="5"/>
+                                        </p:tgtEl>
+                                        <p:attrNameLst>
+                                          <p:attrName>style.visibility</p:attrName>
+                                        </p:attrNameLst>
+                                      </p:cBhvr>
+                                      <p:to>
+                                        <p:strVal val="visible"/>
+                                      </p:to>
+                                    </p:set>
+                                    <p:animEffect transition="in" filter="circle(in)">
+                                      <p:cBhvr>
+                                        <p:cTn id="31" dur="2000"/>
+                                        <p:tgtEl>
+                                          <p:spTgt spid="5"/>
+                                        </p:tgtEl>
+                                      </p:cBhvr>
+                                    </p:animEffect>
+                                  </p:childTnLst>
+                                </p:cTn>
+                              </p:par>
+                            </p:childTnLst>
+                          </p:cTn>
+                        </p:par>
+                      </p:childTnLst>
+                    </p:cTn>
+                  </p:par>
+                </p:childTnLst>
+              </p:cTn>
+              <p:prevCondLst>
+                <p:cond evt="onPrev" delay="0">
+                  <p:tgtEl>
+                    <p:sldTgt/>
+                  </p:tgtEl>
+                </p:cond>
+              </p:prevCondLst>
+              <p:nextCondLst>
+                <p:cond evt="onNext" delay="0">
+                  <p:tgtEl>
+                    <p:sldTgt/>
+                  </p:tgtEl>
+                </p:cond>
+              </p:nextCondLst>
+            </p:seq>
+          </p:childTnLst>
+        </p:cTn>
       </p:par>
     </p:tnLst>
+    <p:bldLst>
+      <p:bldP spid="2" grpId="0"/>
+      <p:bldP spid="3" grpId="0" animBg="1"/>
+      <p:bldP spid="11" grpId="0" animBg="1"/>
+      <p:bldP spid="12" grpId="0" animBg="1"/>
+      <p:bldP spid="15" grpId="0"/>
+      <p:bldP spid="17" grpId="0"/>
+    </p:bldLst>
   </p:timing>
 </p:sld>
 </file>
@@ -17358,8 +17619,8 @@
         </p:nvSpPr>
         <p:spPr>
           <a:xfrm>
-            <a:off x="465336" y="2420888"/>
-            <a:ext cx="8221464" cy="936104"/>
+            <a:off x="3480792" y="2420888"/>
+            <a:ext cx="5555704" cy="936104"/>
           </a:xfrm>
           <a:prstGeom prst="roundRect">
             <a:avLst/>
@@ -17386,7 +17647,7 @@
             <a:pPr algn="ctr"/>
             <a:r>
               <a:rPr lang="de-DE" dirty="0" smtClean="0"/>
-              <a:t>View</a:t>
+              <a:t>View (Präsentation)</a:t>
             </a:r>
             <a:endParaRPr lang="de-DE" dirty="0"/>
           </a:p>
@@ -17400,8 +17661,8 @@
         </p:nvSpPr>
         <p:spPr>
           <a:xfrm>
-            <a:off x="456456" y="3717032"/>
-            <a:ext cx="8221464" cy="936104"/>
+            <a:off x="3471912" y="3717032"/>
+            <a:ext cx="5555704" cy="936104"/>
           </a:xfrm>
           <a:prstGeom prst="roundRect">
             <a:avLst/>
@@ -17428,7 +17689,7 @@
             <a:pPr algn="ctr"/>
             <a:r>
               <a:rPr lang="de-DE" dirty="0" smtClean="0"/>
-              <a:t>Controller</a:t>
+              <a:t>Controller (Steuerung)</a:t>
             </a:r>
             <a:endParaRPr lang="de-DE" dirty="0"/>
           </a:p>
@@ -17442,8 +17703,8 @@
         </p:nvSpPr>
         <p:spPr>
           <a:xfrm>
-            <a:off x="456456" y="5013176"/>
-            <a:ext cx="8221464" cy="936104"/>
+            <a:off x="3471912" y="5013176"/>
+            <a:ext cx="5555704" cy="936104"/>
           </a:xfrm>
           <a:prstGeom prst="roundRect">
             <a:avLst/>
@@ -17470,7 +17731,7 @@
             <a:pPr algn="ctr"/>
             <a:r>
               <a:rPr lang="de-DE" dirty="0" smtClean="0"/>
-              <a:t>Model</a:t>
+              <a:t>Model (Modell)</a:t>
             </a:r>
             <a:endParaRPr lang="de-DE" dirty="0"/>
           </a:p>
@@ -17484,8 +17745,8 @@
         </p:nvSpPr>
         <p:spPr>
           <a:xfrm>
-            <a:off x="1475656" y="3068960"/>
-            <a:ext cx="648072" cy="936104"/>
+            <a:off x="4491112" y="3068960"/>
+            <a:ext cx="437939" cy="936104"/>
           </a:xfrm>
           <a:prstGeom prst="upDownArrow">
             <a:avLst/>
@@ -17522,8 +17783,8 @@
         </p:nvSpPr>
         <p:spPr>
           <a:xfrm>
-            <a:off x="6804248" y="3068960"/>
-            <a:ext cx="648072" cy="936104"/>
+            <a:off x="7947496" y="3031541"/>
+            <a:ext cx="437939" cy="936104"/>
           </a:xfrm>
           <a:prstGeom prst="upDownArrow">
             <a:avLst/>
@@ -17560,8 +17821,8 @@
         </p:nvSpPr>
         <p:spPr>
           <a:xfrm>
-            <a:off x="1475656" y="4365104"/>
-            <a:ext cx="648072" cy="936104"/>
+            <a:off x="4491112" y="4365104"/>
+            <a:ext cx="437939" cy="936104"/>
           </a:xfrm>
           <a:prstGeom prst="upDownArrow">
             <a:avLst/>
@@ -17598,8 +17859,8 @@
         </p:nvSpPr>
         <p:spPr>
           <a:xfrm>
-            <a:off x="6804248" y="4393124"/>
-            <a:ext cx="648072" cy="936104"/>
+            <a:off x="7947496" y="4355705"/>
+            <a:ext cx="437939" cy="936104"/>
           </a:xfrm>
           <a:prstGeom prst="upDownArrow">
             <a:avLst/>
@@ -17625,6 +17886,224 @@
           <a:p>
             <a:pPr algn="ctr"/>
             <a:endParaRPr lang="de-DE"/>
+          </a:p>
+        </p:txBody>
+      </p:sp>
+      <p:sp>
+        <p:nvSpPr>
+          <p:cNvPr id="10" name="Inhaltsplatzhalter 2"/>
+          <p:cNvSpPr txBox="1">
+            <a:spLocks/>
+          </p:cNvSpPr>
+          <p:nvPr/>
+        </p:nvSpPr>
+        <p:spPr>
+          <a:xfrm>
+            <a:off x="179512" y="2344248"/>
+            <a:ext cx="3240360" cy="4325112"/>
+          </a:xfrm>
+          <a:prstGeom prst="rect">
+            <a:avLst/>
+          </a:prstGeom>
+        </p:spPr>
+        <p:txBody>
+          <a:bodyPr>
+            <a:normAutofit/>
+          </a:bodyPr>
+          <a:lstStyle>
+            <a:lvl1pPr marL="365760" indent="-256032" algn="l" rtl="0" eaLnBrk="1" latinLnBrk="0" hangingPunct="1">
+              <a:spcBef>
+                <a:spcPts val="300"/>
+              </a:spcBef>
+              <a:buClr>
+                <a:schemeClr val="accent3"/>
+              </a:buClr>
+              <a:buFont typeface="Georgia"/>
+              <a:buChar char="•"/>
+              <a:defRPr kumimoji="0" sz="2800" kern="1200">
+                <a:solidFill>
+                  <a:schemeClr val="tx1"/>
+                </a:solidFill>
+                <a:latin typeface="+mn-lt"/>
+                <a:ea typeface="+mn-ea"/>
+                <a:cs typeface="+mn-cs"/>
+              </a:defRPr>
+            </a:lvl1pPr>
+            <a:lvl2pPr marL="658368" indent="-246888" algn="l" rtl="0" eaLnBrk="1" latinLnBrk="0" hangingPunct="1">
+              <a:spcBef>
+                <a:spcPts val="300"/>
+              </a:spcBef>
+              <a:buClr>
+                <a:schemeClr val="accent2"/>
+              </a:buClr>
+              <a:buFont typeface="Georgia"/>
+              <a:buChar char="▫"/>
+              <a:defRPr kumimoji="0" sz="2600" kern="1200">
+                <a:solidFill>
+                  <a:schemeClr val="accent2"/>
+                </a:solidFill>
+                <a:latin typeface="+mn-lt"/>
+                <a:ea typeface="+mn-ea"/>
+                <a:cs typeface="+mn-cs"/>
+              </a:defRPr>
+            </a:lvl2pPr>
+            <a:lvl3pPr marL="923544" indent="-219456" algn="l" rtl="0" eaLnBrk="1" latinLnBrk="0" hangingPunct="1">
+              <a:spcBef>
+                <a:spcPts val="300"/>
+              </a:spcBef>
+              <a:buClr>
+                <a:schemeClr val="accent1"/>
+              </a:buClr>
+              <a:buFont typeface="Wingdings 2"/>
+              <a:buChar char=""/>
+              <a:defRPr kumimoji="0" sz="2400" kern="1200">
+                <a:solidFill>
+                  <a:schemeClr val="accent1"/>
+                </a:solidFill>
+                <a:latin typeface="+mn-lt"/>
+                <a:ea typeface="+mn-ea"/>
+                <a:cs typeface="+mn-cs"/>
+              </a:defRPr>
+            </a:lvl3pPr>
+            <a:lvl4pPr marL="1179576" indent="-201168" algn="l" rtl="0" eaLnBrk="1" latinLnBrk="0" hangingPunct="1">
+              <a:spcBef>
+                <a:spcPts val="300"/>
+              </a:spcBef>
+              <a:buClr>
+                <a:schemeClr val="accent1"/>
+              </a:buClr>
+              <a:buFont typeface="Wingdings 2"/>
+              <a:buChar char=""/>
+              <a:defRPr kumimoji="0" sz="2200" kern="1200">
+                <a:solidFill>
+                  <a:schemeClr val="accent1"/>
+                </a:solidFill>
+                <a:latin typeface="+mn-lt"/>
+                <a:ea typeface="+mn-ea"/>
+                <a:cs typeface="+mn-cs"/>
+              </a:defRPr>
+            </a:lvl4pPr>
+            <a:lvl5pPr marL="1389888" indent="-182880" algn="l" rtl="0" eaLnBrk="1" latinLnBrk="0" hangingPunct="1">
+              <a:spcBef>
+                <a:spcPts val="300"/>
+              </a:spcBef>
+              <a:buClr>
+                <a:schemeClr val="accent3"/>
+              </a:buClr>
+              <a:buFont typeface="Georgia"/>
+              <a:buChar char="▫"/>
+              <a:defRPr kumimoji="0" sz="2000" kern="1200">
+                <a:solidFill>
+                  <a:schemeClr val="accent3"/>
+                </a:solidFill>
+                <a:latin typeface="+mn-lt"/>
+                <a:ea typeface="+mn-ea"/>
+                <a:cs typeface="+mn-cs"/>
+              </a:defRPr>
+            </a:lvl5pPr>
+            <a:lvl6pPr marL="1609344" indent="-182880" algn="l" rtl="0" eaLnBrk="1" latinLnBrk="0" hangingPunct="1">
+              <a:spcBef>
+                <a:spcPts val="300"/>
+              </a:spcBef>
+              <a:buClr>
+                <a:schemeClr val="accent3"/>
+              </a:buClr>
+              <a:buFont typeface="Georgia"/>
+              <a:buChar char="▫"/>
+              <a:defRPr kumimoji="0" sz="1800" kern="1200">
+                <a:solidFill>
+                  <a:schemeClr val="accent3"/>
+                </a:solidFill>
+                <a:latin typeface="+mn-lt"/>
+                <a:ea typeface="+mn-ea"/>
+                <a:cs typeface="+mn-cs"/>
+              </a:defRPr>
+            </a:lvl6pPr>
+            <a:lvl7pPr marL="1828800" indent="-182880" algn="l" rtl="0" eaLnBrk="1" latinLnBrk="0" hangingPunct="1">
+              <a:spcBef>
+                <a:spcPts val="300"/>
+              </a:spcBef>
+              <a:buClr>
+                <a:schemeClr val="accent3"/>
+              </a:buClr>
+              <a:buFont typeface="Georgia"/>
+              <a:buChar char="▫"/>
+              <a:defRPr kumimoji="0" sz="1600" kern="1200">
+                <a:solidFill>
+                  <a:schemeClr val="accent3"/>
+                </a:solidFill>
+                <a:latin typeface="+mn-lt"/>
+                <a:ea typeface="+mn-ea"/>
+                <a:cs typeface="+mn-cs"/>
+              </a:defRPr>
+            </a:lvl7pPr>
+            <a:lvl8pPr marL="2029968" indent="-182880" algn="l" rtl="0" eaLnBrk="1" latinLnBrk="0" hangingPunct="1">
+              <a:spcBef>
+                <a:spcPts val="300"/>
+              </a:spcBef>
+              <a:buClr>
+                <a:schemeClr val="accent3"/>
+              </a:buClr>
+              <a:buFont typeface="Georgia"/>
+              <a:buChar char="◦"/>
+              <a:defRPr kumimoji="0" sz="1500" kern="1200">
+                <a:solidFill>
+                  <a:schemeClr val="accent3"/>
+                </a:solidFill>
+                <a:latin typeface="+mn-lt"/>
+                <a:ea typeface="+mn-ea"/>
+                <a:cs typeface="+mn-cs"/>
+              </a:defRPr>
+            </a:lvl8pPr>
+            <a:lvl9pPr marL="2240280" indent="-182880" algn="l" rtl="0" eaLnBrk="1" latinLnBrk="0" hangingPunct="1">
+              <a:spcBef>
+                <a:spcPts val="300"/>
+              </a:spcBef>
+              <a:buClr>
+                <a:schemeClr val="accent3"/>
+              </a:buClr>
+              <a:buFont typeface="Georgia"/>
+              <a:buChar char="◦"/>
+              <a:defRPr kumimoji="0" sz="1400" kern="1200" baseline="0">
+                <a:solidFill>
+                  <a:schemeClr val="accent3"/>
+                </a:solidFill>
+                <a:latin typeface="+mn-lt"/>
+                <a:ea typeface="+mn-ea"/>
+                <a:cs typeface="+mn-cs"/>
+              </a:defRPr>
+            </a:lvl9pPr>
+          </a:lstStyle>
+          <a:p>
+            <a:r>
+              <a:rPr lang="de-DE" dirty="0" smtClean="0"/>
+              <a:t>Strukturierung der Entwicklung</a:t>
+            </a:r>
+          </a:p>
+          <a:p>
+            <a:pPr>
+              <a:buFont typeface="Wingdings"/>
+              <a:buChar char="à"/>
+            </a:pPr>
+            <a:r>
+              <a:rPr lang="de-DE" dirty="0" smtClean="0">
+                <a:sym typeface="Wingdings" panose="05000000000000000000" pitchFamily="2" charset="2"/>
+              </a:rPr>
+              <a:t>Änderungen+ Erweiterungen (Wartbarkeit) erleichtern</a:t>
+            </a:r>
+          </a:p>
+          <a:p>
+            <a:pPr>
+              <a:buFont typeface="Wingdings"/>
+              <a:buChar char="à"/>
+            </a:pPr>
+            <a:r>
+              <a:rPr lang="de-DE" dirty="0" smtClean="0">
+                <a:sym typeface="Wingdings" panose="05000000000000000000" pitchFamily="2" charset="2"/>
+              </a:rPr>
+              <a:t>Wieder-verwendbarkeit</a:t>
+            </a:r>
+            <a:endParaRPr lang="de-DE" dirty="0" smtClean="0"/>
           </a:p>
         </p:txBody>
       </p:sp>

--- a/Projektmanagement/Abschlusspräsentation.pptx
+++ b/Projektmanagement/Abschlusspräsentation.pptx
@@ -60,7 +60,7 @@
     <p:sldId id="273" r:id="rId48"/>
   </p:sldIdLst>
   <p:sldSz cx="9144000" cy="6858000" type="screen4x3"/>
-  <p:notesSz cx="6858000" cy="9144000"/>
+  <p:notesSz cx="6888163" cy="10020300"/>
   <p:defaultTextStyle>
     <a:defPPr>
       <a:defRPr lang="de-DE"/>
@@ -158,7 +158,7 @@
   </p:defaultTextStyle>
   <p:extLst>
     <p:ext uri="{EFAFB233-063F-42B5-8137-9DF3F51BA10A}">
-      <p15:sldGuideLst xmlns:p15="http://schemas.microsoft.com/office/powerpoint/2012/main" xmlns="">
+      <p15:sldGuideLst xmlns="" xmlns:p15="http://schemas.microsoft.com/office/powerpoint/2012/main">
         <p15:guide id="1" orient="horz" pos="2160">
           <p15:clr>
             <a:srgbClr val="A4A3A4"/>
@@ -172,7 +172,7 @@
       </p15:sldGuideLst>
     </p:ext>
     <p:ext uri="{2D200454-40CA-4A62-9FC3-DE9A4176ACB9}">
-      <p15:notesGuideLst xmlns:p15="http://schemas.microsoft.com/office/powerpoint/2012/main" xmlns="">
+      <p15:notesGuideLst xmlns="" xmlns:p15="http://schemas.microsoft.com/office/powerpoint/2012/main">
         <p15:guide id="1" orient="horz" pos="2880">
           <p15:clr>
             <a:srgbClr val="A4A3A4"/>
@@ -1955,9 +1955,9 @@
     <dgm:cxn modelId="{2198E06B-EBEE-42F2-BF31-52AD13E73BC6}" srcId="{42A7AF39-9F16-4BE0-9691-F2A4EAA889D5}" destId="{DBD17336-B141-494E-A31C-6EA653EE637A}" srcOrd="3" destOrd="0" parTransId="{09A6F55D-0974-44D2-B12D-48E16F3D0029}" sibTransId="{A6141C16-1C65-42F9-8DF0-A27738FE79EE}"/>
     <dgm:cxn modelId="{58ECD606-DF49-456C-92CC-3FC995338DA5}" srcId="{182E85C3-C0C1-4055-B42E-08657C1D36EB}" destId="{1E975C45-1647-472C-8812-EFF81A215801}" srcOrd="4" destOrd="0" parTransId="{11DCAC3E-4C2C-4945-B245-E7C69099CB34}" sibTransId="{50A0534A-8921-429F-AEBF-0E0D60438255}"/>
     <dgm:cxn modelId="{EFB2B553-798E-499E-868E-5A323D49D87B}" type="presOf" srcId="{8852547F-3DE1-4303-BABC-35751A1FFAA4}" destId="{62F66354-603A-41C3-B161-16A4A9E45F44}" srcOrd="0" destOrd="2" presId="urn:microsoft.com/office/officeart/2005/8/layout/hProcess9"/>
-    <dgm:cxn modelId="{238D6892-0E24-4060-A415-A69BB6AA037E}" type="presOf" srcId="{27323C3F-7D4E-44F5-9FA3-413CFCD7B174}" destId="{8C0195AE-96DF-44DB-8CA5-EA3E73389D9C}" srcOrd="0" destOrd="3" presId="urn:microsoft.com/office/officeart/2005/8/layout/hProcess9"/>
     <dgm:cxn modelId="{20EFF80B-8D1F-44F0-A98A-47DA2A47CC91}" type="presOf" srcId="{B4BBFA07-05DD-4CDD-AC39-6342607DC2A1}" destId="{8C0195AE-96DF-44DB-8CA5-EA3E73389D9C}" srcOrd="0" destOrd="0" presId="urn:microsoft.com/office/officeart/2005/8/layout/hProcess9"/>
     <dgm:cxn modelId="{4AA9AB66-BA44-475B-A8A8-30AD54C4CD1A}" srcId="{6043B0A8-44FC-4706-B37A-7F342ABD7CAE}" destId="{1D2BD1DA-3657-4A8C-9785-D7282AB16A84}" srcOrd="3" destOrd="0" parTransId="{13AD18B7-6C9D-4DA5-8CF7-426D68467982}" sibTransId="{5FB73046-B1E2-46DC-A2CC-49B3DBF79A17}"/>
+    <dgm:cxn modelId="{238D6892-0E24-4060-A415-A69BB6AA037E}" type="presOf" srcId="{27323C3F-7D4E-44F5-9FA3-413CFCD7B174}" destId="{8C0195AE-96DF-44DB-8CA5-EA3E73389D9C}" srcOrd="0" destOrd="3" presId="urn:microsoft.com/office/officeart/2005/8/layout/hProcess9"/>
     <dgm:cxn modelId="{E2E8D555-E2A1-4B5C-B90D-F16299503649}" srcId="{182E85C3-C0C1-4055-B42E-08657C1D36EB}" destId="{DDBD9E0E-2857-478B-9BFD-EB049F36A6F4}" srcOrd="1" destOrd="0" parTransId="{64FDB413-C3BC-4DF0-942B-0162F878BA5B}" sibTransId="{79BD68F6-F4B8-49E3-96CA-A2D68A915F02}"/>
     <dgm:cxn modelId="{21C40A1C-D218-4855-8389-19E2BFED7B78}" type="presOf" srcId="{ABD30D39-23EC-4FCC-9B13-57D32A82A546}" destId="{F3C847B4-E9D1-403C-BF56-3BADCB1909DC}" srcOrd="0" destOrd="1" presId="urn:microsoft.com/office/officeart/2005/8/layout/hProcess9"/>
     <dgm:cxn modelId="{549CF814-C607-4921-A024-5CFAC5637540}" srcId="{5245D8E1-9FDE-4633-85B7-BE42CD6AA787}" destId="{AD34B4C5-1A81-4AC6-A5F9-35CC4DC5D843}" srcOrd="0" destOrd="0" parTransId="{FD6F77B6-DA9F-491F-B649-F16E90DA55B0}" sibTransId="{8B95582E-B691-45DD-8D9C-114E0B7A4E01}"/>
@@ -1972,8 +1972,8 @@
     <dgm:cxn modelId="{CA27D4C9-7305-47C1-B558-E71A93D8B295}" type="presOf" srcId="{AD34B4C5-1A81-4AC6-A5F9-35CC4DC5D843}" destId="{20382240-D5AC-4B89-8E53-73A8B41769F1}" srcOrd="0" destOrd="1" presId="urn:microsoft.com/office/officeart/2005/8/layout/hProcess9"/>
     <dgm:cxn modelId="{7B8B71DC-DC57-43EA-BE14-CDBA81ACEF98}" type="presOf" srcId="{42A7AF39-9F16-4BE0-9691-F2A4EAA889D5}" destId="{734A29E2-3521-46BA-B5C0-E8A3637FA4B0}" srcOrd="0" destOrd="0" presId="urn:microsoft.com/office/officeart/2005/8/layout/hProcess9"/>
     <dgm:cxn modelId="{A4E4E3C8-7B99-4F7C-A2C4-16D3A3CA62E3}" type="presOf" srcId="{DDBD9E0E-2857-478B-9BFD-EB049F36A6F4}" destId="{BA4718A9-DFD2-471C-969C-97F876ADC320}" srcOrd="0" destOrd="2" presId="urn:microsoft.com/office/officeart/2005/8/layout/hProcess9"/>
+    <dgm:cxn modelId="{3DE7FD94-D5E7-407C-989B-2C1F91B4CE03}" srcId="{B4BBFA07-05DD-4CDD-AC39-6342607DC2A1}" destId="{27323C3F-7D4E-44F5-9FA3-413CFCD7B174}" srcOrd="2" destOrd="0" parTransId="{18FA00AE-387D-4A8D-981A-94EDEBCA8EC2}" sibTransId="{D4734B30-AB73-4712-B278-2895E8608C4E}"/>
     <dgm:cxn modelId="{503287BE-2194-4F0B-9AA9-12C9B00499EE}" type="presOf" srcId="{5245D8E1-9FDE-4633-85B7-BE42CD6AA787}" destId="{20382240-D5AC-4B89-8E53-73A8B41769F1}" srcOrd="0" destOrd="0" presId="urn:microsoft.com/office/officeart/2005/8/layout/hProcess9"/>
-    <dgm:cxn modelId="{3DE7FD94-D5E7-407C-989B-2C1F91B4CE03}" srcId="{B4BBFA07-05DD-4CDD-AC39-6342607DC2A1}" destId="{27323C3F-7D4E-44F5-9FA3-413CFCD7B174}" srcOrd="2" destOrd="0" parTransId="{18FA00AE-387D-4A8D-981A-94EDEBCA8EC2}" sibTransId="{D4734B30-AB73-4712-B278-2895E8608C4E}"/>
     <dgm:cxn modelId="{1ADAA526-6B24-45CB-89D0-518E04A3D93F}" srcId="{182E85C3-C0C1-4055-B42E-08657C1D36EB}" destId="{3F8391EC-2E89-41BC-979F-48D4E21A811C}" srcOrd="2" destOrd="0" parTransId="{E9716149-5B95-4904-8590-6A93EE8C5197}" sibTransId="{BFA852D6-66A0-4365-B195-CB67CFDCDE73}"/>
     <dgm:cxn modelId="{929DDD9F-A144-4496-902C-7A0CEA79C4C8}" srcId="{5245D8E1-9FDE-4633-85B7-BE42CD6AA787}" destId="{8693C395-BAA7-449A-ACDD-FFFEEE0DC862}" srcOrd="1" destOrd="0" parTransId="{0DB5F330-DE96-4670-8EFA-8B7B45CEA34D}" sibTransId="{87BE7E65-1B97-4314-AB36-B212E2476EE6}"/>
     <dgm:cxn modelId="{F3801A3C-3E3D-475A-B6DA-AD1066FF5E06}" type="presParOf" srcId="{734A29E2-3521-46BA-B5C0-E8A3637FA4B0}" destId="{3E058364-C437-4B0E-B373-8D6523686A02}" srcOrd="0" destOrd="0" presId="urn:microsoft.com/office/officeart/2005/8/layout/hProcess9"/>
@@ -4125,17 +4125,17 @@
         <p:spPr>
           <a:xfrm>
             <a:off x="0" y="0"/>
-            <a:ext cx="2971800" cy="457200"/>
+            <a:ext cx="2984871" cy="501015"/>
           </a:xfrm>
           <a:prstGeom prst="rect">
             <a:avLst/>
           </a:prstGeom>
         </p:spPr>
         <p:txBody>
-          <a:bodyPr vert="horz" lIns="91440" tIns="45720" rIns="91440" bIns="45720" rtlCol="0"/>
+          <a:bodyPr vert="horz" lIns="96616" tIns="48308" rIns="96616" bIns="48308" rtlCol="0"/>
           <a:lstStyle>
             <a:lvl1pPr algn="l">
-              <a:defRPr sz="1200"/>
+              <a:defRPr sz="1300"/>
             </a:lvl1pPr>
           </a:lstStyle>
           <a:p>
@@ -4155,18 +4155,18 @@
         </p:nvSpPr>
         <p:spPr>
           <a:xfrm>
-            <a:off x="3884613" y="0"/>
-            <a:ext cx="2971800" cy="457200"/>
+            <a:off x="3901698" y="0"/>
+            <a:ext cx="2984871" cy="501015"/>
           </a:xfrm>
           <a:prstGeom prst="rect">
             <a:avLst/>
           </a:prstGeom>
         </p:spPr>
         <p:txBody>
-          <a:bodyPr vert="horz" lIns="91440" tIns="45720" rIns="91440" bIns="45720" rtlCol="0"/>
+          <a:bodyPr vert="horz" lIns="96616" tIns="48308" rIns="96616" bIns="48308" rtlCol="0"/>
           <a:lstStyle>
             <a:lvl1pPr algn="r">
-              <a:defRPr sz="1200"/>
+              <a:defRPr sz="1300"/>
             </a:lvl1pPr>
           </a:lstStyle>
           <a:p>
@@ -4191,18 +4191,18 @@
         </p:nvSpPr>
         <p:spPr>
           <a:xfrm>
-            <a:off x="0" y="8685213"/>
-            <a:ext cx="2971800" cy="457200"/>
+            <a:off x="0" y="9517546"/>
+            <a:ext cx="2984871" cy="501015"/>
           </a:xfrm>
           <a:prstGeom prst="rect">
             <a:avLst/>
           </a:prstGeom>
         </p:spPr>
         <p:txBody>
-          <a:bodyPr vert="horz" lIns="91440" tIns="45720" rIns="91440" bIns="45720" rtlCol="0" anchor="b"/>
+          <a:bodyPr vert="horz" lIns="96616" tIns="48308" rIns="96616" bIns="48308" rtlCol="0" anchor="b"/>
           <a:lstStyle>
             <a:lvl1pPr algn="l">
-              <a:defRPr sz="1200"/>
+              <a:defRPr sz="1300"/>
             </a:lvl1pPr>
           </a:lstStyle>
           <a:p>
@@ -4222,18 +4222,18 @@
         </p:nvSpPr>
         <p:spPr>
           <a:xfrm>
-            <a:off x="3884613" y="8685213"/>
-            <a:ext cx="2971800" cy="457200"/>
+            <a:off x="3901698" y="9517546"/>
+            <a:ext cx="2984871" cy="501015"/>
           </a:xfrm>
           <a:prstGeom prst="rect">
             <a:avLst/>
           </a:prstGeom>
         </p:spPr>
         <p:txBody>
-          <a:bodyPr vert="horz" lIns="91440" tIns="45720" rIns="91440" bIns="45720" rtlCol="0" anchor="b"/>
+          <a:bodyPr vert="horz" lIns="96616" tIns="48308" rIns="96616" bIns="48308" rtlCol="0" anchor="b"/>
           <a:lstStyle>
             <a:lvl1pPr algn="r">
-              <a:defRPr sz="1200"/>
+              <a:defRPr sz="1300"/>
             </a:lvl1pPr>
           </a:lstStyle>
           <a:p>
@@ -4292,17 +4292,17 @@
         <p:spPr>
           <a:xfrm>
             <a:off x="0" y="0"/>
-            <a:ext cx="2971800" cy="457200"/>
+            <a:ext cx="2984871" cy="501015"/>
           </a:xfrm>
           <a:prstGeom prst="rect">
             <a:avLst/>
           </a:prstGeom>
         </p:spPr>
         <p:txBody>
-          <a:bodyPr vert="horz" lIns="91440" tIns="45720" rIns="91440" bIns="45720" rtlCol="0"/>
+          <a:bodyPr vert="horz" lIns="96616" tIns="48308" rIns="96616" bIns="48308" rtlCol="0"/>
           <a:lstStyle>
             <a:lvl1pPr algn="l">
-              <a:defRPr sz="1200"/>
+              <a:defRPr sz="1300"/>
             </a:lvl1pPr>
           </a:lstStyle>
           <a:p>
@@ -4322,18 +4322,18 @@
         </p:nvSpPr>
         <p:spPr>
           <a:xfrm>
-            <a:off x="3884613" y="0"/>
-            <a:ext cx="2971800" cy="457200"/>
+            <a:off x="3901698" y="0"/>
+            <a:ext cx="2984871" cy="501015"/>
           </a:xfrm>
           <a:prstGeom prst="rect">
             <a:avLst/>
           </a:prstGeom>
         </p:spPr>
         <p:txBody>
-          <a:bodyPr vert="horz" lIns="91440" tIns="45720" rIns="91440" bIns="45720" rtlCol="0"/>
+          <a:bodyPr vert="horz" lIns="96616" tIns="48308" rIns="96616" bIns="48308" rtlCol="0"/>
           <a:lstStyle>
             <a:lvl1pPr algn="r">
-              <a:defRPr sz="1200"/>
+              <a:defRPr sz="1300"/>
             </a:lvl1pPr>
           </a:lstStyle>
           <a:p>
@@ -4358,8 +4358,8 @@
         </p:nvSpPr>
         <p:spPr>
           <a:xfrm>
-            <a:off x="1143000" y="685800"/>
-            <a:ext cx="4572000" cy="3429000"/>
+            <a:off x="939800" y="750888"/>
+            <a:ext cx="5008563" cy="3757612"/>
           </a:xfrm>
           <a:prstGeom prst="rect">
             <a:avLst/>
@@ -4372,7 +4372,7 @@
           </a:ln>
         </p:spPr>
         <p:txBody>
-          <a:bodyPr vert="horz" lIns="91440" tIns="45720" rIns="91440" bIns="45720" rtlCol="0" anchor="ctr"/>
+          <a:bodyPr vert="horz" lIns="96616" tIns="48308" rIns="96616" bIns="48308" rtlCol="0" anchor="ctr"/>
           <a:lstStyle/>
           <a:p>
             <a:endParaRPr lang="de-DE"/>
@@ -4391,15 +4391,15 @@
         </p:nvSpPr>
         <p:spPr>
           <a:xfrm>
-            <a:off x="685800" y="4343400"/>
-            <a:ext cx="5486400" cy="4114800"/>
+            <a:off x="688817" y="4759643"/>
+            <a:ext cx="5510530" cy="4509135"/>
           </a:xfrm>
           <a:prstGeom prst="rect">
             <a:avLst/>
           </a:prstGeom>
         </p:spPr>
         <p:txBody>
-          <a:bodyPr vert="horz" lIns="91440" tIns="45720" rIns="91440" bIns="45720" rtlCol="0"/>
+          <a:bodyPr vert="horz" lIns="96616" tIns="48308" rIns="96616" bIns="48308" rtlCol="0"/>
           <a:lstStyle/>
           <a:p>
             <a:pPr lvl="0"/>
@@ -4451,18 +4451,18 @@
         </p:nvSpPr>
         <p:spPr>
           <a:xfrm>
-            <a:off x="0" y="8685213"/>
-            <a:ext cx="2971800" cy="457200"/>
+            <a:off x="0" y="9517546"/>
+            <a:ext cx="2984871" cy="501015"/>
           </a:xfrm>
           <a:prstGeom prst="rect">
             <a:avLst/>
           </a:prstGeom>
         </p:spPr>
         <p:txBody>
-          <a:bodyPr vert="horz" lIns="91440" tIns="45720" rIns="91440" bIns="45720" rtlCol="0" anchor="b"/>
+          <a:bodyPr vert="horz" lIns="96616" tIns="48308" rIns="96616" bIns="48308" rtlCol="0" anchor="b"/>
           <a:lstStyle>
             <a:lvl1pPr algn="l">
-              <a:defRPr sz="1200"/>
+              <a:defRPr sz="1300"/>
             </a:lvl1pPr>
           </a:lstStyle>
           <a:p>
@@ -4482,18 +4482,18 @@
         </p:nvSpPr>
         <p:spPr>
           <a:xfrm>
-            <a:off x="3884613" y="8685213"/>
-            <a:ext cx="2971800" cy="457200"/>
+            <a:off x="3901698" y="9517546"/>
+            <a:ext cx="2984871" cy="501015"/>
           </a:xfrm>
           <a:prstGeom prst="rect">
             <a:avLst/>
           </a:prstGeom>
         </p:spPr>
         <p:txBody>
-          <a:bodyPr vert="horz" lIns="91440" tIns="45720" rIns="91440" bIns="45720" rtlCol="0" anchor="b"/>
+          <a:bodyPr vert="horz" lIns="96616" tIns="48308" rIns="96616" bIns="48308" rtlCol="0" anchor="b"/>
           <a:lstStyle>
             <a:lvl1pPr algn="r">
-              <a:defRPr sz="1200"/>
+              <a:defRPr sz="1300"/>
             </a:lvl1pPr>
           </a:lstStyle>
           <a:p>
@@ -6888,9 +6888,8 @@
           <a:bodyPr/>
           <a:lstStyle/>
           <a:p>
-            <a:fld id="{AE7D85B2-395F-4693-9648-199952BACC42}" type="datetimeFigureOut">
+            <a:fld id="{1E56328B-ED09-4676-B786-CF53801099A1}" type="datetime1">
               <a:rPr lang="de-DE" smtClean="0"/>
-              <a:pPr/>
               <a:t>29.10.2013</a:t>
             </a:fld>
             <a:endParaRPr lang="de-DE" dirty="0"/>
@@ -7073,9 +7072,8 @@
           <a:bodyPr/>
           <a:lstStyle/>
           <a:p>
-            <a:fld id="{AE7D85B2-395F-4693-9648-199952BACC42}" type="datetimeFigureOut">
+            <a:fld id="{8E0C9791-43FD-4BFB-8DD5-A7ADC4663670}" type="datetime1">
               <a:rPr lang="de-DE" smtClean="0"/>
-              <a:pPr/>
               <a:t>29.10.2013</a:t>
             </a:fld>
             <a:endParaRPr lang="de-DE" dirty="0"/>
@@ -7250,9 +7248,8 @@
           <a:bodyPr/>
           <a:lstStyle/>
           <a:p>
-            <a:fld id="{AE7D85B2-395F-4693-9648-199952BACC42}" type="datetimeFigureOut">
+            <a:fld id="{D9140D59-A15F-46C3-B91A-759061DBCFDC}" type="datetime1">
               <a:rPr lang="de-DE" smtClean="0"/>
-              <a:pPr/>
               <a:t>29.10.2013</a:t>
             </a:fld>
             <a:endParaRPr lang="de-DE" dirty="0"/>
@@ -7417,9 +7414,8 @@
           <a:bodyPr/>
           <a:lstStyle/>
           <a:p>
-            <a:fld id="{AE7D85B2-395F-4693-9648-199952BACC42}" type="datetimeFigureOut">
+            <a:fld id="{700792C1-6CE2-4121-AA39-F623E26ABF84}" type="datetime1">
               <a:rPr lang="de-DE" smtClean="0"/>
-              <a:pPr/>
               <a:t>29.10.2013</a:t>
             </a:fld>
             <a:endParaRPr lang="de-DE" dirty="0"/>
@@ -7647,9 +7643,8 @@
           <a:bodyPr/>
           <a:lstStyle/>
           <a:p>
-            <a:fld id="{AE7D85B2-395F-4693-9648-199952BACC42}" type="datetimeFigureOut">
+            <a:fld id="{CA0928A8-61C4-4048-8746-E91EC13E0C8A}" type="datetime1">
               <a:rPr lang="de-DE" smtClean="0"/>
-              <a:pPr/>
               <a:t>29.10.2013</a:t>
             </a:fld>
             <a:endParaRPr lang="de-DE" dirty="0"/>
@@ -7908,9 +7903,8 @@
           <a:bodyPr/>
           <a:lstStyle/>
           <a:p>
-            <a:fld id="{AE7D85B2-395F-4693-9648-199952BACC42}" type="datetimeFigureOut">
+            <a:fld id="{978CFA25-F4CF-40DF-92A3-E9568B1EF53D}" type="datetime1">
               <a:rPr lang="de-DE" smtClean="0"/>
-              <a:pPr/>
               <a:t>29.10.2013</a:t>
             </a:fld>
             <a:endParaRPr lang="de-DE" dirty="0"/>
@@ -8314,9 +8308,8 @@
           <a:bodyPr rtlCol="0"/>
           <a:lstStyle/>
           <a:p>
-            <a:fld id="{AE7D85B2-395F-4693-9648-199952BACC42}" type="datetimeFigureOut">
+            <a:fld id="{808EAF96-91D5-4DDB-AE91-F35C5F3E4B8B}" type="datetime1">
               <a:rPr lang="de-DE" smtClean="0"/>
-              <a:pPr/>
               <a:t>29.10.2013</a:t>
             </a:fld>
             <a:endParaRPr lang="de-DE" dirty="0"/>
@@ -8447,9 +8440,8 @@
           <a:bodyPr/>
           <a:lstStyle/>
           <a:p>
-            <a:fld id="{AE7D85B2-395F-4693-9648-199952BACC42}" type="datetimeFigureOut">
+            <a:fld id="{DC9DE7D3-3BB2-4519-B05E-95AAEE28A7BA}" type="datetime1">
               <a:rPr lang="de-DE" smtClean="0"/>
-              <a:pPr/>
               <a:t>29.10.2013</a:t>
             </a:fld>
             <a:endParaRPr lang="de-DE" dirty="0"/>
@@ -8549,9 +8541,8 @@
           <a:bodyPr/>
           <a:lstStyle/>
           <a:p>
-            <a:fld id="{AE7D85B2-395F-4693-9648-199952BACC42}" type="datetimeFigureOut">
+            <a:fld id="{5CD1B192-B802-490C-A92D-37CB1628E835}" type="datetime1">
               <a:rPr lang="de-DE" smtClean="0"/>
-              <a:pPr/>
               <a:t>29.10.2013</a:t>
             </a:fld>
             <a:endParaRPr lang="de-DE" dirty="0"/>
@@ -8796,9 +8787,8 @@
           <a:bodyPr/>
           <a:lstStyle/>
           <a:p>
-            <a:fld id="{AE7D85B2-395F-4693-9648-199952BACC42}" type="datetimeFigureOut">
+            <a:fld id="{5B8F4F46-62F6-498A-9857-6CF8E80166B9}" type="datetime1">
               <a:rPr lang="de-DE" smtClean="0"/>
-              <a:pPr/>
               <a:t>29.10.2013</a:t>
             </a:fld>
             <a:endParaRPr lang="de-DE" dirty="0"/>
@@ -9042,9 +9032,8 @@
           <a:bodyPr/>
           <a:lstStyle/>
           <a:p>
-            <a:fld id="{AE7D85B2-395F-4693-9648-199952BACC42}" type="datetimeFigureOut">
+            <a:fld id="{C1CD9BCD-9363-467C-BDE2-666EEFFDF066}" type="datetime1">
               <a:rPr lang="de-DE" smtClean="0"/>
-              <a:pPr/>
               <a:t>29.10.2013</a:t>
             </a:fld>
             <a:endParaRPr lang="de-DE" dirty="0"/>
@@ -9868,9 +9857,8 @@
             </a:lvl1pPr>
           </a:lstStyle>
           <a:p>
-            <a:fld id="{AE7D85B2-395F-4693-9648-199952BACC42}" type="datetimeFigureOut">
+            <a:fld id="{70564968-885B-4558-9753-8E7E1348B15B}" type="datetime1">
               <a:rPr lang="de-DE" smtClean="0"/>
-              <a:pPr/>
               <a:t>29.10.2013</a:t>
             </a:fld>
             <a:endParaRPr lang="de-DE" dirty="0"/>
@@ -9968,6 +9956,7 @@
     <p:sldLayoutId id="2147483838" r:id="rId10"/>
     <p:sldLayoutId id="2147483839" r:id="rId11"/>
   </p:sldLayoutIdLst>
+  <p:hf hdr="0" ftr="0" dt="0"/>
   <p:txStyles>
     <p:titleStyle>
       <a:lvl1pPr algn="l" rtl="0" eaLnBrk="1" latinLnBrk="0" hangingPunct="1">
@@ -10346,6 +10335,30 @@
           </a:prstGeom>
         </p:spPr>
       </p:pic>
+      <p:sp>
+        <p:nvSpPr>
+          <p:cNvPr id="4" name="Foliennummernplatzhalter 3"/>
+          <p:cNvSpPr>
+            <a:spLocks noGrp="1"/>
+          </p:cNvSpPr>
+          <p:nvPr>
+            <p:ph type="sldNum" sz="quarter" idx="12"/>
+          </p:nvPr>
+        </p:nvSpPr>
+        <p:spPr/>
+        <p:txBody>
+          <a:bodyPr/>
+          <a:lstStyle/>
+          <a:p>
+            <a:fld id="{5F4D6440-1F17-4389-BEAA-8CB6F5977206}" type="slidenum">
+              <a:rPr lang="de-DE" smtClean="0"/>
+              <a:pPr/>
+              <a:t>1</a:t>
+            </a:fld>
+            <a:endParaRPr lang="de-DE" dirty="0"/>
+          </a:p>
+        </p:txBody>
+      </p:sp>
     </p:spTree>
     <p:extLst>
       <p:ext uri="{BB962C8B-B14F-4D97-AF65-F5344CB8AC3E}">
@@ -10821,6 +10834,30 @@
           </a:p>
         </p:txBody>
       </p:sp>
+      <p:sp>
+        <p:nvSpPr>
+          <p:cNvPr id="5" name="Foliennummernplatzhalter 4"/>
+          <p:cNvSpPr>
+            <a:spLocks noGrp="1"/>
+          </p:cNvSpPr>
+          <p:nvPr>
+            <p:ph type="sldNum" sz="quarter" idx="12"/>
+          </p:nvPr>
+        </p:nvSpPr>
+        <p:spPr/>
+        <p:txBody>
+          <a:bodyPr/>
+          <a:lstStyle/>
+          <a:p>
+            <a:fld id="{5F4D6440-1F17-4389-BEAA-8CB6F5977206}" type="slidenum">
+              <a:rPr lang="de-DE" smtClean="0"/>
+              <a:pPr/>
+              <a:t>10</a:t>
+            </a:fld>
+            <a:endParaRPr lang="de-DE" dirty="0"/>
+          </a:p>
+        </p:txBody>
+      </p:sp>
     </p:spTree>
     <p:extLst>
       <p:ext uri="{BB962C8B-B14F-4D97-AF65-F5344CB8AC3E}">
@@ -11074,11 +11111,7 @@
           <a:p>
             <a:r>
               <a:rPr lang="de-DE" dirty="0" smtClean="0"/>
-              <a:t>Definition </a:t>
-            </a:r>
-            <a:r>
-              <a:rPr lang="de-DE" dirty="0" smtClean="0"/>
-              <a:t>Schnittstellen</a:t>
+              <a:t>Definition Schnittstellen</a:t>
             </a:r>
           </a:p>
           <a:p>
@@ -11090,15 +11123,7 @@
           <a:p>
             <a:r>
               <a:rPr lang="de-DE" dirty="0" smtClean="0"/>
-              <a:t>Interaktion </a:t>
-            </a:r>
-            <a:r>
-              <a:rPr lang="de-DE" dirty="0" smtClean="0"/>
-              <a:t>zwischen Schichten sowie zwischen </a:t>
-            </a:r>
-            <a:r>
-              <a:rPr lang="de-DE" dirty="0" smtClean="0"/>
-              <a:t>Controllern (Verarbeitungslogik)</a:t>
+              <a:t>Interaktion zwischen Schichten sowie zwischen Controllern (Verarbeitungslogik)</a:t>
             </a:r>
           </a:p>
           <a:p>
@@ -11177,6 +11202,30 @@
           </a:extLst>
         </p:spPr>
       </p:pic>
+      <p:sp>
+        <p:nvSpPr>
+          <p:cNvPr id="4" name="Foliennummernplatzhalter 3"/>
+          <p:cNvSpPr>
+            <a:spLocks noGrp="1"/>
+          </p:cNvSpPr>
+          <p:nvPr>
+            <p:ph type="sldNum" sz="quarter" idx="12"/>
+          </p:nvPr>
+        </p:nvSpPr>
+        <p:spPr/>
+        <p:txBody>
+          <a:bodyPr/>
+          <a:lstStyle/>
+          <a:p>
+            <a:fld id="{5F4D6440-1F17-4389-BEAA-8CB6F5977206}" type="slidenum">
+              <a:rPr lang="de-DE" smtClean="0"/>
+              <a:pPr/>
+              <a:t>11</a:t>
+            </a:fld>
+            <a:endParaRPr lang="de-DE" dirty="0"/>
+          </a:p>
+        </p:txBody>
+      </p:sp>
     </p:spTree>
     <p:extLst>
       <p:ext uri="{BB962C8B-B14F-4D97-AF65-F5344CB8AC3E}">
@@ -11382,6 +11431,30 @@
           </a:extLst>
         </p:spPr>
       </p:pic>
+      <p:sp>
+        <p:nvSpPr>
+          <p:cNvPr id="3" name="Foliennummernplatzhalter 2"/>
+          <p:cNvSpPr>
+            <a:spLocks noGrp="1"/>
+          </p:cNvSpPr>
+          <p:nvPr>
+            <p:ph type="sldNum" sz="quarter" idx="12"/>
+          </p:nvPr>
+        </p:nvSpPr>
+        <p:spPr/>
+        <p:txBody>
+          <a:bodyPr/>
+          <a:lstStyle/>
+          <a:p>
+            <a:fld id="{5F4D6440-1F17-4389-BEAA-8CB6F5977206}" type="slidenum">
+              <a:rPr lang="de-DE" smtClean="0"/>
+              <a:pPr/>
+              <a:t>12</a:t>
+            </a:fld>
+            <a:endParaRPr lang="de-DE" dirty="0"/>
+          </a:p>
+        </p:txBody>
+      </p:sp>
     </p:spTree>
     <p:extLst>
       <p:ext uri="{BB962C8B-B14F-4D97-AF65-F5344CB8AC3E}">
@@ -11472,6 +11545,30 @@
           </a:ln>
         </p:spPr>
       </p:pic>
+      <p:sp>
+        <p:nvSpPr>
+          <p:cNvPr id="4" name="Foliennummernplatzhalter 3"/>
+          <p:cNvSpPr>
+            <a:spLocks noGrp="1"/>
+          </p:cNvSpPr>
+          <p:nvPr>
+            <p:ph type="sldNum" sz="quarter" idx="12"/>
+          </p:nvPr>
+        </p:nvSpPr>
+        <p:spPr/>
+        <p:txBody>
+          <a:bodyPr/>
+          <a:lstStyle/>
+          <a:p>
+            <a:fld id="{5F4D6440-1F17-4389-BEAA-8CB6F5977206}" type="slidenum">
+              <a:rPr lang="de-DE" smtClean="0"/>
+              <a:pPr/>
+              <a:t>13</a:t>
+            </a:fld>
+            <a:endParaRPr lang="de-DE" dirty="0"/>
+          </a:p>
+        </p:txBody>
+      </p:sp>
     </p:spTree>
     <p:extLst>
       <p:ext uri="{BB962C8B-B14F-4D97-AF65-F5344CB8AC3E}">
@@ -11532,6 +11629,30 @@
           </a:p>
         </p:txBody>
       </p:sp>
+      <p:sp>
+        <p:nvSpPr>
+          <p:cNvPr id="3" name="Foliennummernplatzhalter 2"/>
+          <p:cNvSpPr>
+            <a:spLocks noGrp="1"/>
+          </p:cNvSpPr>
+          <p:nvPr>
+            <p:ph type="sldNum" sz="quarter" idx="12"/>
+          </p:nvPr>
+        </p:nvSpPr>
+        <p:spPr/>
+        <p:txBody>
+          <a:bodyPr/>
+          <a:lstStyle/>
+          <a:p>
+            <a:fld id="{5F4D6440-1F17-4389-BEAA-8CB6F5977206}" type="slidenum">
+              <a:rPr lang="de-DE" smtClean="0"/>
+              <a:pPr/>
+              <a:t>14</a:t>
+            </a:fld>
+            <a:endParaRPr lang="de-DE" dirty="0"/>
+          </a:p>
+        </p:txBody>
+      </p:sp>
     </p:spTree>
     <p:extLst>
       <p:ext uri="{BB962C8B-B14F-4D97-AF65-F5344CB8AC3E}">
@@ -11623,6 +11744,30 @@
           </a:prstGeom>
         </p:spPr>
       </p:pic>
+      <p:sp>
+        <p:nvSpPr>
+          <p:cNvPr id="4" name="Foliennummernplatzhalter 3"/>
+          <p:cNvSpPr>
+            <a:spLocks noGrp="1"/>
+          </p:cNvSpPr>
+          <p:nvPr>
+            <p:ph type="sldNum" sz="quarter" idx="12"/>
+          </p:nvPr>
+        </p:nvSpPr>
+        <p:spPr/>
+        <p:txBody>
+          <a:bodyPr/>
+          <a:lstStyle/>
+          <a:p>
+            <a:fld id="{5F4D6440-1F17-4389-BEAA-8CB6F5977206}" type="slidenum">
+              <a:rPr lang="de-DE" smtClean="0"/>
+              <a:pPr/>
+              <a:t>15</a:t>
+            </a:fld>
+            <a:endParaRPr lang="de-DE" dirty="0"/>
+          </a:p>
+        </p:txBody>
+      </p:sp>
     </p:spTree>
     <p:extLst>
       <p:ext uri="{BB962C8B-B14F-4D97-AF65-F5344CB8AC3E}">
@@ -11718,6 +11863,30 @@
           </a:prstGeom>
         </p:spPr>
       </p:pic>
+      <p:sp>
+        <p:nvSpPr>
+          <p:cNvPr id="4" name="Foliennummernplatzhalter 3"/>
+          <p:cNvSpPr>
+            <a:spLocks noGrp="1"/>
+          </p:cNvSpPr>
+          <p:nvPr>
+            <p:ph type="sldNum" sz="quarter" idx="12"/>
+          </p:nvPr>
+        </p:nvSpPr>
+        <p:spPr/>
+        <p:txBody>
+          <a:bodyPr/>
+          <a:lstStyle/>
+          <a:p>
+            <a:fld id="{5F4D6440-1F17-4389-BEAA-8CB6F5977206}" type="slidenum">
+              <a:rPr lang="de-DE" smtClean="0"/>
+              <a:pPr/>
+              <a:t>16</a:t>
+            </a:fld>
+            <a:endParaRPr lang="de-DE" dirty="0"/>
+          </a:p>
+        </p:txBody>
+      </p:sp>
     </p:spTree>
     <p:extLst>
       <p:ext uri="{BB962C8B-B14F-4D97-AF65-F5344CB8AC3E}">
@@ -11816,6 +11985,30 @@
           </a:ln>
         </p:spPr>
       </p:pic>
+      <p:sp>
+        <p:nvSpPr>
+          <p:cNvPr id="4" name="Foliennummernplatzhalter 3"/>
+          <p:cNvSpPr>
+            <a:spLocks noGrp="1"/>
+          </p:cNvSpPr>
+          <p:nvPr>
+            <p:ph type="sldNum" sz="quarter" idx="12"/>
+          </p:nvPr>
+        </p:nvSpPr>
+        <p:spPr/>
+        <p:txBody>
+          <a:bodyPr/>
+          <a:lstStyle/>
+          <a:p>
+            <a:fld id="{5F4D6440-1F17-4389-BEAA-8CB6F5977206}" type="slidenum">
+              <a:rPr lang="de-DE" smtClean="0"/>
+              <a:pPr/>
+              <a:t>17</a:t>
+            </a:fld>
+            <a:endParaRPr lang="de-DE" dirty="0"/>
+          </a:p>
+        </p:txBody>
+      </p:sp>
     </p:spTree>
     <p:extLst>
       <p:ext uri="{BB962C8B-B14F-4D97-AF65-F5344CB8AC3E}">
@@ -11907,6 +12100,30 @@
           </a:prstGeom>
         </p:spPr>
       </p:pic>
+      <p:sp>
+        <p:nvSpPr>
+          <p:cNvPr id="4" name="Foliennummernplatzhalter 3"/>
+          <p:cNvSpPr>
+            <a:spLocks noGrp="1"/>
+          </p:cNvSpPr>
+          <p:nvPr>
+            <p:ph type="sldNum" sz="quarter" idx="12"/>
+          </p:nvPr>
+        </p:nvSpPr>
+        <p:spPr/>
+        <p:txBody>
+          <a:bodyPr/>
+          <a:lstStyle/>
+          <a:p>
+            <a:fld id="{5F4D6440-1F17-4389-BEAA-8CB6F5977206}" type="slidenum">
+              <a:rPr lang="de-DE" smtClean="0"/>
+              <a:pPr/>
+              <a:t>18</a:t>
+            </a:fld>
+            <a:endParaRPr lang="de-DE" dirty="0"/>
+          </a:p>
+        </p:txBody>
+      </p:sp>
     </p:spTree>
     <p:extLst>
       <p:ext uri="{BB962C8B-B14F-4D97-AF65-F5344CB8AC3E}">
@@ -12018,6 +12235,30 @@
           </a:ln>
         </p:spPr>
       </p:pic>
+      <p:sp>
+        <p:nvSpPr>
+          <p:cNvPr id="4" name="Foliennummernplatzhalter 3"/>
+          <p:cNvSpPr>
+            <a:spLocks noGrp="1"/>
+          </p:cNvSpPr>
+          <p:nvPr>
+            <p:ph type="sldNum" sz="quarter" idx="12"/>
+          </p:nvPr>
+        </p:nvSpPr>
+        <p:spPr/>
+        <p:txBody>
+          <a:bodyPr/>
+          <a:lstStyle/>
+          <a:p>
+            <a:fld id="{5F4D6440-1F17-4389-BEAA-8CB6F5977206}" type="slidenum">
+              <a:rPr lang="de-DE" smtClean="0"/>
+              <a:pPr/>
+              <a:t>19</a:t>
+            </a:fld>
+            <a:endParaRPr lang="de-DE" dirty="0"/>
+          </a:p>
+        </p:txBody>
+      </p:sp>
     </p:spTree>
     <p:extLst>
       <p:ext uri="{BB962C8B-B14F-4D97-AF65-F5344CB8AC3E}">
@@ -12335,6 +12576,30 @@
           </a:p>
         </p:txBody>
       </p:sp>
+      <p:sp>
+        <p:nvSpPr>
+          <p:cNvPr id="4" name="Foliennummernplatzhalter 3"/>
+          <p:cNvSpPr>
+            <a:spLocks noGrp="1"/>
+          </p:cNvSpPr>
+          <p:nvPr>
+            <p:ph type="sldNum" sz="quarter" idx="12"/>
+          </p:nvPr>
+        </p:nvSpPr>
+        <p:spPr/>
+        <p:txBody>
+          <a:bodyPr/>
+          <a:lstStyle/>
+          <a:p>
+            <a:fld id="{5F4D6440-1F17-4389-BEAA-8CB6F5977206}" type="slidenum">
+              <a:rPr lang="de-DE" smtClean="0"/>
+              <a:pPr/>
+              <a:t>2</a:t>
+            </a:fld>
+            <a:endParaRPr lang="de-DE" dirty="0"/>
+          </a:p>
+        </p:txBody>
+      </p:sp>
     </p:spTree>
     <p:extLst>
       <p:ext uri="{BB962C8B-B14F-4D97-AF65-F5344CB8AC3E}">
@@ -12441,6 +12706,30 @@
           </a:ln>
         </p:spPr>
       </p:pic>
+      <p:sp>
+        <p:nvSpPr>
+          <p:cNvPr id="4" name="Foliennummernplatzhalter 3"/>
+          <p:cNvSpPr>
+            <a:spLocks noGrp="1"/>
+          </p:cNvSpPr>
+          <p:nvPr>
+            <p:ph type="sldNum" sz="quarter" idx="12"/>
+          </p:nvPr>
+        </p:nvSpPr>
+        <p:spPr/>
+        <p:txBody>
+          <a:bodyPr/>
+          <a:lstStyle/>
+          <a:p>
+            <a:fld id="{5F4D6440-1F17-4389-BEAA-8CB6F5977206}" type="slidenum">
+              <a:rPr lang="de-DE" smtClean="0"/>
+              <a:pPr/>
+              <a:t>20</a:t>
+            </a:fld>
+            <a:endParaRPr lang="de-DE" dirty="0"/>
+          </a:p>
+        </p:txBody>
+      </p:sp>
     </p:spTree>
     <p:extLst>
       <p:ext uri="{BB962C8B-B14F-4D97-AF65-F5344CB8AC3E}">
@@ -12534,6 +12823,30 @@
           </a:prstGeom>
         </p:spPr>
       </p:pic>
+      <p:sp>
+        <p:nvSpPr>
+          <p:cNvPr id="4" name="Foliennummernplatzhalter 3"/>
+          <p:cNvSpPr>
+            <a:spLocks noGrp="1"/>
+          </p:cNvSpPr>
+          <p:nvPr>
+            <p:ph type="sldNum" sz="quarter" idx="12"/>
+          </p:nvPr>
+        </p:nvSpPr>
+        <p:spPr/>
+        <p:txBody>
+          <a:bodyPr/>
+          <a:lstStyle/>
+          <a:p>
+            <a:fld id="{5F4D6440-1F17-4389-BEAA-8CB6F5977206}" type="slidenum">
+              <a:rPr lang="de-DE" smtClean="0"/>
+              <a:pPr/>
+              <a:t>21</a:t>
+            </a:fld>
+            <a:endParaRPr lang="de-DE" dirty="0"/>
+          </a:p>
+        </p:txBody>
+      </p:sp>
     </p:spTree>
     <p:extLst>
       <p:ext uri="{BB962C8B-B14F-4D97-AF65-F5344CB8AC3E}">
@@ -12644,6 +12957,30 @@
           </a:prstGeom>
         </p:spPr>
       </p:pic>
+      <p:sp>
+        <p:nvSpPr>
+          <p:cNvPr id="4" name="Foliennummernplatzhalter 3"/>
+          <p:cNvSpPr>
+            <a:spLocks noGrp="1"/>
+          </p:cNvSpPr>
+          <p:nvPr>
+            <p:ph type="sldNum" sz="quarter" idx="12"/>
+          </p:nvPr>
+        </p:nvSpPr>
+        <p:spPr/>
+        <p:txBody>
+          <a:bodyPr/>
+          <a:lstStyle/>
+          <a:p>
+            <a:fld id="{5F4D6440-1F17-4389-BEAA-8CB6F5977206}" type="slidenum">
+              <a:rPr lang="de-DE" smtClean="0"/>
+              <a:pPr/>
+              <a:t>22</a:t>
+            </a:fld>
+            <a:endParaRPr lang="de-DE" dirty="0"/>
+          </a:p>
+        </p:txBody>
+      </p:sp>
     </p:spTree>
     <p:extLst>
       <p:ext uri="{BB962C8B-B14F-4D97-AF65-F5344CB8AC3E}">
@@ -12755,6 +13092,30 @@
           </a:prstGeom>
         </p:spPr>
       </p:pic>
+      <p:sp>
+        <p:nvSpPr>
+          <p:cNvPr id="4" name="Foliennummernplatzhalter 3"/>
+          <p:cNvSpPr>
+            <a:spLocks noGrp="1"/>
+          </p:cNvSpPr>
+          <p:nvPr>
+            <p:ph type="sldNum" sz="quarter" idx="12"/>
+          </p:nvPr>
+        </p:nvSpPr>
+        <p:spPr/>
+        <p:txBody>
+          <a:bodyPr/>
+          <a:lstStyle/>
+          <a:p>
+            <a:fld id="{5F4D6440-1F17-4389-BEAA-8CB6F5977206}" type="slidenum">
+              <a:rPr lang="de-DE" smtClean="0"/>
+              <a:pPr/>
+              <a:t>23</a:t>
+            </a:fld>
+            <a:endParaRPr lang="de-DE" dirty="0"/>
+          </a:p>
+        </p:txBody>
+      </p:sp>
     </p:spTree>
     <p:extLst>
       <p:ext uri="{BB962C8B-B14F-4D97-AF65-F5344CB8AC3E}">
@@ -12866,6 +13227,30 @@
           </a:prstGeom>
         </p:spPr>
       </p:pic>
+      <p:sp>
+        <p:nvSpPr>
+          <p:cNvPr id="4" name="Foliennummernplatzhalter 3"/>
+          <p:cNvSpPr>
+            <a:spLocks noGrp="1"/>
+          </p:cNvSpPr>
+          <p:nvPr>
+            <p:ph type="sldNum" sz="quarter" idx="12"/>
+          </p:nvPr>
+        </p:nvSpPr>
+        <p:spPr/>
+        <p:txBody>
+          <a:bodyPr/>
+          <a:lstStyle/>
+          <a:p>
+            <a:fld id="{5F4D6440-1F17-4389-BEAA-8CB6F5977206}" type="slidenum">
+              <a:rPr lang="de-DE" smtClean="0"/>
+              <a:pPr/>
+              <a:t>24</a:t>
+            </a:fld>
+            <a:endParaRPr lang="de-DE" dirty="0"/>
+          </a:p>
+        </p:txBody>
+      </p:sp>
     </p:spTree>
     <p:extLst>
       <p:ext uri="{BB962C8B-B14F-4D97-AF65-F5344CB8AC3E}">
@@ -12977,6 +13362,30 @@
           </a:prstGeom>
         </p:spPr>
       </p:pic>
+      <p:sp>
+        <p:nvSpPr>
+          <p:cNvPr id="4" name="Foliennummernplatzhalter 3"/>
+          <p:cNvSpPr>
+            <a:spLocks noGrp="1"/>
+          </p:cNvSpPr>
+          <p:nvPr>
+            <p:ph type="sldNum" sz="quarter" idx="12"/>
+          </p:nvPr>
+        </p:nvSpPr>
+        <p:spPr/>
+        <p:txBody>
+          <a:bodyPr/>
+          <a:lstStyle/>
+          <a:p>
+            <a:fld id="{5F4D6440-1F17-4389-BEAA-8CB6F5977206}" type="slidenum">
+              <a:rPr lang="de-DE" smtClean="0"/>
+              <a:pPr/>
+              <a:t>25</a:t>
+            </a:fld>
+            <a:endParaRPr lang="de-DE" dirty="0"/>
+          </a:p>
+        </p:txBody>
+      </p:sp>
     </p:spTree>
     <p:extLst>
       <p:ext uri="{BB962C8B-B14F-4D97-AF65-F5344CB8AC3E}">
@@ -13063,6 +13472,30 @@
           </a:prstGeom>
         </p:spPr>
       </p:pic>
+      <p:sp>
+        <p:nvSpPr>
+          <p:cNvPr id="4" name="Foliennummernplatzhalter 3"/>
+          <p:cNvSpPr>
+            <a:spLocks noGrp="1"/>
+          </p:cNvSpPr>
+          <p:nvPr>
+            <p:ph type="sldNum" sz="quarter" idx="12"/>
+          </p:nvPr>
+        </p:nvSpPr>
+        <p:spPr/>
+        <p:txBody>
+          <a:bodyPr/>
+          <a:lstStyle/>
+          <a:p>
+            <a:fld id="{5F4D6440-1F17-4389-BEAA-8CB6F5977206}" type="slidenum">
+              <a:rPr lang="de-DE" smtClean="0"/>
+              <a:pPr/>
+              <a:t>26</a:t>
+            </a:fld>
+            <a:endParaRPr lang="de-DE" dirty="0"/>
+          </a:p>
+        </p:txBody>
+      </p:sp>
     </p:spTree>
     <p:extLst>
       <p:ext uri="{BB962C8B-B14F-4D97-AF65-F5344CB8AC3E}">
@@ -13359,6 +13792,30 @@
           </a:p>
         </p:txBody>
       </p:sp>
+      <p:sp>
+        <p:nvSpPr>
+          <p:cNvPr id="3" name="Foliennummernplatzhalter 2"/>
+          <p:cNvSpPr>
+            <a:spLocks noGrp="1"/>
+          </p:cNvSpPr>
+          <p:nvPr>
+            <p:ph type="sldNum" sz="quarter" idx="12"/>
+          </p:nvPr>
+        </p:nvSpPr>
+        <p:spPr/>
+        <p:txBody>
+          <a:bodyPr/>
+          <a:lstStyle/>
+          <a:p>
+            <a:fld id="{5F4D6440-1F17-4389-BEAA-8CB6F5977206}" type="slidenum">
+              <a:rPr lang="de-DE" smtClean="0"/>
+              <a:pPr/>
+              <a:t>27</a:t>
+            </a:fld>
+            <a:endParaRPr lang="de-DE" dirty="0"/>
+          </a:p>
+        </p:txBody>
+      </p:sp>
     </p:spTree>
     <p:extLst>
       <p:ext uri="{BB962C8B-B14F-4D97-AF65-F5344CB8AC3E}">
@@ -13681,6 +14138,30 @@
           </a:p>
         </p:txBody>
       </p:sp>
+      <p:sp>
+        <p:nvSpPr>
+          <p:cNvPr id="3" name="Foliennummernplatzhalter 2"/>
+          <p:cNvSpPr>
+            <a:spLocks noGrp="1"/>
+          </p:cNvSpPr>
+          <p:nvPr>
+            <p:ph type="sldNum" sz="quarter" idx="12"/>
+          </p:nvPr>
+        </p:nvSpPr>
+        <p:spPr/>
+        <p:txBody>
+          <a:bodyPr/>
+          <a:lstStyle/>
+          <a:p>
+            <a:fld id="{5F4D6440-1F17-4389-BEAA-8CB6F5977206}" type="slidenum">
+              <a:rPr lang="de-DE" smtClean="0"/>
+              <a:pPr/>
+              <a:t>28</a:t>
+            </a:fld>
+            <a:endParaRPr lang="de-DE" dirty="0"/>
+          </a:p>
+        </p:txBody>
+      </p:sp>
     </p:spTree>
     <p:extLst>
       <p:ext uri="{BB962C8B-B14F-4D97-AF65-F5344CB8AC3E}">
@@ -13995,6 +14476,30 @@
           </a:p>
         </p:txBody>
       </p:sp>
+      <p:sp>
+        <p:nvSpPr>
+          <p:cNvPr id="3" name="Foliennummernplatzhalter 2"/>
+          <p:cNvSpPr>
+            <a:spLocks noGrp="1"/>
+          </p:cNvSpPr>
+          <p:nvPr>
+            <p:ph type="sldNum" sz="quarter" idx="12"/>
+          </p:nvPr>
+        </p:nvSpPr>
+        <p:spPr/>
+        <p:txBody>
+          <a:bodyPr/>
+          <a:lstStyle/>
+          <a:p>
+            <a:fld id="{5F4D6440-1F17-4389-BEAA-8CB6F5977206}" type="slidenum">
+              <a:rPr lang="de-DE" smtClean="0"/>
+              <a:pPr/>
+              <a:t>29</a:t>
+            </a:fld>
+            <a:endParaRPr lang="de-DE" dirty="0"/>
+          </a:p>
+        </p:txBody>
+      </p:sp>
     </p:spTree>
     <p:extLst>
       <p:ext uri="{BB962C8B-B14F-4D97-AF65-F5344CB8AC3E}">
@@ -14094,6 +14599,30 @@
               <a:rPr lang="de-DE" dirty="0" smtClean="0"/>
               <a:t>Statistiken je nach Bereich bzw. Arbeitsgruppe</a:t>
             </a:r>
+            <a:endParaRPr lang="de-DE" dirty="0"/>
+          </a:p>
+        </p:txBody>
+      </p:sp>
+      <p:sp>
+        <p:nvSpPr>
+          <p:cNvPr id="4" name="Foliennummernplatzhalter 3"/>
+          <p:cNvSpPr>
+            <a:spLocks noGrp="1"/>
+          </p:cNvSpPr>
+          <p:nvPr>
+            <p:ph type="sldNum" sz="quarter" idx="12"/>
+          </p:nvPr>
+        </p:nvSpPr>
+        <p:spPr/>
+        <p:txBody>
+          <a:bodyPr/>
+          <a:lstStyle/>
+          <a:p>
+            <a:fld id="{5F4D6440-1F17-4389-BEAA-8CB6F5977206}" type="slidenum">
+              <a:rPr lang="de-DE" smtClean="0"/>
+              <a:pPr/>
+              <a:t>3</a:t>
+            </a:fld>
             <a:endParaRPr lang="de-DE" dirty="0"/>
           </a:p>
         </p:txBody>
@@ -14411,6 +14940,30 @@
           </a:p>
         </p:txBody>
       </p:sp>
+      <p:sp>
+        <p:nvSpPr>
+          <p:cNvPr id="4" name="Foliennummernplatzhalter 3"/>
+          <p:cNvSpPr>
+            <a:spLocks noGrp="1"/>
+          </p:cNvSpPr>
+          <p:nvPr>
+            <p:ph type="sldNum" sz="quarter" idx="12"/>
+          </p:nvPr>
+        </p:nvSpPr>
+        <p:spPr/>
+        <p:txBody>
+          <a:bodyPr/>
+          <a:lstStyle/>
+          <a:p>
+            <a:fld id="{5F4D6440-1F17-4389-BEAA-8CB6F5977206}" type="slidenum">
+              <a:rPr lang="de-DE" smtClean="0"/>
+              <a:pPr/>
+              <a:t>30</a:t>
+            </a:fld>
+            <a:endParaRPr lang="de-DE" dirty="0"/>
+          </a:p>
+        </p:txBody>
+      </p:sp>
     </p:spTree>
     <p:extLst>
       <p:ext uri="{BB962C8B-B14F-4D97-AF65-F5344CB8AC3E}">
@@ -14479,6 +15032,30 @@
           </a:p>
         </p:txBody>
       </p:sp>
+      <p:sp>
+        <p:nvSpPr>
+          <p:cNvPr id="3" name="Foliennummernplatzhalter 2"/>
+          <p:cNvSpPr>
+            <a:spLocks noGrp="1"/>
+          </p:cNvSpPr>
+          <p:nvPr>
+            <p:ph type="sldNum" sz="quarter" idx="12"/>
+          </p:nvPr>
+        </p:nvSpPr>
+        <p:spPr/>
+        <p:txBody>
+          <a:bodyPr/>
+          <a:lstStyle/>
+          <a:p>
+            <a:fld id="{5F4D6440-1F17-4389-BEAA-8CB6F5977206}" type="slidenum">
+              <a:rPr lang="de-DE" smtClean="0"/>
+              <a:pPr/>
+              <a:t>31</a:t>
+            </a:fld>
+            <a:endParaRPr lang="de-DE" dirty="0"/>
+          </a:p>
+        </p:txBody>
+      </p:sp>
     </p:spTree>
     <p:extLst>
       <p:ext uri="{BB962C8B-B14F-4D97-AF65-F5344CB8AC3E}">
@@ -14543,6 +15120,30 @@
           </a:p>
         </p:txBody>
       </p:sp>
+      <p:sp>
+        <p:nvSpPr>
+          <p:cNvPr id="3" name="Foliennummernplatzhalter 2"/>
+          <p:cNvSpPr>
+            <a:spLocks noGrp="1"/>
+          </p:cNvSpPr>
+          <p:nvPr>
+            <p:ph type="sldNum" sz="quarter" idx="12"/>
+          </p:nvPr>
+        </p:nvSpPr>
+        <p:spPr/>
+        <p:txBody>
+          <a:bodyPr/>
+          <a:lstStyle/>
+          <a:p>
+            <a:fld id="{5F4D6440-1F17-4389-BEAA-8CB6F5977206}" type="slidenum">
+              <a:rPr lang="de-DE" smtClean="0"/>
+              <a:pPr/>
+              <a:t>32</a:t>
+            </a:fld>
+            <a:endParaRPr lang="de-DE" dirty="0"/>
+          </a:p>
+        </p:txBody>
+      </p:sp>
     </p:spTree>
     <p:extLst>
       <p:ext uri="{BB962C8B-B14F-4D97-AF65-F5344CB8AC3E}">
@@ -14632,6 +15233,30 @@
           </a:p>
         </p:txBody>
       </p:sp>
+      <p:sp>
+        <p:nvSpPr>
+          <p:cNvPr id="4" name="Foliennummernplatzhalter 3"/>
+          <p:cNvSpPr>
+            <a:spLocks noGrp="1"/>
+          </p:cNvSpPr>
+          <p:nvPr>
+            <p:ph type="sldNum" sz="quarter" idx="12"/>
+          </p:nvPr>
+        </p:nvSpPr>
+        <p:spPr/>
+        <p:txBody>
+          <a:bodyPr/>
+          <a:lstStyle/>
+          <a:p>
+            <a:fld id="{5F4D6440-1F17-4389-BEAA-8CB6F5977206}" type="slidenum">
+              <a:rPr lang="de-DE" smtClean="0"/>
+              <a:pPr/>
+              <a:t>33</a:t>
+            </a:fld>
+            <a:endParaRPr lang="de-DE" dirty="0"/>
+          </a:p>
+        </p:txBody>
+      </p:sp>
     </p:spTree>
     <p:extLst>
       <p:ext uri="{BB962C8B-B14F-4D97-AF65-F5344CB8AC3E}">
@@ -14728,6 +15353,30 @@
           </a:p>
         </p:txBody>
       </p:sp>
+      <p:sp>
+        <p:nvSpPr>
+          <p:cNvPr id="4" name="Foliennummernplatzhalter 3"/>
+          <p:cNvSpPr>
+            <a:spLocks noGrp="1"/>
+          </p:cNvSpPr>
+          <p:nvPr>
+            <p:ph type="sldNum" sz="quarter" idx="12"/>
+          </p:nvPr>
+        </p:nvSpPr>
+        <p:spPr/>
+        <p:txBody>
+          <a:bodyPr/>
+          <a:lstStyle/>
+          <a:p>
+            <a:fld id="{5F4D6440-1F17-4389-BEAA-8CB6F5977206}" type="slidenum">
+              <a:rPr lang="de-DE" smtClean="0"/>
+              <a:pPr/>
+              <a:t>34</a:t>
+            </a:fld>
+            <a:endParaRPr lang="de-DE" dirty="0"/>
+          </a:p>
+        </p:txBody>
+      </p:sp>
     </p:spTree>
     <p:extLst>
       <p:ext uri="{BB962C8B-B14F-4D97-AF65-F5344CB8AC3E}">
@@ -14812,6 +15461,30 @@
           </a:prstGeom>
         </p:spPr>
       </p:pic>
+      <p:sp>
+        <p:nvSpPr>
+          <p:cNvPr id="3" name="Foliennummernplatzhalter 2"/>
+          <p:cNvSpPr>
+            <a:spLocks noGrp="1"/>
+          </p:cNvSpPr>
+          <p:nvPr>
+            <p:ph type="sldNum" sz="quarter" idx="12"/>
+          </p:nvPr>
+        </p:nvSpPr>
+        <p:spPr/>
+        <p:txBody>
+          <a:bodyPr/>
+          <a:lstStyle/>
+          <a:p>
+            <a:fld id="{5F4D6440-1F17-4389-BEAA-8CB6F5977206}" type="slidenum">
+              <a:rPr lang="de-DE" smtClean="0"/>
+              <a:pPr/>
+              <a:t>35</a:t>
+            </a:fld>
+            <a:endParaRPr lang="de-DE" dirty="0"/>
+          </a:p>
+        </p:txBody>
+      </p:sp>
     </p:spTree>
     <p:extLst>
       <p:ext uri="{BB962C8B-B14F-4D97-AF65-F5344CB8AC3E}">
@@ -14901,6 +15574,30 @@
           </a:p>
         </p:txBody>
       </p:sp>
+      <p:sp>
+        <p:nvSpPr>
+          <p:cNvPr id="2" name="Foliennummernplatzhalter 1"/>
+          <p:cNvSpPr>
+            <a:spLocks noGrp="1"/>
+          </p:cNvSpPr>
+          <p:nvPr>
+            <p:ph type="sldNum" sz="quarter" idx="12"/>
+          </p:nvPr>
+        </p:nvSpPr>
+        <p:spPr/>
+        <p:txBody>
+          <a:bodyPr/>
+          <a:lstStyle/>
+          <a:p>
+            <a:fld id="{5F4D6440-1F17-4389-BEAA-8CB6F5977206}" type="slidenum">
+              <a:rPr lang="de-DE" smtClean="0"/>
+              <a:pPr/>
+              <a:t>36</a:t>
+            </a:fld>
+            <a:endParaRPr lang="de-DE" dirty="0"/>
+          </a:p>
+        </p:txBody>
+      </p:sp>
     </p:spTree>
     <p:extLst>
       <p:ext uri="{BB962C8B-B14F-4D97-AF65-F5344CB8AC3E}">
@@ -14996,6 +15693,30 @@
           </a:p>
         </p:txBody>
       </p:sp>
+      <p:sp>
+        <p:nvSpPr>
+          <p:cNvPr id="4" name="Foliennummernplatzhalter 3"/>
+          <p:cNvSpPr>
+            <a:spLocks noGrp="1"/>
+          </p:cNvSpPr>
+          <p:nvPr>
+            <p:ph type="sldNum" sz="quarter" idx="12"/>
+          </p:nvPr>
+        </p:nvSpPr>
+        <p:spPr/>
+        <p:txBody>
+          <a:bodyPr/>
+          <a:lstStyle/>
+          <a:p>
+            <a:fld id="{5F4D6440-1F17-4389-BEAA-8CB6F5977206}" type="slidenum">
+              <a:rPr lang="de-DE" smtClean="0"/>
+              <a:pPr/>
+              <a:t>37</a:t>
+            </a:fld>
+            <a:endParaRPr lang="de-DE" dirty="0"/>
+          </a:p>
+        </p:txBody>
+      </p:sp>
     </p:spTree>
     <p:extLst>
       <p:ext uri="{BB962C8B-B14F-4D97-AF65-F5344CB8AC3E}">
@@ -15108,6 +15829,30 @@
           </a:p>
         </p:txBody>
       </p:sp>
+      <p:sp>
+        <p:nvSpPr>
+          <p:cNvPr id="4" name="Foliennummernplatzhalter 3"/>
+          <p:cNvSpPr>
+            <a:spLocks noGrp="1"/>
+          </p:cNvSpPr>
+          <p:nvPr>
+            <p:ph type="sldNum" sz="quarter" idx="12"/>
+          </p:nvPr>
+        </p:nvSpPr>
+        <p:spPr/>
+        <p:txBody>
+          <a:bodyPr/>
+          <a:lstStyle/>
+          <a:p>
+            <a:fld id="{5F4D6440-1F17-4389-BEAA-8CB6F5977206}" type="slidenum">
+              <a:rPr lang="de-DE" smtClean="0"/>
+              <a:pPr/>
+              <a:t>38</a:t>
+            </a:fld>
+            <a:endParaRPr lang="de-DE" dirty="0"/>
+          </a:p>
+        </p:txBody>
+      </p:sp>
     </p:spTree>
     <p:extLst>
       <p:ext uri="{BB962C8B-B14F-4D97-AF65-F5344CB8AC3E}">
@@ -15225,6 +15970,30 @@
               <a:rPr lang="de-DE" dirty="0" smtClean="0"/>
               <a:t>aus</a:t>
             </a:r>
+            <a:endParaRPr lang="de-DE" dirty="0"/>
+          </a:p>
+        </p:txBody>
+      </p:sp>
+      <p:sp>
+        <p:nvSpPr>
+          <p:cNvPr id="4" name="Foliennummernplatzhalter 3"/>
+          <p:cNvSpPr>
+            <a:spLocks noGrp="1"/>
+          </p:cNvSpPr>
+          <p:nvPr>
+            <p:ph type="sldNum" sz="quarter" idx="12"/>
+          </p:nvPr>
+        </p:nvSpPr>
+        <p:spPr/>
+        <p:txBody>
+          <a:bodyPr/>
+          <a:lstStyle/>
+          <a:p>
+            <a:fld id="{5F4D6440-1F17-4389-BEAA-8CB6F5977206}" type="slidenum">
+              <a:rPr lang="de-DE" smtClean="0"/>
+              <a:pPr/>
+              <a:t>39</a:t>
+            </a:fld>
             <a:endParaRPr lang="de-DE" dirty="0"/>
           </a:p>
         </p:txBody>
@@ -15631,6 +16400,30 @@
           </a:fontRef>
         </p:style>
       </p:cxnSp>
+      <p:sp>
+        <p:nvSpPr>
+          <p:cNvPr id="3" name="Foliennummernplatzhalter 2"/>
+          <p:cNvSpPr>
+            <a:spLocks noGrp="1"/>
+          </p:cNvSpPr>
+          <p:nvPr>
+            <p:ph type="sldNum" sz="quarter" idx="12"/>
+          </p:nvPr>
+        </p:nvSpPr>
+        <p:spPr/>
+        <p:txBody>
+          <a:bodyPr/>
+          <a:lstStyle/>
+          <a:p>
+            <a:fld id="{5F4D6440-1F17-4389-BEAA-8CB6F5977206}" type="slidenum">
+              <a:rPr lang="de-DE" smtClean="0"/>
+              <a:pPr/>
+              <a:t>4</a:t>
+            </a:fld>
+            <a:endParaRPr lang="de-DE" dirty="0"/>
+          </a:p>
+        </p:txBody>
+      </p:sp>
     </p:spTree>
     <p:extLst>
       <p:ext uri="{BB962C8B-B14F-4D97-AF65-F5344CB8AC3E}">
@@ -15721,6 +16514,30 @@
           </a:p>
         </p:txBody>
       </p:sp>
+      <p:sp>
+        <p:nvSpPr>
+          <p:cNvPr id="4" name="Foliennummernplatzhalter 3"/>
+          <p:cNvSpPr>
+            <a:spLocks noGrp="1"/>
+          </p:cNvSpPr>
+          <p:nvPr>
+            <p:ph type="sldNum" sz="quarter" idx="12"/>
+          </p:nvPr>
+        </p:nvSpPr>
+        <p:spPr/>
+        <p:txBody>
+          <a:bodyPr/>
+          <a:lstStyle/>
+          <a:p>
+            <a:fld id="{5F4D6440-1F17-4389-BEAA-8CB6F5977206}" type="slidenum">
+              <a:rPr lang="de-DE" smtClean="0"/>
+              <a:pPr/>
+              <a:t>40</a:t>
+            </a:fld>
+            <a:endParaRPr lang="de-DE" dirty="0"/>
+          </a:p>
+        </p:txBody>
+      </p:sp>
     </p:spTree>
     <p:extLst>
       <p:ext uri="{BB962C8B-B14F-4D97-AF65-F5344CB8AC3E}">
@@ -15822,6 +16639,30 @@
           </a:p>
         </p:txBody>
       </p:sp>
+      <p:sp>
+        <p:nvSpPr>
+          <p:cNvPr id="4" name="Foliennummernplatzhalter 3"/>
+          <p:cNvSpPr>
+            <a:spLocks noGrp="1"/>
+          </p:cNvSpPr>
+          <p:nvPr>
+            <p:ph type="sldNum" sz="quarter" idx="12"/>
+          </p:nvPr>
+        </p:nvSpPr>
+        <p:spPr/>
+        <p:txBody>
+          <a:bodyPr/>
+          <a:lstStyle/>
+          <a:p>
+            <a:fld id="{5F4D6440-1F17-4389-BEAA-8CB6F5977206}" type="slidenum">
+              <a:rPr lang="de-DE" smtClean="0"/>
+              <a:pPr/>
+              <a:t>41</a:t>
+            </a:fld>
+            <a:endParaRPr lang="de-DE" dirty="0"/>
+          </a:p>
+        </p:txBody>
+      </p:sp>
     </p:spTree>
     <p:extLst>
       <p:ext uri="{BB962C8B-B14F-4D97-AF65-F5344CB8AC3E}">
@@ -15925,6 +16766,30 @@
           </a:p>
         </p:txBody>
       </p:sp>
+      <p:sp>
+        <p:nvSpPr>
+          <p:cNvPr id="4" name="Foliennummernplatzhalter 3"/>
+          <p:cNvSpPr>
+            <a:spLocks noGrp="1"/>
+          </p:cNvSpPr>
+          <p:nvPr>
+            <p:ph type="sldNum" sz="quarter" idx="12"/>
+          </p:nvPr>
+        </p:nvSpPr>
+        <p:spPr/>
+        <p:txBody>
+          <a:bodyPr/>
+          <a:lstStyle/>
+          <a:p>
+            <a:fld id="{5F4D6440-1F17-4389-BEAA-8CB6F5977206}" type="slidenum">
+              <a:rPr lang="de-DE" smtClean="0"/>
+              <a:pPr/>
+              <a:t>42</a:t>
+            </a:fld>
+            <a:endParaRPr lang="de-DE" dirty="0"/>
+          </a:p>
+        </p:txBody>
+      </p:sp>
     </p:spTree>
     <p:extLst>
       <p:ext uri="{BB962C8B-B14F-4D97-AF65-F5344CB8AC3E}">
@@ -16057,6 +16922,30 @@
           </a:p>
         </p:txBody>
       </p:sp>
+      <p:sp>
+        <p:nvSpPr>
+          <p:cNvPr id="4" name="Foliennummernplatzhalter 3"/>
+          <p:cNvSpPr>
+            <a:spLocks noGrp="1"/>
+          </p:cNvSpPr>
+          <p:nvPr>
+            <p:ph type="sldNum" sz="quarter" idx="12"/>
+          </p:nvPr>
+        </p:nvSpPr>
+        <p:spPr/>
+        <p:txBody>
+          <a:bodyPr/>
+          <a:lstStyle/>
+          <a:p>
+            <a:fld id="{5F4D6440-1F17-4389-BEAA-8CB6F5977206}" type="slidenum">
+              <a:rPr lang="de-DE" smtClean="0"/>
+              <a:pPr/>
+              <a:t>43</a:t>
+            </a:fld>
+            <a:endParaRPr lang="de-DE" dirty="0"/>
+          </a:p>
+        </p:txBody>
+      </p:sp>
     </p:spTree>
     <p:extLst>
       <p:ext uri="{BB962C8B-B14F-4D97-AF65-F5344CB8AC3E}">
@@ -16173,6 +17062,30 @@
           </a:p>
         </p:txBody>
       </p:sp>
+      <p:sp>
+        <p:nvSpPr>
+          <p:cNvPr id="4" name="Foliennummernplatzhalter 3"/>
+          <p:cNvSpPr>
+            <a:spLocks noGrp="1"/>
+          </p:cNvSpPr>
+          <p:nvPr>
+            <p:ph type="sldNum" sz="quarter" idx="12"/>
+          </p:nvPr>
+        </p:nvSpPr>
+        <p:spPr/>
+        <p:txBody>
+          <a:bodyPr/>
+          <a:lstStyle/>
+          <a:p>
+            <a:fld id="{5F4D6440-1F17-4389-BEAA-8CB6F5977206}" type="slidenum">
+              <a:rPr lang="de-DE" smtClean="0"/>
+              <a:pPr/>
+              <a:t>44</a:t>
+            </a:fld>
+            <a:endParaRPr lang="de-DE" dirty="0"/>
+          </a:p>
+        </p:txBody>
+      </p:sp>
     </p:spTree>
     <p:extLst>
       <p:ext uri="{BB962C8B-B14F-4D97-AF65-F5344CB8AC3E}">
@@ -16276,6 +17189,30 @@
           </a:p>
         </p:txBody>
       </p:sp>
+      <p:sp>
+        <p:nvSpPr>
+          <p:cNvPr id="4" name="Foliennummernplatzhalter 3"/>
+          <p:cNvSpPr>
+            <a:spLocks noGrp="1"/>
+          </p:cNvSpPr>
+          <p:nvPr>
+            <p:ph type="sldNum" sz="quarter" idx="12"/>
+          </p:nvPr>
+        </p:nvSpPr>
+        <p:spPr/>
+        <p:txBody>
+          <a:bodyPr/>
+          <a:lstStyle/>
+          <a:p>
+            <a:fld id="{5F4D6440-1F17-4389-BEAA-8CB6F5977206}" type="slidenum">
+              <a:rPr lang="de-DE" smtClean="0"/>
+              <a:pPr/>
+              <a:t>45</a:t>
+            </a:fld>
+            <a:endParaRPr lang="de-DE" dirty="0"/>
+          </a:p>
+        </p:txBody>
+      </p:sp>
     </p:spTree>
     <p:extLst>
       <p:ext uri="{BB962C8B-B14F-4D97-AF65-F5344CB8AC3E}">
@@ -16373,6 +17310,30 @@
           </a:p>
         </p:txBody>
       </p:sp>
+      <p:sp>
+        <p:nvSpPr>
+          <p:cNvPr id="4" name="Foliennummernplatzhalter 3"/>
+          <p:cNvSpPr>
+            <a:spLocks noGrp="1"/>
+          </p:cNvSpPr>
+          <p:nvPr>
+            <p:ph type="sldNum" sz="quarter" idx="12"/>
+          </p:nvPr>
+        </p:nvSpPr>
+        <p:spPr/>
+        <p:txBody>
+          <a:bodyPr/>
+          <a:lstStyle/>
+          <a:p>
+            <a:fld id="{5F4D6440-1F17-4389-BEAA-8CB6F5977206}" type="slidenum">
+              <a:rPr lang="de-DE" smtClean="0"/>
+              <a:pPr/>
+              <a:t>46</a:t>
+            </a:fld>
+            <a:endParaRPr lang="de-DE" dirty="0"/>
+          </a:p>
+        </p:txBody>
+      </p:sp>
     </p:spTree>
     <p:extLst>
       <p:ext uri="{BB962C8B-B14F-4D97-AF65-F5344CB8AC3E}">
@@ -16482,6 +17443,30 @@
           </a:p>
         </p:txBody>
       </p:sp>
+      <p:sp>
+        <p:nvSpPr>
+          <p:cNvPr id="4" name="Foliennummernplatzhalter 3"/>
+          <p:cNvSpPr>
+            <a:spLocks noGrp="1"/>
+          </p:cNvSpPr>
+          <p:nvPr>
+            <p:ph type="sldNum" sz="quarter" idx="12"/>
+          </p:nvPr>
+        </p:nvSpPr>
+        <p:spPr/>
+        <p:txBody>
+          <a:bodyPr/>
+          <a:lstStyle/>
+          <a:p>
+            <a:fld id="{5F4D6440-1F17-4389-BEAA-8CB6F5977206}" type="slidenum">
+              <a:rPr lang="de-DE" smtClean="0"/>
+              <a:pPr/>
+              <a:t>47</a:t>
+            </a:fld>
+            <a:endParaRPr lang="de-DE" dirty="0"/>
+          </a:p>
+        </p:txBody>
+      </p:sp>
     </p:spTree>
     <p:extLst>
       <p:ext uri="{BB962C8B-B14F-4D97-AF65-F5344CB8AC3E}">
@@ -16564,6 +17549,30 @@
           </a:graphicData>
         </a:graphic>
       </p:graphicFrame>
+      <p:sp>
+        <p:nvSpPr>
+          <p:cNvPr id="4" name="Foliennummernplatzhalter 3"/>
+          <p:cNvSpPr>
+            <a:spLocks noGrp="1"/>
+          </p:cNvSpPr>
+          <p:nvPr>
+            <p:ph type="sldNum" sz="quarter" idx="12"/>
+          </p:nvPr>
+        </p:nvSpPr>
+        <p:spPr/>
+        <p:txBody>
+          <a:bodyPr/>
+          <a:lstStyle/>
+          <a:p>
+            <a:fld id="{5F4D6440-1F17-4389-BEAA-8CB6F5977206}" type="slidenum">
+              <a:rPr lang="de-DE" smtClean="0"/>
+              <a:pPr/>
+              <a:t>5</a:t>
+            </a:fld>
+            <a:endParaRPr lang="de-DE" dirty="0"/>
+          </a:p>
+        </p:txBody>
+      </p:sp>
     </p:spTree>
     <p:extLst>
       <p:ext uri="{BB962C8B-B14F-4D97-AF65-F5344CB8AC3E}">
@@ -16691,6 +17700,30 @@
           </a:extLst>
         </p:spPr>
       </p:pic>
+      <p:sp>
+        <p:nvSpPr>
+          <p:cNvPr id="3" name="Foliennummernplatzhalter 2"/>
+          <p:cNvSpPr>
+            <a:spLocks noGrp="1"/>
+          </p:cNvSpPr>
+          <p:nvPr>
+            <p:ph type="sldNum" sz="quarter" idx="12"/>
+          </p:nvPr>
+        </p:nvSpPr>
+        <p:spPr/>
+        <p:txBody>
+          <a:bodyPr/>
+          <a:lstStyle/>
+          <a:p>
+            <a:fld id="{5F4D6440-1F17-4389-BEAA-8CB6F5977206}" type="slidenum">
+              <a:rPr lang="de-DE" smtClean="0"/>
+              <a:pPr/>
+              <a:t>6</a:t>
+            </a:fld>
+            <a:endParaRPr lang="de-DE" dirty="0"/>
+          </a:p>
+        </p:txBody>
+      </p:sp>
     </p:spTree>
     <p:extLst>
       <p:ext uri="{BB962C8B-B14F-4D97-AF65-F5344CB8AC3E}">
@@ -17011,13 +18044,7 @@
               <a:rPr lang="de-DE" dirty="0" smtClean="0">
                 <a:latin typeface="+mj-lt"/>
               </a:rPr>
-              <a:t>Jede </a:t>
-            </a:r>
-            <a:r>
-              <a:rPr lang="de-DE" dirty="0" smtClean="0">
-                <a:latin typeface="+mj-lt"/>
-              </a:rPr>
-              <a:t>Nacht:</a:t>
+              <a:t>Jede Nacht:</a:t>
             </a:r>
           </a:p>
           <a:p>
@@ -17029,25 +18056,7 @@
               <a:rPr lang="de-DE" dirty="0" smtClean="0">
                 <a:latin typeface="+mj-lt"/>
               </a:rPr>
-              <a:t>Zusammenfassen der </a:t>
-            </a:r>
-            <a:r>
-              <a:rPr lang="de-DE" dirty="0" smtClean="0">
-                <a:latin typeface="+mj-lt"/>
-              </a:rPr>
-              <a:t>Einträge </a:t>
-            </a:r>
-            <a:r>
-              <a:rPr lang="de-DE" dirty="0" smtClean="0">
-                <a:latin typeface="+mj-lt"/>
-              </a:rPr>
-              <a:t>vom </a:t>
-            </a:r>
-            <a:r>
-              <a:rPr lang="de-DE" dirty="0" smtClean="0">
-                <a:latin typeface="+mj-lt"/>
-              </a:rPr>
-              <a:t>Vortag zur Wochen- und Jahresübersicht</a:t>
+              <a:t>Zusammenfassen der Einträge vom Vortag zur Wochen- und Jahresübersicht</a:t>
             </a:r>
           </a:p>
           <a:p>
@@ -17132,13 +18141,7 @@
               <a:rPr lang="de-DE" dirty="0" smtClean="0">
                 <a:latin typeface="+mj-lt"/>
               </a:rPr>
-              <a:t>OS </a:t>
-            </a:r>
-            <a:r>
-              <a:rPr lang="de-DE" dirty="0" smtClean="0">
-                <a:latin typeface="+mj-lt"/>
-              </a:rPr>
-              <a:t>&gt; </a:t>
+              <a:t>OS &gt; </a:t>
             </a:r>
             <a:r>
               <a:rPr lang="de-DE" dirty="0" err="1" smtClean="0">
@@ -17168,6 +18171,30 @@
               </a:rPr>
               <a:t>Java 7</a:t>
             </a:r>
+          </a:p>
+        </p:txBody>
+      </p:sp>
+      <p:sp>
+        <p:nvSpPr>
+          <p:cNvPr id="4" name="Foliennummernplatzhalter 3"/>
+          <p:cNvSpPr>
+            <a:spLocks noGrp="1"/>
+          </p:cNvSpPr>
+          <p:nvPr>
+            <p:ph type="sldNum" sz="quarter" idx="12"/>
+          </p:nvPr>
+        </p:nvSpPr>
+        <p:spPr/>
+        <p:txBody>
+          <a:bodyPr/>
+          <a:lstStyle/>
+          <a:p>
+            <a:fld id="{5F4D6440-1F17-4389-BEAA-8CB6F5977206}" type="slidenum">
+              <a:rPr lang="de-DE" smtClean="0"/>
+              <a:pPr/>
+              <a:t>7</a:t>
+            </a:fld>
+            <a:endParaRPr lang="de-DE" dirty="0"/>
           </a:p>
         </p:txBody>
       </p:sp>
@@ -18107,6 +19134,30 @@
           </a:p>
         </p:txBody>
       </p:sp>
+      <p:sp>
+        <p:nvSpPr>
+          <p:cNvPr id="11" name="Foliennummernplatzhalter 10"/>
+          <p:cNvSpPr>
+            <a:spLocks noGrp="1"/>
+          </p:cNvSpPr>
+          <p:nvPr>
+            <p:ph type="sldNum" sz="quarter" idx="12"/>
+          </p:nvPr>
+        </p:nvSpPr>
+        <p:spPr/>
+        <p:txBody>
+          <a:bodyPr/>
+          <a:lstStyle/>
+          <a:p>
+            <a:fld id="{5F4D6440-1F17-4389-BEAA-8CB6F5977206}" type="slidenum">
+              <a:rPr lang="de-DE" smtClean="0"/>
+              <a:pPr/>
+              <a:t>8</a:t>
+            </a:fld>
+            <a:endParaRPr lang="de-DE" dirty="0"/>
+          </a:p>
+        </p:txBody>
+      </p:sp>
     </p:spTree>
     <p:extLst>
       <p:ext uri="{BB962C8B-B14F-4D97-AF65-F5344CB8AC3E}">
@@ -18602,6 +19653,30 @@
               <a:rPr lang="de-DE" dirty="0" smtClean="0"/>
               <a:t>Vermeidung von Redundanzen</a:t>
             </a:r>
+          </a:p>
+        </p:txBody>
+      </p:sp>
+      <p:sp>
+        <p:nvSpPr>
+          <p:cNvPr id="5" name="Foliennummernplatzhalter 4"/>
+          <p:cNvSpPr>
+            <a:spLocks noGrp="1"/>
+          </p:cNvSpPr>
+          <p:nvPr>
+            <p:ph type="sldNum" sz="quarter" idx="12"/>
+          </p:nvPr>
+        </p:nvSpPr>
+        <p:spPr/>
+        <p:txBody>
+          <a:bodyPr/>
+          <a:lstStyle/>
+          <a:p>
+            <a:fld id="{5F4D6440-1F17-4389-BEAA-8CB6F5977206}" type="slidenum">
+              <a:rPr lang="de-DE" smtClean="0"/>
+              <a:pPr/>
+              <a:t>9</a:t>
+            </a:fld>
+            <a:endParaRPr lang="de-DE" dirty="0"/>
           </a:p>
         </p:txBody>
       </p:sp>

--- a/Projektmanagement/Abschlusspräsentation.pptx
+++ b/Projektmanagement/Abschlusspräsentation.pptx
@@ -158,7 +158,7 @@
   </p:defaultTextStyle>
   <p:extLst>
     <p:ext uri="{EFAFB233-063F-42B5-8137-9DF3F51BA10A}">
-      <p15:sldGuideLst xmlns="" xmlns:p15="http://schemas.microsoft.com/office/powerpoint/2012/main">
+      <p15:sldGuideLst xmlns:p15="http://schemas.microsoft.com/office/powerpoint/2012/main" xmlns="">
         <p15:guide id="1" orient="horz" pos="2160">
           <p15:clr>
             <a:srgbClr val="A4A3A4"/>
@@ -172,7 +172,7 @@
       </p15:sldGuideLst>
     </p:ext>
     <p:ext uri="{2D200454-40CA-4A62-9FC3-DE9A4176ACB9}">
-      <p15:notesGuideLst xmlns="" xmlns:p15="http://schemas.microsoft.com/office/powerpoint/2012/main">
+      <p15:notesGuideLst xmlns:p15="http://schemas.microsoft.com/office/powerpoint/2012/main" xmlns="">
         <p15:guide id="1" orient="horz" pos="2880">
           <p15:clr>
             <a:srgbClr val="A4A3A4"/>
@@ -1931,51 +1931,51 @@
     </dgm:pt>
   </dgm:ptLst>
   <dgm:cxnLst>
-    <dgm:cxn modelId="{C75F7C68-8484-4A91-B6A3-583D73E6BC93}" type="presOf" srcId="{124AB731-44F7-42FC-A2C7-6A103755875A}" destId="{BA4718A9-DFD2-471C-969C-97F876ADC320}" srcOrd="0" destOrd="4" presId="urn:microsoft.com/office/officeart/2005/8/layout/hProcess9"/>
+    <dgm:cxn modelId="{60C1C020-F1A3-4D32-B6BC-9893F6A3628C}" type="presOf" srcId="{360394FA-829F-403E-9AF0-5F6CF96DFD1E}" destId="{8C0195AE-96DF-44DB-8CA5-EA3E73389D9C}" srcOrd="0" destOrd="4" presId="urn:microsoft.com/office/officeart/2005/8/layout/hProcess9"/>
+    <dgm:cxn modelId="{F1608424-95E6-4187-9F50-C1AB10DFF465}" srcId="{42A7AF39-9F16-4BE0-9691-F2A4EAA889D5}" destId="{6043B0A8-44FC-4706-B37A-7F342ABD7CAE}" srcOrd="2" destOrd="0" parTransId="{D8109DA1-2E16-4DF6-A989-9DA006F96235}" sibTransId="{3B27F8F0-46DD-48CE-89ED-BD65A552898B}"/>
+    <dgm:cxn modelId="{6595E131-DCFC-4660-A166-B06A9C58E5A3}" srcId="{182E85C3-C0C1-4055-B42E-08657C1D36EB}" destId="{124AB731-44F7-42FC-A2C7-6A103755875A}" srcOrd="3" destOrd="0" parTransId="{903CC23E-A10B-484A-8A4F-24054DDF4137}" sibTransId="{C0BE0EF1-E06D-43E6-AF12-3CA2033E2AE2}"/>
+    <dgm:cxn modelId="{63AA4ECF-F510-4F05-A169-468A7E8A96E5}" type="presOf" srcId="{6043B0A8-44FC-4706-B37A-7F342ABD7CAE}" destId="{F3C847B4-E9D1-403C-BF56-3BADCB1909DC}" srcOrd="0" destOrd="0" presId="urn:microsoft.com/office/officeart/2005/8/layout/hProcess9"/>
+    <dgm:cxn modelId="{5647984F-2F20-4C53-AFA6-A50F0B2D982A}" srcId="{42A7AF39-9F16-4BE0-9691-F2A4EAA889D5}" destId="{5245D8E1-9FDE-4633-85B7-BE42CD6AA787}" srcOrd="4" destOrd="0" parTransId="{55F15053-25F4-4161-BCA1-92DDB4FB32E9}" sibTransId="{B0D58DB8-A061-4E28-A244-8F898564CBF4}"/>
+    <dgm:cxn modelId="{21C40A1C-D218-4855-8389-19E2BFED7B78}" type="presOf" srcId="{ABD30D39-23EC-4FCC-9B13-57D32A82A546}" destId="{F3C847B4-E9D1-403C-BF56-3BADCB1909DC}" srcOrd="0" destOrd="1" presId="urn:microsoft.com/office/officeart/2005/8/layout/hProcess9"/>
+    <dgm:cxn modelId="{EFB2B553-798E-499E-868E-5A323D49D87B}" type="presOf" srcId="{8852547F-3DE1-4303-BABC-35751A1FFAA4}" destId="{62F66354-603A-41C3-B161-16A4A9E45F44}" srcOrd="0" destOrd="2" presId="urn:microsoft.com/office/officeart/2005/8/layout/hProcess9"/>
+    <dgm:cxn modelId="{5DFF5E92-6524-4E83-9A7E-3FD2AE1E0B19}" srcId="{42A7AF39-9F16-4BE0-9691-F2A4EAA889D5}" destId="{B4BBFA07-05DD-4CDD-AC39-6342607DC2A1}" srcOrd="0" destOrd="0" parTransId="{4C9357AE-0A8A-4E31-8803-F14E79C0DCAE}" sibTransId="{B652451A-AD6D-4DFA-B925-9D21BB71A0C7}"/>
+    <dgm:cxn modelId="{4AA9AB66-BA44-475B-A8A8-30AD54C4CD1A}" srcId="{6043B0A8-44FC-4706-B37A-7F342ABD7CAE}" destId="{1D2BD1DA-3657-4A8C-9785-D7282AB16A84}" srcOrd="3" destOrd="0" parTransId="{13AD18B7-6C9D-4DA5-8CF7-426D68467982}" sibTransId="{5FB73046-B1E2-46DC-A2CC-49B3DBF79A17}"/>
+    <dgm:cxn modelId="{7B8B71DC-DC57-43EA-BE14-CDBA81ACEF98}" type="presOf" srcId="{42A7AF39-9F16-4BE0-9691-F2A4EAA889D5}" destId="{734A29E2-3521-46BA-B5C0-E8A3637FA4B0}" srcOrd="0" destOrd="0" presId="urn:microsoft.com/office/officeart/2005/8/layout/hProcess9"/>
+    <dgm:cxn modelId="{A4E4E3C8-7B99-4F7C-A2C4-16D3A3CA62E3}" type="presOf" srcId="{DDBD9E0E-2857-478B-9BFD-EB049F36A6F4}" destId="{BA4718A9-DFD2-471C-969C-97F876ADC320}" srcOrd="0" destOrd="2" presId="urn:microsoft.com/office/officeart/2005/8/layout/hProcess9"/>
+    <dgm:cxn modelId="{1CE0B2E1-B57A-47FF-B7CD-0A610852C41C}" type="presOf" srcId="{60FFB2DA-71E2-4B60-8F03-B97F02814FE8}" destId="{F3C847B4-E9D1-403C-BF56-3BADCB1909DC}" srcOrd="0" destOrd="2" presId="urn:microsoft.com/office/officeart/2005/8/layout/hProcess9"/>
+    <dgm:cxn modelId="{DECDAAFB-95F9-4E08-902E-357CAE6BE867}" srcId="{42A7AF39-9F16-4BE0-9691-F2A4EAA889D5}" destId="{182E85C3-C0C1-4055-B42E-08657C1D36EB}" srcOrd="1" destOrd="0" parTransId="{0A1F7A6C-A332-4BAC-A0D1-C846CF97F4EC}" sibTransId="{53EC14C8-D3F0-4F81-A9BC-0E03B0043A69}"/>
+    <dgm:cxn modelId="{238D6892-0E24-4060-A415-A69BB6AA037E}" type="presOf" srcId="{27323C3F-7D4E-44F5-9FA3-413CFCD7B174}" destId="{8C0195AE-96DF-44DB-8CA5-EA3E73389D9C}" srcOrd="0" destOrd="3" presId="urn:microsoft.com/office/officeart/2005/8/layout/hProcess9"/>
+    <dgm:cxn modelId="{503287BE-2194-4F0B-9AA9-12C9B00499EE}" type="presOf" srcId="{5245D8E1-9FDE-4633-85B7-BE42CD6AA787}" destId="{20382240-D5AC-4B89-8E53-73A8B41769F1}" srcOrd="0" destOrd="0" presId="urn:microsoft.com/office/officeart/2005/8/layout/hProcess9"/>
+    <dgm:cxn modelId="{24BACCAC-AE3B-4A99-B678-9387F463D2EF}" srcId="{6043B0A8-44FC-4706-B37A-7F342ABD7CAE}" destId="{60FFB2DA-71E2-4B60-8F03-B97F02814FE8}" srcOrd="1" destOrd="0" parTransId="{F5495816-0C9E-4B5B-A238-F565E58D7803}" sibTransId="{D06C6867-E1BA-43A9-A6CE-AE88C2CD94FD}"/>
+    <dgm:cxn modelId="{CA27D4C9-7305-47C1-B558-E71A93D8B295}" type="presOf" srcId="{AD34B4C5-1A81-4AC6-A5F9-35CC4DC5D843}" destId="{20382240-D5AC-4B89-8E53-73A8B41769F1}" srcOrd="0" destOrd="1" presId="urn:microsoft.com/office/officeart/2005/8/layout/hProcess9"/>
+    <dgm:cxn modelId="{B317833C-6656-437C-8CFB-9E1078BA4F7B}" srcId="{B4BBFA07-05DD-4CDD-AC39-6342607DC2A1}" destId="{BFAD5C6C-3CCC-47DA-B82A-97A0E60E41A5}" srcOrd="1" destOrd="0" parTransId="{2AC788DB-883E-4B3F-8E32-FB8F2C3C80B9}" sibTransId="{0A4F5D0E-4864-4480-8E69-940E5490226B}"/>
+    <dgm:cxn modelId="{DB1CAB31-0E81-4807-9A4F-8B2AC71839A2}" type="presOf" srcId="{1D2BD1DA-3657-4A8C-9785-D7282AB16A84}" destId="{F3C847B4-E9D1-403C-BF56-3BADCB1909DC}" srcOrd="0" destOrd="4" presId="urn:microsoft.com/office/officeart/2005/8/layout/hProcess9"/>
+    <dgm:cxn modelId="{3DE7FD94-D5E7-407C-989B-2C1F91B4CE03}" srcId="{B4BBFA07-05DD-4CDD-AC39-6342607DC2A1}" destId="{27323C3F-7D4E-44F5-9FA3-413CFCD7B174}" srcOrd="2" destOrd="0" parTransId="{18FA00AE-387D-4A8D-981A-94EDEBCA8EC2}" sibTransId="{D4734B30-AB73-4712-B278-2895E8608C4E}"/>
+    <dgm:cxn modelId="{3A080199-5708-4D95-BDC6-677CE1E53018}" srcId="{B4BBFA07-05DD-4CDD-AC39-6342607DC2A1}" destId="{360394FA-829F-403E-9AF0-5F6CF96DFD1E}" srcOrd="3" destOrd="0" parTransId="{A75ACD84-8BFD-4E17-B22A-BCE08E0C1060}" sibTransId="{47CD002A-17EB-41C8-A521-C511E59926EB}"/>
+    <dgm:cxn modelId="{03C82376-6DFF-4B7E-B036-A886B0520F93}" type="presOf" srcId="{DBD17336-B141-494E-A31C-6EA653EE637A}" destId="{62F66354-603A-41C3-B161-16A4A9E45F44}" srcOrd="0" destOrd="0" presId="urn:microsoft.com/office/officeart/2005/8/layout/hProcess9"/>
+    <dgm:cxn modelId="{20EFF80B-8D1F-44F0-A98A-47DA2A47CC91}" type="presOf" srcId="{B4BBFA07-05DD-4CDD-AC39-6342607DC2A1}" destId="{8C0195AE-96DF-44DB-8CA5-EA3E73389D9C}" srcOrd="0" destOrd="0" presId="urn:microsoft.com/office/officeart/2005/8/layout/hProcess9"/>
+    <dgm:cxn modelId="{E2E8D555-E2A1-4B5C-B90D-F16299503649}" srcId="{182E85C3-C0C1-4055-B42E-08657C1D36EB}" destId="{DDBD9E0E-2857-478B-9BFD-EB049F36A6F4}" srcOrd="1" destOrd="0" parTransId="{64FDB413-C3BC-4DF0-942B-0162F878BA5B}" sibTransId="{79BD68F6-F4B8-49E3-96CA-A2D68A915F02}"/>
+    <dgm:cxn modelId="{607F61A3-2D5A-4D02-89FC-B7345F88B402}" type="presOf" srcId="{1E975C45-1647-472C-8812-EFF81A215801}" destId="{BA4718A9-DFD2-471C-969C-97F876ADC320}" srcOrd="0" destOrd="5" presId="urn:microsoft.com/office/officeart/2005/8/layout/hProcess9"/>
+    <dgm:cxn modelId="{929DDD9F-A144-4496-902C-7A0CEA79C4C8}" srcId="{5245D8E1-9FDE-4633-85B7-BE42CD6AA787}" destId="{8693C395-BAA7-449A-ACDD-FFFEEE0DC862}" srcOrd="1" destOrd="0" parTransId="{0DB5F330-DE96-4670-8EFA-8B7B45CEA34D}" sibTransId="{87BE7E65-1B97-4314-AB36-B212E2476EE6}"/>
+    <dgm:cxn modelId="{C36FF4DC-CCD6-47E2-9C05-747BCCD4C37E}" type="presOf" srcId="{2739C324-A41E-4970-8A01-796A2C795ACC}" destId="{BA4718A9-DFD2-471C-969C-97F876ADC320}" srcOrd="0" destOrd="1" presId="urn:microsoft.com/office/officeart/2005/8/layout/hProcess9"/>
+    <dgm:cxn modelId="{9423DADA-472C-41D9-88AD-46BB03D27D4E}" srcId="{6043B0A8-44FC-4706-B37A-7F342ABD7CAE}" destId="{ABD30D39-23EC-4FCC-9B13-57D32A82A546}" srcOrd="0" destOrd="0" parTransId="{C5A94903-DF8D-4907-A3E8-951CE956DA5D}" sibTransId="{3EF7BC8F-673B-4ADA-9436-138C06DF52D8}"/>
+    <dgm:cxn modelId="{8130EFA1-7C19-4707-918B-EBD61B992DC1}" srcId="{182E85C3-C0C1-4055-B42E-08657C1D36EB}" destId="{2739C324-A41E-4970-8A01-796A2C795ACC}" srcOrd="0" destOrd="0" parTransId="{34EABE2C-343C-4A99-94EF-992C7B2864FB}" sibTransId="{E3CAAA70-690B-43D6-AD4A-610350C2031C}"/>
+    <dgm:cxn modelId="{08E746BB-D95F-4886-82E3-5ED9A83CD38E}" type="presOf" srcId="{FCE05639-9A34-421D-9FD3-79EEF57498D8}" destId="{62F66354-603A-41C3-B161-16A4A9E45F44}" srcOrd="0" destOrd="1" presId="urn:microsoft.com/office/officeart/2005/8/layout/hProcess9"/>
     <dgm:cxn modelId="{742F0ED1-DC5E-4FDC-BC68-EC649BA19C45}" srcId="{B4BBFA07-05DD-4CDD-AC39-6342607DC2A1}" destId="{10E407B9-5FCC-4D3A-94D2-6AB25397AEC7}" srcOrd="0" destOrd="0" parTransId="{0560221A-0D57-438B-900A-B03E24CCA932}" sibTransId="{40E49337-7DC0-4E0E-B2C1-5C40A2AD0A26}"/>
-    <dgm:cxn modelId="{63AA4ECF-F510-4F05-A169-468A7E8A96E5}" type="presOf" srcId="{6043B0A8-44FC-4706-B37A-7F342ABD7CAE}" destId="{F3C847B4-E9D1-403C-BF56-3BADCB1909DC}" srcOrd="0" destOrd="0" presId="urn:microsoft.com/office/officeart/2005/8/layout/hProcess9"/>
-    <dgm:cxn modelId="{24BACCAC-AE3B-4A99-B678-9387F463D2EF}" srcId="{6043B0A8-44FC-4706-B37A-7F342ABD7CAE}" destId="{60FFB2DA-71E2-4B60-8F03-B97F02814FE8}" srcOrd="1" destOrd="0" parTransId="{F5495816-0C9E-4B5B-A238-F565E58D7803}" sibTransId="{D06C6867-E1BA-43A9-A6CE-AE88C2CD94FD}"/>
-    <dgm:cxn modelId="{3F65C4C7-8DE4-4F28-82C5-0662EBCF8C0E}" srcId="{DBD17336-B141-494E-A31C-6EA653EE637A}" destId="{FCE05639-9A34-421D-9FD3-79EEF57498D8}" srcOrd="0" destOrd="0" parTransId="{F3903BDF-F0ED-4A06-8C1B-A96D8DDD8DDC}" sibTransId="{4F6AA9F8-0B5F-499B-AE30-3D935C570E4E}"/>
-    <dgm:cxn modelId="{9E16A8B2-B87E-4EC6-8F80-A092713ABD93}" type="presOf" srcId="{64A53441-CA35-4183-98A4-98146221F8AE}" destId="{F3C847B4-E9D1-403C-BF56-3BADCB1909DC}" srcOrd="0" destOrd="3" presId="urn:microsoft.com/office/officeart/2005/8/layout/hProcess9"/>
+    <dgm:cxn modelId="{66704B5C-1B3A-4DE5-B794-CC8167E42596}" type="presOf" srcId="{182E85C3-C0C1-4055-B42E-08657C1D36EB}" destId="{BA4718A9-DFD2-471C-969C-97F876ADC320}" srcOrd="0" destOrd="0" presId="urn:microsoft.com/office/officeart/2005/8/layout/hProcess9"/>
     <dgm:cxn modelId="{E98B806D-7427-40E5-9217-58A7BBA4F702}" type="presOf" srcId="{BFAD5C6C-3CCC-47DA-B82A-97A0E60E41A5}" destId="{8C0195AE-96DF-44DB-8CA5-EA3E73389D9C}" srcOrd="0" destOrd="2" presId="urn:microsoft.com/office/officeart/2005/8/layout/hProcess9"/>
-    <dgm:cxn modelId="{D4AF4160-DDE6-4565-8479-2BC7137E4EDA}" type="presOf" srcId="{8693C395-BAA7-449A-ACDD-FFFEEE0DC862}" destId="{20382240-D5AC-4B89-8E53-73A8B41769F1}" srcOrd="0" destOrd="2" presId="urn:microsoft.com/office/officeart/2005/8/layout/hProcess9"/>
-    <dgm:cxn modelId="{1CE0B2E1-B57A-47FF-B7CD-0A610852C41C}" type="presOf" srcId="{60FFB2DA-71E2-4B60-8F03-B97F02814FE8}" destId="{F3C847B4-E9D1-403C-BF56-3BADCB1909DC}" srcOrd="0" destOrd="2" presId="urn:microsoft.com/office/officeart/2005/8/layout/hProcess9"/>
-    <dgm:cxn modelId="{60C1C020-F1A3-4D32-B6BC-9893F6A3628C}" type="presOf" srcId="{360394FA-829F-403E-9AF0-5F6CF96DFD1E}" destId="{8C0195AE-96DF-44DB-8CA5-EA3E73389D9C}" srcOrd="0" destOrd="4" presId="urn:microsoft.com/office/officeart/2005/8/layout/hProcess9"/>
-    <dgm:cxn modelId="{08E746BB-D95F-4886-82E3-5ED9A83CD38E}" type="presOf" srcId="{FCE05639-9A34-421D-9FD3-79EEF57498D8}" destId="{62F66354-603A-41C3-B161-16A4A9E45F44}" srcOrd="0" destOrd="1" presId="urn:microsoft.com/office/officeart/2005/8/layout/hProcess9"/>
-    <dgm:cxn modelId="{DB1CAB31-0E81-4807-9A4F-8B2AC71839A2}" type="presOf" srcId="{1D2BD1DA-3657-4A8C-9785-D7282AB16A84}" destId="{F3C847B4-E9D1-403C-BF56-3BADCB1909DC}" srcOrd="0" destOrd="4" presId="urn:microsoft.com/office/officeart/2005/8/layout/hProcess9"/>
-    <dgm:cxn modelId="{B317833C-6656-437C-8CFB-9E1078BA4F7B}" srcId="{B4BBFA07-05DD-4CDD-AC39-6342607DC2A1}" destId="{BFAD5C6C-3CCC-47DA-B82A-97A0E60E41A5}" srcOrd="1" destOrd="0" parTransId="{2AC788DB-883E-4B3F-8E32-FB8F2C3C80B9}" sibTransId="{0A4F5D0E-4864-4480-8E69-940E5490226B}"/>
-    <dgm:cxn modelId="{F1608424-95E6-4187-9F50-C1AB10DFF465}" srcId="{42A7AF39-9F16-4BE0-9691-F2A4EAA889D5}" destId="{6043B0A8-44FC-4706-B37A-7F342ABD7CAE}" srcOrd="2" destOrd="0" parTransId="{D8109DA1-2E16-4DF6-A989-9DA006F96235}" sibTransId="{3B27F8F0-46DD-48CE-89ED-BD65A552898B}"/>
-    <dgm:cxn modelId="{B848308C-6711-4ECC-A275-3BD95A47C3D1}" type="presOf" srcId="{3F8391EC-2E89-41BC-979F-48D4E21A811C}" destId="{BA4718A9-DFD2-471C-969C-97F876ADC320}" srcOrd="0" destOrd="3" presId="urn:microsoft.com/office/officeart/2005/8/layout/hProcess9"/>
-    <dgm:cxn modelId="{8130EFA1-7C19-4707-918B-EBD61B992DC1}" srcId="{182E85C3-C0C1-4055-B42E-08657C1D36EB}" destId="{2739C324-A41E-4970-8A01-796A2C795ACC}" srcOrd="0" destOrd="0" parTransId="{34EABE2C-343C-4A99-94EF-992C7B2864FB}" sibTransId="{E3CAAA70-690B-43D6-AD4A-610350C2031C}"/>
-    <dgm:cxn modelId="{5647984F-2F20-4C53-AFA6-A50F0B2D982A}" srcId="{42A7AF39-9F16-4BE0-9691-F2A4EAA889D5}" destId="{5245D8E1-9FDE-4633-85B7-BE42CD6AA787}" srcOrd="4" destOrd="0" parTransId="{55F15053-25F4-4161-BCA1-92DDB4FB32E9}" sibTransId="{B0D58DB8-A061-4E28-A244-8F898564CBF4}"/>
-    <dgm:cxn modelId="{165AFAEA-5E3C-4D2F-B24C-8AB5DB51E1D8}" srcId="{DBD17336-B141-494E-A31C-6EA653EE637A}" destId="{8852547F-3DE1-4303-BABC-35751A1FFAA4}" srcOrd="1" destOrd="0" parTransId="{E3280EF4-38C9-4B21-B7E2-305ED52D9188}" sibTransId="{7EF36CEC-CFA4-4D2A-9ADF-9A92FE46FB8F}"/>
-    <dgm:cxn modelId="{9423DADA-472C-41D9-88AD-46BB03D27D4E}" srcId="{6043B0A8-44FC-4706-B37A-7F342ABD7CAE}" destId="{ABD30D39-23EC-4FCC-9B13-57D32A82A546}" srcOrd="0" destOrd="0" parTransId="{C5A94903-DF8D-4907-A3E8-951CE956DA5D}" sibTransId="{3EF7BC8F-673B-4ADA-9436-138C06DF52D8}"/>
-    <dgm:cxn modelId="{3A080199-5708-4D95-BDC6-677CE1E53018}" srcId="{B4BBFA07-05DD-4CDD-AC39-6342607DC2A1}" destId="{360394FA-829F-403E-9AF0-5F6CF96DFD1E}" srcOrd="3" destOrd="0" parTransId="{A75ACD84-8BFD-4E17-B22A-BCE08E0C1060}" sibTransId="{47CD002A-17EB-41C8-A521-C511E59926EB}"/>
-    <dgm:cxn modelId="{DECDAAFB-95F9-4E08-902E-357CAE6BE867}" srcId="{42A7AF39-9F16-4BE0-9691-F2A4EAA889D5}" destId="{182E85C3-C0C1-4055-B42E-08657C1D36EB}" srcOrd="1" destOrd="0" parTransId="{0A1F7A6C-A332-4BAC-A0D1-C846CF97F4EC}" sibTransId="{53EC14C8-D3F0-4F81-A9BC-0E03B0043A69}"/>
     <dgm:cxn modelId="{2198E06B-EBEE-42F2-BF31-52AD13E73BC6}" srcId="{42A7AF39-9F16-4BE0-9691-F2A4EAA889D5}" destId="{DBD17336-B141-494E-A31C-6EA653EE637A}" srcOrd="3" destOrd="0" parTransId="{09A6F55D-0974-44D2-B12D-48E16F3D0029}" sibTransId="{A6141C16-1C65-42F9-8DF0-A27738FE79EE}"/>
     <dgm:cxn modelId="{58ECD606-DF49-456C-92CC-3FC995338DA5}" srcId="{182E85C3-C0C1-4055-B42E-08657C1D36EB}" destId="{1E975C45-1647-472C-8812-EFF81A215801}" srcOrd="4" destOrd="0" parTransId="{11DCAC3E-4C2C-4945-B245-E7C69099CB34}" sibTransId="{50A0534A-8921-429F-AEBF-0E0D60438255}"/>
-    <dgm:cxn modelId="{EFB2B553-798E-499E-868E-5A323D49D87B}" type="presOf" srcId="{8852547F-3DE1-4303-BABC-35751A1FFAA4}" destId="{62F66354-603A-41C3-B161-16A4A9E45F44}" srcOrd="0" destOrd="2" presId="urn:microsoft.com/office/officeart/2005/8/layout/hProcess9"/>
-    <dgm:cxn modelId="{20EFF80B-8D1F-44F0-A98A-47DA2A47CC91}" type="presOf" srcId="{B4BBFA07-05DD-4CDD-AC39-6342607DC2A1}" destId="{8C0195AE-96DF-44DB-8CA5-EA3E73389D9C}" srcOrd="0" destOrd="0" presId="urn:microsoft.com/office/officeart/2005/8/layout/hProcess9"/>
-    <dgm:cxn modelId="{4AA9AB66-BA44-475B-A8A8-30AD54C4CD1A}" srcId="{6043B0A8-44FC-4706-B37A-7F342ABD7CAE}" destId="{1D2BD1DA-3657-4A8C-9785-D7282AB16A84}" srcOrd="3" destOrd="0" parTransId="{13AD18B7-6C9D-4DA5-8CF7-426D68467982}" sibTransId="{5FB73046-B1E2-46DC-A2CC-49B3DBF79A17}"/>
-    <dgm:cxn modelId="{238D6892-0E24-4060-A415-A69BB6AA037E}" type="presOf" srcId="{27323C3F-7D4E-44F5-9FA3-413CFCD7B174}" destId="{8C0195AE-96DF-44DB-8CA5-EA3E73389D9C}" srcOrd="0" destOrd="3" presId="urn:microsoft.com/office/officeart/2005/8/layout/hProcess9"/>
-    <dgm:cxn modelId="{E2E8D555-E2A1-4B5C-B90D-F16299503649}" srcId="{182E85C3-C0C1-4055-B42E-08657C1D36EB}" destId="{DDBD9E0E-2857-478B-9BFD-EB049F36A6F4}" srcOrd="1" destOrd="0" parTransId="{64FDB413-C3BC-4DF0-942B-0162F878BA5B}" sibTransId="{79BD68F6-F4B8-49E3-96CA-A2D68A915F02}"/>
-    <dgm:cxn modelId="{21C40A1C-D218-4855-8389-19E2BFED7B78}" type="presOf" srcId="{ABD30D39-23EC-4FCC-9B13-57D32A82A546}" destId="{F3C847B4-E9D1-403C-BF56-3BADCB1909DC}" srcOrd="0" destOrd="1" presId="urn:microsoft.com/office/officeart/2005/8/layout/hProcess9"/>
+    <dgm:cxn modelId="{9E16A8B2-B87E-4EC6-8F80-A092713ABD93}" type="presOf" srcId="{64A53441-CA35-4183-98A4-98146221F8AE}" destId="{F3C847B4-E9D1-403C-BF56-3BADCB1909DC}" srcOrd="0" destOrd="3" presId="urn:microsoft.com/office/officeart/2005/8/layout/hProcess9"/>
+    <dgm:cxn modelId="{F99FE896-AED4-426E-B77C-0AB5248E0CCE}" srcId="{6043B0A8-44FC-4706-B37A-7F342ABD7CAE}" destId="{64A53441-CA35-4183-98A4-98146221F8AE}" srcOrd="2" destOrd="0" parTransId="{34A59247-41BB-4387-901C-F4B4BA0ABC20}" sibTransId="{0C284384-0EF7-4A62-BF30-04B34F7CD0AC}"/>
+    <dgm:cxn modelId="{D4AF4160-DDE6-4565-8479-2BC7137E4EDA}" type="presOf" srcId="{8693C395-BAA7-449A-ACDD-FFFEEE0DC862}" destId="{20382240-D5AC-4B89-8E53-73A8B41769F1}" srcOrd="0" destOrd="2" presId="urn:microsoft.com/office/officeart/2005/8/layout/hProcess9"/>
     <dgm:cxn modelId="{549CF814-C607-4921-A024-5CFAC5637540}" srcId="{5245D8E1-9FDE-4633-85B7-BE42CD6AA787}" destId="{AD34B4C5-1A81-4AC6-A5F9-35CC4DC5D843}" srcOrd="0" destOrd="0" parTransId="{FD6F77B6-DA9F-491F-B649-F16E90DA55B0}" sibTransId="{8B95582E-B691-45DD-8D9C-114E0B7A4E01}"/>
-    <dgm:cxn modelId="{5DFF5E92-6524-4E83-9A7E-3FD2AE1E0B19}" srcId="{42A7AF39-9F16-4BE0-9691-F2A4EAA889D5}" destId="{B4BBFA07-05DD-4CDD-AC39-6342607DC2A1}" srcOrd="0" destOrd="0" parTransId="{4C9357AE-0A8A-4E31-8803-F14E79C0DCAE}" sibTransId="{B652451A-AD6D-4DFA-B925-9D21BB71A0C7}"/>
-    <dgm:cxn modelId="{F99FE896-AED4-426E-B77C-0AB5248E0CCE}" srcId="{6043B0A8-44FC-4706-B37A-7F342ABD7CAE}" destId="{64A53441-CA35-4183-98A4-98146221F8AE}" srcOrd="2" destOrd="0" parTransId="{34A59247-41BB-4387-901C-F4B4BA0ABC20}" sibTransId="{0C284384-0EF7-4A62-BF30-04B34F7CD0AC}"/>
-    <dgm:cxn modelId="{03C82376-6DFF-4B7E-B036-A886B0520F93}" type="presOf" srcId="{DBD17336-B141-494E-A31C-6EA653EE637A}" destId="{62F66354-603A-41C3-B161-16A4A9E45F44}" srcOrd="0" destOrd="0" presId="urn:microsoft.com/office/officeart/2005/8/layout/hProcess9"/>
+    <dgm:cxn modelId="{C75F7C68-8484-4A91-B6A3-583D73E6BC93}" type="presOf" srcId="{124AB731-44F7-42FC-A2C7-6A103755875A}" destId="{BA4718A9-DFD2-471C-969C-97F876ADC320}" srcOrd="0" destOrd="4" presId="urn:microsoft.com/office/officeart/2005/8/layout/hProcess9"/>
+    <dgm:cxn modelId="{B848308C-6711-4ECC-A275-3BD95A47C3D1}" type="presOf" srcId="{3F8391EC-2E89-41BC-979F-48D4E21A811C}" destId="{BA4718A9-DFD2-471C-969C-97F876ADC320}" srcOrd="0" destOrd="3" presId="urn:microsoft.com/office/officeart/2005/8/layout/hProcess9"/>
+    <dgm:cxn modelId="{165AFAEA-5E3C-4D2F-B24C-8AB5DB51E1D8}" srcId="{DBD17336-B141-494E-A31C-6EA653EE637A}" destId="{8852547F-3DE1-4303-BABC-35751A1FFAA4}" srcOrd="1" destOrd="0" parTransId="{E3280EF4-38C9-4B21-B7E2-305ED52D9188}" sibTransId="{7EF36CEC-CFA4-4D2A-9ADF-9A92FE46FB8F}"/>
+    <dgm:cxn modelId="{3F65C4C7-8DE4-4F28-82C5-0662EBCF8C0E}" srcId="{DBD17336-B141-494E-A31C-6EA653EE637A}" destId="{FCE05639-9A34-421D-9FD3-79EEF57498D8}" srcOrd="0" destOrd="0" parTransId="{F3903BDF-F0ED-4A06-8C1B-A96D8DDD8DDC}" sibTransId="{4F6AA9F8-0B5F-499B-AE30-3D935C570E4E}"/>
+    <dgm:cxn modelId="{1ADAA526-6B24-45CB-89D0-518E04A3D93F}" srcId="{182E85C3-C0C1-4055-B42E-08657C1D36EB}" destId="{3F8391EC-2E89-41BC-979F-48D4E21A811C}" srcOrd="2" destOrd="0" parTransId="{E9716149-5B95-4904-8590-6A93EE8C5197}" sibTransId="{BFA852D6-66A0-4365-B195-CB67CFDCDE73}"/>
     <dgm:cxn modelId="{4296771F-3E76-4B6E-BCA1-FFBE218B6B73}" type="presOf" srcId="{10E407B9-5FCC-4D3A-94D2-6AB25397AEC7}" destId="{8C0195AE-96DF-44DB-8CA5-EA3E73389D9C}" srcOrd="0" destOrd="1" presId="urn:microsoft.com/office/officeart/2005/8/layout/hProcess9"/>
-    <dgm:cxn modelId="{6595E131-DCFC-4660-A166-B06A9C58E5A3}" srcId="{182E85C3-C0C1-4055-B42E-08657C1D36EB}" destId="{124AB731-44F7-42FC-A2C7-6A103755875A}" srcOrd="3" destOrd="0" parTransId="{903CC23E-A10B-484A-8A4F-24054DDF4137}" sibTransId="{C0BE0EF1-E06D-43E6-AF12-3CA2033E2AE2}"/>
-    <dgm:cxn modelId="{66704B5C-1B3A-4DE5-B794-CC8167E42596}" type="presOf" srcId="{182E85C3-C0C1-4055-B42E-08657C1D36EB}" destId="{BA4718A9-DFD2-471C-969C-97F876ADC320}" srcOrd="0" destOrd="0" presId="urn:microsoft.com/office/officeart/2005/8/layout/hProcess9"/>
-    <dgm:cxn modelId="{607F61A3-2D5A-4D02-89FC-B7345F88B402}" type="presOf" srcId="{1E975C45-1647-472C-8812-EFF81A215801}" destId="{BA4718A9-DFD2-471C-969C-97F876ADC320}" srcOrd="0" destOrd="5" presId="urn:microsoft.com/office/officeart/2005/8/layout/hProcess9"/>
-    <dgm:cxn modelId="{C36FF4DC-CCD6-47E2-9C05-747BCCD4C37E}" type="presOf" srcId="{2739C324-A41E-4970-8A01-796A2C795ACC}" destId="{BA4718A9-DFD2-471C-969C-97F876ADC320}" srcOrd="0" destOrd="1" presId="urn:microsoft.com/office/officeart/2005/8/layout/hProcess9"/>
-    <dgm:cxn modelId="{CA27D4C9-7305-47C1-B558-E71A93D8B295}" type="presOf" srcId="{AD34B4C5-1A81-4AC6-A5F9-35CC4DC5D843}" destId="{20382240-D5AC-4B89-8E53-73A8B41769F1}" srcOrd="0" destOrd="1" presId="urn:microsoft.com/office/officeart/2005/8/layout/hProcess9"/>
-    <dgm:cxn modelId="{7B8B71DC-DC57-43EA-BE14-CDBA81ACEF98}" type="presOf" srcId="{42A7AF39-9F16-4BE0-9691-F2A4EAA889D5}" destId="{734A29E2-3521-46BA-B5C0-E8A3637FA4B0}" srcOrd="0" destOrd="0" presId="urn:microsoft.com/office/officeart/2005/8/layout/hProcess9"/>
-    <dgm:cxn modelId="{A4E4E3C8-7B99-4F7C-A2C4-16D3A3CA62E3}" type="presOf" srcId="{DDBD9E0E-2857-478B-9BFD-EB049F36A6F4}" destId="{BA4718A9-DFD2-471C-969C-97F876ADC320}" srcOrd="0" destOrd="2" presId="urn:microsoft.com/office/officeart/2005/8/layout/hProcess9"/>
-    <dgm:cxn modelId="{3DE7FD94-D5E7-407C-989B-2C1F91B4CE03}" srcId="{B4BBFA07-05DD-4CDD-AC39-6342607DC2A1}" destId="{27323C3F-7D4E-44F5-9FA3-413CFCD7B174}" srcOrd="2" destOrd="0" parTransId="{18FA00AE-387D-4A8D-981A-94EDEBCA8EC2}" sibTransId="{D4734B30-AB73-4712-B278-2895E8608C4E}"/>
-    <dgm:cxn modelId="{503287BE-2194-4F0B-9AA9-12C9B00499EE}" type="presOf" srcId="{5245D8E1-9FDE-4633-85B7-BE42CD6AA787}" destId="{20382240-D5AC-4B89-8E53-73A8B41769F1}" srcOrd="0" destOrd="0" presId="urn:microsoft.com/office/officeart/2005/8/layout/hProcess9"/>
-    <dgm:cxn modelId="{1ADAA526-6B24-45CB-89D0-518E04A3D93F}" srcId="{182E85C3-C0C1-4055-B42E-08657C1D36EB}" destId="{3F8391EC-2E89-41BC-979F-48D4E21A811C}" srcOrd="2" destOrd="0" parTransId="{E9716149-5B95-4904-8590-6A93EE8C5197}" sibTransId="{BFA852D6-66A0-4365-B195-CB67CFDCDE73}"/>
-    <dgm:cxn modelId="{929DDD9F-A144-4496-902C-7A0CEA79C4C8}" srcId="{5245D8E1-9FDE-4633-85B7-BE42CD6AA787}" destId="{8693C395-BAA7-449A-ACDD-FFFEEE0DC862}" srcOrd="1" destOrd="0" parTransId="{0DB5F330-DE96-4670-8EFA-8B7B45CEA34D}" sibTransId="{87BE7E65-1B97-4314-AB36-B212E2476EE6}"/>
     <dgm:cxn modelId="{F3801A3C-3E3D-475A-B6DA-AD1066FF5E06}" type="presParOf" srcId="{734A29E2-3521-46BA-B5C0-E8A3637FA4B0}" destId="{3E058364-C437-4B0E-B373-8D6523686A02}" srcOrd="0" destOrd="0" presId="urn:microsoft.com/office/officeart/2005/8/layout/hProcess9"/>
     <dgm:cxn modelId="{9DDFD9AB-E4CB-4CFE-8C0A-EF116411C6C7}" type="presParOf" srcId="{734A29E2-3521-46BA-B5C0-E8A3637FA4B0}" destId="{90CFEA40-A29F-40A9-966B-DA7D8D7003DF}" srcOrd="1" destOrd="0" presId="urn:microsoft.com/office/officeart/2005/8/layout/hProcess9"/>
     <dgm:cxn modelId="{3BCAA9FB-5D8C-45AB-AAF9-5A4E6A40DDB1}" type="presParOf" srcId="{90CFEA40-A29F-40A9-966B-DA7D8D7003DF}" destId="{8C0195AE-96DF-44DB-8CA5-EA3E73389D9C}" srcOrd="0" destOrd="0" presId="urn:microsoft.com/office/officeart/2005/8/layout/hProcess9"/>
@@ -1992,14 +1992,14 @@
   <dgm:whole/>
   <dgm:extLst>
     <a:ext uri="http://schemas.microsoft.com/office/drawing/2008/diagram">
-      <dsp:dataModelExt xmlns:dsp="http://schemas.microsoft.com/office/drawing/2008/diagram" relId="rId7" minVer="http://schemas.openxmlformats.org/drawingml/2006/diagram"/>
+      <dsp:dataModelExt xmlns:dsp="http://schemas.microsoft.com/office/drawing/2008/diagram" xmlns="" relId="rId7" minVer="http://schemas.openxmlformats.org/drawingml/2006/diagram"/>
     </a:ext>
   </dgm:extLst>
 </dgm:dataModel>
 </file>
 
 <file path=ppt/diagrams/drawing1.xml><?xml version="1.0" encoding="utf-8"?>
-<dsp:drawing xmlns:dgm="http://schemas.openxmlformats.org/drawingml/2006/diagram" xmlns:dsp="http://schemas.microsoft.com/office/drawing/2008/diagram" xmlns:a="http://schemas.openxmlformats.org/drawingml/2006/main">
+<dsp:drawing xmlns:dgm="http://schemas.openxmlformats.org/drawingml/2006/diagram" xmlns:a="http://schemas.openxmlformats.org/drawingml/2006/main" xmlns:dsp="http://schemas.microsoft.com/office/drawing/2008/diagram">
   <dsp:spTree>
     <dsp:nvGrpSpPr>
       <dsp:cNvPr id="0" name=""/>
@@ -2231,8 +2231,8 @@
         </a:p>
       </dsp:txBody>
       <dsp:txXfrm>
-        <a:off x="79059" y="1614961"/>
-        <a:ext cx="1413338" cy="1898421"/>
+        <a:off x="2601" y="1538503"/>
+        <a:ext cx="1566254" cy="2051337"/>
       </dsp:txXfrm>
     </dsp:sp>
     <dsp:sp modelId="{BA4718A9-DFD2-471C-969C-97F876ADC320}">
@@ -2429,8 +2429,8 @@
         </a:p>
       </dsp:txBody>
       <dsp:txXfrm>
-        <a:off x="1906357" y="1614961"/>
-        <a:ext cx="1413338" cy="1898421"/>
+        <a:off x="1829899" y="1538503"/>
+        <a:ext cx="1566254" cy="2051337"/>
       </dsp:txXfrm>
     </dsp:sp>
     <dsp:sp modelId="{F3C847B4-E9D1-403C-BF56-3BADCB1909DC}">
@@ -2612,8 +2612,8 @@
         </a:p>
       </dsp:txBody>
       <dsp:txXfrm>
-        <a:off x="3733654" y="1614961"/>
-        <a:ext cx="1413338" cy="1898421"/>
+        <a:off x="3657196" y="1538503"/>
+        <a:ext cx="1566254" cy="2051337"/>
       </dsp:txXfrm>
     </dsp:sp>
     <dsp:sp modelId="{62F66354-603A-41C3-B161-16A4A9E45F44}">
@@ -2753,8 +2753,8 @@
         </a:p>
       </dsp:txBody>
       <dsp:txXfrm>
-        <a:off x="5560951" y="1614961"/>
-        <a:ext cx="1413338" cy="1898421"/>
+        <a:off x="5484493" y="1538503"/>
+        <a:ext cx="1566254" cy="2051337"/>
       </dsp:txXfrm>
     </dsp:sp>
     <dsp:sp modelId="{20382240-D5AC-4B89-8E53-73A8B41769F1}">
@@ -2894,8 +2894,8 @@
         </a:p>
       </dsp:txBody>
       <dsp:txXfrm>
-        <a:off x="7388249" y="1614961"/>
-        <a:ext cx="1413338" cy="1898421"/>
+        <a:off x="7311791" y="1538503"/>
+        <a:ext cx="1566254" cy="2051337"/>
       </dsp:txXfrm>
     </dsp:sp>
   </dsp:spTree>
@@ -4249,7 +4249,7 @@
     </p:spTree>
     <p:extLst>
       <p:ext uri="{BB962C8B-B14F-4D97-AF65-F5344CB8AC3E}">
-        <p14:creationId xmlns:p14="http://schemas.microsoft.com/office/powerpoint/2010/main" val="4293457334"/>
+        <p14:creationId xmlns:p14="http://schemas.microsoft.com/office/powerpoint/2010/main" xmlns="" val="4293457334"/>
       </p:ext>
     </p:extLst>
   </p:cSld>
@@ -4509,7 +4509,7 @@
     </p:spTree>
     <p:extLst>
       <p:ext uri="{BB962C8B-B14F-4D97-AF65-F5344CB8AC3E}">
-        <p14:creationId xmlns:p14="http://schemas.microsoft.com/office/powerpoint/2010/main" val="2981845176"/>
+        <p14:creationId xmlns:p14="http://schemas.microsoft.com/office/powerpoint/2010/main" xmlns="" val="2981845176"/>
       </p:ext>
     </p:extLst>
   </p:cSld>
@@ -4688,7 +4688,7 @@
     </p:spTree>
     <p:extLst>
       <p:ext uri="{BB962C8B-B14F-4D97-AF65-F5344CB8AC3E}">
-        <p14:creationId xmlns:p14="http://schemas.microsoft.com/office/powerpoint/2010/main" val="3072081027"/>
+        <p14:creationId xmlns:p14="http://schemas.microsoft.com/office/powerpoint/2010/main" xmlns="" val="3072081027"/>
       </p:ext>
     </p:extLst>
   </p:cSld>
@@ -4777,7 +4777,7 @@
     </p:spTree>
     <p:extLst>
       <p:ext uri="{BB962C8B-B14F-4D97-AF65-F5344CB8AC3E}">
-        <p14:creationId xmlns:p14="http://schemas.microsoft.com/office/powerpoint/2010/main" val="471274584"/>
+        <p14:creationId xmlns:p14="http://schemas.microsoft.com/office/powerpoint/2010/main" xmlns="" val="471274584"/>
       </p:ext>
     </p:extLst>
   </p:cSld>
@@ -4866,7 +4866,7 @@
     </p:spTree>
     <p:extLst>
       <p:ext uri="{BB962C8B-B14F-4D97-AF65-F5344CB8AC3E}">
-        <p14:creationId xmlns:p14="http://schemas.microsoft.com/office/powerpoint/2010/main" val="3859340865"/>
+        <p14:creationId xmlns:p14="http://schemas.microsoft.com/office/powerpoint/2010/main" xmlns="" val="3859340865"/>
       </p:ext>
     </p:extLst>
   </p:cSld>
@@ -4955,7 +4955,7 @@
     </p:spTree>
     <p:extLst>
       <p:ext uri="{BB962C8B-B14F-4D97-AF65-F5344CB8AC3E}">
-        <p14:creationId xmlns:p14="http://schemas.microsoft.com/office/powerpoint/2010/main" val="3859340865"/>
+        <p14:creationId xmlns:p14="http://schemas.microsoft.com/office/powerpoint/2010/main" xmlns="" val="3859340865"/>
       </p:ext>
     </p:extLst>
   </p:cSld>
@@ -5044,7 +5044,7 @@
     </p:spTree>
     <p:extLst>
       <p:ext uri="{BB962C8B-B14F-4D97-AF65-F5344CB8AC3E}">
-        <p14:creationId xmlns:p14="http://schemas.microsoft.com/office/powerpoint/2010/main" val="2310265331"/>
+        <p14:creationId xmlns:p14="http://schemas.microsoft.com/office/powerpoint/2010/main" xmlns="" val="2310265331"/>
       </p:ext>
     </p:extLst>
   </p:cSld>
@@ -5133,7 +5133,7 @@
     </p:spTree>
     <p:extLst>
       <p:ext uri="{BB962C8B-B14F-4D97-AF65-F5344CB8AC3E}">
-        <p14:creationId xmlns:p14="http://schemas.microsoft.com/office/powerpoint/2010/main" val="199634551"/>
+        <p14:creationId xmlns:p14="http://schemas.microsoft.com/office/powerpoint/2010/main" xmlns="" val="199634551"/>
       </p:ext>
     </p:extLst>
   </p:cSld>
@@ -5226,7 +5226,7 @@
     </p:spTree>
     <p:extLst>
       <p:ext uri="{BB962C8B-B14F-4D97-AF65-F5344CB8AC3E}">
-        <p14:creationId xmlns:p14="http://schemas.microsoft.com/office/powerpoint/2010/main" val="1602375425"/>
+        <p14:creationId xmlns:p14="http://schemas.microsoft.com/office/powerpoint/2010/main" xmlns="" val="1602375425"/>
       </p:ext>
     </p:extLst>
   </p:cSld>
@@ -5311,7 +5311,7 @@
     </p:spTree>
     <p:extLst>
       <p:ext uri="{BB962C8B-B14F-4D97-AF65-F5344CB8AC3E}">
-        <p14:creationId xmlns:p14="http://schemas.microsoft.com/office/powerpoint/2010/main" val="1794501352"/>
+        <p14:creationId xmlns:p14="http://schemas.microsoft.com/office/powerpoint/2010/main" xmlns="" val="1794501352"/>
       </p:ext>
     </p:extLst>
   </p:cSld>
@@ -5396,7 +5396,7 @@
     </p:spTree>
     <p:extLst>
       <p:ext uri="{BB962C8B-B14F-4D97-AF65-F5344CB8AC3E}">
-        <p14:creationId xmlns:p14="http://schemas.microsoft.com/office/powerpoint/2010/main" val="337020109"/>
+        <p14:creationId xmlns:p14="http://schemas.microsoft.com/office/powerpoint/2010/main" xmlns="" val="337020109"/>
       </p:ext>
     </p:extLst>
   </p:cSld>
@@ -5481,7 +5481,7 @@
     </p:spTree>
     <p:extLst>
       <p:ext uri="{BB962C8B-B14F-4D97-AF65-F5344CB8AC3E}">
-        <p14:creationId xmlns:p14="http://schemas.microsoft.com/office/powerpoint/2010/main" val="2781132002"/>
+        <p14:creationId xmlns:p14="http://schemas.microsoft.com/office/powerpoint/2010/main" xmlns="" val="2781132002"/>
       </p:ext>
     </p:extLst>
   </p:cSld>
@@ -5570,7 +5570,7 @@
     </p:spTree>
     <p:extLst>
       <p:ext uri="{BB962C8B-B14F-4D97-AF65-F5344CB8AC3E}">
-        <p14:creationId xmlns:p14="http://schemas.microsoft.com/office/powerpoint/2010/main" val="2997718527"/>
+        <p14:creationId xmlns:p14="http://schemas.microsoft.com/office/powerpoint/2010/main" xmlns="" val="2997718527"/>
       </p:ext>
     </p:extLst>
   </p:cSld>
@@ -5659,7 +5659,7 @@
     </p:spTree>
     <p:extLst>
       <p:ext uri="{BB962C8B-B14F-4D97-AF65-F5344CB8AC3E}">
-        <p14:creationId xmlns:p14="http://schemas.microsoft.com/office/powerpoint/2010/main" val="358048833"/>
+        <p14:creationId xmlns:p14="http://schemas.microsoft.com/office/powerpoint/2010/main" xmlns="" val="358048833"/>
       </p:ext>
     </p:extLst>
   </p:cSld>
@@ -5777,7 +5777,7 @@
     </p:spTree>
     <p:extLst>
       <p:ext uri="{BB962C8B-B14F-4D97-AF65-F5344CB8AC3E}">
-        <p14:creationId xmlns:p14="http://schemas.microsoft.com/office/powerpoint/2010/main" val="2505227762"/>
+        <p14:creationId xmlns:p14="http://schemas.microsoft.com/office/powerpoint/2010/main" xmlns="" val="2505227762"/>
       </p:ext>
     </p:extLst>
   </p:cSld>
@@ -5866,7 +5866,7 @@
     </p:spTree>
     <p:extLst>
       <p:ext uri="{BB962C8B-B14F-4D97-AF65-F5344CB8AC3E}">
-        <p14:creationId xmlns:p14="http://schemas.microsoft.com/office/powerpoint/2010/main" val="1113625367"/>
+        <p14:creationId xmlns:p14="http://schemas.microsoft.com/office/powerpoint/2010/main" xmlns="" val="1113625367"/>
       </p:ext>
     </p:extLst>
   </p:cSld>
@@ -5955,7 +5955,7 @@
     </p:spTree>
     <p:extLst>
       <p:ext uri="{BB962C8B-B14F-4D97-AF65-F5344CB8AC3E}">
-        <p14:creationId xmlns:p14="http://schemas.microsoft.com/office/powerpoint/2010/main" val="3699469937"/>
+        <p14:creationId xmlns:p14="http://schemas.microsoft.com/office/powerpoint/2010/main" xmlns="" val="3699469937"/>
       </p:ext>
     </p:extLst>
   </p:cSld>
@@ -6044,7 +6044,7 @@
     </p:spTree>
     <p:extLst>
       <p:ext uri="{BB962C8B-B14F-4D97-AF65-F5344CB8AC3E}">
-        <p14:creationId xmlns:p14="http://schemas.microsoft.com/office/powerpoint/2010/main" val="567656433"/>
+        <p14:creationId xmlns:p14="http://schemas.microsoft.com/office/powerpoint/2010/main" xmlns="" val="567656433"/>
       </p:ext>
     </p:extLst>
   </p:cSld>
@@ -6133,7 +6133,7 @@
     </p:spTree>
     <p:extLst>
       <p:ext uri="{BB962C8B-B14F-4D97-AF65-F5344CB8AC3E}">
-        <p14:creationId xmlns:p14="http://schemas.microsoft.com/office/powerpoint/2010/main" val="2657475957"/>
+        <p14:creationId xmlns:p14="http://schemas.microsoft.com/office/powerpoint/2010/main" xmlns="" val="2657475957"/>
       </p:ext>
     </p:extLst>
   </p:cSld>
@@ -6222,7 +6222,7 @@
     </p:spTree>
     <p:extLst>
       <p:ext uri="{BB962C8B-B14F-4D97-AF65-F5344CB8AC3E}">
-        <p14:creationId xmlns:p14="http://schemas.microsoft.com/office/powerpoint/2010/main" val="1770973867"/>
+        <p14:creationId xmlns:p14="http://schemas.microsoft.com/office/powerpoint/2010/main" xmlns="" val="1770973867"/>
       </p:ext>
     </p:extLst>
   </p:cSld>
@@ -6890,6 +6890,7 @@
           <a:p>
             <a:fld id="{1E56328B-ED09-4676-B786-CF53801099A1}" type="datetime1">
               <a:rPr lang="de-DE" smtClean="0"/>
+              <a:pPr/>
               <a:t>29.10.2013</a:t>
             </a:fld>
             <a:endParaRPr lang="de-DE" dirty="0"/>
@@ -7074,6 +7075,7 @@
           <a:p>
             <a:fld id="{8E0C9791-43FD-4BFB-8DD5-A7ADC4663670}" type="datetime1">
               <a:rPr lang="de-DE" smtClean="0"/>
+              <a:pPr/>
               <a:t>29.10.2013</a:t>
             </a:fld>
             <a:endParaRPr lang="de-DE" dirty="0"/>
@@ -7250,6 +7252,7 @@
           <a:p>
             <a:fld id="{D9140D59-A15F-46C3-B91A-759061DBCFDC}" type="datetime1">
               <a:rPr lang="de-DE" smtClean="0"/>
+              <a:pPr/>
               <a:t>29.10.2013</a:t>
             </a:fld>
             <a:endParaRPr lang="de-DE" dirty="0"/>
@@ -7416,6 +7419,7 @@
           <a:p>
             <a:fld id="{700792C1-6CE2-4121-AA39-F623E26ABF84}" type="datetime1">
               <a:rPr lang="de-DE" smtClean="0"/>
+              <a:pPr/>
               <a:t>29.10.2013</a:t>
             </a:fld>
             <a:endParaRPr lang="de-DE" dirty="0"/>
@@ -7645,6 +7649,7 @@
           <a:p>
             <a:fld id="{CA0928A8-61C4-4048-8746-E91EC13E0C8A}" type="datetime1">
               <a:rPr lang="de-DE" smtClean="0"/>
+              <a:pPr/>
               <a:t>29.10.2013</a:t>
             </a:fld>
             <a:endParaRPr lang="de-DE" dirty="0"/>
@@ -7905,6 +7910,7 @@
           <a:p>
             <a:fld id="{978CFA25-F4CF-40DF-92A3-E9568B1EF53D}" type="datetime1">
               <a:rPr lang="de-DE" smtClean="0"/>
+              <a:pPr/>
               <a:t>29.10.2013</a:t>
             </a:fld>
             <a:endParaRPr lang="de-DE" dirty="0"/>
@@ -8310,6 +8316,7 @@
           <a:p>
             <a:fld id="{808EAF96-91D5-4DDB-AE91-F35C5F3E4B8B}" type="datetime1">
               <a:rPr lang="de-DE" smtClean="0"/>
+              <a:pPr/>
               <a:t>29.10.2013</a:t>
             </a:fld>
             <a:endParaRPr lang="de-DE" dirty="0"/>
@@ -8442,6 +8449,7 @@
           <a:p>
             <a:fld id="{DC9DE7D3-3BB2-4519-B05E-95AAEE28A7BA}" type="datetime1">
               <a:rPr lang="de-DE" smtClean="0"/>
+              <a:pPr/>
               <a:t>29.10.2013</a:t>
             </a:fld>
             <a:endParaRPr lang="de-DE" dirty="0"/>
@@ -8543,6 +8551,7 @@
           <a:p>
             <a:fld id="{5CD1B192-B802-490C-A92D-37CB1628E835}" type="datetime1">
               <a:rPr lang="de-DE" smtClean="0"/>
+              <a:pPr/>
               <a:t>29.10.2013</a:t>
             </a:fld>
             <a:endParaRPr lang="de-DE" dirty="0"/>
@@ -8789,6 +8798,7 @@
           <a:p>
             <a:fld id="{5B8F4F46-62F6-498A-9857-6CF8E80166B9}" type="datetime1">
               <a:rPr lang="de-DE" smtClean="0"/>
+              <a:pPr/>
               <a:t>29.10.2013</a:t>
             </a:fld>
             <a:endParaRPr lang="de-DE" dirty="0"/>
@@ -9034,6 +9044,7 @@
           <a:p>
             <a:fld id="{C1CD9BCD-9363-467C-BDE2-666EEFFDF066}" type="datetime1">
               <a:rPr lang="de-DE" smtClean="0"/>
+              <a:pPr/>
               <a:t>29.10.2013</a:t>
             </a:fld>
             <a:endParaRPr lang="de-DE" dirty="0"/>
@@ -9859,6 +9870,7 @@
           <a:p>
             <a:fld id="{70564968-885B-4558-9753-8E7E1348B15B}" type="datetime1">
               <a:rPr lang="de-DE" smtClean="0"/>
+              <a:pPr/>
               <a:t>29.10.2013</a:t>
             </a:fld>
             <a:endParaRPr lang="de-DE" dirty="0"/>
@@ -10317,7 +10329,7 @@
           <a:blip r:embed="rId3" cstate="print">
             <a:extLst>
               <a:ext uri="{28A0092B-C50C-407E-A947-70E740481C1C}">
-                <a14:useLocalDpi xmlns:a14="http://schemas.microsoft.com/office/drawing/2010/main" val="0"/>
+                <a14:useLocalDpi xmlns:a14="http://schemas.microsoft.com/office/drawing/2010/main" xmlns="" val="0"/>
               </a:ext>
             </a:extLst>
           </a:blip>
@@ -10362,7 +10374,7 @@
     </p:spTree>
     <p:extLst>
       <p:ext uri="{BB962C8B-B14F-4D97-AF65-F5344CB8AC3E}">
-        <p14:creationId xmlns:p14="http://schemas.microsoft.com/office/powerpoint/2010/main" val="709012416"/>
+        <p14:creationId xmlns:p14="http://schemas.microsoft.com/office/powerpoint/2010/main" xmlns="" val="709012416"/>
       </p:ext>
     </p:extLst>
   </p:cSld>
@@ -10861,7 +10873,7 @@
     </p:spTree>
     <p:extLst>
       <p:ext uri="{BB962C8B-B14F-4D97-AF65-F5344CB8AC3E}">
-        <p14:creationId xmlns:p14="http://schemas.microsoft.com/office/powerpoint/2010/main" val="2447740237"/>
+        <p14:creationId xmlns:p14="http://schemas.microsoft.com/office/powerpoint/2010/main" xmlns="" val="2447740237"/>
       </p:ext>
     </p:extLst>
   </p:cSld>
@@ -11147,10 +11159,10 @@
           <p:nvPr/>
         </p:nvPicPr>
         <p:blipFill>
-          <a:blip r:embed="rId3">
+          <a:blip r:embed="rId3" cstate="print">
             <a:extLst>
               <a:ext uri="{28A0092B-C50C-407E-A947-70E740481C1C}">
-                <a14:useLocalDpi xmlns:a14="http://schemas.microsoft.com/office/drawing/2010/main" val="0"/>
+                <a14:useLocalDpi xmlns:a14="http://schemas.microsoft.com/office/drawing/2010/main" xmlns="" val="0"/>
               </a:ext>
             </a:extLst>
           </a:blip>
@@ -11174,14 +11186,14 @@
           <a:effectLst/>
           <a:extLst>
             <a:ext uri="{909E8E84-426E-40DD-AFC4-6F175D3DCCD1}">
-              <a14:hiddenFill xmlns:a14="http://schemas.microsoft.com/office/drawing/2010/main">
+              <a14:hiddenFill xmlns:a14="http://schemas.microsoft.com/office/drawing/2010/main" xmlns="">
                 <a:solidFill>
                   <a:schemeClr val="accent1"/>
                 </a:solidFill>
               </a14:hiddenFill>
             </a:ext>
             <a:ext uri="{91240B29-F687-4F45-9708-019B960494DF}">
-              <a14:hiddenLine xmlns:a14="http://schemas.microsoft.com/office/drawing/2010/main" w="9525">
+              <a14:hiddenLine xmlns:a14="http://schemas.microsoft.com/office/drawing/2010/main" xmlns="" w="9525">
                 <a:solidFill>
                   <a:schemeClr val="tx1"/>
                 </a:solidFill>
@@ -11191,7 +11203,7 @@
               </a14:hiddenLine>
             </a:ext>
             <a:ext uri="{AF507438-7753-43E0-B8FC-AC1667EBCBE1}">
-              <a14:hiddenEffects xmlns:a14="http://schemas.microsoft.com/office/drawing/2010/main">
+              <a14:hiddenEffects xmlns:a14="http://schemas.microsoft.com/office/drawing/2010/main" xmlns="">
                 <a:effectLst>
                   <a:outerShdw dist="35921" dir="2700000" algn="ctr" rotWithShape="0">
                     <a:schemeClr val="bg2"/>
@@ -11229,7 +11241,7 @@
     </p:spTree>
     <p:extLst>
       <p:ext uri="{BB962C8B-B14F-4D97-AF65-F5344CB8AC3E}">
-        <p14:creationId xmlns:p14="http://schemas.microsoft.com/office/powerpoint/2010/main" val="3159283490"/>
+        <p14:creationId xmlns:p14="http://schemas.microsoft.com/office/powerpoint/2010/main" xmlns="" val="3159283490"/>
       </p:ext>
     </p:extLst>
   </p:cSld>
@@ -11376,10 +11388,10 @@
           <p:nvPr/>
         </p:nvPicPr>
         <p:blipFill>
-          <a:blip r:embed="rId3">
+          <a:blip r:embed="rId3" cstate="print">
             <a:extLst>
               <a:ext uri="{28A0092B-C50C-407E-A947-70E740481C1C}">
-                <a14:useLocalDpi xmlns:a14="http://schemas.microsoft.com/office/drawing/2010/main" val="0"/>
+                <a14:useLocalDpi xmlns:a14="http://schemas.microsoft.com/office/drawing/2010/main" xmlns="" val="0"/>
               </a:ext>
             </a:extLst>
           </a:blip>
@@ -11403,14 +11415,14 @@
           <a:effectLst/>
           <a:extLst>
             <a:ext uri="{909E8E84-426E-40DD-AFC4-6F175D3DCCD1}">
-              <a14:hiddenFill xmlns:a14="http://schemas.microsoft.com/office/drawing/2010/main">
+              <a14:hiddenFill xmlns:a14="http://schemas.microsoft.com/office/drawing/2010/main" xmlns="">
                 <a:solidFill>
                   <a:schemeClr val="accent1"/>
                 </a:solidFill>
               </a14:hiddenFill>
             </a:ext>
             <a:ext uri="{91240B29-F687-4F45-9708-019B960494DF}">
-              <a14:hiddenLine xmlns:a14="http://schemas.microsoft.com/office/drawing/2010/main" w="9525">
+              <a14:hiddenLine xmlns:a14="http://schemas.microsoft.com/office/drawing/2010/main" xmlns="" w="9525">
                 <a:solidFill>
                   <a:schemeClr val="tx1"/>
                 </a:solidFill>
@@ -11420,7 +11432,7 @@
               </a14:hiddenLine>
             </a:ext>
             <a:ext uri="{AF507438-7753-43E0-B8FC-AC1667EBCBE1}">
-              <a14:hiddenEffects xmlns:a14="http://schemas.microsoft.com/office/drawing/2010/main">
+              <a14:hiddenEffects xmlns:a14="http://schemas.microsoft.com/office/drawing/2010/main" xmlns="">
                 <a:effectLst>
                   <a:outerShdw dist="35921" dir="2700000" algn="ctr" rotWithShape="0">
                     <a:schemeClr val="bg2"/>
@@ -11458,7 +11470,7 @@
     </p:spTree>
     <p:extLst>
       <p:ext uri="{BB962C8B-B14F-4D97-AF65-F5344CB8AC3E}">
-        <p14:creationId xmlns:p14="http://schemas.microsoft.com/office/powerpoint/2010/main" val="795031017"/>
+        <p14:creationId xmlns:p14="http://schemas.microsoft.com/office/powerpoint/2010/main" xmlns="" val="795031017"/>
       </p:ext>
     </p:extLst>
   </p:cSld>
@@ -11515,23 +11527,47 @@
           </a:p>
         </p:txBody>
       </p:sp>
+      <p:sp>
+        <p:nvSpPr>
+          <p:cNvPr id="4" name="Foliennummernplatzhalter 3"/>
+          <p:cNvSpPr>
+            <a:spLocks noGrp="1"/>
+          </p:cNvSpPr>
+          <p:nvPr>
+            <p:ph type="sldNum" sz="quarter" idx="12"/>
+          </p:nvPr>
+        </p:nvSpPr>
+        <p:spPr/>
+        <p:txBody>
+          <a:bodyPr/>
+          <a:lstStyle/>
+          <a:p>
+            <a:fld id="{5F4D6440-1F17-4389-BEAA-8CB6F5977206}" type="slidenum">
+              <a:rPr lang="de-DE" smtClean="0"/>
+              <a:pPr/>
+              <a:t>13</a:t>
+            </a:fld>
+            <a:endParaRPr lang="de-DE" dirty="0"/>
+          </a:p>
+        </p:txBody>
+      </p:sp>
       <p:pic>
         <p:nvPicPr>
-          <p:cNvPr id="3" name="Grafik 2"/>
+          <p:cNvPr id="5" name="Grafik 4"/>
           <p:cNvPicPr/>
           <p:nvPr/>
         </p:nvPicPr>
         <p:blipFill>
           <a:blip r:embed="rId3" cstate="print"/>
-          <a:srcRect t="23118" r="1612" b="7258"/>
+          <a:srcRect t="19706" r="1818" b="7353"/>
           <a:stretch>
             <a:fillRect/>
           </a:stretch>
         </p:blipFill>
         <p:spPr bwMode="auto">
           <a:xfrm>
-            <a:off x="539552" y="2060848"/>
-            <a:ext cx="8136904" cy="4392488"/>
+            <a:off x="395536" y="2060848"/>
+            <a:ext cx="8208912" cy="4464496"/>
           </a:xfrm>
           <a:prstGeom prst="rect">
             <a:avLst/>
@@ -11545,34 +11581,10 @@
           </a:ln>
         </p:spPr>
       </p:pic>
-      <p:sp>
-        <p:nvSpPr>
-          <p:cNvPr id="4" name="Foliennummernplatzhalter 3"/>
-          <p:cNvSpPr>
-            <a:spLocks noGrp="1"/>
-          </p:cNvSpPr>
-          <p:nvPr>
-            <p:ph type="sldNum" sz="quarter" idx="12"/>
-          </p:nvPr>
-        </p:nvSpPr>
-        <p:spPr/>
-        <p:txBody>
-          <a:bodyPr/>
-          <a:lstStyle/>
-          <a:p>
-            <a:fld id="{5F4D6440-1F17-4389-BEAA-8CB6F5977206}" type="slidenum">
-              <a:rPr lang="de-DE" smtClean="0"/>
-              <a:pPr/>
-              <a:t>13</a:t>
-            </a:fld>
-            <a:endParaRPr lang="de-DE" dirty="0"/>
-          </a:p>
-        </p:txBody>
-      </p:sp>
     </p:spTree>
     <p:extLst>
       <p:ext uri="{BB962C8B-B14F-4D97-AF65-F5344CB8AC3E}">
-        <p14:creationId xmlns:p14="http://schemas.microsoft.com/office/powerpoint/2010/main" val="3420678931"/>
+        <p14:creationId xmlns:p14="http://schemas.microsoft.com/office/powerpoint/2010/main" xmlns="" val="3420678931"/>
       </p:ext>
     </p:extLst>
   </p:cSld>
@@ -11656,7 +11668,7 @@
     </p:spTree>
     <p:extLst>
       <p:ext uri="{BB962C8B-B14F-4D97-AF65-F5344CB8AC3E}">
-        <p14:creationId xmlns:p14="http://schemas.microsoft.com/office/powerpoint/2010/main" val="3414407465"/>
+        <p14:creationId xmlns:p14="http://schemas.microsoft.com/office/powerpoint/2010/main" xmlns="" val="3414407465"/>
       </p:ext>
     </p:extLst>
   </p:cSld>
@@ -11771,7 +11783,7 @@
     </p:spTree>
     <p:extLst>
       <p:ext uri="{BB962C8B-B14F-4D97-AF65-F5344CB8AC3E}">
-        <p14:creationId xmlns:p14="http://schemas.microsoft.com/office/powerpoint/2010/main" val="1709195912"/>
+        <p14:creationId xmlns:p14="http://schemas.microsoft.com/office/powerpoint/2010/main" xmlns="" val="1709195912"/>
       </p:ext>
     </p:extLst>
   </p:cSld>
@@ -11890,7 +11902,7 @@
     </p:spTree>
     <p:extLst>
       <p:ext uri="{BB962C8B-B14F-4D97-AF65-F5344CB8AC3E}">
-        <p14:creationId xmlns:p14="http://schemas.microsoft.com/office/powerpoint/2010/main" val="63509948"/>
+        <p14:creationId xmlns:p14="http://schemas.microsoft.com/office/powerpoint/2010/main" xmlns="" val="63509948"/>
       </p:ext>
     </p:extLst>
   </p:cSld>
@@ -11962,7 +11974,7 @@
           <a:blip r:embed="rId2" cstate="print">
             <a:extLst>
               <a:ext uri="{28A0092B-C50C-407E-A947-70E740481C1C}">
-                <a14:useLocalDpi xmlns:a14="http://schemas.microsoft.com/office/drawing/2010/main" val="0"/>
+                <a14:useLocalDpi xmlns:a14="http://schemas.microsoft.com/office/drawing/2010/main" xmlns="" val="0"/>
               </a:ext>
             </a:extLst>
           </a:blip>
@@ -12012,7 +12024,7 @@
     </p:spTree>
     <p:extLst>
       <p:ext uri="{BB962C8B-B14F-4D97-AF65-F5344CB8AC3E}">
-        <p14:creationId xmlns:p14="http://schemas.microsoft.com/office/powerpoint/2010/main" val="526157708"/>
+        <p14:creationId xmlns:p14="http://schemas.microsoft.com/office/powerpoint/2010/main" xmlns="" val="526157708"/>
       </p:ext>
     </p:extLst>
   </p:cSld>
@@ -12127,7 +12139,7 @@
     </p:spTree>
     <p:extLst>
       <p:ext uri="{BB962C8B-B14F-4D97-AF65-F5344CB8AC3E}">
-        <p14:creationId xmlns:p14="http://schemas.microsoft.com/office/powerpoint/2010/main" val="1260923131"/>
+        <p14:creationId xmlns:p14="http://schemas.microsoft.com/office/powerpoint/2010/main" xmlns="" val="1260923131"/>
       </p:ext>
     </p:extLst>
   </p:cSld>
@@ -12212,7 +12224,7 @@
           <a:blip r:embed="rId2" cstate="print">
             <a:extLst>
               <a:ext uri="{28A0092B-C50C-407E-A947-70E740481C1C}">
-                <a14:useLocalDpi xmlns:a14="http://schemas.microsoft.com/office/drawing/2010/main" val="0"/>
+                <a14:useLocalDpi xmlns:a14="http://schemas.microsoft.com/office/drawing/2010/main" xmlns="" val="0"/>
               </a:ext>
             </a:extLst>
           </a:blip>
@@ -12262,7 +12274,7 @@
     </p:spTree>
     <p:extLst>
       <p:ext uri="{BB962C8B-B14F-4D97-AF65-F5344CB8AC3E}">
-        <p14:creationId xmlns:p14="http://schemas.microsoft.com/office/powerpoint/2010/main" val="2480907429"/>
+        <p14:creationId xmlns:p14="http://schemas.microsoft.com/office/powerpoint/2010/main" xmlns="" val="2480907429"/>
       </p:ext>
     </p:extLst>
   </p:cSld>
@@ -12603,7 +12615,7 @@
     </p:spTree>
     <p:extLst>
       <p:ext uri="{BB962C8B-B14F-4D97-AF65-F5344CB8AC3E}">
-        <p14:creationId xmlns:p14="http://schemas.microsoft.com/office/powerpoint/2010/main" val="2653359653"/>
+        <p14:creationId xmlns:p14="http://schemas.microsoft.com/office/powerpoint/2010/main" xmlns="" val="2653359653"/>
       </p:ext>
     </p:extLst>
   </p:cSld>
@@ -12683,7 +12695,7 @@
           <a:blip r:embed="rId2" cstate="print">
             <a:extLst>
               <a:ext uri="{28A0092B-C50C-407E-A947-70E740481C1C}">
-                <a14:useLocalDpi xmlns:a14="http://schemas.microsoft.com/office/drawing/2010/main" val="0"/>
+                <a14:useLocalDpi xmlns:a14="http://schemas.microsoft.com/office/drawing/2010/main" xmlns="" val="0"/>
               </a:ext>
             </a:extLst>
           </a:blip>
@@ -12733,7 +12745,7 @@
     </p:spTree>
     <p:extLst>
       <p:ext uri="{BB962C8B-B14F-4D97-AF65-F5344CB8AC3E}">
-        <p14:creationId xmlns:p14="http://schemas.microsoft.com/office/powerpoint/2010/main" val="2659840383"/>
+        <p14:creationId xmlns:p14="http://schemas.microsoft.com/office/powerpoint/2010/main" xmlns="" val="2659840383"/>
       </p:ext>
     </p:extLst>
   </p:cSld>
@@ -12850,7 +12862,7 @@
     </p:spTree>
     <p:extLst>
       <p:ext uri="{BB962C8B-B14F-4D97-AF65-F5344CB8AC3E}">
-        <p14:creationId xmlns:p14="http://schemas.microsoft.com/office/powerpoint/2010/main" val="2538859933"/>
+        <p14:creationId xmlns:p14="http://schemas.microsoft.com/office/powerpoint/2010/main" xmlns="" val="2538859933"/>
       </p:ext>
     </p:extLst>
   </p:cSld>
@@ -12984,7 +12996,7 @@
     </p:spTree>
     <p:extLst>
       <p:ext uri="{BB962C8B-B14F-4D97-AF65-F5344CB8AC3E}">
-        <p14:creationId xmlns:p14="http://schemas.microsoft.com/office/powerpoint/2010/main" val="3956960791"/>
+        <p14:creationId xmlns:p14="http://schemas.microsoft.com/office/powerpoint/2010/main" xmlns="" val="3956960791"/>
       </p:ext>
     </p:extLst>
   </p:cSld>
@@ -13119,7 +13131,7 @@
     </p:spTree>
     <p:extLst>
       <p:ext uri="{BB962C8B-B14F-4D97-AF65-F5344CB8AC3E}">
-        <p14:creationId xmlns:p14="http://schemas.microsoft.com/office/powerpoint/2010/main" val="2566061532"/>
+        <p14:creationId xmlns:p14="http://schemas.microsoft.com/office/powerpoint/2010/main" xmlns="" val="2566061532"/>
       </p:ext>
     </p:extLst>
   </p:cSld>
@@ -13254,7 +13266,7 @@
     </p:spTree>
     <p:extLst>
       <p:ext uri="{BB962C8B-B14F-4D97-AF65-F5344CB8AC3E}">
-        <p14:creationId xmlns:p14="http://schemas.microsoft.com/office/powerpoint/2010/main" val="2657265906"/>
+        <p14:creationId xmlns:p14="http://schemas.microsoft.com/office/powerpoint/2010/main" xmlns="" val="2657265906"/>
       </p:ext>
     </p:extLst>
   </p:cSld>
@@ -13389,7 +13401,7 @@
     </p:spTree>
     <p:extLst>
       <p:ext uri="{BB962C8B-B14F-4D97-AF65-F5344CB8AC3E}">
-        <p14:creationId xmlns:p14="http://schemas.microsoft.com/office/powerpoint/2010/main" val="1762684078"/>
+        <p14:creationId xmlns:p14="http://schemas.microsoft.com/office/powerpoint/2010/main" xmlns="" val="1762684078"/>
       </p:ext>
     </p:extLst>
   </p:cSld>
@@ -13499,7 +13511,7 @@
     </p:spTree>
     <p:extLst>
       <p:ext uri="{BB962C8B-B14F-4D97-AF65-F5344CB8AC3E}">
-        <p14:creationId xmlns:p14="http://schemas.microsoft.com/office/powerpoint/2010/main" val="3372370494"/>
+        <p14:creationId xmlns:p14="http://schemas.microsoft.com/office/powerpoint/2010/main" xmlns="" val="3372370494"/>
       </p:ext>
     </p:extLst>
   </p:cSld>
@@ -13819,7 +13831,7 @@
     </p:spTree>
     <p:extLst>
       <p:ext uri="{BB962C8B-B14F-4D97-AF65-F5344CB8AC3E}">
-        <p14:creationId xmlns:p14="http://schemas.microsoft.com/office/powerpoint/2010/main" val="3771086656"/>
+        <p14:creationId xmlns:p14="http://schemas.microsoft.com/office/powerpoint/2010/main" xmlns="" val="3771086656"/>
       </p:ext>
     </p:extLst>
   </p:cSld>
@@ -14165,7 +14177,7 @@
     </p:spTree>
     <p:extLst>
       <p:ext uri="{BB962C8B-B14F-4D97-AF65-F5344CB8AC3E}">
-        <p14:creationId xmlns:p14="http://schemas.microsoft.com/office/powerpoint/2010/main" val="3709997242"/>
+        <p14:creationId xmlns:p14="http://schemas.microsoft.com/office/powerpoint/2010/main" xmlns="" val="3709997242"/>
       </p:ext>
     </p:extLst>
   </p:cSld>
@@ -14503,7 +14515,7 @@
     </p:spTree>
     <p:extLst>
       <p:ext uri="{BB962C8B-B14F-4D97-AF65-F5344CB8AC3E}">
-        <p14:creationId xmlns:p14="http://schemas.microsoft.com/office/powerpoint/2010/main" val="813066869"/>
+        <p14:creationId xmlns:p14="http://schemas.microsoft.com/office/powerpoint/2010/main" xmlns="" val="813066869"/>
       </p:ext>
     </p:extLst>
   </p:cSld>
@@ -14630,7 +14642,7 @@
     </p:spTree>
     <p:extLst>
       <p:ext uri="{BB962C8B-B14F-4D97-AF65-F5344CB8AC3E}">
-        <p14:creationId xmlns:p14="http://schemas.microsoft.com/office/powerpoint/2010/main" val="2231903888"/>
+        <p14:creationId xmlns:p14="http://schemas.microsoft.com/office/powerpoint/2010/main" xmlns="" val="2231903888"/>
       </p:ext>
     </p:extLst>
   </p:cSld>
@@ -14967,7 +14979,7 @@
     </p:spTree>
     <p:extLst>
       <p:ext uri="{BB962C8B-B14F-4D97-AF65-F5344CB8AC3E}">
-        <p14:creationId xmlns:p14="http://schemas.microsoft.com/office/powerpoint/2010/main" val="215732145"/>
+        <p14:creationId xmlns:p14="http://schemas.microsoft.com/office/powerpoint/2010/main" xmlns="" val="215732145"/>
       </p:ext>
     </p:extLst>
   </p:cSld>
@@ -15059,7 +15071,7 @@
     </p:spTree>
     <p:extLst>
       <p:ext uri="{BB962C8B-B14F-4D97-AF65-F5344CB8AC3E}">
-        <p14:creationId xmlns:p14="http://schemas.microsoft.com/office/powerpoint/2010/main" val="3080953501"/>
+        <p14:creationId xmlns:p14="http://schemas.microsoft.com/office/powerpoint/2010/main" xmlns="" val="3080953501"/>
       </p:ext>
     </p:extLst>
   </p:cSld>
@@ -15147,7 +15159,7 @@
     </p:spTree>
     <p:extLst>
       <p:ext uri="{BB962C8B-B14F-4D97-AF65-F5344CB8AC3E}">
-        <p14:creationId xmlns:p14="http://schemas.microsoft.com/office/powerpoint/2010/main" val="1555926251"/>
+        <p14:creationId xmlns:p14="http://schemas.microsoft.com/office/powerpoint/2010/main" xmlns="" val="1555926251"/>
       </p:ext>
     </p:extLst>
   </p:cSld>
@@ -15260,7 +15272,7 @@
     </p:spTree>
     <p:extLst>
       <p:ext uri="{BB962C8B-B14F-4D97-AF65-F5344CB8AC3E}">
-        <p14:creationId xmlns:p14="http://schemas.microsoft.com/office/powerpoint/2010/main" val="511365991"/>
+        <p14:creationId xmlns:p14="http://schemas.microsoft.com/office/powerpoint/2010/main" xmlns="" val="511365991"/>
       </p:ext>
     </p:extLst>
   </p:cSld>
@@ -15380,7 +15392,7 @@
     </p:spTree>
     <p:extLst>
       <p:ext uri="{BB962C8B-B14F-4D97-AF65-F5344CB8AC3E}">
-        <p14:creationId xmlns:p14="http://schemas.microsoft.com/office/powerpoint/2010/main" val="2367586276"/>
+        <p14:creationId xmlns:p14="http://schemas.microsoft.com/office/powerpoint/2010/main" xmlns="" val="2367586276"/>
       </p:ext>
     </p:extLst>
   </p:cSld>
@@ -15488,7 +15500,7 @@
     </p:spTree>
     <p:extLst>
       <p:ext uri="{BB962C8B-B14F-4D97-AF65-F5344CB8AC3E}">
-        <p14:creationId xmlns:p14="http://schemas.microsoft.com/office/powerpoint/2010/main" val="167482871"/>
+        <p14:creationId xmlns:p14="http://schemas.microsoft.com/office/powerpoint/2010/main" xmlns="" val="167482871"/>
       </p:ext>
     </p:extLst>
   </p:cSld>
@@ -15601,7 +15613,7 @@
     </p:spTree>
     <p:extLst>
       <p:ext uri="{BB962C8B-B14F-4D97-AF65-F5344CB8AC3E}">
-        <p14:creationId xmlns:p14="http://schemas.microsoft.com/office/powerpoint/2010/main" val="432645280"/>
+        <p14:creationId xmlns:p14="http://schemas.microsoft.com/office/powerpoint/2010/main" xmlns="" val="432645280"/>
       </p:ext>
     </p:extLst>
   </p:cSld>
@@ -15720,7 +15732,7 @@
     </p:spTree>
     <p:extLst>
       <p:ext uri="{BB962C8B-B14F-4D97-AF65-F5344CB8AC3E}">
-        <p14:creationId xmlns:p14="http://schemas.microsoft.com/office/powerpoint/2010/main" val="2011369229"/>
+        <p14:creationId xmlns:p14="http://schemas.microsoft.com/office/powerpoint/2010/main" xmlns="" val="2011369229"/>
       </p:ext>
     </p:extLst>
   </p:cSld>
@@ -15856,7 +15868,7 @@
     </p:spTree>
     <p:extLst>
       <p:ext uri="{BB962C8B-B14F-4D97-AF65-F5344CB8AC3E}">
-        <p14:creationId xmlns:p14="http://schemas.microsoft.com/office/powerpoint/2010/main" val="241156330"/>
+        <p14:creationId xmlns:p14="http://schemas.microsoft.com/office/powerpoint/2010/main" xmlns="" val="241156330"/>
       </p:ext>
     </p:extLst>
   </p:cSld>
@@ -16001,7 +16013,7 @@
     </p:spTree>
     <p:extLst>
       <p:ext uri="{BB962C8B-B14F-4D97-AF65-F5344CB8AC3E}">
-        <p14:creationId xmlns:p14="http://schemas.microsoft.com/office/powerpoint/2010/main" val="1739418431"/>
+        <p14:creationId xmlns:p14="http://schemas.microsoft.com/office/powerpoint/2010/main" xmlns="" val="1739418431"/>
       </p:ext>
     </p:extLst>
   </p:cSld>
@@ -16427,7 +16439,7 @@
     </p:spTree>
     <p:extLst>
       <p:ext uri="{BB962C8B-B14F-4D97-AF65-F5344CB8AC3E}">
-        <p14:creationId xmlns:p14="http://schemas.microsoft.com/office/powerpoint/2010/main" val="2473085626"/>
+        <p14:creationId xmlns:p14="http://schemas.microsoft.com/office/powerpoint/2010/main" xmlns="" val="2473085626"/>
       </p:ext>
     </p:extLst>
   </p:cSld>
@@ -16541,7 +16553,7 @@
     </p:spTree>
     <p:extLst>
       <p:ext uri="{BB962C8B-B14F-4D97-AF65-F5344CB8AC3E}">
-        <p14:creationId xmlns:p14="http://schemas.microsoft.com/office/powerpoint/2010/main" val="2615168494"/>
+        <p14:creationId xmlns:p14="http://schemas.microsoft.com/office/powerpoint/2010/main" xmlns="" val="2615168494"/>
       </p:ext>
     </p:extLst>
   </p:cSld>
@@ -16666,7 +16678,7 @@
     </p:spTree>
     <p:extLst>
       <p:ext uri="{BB962C8B-B14F-4D97-AF65-F5344CB8AC3E}">
-        <p14:creationId xmlns:p14="http://schemas.microsoft.com/office/powerpoint/2010/main" val="42813484"/>
+        <p14:creationId xmlns:p14="http://schemas.microsoft.com/office/powerpoint/2010/main" xmlns="" val="42813484"/>
       </p:ext>
     </p:extLst>
   </p:cSld>
@@ -16793,7 +16805,7 @@
     </p:spTree>
     <p:extLst>
       <p:ext uri="{BB962C8B-B14F-4D97-AF65-F5344CB8AC3E}">
-        <p14:creationId xmlns:p14="http://schemas.microsoft.com/office/powerpoint/2010/main" val="243874718"/>
+        <p14:creationId xmlns:p14="http://schemas.microsoft.com/office/powerpoint/2010/main" xmlns="" val="243874718"/>
       </p:ext>
     </p:extLst>
   </p:cSld>
@@ -16949,7 +16961,7 @@
     </p:spTree>
     <p:extLst>
       <p:ext uri="{BB962C8B-B14F-4D97-AF65-F5344CB8AC3E}">
-        <p14:creationId xmlns:p14="http://schemas.microsoft.com/office/powerpoint/2010/main" val="600913733"/>
+        <p14:creationId xmlns:p14="http://schemas.microsoft.com/office/powerpoint/2010/main" xmlns="" val="600913733"/>
       </p:ext>
     </p:extLst>
   </p:cSld>
@@ -17089,7 +17101,7 @@
     </p:spTree>
     <p:extLst>
       <p:ext uri="{BB962C8B-B14F-4D97-AF65-F5344CB8AC3E}">
-        <p14:creationId xmlns:p14="http://schemas.microsoft.com/office/powerpoint/2010/main" val="3395818784"/>
+        <p14:creationId xmlns:p14="http://schemas.microsoft.com/office/powerpoint/2010/main" xmlns="" val="3395818784"/>
       </p:ext>
     </p:extLst>
   </p:cSld>
@@ -17216,7 +17228,7 @@
     </p:spTree>
     <p:extLst>
       <p:ext uri="{BB962C8B-B14F-4D97-AF65-F5344CB8AC3E}">
-        <p14:creationId xmlns:p14="http://schemas.microsoft.com/office/powerpoint/2010/main" val="1313710794"/>
+        <p14:creationId xmlns:p14="http://schemas.microsoft.com/office/powerpoint/2010/main" xmlns="" val="1313710794"/>
       </p:ext>
     </p:extLst>
   </p:cSld>
@@ -17337,7 +17349,7 @@
     </p:spTree>
     <p:extLst>
       <p:ext uri="{BB962C8B-B14F-4D97-AF65-F5344CB8AC3E}">
-        <p14:creationId xmlns:p14="http://schemas.microsoft.com/office/powerpoint/2010/main" val="2204375755"/>
+        <p14:creationId xmlns:p14="http://schemas.microsoft.com/office/powerpoint/2010/main" xmlns="" val="2204375755"/>
       </p:ext>
     </p:extLst>
   </p:cSld>
@@ -17470,7 +17482,7 @@
     </p:spTree>
     <p:extLst>
       <p:ext uri="{BB962C8B-B14F-4D97-AF65-F5344CB8AC3E}">
-        <p14:creationId xmlns:p14="http://schemas.microsoft.com/office/powerpoint/2010/main" val="2726382500"/>
+        <p14:creationId xmlns:p14="http://schemas.microsoft.com/office/powerpoint/2010/main" xmlns="" val="2726382500"/>
       </p:ext>
     </p:extLst>
   </p:cSld>
@@ -17534,7 +17546,7 @@
           <p:nvPr>
             <p:extLst>
               <p:ext uri="{D42A27DB-BD31-4B8C-83A1-F6EECF244321}">
-                <p14:modId xmlns:p14="http://schemas.microsoft.com/office/powerpoint/2010/main" val="1881831684"/>
+                <p14:modId xmlns:p14="http://schemas.microsoft.com/office/powerpoint/2010/main" xmlns="" val="1881831684"/>
               </p:ext>
             </p:extLst>
           </p:nvPr>
@@ -17576,7 +17588,7 @@
     </p:spTree>
     <p:extLst>
       <p:ext uri="{BB962C8B-B14F-4D97-AF65-F5344CB8AC3E}">
-        <p14:creationId xmlns:p14="http://schemas.microsoft.com/office/powerpoint/2010/main" val="4174946828"/>
+        <p14:creationId xmlns:p14="http://schemas.microsoft.com/office/powerpoint/2010/main" xmlns="" val="4174946828"/>
       </p:ext>
     </p:extLst>
   </p:cSld>
@@ -17658,7 +17670,7 @@
           <a:blip r:embed="rId3" cstate="print">
             <a:extLst>
               <a:ext uri="{28A0092B-C50C-407E-A947-70E740481C1C}">
-                <a14:useLocalDpi xmlns:a14="http://schemas.microsoft.com/office/drawing/2010/main" val="0"/>
+                <a14:useLocalDpi xmlns:a14="http://schemas.microsoft.com/office/drawing/2010/main" xmlns="" val="0"/>
               </a:ext>
             </a:extLst>
           </a:blip>
@@ -17681,14 +17693,14 @@
           </a:ln>
           <a:extLst>
             <a:ext uri="{909E8E84-426E-40DD-AFC4-6F175D3DCCD1}">
-              <a14:hiddenFill xmlns:a14="http://schemas.microsoft.com/office/drawing/2010/main">
+              <a14:hiddenFill xmlns:a14="http://schemas.microsoft.com/office/drawing/2010/main" xmlns="">
                 <a:solidFill>
                   <a:schemeClr val="accent1"/>
                 </a:solidFill>
               </a14:hiddenFill>
             </a:ext>
             <a:ext uri="{91240B29-F687-4F45-9708-019B960494DF}">
-              <a14:hiddenLine xmlns:a14="http://schemas.microsoft.com/office/drawing/2010/main" w="9525">
+              <a14:hiddenLine xmlns:a14="http://schemas.microsoft.com/office/drawing/2010/main" xmlns="" w="9525">
                 <a:solidFill>
                   <a:schemeClr val="tx1"/>
                 </a:solidFill>
@@ -17727,7 +17739,7 @@
     </p:spTree>
     <p:extLst>
       <p:ext uri="{BB962C8B-B14F-4D97-AF65-F5344CB8AC3E}">
-        <p14:creationId xmlns:p14="http://schemas.microsoft.com/office/powerpoint/2010/main" val="1176199176"/>
+        <p14:creationId xmlns:p14="http://schemas.microsoft.com/office/powerpoint/2010/main" xmlns="" val="1176199176"/>
       </p:ext>
     </p:extLst>
   </p:cSld>
@@ -17773,7 +17785,7 @@
           <a:blip r:embed="rId3" cstate="print">
             <a:extLst>
               <a:ext uri="{28A0092B-C50C-407E-A947-70E740481C1C}">
-                <a14:useLocalDpi xmlns:a14="http://schemas.microsoft.com/office/drawing/2010/main" val="0"/>
+                <a14:useLocalDpi xmlns:a14="http://schemas.microsoft.com/office/drawing/2010/main" xmlns="" val="0"/>
               </a:ext>
             </a:extLst>
           </a:blip>
@@ -17864,7 +17876,7 @@
           <a:blip r:embed="rId4" cstate="print">
             <a:extLst>
               <a:ext uri="{28A0092B-C50C-407E-A947-70E740481C1C}">
-                <a14:useLocalDpi xmlns:a14="http://schemas.microsoft.com/office/drawing/2010/main" val="0"/>
+                <a14:useLocalDpi xmlns:a14="http://schemas.microsoft.com/office/drawing/2010/main" xmlns="" val="0"/>
               </a:ext>
             </a:extLst>
           </a:blip>
@@ -17894,7 +17906,7 @@
           <a:blip r:embed="rId5" cstate="print">
             <a:extLst>
               <a:ext uri="{28A0092B-C50C-407E-A947-70E740481C1C}">
-                <a14:useLocalDpi xmlns:a14="http://schemas.microsoft.com/office/drawing/2010/main" val="0"/>
+                <a14:useLocalDpi xmlns:a14="http://schemas.microsoft.com/office/drawing/2010/main" xmlns="" val="0"/>
               </a:ext>
             </a:extLst>
           </a:blip>
@@ -18000,7 +18012,7 @@
           <a:blip r:embed="rId6" cstate="print">
             <a:extLst>
               <a:ext uri="{28A0092B-C50C-407E-A947-70E740481C1C}">
-                <a14:useLocalDpi xmlns:a14="http://schemas.microsoft.com/office/drawing/2010/main" val="0"/>
+                <a14:useLocalDpi xmlns:a14="http://schemas.microsoft.com/office/drawing/2010/main" xmlns="" val="0"/>
               </a:ext>
             </a:extLst>
           </a:blip>
@@ -18201,7 +18213,7 @@
     </p:spTree>
     <p:extLst>
       <p:ext uri="{BB962C8B-B14F-4D97-AF65-F5344CB8AC3E}">
-        <p14:creationId xmlns:p14="http://schemas.microsoft.com/office/powerpoint/2010/main" val="2896085358"/>
+        <p14:creationId xmlns:p14="http://schemas.microsoft.com/office/powerpoint/2010/main" xmlns="" val="2896085358"/>
       </p:ext>
     </p:extLst>
   </p:cSld>
@@ -19161,7 +19173,7 @@
     </p:spTree>
     <p:extLst>
       <p:ext uri="{BB962C8B-B14F-4D97-AF65-F5344CB8AC3E}">
-        <p14:creationId xmlns:p14="http://schemas.microsoft.com/office/powerpoint/2010/main" val="2247188198"/>
+        <p14:creationId xmlns:p14="http://schemas.microsoft.com/office/powerpoint/2010/main" xmlns="" val="2247188198"/>
       </p:ext>
     </p:extLst>
   </p:cSld>
@@ -19683,7 +19695,7 @@
     </p:spTree>
     <p:extLst>
       <p:ext uri="{BB962C8B-B14F-4D97-AF65-F5344CB8AC3E}">
-        <p14:creationId xmlns:p14="http://schemas.microsoft.com/office/powerpoint/2010/main" val="3149715247"/>
+        <p14:creationId xmlns:p14="http://schemas.microsoft.com/office/powerpoint/2010/main" xmlns="" val="3149715247"/>
       </p:ext>
     </p:extLst>
   </p:cSld>

--- a/Projektmanagement/Abschlusspräsentation.pptx
+++ b/Projektmanagement/Abschlusspräsentation.pptx
@@ -158,7 +158,7 @@
   </p:defaultTextStyle>
   <p:extLst>
     <p:ext uri="{EFAFB233-063F-42B5-8137-9DF3F51BA10A}">
-      <p15:sldGuideLst xmlns:p15="http://schemas.microsoft.com/office/powerpoint/2012/main" xmlns="">
+      <p15:sldGuideLst xmlns:p15="http://schemas.microsoft.com/office/powerpoint/2012/main">
         <p15:guide id="1" orient="horz" pos="2160">
           <p15:clr>
             <a:srgbClr val="A4A3A4"/>
@@ -172,13 +172,23 @@
       </p15:sldGuideLst>
     </p:ext>
     <p:ext uri="{2D200454-40CA-4A62-9FC3-DE9A4176ACB9}">
-      <p15:notesGuideLst xmlns:p15="http://schemas.microsoft.com/office/powerpoint/2012/main" xmlns="">
+      <p15:notesGuideLst xmlns:p15="http://schemas.microsoft.com/office/powerpoint/2012/main">
         <p15:guide id="1" orient="horz" pos="2880">
           <p15:clr>
             <a:srgbClr val="A4A3A4"/>
           </p15:clr>
         </p15:guide>
         <p15:guide id="2" pos="2160">
+          <p15:clr>
+            <a:srgbClr val="A4A3A4"/>
+          </p15:clr>
+        </p15:guide>
+        <p15:guide id="3" orient="horz" pos="3156">
+          <p15:clr>
+            <a:srgbClr val="A4A3A4"/>
+          </p15:clr>
+        </p15:guide>
+        <p15:guide id="4" pos="2170">
           <p15:clr>
             <a:srgbClr val="A4A3A4"/>
           </p15:clr>
@@ -1931,51 +1941,51 @@
     </dgm:pt>
   </dgm:ptLst>
   <dgm:cxnLst>
+    <dgm:cxn modelId="{C75F7C68-8484-4A91-B6A3-583D73E6BC93}" type="presOf" srcId="{124AB731-44F7-42FC-A2C7-6A103755875A}" destId="{BA4718A9-DFD2-471C-969C-97F876ADC320}" srcOrd="0" destOrd="4" presId="urn:microsoft.com/office/officeart/2005/8/layout/hProcess9"/>
+    <dgm:cxn modelId="{742F0ED1-DC5E-4FDC-BC68-EC649BA19C45}" srcId="{B4BBFA07-05DD-4CDD-AC39-6342607DC2A1}" destId="{10E407B9-5FCC-4D3A-94D2-6AB25397AEC7}" srcOrd="0" destOrd="0" parTransId="{0560221A-0D57-438B-900A-B03E24CCA932}" sibTransId="{40E49337-7DC0-4E0E-B2C1-5C40A2AD0A26}"/>
+    <dgm:cxn modelId="{63AA4ECF-F510-4F05-A169-468A7E8A96E5}" type="presOf" srcId="{6043B0A8-44FC-4706-B37A-7F342ABD7CAE}" destId="{F3C847B4-E9D1-403C-BF56-3BADCB1909DC}" srcOrd="0" destOrd="0" presId="urn:microsoft.com/office/officeart/2005/8/layout/hProcess9"/>
+    <dgm:cxn modelId="{24BACCAC-AE3B-4A99-B678-9387F463D2EF}" srcId="{6043B0A8-44FC-4706-B37A-7F342ABD7CAE}" destId="{60FFB2DA-71E2-4B60-8F03-B97F02814FE8}" srcOrd="1" destOrd="0" parTransId="{F5495816-0C9E-4B5B-A238-F565E58D7803}" sibTransId="{D06C6867-E1BA-43A9-A6CE-AE88C2CD94FD}"/>
+    <dgm:cxn modelId="{3F65C4C7-8DE4-4F28-82C5-0662EBCF8C0E}" srcId="{DBD17336-B141-494E-A31C-6EA653EE637A}" destId="{FCE05639-9A34-421D-9FD3-79EEF57498D8}" srcOrd="0" destOrd="0" parTransId="{F3903BDF-F0ED-4A06-8C1B-A96D8DDD8DDC}" sibTransId="{4F6AA9F8-0B5F-499B-AE30-3D935C570E4E}"/>
+    <dgm:cxn modelId="{9E16A8B2-B87E-4EC6-8F80-A092713ABD93}" type="presOf" srcId="{64A53441-CA35-4183-98A4-98146221F8AE}" destId="{F3C847B4-E9D1-403C-BF56-3BADCB1909DC}" srcOrd="0" destOrd="3" presId="urn:microsoft.com/office/officeart/2005/8/layout/hProcess9"/>
+    <dgm:cxn modelId="{E98B806D-7427-40E5-9217-58A7BBA4F702}" type="presOf" srcId="{BFAD5C6C-3CCC-47DA-B82A-97A0E60E41A5}" destId="{8C0195AE-96DF-44DB-8CA5-EA3E73389D9C}" srcOrd="0" destOrd="2" presId="urn:microsoft.com/office/officeart/2005/8/layout/hProcess9"/>
+    <dgm:cxn modelId="{D4AF4160-DDE6-4565-8479-2BC7137E4EDA}" type="presOf" srcId="{8693C395-BAA7-449A-ACDD-FFFEEE0DC862}" destId="{20382240-D5AC-4B89-8E53-73A8B41769F1}" srcOrd="0" destOrd="2" presId="urn:microsoft.com/office/officeart/2005/8/layout/hProcess9"/>
+    <dgm:cxn modelId="{1CE0B2E1-B57A-47FF-B7CD-0A610852C41C}" type="presOf" srcId="{60FFB2DA-71E2-4B60-8F03-B97F02814FE8}" destId="{F3C847B4-E9D1-403C-BF56-3BADCB1909DC}" srcOrd="0" destOrd="2" presId="urn:microsoft.com/office/officeart/2005/8/layout/hProcess9"/>
     <dgm:cxn modelId="{60C1C020-F1A3-4D32-B6BC-9893F6A3628C}" type="presOf" srcId="{360394FA-829F-403E-9AF0-5F6CF96DFD1E}" destId="{8C0195AE-96DF-44DB-8CA5-EA3E73389D9C}" srcOrd="0" destOrd="4" presId="urn:microsoft.com/office/officeart/2005/8/layout/hProcess9"/>
+    <dgm:cxn modelId="{08E746BB-D95F-4886-82E3-5ED9A83CD38E}" type="presOf" srcId="{FCE05639-9A34-421D-9FD3-79EEF57498D8}" destId="{62F66354-603A-41C3-B161-16A4A9E45F44}" srcOrd="0" destOrd="1" presId="urn:microsoft.com/office/officeart/2005/8/layout/hProcess9"/>
+    <dgm:cxn modelId="{DB1CAB31-0E81-4807-9A4F-8B2AC71839A2}" type="presOf" srcId="{1D2BD1DA-3657-4A8C-9785-D7282AB16A84}" destId="{F3C847B4-E9D1-403C-BF56-3BADCB1909DC}" srcOrd="0" destOrd="4" presId="urn:microsoft.com/office/officeart/2005/8/layout/hProcess9"/>
+    <dgm:cxn modelId="{B317833C-6656-437C-8CFB-9E1078BA4F7B}" srcId="{B4BBFA07-05DD-4CDD-AC39-6342607DC2A1}" destId="{BFAD5C6C-3CCC-47DA-B82A-97A0E60E41A5}" srcOrd="1" destOrd="0" parTransId="{2AC788DB-883E-4B3F-8E32-FB8F2C3C80B9}" sibTransId="{0A4F5D0E-4864-4480-8E69-940E5490226B}"/>
     <dgm:cxn modelId="{F1608424-95E6-4187-9F50-C1AB10DFF465}" srcId="{42A7AF39-9F16-4BE0-9691-F2A4EAA889D5}" destId="{6043B0A8-44FC-4706-B37A-7F342ABD7CAE}" srcOrd="2" destOrd="0" parTransId="{D8109DA1-2E16-4DF6-A989-9DA006F96235}" sibTransId="{3B27F8F0-46DD-48CE-89ED-BD65A552898B}"/>
+    <dgm:cxn modelId="{B848308C-6711-4ECC-A275-3BD95A47C3D1}" type="presOf" srcId="{3F8391EC-2E89-41BC-979F-48D4E21A811C}" destId="{BA4718A9-DFD2-471C-969C-97F876ADC320}" srcOrd="0" destOrd="3" presId="urn:microsoft.com/office/officeart/2005/8/layout/hProcess9"/>
+    <dgm:cxn modelId="{8130EFA1-7C19-4707-918B-EBD61B992DC1}" srcId="{182E85C3-C0C1-4055-B42E-08657C1D36EB}" destId="{2739C324-A41E-4970-8A01-796A2C795ACC}" srcOrd="0" destOrd="0" parTransId="{34EABE2C-343C-4A99-94EF-992C7B2864FB}" sibTransId="{E3CAAA70-690B-43D6-AD4A-610350C2031C}"/>
+    <dgm:cxn modelId="{5647984F-2F20-4C53-AFA6-A50F0B2D982A}" srcId="{42A7AF39-9F16-4BE0-9691-F2A4EAA889D5}" destId="{5245D8E1-9FDE-4633-85B7-BE42CD6AA787}" srcOrd="4" destOrd="0" parTransId="{55F15053-25F4-4161-BCA1-92DDB4FB32E9}" sibTransId="{B0D58DB8-A061-4E28-A244-8F898564CBF4}"/>
+    <dgm:cxn modelId="{3A080199-5708-4D95-BDC6-677CE1E53018}" srcId="{B4BBFA07-05DD-4CDD-AC39-6342607DC2A1}" destId="{360394FA-829F-403E-9AF0-5F6CF96DFD1E}" srcOrd="3" destOrd="0" parTransId="{A75ACD84-8BFD-4E17-B22A-BCE08E0C1060}" sibTransId="{47CD002A-17EB-41C8-A521-C511E59926EB}"/>
+    <dgm:cxn modelId="{165AFAEA-5E3C-4D2F-B24C-8AB5DB51E1D8}" srcId="{DBD17336-B141-494E-A31C-6EA653EE637A}" destId="{8852547F-3DE1-4303-BABC-35751A1FFAA4}" srcOrd="1" destOrd="0" parTransId="{E3280EF4-38C9-4B21-B7E2-305ED52D9188}" sibTransId="{7EF36CEC-CFA4-4D2A-9ADF-9A92FE46FB8F}"/>
+    <dgm:cxn modelId="{9423DADA-472C-41D9-88AD-46BB03D27D4E}" srcId="{6043B0A8-44FC-4706-B37A-7F342ABD7CAE}" destId="{ABD30D39-23EC-4FCC-9B13-57D32A82A546}" srcOrd="0" destOrd="0" parTransId="{C5A94903-DF8D-4907-A3E8-951CE956DA5D}" sibTransId="{3EF7BC8F-673B-4ADA-9436-138C06DF52D8}"/>
+    <dgm:cxn modelId="{DECDAAFB-95F9-4E08-902E-357CAE6BE867}" srcId="{42A7AF39-9F16-4BE0-9691-F2A4EAA889D5}" destId="{182E85C3-C0C1-4055-B42E-08657C1D36EB}" srcOrd="1" destOrd="0" parTransId="{0A1F7A6C-A332-4BAC-A0D1-C846CF97F4EC}" sibTransId="{53EC14C8-D3F0-4F81-A9BC-0E03B0043A69}"/>
+    <dgm:cxn modelId="{2198E06B-EBEE-42F2-BF31-52AD13E73BC6}" srcId="{42A7AF39-9F16-4BE0-9691-F2A4EAA889D5}" destId="{DBD17336-B141-494E-A31C-6EA653EE637A}" srcOrd="3" destOrd="0" parTransId="{09A6F55D-0974-44D2-B12D-48E16F3D0029}" sibTransId="{A6141C16-1C65-42F9-8DF0-A27738FE79EE}"/>
+    <dgm:cxn modelId="{58ECD606-DF49-456C-92CC-3FC995338DA5}" srcId="{182E85C3-C0C1-4055-B42E-08657C1D36EB}" destId="{1E975C45-1647-472C-8812-EFF81A215801}" srcOrd="4" destOrd="0" parTransId="{11DCAC3E-4C2C-4945-B245-E7C69099CB34}" sibTransId="{50A0534A-8921-429F-AEBF-0E0D60438255}"/>
+    <dgm:cxn modelId="{EFB2B553-798E-499E-868E-5A323D49D87B}" type="presOf" srcId="{8852547F-3DE1-4303-BABC-35751A1FFAA4}" destId="{62F66354-603A-41C3-B161-16A4A9E45F44}" srcOrd="0" destOrd="2" presId="urn:microsoft.com/office/officeart/2005/8/layout/hProcess9"/>
+    <dgm:cxn modelId="{20EFF80B-8D1F-44F0-A98A-47DA2A47CC91}" type="presOf" srcId="{B4BBFA07-05DD-4CDD-AC39-6342607DC2A1}" destId="{8C0195AE-96DF-44DB-8CA5-EA3E73389D9C}" srcOrd="0" destOrd="0" presId="urn:microsoft.com/office/officeart/2005/8/layout/hProcess9"/>
+    <dgm:cxn modelId="{4AA9AB66-BA44-475B-A8A8-30AD54C4CD1A}" srcId="{6043B0A8-44FC-4706-B37A-7F342ABD7CAE}" destId="{1D2BD1DA-3657-4A8C-9785-D7282AB16A84}" srcOrd="3" destOrd="0" parTransId="{13AD18B7-6C9D-4DA5-8CF7-426D68467982}" sibTransId="{5FB73046-B1E2-46DC-A2CC-49B3DBF79A17}"/>
+    <dgm:cxn modelId="{238D6892-0E24-4060-A415-A69BB6AA037E}" type="presOf" srcId="{27323C3F-7D4E-44F5-9FA3-413CFCD7B174}" destId="{8C0195AE-96DF-44DB-8CA5-EA3E73389D9C}" srcOrd="0" destOrd="3" presId="urn:microsoft.com/office/officeart/2005/8/layout/hProcess9"/>
+    <dgm:cxn modelId="{E2E8D555-E2A1-4B5C-B90D-F16299503649}" srcId="{182E85C3-C0C1-4055-B42E-08657C1D36EB}" destId="{DDBD9E0E-2857-478B-9BFD-EB049F36A6F4}" srcOrd="1" destOrd="0" parTransId="{64FDB413-C3BC-4DF0-942B-0162F878BA5B}" sibTransId="{79BD68F6-F4B8-49E3-96CA-A2D68A915F02}"/>
+    <dgm:cxn modelId="{21C40A1C-D218-4855-8389-19E2BFED7B78}" type="presOf" srcId="{ABD30D39-23EC-4FCC-9B13-57D32A82A546}" destId="{F3C847B4-E9D1-403C-BF56-3BADCB1909DC}" srcOrd="0" destOrd="1" presId="urn:microsoft.com/office/officeart/2005/8/layout/hProcess9"/>
+    <dgm:cxn modelId="{549CF814-C607-4921-A024-5CFAC5637540}" srcId="{5245D8E1-9FDE-4633-85B7-BE42CD6AA787}" destId="{AD34B4C5-1A81-4AC6-A5F9-35CC4DC5D843}" srcOrd="0" destOrd="0" parTransId="{FD6F77B6-DA9F-491F-B649-F16E90DA55B0}" sibTransId="{8B95582E-B691-45DD-8D9C-114E0B7A4E01}"/>
+    <dgm:cxn modelId="{5DFF5E92-6524-4E83-9A7E-3FD2AE1E0B19}" srcId="{42A7AF39-9F16-4BE0-9691-F2A4EAA889D5}" destId="{B4BBFA07-05DD-4CDD-AC39-6342607DC2A1}" srcOrd="0" destOrd="0" parTransId="{4C9357AE-0A8A-4E31-8803-F14E79C0DCAE}" sibTransId="{B652451A-AD6D-4DFA-B925-9D21BB71A0C7}"/>
+    <dgm:cxn modelId="{F99FE896-AED4-426E-B77C-0AB5248E0CCE}" srcId="{6043B0A8-44FC-4706-B37A-7F342ABD7CAE}" destId="{64A53441-CA35-4183-98A4-98146221F8AE}" srcOrd="2" destOrd="0" parTransId="{34A59247-41BB-4387-901C-F4B4BA0ABC20}" sibTransId="{0C284384-0EF7-4A62-BF30-04B34F7CD0AC}"/>
+    <dgm:cxn modelId="{03C82376-6DFF-4B7E-B036-A886B0520F93}" type="presOf" srcId="{DBD17336-B141-494E-A31C-6EA653EE637A}" destId="{62F66354-603A-41C3-B161-16A4A9E45F44}" srcOrd="0" destOrd="0" presId="urn:microsoft.com/office/officeart/2005/8/layout/hProcess9"/>
+    <dgm:cxn modelId="{4296771F-3E76-4B6E-BCA1-FFBE218B6B73}" type="presOf" srcId="{10E407B9-5FCC-4D3A-94D2-6AB25397AEC7}" destId="{8C0195AE-96DF-44DB-8CA5-EA3E73389D9C}" srcOrd="0" destOrd="1" presId="urn:microsoft.com/office/officeart/2005/8/layout/hProcess9"/>
     <dgm:cxn modelId="{6595E131-DCFC-4660-A166-B06A9C58E5A3}" srcId="{182E85C3-C0C1-4055-B42E-08657C1D36EB}" destId="{124AB731-44F7-42FC-A2C7-6A103755875A}" srcOrd="3" destOrd="0" parTransId="{903CC23E-A10B-484A-8A4F-24054DDF4137}" sibTransId="{C0BE0EF1-E06D-43E6-AF12-3CA2033E2AE2}"/>
-    <dgm:cxn modelId="{63AA4ECF-F510-4F05-A169-468A7E8A96E5}" type="presOf" srcId="{6043B0A8-44FC-4706-B37A-7F342ABD7CAE}" destId="{F3C847B4-E9D1-403C-BF56-3BADCB1909DC}" srcOrd="0" destOrd="0" presId="urn:microsoft.com/office/officeart/2005/8/layout/hProcess9"/>
-    <dgm:cxn modelId="{5647984F-2F20-4C53-AFA6-A50F0B2D982A}" srcId="{42A7AF39-9F16-4BE0-9691-F2A4EAA889D5}" destId="{5245D8E1-9FDE-4633-85B7-BE42CD6AA787}" srcOrd="4" destOrd="0" parTransId="{55F15053-25F4-4161-BCA1-92DDB4FB32E9}" sibTransId="{B0D58DB8-A061-4E28-A244-8F898564CBF4}"/>
-    <dgm:cxn modelId="{21C40A1C-D218-4855-8389-19E2BFED7B78}" type="presOf" srcId="{ABD30D39-23EC-4FCC-9B13-57D32A82A546}" destId="{F3C847B4-E9D1-403C-BF56-3BADCB1909DC}" srcOrd="0" destOrd="1" presId="urn:microsoft.com/office/officeart/2005/8/layout/hProcess9"/>
-    <dgm:cxn modelId="{EFB2B553-798E-499E-868E-5A323D49D87B}" type="presOf" srcId="{8852547F-3DE1-4303-BABC-35751A1FFAA4}" destId="{62F66354-603A-41C3-B161-16A4A9E45F44}" srcOrd="0" destOrd="2" presId="urn:microsoft.com/office/officeart/2005/8/layout/hProcess9"/>
-    <dgm:cxn modelId="{5DFF5E92-6524-4E83-9A7E-3FD2AE1E0B19}" srcId="{42A7AF39-9F16-4BE0-9691-F2A4EAA889D5}" destId="{B4BBFA07-05DD-4CDD-AC39-6342607DC2A1}" srcOrd="0" destOrd="0" parTransId="{4C9357AE-0A8A-4E31-8803-F14E79C0DCAE}" sibTransId="{B652451A-AD6D-4DFA-B925-9D21BB71A0C7}"/>
-    <dgm:cxn modelId="{4AA9AB66-BA44-475B-A8A8-30AD54C4CD1A}" srcId="{6043B0A8-44FC-4706-B37A-7F342ABD7CAE}" destId="{1D2BD1DA-3657-4A8C-9785-D7282AB16A84}" srcOrd="3" destOrd="0" parTransId="{13AD18B7-6C9D-4DA5-8CF7-426D68467982}" sibTransId="{5FB73046-B1E2-46DC-A2CC-49B3DBF79A17}"/>
+    <dgm:cxn modelId="{66704B5C-1B3A-4DE5-B794-CC8167E42596}" type="presOf" srcId="{182E85C3-C0C1-4055-B42E-08657C1D36EB}" destId="{BA4718A9-DFD2-471C-969C-97F876ADC320}" srcOrd="0" destOrd="0" presId="urn:microsoft.com/office/officeart/2005/8/layout/hProcess9"/>
+    <dgm:cxn modelId="{607F61A3-2D5A-4D02-89FC-B7345F88B402}" type="presOf" srcId="{1E975C45-1647-472C-8812-EFF81A215801}" destId="{BA4718A9-DFD2-471C-969C-97F876ADC320}" srcOrd="0" destOrd="5" presId="urn:microsoft.com/office/officeart/2005/8/layout/hProcess9"/>
+    <dgm:cxn modelId="{C36FF4DC-CCD6-47E2-9C05-747BCCD4C37E}" type="presOf" srcId="{2739C324-A41E-4970-8A01-796A2C795ACC}" destId="{BA4718A9-DFD2-471C-969C-97F876ADC320}" srcOrd="0" destOrd="1" presId="urn:microsoft.com/office/officeart/2005/8/layout/hProcess9"/>
+    <dgm:cxn modelId="{CA27D4C9-7305-47C1-B558-E71A93D8B295}" type="presOf" srcId="{AD34B4C5-1A81-4AC6-A5F9-35CC4DC5D843}" destId="{20382240-D5AC-4B89-8E53-73A8B41769F1}" srcOrd="0" destOrd="1" presId="urn:microsoft.com/office/officeart/2005/8/layout/hProcess9"/>
     <dgm:cxn modelId="{7B8B71DC-DC57-43EA-BE14-CDBA81ACEF98}" type="presOf" srcId="{42A7AF39-9F16-4BE0-9691-F2A4EAA889D5}" destId="{734A29E2-3521-46BA-B5C0-E8A3637FA4B0}" srcOrd="0" destOrd="0" presId="urn:microsoft.com/office/officeart/2005/8/layout/hProcess9"/>
     <dgm:cxn modelId="{A4E4E3C8-7B99-4F7C-A2C4-16D3A3CA62E3}" type="presOf" srcId="{DDBD9E0E-2857-478B-9BFD-EB049F36A6F4}" destId="{BA4718A9-DFD2-471C-969C-97F876ADC320}" srcOrd="0" destOrd="2" presId="urn:microsoft.com/office/officeart/2005/8/layout/hProcess9"/>
-    <dgm:cxn modelId="{1CE0B2E1-B57A-47FF-B7CD-0A610852C41C}" type="presOf" srcId="{60FFB2DA-71E2-4B60-8F03-B97F02814FE8}" destId="{F3C847B4-E9D1-403C-BF56-3BADCB1909DC}" srcOrd="0" destOrd="2" presId="urn:microsoft.com/office/officeart/2005/8/layout/hProcess9"/>
-    <dgm:cxn modelId="{DECDAAFB-95F9-4E08-902E-357CAE6BE867}" srcId="{42A7AF39-9F16-4BE0-9691-F2A4EAA889D5}" destId="{182E85C3-C0C1-4055-B42E-08657C1D36EB}" srcOrd="1" destOrd="0" parTransId="{0A1F7A6C-A332-4BAC-A0D1-C846CF97F4EC}" sibTransId="{53EC14C8-D3F0-4F81-A9BC-0E03B0043A69}"/>
-    <dgm:cxn modelId="{238D6892-0E24-4060-A415-A69BB6AA037E}" type="presOf" srcId="{27323C3F-7D4E-44F5-9FA3-413CFCD7B174}" destId="{8C0195AE-96DF-44DB-8CA5-EA3E73389D9C}" srcOrd="0" destOrd="3" presId="urn:microsoft.com/office/officeart/2005/8/layout/hProcess9"/>
     <dgm:cxn modelId="{503287BE-2194-4F0B-9AA9-12C9B00499EE}" type="presOf" srcId="{5245D8E1-9FDE-4633-85B7-BE42CD6AA787}" destId="{20382240-D5AC-4B89-8E53-73A8B41769F1}" srcOrd="0" destOrd="0" presId="urn:microsoft.com/office/officeart/2005/8/layout/hProcess9"/>
-    <dgm:cxn modelId="{24BACCAC-AE3B-4A99-B678-9387F463D2EF}" srcId="{6043B0A8-44FC-4706-B37A-7F342ABD7CAE}" destId="{60FFB2DA-71E2-4B60-8F03-B97F02814FE8}" srcOrd="1" destOrd="0" parTransId="{F5495816-0C9E-4B5B-A238-F565E58D7803}" sibTransId="{D06C6867-E1BA-43A9-A6CE-AE88C2CD94FD}"/>
-    <dgm:cxn modelId="{CA27D4C9-7305-47C1-B558-E71A93D8B295}" type="presOf" srcId="{AD34B4C5-1A81-4AC6-A5F9-35CC4DC5D843}" destId="{20382240-D5AC-4B89-8E53-73A8B41769F1}" srcOrd="0" destOrd="1" presId="urn:microsoft.com/office/officeart/2005/8/layout/hProcess9"/>
-    <dgm:cxn modelId="{B317833C-6656-437C-8CFB-9E1078BA4F7B}" srcId="{B4BBFA07-05DD-4CDD-AC39-6342607DC2A1}" destId="{BFAD5C6C-3CCC-47DA-B82A-97A0E60E41A5}" srcOrd="1" destOrd="0" parTransId="{2AC788DB-883E-4B3F-8E32-FB8F2C3C80B9}" sibTransId="{0A4F5D0E-4864-4480-8E69-940E5490226B}"/>
-    <dgm:cxn modelId="{DB1CAB31-0E81-4807-9A4F-8B2AC71839A2}" type="presOf" srcId="{1D2BD1DA-3657-4A8C-9785-D7282AB16A84}" destId="{F3C847B4-E9D1-403C-BF56-3BADCB1909DC}" srcOrd="0" destOrd="4" presId="urn:microsoft.com/office/officeart/2005/8/layout/hProcess9"/>
     <dgm:cxn modelId="{3DE7FD94-D5E7-407C-989B-2C1F91B4CE03}" srcId="{B4BBFA07-05DD-4CDD-AC39-6342607DC2A1}" destId="{27323C3F-7D4E-44F5-9FA3-413CFCD7B174}" srcOrd="2" destOrd="0" parTransId="{18FA00AE-387D-4A8D-981A-94EDEBCA8EC2}" sibTransId="{D4734B30-AB73-4712-B278-2895E8608C4E}"/>
-    <dgm:cxn modelId="{3A080199-5708-4D95-BDC6-677CE1E53018}" srcId="{B4BBFA07-05DD-4CDD-AC39-6342607DC2A1}" destId="{360394FA-829F-403E-9AF0-5F6CF96DFD1E}" srcOrd="3" destOrd="0" parTransId="{A75ACD84-8BFD-4E17-B22A-BCE08E0C1060}" sibTransId="{47CD002A-17EB-41C8-A521-C511E59926EB}"/>
-    <dgm:cxn modelId="{03C82376-6DFF-4B7E-B036-A886B0520F93}" type="presOf" srcId="{DBD17336-B141-494E-A31C-6EA653EE637A}" destId="{62F66354-603A-41C3-B161-16A4A9E45F44}" srcOrd="0" destOrd="0" presId="urn:microsoft.com/office/officeart/2005/8/layout/hProcess9"/>
-    <dgm:cxn modelId="{20EFF80B-8D1F-44F0-A98A-47DA2A47CC91}" type="presOf" srcId="{B4BBFA07-05DD-4CDD-AC39-6342607DC2A1}" destId="{8C0195AE-96DF-44DB-8CA5-EA3E73389D9C}" srcOrd="0" destOrd="0" presId="urn:microsoft.com/office/officeart/2005/8/layout/hProcess9"/>
-    <dgm:cxn modelId="{E2E8D555-E2A1-4B5C-B90D-F16299503649}" srcId="{182E85C3-C0C1-4055-B42E-08657C1D36EB}" destId="{DDBD9E0E-2857-478B-9BFD-EB049F36A6F4}" srcOrd="1" destOrd="0" parTransId="{64FDB413-C3BC-4DF0-942B-0162F878BA5B}" sibTransId="{79BD68F6-F4B8-49E3-96CA-A2D68A915F02}"/>
-    <dgm:cxn modelId="{607F61A3-2D5A-4D02-89FC-B7345F88B402}" type="presOf" srcId="{1E975C45-1647-472C-8812-EFF81A215801}" destId="{BA4718A9-DFD2-471C-969C-97F876ADC320}" srcOrd="0" destOrd="5" presId="urn:microsoft.com/office/officeart/2005/8/layout/hProcess9"/>
+    <dgm:cxn modelId="{1ADAA526-6B24-45CB-89D0-518E04A3D93F}" srcId="{182E85C3-C0C1-4055-B42E-08657C1D36EB}" destId="{3F8391EC-2E89-41BC-979F-48D4E21A811C}" srcOrd="2" destOrd="0" parTransId="{E9716149-5B95-4904-8590-6A93EE8C5197}" sibTransId="{BFA852D6-66A0-4365-B195-CB67CFDCDE73}"/>
     <dgm:cxn modelId="{929DDD9F-A144-4496-902C-7A0CEA79C4C8}" srcId="{5245D8E1-9FDE-4633-85B7-BE42CD6AA787}" destId="{8693C395-BAA7-449A-ACDD-FFFEEE0DC862}" srcOrd="1" destOrd="0" parTransId="{0DB5F330-DE96-4670-8EFA-8B7B45CEA34D}" sibTransId="{87BE7E65-1B97-4314-AB36-B212E2476EE6}"/>
-    <dgm:cxn modelId="{C36FF4DC-CCD6-47E2-9C05-747BCCD4C37E}" type="presOf" srcId="{2739C324-A41E-4970-8A01-796A2C795ACC}" destId="{BA4718A9-DFD2-471C-969C-97F876ADC320}" srcOrd="0" destOrd="1" presId="urn:microsoft.com/office/officeart/2005/8/layout/hProcess9"/>
-    <dgm:cxn modelId="{9423DADA-472C-41D9-88AD-46BB03D27D4E}" srcId="{6043B0A8-44FC-4706-B37A-7F342ABD7CAE}" destId="{ABD30D39-23EC-4FCC-9B13-57D32A82A546}" srcOrd="0" destOrd="0" parTransId="{C5A94903-DF8D-4907-A3E8-951CE956DA5D}" sibTransId="{3EF7BC8F-673B-4ADA-9436-138C06DF52D8}"/>
-    <dgm:cxn modelId="{8130EFA1-7C19-4707-918B-EBD61B992DC1}" srcId="{182E85C3-C0C1-4055-B42E-08657C1D36EB}" destId="{2739C324-A41E-4970-8A01-796A2C795ACC}" srcOrd="0" destOrd="0" parTransId="{34EABE2C-343C-4A99-94EF-992C7B2864FB}" sibTransId="{E3CAAA70-690B-43D6-AD4A-610350C2031C}"/>
-    <dgm:cxn modelId="{08E746BB-D95F-4886-82E3-5ED9A83CD38E}" type="presOf" srcId="{FCE05639-9A34-421D-9FD3-79EEF57498D8}" destId="{62F66354-603A-41C3-B161-16A4A9E45F44}" srcOrd="0" destOrd="1" presId="urn:microsoft.com/office/officeart/2005/8/layout/hProcess9"/>
-    <dgm:cxn modelId="{742F0ED1-DC5E-4FDC-BC68-EC649BA19C45}" srcId="{B4BBFA07-05DD-4CDD-AC39-6342607DC2A1}" destId="{10E407B9-5FCC-4D3A-94D2-6AB25397AEC7}" srcOrd="0" destOrd="0" parTransId="{0560221A-0D57-438B-900A-B03E24CCA932}" sibTransId="{40E49337-7DC0-4E0E-B2C1-5C40A2AD0A26}"/>
-    <dgm:cxn modelId="{66704B5C-1B3A-4DE5-B794-CC8167E42596}" type="presOf" srcId="{182E85C3-C0C1-4055-B42E-08657C1D36EB}" destId="{BA4718A9-DFD2-471C-969C-97F876ADC320}" srcOrd="0" destOrd="0" presId="urn:microsoft.com/office/officeart/2005/8/layout/hProcess9"/>
-    <dgm:cxn modelId="{E98B806D-7427-40E5-9217-58A7BBA4F702}" type="presOf" srcId="{BFAD5C6C-3CCC-47DA-B82A-97A0E60E41A5}" destId="{8C0195AE-96DF-44DB-8CA5-EA3E73389D9C}" srcOrd="0" destOrd="2" presId="urn:microsoft.com/office/officeart/2005/8/layout/hProcess9"/>
-    <dgm:cxn modelId="{2198E06B-EBEE-42F2-BF31-52AD13E73BC6}" srcId="{42A7AF39-9F16-4BE0-9691-F2A4EAA889D5}" destId="{DBD17336-B141-494E-A31C-6EA653EE637A}" srcOrd="3" destOrd="0" parTransId="{09A6F55D-0974-44D2-B12D-48E16F3D0029}" sibTransId="{A6141C16-1C65-42F9-8DF0-A27738FE79EE}"/>
-    <dgm:cxn modelId="{58ECD606-DF49-456C-92CC-3FC995338DA5}" srcId="{182E85C3-C0C1-4055-B42E-08657C1D36EB}" destId="{1E975C45-1647-472C-8812-EFF81A215801}" srcOrd="4" destOrd="0" parTransId="{11DCAC3E-4C2C-4945-B245-E7C69099CB34}" sibTransId="{50A0534A-8921-429F-AEBF-0E0D60438255}"/>
-    <dgm:cxn modelId="{9E16A8B2-B87E-4EC6-8F80-A092713ABD93}" type="presOf" srcId="{64A53441-CA35-4183-98A4-98146221F8AE}" destId="{F3C847B4-E9D1-403C-BF56-3BADCB1909DC}" srcOrd="0" destOrd="3" presId="urn:microsoft.com/office/officeart/2005/8/layout/hProcess9"/>
-    <dgm:cxn modelId="{F99FE896-AED4-426E-B77C-0AB5248E0CCE}" srcId="{6043B0A8-44FC-4706-B37A-7F342ABD7CAE}" destId="{64A53441-CA35-4183-98A4-98146221F8AE}" srcOrd="2" destOrd="0" parTransId="{34A59247-41BB-4387-901C-F4B4BA0ABC20}" sibTransId="{0C284384-0EF7-4A62-BF30-04B34F7CD0AC}"/>
-    <dgm:cxn modelId="{D4AF4160-DDE6-4565-8479-2BC7137E4EDA}" type="presOf" srcId="{8693C395-BAA7-449A-ACDD-FFFEEE0DC862}" destId="{20382240-D5AC-4B89-8E53-73A8B41769F1}" srcOrd="0" destOrd="2" presId="urn:microsoft.com/office/officeart/2005/8/layout/hProcess9"/>
-    <dgm:cxn modelId="{549CF814-C607-4921-A024-5CFAC5637540}" srcId="{5245D8E1-9FDE-4633-85B7-BE42CD6AA787}" destId="{AD34B4C5-1A81-4AC6-A5F9-35CC4DC5D843}" srcOrd="0" destOrd="0" parTransId="{FD6F77B6-DA9F-491F-B649-F16E90DA55B0}" sibTransId="{8B95582E-B691-45DD-8D9C-114E0B7A4E01}"/>
-    <dgm:cxn modelId="{C75F7C68-8484-4A91-B6A3-583D73E6BC93}" type="presOf" srcId="{124AB731-44F7-42FC-A2C7-6A103755875A}" destId="{BA4718A9-DFD2-471C-969C-97F876ADC320}" srcOrd="0" destOrd="4" presId="urn:microsoft.com/office/officeart/2005/8/layout/hProcess9"/>
-    <dgm:cxn modelId="{B848308C-6711-4ECC-A275-3BD95A47C3D1}" type="presOf" srcId="{3F8391EC-2E89-41BC-979F-48D4E21A811C}" destId="{BA4718A9-DFD2-471C-969C-97F876ADC320}" srcOrd="0" destOrd="3" presId="urn:microsoft.com/office/officeart/2005/8/layout/hProcess9"/>
-    <dgm:cxn modelId="{165AFAEA-5E3C-4D2F-B24C-8AB5DB51E1D8}" srcId="{DBD17336-B141-494E-A31C-6EA653EE637A}" destId="{8852547F-3DE1-4303-BABC-35751A1FFAA4}" srcOrd="1" destOrd="0" parTransId="{E3280EF4-38C9-4B21-B7E2-305ED52D9188}" sibTransId="{7EF36CEC-CFA4-4D2A-9ADF-9A92FE46FB8F}"/>
-    <dgm:cxn modelId="{3F65C4C7-8DE4-4F28-82C5-0662EBCF8C0E}" srcId="{DBD17336-B141-494E-A31C-6EA653EE637A}" destId="{FCE05639-9A34-421D-9FD3-79EEF57498D8}" srcOrd="0" destOrd="0" parTransId="{F3903BDF-F0ED-4A06-8C1B-A96D8DDD8DDC}" sibTransId="{4F6AA9F8-0B5F-499B-AE30-3D935C570E4E}"/>
-    <dgm:cxn modelId="{1ADAA526-6B24-45CB-89D0-518E04A3D93F}" srcId="{182E85C3-C0C1-4055-B42E-08657C1D36EB}" destId="{3F8391EC-2E89-41BC-979F-48D4E21A811C}" srcOrd="2" destOrd="0" parTransId="{E9716149-5B95-4904-8590-6A93EE8C5197}" sibTransId="{BFA852D6-66A0-4365-B195-CB67CFDCDE73}"/>
-    <dgm:cxn modelId="{4296771F-3E76-4B6E-BCA1-FFBE218B6B73}" type="presOf" srcId="{10E407B9-5FCC-4D3A-94D2-6AB25397AEC7}" destId="{8C0195AE-96DF-44DB-8CA5-EA3E73389D9C}" srcOrd="0" destOrd="1" presId="urn:microsoft.com/office/officeart/2005/8/layout/hProcess9"/>
     <dgm:cxn modelId="{F3801A3C-3E3D-475A-B6DA-AD1066FF5E06}" type="presParOf" srcId="{734A29E2-3521-46BA-B5C0-E8A3637FA4B0}" destId="{3E058364-C437-4B0E-B373-8D6523686A02}" srcOrd="0" destOrd="0" presId="urn:microsoft.com/office/officeart/2005/8/layout/hProcess9"/>
     <dgm:cxn modelId="{9DDFD9AB-E4CB-4CFE-8C0A-EF116411C6C7}" type="presParOf" srcId="{734A29E2-3521-46BA-B5C0-E8A3637FA4B0}" destId="{90CFEA40-A29F-40A9-966B-DA7D8D7003DF}" srcOrd="1" destOrd="0" presId="urn:microsoft.com/office/officeart/2005/8/layout/hProcess9"/>
     <dgm:cxn modelId="{3BCAA9FB-5D8C-45AB-AAF9-5A4E6A40DDB1}" type="presParOf" srcId="{90CFEA40-A29F-40A9-966B-DA7D8D7003DF}" destId="{8C0195AE-96DF-44DB-8CA5-EA3E73389D9C}" srcOrd="0" destOrd="0" presId="urn:microsoft.com/office/officeart/2005/8/layout/hProcess9"/>
@@ -1992,14 +2002,14 @@
   <dgm:whole/>
   <dgm:extLst>
     <a:ext uri="http://schemas.microsoft.com/office/drawing/2008/diagram">
-      <dsp:dataModelExt xmlns:dsp="http://schemas.microsoft.com/office/drawing/2008/diagram" xmlns="" relId="rId7" minVer="http://schemas.openxmlformats.org/drawingml/2006/diagram"/>
+      <dsp:dataModelExt xmlns:dsp="http://schemas.microsoft.com/office/drawing/2008/diagram" relId="rId7" minVer="http://schemas.openxmlformats.org/drawingml/2006/diagram"/>
     </a:ext>
   </dgm:extLst>
 </dgm:dataModel>
 </file>
 
 <file path=ppt/diagrams/drawing1.xml><?xml version="1.0" encoding="utf-8"?>
-<dsp:drawing xmlns:dgm="http://schemas.openxmlformats.org/drawingml/2006/diagram" xmlns:a="http://schemas.openxmlformats.org/drawingml/2006/main" xmlns:dsp="http://schemas.microsoft.com/office/drawing/2008/diagram">
+<dsp:drawing xmlns:dgm="http://schemas.openxmlformats.org/drawingml/2006/diagram" xmlns:dsp="http://schemas.microsoft.com/office/drawing/2008/diagram" xmlns:a="http://schemas.openxmlformats.org/drawingml/2006/main">
   <dsp:spTree>
     <dsp:nvGrpSpPr>
       <dsp:cNvPr id="0" name=""/>
@@ -2231,8 +2241,8 @@
         </a:p>
       </dsp:txBody>
       <dsp:txXfrm>
-        <a:off x="2601" y="1538503"/>
-        <a:ext cx="1566254" cy="2051337"/>
+        <a:off x="79059" y="1614961"/>
+        <a:ext cx="1413338" cy="1898421"/>
       </dsp:txXfrm>
     </dsp:sp>
     <dsp:sp modelId="{BA4718A9-DFD2-471C-969C-97F876ADC320}">
@@ -2429,8 +2439,8 @@
         </a:p>
       </dsp:txBody>
       <dsp:txXfrm>
-        <a:off x="1829899" y="1538503"/>
-        <a:ext cx="1566254" cy="2051337"/>
+        <a:off x="1906357" y="1614961"/>
+        <a:ext cx="1413338" cy="1898421"/>
       </dsp:txXfrm>
     </dsp:sp>
     <dsp:sp modelId="{F3C847B4-E9D1-403C-BF56-3BADCB1909DC}">
@@ -2612,8 +2622,8 @@
         </a:p>
       </dsp:txBody>
       <dsp:txXfrm>
-        <a:off x="3657196" y="1538503"/>
-        <a:ext cx="1566254" cy="2051337"/>
+        <a:off x="3733654" y="1614961"/>
+        <a:ext cx="1413338" cy="1898421"/>
       </dsp:txXfrm>
     </dsp:sp>
     <dsp:sp modelId="{62F66354-603A-41C3-B161-16A4A9E45F44}">
@@ -2753,8 +2763,8 @@
         </a:p>
       </dsp:txBody>
       <dsp:txXfrm>
-        <a:off x="5484493" y="1538503"/>
-        <a:ext cx="1566254" cy="2051337"/>
+        <a:off x="5560951" y="1614961"/>
+        <a:ext cx="1413338" cy="1898421"/>
       </dsp:txXfrm>
     </dsp:sp>
     <dsp:sp modelId="{20382240-D5AC-4B89-8E53-73A8B41769F1}">
@@ -2894,8 +2904,8 @@
         </a:p>
       </dsp:txBody>
       <dsp:txXfrm>
-        <a:off x="7311791" y="1538503"/>
-        <a:ext cx="1566254" cy="2051337"/>
+        <a:off x="7388249" y="1614961"/>
+        <a:ext cx="1413338" cy="1898421"/>
       </dsp:txXfrm>
     </dsp:sp>
   </dsp:spTree>
@@ -4173,7 +4183,7 @@
             <a:fld id="{6DE7D471-23B3-46CB-9C19-FE802EC31550}" type="datetimeFigureOut">
               <a:rPr lang="de-DE" smtClean="0"/>
               <a:pPr/>
-              <a:t>29.10.2013</a:t>
+              <a:t>30.10.2013</a:t>
             </a:fld>
             <a:endParaRPr lang="de-DE"/>
           </a:p>
@@ -4249,7 +4259,7 @@
     </p:spTree>
     <p:extLst>
       <p:ext uri="{BB962C8B-B14F-4D97-AF65-F5344CB8AC3E}">
-        <p14:creationId xmlns:p14="http://schemas.microsoft.com/office/powerpoint/2010/main" xmlns="" val="4293457334"/>
+        <p14:creationId xmlns:p14="http://schemas.microsoft.com/office/powerpoint/2010/main" val="4293457334"/>
       </p:ext>
     </p:extLst>
   </p:cSld>
@@ -4340,7 +4350,7 @@
             <a:fld id="{F8ADFA6A-A181-4216-B4EE-F250058645E3}" type="datetimeFigureOut">
               <a:rPr lang="de-DE" smtClean="0"/>
               <a:pPr/>
-              <a:t>29.10.2013</a:t>
+              <a:t>30.10.2013</a:t>
             </a:fld>
             <a:endParaRPr lang="de-DE"/>
           </a:p>
@@ -4509,7 +4519,7 @@
     </p:spTree>
     <p:extLst>
       <p:ext uri="{BB962C8B-B14F-4D97-AF65-F5344CB8AC3E}">
-        <p14:creationId xmlns:p14="http://schemas.microsoft.com/office/powerpoint/2010/main" xmlns="" val="2981845176"/>
+        <p14:creationId xmlns:p14="http://schemas.microsoft.com/office/powerpoint/2010/main" val="2981845176"/>
       </p:ext>
     </p:extLst>
   </p:cSld>
@@ -4688,7 +4698,7 @@
     </p:spTree>
     <p:extLst>
       <p:ext uri="{BB962C8B-B14F-4D97-AF65-F5344CB8AC3E}">
-        <p14:creationId xmlns:p14="http://schemas.microsoft.com/office/powerpoint/2010/main" xmlns="" val="3072081027"/>
+        <p14:creationId xmlns:p14="http://schemas.microsoft.com/office/powerpoint/2010/main" val="3072081027"/>
       </p:ext>
     </p:extLst>
   </p:cSld>
@@ -4777,7 +4787,7 @@
     </p:spTree>
     <p:extLst>
       <p:ext uri="{BB962C8B-B14F-4D97-AF65-F5344CB8AC3E}">
-        <p14:creationId xmlns:p14="http://schemas.microsoft.com/office/powerpoint/2010/main" xmlns="" val="471274584"/>
+        <p14:creationId xmlns:p14="http://schemas.microsoft.com/office/powerpoint/2010/main" val="471274584"/>
       </p:ext>
     </p:extLst>
   </p:cSld>
@@ -4866,7 +4876,7 @@
     </p:spTree>
     <p:extLst>
       <p:ext uri="{BB962C8B-B14F-4D97-AF65-F5344CB8AC3E}">
-        <p14:creationId xmlns:p14="http://schemas.microsoft.com/office/powerpoint/2010/main" xmlns="" val="3859340865"/>
+        <p14:creationId xmlns:p14="http://schemas.microsoft.com/office/powerpoint/2010/main" val="3859340865"/>
       </p:ext>
     </p:extLst>
   </p:cSld>
@@ -4955,7 +4965,7 @@
     </p:spTree>
     <p:extLst>
       <p:ext uri="{BB962C8B-B14F-4D97-AF65-F5344CB8AC3E}">
-        <p14:creationId xmlns:p14="http://schemas.microsoft.com/office/powerpoint/2010/main" xmlns="" val="3859340865"/>
+        <p14:creationId xmlns:p14="http://schemas.microsoft.com/office/powerpoint/2010/main" val="3859340865"/>
       </p:ext>
     </p:extLst>
   </p:cSld>
@@ -5044,7 +5054,7 @@
     </p:spTree>
     <p:extLst>
       <p:ext uri="{BB962C8B-B14F-4D97-AF65-F5344CB8AC3E}">
-        <p14:creationId xmlns:p14="http://schemas.microsoft.com/office/powerpoint/2010/main" xmlns="" val="2310265331"/>
+        <p14:creationId xmlns:p14="http://schemas.microsoft.com/office/powerpoint/2010/main" val="2310265331"/>
       </p:ext>
     </p:extLst>
   </p:cSld>
@@ -5133,7 +5143,7 @@
     </p:spTree>
     <p:extLst>
       <p:ext uri="{BB962C8B-B14F-4D97-AF65-F5344CB8AC3E}">
-        <p14:creationId xmlns:p14="http://schemas.microsoft.com/office/powerpoint/2010/main" xmlns="" val="199634551"/>
+        <p14:creationId xmlns:p14="http://schemas.microsoft.com/office/powerpoint/2010/main" val="199634551"/>
       </p:ext>
     </p:extLst>
   </p:cSld>
@@ -5226,7 +5236,7 @@
     </p:spTree>
     <p:extLst>
       <p:ext uri="{BB962C8B-B14F-4D97-AF65-F5344CB8AC3E}">
-        <p14:creationId xmlns:p14="http://schemas.microsoft.com/office/powerpoint/2010/main" xmlns="" val="1602375425"/>
+        <p14:creationId xmlns:p14="http://schemas.microsoft.com/office/powerpoint/2010/main" val="1602375425"/>
       </p:ext>
     </p:extLst>
   </p:cSld>
@@ -5311,7 +5321,7 @@
     </p:spTree>
     <p:extLst>
       <p:ext uri="{BB962C8B-B14F-4D97-AF65-F5344CB8AC3E}">
-        <p14:creationId xmlns:p14="http://schemas.microsoft.com/office/powerpoint/2010/main" xmlns="" val="1794501352"/>
+        <p14:creationId xmlns:p14="http://schemas.microsoft.com/office/powerpoint/2010/main" val="1794501352"/>
       </p:ext>
     </p:extLst>
   </p:cSld>
@@ -5396,7 +5406,7 @@
     </p:spTree>
     <p:extLst>
       <p:ext uri="{BB962C8B-B14F-4D97-AF65-F5344CB8AC3E}">
-        <p14:creationId xmlns:p14="http://schemas.microsoft.com/office/powerpoint/2010/main" xmlns="" val="337020109"/>
+        <p14:creationId xmlns:p14="http://schemas.microsoft.com/office/powerpoint/2010/main" val="337020109"/>
       </p:ext>
     </p:extLst>
   </p:cSld>
@@ -5481,7 +5491,7 @@
     </p:spTree>
     <p:extLst>
       <p:ext uri="{BB962C8B-B14F-4D97-AF65-F5344CB8AC3E}">
-        <p14:creationId xmlns:p14="http://schemas.microsoft.com/office/powerpoint/2010/main" xmlns="" val="2781132002"/>
+        <p14:creationId xmlns:p14="http://schemas.microsoft.com/office/powerpoint/2010/main" val="2781132002"/>
       </p:ext>
     </p:extLst>
   </p:cSld>
@@ -5570,7 +5580,7 @@
     </p:spTree>
     <p:extLst>
       <p:ext uri="{BB962C8B-B14F-4D97-AF65-F5344CB8AC3E}">
-        <p14:creationId xmlns:p14="http://schemas.microsoft.com/office/powerpoint/2010/main" xmlns="" val="2997718527"/>
+        <p14:creationId xmlns:p14="http://schemas.microsoft.com/office/powerpoint/2010/main" val="2997718527"/>
       </p:ext>
     </p:extLst>
   </p:cSld>
@@ -5659,7 +5669,7 @@
     </p:spTree>
     <p:extLst>
       <p:ext uri="{BB962C8B-B14F-4D97-AF65-F5344CB8AC3E}">
-        <p14:creationId xmlns:p14="http://schemas.microsoft.com/office/powerpoint/2010/main" xmlns="" val="358048833"/>
+        <p14:creationId xmlns:p14="http://schemas.microsoft.com/office/powerpoint/2010/main" val="358048833"/>
       </p:ext>
     </p:extLst>
   </p:cSld>
@@ -5777,7 +5787,7 @@
     </p:spTree>
     <p:extLst>
       <p:ext uri="{BB962C8B-B14F-4D97-AF65-F5344CB8AC3E}">
-        <p14:creationId xmlns:p14="http://schemas.microsoft.com/office/powerpoint/2010/main" xmlns="" val="2505227762"/>
+        <p14:creationId xmlns:p14="http://schemas.microsoft.com/office/powerpoint/2010/main" val="2505227762"/>
       </p:ext>
     </p:extLst>
   </p:cSld>
@@ -5866,7 +5876,7 @@
     </p:spTree>
     <p:extLst>
       <p:ext uri="{BB962C8B-B14F-4D97-AF65-F5344CB8AC3E}">
-        <p14:creationId xmlns:p14="http://schemas.microsoft.com/office/powerpoint/2010/main" xmlns="" val="1113625367"/>
+        <p14:creationId xmlns:p14="http://schemas.microsoft.com/office/powerpoint/2010/main" val="1113625367"/>
       </p:ext>
     </p:extLst>
   </p:cSld>
@@ -5955,7 +5965,7 @@
     </p:spTree>
     <p:extLst>
       <p:ext uri="{BB962C8B-B14F-4D97-AF65-F5344CB8AC3E}">
-        <p14:creationId xmlns:p14="http://schemas.microsoft.com/office/powerpoint/2010/main" xmlns="" val="3699469937"/>
+        <p14:creationId xmlns:p14="http://schemas.microsoft.com/office/powerpoint/2010/main" val="3699469937"/>
       </p:ext>
     </p:extLst>
   </p:cSld>
@@ -6044,7 +6054,7 @@
     </p:spTree>
     <p:extLst>
       <p:ext uri="{BB962C8B-B14F-4D97-AF65-F5344CB8AC3E}">
-        <p14:creationId xmlns:p14="http://schemas.microsoft.com/office/powerpoint/2010/main" xmlns="" val="567656433"/>
+        <p14:creationId xmlns:p14="http://schemas.microsoft.com/office/powerpoint/2010/main" val="567656433"/>
       </p:ext>
     </p:extLst>
   </p:cSld>
@@ -6133,7 +6143,7 @@
     </p:spTree>
     <p:extLst>
       <p:ext uri="{BB962C8B-B14F-4D97-AF65-F5344CB8AC3E}">
-        <p14:creationId xmlns:p14="http://schemas.microsoft.com/office/powerpoint/2010/main" xmlns="" val="2657475957"/>
+        <p14:creationId xmlns:p14="http://schemas.microsoft.com/office/powerpoint/2010/main" val="2657475957"/>
       </p:ext>
     </p:extLst>
   </p:cSld>
@@ -6222,7 +6232,7 @@
     </p:spTree>
     <p:extLst>
       <p:ext uri="{BB962C8B-B14F-4D97-AF65-F5344CB8AC3E}">
-        <p14:creationId xmlns:p14="http://schemas.microsoft.com/office/powerpoint/2010/main" xmlns="" val="1770973867"/>
+        <p14:creationId xmlns:p14="http://schemas.microsoft.com/office/powerpoint/2010/main" val="1770973867"/>
       </p:ext>
     </p:extLst>
   </p:cSld>
@@ -6891,7 +6901,7 @@
             <a:fld id="{1E56328B-ED09-4676-B786-CF53801099A1}" type="datetime1">
               <a:rPr lang="de-DE" smtClean="0"/>
               <a:pPr/>
-              <a:t>29.10.2013</a:t>
+              <a:t>30.10.2013</a:t>
             </a:fld>
             <a:endParaRPr lang="de-DE" dirty="0"/>
           </a:p>
@@ -7076,7 +7086,7 @@
             <a:fld id="{8E0C9791-43FD-4BFB-8DD5-A7ADC4663670}" type="datetime1">
               <a:rPr lang="de-DE" smtClean="0"/>
               <a:pPr/>
-              <a:t>29.10.2013</a:t>
+              <a:t>30.10.2013</a:t>
             </a:fld>
             <a:endParaRPr lang="de-DE" dirty="0"/>
           </a:p>
@@ -7253,7 +7263,7 @@
             <a:fld id="{D9140D59-A15F-46C3-B91A-759061DBCFDC}" type="datetime1">
               <a:rPr lang="de-DE" smtClean="0"/>
               <a:pPr/>
-              <a:t>29.10.2013</a:t>
+              <a:t>30.10.2013</a:t>
             </a:fld>
             <a:endParaRPr lang="de-DE" dirty="0"/>
           </a:p>
@@ -7420,7 +7430,7 @@
             <a:fld id="{700792C1-6CE2-4121-AA39-F623E26ABF84}" type="datetime1">
               <a:rPr lang="de-DE" smtClean="0"/>
               <a:pPr/>
-              <a:t>29.10.2013</a:t>
+              <a:t>30.10.2013</a:t>
             </a:fld>
             <a:endParaRPr lang="de-DE" dirty="0"/>
           </a:p>
@@ -7650,7 +7660,7 @@
             <a:fld id="{CA0928A8-61C4-4048-8746-E91EC13E0C8A}" type="datetime1">
               <a:rPr lang="de-DE" smtClean="0"/>
               <a:pPr/>
-              <a:t>29.10.2013</a:t>
+              <a:t>30.10.2013</a:t>
             </a:fld>
             <a:endParaRPr lang="de-DE" dirty="0"/>
           </a:p>
@@ -7911,7 +7921,7 @@
             <a:fld id="{978CFA25-F4CF-40DF-92A3-E9568B1EF53D}" type="datetime1">
               <a:rPr lang="de-DE" smtClean="0"/>
               <a:pPr/>
-              <a:t>29.10.2013</a:t>
+              <a:t>30.10.2013</a:t>
             </a:fld>
             <a:endParaRPr lang="de-DE" dirty="0"/>
           </a:p>
@@ -8317,7 +8327,7 @@
             <a:fld id="{808EAF96-91D5-4DDB-AE91-F35C5F3E4B8B}" type="datetime1">
               <a:rPr lang="de-DE" smtClean="0"/>
               <a:pPr/>
-              <a:t>29.10.2013</a:t>
+              <a:t>30.10.2013</a:t>
             </a:fld>
             <a:endParaRPr lang="de-DE" dirty="0"/>
           </a:p>
@@ -8450,7 +8460,7 @@
             <a:fld id="{DC9DE7D3-3BB2-4519-B05E-95AAEE28A7BA}" type="datetime1">
               <a:rPr lang="de-DE" smtClean="0"/>
               <a:pPr/>
-              <a:t>29.10.2013</a:t>
+              <a:t>30.10.2013</a:t>
             </a:fld>
             <a:endParaRPr lang="de-DE" dirty="0"/>
           </a:p>
@@ -8552,7 +8562,7 @@
             <a:fld id="{5CD1B192-B802-490C-A92D-37CB1628E835}" type="datetime1">
               <a:rPr lang="de-DE" smtClean="0"/>
               <a:pPr/>
-              <a:t>29.10.2013</a:t>
+              <a:t>30.10.2013</a:t>
             </a:fld>
             <a:endParaRPr lang="de-DE" dirty="0"/>
           </a:p>
@@ -8799,7 +8809,7 @@
             <a:fld id="{5B8F4F46-62F6-498A-9857-6CF8E80166B9}" type="datetime1">
               <a:rPr lang="de-DE" smtClean="0"/>
               <a:pPr/>
-              <a:t>29.10.2013</a:t>
+              <a:t>30.10.2013</a:t>
             </a:fld>
             <a:endParaRPr lang="de-DE" dirty="0"/>
           </a:p>
@@ -9045,7 +9055,7 @@
             <a:fld id="{C1CD9BCD-9363-467C-BDE2-666EEFFDF066}" type="datetime1">
               <a:rPr lang="de-DE" smtClean="0"/>
               <a:pPr/>
-              <a:t>29.10.2013</a:t>
+              <a:t>30.10.2013</a:t>
             </a:fld>
             <a:endParaRPr lang="de-DE" dirty="0"/>
           </a:p>
@@ -9871,7 +9881,7 @@
             <a:fld id="{70564968-885B-4558-9753-8E7E1348B15B}" type="datetime1">
               <a:rPr lang="de-DE" smtClean="0"/>
               <a:pPr/>
-              <a:t>29.10.2013</a:t>
+              <a:t>30.10.2013</a:t>
             </a:fld>
             <a:endParaRPr lang="de-DE" dirty="0"/>
           </a:p>
@@ -10329,7 +10339,7 @@
           <a:blip r:embed="rId3" cstate="print">
             <a:extLst>
               <a:ext uri="{28A0092B-C50C-407E-A947-70E740481C1C}">
-                <a14:useLocalDpi xmlns:a14="http://schemas.microsoft.com/office/drawing/2010/main" xmlns="" val="0"/>
+                <a14:useLocalDpi xmlns:a14="http://schemas.microsoft.com/office/drawing/2010/main" val="0"/>
               </a:ext>
             </a:extLst>
           </a:blip>
@@ -10374,7 +10384,7 @@
     </p:spTree>
     <p:extLst>
       <p:ext uri="{BB962C8B-B14F-4D97-AF65-F5344CB8AC3E}">
-        <p14:creationId xmlns:p14="http://schemas.microsoft.com/office/powerpoint/2010/main" xmlns="" val="709012416"/>
+        <p14:creationId xmlns:p14="http://schemas.microsoft.com/office/powerpoint/2010/main" val="709012416"/>
       </p:ext>
     </p:extLst>
   </p:cSld>
@@ -10418,7 +10428,12 @@
             <p:ph type="title"/>
           </p:nvPr>
         </p:nvSpPr>
-        <p:spPr/>
+        <p:spPr>
+          <a:xfrm>
+            <a:off x="457200" y="852768"/>
+            <a:ext cx="8229600" cy="1069848"/>
+          </a:xfrm>
+        </p:spPr>
         <p:txBody>
           <a:bodyPr/>
           <a:lstStyle/>
@@ -10631,8 +10646,8 @@
         </p:nvSpPr>
         <p:spPr>
           <a:xfrm>
-            <a:off x="609600" y="2401824"/>
-            <a:ext cx="8229600" cy="4325112"/>
+            <a:off x="173462" y="2060848"/>
+            <a:ext cx="3852296" cy="4325112"/>
           </a:xfrm>
           <a:prstGeom prst="rect">
             <a:avLst/>
@@ -10816,7 +10831,11 @@
             <a:pPr lvl="1"/>
             <a:r>
               <a:rPr lang="de-DE" dirty="0" smtClean="0"/>
-              <a:t>Keine Redundanzen</a:t>
+              <a:t>Keine </a:t>
+            </a:r>
+            <a:r>
+              <a:rPr lang="de-DE" dirty="0" smtClean="0"/>
+              <a:t>Redundanzen</a:t>
             </a:r>
           </a:p>
           <a:p>
@@ -10830,19 +10849,26 @@
           <a:p>
             <a:r>
               <a:rPr lang="de-DE" dirty="0" smtClean="0"/>
-              <a:t>Schnittstelle zur Datenbank</a:t>
-            </a:r>
-          </a:p>
-          <a:p>
+              <a:t>Schnittstelle zur </a:t>
+            </a:r>
+            <a:r>
+              <a:rPr lang="de-DE" dirty="0" smtClean="0"/>
+              <a:t>Datenbank</a:t>
+            </a:r>
+          </a:p>
+          <a:p>
+            <a:r>
+              <a:rPr lang="de-DE" dirty="0" smtClean="0"/>
+              <a:t>Realisierung durch </a:t>
+            </a:r>
             <a:r>
               <a:rPr lang="de-DE" dirty="0" smtClean="0"/>
               <a:t>SQL </a:t>
             </a:r>
             <a:r>
-              <a:rPr lang="de-DE" dirty="0" err="1" smtClean="0"/>
+              <a:rPr lang="de-DE" dirty="0" smtClean="0"/>
               <a:t>Queries</a:t>
             </a:r>
-            <a:endParaRPr lang="de-DE" dirty="0" smtClean="0"/>
           </a:p>
         </p:txBody>
       </p:sp>
@@ -10870,10 +10896,40 @@
           </a:p>
         </p:txBody>
       </p:sp>
+      <p:pic>
+        <p:nvPicPr>
+          <p:cNvPr id="6" name="Grafik 5"/>
+          <p:cNvPicPr>
+            <a:picLocks noChangeAspect="1"/>
+          </p:cNvPicPr>
+          <p:nvPr/>
+        </p:nvPicPr>
+        <p:blipFill>
+          <a:blip r:embed="rId3">
+            <a:extLst>
+              <a:ext uri="{28A0092B-C50C-407E-A947-70E740481C1C}">
+                <a14:useLocalDpi xmlns:a14="http://schemas.microsoft.com/office/drawing/2010/main" val="0"/>
+              </a:ext>
+            </a:extLst>
+          </a:blip>
+          <a:stretch>
+            <a:fillRect/>
+          </a:stretch>
+        </p:blipFill>
+        <p:spPr>
+          <a:xfrm>
+            <a:off x="4173754" y="525960"/>
+            <a:ext cx="4796784" cy="6344813"/>
+          </a:xfrm>
+          <a:prstGeom prst="rect">
+            <a:avLst/>
+          </a:prstGeom>
+        </p:spPr>
+      </p:pic>
     </p:spTree>
     <p:extLst>
       <p:ext uri="{BB962C8B-B14F-4D97-AF65-F5344CB8AC3E}">
-        <p14:creationId xmlns:p14="http://schemas.microsoft.com/office/powerpoint/2010/main" xmlns="" val="2447740237"/>
+        <p14:creationId xmlns:p14="http://schemas.microsoft.com/office/powerpoint/2010/main" val="2447740237"/>
       </p:ext>
     </p:extLst>
   </p:cSld>
@@ -11162,7 +11218,7 @@
           <a:blip r:embed="rId3" cstate="print">
             <a:extLst>
               <a:ext uri="{28A0092B-C50C-407E-A947-70E740481C1C}">
-                <a14:useLocalDpi xmlns:a14="http://schemas.microsoft.com/office/drawing/2010/main" xmlns="" val="0"/>
+                <a14:useLocalDpi xmlns:a14="http://schemas.microsoft.com/office/drawing/2010/main" val="0"/>
               </a:ext>
             </a:extLst>
           </a:blip>
@@ -11186,14 +11242,14 @@
           <a:effectLst/>
           <a:extLst>
             <a:ext uri="{909E8E84-426E-40DD-AFC4-6F175D3DCCD1}">
-              <a14:hiddenFill xmlns:a14="http://schemas.microsoft.com/office/drawing/2010/main" xmlns="">
+              <a14:hiddenFill xmlns:a14="http://schemas.microsoft.com/office/drawing/2010/main">
                 <a:solidFill>
                   <a:schemeClr val="accent1"/>
                 </a:solidFill>
               </a14:hiddenFill>
             </a:ext>
             <a:ext uri="{91240B29-F687-4F45-9708-019B960494DF}">
-              <a14:hiddenLine xmlns:a14="http://schemas.microsoft.com/office/drawing/2010/main" xmlns="" w="9525">
+              <a14:hiddenLine xmlns:a14="http://schemas.microsoft.com/office/drawing/2010/main" w="9525">
                 <a:solidFill>
                   <a:schemeClr val="tx1"/>
                 </a:solidFill>
@@ -11203,7 +11259,7 @@
               </a14:hiddenLine>
             </a:ext>
             <a:ext uri="{AF507438-7753-43E0-B8FC-AC1667EBCBE1}">
-              <a14:hiddenEffects xmlns:a14="http://schemas.microsoft.com/office/drawing/2010/main" xmlns="">
+              <a14:hiddenEffects xmlns:a14="http://schemas.microsoft.com/office/drawing/2010/main">
                 <a:effectLst>
                   <a:outerShdw dist="35921" dir="2700000" algn="ctr" rotWithShape="0">
                     <a:schemeClr val="bg2"/>
@@ -11241,7 +11297,7 @@
     </p:spTree>
     <p:extLst>
       <p:ext uri="{BB962C8B-B14F-4D97-AF65-F5344CB8AC3E}">
-        <p14:creationId xmlns:p14="http://schemas.microsoft.com/office/powerpoint/2010/main" xmlns="" val="3159283490"/>
+        <p14:creationId xmlns:p14="http://schemas.microsoft.com/office/powerpoint/2010/main" val="3159283490"/>
       </p:ext>
     </p:extLst>
   </p:cSld>
@@ -11391,7 +11447,7 @@
           <a:blip r:embed="rId3" cstate="print">
             <a:extLst>
               <a:ext uri="{28A0092B-C50C-407E-A947-70E740481C1C}">
-                <a14:useLocalDpi xmlns:a14="http://schemas.microsoft.com/office/drawing/2010/main" xmlns="" val="0"/>
+                <a14:useLocalDpi xmlns:a14="http://schemas.microsoft.com/office/drawing/2010/main" val="0"/>
               </a:ext>
             </a:extLst>
           </a:blip>
@@ -11415,14 +11471,14 @@
           <a:effectLst/>
           <a:extLst>
             <a:ext uri="{909E8E84-426E-40DD-AFC4-6F175D3DCCD1}">
-              <a14:hiddenFill xmlns:a14="http://schemas.microsoft.com/office/drawing/2010/main" xmlns="">
+              <a14:hiddenFill xmlns:a14="http://schemas.microsoft.com/office/drawing/2010/main">
                 <a:solidFill>
                   <a:schemeClr val="accent1"/>
                 </a:solidFill>
               </a14:hiddenFill>
             </a:ext>
             <a:ext uri="{91240B29-F687-4F45-9708-019B960494DF}">
-              <a14:hiddenLine xmlns:a14="http://schemas.microsoft.com/office/drawing/2010/main" xmlns="" w="9525">
+              <a14:hiddenLine xmlns:a14="http://schemas.microsoft.com/office/drawing/2010/main" w="9525">
                 <a:solidFill>
                   <a:schemeClr val="tx1"/>
                 </a:solidFill>
@@ -11432,7 +11488,7 @@
               </a14:hiddenLine>
             </a:ext>
             <a:ext uri="{AF507438-7753-43E0-B8FC-AC1667EBCBE1}">
-              <a14:hiddenEffects xmlns:a14="http://schemas.microsoft.com/office/drawing/2010/main" xmlns="">
+              <a14:hiddenEffects xmlns:a14="http://schemas.microsoft.com/office/drawing/2010/main">
                 <a:effectLst>
                   <a:outerShdw dist="35921" dir="2700000" algn="ctr" rotWithShape="0">
                     <a:schemeClr val="bg2"/>
@@ -11470,7 +11526,7 @@
     </p:spTree>
     <p:extLst>
       <p:ext uri="{BB962C8B-B14F-4D97-AF65-F5344CB8AC3E}">
-        <p14:creationId xmlns:p14="http://schemas.microsoft.com/office/powerpoint/2010/main" xmlns="" val="795031017"/>
+        <p14:creationId xmlns:p14="http://schemas.microsoft.com/office/powerpoint/2010/main" val="795031017"/>
       </p:ext>
     </p:extLst>
   </p:cSld>
@@ -11584,7 +11640,7 @@
     </p:spTree>
     <p:extLst>
       <p:ext uri="{BB962C8B-B14F-4D97-AF65-F5344CB8AC3E}">
-        <p14:creationId xmlns:p14="http://schemas.microsoft.com/office/powerpoint/2010/main" xmlns="" val="3420678931"/>
+        <p14:creationId xmlns:p14="http://schemas.microsoft.com/office/powerpoint/2010/main" val="3420678931"/>
       </p:ext>
     </p:extLst>
   </p:cSld>
@@ -11668,7 +11724,7 @@
     </p:spTree>
     <p:extLst>
       <p:ext uri="{BB962C8B-B14F-4D97-AF65-F5344CB8AC3E}">
-        <p14:creationId xmlns:p14="http://schemas.microsoft.com/office/powerpoint/2010/main" xmlns="" val="3414407465"/>
+        <p14:creationId xmlns:p14="http://schemas.microsoft.com/office/powerpoint/2010/main" val="3414407465"/>
       </p:ext>
     </p:extLst>
   </p:cSld>
@@ -11783,7 +11839,7 @@
     </p:spTree>
     <p:extLst>
       <p:ext uri="{BB962C8B-B14F-4D97-AF65-F5344CB8AC3E}">
-        <p14:creationId xmlns:p14="http://schemas.microsoft.com/office/powerpoint/2010/main" xmlns="" val="1709195912"/>
+        <p14:creationId xmlns:p14="http://schemas.microsoft.com/office/powerpoint/2010/main" val="1709195912"/>
       </p:ext>
     </p:extLst>
   </p:cSld>
@@ -11902,7 +11958,7 @@
     </p:spTree>
     <p:extLst>
       <p:ext uri="{BB962C8B-B14F-4D97-AF65-F5344CB8AC3E}">
-        <p14:creationId xmlns:p14="http://schemas.microsoft.com/office/powerpoint/2010/main" xmlns="" val="63509948"/>
+        <p14:creationId xmlns:p14="http://schemas.microsoft.com/office/powerpoint/2010/main" val="63509948"/>
       </p:ext>
     </p:extLst>
   </p:cSld>
@@ -11974,7 +12030,7 @@
           <a:blip r:embed="rId2" cstate="print">
             <a:extLst>
               <a:ext uri="{28A0092B-C50C-407E-A947-70E740481C1C}">
-                <a14:useLocalDpi xmlns:a14="http://schemas.microsoft.com/office/drawing/2010/main" xmlns="" val="0"/>
+                <a14:useLocalDpi xmlns:a14="http://schemas.microsoft.com/office/drawing/2010/main" val="0"/>
               </a:ext>
             </a:extLst>
           </a:blip>
@@ -12024,7 +12080,7 @@
     </p:spTree>
     <p:extLst>
       <p:ext uri="{BB962C8B-B14F-4D97-AF65-F5344CB8AC3E}">
-        <p14:creationId xmlns:p14="http://schemas.microsoft.com/office/powerpoint/2010/main" xmlns="" val="526157708"/>
+        <p14:creationId xmlns:p14="http://schemas.microsoft.com/office/powerpoint/2010/main" val="526157708"/>
       </p:ext>
     </p:extLst>
   </p:cSld>
@@ -12139,7 +12195,7 @@
     </p:spTree>
     <p:extLst>
       <p:ext uri="{BB962C8B-B14F-4D97-AF65-F5344CB8AC3E}">
-        <p14:creationId xmlns:p14="http://schemas.microsoft.com/office/powerpoint/2010/main" xmlns="" val="1260923131"/>
+        <p14:creationId xmlns:p14="http://schemas.microsoft.com/office/powerpoint/2010/main" val="1260923131"/>
       </p:ext>
     </p:extLst>
   </p:cSld>
@@ -12224,7 +12280,7 @@
           <a:blip r:embed="rId2" cstate="print">
             <a:extLst>
               <a:ext uri="{28A0092B-C50C-407E-A947-70E740481C1C}">
-                <a14:useLocalDpi xmlns:a14="http://schemas.microsoft.com/office/drawing/2010/main" xmlns="" val="0"/>
+                <a14:useLocalDpi xmlns:a14="http://schemas.microsoft.com/office/drawing/2010/main" val="0"/>
               </a:ext>
             </a:extLst>
           </a:blip>
@@ -12274,7 +12330,7 @@
     </p:spTree>
     <p:extLst>
       <p:ext uri="{BB962C8B-B14F-4D97-AF65-F5344CB8AC3E}">
-        <p14:creationId xmlns:p14="http://schemas.microsoft.com/office/powerpoint/2010/main" xmlns="" val="2480907429"/>
+        <p14:creationId xmlns:p14="http://schemas.microsoft.com/office/powerpoint/2010/main" val="2480907429"/>
       </p:ext>
     </p:extLst>
   </p:cSld>
@@ -12615,7 +12671,7 @@
     </p:spTree>
     <p:extLst>
       <p:ext uri="{BB962C8B-B14F-4D97-AF65-F5344CB8AC3E}">
-        <p14:creationId xmlns:p14="http://schemas.microsoft.com/office/powerpoint/2010/main" xmlns="" val="2653359653"/>
+        <p14:creationId xmlns:p14="http://schemas.microsoft.com/office/powerpoint/2010/main" val="2653359653"/>
       </p:ext>
     </p:extLst>
   </p:cSld>
@@ -12695,7 +12751,7 @@
           <a:blip r:embed="rId2" cstate="print">
             <a:extLst>
               <a:ext uri="{28A0092B-C50C-407E-A947-70E740481C1C}">
-                <a14:useLocalDpi xmlns:a14="http://schemas.microsoft.com/office/drawing/2010/main" xmlns="" val="0"/>
+                <a14:useLocalDpi xmlns:a14="http://schemas.microsoft.com/office/drawing/2010/main" val="0"/>
               </a:ext>
             </a:extLst>
           </a:blip>
@@ -12745,7 +12801,7 @@
     </p:spTree>
     <p:extLst>
       <p:ext uri="{BB962C8B-B14F-4D97-AF65-F5344CB8AC3E}">
-        <p14:creationId xmlns:p14="http://schemas.microsoft.com/office/powerpoint/2010/main" xmlns="" val="2659840383"/>
+        <p14:creationId xmlns:p14="http://schemas.microsoft.com/office/powerpoint/2010/main" val="2659840383"/>
       </p:ext>
     </p:extLst>
   </p:cSld>
@@ -12862,7 +12918,7 @@
     </p:spTree>
     <p:extLst>
       <p:ext uri="{BB962C8B-B14F-4D97-AF65-F5344CB8AC3E}">
-        <p14:creationId xmlns:p14="http://schemas.microsoft.com/office/powerpoint/2010/main" xmlns="" val="2538859933"/>
+        <p14:creationId xmlns:p14="http://schemas.microsoft.com/office/powerpoint/2010/main" val="2538859933"/>
       </p:ext>
     </p:extLst>
   </p:cSld>
@@ -12996,7 +13052,7 @@
     </p:spTree>
     <p:extLst>
       <p:ext uri="{BB962C8B-B14F-4D97-AF65-F5344CB8AC3E}">
-        <p14:creationId xmlns:p14="http://schemas.microsoft.com/office/powerpoint/2010/main" xmlns="" val="3956960791"/>
+        <p14:creationId xmlns:p14="http://schemas.microsoft.com/office/powerpoint/2010/main" val="3956960791"/>
       </p:ext>
     </p:extLst>
   </p:cSld>
@@ -13131,7 +13187,7 @@
     </p:spTree>
     <p:extLst>
       <p:ext uri="{BB962C8B-B14F-4D97-AF65-F5344CB8AC3E}">
-        <p14:creationId xmlns:p14="http://schemas.microsoft.com/office/powerpoint/2010/main" xmlns="" val="2566061532"/>
+        <p14:creationId xmlns:p14="http://schemas.microsoft.com/office/powerpoint/2010/main" val="2566061532"/>
       </p:ext>
     </p:extLst>
   </p:cSld>
@@ -13266,7 +13322,7 @@
     </p:spTree>
     <p:extLst>
       <p:ext uri="{BB962C8B-B14F-4D97-AF65-F5344CB8AC3E}">
-        <p14:creationId xmlns:p14="http://schemas.microsoft.com/office/powerpoint/2010/main" xmlns="" val="2657265906"/>
+        <p14:creationId xmlns:p14="http://schemas.microsoft.com/office/powerpoint/2010/main" val="2657265906"/>
       </p:ext>
     </p:extLst>
   </p:cSld>
@@ -13401,7 +13457,7 @@
     </p:spTree>
     <p:extLst>
       <p:ext uri="{BB962C8B-B14F-4D97-AF65-F5344CB8AC3E}">
-        <p14:creationId xmlns:p14="http://schemas.microsoft.com/office/powerpoint/2010/main" xmlns="" val="1762684078"/>
+        <p14:creationId xmlns:p14="http://schemas.microsoft.com/office/powerpoint/2010/main" val="1762684078"/>
       </p:ext>
     </p:extLst>
   </p:cSld>
@@ -13511,7 +13567,7 @@
     </p:spTree>
     <p:extLst>
       <p:ext uri="{BB962C8B-B14F-4D97-AF65-F5344CB8AC3E}">
-        <p14:creationId xmlns:p14="http://schemas.microsoft.com/office/powerpoint/2010/main" xmlns="" val="3372370494"/>
+        <p14:creationId xmlns:p14="http://schemas.microsoft.com/office/powerpoint/2010/main" val="3372370494"/>
       </p:ext>
     </p:extLst>
   </p:cSld>
@@ -13831,7 +13887,7 @@
     </p:spTree>
     <p:extLst>
       <p:ext uri="{BB962C8B-B14F-4D97-AF65-F5344CB8AC3E}">
-        <p14:creationId xmlns:p14="http://schemas.microsoft.com/office/powerpoint/2010/main" xmlns="" val="3771086656"/>
+        <p14:creationId xmlns:p14="http://schemas.microsoft.com/office/powerpoint/2010/main" val="3771086656"/>
       </p:ext>
     </p:extLst>
   </p:cSld>
@@ -14177,7 +14233,7 @@
     </p:spTree>
     <p:extLst>
       <p:ext uri="{BB962C8B-B14F-4D97-AF65-F5344CB8AC3E}">
-        <p14:creationId xmlns:p14="http://schemas.microsoft.com/office/powerpoint/2010/main" xmlns="" val="3709997242"/>
+        <p14:creationId xmlns:p14="http://schemas.microsoft.com/office/powerpoint/2010/main" val="3709997242"/>
       </p:ext>
     </p:extLst>
   </p:cSld>
@@ -14515,7 +14571,7 @@
     </p:spTree>
     <p:extLst>
       <p:ext uri="{BB962C8B-B14F-4D97-AF65-F5344CB8AC3E}">
-        <p14:creationId xmlns:p14="http://schemas.microsoft.com/office/powerpoint/2010/main" xmlns="" val="813066869"/>
+        <p14:creationId xmlns:p14="http://schemas.microsoft.com/office/powerpoint/2010/main" val="813066869"/>
       </p:ext>
     </p:extLst>
   </p:cSld>
@@ -14642,7 +14698,7 @@
     </p:spTree>
     <p:extLst>
       <p:ext uri="{BB962C8B-B14F-4D97-AF65-F5344CB8AC3E}">
-        <p14:creationId xmlns:p14="http://schemas.microsoft.com/office/powerpoint/2010/main" xmlns="" val="2231903888"/>
+        <p14:creationId xmlns:p14="http://schemas.microsoft.com/office/powerpoint/2010/main" val="2231903888"/>
       </p:ext>
     </p:extLst>
   </p:cSld>
@@ -14979,7 +15035,7 @@
     </p:spTree>
     <p:extLst>
       <p:ext uri="{BB962C8B-B14F-4D97-AF65-F5344CB8AC3E}">
-        <p14:creationId xmlns:p14="http://schemas.microsoft.com/office/powerpoint/2010/main" xmlns="" val="215732145"/>
+        <p14:creationId xmlns:p14="http://schemas.microsoft.com/office/powerpoint/2010/main" val="215732145"/>
       </p:ext>
     </p:extLst>
   </p:cSld>
@@ -15071,7 +15127,7 @@
     </p:spTree>
     <p:extLst>
       <p:ext uri="{BB962C8B-B14F-4D97-AF65-F5344CB8AC3E}">
-        <p14:creationId xmlns:p14="http://schemas.microsoft.com/office/powerpoint/2010/main" xmlns="" val="3080953501"/>
+        <p14:creationId xmlns:p14="http://schemas.microsoft.com/office/powerpoint/2010/main" val="3080953501"/>
       </p:ext>
     </p:extLst>
   </p:cSld>
@@ -15159,7 +15215,7 @@
     </p:spTree>
     <p:extLst>
       <p:ext uri="{BB962C8B-B14F-4D97-AF65-F5344CB8AC3E}">
-        <p14:creationId xmlns:p14="http://schemas.microsoft.com/office/powerpoint/2010/main" xmlns="" val="1555926251"/>
+        <p14:creationId xmlns:p14="http://schemas.microsoft.com/office/powerpoint/2010/main" val="1555926251"/>
       </p:ext>
     </p:extLst>
   </p:cSld>
@@ -15272,7 +15328,7 @@
     </p:spTree>
     <p:extLst>
       <p:ext uri="{BB962C8B-B14F-4D97-AF65-F5344CB8AC3E}">
-        <p14:creationId xmlns:p14="http://schemas.microsoft.com/office/powerpoint/2010/main" xmlns="" val="511365991"/>
+        <p14:creationId xmlns:p14="http://schemas.microsoft.com/office/powerpoint/2010/main" val="511365991"/>
       </p:ext>
     </p:extLst>
   </p:cSld>
@@ -15392,7 +15448,7 @@
     </p:spTree>
     <p:extLst>
       <p:ext uri="{BB962C8B-B14F-4D97-AF65-F5344CB8AC3E}">
-        <p14:creationId xmlns:p14="http://schemas.microsoft.com/office/powerpoint/2010/main" xmlns="" val="2367586276"/>
+        <p14:creationId xmlns:p14="http://schemas.microsoft.com/office/powerpoint/2010/main" val="2367586276"/>
       </p:ext>
     </p:extLst>
   </p:cSld>
@@ -15500,7 +15556,7 @@
     </p:spTree>
     <p:extLst>
       <p:ext uri="{BB962C8B-B14F-4D97-AF65-F5344CB8AC3E}">
-        <p14:creationId xmlns:p14="http://schemas.microsoft.com/office/powerpoint/2010/main" xmlns="" val="167482871"/>
+        <p14:creationId xmlns:p14="http://schemas.microsoft.com/office/powerpoint/2010/main" val="167482871"/>
       </p:ext>
     </p:extLst>
   </p:cSld>
@@ -15613,7 +15669,7 @@
     </p:spTree>
     <p:extLst>
       <p:ext uri="{BB962C8B-B14F-4D97-AF65-F5344CB8AC3E}">
-        <p14:creationId xmlns:p14="http://schemas.microsoft.com/office/powerpoint/2010/main" xmlns="" val="432645280"/>
+        <p14:creationId xmlns:p14="http://schemas.microsoft.com/office/powerpoint/2010/main" val="432645280"/>
       </p:ext>
     </p:extLst>
   </p:cSld>
@@ -15732,7 +15788,7 @@
     </p:spTree>
     <p:extLst>
       <p:ext uri="{BB962C8B-B14F-4D97-AF65-F5344CB8AC3E}">
-        <p14:creationId xmlns:p14="http://schemas.microsoft.com/office/powerpoint/2010/main" xmlns="" val="2011369229"/>
+        <p14:creationId xmlns:p14="http://schemas.microsoft.com/office/powerpoint/2010/main" val="2011369229"/>
       </p:ext>
     </p:extLst>
   </p:cSld>
@@ -15868,7 +15924,7 @@
     </p:spTree>
     <p:extLst>
       <p:ext uri="{BB962C8B-B14F-4D97-AF65-F5344CB8AC3E}">
-        <p14:creationId xmlns:p14="http://schemas.microsoft.com/office/powerpoint/2010/main" xmlns="" val="241156330"/>
+        <p14:creationId xmlns:p14="http://schemas.microsoft.com/office/powerpoint/2010/main" val="241156330"/>
       </p:ext>
     </p:extLst>
   </p:cSld>
@@ -16013,7 +16069,7 @@
     </p:spTree>
     <p:extLst>
       <p:ext uri="{BB962C8B-B14F-4D97-AF65-F5344CB8AC3E}">
-        <p14:creationId xmlns:p14="http://schemas.microsoft.com/office/powerpoint/2010/main" xmlns="" val="1739418431"/>
+        <p14:creationId xmlns:p14="http://schemas.microsoft.com/office/powerpoint/2010/main" val="1739418431"/>
       </p:ext>
     </p:extLst>
   </p:cSld>
@@ -16439,7 +16495,7 @@
     </p:spTree>
     <p:extLst>
       <p:ext uri="{BB962C8B-B14F-4D97-AF65-F5344CB8AC3E}">
-        <p14:creationId xmlns:p14="http://schemas.microsoft.com/office/powerpoint/2010/main" xmlns="" val="2473085626"/>
+        <p14:creationId xmlns:p14="http://schemas.microsoft.com/office/powerpoint/2010/main" val="2473085626"/>
       </p:ext>
     </p:extLst>
   </p:cSld>
@@ -16553,7 +16609,7 @@
     </p:spTree>
     <p:extLst>
       <p:ext uri="{BB962C8B-B14F-4D97-AF65-F5344CB8AC3E}">
-        <p14:creationId xmlns:p14="http://schemas.microsoft.com/office/powerpoint/2010/main" xmlns="" val="2615168494"/>
+        <p14:creationId xmlns:p14="http://schemas.microsoft.com/office/powerpoint/2010/main" val="2615168494"/>
       </p:ext>
     </p:extLst>
   </p:cSld>
@@ -16678,7 +16734,7 @@
     </p:spTree>
     <p:extLst>
       <p:ext uri="{BB962C8B-B14F-4D97-AF65-F5344CB8AC3E}">
-        <p14:creationId xmlns:p14="http://schemas.microsoft.com/office/powerpoint/2010/main" xmlns="" val="42813484"/>
+        <p14:creationId xmlns:p14="http://schemas.microsoft.com/office/powerpoint/2010/main" val="42813484"/>
       </p:ext>
     </p:extLst>
   </p:cSld>
@@ -16805,7 +16861,7 @@
     </p:spTree>
     <p:extLst>
       <p:ext uri="{BB962C8B-B14F-4D97-AF65-F5344CB8AC3E}">
-        <p14:creationId xmlns:p14="http://schemas.microsoft.com/office/powerpoint/2010/main" xmlns="" val="243874718"/>
+        <p14:creationId xmlns:p14="http://schemas.microsoft.com/office/powerpoint/2010/main" val="243874718"/>
       </p:ext>
     </p:extLst>
   </p:cSld>
@@ -16961,7 +17017,7 @@
     </p:spTree>
     <p:extLst>
       <p:ext uri="{BB962C8B-B14F-4D97-AF65-F5344CB8AC3E}">
-        <p14:creationId xmlns:p14="http://schemas.microsoft.com/office/powerpoint/2010/main" xmlns="" val="600913733"/>
+        <p14:creationId xmlns:p14="http://schemas.microsoft.com/office/powerpoint/2010/main" val="600913733"/>
       </p:ext>
     </p:extLst>
   </p:cSld>
@@ -17101,7 +17157,7 @@
     </p:spTree>
     <p:extLst>
       <p:ext uri="{BB962C8B-B14F-4D97-AF65-F5344CB8AC3E}">
-        <p14:creationId xmlns:p14="http://schemas.microsoft.com/office/powerpoint/2010/main" xmlns="" val="3395818784"/>
+        <p14:creationId xmlns:p14="http://schemas.microsoft.com/office/powerpoint/2010/main" val="3395818784"/>
       </p:ext>
     </p:extLst>
   </p:cSld>
@@ -17228,7 +17284,7 @@
     </p:spTree>
     <p:extLst>
       <p:ext uri="{BB962C8B-B14F-4D97-AF65-F5344CB8AC3E}">
-        <p14:creationId xmlns:p14="http://schemas.microsoft.com/office/powerpoint/2010/main" xmlns="" val="1313710794"/>
+        <p14:creationId xmlns:p14="http://schemas.microsoft.com/office/powerpoint/2010/main" val="1313710794"/>
       </p:ext>
     </p:extLst>
   </p:cSld>
@@ -17349,7 +17405,7 @@
     </p:spTree>
     <p:extLst>
       <p:ext uri="{BB962C8B-B14F-4D97-AF65-F5344CB8AC3E}">
-        <p14:creationId xmlns:p14="http://schemas.microsoft.com/office/powerpoint/2010/main" xmlns="" val="2204375755"/>
+        <p14:creationId xmlns:p14="http://schemas.microsoft.com/office/powerpoint/2010/main" val="2204375755"/>
       </p:ext>
     </p:extLst>
   </p:cSld>
@@ -17482,7 +17538,7 @@
     </p:spTree>
     <p:extLst>
       <p:ext uri="{BB962C8B-B14F-4D97-AF65-F5344CB8AC3E}">
-        <p14:creationId xmlns:p14="http://schemas.microsoft.com/office/powerpoint/2010/main" xmlns="" val="2726382500"/>
+        <p14:creationId xmlns:p14="http://schemas.microsoft.com/office/powerpoint/2010/main" val="2726382500"/>
       </p:ext>
     </p:extLst>
   </p:cSld>
@@ -17546,7 +17602,7 @@
           <p:nvPr>
             <p:extLst>
               <p:ext uri="{D42A27DB-BD31-4B8C-83A1-F6EECF244321}">
-                <p14:modId xmlns:p14="http://schemas.microsoft.com/office/powerpoint/2010/main" xmlns="" val="1881831684"/>
+                <p14:modId xmlns:p14="http://schemas.microsoft.com/office/powerpoint/2010/main" val="1881831684"/>
               </p:ext>
             </p:extLst>
           </p:nvPr>
@@ -17588,7 +17644,7 @@
     </p:spTree>
     <p:extLst>
       <p:ext uri="{BB962C8B-B14F-4D97-AF65-F5344CB8AC3E}">
-        <p14:creationId xmlns:p14="http://schemas.microsoft.com/office/powerpoint/2010/main" xmlns="" val="4174946828"/>
+        <p14:creationId xmlns:p14="http://schemas.microsoft.com/office/powerpoint/2010/main" val="4174946828"/>
       </p:ext>
     </p:extLst>
   </p:cSld>
@@ -17670,7 +17726,7 @@
           <a:blip r:embed="rId3" cstate="print">
             <a:extLst>
               <a:ext uri="{28A0092B-C50C-407E-A947-70E740481C1C}">
-                <a14:useLocalDpi xmlns:a14="http://schemas.microsoft.com/office/drawing/2010/main" xmlns="" val="0"/>
+                <a14:useLocalDpi xmlns:a14="http://schemas.microsoft.com/office/drawing/2010/main" val="0"/>
               </a:ext>
             </a:extLst>
           </a:blip>
@@ -17693,14 +17749,14 @@
           </a:ln>
           <a:extLst>
             <a:ext uri="{909E8E84-426E-40DD-AFC4-6F175D3DCCD1}">
-              <a14:hiddenFill xmlns:a14="http://schemas.microsoft.com/office/drawing/2010/main" xmlns="">
+              <a14:hiddenFill xmlns:a14="http://schemas.microsoft.com/office/drawing/2010/main">
                 <a:solidFill>
                   <a:schemeClr val="accent1"/>
                 </a:solidFill>
               </a14:hiddenFill>
             </a:ext>
             <a:ext uri="{91240B29-F687-4F45-9708-019B960494DF}">
-              <a14:hiddenLine xmlns:a14="http://schemas.microsoft.com/office/drawing/2010/main" xmlns="" w="9525">
+              <a14:hiddenLine xmlns:a14="http://schemas.microsoft.com/office/drawing/2010/main" w="9525">
                 <a:solidFill>
                   <a:schemeClr val="tx1"/>
                 </a:solidFill>
@@ -17739,7 +17795,7 @@
     </p:spTree>
     <p:extLst>
       <p:ext uri="{BB962C8B-B14F-4D97-AF65-F5344CB8AC3E}">
-        <p14:creationId xmlns:p14="http://schemas.microsoft.com/office/powerpoint/2010/main" xmlns="" val="1176199176"/>
+        <p14:creationId xmlns:p14="http://schemas.microsoft.com/office/powerpoint/2010/main" val="1176199176"/>
       </p:ext>
     </p:extLst>
   </p:cSld>
@@ -17785,7 +17841,7 @@
           <a:blip r:embed="rId3" cstate="print">
             <a:extLst>
               <a:ext uri="{28A0092B-C50C-407E-A947-70E740481C1C}">
-                <a14:useLocalDpi xmlns:a14="http://schemas.microsoft.com/office/drawing/2010/main" xmlns="" val="0"/>
+                <a14:useLocalDpi xmlns:a14="http://schemas.microsoft.com/office/drawing/2010/main" val="0"/>
               </a:ext>
             </a:extLst>
           </a:blip>
@@ -17876,7 +17932,7 @@
           <a:blip r:embed="rId4" cstate="print">
             <a:extLst>
               <a:ext uri="{28A0092B-C50C-407E-A947-70E740481C1C}">
-                <a14:useLocalDpi xmlns:a14="http://schemas.microsoft.com/office/drawing/2010/main" xmlns="" val="0"/>
+                <a14:useLocalDpi xmlns:a14="http://schemas.microsoft.com/office/drawing/2010/main" val="0"/>
               </a:ext>
             </a:extLst>
           </a:blip>
@@ -17906,7 +17962,7 @@
           <a:blip r:embed="rId5" cstate="print">
             <a:extLst>
               <a:ext uri="{28A0092B-C50C-407E-A947-70E740481C1C}">
-                <a14:useLocalDpi xmlns:a14="http://schemas.microsoft.com/office/drawing/2010/main" xmlns="" val="0"/>
+                <a14:useLocalDpi xmlns:a14="http://schemas.microsoft.com/office/drawing/2010/main" val="0"/>
               </a:ext>
             </a:extLst>
           </a:blip>
@@ -18012,7 +18068,7 @@
           <a:blip r:embed="rId6" cstate="print">
             <a:extLst>
               <a:ext uri="{28A0092B-C50C-407E-A947-70E740481C1C}">
-                <a14:useLocalDpi xmlns:a14="http://schemas.microsoft.com/office/drawing/2010/main" xmlns="" val="0"/>
+                <a14:useLocalDpi xmlns:a14="http://schemas.microsoft.com/office/drawing/2010/main" val="0"/>
               </a:ext>
             </a:extLst>
           </a:blip>
@@ -18213,7 +18269,7 @@
     </p:spTree>
     <p:extLst>
       <p:ext uri="{BB962C8B-B14F-4D97-AF65-F5344CB8AC3E}">
-        <p14:creationId xmlns:p14="http://schemas.microsoft.com/office/powerpoint/2010/main" xmlns="" val="2896085358"/>
+        <p14:creationId xmlns:p14="http://schemas.microsoft.com/office/powerpoint/2010/main" val="2896085358"/>
       </p:ext>
     </p:extLst>
   </p:cSld>
@@ -19173,7 +19229,7 @@
     </p:spTree>
     <p:extLst>
       <p:ext uri="{BB962C8B-B14F-4D97-AF65-F5344CB8AC3E}">
-        <p14:creationId xmlns:p14="http://schemas.microsoft.com/office/powerpoint/2010/main" xmlns="" val="2247188198"/>
+        <p14:creationId xmlns:p14="http://schemas.microsoft.com/office/powerpoint/2010/main" val="2247188198"/>
       </p:ext>
     </p:extLst>
   </p:cSld>
@@ -19695,7 +19751,7 @@
     </p:spTree>
     <p:extLst>
       <p:ext uri="{BB962C8B-B14F-4D97-AF65-F5344CB8AC3E}">
-        <p14:creationId xmlns:p14="http://schemas.microsoft.com/office/powerpoint/2010/main" xmlns="" val="3149715247"/>
+        <p14:creationId xmlns:p14="http://schemas.microsoft.com/office/powerpoint/2010/main" val="3149715247"/>
       </p:ext>
     </p:extLst>
   </p:cSld>

--- a/Projektmanagement/Abschlusspräsentation.pptx
+++ b/Projektmanagement/Abschlusspräsentation.pptx
@@ -1958,9 +1958,9 @@
     <dgm:cxn modelId="{B848308C-6711-4ECC-A275-3BD95A47C3D1}" type="presOf" srcId="{3F8391EC-2E89-41BC-979F-48D4E21A811C}" destId="{BA4718A9-DFD2-471C-969C-97F876ADC320}" srcOrd="0" destOrd="3" presId="urn:microsoft.com/office/officeart/2005/8/layout/hProcess9"/>
     <dgm:cxn modelId="{8130EFA1-7C19-4707-918B-EBD61B992DC1}" srcId="{182E85C3-C0C1-4055-B42E-08657C1D36EB}" destId="{2739C324-A41E-4970-8A01-796A2C795ACC}" srcOrd="0" destOrd="0" parTransId="{34EABE2C-343C-4A99-94EF-992C7B2864FB}" sibTransId="{E3CAAA70-690B-43D6-AD4A-610350C2031C}"/>
     <dgm:cxn modelId="{5647984F-2F20-4C53-AFA6-A50F0B2D982A}" srcId="{42A7AF39-9F16-4BE0-9691-F2A4EAA889D5}" destId="{5245D8E1-9FDE-4633-85B7-BE42CD6AA787}" srcOrd="4" destOrd="0" parTransId="{55F15053-25F4-4161-BCA1-92DDB4FB32E9}" sibTransId="{B0D58DB8-A061-4E28-A244-8F898564CBF4}"/>
-    <dgm:cxn modelId="{3A080199-5708-4D95-BDC6-677CE1E53018}" srcId="{B4BBFA07-05DD-4CDD-AC39-6342607DC2A1}" destId="{360394FA-829F-403E-9AF0-5F6CF96DFD1E}" srcOrd="3" destOrd="0" parTransId="{A75ACD84-8BFD-4E17-B22A-BCE08E0C1060}" sibTransId="{47CD002A-17EB-41C8-A521-C511E59926EB}"/>
     <dgm:cxn modelId="{165AFAEA-5E3C-4D2F-B24C-8AB5DB51E1D8}" srcId="{DBD17336-B141-494E-A31C-6EA653EE637A}" destId="{8852547F-3DE1-4303-BABC-35751A1FFAA4}" srcOrd="1" destOrd="0" parTransId="{E3280EF4-38C9-4B21-B7E2-305ED52D9188}" sibTransId="{7EF36CEC-CFA4-4D2A-9ADF-9A92FE46FB8F}"/>
     <dgm:cxn modelId="{9423DADA-472C-41D9-88AD-46BB03D27D4E}" srcId="{6043B0A8-44FC-4706-B37A-7F342ABD7CAE}" destId="{ABD30D39-23EC-4FCC-9B13-57D32A82A546}" srcOrd="0" destOrd="0" parTransId="{C5A94903-DF8D-4907-A3E8-951CE956DA5D}" sibTransId="{3EF7BC8F-673B-4ADA-9436-138C06DF52D8}"/>
+    <dgm:cxn modelId="{3A080199-5708-4D95-BDC6-677CE1E53018}" srcId="{B4BBFA07-05DD-4CDD-AC39-6342607DC2A1}" destId="{360394FA-829F-403E-9AF0-5F6CF96DFD1E}" srcOrd="3" destOrd="0" parTransId="{A75ACD84-8BFD-4E17-B22A-BCE08E0C1060}" sibTransId="{47CD002A-17EB-41C8-A521-C511E59926EB}"/>
     <dgm:cxn modelId="{DECDAAFB-95F9-4E08-902E-357CAE6BE867}" srcId="{42A7AF39-9F16-4BE0-9691-F2A4EAA889D5}" destId="{182E85C3-C0C1-4055-B42E-08657C1D36EB}" srcOrd="1" destOrd="0" parTransId="{0A1F7A6C-A332-4BAC-A0D1-C846CF97F4EC}" sibTransId="{53EC14C8-D3F0-4F81-A9BC-0E03B0043A69}"/>
     <dgm:cxn modelId="{2198E06B-EBEE-42F2-BF31-52AD13E73BC6}" srcId="{42A7AF39-9F16-4BE0-9691-F2A4EAA889D5}" destId="{DBD17336-B141-494E-A31C-6EA653EE637A}" srcOrd="3" destOrd="0" parTransId="{09A6F55D-0974-44D2-B12D-48E16F3D0029}" sibTransId="{A6141C16-1C65-42F9-8DF0-A27738FE79EE}"/>
     <dgm:cxn modelId="{58ECD606-DF49-456C-92CC-3FC995338DA5}" srcId="{182E85C3-C0C1-4055-B42E-08657C1D36EB}" destId="{1E975C45-1647-472C-8812-EFF81A215801}" srcOrd="4" destOrd="0" parTransId="{11DCAC3E-4C2C-4945-B245-E7C69099CB34}" sibTransId="{50A0534A-8921-429F-AEBF-0E0D60438255}"/>
@@ -1982,8 +1982,8 @@
     <dgm:cxn modelId="{CA27D4C9-7305-47C1-B558-E71A93D8B295}" type="presOf" srcId="{AD34B4C5-1A81-4AC6-A5F9-35CC4DC5D843}" destId="{20382240-D5AC-4B89-8E53-73A8B41769F1}" srcOrd="0" destOrd="1" presId="urn:microsoft.com/office/officeart/2005/8/layout/hProcess9"/>
     <dgm:cxn modelId="{7B8B71DC-DC57-43EA-BE14-CDBA81ACEF98}" type="presOf" srcId="{42A7AF39-9F16-4BE0-9691-F2A4EAA889D5}" destId="{734A29E2-3521-46BA-B5C0-E8A3637FA4B0}" srcOrd="0" destOrd="0" presId="urn:microsoft.com/office/officeart/2005/8/layout/hProcess9"/>
     <dgm:cxn modelId="{A4E4E3C8-7B99-4F7C-A2C4-16D3A3CA62E3}" type="presOf" srcId="{DDBD9E0E-2857-478B-9BFD-EB049F36A6F4}" destId="{BA4718A9-DFD2-471C-969C-97F876ADC320}" srcOrd="0" destOrd="2" presId="urn:microsoft.com/office/officeart/2005/8/layout/hProcess9"/>
+    <dgm:cxn modelId="{3DE7FD94-D5E7-407C-989B-2C1F91B4CE03}" srcId="{B4BBFA07-05DD-4CDD-AC39-6342607DC2A1}" destId="{27323C3F-7D4E-44F5-9FA3-413CFCD7B174}" srcOrd="2" destOrd="0" parTransId="{18FA00AE-387D-4A8D-981A-94EDEBCA8EC2}" sibTransId="{D4734B30-AB73-4712-B278-2895E8608C4E}"/>
     <dgm:cxn modelId="{503287BE-2194-4F0B-9AA9-12C9B00499EE}" type="presOf" srcId="{5245D8E1-9FDE-4633-85B7-BE42CD6AA787}" destId="{20382240-D5AC-4B89-8E53-73A8B41769F1}" srcOrd="0" destOrd="0" presId="urn:microsoft.com/office/officeart/2005/8/layout/hProcess9"/>
-    <dgm:cxn modelId="{3DE7FD94-D5E7-407C-989B-2C1F91B4CE03}" srcId="{B4BBFA07-05DD-4CDD-AC39-6342607DC2A1}" destId="{27323C3F-7D4E-44F5-9FA3-413CFCD7B174}" srcOrd="2" destOrd="0" parTransId="{18FA00AE-387D-4A8D-981A-94EDEBCA8EC2}" sibTransId="{D4734B30-AB73-4712-B278-2895E8608C4E}"/>
     <dgm:cxn modelId="{1ADAA526-6B24-45CB-89D0-518E04A3D93F}" srcId="{182E85C3-C0C1-4055-B42E-08657C1D36EB}" destId="{3F8391EC-2E89-41BC-979F-48D4E21A811C}" srcOrd="2" destOrd="0" parTransId="{E9716149-5B95-4904-8590-6A93EE8C5197}" sibTransId="{BFA852D6-66A0-4365-B195-CB67CFDCDE73}"/>
     <dgm:cxn modelId="{929DDD9F-A144-4496-902C-7A0CEA79C4C8}" srcId="{5245D8E1-9FDE-4633-85B7-BE42CD6AA787}" destId="{8693C395-BAA7-449A-ACDD-FFFEEE0DC862}" srcOrd="1" destOrd="0" parTransId="{0DB5F330-DE96-4670-8EFA-8B7B45CEA34D}" sibTransId="{87BE7E65-1B97-4314-AB36-B212E2476EE6}"/>
     <dgm:cxn modelId="{F3801A3C-3E3D-475A-B6DA-AD1066FF5E06}" type="presParOf" srcId="{734A29E2-3521-46BA-B5C0-E8A3637FA4B0}" destId="{3E058364-C437-4B0E-B373-8D6523686A02}" srcOrd="0" destOrd="0" presId="urn:microsoft.com/office/officeart/2005/8/layout/hProcess9"/>
@@ -10831,11 +10831,7 @@
             <a:pPr lvl="1"/>
             <a:r>
               <a:rPr lang="de-DE" dirty="0" smtClean="0"/>
-              <a:t>Keine </a:t>
-            </a:r>
-            <a:r>
-              <a:rPr lang="de-DE" dirty="0" smtClean="0"/>
-              <a:t>Redundanzen</a:t>
+              <a:t>Keine Redundanzen</a:t>
             </a:r>
           </a:p>
           <a:p>
@@ -10849,25 +10845,13 @@
           <a:p>
             <a:r>
               <a:rPr lang="de-DE" dirty="0" smtClean="0"/>
-              <a:t>Schnittstelle zur </a:t>
-            </a:r>
+              <a:t>Schnittstelle zur Datenbank</a:t>
+            </a:r>
+          </a:p>
+          <a:p>
             <a:r>
               <a:rPr lang="de-DE" dirty="0" smtClean="0"/>
-              <a:t>Datenbank</a:t>
-            </a:r>
-          </a:p>
-          <a:p>
-            <a:r>
-              <a:rPr lang="de-DE" dirty="0" smtClean="0"/>
-              <a:t>Realisierung durch </a:t>
-            </a:r>
-            <a:r>
-              <a:rPr lang="de-DE" dirty="0" smtClean="0"/>
-              <a:t>SQL </a:t>
-            </a:r>
-            <a:r>
-              <a:rPr lang="de-DE" dirty="0" smtClean="0"/>
-              <a:t>Queries</a:t>
+              <a:t>Realisierung durch SQL Queries</a:t>
             </a:r>
           </a:p>
         </p:txBody>
@@ -11892,7 +11876,15 @@
           <a:p>
             <a:r>
               <a:rPr lang="de-DE" dirty="0"/>
-              <a:t>Unternehmensstruktur nach anlegen eines </a:t>
+              <a:t>Unternehmensstruktur nach </a:t>
+            </a:r>
+            <a:r>
+              <a:rPr lang="de-DE" dirty="0" smtClean="0"/>
+              <a:t>Anlegen </a:t>
+            </a:r>
+            <a:r>
+              <a:rPr lang="de-DE" dirty="0"/>
+              <a:t>eines </a:t>
             </a:r>
             <a:r>
               <a:rPr lang="de-DE" dirty="0" smtClean="0"/>

--- a/Projektmanagement/Abschlusspräsentation.pptx
+++ b/Projektmanagement/Abschlusspräsentation.pptx
@@ -1982,8 +1982,8 @@
     <dgm:cxn modelId="{CA27D4C9-7305-47C1-B558-E71A93D8B295}" type="presOf" srcId="{AD34B4C5-1A81-4AC6-A5F9-35CC4DC5D843}" destId="{20382240-D5AC-4B89-8E53-73A8B41769F1}" srcOrd="0" destOrd="1" presId="urn:microsoft.com/office/officeart/2005/8/layout/hProcess9"/>
     <dgm:cxn modelId="{7B8B71DC-DC57-43EA-BE14-CDBA81ACEF98}" type="presOf" srcId="{42A7AF39-9F16-4BE0-9691-F2A4EAA889D5}" destId="{734A29E2-3521-46BA-B5C0-E8A3637FA4B0}" srcOrd="0" destOrd="0" presId="urn:microsoft.com/office/officeart/2005/8/layout/hProcess9"/>
     <dgm:cxn modelId="{A4E4E3C8-7B99-4F7C-A2C4-16D3A3CA62E3}" type="presOf" srcId="{DDBD9E0E-2857-478B-9BFD-EB049F36A6F4}" destId="{BA4718A9-DFD2-471C-969C-97F876ADC320}" srcOrd="0" destOrd="2" presId="urn:microsoft.com/office/officeart/2005/8/layout/hProcess9"/>
+    <dgm:cxn modelId="{503287BE-2194-4F0B-9AA9-12C9B00499EE}" type="presOf" srcId="{5245D8E1-9FDE-4633-85B7-BE42CD6AA787}" destId="{20382240-D5AC-4B89-8E53-73A8B41769F1}" srcOrd="0" destOrd="0" presId="urn:microsoft.com/office/officeart/2005/8/layout/hProcess9"/>
     <dgm:cxn modelId="{3DE7FD94-D5E7-407C-989B-2C1F91B4CE03}" srcId="{B4BBFA07-05DD-4CDD-AC39-6342607DC2A1}" destId="{27323C3F-7D4E-44F5-9FA3-413CFCD7B174}" srcOrd="2" destOrd="0" parTransId="{18FA00AE-387D-4A8D-981A-94EDEBCA8EC2}" sibTransId="{D4734B30-AB73-4712-B278-2895E8608C4E}"/>
-    <dgm:cxn modelId="{503287BE-2194-4F0B-9AA9-12C9B00499EE}" type="presOf" srcId="{5245D8E1-9FDE-4633-85B7-BE42CD6AA787}" destId="{20382240-D5AC-4B89-8E53-73A8B41769F1}" srcOrd="0" destOrd="0" presId="urn:microsoft.com/office/officeart/2005/8/layout/hProcess9"/>
     <dgm:cxn modelId="{1ADAA526-6B24-45CB-89D0-518E04A3D93F}" srcId="{182E85C3-C0C1-4055-B42E-08657C1D36EB}" destId="{3F8391EC-2E89-41BC-979F-48D4E21A811C}" srcOrd="2" destOrd="0" parTransId="{E9716149-5B95-4904-8590-6A93EE8C5197}" sibTransId="{BFA852D6-66A0-4365-B195-CB67CFDCDE73}"/>
     <dgm:cxn modelId="{929DDD9F-A144-4496-902C-7A0CEA79C4C8}" srcId="{5245D8E1-9FDE-4633-85B7-BE42CD6AA787}" destId="{8693C395-BAA7-449A-ACDD-FFFEEE0DC862}" srcOrd="1" destOrd="0" parTransId="{0DB5F330-DE96-4670-8EFA-8B7B45CEA34D}" sibTransId="{87BE7E65-1B97-4314-AB36-B212E2476EE6}"/>
     <dgm:cxn modelId="{F3801A3C-3E3D-475A-B6DA-AD1066FF5E06}" type="presParOf" srcId="{734A29E2-3521-46BA-B5C0-E8A3637FA4B0}" destId="{3E058364-C437-4B0E-B373-8D6523686A02}" srcOrd="0" destOrd="0" presId="urn:microsoft.com/office/officeart/2005/8/layout/hProcess9"/>
@@ -10910,6 +10910,721 @@
           </a:prstGeom>
         </p:spPr>
       </p:pic>
+      <p:pic>
+        <p:nvPicPr>
+          <p:cNvPr id="8" name="Grafik 7"/>
+          <p:cNvPicPr>
+            <a:picLocks noChangeAspect="1"/>
+          </p:cNvPicPr>
+          <p:nvPr/>
+        </p:nvPicPr>
+        <p:blipFill>
+          <a:blip r:embed="rId4"/>
+          <a:stretch>
+            <a:fillRect/>
+          </a:stretch>
+        </p:blipFill>
+        <p:spPr>
+          <a:xfrm>
+            <a:off x="0" y="3441877"/>
+            <a:ext cx="9144000" cy="1125416"/>
+          </a:xfrm>
+          <a:prstGeom prst="rect">
+            <a:avLst/>
+          </a:prstGeom>
+        </p:spPr>
+      </p:pic>
+      <p:sp>
+        <p:nvSpPr>
+          <p:cNvPr id="9" name="Textfeld 8"/>
+          <p:cNvSpPr txBox="1"/>
+          <p:nvPr/>
+        </p:nvSpPr>
+        <p:spPr>
+          <a:xfrm>
+            <a:off x="21738" y="2824369"/>
+            <a:ext cx="2814362" cy="523220"/>
+          </a:xfrm>
+          <a:prstGeom prst="rect">
+            <a:avLst/>
+          </a:prstGeom>
+          <a:noFill/>
+        </p:spPr>
+        <p:txBody>
+          <a:bodyPr wrap="square" rtlCol="0">
+            <a:spAutoFit/>
+          </a:bodyPr>
+          <a:lstStyle/>
+          <a:p>
+            <a:r>
+              <a:rPr lang="de-DE" sz="2800" dirty="0" smtClean="0"/>
+              <a:t>Mitarbeiter</a:t>
+            </a:r>
+            <a:endParaRPr lang="de-DE" sz="2800" dirty="0"/>
+          </a:p>
+        </p:txBody>
+      </p:sp>
+      <p:pic>
+        <p:nvPicPr>
+          <p:cNvPr id="10" name="Grafik 9"/>
+          <p:cNvPicPr>
+            <a:picLocks noChangeAspect="1"/>
+          </p:cNvPicPr>
+          <p:nvPr/>
+        </p:nvPicPr>
+        <p:blipFill>
+          <a:blip r:embed="rId5"/>
+          <a:stretch>
+            <a:fillRect/>
+          </a:stretch>
+        </p:blipFill>
+        <p:spPr>
+          <a:xfrm>
+            <a:off x="-1" y="3599805"/>
+            <a:ext cx="9144001" cy="1643263"/>
+          </a:xfrm>
+          <a:prstGeom prst="rect">
+            <a:avLst/>
+          </a:prstGeom>
+        </p:spPr>
+      </p:pic>
+      <p:sp>
+        <p:nvSpPr>
+          <p:cNvPr id="11" name="Textfeld 10"/>
+          <p:cNvSpPr txBox="1"/>
+          <p:nvPr/>
+        </p:nvSpPr>
+        <p:spPr>
+          <a:xfrm>
+            <a:off x="25466" y="2843434"/>
+            <a:ext cx="2454322" cy="523220"/>
+          </a:xfrm>
+          <a:prstGeom prst="rect">
+            <a:avLst/>
+          </a:prstGeom>
+          <a:noFill/>
+        </p:spPr>
+        <p:txBody>
+          <a:bodyPr wrap="square" rtlCol="0">
+            <a:spAutoFit/>
+          </a:bodyPr>
+          <a:lstStyle/>
+          <a:p>
+            <a:r>
+              <a:rPr lang="de-DE" sz="2800" dirty="0" smtClean="0"/>
+              <a:t>Arbeitsgruppe</a:t>
+            </a:r>
+            <a:endParaRPr lang="de-DE" sz="2800" dirty="0"/>
+          </a:p>
+        </p:txBody>
+      </p:sp>
+      <p:pic>
+        <p:nvPicPr>
+          <p:cNvPr id="12" name="Grafik 11"/>
+          <p:cNvPicPr>
+            <a:picLocks noChangeAspect="1"/>
+          </p:cNvPicPr>
+          <p:nvPr/>
+        </p:nvPicPr>
+        <p:blipFill>
+          <a:blip r:embed="rId6"/>
+          <a:stretch>
+            <a:fillRect/>
+          </a:stretch>
+        </p:blipFill>
+        <p:spPr>
+          <a:xfrm>
+            <a:off x="6849063" y="563573"/>
+            <a:ext cx="2104068" cy="2814030"/>
+          </a:xfrm>
+          <a:prstGeom prst="rect">
+            <a:avLst/>
+          </a:prstGeom>
+        </p:spPr>
+      </p:pic>
+      <p:pic>
+        <p:nvPicPr>
+          <p:cNvPr id="13" name="Grafik 12"/>
+          <p:cNvPicPr>
+            <a:picLocks noChangeAspect="1"/>
+          </p:cNvPicPr>
+          <p:nvPr/>
+        </p:nvPicPr>
+        <p:blipFill>
+          <a:blip r:embed="rId7"/>
+          <a:stretch>
+            <a:fillRect/>
+          </a:stretch>
+        </p:blipFill>
+        <p:spPr>
+          <a:xfrm>
+            <a:off x="6196342" y="544147"/>
+            <a:ext cx="2771432" cy="2787179"/>
+          </a:xfrm>
+          <a:prstGeom prst="rect">
+            <a:avLst/>
+          </a:prstGeom>
+        </p:spPr>
+      </p:pic>
+      <p:pic>
+        <p:nvPicPr>
+          <p:cNvPr id="14" name="Grafik 13"/>
+          <p:cNvPicPr>
+            <a:picLocks noChangeAspect="1"/>
+          </p:cNvPicPr>
+          <p:nvPr/>
+        </p:nvPicPr>
+        <p:blipFill>
+          <a:blip r:embed="rId8"/>
+          <a:stretch>
+            <a:fillRect/>
+          </a:stretch>
+        </p:blipFill>
+        <p:spPr>
+          <a:xfrm>
+            <a:off x="6162523" y="544147"/>
+            <a:ext cx="2805251" cy="2580831"/>
+          </a:xfrm>
+          <a:prstGeom prst="rect">
+            <a:avLst/>
+          </a:prstGeom>
+        </p:spPr>
+      </p:pic>
+      <p:pic>
+        <p:nvPicPr>
+          <p:cNvPr id="15" name="Grafik 14"/>
+          <p:cNvPicPr>
+            <a:picLocks noChangeAspect="1"/>
+          </p:cNvPicPr>
+          <p:nvPr/>
+        </p:nvPicPr>
+        <p:blipFill>
+          <a:blip r:embed="rId9"/>
+          <a:stretch>
+            <a:fillRect/>
+          </a:stretch>
+        </p:blipFill>
+        <p:spPr>
+          <a:xfrm>
+            <a:off x="5042" y="3450537"/>
+            <a:ext cx="9138957" cy="1782490"/>
+          </a:xfrm>
+          <a:prstGeom prst="rect">
+            <a:avLst/>
+          </a:prstGeom>
+        </p:spPr>
+      </p:pic>
+      <p:sp>
+        <p:nvSpPr>
+          <p:cNvPr id="17" name="Textfeld 16"/>
+          <p:cNvSpPr txBox="1"/>
+          <p:nvPr/>
+        </p:nvSpPr>
+        <p:spPr>
+          <a:xfrm>
+            <a:off x="25466" y="2871513"/>
+            <a:ext cx="2454322" cy="523220"/>
+          </a:xfrm>
+          <a:prstGeom prst="rect">
+            <a:avLst/>
+          </a:prstGeom>
+          <a:noFill/>
+        </p:spPr>
+        <p:txBody>
+          <a:bodyPr wrap="square" rtlCol="0">
+            <a:spAutoFit/>
+          </a:bodyPr>
+          <a:lstStyle/>
+          <a:p>
+            <a:r>
+              <a:rPr lang="de-DE" sz="2800" dirty="0" smtClean="0"/>
+              <a:t>Bereich</a:t>
+            </a:r>
+            <a:endParaRPr lang="de-DE" sz="2800" dirty="0"/>
+          </a:p>
+        </p:txBody>
+      </p:sp>
+      <p:pic>
+        <p:nvPicPr>
+          <p:cNvPr id="18" name="Grafik 17"/>
+          <p:cNvPicPr>
+            <a:picLocks noChangeAspect="1"/>
+          </p:cNvPicPr>
+          <p:nvPr/>
+        </p:nvPicPr>
+        <p:blipFill>
+          <a:blip r:embed="rId10"/>
+          <a:stretch>
+            <a:fillRect/>
+          </a:stretch>
+        </p:blipFill>
+        <p:spPr>
+          <a:xfrm>
+            <a:off x="1827296" y="474300"/>
+            <a:ext cx="7163094" cy="2255781"/>
+          </a:xfrm>
+          <a:prstGeom prst="rect">
+            <a:avLst/>
+          </a:prstGeom>
+        </p:spPr>
+      </p:pic>
+      <p:pic>
+        <p:nvPicPr>
+          <p:cNvPr id="19" name="Grafik 18"/>
+          <p:cNvPicPr>
+            <a:picLocks noChangeAspect="1"/>
+          </p:cNvPicPr>
+          <p:nvPr/>
+        </p:nvPicPr>
+        <p:blipFill>
+          <a:blip r:embed="rId11"/>
+          <a:stretch>
+            <a:fillRect/>
+          </a:stretch>
+        </p:blipFill>
+        <p:spPr>
+          <a:xfrm>
+            <a:off x="-2" y="3402252"/>
+            <a:ext cx="3320403" cy="2213602"/>
+          </a:xfrm>
+          <a:prstGeom prst="rect">
+            <a:avLst/>
+          </a:prstGeom>
+        </p:spPr>
+      </p:pic>
+      <p:sp>
+        <p:nvSpPr>
+          <p:cNvPr id="20" name="Textfeld 19"/>
+          <p:cNvSpPr txBox="1"/>
+          <p:nvPr/>
+        </p:nvSpPr>
+        <p:spPr>
+          <a:xfrm>
+            <a:off x="21738" y="2888009"/>
+            <a:ext cx="3712150" cy="523220"/>
+          </a:xfrm>
+          <a:prstGeom prst="rect">
+            <a:avLst/>
+          </a:prstGeom>
+          <a:noFill/>
+        </p:spPr>
+        <p:txBody>
+          <a:bodyPr wrap="square" rtlCol="0">
+            <a:spAutoFit/>
+          </a:bodyPr>
+          <a:lstStyle/>
+          <a:p>
+            <a:r>
+              <a:rPr lang="de-DE" sz="2800" dirty="0" smtClean="0"/>
+              <a:t>Rollenverknüpfungen</a:t>
+            </a:r>
+            <a:endParaRPr lang="de-DE" sz="2800" dirty="0"/>
+          </a:p>
+        </p:txBody>
+      </p:sp>
+      <p:pic>
+        <p:nvPicPr>
+          <p:cNvPr id="21" name="Grafik 20"/>
+          <p:cNvPicPr>
+            <a:picLocks noChangeAspect="1"/>
+          </p:cNvPicPr>
+          <p:nvPr/>
+        </p:nvPicPr>
+        <p:blipFill>
+          <a:blip r:embed="rId12"/>
+          <a:stretch>
+            <a:fillRect/>
+          </a:stretch>
+        </p:blipFill>
+        <p:spPr>
+          <a:xfrm>
+            <a:off x="32925" y="5542211"/>
+            <a:ext cx="8590406" cy="1356380"/>
+          </a:xfrm>
+          <a:prstGeom prst="rect">
+            <a:avLst/>
+          </a:prstGeom>
+        </p:spPr>
+      </p:pic>
+      <p:pic>
+        <p:nvPicPr>
+          <p:cNvPr id="22" name="Grafik 21"/>
+          <p:cNvPicPr>
+            <a:picLocks noChangeAspect="1"/>
+          </p:cNvPicPr>
+          <p:nvPr/>
+        </p:nvPicPr>
+        <p:blipFill>
+          <a:blip r:embed="rId13"/>
+          <a:stretch>
+            <a:fillRect/>
+          </a:stretch>
+        </p:blipFill>
+        <p:spPr>
+          <a:xfrm>
+            <a:off x="3969740" y="3530021"/>
+            <a:ext cx="5141335" cy="1250050"/>
+          </a:xfrm>
+          <a:prstGeom prst="rect">
+            <a:avLst/>
+          </a:prstGeom>
+        </p:spPr>
+      </p:pic>
+      <p:cxnSp>
+        <p:nvCxnSpPr>
+          <p:cNvPr id="24" name="Gerade Verbindung mit Pfeil 23"/>
+          <p:cNvCxnSpPr/>
+          <p:nvPr/>
+        </p:nvCxnSpPr>
+        <p:spPr>
+          <a:xfrm>
+            <a:off x="3320401" y="4223404"/>
+            <a:ext cx="649339" cy="0"/>
+          </a:xfrm>
+          <a:prstGeom prst="straightConnector1">
+            <a:avLst/>
+          </a:prstGeom>
+          <a:ln>
+            <a:tailEnd type="triangle"/>
+          </a:ln>
+        </p:spPr>
+        <p:style>
+          <a:lnRef idx="1">
+            <a:schemeClr val="accent1"/>
+          </a:lnRef>
+          <a:fillRef idx="0">
+            <a:schemeClr val="accent1"/>
+          </a:fillRef>
+          <a:effectRef idx="0">
+            <a:schemeClr val="accent1"/>
+          </a:effectRef>
+          <a:fontRef idx="minor">
+            <a:schemeClr val="tx1"/>
+          </a:fontRef>
+        </p:style>
+      </p:cxnSp>
+      <p:cxnSp>
+        <p:nvCxnSpPr>
+          <p:cNvPr id="26" name="Gewinkelte Verbindung 25"/>
+          <p:cNvCxnSpPr>
+            <a:endCxn id="22" idx="1"/>
+          </p:cNvCxnSpPr>
+          <p:nvPr/>
+        </p:nvCxnSpPr>
+        <p:spPr>
+          <a:xfrm rot="5400000" flipH="1" flipV="1">
+            <a:off x="3121725" y="4525201"/>
+            <a:ext cx="1218170" cy="477860"/>
+          </a:xfrm>
+          <a:prstGeom prst="bentConnector2">
+            <a:avLst/>
+          </a:prstGeom>
+          <a:ln>
+            <a:tailEnd type="triangle"/>
+          </a:ln>
+        </p:spPr>
+        <p:style>
+          <a:lnRef idx="1">
+            <a:schemeClr val="accent1"/>
+          </a:lnRef>
+          <a:fillRef idx="0">
+            <a:schemeClr val="accent1"/>
+          </a:fillRef>
+          <a:effectRef idx="0">
+            <a:schemeClr val="accent1"/>
+          </a:effectRef>
+          <a:fontRef idx="minor">
+            <a:schemeClr val="tx1"/>
+          </a:fontRef>
+        </p:style>
+      </p:cxnSp>
+      <p:pic>
+        <p:nvPicPr>
+          <p:cNvPr id="27" name="Grafik 26"/>
+          <p:cNvPicPr>
+            <a:picLocks noChangeAspect="1"/>
+          </p:cNvPicPr>
+          <p:nvPr/>
+        </p:nvPicPr>
+        <p:blipFill>
+          <a:blip r:embed="rId14"/>
+          <a:stretch>
+            <a:fillRect/>
+          </a:stretch>
+        </p:blipFill>
+        <p:spPr>
+          <a:xfrm>
+            <a:off x="6383468" y="517300"/>
+            <a:ext cx="2484897" cy="3690803"/>
+          </a:xfrm>
+          <a:prstGeom prst="rect">
+            <a:avLst/>
+          </a:prstGeom>
+        </p:spPr>
+      </p:pic>
+      <p:pic>
+        <p:nvPicPr>
+          <p:cNvPr id="28" name="Grafik 27"/>
+          <p:cNvPicPr>
+            <a:picLocks noChangeAspect="1"/>
+          </p:cNvPicPr>
+          <p:nvPr/>
+        </p:nvPicPr>
+        <p:blipFill>
+          <a:blip r:embed="rId15"/>
+          <a:stretch>
+            <a:fillRect/>
+          </a:stretch>
+        </p:blipFill>
+        <p:spPr>
+          <a:xfrm>
+            <a:off x="32925" y="3986051"/>
+            <a:ext cx="9122736" cy="786054"/>
+          </a:xfrm>
+          <a:prstGeom prst="rect">
+            <a:avLst/>
+          </a:prstGeom>
+        </p:spPr>
+      </p:pic>
+      <p:sp>
+        <p:nvSpPr>
+          <p:cNvPr id="30" name="Textfeld 29"/>
+          <p:cNvSpPr txBox="1"/>
+          <p:nvPr/>
+        </p:nvSpPr>
+        <p:spPr>
+          <a:xfrm>
+            <a:off x="174138" y="3040409"/>
+            <a:ext cx="3712150" cy="523220"/>
+          </a:xfrm>
+          <a:prstGeom prst="rect">
+            <a:avLst/>
+          </a:prstGeom>
+          <a:noFill/>
+        </p:spPr>
+        <p:txBody>
+          <a:bodyPr wrap="square" rtlCol="0">
+            <a:spAutoFit/>
+          </a:bodyPr>
+          <a:lstStyle/>
+          <a:p>
+            <a:r>
+              <a:rPr lang="de-DE" sz="2800" dirty="0" smtClean="0"/>
+              <a:t>Eintrag</a:t>
+            </a:r>
+            <a:endParaRPr lang="de-DE" sz="2800" dirty="0"/>
+          </a:p>
+        </p:txBody>
+      </p:sp>
+      <p:pic>
+        <p:nvPicPr>
+          <p:cNvPr id="31" name="Grafik 30"/>
+          <p:cNvPicPr>
+            <a:picLocks noChangeAspect="1"/>
+          </p:cNvPicPr>
+          <p:nvPr/>
+        </p:nvPicPr>
+        <p:blipFill>
+          <a:blip r:embed="rId16"/>
+          <a:stretch>
+            <a:fillRect/>
+          </a:stretch>
+        </p:blipFill>
+        <p:spPr>
+          <a:xfrm>
+            <a:off x="6469515" y="671218"/>
+            <a:ext cx="2304015" cy="1781255"/>
+          </a:xfrm>
+          <a:prstGeom prst="rect">
+            <a:avLst/>
+          </a:prstGeom>
+        </p:spPr>
+      </p:pic>
+      <p:pic>
+        <p:nvPicPr>
+          <p:cNvPr id="32" name="Grafik 31"/>
+          <p:cNvPicPr>
+            <a:picLocks noChangeAspect="1"/>
+          </p:cNvPicPr>
+          <p:nvPr/>
+        </p:nvPicPr>
+        <p:blipFill>
+          <a:blip r:embed="rId17"/>
+          <a:stretch>
+            <a:fillRect/>
+          </a:stretch>
+        </p:blipFill>
+        <p:spPr>
+          <a:xfrm>
+            <a:off x="153610" y="3508092"/>
+            <a:ext cx="3777031" cy="2339504"/>
+          </a:xfrm>
+          <a:prstGeom prst="rect">
+            <a:avLst/>
+          </a:prstGeom>
+        </p:spPr>
+      </p:pic>
+      <p:sp>
+        <p:nvSpPr>
+          <p:cNvPr id="33" name="Textfeld 32"/>
+          <p:cNvSpPr txBox="1"/>
+          <p:nvPr/>
+        </p:nvSpPr>
+        <p:spPr>
+          <a:xfrm>
+            <a:off x="95304" y="2975426"/>
+            <a:ext cx="3712150" cy="523220"/>
+          </a:xfrm>
+          <a:prstGeom prst="rect">
+            <a:avLst/>
+          </a:prstGeom>
+          <a:noFill/>
+        </p:spPr>
+        <p:txBody>
+          <a:bodyPr wrap="square" rtlCol="0">
+            <a:spAutoFit/>
+          </a:bodyPr>
+          <a:lstStyle/>
+          <a:p>
+            <a:r>
+              <a:rPr lang="de-DE" sz="2800" dirty="0" smtClean="0"/>
+              <a:t>Art</a:t>
+            </a:r>
+            <a:endParaRPr lang="de-DE" sz="2800" dirty="0"/>
+          </a:p>
+        </p:txBody>
+      </p:sp>
+      <p:pic>
+        <p:nvPicPr>
+          <p:cNvPr id="34" name="Grafik 33"/>
+          <p:cNvPicPr>
+            <a:picLocks noChangeAspect="1"/>
+          </p:cNvPicPr>
+          <p:nvPr/>
+        </p:nvPicPr>
+        <p:blipFill rotWithShape="1">
+          <a:blip r:embed="rId18"/>
+          <a:srcRect l="543" t="14945" b="1848"/>
+          <a:stretch/>
+        </p:blipFill>
+        <p:spPr>
+          <a:xfrm>
+            <a:off x="2869919" y="729875"/>
+            <a:ext cx="6005241" cy="2880320"/>
+          </a:xfrm>
+          <a:prstGeom prst="rect">
+            <a:avLst/>
+          </a:prstGeom>
+        </p:spPr>
+      </p:pic>
+      <p:pic>
+        <p:nvPicPr>
+          <p:cNvPr id="35" name="Grafik 34"/>
+          <p:cNvPicPr>
+            <a:picLocks noChangeAspect="1"/>
+          </p:cNvPicPr>
+          <p:nvPr/>
+        </p:nvPicPr>
+        <p:blipFill>
+          <a:blip r:embed="rId19"/>
+          <a:stretch>
+            <a:fillRect/>
+          </a:stretch>
+        </p:blipFill>
+        <p:spPr>
+          <a:xfrm>
+            <a:off x="89623" y="5266729"/>
+            <a:ext cx="7435661" cy="953672"/>
+          </a:xfrm>
+          <a:prstGeom prst="rect">
+            <a:avLst/>
+          </a:prstGeom>
+        </p:spPr>
+      </p:pic>
+      <p:sp>
+        <p:nvSpPr>
+          <p:cNvPr id="36" name="Textfeld 35"/>
+          <p:cNvSpPr txBox="1"/>
+          <p:nvPr/>
+        </p:nvSpPr>
+        <p:spPr>
+          <a:xfrm>
+            <a:off x="99340" y="4725221"/>
+            <a:ext cx="3712150" cy="523220"/>
+          </a:xfrm>
+          <a:prstGeom prst="rect">
+            <a:avLst/>
+          </a:prstGeom>
+          <a:noFill/>
+        </p:spPr>
+        <p:txBody>
+          <a:bodyPr wrap="square" rtlCol="0">
+            <a:spAutoFit/>
+          </a:bodyPr>
+          <a:lstStyle/>
+          <a:p>
+            <a:r>
+              <a:rPr lang="de-DE" sz="2800" dirty="0" smtClean="0"/>
+              <a:t>Wochenübersicht</a:t>
+            </a:r>
+            <a:endParaRPr lang="de-DE" sz="2800" dirty="0"/>
+          </a:p>
+        </p:txBody>
+      </p:sp>
+      <p:sp>
+        <p:nvSpPr>
+          <p:cNvPr id="37" name="Textfeld 36"/>
+          <p:cNvSpPr txBox="1"/>
+          <p:nvPr/>
+        </p:nvSpPr>
+        <p:spPr>
+          <a:xfrm>
+            <a:off x="32925" y="2846324"/>
+            <a:ext cx="3712150" cy="523220"/>
+          </a:xfrm>
+          <a:prstGeom prst="rect">
+            <a:avLst/>
+          </a:prstGeom>
+          <a:noFill/>
+        </p:spPr>
+        <p:txBody>
+          <a:bodyPr wrap="square" rtlCol="0">
+            <a:spAutoFit/>
+          </a:bodyPr>
+          <a:lstStyle/>
+          <a:p>
+            <a:r>
+              <a:rPr lang="de-DE" sz="2800" dirty="0" smtClean="0"/>
+              <a:t>Jahresübersicht</a:t>
+            </a:r>
+            <a:endParaRPr lang="de-DE" sz="2800" dirty="0"/>
+          </a:p>
+        </p:txBody>
+      </p:sp>
+      <p:pic>
+        <p:nvPicPr>
+          <p:cNvPr id="38" name="Grafik 37"/>
+          <p:cNvPicPr>
+            <a:picLocks noChangeAspect="1"/>
+          </p:cNvPicPr>
+          <p:nvPr/>
+        </p:nvPicPr>
+        <p:blipFill>
+          <a:blip r:embed="rId20"/>
+          <a:stretch>
+            <a:fillRect/>
+          </a:stretch>
+        </p:blipFill>
+        <p:spPr>
+          <a:xfrm>
+            <a:off x="-11663" y="3424121"/>
+            <a:ext cx="6892199" cy="1385501"/>
+          </a:xfrm>
+          <a:prstGeom prst="rect">
+            <a:avLst/>
+          </a:prstGeom>
+        </p:spPr>
+      </p:pic>
     </p:spTree>
     <p:extLst>
       <p:ext uri="{BB962C8B-B14F-4D97-AF65-F5344CB8AC3E}">
@@ -10923,9 +11638,2034 @@
   <p:timing>
     <p:tnLst>
       <p:par>
-        <p:cTn id="1" dur="indefinite" restart="never" nodeType="tmRoot"/>
+        <p:cTn id="1" dur="indefinite" restart="never" nodeType="tmRoot">
+          <p:childTnLst>
+            <p:seq concurrent="1" nextAc="seek">
+              <p:cTn id="2" dur="indefinite" nodeType="mainSeq">
+                <p:childTnLst>
+                  <p:par>
+                    <p:cTn id="3" fill="hold">
+                      <p:stCondLst>
+                        <p:cond delay="indefinite"/>
+                      </p:stCondLst>
+                      <p:childTnLst>
+                        <p:par>
+                          <p:cTn id="4" fill="hold">
+                            <p:stCondLst>
+                              <p:cond delay="0"/>
+                            </p:stCondLst>
+                            <p:childTnLst>
+                              <p:par>
+                                <p:cTn id="5" presetID="10" presetClass="entr" presetSubtype="0" fill="hold" nodeType="clickEffect">
+                                  <p:stCondLst>
+                                    <p:cond delay="0"/>
+                                  </p:stCondLst>
+                                  <p:childTnLst>
+                                    <p:set>
+                                      <p:cBhvr>
+                                        <p:cTn id="6" dur="1" fill="hold">
+                                          <p:stCondLst>
+                                            <p:cond delay="0"/>
+                                          </p:stCondLst>
+                                        </p:cTn>
+                                        <p:tgtEl>
+                                          <p:spTgt spid="12"/>
+                                        </p:tgtEl>
+                                        <p:attrNameLst>
+                                          <p:attrName>style.visibility</p:attrName>
+                                        </p:attrNameLst>
+                                      </p:cBhvr>
+                                      <p:to>
+                                        <p:strVal val="visible"/>
+                                      </p:to>
+                                    </p:set>
+                                    <p:animEffect transition="in" filter="fade">
+                                      <p:cBhvr>
+                                        <p:cTn id="7" dur="500"/>
+                                        <p:tgtEl>
+                                          <p:spTgt spid="12"/>
+                                        </p:tgtEl>
+                                      </p:cBhvr>
+                                    </p:animEffect>
+                                  </p:childTnLst>
+                                </p:cTn>
+                              </p:par>
+                              <p:par>
+                                <p:cTn id="8" presetID="42" presetClass="entr" presetSubtype="0" fill="hold" nodeType="withEffect">
+                                  <p:stCondLst>
+                                    <p:cond delay="0"/>
+                                  </p:stCondLst>
+                                  <p:childTnLst>
+                                    <p:set>
+                                      <p:cBhvr>
+                                        <p:cTn id="9" dur="1" fill="hold">
+                                          <p:stCondLst>
+                                            <p:cond delay="0"/>
+                                          </p:stCondLst>
+                                        </p:cTn>
+                                        <p:tgtEl>
+                                          <p:spTgt spid="8"/>
+                                        </p:tgtEl>
+                                        <p:attrNameLst>
+                                          <p:attrName>style.visibility</p:attrName>
+                                        </p:attrNameLst>
+                                      </p:cBhvr>
+                                      <p:to>
+                                        <p:strVal val="visible"/>
+                                      </p:to>
+                                    </p:set>
+                                    <p:animEffect transition="in" filter="fade">
+                                      <p:cBhvr>
+                                        <p:cTn id="10" dur="1000"/>
+                                        <p:tgtEl>
+                                          <p:spTgt spid="8"/>
+                                        </p:tgtEl>
+                                      </p:cBhvr>
+                                    </p:animEffect>
+                                    <p:anim calcmode="lin" valueType="num">
+                                      <p:cBhvr>
+                                        <p:cTn id="11" dur="1000" fill="hold"/>
+                                        <p:tgtEl>
+                                          <p:spTgt spid="8"/>
+                                        </p:tgtEl>
+                                        <p:attrNameLst>
+                                          <p:attrName>ppt_x</p:attrName>
+                                        </p:attrNameLst>
+                                      </p:cBhvr>
+                                      <p:tavLst>
+                                        <p:tav tm="0">
+                                          <p:val>
+                                            <p:strVal val="#ppt_x"/>
+                                          </p:val>
+                                        </p:tav>
+                                        <p:tav tm="100000">
+                                          <p:val>
+                                            <p:strVal val="#ppt_x"/>
+                                          </p:val>
+                                        </p:tav>
+                                      </p:tavLst>
+                                    </p:anim>
+                                    <p:anim calcmode="lin" valueType="num">
+                                      <p:cBhvr>
+                                        <p:cTn id="12" dur="1000" fill="hold"/>
+                                        <p:tgtEl>
+                                          <p:spTgt spid="8"/>
+                                        </p:tgtEl>
+                                        <p:attrNameLst>
+                                          <p:attrName>ppt_y</p:attrName>
+                                        </p:attrNameLst>
+                                      </p:cBhvr>
+                                      <p:tavLst>
+                                        <p:tav tm="0">
+                                          <p:val>
+                                            <p:strVal val="#ppt_y+.1"/>
+                                          </p:val>
+                                        </p:tav>
+                                        <p:tav tm="100000">
+                                          <p:val>
+                                            <p:strVal val="#ppt_y"/>
+                                          </p:val>
+                                        </p:tav>
+                                      </p:tavLst>
+                                    </p:anim>
+                                  </p:childTnLst>
+                                </p:cTn>
+                              </p:par>
+                              <p:par>
+                                <p:cTn id="13" presetID="1" presetClass="entr" presetSubtype="0" fill="hold" grpId="0" nodeType="withEffect">
+                                  <p:stCondLst>
+                                    <p:cond delay="0"/>
+                                  </p:stCondLst>
+                                  <p:childTnLst>
+                                    <p:set>
+                                      <p:cBhvr>
+                                        <p:cTn id="14" dur="1" fill="hold">
+                                          <p:stCondLst>
+                                            <p:cond delay="0"/>
+                                          </p:stCondLst>
+                                        </p:cTn>
+                                        <p:tgtEl>
+                                          <p:spTgt spid="9"/>
+                                        </p:tgtEl>
+                                        <p:attrNameLst>
+                                          <p:attrName>style.visibility</p:attrName>
+                                        </p:attrNameLst>
+                                      </p:cBhvr>
+                                      <p:to>
+                                        <p:strVal val="visible"/>
+                                      </p:to>
+                                    </p:set>
+                                  </p:childTnLst>
+                                </p:cTn>
+                              </p:par>
+                              <p:par>
+                                <p:cTn id="15" presetID="10" presetClass="exit" presetSubtype="0" fill="hold" nodeType="withEffect">
+                                  <p:stCondLst>
+                                    <p:cond delay="0"/>
+                                  </p:stCondLst>
+                                  <p:childTnLst>
+                                    <p:animEffect transition="out" filter="fade">
+                                      <p:cBhvr>
+                                        <p:cTn id="16" dur="500"/>
+                                        <p:tgtEl>
+                                          <p:spTgt spid="6"/>
+                                        </p:tgtEl>
+                                      </p:cBhvr>
+                                    </p:animEffect>
+                                    <p:set>
+                                      <p:cBhvr>
+                                        <p:cTn id="17" dur="1" fill="hold">
+                                          <p:stCondLst>
+                                            <p:cond delay="499"/>
+                                          </p:stCondLst>
+                                        </p:cTn>
+                                        <p:tgtEl>
+                                          <p:spTgt spid="6"/>
+                                        </p:tgtEl>
+                                        <p:attrNameLst>
+                                          <p:attrName>style.visibility</p:attrName>
+                                        </p:attrNameLst>
+                                      </p:cBhvr>
+                                      <p:to>
+                                        <p:strVal val="hidden"/>
+                                      </p:to>
+                                    </p:set>
+                                  </p:childTnLst>
+                                </p:cTn>
+                              </p:par>
+                              <p:par>
+                                <p:cTn id="18" presetID="10" presetClass="exit" presetSubtype="0" fill="hold" grpId="0" nodeType="withEffect">
+                                  <p:stCondLst>
+                                    <p:cond delay="0"/>
+                                  </p:stCondLst>
+                                  <p:childTnLst>
+                                    <p:animEffect transition="out" filter="fade">
+                                      <p:cBhvr>
+                                        <p:cTn id="19" dur="500"/>
+                                        <p:tgtEl>
+                                          <p:spTgt spid="2"/>
+                                        </p:tgtEl>
+                                      </p:cBhvr>
+                                    </p:animEffect>
+                                    <p:set>
+                                      <p:cBhvr>
+                                        <p:cTn id="20" dur="1" fill="hold">
+                                          <p:stCondLst>
+                                            <p:cond delay="499"/>
+                                          </p:stCondLst>
+                                        </p:cTn>
+                                        <p:tgtEl>
+                                          <p:spTgt spid="2"/>
+                                        </p:tgtEl>
+                                        <p:attrNameLst>
+                                          <p:attrName>style.visibility</p:attrName>
+                                        </p:attrNameLst>
+                                      </p:cBhvr>
+                                      <p:to>
+                                        <p:strVal val="hidden"/>
+                                      </p:to>
+                                    </p:set>
+                                  </p:childTnLst>
+                                </p:cTn>
+                              </p:par>
+                              <p:par>
+                                <p:cTn id="21" presetID="10" presetClass="exit" presetSubtype="0" fill="hold" grpId="0" nodeType="withEffect">
+                                  <p:stCondLst>
+                                    <p:cond delay="0"/>
+                                  </p:stCondLst>
+                                  <p:childTnLst>
+                                    <p:animEffect transition="out" filter="fade">
+                                      <p:cBhvr>
+                                        <p:cTn id="22" dur="500"/>
+                                        <p:tgtEl>
+                                          <p:spTgt spid="4"/>
+                                        </p:tgtEl>
+                                      </p:cBhvr>
+                                    </p:animEffect>
+                                    <p:set>
+                                      <p:cBhvr>
+                                        <p:cTn id="23" dur="1" fill="hold">
+                                          <p:stCondLst>
+                                            <p:cond delay="499"/>
+                                          </p:stCondLst>
+                                        </p:cTn>
+                                        <p:tgtEl>
+                                          <p:spTgt spid="4"/>
+                                        </p:tgtEl>
+                                        <p:attrNameLst>
+                                          <p:attrName>style.visibility</p:attrName>
+                                        </p:attrNameLst>
+                                      </p:cBhvr>
+                                      <p:to>
+                                        <p:strVal val="hidden"/>
+                                      </p:to>
+                                    </p:set>
+                                  </p:childTnLst>
+                                </p:cTn>
+                              </p:par>
+                            </p:childTnLst>
+                          </p:cTn>
+                        </p:par>
+                      </p:childTnLst>
+                    </p:cTn>
+                  </p:par>
+                  <p:par>
+                    <p:cTn id="24" fill="hold">
+                      <p:stCondLst>
+                        <p:cond delay="indefinite"/>
+                      </p:stCondLst>
+                      <p:childTnLst>
+                        <p:par>
+                          <p:cTn id="25" fill="hold">
+                            <p:stCondLst>
+                              <p:cond delay="0"/>
+                            </p:stCondLst>
+                            <p:childTnLst>
+                              <p:par>
+                                <p:cTn id="26" presetID="10" presetClass="entr" presetSubtype="0" fill="hold" nodeType="clickEffect">
+                                  <p:stCondLst>
+                                    <p:cond delay="0"/>
+                                  </p:stCondLst>
+                                  <p:childTnLst>
+                                    <p:set>
+                                      <p:cBhvr>
+                                        <p:cTn id="27" dur="1" fill="hold">
+                                          <p:stCondLst>
+                                            <p:cond delay="0"/>
+                                          </p:stCondLst>
+                                        </p:cTn>
+                                        <p:tgtEl>
+                                          <p:spTgt spid="13"/>
+                                        </p:tgtEl>
+                                        <p:attrNameLst>
+                                          <p:attrName>style.visibility</p:attrName>
+                                        </p:attrNameLst>
+                                      </p:cBhvr>
+                                      <p:to>
+                                        <p:strVal val="visible"/>
+                                      </p:to>
+                                    </p:set>
+                                    <p:animEffect transition="in" filter="fade">
+                                      <p:cBhvr>
+                                        <p:cTn id="28" dur="500"/>
+                                        <p:tgtEl>
+                                          <p:spTgt spid="13"/>
+                                        </p:tgtEl>
+                                      </p:cBhvr>
+                                    </p:animEffect>
+                                  </p:childTnLst>
+                                </p:cTn>
+                              </p:par>
+                              <p:par>
+                                <p:cTn id="29" presetID="10" presetClass="entr" presetSubtype="0" fill="hold" nodeType="withEffect">
+                                  <p:stCondLst>
+                                    <p:cond delay="0"/>
+                                  </p:stCondLst>
+                                  <p:childTnLst>
+                                    <p:set>
+                                      <p:cBhvr>
+                                        <p:cTn id="30" dur="1" fill="hold">
+                                          <p:stCondLst>
+                                            <p:cond delay="0"/>
+                                          </p:stCondLst>
+                                        </p:cTn>
+                                        <p:tgtEl>
+                                          <p:spTgt spid="10"/>
+                                        </p:tgtEl>
+                                        <p:attrNameLst>
+                                          <p:attrName>style.visibility</p:attrName>
+                                        </p:attrNameLst>
+                                      </p:cBhvr>
+                                      <p:to>
+                                        <p:strVal val="visible"/>
+                                      </p:to>
+                                    </p:set>
+                                    <p:animEffect transition="in" filter="fade">
+                                      <p:cBhvr>
+                                        <p:cTn id="31" dur="500"/>
+                                        <p:tgtEl>
+                                          <p:spTgt spid="10"/>
+                                        </p:tgtEl>
+                                      </p:cBhvr>
+                                    </p:animEffect>
+                                  </p:childTnLst>
+                                </p:cTn>
+                              </p:par>
+                              <p:par>
+                                <p:cTn id="32" presetID="10" presetClass="entr" presetSubtype="0" fill="hold" grpId="0" nodeType="withEffect">
+                                  <p:stCondLst>
+                                    <p:cond delay="0"/>
+                                  </p:stCondLst>
+                                  <p:childTnLst>
+                                    <p:set>
+                                      <p:cBhvr>
+                                        <p:cTn id="33" dur="1" fill="hold">
+                                          <p:stCondLst>
+                                            <p:cond delay="0"/>
+                                          </p:stCondLst>
+                                        </p:cTn>
+                                        <p:tgtEl>
+                                          <p:spTgt spid="11"/>
+                                        </p:tgtEl>
+                                        <p:attrNameLst>
+                                          <p:attrName>style.visibility</p:attrName>
+                                        </p:attrNameLst>
+                                      </p:cBhvr>
+                                      <p:to>
+                                        <p:strVal val="visible"/>
+                                      </p:to>
+                                    </p:set>
+                                    <p:animEffect transition="in" filter="fade">
+                                      <p:cBhvr>
+                                        <p:cTn id="34" dur="500"/>
+                                        <p:tgtEl>
+                                          <p:spTgt spid="11"/>
+                                        </p:tgtEl>
+                                      </p:cBhvr>
+                                    </p:animEffect>
+                                  </p:childTnLst>
+                                </p:cTn>
+                              </p:par>
+                              <p:par>
+                                <p:cTn id="35" presetID="10" presetClass="exit" presetSubtype="0" fill="hold" nodeType="withEffect">
+                                  <p:stCondLst>
+                                    <p:cond delay="0"/>
+                                  </p:stCondLst>
+                                  <p:childTnLst>
+                                    <p:animEffect transition="out" filter="fade">
+                                      <p:cBhvr>
+                                        <p:cTn id="36" dur="500"/>
+                                        <p:tgtEl>
+                                          <p:spTgt spid="12"/>
+                                        </p:tgtEl>
+                                      </p:cBhvr>
+                                    </p:animEffect>
+                                    <p:set>
+                                      <p:cBhvr>
+                                        <p:cTn id="37" dur="1" fill="hold">
+                                          <p:stCondLst>
+                                            <p:cond delay="499"/>
+                                          </p:stCondLst>
+                                        </p:cTn>
+                                        <p:tgtEl>
+                                          <p:spTgt spid="12"/>
+                                        </p:tgtEl>
+                                        <p:attrNameLst>
+                                          <p:attrName>style.visibility</p:attrName>
+                                        </p:attrNameLst>
+                                      </p:cBhvr>
+                                      <p:to>
+                                        <p:strVal val="hidden"/>
+                                      </p:to>
+                                    </p:set>
+                                  </p:childTnLst>
+                                </p:cTn>
+                              </p:par>
+                              <p:par>
+                                <p:cTn id="38" presetID="10" presetClass="exit" presetSubtype="0" fill="hold" nodeType="withEffect">
+                                  <p:stCondLst>
+                                    <p:cond delay="0"/>
+                                  </p:stCondLst>
+                                  <p:childTnLst>
+                                    <p:animEffect transition="out" filter="fade">
+                                      <p:cBhvr>
+                                        <p:cTn id="39" dur="500"/>
+                                        <p:tgtEl>
+                                          <p:spTgt spid="8"/>
+                                        </p:tgtEl>
+                                      </p:cBhvr>
+                                    </p:animEffect>
+                                    <p:set>
+                                      <p:cBhvr>
+                                        <p:cTn id="40" dur="1" fill="hold">
+                                          <p:stCondLst>
+                                            <p:cond delay="499"/>
+                                          </p:stCondLst>
+                                        </p:cTn>
+                                        <p:tgtEl>
+                                          <p:spTgt spid="8"/>
+                                        </p:tgtEl>
+                                        <p:attrNameLst>
+                                          <p:attrName>style.visibility</p:attrName>
+                                        </p:attrNameLst>
+                                      </p:cBhvr>
+                                      <p:to>
+                                        <p:strVal val="hidden"/>
+                                      </p:to>
+                                    </p:set>
+                                  </p:childTnLst>
+                                </p:cTn>
+                              </p:par>
+                              <p:par>
+                                <p:cTn id="41" presetID="10" presetClass="exit" presetSubtype="0" fill="hold" grpId="1" nodeType="withEffect">
+                                  <p:stCondLst>
+                                    <p:cond delay="0"/>
+                                  </p:stCondLst>
+                                  <p:childTnLst>
+                                    <p:animEffect transition="out" filter="fade">
+                                      <p:cBhvr>
+                                        <p:cTn id="42" dur="500"/>
+                                        <p:tgtEl>
+                                          <p:spTgt spid="9"/>
+                                        </p:tgtEl>
+                                      </p:cBhvr>
+                                    </p:animEffect>
+                                    <p:set>
+                                      <p:cBhvr>
+                                        <p:cTn id="43" dur="1" fill="hold">
+                                          <p:stCondLst>
+                                            <p:cond delay="499"/>
+                                          </p:stCondLst>
+                                        </p:cTn>
+                                        <p:tgtEl>
+                                          <p:spTgt spid="9"/>
+                                        </p:tgtEl>
+                                        <p:attrNameLst>
+                                          <p:attrName>style.visibility</p:attrName>
+                                        </p:attrNameLst>
+                                      </p:cBhvr>
+                                      <p:to>
+                                        <p:strVal val="hidden"/>
+                                      </p:to>
+                                    </p:set>
+                                  </p:childTnLst>
+                                </p:cTn>
+                              </p:par>
+                            </p:childTnLst>
+                          </p:cTn>
+                        </p:par>
+                      </p:childTnLst>
+                    </p:cTn>
+                  </p:par>
+                  <p:par>
+                    <p:cTn id="44" fill="hold">
+                      <p:stCondLst>
+                        <p:cond delay="indefinite"/>
+                      </p:stCondLst>
+                      <p:childTnLst>
+                        <p:par>
+                          <p:cTn id="45" fill="hold">
+                            <p:stCondLst>
+                              <p:cond delay="0"/>
+                            </p:stCondLst>
+                            <p:childTnLst>
+                              <p:par>
+                                <p:cTn id="46" presetID="10" presetClass="entr" presetSubtype="0" fill="hold" nodeType="clickEffect">
+                                  <p:stCondLst>
+                                    <p:cond delay="0"/>
+                                  </p:stCondLst>
+                                  <p:childTnLst>
+                                    <p:set>
+                                      <p:cBhvr>
+                                        <p:cTn id="47" dur="1" fill="hold">
+                                          <p:stCondLst>
+                                            <p:cond delay="0"/>
+                                          </p:stCondLst>
+                                        </p:cTn>
+                                        <p:tgtEl>
+                                          <p:spTgt spid="14"/>
+                                        </p:tgtEl>
+                                        <p:attrNameLst>
+                                          <p:attrName>style.visibility</p:attrName>
+                                        </p:attrNameLst>
+                                      </p:cBhvr>
+                                      <p:to>
+                                        <p:strVal val="visible"/>
+                                      </p:to>
+                                    </p:set>
+                                    <p:animEffect transition="in" filter="fade">
+                                      <p:cBhvr>
+                                        <p:cTn id="48" dur="500"/>
+                                        <p:tgtEl>
+                                          <p:spTgt spid="14"/>
+                                        </p:tgtEl>
+                                      </p:cBhvr>
+                                    </p:animEffect>
+                                  </p:childTnLst>
+                                </p:cTn>
+                              </p:par>
+                              <p:par>
+                                <p:cTn id="49" presetID="10" presetClass="entr" presetSubtype="0" fill="hold" grpId="0" nodeType="withEffect">
+                                  <p:stCondLst>
+                                    <p:cond delay="0"/>
+                                  </p:stCondLst>
+                                  <p:childTnLst>
+                                    <p:set>
+                                      <p:cBhvr>
+                                        <p:cTn id="50" dur="1" fill="hold">
+                                          <p:stCondLst>
+                                            <p:cond delay="0"/>
+                                          </p:stCondLst>
+                                        </p:cTn>
+                                        <p:tgtEl>
+                                          <p:spTgt spid="17"/>
+                                        </p:tgtEl>
+                                        <p:attrNameLst>
+                                          <p:attrName>style.visibility</p:attrName>
+                                        </p:attrNameLst>
+                                      </p:cBhvr>
+                                      <p:to>
+                                        <p:strVal val="visible"/>
+                                      </p:to>
+                                    </p:set>
+                                    <p:animEffect transition="in" filter="fade">
+                                      <p:cBhvr>
+                                        <p:cTn id="51" dur="500"/>
+                                        <p:tgtEl>
+                                          <p:spTgt spid="17"/>
+                                        </p:tgtEl>
+                                      </p:cBhvr>
+                                    </p:animEffect>
+                                  </p:childTnLst>
+                                </p:cTn>
+                              </p:par>
+                              <p:par>
+                                <p:cTn id="52" presetID="10" presetClass="entr" presetSubtype="0" fill="hold" nodeType="withEffect">
+                                  <p:stCondLst>
+                                    <p:cond delay="0"/>
+                                  </p:stCondLst>
+                                  <p:childTnLst>
+                                    <p:set>
+                                      <p:cBhvr>
+                                        <p:cTn id="53" dur="1" fill="hold">
+                                          <p:stCondLst>
+                                            <p:cond delay="0"/>
+                                          </p:stCondLst>
+                                        </p:cTn>
+                                        <p:tgtEl>
+                                          <p:spTgt spid="15"/>
+                                        </p:tgtEl>
+                                        <p:attrNameLst>
+                                          <p:attrName>style.visibility</p:attrName>
+                                        </p:attrNameLst>
+                                      </p:cBhvr>
+                                      <p:to>
+                                        <p:strVal val="visible"/>
+                                      </p:to>
+                                    </p:set>
+                                    <p:animEffect transition="in" filter="fade">
+                                      <p:cBhvr>
+                                        <p:cTn id="54" dur="500"/>
+                                        <p:tgtEl>
+                                          <p:spTgt spid="15"/>
+                                        </p:tgtEl>
+                                      </p:cBhvr>
+                                    </p:animEffect>
+                                  </p:childTnLst>
+                                </p:cTn>
+                              </p:par>
+                              <p:par>
+                                <p:cTn id="55" presetID="10" presetClass="exit" presetSubtype="0" fill="hold" nodeType="withEffect">
+                                  <p:stCondLst>
+                                    <p:cond delay="0"/>
+                                  </p:stCondLst>
+                                  <p:childTnLst>
+                                    <p:animEffect transition="out" filter="fade">
+                                      <p:cBhvr>
+                                        <p:cTn id="56" dur="500"/>
+                                        <p:tgtEl>
+                                          <p:spTgt spid="13"/>
+                                        </p:tgtEl>
+                                      </p:cBhvr>
+                                    </p:animEffect>
+                                    <p:set>
+                                      <p:cBhvr>
+                                        <p:cTn id="57" dur="1" fill="hold">
+                                          <p:stCondLst>
+                                            <p:cond delay="499"/>
+                                          </p:stCondLst>
+                                        </p:cTn>
+                                        <p:tgtEl>
+                                          <p:spTgt spid="13"/>
+                                        </p:tgtEl>
+                                        <p:attrNameLst>
+                                          <p:attrName>style.visibility</p:attrName>
+                                        </p:attrNameLst>
+                                      </p:cBhvr>
+                                      <p:to>
+                                        <p:strVal val="hidden"/>
+                                      </p:to>
+                                    </p:set>
+                                  </p:childTnLst>
+                                </p:cTn>
+                              </p:par>
+                              <p:par>
+                                <p:cTn id="58" presetID="10" presetClass="exit" presetSubtype="0" fill="hold" nodeType="withEffect">
+                                  <p:stCondLst>
+                                    <p:cond delay="0"/>
+                                  </p:stCondLst>
+                                  <p:childTnLst>
+                                    <p:animEffect transition="out" filter="fade">
+                                      <p:cBhvr>
+                                        <p:cTn id="59" dur="500"/>
+                                        <p:tgtEl>
+                                          <p:spTgt spid="10"/>
+                                        </p:tgtEl>
+                                      </p:cBhvr>
+                                    </p:animEffect>
+                                    <p:set>
+                                      <p:cBhvr>
+                                        <p:cTn id="60" dur="1" fill="hold">
+                                          <p:stCondLst>
+                                            <p:cond delay="499"/>
+                                          </p:stCondLst>
+                                        </p:cTn>
+                                        <p:tgtEl>
+                                          <p:spTgt spid="10"/>
+                                        </p:tgtEl>
+                                        <p:attrNameLst>
+                                          <p:attrName>style.visibility</p:attrName>
+                                        </p:attrNameLst>
+                                      </p:cBhvr>
+                                      <p:to>
+                                        <p:strVal val="hidden"/>
+                                      </p:to>
+                                    </p:set>
+                                  </p:childTnLst>
+                                </p:cTn>
+                              </p:par>
+                              <p:par>
+                                <p:cTn id="61" presetID="10" presetClass="exit" presetSubtype="0" fill="hold" grpId="1" nodeType="withEffect">
+                                  <p:stCondLst>
+                                    <p:cond delay="0"/>
+                                  </p:stCondLst>
+                                  <p:childTnLst>
+                                    <p:animEffect transition="out" filter="fade">
+                                      <p:cBhvr>
+                                        <p:cTn id="62" dur="500"/>
+                                        <p:tgtEl>
+                                          <p:spTgt spid="11"/>
+                                        </p:tgtEl>
+                                      </p:cBhvr>
+                                    </p:animEffect>
+                                    <p:set>
+                                      <p:cBhvr>
+                                        <p:cTn id="63" dur="1" fill="hold">
+                                          <p:stCondLst>
+                                            <p:cond delay="499"/>
+                                          </p:stCondLst>
+                                        </p:cTn>
+                                        <p:tgtEl>
+                                          <p:spTgt spid="11"/>
+                                        </p:tgtEl>
+                                        <p:attrNameLst>
+                                          <p:attrName>style.visibility</p:attrName>
+                                        </p:attrNameLst>
+                                      </p:cBhvr>
+                                      <p:to>
+                                        <p:strVal val="hidden"/>
+                                      </p:to>
+                                    </p:set>
+                                  </p:childTnLst>
+                                </p:cTn>
+                              </p:par>
+                            </p:childTnLst>
+                          </p:cTn>
+                        </p:par>
+                      </p:childTnLst>
+                    </p:cTn>
+                  </p:par>
+                  <p:par>
+                    <p:cTn id="64" fill="hold">
+                      <p:stCondLst>
+                        <p:cond delay="indefinite"/>
+                      </p:stCondLst>
+                      <p:childTnLst>
+                        <p:par>
+                          <p:cTn id="65" fill="hold">
+                            <p:stCondLst>
+                              <p:cond delay="0"/>
+                            </p:stCondLst>
+                            <p:childTnLst>
+                              <p:par>
+                                <p:cTn id="66" presetID="10" presetClass="entr" presetSubtype="0" fill="hold" nodeType="clickEffect">
+                                  <p:stCondLst>
+                                    <p:cond delay="0"/>
+                                  </p:stCondLst>
+                                  <p:childTnLst>
+                                    <p:set>
+                                      <p:cBhvr>
+                                        <p:cTn id="67" dur="1" fill="hold">
+                                          <p:stCondLst>
+                                            <p:cond delay="0"/>
+                                          </p:stCondLst>
+                                        </p:cTn>
+                                        <p:tgtEl>
+                                          <p:spTgt spid="18"/>
+                                        </p:tgtEl>
+                                        <p:attrNameLst>
+                                          <p:attrName>style.visibility</p:attrName>
+                                        </p:attrNameLst>
+                                      </p:cBhvr>
+                                      <p:to>
+                                        <p:strVal val="visible"/>
+                                      </p:to>
+                                    </p:set>
+                                    <p:animEffect transition="in" filter="fade">
+                                      <p:cBhvr>
+                                        <p:cTn id="68" dur="500"/>
+                                        <p:tgtEl>
+                                          <p:spTgt spid="18"/>
+                                        </p:tgtEl>
+                                      </p:cBhvr>
+                                    </p:animEffect>
+                                  </p:childTnLst>
+                                </p:cTn>
+                              </p:par>
+                              <p:par>
+                                <p:cTn id="69" presetID="10" presetClass="entr" presetSubtype="0" fill="hold" grpId="0" nodeType="withEffect">
+                                  <p:stCondLst>
+                                    <p:cond delay="0"/>
+                                  </p:stCondLst>
+                                  <p:childTnLst>
+                                    <p:set>
+                                      <p:cBhvr>
+                                        <p:cTn id="70" dur="1" fill="hold">
+                                          <p:stCondLst>
+                                            <p:cond delay="0"/>
+                                          </p:stCondLst>
+                                        </p:cTn>
+                                        <p:tgtEl>
+                                          <p:spTgt spid="20"/>
+                                        </p:tgtEl>
+                                        <p:attrNameLst>
+                                          <p:attrName>style.visibility</p:attrName>
+                                        </p:attrNameLst>
+                                      </p:cBhvr>
+                                      <p:to>
+                                        <p:strVal val="visible"/>
+                                      </p:to>
+                                    </p:set>
+                                    <p:animEffect transition="in" filter="fade">
+                                      <p:cBhvr>
+                                        <p:cTn id="71" dur="500"/>
+                                        <p:tgtEl>
+                                          <p:spTgt spid="20"/>
+                                        </p:tgtEl>
+                                      </p:cBhvr>
+                                    </p:animEffect>
+                                  </p:childTnLst>
+                                </p:cTn>
+                              </p:par>
+                              <p:par>
+                                <p:cTn id="72" presetID="10" presetClass="entr" presetSubtype="0" fill="hold" nodeType="withEffect">
+                                  <p:stCondLst>
+                                    <p:cond delay="0"/>
+                                  </p:stCondLst>
+                                  <p:childTnLst>
+                                    <p:set>
+                                      <p:cBhvr>
+                                        <p:cTn id="73" dur="1" fill="hold">
+                                          <p:stCondLst>
+                                            <p:cond delay="0"/>
+                                          </p:stCondLst>
+                                        </p:cTn>
+                                        <p:tgtEl>
+                                          <p:spTgt spid="19"/>
+                                        </p:tgtEl>
+                                        <p:attrNameLst>
+                                          <p:attrName>style.visibility</p:attrName>
+                                        </p:attrNameLst>
+                                      </p:cBhvr>
+                                      <p:to>
+                                        <p:strVal val="visible"/>
+                                      </p:to>
+                                    </p:set>
+                                    <p:animEffect transition="in" filter="fade">
+                                      <p:cBhvr>
+                                        <p:cTn id="74" dur="500"/>
+                                        <p:tgtEl>
+                                          <p:spTgt spid="19"/>
+                                        </p:tgtEl>
+                                      </p:cBhvr>
+                                    </p:animEffect>
+                                  </p:childTnLst>
+                                </p:cTn>
+                              </p:par>
+                              <p:par>
+                                <p:cTn id="75" presetID="10" presetClass="entr" presetSubtype="0" fill="hold" nodeType="withEffect">
+                                  <p:stCondLst>
+                                    <p:cond delay="0"/>
+                                  </p:stCondLst>
+                                  <p:childTnLst>
+                                    <p:set>
+                                      <p:cBhvr>
+                                        <p:cTn id="76" dur="1" fill="hold">
+                                          <p:stCondLst>
+                                            <p:cond delay="0"/>
+                                          </p:stCondLst>
+                                        </p:cTn>
+                                        <p:tgtEl>
+                                          <p:spTgt spid="21"/>
+                                        </p:tgtEl>
+                                        <p:attrNameLst>
+                                          <p:attrName>style.visibility</p:attrName>
+                                        </p:attrNameLst>
+                                      </p:cBhvr>
+                                      <p:to>
+                                        <p:strVal val="visible"/>
+                                      </p:to>
+                                    </p:set>
+                                    <p:animEffect transition="in" filter="fade">
+                                      <p:cBhvr>
+                                        <p:cTn id="77" dur="500"/>
+                                        <p:tgtEl>
+                                          <p:spTgt spid="21"/>
+                                        </p:tgtEl>
+                                      </p:cBhvr>
+                                    </p:animEffect>
+                                  </p:childTnLst>
+                                </p:cTn>
+                              </p:par>
+                              <p:par>
+                                <p:cTn id="78" presetID="10" presetClass="entr" presetSubtype="0" fill="hold" nodeType="withEffect">
+                                  <p:stCondLst>
+                                    <p:cond delay="0"/>
+                                  </p:stCondLst>
+                                  <p:childTnLst>
+                                    <p:set>
+                                      <p:cBhvr>
+                                        <p:cTn id="79" dur="1" fill="hold">
+                                          <p:stCondLst>
+                                            <p:cond delay="0"/>
+                                          </p:stCondLst>
+                                        </p:cTn>
+                                        <p:tgtEl>
+                                          <p:spTgt spid="22"/>
+                                        </p:tgtEl>
+                                        <p:attrNameLst>
+                                          <p:attrName>style.visibility</p:attrName>
+                                        </p:attrNameLst>
+                                      </p:cBhvr>
+                                      <p:to>
+                                        <p:strVal val="visible"/>
+                                      </p:to>
+                                    </p:set>
+                                    <p:animEffect transition="in" filter="fade">
+                                      <p:cBhvr>
+                                        <p:cTn id="80" dur="500"/>
+                                        <p:tgtEl>
+                                          <p:spTgt spid="22"/>
+                                        </p:tgtEl>
+                                      </p:cBhvr>
+                                    </p:animEffect>
+                                  </p:childTnLst>
+                                </p:cTn>
+                              </p:par>
+                              <p:par>
+                                <p:cTn id="81" presetID="10" presetClass="entr" presetSubtype="0" fill="hold" nodeType="withEffect">
+                                  <p:stCondLst>
+                                    <p:cond delay="0"/>
+                                  </p:stCondLst>
+                                  <p:childTnLst>
+                                    <p:set>
+                                      <p:cBhvr>
+                                        <p:cTn id="82" dur="1" fill="hold">
+                                          <p:stCondLst>
+                                            <p:cond delay="0"/>
+                                          </p:stCondLst>
+                                        </p:cTn>
+                                        <p:tgtEl>
+                                          <p:spTgt spid="24"/>
+                                        </p:tgtEl>
+                                        <p:attrNameLst>
+                                          <p:attrName>style.visibility</p:attrName>
+                                        </p:attrNameLst>
+                                      </p:cBhvr>
+                                      <p:to>
+                                        <p:strVal val="visible"/>
+                                      </p:to>
+                                    </p:set>
+                                    <p:animEffect transition="in" filter="fade">
+                                      <p:cBhvr>
+                                        <p:cTn id="83" dur="500"/>
+                                        <p:tgtEl>
+                                          <p:spTgt spid="24"/>
+                                        </p:tgtEl>
+                                      </p:cBhvr>
+                                    </p:animEffect>
+                                  </p:childTnLst>
+                                </p:cTn>
+                              </p:par>
+                              <p:par>
+                                <p:cTn id="84" presetID="10" presetClass="entr" presetSubtype="0" fill="hold" nodeType="withEffect">
+                                  <p:stCondLst>
+                                    <p:cond delay="0"/>
+                                  </p:stCondLst>
+                                  <p:childTnLst>
+                                    <p:set>
+                                      <p:cBhvr>
+                                        <p:cTn id="85" dur="1" fill="hold">
+                                          <p:stCondLst>
+                                            <p:cond delay="0"/>
+                                          </p:stCondLst>
+                                        </p:cTn>
+                                        <p:tgtEl>
+                                          <p:spTgt spid="26"/>
+                                        </p:tgtEl>
+                                        <p:attrNameLst>
+                                          <p:attrName>style.visibility</p:attrName>
+                                        </p:attrNameLst>
+                                      </p:cBhvr>
+                                      <p:to>
+                                        <p:strVal val="visible"/>
+                                      </p:to>
+                                    </p:set>
+                                    <p:animEffect transition="in" filter="fade">
+                                      <p:cBhvr>
+                                        <p:cTn id="86" dur="500"/>
+                                        <p:tgtEl>
+                                          <p:spTgt spid="26"/>
+                                        </p:tgtEl>
+                                      </p:cBhvr>
+                                    </p:animEffect>
+                                  </p:childTnLst>
+                                </p:cTn>
+                              </p:par>
+                              <p:par>
+                                <p:cTn id="87" presetID="10" presetClass="exit" presetSubtype="0" fill="hold" nodeType="withEffect">
+                                  <p:stCondLst>
+                                    <p:cond delay="0"/>
+                                  </p:stCondLst>
+                                  <p:childTnLst>
+                                    <p:animEffect transition="out" filter="fade">
+                                      <p:cBhvr>
+                                        <p:cTn id="88" dur="500"/>
+                                        <p:tgtEl>
+                                          <p:spTgt spid="14"/>
+                                        </p:tgtEl>
+                                      </p:cBhvr>
+                                    </p:animEffect>
+                                    <p:set>
+                                      <p:cBhvr>
+                                        <p:cTn id="89" dur="1" fill="hold">
+                                          <p:stCondLst>
+                                            <p:cond delay="499"/>
+                                          </p:stCondLst>
+                                        </p:cTn>
+                                        <p:tgtEl>
+                                          <p:spTgt spid="14"/>
+                                        </p:tgtEl>
+                                        <p:attrNameLst>
+                                          <p:attrName>style.visibility</p:attrName>
+                                        </p:attrNameLst>
+                                      </p:cBhvr>
+                                      <p:to>
+                                        <p:strVal val="hidden"/>
+                                      </p:to>
+                                    </p:set>
+                                  </p:childTnLst>
+                                </p:cTn>
+                              </p:par>
+                              <p:par>
+                                <p:cTn id="90" presetID="10" presetClass="exit" presetSubtype="0" fill="hold" grpId="1" nodeType="withEffect">
+                                  <p:stCondLst>
+                                    <p:cond delay="0"/>
+                                  </p:stCondLst>
+                                  <p:childTnLst>
+                                    <p:animEffect transition="out" filter="fade">
+                                      <p:cBhvr>
+                                        <p:cTn id="91" dur="500"/>
+                                        <p:tgtEl>
+                                          <p:spTgt spid="17"/>
+                                        </p:tgtEl>
+                                      </p:cBhvr>
+                                    </p:animEffect>
+                                    <p:set>
+                                      <p:cBhvr>
+                                        <p:cTn id="92" dur="1" fill="hold">
+                                          <p:stCondLst>
+                                            <p:cond delay="499"/>
+                                          </p:stCondLst>
+                                        </p:cTn>
+                                        <p:tgtEl>
+                                          <p:spTgt spid="17"/>
+                                        </p:tgtEl>
+                                        <p:attrNameLst>
+                                          <p:attrName>style.visibility</p:attrName>
+                                        </p:attrNameLst>
+                                      </p:cBhvr>
+                                      <p:to>
+                                        <p:strVal val="hidden"/>
+                                      </p:to>
+                                    </p:set>
+                                  </p:childTnLst>
+                                </p:cTn>
+                              </p:par>
+                              <p:par>
+                                <p:cTn id="93" presetID="10" presetClass="exit" presetSubtype="0" fill="hold" nodeType="withEffect">
+                                  <p:stCondLst>
+                                    <p:cond delay="0"/>
+                                  </p:stCondLst>
+                                  <p:childTnLst>
+                                    <p:animEffect transition="out" filter="fade">
+                                      <p:cBhvr>
+                                        <p:cTn id="94" dur="500"/>
+                                        <p:tgtEl>
+                                          <p:spTgt spid="15"/>
+                                        </p:tgtEl>
+                                      </p:cBhvr>
+                                    </p:animEffect>
+                                    <p:set>
+                                      <p:cBhvr>
+                                        <p:cTn id="95" dur="1" fill="hold">
+                                          <p:stCondLst>
+                                            <p:cond delay="499"/>
+                                          </p:stCondLst>
+                                        </p:cTn>
+                                        <p:tgtEl>
+                                          <p:spTgt spid="15"/>
+                                        </p:tgtEl>
+                                        <p:attrNameLst>
+                                          <p:attrName>style.visibility</p:attrName>
+                                        </p:attrNameLst>
+                                      </p:cBhvr>
+                                      <p:to>
+                                        <p:strVal val="hidden"/>
+                                      </p:to>
+                                    </p:set>
+                                  </p:childTnLst>
+                                </p:cTn>
+                              </p:par>
+                            </p:childTnLst>
+                          </p:cTn>
+                        </p:par>
+                      </p:childTnLst>
+                    </p:cTn>
+                  </p:par>
+                  <p:par>
+                    <p:cTn id="96" fill="hold">
+                      <p:stCondLst>
+                        <p:cond delay="indefinite"/>
+                      </p:stCondLst>
+                      <p:childTnLst>
+                        <p:par>
+                          <p:cTn id="97" fill="hold">
+                            <p:stCondLst>
+                              <p:cond delay="0"/>
+                            </p:stCondLst>
+                            <p:childTnLst>
+                              <p:par>
+                                <p:cTn id="98" presetID="10" presetClass="entr" presetSubtype="0" fill="hold" nodeType="clickEffect">
+                                  <p:stCondLst>
+                                    <p:cond delay="0"/>
+                                  </p:stCondLst>
+                                  <p:childTnLst>
+                                    <p:set>
+                                      <p:cBhvr>
+                                        <p:cTn id="99" dur="1" fill="hold">
+                                          <p:stCondLst>
+                                            <p:cond delay="0"/>
+                                          </p:stCondLst>
+                                        </p:cTn>
+                                        <p:tgtEl>
+                                          <p:spTgt spid="27"/>
+                                        </p:tgtEl>
+                                        <p:attrNameLst>
+                                          <p:attrName>style.visibility</p:attrName>
+                                        </p:attrNameLst>
+                                      </p:cBhvr>
+                                      <p:to>
+                                        <p:strVal val="visible"/>
+                                      </p:to>
+                                    </p:set>
+                                    <p:animEffect transition="in" filter="fade">
+                                      <p:cBhvr>
+                                        <p:cTn id="100" dur="500"/>
+                                        <p:tgtEl>
+                                          <p:spTgt spid="27"/>
+                                        </p:tgtEl>
+                                      </p:cBhvr>
+                                    </p:animEffect>
+                                  </p:childTnLst>
+                                </p:cTn>
+                              </p:par>
+                              <p:par>
+                                <p:cTn id="101" presetID="10" presetClass="entr" presetSubtype="0" fill="hold" grpId="0" nodeType="withEffect">
+                                  <p:stCondLst>
+                                    <p:cond delay="0"/>
+                                  </p:stCondLst>
+                                  <p:childTnLst>
+                                    <p:set>
+                                      <p:cBhvr>
+                                        <p:cTn id="102" dur="1" fill="hold">
+                                          <p:stCondLst>
+                                            <p:cond delay="0"/>
+                                          </p:stCondLst>
+                                        </p:cTn>
+                                        <p:tgtEl>
+                                          <p:spTgt spid="30"/>
+                                        </p:tgtEl>
+                                        <p:attrNameLst>
+                                          <p:attrName>style.visibility</p:attrName>
+                                        </p:attrNameLst>
+                                      </p:cBhvr>
+                                      <p:to>
+                                        <p:strVal val="visible"/>
+                                      </p:to>
+                                    </p:set>
+                                    <p:animEffect transition="in" filter="fade">
+                                      <p:cBhvr>
+                                        <p:cTn id="103" dur="500"/>
+                                        <p:tgtEl>
+                                          <p:spTgt spid="30"/>
+                                        </p:tgtEl>
+                                      </p:cBhvr>
+                                    </p:animEffect>
+                                  </p:childTnLst>
+                                </p:cTn>
+                              </p:par>
+                              <p:par>
+                                <p:cTn id="104" presetID="10" presetClass="entr" presetSubtype="0" fill="hold" nodeType="withEffect">
+                                  <p:stCondLst>
+                                    <p:cond delay="0"/>
+                                  </p:stCondLst>
+                                  <p:childTnLst>
+                                    <p:set>
+                                      <p:cBhvr>
+                                        <p:cTn id="105" dur="1" fill="hold">
+                                          <p:stCondLst>
+                                            <p:cond delay="0"/>
+                                          </p:stCondLst>
+                                        </p:cTn>
+                                        <p:tgtEl>
+                                          <p:spTgt spid="28"/>
+                                        </p:tgtEl>
+                                        <p:attrNameLst>
+                                          <p:attrName>style.visibility</p:attrName>
+                                        </p:attrNameLst>
+                                      </p:cBhvr>
+                                      <p:to>
+                                        <p:strVal val="visible"/>
+                                      </p:to>
+                                    </p:set>
+                                    <p:animEffect transition="in" filter="fade">
+                                      <p:cBhvr>
+                                        <p:cTn id="106" dur="500"/>
+                                        <p:tgtEl>
+                                          <p:spTgt spid="28"/>
+                                        </p:tgtEl>
+                                      </p:cBhvr>
+                                    </p:animEffect>
+                                  </p:childTnLst>
+                                </p:cTn>
+                              </p:par>
+                              <p:par>
+                                <p:cTn id="107" presetID="10" presetClass="exit" presetSubtype="0" fill="hold" nodeType="withEffect">
+                                  <p:stCondLst>
+                                    <p:cond delay="0"/>
+                                  </p:stCondLst>
+                                  <p:childTnLst>
+                                    <p:animEffect transition="out" filter="fade">
+                                      <p:cBhvr>
+                                        <p:cTn id="108" dur="500"/>
+                                        <p:tgtEl>
+                                          <p:spTgt spid="18"/>
+                                        </p:tgtEl>
+                                      </p:cBhvr>
+                                    </p:animEffect>
+                                    <p:set>
+                                      <p:cBhvr>
+                                        <p:cTn id="109" dur="1" fill="hold">
+                                          <p:stCondLst>
+                                            <p:cond delay="499"/>
+                                          </p:stCondLst>
+                                        </p:cTn>
+                                        <p:tgtEl>
+                                          <p:spTgt spid="18"/>
+                                        </p:tgtEl>
+                                        <p:attrNameLst>
+                                          <p:attrName>style.visibility</p:attrName>
+                                        </p:attrNameLst>
+                                      </p:cBhvr>
+                                      <p:to>
+                                        <p:strVal val="hidden"/>
+                                      </p:to>
+                                    </p:set>
+                                  </p:childTnLst>
+                                </p:cTn>
+                              </p:par>
+                              <p:par>
+                                <p:cTn id="110" presetID="10" presetClass="exit" presetSubtype="0" fill="hold" grpId="1" nodeType="withEffect">
+                                  <p:stCondLst>
+                                    <p:cond delay="0"/>
+                                  </p:stCondLst>
+                                  <p:childTnLst>
+                                    <p:animEffect transition="out" filter="fade">
+                                      <p:cBhvr>
+                                        <p:cTn id="111" dur="500"/>
+                                        <p:tgtEl>
+                                          <p:spTgt spid="20"/>
+                                        </p:tgtEl>
+                                      </p:cBhvr>
+                                    </p:animEffect>
+                                    <p:set>
+                                      <p:cBhvr>
+                                        <p:cTn id="112" dur="1" fill="hold">
+                                          <p:stCondLst>
+                                            <p:cond delay="499"/>
+                                          </p:stCondLst>
+                                        </p:cTn>
+                                        <p:tgtEl>
+                                          <p:spTgt spid="20"/>
+                                        </p:tgtEl>
+                                        <p:attrNameLst>
+                                          <p:attrName>style.visibility</p:attrName>
+                                        </p:attrNameLst>
+                                      </p:cBhvr>
+                                      <p:to>
+                                        <p:strVal val="hidden"/>
+                                      </p:to>
+                                    </p:set>
+                                  </p:childTnLst>
+                                </p:cTn>
+                              </p:par>
+                              <p:par>
+                                <p:cTn id="113" presetID="10" presetClass="exit" presetSubtype="0" fill="hold" nodeType="withEffect">
+                                  <p:stCondLst>
+                                    <p:cond delay="0"/>
+                                  </p:stCondLst>
+                                  <p:childTnLst>
+                                    <p:animEffect transition="out" filter="fade">
+                                      <p:cBhvr>
+                                        <p:cTn id="114" dur="500"/>
+                                        <p:tgtEl>
+                                          <p:spTgt spid="19"/>
+                                        </p:tgtEl>
+                                      </p:cBhvr>
+                                    </p:animEffect>
+                                    <p:set>
+                                      <p:cBhvr>
+                                        <p:cTn id="115" dur="1" fill="hold">
+                                          <p:stCondLst>
+                                            <p:cond delay="499"/>
+                                          </p:stCondLst>
+                                        </p:cTn>
+                                        <p:tgtEl>
+                                          <p:spTgt spid="19"/>
+                                        </p:tgtEl>
+                                        <p:attrNameLst>
+                                          <p:attrName>style.visibility</p:attrName>
+                                        </p:attrNameLst>
+                                      </p:cBhvr>
+                                      <p:to>
+                                        <p:strVal val="hidden"/>
+                                      </p:to>
+                                    </p:set>
+                                  </p:childTnLst>
+                                </p:cTn>
+                              </p:par>
+                              <p:par>
+                                <p:cTn id="116" presetID="10" presetClass="exit" presetSubtype="0" fill="hold" nodeType="withEffect">
+                                  <p:stCondLst>
+                                    <p:cond delay="0"/>
+                                  </p:stCondLst>
+                                  <p:childTnLst>
+                                    <p:animEffect transition="out" filter="fade">
+                                      <p:cBhvr>
+                                        <p:cTn id="117" dur="500"/>
+                                        <p:tgtEl>
+                                          <p:spTgt spid="21"/>
+                                        </p:tgtEl>
+                                      </p:cBhvr>
+                                    </p:animEffect>
+                                    <p:set>
+                                      <p:cBhvr>
+                                        <p:cTn id="118" dur="1" fill="hold">
+                                          <p:stCondLst>
+                                            <p:cond delay="499"/>
+                                          </p:stCondLst>
+                                        </p:cTn>
+                                        <p:tgtEl>
+                                          <p:spTgt spid="21"/>
+                                        </p:tgtEl>
+                                        <p:attrNameLst>
+                                          <p:attrName>style.visibility</p:attrName>
+                                        </p:attrNameLst>
+                                      </p:cBhvr>
+                                      <p:to>
+                                        <p:strVal val="hidden"/>
+                                      </p:to>
+                                    </p:set>
+                                  </p:childTnLst>
+                                </p:cTn>
+                              </p:par>
+                              <p:par>
+                                <p:cTn id="119" presetID="10" presetClass="exit" presetSubtype="0" fill="hold" nodeType="withEffect">
+                                  <p:stCondLst>
+                                    <p:cond delay="0"/>
+                                  </p:stCondLst>
+                                  <p:childTnLst>
+                                    <p:animEffect transition="out" filter="fade">
+                                      <p:cBhvr>
+                                        <p:cTn id="120" dur="500"/>
+                                        <p:tgtEl>
+                                          <p:spTgt spid="22"/>
+                                        </p:tgtEl>
+                                      </p:cBhvr>
+                                    </p:animEffect>
+                                    <p:set>
+                                      <p:cBhvr>
+                                        <p:cTn id="121" dur="1" fill="hold">
+                                          <p:stCondLst>
+                                            <p:cond delay="499"/>
+                                          </p:stCondLst>
+                                        </p:cTn>
+                                        <p:tgtEl>
+                                          <p:spTgt spid="22"/>
+                                        </p:tgtEl>
+                                        <p:attrNameLst>
+                                          <p:attrName>style.visibility</p:attrName>
+                                        </p:attrNameLst>
+                                      </p:cBhvr>
+                                      <p:to>
+                                        <p:strVal val="hidden"/>
+                                      </p:to>
+                                    </p:set>
+                                  </p:childTnLst>
+                                </p:cTn>
+                              </p:par>
+                              <p:par>
+                                <p:cTn id="122" presetID="10" presetClass="exit" presetSubtype="0" fill="hold" nodeType="withEffect">
+                                  <p:stCondLst>
+                                    <p:cond delay="0"/>
+                                  </p:stCondLst>
+                                  <p:childTnLst>
+                                    <p:animEffect transition="out" filter="fade">
+                                      <p:cBhvr>
+                                        <p:cTn id="123" dur="500"/>
+                                        <p:tgtEl>
+                                          <p:spTgt spid="24"/>
+                                        </p:tgtEl>
+                                      </p:cBhvr>
+                                    </p:animEffect>
+                                    <p:set>
+                                      <p:cBhvr>
+                                        <p:cTn id="124" dur="1" fill="hold">
+                                          <p:stCondLst>
+                                            <p:cond delay="499"/>
+                                          </p:stCondLst>
+                                        </p:cTn>
+                                        <p:tgtEl>
+                                          <p:spTgt spid="24"/>
+                                        </p:tgtEl>
+                                        <p:attrNameLst>
+                                          <p:attrName>style.visibility</p:attrName>
+                                        </p:attrNameLst>
+                                      </p:cBhvr>
+                                      <p:to>
+                                        <p:strVal val="hidden"/>
+                                      </p:to>
+                                    </p:set>
+                                  </p:childTnLst>
+                                </p:cTn>
+                              </p:par>
+                              <p:par>
+                                <p:cTn id="125" presetID="10" presetClass="exit" presetSubtype="0" fill="hold" nodeType="withEffect">
+                                  <p:stCondLst>
+                                    <p:cond delay="0"/>
+                                  </p:stCondLst>
+                                  <p:childTnLst>
+                                    <p:animEffect transition="out" filter="fade">
+                                      <p:cBhvr>
+                                        <p:cTn id="126" dur="500"/>
+                                        <p:tgtEl>
+                                          <p:spTgt spid="26"/>
+                                        </p:tgtEl>
+                                      </p:cBhvr>
+                                    </p:animEffect>
+                                    <p:set>
+                                      <p:cBhvr>
+                                        <p:cTn id="127" dur="1" fill="hold">
+                                          <p:stCondLst>
+                                            <p:cond delay="499"/>
+                                          </p:stCondLst>
+                                        </p:cTn>
+                                        <p:tgtEl>
+                                          <p:spTgt spid="26"/>
+                                        </p:tgtEl>
+                                        <p:attrNameLst>
+                                          <p:attrName>style.visibility</p:attrName>
+                                        </p:attrNameLst>
+                                      </p:cBhvr>
+                                      <p:to>
+                                        <p:strVal val="hidden"/>
+                                      </p:to>
+                                    </p:set>
+                                  </p:childTnLst>
+                                </p:cTn>
+                              </p:par>
+                            </p:childTnLst>
+                          </p:cTn>
+                        </p:par>
+                      </p:childTnLst>
+                    </p:cTn>
+                  </p:par>
+                  <p:par>
+                    <p:cTn id="128" fill="hold">
+                      <p:stCondLst>
+                        <p:cond delay="indefinite"/>
+                      </p:stCondLst>
+                      <p:childTnLst>
+                        <p:par>
+                          <p:cTn id="129" fill="hold">
+                            <p:stCondLst>
+                              <p:cond delay="0"/>
+                            </p:stCondLst>
+                            <p:childTnLst>
+                              <p:par>
+                                <p:cTn id="130" presetID="10" presetClass="entr" presetSubtype="0" fill="hold" nodeType="clickEffect">
+                                  <p:stCondLst>
+                                    <p:cond delay="0"/>
+                                  </p:stCondLst>
+                                  <p:childTnLst>
+                                    <p:set>
+                                      <p:cBhvr>
+                                        <p:cTn id="131" dur="1" fill="hold">
+                                          <p:stCondLst>
+                                            <p:cond delay="0"/>
+                                          </p:stCondLst>
+                                        </p:cTn>
+                                        <p:tgtEl>
+                                          <p:spTgt spid="31"/>
+                                        </p:tgtEl>
+                                        <p:attrNameLst>
+                                          <p:attrName>style.visibility</p:attrName>
+                                        </p:attrNameLst>
+                                      </p:cBhvr>
+                                      <p:to>
+                                        <p:strVal val="visible"/>
+                                      </p:to>
+                                    </p:set>
+                                    <p:animEffect transition="in" filter="fade">
+                                      <p:cBhvr>
+                                        <p:cTn id="132" dur="500"/>
+                                        <p:tgtEl>
+                                          <p:spTgt spid="31"/>
+                                        </p:tgtEl>
+                                      </p:cBhvr>
+                                    </p:animEffect>
+                                  </p:childTnLst>
+                                </p:cTn>
+                              </p:par>
+                              <p:par>
+                                <p:cTn id="133" presetID="10" presetClass="entr" presetSubtype="0" fill="hold" grpId="0" nodeType="withEffect">
+                                  <p:stCondLst>
+                                    <p:cond delay="0"/>
+                                  </p:stCondLst>
+                                  <p:childTnLst>
+                                    <p:set>
+                                      <p:cBhvr>
+                                        <p:cTn id="134" dur="1" fill="hold">
+                                          <p:stCondLst>
+                                            <p:cond delay="0"/>
+                                          </p:stCondLst>
+                                        </p:cTn>
+                                        <p:tgtEl>
+                                          <p:spTgt spid="33"/>
+                                        </p:tgtEl>
+                                        <p:attrNameLst>
+                                          <p:attrName>style.visibility</p:attrName>
+                                        </p:attrNameLst>
+                                      </p:cBhvr>
+                                      <p:to>
+                                        <p:strVal val="visible"/>
+                                      </p:to>
+                                    </p:set>
+                                    <p:animEffect transition="in" filter="fade">
+                                      <p:cBhvr>
+                                        <p:cTn id="135" dur="500"/>
+                                        <p:tgtEl>
+                                          <p:spTgt spid="33"/>
+                                        </p:tgtEl>
+                                      </p:cBhvr>
+                                    </p:animEffect>
+                                  </p:childTnLst>
+                                </p:cTn>
+                              </p:par>
+                              <p:par>
+                                <p:cTn id="136" presetID="10" presetClass="entr" presetSubtype="0" fill="hold" nodeType="withEffect">
+                                  <p:stCondLst>
+                                    <p:cond delay="0"/>
+                                  </p:stCondLst>
+                                  <p:childTnLst>
+                                    <p:set>
+                                      <p:cBhvr>
+                                        <p:cTn id="137" dur="1" fill="hold">
+                                          <p:stCondLst>
+                                            <p:cond delay="0"/>
+                                          </p:stCondLst>
+                                        </p:cTn>
+                                        <p:tgtEl>
+                                          <p:spTgt spid="32"/>
+                                        </p:tgtEl>
+                                        <p:attrNameLst>
+                                          <p:attrName>style.visibility</p:attrName>
+                                        </p:attrNameLst>
+                                      </p:cBhvr>
+                                      <p:to>
+                                        <p:strVal val="visible"/>
+                                      </p:to>
+                                    </p:set>
+                                    <p:animEffect transition="in" filter="fade">
+                                      <p:cBhvr>
+                                        <p:cTn id="138" dur="500"/>
+                                        <p:tgtEl>
+                                          <p:spTgt spid="32"/>
+                                        </p:tgtEl>
+                                      </p:cBhvr>
+                                    </p:animEffect>
+                                  </p:childTnLst>
+                                </p:cTn>
+                              </p:par>
+                              <p:par>
+                                <p:cTn id="139" presetID="10" presetClass="exit" presetSubtype="0" fill="hold" nodeType="withEffect">
+                                  <p:stCondLst>
+                                    <p:cond delay="0"/>
+                                  </p:stCondLst>
+                                  <p:childTnLst>
+                                    <p:animEffect transition="out" filter="fade">
+                                      <p:cBhvr>
+                                        <p:cTn id="140" dur="500"/>
+                                        <p:tgtEl>
+                                          <p:spTgt spid="27"/>
+                                        </p:tgtEl>
+                                      </p:cBhvr>
+                                    </p:animEffect>
+                                    <p:set>
+                                      <p:cBhvr>
+                                        <p:cTn id="141" dur="1" fill="hold">
+                                          <p:stCondLst>
+                                            <p:cond delay="499"/>
+                                          </p:stCondLst>
+                                        </p:cTn>
+                                        <p:tgtEl>
+                                          <p:spTgt spid="27"/>
+                                        </p:tgtEl>
+                                        <p:attrNameLst>
+                                          <p:attrName>style.visibility</p:attrName>
+                                        </p:attrNameLst>
+                                      </p:cBhvr>
+                                      <p:to>
+                                        <p:strVal val="hidden"/>
+                                      </p:to>
+                                    </p:set>
+                                  </p:childTnLst>
+                                </p:cTn>
+                              </p:par>
+                              <p:par>
+                                <p:cTn id="142" presetID="10" presetClass="exit" presetSubtype="0" fill="hold" grpId="1" nodeType="withEffect">
+                                  <p:stCondLst>
+                                    <p:cond delay="0"/>
+                                  </p:stCondLst>
+                                  <p:childTnLst>
+                                    <p:animEffect transition="out" filter="fade">
+                                      <p:cBhvr>
+                                        <p:cTn id="143" dur="500"/>
+                                        <p:tgtEl>
+                                          <p:spTgt spid="30"/>
+                                        </p:tgtEl>
+                                      </p:cBhvr>
+                                    </p:animEffect>
+                                    <p:set>
+                                      <p:cBhvr>
+                                        <p:cTn id="144" dur="1" fill="hold">
+                                          <p:stCondLst>
+                                            <p:cond delay="499"/>
+                                          </p:stCondLst>
+                                        </p:cTn>
+                                        <p:tgtEl>
+                                          <p:spTgt spid="30"/>
+                                        </p:tgtEl>
+                                        <p:attrNameLst>
+                                          <p:attrName>style.visibility</p:attrName>
+                                        </p:attrNameLst>
+                                      </p:cBhvr>
+                                      <p:to>
+                                        <p:strVal val="hidden"/>
+                                      </p:to>
+                                    </p:set>
+                                  </p:childTnLst>
+                                </p:cTn>
+                              </p:par>
+                              <p:par>
+                                <p:cTn id="145" presetID="10" presetClass="exit" presetSubtype="0" fill="hold" nodeType="withEffect">
+                                  <p:stCondLst>
+                                    <p:cond delay="0"/>
+                                  </p:stCondLst>
+                                  <p:childTnLst>
+                                    <p:animEffect transition="out" filter="fade">
+                                      <p:cBhvr>
+                                        <p:cTn id="146" dur="500"/>
+                                        <p:tgtEl>
+                                          <p:spTgt spid="28"/>
+                                        </p:tgtEl>
+                                      </p:cBhvr>
+                                    </p:animEffect>
+                                    <p:set>
+                                      <p:cBhvr>
+                                        <p:cTn id="147" dur="1" fill="hold">
+                                          <p:stCondLst>
+                                            <p:cond delay="499"/>
+                                          </p:stCondLst>
+                                        </p:cTn>
+                                        <p:tgtEl>
+                                          <p:spTgt spid="28"/>
+                                        </p:tgtEl>
+                                        <p:attrNameLst>
+                                          <p:attrName>style.visibility</p:attrName>
+                                        </p:attrNameLst>
+                                      </p:cBhvr>
+                                      <p:to>
+                                        <p:strVal val="hidden"/>
+                                      </p:to>
+                                    </p:set>
+                                  </p:childTnLst>
+                                </p:cTn>
+                              </p:par>
+                            </p:childTnLst>
+                          </p:cTn>
+                        </p:par>
+                      </p:childTnLst>
+                    </p:cTn>
+                  </p:par>
+                  <p:par>
+                    <p:cTn id="148" fill="hold">
+                      <p:stCondLst>
+                        <p:cond delay="indefinite"/>
+                      </p:stCondLst>
+                      <p:childTnLst>
+                        <p:par>
+                          <p:cTn id="149" fill="hold">
+                            <p:stCondLst>
+                              <p:cond delay="0"/>
+                            </p:stCondLst>
+                            <p:childTnLst>
+                              <p:par>
+                                <p:cTn id="150" presetID="10" presetClass="entr" presetSubtype="0" fill="hold" nodeType="clickEffect">
+                                  <p:stCondLst>
+                                    <p:cond delay="0"/>
+                                  </p:stCondLst>
+                                  <p:childTnLst>
+                                    <p:set>
+                                      <p:cBhvr>
+                                        <p:cTn id="151" dur="1" fill="hold">
+                                          <p:stCondLst>
+                                            <p:cond delay="0"/>
+                                          </p:stCondLst>
+                                        </p:cTn>
+                                        <p:tgtEl>
+                                          <p:spTgt spid="34"/>
+                                        </p:tgtEl>
+                                        <p:attrNameLst>
+                                          <p:attrName>style.visibility</p:attrName>
+                                        </p:attrNameLst>
+                                      </p:cBhvr>
+                                      <p:to>
+                                        <p:strVal val="visible"/>
+                                      </p:to>
+                                    </p:set>
+                                    <p:animEffect transition="in" filter="fade">
+                                      <p:cBhvr>
+                                        <p:cTn id="152" dur="500"/>
+                                        <p:tgtEl>
+                                          <p:spTgt spid="34"/>
+                                        </p:tgtEl>
+                                      </p:cBhvr>
+                                    </p:animEffect>
+                                  </p:childTnLst>
+                                </p:cTn>
+                              </p:par>
+                              <p:par>
+                                <p:cTn id="153" presetID="10" presetClass="entr" presetSubtype="0" fill="hold" nodeType="withEffect">
+                                  <p:stCondLst>
+                                    <p:cond delay="0"/>
+                                  </p:stCondLst>
+                                  <p:childTnLst>
+                                    <p:set>
+                                      <p:cBhvr>
+                                        <p:cTn id="154" dur="1" fill="hold">
+                                          <p:stCondLst>
+                                            <p:cond delay="0"/>
+                                          </p:stCondLst>
+                                        </p:cTn>
+                                        <p:tgtEl>
+                                          <p:spTgt spid="35"/>
+                                        </p:tgtEl>
+                                        <p:attrNameLst>
+                                          <p:attrName>style.visibility</p:attrName>
+                                        </p:attrNameLst>
+                                      </p:cBhvr>
+                                      <p:to>
+                                        <p:strVal val="visible"/>
+                                      </p:to>
+                                    </p:set>
+                                    <p:animEffect transition="in" filter="fade">
+                                      <p:cBhvr>
+                                        <p:cTn id="155" dur="500"/>
+                                        <p:tgtEl>
+                                          <p:spTgt spid="35"/>
+                                        </p:tgtEl>
+                                      </p:cBhvr>
+                                    </p:animEffect>
+                                  </p:childTnLst>
+                                </p:cTn>
+                              </p:par>
+                              <p:par>
+                                <p:cTn id="156" presetID="10" presetClass="entr" presetSubtype="0" fill="hold" grpId="0" nodeType="withEffect">
+                                  <p:stCondLst>
+                                    <p:cond delay="0"/>
+                                  </p:stCondLst>
+                                  <p:childTnLst>
+                                    <p:set>
+                                      <p:cBhvr>
+                                        <p:cTn id="157" dur="1" fill="hold">
+                                          <p:stCondLst>
+                                            <p:cond delay="0"/>
+                                          </p:stCondLst>
+                                        </p:cTn>
+                                        <p:tgtEl>
+                                          <p:spTgt spid="36"/>
+                                        </p:tgtEl>
+                                        <p:attrNameLst>
+                                          <p:attrName>style.visibility</p:attrName>
+                                        </p:attrNameLst>
+                                      </p:cBhvr>
+                                      <p:to>
+                                        <p:strVal val="visible"/>
+                                      </p:to>
+                                    </p:set>
+                                    <p:animEffect transition="in" filter="fade">
+                                      <p:cBhvr>
+                                        <p:cTn id="158" dur="500"/>
+                                        <p:tgtEl>
+                                          <p:spTgt spid="36"/>
+                                        </p:tgtEl>
+                                      </p:cBhvr>
+                                    </p:animEffect>
+                                  </p:childTnLst>
+                                </p:cTn>
+                              </p:par>
+                              <p:par>
+                                <p:cTn id="159" presetID="10" presetClass="entr" presetSubtype="0" fill="hold" grpId="0" nodeType="withEffect">
+                                  <p:stCondLst>
+                                    <p:cond delay="0"/>
+                                  </p:stCondLst>
+                                  <p:childTnLst>
+                                    <p:set>
+                                      <p:cBhvr>
+                                        <p:cTn id="160" dur="1" fill="hold">
+                                          <p:stCondLst>
+                                            <p:cond delay="0"/>
+                                          </p:stCondLst>
+                                        </p:cTn>
+                                        <p:tgtEl>
+                                          <p:spTgt spid="37"/>
+                                        </p:tgtEl>
+                                        <p:attrNameLst>
+                                          <p:attrName>style.visibility</p:attrName>
+                                        </p:attrNameLst>
+                                      </p:cBhvr>
+                                      <p:to>
+                                        <p:strVal val="visible"/>
+                                      </p:to>
+                                    </p:set>
+                                    <p:animEffect transition="in" filter="fade">
+                                      <p:cBhvr>
+                                        <p:cTn id="161" dur="500"/>
+                                        <p:tgtEl>
+                                          <p:spTgt spid="37"/>
+                                        </p:tgtEl>
+                                      </p:cBhvr>
+                                    </p:animEffect>
+                                  </p:childTnLst>
+                                </p:cTn>
+                              </p:par>
+                              <p:par>
+                                <p:cTn id="162" presetID="10" presetClass="entr" presetSubtype="0" fill="hold" nodeType="withEffect">
+                                  <p:stCondLst>
+                                    <p:cond delay="0"/>
+                                  </p:stCondLst>
+                                  <p:childTnLst>
+                                    <p:set>
+                                      <p:cBhvr>
+                                        <p:cTn id="163" dur="1" fill="hold">
+                                          <p:stCondLst>
+                                            <p:cond delay="0"/>
+                                          </p:stCondLst>
+                                        </p:cTn>
+                                        <p:tgtEl>
+                                          <p:spTgt spid="38"/>
+                                        </p:tgtEl>
+                                        <p:attrNameLst>
+                                          <p:attrName>style.visibility</p:attrName>
+                                        </p:attrNameLst>
+                                      </p:cBhvr>
+                                      <p:to>
+                                        <p:strVal val="visible"/>
+                                      </p:to>
+                                    </p:set>
+                                    <p:animEffect transition="in" filter="fade">
+                                      <p:cBhvr>
+                                        <p:cTn id="164" dur="500"/>
+                                        <p:tgtEl>
+                                          <p:spTgt spid="38"/>
+                                        </p:tgtEl>
+                                      </p:cBhvr>
+                                    </p:animEffect>
+                                  </p:childTnLst>
+                                </p:cTn>
+                              </p:par>
+                              <p:par>
+                                <p:cTn id="165" presetID="10" presetClass="exit" presetSubtype="0" fill="hold" nodeType="withEffect">
+                                  <p:stCondLst>
+                                    <p:cond delay="0"/>
+                                  </p:stCondLst>
+                                  <p:childTnLst>
+                                    <p:animEffect transition="out" filter="fade">
+                                      <p:cBhvr>
+                                        <p:cTn id="166" dur="500"/>
+                                        <p:tgtEl>
+                                          <p:spTgt spid="31"/>
+                                        </p:tgtEl>
+                                      </p:cBhvr>
+                                    </p:animEffect>
+                                    <p:set>
+                                      <p:cBhvr>
+                                        <p:cTn id="167" dur="1" fill="hold">
+                                          <p:stCondLst>
+                                            <p:cond delay="499"/>
+                                          </p:stCondLst>
+                                        </p:cTn>
+                                        <p:tgtEl>
+                                          <p:spTgt spid="31"/>
+                                        </p:tgtEl>
+                                        <p:attrNameLst>
+                                          <p:attrName>style.visibility</p:attrName>
+                                        </p:attrNameLst>
+                                      </p:cBhvr>
+                                      <p:to>
+                                        <p:strVal val="hidden"/>
+                                      </p:to>
+                                    </p:set>
+                                  </p:childTnLst>
+                                </p:cTn>
+                              </p:par>
+                              <p:par>
+                                <p:cTn id="168" presetID="10" presetClass="exit" presetSubtype="0" fill="hold" grpId="1" nodeType="withEffect">
+                                  <p:stCondLst>
+                                    <p:cond delay="0"/>
+                                  </p:stCondLst>
+                                  <p:childTnLst>
+                                    <p:animEffect transition="out" filter="fade">
+                                      <p:cBhvr>
+                                        <p:cTn id="169" dur="500"/>
+                                        <p:tgtEl>
+                                          <p:spTgt spid="33"/>
+                                        </p:tgtEl>
+                                      </p:cBhvr>
+                                    </p:animEffect>
+                                    <p:set>
+                                      <p:cBhvr>
+                                        <p:cTn id="170" dur="1" fill="hold">
+                                          <p:stCondLst>
+                                            <p:cond delay="499"/>
+                                          </p:stCondLst>
+                                        </p:cTn>
+                                        <p:tgtEl>
+                                          <p:spTgt spid="33"/>
+                                        </p:tgtEl>
+                                        <p:attrNameLst>
+                                          <p:attrName>style.visibility</p:attrName>
+                                        </p:attrNameLst>
+                                      </p:cBhvr>
+                                      <p:to>
+                                        <p:strVal val="hidden"/>
+                                      </p:to>
+                                    </p:set>
+                                  </p:childTnLst>
+                                </p:cTn>
+                              </p:par>
+                              <p:par>
+                                <p:cTn id="171" presetID="10" presetClass="exit" presetSubtype="0" fill="hold" nodeType="withEffect">
+                                  <p:stCondLst>
+                                    <p:cond delay="0"/>
+                                  </p:stCondLst>
+                                  <p:childTnLst>
+                                    <p:animEffect transition="out" filter="fade">
+                                      <p:cBhvr>
+                                        <p:cTn id="172" dur="500"/>
+                                        <p:tgtEl>
+                                          <p:spTgt spid="32"/>
+                                        </p:tgtEl>
+                                      </p:cBhvr>
+                                    </p:animEffect>
+                                    <p:set>
+                                      <p:cBhvr>
+                                        <p:cTn id="173" dur="1" fill="hold">
+                                          <p:stCondLst>
+                                            <p:cond delay="499"/>
+                                          </p:stCondLst>
+                                        </p:cTn>
+                                        <p:tgtEl>
+                                          <p:spTgt spid="32"/>
+                                        </p:tgtEl>
+                                        <p:attrNameLst>
+                                          <p:attrName>style.visibility</p:attrName>
+                                        </p:attrNameLst>
+                                      </p:cBhvr>
+                                      <p:to>
+                                        <p:strVal val="hidden"/>
+                                      </p:to>
+                                    </p:set>
+                                  </p:childTnLst>
+                                </p:cTn>
+                              </p:par>
+                            </p:childTnLst>
+                          </p:cTn>
+                        </p:par>
+                      </p:childTnLst>
+                    </p:cTn>
+                  </p:par>
+                </p:childTnLst>
+              </p:cTn>
+              <p:prevCondLst>
+                <p:cond evt="onPrev" delay="0">
+                  <p:tgtEl>
+                    <p:sldTgt/>
+                  </p:tgtEl>
+                </p:cond>
+              </p:prevCondLst>
+              <p:nextCondLst>
+                <p:cond evt="onNext" delay="0">
+                  <p:tgtEl>
+                    <p:sldTgt/>
+                  </p:tgtEl>
+                </p:cond>
+              </p:nextCondLst>
+            </p:seq>
+          </p:childTnLst>
+        </p:cTn>
       </p:par>
     </p:tnLst>
+    <p:bldLst>
+      <p:bldP spid="2" grpId="0"/>
+      <p:bldP spid="4" grpId="0"/>
+      <p:bldP spid="9" grpId="0"/>
+      <p:bldP spid="9" grpId="1"/>
+      <p:bldP spid="11" grpId="0"/>
+      <p:bldP spid="11" grpId="1"/>
+      <p:bldP spid="17" grpId="0"/>
+      <p:bldP spid="17" grpId="1"/>
+      <p:bldP spid="20" grpId="0"/>
+      <p:bldP spid="20" grpId="1"/>
+      <p:bldP spid="30" grpId="0"/>
+      <p:bldP spid="30" grpId="1"/>
+      <p:bldP spid="33" grpId="0"/>
+      <p:bldP spid="33" grpId="1"/>
+      <p:bldP spid="36" grpId="0"/>
+      <p:bldP spid="37" grpId="0"/>
+    </p:bldLst>
   </p:timing>
 </p:sld>
 </file>

--- a/Projektmanagement/Abschlusspräsentation.pptx
+++ b/Projektmanagement/Abschlusspräsentation.pptx
@@ -158,7 +158,7 @@
   </p:defaultTextStyle>
   <p:extLst>
     <p:ext uri="{EFAFB233-063F-42B5-8137-9DF3F51BA10A}">
-      <p15:sldGuideLst xmlns:p15="http://schemas.microsoft.com/office/powerpoint/2012/main">
+      <p15:sldGuideLst xmlns:p15="http://schemas.microsoft.com/office/powerpoint/2012/main" xmlns="">
         <p15:guide id="1" orient="horz" pos="2160">
           <p15:clr>
             <a:srgbClr val="A4A3A4"/>
@@ -172,7 +172,7 @@
       </p15:sldGuideLst>
     </p:ext>
     <p:ext uri="{2D200454-40CA-4A62-9FC3-DE9A4176ACB9}">
-      <p15:notesGuideLst xmlns:p15="http://schemas.microsoft.com/office/powerpoint/2012/main">
+      <p15:notesGuideLst xmlns:p15="http://schemas.microsoft.com/office/powerpoint/2012/main" xmlns="">
         <p15:guide id="1" orient="horz" pos="2880">
           <p15:clr>
             <a:srgbClr val="A4A3A4"/>
@@ -1982,8 +1982,8 @@
     <dgm:cxn modelId="{CA27D4C9-7305-47C1-B558-E71A93D8B295}" type="presOf" srcId="{AD34B4C5-1A81-4AC6-A5F9-35CC4DC5D843}" destId="{20382240-D5AC-4B89-8E53-73A8B41769F1}" srcOrd="0" destOrd="1" presId="urn:microsoft.com/office/officeart/2005/8/layout/hProcess9"/>
     <dgm:cxn modelId="{7B8B71DC-DC57-43EA-BE14-CDBA81ACEF98}" type="presOf" srcId="{42A7AF39-9F16-4BE0-9691-F2A4EAA889D5}" destId="{734A29E2-3521-46BA-B5C0-E8A3637FA4B0}" srcOrd="0" destOrd="0" presId="urn:microsoft.com/office/officeart/2005/8/layout/hProcess9"/>
     <dgm:cxn modelId="{A4E4E3C8-7B99-4F7C-A2C4-16D3A3CA62E3}" type="presOf" srcId="{DDBD9E0E-2857-478B-9BFD-EB049F36A6F4}" destId="{BA4718A9-DFD2-471C-969C-97F876ADC320}" srcOrd="0" destOrd="2" presId="urn:microsoft.com/office/officeart/2005/8/layout/hProcess9"/>
+    <dgm:cxn modelId="{3DE7FD94-D5E7-407C-989B-2C1F91B4CE03}" srcId="{B4BBFA07-05DD-4CDD-AC39-6342607DC2A1}" destId="{27323C3F-7D4E-44F5-9FA3-413CFCD7B174}" srcOrd="2" destOrd="0" parTransId="{18FA00AE-387D-4A8D-981A-94EDEBCA8EC2}" sibTransId="{D4734B30-AB73-4712-B278-2895E8608C4E}"/>
     <dgm:cxn modelId="{503287BE-2194-4F0B-9AA9-12C9B00499EE}" type="presOf" srcId="{5245D8E1-9FDE-4633-85B7-BE42CD6AA787}" destId="{20382240-D5AC-4B89-8E53-73A8B41769F1}" srcOrd="0" destOrd="0" presId="urn:microsoft.com/office/officeart/2005/8/layout/hProcess9"/>
-    <dgm:cxn modelId="{3DE7FD94-D5E7-407C-989B-2C1F91B4CE03}" srcId="{B4BBFA07-05DD-4CDD-AC39-6342607DC2A1}" destId="{27323C3F-7D4E-44F5-9FA3-413CFCD7B174}" srcOrd="2" destOrd="0" parTransId="{18FA00AE-387D-4A8D-981A-94EDEBCA8EC2}" sibTransId="{D4734B30-AB73-4712-B278-2895E8608C4E}"/>
     <dgm:cxn modelId="{1ADAA526-6B24-45CB-89D0-518E04A3D93F}" srcId="{182E85C3-C0C1-4055-B42E-08657C1D36EB}" destId="{3F8391EC-2E89-41BC-979F-48D4E21A811C}" srcOrd="2" destOrd="0" parTransId="{E9716149-5B95-4904-8590-6A93EE8C5197}" sibTransId="{BFA852D6-66A0-4365-B195-CB67CFDCDE73}"/>
     <dgm:cxn modelId="{929DDD9F-A144-4496-902C-7A0CEA79C4C8}" srcId="{5245D8E1-9FDE-4633-85B7-BE42CD6AA787}" destId="{8693C395-BAA7-449A-ACDD-FFFEEE0DC862}" srcOrd="1" destOrd="0" parTransId="{0DB5F330-DE96-4670-8EFA-8B7B45CEA34D}" sibTransId="{87BE7E65-1B97-4314-AB36-B212E2476EE6}"/>
     <dgm:cxn modelId="{F3801A3C-3E3D-475A-B6DA-AD1066FF5E06}" type="presParOf" srcId="{734A29E2-3521-46BA-B5C0-E8A3637FA4B0}" destId="{3E058364-C437-4B0E-B373-8D6523686A02}" srcOrd="0" destOrd="0" presId="urn:microsoft.com/office/officeart/2005/8/layout/hProcess9"/>
@@ -14031,83 +14031,7 @@
   <p:timing>
     <p:tnLst>
       <p:par>
-        <p:cTn id="1" dur="indefinite" restart="never" nodeType="tmRoot">
-          <p:childTnLst>
-            <p:seq concurrent="1" nextAc="seek">
-              <p:cTn id="2" dur="indefinite" nodeType="mainSeq">
-                <p:childTnLst>
-                  <p:par>
-                    <p:cTn id="3" fill="hold">
-                      <p:stCondLst>
-                        <p:cond delay="indefinite"/>
-                      </p:stCondLst>
-                      <p:childTnLst>
-                        <p:par>
-                          <p:cTn id="4" fill="hold">
-                            <p:stCondLst>
-                              <p:cond delay="0"/>
-                            </p:stCondLst>
-                            <p:childTnLst>
-                              <p:par>
-                                <p:cTn id="5" presetID="16" presetClass="entr" presetSubtype="21" fill="hold" nodeType="clickEffect">
-                                  <p:stCondLst>
-                                    <p:cond delay="0"/>
-                                  </p:stCondLst>
-                                  <p:childTnLst>
-                                    <p:set>
-                                      <p:cBhvr>
-                                        <p:cTn id="6" dur="1" fill="hold">
-                                          <p:stCondLst>
-                                            <p:cond delay="0"/>
-                                          </p:stCondLst>
-                                        </p:cTn>
-                                        <p:tgtEl>
-                                          <p:spTgt spid="1026"/>
-                                        </p:tgtEl>
-                                        <p:attrNameLst>
-                                          <p:attrName>style.visibility</p:attrName>
-                                        </p:attrNameLst>
-                                      </p:cBhvr>
-                                      <p:to>
-                                        <p:strVal val="visible"/>
-                                      </p:to>
-                                    </p:set>
-                                    <p:animEffect transition="in" filter="barn(inVertical)">
-                                      <p:cBhvr>
-                                        <p:cTn id="7" dur="500"/>
-                                        <p:tgtEl>
-                                          <p:spTgt spid="1026"/>
-                                        </p:tgtEl>
-                                      </p:cBhvr>
-                                    </p:animEffect>
-                                  </p:childTnLst>
-                                </p:cTn>
-                              </p:par>
-                            </p:childTnLst>
-                          </p:cTn>
-                        </p:par>
-                      </p:childTnLst>
-                    </p:cTn>
-                  </p:par>
-                </p:childTnLst>
-              </p:cTn>
-              <p:prevCondLst>
-                <p:cond evt="onPrev" delay="0">
-                  <p:tgtEl>
-                    <p:sldTgt/>
-                  </p:tgtEl>
-                </p:cond>
-              </p:prevCondLst>
-              <p:nextCondLst>
-                <p:cond evt="onNext" delay="0">
-                  <p:tgtEl>
-                    <p:sldTgt/>
-                  </p:tgtEl>
-                </p:cond>
-              </p:nextCondLst>
-            </p:seq>
-          </p:childTnLst>
-        </p:cTn>
+        <p:cTn id="1" dur="indefinite" restart="never" nodeType="tmRoot"/>
       </p:par>
     </p:tnLst>
   </p:timing>

--- a/Projektmanagement/Abschlusspräsentation.pptx
+++ b/Projektmanagement/Abschlusspräsentation.pptx
@@ -5,10 +5,10 @@
     <p:sldMasterId id="2147483828" r:id="rId1"/>
   </p:sldMasterIdLst>
   <p:notesMasterIdLst>
-    <p:notesMasterId r:id="rId49"/>
+    <p:notesMasterId r:id="rId50"/>
   </p:notesMasterIdLst>
   <p:handoutMasterIdLst>
-    <p:handoutMasterId r:id="rId50"/>
+    <p:handoutMasterId r:id="rId51"/>
   </p:handoutMasterIdLst>
   <p:sldIdLst>
     <p:sldId id="256" r:id="rId2"/>
@@ -19,45 +19,46 @@
     <p:sldId id="259" r:id="rId7"/>
     <p:sldId id="280" r:id="rId8"/>
     <p:sldId id="279" r:id="rId9"/>
-    <p:sldId id="283" r:id="rId10"/>
-    <p:sldId id="285" r:id="rId11"/>
-    <p:sldId id="286" r:id="rId12"/>
-    <p:sldId id="310" r:id="rId13"/>
-    <p:sldId id="290" r:id="rId14"/>
-    <p:sldId id="295" r:id="rId15"/>
-    <p:sldId id="298" r:id="rId16"/>
-    <p:sldId id="301" r:id="rId17"/>
-    <p:sldId id="300" r:id="rId18"/>
-    <p:sldId id="299" r:id="rId19"/>
-    <p:sldId id="304" r:id="rId20"/>
-    <p:sldId id="305" r:id="rId21"/>
-    <p:sldId id="303" r:id="rId22"/>
-    <p:sldId id="302" r:id="rId23"/>
-    <p:sldId id="306" r:id="rId24"/>
-    <p:sldId id="307" r:id="rId25"/>
-    <p:sldId id="308" r:id="rId26"/>
-    <p:sldId id="309" r:id="rId27"/>
-    <p:sldId id="282" r:id="rId28"/>
-    <p:sldId id="296" r:id="rId29"/>
-    <p:sldId id="297" r:id="rId30"/>
-    <p:sldId id="288" r:id="rId31"/>
-    <p:sldId id="287" r:id="rId32"/>
-    <p:sldId id="281" r:id="rId33"/>
-    <p:sldId id="263" r:id="rId34"/>
-    <p:sldId id="272" r:id="rId35"/>
-    <p:sldId id="278" r:id="rId36"/>
-    <p:sldId id="260" r:id="rId37"/>
-    <p:sldId id="261" r:id="rId38"/>
-    <p:sldId id="275" r:id="rId39"/>
-    <p:sldId id="276" r:id="rId40"/>
-    <p:sldId id="265" r:id="rId41"/>
-    <p:sldId id="269" r:id="rId42"/>
-    <p:sldId id="266" r:id="rId43"/>
-    <p:sldId id="270" r:id="rId44"/>
-    <p:sldId id="267" r:id="rId45"/>
-    <p:sldId id="268" r:id="rId46"/>
-    <p:sldId id="271" r:id="rId47"/>
-    <p:sldId id="273" r:id="rId48"/>
+    <p:sldId id="311" r:id="rId10"/>
+    <p:sldId id="283" r:id="rId11"/>
+    <p:sldId id="285" r:id="rId12"/>
+    <p:sldId id="286" r:id="rId13"/>
+    <p:sldId id="310" r:id="rId14"/>
+    <p:sldId id="290" r:id="rId15"/>
+    <p:sldId id="295" r:id="rId16"/>
+    <p:sldId id="298" r:id="rId17"/>
+    <p:sldId id="301" r:id="rId18"/>
+    <p:sldId id="300" r:id="rId19"/>
+    <p:sldId id="299" r:id="rId20"/>
+    <p:sldId id="304" r:id="rId21"/>
+    <p:sldId id="305" r:id="rId22"/>
+    <p:sldId id="303" r:id="rId23"/>
+    <p:sldId id="302" r:id="rId24"/>
+    <p:sldId id="306" r:id="rId25"/>
+    <p:sldId id="307" r:id="rId26"/>
+    <p:sldId id="308" r:id="rId27"/>
+    <p:sldId id="309" r:id="rId28"/>
+    <p:sldId id="282" r:id="rId29"/>
+    <p:sldId id="296" r:id="rId30"/>
+    <p:sldId id="297" r:id="rId31"/>
+    <p:sldId id="288" r:id="rId32"/>
+    <p:sldId id="287" r:id="rId33"/>
+    <p:sldId id="281" r:id="rId34"/>
+    <p:sldId id="263" r:id="rId35"/>
+    <p:sldId id="272" r:id="rId36"/>
+    <p:sldId id="278" r:id="rId37"/>
+    <p:sldId id="260" r:id="rId38"/>
+    <p:sldId id="261" r:id="rId39"/>
+    <p:sldId id="275" r:id="rId40"/>
+    <p:sldId id="276" r:id="rId41"/>
+    <p:sldId id="265" r:id="rId42"/>
+    <p:sldId id="269" r:id="rId43"/>
+    <p:sldId id="266" r:id="rId44"/>
+    <p:sldId id="270" r:id="rId45"/>
+    <p:sldId id="267" r:id="rId46"/>
+    <p:sldId id="268" r:id="rId47"/>
+    <p:sldId id="271" r:id="rId48"/>
+    <p:sldId id="273" r:id="rId49"/>
   </p:sldIdLst>
   <p:sldSz cx="9144000" cy="6858000" type="screen4x3"/>
   <p:notesSz cx="6888163" cy="10020300"/>
@@ -158,7 +159,7 @@
   </p:defaultTextStyle>
   <p:extLst>
     <p:ext uri="{EFAFB233-063F-42B5-8137-9DF3F51BA10A}">
-      <p15:sldGuideLst xmlns:p15="http://schemas.microsoft.com/office/powerpoint/2012/main" xmlns="">
+      <p15:sldGuideLst xmlns="" xmlns:p15="http://schemas.microsoft.com/office/powerpoint/2012/main">
         <p15:guide id="1" orient="horz" pos="2160">
           <p15:clr>
             <a:srgbClr val="A4A3A4"/>
@@ -172,7 +173,7 @@
       </p15:sldGuideLst>
     </p:ext>
     <p:ext uri="{2D200454-40CA-4A62-9FC3-DE9A4176ACB9}">
-      <p15:notesGuideLst xmlns:p15="http://schemas.microsoft.com/office/powerpoint/2012/main" xmlns="">
+      <p15:notesGuideLst xmlns="" xmlns:p15="http://schemas.microsoft.com/office/powerpoint/2012/main">
         <p15:guide id="1" orient="horz" pos="2880">
           <p15:clr>
             <a:srgbClr val="A4A3A4"/>
@@ -1941,51 +1942,51 @@
     </dgm:pt>
   </dgm:ptLst>
   <dgm:cxnLst>
-    <dgm:cxn modelId="{C75F7C68-8484-4A91-B6A3-583D73E6BC93}" type="presOf" srcId="{124AB731-44F7-42FC-A2C7-6A103755875A}" destId="{BA4718A9-DFD2-471C-969C-97F876ADC320}" srcOrd="0" destOrd="4" presId="urn:microsoft.com/office/officeart/2005/8/layout/hProcess9"/>
+    <dgm:cxn modelId="{60C1C020-F1A3-4D32-B6BC-9893F6A3628C}" type="presOf" srcId="{360394FA-829F-403E-9AF0-5F6CF96DFD1E}" destId="{8C0195AE-96DF-44DB-8CA5-EA3E73389D9C}" srcOrd="0" destOrd="4" presId="urn:microsoft.com/office/officeart/2005/8/layout/hProcess9"/>
+    <dgm:cxn modelId="{F1608424-95E6-4187-9F50-C1AB10DFF465}" srcId="{42A7AF39-9F16-4BE0-9691-F2A4EAA889D5}" destId="{6043B0A8-44FC-4706-B37A-7F342ABD7CAE}" srcOrd="2" destOrd="0" parTransId="{D8109DA1-2E16-4DF6-A989-9DA006F96235}" sibTransId="{3B27F8F0-46DD-48CE-89ED-BD65A552898B}"/>
+    <dgm:cxn modelId="{6595E131-DCFC-4660-A166-B06A9C58E5A3}" srcId="{182E85C3-C0C1-4055-B42E-08657C1D36EB}" destId="{124AB731-44F7-42FC-A2C7-6A103755875A}" srcOrd="3" destOrd="0" parTransId="{903CC23E-A10B-484A-8A4F-24054DDF4137}" sibTransId="{C0BE0EF1-E06D-43E6-AF12-3CA2033E2AE2}"/>
+    <dgm:cxn modelId="{63AA4ECF-F510-4F05-A169-468A7E8A96E5}" type="presOf" srcId="{6043B0A8-44FC-4706-B37A-7F342ABD7CAE}" destId="{F3C847B4-E9D1-403C-BF56-3BADCB1909DC}" srcOrd="0" destOrd="0" presId="urn:microsoft.com/office/officeart/2005/8/layout/hProcess9"/>
+    <dgm:cxn modelId="{5647984F-2F20-4C53-AFA6-A50F0B2D982A}" srcId="{42A7AF39-9F16-4BE0-9691-F2A4EAA889D5}" destId="{5245D8E1-9FDE-4633-85B7-BE42CD6AA787}" srcOrd="4" destOrd="0" parTransId="{55F15053-25F4-4161-BCA1-92DDB4FB32E9}" sibTransId="{B0D58DB8-A061-4E28-A244-8F898564CBF4}"/>
+    <dgm:cxn modelId="{21C40A1C-D218-4855-8389-19E2BFED7B78}" type="presOf" srcId="{ABD30D39-23EC-4FCC-9B13-57D32A82A546}" destId="{F3C847B4-E9D1-403C-BF56-3BADCB1909DC}" srcOrd="0" destOrd="1" presId="urn:microsoft.com/office/officeart/2005/8/layout/hProcess9"/>
+    <dgm:cxn modelId="{EFB2B553-798E-499E-868E-5A323D49D87B}" type="presOf" srcId="{8852547F-3DE1-4303-BABC-35751A1FFAA4}" destId="{62F66354-603A-41C3-B161-16A4A9E45F44}" srcOrd="0" destOrd="2" presId="urn:microsoft.com/office/officeart/2005/8/layout/hProcess9"/>
+    <dgm:cxn modelId="{5DFF5E92-6524-4E83-9A7E-3FD2AE1E0B19}" srcId="{42A7AF39-9F16-4BE0-9691-F2A4EAA889D5}" destId="{B4BBFA07-05DD-4CDD-AC39-6342607DC2A1}" srcOrd="0" destOrd="0" parTransId="{4C9357AE-0A8A-4E31-8803-F14E79C0DCAE}" sibTransId="{B652451A-AD6D-4DFA-B925-9D21BB71A0C7}"/>
+    <dgm:cxn modelId="{4AA9AB66-BA44-475B-A8A8-30AD54C4CD1A}" srcId="{6043B0A8-44FC-4706-B37A-7F342ABD7CAE}" destId="{1D2BD1DA-3657-4A8C-9785-D7282AB16A84}" srcOrd="3" destOrd="0" parTransId="{13AD18B7-6C9D-4DA5-8CF7-426D68467982}" sibTransId="{5FB73046-B1E2-46DC-A2CC-49B3DBF79A17}"/>
+    <dgm:cxn modelId="{7B8B71DC-DC57-43EA-BE14-CDBA81ACEF98}" type="presOf" srcId="{42A7AF39-9F16-4BE0-9691-F2A4EAA889D5}" destId="{734A29E2-3521-46BA-B5C0-E8A3637FA4B0}" srcOrd="0" destOrd="0" presId="urn:microsoft.com/office/officeart/2005/8/layout/hProcess9"/>
+    <dgm:cxn modelId="{A4E4E3C8-7B99-4F7C-A2C4-16D3A3CA62E3}" type="presOf" srcId="{DDBD9E0E-2857-478B-9BFD-EB049F36A6F4}" destId="{BA4718A9-DFD2-471C-969C-97F876ADC320}" srcOrd="0" destOrd="2" presId="urn:microsoft.com/office/officeart/2005/8/layout/hProcess9"/>
+    <dgm:cxn modelId="{1CE0B2E1-B57A-47FF-B7CD-0A610852C41C}" type="presOf" srcId="{60FFB2DA-71E2-4B60-8F03-B97F02814FE8}" destId="{F3C847B4-E9D1-403C-BF56-3BADCB1909DC}" srcOrd="0" destOrd="2" presId="urn:microsoft.com/office/officeart/2005/8/layout/hProcess9"/>
+    <dgm:cxn modelId="{DECDAAFB-95F9-4E08-902E-357CAE6BE867}" srcId="{42A7AF39-9F16-4BE0-9691-F2A4EAA889D5}" destId="{182E85C3-C0C1-4055-B42E-08657C1D36EB}" srcOrd="1" destOrd="0" parTransId="{0A1F7A6C-A332-4BAC-A0D1-C846CF97F4EC}" sibTransId="{53EC14C8-D3F0-4F81-A9BC-0E03B0043A69}"/>
+    <dgm:cxn modelId="{238D6892-0E24-4060-A415-A69BB6AA037E}" type="presOf" srcId="{27323C3F-7D4E-44F5-9FA3-413CFCD7B174}" destId="{8C0195AE-96DF-44DB-8CA5-EA3E73389D9C}" srcOrd="0" destOrd="3" presId="urn:microsoft.com/office/officeart/2005/8/layout/hProcess9"/>
+    <dgm:cxn modelId="{503287BE-2194-4F0B-9AA9-12C9B00499EE}" type="presOf" srcId="{5245D8E1-9FDE-4633-85B7-BE42CD6AA787}" destId="{20382240-D5AC-4B89-8E53-73A8B41769F1}" srcOrd="0" destOrd="0" presId="urn:microsoft.com/office/officeart/2005/8/layout/hProcess9"/>
+    <dgm:cxn modelId="{24BACCAC-AE3B-4A99-B678-9387F463D2EF}" srcId="{6043B0A8-44FC-4706-B37A-7F342ABD7CAE}" destId="{60FFB2DA-71E2-4B60-8F03-B97F02814FE8}" srcOrd="1" destOrd="0" parTransId="{F5495816-0C9E-4B5B-A238-F565E58D7803}" sibTransId="{D06C6867-E1BA-43A9-A6CE-AE88C2CD94FD}"/>
+    <dgm:cxn modelId="{CA27D4C9-7305-47C1-B558-E71A93D8B295}" type="presOf" srcId="{AD34B4C5-1A81-4AC6-A5F9-35CC4DC5D843}" destId="{20382240-D5AC-4B89-8E53-73A8B41769F1}" srcOrd="0" destOrd="1" presId="urn:microsoft.com/office/officeart/2005/8/layout/hProcess9"/>
+    <dgm:cxn modelId="{B317833C-6656-437C-8CFB-9E1078BA4F7B}" srcId="{B4BBFA07-05DD-4CDD-AC39-6342607DC2A1}" destId="{BFAD5C6C-3CCC-47DA-B82A-97A0E60E41A5}" srcOrd="1" destOrd="0" parTransId="{2AC788DB-883E-4B3F-8E32-FB8F2C3C80B9}" sibTransId="{0A4F5D0E-4864-4480-8E69-940E5490226B}"/>
+    <dgm:cxn modelId="{DB1CAB31-0E81-4807-9A4F-8B2AC71839A2}" type="presOf" srcId="{1D2BD1DA-3657-4A8C-9785-D7282AB16A84}" destId="{F3C847B4-E9D1-403C-BF56-3BADCB1909DC}" srcOrd="0" destOrd="4" presId="urn:microsoft.com/office/officeart/2005/8/layout/hProcess9"/>
+    <dgm:cxn modelId="{3DE7FD94-D5E7-407C-989B-2C1F91B4CE03}" srcId="{B4BBFA07-05DD-4CDD-AC39-6342607DC2A1}" destId="{27323C3F-7D4E-44F5-9FA3-413CFCD7B174}" srcOrd="2" destOrd="0" parTransId="{18FA00AE-387D-4A8D-981A-94EDEBCA8EC2}" sibTransId="{D4734B30-AB73-4712-B278-2895E8608C4E}"/>
+    <dgm:cxn modelId="{3A080199-5708-4D95-BDC6-677CE1E53018}" srcId="{B4BBFA07-05DD-4CDD-AC39-6342607DC2A1}" destId="{360394FA-829F-403E-9AF0-5F6CF96DFD1E}" srcOrd="3" destOrd="0" parTransId="{A75ACD84-8BFD-4E17-B22A-BCE08E0C1060}" sibTransId="{47CD002A-17EB-41C8-A521-C511E59926EB}"/>
+    <dgm:cxn modelId="{03C82376-6DFF-4B7E-B036-A886B0520F93}" type="presOf" srcId="{DBD17336-B141-494E-A31C-6EA653EE637A}" destId="{62F66354-603A-41C3-B161-16A4A9E45F44}" srcOrd="0" destOrd="0" presId="urn:microsoft.com/office/officeart/2005/8/layout/hProcess9"/>
+    <dgm:cxn modelId="{20EFF80B-8D1F-44F0-A98A-47DA2A47CC91}" type="presOf" srcId="{B4BBFA07-05DD-4CDD-AC39-6342607DC2A1}" destId="{8C0195AE-96DF-44DB-8CA5-EA3E73389D9C}" srcOrd="0" destOrd="0" presId="urn:microsoft.com/office/officeart/2005/8/layout/hProcess9"/>
+    <dgm:cxn modelId="{E2E8D555-E2A1-4B5C-B90D-F16299503649}" srcId="{182E85C3-C0C1-4055-B42E-08657C1D36EB}" destId="{DDBD9E0E-2857-478B-9BFD-EB049F36A6F4}" srcOrd="1" destOrd="0" parTransId="{64FDB413-C3BC-4DF0-942B-0162F878BA5B}" sibTransId="{79BD68F6-F4B8-49E3-96CA-A2D68A915F02}"/>
+    <dgm:cxn modelId="{607F61A3-2D5A-4D02-89FC-B7345F88B402}" type="presOf" srcId="{1E975C45-1647-472C-8812-EFF81A215801}" destId="{BA4718A9-DFD2-471C-969C-97F876ADC320}" srcOrd="0" destOrd="5" presId="urn:microsoft.com/office/officeart/2005/8/layout/hProcess9"/>
+    <dgm:cxn modelId="{929DDD9F-A144-4496-902C-7A0CEA79C4C8}" srcId="{5245D8E1-9FDE-4633-85B7-BE42CD6AA787}" destId="{8693C395-BAA7-449A-ACDD-FFFEEE0DC862}" srcOrd="1" destOrd="0" parTransId="{0DB5F330-DE96-4670-8EFA-8B7B45CEA34D}" sibTransId="{87BE7E65-1B97-4314-AB36-B212E2476EE6}"/>
+    <dgm:cxn modelId="{C36FF4DC-CCD6-47E2-9C05-747BCCD4C37E}" type="presOf" srcId="{2739C324-A41E-4970-8A01-796A2C795ACC}" destId="{BA4718A9-DFD2-471C-969C-97F876ADC320}" srcOrd="0" destOrd="1" presId="urn:microsoft.com/office/officeart/2005/8/layout/hProcess9"/>
+    <dgm:cxn modelId="{9423DADA-472C-41D9-88AD-46BB03D27D4E}" srcId="{6043B0A8-44FC-4706-B37A-7F342ABD7CAE}" destId="{ABD30D39-23EC-4FCC-9B13-57D32A82A546}" srcOrd="0" destOrd="0" parTransId="{C5A94903-DF8D-4907-A3E8-951CE956DA5D}" sibTransId="{3EF7BC8F-673B-4ADA-9436-138C06DF52D8}"/>
+    <dgm:cxn modelId="{8130EFA1-7C19-4707-918B-EBD61B992DC1}" srcId="{182E85C3-C0C1-4055-B42E-08657C1D36EB}" destId="{2739C324-A41E-4970-8A01-796A2C795ACC}" srcOrd="0" destOrd="0" parTransId="{34EABE2C-343C-4A99-94EF-992C7B2864FB}" sibTransId="{E3CAAA70-690B-43D6-AD4A-610350C2031C}"/>
+    <dgm:cxn modelId="{08E746BB-D95F-4886-82E3-5ED9A83CD38E}" type="presOf" srcId="{FCE05639-9A34-421D-9FD3-79EEF57498D8}" destId="{62F66354-603A-41C3-B161-16A4A9E45F44}" srcOrd="0" destOrd="1" presId="urn:microsoft.com/office/officeart/2005/8/layout/hProcess9"/>
     <dgm:cxn modelId="{742F0ED1-DC5E-4FDC-BC68-EC649BA19C45}" srcId="{B4BBFA07-05DD-4CDD-AC39-6342607DC2A1}" destId="{10E407B9-5FCC-4D3A-94D2-6AB25397AEC7}" srcOrd="0" destOrd="0" parTransId="{0560221A-0D57-438B-900A-B03E24CCA932}" sibTransId="{40E49337-7DC0-4E0E-B2C1-5C40A2AD0A26}"/>
-    <dgm:cxn modelId="{63AA4ECF-F510-4F05-A169-468A7E8A96E5}" type="presOf" srcId="{6043B0A8-44FC-4706-B37A-7F342ABD7CAE}" destId="{F3C847B4-E9D1-403C-BF56-3BADCB1909DC}" srcOrd="0" destOrd="0" presId="urn:microsoft.com/office/officeart/2005/8/layout/hProcess9"/>
-    <dgm:cxn modelId="{24BACCAC-AE3B-4A99-B678-9387F463D2EF}" srcId="{6043B0A8-44FC-4706-B37A-7F342ABD7CAE}" destId="{60FFB2DA-71E2-4B60-8F03-B97F02814FE8}" srcOrd="1" destOrd="0" parTransId="{F5495816-0C9E-4B5B-A238-F565E58D7803}" sibTransId="{D06C6867-E1BA-43A9-A6CE-AE88C2CD94FD}"/>
-    <dgm:cxn modelId="{3F65C4C7-8DE4-4F28-82C5-0662EBCF8C0E}" srcId="{DBD17336-B141-494E-A31C-6EA653EE637A}" destId="{FCE05639-9A34-421D-9FD3-79EEF57498D8}" srcOrd="0" destOrd="0" parTransId="{F3903BDF-F0ED-4A06-8C1B-A96D8DDD8DDC}" sibTransId="{4F6AA9F8-0B5F-499B-AE30-3D935C570E4E}"/>
-    <dgm:cxn modelId="{9E16A8B2-B87E-4EC6-8F80-A092713ABD93}" type="presOf" srcId="{64A53441-CA35-4183-98A4-98146221F8AE}" destId="{F3C847B4-E9D1-403C-BF56-3BADCB1909DC}" srcOrd="0" destOrd="3" presId="urn:microsoft.com/office/officeart/2005/8/layout/hProcess9"/>
+    <dgm:cxn modelId="{66704B5C-1B3A-4DE5-B794-CC8167E42596}" type="presOf" srcId="{182E85C3-C0C1-4055-B42E-08657C1D36EB}" destId="{BA4718A9-DFD2-471C-969C-97F876ADC320}" srcOrd="0" destOrd="0" presId="urn:microsoft.com/office/officeart/2005/8/layout/hProcess9"/>
     <dgm:cxn modelId="{E98B806D-7427-40E5-9217-58A7BBA4F702}" type="presOf" srcId="{BFAD5C6C-3CCC-47DA-B82A-97A0E60E41A5}" destId="{8C0195AE-96DF-44DB-8CA5-EA3E73389D9C}" srcOrd="0" destOrd="2" presId="urn:microsoft.com/office/officeart/2005/8/layout/hProcess9"/>
-    <dgm:cxn modelId="{D4AF4160-DDE6-4565-8479-2BC7137E4EDA}" type="presOf" srcId="{8693C395-BAA7-449A-ACDD-FFFEEE0DC862}" destId="{20382240-D5AC-4B89-8E53-73A8B41769F1}" srcOrd="0" destOrd="2" presId="urn:microsoft.com/office/officeart/2005/8/layout/hProcess9"/>
-    <dgm:cxn modelId="{1CE0B2E1-B57A-47FF-B7CD-0A610852C41C}" type="presOf" srcId="{60FFB2DA-71E2-4B60-8F03-B97F02814FE8}" destId="{F3C847B4-E9D1-403C-BF56-3BADCB1909DC}" srcOrd="0" destOrd="2" presId="urn:microsoft.com/office/officeart/2005/8/layout/hProcess9"/>
-    <dgm:cxn modelId="{60C1C020-F1A3-4D32-B6BC-9893F6A3628C}" type="presOf" srcId="{360394FA-829F-403E-9AF0-5F6CF96DFD1E}" destId="{8C0195AE-96DF-44DB-8CA5-EA3E73389D9C}" srcOrd="0" destOrd="4" presId="urn:microsoft.com/office/officeart/2005/8/layout/hProcess9"/>
-    <dgm:cxn modelId="{08E746BB-D95F-4886-82E3-5ED9A83CD38E}" type="presOf" srcId="{FCE05639-9A34-421D-9FD3-79EEF57498D8}" destId="{62F66354-603A-41C3-B161-16A4A9E45F44}" srcOrd="0" destOrd="1" presId="urn:microsoft.com/office/officeart/2005/8/layout/hProcess9"/>
-    <dgm:cxn modelId="{DB1CAB31-0E81-4807-9A4F-8B2AC71839A2}" type="presOf" srcId="{1D2BD1DA-3657-4A8C-9785-D7282AB16A84}" destId="{F3C847B4-E9D1-403C-BF56-3BADCB1909DC}" srcOrd="0" destOrd="4" presId="urn:microsoft.com/office/officeart/2005/8/layout/hProcess9"/>
-    <dgm:cxn modelId="{B317833C-6656-437C-8CFB-9E1078BA4F7B}" srcId="{B4BBFA07-05DD-4CDD-AC39-6342607DC2A1}" destId="{BFAD5C6C-3CCC-47DA-B82A-97A0E60E41A5}" srcOrd="1" destOrd="0" parTransId="{2AC788DB-883E-4B3F-8E32-FB8F2C3C80B9}" sibTransId="{0A4F5D0E-4864-4480-8E69-940E5490226B}"/>
-    <dgm:cxn modelId="{F1608424-95E6-4187-9F50-C1AB10DFF465}" srcId="{42A7AF39-9F16-4BE0-9691-F2A4EAA889D5}" destId="{6043B0A8-44FC-4706-B37A-7F342ABD7CAE}" srcOrd="2" destOrd="0" parTransId="{D8109DA1-2E16-4DF6-A989-9DA006F96235}" sibTransId="{3B27F8F0-46DD-48CE-89ED-BD65A552898B}"/>
-    <dgm:cxn modelId="{B848308C-6711-4ECC-A275-3BD95A47C3D1}" type="presOf" srcId="{3F8391EC-2E89-41BC-979F-48D4E21A811C}" destId="{BA4718A9-DFD2-471C-969C-97F876ADC320}" srcOrd="0" destOrd="3" presId="urn:microsoft.com/office/officeart/2005/8/layout/hProcess9"/>
-    <dgm:cxn modelId="{8130EFA1-7C19-4707-918B-EBD61B992DC1}" srcId="{182E85C3-C0C1-4055-B42E-08657C1D36EB}" destId="{2739C324-A41E-4970-8A01-796A2C795ACC}" srcOrd="0" destOrd="0" parTransId="{34EABE2C-343C-4A99-94EF-992C7B2864FB}" sibTransId="{E3CAAA70-690B-43D6-AD4A-610350C2031C}"/>
-    <dgm:cxn modelId="{5647984F-2F20-4C53-AFA6-A50F0B2D982A}" srcId="{42A7AF39-9F16-4BE0-9691-F2A4EAA889D5}" destId="{5245D8E1-9FDE-4633-85B7-BE42CD6AA787}" srcOrd="4" destOrd="0" parTransId="{55F15053-25F4-4161-BCA1-92DDB4FB32E9}" sibTransId="{B0D58DB8-A061-4E28-A244-8F898564CBF4}"/>
-    <dgm:cxn modelId="{165AFAEA-5E3C-4D2F-B24C-8AB5DB51E1D8}" srcId="{DBD17336-B141-494E-A31C-6EA653EE637A}" destId="{8852547F-3DE1-4303-BABC-35751A1FFAA4}" srcOrd="1" destOrd="0" parTransId="{E3280EF4-38C9-4B21-B7E2-305ED52D9188}" sibTransId="{7EF36CEC-CFA4-4D2A-9ADF-9A92FE46FB8F}"/>
-    <dgm:cxn modelId="{9423DADA-472C-41D9-88AD-46BB03D27D4E}" srcId="{6043B0A8-44FC-4706-B37A-7F342ABD7CAE}" destId="{ABD30D39-23EC-4FCC-9B13-57D32A82A546}" srcOrd="0" destOrd="0" parTransId="{C5A94903-DF8D-4907-A3E8-951CE956DA5D}" sibTransId="{3EF7BC8F-673B-4ADA-9436-138C06DF52D8}"/>
-    <dgm:cxn modelId="{3A080199-5708-4D95-BDC6-677CE1E53018}" srcId="{B4BBFA07-05DD-4CDD-AC39-6342607DC2A1}" destId="{360394FA-829F-403E-9AF0-5F6CF96DFD1E}" srcOrd="3" destOrd="0" parTransId="{A75ACD84-8BFD-4E17-B22A-BCE08E0C1060}" sibTransId="{47CD002A-17EB-41C8-A521-C511E59926EB}"/>
-    <dgm:cxn modelId="{DECDAAFB-95F9-4E08-902E-357CAE6BE867}" srcId="{42A7AF39-9F16-4BE0-9691-F2A4EAA889D5}" destId="{182E85C3-C0C1-4055-B42E-08657C1D36EB}" srcOrd="1" destOrd="0" parTransId="{0A1F7A6C-A332-4BAC-A0D1-C846CF97F4EC}" sibTransId="{53EC14C8-D3F0-4F81-A9BC-0E03B0043A69}"/>
     <dgm:cxn modelId="{2198E06B-EBEE-42F2-BF31-52AD13E73BC6}" srcId="{42A7AF39-9F16-4BE0-9691-F2A4EAA889D5}" destId="{DBD17336-B141-494E-A31C-6EA653EE637A}" srcOrd="3" destOrd="0" parTransId="{09A6F55D-0974-44D2-B12D-48E16F3D0029}" sibTransId="{A6141C16-1C65-42F9-8DF0-A27738FE79EE}"/>
     <dgm:cxn modelId="{58ECD606-DF49-456C-92CC-3FC995338DA5}" srcId="{182E85C3-C0C1-4055-B42E-08657C1D36EB}" destId="{1E975C45-1647-472C-8812-EFF81A215801}" srcOrd="4" destOrd="0" parTransId="{11DCAC3E-4C2C-4945-B245-E7C69099CB34}" sibTransId="{50A0534A-8921-429F-AEBF-0E0D60438255}"/>
-    <dgm:cxn modelId="{EFB2B553-798E-499E-868E-5A323D49D87B}" type="presOf" srcId="{8852547F-3DE1-4303-BABC-35751A1FFAA4}" destId="{62F66354-603A-41C3-B161-16A4A9E45F44}" srcOrd="0" destOrd="2" presId="urn:microsoft.com/office/officeart/2005/8/layout/hProcess9"/>
-    <dgm:cxn modelId="{20EFF80B-8D1F-44F0-A98A-47DA2A47CC91}" type="presOf" srcId="{B4BBFA07-05DD-4CDD-AC39-6342607DC2A1}" destId="{8C0195AE-96DF-44DB-8CA5-EA3E73389D9C}" srcOrd="0" destOrd="0" presId="urn:microsoft.com/office/officeart/2005/8/layout/hProcess9"/>
-    <dgm:cxn modelId="{4AA9AB66-BA44-475B-A8A8-30AD54C4CD1A}" srcId="{6043B0A8-44FC-4706-B37A-7F342ABD7CAE}" destId="{1D2BD1DA-3657-4A8C-9785-D7282AB16A84}" srcOrd="3" destOrd="0" parTransId="{13AD18B7-6C9D-4DA5-8CF7-426D68467982}" sibTransId="{5FB73046-B1E2-46DC-A2CC-49B3DBF79A17}"/>
-    <dgm:cxn modelId="{238D6892-0E24-4060-A415-A69BB6AA037E}" type="presOf" srcId="{27323C3F-7D4E-44F5-9FA3-413CFCD7B174}" destId="{8C0195AE-96DF-44DB-8CA5-EA3E73389D9C}" srcOrd="0" destOrd="3" presId="urn:microsoft.com/office/officeart/2005/8/layout/hProcess9"/>
-    <dgm:cxn modelId="{E2E8D555-E2A1-4B5C-B90D-F16299503649}" srcId="{182E85C3-C0C1-4055-B42E-08657C1D36EB}" destId="{DDBD9E0E-2857-478B-9BFD-EB049F36A6F4}" srcOrd="1" destOrd="0" parTransId="{64FDB413-C3BC-4DF0-942B-0162F878BA5B}" sibTransId="{79BD68F6-F4B8-49E3-96CA-A2D68A915F02}"/>
-    <dgm:cxn modelId="{21C40A1C-D218-4855-8389-19E2BFED7B78}" type="presOf" srcId="{ABD30D39-23EC-4FCC-9B13-57D32A82A546}" destId="{F3C847B4-E9D1-403C-BF56-3BADCB1909DC}" srcOrd="0" destOrd="1" presId="urn:microsoft.com/office/officeart/2005/8/layout/hProcess9"/>
+    <dgm:cxn modelId="{9E16A8B2-B87E-4EC6-8F80-A092713ABD93}" type="presOf" srcId="{64A53441-CA35-4183-98A4-98146221F8AE}" destId="{F3C847B4-E9D1-403C-BF56-3BADCB1909DC}" srcOrd="0" destOrd="3" presId="urn:microsoft.com/office/officeart/2005/8/layout/hProcess9"/>
+    <dgm:cxn modelId="{F99FE896-AED4-426E-B77C-0AB5248E0CCE}" srcId="{6043B0A8-44FC-4706-B37A-7F342ABD7CAE}" destId="{64A53441-CA35-4183-98A4-98146221F8AE}" srcOrd="2" destOrd="0" parTransId="{34A59247-41BB-4387-901C-F4B4BA0ABC20}" sibTransId="{0C284384-0EF7-4A62-BF30-04B34F7CD0AC}"/>
+    <dgm:cxn modelId="{D4AF4160-DDE6-4565-8479-2BC7137E4EDA}" type="presOf" srcId="{8693C395-BAA7-449A-ACDD-FFFEEE0DC862}" destId="{20382240-D5AC-4B89-8E53-73A8B41769F1}" srcOrd="0" destOrd="2" presId="urn:microsoft.com/office/officeart/2005/8/layout/hProcess9"/>
     <dgm:cxn modelId="{549CF814-C607-4921-A024-5CFAC5637540}" srcId="{5245D8E1-9FDE-4633-85B7-BE42CD6AA787}" destId="{AD34B4C5-1A81-4AC6-A5F9-35CC4DC5D843}" srcOrd="0" destOrd="0" parTransId="{FD6F77B6-DA9F-491F-B649-F16E90DA55B0}" sibTransId="{8B95582E-B691-45DD-8D9C-114E0B7A4E01}"/>
-    <dgm:cxn modelId="{5DFF5E92-6524-4E83-9A7E-3FD2AE1E0B19}" srcId="{42A7AF39-9F16-4BE0-9691-F2A4EAA889D5}" destId="{B4BBFA07-05DD-4CDD-AC39-6342607DC2A1}" srcOrd="0" destOrd="0" parTransId="{4C9357AE-0A8A-4E31-8803-F14E79C0DCAE}" sibTransId="{B652451A-AD6D-4DFA-B925-9D21BB71A0C7}"/>
-    <dgm:cxn modelId="{F99FE896-AED4-426E-B77C-0AB5248E0CCE}" srcId="{6043B0A8-44FC-4706-B37A-7F342ABD7CAE}" destId="{64A53441-CA35-4183-98A4-98146221F8AE}" srcOrd="2" destOrd="0" parTransId="{34A59247-41BB-4387-901C-F4B4BA0ABC20}" sibTransId="{0C284384-0EF7-4A62-BF30-04B34F7CD0AC}"/>
-    <dgm:cxn modelId="{03C82376-6DFF-4B7E-B036-A886B0520F93}" type="presOf" srcId="{DBD17336-B141-494E-A31C-6EA653EE637A}" destId="{62F66354-603A-41C3-B161-16A4A9E45F44}" srcOrd="0" destOrd="0" presId="urn:microsoft.com/office/officeart/2005/8/layout/hProcess9"/>
+    <dgm:cxn modelId="{C75F7C68-8484-4A91-B6A3-583D73E6BC93}" type="presOf" srcId="{124AB731-44F7-42FC-A2C7-6A103755875A}" destId="{BA4718A9-DFD2-471C-969C-97F876ADC320}" srcOrd="0" destOrd="4" presId="urn:microsoft.com/office/officeart/2005/8/layout/hProcess9"/>
+    <dgm:cxn modelId="{B848308C-6711-4ECC-A275-3BD95A47C3D1}" type="presOf" srcId="{3F8391EC-2E89-41BC-979F-48D4E21A811C}" destId="{BA4718A9-DFD2-471C-969C-97F876ADC320}" srcOrd="0" destOrd="3" presId="urn:microsoft.com/office/officeart/2005/8/layout/hProcess9"/>
+    <dgm:cxn modelId="{165AFAEA-5E3C-4D2F-B24C-8AB5DB51E1D8}" srcId="{DBD17336-B141-494E-A31C-6EA653EE637A}" destId="{8852547F-3DE1-4303-BABC-35751A1FFAA4}" srcOrd="1" destOrd="0" parTransId="{E3280EF4-38C9-4B21-B7E2-305ED52D9188}" sibTransId="{7EF36CEC-CFA4-4D2A-9ADF-9A92FE46FB8F}"/>
+    <dgm:cxn modelId="{3F65C4C7-8DE4-4F28-82C5-0662EBCF8C0E}" srcId="{DBD17336-B141-494E-A31C-6EA653EE637A}" destId="{FCE05639-9A34-421D-9FD3-79EEF57498D8}" srcOrd="0" destOrd="0" parTransId="{F3903BDF-F0ED-4A06-8C1B-A96D8DDD8DDC}" sibTransId="{4F6AA9F8-0B5F-499B-AE30-3D935C570E4E}"/>
+    <dgm:cxn modelId="{1ADAA526-6B24-45CB-89D0-518E04A3D93F}" srcId="{182E85C3-C0C1-4055-B42E-08657C1D36EB}" destId="{3F8391EC-2E89-41BC-979F-48D4E21A811C}" srcOrd="2" destOrd="0" parTransId="{E9716149-5B95-4904-8590-6A93EE8C5197}" sibTransId="{BFA852D6-66A0-4365-B195-CB67CFDCDE73}"/>
     <dgm:cxn modelId="{4296771F-3E76-4B6E-BCA1-FFBE218B6B73}" type="presOf" srcId="{10E407B9-5FCC-4D3A-94D2-6AB25397AEC7}" destId="{8C0195AE-96DF-44DB-8CA5-EA3E73389D9C}" srcOrd="0" destOrd="1" presId="urn:microsoft.com/office/officeart/2005/8/layout/hProcess9"/>
-    <dgm:cxn modelId="{6595E131-DCFC-4660-A166-B06A9C58E5A3}" srcId="{182E85C3-C0C1-4055-B42E-08657C1D36EB}" destId="{124AB731-44F7-42FC-A2C7-6A103755875A}" srcOrd="3" destOrd="0" parTransId="{903CC23E-A10B-484A-8A4F-24054DDF4137}" sibTransId="{C0BE0EF1-E06D-43E6-AF12-3CA2033E2AE2}"/>
-    <dgm:cxn modelId="{66704B5C-1B3A-4DE5-B794-CC8167E42596}" type="presOf" srcId="{182E85C3-C0C1-4055-B42E-08657C1D36EB}" destId="{BA4718A9-DFD2-471C-969C-97F876ADC320}" srcOrd="0" destOrd="0" presId="urn:microsoft.com/office/officeart/2005/8/layout/hProcess9"/>
-    <dgm:cxn modelId="{607F61A3-2D5A-4D02-89FC-B7345F88B402}" type="presOf" srcId="{1E975C45-1647-472C-8812-EFF81A215801}" destId="{BA4718A9-DFD2-471C-969C-97F876ADC320}" srcOrd="0" destOrd="5" presId="urn:microsoft.com/office/officeart/2005/8/layout/hProcess9"/>
-    <dgm:cxn modelId="{C36FF4DC-CCD6-47E2-9C05-747BCCD4C37E}" type="presOf" srcId="{2739C324-A41E-4970-8A01-796A2C795ACC}" destId="{BA4718A9-DFD2-471C-969C-97F876ADC320}" srcOrd="0" destOrd="1" presId="urn:microsoft.com/office/officeart/2005/8/layout/hProcess9"/>
-    <dgm:cxn modelId="{CA27D4C9-7305-47C1-B558-E71A93D8B295}" type="presOf" srcId="{AD34B4C5-1A81-4AC6-A5F9-35CC4DC5D843}" destId="{20382240-D5AC-4B89-8E53-73A8B41769F1}" srcOrd="0" destOrd="1" presId="urn:microsoft.com/office/officeart/2005/8/layout/hProcess9"/>
-    <dgm:cxn modelId="{7B8B71DC-DC57-43EA-BE14-CDBA81ACEF98}" type="presOf" srcId="{42A7AF39-9F16-4BE0-9691-F2A4EAA889D5}" destId="{734A29E2-3521-46BA-B5C0-E8A3637FA4B0}" srcOrd="0" destOrd="0" presId="urn:microsoft.com/office/officeart/2005/8/layout/hProcess9"/>
-    <dgm:cxn modelId="{A4E4E3C8-7B99-4F7C-A2C4-16D3A3CA62E3}" type="presOf" srcId="{DDBD9E0E-2857-478B-9BFD-EB049F36A6F4}" destId="{BA4718A9-DFD2-471C-969C-97F876ADC320}" srcOrd="0" destOrd="2" presId="urn:microsoft.com/office/officeart/2005/8/layout/hProcess9"/>
-    <dgm:cxn modelId="{3DE7FD94-D5E7-407C-989B-2C1F91B4CE03}" srcId="{B4BBFA07-05DD-4CDD-AC39-6342607DC2A1}" destId="{27323C3F-7D4E-44F5-9FA3-413CFCD7B174}" srcOrd="2" destOrd="0" parTransId="{18FA00AE-387D-4A8D-981A-94EDEBCA8EC2}" sibTransId="{D4734B30-AB73-4712-B278-2895E8608C4E}"/>
-    <dgm:cxn modelId="{503287BE-2194-4F0B-9AA9-12C9B00499EE}" type="presOf" srcId="{5245D8E1-9FDE-4633-85B7-BE42CD6AA787}" destId="{20382240-D5AC-4B89-8E53-73A8B41769F1}" srcOrd="0" destOrd="0" presId="urn:microsoft.com/office/officeart/2005/8/layout/hProcess9"/>
-    <dgm:cxn modelId="{1ADAA526-6B24-45CB-89D0-518E04A3D93F}" srcId="{182E85C3-C0C1-4055-B42E-08657C1D36EB}" destId="{3F8391EC-2E89-41BC-979F-48D4E21A811C}" srcOrd="2" destOrd="0" parTransId="{E9716149-5B95-4904-8590-6A93EE8C5197}" sibTransId="{BFA852D6-66A0-4365-B195-CB67CFDCDE73}"/>
-    <dgm:cxn modelId="{929DDD9F-A144-4496-902C-7A0CEA79C4C8}" srcId="{5245D8E1-9FDE-4633-85B7-BE42CD6AA787}" destId="{8693C395-BAA7-449A-ACDD-FFFEEE0DC862}" srcOrd="1" destOrd="0" parTransId="{0DB5F330-DE96-4670-8EFA-8B7B45CEA34D}" sibTransId="{87BE7E65-1B97-4314-AB36-B212E2476EE6}"/>
     <dgm:cxn modelId="{F3801A3C-3E3D-475A-B6DA-AD1066FF5E06}" type="presParOf" srcId="{734A29E2-3521-46BA-B5C0-E8A3637FA4B0}" destId="{3E058364-C437-4B0E-B373-8D6523686A02}" srcOrd="0" destOrd="0" presId="urn:microsoft.com/office/officeart/2005/8/layout/hProcess9"/>
     <dgm:cxn modelId="{9DDFD9AB-E4CB-4CFE-8C0A-EF116411C6C7}" type="presParOf" srcId="{734A29E2-3521-46BA-B5C0-E8A3637FA4B0}" destId="{90CFEA40-A29F-40A9-966B-DA7D8D7003DF}" srcOrd="1" destOrd="0" presId="urn:microsoft.com/office/officeart/2005/8/layout/hProcess9"/>
     <dgm:cxn modelId="{3BCAA9FB-5D8C-45AB-AAF9-5A4E6A40DDB1}" type="presParOf" srcId="{90CFEA40-A29F-40A9-966B-DA7D8D7003DF}" destId="{8C0195AE-96DF-44DB-8CA5-EA3E73389D9C}" srcOrd="0" destOrd="0" presId="urn:microsoft.com/office/officeart/2005/8/layout/hProcess9"/>
@@ -2002,7 +2003,7 @@
   <dgm:whole/>
   <dgm:extLst>
     <a:ext uri="http://schemas.microsoft.com/office/drawing/2008/diagram">
-      <dsp:dataModelExt xmlns:dsp="http://schemas.microsoft.com/office/drawing/2008/diagram" relId="rId7" minVer="http://schemas.openxmlformats.org/drawingml/2006/diagram"/>
+      <dsp:dataModelExt xmlns:dsp="http://schemas.microsoft.com/office/drawing/2008/diagram" xmlns="" relId="rId7" minVer="http://schemas.openxmlformats.org/drawingml/2006/diagram"/>
     </a:ext>
   </dgm:extLst>
 </dgm:dataModel>
@@ -4259,7 +4260,7 @@
     </p:spTree>
     <p:extLst>
       <p:ext uri="{BB962C8B-B14F-4D97-AF65-F5344CB8AC3E}">
-        <p14:creationId xmlns:p14="http://schemas.microsoft.com/office/powerpoint/2010/main" val="4293457334"/>
+        <p14:creationId xmlns:p14="http://schemas.microsoft.com/office/powerpoint/2010/main" xmlns="" val="4293457334"/>
       </p:ext>
     </p:extLst>
   </p:cSld>
@@ -4519,7 +4520,7 @@
     </p:spTree>
     <p:extLst>
       <p:ext uri="{BB962C8B-B14F-4D97-AF65-F5344CB8AC3E}">
-        <p14:creationId xmlns:p14="http://schemas.microsoft.com/office/powerpoint/2010/main" val="2981845176"/>
+        <p14:creationId xmlns:p14="http://schemas.microsoft.com/office/powerpoint/2010/main" xmlns="" val="2981845176"/>
       </p:ext>
     </p:extLst>
   </p:cSld>
@@ -4698,7 +4699,7 @@
     </p:spTree>
     <p:extLst>
       <p:ext uri="{BB962C8B-B14F-4D97-AF65-F5344CB8AC3E}">
-        <p14:creationId xmlns:p14="http://schemas.microsoft.com/office/powerpoint/2010/main" val="3072081027"/>
+        <p14:creationId xmlns:p14="http://schemas.microsoft.com/office/powerpoint/2010/main" xmlns="" val="3072081027"/>
       </p:ext>
     </p:extLst>
   </p:cSld>
@@ -4778,7 +4779,7 @@
             <a:fld id="{72841C41-988A-40D2-BD42-D850E09ED2B7}" type="slidenum">
               <a:rPr lang="de-DE" smtClean="0"/>
               <a:pPr/>
-              <a:t>10</a:t>
+              <a:t>11</a:t>
             </a:fld>
             <a:endParaRPr lang="de-DE"/>
           </a:p>
@@ -4787,7 +4788,7 @@
     </p:spTree>
     <p:extLst>
       <p:ext uri="{BB962C8B-B14F-4D97-AF65-F5344CB8AC3E}">
-        <p14:creationId xmlns:p14="http://schemas.microsoft.com/office/powerpoint/2010/main" val="471274584"/>
+        <p14:creationId xmlns:p14="http://schemas.microsoft.com/office/powerpoint/2010/main" xmlns="" val="471274584"/>
       </p:ext>
     </p:extLst>
   </p:cSld>
@@ -4867,7 +4868,7 @@
             <a:fld id="{72841C41-988A-40D2-BD42-D850E09ED2B7}" type="slidenum">
               <a:rPr lang="de-DE" smtClean="0"/>
               <a:pPr/>
-              <a:t>11</a:t>
+              <a:t>12</a:t>
             </a:fld>
             <a:endParaRPr lang="de-DE"/>
           </a:p>
@@ -4876,7 +4877,7 @@
     </p:spTree>
     <p:extLst>
       <p:ext uri="{BB962C8B-B14F-4D97-AF65-F5344CB8AC3E}">
-        <p14:creationId xmlns:p14="http://schemas.microsoft.com/office/powerpoint/2010/main" val="3859340865"/>
+        <p14:creationId xmlns:p14="http://schemas.microsoft.com/office/powerpoint/2010/main" xmlns="" val="3859340865"/>
       </p:ext>
     </p:extLst>
   </p:cSld>
@@ -4956,7 +4957,7 @@
             <a:fld id="{72841C41-988A-40D2-BD42-D850E09ED2B7}" type="slidenum">
               <a:rPr lang="de-DE" smtClean="0"/>
               <a:pPr/>
-              <a:t>12</a:t>
+              <a:t>13</a:t>
             </a:fld>
             <a:endParaRPr lang="de-DE"/>
           </a:p>
@@ -4965,7 +4966,7 @@
     </p:spTree>
     <p:extLst>
       <p:ext uri="{BB962C8B-B14F-4D97-AF65-F5344CB8AC3E}">
-        <p14:creationId xmlns:p14="http://schemas.microsoft.com/office/powerpoint/2010/main" val="3859340865"/>
+        <p14:creationId xmlns:p14="http://schemas.microsoft.com/office/powerpoint/2010/main" xmlns="" val="3859340865"/>
       </p:ext>
     </p:extLst>
   </p:cSld>
@@ -5045,7 +5046,7 @@
             <a:fld id="{72841C41-988A-40D2-BD42-D850E09ED2B7}" type="slidenum">
               <a:rPr lang="de-DE" smtClean="0"/>
               <a:pPr/>
-              <a:t>13</a:t>
+              <a:t>14</a:t>
             </a:fld>
             <a:endParaRPr lang="de-DE"/>
           </a:p>
@@ -5054,7 +5055,7 @@
     </p:spTree>
     <p:extLst>
       <p:ext uri="{BB962C8B-B14F-4D97-AF65-F5344CB8AC3E}">
-        <p14:creationId xmlns:p14="http://schemas.microsoft.com/office/powerpoint/2010/main" val="2310265331"/>
+        <p14:creationId xmlns:p14="http://schemas.microsoft.com/office/powerpoint/2010/main" xmlns="" val="2310265331"/>
       </p:ext>
     </p:extLst>
   </p:cSld>
@@ -5134,7 +5135,7 @@
             <a:fld id="{72841C41-988A-40D2-BD42-D850E09ED2B7}" type="slidenum">
               <a:rPr lang="de-DE" smtClean="0"/>
               <a:pPr/>
-              <a:t>14</a:t>
+              <a:t>15</a:t>
             </a:fld>
             <a:endParaRPr lang="de-DE"/>
           </a:p>
@@ -5143,7 +5144,7 @@
     </p:spTree>
     <p:extLst>
       <p:ext uri="{BB962C8B-B14F-4D97-AF65-F5344CB8AC3E}">
-        <p14:creationId xmlns:p14="http://schemas.microsoft.com/office/powerpoint/2010/main" val="199634551"/>
+        <p14:creationId xmlns:p14="http://schemas.microsoft.com/office/powerpoint/2010/main" xmlns="" val="199634551"/>
       </p:ext>
     </p:extLst>
   </p:cSld>
@@ -5227,7 +5228,7 @@
             <a:fld id="{72841C41-988A-40D2-BD42-D850E09ED2B7}" type="slidenum">
               <a:rPr lang="de-DE" smtClean="0"/>
               <a:pPr/>
-              <a:t>27</a:t>
+              <a:t>28</a:t>
             </a:fld>
             <a:endParaRPr lang="de-DE"/>
           </a:p>
@@ -5236,7 +5237,7 @@
     </p:spTree>
     <p:extLst>
       <p:ext uri="{BB962C8B-B14F-4D97-AF65-F5344CB8AC3E}">
-        <p14:creationId xmlns:p14="http://schemas.microsoft.com/office/powerpoint/2010/main" val="1602375425"/>
+        <p14:creationId xmlns:p14="http://schemas.microsoft.com/office/powerpoint/2010/main" xmlns="" val="1602375425"/>
       </p:ext>
     </p:extLst>
   </p:cSld>
@@ -5312,7 +5313,7 @@
             <a:fld id="{72841C41-988A-40D2-BD42-D850E09ED2B7}" type="slidenum">
               <a:rPr lang="de-DE" smtClean="0"/>
               <a:pPr/>
-              <a:t>30</a:t>
+              <a:t>31</a:t>
             </a:fld>
             <a:endParaRPr lang="de-DE"/>
           </a:p>
@@ -5321,7 +5322,7 @@
     </p:spTree>
     <p:extLst>
       <p:ext uri="{BB962C8B-B14F-4D97-AF65-F5344CB8AC3E}">
-        <p14:creationId xmlns:p14="http://schemas.microsoft.com/office/powerpoint/2010/main" val="1794501352"/>
+        <p14:creationId xmlns:p14="http://schemas.microsoft.com/office/powerpoint/2010/main" xmlns="" val="1794501352"/>
       </p:ext>
     </p:extLst>
   </p:cSld>
@@ -5397,7 +5398,7 @@
             <a:fld id="{72841C41-988A-40D2-BD42-D850E09ED2B7}" type="slidenum">
               <a:rPr lang="de-DE" smtClean="0"/>
               <a:pPr/>
-              <a:t>31</a:t>
+              <a:t>32</a:t>
             </a:fld>
             <a:endParaRPr lang="de-DE"/>
           </a:p>
@@ -5406,7 +5407,7 @@
     </p:spTree>
     <p:extLst>
       <p:ext uri="{BB962C8B-B14F-4D97-AF65-F5344CB8AC3E}">
-        <p14:creationId xmlns:p14="http://schemas.microsoft.com/office/powerpoint/2010/main" val="337020109"/>
+        <p14:creationId xmlns:p14="http://schemas.microsoft.com/office/powerpoint/2010/main" xmlns="" val="337020109"/>
       </p:ext>
     </p:extLst>
   </p:cSld>
@@ -5482,7 +5483,7 @@
             <a:fld id="{72841C41-988A-40D2-BD42-D850E09ED2B7}" type="slidenum">
               <a:rPr lang="de-DE" smtClean="0"/>
               <a:pPr/>
-              <a:t>47</a:t>
+              <a:t>48</a:t>
             </a:fld>
             <a:endParaRPr lang="de-DE"/>
           </a:p>
@@ -5491,7 +5492,7 @@
     </p:spTree>
     <p:extLst>
       <p:ext uri="{BB962C8B-B14F-4D97-AF65-F5344CB8AC3E}">
-        <p14:creationId xmlns:p14="http://schemas.microsoft.com/office/powerpoint/2010/main" val="2781132002"/>
+        <p14:creationId xmlns:p14="http://schemas.microsoft.com/office/powerpoint/2010/main" xmlns="" val="2781132002"/>
       </p:ext>
     </p:extLst>
   </p:cSld>
@@ -5580,7 +5581,7 @@
     </p:spTree>
     <p:extLst>
       <p:ext uri="{BB962C8B-B14F-4D97-AF65-F5344CB8AC3E}">
-        <p14:creationId xmlns:p14="http://schemas.microsoft.com/office/powerpoint/2010/main" val="2997718527"/>
+        <p14:creationId xmlns:p14="http://schemas.microsoft.com/office/powerpoint/2010/main" xmlns="" val="2997718527"/>
       </p:ext>
     </p:extLst>
   </p:cSld>
@@ -5669,7 +5670,7 @@
     </p:spTree>
     <p:extLst>
       <p:ext uri="{BB962C8B-B14F-4D97-AF65-F5344CB8AC3E}">
-        <p14:creationId xmlns:p14="http://schemas.microsoft.com/office/powerpoint/2010/main" val="358048833"/>
+        <p14:creationId xmlns:p14="http://schemas.microsoft.com/office/powerpoint/2010/main" xmlns="" val="358048833"/>
       </p:ext>
     </p:extLst>
   </p:cSld>
@@ -5787,7 +5788,7 @@
     </p:spTree>
     <p:extLst>
       <p:ext uri="{BB962C8B-B14F-4D97-AF65-F5344CB8AC3E}">
-        <p14:creationId xmlns:p14="http://schemas.microsoft.com/office/powerpoint/2010/main" val="2505227762"/>
+        <p14:creationId xmlns:p14="http://schemas.microsoft.com/office/powerpoint/2010/main" xmlns="" val="2505227762"/>
       </p:ext>
     </p:extLst>
   </p:cSld>
@@ -5876,7 +5877,7 @@
     </p:spTree>
     <p:extLst>
       <p:ext uri="{BB962C8B-B14F-4D97-AF65-F5344CB8AC3E}">
-        <p14:creationId xmlns:p14="http://schemas.microsoft.com/office/powerpoint/2010/main" val="1113625367"/>
+        <p14:creationId xmlns:p14="http://schemas.microsoft.com/office/powerpoint/2010/main" xmlns="" val="1113625367"/>
       </p:ext>
     </p:extLst>
   </p:cSld>
@@ -5965,7 +5966,7 @@
     </p:spTree>
     <p:extLst>
       <p:ext uri="{BB962C8B-B14F-4D97-AF65-F5344CB8AC3E}">
-        <p14:creationId xmlns:p14="http://schemas.microsoft.com/office/powerpoint/2010/main" val="3699469937"/>
+        <p14:creationId xmlns:p14="http://schemas.microsoft.com/office/powerpoint/2010/main" xmlns="" val="3699469937"/>
       </p:ext>
     </p:extLst>
   </p:cSld>
@@ -6054,7 +6055,7 @@
     </p:spTree>
     <p:extLst>
       <p:ext uri="{BB962C8B-B14F-4D97-AF65-F5344CB8AC3E}">
-        <p14:creationId xmlns:p14="http://schemas.microsoft.com/office/powerpoint/2010/main" val="567656433"/>
+        <p14:creationId xmlns:p14="http://schemas.microsoft.com/office/powerpoint/2010/main" xmlns="" val="567656433"/>
       </p:ext>
     </p:extLst>
   </p:cSld>
@@ -6143,7 +6144,7 @@
     </p:spTree>
     <p:extLst>
       <p:ext uri="{BB962C8B-B14F-4D97-AF65-F5344CB8AC3E}">
-        <p14:creationId xmlns:p14="http://schemas.microsoft.com/office/powerpoint/2010/main" val="2657475957"/>
+        <p14:creationId xmlns:p14="http://schemas.microsoft.com/office/powerpoint/2010/main" xmlns="" val="2657475957"/>
       </p:ext>
     </p:extLst>
   </p:cSld>
@@ -6223,7 +6224,7 @@
             <a:fld id="{72841C41-988A-40D2-BD42-D850E09ED2B7}" type="slidenum">
               <a:rPr lang="de-DE" smtClean="0"/>
               <a:pPr/>
-              <a:t>9</a:t>
+              <a:t>10</a:t>
             </a:fld>
             <a:endParaRPr lang="de-DE"/>
           </a:p>
@@ -6232,7 +6233,7 @@
     </p:spTree>
     <p:extLst>
       <p:ext uri="{BB962C8B-B14F-4D97-AF65-F5344CB8AC3E}">
-        <p14:creationId xmlns:p14="http://schemas.microsoft.com/office/powerpoint/2010/main" val="1770973867"/>
+        <p14:creationId xmlns:p14="http://schemas.microsoft.com/office/powerpoint/2010/main" xmlns="" val="1770973867"/>
       </p:ext>
     </p:extLst>
   </p:cSld>
@@ -10339,7 +10340,7 @@
           <a:blip r:embed="rId3" cstate="print">
             <a:extLst>
               <a:ext uri="{28A0092B-C50C-407E-A947-70E740481C1C}">
-                <a14:useLocalDpi xmlns:a14="http://schemas.microsoft.com/office/drawing/2010/main" val="0"/>
+                <a14:useLocalDpi xmlns:a14="http://schemas.microsoft.com/office/drawing/2010/main" xmlns="" val="0"/>
               </a:ext>
             </a:extLst>
           </a:blip>
@@ -10384,7 +10385,7 @@
     </p:spTree>
     <p:extLst>
       <p:ext uri="{BB962C8B-B14F-4D97-AF65-F5344CB8AC3E}">
-        <p14:creationId xmlns:p14="http://schemas.microsoft.com/office/powerpoint/2010/main" val="709012416"/>
+        <p14:creationId xmlns:p14="http://schemas.microsoft.com/office/powerpoint/2010/main" xmlns="" val="709012416"/>
       </p:ext>
     </p:extLst>
   </p:cSld>
@@ -10428,19 +10429,14 @@
             <p:ph type="title"/>
           </p:nvPr>
         </p:nvSpPr>
-        <p:spPr>
-          <a:xfrm>
-            <a:off x="457200" y="852768"/>
-            <a:ext cx="8229600" cy="1069848"/>
-          </a:xfrm>
-        </p:spPr>
+        <p:spPr/>
         <p:txBody>
           <a:bodyPr/>
           <a:lstStyle/>
           <a:p>
             <a:r>
               <a:rPr lang="de-DE" dirty="0" smtClean="0"/>
-              <a:t>Model</a:t>
+              <a:t>View</a:t>
             </a:r>
             <a:endParaRPr lang="de-DE" dirty="0"/>
           </a:p>
@@ -10646,8 +10642,8 @@
         </p:nvSpPr>
         <p:spPr>
           <a:xfrm>
-            <a:off x="173462" y="2060848"/>
-            <a:ext cx="3852296" cy="4325112"/>
+            <a:off x="609600" y="2401824"/>
+            <a:ext cx="8229600" cy="4325112"/>
           </a:xfrm>
           <a:prstGeom prst="rect">
             <a:avLst/>
@@ -10824,34 +10820,62 @@
           <a:p>
             <a:r>
               <a:rPr lang="de-DE" dirty="0" smtClean="0"/>
-              <a:t>Datenstruktur</a:t>
+              <a:t>Attribute</a:t>
             </a:r>
           </a:p>
           <a:p>
             <a:pPr lvl="1"/>
             <a:r>
               <a:rPr lang="de-DE" dirty="0" smtClean="0"/>
-              <a:t>Keine Redundanzen</a:t>
+              <a:t>GUI-Elemente eindeutig festgelegt</a:t>
+            </a:r>
+          </a:p>
+          <a:p>
+            <a:r>
+              <a:rPr lang="de-DE" dirty="0" smtClean="0"/>
+              <a:t>Methoden</a:t>
             </a:r>
           </a:p>
           <a:p>
             <a:pPr lvl="1"/>
             <a:r>
               <a:rPr lang="de-DE" dirty="0" smtClean="0"/>
-              <a:t>Multiplizitäten</a:t>
-            </a:r>
+              <a:t>Eingabefelder auslesen (</a:t>
+            </a:r>
+            <a:r>
+              <a:rPr lang="de-DE" dirty="0" err="1" smtClean="0"/>
+              <a:t>get</a:t>
+            </a:r>
+            <a:r>
+              <a:rPr lang="de-DE" dirty="0" smtClean="0"/>
+              <a:t>)</a:t>
+            </a:r>
+          </a:p>
+          <a:p>
+            <a:pPr lvl="1"/>
+            <a:r>
+              <a:rPr lang="de-DE" dirty="0" smtClean="0"/>
+              <a:t>Daten anzeigen(</a:t>
+            </a:r>
+            <a:r>
+              <a:rPr lang="de-DE" dirty="0" err="1" smtClean="0"/>
+              <a:t>set</a:t>
+            </a:r>
+            <a:r>
+              <a:rPr lang="de-DE" dirty="0" smtClean="0"/>
+              <a:t>)</a:t>
+            </a:r>
+          </a:p>
+          <a:p>
+            <a:pPr marL="411480" lvl="1" indent="0">
+              <a:buNone/>
+            </a:pPr>
             <a:endParaRPr lang="de-DE" dirty="0"/>
           </a:p>
           <a:p>
             <a:r>
               <a:rPr lang="de-DE" dirty="0" smtClean="0"/>
-              <a:t>Schnittstelle zur Datenbank</a:t>
-            </a:r>
-          </a:p>
-          <a:p>
-            <a:r>
-              <a:rPr lang="de-DE" dirty="0" smtClean="0"/>
-              <a:t>Realisierung durch SQL Queries</a:t>
+              <a:t>Vermeidung von Redundanzen</a:t>
             </a:r>
           </a:p>
         </p:txBody>
@@ -10875,6 +10899,505 @@
               <a:rPr lang="de-DE" smtClean="0"/>
               <a:pPr/>
               <a:t>10</a:t>
+            </a:fld>
+            <a:endParaRPr lang="de-DE" dirty="0"/>
+          </a:p>
+        </p:txBody>
+      </p:sp>
+    </p:spTree>
+    <p:extLst>
+      <p:ext uri="{BB962C8B-B14F-4D97-AF65-F5344CB8AC3E}">
+        <p14:creationId xmlns:p14="http://schemas.microsoft.com/office/powerpoint/2010/main" xmlns="" val="3149715247"/>
+      </p:ext>
+    </p:extLst>
+  </p:cSld>
+  <p:clrMapOvr>
+    <a:masterClrMapping/>
+  </p:clrMapOvr>
+  <p:timing>
+    <p:tnLst>
+      <p:par>
+        <p:cTn id="1" dur="indefinite" restart="never" nodeType="tmRoot"/>
+      </p:par>
+    </p:tnLst>
+  </p:timing>
+</p:sld>
+</file>
+
+<file path=ppt/slides/slide11.xml><?xml version="1.0" encoding="utf-8"?>
+<p:sld xmlns:a="http://schemas.openxmlformats.org/drawingml/2006/main" xmlns:r="http://schemas.openxmlformats.org/officeDocument/2006/relationships" xmlns:p="http://schemas.openxmlformats.org/presentationml/2006/main">
+  <p:cSld>
+    <p:spTree>
+      <p:nvGrpSpPr>
+        <p:cNvPr id="1" name=""/>
+        <p:cNvGrpSpPr/>
+        <p:nvPr/>
+      </p:nvGrpSpPr>
+      <p:grpSpPr>
+        <a:xfrm>
+          <a:off x="0" y="0"/>
+          <a:ext cx="0" cy="0"/>
+          <a:chOff x="0" y="0"/>
+          <a:chExt cx="0" cy="0"/>
+        </a:xfrm>
+      </p:grpSpPr>
+      <p:sp>
+        <p:nvSpPr>
+          <p:cNvPr id="2" name="Titel 1"/>
+          <p:cNvSpPr>
+            <a:spLocks noGrp="1"/>
+          </p:cNvSpPr>
+          <p:nvPr>
+            <p:ph type="title"/>
+          </p:nvPr>
+        </p:nvSpPr>
+        <p:spPr>
+          <a:xfrm>
+            <a:off x="457200" y="852768"/>
+            <a:ext cx="8229600" cy="1069848"/>
+          </a:xfrm>
+        </p:spPr>
+        <p:txBody>
+          <a:bodyPr/>
+          <a:lstStyle/>
+          <a:p>
+            <a:r>
+              <a:rPr lang="de-DE" dirty="0" smtClean="0"/>
+              <a:t>Model</a:t>
+            </a:r>
+            <a:endParaRPr lang="de-DE" dirty="0"/>
+          </a:p>
+        </p:txBody>
+      </p:sp>
+      <p:sp>
+        <p:nvSpPr>
+          <p:cNvPr id="3" name="Inhaltsplatzhalter 2"/>
+          <p:cNvSpPr txBox="1">
+            <a:spLocks/>
+          </p:cNvSpPr>
+          <p:nvPr/>
+        </p:nvSpPr>
+        <p:spPr>
+          <a:xfrm>
+            <a:off x="457200" y="2249424"/>
+            <a:ext cx="8229600" cy="4325112"/>
+          </a:xfrm>
+          <a:prstGeom prst="rect">
+            <a:avLst/>
+          </a:prstGeom>
+        </p:spPr>
+        <p:txBody>
+          <a:bodyPr>
+            <a:normAutofit/>
+          </a:bodyPr>
+          <a:lstStyle>
+            <a:lvl1pPr marL="365760" indent="-256032" algn="l" rtl="0" eaLnBrk="1" latinLnBrk="0" hangingPunct="1">
+              <a:spcBef>
+                <a:spcPts val="300"/>
+              </a:spcBef>
+              <a:buClr>
+                <a:schemeClr val="accent3"/>
+              </a:buClr>
+              <a:buFont typeface="Georgia"/>
+              <a:buChar char="•"/>
+              <a:defRPr kumimoji="0" sz="2800" kern="1200">
+                <a:solidFill>
+                  <a:schemeClr val="tx1"/>
+                </a:solidFill>
+                <a:latin typeface="+mn-lt"/>
+                <a:ea typeface="+mn-ea"/>
+                <a:cs typeface="+mn-cs"/>
+              </a:defRPr>
+            </a:lvl1pPr>
+            <a:lvl2pPr marL="658368" indent="-246888" algn="l" rtl="0" eaLnBrk="1" latinLnBrk="0" hangingPunct="1">
+              <a:spcBef>
+                <a:spcPts val="300"/>
+              </a:spcBef>
+              <a:buClr>
+                <a:schemeClr val="accent2"/>
+              </a:buClr>
+              <a:buFont typeface="Georgia"/>
+              <a:buChar char="▫"/>
+              <a:defRPr kumimoji="0" sz="2600" kern="1200">
+                <a:solidFill>
+                  <a:schemeClr val="accent2"/>
+                </a:solidFill>
+                <a:latin typeface="+mn-lt"/>
+                <a:ea typeface="+mn-ea"/>
+                <a:cs typeface="+mn-cs"/>
+              </a:defRPr>
+            </a:lvl2pPr>
+            <a:lvl3pPr marL="923544" indent="-219456" algn="l" rtl="0" eaLnBrk="1" latinLnBrk="0" hangingPunct="1">
+              <a:spcBef>
+                <a:spcPts val="300"/>
+              </a:spcBef>
+              <a:buClr>
+                <a:schemeClr val="accent1"/>
+              </a:buClr>
+              <a:buFont typeface="Wingdings 2"/>
+              <a:buChar char=""/>
+              <a:defRPr kumimoji="0" sz="2400" kern="1200">
+                <a:solidFill>
+                  <a:schemeClr val="accent1"/>
+                </a:solidFill>
+                <a:latin typeface="+mn-lt"/>
+                <a:ea typeface="+mn-ea"/>
+                <a:cs typeface="+mn-cs"/>
+              </a:defRPr>
+            </a:lvl3pPr>
+            <a:lvl4pPr marL="1179576" indent="-201168" algn="l" rtl="0" eaLnBrk="1" latinLnBrk="0" hangingPunct="1">
+              <a:spcBef>
+                <a:spcPts val="300"/>
+              </a:spcBef>
+              <a:buClr>
+                <a:schemeClr val="accent1"/>
+              </a:buClr>
+              <a:buFont typeface="Wingdings 2"/>
+              <a:buChar char=""/>
+              <a:defRPr kumimoji="0" sz="2200" kern="1200">
+                <a:solidFill>
+                  <a:schemeClr val="accent1"/>
+                </a:solidFill>
+                <a:latin typeface="+mn-lt"/>
+                <a:ea typeface="+mn-ea"/>
+                <a:cs typeface="+mn-cs"/>
+              </a:defRPr>
+            </a:lvl4pPr>
+            <a:lvl5pPr marL="1389888" indent="-182880" algn="l" rtl="0" eaLnBrk="1" latinLnBrk="0" hangingPunct="1">
+              <a:spcBef>
+                <a:spcPts val="300"/>
+              </a:spcBef>
+              <a:buClr>
+                <a:schemeClr val="accent3"/>
+              </a:buClr>
+              <a:buFont typeface="Georgia"/>
+              <a:buChar char="▫"/>
+              <a:defRPr kumimoji="0" sz="2000" kern="1200">
+                <a:solidFill>
+                  <a:schemeClr val="accent3"/>
+                </a:solidFill>
+                <a:latin typeface="+mn-lt"/>
+                <a:ea typeface="+mn-ea"/>
+                <a:cs typeface="+mn-cs"/>
+              </a:defRPr>
+            </a:lvl5pPr>
+            <a:lvl6pPr marL="1609344" indent="-182880" algn="l" rtl="0" eaLnBrk="1" latinLnBrk="0" hangingPunct="1">
+              <a:spcBef>
+                <a:spcPts val="300"/>
+              </a:spcBef>
+              <a:buClr>
+                <a:schemeClr val="accent3"/>
+              </a:buClr>
+              <a:buFont typeface="Georgia"/>
+              <a:buChar char="▫"/>
+              <a:defRPr kumimoji="0" sz="1800" kern="1200">
+                <a:solidFill>
+                  <a:schemeClr val="accent3"/>
+                </a:solidFill>
+                <a:latin typeface="+mn-lt"/>
+                <a:ea typeface="+mn-ea"/>
+                <a:cs typeface="+mn-cs"/>
+              </a:defRPr>
+            </a:lvl6pPr>
+            <a:lvl7pPr marL="1828800" indent="-182880" algn="l" rtl="0" eaLnBrk="1" latinLnBrk="0" hangingPunct="1">
+              <a:spcBef>
+                <a:spcPts val="300"/>
+              </a:spcBef>
+              <a:buClr>
+                <a:schemeClr val="accent3"/>
+              </a:buClr>
+              <a:buFont typeface="Georgia"/>
+              <a:buChar char="▫"/>
+              <a:defRPr kumimoji="0" sz="1600" kern="1200">
+                <a:solidFill>
+                  <a:schemeClr val="accent3"/>
+                </a:solidFill>
+                <a:latin typeface="+mn-lt"/>
+                <a:ea typeface="+mn-ea"/>
+                <a:cs typeface="+mn-cs"/>
+              </a:defRPr>
+            </a:lvl7pPr>
+            <a:lvl8pPr marL="2029968" indent="-182880" algn="l" rtl="0" eaLnBrk="1" latinLnBrk="0" hangingPunct="1">
+              <a:spcBef>
+                <a:spcPts val="300"/>
+              </a:spcBef>
+              <a:buClr>
+                <a:schemeClr val="accent3"/>
+              </a:buClr>
+              <a:buFont typeface="Georgia"/>
+              <a:buChar char="◦"/>
+              <a:defRPr kumimoji="0" sz="1500" kern="1200">
+                <a:solidFill>
+                  <a:schemeClr val="accent3"/>
+                </a:solidFill>
+                <a:latin typeface="+mn-lt"/>
+                <a:ea typeface="+mn-ea"/>
+                <a:cs typeface="+mn-cs"/>
+              </a:defRPr>
+            </a:lvl8pPr>
+            <a:lvl9pPr marL="2240280" indent="-182880" algn="l" rtl="0" eaLnBrk="1" latinLnBrk="0" hangingPunct="1">
+              <a:spcBef>
+                <a:spcPts val="300"/>
+              </a:spcBef>
+              <a:buClr>
+                <a:schemeClr val="accent3"/>
+              </a:buClr>
+              <a:buFont typeface="Georgia"/>
+              <a:buChar char="◦"/>
+              <a:defRPr kumimoji="0" sz="1400" kern="1200" baseline="0">
+                <a:solidFill>
+                  <a:schemeClr val="accent3"/>
+                </a:solidFill>
+                <a:latin typeface="+mn-lt"/>
+                <a:ea typeface="+mn-ea"/>
+                <a:cs typeface="+mn-cs"/>
+              </a:defRPr>
+            </a:lvl9pPr>
+          </a:lstStyle>
+          <a:p>
+            <a:endParaRPr lang="de-DE" dirty="0"/>
+          </a:p>
+        </p:txBody>
+      </p:sp>
+      <p:sp>
+        <p:nvSpPr>
+          <p:cNvPr id="4" name="Inhaltsplatzhalter 2"/>
+          <p:cNvSpPr txBox="1">
+            <a:spLocks/>
+          </p:cNvSpPr>
+          <p:nvPr/>
+        </p:nvSpPr>
+        <p:spPr>
+          <a:xfrm>
+            <a:off x="173462" y="2060848"/>
+            <a:ext cx="3852296" cy="4325112"/>
+          </a:xfrm>
+          <a:prstGeom prst="rect">
+            <a:avLst/>
+          </a:prstGeom>
+        </p:spPr>
+        <p:txBody>
+          <a:bodyPr>
+            <a:normAutofit/>
+          </a:bodyPr>
+          <a:lstStyle>
+            <a:lvl1pPr marL="365760" indent="-256032" algn="l" rtl="0" eaLnBrk="1" latinLnBrk="0" hangingPunct="1">
+              <a:spcBef>
+                <a:spcPts val="300"/>
+              </a:spcBef>
+              <a:buClr>
+                <a:schemeClr val="accent3"/>
+              </a:buClr>
+              <a:buFont typeface="Georgia"/>
+              <a:buChar char="•"/>
+              <a:defRPr kumimoji="0" sz="2800" kern="1200">
+                <a:solidFill>
+                  <a:schemeClr val="tx1"/>
+                </a:solidFill>
+                <a:latin typeface="+mn-lt"/>
+                <a:ea typeface="+mn-ea"/>
+                <a:cs typeface="+mn-cs"/>
+              </a:defRPr>
+            </a:lvl1pPr>
+            <a:lvl2pPr marL="658368" indent="-246888" algn="l" rtl="0" eaLnBrk="1" latinLnBrk="0" hangingPunct="1">
+              <a:spcBef>
+                <a:spcPts val="300"/>
+              </a:spcBef>
+              <a:buClr>
+                <a:schemeClr val="accent2"/>
+              </a:buClr>
+              <a:buFont typeface="Georgia"/>
+              <a:buChar char="▫"/>
+              <a:defRPr kumimoji="0" sz="2600" kern="1200">
+                <a:solidFill>
+                  <a:schemeClr val="accent2"/>
+                </a:solidFill>
+                <a:latin typeface="+mn-lt"/>
+                <a:ea typeface="+mn-ea"/>
+                <a:cs typeface="+mn-cs"/>
+              </a:defRPr>
+            </a:lvl2pPr>
+            <a:lvl3pPr marL="923544" indent="-219456" algn="l" rtl="0" eaLnBrk="1" latinLnBrk="0" hangingPunct="1">
+              <a:spcBef>
+                <a:spcPts val="300"/>
+              </a:spcBef>
+              <a:buClr>
+                <a:schemeClr val="accent1"/>
+              </a:buClr>
+              <a:buFont typeface="Wingdings 2"/>
+              <a:buChar char=""/>
+              <a:defRPr kumimoji="0" sz="2400" kern="1200">
+                <a:solidFill>
+                  <a:schemeClr val="accent1"/>
+                </a:solidFill>
+                <a:latin typeface="+mn-lt"/>
+                <a:ea typeface="+mn-ea"/>
+                <a:cs typeface="+mn-cs"/>
+              </a:defRPr>
+            </a:lvl3pPr>
+            <a:lvl4pPr marL="1179576" indent="-201168" algn="l" rtl="0" eaLnBrk="1" latinLnBrk="0" hangingPunct="1">
+              <a:spcBef>
+                <a:spcPts val="300"/>
+              </a:spcBef>
+              <a:buClr>
+                <a:schemeClr val="accent1"/>
+              </a:buClr>
+              <a:buFont typeface="Wingdings 2"/>
+              <a:buChar char=""/>
+              <a:defRPr kumimoji="0" sz="2200" kern="1200">
+                <a:solidFill>
+                  <a:schemeClr val="accent1"/>
+                </a:solidFill>
+                <a:latin typeface="+mn-lt"/>
+                <a:ea typeface="+mn-ea"/>
+                <a:cs typeface="+mn-cs"/>
+              </a:defRPr>
+            </a:lvl4pPr>
+            <a:lvl5pPr marL="1389888" indent="-182880" algn="l" rtl="0" eaLnBrk="1" latinLnBrk="0" hangingPunct="1">
+              <a:spcBef>
+                <a:spcPts val="300"/>
+              </a:spcBef>
+              <a:buClr>
+                <a:schemeClr val="accent3"/>
+              </a:buClr>
+              <a:buFont typeface="Georgia"/>
+              <a:buChar char="▫"/>
+              <a:defRPr kumimoji="0" sz="2000" kern="1200">
+                <a:solidFill>
+                  <a:schemeClr val="accent3"/>
+                </a:solidFill>
+                <a:latin typeface="+mn-lt"/>
+                <a:ea typeface="+mn-ea"/>
+                <a:cs typeface="+mn-cs"/>
+              </a:defRPr>
+            </a:lvl5pPr>
+            <a:lvl6pPr marL="1609344" indent="-182880" algn="l" rtl="0" eaLnBrk="1" latinLnBrk="0" hangingPunct="1">
+              <a:spcBef>
+                <a:spcPts val="300"/>
+              </a:spcBef>
+              <a:buClr>
+                <a:schemeClr val="accent3"/>
+              </a:buClr>
+              <a:buFont typeface="Georgia"/>
+              <a:buChar char="▫"/>
+              <a:defRPr kumimoji="0" sz="1800" kern="1200">
+                <a:solidFill>
+                  <a:schemeClr val="accent3"/>
+                </a:solidFill>
+                <a:latin typeface="+mn-lt"/>
+                <a:ea typeface="+mn-ea"/>
+                <a:cs typeface="+mn-cs"/>
+              </a:defRPr>
+            </a:lvl6pPr>
+            <a:lvl7pPr marL="1828800" indent="-182880" algn="l" rtl="0" eaLnBrk="1" latinLnBrk="0" hangingPunct="1">
+              <a:spcBef>
+                <a:spcPts val="300"/>
+              </a:spcBef>
+              <a:buClr>
+                <a:schemeClr val="accent3"/>
+              </a:buClr>
+              <a:buFont typeface="Georgia"/>
+              <a:buChar char="▫"/>
+              <a:defRPr kumimoji="0" sz="1600" kern="1200">
+                <a:solidFill>
+                  <a:schemeClr val="accent3"/>
+                </a:solidFill>
+                <a:latin typeface="+mn-lt"/>
+                <a:ea typeface="+mn-ea"/>
+                <a:cs typeface="+mn-cs"/>
+              </a:defRPr>
+            </a:lvl7pPr>
+            <a:lvl8pPr marL="2029968" indent="-182880" algn="l" rtl="0" eaLnBrk="1" latinLnBrk="0" hangingPunct="1">
+              <a:spcBef>
+                <a:spcPts val="300"/>
+              </a:spcBef>
+              <a:buClr>
+                <a:schemeClr val="accent3"/>
+              </a:buClr>
+              <a:buFont typeface="Georgia"/>
+              <a:buChar char="◦"/>
+              <a:defRPr kumimoji="0" sz="1500" kern="1200">
+                <a:solidFill>
+                  <a:schemeClr val="accent3"/>
+                </a:solidFill>
+                <a:latin typeface="+mn-lt"/>
+                <a:ea typeface="+mn-ea"/>
+                <a:cs typeface="+mn-cs"/>
+              </a:defRPr>
+            </a:lvl8pPr>
+            <a:lvl9pPr marL="2240280" indent="-182880" algn="l" rtl="0" eaLnBrk="1" latinLnBrk="0" hangingPunct="1">
+              <a:spcBef>
+                <a:spcPts val="300"/>
+              </a:spcBef>
+              <a:buClr>
+                <a:schemeClr val="accent3"/>
+              </a:buClr>
+              <a:buFont typeface="Georgia"/>
+              <a:buChar char="◦"/>
+              <a:defRPr kumimoji="0" sz="1400" kern="1200" baseline="0">
+                <a:solidFill>
+                  <a:schemeClr val="accent3"/>
+                </a:solidFill>
+                <a:latin typeface="+mn-lt"/>
+                <a:ea typeface="+mn-ea"/>
+                <a:cs typeface="+mn-cs"/>
+              </a:defRPr>
+            </a:lvl9pPr>
+          </a:lstStyle>
+          <a:p>
+            <a:r>
+              <a:rPr lang="de-DE" dirty="0" smtClean="0"/>
+              <a:t>Datenstruktur</a:t>
+            </a:r>
+          </a:p>
+          <a:p>
+            <a:pPr lvl="1"/>
+            <a:r>
+              <a:rPr lang="de-DE" dirty="0" smtClean="0"/>
+              <a:t>Keine Redundanzen</a:t>
+            </a:r>
+          </a:p>
+          <a:p>
+            <a:pPr lvl="1"/>
+            <a:r>
+              <a:rPr lang="de-DE" dirty="0" smtClean="0"/>
+              <a:t>Multiplizitäten</a:t>
+            </a:r>
+            <a:endParaRPr lang="de-DE" dirty="0"/>
+          </a:p>
+          <a:p>
+            <a:r>
+              <a:rPr lang="de-DE" dirty="0" smtClean="0"/>
+              <a:t>Schnittstelle zur Datenbank</a:t>
+            </a:r>
+          </a:p>
+          <a:p>
+            <a:r>
+              <a:rPr lang="de-DE" dirty="0" smtClean="0"/>
+              <a:t>Realisierung durch SQL Queries</a:t>
+            </a:r>
+          </a:p>
+        </p:txBody>
+      </p:sp>
+      <p:sp>
+        <p:nvSpPr>
+          <p:cNvPr id="5" name="Foliennummernplatzhalter 4"/>
+          <p:cNvSpPr>
+            <a:spLocks noGrp="1"/>
+          </p:cNvSpPr>
+          <p:nvPr>
+            <p:ph type="sldNum" sz="quarter" idx="12"/>
+          </p:nvPr>
+        </p:nvSpPr>
+        <p:spPr/>
+        <p:txBody>
+          <a:bodyPr/>
+          <a:lstStyle/>
+          <a:p>
+            <a:fld id="{5F4D6440-1F17-4389-BEAA-8CB6F5977206}" type="slidenum">
+              <a:rPr lang="de-DE" smtClean="0"/>
+              <a:pPr/>
+              <a:t>11</a:t>
             </a:fld>
             <a:endParaRPr lang="de-DE" dirty="0"/>
           </a:p>
@@ -10892,7 +11415,7 @@
           <a:blip r:embed="rId3">
             <a:extLst>
               <a:ext uri="{28A0092B-C50C-407E-A947-70E740481C1C}">
-                <a14:useLocalDpi xmlns:a14="http://schemas.microsoft.com/office/drawing/2010/main" val="0"/>
+                <a14:useLocalDpi xmlns:a14="http://schemas.microsoft.com/office/drawing/2010/main" xmlns="" val="0"/>
               </a:ext>
             </a:extLst>
           </a:blip>
@@ -11628,7 +12151,7 @@
     </p:spTree>
     <p:extLst>
       <p:ext uri="{BB962C8B-B14F-4D97-AF65-F5344CB8AC3E}">
-        <p14:creationId xmlns:p14="http://schemas.microsoft.com/office/powerpoint/2010/main" val="2447740237"/>
+        <p14:creationId xmlns:p14="http://schemas.microsoft.com/office/powerpoint/2010/main" xmlns="" val="2447740237"/>
       </p:ext>
     </p:extLst>
   </p:cSld>
@@ -13670,7 +14193,7 @@
 </p:sld>
 </file>
 
-<file path=ppt/slides/slide11.xml><?xml version="1.0" encoding="utf-8"?>
+<file path=ppt/slides/slide12.xml><?xml version="1.0" encoding="utf-8"?>
 <p:sld xmlns:a="http://schemas.openxmlformats.org/drawingml/2006/main" xmlns:r="http://schemas.openxmlformats.org/officeDocument/2006/relationships" xmlns:p="http://schemas.openxmlformats.org/presentationml/2006/main">
   <p:cSld>
     <p:spTree>
@@ -13942,7 +14465,7 @@
           <a:blip r:embed="rId3" cstate="print">
             <a:extLst>
               <a:ext uri="{28A0092B-C50C-407E-A947-70E740481C1C}">
-                <a14:useLocalDpi xmlns:a14="http://schemas.microsoft.com/office/drawing/2010/main" val="0"/>
+                <a14:useLocalDpi xmlns:a14="http://schemas.microsoft.com/office/drawing/2010/main" xmlns="" val="0"/>
               </a:ext>
             </a:extLst>
           </a:blip>
@@ -13966,14 +14489,14 @@
           <a:effectLst/>
           <a:extLst>
             <a:ext uri="{909E8E84-426E-40DD-AFC4-6F175D3DCCD1}">
-              <a14:hiddenFill xmlns:a14="http://schemas.microsoft.com/office/drawing/2010/main">
+              <a14:hiddenFill xmlns:a14="http://schemas.microsoft.com/office/drawing/2010/main" xmlns="">
                 <a:solidFill>
                   <a:schemeClr val="accent1"/>
                 </a:solidFill>
               </a14:hiddenFill>
             </a:ext>
             <a:ext uri="{91240B29-F687-4F45-9708-019B960494DF}">
-              <a14:hiddenLine xmlns:a14="http://schemas.microsoft.com/office/drawing/2010/main" w="9525">
+              <a14:hiddenLine xmlns:a14="http://schemas.microsoft.com/office/drawing/2010/main" xmlns="" w="9525">
                 <a:solidFill>
                   <a:schemeClr val="tx1"/>
                 </a:solidFill>
@@ -13983,7 +14506,7 @@
               </a14:hiddenLine>
             </a:ext>
             <a:ext uri="{AF507438-7753-43E0-B8FC-AC1667EBCBE1}">
-              <a14:hiddenEffects xmlns:a14="http://schemas.microsoft.com/office/drawing/2010/main">
+              <a14:hiddenEffects xmlns:a14="http://schemas.microsoft.com/office/drawing/2010/main" xmlns="">
                 <a:effectLst>
                   <a:outerShdw dist="35921" dir="2700000" algn="ctr" rotWithShape="0">
                     <a:schemeClr val="bg2"/>
@@ -14012,7 +14535,7 @@
             <a:fld id="{5F4D6440-1F17-4389-BEAA-8CB6F5977206}" type="slidenum">
               <a:rPr lang="de-DE" smtClean="0"/>
               <a:pPr/>
-              <a:t>11</a:t>
+              <a:t>12</a:t>
             </a:fld>
             <a:endParaRPr lang="de-DE" dirty="0"/>
           </a:p>
@@ -14021,160 +14544,7 @@
     </p:spTree>
     <p:extLst>
       <p:ext uri="{BB962C8B-B14F-4D97-AF65-F5344CB8AC3E}">
-        <p14:creationId xmlns:p14="http://schemas.microsoft.com/office/powerpoint/2010/main" val="3159283490"/>
-      </p:ext>
-    </p:extLst>
-  </p:cSld>
-  <p:clrMapOvr>
-    <a:masterClrMapping/>
-  </p:clrMapOvr>
-  <p:timing>
-    <p:tnLst>
-      <p:par>
-        <p:cTn id="1" dur="indefinite" restart="never" nodeType="tmRoot"/>
-      </p:par>
-    </p:tnLst>
-  </p:timing>
-</p:sld>
-</file>
-
-<file path=ppt/slides/slide12.xml><?xml version="1.0" encoding="utf-8"?>
-<p:sld xmlns:a="http://schemas.openxmlformats.org/drawingml/2006/main" xmlns:r="http://schemas.openxmlformats.org/officeDocument/2006/relationships" xmlns:p="http://schemas.openxmlformats.org/presentationml/2006/main">
-  <p:cSld>
-    <p:spTree>
-      <p:nvGrpSpPr>
-        <p:cNvPr id="1" name=""/>
-        <p:cNvGrpSpPr/>
-        <p:nvPr/>
-      </p:nvGrpSpPr>
-      <p:grpSpPr>
-        <a:xfrm>
-          <a:off x="0" y="0"/>
-          <a:ext cx="0" cy="0"/>
-          <a:chOff x="0" y="0"/>
-          <a:chExt cx="0" cy="0"/>
-        </a:xfrm>
-      </p:grpSpPr>
-      <p:sp>
-        <p:nvSpPr>
-          <p:cNvPr id="2" name="Titel 1"/>
-          <p:cNvSpPr>
-            <a:spLocks noGrp="1"/>
-          </p:cNvSpPr>
-          <p:nvPr>
-            <p:ph type="title"/>
-          </p:nvPr>
-        </p:nvSpPr>
-        <p:spPr>
-          <a:xfrm>
-            <a:off x="430640" y="476672"/>
-            <a:ext cx="8229600" cy="1069848"/>
-          </a:xfrm>
-        </p:spPr>
-        <p:txBody>
-          <a:bodyPr/>
-          <a:lstStyle/>
-          <a:p>
-            <a:r>
-              <a:rPr lang="de-DE" dirty="0" smtClean="0"/>
-              <a:t>Architektur</a:t>
-            </a:r>
-            <a:endParaRPr lang="de-DE" dirty="0"/>
-          </a:p>
-        </p:txBody>
-      </p:sp>
-      <p:pic>
-        <p:nvPicPr>
-          <p:cNvPr id="2055" name="Picture 7"/>
-          <p:cNvPicPr>
-            <a:picLocks noChangeAspect="1" noChangeArrowheads="1"/>
-          </p:cNvPicPr>
-          <p:nvPr/>
-        </p:nvPicPr>
-        <p:blipFill>
-          <a:blip r:embed="rId3" cstate="print">
-            <a:extLst>
-              <a:ext uri="{28A0092B-C50C-407E-A947-70E740481C1C}">
-                <a14:useLocalDpi xmlns:a14="http://schemas.microsoft.com/office/drawing/2010/main" val="0"/>
-              </a:ext>
-            </a:extLst>
-          </a:blip>
-          <a:srcRect/>
-          <a:stretch>
-            <a:fillRect/>
-          </a:stretch>
-        </p:blipFill>
-        <p:spPr bwMode="auto">
-          <a:xfrm>
-            <a:off x="467544" y="1412776"/>
-            <a:ext cx="8474271" cy="4824536"/>
-          </a:xfrm>
-          <a:prstGeom prst="rect">
-            <a:avLst/>
-          </a:prstGeom>
-          <a:noFill/>
-          <a:ln>
-            <a:noFill/>
-          </a:ln>
-          <a:effectLst/>
-          <a:extLst>
-            <a:ext uri="{909E8E84-426E-40DD-AFC4-6F175D3DCCD1}">
-              <a14:hiddenFill xmlns:a14="http://schemas.microsoft.com/office/drawing/2010/main">
-                <a:solidFill>
-                  <a:schemeClr val="accent1"/>
-                </a:solidFill>
-              </a14:hiddenFill>
-            </a:ext>
-            <a:ext uri="{91240B29-F687-4F45-9708-019B960494DF}">
-              <a14:hiddenLine xmlns:a14="http://schemas.microsoft.com/office/drawing/2010/main" w="9525">
-                <a:solidFill>
-                  <a:schemeClr val="tx1"/>
-                </a:solidFill>
-                <a:miter lim="800000"/>
-                <a:headEnd/>
-                <a:tailEnd/>
-              </a14:hiddenLine>
-            </a:ext>
-            <a:ext uri="{AF507438-7753-43E0-B8FC-AC1667EBCBE1}">
-              <a14:hiddenEffects xmlns:a14="http://schemas.microsoft.com/office/drawing/2010/main">
-                <a:effectLst>
-                  <a:outerShdw dist="35921" dir="2700000" algn="ctr" rotWithShape="0">
-                    <a:schemeClr val="bg2"/>
-                  </a:outerShdw>
-                </a:effectLst>
-              </a14:hiddenEffects>
-            </a:ext>
-          </a:extLst>
-        </p:spPr>
-      </p:pic>
-      <p:sp>
-        <p:nvSpPr>
-          <p:cNvPr id="3" name="Foliennummernplatzhalter 2"/>
-          <p:cNvSpPr>
-            <a:spLocks noGrp="1"/>
-          </p:cNvSpPr>
-          <p:nvPr>
-            <p:ph type="sldNum" sz="quarter" idx="12"/>
-          </p:nvPr>
-        </p:nvSpPr>
-        <p:spPr/>
-        <p:txBody>
-          <a:bodyPr/>
-          <a:lstStyle/>
-          <a:p>
-            <a:fld id="{5F4D6440-1F17-4389-BEAA-8CB6F5977206}" type="slidenum">
-              <a:rPr lang="de-DE" smtClean="0"/>
-              <a:pPr/>
-              <a:t>12</a:t>
-            </a:fld>
-            <a:endParaRPr lang="de-DE" dirty="0"/>
-          </a:p>
-        </p:txBody>
-      </p:sp>
-    </p:spTree>
-    <p:extLst>
-      <p:ext uri="{BB962C8B-B14F-4D97-AF65-F5344CB8AC3E}">
-        <p14:creationId xmlns:p14="http://schemas.microsoft.com/office/powerpoint/2010/main" val="795031017"/>
+        <p14:creationId xmlns:p14="http://schemas.microsoft.com/office/powerpoint/2010/main" xmlns="" val="3159283490"/>
       </p:ext>
     </p:extLst>
   </p:cSld>
@@ -14218,22 +14588,91 @@
             <p:ph type="title"/>
           </p:nvPr>
         </p:nvSpPr>
-        <p:spPr/>
+        <p:spPr>
+          <a:xfrm>
+            <a:off x="430640" y="476672"/>
+            <a:ext cx="8229600" cy="1069848"/>
+          </a:xfrm>
+        </p:spPr>
         <p:txBody>
           <a:bodyPr/>
           <a:lstStyle/>
           <a:p>
             <a:r>
               <a:rPr lang="de-DE" dirty="0" smtClean="0"/>
-              <a:t>Testphase</a:t>
+              <a:t>Architektur</a:t>
             </a:r>
             <a:endParaRPr lang="de-DE" dirty="0"/>
           </a:p>
         </p:txBody>
       </p:sp>
-      <p:sp>
-        <p:nvSpPr>
-          <p:cNvPr id="4" name="Foliennummernplatzhalter 3"/>
+      <p:pic>
+        <p:nvPicPr>
+          <p:cNvPr id="2055" name="Picture 7"/>
+          <p:cNvPicPr>
+            <a:picLocks noChangeAspect="1" noChangeArrowheads="1"/>
+          </p:cNvPicPr>
+          <p:nvPr/>
+        </p:nvPicPr>
+        <p:blipFill>
+          <a:blip r:embed="rId3" cstate="print">
+            <a:extLst>
+              <a:ext uri="{28A0092B-C50C-407E-A947-70E740481C1C}">
+                <a14:useLocalDpi xmlns:a14="http://schemas.microsoft.com/office/drawing/2010/main" xmlns="" val="0"/>
+              </a:ext>
+            </a:extLst>
+          </a:blip>
+          <a:srcRect/>
+          <a:stretch>
+            <a:fillRect/>
+          </a:stretch>
+        </p:blipFill>
+        <p:spPr bwMode="auto">
+          <a:xfrm>
+            <a:off x="467544" y="1412776"/>
+            <a:ext cx="8474271" cy="4824536"/>
+          </a:xfrm>
+          <a:prstGeom prst="rect">
+            <a:avLst/>
+          </a:prstGeom>
+          <a:noFill/>
+          <a:ln>
+            <a:noFill/>
+          </a:ln>
+          <a:effectLst/>
+          <a:extLst>
+            <a:ext uri="{909E8E84-426E-40DD-AFC4-6F175D3DCCD1}">
+              <a14:hiddenFill xmlns:a14="http://schemas.microsoft.com/office/drawing/2010/main" xmlns="">
+                <a:solidFill>
+                  <a:schemeClr val="accent1"/>
+                </a:solidFill>
+              </a14:hiddenFill>
+            </a:ext>
+            <a:ext uri="{91240B29-F687-4F45-9708-019B960494DF}">
+              <a14:hiddenLine xmlns:a14="http://schemas.microsoft.com/office/drawing/2010/main" xmlns="" w="9525">
+                <a:solidFill>
+                  <a:schemeClr val="tx1"/>
+                </a:solidFill>
+                <a:miter lim="800000"/>
+                <a:headEnd/>
+                <a:tailEnd/>
+              </a14:hiddenLine>
+            </a:ext>
+            <a:ext uri="{AF507438-7753-43E0-B8FC-AC1667EBCBE1}">
+              <a14:hiddenEffects xmlns:a14="http://schemas.microsoft.com/office/drawing/2010/main" xmlns="">
+                <a:effectLst>
+                  <a:outerShdw dist="35921" dir="2700000" algn="ctr" rotWithShape="0">
+                    <a:schemeClr val="bg2"/>
+                  </a:outerShdw>
+                </a:effectLst>
+              </a14:hiddenEffects>
+            </a:ext>
+          </a:extLst>
+        </p:spPr>
+      </p:pic>
+      <p:sp>
+        <p:nvSpPr>
+          <p:cNvPr id="3" name="Foliennummernplatzhalter 2"/>
           <p:cNvSpPr>
             <a:spLocks noGrp="1"/>
           </p:cNvSpPr>
@@ -14250,6 +14689,90 @@
               <a:rPr lang="de-DE" smtClean="0"/>
               <a:pPr/>
               <a:t>13</a:t>
+            </a:fld>
+            <a:endParaRPr lang="de-DE" dirty="0"/>
+          </a:p>
+        </p:txBody>
+      </p:sp>
+    </p:spTree>
+    <p:extLst>
+      <p:ext uri="{BB962C8B-B14F-4D97-AF65-F5344CB8AC3E}">
+        <p14:creationId xmlns:p14="http://schemas.microsoft.com/office/powerpoint/2010/main" xmlns="" val="795031017"/>
+      </p:ext>
+    </p:extLst>
+  </p:cSld>
+  <p:clrMapOvr>
+    <a:masterClrMapping/>
+  </p:clrMapOvr>
+  <p:timing>
+    <p:tnLst>
+      <p:par>
+        <p:cTn id="1" dur="indefinite" restart="never" nodeType="tmRoot"/>
+      </p:par>
+    </p:tnLst>
+  </p:timing>
+</p:sld>
+</file>
+
+<file path=ppt/slides/slide14.xml><?xml version="1.0" encoding="utf-8"?>
+<p:sld xmlns:a="http://schemas.openxmlformats.org/drawingml/2006/main" xmlns:r="http://schemas.openxmlformats.org/officeDocument/2006/relationships" xmlns:p="http://schemas.openxmlformats.org/presentationml/2006/main">
+  <p:cSld>
+    <p:spTree>
+      <p:nvGrpSpPr>
+        <p:cNvPr id="1" name=""/>
+        <p:cNvGrpSpPr/>
+        <p:nvPr/>
+      </p:nvGrpSpPr>
+      <p:grpSpPr>
+        <a:xfrm>
+          <a:off x="0" y="0"/>
+          <a:ext cx="0" cy="0"/>
+          <a:chOff x="0" y="0"/>
+          <a:chExt cx="0" cy="0"/>
+        </a:xfrm>
+      </p:grpSpPr>
+      <p:sp>
+        <p:nvSpPr>
+          <p:cNvPr id="2" name="Titel 1"/>
+          <p:cNvSpPr>
+            <a:spLocks noGrp="1"/>
+          </p:cNvSpPr>
+          <p:nvPr>
+            <p:ph type="title"/>
+          </p:nvPr>
+        </p:nvSpPr>
+        <p:spPr/>
+        <p:txBody>
+          <a:bodyPr/>
+          <a:lstStyle/>
+          <a:p>
+            <a:r>
+              <a:rPr lang="de-DE" dirty="0" smtClean="0"/>
+              <a:t>Testphase</a:t>
+            </a:r>
+            <a:endParaRPr lang="de-DE" dirty="0"/>
+          </a:p>
+        </p:txBody>
+      </p:sp>
+      <p:sp>
+        <p:nvSpPr>
+          <p:cNvPr id="4" name="Foliennummernplatzhalter 3"/>
+          <p:cNvSpPr>
+            <a:spLocks noGrp="1"/>
+          </p:cNvSpPr>
+          <p:nvPr>
+            <p:ph type="sldNum" sz="quarter" idx="12"/>
+          </p:nvPr>
+        </p:nvSpPr>
+        <p:spPr/>
+        <p:txBody>
+          <a:bodyPr/>
+          <a:lstStyle/>
+          <a:p>
+            <a:fld id="{5F4D6440-1F17-4389-BEAA-8CB6F5977206}" type="slidenum">
+              <a:rPr lang="de-DE" smtClean="0"/>
+              <a:pPr/>
+              <a:t>14</a:t>
             </a:fld>
             <a:endParaRPr lang="de-DE" dirty="0"/>
           </a:p>
@@ -14288,91 +14811,7 @@
     </p:spTree>
     <p:extLst>
       <p:ext uri="{BB962C8B-B14F-4D97-AF65-F5344CB8AC3E}">
-        <p14:creationId xmlns:p14="http://schemas.microsoft.com/office/powerpoint/2010/main" val="3420678931"/>
-      </p:ext>
-    </p:extLst>
-  </p:cSld>
-  <p:clrMapOvr>
-    <a:masterClrMapping/>
-  </p:clrMapOvr>
-  <p:timing>
-    <p:tnLst>
-      <p:par>
-        <p:cTn id="1" dur="indefinite" restart="never" nodeType="tmRoot"/>
-      </p:par>
-    </p:tnLst>
-  </p:timing>
-</p:sld>
-</file>
-
-<file path=ppt/slides/slide14.xml><?xml version="1.0" encoding="utf-8"?>
-<p:sld xmlns:a="http://schemas.openxmlformats.org/drawingml/2006/main" xmlns:r="http://schemas.openxmlformats.org/officeDocument/2006/relationships" xmlns:p="http://schemas.openxmlformats.org/presentationml/2006/main">
-  <p:cSld>
-    <p:spTree>
-      <p:nvGrpSpPr>
-        <p:cNvPr id="1" name=""/>
-        <p:cNvGrpSpPr/>
-        <p:nvPr/>
-      </p:nvGrpSpPr>
-      <p:grpSpPr>
-        <a:xfrm>
-          <a:off x="0" y="0"/>
-          <a:ext cx="0" cy="0"/>
-          <a:chOff x="0" y="0"/>
-          <a:chExt cx="0" cy="0"/>
-        </a:xfrm>
-      </p:grpSpPr>
-      <p:sp>
-        <p:nvSpPr>
-          <p:cNvPr id="2" name="Titel 1"/>
-          <p:cNvSpPr>
-            <a:spLocks noGrp="1"/>
-          </p:cNvSpPr>
-          <p:nvPr>
-            <p:ph type="title"/>
-          </p:nvPr>
-        </p:nvSpPr>
-        <p:spPr/>
-        <p:txBody>
-          <a:bodyPr/>
-          <a:lstStyle/>
-          <a:p>
-            <a:r>
-              <a:rPr lang="de-DE" dirty="0" smtClean="0"/>
-              <a:t>Live Demo</a:t>
-            </a:r>
-            <a:endParaRPr lang="de-DE" dirty="0"/>
-          </a:p>
-        </p:txBody>
-      </p:sp>
-      <p:sp>
-        <p:nvSpPr>
-          <p:cNvPr id="3" name="Foliennummernplatzhalter 2"/>
-          <p:cNvSpPr>
-            <a:spLocks noGrp="1"/>
-          </p:cNvSpPr>
-          <p:nvPr>
-            <p:ph type="sldNum" sz="quarter" idx="12"/>
-          </p:nvPr>
-        </p:nvSpPr>
-        <p:spPr/>
-        <p:txBody>
-          <a:bodyPr/>
-          <a:lstStyle/>
-          <a:p>
-            <a:fld id="{5F4D6440-1F17-4389-BEAA-8CB6F5977206}" type="slidenum">
-              <a:rPr lang="de-DE" smtClean="0"/>
-              <a:pPr/>
-              <a:t>14</a:t>
-            </a:fld>
-            <a:endParaRPr lang="de-DE" dirty="0"/>
-          </a:p>
-        </p:txBody>
-      </p:sp>
-    </p:spTree>
-    <p:extLst>
-      <p:ext uri="{BB962C8B-B14F-4D97-AF65-F5344CB8AC3E}">
-        <p14:creationId xmlns:p14="http://schemas.microsoft.com/office/powerpoint/2010/main" val="3414407465"/>
+        <p14:creationId xmlns:p14="http://schemas.microsoft.com/office/powerpoint/2010/main" xmlns="" val="3420678931"/>
       </p:ext>
     </p:extLst>
   </p:cSld>
@@ -14418,51 +14857,20 @@
         </p:nvSpPr>
         <p:spPr/>
         <p:txBody>
-          <a:bodyPr>
-            <a:normAutofit fontScale="90000"/>
-          </a:bodyPr>
+          <a:bodyPr/>
           <a:lstStyle/>
           <a:p>
             <a:r>
               <a:rPr lang="de-DE" dirty="0" smtClean="0"/>
-              <a:t>Fachbereichsorganisation </a:t>
-            </a:r>
-            <a:r>
-              <a:rPr lang="de-DE" dirty="0"/>
-              <a:t>legt Bereich, Arbeitsgruppe und Mitarbeiter an.</a:t>
-            </a:r>
-            <a:br>
-              <a:rPr lang="de-DE" dirty="0"/>
-            </a:br>
+              <a:t>Live Demo</a:t>
+            </a:r>
             <a:endParaRPr lang="de-DE" dirty="0"/>
           </a:p>
         </p:txBody>
       </p:sp>
-      <p:pic>
-        <p:nvPicPr>
-          <p:cNvPr id="3" name="Grafik 2"/>
-          <p:cNvPicPr/>
-          <p:nvPr/>
-        </p:nvPicPr>
-        <p:blipFill>
-          <a:blip r:embed="rId2" cstate="print"/>
-          <a:stretch>
-            <a:fillRect/>
-          </a:stretch>
-        </p:blipFill>
-        <p:spPr>
-          <a:xfrm>
-            <a:off x="503548" y="2420888"/>
-            <a:ext cx="8136904" cy="4105796"/>
-          </a:xfrm>
-          <a:prstGeom prst="rect">
-            <a:avLst/>
-          </a:prstGeom>
-        </p:spPr>
-      </p:pic>
-      <p:sp>
-        <p:nvSpPr>
-          <p:cNvPr id="4" name="Foliennummernplatzhalter 3"/>
+      <p:sp>
+        <p:nvSpPr>
+          <p:cNvPr id="3" name="Foliennummernplatzhalter 2"/>
           <p:cNvSpPr>
             <a:spLocks noGrp="1"/>
           </p:cNvSpPr>
@@ -14487,7 +14895,7 @@
     </p:spTree>
     <p:extLst>
       <p:ext uri="{BB962C8B-B14F-4D97-AF65-F5344CB8AC3E}">
-        <p14:creationId xmlns:p14="http://schemas.microsoft.com/office/powerpoint/2010/main" val="1709195912"/>
+        <p14:creationId xmlns:p14="http://schemas.microsoft.com/office/powerpoint/2010/main" xmlns="" val="3414407465"/>
       </p:ext>
     </p:extLst>
   </p:cSld>
@@ -14539,24 +14947,12 @@
           <a:lstStyle/>
           <a:p>
             <a:r>
+              <a:rPr lang="de-DE" dirty="0" smtClean="0"/>
+              <a:t>Fachbereichsorganisation </a:t>
+            </a:r>
+            <a:r>
               <a:rPr lang="de-DE" dirty="0"/>
-              <a:t>Unternehmensstruktur nach </a:t>
-            </a:r>
-            <a:r>
-              <a:rPr lang="de-DE" dirty="0" smtClean="0"/>
-              <a:t>Anlegen </a:t>
-            </a:r>
-            <a:r>
-              <a:rPr lang="de-DE" dirty="0"/>
-              <a:t>eines </a:t>
-            </a:r>
-            <a:r>
-              <a:rPr lang="de-DE" dirty="0" smtClean="0"/>
-              <a:t>Bereichs: Mitarbeiter </a:t>
-            </a:r>
-            <a:r>
-              <a:rPr lang="de-DE" dirty="0"/>
-              <a:t>in der Gruppe fehlen.</a:t>
+              <a:t>legt Bereich, Arbeitsgruppe und Mitarbeiter an.</a:t>
             </a:r>
             <a:br>
               <a:rPr lang="de-DE" dirty="0"/>
@@ -14579,8 +14975,8 @@
         </p:blipFill>
         <p:spPr>
           <a:xfrm>
-            <a:off x="215516" y="2348880"/>
-            <a:ext cx="8712968" cy="4509120"/>
+            <a:off x="503548" y="2420888"/>
+            <a:ext cx="8136904" cy="4105796"/>
           </a:xfrm>
           <a:prstGeom prst="rect">
             <a:avLst/>
@@ -14614,7 +15010,7 @@
     </p:spTree>
     <p:extLst>
       <p:ext uri="{BB962C8B-B14F-4D97-AF65-F5344CB8AC3E}">
-        <p14:creationId xmlns:p14="http://schemas.microsoft.com/office/powerpoint/2010/main" val="63509948"/>
+        <p14:creationId xmlns:p14="http://schemas.microsoft.com/office/powerpoint/2010/main" xmlns="" val="1709195912"/>
       </p:ext>
     </p:extLst>
   </p:cSld>
@@ -14667,7 +15063,23 @@
           <a:p>
             <a:r>
               <a:rPr lang="de-DE" dirty="0"/>
-              <a:t>Mitarbeiter wird als Sachbearbeiter angelegt. Nach Telefonat erfasst er seine Daten im Programm.</a:t>
+              <a:t>Unternehmensstruktur nach </a:t>
+            </a:r>
+            <a:r>
+              <a:rPr lang="de-DE" dirty="0" smtClean="0"/>
+              <a:t>Anlegen </a:t>
+            </a:r>
+            <a:r>
+              <a:rPr lang="de-DE" dirty="0"/>
+              <a:t>eines </a:t>
+            </a:r>
+            <a:r>
+              <a:rPr lang="de-DE" dirty="0" smtClean="0"/>
+              <a:t>Bereichs: Mitarbeiter </a:t>
+            </a:r>
+            <a:r>
+              <a:rPr lang="de-DE" dirty="0"/>
+              <a:t>in der Gruppe fehlen.</a:t>
             </a:r>
             <a:br>
               <a:rPr lang="de-DE" dirty="0"/>
@@ -14683,30 +15095,19 @@
           <p:nvPr/>
         </p:nvPicPr>
         <p:blipFill>
-          <a:blip r:embed="rId2" cstate="print">
-            <a:extLst>
-              <a:ext uri="{28A0092B-C50C-407E-A947-70E740481C1C}">
-                <a14:useLocalDpi xmlns:a14="http://schemas.microsoft.com/office/drawing/2010/main" val="0"/>
-              </a:ext>
-            </a:extLst>
-          </a:blip>
-          <a:srcRect/>
+          <a:blip r:embed="rId2" cstate="print"/>
           <a:stretch>
             <a:fillRect/>
           </a:stretch>
         </p:blipFill>
-        <p:spPr bwMode="auto">
+        <p:spPr>
           <a:xfrm>
-            <a:off x="457200" y="2311509"/>
-            <a:ext cx="8229600" cy="4546491"/>
+            <a:off x="215516" y="2348880"/>
+            <a:ext cx="8712968" cy="4509120"/>
           </a:xfrm>
           <a:prstGeom prst="rect">
             <a:avLst/>
           </a:prstGeom>
-          <a:noFill/>
-          <a:ln>
-            <a:noFill/>
-          </a:ln>
         </p:spPr>
       </p:pic>
       <p:sp>
@@ -14736,7 +15137,7 @@
     </p:spTree>
     <p:extLst>
       <p:ext uri="{BB962C8B-B14F-4D97-AF65-F5344CB8AC3E}">
-        <p14:creationId xmlns:p14="http://schemas.microsoft.com/office/powerpoint/2010/main" val="526157708"/>
+        <p14:creationId xmlns:p14="http://schemas.microsoft.com/office/powerpoint/2010/main" xmlns="" val="63509948"/>
       </p:ext>
     </p:extLst>
   </p:cSld>
@@ -14780,26 +15181,21 @@
             <p:ph type="title"/>
           </p:nvPr>
         </p:nvSpPr>
-        <p:spPr>
-          <a:xfrm>
-            <a:off x="395536" y="1072316"/>
-            <a:ext cx="8229600" cy="1069848"/>
-          </a:xfrm>
-        </p:spPr>
+        <p:spPr/>
         <p:txBody>
           <a:bodyPr>
-            <a:noAutofit/>
+            <a:normAutofit fontScale="90000"/>
           </a:bodyPr>
           <a:lstStyle/>
           <a:p>
             <a:r>
-              <a:rPr lang="de-DE" sz="2800" dirty="0"/>
-              <a:t>Sachbearbeiter wird zum Gruppenleiter ernannt. Hat jetzt eine Arbeitsgruppe unter sich. Darf weiterhin Daten erfassen. Hat durch Stippler eine Übersicht aller Daten seiner Arbeitsgruppe.</a:t>
+              <a:rPr lang="de-DE" dirty="0"/>
+              <a:t>Mitarbeiter wird als Sachbearbeiter angelegt. Nach Telefonat erfasst er seine Daten im Programm.</a:t>
             </a:r>
             <a:br>
-              <a:rPr lang="de-DE" sz="2800" dirty="0"/>
+              <a:rPr lang="de-DE" dirty="0"/>
             </a:br>
-            <a:endParaRPr lang="de-DE" sz="2800" dirty="0"/>
+            <a:endParaRPr lang="de-DE" dirty="0"/>
           </a:p>
         </p:txBody>
       </p:sp>
@@ -14809,19 +15205,31 @@
           <p:cNvPicPr/>
           <p:nvPr/>
         </p:nvPicPr>
-        <p:blipFill rotWithShape="1">
-          <a:blip r:embed="rId2" cstate="print"/>
-          <a:srcRect l="21287"/>
-          <a:stretch/>
+        <p:blipFill>
+          <a:blip r:embed="rId2" cstate="print">
+            <a:extLst>
+              <a:ext uri="{28A0092B-C50C-407E-A947-70E740481C1C}">
+                <a14:useLocalDpi xmlns:a14="http://schemas.microsoft.com/office/drawing/2010/main" xmlns="" val="0"/>
+              </a:ext>
+            </a:extLst>
+          </a:blip>
+          <a:srcRect/>
+          <a:stretch>
+            <a:fillRect/>
+          </a:stretch>
         </p:blipFill>
-        <p:spPr>
+        <p:spPr bwMode="auto">
           <a:xfrm>
-            <a:off x="492034" y="2348880"/>
-            <a:ext cx="8359234" cy="4509120"/>
+            <a:off x="457200" y="2311509"/>
+            <a:ext cx="8229600" cy="4546491"/>
           </a:xfrm>
           <a:prstGeom prst="rect">
             <a:avLst/>
           </a:prstGeom>
+          <a:noFill/>
+          <a:ln>
+            <a:noFill/>
+          </a:ln>
         </p:spPr>
       </p:pic>
       <p:sp>
@@ -14851,7 +15259,7 @@
     </p:spTree>
     <p:extLst>
       <p:ext uri="{BB962C8B-B14F-4D97-AF65-F5344CB8AC3E}">
-        <p14:creationId xmlns:p14="http://schemas.microsoft.com/office/powerpoint/2010/main" val="1260923131"/>
+        <p14:creationId xmlns:p14="http://schemas.microsoft.com/office/powerpoint/2010/main" xmlns="" val="526157708"/>
       </p:ext>
     </p:extLst>
   </p:cSld>
@@ -14897,7 +15305,7 @@
         </p:nvSpPr>
         <p:spPr>
           <a:xfrm>
-            <a:off x="457200" y="1412776"/>
+            <a:off x="395536" y="1072316"/>
             <a:ext cx="8229600" cy="1069848"/>
           </a:xfrm>
         </p:spPr>
@@ -14908,21 +15316,13 @@
           <a:lstStyle/>
           <a:p>
             <a:r>
-              <a:rPr lang="de-DE" sz="3200" dirty="0"/>
-              <a:t>Gruppenleiter wird zum Bereichsleiter ernannt. </a:t>
-            </a:r>
-            <a:r>
-              <a:rPr lang="de-DE" sz="3200" dirty="0" smtClean="0"/>
-              <a:t>Er Hat </a:t>
-            </a:r>
-            <a:r>
-              <a:rPr lang="de-DE" sz="3200" dirty="0"/>
-              <a:t>jetzt mehrere Arbeitsgruppen unter sich. Durch Stippler ist ein Export der Übersichten in ein PDF oder eine Excel-Tabelle möglich.</a:t>
+              <a:rPr lang="de-DE" sz="2800" dirty="0"/>
+              <a:t>Sachbearbeiter wird zum Gruppenleiter ernannt. Hat jetzt eine Arbeitsgruppe unter sich. Darf weiterhin Daten erfassen. Hat durch Stippler eine Übersicht aller Daten seiner Arbeitsgruppe.</a:t>
             </a:r>
             <a:br>
-              <a:rPr lang="de-DE" sz="3200" dirty="0"/>
+              <a:rPr lang="de-DE" sz="2800" dirty="0"/>
             </a:br>
-            <a:endParaRPr lang="de-DE" sz="3200" dirty="0"/>
+            <a:endParaRPr lang="de-DE" sz="2800" dirty="0"/>
           </a:p>
         </p:txBody>
       </p:sp>
@@ -14932,31 +15332,19 @@
           <p:cNvPicPr/>
           <p:nvPr/>
         </p:nvPicPr>
-        <p:blipFill>
-          <a:blip r:embed="rId2" cstate="print">
-            <a:extLst>
-              <a:ext uri="{28A0092B-C50C-407E-A947-70E740481C1C}">
-                <a14:useLocalDpi xmlns:a14="http://schemas.microsoft.com/office/drawing/2010/main" val="0"/>
-              </a:ext>
-            </a:extLst>
-          </a:blip>
-          <a:srcRect/>
-          <a:stretch>
-            <a:fillRect/>
-          </a:stretch>
+        <p:blipFill rotWithShape="1">
+          <a:blip r:embed="rId2" cstate="print"/>
+          <a:srcRect l="21287"/>
+          <a:stretch/>
         </p:blipFill>
-        <p:spPr bwMode="auto">
+        <p:spPr>
           <a:xfrm>
-            <a:off x="457200" y="2996952"/>
-            <a:ext cx="8363272" cy="3861048"/>
+            <a:off x="492034" y="2348880"/>
+            <a:ext cx="8359234" cy="4509120"/>
           </a:xfrm>
           <a:prstGeom prst="rect">
             <a:avLst/>
           </a:prstGeom>
-          <a:noFill/>
-          <a:ln>
-            <a:noFill/>
-          </a:ln>
         </p:spPr>
       </p:pic>
       <p:sp>
@@ -14986,7 +15374,7 @@
     </p:spTree>
     <p:extLst>
       <p:ext uri="{BB962C8B-B14F-4D97-AF65-F5344CB8AC3E}">
-        <p14:creationId xmlns:p14="http://schemas.microsoft.com/office/powerpoint/2010/main" val="2480907429"/>
+        <p14:creationId xmlns:p14="http://schemas.microsoft.com/office/powerpoint/2010/main" xmlns="" val="1260923131"/>
       </p:ext>
     </p:extLst>
   </p:cSld>
@@ -15327,7 +15715,7 @@
     </p:spTree>
     <p:extLst>
       <p:ext uri="{BB962C8B-B14F-4D97-AF65-F5344CB8AC3E}">
-        <p14:creationId xmlns:p14="http://schemas.microsoft.com/office/powerpoint/2010/main" val="2653359653"/>
+        <p14:creationId xmlns:p14="http://schemas.microsoft.com/office/powerpoint/2010/main" xmlns="" val="2653359653"/>
       </p:ext>
     </p:extLst>
   </p:cSld>
@@ -15371,7 +15759,12 @@
             <p:ph type="title"/>
           </p:nvPr>
         </p:nvSpPr>
-        <p:spPr/>
+        <p:spPr>
+          <a:xfrm>
+            <a:off x="457200" y="1412776"/>
+            <a:ext cx="8229600" cy="1069848"/>
+          </a:xfrm>
+        </p:spPr>
         <p:txBody>
           <a:bodyPr>
             <a:noAutofit/>
@@ -15379,21 +15772,21 @@
           <a:lstStyle/>
           <a:p>
             <a:r>
-              <a:rPr lang="de-DE" sz="2400" dirty="0"/>
-              <a:t>Bereichsleiter wird zum Zentralbereichsleiter. Dadurch erhält er </a:t>
-            </a:r>
-            <a:r>
-              <a:rPr lang="de-DE" sz="2400" dirty="0" smtClean="0"/>
-              <a:t>Einblick </a:t>
-            </a:r>
-            <a:r>
-              <a:rPr lang="de-DE" sz="2400" dirty="0"/>
-              <a:t>auf alle Bereiche. Das Runterbrechen der Übersicht auf die einzelnen Arbeitsgruppen ist durch Stippler möglich. Die Ausgabe als PDF und Excel-Tabelle ist weiterhin möglich.</a:t>
+              <a:rPr lang="de-DE" sz="3200" dirty="0"/>
+              <a:t>Gruppenleiter wird zum Bereichsleiter ernannt. </a:t>
+            </a:r>
+            <a:r>
+              <a:rPr lang="de-DE" sz="3200" dirty="0" smtClean="0"/>
+              <a:t>Er Hat </a:t>
+            </a:r>
+            <a:r>
+              <a:rPr lang="de-DE" sz="3200" dirty="0"/>
+              <a:t>jetzt mehrere Arbeitsgruppen unter sich. Durch Stippler ist ein Export der Übersichten in ein PDF oder eine Excel-Tabelle möglich.</a:t>
             </a:r>
             <a:br>
-              <a:rPr lang="de-DE" sz="2400" dirty="0"/>
+              <a:rPr lang="de-DE" sz="3200" dirty="0"/>
             </a:br>
-            <a:endParaRPr lang="de-DE" sz="2400" dirty="0"/>
+            <a:endParaRPr lang="de-DE" sz="3200" dirty="0"/>
           </a:p>
         </p:txBody>
       </p:sp>
@@ -15407,7 +15800,7 @@
           <a:blip r:embed="rId2" cstate="print">
             <a:extLst>
               <a:ext uri="{28A0092B-C50C-407E-A947-70E740481C1C}">
-                <a14:useLocalDpi xmlns:a14="http://schemas.microsoft.com/office/drawing/2010/main" val="0"/>
+                <a14:useLocalDpi xmlns:a14="http://schemas.microsoft.com/office/drawing/2010/main" xmlns="" val="0"/>
               </a:ext>
             </a:extLst>
           </a:blip>
@@ -15418,8 +15811,8 @@
         </p:blipFill>
         <p:spPr bwMode="auto">
           <a:xfrm>
-            <a:off x="457200" y="2492896"/>
-            <a:ext cx="8229600" cy="4365104"/>
+            <a:off x="457200" y="2996952"/>
+            <a:ext cx="8363272" cy="3861048"/>
           </a:xfrm>
           <a:prstGeom prst="rect">
             <a:avLst/>
@@ -15457,7 +15850,7 @@
     </p:spTree>
     <p:extLst>
       <p:ext uri="{BB962C8B-B14F-4D97-AF65-F5344CB8AC3E}">
-        <p14:creationId xmlns:p14="http://schemas.microsoft.com/office/powerpoint/2010/main" val="2659840383"/>
+        <p14:creationId xmlns:p14="http://schemas.microsoft.com/office/powerpoint/2010/main" xmlns="" val="2480907429"/>
       </p:ext>
     </p:extLst>
   </p:cSld>
@@ -15501,12 +15894,7 @@
             <p:ph type="title"/>
           </p:nvPr>
         </p:nvSpPr>
-        <p:spPr>
-          <a:xfrm>
-            <a:off x="469542" y="692696"/>
-            <a:ext cx="8229600" cy="1069848"/>
-          </a:xfrm>
-        </p:spPr>
+        <p:spPr/>
         <p:txBody>
           <a:bodyPr>
             <a:noAutofit/>
@@ -15514,14 +15902,21 @@
           <a:lstStyle/>
           <a:p>
             <a:r>
-              <a:rPr lang="de-DE" sz="3200" dirty="0"/>
-              <a:t>Hier endet die Karriere des angelegten Mitarbeiters. Es folgen weitere Aufgaben der Fachbereichsorganisation in Stippler</a:t>
-            </a:r>
-            <a:r>
-              <a:rPr lang="de-DE" sz="3200" dirty="0" smtClean="0"/>
-              <a:t>.</a:t>
-            </a:r>
-            <a:endParaRPr lang="de-DE" sz="3200" dirty="0"/>
+              <a:rPr lang="de-DE" sz="2400" dirty="0"/>
+              <a:t>Bereichsleiter wird zum Zentralbereichsleiter. Dadurch erhält er </a:t>
+            </a:r>
+            <a:r>
+              <a:rPr lang="de-DE" sz="2400" dirty="0" smtClean="0"/>
+              <a:t>Einblick </a:t>
+            </a:r>
+            <a:r>
+              <a:rPr lang="de-DE" sz="2400" dirty="0"/>
+              <a:t>auf alle Bereiche. Das Runterbrechen der Übersicht auf die einzelnen Arbeitsgruppen ist durch Stippler möglich. Die Ausgabe als PDF und Excel-Tabelle ist weiterhin möglich.</a:t>
+            </a:r>
+            <a:br>
+              <a:rPr lang="de-DE" sz="2400" dirty="0"/>
+            </a:br>
+            <a:endParaRPr lang="de-DE" sz="2400" dirty="0"/>
           </a:p>
         </p:txBody>
       </p:sp>
@@ -15532,19 +15927,30 @@
           <p:nvPr/>
         </p:nvPicPr>
         <p:blipFill>
-          <a:blip r:embed="rId2" cstate="print"/>
+          <a:blip r:embed="rId2" cstate="print">
+            <a:extLst>
+              <a:ext uri="{28A0092B-C50C-407E-A947-70E740481C1C}">
+                <a14:useLocalDpi xmlns:a14="http://schemas.microsoft.com/office/drawing/2010/main" xmlns="" val="0"/>
+              </a:ext>
+            </a:extLst>
+          </a:blip>
+          <a:srcRect/>
           <a:stretch>
             <a:fillRect/>
           </a:stretch>
         </p:blipFill>
-        <p:spPr>
+        <p:spPr bwMode="auto">
           <a:xfrm>
-            <a:off x="450054" y="1988840"/>
-            <a:ext cx="8236745" cy="4869160"/>
+            <a:off x="457200" y="2492896"/>
+            <a:ext cx="8229600" cy="4365104"/>
           </a:xfrm>
           <a:prstGeom prst="rect">
             <a:avLst/>
           </a:prstGeom>
+          <a:noFill/>
+          <a:ln>
+            <a:noFill/>
+          </a:ln>
         </p:spPr>
       </p:pic>
       <p:sp>
@@ -15574,7 +15980,7 @@
     </p:spTree>
     <p:extLst>
       <p:ext uri="{BB962C8B-B14F-4D97-AF65-F5344CB8AC3E}">
-        <p14:creationId xmlns:p14="http://schemas.microsoft.com/office/powerpoint/2010/main" val="2538859933"/>
+        <p14:creationId xmlns:p14="http://schemas.microsoft.com/office/powerpoint/2010/main" xmlns="" val="2659840383"/>
       </p:ext>
     </p:extLst>
   </p:cSld>
@@ -15620,7 +16026,7 @@
         </p:nvSpPr>
         <p:spPr>
           <a:xfrm>
-            <a:off x="457200" y="972190"/>
+            <a:off x="469542" y="692696"/>
             <a:ext cx="8229600" cy="1069848"/>
           </a:xfrm>
         </p:spPr>
@@ -15631,32 +16037,14 @@
           <a:lstStyle/>
           <a:p>
             <a:r>
-              <a:rPr lang="de-DE" sz="2800" u="sng" dirty="0"/>
-              <a:t>Szenario Mitarbeiter löschen:</a:t>
-            </a:r>
-            <a:r>
-              <a:rPr lang="de-DE" sz="2800" dirty="0"/>
-              <a:t/>
-            </a:r>
-            <a:br>
-              <a:rPr lang="de-DE" sz="2800" dirty="0"/>
-            </a:br>
-            <a:r>
-              <a:rPr lang="de-DE" sz="2800" dirty="0"/>
-              <a:t>Mitarbeiter wird entlassen und aus dem Stippler-System entfernt. Der Zugang </a:t>
-            </a:r>
-            <a:r>
-              <a:rPr lang="de-DE" sz="2800" dirty="0" smtClean="0"/>
-              <a:t>wird ihm in Stippler </a:t>
-            </a:r>
-            <a:r>
-              <a:rPr lang="de-DE" sz="2800" dirty="0"/>
-              <a:t>verweigert.</a:t>
-            </a:r>
-            <a:br>
-              <a:rPr lang="de-DE" sz="2800" dirty="0"/>
-            </a:br>
-            <a:endParaRPr lang="de-DE" sz="2800" dirty="0"/>
+              <a:rPr lang="de-DE" sz="3200" dirty="0"/>
+              <a:t>Hier endet die Karriere des angelegten Mitarbeiters. Es folgen weitere Aufgaben der Fachbereichsorganisation in Stippler</a:t>
+            </a:r>
+            <a:r>
+              <a:rPr lang="de-DE" sz="3200" dirty="0" smtClean="0"/>
+              <a:t>.</a:t>
+            </a:r>
+            <a:endParaRPr lang="de-DE" sz="3200" dirty="0"/>
           </a:p>
         </p:txBody>
       </p:sp>
@@ -15666,15 +16054,16 @@
           <p:cNvPicPr/>
           <p:nvPr/>
         </p:nvPicPr>
-        <p:blipFill rotWithShape="1">
+        <p:blipFill>
           <a:blip r:embed="rId2" cstate="print"/>
-          <a:srcRect t="3003"/>
-          <a:stretch/>
+          <a:stretch>
+            <a:fillRect/>
+          </a:stretch>
         </p:blipFill>
         <p:spPr>
           <a:xfrm>
-            <a:off x="457200" y="2204864"/>
-            <a:ext cx="8229600" cy="4653136"/>
+            <a:off x="450054" y="1988840"/>
+            <a:ext cx="8236745" cy="4869160"/>
           </a:xfrm>
           <a:prstGeom prst="rect">
             <a:avLst/>
@@ -15708,7 +16097,7 @@
     </p:spTree>
     <p:extLst>
       <p:ext uri="{BB962C8B-B14F-4D97-AF65-F5344CB8AC3E}">
-        <p14:creationId xmlns:p14="http://schemas.microsoft.com/office/powerpoint/2010/main" val="3956960791"/>
+        <p14:creationId xmlns:p14="http://schemas.microsoft.com/office/powerpoint/2010/main" xmlns="" val="2538859933"/>
       </p:ext>
     </p:extLst>
   </p:cSld>
@@ -15754,7 +16143,7 @@
         </p:nvSpPr>
         <p:spPr>
           <a:xfrm>
-            <a:off x="474099" y="764704"/>
+            <a:off x="457200" y="972190"/>
             <a:ext cx="8229600" cy="1069848"/>
           </a:xfrm>
         </p:spPr>
@@ -15765,32 +16154,32 @@
           <a:lstStyle/>
           <a:p>
             <a:r>
-              <a:rPr lang="de-DE" sz="1800" u="sng" dirty="0"/>
-              <a:t>Szenario Art anlegen:</a:t>
-            </a:r>
-            <a:r>
-              <a:rPr lang="de-DE" sz="1800" dirty="0"/>
+              <a:rPr lang="de-DE" sz="2800" u="sng" dirty="0"/>
+              <a:t>Szenario Mitarbeiter löschen:</a:t>
+            </a:r>
+            <a:r>
+              <a:rPr lang="de-DE" sz="2800" dirty="0"/>
               <a:t/>
             </a:r>
             <a:br>
-              <a:rPr lang="de-DE" sz="1800" dirty="0"/>
+              <a:rPr lang="de-DE" sz="2800" dirty="0"/>
             </a:br>
             <a:r>
-              <a:rPr lang="de-DE" sz="1800" dirty="0"/>
-              <a:t>Mitarbeiter telefoniert mit Kunden, welcher ein Problem mit seinem Computer besitzt. Da die Art „Computerprobleme“ nicht im System implementiert ist, legt die Fachbereichsorganisation eine neue Art an um die Zahl </a:t>
-            </a:r>
-            <a:r>
-              <a:rPr lang="de-DE" sz="1800" dirty="0" smtClean="0"/>
-              <a:t>der gelösten Computerprobleme elektronisch </a:t>
-            </a:r>
-            <a:r>
-              <a:rPr lang="de-DE" sz="1800" dirty="0"/>
-              <a:t>zu erfassen.</a:t>
+              <a:rPr lang="de-DE" sz="2800" dirty="0"/>
+              <a:t>Mitarbeiter wird entlassen und aus dem Stippler-System entfernt. Der Zugang </a:t>
+            </a:r>
+            <a:r>
+              <a:rPr lang="de-DE" sz="2800" dirty="0" smtClean="0"/>
+              <a:t>wird ihm in Stippler </a:t>
+            </a:r>
+            <a:r>
+              <a:rPr lang="de-DE" sz="2800" dirty="0"/>
+              <a:t>verweigert.</a:t>
             </a:r>
             <a:br>
-              <a:rPr lang="de-DE" sz="1800" dirty="0"/>
+              <a:rPr lang="de-DE" sz="2800" dirty="0"/>
             </a:br>
-            <a:endParaRPr lang="de-DE" sz="1800" dirty="0"/>
+            <a:endParaRPr lang="de-DE" sz="2800" dirty="0"/>
           </a:p>
         </p:txBody>
       </p:sp>
@@ -15800,16 +16189,15 @@
           <p:cNvPicPr/>
           <p:nvPr/>
         </p:nvPicPr>
-        <p:blipFill>
+        <p:blipFill rotWithShape="1">
           <a:blip r:embed="rId2" cstate="print"/>
-          <a:stretch>
-            <a:fillRect/>
-          </a:stretch>
+          <a:srcRect t="3003"/>
+          <a:stretch/>
         </p:blipFill>
         <p:spPr>
           <a:xfrm>
-            <a:off x="449662" y="1916832"/>
-            <a:ext cx="8237138" cy="4941167"/>
+            <a:off x="457200" y="2204864"/>
+            <a:ext cx="8229600" cy="4653136"/>
           </a:xfrm>
           <a:prstGeom prst="rect">
             <a:avLst/>
@@ -15843,7 +16231,7 @@
     </p:spTree>
     <p:extLst>
       <p:ext uri="{BB962C8B-B14F-4D97-AF65-F5344CB8AC3E}">
-        <p14:creationId xmlns:p14="http://schemas.microsoft.com/office/powerpoint/2010/main" val="2566061532"/>
+        <p14:creationId xmlns:p14="http://schemas.microsoft.com/office/powerpoint/2010/main" xmlns="" val="3956960791"/>
       </p:ext>
     </p:extLst>
   </p:cSld>
@@ -15889,7 +16277,7 @@
         </p:nvSpPr>
         <p:spPr>
           <a:xfrm>
-            <a:off x="457200" y="774976"/>
+            <a:off x="474099" y="764704"/>
             <a:ext cx="8229600" cy="1069848"/>
           </a:xfrm>
         </p:spPr>
@@ -15900,32 +16288,32 @@
           <a:lstStyle/>
           <a:p>
             <a:r>
-              <a:rPr lang="de-DE" sz="2400" u="heavy" dirty="0"/>
-              <a:t>Szenario Bereich bearbeiten:</a:t>
-            </a:r>
-            <a:r>
-              <a:rPr lang="de-DE" sz="2400" dirty="0"/>
+              <a:rPr lang="de-DE" sz="1800" u="sng" dirty="0"/>
+              <a:t>Szenario Art anlegen:</a:t>
+            </a:r>
+            <a:r>
+              <a:rPr lang="de-DE" sz="1800" dirty="0"/>
               <a:t/>
             </a:r>
             <a:br>
-              <a:rPr lang="de-DE" sz="2400" dirty="0"/>
+              <a:rPr lang="de-DE" sz="1800" dirty="0"/>
             </a:br>
             <a:r>
-              <a:rPr lang="de-DE" sz="2400" dirty="0"/>
-              <a:t>Da der Mitarbeiter aus dem System entfernt wurde, ist der Bereich ohne Leiter. Der Bereichsleiter wird durch die Fachbereichsorganisation </a:t>
-            </a:r>
-            <a:r>
-              <a:rPr lang="de-DE" sz="2400" dirty="0" smtClean="0"/>
-              <a:t>in Stippler gepflegt</a:t>
-            </a:r>
-            <a:r>
-              <a:rPr lang="de-DE" sz="2400" dirty="0"/>
-              <a:t>.</a:t>
+              <a:rPr lang="de-DE" sz="1800" dirty="0"/>
+              <a:t>Mitarbeiter telefoniert mit Kunden, welcher ein Problem mit seinem Computer besitzt. Da die Art „Computerprobleme“ nicht im System implementiert ist, legt die Fachbereichsorganisation eine neue Art an um die Zahl </a:t>
+            </a:r>
+            <a:r>
+              <a:rPr lang="de-DE" sz="1800" dirty="0" smtClean="0"/>
+              <a:t>der gelösten Computerprobleme elektronisch </a:t>
+            </a:r>
+            <a:r>
+              <a:rPr lang="de-DE" sz="1800" dirty="0"/>
+              <a:t>zu erfassen.</a:t>
             </a:r>
             <a:br>
-              <a:rPr lang="de-DE" sz="2400" dirty="0"/>
+              <a:rPr lang="de-DE" sz="1800" dirty="0"/>
             </a:br>
-            <a:endParaRPr lang="de-DE" sz="2400" dirty="0"/>
+            <a:endParaRPr lang="de-DE" sz="1800" dirty="0"/>
           </a:p>
         </p:txBody>
       </p:sp>
@@ -15943,8 +16331,8 @@
         </p:blipFill>
         <p:spPr>
           <a:xfrm>
-            <a:off x="457200" y="1844824"/>
-            <a:ext cx="8229600" cy="5013176"/>
+            <a:off x="449662" y="1916832"/>
+            <a:ext cx="8237138" cy="4941167"/>
           </a:xfrm>
           <a:prstGeom prst="rect">
             <a:avLst/>
@@ -15978,7 +16366,7 @@
     </p:spTree>
     <p:extLst>
       <p:ext uri="{BB962C8B-B14F-4D97-AF65-F5344CB8AC3E}">
-        <p14:creationId xmlns:p14="http://schemas.microsoft.com/office/powerpoint/2010/main" val="2657265906"/>
+        <p14:creationId xmlns:p14="http://schemas.microsoft.com/office/powerpoint/2010/main" xmlns="" val="2566061532"/>
       </p:ext>
     </p:extLst>
   </p:cSld>
@@ -16024,7 +16412,7 @@
         </p:nvSpPr>
         <p:spPr>
           <a:xfrm>
-            <a:off x="457200" y="1279032"/>
+            <a:off x="457200" y="774976"/>
             <a:ext cx="8229600" cy="1069848"/>
           </a:xfrm>
         </p:spPr>
@@ -16035,32 +16423,32 @@
           <a:lstStyle/>
           <a:p>
             <a:r>
-              <a:rPr lang="de-DE" sz="2800" u="heavy" dirty="0"/>
-              <a:t>Szenario Arbeitsgruppe bearbeiten:</a:t>
-            </a:r>
-            <a:r>
-              <a:rPr lang="de-DE" sz="2800" dirty="0"/>
+              <a:rPr lang="de-DE" sz="2400" u="heavy" dirty="0"/>
+              <a:t>Szenario Bereich bearbeiten:</a:t>
+            </a:r>
+            <a:r>
+              <a:rPr lang="de-DE" sz="2400" dirty="0"/>
               <a:t/>
             </a:r>
             <a:br>
-              <a:rPr lang="de-DE" sz="2800" dirty="0"/>
+              <a:rPr lang="de-DE" sz="2400" dirty="0"/>
             </a:br>
             <a:r>
-              <a:rPr lang="de-DE" sz="2800" dirty="0"/>
-              <a:t>Innerhalb einer Gruppe wird ein neuer Leiter gesetzt</a:t>
-            </a:r>
-            <a:r>
-              <a:rPr lang="de-DE" sz="2800" dirty="0" smtClean="0"/>
-              <a:t>. Die Pflege der Daten einer Arbeitsgruppe wird durch die Fachbereichsorganisation sichergestellt</a:t>
-            </a:r>
-            <a:r>
-              <a:rPr lang="de-DE" sz="2800" dirty="0"/>
-              <a:t/>
+              <a:rPr lang="de-DE" sz="2400" dirty="0"/>
+              <a:t>Da der Mitarbeiter aus dem System entfernt wurde, ist der Bereich ohne Leiter. Der Bereichsleiter wird durch die Fachbereichsorganisation </a:t>
+            </a:r>
+            <a:r>
+              <a:rPr lang="de-DE" sz="2400" dirty="0" smtClean="0"/>
+              <a:t>in Stippler gepflegt</a:t>
+            </a:r>
+            <a:r>
+              <a:rPr lang="de-DE" sz="2400" dirty="0"/>
+              <a:t>.</a:t>
             </a:r>
             <a:br>
-              <a:rPr lang="de-DE" sz="2800" dirty="0"/>
+              <a:rPr lang="de-DE" sz="2400" dirty="0"/>
             </a:br>
-            <a:endParaRPr lang="de-DE" sz="2800" dirty="0"/>
+            <a:endParaRPr lang="de-DE" sz="2400" dirty="0"/>
           </a:p>
         </p:txBody>
       </p:sp>
@@ -16078,8 +16466,8 @@
         </p:blipFill>
         <p:spPr>
           <a:xfrm>
-            <a:off x="457200" y="2780928"/>
-            <a:ext cx="8229600" cy="4077072"/>
+            <a:off x="457200" y="1844824"/>
+            <a:ext cx="8229600" cy="5013176"/>
           </a:xfrm>
           <a:prstGeom prst="rect">
             <a:avLst/>
@@ -16113,7 +16501,7 @@
     </p:spTree>
     <p:extLst>
       <p:ext uri="{BB962C8B-B14F-4D97-AF65-F5344CB8AC3E}">
-        <p14:creationId xmlns:p14="http://schemas.microsoft.com/office/powerpoint/2010/main" val="1762684078"/>
+        <p14:creationId xmlns:p14="http://schemas.microsoft.com/office/powerpoint/2010/main" xmlns="" val="2657265906"/>
       </p:ext>
     </p:extLst>
   </p:cSld>
@@ -16157,6 +16545,141 @@
             <p:ph type="title"/>
           </p:nvPr>
         </p:nvSpPr>
+        <p:spPr>
+          <a:xfrm>
+            <a:off x="457200" y="1279032"/>
+            <a:ext cx="8229600" cy="1069848"/>
+          </a:xfrm>
+        </p:spPr>
+        <p:txBody>
+          <a:bodyPr>
+            <a:noAutofit/>
+          </a:bodyPr>
+          <a:lstStyle/>
+          <a:p>
+            <a:r>
+              <a:rPr lang="de-DE" sz="2800" u="heavy" dirty="0"/>
+              <a:t>Szenario Arbeitsgruppe bearbeiten:</a:t>
+            </a:r>
+            <a:r>
+              <a:rPr lang="de-DE" sz="2800" dirty="0"/>
+              <a:t/>
+            </a:r>
+            <a:br>
+              <a:rPr lang="de-DE" sz="2800" dirty="0"/>
+            </a:br>
+            <a:r>
+              <a:rPr lang="de-DE" sz="2800" dirty="0"/>
+              <a:t>Innerhalb einer Gruppe wird ein neuer Leiter gesetzt</a:t>
+            </a:r>
+            <a:r>
+              <a:rPr lang="de-DE" sz="2800" dirty="0" smtClean="0"/>
+              <a:t>. Die Pflege der Daten einer Arbeitsgruppe wird durch die Fachbereichsorganisation sichergestellt</a:t>
+            </a:r>
+            <a:r>
+              <a:rPr lang="de-DE" sz="2800" dirty="0"/>
+              <a:t/>
+            </a:r>
+            <a:br>
+              <a:rPr lang="de-DE" sz="2800" dirty="0"/>
+            </a:br>
+            <a:endParaRPr lang="de-DE" sz="2800" dirty="0"/>
+          </a:p>
+        </p:txBody>
+      </p:sp>
+      <p:pic>
+        <p:nvPicPr>
+          <p:cNvPr id="3" name="Grafik 2"/>
+          <p:cNvPicPr/>
+          <p:nvPr/>
+        </p:nvPicPr>
+        <p:blipFill>
+          <a:blip r:embed="rId2" cstate="print"/>
+          <a:stretch>
+            <a:fillRect/>
+          </a:stretch>
+        </p:blipFill>
+        <p:spPr>
+          <a:xfrm>
+            <a:off x="457200" y="2780928"/>
+            <a:ext cx="8229600" cy="4077072"/>
+          </a:xfrm>
+          <a:prstGeom prst="rect">
+            <a:avLst/>
+          </a:prstGeom>
+        </p:spPr>
+      </p:pic>
+      <p:sp>
+        <p:nvSpPr>
+          <p:cNvPr id="4" name="Foliennummernplatzhalter 3"/>
+          <p:cNvSpPr>
+            <a:spLocks noGrp="1"/>
+          </p:cNvSpPr>
+          <p:nvPr>
+            <p:ph type="sldNum" sz="quarter" idx="12"/>
+          </p:nvPr>
+        </p:nvSpPr>
+        <p:spPr/>
+        <p:txBody>
+          <a:bodyPr/>
+          <a:lstStyle/>
+          <a:p>
+            <a:fld id="{5F4D6440-1F17-4389-BEAA-8CB6F5977206}" type="slidenum">
+              <a:rPr lang="de-DE" smtClean="0"/>
+              <a:pPr/>
+              <a:t>26</a:t>
+            </a:fld>
+            <a:endParaRPr lang="de-DE" dirty="0"/>
+          </a:p>
+        </p:txBody>
+      </p:sp>
+    </p:spTree>
+    <p:extLst>
+      <p:ext uri="{BB962C8B-B14F-4D97-AF65-F5344CB8AC3E}">
+        <p14:creationId xmlns:p14="http://schemas.microsoft.com/office/powerpoint/2010/main" xmlns="" val="1762684078"/>
+      </p:ext>
+    </p:extLst>
+  </p:cSld>
+  <p:clrMapOvr>
+    <a:masterClrMapping/>
+  </p:clrMapOvr>
+  <p:timing>
+    <p:tnLst>
+      <p:par>
+        <p:cTn id="1" dur="indefinite" restart="never" nodeType="tmRoot"/>
+      </p:par>
+    </p:tnLst>
+  </p:timing>
+</p:sld>
+</file>
+
+<file path=ppt/slides/slide27.xml><?xml version="1.0" encoding="utf-8"?>
+<p:sld xmlns:a="http://schemas.openxmlformats.org/drawingml/2006/main" xmlns:r="http://schemas.openxmlformats.org/officeDocument/2006/relationships" xmlns:p="http://schemas.openxmlformats.org/presentationml/2006/main">
+  <p:cSld>
+    <p:spTree>
+      <p:nvGrpSpPr>
+        <p:cNvPr id="1" name=""/>
+        <p:cNvGrpSpPr/>
+        <p:nvPr/>
+      </p:nvGrpSpPr>
+      <p:grpSpPr>
+        <a:xfrm>
+          <a:off x="0" y="0"/>
+          <a:ext cx="0" cy="0"/>
+          <a:chOff x="0" y="0"/>
+          <a:chExt cx="0" cy="0"/>
+        </a:xfrm>
+      </p:grpSpPr>
+      <p:sp>
+        <p:nvSpPr>
+          <p:cNvPr id="2" name="Titel 1"/>
+          <p:cNvSpPr>
+            <a:spLocks noGrp="1"/>
+          </p:cNvSpPr>
+          <p:nvPr>
+            <p:ph type="title"/>
+          </p:nvPr>
+        </p:nvSpPr>
         <p:spPr/>
         <p:txBody>
           <a:bodyPr>
@@ -16214,7 +16737,7 @@
             <a:fld id="{5F4D6440-1F17-4389-BEAA-8CB6F5977206}" type="slidenum">
               <a:rPr lang="de-DE" smtClean="0"/>
               <a:pPr/>
-              <a:t>26</a:t>
+              <a:t>27</a:t>
             </a:fld>
             <a:endParaRPr lang="de-DE" dirty="0"/>
           </a:p>
@@ -16223,7 +16746,7 @@
     </p:spTree>
     <p:extLst>
       <p:ext uri="{BB962C8B-B14F-4D97-AF65-F5344CB8AC3E}">
-        <p14:creationId xmlns:p14="http://schemas.microsoft.com/office/powerpoint/2010/main" val="3372370494"/>
+        <p14:creationId xmlns:p14="http://schemas.microsoft.com/office/powerpoint/2010/main" xmlns="" val="3372370494"/>
       </p:ext>
     </p:extLst>
   </p:cSld>
@@ -16240,7 +16763,7 @@
 </p:sld>
 </file>
 
-<file path=ppt/slides/slide27.xml><?xml version="1.0" encoding="utf-8"?>
+<file path=ppt/slides/slide28.xml><?xml version="1.0" encoding="utf-8"?>
 <p:sld xmlns:a="http://schemas.openxmlformats.org/drawingml/2006/main" xmlns:r="http://schemas.openxmlformats.org/officeDocument/2006/relationships" xmlns:p="http://schemas.openxmlformats.org/presentationml/2006/main">
   <p:cSld>
     <p:spTree>
@@ -16511,7 +17034,32 @@
           <a:p>
             <a:r>
               <a:rPr lang="de-DE" dirty="0" smtClean="0"/>
-              <a:t>Schnittstellen definieren (View – Controller – Model)</a:t>
+              <a:t>Schnittstellen definieren </a:t>
+            </a:r>
+            <a:r>
+              <a:rPr lang="de-DE" dirty="0" smtClean="0"/>
+              <a:t>ist wichtig </a:t>
+            </a:r>
+          </a:p>
+          <a:p>
+            <a:pPr>
+              <a:buNone/>
+            </a:pPr>
+            <a:r>
+              <a:rPr lang="de-DE" smtClean="0"/>
+              <a:t> </a:t>
+            </a:r>
+            <a:r>
+              <a:rPr lang="de-DE" smtClean="0"/>
+              <a:t>  </a:t>
+            </a:r>
+            <a:r>
+              <a:rPr lang="de-DE" smtClean="0"/>
+              <a:t>(View </a:t>
+            </a:r>
+            <a:r>
+              <a:rPr lang="de-DE" dirty="0" smtClean="0"/>
+              <a:t>– Controller – Model)</a:t>
             </a:r>
           </a:p>
         </p:txBody>
@@ -16534,7 +17082,7 @@
             <a:fld id="{5F4D6440-1F17-4389-BEAA-8CB6F5977206}" type="slidenum">
               <a:rPr lang="de-DE" smtClean="0"/>
               <a:pPr/>
-              <a:t>27</a:t>
+              <a:t>28</a:t>
             </a:fld>
             <a:endParaRPr lang="de-DE" dirty="0"/>
           </a:p>
@@ -16543,7 +17091,7 @@
     </p:spTree>
     <p:extLst>
       <p:ext uri="{BB962C8B-B14F-4D97-AF65-F5344CB8AC3E}">
-        <p14:creationId xmlns:p14="http://schemas.microsoft.com/office/powerpoint/2010/main" val="3771086656"/>
+        <p14:creationId xmlns:p14="http://schemas.microsoft.com/office/powerpoint/2010/main" xmlns="" val="3771086656"/>
       </p:ext>
     </p:extLst>
   </p:cSld>
@@ -16560,7 +17108,7 @@
 </p:sld>
 </file>
 
-<file path=ppt/slides/slide28.xml><?xml version="1.0" encoding="utf-8"?>
+<file path=ppt/slides/slide29.xml><?xml version="1.0" encoding="utf-8"?>
 <p:sld xmlns:a="http://schemas.openxmlformats.org/drawingml/2006/main" xmlns:r="http://schemas.openxmlformats.org/officeDocument/2006/relationships" xmlns:p="http://schemas.openxmlformats.org/presentationml/2006/main">
   <p:cSld>
     <p:spTree>
@@ -16880,7 +17428,7 @@
             <a:fld id="{5F4D6440-1F17-4389-BEAA-8CB6F5977206}" type="slidenum">
               <a:rPr lang="de-DE" smtClean="0"/>
               <a:pPr/>
-              <a:t>28</a:t>
+              <a:t>29</a:t>
             </a:fld>
             <a:endParaRPr lang="de-DE" dirty="0"/>
           </a:p>
@@ -16889,7 +17437,7 @@
     </p:spTree>
     <p:extLst>
       <p:ext uri="{BB962C8B-B14F-4D97-AF65-F5344CB8AC3E}">
-        <p14:creationId xmlns:p14="http://schemas.microsoft.com/office/powerpoint/2010/main" val="3709997242"/>
+        <p14:creationId xmlns:p14="http://schemas.microsoft.com/office/powerpoint/2010/main" xmlns="" val="3709997242"/>
       </p:ext>
     </p:extLst>
   </p:cSld>
@@ -16906,7 +17454,134 @@
 </p:sld>
 </file>
 
-<file path=ppt/slides/slide29.xml><?xml version="1.0" encoding="utf-8"?>
+<file path=ppt/slides/slide3.xml><?xml version="1.0" encoding="utf-8"?>
+<p:sld xmlns:a="http://schemas.openxmlformats.org/drawingml/2006/main" xmlns:r="http://schemas.openxmlformats.org/officeDocument/2006/relationships" xmlns:p="http://schemas.openxmlformats.org/presentationml/2006/main">
+  <p:cSld>
+    <p:spTree>
+      <p:nvGrpSpPr>
+        <p:cNvPr id="1" name=""/>
+        <p:cNvGrpSpPr/>
+        <p:nvPr/>
+      </p:nvGrpSpPr>
+      <p:grpSpPr>
+        <a:xfrm>
+          <a:off x="0" y="0"/>
+          <a:ext cx="0" cy="0"/>
+          <a:chOff x="0" y="0"/>
+          <a:chExt cx="0" cy="0"/>
+        </a:xfrm>
+      </p:grpSpPr>
+      <p:sp>
+        <p:nvSpPr>
+          <p:cNvPr id="2" name="Titel 1"/>
+          <p:cNvSpPr>
+            <a:spLocks noGrp="1"/>
+          </p:cNvSpPr>
+          <p:nvPr>
+            <p:ph type="title"/>
+          </p:nvPr>
+        </p:nvSpPr>
+        <p:spPr/>
+        <p:txBody>
+          <a:bodyPr/>
+          <a:lstStyle/>
+          <a:p>
+            <a:r>
+              <a:rPr lang="de-DE" dirty="0" smtClean="0"/>
+              <a:t>Aufgabenstellung</a:t>
+            </a:r>
+            <a:endParaRPr lang="de-DE" dirty="0"/>
+          </a:p>
+        </p:txBody>
+      </p:sp>
+      <p:sp>
+        <p:nvSpPr>
+          <p:cNvPr id="3" name="Inhaltsplatzhalter 2"/>
+          <p:cNvSpPr>
+            <a:spLocks noGrp="1"/>
+          </p:cNvSpPr>
+          <p:nvPr>
+            <p:ph idx="1"/>
+          </p:nvPr>
+        </p:nvSpPr>
+        <p:spPr/>
+        <p:txBody>
+          <a:bodyPr>
+            <a:normAutofit/>
+          </a:bodyPr>
+          <a:lstStyle/>
+          <a:p>
+            <a:r>
+              <a:rPr lang="de-DE" dirty="0" smtClean="0"/>
+              <a:t>Programm zur anonymisierten Datenerfassung</a:t>
+            </a:r>
+          </a:p>
+          <a:p>
+            <a:endParaRPr lang="de-DE" dirty="0" smtClean="0"/>
+          </a:p>
+          <a:p>
+            <a:r>
+              <a:rPr lang="de-DE" dirty="0" smtClean="0"/>
+              <a:t>Dokumentation der Anzahl der erledigten Arbeitsaufgaben je Kalenderwoche</a:t>
+            </a:r>
+          </a:p>
+          <a:p>
+            <a:endParaRPr lang="de-DE" dirty="0" smtClean="0"/>
+          </a:p>
+          <a:p>
+            <a:r>
+              <a:rPr lang="de-DE" dirty="0" smtClean="0"/>
+              <a:t>Statistiken je nach Bereich bzw. Arbeitsgruppe</a:t>
+            </a:r>
+            <a:endParaRPr lang="de-DE" dirty="0"/>
+          </a:p>
+        </p:txBody>
+      </p:sp>
+      <p:sp>
+        <p:nvSpPr>
+          <p:cNvPr id="4" name="Foliennummernplatzhalter 3"/>
+          <p:cNvSpPr>
+            <a:spLocks noGrp="1"/>
+          </p:cNvSpPr>
+          <p:nvPr>
+            <p:ph type="sldNum" sz="quarter" idx="12"/>
+          </p:nvPr>
+        </p:nvSpPr>
+        <p:spPr/>
+        <p:txBody>
+          <a:bodyPr/>
+          <a:lstStyle/>
+          <a:p>
+            <a:fld id="{5F4D6440-1F17-4389-BEAA-8CB6F5977206}" type="slidenum">
+              <a:rPr lang="de-DE" smtClean="0"/>
+              <a:pPr/>
+              <a:t>3</a:t>
+            </a:fld>
+            <a:endParaRPr lang="de-DE" dirty="0"/>
+          </a:p>
+        </p:txBody>
+      </p:sp>
+    </p:spTree>
+    <p:extLst>
+      <p:ext uri="{BB962C8B-B14F-4D97-AF65-F5344CB8AC3E}">
+        <p14:creationId xmlns:p14="http://schemas.microsoft.com/office/powerpoint/2010/main" xmlns="" val="2231903888"/>
+      </p:ext>
+    </p:extLst>
+  </p:cSld>
+  <p:clrMapOvr>
+    <a:masterClrMapping/>
+  </p:clrMapOvr>
+  <p:timing>
+    <p:tnLst>
+      <p:par>
+        <p:cTn id="1" dur="indefinite" restart="never" nodeType="tmRoot"/>
+      </p:par>
+    </p:tnLst>
+  </p:timing>
+</p:sld>
+</file>
+
+<file path=ppt/slides/slide30.xml><?xml version="1.0" encoding="utf-8"?>
 <p:sld xmlns:a="http://schemas.openxmlformats.org/drawingml/2006/main" xmlns:r="http://schemas.openxmlformats.org/officeDocument/2006/relationships" xmlns:p="http://schemas.openxmlformats.org/presentationml/2006/main">
   <p:cSld>
     <p:spTree>
@@ -17218,7 +17893,7 @@
             <a:fld id="{5F4D6440-1F17-4389-BEAA-8CB6F5977206}" type="slidenum">
               <a:rPr lang="de-DE" smtClean="0"/>
               <a:pPr/>
-              <a:t>29</a:t>
+              <a:t>30</a:t>
             </a:fld>
             <a:endParaRPr lang="de-DE" dirty="0"/>
           </a:p>
@@ -17227,7 +17902,7 @@
     </p:spTree>
     <p:extLst>
       <p:ext uri="{BB962C8B-B14F-4D97-AF65-F5344CB8AC3E}">
-        <p14:creationId xmlns:p14="http://schemas.microsoft.com/office/powerpoint/2010/main" val="813066869"/>
+        <p14:creationId xmlns:p14="http://schemas.microsoft.com/office/powerpoint/2010/main" xmlns="" val="813066869"/>
       </p:ext>
     </p:extLst>
   </p:cSld>
@@ -17244,134 +17919,7 @@
 </p:sld>
 </file>
 
-<file path=ppt/slides/slide3.xml><?xml version="1.0" encoding="utf-8"?>
-<p:sld xmlns:a="http://schemas.openxmlformats.org/drawingml/2006/main" xmlns:r="http://schemas.openxmlformats.org/officeDocument/2006/relationships" xmlns:p="http://schemas.openxmlformats.org/presentationml/2006/main">
-  <p:cSld>
-    <p:spTree>
-      <p:nvGrpSpPr>
-        <p:cNvPr id="1" name=""/>
-        <p:cNvGrpSpPr/>
-        <p:nvPr/>
-      </p:nvGrpSpPr>
-      <p:grpSpPr>
-        <a:xfrm>
-          <a:off x="0" y="0"/>
-          <a:ext cx="0" cy="0"/>
-          <a:chOff x="0" y="0"/>
-          <a:chExt cx="0" cy="0"/>
-        </a:xfrm>
-      </p:grpSpPr>
-      <p:sp>
-        <p:nvSpPr>
-          <p:cNvPr id="2" name="Titel 1"/>
-          <p:cNvSpPr>
-            <a:spLocks noGrp="1"/>
-          </p:cNvSpPr>
-          <p:nvPr>
-            <p:ph type="title"/>
-          </p:nvPr>
-        </p:nvSpPr>
-        <p:spPr/>
-        <p:txBody>
-          <a:bodyPr/>
-          <a:lstStyle/>
-          <a:p>
-            <a:r>
-              <a:rPr lang="de-DE" dirty="0" smtClean="0"/>
-              <a:t>Aufgabenstellung</a:t>
-            </a:r>
-            <a:endParaRPr lang="de-DE" dirty="0"/>
-          </a:p>
-        </p:txBody>
-      </p:sp>
-      <p:sp>
-        <p:nvSpPr>
-          <p:cNvPr id="3" name="Inhaltsplatzhalter 2"/>
-          <p:cNvSpPr>
-            <a:spLocks noGrp="1"/>
-          </p:cNvSpPr>
-          <p:nvPr>
-            <p:ph idx="1"/>
-          </p:nvPr>
-        </p:nvSpPr>
-        <p:spPr/>
-        <p:txBody>
-          <a:bodyPr>
-            <a:normAutofit/>
-          </a:bodyPr>
-          <a:lstStyle/>
-          <a:p>
-            <a:r>
-              <a:rPr lang="de-DE" dirty="0" smtClean="0"/>
-              <a:t>Programm zur anonymisierten Datenerfassung</a:t>
-            </a:r>
-          </a:p>
-          <a:p>
-            <a:endParaRPr lang="de-DE" dirty="0" smtClean="0"/>
-          </a:p>
-          <a:p>
-            <a:r>
-              <a:rPr lang="de-DE" dirty="0" smtClean="0"/>
-              <a:t>Dokumentation der Anzahl der erledigten Arbeitsaufgaben je Kalenderwoche</a:t>
-            </a:r>
-          </a:p>
-          <a:p>
-            <a:endParaRPr lang="de-DE" dirty="0" smtClean="0"/>
-          </a:p>
-          <a:p>
-            <a:r>
-              <a:rPr lang="de-DE" dirty="0" smtClean="0"/>
-              <a:t>Statistiken je nach Bereich bzw. Arbeitsgruppe</a:t>
-            </a:r>
-            <a:endParaRPr lang="de-DE" dirty="0"/>
-          </a:p>
-        </p:txBody>
-      </p:sp>
-      <p:sp>
-        <p:nvSpPr>
-          <p:cNvPr id="4" name="Foliennummernplatzhalter 3"/>
-          <p:cNvSpPr>
-            <a:spLocks noGrp="1"/>
-          </p:cNvSpPr>
-          <p:nvPr>
-            <p:ph type="sldNum" sz="quarter" idx="12"/>
-          </p:nvPr>
-        </p:nvSpPr>
-        <p:spPr/>
-        <p:txBody>
-          <a:bodyPr/>
-          <a:lstStyle/>
-          <a:p>
-            <a:fld id="{5F4D6440-1F17-4389-BEAA-8CB6F5977206}" type="slidenum">
-              <a:rPr lang="de-DE" smtClean="0"/>
-              <a:pPr/>
-              <a:t>3</a:t>
-            </a:fld>
-            <a:endParaRPr lang="de-DE" dirty="0"/>
-          </a:p>
-        </p:txBody>
-      </p:sp>
-    </p:spTree>
-    <p:extLst>
-      <p:ext uri="{BB962C8B-B14F-4D97-AF65-F5344CB8AC3E}">
-        <p14:creationId xmlns:p14="http://schemas.microsoft.com/office/powerpoint/2010/main" val="2231903888"/>
-      </p:ext>
-    </p:extLst>
-  </p:cSld>
-  <p:clrMapOvr>
-    <a:masterClrMapping/>
-  </p:clrMapOvr>
-  <p:timing>
-    <p:tnLst>
-      <p:par>
-        <p:cTn id="1" dur="indefinite" restart="never" nodeType="tmRoot"/>
-      </p:par>
-    </p:tnLst>
-  </p:timing>
-</p:sld>
-</file>
-
-<file path=ppt/slides/slide30.xml><?xml version="1.0" encoding="utf-8"?>
+<file path=ppt/slides/slide31.xml><?xml version="1.0" encoding="utf-8"?>
 <p:sld xmlns:a="http://schemas.openxmlformats.org/drawingml/2006/main" xmlns:r="http://schemas.openxmlformats.org/officeDocument/2006/relationships" xmlns:p="http://schemas.openxmlformats.org/presentationml/2006/main">
   <p:cSld>
     <p:spTree>
@@ -17682,7 +18230,7 @@
             <a:fld id="{5F4D6440-1F17-4389-BEAA-8CB6F5977206}" type="slidenum">
               <a:rPr lang="de-DE" smtClean="0"/>
               <a:pPr/>
-              <a:t>30</a:t>
+              <a:t>31</a:t>
             </a:fld>
             <a:endParaRPr lang="de-DE" dirty="0"/>
           </a:p>
@@ -17691,99 +18239,7 @@
     </p:spTree>
     <p:extLst>
       <p:ext uri="{BB962C8B-B14F-4D97-AF65-F5344CB8AC3E}">
-        <p14:creationId xmlns:p14="http://schemas.microsoft.com/office/powerpoint/2010/main" val="215732145"/>
-      </p:ext>
-    </p:extLst>
-  </p:cSld>
-  <p:clrMapOvr>
-    <a:masterClrMapping/>
-  </p:clrMapOvr>
-  <p:timing>
-    <p:tnLst>
-      <p:par>
-        <p:cTn id="1" dur="indefinite" restart="never" nodeType="tmRoot"/>
-      </p:par>
-    </p:tnLst>
-  </p:timing>
-</p:sld>
-</file>
-
-<file path=ppt/slides/slide31.xml><?xml version="1.0" encoding="utf-8"?>
-<p:sld xmlns:a="http://schemas.openxmlformats.org/drawingml/2006/main" xmlns:r="http://schemas.openxmlformats.org/officeDocument/2006/relationships" xmlns:p="http://schemas.openxmlformats.org/presentationml/2006/main">
-  <p:cSld>
-    <p:spTree>
-      <p:nvGrpSpPr>
-        <p:cNvPr id="1" name=""/>
-        <p:cNvGrpSpPr/>
-        <p:nvPr/>
-      </p:nvGrpSpPr>
-      <p:grpSpPr>
-        <a:xfrm>
-          <a:off x="0" y="0"/>
-          <a:ext cx="0" cy="0"/>
-          <a:chOff x="0" y="0"/>
-          <a:chExt cx="0" cy="0"/>
-        </a:xfrm>
-      </p:grpSpPr>
-      <p:sp>
-        <p:nvSpPr>
-          <p:cNvPr id="2" name="Titel 1"/>
-          <p:cNvSpPr>
-            <a:spLocks noGrp="1"/>
-          </p:cNvSpPr>
-          <p:nvPr>
-            <p:ph type="title"/>
-          </p:nvPr>
-        </p:nvSpPr>
-        <p:spPr>
-          <a:xfrm>
-            <a:off x="457200" y="1143000"/>
-            <a:ext cx="8229600" cy="3510136"/>
-          </a:xfrm>
-        </p:spPr>
-        <p:txBody>
-          <a:bodyPr>
-            <a:normAutofit/>
-          </a:bodyPr>
-          <a:lstStyle/>
-          <a:p>
-            <a:pPr algn="ctr"/>
-            <a:r>
-              <a:rPr lang="de-DE" dirty="0" smtClean="0"/>
-              <a:t>Vielen Dank für Ihre Aufmerksamkeit.</a:t>
-            </a:r>
-            <a:endParaRPr lang="de-DE" dirty="0"/>
-          </a:p>
-        </p:txBody>
-      </p:sp>
-      <p:sp>
-        <p:nvSpPr>
-          <p:cNvPr id="3" name="Foliennummernplatzhalter 2"/>
-          <p:cNvSpPr>
-            <a:spLocks noGrp="1"/>
-          </p:cNvSpPr>
-          <p:nvPr>
-            <p:ph type="sldNum" sz="quarter" idx="12"/>
-          </p:nvPr>
-        </p:nvSpPr>
-        <p:spPr/>
-        <p:txBody>
-          <a:bodyPr/>
-          <a:lstStyle/>
-          <a:p>
-            <a:fld id="{5F4D6440-1F17-4389-BEAA-8CB6F5977206}" type="slidenum">
-              <a:rPr lang="de-DE" smtClean="0"/>
-              <a:pPr/>
-              <a:t>31</a:t>
-            </a:fld>
-            <a:endParaRPr lang="de-DE" dirty="0"/>
-          </a:p>
-        </p:txBody>
-      </p:sp>
-    </p:spTree>
-    <p:extLst>
-      <p:ext uri="{BB962C8B-B14F-4D97-AF65-F5344CB8AC3E}">
-        <p14:creationId xmlns:p14="http://schemas.microsoft.com/office/powerpoint/2010/main" val="3080953501"/>
+        <p14:creationId xmlns:p14="http://schemas.microsoft.com/office/powerpoint/2010/main" xmlns="" val="215732145"/>
       </p:ext>
     </p:extLst>
   </p:cSld>
@@ -17827,18 +18283,22 @@
             <p:ph type="title"/>
           </p:nvPr>
         </p:nvSpPr>
-        <p:spPr/>
-        <p:txBody>
-          <a:bodyPr/>
-          <a:lstStyle/>
-          <a:p>
-            <a:r>
-              <a:rPr lang="de-DE" dirty="0" err="1" smtClean="0"/>
-              <a:t>Use</a:t>
-            </a:r>
+        <p:spPr>
+          <a:xfrm>
+            <a:off x="457200" y="1143000"/>
+            <a:ext cx="8229600" cy="3510136"/>
+          </a:xfrm>
+        </p:spPr>
+        <p:txBody>
+          <a:bodyPr>
+            <a:normAutofit/>
+          </a:bodyPr>
+          <a:lstStyle/>
+          <a:p>
+            <a:pPr algn="ctr"/>
             <a:r>
               <a:rPr lang="de-DE" dirty="0" smtClean="0"/>
-              <a:t> Case Beschreibungen</a:t>
+              <a:t>Vielen Dank für Ihre Aufmerksamkeit.</a:t>
             </a:r>
             <a:endParaRPr lang="de-DE" dirty="0"/>
           </a:p>
@@ -17871,7 +18331,7 @@
     </p:spTree>
     <p:extLst>
       <p:ext uri="{BB962C8B-B14F-4D97-AF65-F5344CB8AC3E}">
-        <p14:creationId xmlns:p14="http://schemas.microsoft.com/office/powerpoint/2010/main" val="1555926251"/>
+        <p14:creationId xmlns:p14="http://schemas.microsoft.com/office/powerpoint/2010/main" xmlns="" val="3080953501"/>
       </p:ext>
     </p:extLst>
   </p:cSld>
@@ -17921,8 +18381,12 @@
           <a:lstStyle/>
           <a:p>
             <a:r>
+              <a:rPr lang="de-DE" dirty="0" err="1" smtClean="0"/>
+              <a:t>Use</a:t>
+            </a:r>
+            <a:r>
               <a:rPr lang="de-DE" dirty="0" smtClean="0"/>
-              <a:t>Use Case „Login“</a:t>
+              <a:t> Case Beschreibungen</a:t>
             </a:r>
             <a:endParaRPr lang="de-DE" dirty="0"/>
           </a:p>
@@ -17930,36 +18394,7 @@
       </p:sp>
       <p:sp>
         <p:nvSpPr>
-          <p:cNvPr id="3" name="Inhaltsplatzhalter 2"/>
-          <p:cNvSpPr>
-            <a:spLocks noGrp="1"/>
-          </p:cNvSpPr>
-          <p:nvPr>
-            <p:ph idx="1"/>
-          </p:nvPr>
-        </p:nvSpPr>
-        <p:spPr/>
-        <p:txBody>
-          <a:bodyPr/>
-          <a:lstStyle/>
-          <a:p>
-            <a:r>
-              <a:rPr lang="de-DE" dirty="0" smtClean="0"/>
-              <a:t>Benutzername und Passwort müssen zur Authentifizierung eingegeben werden</a:t>
-            </a:r>
-          </a:p>
-          <a:p>
-            <a:r>
-              <a:rPr lang="de-DE" dirty="0" smtClean="0"/>
-              <a:t>Passwort muss in der Datenbank verschlüsselt abgelegt werden</a:t>
-            </a:r>
-            <a:endParaRPr lang="de-DE" dirty="0"/>
-          </a:p>
-        </p:txBody>
-      </p:sp>
-      <p:sp>
-        <p:nvSpPr>
-          <p:cNvPr id="4" name="Foliennummernplatzhalter 3"/>
+          <p:cNvPr id="3" name="Foliennummernplatzhalter 2"/>
           <p:cNvSpPr>
             <a:spLocks noGrp="1"/>
           </p:cNvSpPr>
@@ -17984,7 +18419,7 @@
     </p:spTree>
     <p:extLst>
       <p:ext uri="{BB962C8B-B14F-4D97-AF65-F5344CB8AC3E}">
-        <p14:creationId xmlns:p14="http://schemas.microsoft.com/office/powerpoint/2010/main" val="511365991"/>
+        <p14:creationId xmlns:p14="http://schemas.microsoft.com/office/powerpoint/2010/main" xmlns="" val="1555926251"/>
       </p:ext>
     </p:extLst>
   </p:cSld>
@@ -18035,7 +18470,7 @@
           <a:p>
             <a:r>
               <a:rPr lang="de-DE" dirty="0" smtClean="0"/>
-              <a:t>Use Case „Passwort“</a:t>
+              <a:t>Use Case „Login“</a:t>
             </a:r>
             <a:endParaRPr lang="de-DE" dirty="0"/>
           </a:p>
@@ -18058,20 +18493,13 @@
           <a:p>
             <a:r>
               <a:rPr lang="de-DE" dirty="0" smtClean="0"/>
-              <a:t>Vergessen: bei vergessenem Passwort muss sich der User beim UHD melden (die Telefonnummer wird im Hilfe-Fenster der Login-Oberfläche angezeigt)</a:t>
+              <a:t>Benutzername und Passwort müssen zur Authentifizierung eingegeben werden</a:t>
             </a:r>
           </a:p>
           <a:p>
             <a:r>
               <a:rPr lang="de-DE" dirty="0" smtClean="0"/>
-              <a:t>Ändern: beim ersten Login muss das Passwort vom User geändert werden</a:t>
-            </a:r>
-          </a:p>
-          <a:p>
-            <a:pPr lvl="1"/>
-            <a:r>
-              <a:rPr lang="de-DE" dirty="0" smtClean="0"/>
-              <a:t>Danach kann es jederzeit wieder geändert werden</a:t>
+              <a:t>Passwort muss in der Datenbank verschlüsselt abgelegt werden</a:t>
             </a:r>
             <a:endParaRPr lang="de-DE" dirty="0"/>
           </a:p>
@@ -18104,7 +18532,7 @@
     </p:spTree>
     <p:extLst>
       <p:ext uri="{BB962C8B-B14F-4D97-AF65-F5344CB8AC3E}">
-        <p14:creationId xmlns:p14="http://schemas.microsoft.com/office/powerpoint/2010/main" val="2367586276"/>
+        <p14:creationId xmlns:p14="http://schemas.microsoft.com/office/powerpoint/2010/main" xmlns="" val="511365991"/>
       </p:ext>
     </p:extLst>
   </p:cSld>
@@ -18161,33 +18589,45 @@
           </a:p>
         </p:txBody>
       </p:sp>
-      <p:pic>
-        <p:nvPicPr>
-          <p:cNvPr id="5" name="Grafik 4"/>
-          <p:cNvPicPr>
-            <a:picLocks noChangeAspect="1"/>
-          </p:cNvPicPr>
-          <p:nvPr/>
-        </p:nvPicPr>
-        <p:blipFill>
-          <a:blip r:embed="rId2" cstate="print"/>
-          <a:stretch>
-            <a:fillRect/>
-          </a:stretch>
-        </p:blipFill>
-        <p:spPr>
-          <a:xfrm>
-            <a:off x="261937" y="2564904"/>
-            <a:ext cx="8620125" cy="2590800"/>
-          </a:xfrm>
-          <a:prstGeom prst="rect">
-            <a:avLst/>
-          </a:prstGeom>
-        </p:spPr>
-      </p:pic>
-      <p:sp>
-        <p:nvSpPr>
-          <p:cNvPr id="3" name="Foliennummernplatzhalter 2"/>
+      <p:sp>
+        <p:nvSpPr>
+          <p:cNvPr id="3" name="Inhaltsplatzhalter 2"/>
+          <p:cNvSpPr>
+            <a:spLocks noGrp="1"/>
+          </p:cNvSpPr>
+          <p:nvPr>
+            <p:ph idx="1"/>
+          </p:nvPr>
+        </p:nvSpPr>
+        <p:spPr/>
+        <p:txBody>
+          <a:bodyPr/>
+          <a:lstStyle/>
+          <a:p>
+            <a:r>
+              <a:rPr lang="de-DE" dirty="0" smtClean="0"/>
+              <a:t>Vergessen: bei vergessenem Passwort muss sich der User beim UHD melden (die Telefonnummer wird im Hilfe-Fenster der Login-Oberfläche angezeigt)</a:t>
+            </a:r>
+          </a:p>
+          <a:p>
+            <a:r>
+              <a:rPr lang="de-DE" dirty="0" smtClean="0"/>
+              <a:t>Ändern: beim ersten Login muss das Passwort vom User geändert werden</a:t>
+            </a:r>
+          </a:p>
+          <a:p>
+            <a:pPr lvl="1"/>
+            <a:r>
+              <a:rPr lang="de-DE" dirty="0" smtClean="0"/>
+              <a:t>Danach kann es jederzeit wieder geändert werden</a:t>
+            </a:r>
+            <a:endParaRPr lang="de-DE" dirty="0"/>
+          </a:p>
+        </p:txBody>
+      </p:sp>
+      <p:sp>
+        <p:nvSpPr>
+          <p:cNvPr id="4" name="Foliennummernplatzhalter 3"/>
           <p:cNvSpPr>
             <a:spLocks noGrp="1"/>
           </p:cNvSpPr>
@@ -18212,7 +18652,7 @@
     </p:spTree>
     <p:extLst>
       <p:ext uri="{BB962C8B-B14F-4D97-AF65-F5344CB8AC3E}">
-        <p14:creationId xmlns:p14="http://schemas.microsoft.com/office/powerpoint/2010/main" val="167482871"/>
+        <p14:creationId xmlns:p14="http://schemas.microsoft.com/office/powerpoint/2010/main" xmlns="" val="2367586276"/>
       </p:ext>
     </p:extLst>
   </p:cSld>
@@ -18248,7 +18688,7 @@
       </p:grpSpPr>
       <p:sp>
         <p:nvSpPr>
-          <p:cNvPr id="3" name="Titel 2"/>
+          <p:cNvPr id="2" name="Titel 1"/>
           <p:cNvSpPr>
             <a:spLocks noGrp="1"/>
           </p:cNvSpPr>
@@ -18263,44 +18703,39 @@
           <a:p>
             <a:r>
               <a:rPr lang="de-DE" dirty="0" smtClean="0"/>
-              <a:t>Use Case „Erfassen“</a:t>
+              <a:t>Use Case „Passwort“</a:t>
             </a:r>
             <a:endParaRPr lang="de-DE" dirty="0"/>
           </a:p>
         </p:txBody>
       </p:sp>
-      <p:sp>
-        <p:nvSpPr>
-          <p:cNvPr id="4" name="Inhaltsplatzhalter 3"/>
-          <p:cNvSpPr>
-            <a:spLocks noGrp="1"/>
-          </p:cNvSpPr>
-          <p:nvPr>
-            <p:ph idx="1"/>
-          </p:nvPr>
-        </p:nvSpPr>
-        <p:spPr/>
-        <p:txBody>
-          <a:bodyPr/>
-          <a:lstStyle/>
-          <a:p>
-            <a:r>
-              <a:rPr lang="de-DE" dirty="0" smtClean="0"/>
-              <a:t>Mitarbeiter soll mehrmals täglich einen Eintrag erfassen können</a:t>
-            </a:r>
-          </a:p>
-          <a:p>
-            <a:r>
-              <a:rPr lang="de-DE" dirty="0" smtClean="0"/>
-              <a:t>Ein Eintrag darf nur für die aktuelle und die vorherige Kalenderwoche (aktuelles Jahr) erfasst werden</a:t>
-            </a:r>
-            <a:endParaRPr lang="de-DE" dirty="0"/>
-          </a:p>
-        </p:txBody>
-      </p:sp>
-      <p:sp>
-        <p:nvSpPr>
-          <p:cNvPr id="2" name="Foliennummernplatzhalter 1"/>
+      <p:pic>
+        <p:nvPicPr>
+          <p:cNvPr id="5" name="Grafik 4"/>
+          <p:cNvPicPr>
+            <a:picLocks noChangeAspect="1"/>
+          </p:cNvPicPr>
+          <p:nvPr/>
+        </p:nvPicPr>
+        <p:blipFill>
+          <a:blip r:embed="rId2" cstate="print"/>
+          <a:stretch>
+            <a:fillRect/>
+          </a:stretch>
+        </p:blipFill>
+        <p:spPr>
+          <a:xfrm>
+            <a:off x="261937" y="2564904"/>
+            <a:ext cx="8620125" cy="2590800"/>
+          </a:xfrm>
+          <a:prstGeom prst="rect">
+            <a:avLst/>
+          </a:prstGeom>
+        </p:spPr>
+      </p:pic>
+      <p:sp>
+        <p:nvSpPr>
+          <p:cNvPr id="3" name="Foliennummernplatzhalter 2"/>
           <p:cNvSpPr>
             <a:spLocks noGrp="1"/>
           </p:cNvSpPr>
@@ -18325,7 +18760,7 @@
     </p:spTree>
     <p:extLst>
       <p:ext uri="{BB962C8B-B14F-4D97-AF65-F5344CB8AC3E}">
-        <p14:creationId xmlns:p14="http://schemas.microsoft.com/office/powerpoint/2010/main" val="432645280"/>
+        <p14:creationId xmlns:p14="http://schemas.microsoft.com/office/powerpoint/2010/main" xmlns="" val="167482871"/>
       </p:ext>
     </p:extLst>
   </p:cSld>
@@ -18361,7 +18796,7 @@
       </p:grpSpPr>
       <p:sp>
         <p:nvSpPr>
-          <p:cNvPr id="2" name="Titel 1"/>
+          <p:cNvPr id="3" name="Titel 2"/>
           <p:cNvSpPr>
             <a:spLocks noGrp="1"/>
           </p:cNvSpPr>
@@ -18371,14 +18806,12 @@
         </p:nvSpPr>
         <p:spPr/>
         <p:txBody>
-          <a:bodyPr>
-            <a:normAutofit fontScale="90000"/>
-          </a:bodyPr>
+          <a:bodyPr/>
           <a:lstStyle/>
           <a:p>
             <a:r>
               <a:rPr lang="de-DE" dirty="0" smtClean="0"/>
-              <a:t>Use Case „Arbeitsgruppe einsehen“ - 		 Gruppenleiter</a:t>
+              <a:t>Use Case „Erfassen“</a:t>
             </a:r>
             <a:endParaRPr lang="de-DE" dirty="0"/>
           </a:p>
@@ -18386,7 +18819,7 @@
       </p:sp>
       <p:sp>
         <p:nvSpPr>
-          <p:cNvPr id="3" name="Inhaltsplatzhalter 2"/>
+          <p:cNvPr id="4" name="Inhaltsplatzhalter 3"/>
           <p:cNvSpPr>
             <a:spLocks noGrp="1"/>
           </p:cNvSpPr>
@@ -18394,32 +18827,28 @@
             <p:ph idx="1"/>
           </p:nvPr>
         </p:nvSpPr>
-        <p:spPr>
-          <a:xfrm>
-            <a:off x="457200" y="2416256"/>
-            <a:ext cx="8229600" cy="4325112"/>
-          </a:xfrm>
-        </p:spPr>
+        <p:spPr/>
         <p:txBody>
           <a:bodyPr/>
           <a:lstStyle/>
           <a:p>
             <a:r>
               <a:rPr lang="de-DE" dirty="0" smtClean="0"/>
-              <a:t>Gruppenleiter: darf die Ergebnisse seiner eigenen Arbeitsgruppe einsehen</a:t>
+              <a:t>Mitarbeiter soll mehrmals täglich einen Eintrag erfassen können</a:t>
             </a:r>
           </a:p>
           <a:p>
             <a:r>
               <a:rPr lang="de-DE" dirty="0" smtClean="0"/>
-              <a:t>„Drucken“ gibt die aktuelle Tabelle als PDF-Datei aus</a:t>
-            </a:r>
-          </a:p>
-        </p:txBody>
-      </p:sp>
-      <p:sp>
-        <p:nvSpPr>
-          <p:cNvPr id="4" name="Foliennummernplatzhalter 3"/>
+              <a:t>Ein Eintrag darf nur für die aktuelle und die vorherige Kalenderwoche (aktuelles Jahr) erfasst werden</a:t>
+            </a:r>
+            <a:endParaRPr lang="de-DE" dirty="0"/>
+          </a:p>
+        </p:txBody>
+      </p:sp>
+      <p:sp>
+        <p:nvSpPr>
+          <p:cNvPr id="2" name="Foliennummernplatzhalter 1"/>
           <p:cNvSpPr>
             <a:spLocks noGrp="1"/>
           </p:cNvSpPr>
@@ -18444,7 +18873,7 @@
     </p:spTree>
     <p:extLst>
       <p:ext uri="{BB962C8B-B14F-4D97-AF65-F5344CB8AC3E}">
-        <p14:creationId xmlns:p14="http://schemas.microsoft.com/office/powerpoint/2010/main" val="2011369229"/>
+        <p14:creationId xmlns:p14="http://schemas.microsoft.com/office/powerpoint/2010/main" xmlns="" val="432645280"/>
       </p:ext>
     </p:extLst>
   </p:cSld>
@@ -18497,7 +18926,7 @@
           <a:p>
             <a:r>
               <a:rPr lang="de-DE" dirty="0" smtClean="0"/>
-              <a:t>Use Case „Arbeitsgruppen einsehen“ - 		 Bereichsleiter</a:t>
+              <a:t>Use Case „Arbeitsgruppe einsehen“ - 		 Gruppenleiter</a:t>
             </a:r>
             <a:endParaRPr lang="de-DE" dirty="0"/>
           </a:p>
@@ -18520,36 +18949,19 @@
           </a:xfrm>
         </p:spPr>
         <p:txBody>
-          <a:bodyPr>
-            <a:normAutofit/>
-          </a:bodyPr>
+          <a:bodyPr/>
           <a:lstStyle/>
           <a:p>
             <a:r>
               <a:rPr lang="de-DE" dirty="0" smtClean="0"/>
-              <a:t>Bereichsleiter: darf alle Arbeitsgruppen seines Bereichs einsehen</a:t>
+              <a:t>Gruppenleiter: darf die Ergebnisse seiner eigenen Arbeitsgruppe einsehen</a:t>
             </a:r>
           </a:p>
           <a:p>
             <a:r>
               <a:rPr lang="de-DE" dirty="0" smtClean="0"/>
-              <a:t>Einträge der Arbeitsgruppen werden zusätzlich aufsummiert</a:t>
-            </a:r>
-          </a:p>
-          <a:p>
-            <a:r>
-              <a:rPr lang="de-DE" dirty="0" smtClean="0"/>
-              <a:t>„</a:t>
-            </a:r>
-            <a:r>
-              <a:rPr lang="de-DE" dirty="0"/>
-              <a:t>Drucken“ gibt die aktuelle Tabelle als PDF-Datei </a:t>
-            </a:r>
-            <a:r>
-              <a:rPr lang="de-DE" dirty="0" smtClean="0"/>
-              <a:t>aus</a:t>
-            </a:r>
-            <a:endParaRPr lang="de-DE" dirty="0"/>
+              <a:t>„Drucken“ gibt die aktuelle Tabelle als PDF-Datei aus</a:t>
+            </a:r>
           </a:p>
         </p:txBody>
       </p:sp>
@@ -18580,7 +18992,7 @@
     </p:spTree>
     <p:extLst>
       <p:ext uri="{BB962C8B-B14F-4D97-AF65-F5344CB8AC3E}">
-        <p14:creationId xmlns:p14="http://schemas.microsoft.com/office/powerpoint/2010/main" val="241156330"/>
+        <p14:creationId xmlns:p14="http://schemas.microsoft.com/office/powerpoint/2010/main" xmlns="" val="2011369229"/>
       </p:ext>
     </p:extLst>
   </p:cSld>
@@ -18626,12 +19038,14 @@
         </p:nvSpPr>
         <p:spPr/>
         <p:txBody>
-          <a:bodyPr/>
+          <a:bodyPr>
+            <a:normAutofit fontScale="90000"/>
+          </a:bodyPr>
           <a:lstStyle/>
           <a:p>
             <a:r>
               <a:rPr lang="de-DE" dirty="0" smtClean="0"/>
-              <a:t>Use Case „Bereich einsehen“</a:t>
+              <a:t>Use Case „Arbeitsgruppen einsehen“ - 		 Bereichsleiter</a:t>
             </a:r>
             <a:endParaRPr lang="de-DE" dirty="0"/>
           </a:p>
@@ -18647,48 +19061,37 @@
             <p:ph idx="1"/>
           </p:nvPr>
         </p:nvSpPr>
-        <p:spPr/>
+        <p:spPr>
+          <a:xfrm>
+            <a:off x="457200" y="2416256"/>
+            <a:ext cx="8229600" cy="4325112"/>
+          </a:xfrm>
+        </p:spPr>
         <p:txBody>
           <a:bodyPr>
-            <a:normAutofit fontScale="92500" lnSpcReduction="10000"/>
+            <a:normAutofit/>
           </a:bodyPr>
           <a:lstStyle/>
           <a:p>
             <a:r>
               <a:rPr lang="de-DE" dirty="0" smtClean="0"/>
-              <a:t>Zentralbereichsleiter und Fachbereichs-organisation: dürfen alle Bereiche einsehen</a:t>
+              <a:t>Bereichsleiter: darf alle Arbeitsgruppen seines Bereichs einsehen</a:t>
             </a:r>
           </a:p>
           <a:p>
             <a:r>
               <a:rPr lang="de-DE" dirty="0" smtClean="0"/>
-              <a:t>Von der Übersicht der Bereiche kann der User direkt auf die Arbeitsgruppen eines Bereichs gelangen</a:t>
+              <a:t>Einträge der Arbeitsgruppen werden zusätzlich aufsummiert</a:t>
             </a:r>
           </a:p>
           <a:p>
             <a:r>
               <a:rPr lang="de-DE" dirty="0" smtClean="0"/>
-              <a:t>Einträge der Bereiche werden zusätzlich aufsummiert</a:t>
-            </a:r>
-          </a:p>
-          <a:p>
+              <a:t>„</a:t>
+            </a:r>
             <a:r>
               <a:rPr lang="de-DE" dirty="0"/>
-              <a:t>„Abrechen“ leitet den </a:t>
-            </a:r>
-            <a:r>
-              <a:rPr lang="de-DE" dirty="0" smtClean="0"/>
-              <a:t>User wieder </a:t>
-            </a:r>
-            <a:r>
-              <a:rPr lang="de-DE" dirty="0"/>
-              <a:t>auf die Seite zurück, auf der er Kalenderjahr und Kalenderwoche eingeben kann, um Daten anzuzeigen</a:t>
-            </a:r>
-          </a:p>
-          <a:p>
-            <a:r>
-              <a:rPr lang="de-DE" dirty="0"/>
-              <a:t>„Drucken“ gibt die aktuelle Tabelle als PDF-Datei </a:t>
+              <a:t>Drucken“ gibt die aktuelle Tabelle als PDF-Datei </a:t>
             </a:r>
             <a:r>
               <a:rPr lang="de-DE" dirty="0" smtClean="0"/>
@@ -18725,7 +19128,7 @@
     </p:spTree>
     <p:extLst>
       <p:ext uri="{BB962C8B-B14F-4D97-AF65-F5344CB8AC3E}">
-        <p14:creationId xmlns:p14="http://schemas.microsoft.com/office/powerpoint/2010/main" val="1739418431"/>
+        <p14:creationId xmlns:p14="http://schemas.microsoft.com/office/powerpoint/2010/main" xmlns="" val="241156330"/>
       </p:ext>
     </p:extLst>
   </p:cSld>
@@ -19151,7 +19554,7 @@
     </p:spTree>
     <p:extLst>
       <p:ext uri="{BB962C8B-B14F-4D97-AF65-F5344CB8AC3E}">
-        <p14:creationId xmlns:p14="http://schemas.microsoft.com/office/powerpoint/2010/main" val="2473085626"/>
+        <p14:creationId xmlns:p14="http://schemas.microsoft.com/office/powerpoint/2010/main" xmlns="" val="2473085626"/>
       </p:ext>
     </p:extLst>
   </p:cSld>
@@ -19202,7 +19605,7 @@
           <a:p>
             <a:r>
               <a:rPr lang="de-DE" dirty="0" smtClean="0"/>
-              <a:t>Use Case „Bereich“</a:t>
+              <a:t>Use Case „Bereich einsehen“</a:t>
             </a:r>
             <a:endParaRPr lang="de-DE" dirty="0"/>
           </a:p>
@@ -19221,20 +19624,51 @@
         <p:spPr/>
         <p:txBody>
           <a:bodyPr>
-            <a:normAutofit/>
+            <a:normAutofit fontScale="92500" lnSpcReduction="10000"/>
           </a:bodyPr>
           <a:lstStyle/>
           <a:p>
             <a:r>
               <a:rPr lang="de-DE" dirty="0" smtClean="0"/>
-              <a:t>Die Verwaltung erfolgt über die Fachbereichs-organisation</a:t>
+              <a:t>Zentralbereichsleiter und Fachbereichs-organisation: dürfen alle Bereiche einsehen</a:t>
             </a:r>
           </a:p>
           <a:p>
             <a:r>
               <a:rPr lang="de-DE" dirty="0" smtClean="0"/>
-              <a:t>Anlegen: mit Angaben über Bezeichnung und Kurzbezeichnung soll ein Bereich angelegt werden können</a:t>
-            </a:r>
+              <a:t>Von der Übersicht der Bereiche kann der User direkt auf die Arbeitsgruppen eines Bereichs gelangen</a:t>
+            </a:r>
+          </a:p>
+          <a:p>
+            <a:r>
+              <a:rPr lang="de-DE" dirty="0" smtClean="0"/>
+              <a:t>Einträge der Bereiche werden zusätzlich aufsummiert</a:t>
+            </a:r>
+          </a:p>
+          <a:p>
+            <a:r>
+              <a:rPr lang="de-DE" dirty="0"/>
+              <a:t>„Abrechen“ leitet den </a:t>
+            </a:r>
+            <a:r>
+              <a:rPr lang="de-DE" dirty="0" smtClean="0"/>
+              <a:t>User wieder </a:t>
+            </a:r>
+            <a:r>
+              <a:rPr lang="de-DE" dirty="0"/>
+              <a:t>auf die Seite zurück, auf der er Kalenderjahr und Kalenderwoche eingeben kann, um Daten anzuzeigen</a:t>
+            </a:r>
+          </a:p>
+          <a:p>
+            <a:r>
+              <a:rPr lang="de-DE" dirty="0"/>
+              <a:t>„Drucken“ gibt die aktuelle Tabelle als PDF-Datei </a:t>
+            </a:r>
+            <a:r>
+              <a:rPr lang="de-DE" dirty="0" smtClean="0"/>
+              <a:t>aus</a:t>
+            </a:r>
+            <a:endParaRPr lang="de-DE" dirty="0"/>
           </a:p>
         </p:txBody>
       </p:sp>
@@ -19265,7 +19699,7 @@
     </p:spTree>
     <p:extLst>
       <p:ext uri="{BB962C8B-B14F-4D97-AF65-F5344CB8AC3E}">
-        <p14:creationId xmlns:p14="http://schemas.microsoft.com/office/powerpoint/2010/main" val="2615168494"/>
+        <p14:creationId xmlns:p14="http://schemas.microsoft.com/office/powerpoint/2010/main" xmlns="" val="1739418431"/>
       </p:ext>
     </p:extLst>
   </p:cSld>
@@ -19340,26 +19774,15 @@
           <a:lstStyle/>
           <a:p>
             <a:r>
-              <a:rPr lang="de-DE" dirty="0"/>
-              <a:t>Die Auswahl zur Bearbeitung bzw. zur Löschung erfolgt über eine </a:t>
-            </a:r>
-            <a:r>
               <a:rPr lang="de-DE" dirty="0" smtClean="0"/>
-              <a:t>Oberfläche mit Drop-Down-Feld</a:t>
+              <a:t>Die Verwaltung erfolgt über die Fachbereichs-organisation</a:t>
             </a:r>
           </a:p>
           <a:p>
             <a:r>
               <a:rPr lang="de-DE" dirty="0" smtClean="0"/>
-              <a:t>Bearbeiten: die Bezeichnung, die Kurz-bezeichnung und der Leiter sollen geändert werden können</a:t>
-            </a:r>
-          </a:p>
-          <a:p>
-            <a:r>
-              <a:rPr lang="de-DE" dirty="0" smtClean="0"/>
-              <a:t>Löschen: der Bereich wird inaktiv gesetzt, sobald alle Arbeitsgruppen und Mitarbeiter aus dem Bereich entfernt wurden</a:t>
-            </a:r>
-            <a:endParaRPr lang="de-DE" dirty="0"/>
+              <a:t>Anlegen: mit Angaben über Bezeichnung und Kurzbezeichnung soll ein Bereich angelegt werden können</a:t>
+            </a:r>
           </a:p>
         </p:txBody>
       </p:sp>
@@ -19390,7 +19813,7 @@
     </p:spTree>
     <p:extLst>
       <p:ext uri="{BB962C8B-B14F-4D97-AF65-F5344CB8AC3E}">
-        <p14:creationId xmlns:p14="http://schemas.microsoft.com/office/powerpoint/2010/main" val="42813484"/>
+        <p14:creationId xmlns:p14="http://schemas.microsoft.com/office/powerpoint/2010/main" xmlns="" val="2615168494"/>
       </p:ext>
     </p:extLst>
   </p:cSld>
@@ -19441,7 +19864,7 @@
           <a:p>
             <a:r>
               <a:rPr lang="de-DE" dirty="0" smtClean="0"/>
-              <a:t>Use Case „Arbeitsgruppe“</a:t>
+              <a:t>Use Case „Bereich“</a:t>
             </a:r>
             <a:endParaRPr lang="de-DE" dirty="0"/>
           </a:p>
@@ -19466,25 +19889,23 @@
           <a:p>
             <a:r>
               <a:rPr lang="de-DE" dirty="0"/>
-              <a:t>Die Verwaltung erfolgt über die Fachbereichs-organisation</a:t>
-            </a:r>
-          </a:p>
-          <a:p>
-            <a:r>
-              <a:rPr lang="de-DE" dirty="0"/>
-              <a:t>Anlegen: mit Angaben über </a:t>
+              <a:t>Die Auswahl zur Bearbeitung bzw. zur Löschung erfolgt über eine </a:t>
             </a:r>
             <a:r>
               <a:rPr lang="de-DE" dirty="0" smtClean="0"/>
-              <a:t>Bezeichnung, Kurz-bezeichnung und Bereich soll eine Arbeitsgruppe angelegt </a:t>
-            </a:r>
-            <a:r>
-              <a:rPr lang="de-DE" dirty="0"/>
-              <a:t>werden </a:t>
-            </a:r>
+              <a:t>Oberfläche mit Drop-Down-Feld</a:t>
+            </a:r>
+          </a:p>
+          <a:p>
             <a:r>
               <a:rPr lang="de-DE" dirty="0" smtClean="0"/>
-              <a:t>können</a:t>
+              <a:t>Bearbeiten: die Bezeichnung, die Kurz-bezeichnung und der Leiter sollen geändert werden können</a:t>
+            </a:r>
+          </a:p>
+          <a:p>
+            <a:r>
+              <a:rPr lang="de-DE" dirty="0" smtClean="0"/>
+              <a:t>Löschen: der Bereich wird inaktiv gesetzt, sobald alle Arbeitsgruppen und Mitarbeiter aus dem Bereich entfernt wurden</a:t>
             </a:r>
             <a:endParaRPr lang="de-DE" dirty="0"/>
           </a:p>
@@ -19517,7 +19938,7 @@
     </p:spTree>
     <p:extLst>
       <p:ext uri="{BB962C8B-B14F-4D97-AF65-F5344CB8AC3E}">
-        <p14:creationId xmlns:p14="http://schemas.microsoft.com/office/powerpoint/2010/main" val="243874718"/>
+        <p14:creationId xmlns:p14="http://schemas.microsoft.com/office/powerpoint/2010/main" xmlns="" val="42813484"/>
       </p:ext>
     </p:extLst>
   </p:cSld>
@@ -19593,56 +20014,27 @@
           <a:p>
             <a:r>
               <a:rPr lang="de-DE" dirty="0"/>
-              <a:t>Die Auswahl zur Bearbeitung bzw. zur Löschung erfolgt über eine Suchen-Oberfläche</a:t>
-            </a:r>
-          </a:p>
-          <a:p>
+              <a:t>Die Verwaltung erfolgt über die Fachbereichs-organisation</a:t>
+            </a:r>
+          </a:p>
+          <a:p>
+            <a:r>
+              <a:rPr lang="de-DE" dirty="0"/>
+              <a:t>Anlegen: mit Angaben über </a:t>
+            </a:r>
             <a:r>
               <a:rPr lang="de-DE" dirty="0" smtClean="0"/>
-              <a:t>Bearbeiten</a:t>
+              <a:t>Bezeichnung, Kurz-bezeichnung und Bereich soll eine Arbeitsgruppe angelegt </a:t>
             </a:r>
             <a:r>
               <a:rPr lang="de-DE" dirty="0"/>
-              <a:t>: die Bezeichnung, die </a:t>
+              <a:t>werden </a:t>
             </a:r>
             <a:r>
               <a:rPr lang="de-DE" dirty="0" smtClean="0"/>
-              <a:t>Kurzbezeichnung, die Zuordnung zum Bereich </a:t>
-            </a:r>
-            <a:r>
-              <a:rPr lang="de-DE" dirty="0"/>
-              <a:t>und der Leiter sollen geändert werden können</a:t>
-            </a:r>
-          </a:p>
-          <a:p>
-            <a:r>
-              <a:rPr lang="de-DE" dirty="0"/>
-              <a:t>Löschen: </a:t>
-            </a:r>
-            <a:r>
-              <a:rPr lang="de-DE" dirty="0" smtClean="0"/>
-              <a:t>die Arbeitsgruppe wird </a:t>
-            </a:r>
-            <a:r>
-              <a:rPr lang="de-DE" dirty="0"/>
-              <a:t>inaktiv gesetzt, sobald alle </a:t>
-            </a:r>
-            <a:r>
-              <a:rPr lang="de-DE" dirty="0" smtClean="0"/>
-              <a:t>Mitarbeiter </a:t>
-            </a:r>
-            <a:r>
-              <a:rPr lang="de-DE" dirty="0"/>
-              <a:t>aus </a:t>
-            </a:r>
-            <a:r>
-              <a:rPr lang="de-DE" dirty="0" smtClean="0"/>
-              <a:t>der Arbeitsgruppe entfernt </a:t>
-            </a:r>
-            <a:r>
-              <a:rPr lang="de-DE" dirty="0"/>
-              <a:t>wurden</a:t>
-            </a:r>
+              <a:t>können</a:t>
+            </a:r>
+            <a:endParaRPr lang="de-DE" dirty="0"/>
           </a:p>
         </p:txBody>
       </p:sp>
@@ -19673,7 +20065,7 @@
     </p:spTree>
     <p:extLst>
       <p:ext uri="{BB962C8B-B14F-4D97-AF65-F5344CB8AC3E}">
-        <p14:creationId xmlns:p14="http://schemas.microsoft.com/office/powerpoint/2010/main" val="600913733"/>
+        <p14:creationId xmlns:p14="http://schemas.microsoft.com/office/powerpoint/2010/main" xmlns="" val="243874718"/>
       </p:ext>
     </p:extLst>
   </p:cSld>
@@ -19724,7 +20116,7 @@
           <a:p>
             <a:r>
               <a:rPr lang="de-DE" dirty="0" smtClean="0"/>
-              <a:t>Use Case „Mitarbeiter“</a:t>
+              <a:t>Use Case „Arbeitsgruppe“</a:t>
             </a:r>
             <a:endParaRPr lang="de-DE" dirty="0"/>
           </a:p>
@@ -19743,46 +20135,62 @@
         <p:spPr/>
         <p:txBody>
           <a:bodyPr>
-            <a:normAutofit lnSpcReduction="10000"/>
+            <a:normAutofit/>
           </a:bodyPr>
           <a:lstStyle/>
           <a:p>
             <a:r>
               <a:rPr lang="de-DE" dirty="0"/>
-              <a:t>Die Verwaltung erfolgt über die Fachbereichs-organisation</a:t>
-            </a:r>
-          </a:p>
-          <a:p>
+              <a:t>Die Auswahl zur Bearbeitung bzw. zur Löschung erfolgt über eine Suchen-Oberfläche</a:t>
+            </a:r>
+          </a:p>
+          <a:p>
+            <a:r>
+              <a:rPr lang="de-DE" dirty="0" smtClean="0"/>
+              <a:t>Bearbeiten</a:t>
+            </a:r>
             <a:r>
               <a:rPr lang="de-DE" dirty="0"/>
-              <a:t>Anlegen: </a:t>
+              <a:t>: die Bezeichnung, die </a:t>
             </a:r>
             <a:r>
               <a:rPr lang="de-DE" dirty="0" smtClean="0"/>
-              <a:t>die Oberfläche wird je nach Rolle des Mitarbeiters angepasst</a:t>
-            </a:r>
-          </a:p>
-          <a:p>
-            <a:pPr lvl="1"/>
+              <a:t>Kurzbezeichnung, die Zuordnung zum Bereich </a:t>
+            </a:r>
+            <a:r>
+              <a:rPr lang="de-DE" dirty="0"/>
+              <a:t>und der Leiter sollen geändert werden können</a:t>
+            </a:r>
+          </a:p>
+          <a:p>
+            <a:r>
+              <a:rPr lang="de-DE" dirty="0"/>
+              <a:t>Löschen: </a:t>
+            </a:r>
             <a:r>
               <a:rPr lang="de-DE" dirty="0" smtClean="0"/>
-              <a:t>Vorname, Nachname, Benutzername und Rolle müssen immer angegeben werden</a:t>
-            </a:r>
-          </a:p>
-          <a:p>
-            <a:pPr lvl="1"/>
+              <a:t>die Arbeitsgruppe wird </a:t>
+            </a:r>
+            <a:r>
+              <a:rPr lang="de-DE" dirty="0"/>
+              <a:t>inaktiv gesetzt, sobald alle </a:t>
+            </a:r>
             <a:r>
               <a:rPr lang="de-DE" dirty="0" smtClean="0"/>
-              <a:t>Das Passwort kann entweder manuell eingegeben werden oder kann über einen Button automatisch generiert werden</a:t>
-            </a:r>
-          </a:p>
-          <a:p>
-            <a:pPr lvl="1"/>
+              <a:t>Mitarbeiter </a:t>
+            </a:r>
+            <a:r>
+              <a:rPr lang="de-DE" dirty="0"/>
+              <a:t>aus </a:t>
+            </a:r>
             <a:r>
               <a:rPr lang="de-DE" dirty="0" smtClean="0"/>
-              <a:t>Je nach Rolle muss entweder eine Arbeitsgruppe oder ein Bereich ausgewählt werden</a:t>
-            </a:r>
-            <a:endParaRPr lang="de-DE" dirty="0"/>
+              <a:t>der Arbeitsgruppe entfernt </a:t>
+            </a:r>
+            <a:r>
+              <a:rPr lang="de-DE" dirty="0"/>
+              <a:t>wurden</a:t>
+            </a:r>
           </a:p>
         </p:txBody>
       </p:sp>
@@ -19813,7 +20221,7 @@
     </p:spTree>
     <p:extLst>
       <p:ext uri="{BB962C8B-B14F-4D97-AF65-F5344CB8AC3E}">
-        <p14:creationId xmlns:p14="http://schemas.microsoft.com/office/powerpoint/2010/main" val="3395818784"/>
+        <p14:creationId xmlns:p14="http://schemas.microsoft.com/office/powerpoint/2010/main" xmlns="" val="600913733"/>
       </p:ext>
     </p:extLst>
   </p:cSld>
@@ -19863,9 +20271,10 @@
           <a:lstStyle/>
           <a:p>
             <a:r>
-              <a:rPr lang="de-DE" dirty="0"/>
+              <a:rPr lang="de-DE" dirty="0" smtClean="0"/>
               <a:t>Use Case „Mitarbeiter“</a:t>
             </a:r>
+            <a:endParaRPr lang="de-DE" dirty="0"/>
           </a:p>
         </p:txBody>
       </p:sp>
@@ -19887,27 +20296,39 @@
           <a:lstStyle/>
           <a:p>
             <a:r>
+              <a:rPr lang="de-DE" dirty="0"/>
+              <a:t>Die Verwaltung erfolgt über die Fachbereichs-organisation</a:t>
+            </a:r>
+          </a:p>
+          <a:p>
+            <a:r>
+              <a:rPr lang="de-DE" dirty="0"/>
+              <a:t>Anlegen: </a:t>
+            </a:r>
+            <a:r>
               <a:rPr lang="de-DE" dirty="0" smtClean="0"/>
-              <a:t>Die Auswahl zur Bearbeitung bzw. zur Löschung erfolgt über eine Suchen-Oberfläche</a:t>
-            </a:r>
-          </a:p>
-          <a:p>
+              <a:t>die Oberfläche wird je nach Rolle des Mitarbeiters angepasst</a:t>
+            </a:r>
+          </a:p>
+          <a:p>
+            <a:pPr lvl="1"/>
             <a:r>
               <a:rPr lang="de-DE" dirty="0" smtClean="0"/>
-              <a:t>Bearbeiten: Vorname, Nachname, Rolle und Bereich bzw. Arbeitsgruppe können geändert werden</a:t>
+              <a:t>Vorname, Nachname, Benutzername und Rolle müssen immer angegeben werden</a:t>
             </a:r>
           </a:p>
           <a:p>
             <a:pPr lvl="1"/>
             <a:r>
               <a:rPr lang="de-DE" dirty="0" smtClean="0"/>
-              <a:t>Je nach Rolle wird entweder Bereich oder Arbeitsgruppe angezeigt</a:t>
-            </a:r>
-          </a:p>
-          <a:p>
+              <a:t>Das Passwort kann entweder manuell eingegeben werden oder kann über einen Button automatisch generiert werden</a:t>
+            </a:r>
+          </a:p>
+          <a:p>
+            <a:pPr lvl="1"/>
             <a:r>
               <a:rPr lang="de-DE" dirty="0" smtClean="0"/>
-              <a:t>Löschen: nach der Suche erscheint eine Auswahl-Tabelle über die der Mitarbeiter gelöscht werden kann</a:t>
+              <a:t>Je nach Rolle muss entweder eine Arbeitsgruppe oder ein Bereich ausgewählt werden</a:t>
             </a:r>
             <a:endParaRPr lang="de-DE" dirty="0"/>
           </a:p>
@@ -19940,7 +20361,7 @@
     </p:spTree>
     <p:extLst>
       <p:ext uri="{BB962C8B-B14F-4D97-AF65-F5344CB8AC3E}">
-        <p14:creationId xmlns:p14="http://schemas.microsoft.com/office/powerpoint/2010/main" val="1313710794"/>
+        <p14:creationId xmlns:p14="http://schemas.microsoft.com/office/powerpoint/2010/main" xmlns="" val="3395818784"/>
       </p:ext>
     </p:extLst>
   </p:cSld>
@@ -19990,10 +20411,9 @@
           <a:lstStyle/>
           <a:p>
             <a:r>
-              <a:rPr lang="de-DE" dirty="0" smtClean="0"/>
-              <a:t>Use Case „Art“</a:t>
-            </a:r>
-            <a:endParaRPr lang="de-DE" dirty="0"/>
+              <a:rPr lang="de-DE" dirty="0"/>
+              <a:t>Use Case „Mitarbeiter“</a:t>
+            </a:r>
           </a:p>
         </p:txBody>
       </p:sp>
@@ -20009,27 +20429,34 @@
         </p:nvSpPr>
         <p:spPr/>
         <p:txBody>
-          <a:bodyPr/>
-          <a:lstStyle/>
-          <a:p>
-            <a:r>
-              <a:rPr lang="de-DE" dirty="0"/>
-              <a:t>Die Verwaltung erfolgt über die Fachbereichs-organisation</a:t>
-            </a:r>
-          </a:p>
+          <a:bodyPr>
+            <a:normAutofit lnSpcReduction="10000"/>
+          </a:bodyPr>
+          <a:lstStyle/>
           <a:p>
             <a:r>
               <a:rPr lang="de-DE" dirty="0" smtClean="0"/>
-              <a:t>Anlegen: über Angabe einer Bezeichnung kann eine neue Eintragsart angelegt werden</a:t>
+              <a:t>Die Auswahl zur Bearbeitung bzw. zur Löschung erfolgt über eine Suchen-Oberfläche</a:t>
             </a:r>
           </a:p>
           <a:p>
             <a:r>
               <a:rPr lang="de-DE" dirty="0" smtClean="0"/>
-              <a:t>Löschen: über ein Drop-Down-Feld kann die zu löschende Art ausgewählt werden</a:t>
-            </a:r>
-          </a:p>
-          <a:p>
+              <a:t>Bearbeiten: Vorname, Nachname, Rolle und Bereich bzw. Arbeitsgruppe können geändert werden</a:t>
+            </a:r>
+          </a:p>
+          <a:p>
+            <a:pPr lvl="1"/>
+            <a:r>
+              <a:rPr lang="de-DE" dirty="0" smtClean="0"/>
+              <a:t>Je nach Rolle wird entweder Bereich oder Arbeitsgruppe angezeigt</a:t>
+            </a:r>
+          </a:p>
+          <a:p>
+            <a:r>
+              <a:rPr lang="de-DE" dirty="0" smtClean="0"/>
+              <a:t>Löschen: nach der Suche erscheint eine Auswahl-Tabelle über die der Mitarbeiter gelöscht werden kann</a:t>
+            </a:r>
             <a:endParaRPr lang="de-DE" dirty="0"/>
           </a:p>
         </p:txBody>
@@ -20061,7 +20488,7 @@
     </p:spTree>
     <p:extLst>
       <p:ext uri="{BB962C8B-B14F-4D97-AF65-F5344CB8AC3E}">
-        <p14:creationId xmlns:p14="http://schemas.microsoft.com/office/powerpoint/2010/main" val="2204375755"/>
+        <p14:creationId xmlns:p14="http://schemas.microsoft.com/office/powerpoint/2010/main" xmlns="" val="1313710794"/>
       </p:ext>
     </p:extLst>
   </p:cSld>
@@ -20112,7 +20539,7 @@
           <a:p>
             <a:r>
               <a:rPr lang="de-DE" dirty="0" smtClean="0"/>
-              <a:t>Use Case „Job“</a:t>
+              <a:t>Use Case „Art“</a:t>
             </a:r>
             <a:endParaRPr lang="de-DE" dirty="0"/>
           </a:p>
@@ -20130,40 +20557,28 @@
         </p:nvSpPr>
         <p:spPr/>
         <p:txBody>
-          <a:bodyPr>
-            <a:normAutofit lnSpcReduction="10000"/>
-          </a:bodyPr>
-          <a:lstStyle/>
+          <a:bodyPr/>
+          <a:lstStyle/>
+          <a:p>
+            <a:r>
+              <a:rPr lang="de-DE" dirty="0"/>
+              <a:t>Die Verwaltung erfolgt über die Fachbereichs-organisation</a:t>
+            </a:r>
+          </a:p>
           <a:p>
             <a:r>
               <a:rPr lang="de-DE" dirty="0" smtClean="0"/>
-              <a:t>Einstellungen: es kann festgelegt werden in welchem Intervall die Einträge der Sachbearbeiter bzw. der Gruppenleiter gelöscht werden</a:t>
-            </a:r>
-          </a:p>
-          <a:p>
-            <a:pPr lvl="1"/>
+              <a:t>Anlegen: über Angabe einer Bezeichnung kann eine neue Eintragsart angelegt werden</a:t>
+            </a:r>
+          </a:p>
+          <a:p>
             <a:r>
               <a:rPr lang="de-DE" dirty="0" smtClean="0"/>
-              <a:t>Das Intervall kann nur monatsweise festgelegt werden</a:t>
-            </a:r>
-          </a:p>
-          <a:p>
-            <a:r>
-              <a:rPr lang="de-DE" dirty="0" smtClean="0"/>
-              <a:t>Aufsummierung: die Einträge werden in der Wochenübersicht bzw. in der Jahresübersicht aufsummiert</a:t>
-            </a:r>
-          </a:p>
-          <a:p>
-            <a:pPr lvl="1"/>
-            <a:r>
-              <a:rPr lang="de-DE" dirty="0" smtClean="0"/>
-              <a:t>Der Job </a:t>
-            </a:r>
-            <a:r>
-              <a:rPr lang="de-DE" smtClean="0"/>
-              <a:t>läuft jede Nacht</a:t>
-            </a:r>
-            <a:endParaRPr lang="de-DE" dirty="0" smtClean="0"/>
+              <a:t>Löschen: über ein Drop-Down-Feld kann die zu löschende Art ausgewählt werden</a:t>
+            </a:r>
+          </a:p>
+          <a:p>
+            <a:endParaRPr lang="de-DE" dirty="0"/>
           </a:p>
         </p:txBody>
       </p:sp>
@@ -20194,7 +20609,140 @@
     </p:spTree>
     <p:extLst>
       <p:ext uri="{BB962C8B-B14F-4D97-AF65-F5344CB8AC3E}">
-        <p14:creationId xmlns:p14="http://schemas.microsoft.com/office/powerpoint/2010/main" val="2726382500"/>
+        <p14:creationId xmlns:p14="http://schemas.microsoft.com/office/powerpoint/2010/main" xmlns="" val="2204375755"/>
+      </p:ext>
+    </p:extLst>
+  </p:cSld>
+  <p:clrMapOvr>
+    <a:masterClrMapping/>
+  </p:clrMapOvr>
+  <p:timing>
+    <p:tnLst>
+      <p:par>
+        <p:cTn id="1" dur="indefinite" restart="never" nodeType="tmRoot"/>
+      </p:par>
+    </p:tnLst>
+  </p:timing>
+</p:sld>
+</file>
+
+<file path=ppt/slides/slide48.xml><?xml version="1.0" encoding="utf-8"?>
+<p:sld xmlns:a="http://schemas.openxmlformats.org/drawingml/2006/main" xmlns:r="http://schemas.openxmlformats.org/officeDocument/2006/relationships" xmlns:p="http://schemas.openxmlformats.org/presentationml/2006/main">
+  <p:cSld>
+    <p:spTree>
+      <p:nvGrpSpPr>
+        <p:cNvPr id="1" name=""/>
+        <p:cNvGrpSpPr/>
+        <p:nvPr/>
+      </p:nvGrpSpPr>
+      <p:grpSpPr>
+        <a:xfrm>
+          <a:off x="0" y="0"/>
+          <a:ext cx="0" cy="0"/>
+          <a:chOff x="0" y="0"/>
+          <a:chExt cx="0" cy="0"/>
+        </a:xfrm>
+      </p:grpSpPr>
+      <p:sp>
+        <p:nvSpPr>
+          <p:cNvPr id="2" name="Titel 1"/>
+          <p:cNvSpPr>
+            <a:spLocks noGrp="1"/>
+          </p:cNvSpPr>
+          <p:nvPr>
+            <p:ph type="title"/>
+          </p:nvPr>
+        </p:nvSpPr>
+        <p:spPr/>
+        <p:txBody>
+          <a:bodyPr/>
+          <a:lstStyle/>
+          <a:p>
+            <a:r>
+              <a:rPr lang="de-DE" dirty="0" smtClean="0"/>
+              <a:t>Use Case „Job“</a:t>
+            </a:r>
+            <a:endParaRPr lang="de-DE" dirty="0"/>
+          </a:p>
+        </p:txBody>
+      </p:sp>
+      <p:sp>
+        <p:nvSpPr>
+          <p:cNvPr id="3" name="Inhaltsplatzhalter 2"/>
+          <p:cNvSpPr>
+            <a:spLocks noGrp="1"/>
+          </p:cNvSpPr>
+          <p:nvPr>
+            <p:ph idx="1"/>
+          </p:nvPr>
+        </p:nvSpPr>
+        <p:spPr/>
+        <p:txBody>
+          <a:bodyPr>
+            <a:normAutofit lnSpcReduction="10000"/>
+          </a:bodyPr>
+          <a:lstStyle/>
+          <a:p>
+            <a:r>
+              <a:rPr lang="de-DE" dirty="0" smtClean="0"/>
+              <a:t>Einstellungen: es kann festgelegt werden in welchem Intervall die Einträge der Sachbearbeiter bzw. der Gruppenleiter gelöscht werden</a:t>
+            </a:r>
+          </a:p>
+          <a:p>
+            <a:pPr lvl="1"/>
+            <a:r>
+              <a:rPr lang="de-DE" dirty="0" smtClean="0"/>
+              <a:t>Das Intervall kann nur monatsweise festgelegt werden</a:t>
+            </a:r>
+          </a:p>
+          <a:p>
+            <a:r>
+              <a:rPr lang="de-DE" dirty="0" smtClean="0"/>
+              <a:t>Aufsummierung: die Einträge werden in der Wochenübersicht bzw. in der Jahresübersicht aufsummiert</a:t>
+            </a:r>
+          </a:p>
+          <a:p>
+            <a:pPr lvl="1"/>
+            <a:r>
+              <a:rPr lang="de-DE" dirty="0" smtClean="0"/>
+              <a:t>Der Job </a:t>
+            </a:r>
+            <a:r>
+              <a:rPr lang="de-DE" smtClean="0"/>
+              <a:t>läuft jede Nacht</a:t>
+            </a:r>
+            <a:endParaRPr lang="de-DE" dirty="0" smtClean="0"/>
+          </a:p>
+        </p:txBody>
+      </p:sp>
+      <p:sp>
+        <p:nvSpPr>
+          <p:cNvPr id="4" name="Foliennummernplatzhalter 3"/>
+          <p:cNvSpPr>
+            <a:spLocks noGrp="1"/>
+          </p:cNvSpPr>
+          <p:nvPr>
+            <p:ph type="sldNum" sz="quarter" idx="12"/>
+          </p:nvPr>
+        </p:nvSpPr>
+        <p:spPr/>
+        <p:txBody>
+          <a:bodyPr/>
+          <a:lstStyle/>
+          <a:p>
+            <a:fld id="{5F4D6440-1F17-4389-BEAA-8CB6F5977206}" type="slidenum">
+              <a:rPr lang="de-DE" smtClean="0"/>
+              <a:pPr/>
+              <a:t>48</a:t>
+            </a:fld>
+            <a:endParaRPr lang="de-DE" dirty="0"/>
+          </a:p>
+        </p:txBody>
+      </p:sp>
+    </p:spTree>
+    <p:extLst>
+      <p:ext uri="{BB962C8B-B14F-4D97-AF65-F5344CB8AC3E}">
+        <p14:creationId xmlns:p14="http://schemas.microsoft.com/office/powerpoint/2010/main" xmlns="" val="2726382500"/>
       </p:ext>
     </p:extLst>
   </p:cSld>
@@ -20258,7 +20806,7 @@
           <p:nvPr>
             <p:extLst>
               <p:ext uri="{D42A27DB-BD31-4B8C-83A1-F6EECF244321}">
-                <p14:modId xmlns:p14="http://schemas.microsoft.com/office/powerpoint/2010/main" val="1881831684"/>
+                <p14:modId xmlns:p14="http://schemas.microsoft.com/office/powerpoint/2010/main" xmlns="" val="1881831684"/>
               </p:ext>
             </p:extLst>
           </p:nvPr>
@@ -20300,7 +20848,7 @@
     </p:spTree>
     <p:extLst>
       <p:ext uri="{BB962C8B-B14F-4D97-AF65-F5344CB8AC3E}">
-        <p14:creationId xmlns:p14="http://schemas.microsoft.com/office/powerpoint/2010/main" val="4174946828"/>
+        <p14:creationId xmlns:p14="http://schemas.microsoft.com/office/powerpoint/2010/main" xmlns="" val="4174946828"/>
       </p:ext>
     </p:extLst>
   </p:cSld>
@@ -20382,7 +20930,7 @@
           <a:blip r:embed="rId3" cstate="print">
             <a:extLst>
               <a:ext uri="{28A0092B-C50C-407E-A947-70E740481C1C}">
-                <a14:useLocalDpi xmlns:a14="http://schemas.microsoft.com/office/drawing/2010/main" val="0"/>
+                <a14:useLocalDpi xmlns:a14="http://schemas.microsoft.com/office/drawing/2010/main" xmlns="" val="0"/>
               </a:ext>
             </a:extLst>
           </a:blip>
@@ -20405,14 +20953,14 @@
           </a:ln>
           <a:extLst>
             <a:ext uri="{909E8E84-426E-40DD-AFC4-6F175D3DCCD1}">
-              <a14:hiddenFill xmlns:a14="http://schemas.microsoft.com/office/drawing/2010/main">
+              <a14:hiddenFill xmlns:a14="http://schemas.microsoft.com/office/drawing/2010/main" xmlns="">
                 <a:solidFill>
                   <a:schemeClr val="accent1"/>
                 </a:solidFill>
               </a14:hiddenFill>
             </a:ext>
             <a:ext uri="{91240B29-F687-4F45-9708-019B960494DF}">
-              <a14:hiddenLine xmlns:a14="http://schemas.microsoft.com/office/drawing/2010/main" w="9525">
+              <a14:hiddenLine xmlns:a14="http://schemas.microsoft.com/office/drawing/2010/main" xmlns="" w="9525">
                 <a:solidFill>
                   <a:schemeClr val="tx1"/>
                 </a:solidFill>
@@ -20451,7 +20999,7 @@
     </p:spTree>
     <p:extLst>
       <p:ext uri="{BB962C8B-B14F-4D97-AF65-F5344CB8AC3E}">
-        <p14:creationId xmlns:p14="http://schemas.microsoft.com/office/powerpoint/2010/main" val="1176199176"/>
+        <p14:creationId xmlns:p14="http://schemas.microsoft.com/office/powerpoint/2010/main" xmlns="" val="1176199176"/>
       </p:ext>
     </p:extLst>
   </p:cSld>
@@ -20497,7 +21045,7 @@
           <a:blip r:embed="rId3" cstate="print">
             <a:extLst>
               <a:ext uri="{28A0092B-C50C-407E-A947-70E740481C1C}">
-                <a14:useLocalDpi xmlns:a14="http://schemas.microsoft.com/office/drawing/2010/main" val="0"/>
+                <a14:useLocalDpi xmlns:a14="http://schemas.microsoft.com/office/drawing/2010/main" xmlns="" val="0"/>
               </a:ext>
             </a:extLst>
           </a:blip>
@@ -20588,7 +21136,7 @@
           <a:blip r:embed="rId4" cstate="print">
             <a:extLst>
               <a:ext uri="{28A0092B-C50C-407E-A947-70E740481C1C}">
-                <a14:useLocalDpi xmlns:a14="http://schemas.microsoft.com/office/drawing/2010/main" val="0"/>
+                <a14:useLocalDpi xmlns:a14="http://schemas.microsoft.com/office/drawing/2010/main" xmlns="" val="0"/>
               </a:ext>
             </a:extLst>
           </a:blip>
@@ -20618,7 +21166,7 @@
           <a:blip r:embed="rId5" cstate="print">
             <a:extLst>
               <a:ext uri="{28A0092B-C50C-407E-A947-70E740481C1C}">
-                <a14:useLocalDpi xmlns:a14="http://schemas.microsoft.com/office/drawing/2010/main" val="0"/>
+                <a14:useLocalDpi xmlns:a14="http://schemas.microsoft.com/office/drawing/2010/main" xmlns="" val="0"/>
               </a:ext>
             </a:extLst>
           </a:blip>
@@ -20724,7 +21272,7 @@
           <a:blip r:embed="rId6" cstate="print">
             <a:extLst>
               <a:ext uri="{28A0092B-C50C-407E-A947-70E740481C1C}">
-                <a14:useLocalDpi xmlns:a14="http://schemas.microsoft.com/office/drawing/2010/main" val="0"/>
+                <a14:useLocalDpi xmlns:a14="http://schemas.microsoft.com/office/drawing/2010/main" xmlns="" val="0"/>
               </a:ext>
             </a:extLst>
           </a:blip>
@@ -20925,7 +21473,7 @@
     </p:spTree>
     <p:extLst>
       <p:ext uri="{BB962C8B-B14F-4D97-AF65-F5344CB8AC3E}">
-        <p14:creationId xmlns:p14="http://schemas.microsoft.com/office/powerpoint/2010/main" val="2896085358"/>
+        <p14:creationId xmlns:p14="http://schemas.microsoft.com/office/powerpoint/2010/main" xmlns="" val="2896085358"/>
       </p:ext>
     </p:extLst>
   </p:cSld>
@@ -21885,7 +22433,7 @@
     </p:spTree>
     <p:extLst>
       <p:ext uri="{BB962C8B-B14F-4D97-AF65-F5344CB8AC3E}">
-        <p14:creationId xmlns:p14="http://schemas.microsoft.com/office/powerpoint/2010/main" val="2247188198"/>
+        <p14:creationId xmlns:p14="http://schemas.microsoft.com/office/powerpoint/2010/main" xmlns="" val="2247188198"/>
       </p:ext>
     </p:extLst>
   </p:cSld>
@@ -21921,468 +22469,7 @@
       </p:grpSpPr>
       <p:sp>
         <p:nvSpPr>
-          <p:cNvPr id="2" name="Titel 1"/>
-          <p:cNvSpPr>
-            <a:spLocks noGrp="1"/>
-          </p:cNvSpPr>
-          <p:nvPr>
-            <p:ph type="title"/>
-          </p:nvPr>
-        </p:nvSpPr>
-        <p:spPr/>
-        <p:txBody>
-          <a:bodyPr/>
-          <a:lstStyle/>
-          <a:p>
-            <a:r>
-              <a:rPr lang="de-DE" dirty="0" smtClean="0"/>
-              <a:t>View</a:t>
-            </a:r>
-            <a:endParaRPr lang="de-DE" dirty="0"/>
-          </a:p>
-        </p:txBody>
-      </p:sp>
-      <p:sp>
-        <p:nvSpPr>
-          <p:cNvPr id="3" name="Inhaltsplatzhalter 2"/>
-          <p:cNvSpPr txBox="1">
-            <a:spLocks/>
-          </p:cNvSpPr>
-          <p:nvPr/>
-        </p:nvSpPr>
-        <p:spPr>
-          <a:xfrm>
-            <a:off x="457200" y="2249424"/>
-            <a:ext cx="8229600" cy="4325112"/>
-          </a:xfrm>
-          <a:prstGeom prst="rect">
-            <a:avLst/>
-          </a:prstGeom>
-        </p:spPr>
-        <p:txBody>
-          <a:bodyPr>
-            <a:normAutofit/>
-          </a:bodyPr>
-          <a:lstStyle>
-            <a:lvl1pPr marL="365760" indent="-256032" algn="l" rtl="0" eaLnBrk="1" latinLnBrk="0" hangingPunct="1">
-              <a:spcBef>
-                <a:spcPts val="300"/>
-              </a:spcBef>
-              <a:buClr>
-                <a:schemeClr val="accent3"/>
-              </a:buClr>
-              <a:buFont typeface="Georgia"/>
-              <a:buChar char="•"/>
-              <a:defRPr kumimoji="0" sz="2800" kern="1200">
-                <a:solidFill>
-                  <a:schemeClr val="tx1"/>
-                </a:solidFill>
-                <a:latin typeface="+mn-lt"/>
-                <a:ea typeface="+mn-ea"/>
-                <a:cs typeface="+mn-cs"/>
-              </a:defRPr>
-            </a:lvl1pPr>
-            <a:lvl2pPr marL="658368" indent="-246888" algn="l" rtl="0" eaLnBrk="1" latinLnBrk="0" hangingPunct="1">
-              <a:spcBef>
-                <a:spcPts val="300"/>
-              </a:spcBef>
-              <a:buClr>
-                <a:schemeClr val="accent2"/>
-              </a:buClr>
-              <a:buFont typeface="Georgia"/>
-              <a:buChar char="▫"/>
-              <a:defRPr kumimoji="0" sz="2600" kern="1200">
-                <a:solidFill>
-                  <a:schemeClr val="accent2"/>
-                </a:solidFill>
-                <a:latin typeface="+mn-lt"/>
-                <a:ea typeface="+mn-ea"/>
-                <a:cs typeface="+mn-cs"/>
-              </a:defRPr>
-            </a:lvl2pPr>
-            <a:lvl3pPr marL="923544" indent="-219456" algn="l" rtl="0" eaLnBrk="1" latinLnBrk="0" hangingPunct="1">
-              <a:spcBef>
-                <a:spcPts val="300"/>
-              </a:spcBef>
-              <a:buClr>
-                <a:schemeClr val="accent1"/>
-              </a:buClr>
-              <a:buFont typeface="Wingdings 2"/>
-              <a:buChar char=""/>
-              <a:defRPr kumimoji="0" sz="2400" kern="1200">
-                <a:solidFill>
-                  <a:schemeClr val="accent1"/>
-                </a:solidFill>
-                <a:latin typeface="+mn-lt"/>
-                <a:ea typeface="+mn-ea"/>
-                <a:cs typeface="+mn-cs"/>
-              </a:defRPr>
-            </a:lvl3pPr>
-            <a:lvl4pPr marL="1179576" indent="-201168" algn="l" rtl="0" eaLnBrk="1" latinLnBrk="0" hangingPunct="1">
-              <a:spcBef>
-                <a:spcPts val="300"/>
-              </a:spcBef>
-              <a:buClr>
-                <a:schemeClr val="accent1"/>
-              </a:buClr>
-              <a:buFont typeface="Wingdings 2"/>
-              <a:buChar char=""/>
-              <a:defRPr kumimoji="0" sz="2200" kern="1200">
-                <a:solidFill>
-                  <a:schemeClr val="accent1"/>
-                </a:solidFill>
-                <a:latin typeface="+mn-lt"/>
-                <a:ea typeface="+mn-ea"/>
-                <a:cs typeface="+mn-cs"/>
-              </a:defRPr>
-            </a:lvl4pPr>
-            <a:lvl5pPr marL="1389888" indent="-182880" algn="l" rtl="0" eaLnBrk="1" latinLnBrk="0" hangingPunct="1">
-              <a:spcBef>
-                <a:spcPts val="300"/>
-              </a:spcBef>
-              <a:buClr>
-                <a:schemeClr val="accent3"/>
-              </a:buClr>
-              <a:buFont typeface="Georgia"/>
-              <a:buChar char="▫"/>
-              <a:defRPr kumimoji="0" sz="2000" kern="1200">
-                <a:solidFill>
-                  <a:schemeClr val="accent3"/>
-                </a:solidFill>
-                <a:latin typeface="+mn-lt"/>
-                <a:ea typeface="+mn-ea"/>
-                <a:cs typeface="+mn-cs"/>
-              </a:defRPr>
-            </a:lvl5pPr>
-            <a:lvl6pPr marL="1609344" indent="-182880" algn="l" rtl="0" eaLnBrk="1" latinLnBrk="0" hangingPunct="1">
-              <a:spcBef>
-                <a:spcPts val="300"/>
-              </a:spcBef>
-              <a:buClr>
-                <a:schemeClr val="accent3"/>
-              </a:buClr>
-              <a:buFont typeface="Georgia"/>
-              <a:buChar char="▫"/>
-              <a:defRPr kumimoji="0" sz="1800" kern="1200">
-                <a:solidFill>
-                  <a:schemeClr val="accent3"/>
-                </a:solidFill>
-                <a:latin typeface="+mn-lt"/>
-                <a:ea typeface="+mn-ea"/>
-                <a:cs typeface="+mn-cs"/>
-              </a:defRPr>
-            </a:lvl6pPr>
-            <a:lvl7pPr marL="1828800" indent="-182880" algn="l" rtl="0" eaLnBrk="1" latinLnBrk="0" hangingPunct="1">
-              <a:spcBef>
-                <a:spcPts val="300"/>
-              </a:spcBef>
-              <a:buClr>
-                <a:schemeClr val="accent3"/>
-              </a:buClr>
-              <a:buFont typeface="Georgia"/>
-              <a:buChar char="▫"/>
-              <a:defRPr kumimoji="0" sz="1600" kern="1200">
-                <a:solidFill>
-                  <a:schemeClr val="accent3"/>
-                </a:solidFill>
-                <a:latin typeface="+mn-lt"/>
-                <a:ea typeface="+mn-ea"/>
-                <a:cs typeface="+mn-cs"/>
-              </a:defRPr>
-            </a:lvl7pPr>
-            <a:lvl8pPr marL="2029968" indent="-182880" algn="l" rtl="0" eaLnBrk="1" latinLnBrk="0" hangingPunct="1">
-              <a:spcBef>
-                <a:spcPts val="300"/>
-              </a:spcBef>
-              <a:buClr>
-                <a:schemeClr val="accent3"/>
-              </a:buClr>
-              <a:buFont typeface="Georgia"/>
-              <a:buChar char="◦"/>
-              <a:defRPr kumimoji="0" sz="1500" kern="1200">
-                <a:solidFill>
-                  <a:schemeClr val="accent3"/>
-                </a:solidFill>
-                <a:latin typeface="+mn-lt"/>
-                <a:ea typeface="+mn-ea"/>
-                <a:cs typeface="+mn-cs"/>
-              </a:defRPr>
-            </a:lvl8pPr>
-            <a:lvl9pPr marL="2240280" indent="-182880" algn="l" rtl="0" eaLnBrk="1" latinLnBrk="0" hangingPunct="1">
-              <a:spcBef>
-                <a:spcPts val="300"/>
-              </a:spcBef>
-              <a:buClr>
-                <a:schemeClr val="accent3"/>
-              </a:buClr>
-              <a:buFont typeface="Georgia"/>
-              <a:buChar char="◦"/>
-              <a:defRPr kumimoji="0" sz="1400" kern="1200" baseline="0">
-                <a:solidFill>
-                  <a:schemeClr val="accent3"/>
-                </a:solidFill>
-                <a:latin typeface="+mn-lt"/>
-                <a:ea typeface="+mn-ea"/>
-                <a:cs typeface="+mn-cs"/>
-              </a:defRPr>
-            </a:lvl9pPr>
-          </a:lstStyle>
-          <a:p>
-            <a:endParaRPr lang="de-DE" dirty="0"/>
-          </a:p>
-        </p:txBody>
-      </p:sp>
-      <p:sp>
-        <p:nvSpPr>
-          <p:cNvPr id="4" name="Inhaltsplatzhalter 2"/>
-          <p:cNvSpPr txBox="1">
-            <a:spLocks/>
-          </p:cNvSpPr>
-          <p:nvPr/>
-        </p:nvSpPr>
-        <p:spPr>
-          <a:xfrm>
-            <a:off x="609600" y="2401824"/>
-            <a:ext cx="8229600" cy="4325112"/>
-          </a:xfrm>
-          <a:prstGeom prst="rect">
-            <a:avLst/>
-          </a:prstGeom>
-        </p:spPr>
-        <p:txBody>
-          <a:bodyPr>
-            <a:normAutofit/>
-          </a:bodyPr>
-          <a:lstStyle>
-            <a:lvl1pPr marL="365760" indent="-256032" algn="l" rtl="0" eaLnBrk="1" latinLnBrk="0" hangingPunct="1">
-              <a:spcBef>
-                <a:spcPts val="300"/>
-              </a:spcBef>
-              <a:buClr>
-                <a:schemeClr val="accent3"/>
-              </a:buClr>
-              <a:buFont typeface="Georgia"/>
-              <a:buChar char="•"/>
-              <a:defRPr kumimoji="0" sz="2800" kern="1200">
-                <a:solidFill>
-                  <a:schemeClr val="tx1"/>
-                </a:solidFill>
-                <a:latin typeface="+mn-lt"/>
-                <a:ea typeface="+mn-ea"/>
-                <a:cs typeface="+mn-cs"/>
-              </a:defRPr>
-            </a:lvl1pPr>
-            <a:lvl2pPr marL="658368" indent="-246888" algn="l" rtl="0" eaLnBrk="1" latinLnBrk="0" hangingPunct="1">
-              <a:spcBef>
-                <a:spcPts val="300"/>
-              </a:spcBef>
-              <a:buClr>
-                <a:schemeClr val="accent2"/>
-              </a:buClr>
-              <a:buFont typeface="Georgia"/>
-              <a:buChar char="▫"/>
-              <a:defRPr kumimoji="0" sz="2600" kern="1200">
-                <a:solidFill>
-                  <a:schemeClr val="accent2"/>
-                </a:solidFill>
-                <a:latin typeface="+mn-lt"/>
-                <a:ea typeface="+mn-ea"/>
-                <a:cs typeface="+mn-cs"/>
-              </a:defRPr>
-            </a:lvl2pPr>
-            <a:lvl3pPr marL="923544" indent="-219456" algn="l" rtl="0" eaLnBrk="1" latinLnBrk="0" hangingPunct="1">
-              <a:spcBef>
-                <a:spcPts val="300"/>
-              </a:spcBef>
-              <a:buClr>
-                <a:schemeClr val="accent1"/>
-              </a:buClr>
-              <a:buFont typeface="Wingdings 2"/>
-              <a:buChar char=""/>
-              <a:defRPr kumimoji="0" sz="2400" kern="1200">
-                <a:solidFill>
-                  <a:schemeClr val="accent1"/>
-                </a:solidFill>
-                <a:latin typeface="+mn-lt"/>
-                <a:ea typeface="+mn-ea"/>
-                <a:cs typeface="+mn-cs"/>
-              </a:defRPr>
-            </a:lvl3pPr>
-            <a:lvl4pPr marL="1179576" indent="-201168" algn="l" rtl="0" eaLnBrk="1" latinLnBrk="0" hangingPunct="1">
-              <a:spcBef>
-                <a:spcPts val="300"/>
-              </a:spcBef>
-              <a:buClr>
-                <a:schemeClr val="accent1"/>
-              </a:buClr>
-              <a:buFont typeface="Wingdings 2"/>
-              <a:buChar char=""/>
-              <a:defRPr kumimoji="0" sz="2200" kern="1200">
-                <a:solidFill>
-                  <a:schemeClr val="accent1"/>
-                </a:solidFill>
-                <a:latin typeface="+mn-lt"/>
-                <a:ea typeface="+mn-ea"/>
-                <a:cs typeface="+mn-cs"/>
-              </a:defRPr>
-            </a:lvl4pPr>
-            <a:lvl5pPr marL="1389888" indent="-182880" algn="l" rtl="0" eaLnBrk="1" latinLnBrk="0" hangingPunct="1">
-              <a:spcBef>
-                <a:spcPts val="300"/>
-              </a:spcBef>
-              <a:buClr>
-                <a:schemeClr val="accent3"/>
-              </a:buClr>
-              <a:buFont typeface="Georgia"/>
-              <a:buChar char="▫"/>
-              <a:defRPr kumimoji="0" sz="2000" kern="1200">
-                <a:solidFill>
-                  <a:schemeClr val="accent3"/>
-                </a:solidFill>
-                <a:latin typeface="+mn-lt"/>
-                <a:ea typeface="+mn-ea"/>
-                <a:cs typeface="+mn-cs"/>
-              </a:defRPr>
-            </a:lvl5pPr>
-            <a:lvl6pPr marL="1609344" indent="-182880" algn="l" rtl="0" eaLnBrk="1" latinLnBrk="0" hangingPunct="1">
-              <a:spcBef>
-                <a:spcPts val="300"/>
-              </a:spcBef>
-              <a:buClr>
-                <a:schemeClr val="accent3"/>
-              </a:buClr>
-              <a:buFont typeface="Georgia"/>
-              <a:buChar char="▫"/>
-              <a:defRPr kumimoji="0" sz="1800" kern="1200">
-                <a:solidFill>
-                  <a:schemeClr val="accent3"/>
-                </a:solidFill>
-                <a:latin typeface="+mn-lt"/>
-                <a:ea typeface="+mn-ea"/>
-                <a:cs typeface="+mn-cs"/>
-              </a:defRPr>
-            </a:lvl6pPr>
-            <a:lvl7pPr marL="1828800" indent="-182880" algn="l" rtl="0" eaLnBrk="1" latinLnBrk="0" hangingPunct="1">
-              <a:spcBef>
-                <a:spcPts val="300"/>
-              </a:spcBef>
-              <a:buClr>
-                <a:schemeClr val="accent3"/>
-              </a:buClr>
-              <a:buFont typeface="Georgia"/>
-              <a:buChar char="▫"/>
-              <a:defRPr kumimoji="0" sz="1600" kern="1200">
-                <a:solidFill>
-                  <a:schemeClr val="accent3"/>
-                </a:solidFill>
-                <a:latin typeface="+mn-lt"/>
-                <a:ea typeface="+mn-ea"/>
-                <a:cs typeface="+mn-cs"/>
-              </a:defRPr>
-            </a:lvl7pPr>
-            <a:lvl8pPr marL="2029968" indent="-182880" algn="l" rtl="0" eaLnBrk="1" latinLnBrk="0" hangingPunct="1">
-              <a:spcBef>
-                <a:spcPts val="300"/>
-              </a:spcBef>
-              <a:buClr>
-                <a:schemeClr val="accent3"/>
-              </a:buClr>
-              <a:buFont typeface="Georgia"/>
-              <a:buChar char="◦"/>
-              <a:defRPr kumimoji="0" sz="1500" kern="1200">
-                <a:solidFill>
-                  <a:schemeClr val="accent3"/>
-                </a:solidFill>
-                <a:latin typeface="+mn-lt"/>
-                <a:ea typeface="+mn-ea"/>
